--- a/slides/Technical Session/Lessons learned.pptx
+++ b/slides/Technical Session/Lessons learned.pptx
@@ -2,7 +2,7 @@
 <file path=ppt/presentation.xml><?xml version="1.0" encoding="utf-8"?>
 <p:presentation xmlns:a="http://schemas.openxmlformats.org/drawingml/2006/main" xmlns:r="http://schemas.openxmlformats.org/officeDocument/2006/relationships" xmlns:p="http://schemas.openxmlformats.org/presentationml/2006/main" saveSubsetFonts="1">
   <p:sldMasterIdLst>
-    <p:sldMasterId id="2147483648" r:id="rId1"/>
+    <p:sldMasterId id="2147483672" r:id="rId1"/>
   </p:sldMasterIdLst>
   <p:sldIdLst>
     <p:sldId id="256" r:id="rId2"/>
@@ -19,6 +19,8 @@
     <p:sldId id="267" r:id="rId13"/>
     <p:sldId id="266" r:id="rId14"/>
     <p:sldId id="268" r:id="rId15"/>
+    <p:sldId id="270" r:id="rId16"/>
+    <p:sldId id="271" r:id="rId17"/>
   </p:sldIdLst>
   <p:sldSz cx="9144000" cy="6858000" type="screen4x3"/>
   <p:notesSz cx="6858000" cy="9144000"/>
@@ -301,6 +303,7 @@
           <a:p>
             <a:fld id="{4103763D-A27D-454E-8A4F-CA208A7ACAEE}" type="datetimeFigureOut">
               <a:rPr lang="en-US" smtClean="0"/>
+              <a:pPr/>
               <a:t>5/22/2009</a:t>
             </a:fld>
             <a:endParaRPr lang="en-US"/>
@@ -343,6 +346,7 @@
           <a:p>
             <a:fld id="{156E93B2-3A7B-41C6-9FE2-86B4B403BABE}" type="slidenum">
               <a:rPr lang="en-US" smtClean="0"/>
+              <a:pPr/>
               <a:t>‹#›</a:t>
             </a:fld>
             <a:endParaRPr lang="en-US"/>
@@ -466,6 +470,7 @@
           <a:p>
             <a:fld id="{4103763D-A27D-454E-8A4F-CA208A7ACAEE}" type="datetimeFigureOut">
               <a:rPr lang="en-US" smtClean="0"/>
+              <a:pPr/>
               <a:t>5/22/2009</a:t>
             </a:fld>
             <a:endParaRPr lang="en-US"/>
@@ -508,6 +513,7 @@
           <a:p>
             <a:fld id="{156E93B2-3A7B-41C6-9FE2-86B4B403BABE}" type="slidenum">
               <a:rPr lang="en-US" smtClean="0"/>
+              <a:pPr/>
               <a:t>‹#›</a:t>
             </a:fld>
             <a:endParaRPr lang="en-US"/>
@@ -641,6 +647,7 @@
           <a:p>
             <a:fld id="{4103763D-A27D-454E-8A4F-CA208A7ACAEE}" type="datetimeFigureOut">
               <a:rPr lang="en-US" smtClean="0"/>
+              <a:pPr/>
               <a:t>5/22/2009</a:t>
             </a:fld>
             <a:endParaRPr lang="en-US"/>
@@ -683,6 +690,7 @@
           <a:p>
             <a:fld id="{156E93B2-3A7B-41C6-9FE2-86B4B403BABE}" type="slidenum">
               <a:rPr lang="en-US" smtClean="0"/>
+              <a:pPr/>
               <a:t>‹#›</a:t>
             </a:fld>
             <a:endParaRPr lang="en-US"/>
@@ -806,6 +814,7 @@
           <a:p>
             <a:fld id="{4103763D-A27D-454E-8A4F-CA208A7ACAEE}" type="datetimeFigureOut">
               <a:rPr lang="en-US" smtClean="0"/>
+              <a:pPr/>
               <a:t>5/22/2009</a:t>
             </a:fld>
             <a:endParaRPr lang="en-US"/>
@@ -848,6 +857,7 @@
           <a:p>
             <a:fld id="{156E93B2-3A7B-41C6-9FE2-86B4B403BABE}" type="slidenum">
               <a:rPr lang="en-US" smtClean="0"/>
+              <a:pPr/>
               <a:t>‹#›</a:t>
             </a:fld>
             <a:endParaRPr lang="en-US"/>
@@ -1047,6 +1057,7 @@
           <a:p>
             <a:fld id="{4103763D-A27D-454E-8A4F-CA208A7ACAEE}" type="datetimeFigureOut">
               <a:rPr lang="en-US" smtClean="0"/>
+              <a:pPr/>
               <a:t>5/22/2009</a:t>
             </a:fld>
             <a:endParaRPr lang="en-US"/>
@@ -1089,6 +1100,7 @@
           <a:p>
             <a:fld id="{156E93B2-3A7B-41C6-9FE2-86B4B403BABE}" type="slidenum">
               <a:rPr lang="en-US" smtClean="0"/>
+              <a:pPr/>
               <a:t>‹#›</a:t>
             </a:fld>
             <a:endParaRPr lang="en-US"/>
@@ -1330,6 +1342,7 @@
           <a:p>
             <a:fld id="{4103763D-A27D-454E-8A4F-CA208A7ACAEE}" type="datetimeFigureOut">
               <a:rPr lang="en-US" smtClean="0"/>
+              <a:pPr/>
               <a:t>5/22/2009</a:t>
             </a:fld>
             <a:endParaRPr lang="en-US"/>
@@ -1372,6 +1385,7 @@
           <a:p>
             <a:fld id="{156E93B2-3A7B-41C6-9FE2-86B4B403BABE}" type="slidenum">
               <a:rPr lang="en-US" smtClean="0"/>
+              <a:pPr/>
               <a:t>‹#›</a:t>
             </a:fld>
             <a:endParaRPr lang="en-US"/>
@@ -1747,6 +1761,7 @@
           <a:p>
             <a:fld id="{4103763D-A27D-454E-8A4F-CA208A7ACAEE}" type="datetimeFigureOut">
               <a:rPr lang="en-US" smtClean="0"/>
+              <a:pPr/>
               <a:t>5/22/2009</a:t>
             </a:fld>
             <a:endParaRPr lang="en-US"/>
@@ -1789,6 +1804,7 @@
           <a:p>
             <a:fld id="{156E93B2-3A7B-41C6-9FE2-86B4B403BABE}" type="slidenum">
               <a:rPr lang="en-US" smtClean="0"/>
+              <a:pPr/>
               <a:t>‹#›</a:t>
             </a:fld>
             <a:endParaRPr lang="en-US"/>
@@ -1860,6 +1876,7 @@
           <a:p>
             <a:fld id="{4103763D-A27D-454E-8A4F-CA208A7ACAEE}" type="datetimeFigureOut">
               <a:rPr lang="en-US" smtClean="0"/>
+              <a:pPr/>
               <a:t>5/22/2009</a:t>
             </a:fld>
             <a:endParaRPr lang="en-US"/>
@@ -1902,6 +1919,7 @@
           <a:p>
             <a:fld id="{156E93B2-3A7B-41C6-9FE2-86B4B403BABE}" type="slidenum">
               <a:rPr lang="en-US" smtClean="0"/>
+              <a:pPr/>
               <a:t>‹#›</a:t>
             </a:fld>
             <a:endParaRPr lang="en-US"/>
@@ -1950,6 +1968,7 @@
           <a:p>
             <a:fld id="{4103763D-A27D-454E-8A4F-CA208A7ACAEE}" type="datetimeFigureOut">
               <a:rPr lang="en-US" smtClean="0"/>
+              <a:pPr/>
               <a:t>5/22/2009</a:t>
             </a:fld>
             <a:endParaRPr lang="en-US"/>
@@ -1992,6 +2011,7 @@
           <a:p>
             <a:fld id="{156E93B2-3A7B-41C6-9FE2-86B4B403BABE}" type="slidenum">
               <a:rPr lang="en-US" smtClean="0"/>
+              <a:pPr/>
               <a:t>‹#›</a:t>
             </a:fld>
             <a:endParaRPr lang="en-US"/>
@@ -2222,6 +2242,7 @@
           <a:p>
             <a:fld id="{4103763D-A27D-454E-8A4F-CA208A7ACAEE}" type="datetimeFigureOut">
               <a:rPr lang="en-US" smtClean="0"/>
+              <a:pPr/>
               <a:t>5/22/2009</a:t>
             </a:fld>
             <a:endParaRPr lang="en-US"/>
@@ -2264,6 +2285,7 @@
           <a:p>
             <a:fld id="{156E93B2-3A7B-41C6-9FE2-86B4B403BABE}" type="slidenum">
               <a:rPr lang="en-US" smtClean="0"/>
+              <a:pPr/>
               <a:t>‹#›</a:t>
             </a:fld>
             <a:endParaRPr lang="en-US"/>
@@ -2470,6 +2492,7 @@
           <a:p>
             <a:fld id="{4103763D-A27D-454E-8A4F-CA208A7ACAEE}" type="datetimeFigureOut">
               <a:rPr lang="en-US" smtClean="0"/>
+              <a:pPr/>
               <a:t>5/22/2009</a:t>
             </a:fld>
             <a:endParaRPr lang="en-US"/>
@@ -2512,6 +2535,7 @@
           <a:p>
             <a:fld id="{156E93B2-3A7B-41C6-9FE2-86B4B403BABE}" type="slidenum">
               <a:rPr lang="en-US" smtClean="0"/>
+              <a:pPr/>
               <a:t>‹#›</a:t>
             </a:fld>
             <a:endParaRPr lang="en-US"/>
@@ -2678,6 +2702,7 @@
           <a:p>
             <a:fld id="{4103763D-A27D-454E-8A4F-CA208A7ACAEE}" type="datetimeFigureOut">
               <a:rPr lang="en-US" smtClean="0"/>
+              <a:pPr/>
               <a:t>5/22/2009</a:t>
             </a:fld>
             <a:endParaRPr lang="en-US"/>
@@ -2756,6 +2781,7 @@
           <a:p>
             <a:fld id="{156E93B2-3A7B-41C6-9FE2-86B4B403BABE}" type="slidenum">
               <a:rPr lang="en-US" smtClean="0"/>
+              <a:pPr/>
               <a:t>‹#›</a:t>
             </a:fld>
             <a:endParaRPr lang="en-US"/>
@@ -2766,17 +2792,17 @@
   </p:cSld>
   <p:clrMap bg1="lt1" tx1="dk1" bg2="lt2" tx2="dk2" accent1="accent1" accent2="accent2" accent3="accent3" accent4="accent4" accent5="accent5" accent6="accent6" hlink="hlink" folHlink="folHlink"/>
   <p:sldLayoutIdLst>
-    <p:sldLayoutId id="2147483649" r:id="rId1"/>
-    <p:sldLayoutId id="2147483650" r:id="rId2"/>
-    <p:sldLayoutId id="2147483651" r:id="rId3"/>
-    <p:sldLayoutId id="2147483652" r:id="rId4"/>
-    <p:sldLayoutId id="2147483653" r:id="rId5"/>
-    <p:sldLayoutId id="2147483654" r:id="rId6"/>
-    <p:sldLayoutId id="2147483655" r:id="rId7"/>
-    <p:sldLayoutId id="2147483656" r:id="rId8"/>
-    <p:sldLayoutId id="2147483657" r:id="rId9"/>
-    <p:sldLayoutId id="2147483658" r:id="rId10"/>
-    <p:sldLayoutId id="2147483659" r:id="rId11"/>
+    <p:sldLayoutId id="2147483673" r:id="rId1"/>
+    <p:sldLayoutId id="2147483674" r:id="rId2"/>
+    <p:sldLayoutId id="2147483675" r:id="rId3"/>
+    <p:sldLayoutId id="2147483676" r:id="rId4"/>
+    <p:sldLayoutId id="2147483677" r:id="rId5"/>
+    <p:sldLayoutId id="2147483678" r:id="rId6"/>
+    <p:sldLayoutId id="2147483679" r:id="rId7"/>
+    <p:sldLayoutId id="2147483680" r:id="rId8"/>
+    <p:sldLayoutId id="2147483681" r:id="rId9"/>
+    <p:sldLayoutId id="2147483682" r:id="rId10"/>
+    <p:sldLayoutId id="2147483683" r:id="rId11"/>
   </p:sldLayoutIdLst>
   <p:txStyles>
     <p:titleStyle>
@@ -3065,7 +3091,15 @@
           <a:p>
             <a:r>
               <a:rPr lang="nl-BE" dirty="0" smtClean="0"/>
-              <a:t>Lessons learned</a:t>
+              <a:t>Technical l</a:t>
+            </a:r>
+            <a:r>
+              <a:rPr lang="nl-BE" dirty="0" smtClean="0"/>
+              <a:t>essons </a:t>
+            </a:r>
+            <a:r>
+              <a:rPr lang="nl-BE" dirty="0" smtClean="0"/>
+              <a:t>learned</a:t>
             </a:r>
             <a:endParaRPr lang="en-US" dirty="0"/>
           </a:p>
@@ -3099,6 +3133,13 @@
   <p:clrMapOvr>
     <a:masterClrMapping/>
   </p:clrMapOvr>
+  <p:timing>
+    <p:tnLst>
+      <p:par>
+        <p:cTn id="1" dur="indefinite" restart="never" nodeType="tmRoot"/>
+      </p:par>
+    </p:tnLst>
+  </p:timing>
 </p:sld>
 </file>
 
@@ -3170,6 +3211,13 @@
   <p:clrMapOvr>
     <a:masterClrMapping/>
   </p:clrMapOvr>
+  <p:timing>
+    <p:tnLst>
+      <p:par>
+        <p:cTn id="1" dur="indefinite" restart="never" nodeType="tmRoot"/>
+      </p:par>
+    </p:tnLst>
+  </p:timing>
 </p:sld>
 </file>
 
@@ -3241,6 +3289,13 @@
   <p:clrMapOvr>
     <a:masterClrMapping/>
   </p:clrMapOvr>
+  <p:timing>
+    <p:tnLst>
+      <p:par>
+        <p:cTn id="1" dur="indefinite" restart="never" nodeType="tmRoot"/>
+      </p:par>
+    </p:tnLst>
+  </p:timing>
 </p:sld>
 </file>
 
@@ -3273,12 +3328,22 @@
         </p:nvSpPr>
         <p:spPr/>
         <p:txBody>
-          <a:bodyPr/>
+          <a:bodyPr>
+            <a:normAutofit fontScale="90000"/>
+          </a:bodyPr>
           <a:lstStyle/>
           <a:p>
             <a:r>
               <a:rPr lang="nl-BE" dirty="0" smtClean="0"/>
-              <a:t>Practices: Functional testing</a:t>
+              <a:t>Practices: </a:t>
+            </a:r>
+            <a:r>
+              <a:rPr lang="nl-BE" dirty="0" smtClean="0"/>
+              <a:t>Specification by example</a:t>
+            </a:r>
+            <a:r>
+              <a:rPr lang="nl-BE" baseline="0" dirty="0" smtClean="0"/>
+              <a:t> FitNesse</a:t>
             </a:r>
             <a:endParaRPr lang="en-US" dirty="0"/>
           </a:p>
@@ -3308,6 +3373,13 @@
   <p:clrMapOvr>
     <a:masterClrMapping/>
   </p:clrMapOvr>
+  <p:timing>
+    <p:tnLst>
+      <p:par>
+        <p:cTn id="1" dur="indefinite" restart="never" nodeType="tmRoot"/>
+      </p:par>
+    </p:tnLst>
+  </p:timing>
 </p:sld>
 </file>
 
@@ -3355,7 +3427,7 @@
       </p:sp>
       <p:sp>
         <p:nvSpPr>
-          <p:cNvPr id="3" name="Content Placeholder 2"/>
+          <p:cNvPr id="9" name="Content Placeholder 8"/>
           <p:cNvSpPr>
             <a:spLocks noGrp="1"/>
           </p:cNvSpPr>
@@ -3377,6 +3449,13 @@
   <p:clrMapOvr>
     <a:masterClrMapping/>
   </p:clrMapOvr>
+  <p:timing>
+    <p:tnLst>
+      <p:par>
+        <p:cTn id="1" dur="indefinite" restart="never" nodeType="tmRoot"/>
+      </p:par>
+    </p:tnLst>
+  </p:timing>
 </p:sld>
 </file>
 
@@ -3397,6 +3476,29 @@
           <a:chExt cx="0" cy="0"/>
         </a:xfrm>
       </p:grpSpPr>
+      <p:pic>
+        <p:nvPicPr>
+          <p:cNvPr id="4" name="Content Placeholder 7" descr="ping_pong_paddle.jpg"/>
+          <p:cNvPicPr>
+            <a:picLocks noGrp="1" noChangeAspect="1"/>
+          </p:cNvPicPr>
+          <p:nvPr>
+            <p:ph idx="1"/>
+          </p:nvPr>
+        </p:nvPicPr>
+        <p:blipFill>
+          <a:blip r:embed="rId2"/>
+          <a:stretch>
+            <a:fillRect/>
+          </a:stretch>
+        </p:blipFill>
+        <p:spPr>
+          <a:xfrm>
+            <a:off x="-33" y="714356"/>
+            <a:ext cx="9043747" cy="6000792"/>
+          </a:xfrm>
+        </p:spPr>
+      </p:pic>
       <p:sp>
         <p:nvSpPr>
           <p:cNvPr id="2" name="Title 1"/>
@@ -3417,25 +3519,6 @@
               <a:t>Practices: Pair Programming</a:t>
             </a:r>
             <a:endParaRPr lang="en-US" dirty="0"/>
-          </a:p>
-        </p:txBody>
-      </p:sp>
-      <p:sp>
-        <p:nvSpPr>
-          <p:cNvPr id="3" name="Content Placeholder 2"/>
-          <p:cNvSpPr>
-            <a:spLocks noGrp="1"/>
-          </p:cNvSpPr>
-          <p:nvPr>
-            <p:ph idx="1"/>
-          </p:nvPr>
-        </p:nvSpPr>
-        <p:spPr/>
-        <p:txBody>
-          <a:bodyPr/>
-          <a:lstStyle/>
-          <a:p>
-            <a:endParaRPr lang="en-US"/>
           </a:p>
         </p:txBody>
       </p:sp>
@@ -3444,6 +3527,181 @@
   <p:clrMapOvr>
     <a:masterClrMapping/>
   </p:clrMapOvr>
+  <p:timing>
+    <p:tnLst>
+      <p:par>
+        <p:cTn id="1" dur="indefinite" restart="never" nodeType="tmRoot"/>
+      </p:par>
+    </p:tnLst>
+  </p:timing>
+</p:sld>
+</file>
+
+<file path=ppt/slides/slide15.xml><?xml version="1.0" encoding="utf-8"?>
+<p:sld xmlns:a="http://schemas.openxmlformats.org/drawingml/2006/main" xmlns:r="http://schemas.openxmlformats.org/officeDocument/2006/relationships" xmlns:p="http://schemas.openxmlformats.org/presentationml/2006/main">
+  <p:cSld>
+    <p:spTree>
+      <p:nvGrpSpPr>
+        <p:cNvPr id="1" name=""/>
+        <p:cNvGrpSpPr/>
+        <p:nvPr/>
+      </p:nvGrpSpPr>
+      <p:grpSpPr>
+        <a:xfrm>
+          <a:off x="0" y="0"/>
+          <a:ext cx="0" cy="0"/>
+          <a:chOff x="0" y="0"/>
+          <a:chExt cx="0" cy="0"/>
+        </a:xfrm>
+      </p:grpSpPr>
+      <p:sp>
+        <p:nvSpPr>
+          <p:cNvPr id="2" name="Title 1"/>
+          <p:cNvSpPr>
+            <a:spLocks noGrp="1"/>
+          </p:cNvSpPr>
+          <p:nvPr>
+            <p:ph type="title"/>
+          </p:nvPr>
+        </p:nvSpPr>
+        <p:spPr/>
+        <p:txBody>
+          <a:bodyPr/>
+          <a:lstStyle/>
+          <a:p>
+            <a:r>
+              <a:rPr lang="nl-BE" dirty="0" smtClean="0"/>
+              <a:t>Practices: Readability</a:t>
+            </a:r>
+            <a:endParaRPr lang="en-US" dirty="0"/>
+          </a:p>
+        </p:txBody>
+      </p:sp>
+      <p:sp>
+        <p:nvSpPr>
+          <p:cNvPr id="3" name="Content Placeholder 2"/>
+          <p:cNvSpPr>
+            <a:spLocks noGrp="1"/>
+          </p:cNvSpPr>
+          <p:nvPr>
+            <p:ph idx="1"/>
+          </p:nvPr>
+        </p:nvSpPr>
+        <p:spPr/>
+        <p:txBody>
+          <a:bodyPr/>
+          <a:lstStyle/>
+          <a:p>
+            <a:r>
+              <a:rPr lang="nl-BE" dirty="0" smtClean="0"/>
+              <a:t>Extension methods</a:t>
+            </a:r>
+          </a:p>
+          <a:p>
+            <a:r>
+              <a:rPr lang="nl-BE" dirty="0" smtClean="0"/>
+              <a:t>Lambda expressions</a:t>
+            </a:r>
+          </a:p>
+        </p:txBody>
+      </p:sp>
+    </p:spTree>
+  </p:cSld>
+  <p:clrMapOvr>
+    <a:masterClrMapping/>
+  </p:clrMapOvr>
+  <p:timing>
+    <p:tnLst>
+      <p:par>
+        <p:cTn id="1" dur="indefinite" restart="never" nodeType="tmRoot"/>
+      </p:par>
+    </p:tnLst>
+  </p:timing>
+</p:sld>
+</file>
+
+<file path=ppt/slides/slide16.xml><?xml version="1.0" encoding="utf-8"?>
+<p:sld xmlns:a="http://schemas.openxmlformats.org/drawingml/2006/main" xmlns:r="http://schemas.openxmlformats.org/officeDocument/2006/relationships" xmlns:p="http://schemas.openxmlformats.org/presentationml/2006/main">
+  <p:cSld>
+    <p:spTree>
+      <p:nvGrpSpPr>
+        <p:cNvPr id="1" name=""/>
+        <p:cNvGrpSpPr/>
+        <p:nvPr/>
+      </p:nvGrpSpPr>
+      <p:grpSpPr>
+        <a:xfrm>
+          <a:off x="0" y="0"/>
+          <a:ext cx="0" cy="0"/>
+          <a:chOff x="0" y="0"/>
+          <a:chExt cx="0" cy="0"/>
+        </a:xfrm>
+      </p:grpSpPr>
+      <p:sp>
+        <p:nvSpPr>
+          <p:cNvPr id="2" name="Title 1"/>
+          <p:cNvSpPr>
+            <a:spLocks noGrp="1"/>
+          </p:cNvSpPr>
+          <p:nvPr>
+            <p:ph type="title"/>
+          </p:nvPr>
+        </p:nvSpPr>
+        <p:spPr/>
+        <p:txBody>
+          <a:bodyPr>
+            <a:normAutofit fontScale="90000"/>
+          </a:bodyPr>
+          <a:lstStyle/>
+          <a:p>
+            <a:pPr lvl="0"/>
+            <a:r>
+              <a:rPr lang="nl-BE" dirty="0" smtClean="0"/>
+              <a:t>ALM: TeamCity</a:t>
+            </a:r>
+            <a:r>
+              <a:rPr lang="nl-BE" baseline="0" dirty="0" smtClean="0"/>
+              <a:t> with Subversion: </a:t>
+            </a:r>
+            <a:r>
+              <a:rPr lang="nl-BE" dirty="0" smtClean="0"/>
+              <a:t>Perfect match!</a:t>
+            </a:r>
+            <a:endParaRPr lang="en-US" dirty="0"/>
+          </a:p>
+        </p:txBody>
+      </p:sp>
+      <p:sp>
+        <p:nvSpPr>
+          <p:cNvPr id="3" name="Content Placeholder 2"/>
+          <p:cNvSpPr>
+            <a:spLocks noGrp="1"/>
+          </p:cNvSpPr>
+          <p:nvPr>
+            <p:ph idx="1"/>
+          </p:nvPr>
+        </p:nvSpPr>
+        <p:spPr/>
+        <p:txBody>
+          <a:bodyPr/>
+          <a:lstStyle/>
+          <a:p>
+            <a:endParaRPr lang="en-US" dirty="0"/>
+          </a:p>
+        </p:txBody>
+      </p:sp>
+    </p:spTree>
+  </p:cSld>
+  <p:clrMapOvr>
+    <a:masterClrMapping/>
+  </p:clrMapOvr>
+  <p:timing>
+    <p:tnLst>
+      <p:par>
+        <p:cTn id="1" dur="indefinite" restart="never" nodeType="tmRoot"/>
+      </p:par>
+    </p:tnLst>
+  </p:timing>
 </p:sld>
 </file>
 
@@ -3466,6 +3724,182 @@
       </p:grpSpPr>
       <p:sp>
         <p:nvSpPr>
+          <p:cNvPr id="6" name="Rounded Rectangle 5"/>
+          <p:cNvSpPr/>
+          <p:nvPr/>
+        </p:nvSpPr>
+        <p:spPr>
+          <a:xfrm>
+            <a:off x="3643306" y="1785926"/>
+            <a:ext cx="1357322" cy="557210"/>
+          </a:xfrm>
+          <a:prstGeom prst="roundRect">
+            <a:avLst/>
+          </a:prstGeom>
+        </p:spPr>
+        <p:style>
+          <a:lnRef idx="2">
+            <a:schemeClr val="accent1">
+              <a:shade val="50000"/>
+            </a:schemeClr>
+          </a:lnRef>
+          <a:fillRef idx="1">
+            <a:schemeClr val="accent1"/>
+          </a:fillRef>
+          <a:effectRef idx="0">
+            <a:schemeClr val="accent1"/>
+          </a:effectRef>
+          <a:fontRef idx="minor">
+            <a:schemeClr val="lt1"/>
+          </a:fontRef>
+        </p:style>
+        <p:txBody>
+          <a:bodyPr rtlCol="0" anchor="ctr"/>
+          <a:lstStyle/>
+          <a:p>
+            <a:pPr algn="ctr"/>
+            <a:r>
+              <a:rPr lang="nl-BE" dirty="0" smtClean="0"/>
+              <a:t>Controller</a:t>
+            </a:r>
+            <a:endParaRPr lang="en-US" dirty="0"/>
+          </a:p>
+        </p:txBody>
+      </p:sp>
+      <p:sp>
+        <p:nvSpPr>
+          <p:cNvPr id="9" name="Rounded Rectangle 8"/>
+          <p:cNvSpPr/>
+          <p:nvPr/>
+        </p:nvSpPr>
+        <p:spPr>
+          <a:xfrm>
+            <a:off x="3643306" y="4086236"/>
+            <a:ext cx="1357322" cy="557210"/>
+          </a:xfrm>
+          <a:prstGeom prst="roundRect">
+            <a:avLst/>
+          </a:prstGeom>
+        </p:spPr>
+        <p:style>
+          <a:lnRef idx="2">
+            <a:schemeClr val="accent1">
+              <a:shade val="50000"/>
+            </a:schemeClr>
+          </a:lnRef>
+          <a:fillRef idx="1">
+            <a:schemeClr val="accent1"/>
+          </a:fillRef>
+          <a:effectRef idx="0">
+            <a:schemeClr val="accent1"/>
+          </a:effectRef>
+          <a:fontRef idx="minor">
+            <a:schemeClr val="lt1"/>
+          </a:fontRef>
+        </p:style>
+        <p:txBody>
+          <a:bodyPr rtlCol="0" anchor="ctr"/>
+          <a:lstStyle/>
+          <a:p>
+            <a:pPr algn="ctr"/>
+            <a:r>
+              <a:rPr lang="nl-BE" dirty="0" smtClean="0"/>
+              <a:t>Service</a:t>
+            </a:r>
+            <a:endParaRPr lang="en-US" dirty="0"/>
+          </a:p>
+        </p:txBody>
+      </p:sp>
+      <p:sp>
+        <p:nvSpPr>
+          <p:cNvPr id="49" name="Rounded Rectangle 48"/>
+          <p:cNvSpPr/>
+          <p:nvPr/>
+        </p:nvSpPr>
+        <p:spPr>
+          <a:xfrm>
+            <a:off x="3643306" y="2928934"/>
+            <a:ext cx="1357322" cy="557210"/>
+          </a:xfrm>
+          <a:prstGeom prst="roundRect">
+            <a:avLst/>
+          </a:prstGeom>
+        </p:spPr>
+        <p:style>
+          <a:lnRef idx="2">
+            <a:schemeClr val="accent1">
+              <a:shade val="50000"/>
+            </a:schemeClr>
+          </a:lnRef>
+          <a:fillRef idx="1">
+            <a:schemeClr val="accent1"/>
+          </a:fillRef>
+          <a:effectRef idx="0">
+            <a:schemeClr val="accent1"/>
+          </a:effectRef>
+          <a:fontRef idx="minor">
+            <a:schemeClr val="lt1"/>
+          </a:fontRef>
+        </p:style>
+        <p:txBody>
+          <a:bodyPr rtlCol="0" anchor="ctr"/>
+          <a:lstStyle/>
+          <a:p>
+            <a:pPr algn="ctr"/>
+            <a:r>
+              <a:rPr lang="nl-BE" dirty="0" smtClean="0"/>
+              <a:t>Mapper</a:t>
+            </a:r>
+            <a:endParaRPr lang="en-US" dirty="0"/>
+          </a:p>
+        </p:txBody>
+      </p:sp>
+      <p:sp>
+        <p:nvSpPr>
+          <p:cNvPr id="19" name="Folded Corner 18"/>
+          <p:cNvSpPr/>
+          <p:nvPr/>
+        </p:nvSpPr>
+        <p:spPr>
+          <a:xfrm>
+            <a:off x="3786182" y="1785926"/>
+            <a:ext cx="1143008" cy="485772"/>
+          </a:xfrm>
+          <a:prstGeom prst="foldedCorner">
+            <a:avLst/>
+          </a:prstGeom>
+        </p:spPr>
+        <p:style>
+          <a:lnRef idx="2">
+            <a:schemeClr val="accent3">
+              <a:shade val="50000"/>
+            </a:schemeClr>
+          </a:lnRef>
+          <a:fillRef idx="1">
+            <a:schemeClr val="accent3"/>
+          </a:fillRef>
+          <a:effectRef idx="0">
+            <a:schemeClr val="accent3"/>
+          </a:effectRef>
+          <a:fontRef idx="minor">
+            <a:schemeClr val="lt1"/>
+          </a:fontRef>
+        </p:style>
+        <p:txBody>
+          <a:bodyPr rtlCol="0" anchor="ctr"/>
+          <a:lstStyle/>
+          <a:p>
+            <a:pPr algn="ctr"/>
+            <a:r>
+              <a:rPr lang="nl-BE" dirty="0" smtClean="0"/>
+              <a:t>View</a:t>
+            </a:r>
+            <a:endParaRPr lang="en-US" dirty="0"/>
+          </a:p>
+        </p:txBody>
+      </p:sp>
+      <p:sp>
+        <p:nvSpPr>
           <p:cNvPr id="2" name="Title 1"/>
           <p:cNvSpPr>
             <a:spLocks noGrp="1"/>
@@ -3481,7 +3915,11 @@
           <a:p>
             <a:r>
               <a:rPr lang="nl-BE" dirty="0" smtClean="0"/>
-              <a:t>Application design</a:t>
+              <a:t>Application </a:t>
+            </a:r>
+            <a:r>
+              <a:rPr lang="nl-BE" dirty="0" smtClean="0"/>
+              <a:t>flow</a:t>
             </a:r>
             <a:endParaRPr lang="en-US" dirty="0"/>
           </a:p>
@@ -3489,20 +3927,439 @@
       </p:sp>
       <p:sp>
         <p:nvSpPr>
-          <p:cNvPr id="3" name="Content Placeholder 2"/>
-          <p:cNvSpPr>
-            <a:spLocks noGrp="1"/>
-          </p:cNvSpPr>
-          <p:nvPr>
-            <p:ph idx="1"/>
-          </p:nvPr>
-        </p:nvSpPr>
-        <p:spPr/>
-        <p:txBody>
-          <a:bodyPr/>
-          <a:lstStyle/>
-          <a:p>
-            <a:endParaRPr lang="en-US"/>
+          <p:cNvPr id="8" name="Rounded Rectangle 7"/>
+          <p:cNvSpPr/>
+          <p:nvPr/>
+        </p:nvSpPr>
+        <p:spPr>
+          <a:xfrm>
+            <a:off x="3643306" y="5014930"/>
+            <a:ext cx="1357322" cy="557210"/>
+          </a:xfrm>
+          <a:prstGeom prst="roundRect">
+            <a:avLst/>
+          </a:prstGeom>
+        </p:spPr>
+        <p:style>
+          <a:lnRef idx="2">
+            <a:schemeClr val="accent1">
+              <a:shade val="50000"/>
+            </a:schemeClr>
+          </a:lnRef>
+          <a:fillRef idx="1">
+            <a:schemeClr val="accent1"/>
+          </a:fillRef>
+          <a:effectRef idx="0">
+            <a:schemeClr val="accent1"/>
+          </a:effectRef>
+          <a:fontRef idx="minor">
+            <a:schemeClr val="lt1"/>
+          </a:fontRef>
+        </p:style>
+        <p:txBody>
+          <a:bodyPr rtlCol="0" anchor="ctr"/>
+          <a:lstStyle/>
+          <a:p>
+            <a:pPr algn="ctr"/>
+            <a:r>
+              <a:rPr lang="nl-BE" dirty="0" smtClean="0"/>
+              <a:t>Repository</a:t>
+            </a:r>
+          </a:p>
+        </p:txBody>
+      </p:sp>
+      <p:sp>
+        <p:nvSpPr>
+          <p:cNvPr id="10" name="Can 9"/>
+          <p:cNvSpPr/>
+          <p:nvPr/>
+        </p:nvSpPr>
+        <p:spPr>
+          <a:xfrm>
+            <a:off x="3857620" y="6000768"/>
+            <a:ext cx="914400" cy="787524"/>
+          </a:xfrm>
+          <a:prstGeom prst="can">
+            <a:avLst/>
+          </a:prstGeom>
+        </p:spPr>
+        <p:style>
+          <a:lnRef idx="2">
+            <a:schemeClr val="accent1">
+              <a:shade val="50000"/>
+            </a:schemeClr>
+          </a:lnRef>
+          <a:fillRef idx="1">
+            <a:schemeClr val="accent1"/>
+          </a:fillRef>
+          <a:effectRef idx="0">
+            <a:schemeClr val="accent1"/>
+          </a:effectRef>
+          <a:fontRef idx="minor">
+            <a:schemeClr val="lt1"/>
+          </a:fontRef>
+        </p:style>
+        <p:txBody>
+          <a:bodyPr rtlCol="0" anchor="ctr"/>
+          <a:lstStyle/>
+          <a:p>
+            <a:pPr algn="ctr"/>
+            <a:r>
+              <a:rPr lang="nl-BE" dirty="0" smtClean="0"/>
+              <a:t>DB</a:t>
+            </a:r>
+            <a:endParaRPr lang="en-US" dirty="0"/>
+          </a:p>
+        </p:txBody>
+      </p:sp>
+      <p:cxnSp>
+        <p:nvCxnSpPr>
+          <p:cNvPr id="55" name="Straight Connector 54"/>
+          <p:cNvCxnSpPr>
+            <a:stCxn id="6" idx="2"/>
+            <a:endCxn id="49" idx="0"/>
+          </p:cNvCxnSpPr>
+          <p:nvPr/>
+        </p:nvCxnSpPr>
+        <p:spPr>
+          <a:xfrm rot="5400000">
+            <a:off x="4029068" y="2636035"/>
+            <a:ext cx="585798" cy="1588"/>
+          </a:xfrm>
+          <a:prstGeom prst="line">
+            <a:avLst/>
+          </a:prstGeom>
+        </p:spPr>
+        <p:style>
+          <a:lnRef idx="1">
+            <a:schemeClr val="accent1"/>
+          </a:lnRef>
+          <a:fillRef idx="0">
+            <a:schemeClr val="accent1"/>
+          </a:fillRef>
+          <a:effectRef idx="0">
+            <a:schemeClr val="accent1"/>
+          </a:effectRef>
+          <a:fontRef idx="minor">
+            <a:schemeClr val="tx1"/>
+          </a:fontRef>
+        </p:style>
+      </p:cxnSp>
+      <p:cxnSp>
+        <p:nvCxnSpPr>
+          <p:cNvPr id="58" name="Straight Connector 57"/>
+          <p:cNvCxnSpPr>
+            <a:stCxn id="9" idx="2"/>
+            <a:endCxn id="8" idx="0"/>
+          </p:cNvCxnSpPr>
+          <p:nvPr/>
+        </p:nvCxnSpPr>
+        <p:spPr>
+          <a:xfrm rot="5400000">
+            <a:off x="4136225" y="4829188"/>
+            <a:ext cx="371484" cy="1588"/>
+          </a:xfrm>
+          <a:prstGeom prst="line">
+            <a:avLst/>
+          </a:prstGeom>
+        </p:spPr>
+        <p:style>
+          <a:lnRef idx="1">
+            <a:schemeClr val="accent1"/>
+          </a:lnRef>
+          <a:fillRef idx="0">
+            <a:schemeClr val="accent1"/>
+          </a:fillRef>
+          <a:effectRef idx="0">
+            <a:schemeClr val="accent1"/>
+          </a:effectRef>
+          <a:fontRef idx="minor">
+            <a:schemeClr val="tx1"/>
+          </a:fontRef>
+        </p:style>
+      </p:cxnSp>
+      <p:cxnSp>
+        <p:nvCxnSpPr>
+          <p:cNvPr id="60" name="Straight Connector 59"/>
+          <p:cNvCxnSpPr>
+            <a:stCxn id="8" idx="2"/>
+            <a:endCxn id="10" idx="1"/>
+          </p:cNvCxnSpPr>
+          <p:nvPr/>
+        </p:nvCxnSpPr>
+        <p:spPr>
+          <a:xfrm rot="5400000">
+            <a:off x="4104080" y="5782881"/>
+            <a:ext cx="428628" cy="7147"/>
+          </a:xfrm>
+          <a:prstGeom prst="line">
+            <a:avLst/>
+          </a:prstGeom>
+        </p:spPr>
+        <p:style>
+          <a:lnRef idx="1">
+            <a:schemeClr val="accent1"/>
+          </a:lnRef>
+          <a:fillRef idx="0">
+            <a:schemeClr val="accent1"/>
+          </a:fillRef>
+          <a:effectRef idx="0">
+            <a:schemeClr val="accent1"/>
+          </a:effectRef>
+          <a:fontRef idx="minor">
+            <a:schemeClr val="tx1"/>
+          </a:fontRef>
+        </p:style>
+      </p:cxnSp>
+      <p:cxnSp>
+        <p:nvCxnSpPr>
+          <p:cNvPr id="65" name="Straight Connector 64"/>
+          <p:cNvCxnSpPr>
+            <a:stCxn id="9" idx="0"/>
+            <a:endCxn id="49" idx="2"/>
+          </p:cNvCxnSpPr>
+          <p:nvPr/>
+        </p:nvCxnSpPr>
+        <p:spPr>
+          <a:xfrm rot="5400000" flipH="1" flipV="1">
+            <a:off x="4021921" y="3786190"/>
+            <a:ext cx="600092" cy="1588"/>
+          </a:xfrm>
+          <a:prstGeom prst="line">
+            <a:avLst/>
+          </a:prstGeom>
+        </p:spPr>
+        <p:style>
+          <a:lnRef idx="1">
+            <a:schemeClr val="accent1"/>
+          </a:lnRef>
+          <a:fillRef idx="0">
+            <a:schemeClr val="accent1"/>
+          </a:fillRef>
+          <a:effectRef idx="0">
+            <a:schemeClr val="accent1"/>
+          </a:effectRef>
+          <a:fontRef idx="minor">
+            <a:schemeClr val="tx1"/>
+          </a:fontRef>
+        </p:style>
+      </p:cxnSp>
+      <p:sp>
+        <p:nvSpPr>
+          <p:cNvPr id="4" name="Rounded Rectangle 3"/>
+          <p:cNvSpPr/>
+          <p:nvPr/>
+        </p:nvSpPr>
+        <p:spPr>
+          <a:xfrm>
+            <a:off x="3871914" y="2928934"/>
+            <a:ext cx="914400" cy="500066"/>
+          </a:xfrm>
+          <a:prstGeom prst="roundRect">
+            <a:avLst/>
+          </a:prstGeom>
+        </p:spPr>
+        <p:style>
+          <a:lnRef idx="2">
+            <a:schemeClr val="accent6">
+              <a:shade val="50000"/>
+            </a:schemeClr>
+          </a:lnRef>
+          <a:fillRef idx="1">
+            <a:schemeClr val="accent6"/>
+          </a:fillRef>
+          <a:effectRef idx="0">
+            <a:schemeClr val="accent6"/>
+          </a:effectRef>
+          <a:fontRef idx="minor">
+            <a:schemeClr val="lt1"/>
+          </a:fontRef>
+        </p:style>
+        <p:txBody>
+          <a:bodyPr rtlCol="0" anchor="ctr"/>
+          <a:lstStyle/>
+          <a:p>
+            <a:pPr algn="ctr"/>
+            <a:r>
+              <a:rPr lang="nl-BE" dirty="0" smtClean="0"/>
+              <a:t>Dto</a:t>
+            </a:r>
+            <a:endParaRPr lang="en-US" dirty="0"/>
+          </a:p>
+        </p:txBody>
+      </p:sp>
+      <p:sp>
+        <p:nvSpPr>
+          <p:cNvPr id="5" name="Rounded Rectangle 4"/>
+          <p:cNvSpPr/>
+          <p:nvPr/>
+        </p:nvSpPr>
+        <p:spPr>
+          <a:xfrm>
+            <a:off x="3857620" y="5072074"/>
+            <a:ext cx="914400" cy="485772"/>
+          </a:xfrm>
+          <a:prstGeom prst="roundRect">
+            <a:avLst/>
+          </a:prstGeom>
+        </p:spPr>
+        <p:style>
+          <a:lnRef idx="2">
+            <a:schemeClr val="accent2">
+              <a:shade val="50000"/>
+            </a:schemeClr>
+          </a:lnRef>
+          <a:fillRef idx="1">
+            <a:schemeClr val="accent2"/>
+          </a:fillRef>
+          <a:effectRef idx="0">
+            <a:schemeClr val="accent2"/>
+          </a:effectRef>
+          <a:fontRef idx="minor">
+            <a:schemeClr val="lt1"/>
+          </a:fontRef>
+        </p:style>
+        <p:txBody>
+          <a:bodyPr rtlCol="0" anchor="ctr"/>
+          <a:lstStyle/>
+          <a:p>
+            <a:pPr algn="ctr"/>
+            <a:r>
+              <a:rPr lang="nl-BE" dirty="0" smtClean="0"/>
+              <a:t>Entity</a:t>
+            </a:r>
+            <a:endParaRPr lang="en-US" dirty="0"/>
+          </a:p>
+        </p:txBody>
+      </p:sp>
+      <p:sp>
+        <p:nvSpPr>
+          <p:cNvPr id="53" name="Up Arrow 52"/>
+          <p:cNvSpPr/>
+          <p:nvPr/>
+        </p:nvSpPr>
+        <p:spPr>
+          <a:xfrm>
+            <a:off x="4071934" y="5357826"/>
+            <a:ext cx="484632" cy="978408"/>
+          </a:xfrm>
+          <a:prstGeom prst="upArrow">
+            <a:avLst/>
+          </a:prstGeom>
+        </p:spPr>
+        <p:style>
+          <a:lnRef idx="2">
+            <a:schemeClr val="accent4">
+              <a:shade val="50000"/>
+            </a:schemeClr>
+          </a:lnRef>
+          <a:fillRef idx="1">
+            <a:schemeClr val="accent4"/>
+          </a:fillRef>
+          <a:effectRef idx="0">
+            <a:schemeClr val="accent4"/>
+          </a:effectRef>
+          <a:fontRef idx="minor">
+            <a:schemeClr val="lt1"/>
+          </a:fontRef>
+        </p:style>
+        <p:txBody>
+          <a:bodyPr rtlCol="0" anchor="ctr"/>
+          <a:lstStyle/>
+          <a:p>
+            <a:pPr algn="ctr"/>
+            <a:r>
+              <a:rPr lang="nl-BE" sz="1200" dirty="0" smtClean="0"/>
+              <a:t>data</a:t>
+            </a:r>
+            <a:endParaRPr lang="en-US" sz="1200" dirty="0"/>
+          </a:p>
+        </p:txBody>
+      </p:sp>
+      <p:sp>
+        <p:nvSpPr>
+          <p:cNvPr id="18" name="Folded Corner 17"/>
+          <p:cNvSpPr/>
+          <p:nvPr/>
+        </p:nvSpPr>
+        <p:spPr>
+          <a:xfrm>
+            <a:off x="3786182" y="1785926"/>
+            <a:ext cx="1143008" cy="500066"/>
+          </a:xfrm>
+          <a:prstGeom prst="foldedCorner">
+            <a:avLst/>
+          </a:prstGeom>
+        </p:spPr>
+        <p:style>
+          <a:lnRef idx="2">
+            <a:schemeClr val="accent3">
+              <a:shade val="50000"/>
+            </a:schemeClr>
+          </a:lnRef>
+          <a:fillRef idx="1">
+            <a:schemeClr val="accent3"/>
+          </a:fillRef>
+          <a:effectRef idx="0">
+            <a:schemeClr val="accent3"/>
+          </a:effectRef>
+          <a:fontRef idx="minor">
+            <a:schemeClr val="lt1"/>
+          </a:fontRef>
+        </p:style>
+        <p:txBody>
+          <a:bodyPr rtlCol="0" anchor="ctr"/>
+          <a:lstStyle/>
+          <a:p>
+            <a:pPr algn="ctr"/>
+            <a:r>
+              <a:rPr lang="nl-BE" dirty="0" smtClean="0"/>
+              <a:t>GET Request</a:t>
+            </a:r>
+            <a:endParaRPr lang="en-US" dirty="0"/>
+          </a:p>
+        </p:txBody>
+      </p:sp>
+      <p:sp>
+        <p:nvSpPr>
+          <p:cNvPr id="52" name="Down Arrow 51"/>
+          <p:cNvSpPr/>
+          <p:nvPr/>
+        </p:nvSpPr>
+        <p:spPr>
+          <a:xfrm>
+            <a:off x="4071934" y="1928802"/>
+            <a:ext cx="484632" cy="1335598"/>
+          </a:xfrm>
+          <a:prstGeom prst="downArrow">
+            <a:avLst/>
+          </a:prstGeom>
+        </p:spPr>
+        <p:style>
+          <a:lnRef idx="2">
+            <a:schemeClr val="accent4">
+              <a:shade val="50000"/>
+            </a:schemeClr>
+          </a:lnRef>
+          <a:fillRef idx="1">
+            <a:schemeClr val="accent4"/>
+          </a:fillRef>
+          <a:effectRef idx="0">
+            <a:schemeClr val="accent4"/>
+          </a:effectRef>
+          <a:fontRef idx="minor">
+            <a:schemeClr val="lt1"/>
+          </a:fontRef>
+        </p:style>
+        <p:txBody>
+          <a:bodyPr rtlCol="0" anchor="ctr"/>
+          <a:lstStyle/>
+          <a:p>
+            <a:pPr algn="ctr"/>
+            <a:r>
+              <a:rPr lang="nl-BE" sz="1200" dirty="0" smtClean="0"/>
+              <a:t>request</a:t>
+            </a:r>
           </a:p>
         </p:txBody>
       </p:sp>
@@ -3511,6 +4368,827 @@
   <p:clrMapOvr>
     <a:masterClrMapping/>
   </p:clrMapOvr>
+  <p:timing>
+    <p:tnLst>
+      <p:par>
+        <p:cTn id="1" dur="indefinite" restart="never" nodeType="tmRoot">
+          <p:childTnLst>
+            <p:seq concurrent="1" nextAc="seek">
+              <p:cTn id="2" dur="indefinite" nodeType="mainSeq">
+                <p:childTnLst>
+                  <p:par>
+                    <p:cTn id="3" fill="hold">
+                      <p:stCondLst>
+                        <p:cond delay="indefinite"/>
+                      </p:stCondLst>
+                      <p:childTnLst>
+                        <p:par>
+                          <p:cTn id="4" fill="hold">
+                            <p:stCondLst>
+                              <p:cond delay="0"/>
+                            </p:stCondLst>
+                            <p:childTnLst>
+                              <p:par>
+                                <p:cTn id="5" presetID="2" presetClass="entr" presetSubtype="8" fill="hold" grpId="0" nodeType="clickEffect">
+                                  <p:stCondLst>
+                                    <p:cond delay="0"/>
+                                  </p:stCondLst>
+                                  <p:childTnLst>
+                                    <p:set>
+                                      <p:cBhvr>
+                                        <p:cTn id="6" dur="1" fill="hold">
+                                          <p:stCondLst>
+                                            <p:cond delay="0"/>
+                                          </p:stCondLst>
+                                        </p:cTn>
+                                        <p:tgtEl>
+                                          <p:spTgt spid="18"/>
+                                        </p:tgtEl>
+                                        <p:attrNameLst>
+                                          <p:attrName>style.visibility</p:attrName>
+                                        </p:attrNameLst>
+                                      </p:cBhvr>
+                                      <p:to>
+                                        <p:strVal val="visible"/>
+                                      </p:to>
+                                    </p:set>
+                                    <p:anim calcmode="lin" valueType="num">
+                                      <p:cBhvr additive="base">
+                                        <p:cTn id="7" dur="3000" fill="hold"/>
+                                        <p:tgtEl>
+                                          <p:spTgt spid="18"/>
+                                        </p:tgtEl>
+                                        <p:attrNameLst>
+                                          <p:attrName>ppt_x</p:attrName>
+                                        </p:attrNameLst>
+                                      </p:cBhvr>
+                                      <p:tavLst>
+                                        <p:tav tm="0">
+                                          <p:val>
+                                            <p:strVal val="0-#ppt_w/2"/>
+                                          </p:val>
+                                        </p:tav>
+                                        <p:tav tm="100000">
+                                          <p:val>
+                                            <p:strVal val="#ppt_x"/>
+                                          </p:val>
+                                        </p:tav>
+                                      </p:tavLst>
+                                    </p:anim>
+                                    <p:anim calcmode="lin" valueType="num">
+                                      <p:cBhvr additive="base">
+                                        <p:cTn id="8" dur="3000" fill="hold"/>
+                                        <p:tgtEl>
+                                          <p:spTgt spid="18"/>
+                                        </p:tgtEl>
+                                        <p:attrNameLst>
+                                          <p:attrName>ppt_y</p:attrName>
+                                        </p:attrNameLst>
+                                      </p:cBhvr>
+                                      <p:tavLst>
+                                        <p:tav tm="0">
+                                          <p:val>
+                                            <p:strVal val="#ppt_y"/>
+                                          </p:val>
+                                        </p:tav>
+                                        <p:tav tm="100000">
+                                          <p:val>
+                                            <p:strVal val="#ppt_y"/>
+                                          </p:val>
+                                        </p:tav>
+                                      </p:tavLst>
+                                    </p:anim>
+                                  </p:childTnLst>
+                                </p:cTn>
+                              </p:par>
+                            </p:childTnLst>
+                          </p:cTn>
+                        </p:par>
+                      </p:childTnLst>
+                    </p:cTn>
+                  </p:par>
+                  <p:par>
+                    <p:cTn id="9" fill="hold">
+                      <p:stCondLst>
+                        <p:cond delay="indefinite"/>
+                      </p:stCondLst>
+                      <p:childTnLst>
+                        <p:par>
+                          <p:cTn id="10" fill="hold">
+                            <p:stCondLst>
+                              <p:cond delay="0"/>
+                            </p:stCondLst>
+                            <p:childTnLst>
+                              <p:par>
+                                <p:cTn id="11" presetID="9" presetClass="exit" presetSubtype="0" fill="hold" grpId="1" nodeType="clickEffect">
+                                  <p:stCondLst>
+                                    <p:cond delay="0"/>
+                                  </p:stCondLst>
+                                  <p:childTnLst>
+                                    <p:animEffect transition="out" filter="dissolve">
+                                      <p:cBhvr>
+                                        <p:cTn id="12" dur="500"/>
+                                        <p:tgtEl>
+                                          <p:spTgt spid="18"/>
+                                        </p:tgtEl>
+                                      </p:cBhvr>
+                                    </p:animEffect>
+                                    <p:set>
+                                      <p:cBhvr>
+                                        <p:cTn id="13" dur="1" fill="hold">
+                                          <p:stCondLst>
+                                            <p:cond delay="499"/>
+                                          </p:stCondLst>
+                                        </p:cTn>
+                                        <p:tgtEl>
+                                          <p:spTgt spid="18"/>
+                                        </p:tgtEl>
+                                        <p:attrNameLst>
+                                          <p:attrName>style.visibility</p:attrName>
+                                        </p:attrNameLst>
+                                      </p:cBhvr>
+                                      <p:to>
+                                        <p:strVal val="hidden"/>
+                                      </p:to>
+                                    </p:set>
+                                  </p:childTnLst>
+                                </p:cTn>
+                              </p:par>
+                              <p:par>
+                                <p:cTn id="14" presetID="9" presetClass="entr" presetSubtype="0" fill="hold" grpId="0" nodeType="withEffect">
+                                  <p:stCondLst>
+                                    <p:cond delay="0"/>
+                                  </p:stCondLst>
+                                  <p:childTnLst>
+                                    <p:set>
+                                      <p:cBhvr>
+                                        <p:cTn id="15" dur="1" fill="hold">
+                                          <p:stCondLst>
+                                            <p:cond delay="0"/>
+                                          </p:stCondLst>
+                                        </p:cTn>
+                                        <p:tgtEl>
+                                          <p:spTgt spid="52"/>
+                                        </p:tgtEl>
+                                        <p:attrNameLst>
+                                          <p:attrName>style.visibility</p:attrName>
+                                        </p:attrNameLst>
+                                      </p:cBhvr>
+                                      <p:to>
+                                        <p:strVal val="visible"/>
+                                      </p:to>
+                                    </p:set>
+                                    <p:animEffect transition="in" filter="dissolve">
+                                      <p:cBhvr>
+                                        <p:cTn id="16" dur="500"/>
+                                        <p:tgtEl>
+                                          <p:spTgt spid="52"/>
+                                        </p:tgtEl>
+                                      </p:cBhvr>
+                                    </p:animEffect>
+                                  </p:childTnLst>
+                                </p:cTn>
+                              </p:par>
+                            </p:childTnLst>
+                          </p:cTn>
+                        </p:par>
+                      </p:childTnLst>
+                    </p:cTn>
+                  </p:par>
+                  <p:par>
+                    <p:cTn id="17" fill="hold">
+                      <p:stCondLst>
+                        <p:cond delay="indefinite"/>
+                      </p:stCondLst>
+                      <p:childTnLst>
+                        <p:par>
+                          <p:cTn id="18" fill="hold">
+                            <p:stCondLst>
+                              <p:cond delay="0"/>
+                            </p:stCondLst>
+                            <p:childTnLst>
+                              <p:par>
+                                <p:cTn id="19" presetID="42" presetClass="path" presetSubtype="0" accel="50000" decel="50000" fill="hold" grpId="2" nodeType="clickEffect">
+                                  <p:stCondLst>
+                                    <p:cond delay="0"/>
+                                  </p:stCondLst>
+                                  <p:childTnLst>
+                                    <p:animMotion origin="layout" path="M 3.61111E-6 -2.59259E-6 L 3.61111E-6 0.44676 " pathEditMode="relative" rAng="0" ptsTypes="AA">
+                                      <p:cBhvr>
+                                        <p:cTn id="20" dur="2000" fill="hold"/>
+                                        <p:tgtEl>
+                                          <p:spTgt spid="52"/>
+                                        </p:tgtEl>
+                                        <p:attrNameLst>
+                                          <p:attrName>ppt_x</p:attrName>
+                                          <p:attrName>ppt_y</p:attrName>
+                                        </p:attrNameLst>
+                                      </p:cBhvr>
+                                      <p:rCtr x="0" y="223"/>
+                                    </p:animMotion>
+                                  </p:childTnLst>
+                                </p:cTn>
+                              </p:par>
+                            </p:childTnLst>
+                          </p:cTn>
+                        </p:par>
+                      </p:childTnLst>
+                    </p:cTn>
+                  </p:par>
+                  <p:par>
+                    <p:cTn id="21" fill="hold">
+                      <p:stCondLst>
+                        <p:cond delay="indefinite"/>
+                      </p:stCondLst>
+                      <p:childTnLst>
+                        <p:par>
+                          <p:cTn id="22" fill="hold">
+                            <p:stCondLst>
+                              <p:cond delay="0"/>
+                            </p:stCondLst>
+                            <p:childTnLst>
+                              <p:par>
+                                <p:cTn id="23" presetID="9" presetClass="exit" presetSubtype="0" fill="hold" grpId="1" nodeType="clickEffect">
+                                  <p:stCondLst>
+                                    <p:cond delay="0"/>
+                                  </p:stCondLst>
+                                  <p:childTnLst>
+                                    <p:animEffect transition="out" filter="dissolve">
+                                      <p:cBhvr>
+                                        <p:cTn id="24" dur="500"/>
+                                        <p:tgtEl>
+                                          <p:spTgt spid="52"/>
+                                        </p:tgtEl>
+                                      </p:cBhvr>
+                                    </p:animEffect>
+                                    <p:set>
+                                      <p:cBhvr>
+                                        <p:cTn id="25" dur="1" fill="hold">
+                                          <p:stCondLst>
+                                            <p:cond delay="499"/>
+                                          </p:stCondLst>
+                                        </p:cTn>
+                                        <p:tgtEl>
+                                          <p:spTgt spid="52"/>
+                                        </p:tgtEl>
+                                        <p:attrNameLst>
+                                          <p:attrName>style.visibility</p:attrName>
+                                        </p:attrNameLst>
+                                      </p:cBhvr>
+                                      <p:to>
+                                        <p:strVal val="hidden"/>
+                                      </p:to>
+                                    </p:set>
+                                  </p:childTnLst>
+                                </p:cTn>
+                              </p:par>
+                              <p:par>
+                                <p:cTn id="26" presetID="9" presetClass="entr" presetSubtype="0" fill="hold" grpId="0" nodeType="withEffect">
+                                  <p:stCondLst>
+                                    <p:cond delay="0"/>
+                                  </p:stCondLst>
+                                  <p:childTnLst>
+                                    <p:set>
+                                      <p:cBhvr>
+                                        <p:cTn id="27" dur="1" fill="hold">
+                                          <p:stCondLst>
+                                            <p:cond delay="0"/>
+                                          </p:stCondLst>
+                                        </p:cTn>
+                                        <p:tgtEl>
+                                          <p:spTgt spid="53"/>
+                                        </p:tgtEl>
+                                        <p:attrNameLst>
+                                          <p:attrName>style.visibility</p:attrName>
+                                        </p:attrNameLst>
+                                      </p:cBhvr>
+                                      <p:to>
+                                        <p:strVal val="visible"/>
+                                      </p:to>
+                                    </p:set>
+                                    <p:animEffect transition="in" filter="dissolve">
+                                      <p:cBhvr>
+                                        <p:cTn id="28" dur="500"/>
+                                        <p:tgtEl>
+                                          <p:spTgt spid="53"/>
+                                        </p:tgtEl>
+                                      </p:cBhvr>
+                                    </p:animEffect>
+                                  </p:childTnLst>
+                                </p:cTn>
+                              </p:par>
+                            </p:childTnLst>
+                          </p:cTn>
+                        </p:par>
+                      </p:childTnLst>
+                    </p:cTn>
+                  </p:par>
+                  <p:par>
+                    <p:cTn id="29" fill="hold">
+                      <p:stCondLst>
+                        <p:cond delay="indefinite"/>
+                      </p:stCondLst>
+                      <p:childTnLst>
+                        <p:par>
+                          <p:cTn id="30" fill="hold">
+                            <p:stCondLst>
+                              <p:cond delay="0"/>
+                            </p:stCondLst>
+                            <p:childTnLst>
+                              <p:par>
+                                <p:cTn id="31" presetID="9" presetClass="exit" presetSubtype="0" fill="hold" grpId="1" nodeType="clickEffect">
+                                  <p:stCondLst>
+                                    <p:cond delay="0"/>
+                                  </p:stCondLst>
+                                  <p:childTnLst>
+                                    <p:animEffect transition="out" filter="dissolve">
+                                      <p:cBhvr>
+                                        <p:cTn id="32" dur="500"/>
+                                        <p:tgtEl>
+                                          <p:spTgt spid="53"/>
+                                        </p:tgtEl>
+                                      </p:cBhvr>
+                                    </p:animEffect>
+                                    <p:set>
+                                      <p:cBhvr>
+                                        <p:cTn id="33" dur="1" fill="hold">
+                                          <p:stCondLst>
+                                            <p:cond delay="499"/>
+                                          </p:stCondLst>
+                                        </p:cTn>
+                                        <p:tgtEl>
+                                          <p:spTgt spid="53"/>
+                                        </p:tgtEl>
+                                        <p:attrNameLst>
+                                          <p:attrName>style.visibility</p:attrName>
+                                        </p:attrNameLst>
+                                      </p:cBhvr>
+                                      <p:to>
+                                        <p:strVal val="hidden"/>
+                                      </p:to>
+                                    </p:set>
+                                  </p:childTnLst>
+                                </p:cTn>
+                              </p:par>
+                              <p:par>
+                                <p:cTn id="34" presetID="9" presetClass="entr" presetSubtype="0" fill="hold" grpId="0" nodeType="withEffect">
+                                  <p:stCondLst>
+                                    <p:cond delay="0"/>
+                                  </p:stCondLst>
+                                  <p:childTnLst>
+                                    <p:set>
+                                      <p:cBhvr>
+                                        <p:cTn id="35" dur="1" fill="hold">
+                                          <p:stCondLst>
+                                            <p:cond delay="0"/>
+                                          </p:stCondLst>
+                                        </p:cTn>
+                                        <p:tgtEl>
+                                          <p:spTgt spid="5"/>
+                                        </p:tgtEl>
+                                        <p:attrNameLst>
+                                          <p:attrName>style.visibility</p:attrName>
+                                        </p:attrNameLst>
+                                      </p:cBhvr>
+                                      <p:to>
+                                        <p:strVal val="visible"/>
+                                      </p:to>
+                                    </p:set>
+                                    <p:animEffect transition="in" filter="dissolve">
+                                      <p:cBhvr>
+                                        <p:cTn id="36" dur="500"/>
+                                        <p:tgtEl>
+                                          <p:spTgt spid="5"/>
+                                        </p:tgtEl>
+                                      </p:cBhvr>
+                                    </p:animEffect>
+                                  </p:childTnLst>
+                                </p:cTn>
+                              </p:par>
+                            </p:childTnLst>
+                          </p:cTn>
+                        </p:par>
+                      </p:childTnLst>
+                    </p:cTn>
+                  </p:par>
+                  <p:par>
+                    <p:cTn id="37" fill="hold">
+                      <p:stCondLst>
+                        <p:cond delay="indefinite"/>
+                      </p:stCondLst>
+                      <p:childTnLst>
+                        <p:par>
+                          <p:cTn id="38" fill="hold">
+                            <p:stCondLst>
+                              <p:cond delay="0"/>
+                            </p:stCondLst>
+                            <p:childTnLst>
+                              <p:par>
+                                <p:cTn id="39" presetID="64" presetClass="path" presetSubtype="0" accel="50000" decel="50000" fill="hold" grpId="1" nodeType="clickEffect">
+                                  <p:stCondLst>
+                                    <p:cond delay="0"/>
+                                  </p:stCondLst>
+                                  <p:childTnLst>
+                                    <p:animMotion origin="layout" path="M 5E-6 0 L 5E-6 -0.13843 " pathEditMode="relative" rAng="0" ptsTypes="AA">
+                                      <p:cBhvr>
+                                        <p:cTn id="40" dur="2000" fill="hold"/>
+                                        <p:tgtEl>
+                                          <p:spTgt spid="5"/>
+                                        </p:tgtEl>
+                                        <p:attrNameLst>
+                                          <p:attrName>ppt_x</p:attrName>
+                                          <p:attrName>ppt_y</p:attrName>
+                                        </p:attrNameLst>
+                                      </p:cBhvr>
+                                      <p:rCtr x="0" y="-69"/>
+                                    </p:animMotion>
+                                  </p:childTnLst>
+                                </p:cTn>
+                              </p:par>
+                            </p:childTnLst>
+                          </p:cTn>
+                        </p:par>
+                      </p:childTnLst>
+                    </p:cTn>
+                  </p:par>
+                  <p:par>
+                    <p:cTn id="41" fill="hold">
+                      <p:stCondLst>
+                        <p:cond delay="indefinite"/>
+                      </p:stCondLst>
+                      <p:childTnLst>
+                        <p:par>
+                          <p:cTn id="42" fill="hold">
+                            <p:stCondLst>
+                              <p:cond delay="0"/>
+                            </p:stCondLst>
+                            <p:childTnLst>
+                              <p:par>
+                                <p:cTn id="43" presetID="64" presetClass="path" presetSubtype="0" accel="50000" decel="50000" fill="hold" grpId="4" nodeType="clickEffect">
+                                  <p:stCondLst>
+                                    <p:cond delay="0"/>
+                                  </p:stCondLst>
+                                  <p:childTnLst>
+                                    <p:animMotion origin="layout" path="M -2.5E-6 -0.13843 L -2.5E-6 -0.29606 " pathEditMode="relative" rAng="0" ptsTypes="AA">
+                                      <p:cBhvr>
+                                        <p:cTn id="44" dur="2000" fill="hold"/>
+                                        <p:tgtEl>
+                                          <p:spTgt spid="5"/>
+                                        </p:tgtEl>
+                                        <p:attrNameLst>
+                                          <p:attrName>ppt_x</p:attrName>
+                                          <p:attrName>ppt_y</p:attrName>
+                                        </p:attrNameLst>
+                                      </p:cBhvr>
+                                      <p:rCtr x="0" y="-79"/>
+                                    </p:animMotion>
+                                  </p:childTnLst>
+                                </p:cTn>
+                              </p:par>
+                            </p:childTnLst>
+                          </p:cTn>
+                        </p:par>
+                      </p:childTnLst>
+                    </p:cTn>
+                  </p:par>
+                  <p:par>
+                    <p:cTn id="45" fill="hold">
+                      <p:stCondLst>
+                        <p:cond delay="indefinite"/>
+                      </p:stCondLst>
+                      <p:childTnLst>
+                        <p:par>
+                          <p:cTn id="46" fill="hold">
+                            <p:stCondLst>
+                              <p:cond delay="0"/>
+                            </p:stCondLst>
+                            <p:childTnLst>
+                              <p:par>
+                                <p:cTn id="47" presetID="9" presetClass="exit" presetSubtype="0" fill="hold" grpId="3" nodeType="clickEffect">
+                                  <p:stCondLst>
+                                    <p:cond delay="0"/>
+                                  </p:stCondLst>
+                                  <p:childTnLst>
+                                    <p:animEffect transition="out" filter="dissolve">
+                                      <p:cBhvr>
+                                        <p:cTn id="48" dur="500"/>
+                                        <p:tgtEl>
+                                          <p:spTgt spid="5"/>
+                                        </p:tgtEl>
+                                      </p:cBhvr>
+                                    </p:animEffect>
+                                    <p:set>
+                                      <p:cBhvr>
+                                        <p:cTn id="49" dur="1" fill="hold">
+                                          <p:stCondLst>
+                                            <p:cond delay="499"/>
+                                          </p:stCondLst>
+                                        </p:cTn>
+                                        <p:tgtEl>
+                                          <p:spTgt spid="5"/>
+                                        </p:tgtEl>
+                                        <p:attrNameLst>
+                                          <p:attrName>style.visibility</p:attrName>
+                                        </p:attrNameLst>
+                                      </p:cBhvr>
+                                      <p:to>
+                                        <p:strVal val="hidden"/>
+                                      </p:to>
+                                    </p:set>
+                                  </p:childTnLst>
+                                </p:cTn>
+                              </p:par>
+                              <p:par>
+                                <p:cTn id="50" presetID="9" presetClass="entr" presetSubtype="0" fill="hold" grpId="0" nodeType="withEffect">
+                                  <p:stCondLst>
+                                    <p:cond delay="0"/>
+                                  </p:stCondLst>
+                                  <p:childTnLst>
+                                    <p:set>
+                                      <p:cBhvr>
+                                        <p:cTn id="51" dur="1" fill="hold">
+                                          <p:stCondLst>
+                                            <p:cond delay="0"/>
+                                          </p:stCondLst>
+                                        </p:cTn>
+                                        <p:tgtEl>
+                                          <p:spTgt spid="4"/>
+                                        </p:tgtEl>
+                                        <p:attrNameLst>
+                                          <p:attrName>style.visibility</p:attrName>
+                                        </p:attrNameLst>
+                                      </p:cBhvr>
+                                      <p:to>
+                                        <p:strVal val="visible"/>
+                                      </p:to>
+                                    </p:set>
+                                    <p:animEffect transition="in" filter="dissolve">
+                                      <p:cBhvr>
+                                        <p:cTn id="52" dur="500"/>
+                                        <p:tgtEl>
+                                          <p:spTgt spid="4"/>
+                                        </p:tgtEl>
+                                      </p:cBhvr>
+                                    </p:animEffect>
+                                  </p:childTnLst>
+                                </p:cTn>
+                              </p:par>
+                            </p:childTnLst>
+                          </p:cTn>
+                        </p:par>
+                        <p:par>
+                          <p:cTn id="53" fill="hold">
+                            <p:stCondLst>
+                              <p:cond delay="500"/>
+                            </p:stCondLst>
+                            <p:childTnLst>
+                              <p:par>
+                                <p:cTn id="54" presetID="64" presetClass="path" presetSubtype="0" accel="50000" decel="50000" fill="hold" grpId="2" nodeType="afterEffect">
+                                  <p:stCondLst>
+                                    <p:cond delay="0"/>
+                                  </p:stCondLst>
+                                  <p:childTnLst>
+                                    <p:animMotion origin="layout" path="M 2.5E-6 4.07407E-6 L 2.5E-6 -0.16297 " pathEditMode="relative" rAng="0" ptsTypes="AA">
+                                      <p:cBhvr>
+                                        <p:cTn id="55" dur="2000" fill="hold"/>
+                                        <p:tgtEl>
+                                          <p:spTgt spid="4"/>
+                                        </p:tgtEl>
+                                        <p:attrNameLst>
+                                          <p:attrName>ppt_x</p:attrName>
+                                          <p:attrName>ppt_y</p:attrName>
+                                        </p:attrNameLst>
+                                      </p:cBhvr>
+                                      <p:rCtr x="0" y="-81"/>
+                                    </p:animMotion>
+                                  </p:childTnLst>
+                                </p:cTn>
+                              </p:par>
+                            </p:childTnLst>
+                          </p:cTn>
+                        </p:par>
+                      </p:childTnLst>
+                    </p:cTn>
+                  </p:par>
+                  <p:par>
+                    <p:cTn id="56" fill="hold">
+                      <p:stCondLst>
+                        <p:cond delay="indefinite"/>
+                      </p:stCondLst>
+                      <p:childTnLst>
+                        <p:par>
+                          <p:cTn id="57" fill="hold">
+                            <p:stCondLst>
+                              <p:cond delay="0"/>
+                            </p:stCondLst>
+                            <p:childTnLst>
+                              <p:par>
+                                <p:cTn id="58" presetID="9" presetClass="exit" presetSubtype="0" fill="hold" grpId="3" nodeType="clickEffect">
+                                  <p:stCondLst>
+                                    <p:cond delay="0"/>
+                                  </p:stCondLst>
+                                  <p:childTnLst>
+                                    <p:animEffect transition="out" filter="dissolve">
+                                      <p:cBhvr>
+                                        <p:cTn id="59" dur="500"/>
+                                        <p:tgtEl>
+                                          <p:spTgt spid="4"/>
+                                        </p:tgtEl>
+                                      </p:cBhvr>
+                                    </p:animEffect>
+                                    <p:set>
+                                      <p:cBhvr>
+                                        <p:cTn id="60" dur="1" fill="hold">
+                                          <p:stCondLst>
+                                            <p:cond delay="499"/>
+                                          </p:stCondLst>
+                                        </p:cTn>
+                                        <p:tgtEl>
+                                          <p:spTgt spid="4"/>
+                                        </p:tgtEl>
+                                        <p:attrNameLst>
+                                          <p:attrName>style.visibility</p:attrName>
+                                        </p:attrNameLst>
+                                      </p:cBhvr>
+                                      <p:to>
+                                        <p:strVal val="hidden"/>
+                                      </p:to>
+                                    </p:set>
+                                  </p:childTnLst>
+                                </p:cTn>
+                              </p:par>
+                              <p:par>
+                                <p:cTn id="61" presetID="9" presetClass="entr" presetSubtype="0" fill="hold" grpId="0" nodeType="withEffect">
+                                  <p:stCondLst>
+                                    <p:cond delay="0"/>
+                                  </p:stCondLst>
+                                  <p:childTnLst>
+                                    <p:set>
+                                      <p:cBhvr>
+                                        <p:cTn id="62" dur="1" fill="hold">
+                                          <p:stCondLst>
+                                            <p:cond delay="0"/>
+                                          </p:stCondLst>
+                                        </p:cTn>
+                                        <p:tgtEl>
+                                          <p:spTgt spid="19"/>
+                                        </p:tgtEl>
+                                        <p:attrNameLst>
+                                          <p:attrName>style.visibility</p:attrName>
+                                        </p:attrNameLst>
+                                      </p:cBhvr>
+                                      <p:to>
+                                        <p:strVal val="visible"/>
+                                      </p:to>
+                                    </p:set>
+                                    <p:animEffect transition="in" filter="dissolve">
+                                      <p:cBhvr>
+                                        <p:cTn id="63" dur="500"/>
+                                        <p:tgtEl>
+                                          <p:spTgt spid="19"/>
+                                        </p:tgtEl>
+                                      </p:cBhvr>
+                                    </p:animEffect>
+                                  </p:childTnLst>
+                                </p:cTn>
+                              </p:par>
+                            </p:childTnLst>
+                          </p:cTn>
+                        </p:par>
+                      </p:childTnLst>
+                    </p:cTn>
+                  </p:par>
+                  <p:par>
+                    <p:cTn id="64" fill="hold">
+                      <p:stCondLst>
+                        <p:cond delay="indefinite"/>
+                      </p:stCondLst>
+                      <p:childTnLst>
+                        <p:par>
+                          <p:cTn id="65" fill="hold">
+                            <p:stCondLst>
+                              <p:cond delay="0"/>
+                            </p:stCondLst>
+                            <p:childTnLst>
+                              <p:par>
+                                <p:cTn id="66" presetID="2" presetClass="exit" presetSubtype="2" fill="hold" grpId="1" nodeType="clickEffect">
+                                  <p:stCondLst>
+                                    <p:cond delay="0"/>
+                                  </p:stCondLst>
+                                  <p:childTnLst>
+                                    <p:anim calcmode="lin" valueType="num">
+                                      <p:cBhvr additive="base">
+                                        <p:cTn id="67" dur="3000"/>
+                                        <p:tgtEl>
+                                          <p:spTgt spid="19"/>
+                                        </p:tgtEl>
+                                        <p:attrNameLst>
+                                          <p:attrName>ppt_x</p:attrName>
+                                        </p:attrNameLst>
+                                      </p:cBhvr>
+                                      <p:tavLst>
+                                        <p:tav tm="0">
+                                          <p:val>
+                                            <p:strVal val="ppt_x"/>
+                                          </p:val>
+                                        </p:tav>
+                                        <p:tav tm="100000">
+                                          <p:val>
+                                            <p:strVal val="1+ppt_w/2"/>
+                                          </p:val>
+                                        </p:tav>
+                                      </p:tavLst>
+                                    </p:anim>
+                                    <p:anim calcmode="lin" valueType="num">
+                                      <p:cBhvr additive="base">
+                                        <p:cTn id="68" dur="3000"/>
+                                        <p:tgtEl>
+                                          <p:spTgt spid="19"/>
+                                        </p:tgtEl>
+                                        <p:attrNameLst>
+                                          <p:attrName>ppt_y</p:attrName>
+                                        </p:attrNameLst>
+                                      </p:cBhvr>
+                                      <p:tavLst>
+                                        <p:tav tm="0">
+                                          <p:val>
+                                            <p:strVal val="ppt_y"/>
+                                          </p:val>
+                                        </p:tav>
+                                        <p:tav tm="100000">
+                                          <p:val>
+                                            <p:strVal val="ppt_y"/>
+                                          </p:val>
+                                        </p:tav>
+                                      </p:tavLst>
+                                    </p:anim>
+                                    <p:set>
+                                      <p:cBhvr>
+                                        <p:cTn id="69" dur="1" fill="hold">
+                                          <p:stCondLst>
+                                            <p:cond delay="2999"/>
+                                          </p:stCondLst>
+                                        </p:cTn>
+                                        <p:tgtEl>
+                                          <p:spTgt spid="19"/>
+                                        </p:tgtEl>
+                                        <p:attrNameLst>
+                                          <p:attrName>style.visibility</p:attrName>
+                                        </p:attrNameLst>
+                                      </p:cBhvr>
+                                      <p:to>
+                                        <p:strVal val="hidden"/>
+                                      </p:to>
+                                    </p:set>
+                                  </p:childTnLst>
+                                </p:cTn>
+                              </p:par>
+                            </p:childTnLst>
+                          </p:cTn>
+                        </p:par>
+                      </p:childTnLst>
+                    </p:cTn>
+                  </p:par>
+                </p:childTnLst>
+              </p:cTn>
+              <p:prevCondLst>
+                <p:cond evt="onPrev" delay="0">
+                  <p:tgtEl>
+                    <p:sldTgt/>
+                  </p:tgtEl>
+                </p:cond>
+              </p:prevCondLst>
+              <p:nextCondLst>
+                <p:cond evt="onNext" delay="0">
+                  <p:tgtEl>
+                    <p:sldTgt/>
+                  </p:tgtEl>
+                </p:cond>
+              </p:nextCondLst>
+            </p:seq>
+          </p:childTnLst>
+        </p:cTn>
+      </p:par>
+    </p:tnLst>
+    <p:bldLst>
+      <p:bldP spid="19" grpId="0" animBg="1"/>
+      <p:bldP spid="19" grpId="1" animBg="1"/>
+      <p:bldP spid="4" grpId="0" animBg="1"/>
+      <p:bldP spid="4" grpId="2" animBg="1"/>
+      <p:bldP spid="4" grpId="3" animBg="1"/>
+      <p:bldP spid="5" grpId="0" animBg="1"/>
+      <p:bldP spid="5" grpId="1" animBg="1"/>
+      <p:bldP spid="5" grpId="3" animBg="1"/>
+      <p:bldP spid="5" grpId="4" animBg="1"/>
+      <p:bldP spid="53" grpId="0" animBg="1"/>
+      <p:bldP spid="53" grpId="1" animBg="1"/>
+      <p:bldP spid="18" grpId="0" animBg="1"/>
+      <p:bldP spid="18" grpId="1" animBg="1"/>
+      <p:bldP spid="52" grpId="0" animBg="1"/>
+      <p:bldP spid="52" grpId="1" animBg="1"/>
+      <p:bldP spid="52" grpId="2" animBg="1"/>
+    </p:bldLst>
+  </p:timing>
 </p:sld>
 </file>
 
@@ -3548,11 +5226,11 @@
           <a:p>
             <a:r>
               <a:rPr lang="nl-BE" dirty="0" smtClean="0"/>
-              <a:t>UI: jQuery</a:t>
-            </a:r>
-            <a:r>
-              <a:rPr lang="nl-BE" baseline="0" dirty="0" smtClean="0"/>
-              <a:t> rules!</a:t>
+              <a:t>UI: </a:t>
+            </a:r>
+            <a:r>
+              <a:rPr lang="nl-BE" dirty="0" smtClean="0"/>
+              <a:t>jQuery</a:t>
             </a:r>
             <a:endParaRPr lang="en-US" dirty="0"/>
           </a:p>
@@ -3582,6 +5260,13 @@
   <p:clrMapOvr>
     <a:masterClrMapping/>
   </p:clrMapOvr>
+  <p:timing>
+    <p:tnLst>
+      <p:par>
+        <p:cTn id="1" dur="indefinite" restart="never" nodeType="tmRoot"/>
+      </p:par>
+    </p:tnLst>
+  </p:timing>
 </p:sld>
 </file>
 
@@ -3649,6 +5334,13 @@
   <p:clrMapOvr>
     <a:masterClrMapping/>
   </p:clrMapOvr>
+  <p:timing>
+    <p:tnLst>
+      <p:par>
+        <p:cTn id="1" dur="indefinite" restart="never" nodeType="tmRoot"/>
+      </p:par>
+    </p:tnLst>
+  </p:timing>
 </p:sld>
 </file>
 
@@ -3716,6 +5408,13 @@
   <p:clrMapOvr>
     <a:masterClrMapping/>
   </p:clrMapOvr>
+  <p:timing>
+    <p:tnLst>
+      <p:par>
+        <p:cTn id="1" dur="indefinite" restart="never" nodeType="tmRoot"/>
+      </p:par>
+    </p:tnLst>
+  </p:timing>
 </p:sld>
 </file>
 
@@ -3783,6 +5482,13 @@
   <p:clrMapOvr>
     <a:masterClrMapping/>
   </p:clrMapOvr>
+  <p:timing>
+    <p:tnLst>
+      <p:par>
+        <p:cTn id="1" dur="indefinite" restart="never" nodeType="tmRoot"/>
+      </p:par>
+    </p:tnLst>
+  </p:timing>
 </p:sld>
 </file>
 
@@ -3854,6 +5560,13 @@
   <p:clrMapOvr>
     <a:masterClrMapping/>
   </p:clrMapOvr>
+  <p:timing>
+    <p:tnLst>
+      <p:par>
+        <p:cTn id="1" dur="indefinite" restart="never" nodeType="tmRoot"/>
+      </p:par>
+    </p:tnLst>
+  </p:timing>
 </p:sld>
 </file>
 
@@ -3886,7 +5599,9 @@
         </p:nvSpPr>
         <p:spPr/>
         <p:txBody>
-          <a:bodyPr/>
+          <a:bodyPr>
+            <a:normAutofit/>
+          </a:bodyPr>
           <a:lstStyle/>
           <a:p>
             <a:r>
@@ -3921,6 +5636,13 @@
   <p:clrMapOvr>
     <a:masterClrMapping/>
   </p:clrMapOvr>
+  <p:timing>
+    <p:tnLst>
+      <p:par>
+        <p:cTn id="1" dur="indefinite" restart="never" nodeType="tmRoot"/>
+      </p:par>
+    </p:tnLst>
+  </p:timing>
 </p:sld>
 </file>
 
@@ -3994,6 +5716,13 @@
   <p:clrMapOvr>
     <a:masterClrMapping/>
   </p:clrMapOvr>
+  <p:timing>
+    <p:tnLst>
+      <p:par>
+        <p:cTn id="1" dur="indefinite" restart="never" nodeType="tmRoot"/>
+      </p:par>
+    </p:tnLst>
+  </p:timing>
 </p:sld>
 </file>
 

--- a/slides/Technical Session/Lessons learned.pptx
+++ b/slides/Technical Session/Lessons learned.pptx
@@ -2,25 +2,27 @@
 <file path=ppt/presentation.xml><?xml version="1.0" encoding="utf-8"?>
 <p:presentation xmlns:a="http://schemas.openxmlformats.org/drawingml/2006/main" xmlns:r="http://schemas.openxmlformats.org/officeDocument/2006/relationships" xmlns:p="http://schemas.openxmlformats.org/presentationml/2006/main" saveSubsetFonts="1">
   <p:sldMasterIdLst>
-    <p:sldMasterId id="2147483672" r:id="rId1"/>
+    <p:sldMasterId id="2147483708" r:id="rId1"/>
   </p:sldMasterIdLst>
+  <p:notesMasterIdLst>
+    <p:notesMasterId r:id="rId17"/>
+  </p:notesMasterIdLst>
   <p:sldIdLst>
     <p:sldId id="256" r:id="rId2"/>
     <p:sldId id="257" r:id="rId3"/>
     <p:sldId id="258" r:id="rId4"/>
     <p:sldId id="259" r:id="rId5"/>
-    <p:sldId id="260" r:id="rId6"/>
-    <p:sldId id="261" r:id="rId7"/>
-    <p:sldId id="262" r:id="rId8"/>
-    <p:sldId id="263" r:id="rId9"/>
-    <p:sldId id="269" r:id="rId10"/>
-    <p:sldId id="264" r:id="rId11"/>
-    <p:sldId id="265" r:id="rId12"/>
-    <p:sldId id="267" r:id="rId13"/>
-    <p:sldId id="266" r:id="rId14"/>
-    <p:sldId id="268" r:id="rId15"/>
-    <p:sldId id="270" r:id="rId16"/>
-    <p:sldId id="271" r:id="rId17"/>
+    <p:sldId id="261" r:id="rId6"/>
+    <p:sldId id="262" r:id="rId7"/>
+    <p:sldId id="263" r:id="rId8"/>
+    <p:sldId id="269" r:id="rId9"/>
+    <p:sldId id="264" r:id="rId10"/>
+    <p:sldId id="265" r:id="rId11"/>
+    <p:sldId id="267" r:id="rId12"/>
+    <p:sldId id="266" r:id="rId13"/>
+    <p:sldId id="268" r:id="rId14"/>
+    <p:sldId id="270" r:id="rId15"/>
+    <p:sldId id="271" r:id="rId16"/>
   </p:sldIdLst>
   <p:sldSz cx="9144000" cy="6858000" type="screen4x3"/>
   <p:notesSz cx="6858000" cy="9144000"/>
@@ -122,8 +124,436 @@
 </p:presentation>
 </file>
 
+<file path=ppt/notesMasters/notesMaster1.xml><?xml version="1.0" encoding="utf-8"?>
+<p:notesMaster xmlns:a="http://schemas.openxmlformats.org/drawingml/2006/main" xmlns:r="http://schemas.openxmlformats.org/officeDocument/2006/relationships" xmlns:p="http://schemas.openxmlformats.org/presentationml/2006/main">
+  <p:cSld>
+    <p:bg>
+      <p:bgRef idx="1001">
+        <a:schemeClr val="bg1"/>
+      </p:bgRef>
+    </p:bg>
+    <p:spTree>
+      <p:nvGrpSpPr>
+        <p:cNvPr id="1" name=""/>
+        <p:cNvGrpSpPr/>
+        <p:nvPr/>
+      </p:nvGrpSpPr>
+      <p:grpSpPr>
+        <a:xfrm>
+          <a:off x="0" y="0"/>
+          <a:ext cx="0" cy="0"/>
+          <a:chOff x="0" y="0"/>
+          <a:chExt cx="0" cy="0"/>
+        </a:xfrm>
+      </p:grpSpPr>
+      <p:sp>
+        <p:nvSpPr>
+          <p:cNvPr id="2" name="Header Placeholder 1"/>
+          <p:cNvSpPr>
+            <a:spLocks noGrp="1"/>
+          </p:cNvSpPr>
+          <p:nvPr>
+            <p:ph type="hdr" sz="quarter"/>
+          </p:nvPr>
+        </p:nvSpPr>
+        <p:spPr>
+          <a:xfrm>
+            <a:off x="0" y="0"/>
+            <a:ext cx="2971800" cy="457200"/>
+          </a:xfrm>
+          <a:prstGeom prst="rect">
+            <a:avLst/>
+          </a:prstGeom>
+        </p:spPr>
+        <p:txBody>
+          <a:bodyPr vert="horz" lIns="91440" tIns="45720" rIns="91440" bIns="45720" rtlCol="0"/>
+          <a:lstStyle>
+            <a:lvl1pPr algn="l">
+              <a:defRPr sz="1200"/>
+            </a:lvl1pPr>
+          </a:lstStyle>
+          <a:p>
+            <a:endParaRPr lang="en-US"/>
+          </a:p>
+        </p:txBody>
+      </p:sp>
+      <p:sp>
+        <p:nvSpPr>
+          <p:cNvPr id="3" name="Date Placeholder 2"/>
+          <p:cNvSpPr>
+            <a:spLocks noGrp="1"/>
+          </p:cNvSpPr>
+          <p:nvPr>
+            <p:ph type="dt" idx="1"/>
+          </p:nvPr>
+        </p:nvSpPr>
+        <p:spPr>
+          <a:xfrm>
+            <a:off x="3884613" y="0"/>
+            <a:ext cx="2971800" cy="457200"/>
+          </a:xfrm>
+          <a:prstGeom prst="rect">
+            <a:avLst/>
+          </a:prstGeom>
+        </p:spPr>
+        <p:txBody>
+          <a:bodyPr vert="horz" lIns="91440" tIns="45720" rIns="91440" bIns="45720" rtlCol="0"/>
+          <a:lstStyle>
+            <a:lvl1pPr algn="r">
+              <a:defRPr sz="1200"/>
+            </a:lvl1pPr>
+          </a:lstStyle>
+          <a:p>
+            <a:fld id="{02F51393-7E35-4018-BC05-EF5CF32CD707}" type="datetimeFigureOut">
+              <a:rPr lang="en-US" smtClean="0"/>
+              <a:t>6/15/2009</a:t>
+            </a:fld>
+            <a:endParaRPr lang="en-US"/>
+          </a:p>
+        </p:txBody>
+      </p:sp>
+      <p:sp>
+        <p:nvSpPr>
+          <p:cNvPr id="4" name="Slide Image Placeholder 3"/>
+          <p:cNvSpPr>
+            <a:spLocks noGrp="1" noRot="1" noChangeAspect="1"/>
+          </p:cNvSpPr>
+          <p:nvPr>
+            <p:ph type="sldImg" idx="2"/>
+          </p:nvPr>
+        </p:nvSpPr>
+        <p:spPr>
+          <a:xfrm>
+            <a:off x="1143000" y="685800"/>
+            <a:ext cx="4572000" cy="3429000"/>
+          </a:xfrm>
+          <a:prstGeom prst="rect">
+            <a:avLst/>
+          </a:prstGeom>
+          <a:noFill/>
+          <a:ln w="12700">
+            <a:solidFill>
+              <a:prstClr val="black"/>
+            </a:solidFill>
+          </a:ln>
+        </p:spPr>
+        <p:txBody>
+          <a:bodyPr vert="horz" lIns="91440" tIns="45720" rIns="91440" bIns="45720" rtlCol="0" anchor="ctr"/>
+          <a:lstStyle/>
+          <a:p>
+            <a:endParaRPr lang="en-US"/>
+          </a:p>
+        </p:txBody>
+      </p:sp>
+      <p:sp>
+        <p:nvSpPr>
+          <p:cNvPr id="5" name="Notes Placeholder 4"/>
+          <p:cNvSpPr>
+            <a:spLocks noGrp="1"/>
+          </p:cNvSpPr>
+          <p:nvPr>
+            <p:ph type="body" sz="quarter" idx="3"/>
+          </p:nvPr>
+        </p:nvSpPr>
+        <p:spPr>
+          <a:xfrm>
+            <a:off x="685800" y="4343400"/>
+            <a:ext cx="5486400" cy="4114800"/>
+          </a:xfrm>
+          <a:prstGeom prst="rect">
+            <a:avLst/>
+          </a:prstGeom>
+        </p:spPr>
+        <p:txBody>
+          <a:bodyPr vert="horz" lIns="91440" tIns="45720" rIns="91440" bIns="45720" rtlCol="0">
+            <a:normAutofit/>
+          </a:bodyPr>
+          <a:lstStyle/>
+          <a:p>
+            <a:pPr lvl="0"/>
+            <a:r>
+              <a:rPr lang="en-US" smtClean="0"/>
+              <a:t>Click to edit Master text styles</a:t>
+            </a:r>
+          </a:p>
+          <a:p>
+            <a:pPr lvl="1"/>
+            <a:r>
+              <a:rPr lang="en-US" smtClean="0"/>
+              <a:t>Second level</a:t>
+            </a:r>
+          </a:p>
+          <a:p>
+            <a:pPr lvl="2"/>
+            <a:r>
+              <a:rPr lang="en-US" smtClean="0"/>
+              <a:t>Third level</a:t>
+            </a:r>
+          </a:p>
+          <a:p>
+            <a:pPr lvl="3"/>
+            <a:r>
+              <a:rPr lang="en-US" smtClean="0"/>
+              <a:t>Fourth level</a:t>
+            </a:r>
+          </a:p>
+          <a:p>
+            <a:pPr lvl="4"/>
+            <a:r>
+              <a:rPr lang="en-US" smtClean="0"/>
+              <a:t>Fifth level</a:t>
+            </a:r>
+            <a:endParaRPr lang="en-US"/>
+          </a:p>
+        </p:txBody>
+      </p:sp>
+      <p:sp>
+        <p:nvSpPr>
+          <p:cNvPr id="6" name="Footer Placeholder 5"/>
+          <p:cNvSpPr>
+            <a:spLocks noGrp="1"/>
+          </p:cNvSpPr>
+          <p:nvPr>
+            <p:ph type="ftr" sz="quarter" idx="4"/>
+          </p:nvPr>
+        </p:nvSpPr>
+        <p:spPr>
+          <a:xfrm>
+            <a:off x="0" y="8685213"/>
+            <a:ext cx="2971800" cy="457200"/>
+          </a:xfrm>
+          <a:prstGeom prst="rect">
+            <a:avLst/>
+          </a:prstGeom>
+        </p:spPr>
+        <p:txBody>
+          <a:bodyPr vert="horz" lIns="91440" tIns="45720" rIns="91440" bIns="45720" rtlCol="0" anchor="b"/>
+          <a:lstStyle>
+            <a:lvl1pPr algn="l">
+              <a:defRPr sz="1200"/>
+            </a:lvl1pPr>
+          </a:lstStyle>
+          <a:p>
+            <a:endParaRPr lang="en-US"/>
+          </a:p>
+        </p:txBody>
+      </p:sp>
+      <p:sp>
+        <p:nvSpPr>
+          <p:cNvPr id="7" name="Slide Number Placeholder 6"/>
+          <p:cNvSpPr>
+            <a:spLocks noGrp="1"/>
+          </p:cNvSpPr>
+          <p:nvPr>
+            <p:ph type="sldNum" sz="quarter" idx="5"/>
+          </p:nvPr>
+        </p:nvSpPr>
+        <p:spPr>
+          <a:xfrm>
+            <a:off x="3884613" y="8685213"/>
+            <a:ext cx="2971800" cy="457200"/>
+          </a:xfrm>
+          <a:prstGeom prst="rect">
+            <a:avLst/>
+          </a:prstGeom>
+        </p:spPr>
+        <p:txBody>
+          <a:bodyPr vert="horz" lIns="91440" tIns="45720" rIns="91440" bIns="45720" rtlCol="0" anchor="b"/>
+          <a:lstStyle>
+            <a:lvl1pPr algn="r">
+              <a:defRPr sz="1200"/>
+            </a:lvl1pPr>
+          </a:lstStyle>
+          <a:p>
+            <a:fld id="{A3A69900-B1F8-4025-BE3C-AA14704478CA}" type="slidenum">
+              <a:rPr lang="en-US" smtClean="0"/>
+              <a:t>‹#›</a:t>
+            </a:fld>
+            <a:endParaRPr lang="en-US"/>
+          </a:p>
+        </p:txBody>
+      </p:sp>
+    </p:spTree>
+  </p:cSld>
+  <p:clrMap bg1="lt1" tx1="dk1" bg2="lt2" tx2="dk2" accent1="accent1" accent2="accent2" accent3="accent3" accent4="accent4" accent5="accent5" accent6="accent6" hlink="hlink" folHlink="folHlink"/>
+  <p:notesStyle>
+    <a:lvl1pPr marL="0" algn="l" defTabSz="914400" rtl="0" eaLnBrk="1" latinLnBrk="0" hangingPunct="1">
+      <a:defRPr sz="1200" kern="1200">
+        <a:solidFill>
+          <a:schemeClr val="tx1"/>
+        </a:solidFill>
+        <a:latin typeface="+mn-lt"/>
+        <a:ea typeface="+mn-ea"/>
+        <a:cs typeface="+mn-cs"/>
+      </a:defRPr>
+    </a:lvl1pPr>
+    <a:lvl2pPr marL="457200" algn="l" defTabSz="914400" rtl="0" eaLnBrk="1" latinLnBrk="0" hangingPunct="1">
+      <a:defRPr sz="1200" kern="1200">
+        <a:solidFill>
+          <a:schemeClr val="tx1"/>
+        </a:solidFill>
+        <a:latin typeface="+mn-lt"/>
+        <a:ea typeface="+mn-ea"/>
+        <a:cs typeface="+mn-cs"/>
+      </a:defRPr>
+    </a:lvl2pPr>
+    <a:lvl3pPr marL="914400" algn="l" defTabSz="914400" rtl="0" eaLnBrk="1" latinLnBrk="0" hangingPunct="1">
+      <a:defRPr sz="1200" kern="1200">
+        <a:solidFill>
+          <a:schemeClr val="tx1"/>
+        </a:solidFill>
+        <a:latin typeface="+mn-lt"/>
+        <a:ea typeface="+mn-ea"/>
+        <a:cs typeface="+mn-cs"/>
+      </a:defRPr>
+    </a:lvl3pPr>
+    <a:lvl4pPr marL="1371600" algn="l" defTabSz="914400" rtl="0" eaLnBrk="1" latinLnBrk="0" hangingPunct="1">
+      <a:defRPr sz="1200" kern="1200">
+        <a:solidFill>
+          <a:schemeClr val="tx1"/>
+        </a:solidFill>
+        <a:latin typeface="+mn-lt"/>
+        <a:ea typeface="+mn-ea"/>
+        <a:cs typeface="+mn-cs"/>
+      </a:defRPr>
+    </a:lvl4pPr>
+    <a:lvl5pPr marL="1828800" algn="l" defTabSz="914400" rtl="0" eaLnBrk="1" latinLnBrk="0" hangingPunct="1">
+      <a:defRPr sz="1200" kern="1200">
+        <a:solidFill>
+          <a:schemeClr val="tx1"/>
+        </a:solidFill>
+        <a:latin typeface="+mn-lt"/>
+        <a:ea typeface="+mn-ea"/>
+        <a:cs typeface="+mn-cs"/>
+      </a:defRPr>
+    </a:lvl5pPr>
+    <a:lvl6pPr marL="2286000" algn="l" defTabSz="914400" rtl="0" eaLnBrk="1" latinLnBrk="0" hangingPunct="1">
+      <a:defRPr sz="1200" kern="1200">
+        <a:solidFill>
+          <a:schemeClr val="tx1"/>
+        </a:solidFill>
+        <a:latin typeface="+mn-lt"/>
+        <a:ea typeface="+mn-ea"/>
+        <a:cs typeface="+mn-cs"/>
+      </a:defRPr>
+    </a:lvl6pPr>
+    <a:lvl7pPr marL="2743200" algn="l" defTabSz="914400" rtl="0" eaLnBrk="1" latinLnBrk="0" hangingPunct="1">
+      <a:defRPr sz="1200" kern="1200">
+        <a:solidFill>
+          <a:schemeClr val="tx1"/>
+        </a:solidFill>
+        <a:latin typeface="+mn-lt"/>
+        <a:ea typeface="+mn-ea"/>
+        <a:cs typeface="+mn-cs"/>
+      </a:defRPr>
+    </a:lvl7pPr>
+    <a:lvl8pPr marL="3200400" algn="l" defTabSz="914400" rtl="0" eaLnBrk="1" latinLnBrk="0" hangingPunct="1">
+      <a:defRPr sz="1200" kern="1200">
+        <a:solidFill>
+          <a:schemeClr val="tx1"/>
+        </a:solidFill>
+        <a:latin typeface="+mn-lt"/>
+        <a:ea typeface="+mn-ea"/>
+        <a:cs typeface="+mn-cs"/>
+      </a:defRPr>
+    </a:lvl8pPr>
+    <a:lvl9pPr marL="3657600" algn="l" defTabSz="914400" rtl="0" eaLnBrk="1" latinLnBrk="0" hangingPunct="1">
+      <a:defRPr sz="1200" kern="1200">
+        <a:solidFill>
+          <a:schemeClr val="tx1"/>
+        </a:solidFill>
+        <a:latin typeface="+mn-lt"/>
+        <a:ea typeface="+mn-ea"/>
+        <a:cs typeface="+mn-cs"/>
+      </a:defRPr>
+    </a:lvl9pPr>
+  </p:notesStyle>
+</p:notesMaster>
+</file>
+
+<file path=ppt/notesSlides/notesSlide1.xml><?xml version="1.0" encoding="utf-8"?>
+<p:notes xmlns:a="http://schemas.openxmlformats.org/drawingml/2006/main" xmlns:r="http://schemas.openxmlformats.org/officeDocument/2006/relationships" xmlns:p="http://schemas.openxmlformats.org/presentationml/2006/main">
+  <p:cSld>
+    <p:spTree>
+      <p:nvGrpSpPr>
+        <p:cNvPr id="1" name=""/>
+        <p:cNvGrpSpPr/>
+        <p:nvPr/>
+      </p:nvGrpSpPr>
+      <p:grpSpPr>
+        <a:xfrm>
+          <a:off x="0" y="0"/>
+          <a:ext cx="0" cy="0"/>
+          <a:chOff x="0" y="0"/>
+          <a:chExt cx="0" cy="0"/>
+        </a:xfrm>
+      </p:grpSpPr>
+      <p:sp>
+        <p:nvSpPr>
+          <p:cNvPr id="2" name="Slide Image Placeholder 1"/>
+          <p:cNvSpPr>
+            <a:spLocks noGrp="1" noRot="1" noChangeAspect="1"/>
+          </p:cNvSpPr>
+          <p:nvPr>
+            <p:ph type="sldImg"/>
+          </p:nvPr>
+        </p:nvSpPr>
+        <p:spPr/>
+      </p:sp>
+      <p:sp>
+        <p:nvSpPr>
+          <p:cNvPr id="3" name="Notes Placeholder 2"/>
+          <p:cNvSpPr>
+            <a:spLocks noGrp="1"/>
+          </p:cNvSpPr>
+          <p:nvPr>
+            <p:ph type="body" idx="1"/>
+          </p:nvPr>
+        </p:nvSpPr>
+        <p:spPr/>
+        <p:txBody>
+          <a:bodyPr>
+            <a:normAutofit/>
+          </a:bodyPr>
+          <a:lstStyle/>
+          <a:p>
+            <a:endParaRPr lang="en-US" dirty="0"/>
+          </a:p>
+        </p:txBody>
+      </p:sp>
+      <p:sp>
+        <p:nvSpPr>
+          <p:cNvPr id="4" name="Slide Number Placeholder 3"/>
+          <p:cNvSpPr>
+            <a:spLocks noGrp="1"/>
+          </p:cNvSpPr>
+          <p:nvPr>
+            <p:ph type="sldNum" sz="quarter" idx="10"/>
+          </p:nvPr>
+        </p:nvSpPr>
+        <p:spPr/>
+        <p:txBody>
+          <a:bodyPr/>
+          <a:lstStyle/>
+          <a:p>
+            <a:fld id="{A3A69900-B1F8-4025-BE3C-AA14704478CA}" type="slidenum">
+              <a:rPr lang="en-US" smtClean="0"/>
+              <a:t>2</a:t>
+            </a:fld>
+            <a:endParaRPr lang="en-US"/>
+          </a:p>
+        </p:txBody>
+      </p:sp>
+    </p:spTree>
+  </p:cSld>
+  <p:clrMapOvr>
+    <a:masterClrMapping/>
+  </p:clrMapOvr>
+</p:notes>
+</file>
+
 <file path=ppt/slideLayouts/slideLayout1.xml><?xml version="1.0" encoding="utf-8"?>
-<p:sldLayout xmlns:a="http://schemas.openxmlformats.org/drawingml/2006/main" xmlns:r="http://schemas.openxmlformats.org/officeDocument/2006/relationships" xmlns:p="http://schemas.openxmlformats.org/presentationml/2006/main" type="title" preserve="1">
+<p:sldLayout xmlns:a="http://schemas.openxmlformats.org/drawingml/2006/main" xmlns:r="http://schemas.openxmlformats.org/officeDocument/2006/relationships" xmlns:p="http://schemas.openxmlformats.org/presentationml/2006/main" showMasterSp="0" type="title" preserve="1">
   <p:cSld name="Title Slide">
     <p:spTree>
       <p:nvGrpSpPr>
@@ -141,7 +571,163 @@
       </p:grpSpPr>
       <p:sp>
         <p:nvSpPr>
-          <p:cNvPr id="2" name="Title 1"/>
+          <p:cNvPr id="15" name="Rounded Rectangle 14"/>
+          <p:cNvSpPr/>
+          <p:nvPr/>
+        </p:nvSpPr>
+        <p:spPr>
+          <a:xfrm>
+            <a:off x="304800" y="329184"/>
+            <a:ext cx="8532055" cy="6196819"/>
+          </a:xfrm>
+          <a:prstGeom prst="roundRect">
+            <a:avLst>
+              <a:gd name="adj" fmla="val 2081"/>
+            </a:avLst>
+          </a:prstGeom>
+          <a:gradFill flip="none" rotWithShape="1">
+            <a:gsLst>
+              <a:gs pos="0">
+                <a:srgbClr val="FFFFFF">
+                  <a:shade val="100000"/>
+                </a:srgbClr>
+              </a:gs>
+              <a:gs pos="98000">
+                <a:srgbClr val="FFFFFF">
+                  <a:shade val="100000"/>
+                </a:srgbClr>
+              </a:gs>
+              <a:gs pos="99055">
+                <a:srgbClr val="FFFFFF">
+                  <a:shade val="93000"/>
+                </a:srgbClr>
+              </a:gs>
+              <a:gs pos="100000">
+                <a:srgbClr val="FFFFFF">
+                  <a:shade val="70000"/>
+                </a:srgbClr>
+              </a:gs>
+            </a:gsLst>
+            <a:lin ang="5400000" scaled="1"/>
+            <a:tileRect/>
+          </a:gradFill>
+          <a:ln w="2000" cap="rnd" cmpd="sng" algn="ctr">
+            <a:solidFill>
+              <a:srgbClr val="302F2C">
+                <a:tint val="65000"/>
+                <a:satMod val="120000"/>
+              </a:srgbClr>
+            </a:solidFill>
+            <a:prstDash val="solid"/>
+          </a:ln>
+          <a:effectLst>
+            <a:outerShdw blurRad="76200" dist="50800" dir="5400000" algn="tl" rotWithShape="0">
+              <a:srgbClr val="000000">
+                <a:alpha val="25000"/>
+              </a:srgbClr>
+            </a:outerShdw>
+          </a:effectLst>
+        </p:spPr>
+        <p:style>
+          <a:lnRef idx="3">
+            <a:schemeClr val="lt1"/>
+          </a:lnRef>
+          <a:fillRef idx="1">
+            <a:schemeClr val="accent1"/>
+          </a:fillRef>
+          <a:effectRef idx="1">
+            <a:schemeClr val="accent1"/>
+          </a:effectRef>
+          <a:fontRef idx="minor">
+            <a:schemeClr val="lt1"/>
+          </a:fontRef>
+        </p:style>
+        <p:txBody>
+          <a:bodyPr anchor="ctr"/>
+          <a:lstStyle>
+            <a:extLst/>
+          </a:lstStyle>
+          <a:p>
+            <a:pPr algn="ctr" eaLnBrk="1" latinLnBrk="0" hangingPunct="1"/>
+            <a:endParaRPr kumimoji="0" lang="en-US"/>
+          </a:p>
+        </p:txBody>
+      </p:sp>
+      <p:sp>
+        <p:nvSpPr>
+          <p:cNvPr id="10" name="Rounded Rectangle 9"/>
+          <p:cNvSpPr/>
+          <p:nvPr/>
+        </p:nvSpPr>
+        <p:spPr>
+          <a:xfrm>
+            <a:off x="418596" y="434162"/>
+            <a:ext cx="8306809" cy="3108960"/>
+          </a:xfrm>
+          <a:prstGeom prst="roundRect">
+            <a:avLst>
+              <a:gd name="adj" fmla="val 4578"/>
+            </a:avLst>
+          </a:prstGeom>
+          <a:gradFill rotWithShape="1">
+            <a:gsLst>
+              <a:gs pos="0">
+                <a:schemeClr val="bg1">
+                  <a:tint val="75000"/>
+                  <a:satMod val="150000"/>
+                </a:schemeClr>
+              </a:gs>
+              <a:gs pos="55000">
+                <a:schemeClr val="bg1">
+                  <a:shade val="75000"/>
+                  <a:satMod val="100000"/>
+                </a:schemeClr>
+              </a:gs>
+              <a:gs pos="100000">
+                <a:schemeClr val="bg1">
+                  <a:shade val="35000"/>
+                  <a:satMod val="100000"/>
+                </a:schemeClr>
+              </a:gs>
+            </a:gsLst>
+            <a:path path="circle">
+              <a:fillToRect l="50000" t="175000" r="50000" b="-75000"/>
+            </a:path>
+          </a:gradFill>
+          <a:ln w="8890" cap="rnd" cmpd="sng" algn="ctr">
+            <a:noFill/>
+            <a:prstDash val="solid"/>
+          </a:ln>
+          <a:effectLst/>
+        </p:spPr>
+        <p:style>
+          <a:lnRef idx="3">
+            <a:schemeClr val="lt1"/>
+          </a:lnRef>
+          <a:fillRef idx="1">
+            <a:schemeClr val="accent1"/>
+          </a:fillRef>
+          <a:effectRef idx="1">
+            <a:schemeClr val="accent1"/>
+          </a:effectRef>
+          <a:fontRef idx="minor">
+            <a:schemeClr val="lt1"/>
+          </a:fontRef>
+        </p:style>
+        <p:txBody>
+          <a:bodyPr anchor="ctr"/>
+          <a:lstStyle>
+            <a:extLst/>
+          </a:lstStyle>
+          <a:p>
+            <a:pPr algn="ctr" eaLnBrk="1" latinLnBrk="0" hangingPunct="1"/>
+            <a:endParaRPr kumimoji="0" lang="en-US"/>
+          </a:p>
+        </p:txBody>
+      </p:sp>
+      <p:sp>
+        <p:nvSpPr>
+          <p:cNvPr id="5" name="Title 4"/>
           <p:cNvSpPr>
             <a:spLocks noGrp="1"/>
           </p:cNvSpPr>
@@ -151,25 +737,44 @@
         </p:nvSpPr>
         <p:spPr>
           <a:xfrm>
-            <a:off x="685800" y="2130425"/>
-            <a:ext cx="7772400" cy="1470025"/>
+            <a:off x="722376" y="1820206"/>
+            <a:ext cx="7772400" cy="1828800"/>
           </a:xfrm>
         </p:spPr>
         <p:txBody>
-          <a:bodyPr/>
-          <a:lstStyle/>
-          <a:p>
-            <a:r>
-              <a:rPr lang="en-US" smtClean="0"/>
+          <a:bodyPr lIns="45720" rIns="45720" bIns="45720"/>
+          <a:lstStyle>
+            <a:lvl1pPr algn="r">
+              <a:defRPr sz="4500" b="1">
+                <a:solidFill>
+                  <a:schemeClr val="accent1">
+                    <a:tint val="88000"/>
+                    <a:satMod val="150000"/>
+                  </a:schemeClr>
+                </a:solidFill>
+                <a:effectLst>
+                  <a:outerShdw blurRad="53975" dist="22860" dir="5400000" algn="tl" rotWithShape="0">
+                    <a:srgbClr val="000000">
+                      <a:alpha val="55000"/>
+                    </a:srgbClr>
+                  </a:outerShdw>
+                </a:effectLst>
+              </a:defRPr>
+            </a:lvl1pPr>
+            <a:extLst/>
+          </a:lstStyle>
+          <a:p>
+            <a:r>
+              <a:rPr kumimoji="0" lang="en-US" smtClean="0"/>
               <a:t>Click to edit Master title style</a:t>
             </a:r>
-            <a:endParaRPr lang="en-US"/>
-          </a:p>
-        </p:txBody>
-      </p:sp>
-      <p:sp>
-        <p:nvSpPr>
-          <p:cNvPr id="3" name="Subtitle 2"/>
+            <a:endParaRPr kumimoji="0" lang="en-US"/>
+          </a:p>
+        </p:txBody>
+      </p:sp>
+      <p:sp>
+        <p:nvSpPr>
+          <p:cNvPr id="20" name="Subtitle 19"/>
           <p:cNvSpPr>
             <a:spLocks noGrp="1"/>
           </p:cNvSpPr>
@@ -179,116 +784,64 @@
         </p:nvSpPr>
         <p:spPr>
           <a:xfrm>
-            <a:off x="1371600" y="3886200"/>
-            <a:ext cx="6400800" cy="1752600"/>
+            <a:off x="722376" y="3685032"/>
+            <a:ext cx="7772400" cy="914400"/>
           </a:xfrm>
         </p:spPr>
         <p:txBody>
-          <a:bodyPr/>
+          <a:bodyPr lIns="182880" tIns="0"/>
           <a:lstStyle>
-            <a:lvl1pPr marL="0" indent="0" algn="ctr">
+            <a:lvl1pPr marL="36576" indent="0" algn="r">
+              <a:spcBef>
+                <a:spcPts val="0"/>
+              </a:spcBef>
               <a:buNone/>
-              <a:defRPr>
+              <a:defRPr sz="2000">
                 <a:solidFill>
-                  <a:schemeClr val="tx1">
-                    <a:tint val="75000"/>
+                  <a:schemeClr val="bg2">
+                    <a:shade val="25000"/>
                   </a:schemeClr>
                 </a:solidFill>
               </a:defRPr>
             </a:lvl1pPr>
             <a:lvl2pPr marL="457200" indent="0" algn="ctr">
               <a:buNone/>
-              <a:defRPr>
-                <a:solidFill>
-                  <a:schemeClr val="tx1">
-                    <a:tint val="75000"/>
-                  </a:schemeClr>
-                </a:solidFill>
-              </a:defRPr>
             </a:lvl2pPr>
             <a:lvl3pPr marL="914400" indent="0" algn="ctr">
               <a:buNone/>
-              <a:defRPr>
-                <a:solidFill>
-                  <a:schemeClr val="tx1">
-                    <a:tint val="75000"/>
-                  </a:schemeClr>
-                </a:solidFill>
-              </a:defRPr>
             </a:lvl3pPr>
             <a:lvl4pPr marL="1371600" indent="0" algn="ctr">
               <a:buNone/>
-              <a:defRPr>
-                <a:solidFill>
-                  <a:schemeClr val="tx1">
-                    <a:tint val="75000"/>
-                  </a:schemeClr>
-                </a:solidFill>
-              </a:defRPr>
             </a:lvl4pPr>
             <a:lvl5pPr marL="1828800" indent="0" algn="ctr">
               <a:buNone/>
-              <a:defRPr>
-                <a:solidFill>
-                  <a:schemeClr val="tx1">
-                    <a:tint val="75000"/>
-                  </a:schemeClr>
-                </a:solidFill>
-              </a:defRPr>
             </a:lvl5pPr>
             <a:lvl6pPr marL="2286000" indent="0" algn="ctr">
               <a:buNone/>
-              <a:defRPr>
-                <a:solidFill>
-                  <a:schemeClr val="tx1">
-                    <a:tint val="75000"/>
-                  </a:schemeClr>
-                </a:solidFill>
-              </a:defRPr>
             </a:lvl6pPr>
             <a:lvl7pPr marL="2743200" indent="0" algn="ctr">
               <a:buNone/>
-              <a:defRPr>
-                <a:solidFill>
-                  <a:schemeClr val="tx1">
-                    <a:tint val="75000"/>
-                  </a:schemeClr>
-                </a:solidFill>
-              </a:defRPr>
             </a:lvl7pPr>
             <a:lvl8pPr marL="3200400" indent="0" algn="ctr">
               <a:buNone/>
-              <a:defRPr>
-                <a:solidFill>
-                  <a:schemeClr val="tx1">
-                    <a:tint val="75000"/>
-                  </a:schemeClr>
-                </a:solidFill>
-              </a:defRPr>
             </a:lvl8pPr>
             <a:lvl9pPr marL="3657600" indent="0" algn="ctr">
               <a:buNone/>
-              <a:defRPr>
-                <a:solidFill>
-                  <a:schemeClr val="tx1">
-                    <a:tint val="75000"/>
-                  </a:schemeClr>
-                </a:solidFill>
-              </a:defRPr>
             </a:lvl9pPr>
+            <a:extLst/>
           </a:lstStyle>
           <a:p>
             <a:r>
-              <a:rPr lang="en-US" smtClean="0"/>
+              <a:rPr kumimoji="0" lang="en-US" smtClean="0"/>
               <a:t>Click to edit Master subtitle style</a:t>
             </a:r>
-            <a:endParaRPr lang="en-US"/>
-          </a:p>
-        </p:txBody>
-      </p:sp>
-      <p:sp>
-        <p:nvSpPr>
-          <p:cNvPr id="4" name="Date Placeholder 3"/>
+            <a:endParaRPr kumimoji="0" lang="en-US"/>
+          </a:p>
+        </p:txBody>
+      </p:sp>
+      <p:sp>
+        <p:nvSpPr>
+          <p:cNvPr id="19" name="Date Placeholder 18"/>
           <p:cNvSpPr>
             <a:spLocks noGrp="1"/>
           </p:cNvSpPr>
@@ -299,12 +852,14 @@
         <p:spPr/>
         <p:txBody>
           <a:bodyPr/>
-          <a:lstStyle/>
+          <a:lstStyle>
+            <a:extLst/>
+          </a:lstStyle>
           <a:p>
             <a:fld id="{4103763D-A27D-454E-8A4F-CA208A7ACAEE}" type="datetimeFigureOut">
               <a:rPr lang="en-US" smtClean="0"/>
               <a:pPr/>
-              <a:t>5/22/2009</a:t>
+              <a:t>6/15/2009</a:t>
             </a:fld>
             <a:endParaRPr lang="en-US"/>
           </a:p>
@@ -312,7 +867,7 @@
       </p:sp>
       <p:sp>
         <p:nvSpPr>
-          <p:cNvPr id="5" name="Footer Placeholder 4"/>
+          <p:cNvPr id="8" name="Footer Placeholder 7"/>
           <p:cNvSpPr>
             <a:spLocks noGrp="1"/>
           </p:cNvSpPr>
@@ -323,7 +878,9 @@
         <p:spPr/>
         <p:txBody>
           <a:bodyPr/>
-          <a:lstStyle/>
+          <a:lstStyle>
+            <a:extLst/>
+          </a:lstStyle>
           <a:p>
             <a:endParaRPr lang="en-US"/>
           </a:p>
@@ -331,7 +888,7 @@
       </p:sp>
       <p:sp>
         <p:nvSpPr>
-          <p:cNvPr id="6" name="Slide Number Placeholder 5"/>
+          <p:cNvPr id="11" name="Slide Number Placeholder 10"/>
           <p:cNvSpPr>
             <a:spLocks noGrp="1"/>
           </p:cNvSpPr>
@@ -342,7 +899,9 @@
         <p:spPr/>
         <p:txBody>
           <a:bodyPr/>
-          <a:lstStyle/>
+          <a:lstStyle>
+            <a:extLst/>
+          </a:lstStyle>
           <a:p>
             <a:fld id="{156E93B2-3A7B-41C6-9FE2-86B4B403BABE}" type="slidenum">
               <a:rPr lang="en-US" smtClean="0"/>
@@ -388,16 +947,23 @@
             <p:ph type="title"/>
           </p:nvPr>
         </p:nvSpPr>
-        <p:spPr/>
+        <p:spPr>
+          <a:xfrm>
+            <a:off x="502920" y="4983480"/>
+            <a:ext cx="8183880" cy="1051560"/>
+          </a:xfrm>
+        </p:spPr>
         <p:txBody>
           <a:bodyPr/>
-          <a:lstStyle/>
-          <a:p>
-            <a:r>
-              <a:rPr lang="en-US" smtClean="0"/>
+          <a:lstStyle>
+            <a:extLst/>
+          </a:lstStyle>
+          <a:p>
+            <a:r>
+              <a:rPr kumimoji="0" lang="en-US" smtClean="0"/>
               <a:t>Click to edit Master title style</a:t>
             </a:r>
-            <a:endParaRPr lang="en-US"/>
+            <a:endParaRPr kumimoji="0" lang="en-US"/>
           </a:p>
         </p:txBody>
       </p:sp>
@@ -411,45 +977,52 @@
             <p:ph type="body" orient="vert" idx="1"/>
           </p:nvPr>
         </p:nvSpPr>
-        <p:spPr/>
+        <p:spPr>
+          <a:xfrm>
+            <a:off x="502920" y="530352"/>
+            <a:ext cx="8183880" cy="4187952"/>
+          </a:xfrm>
+        </p:spPr>
         <p:txBody>
           <a:bodyPr vert="eaVert"/>
-          <a:lstStyle/>
-          <a:p>
-            <a:pPr lvl="0"/>
+          <a:lstStyle>
+            <a:extLst/>
+          </a:lstStyle>
+          <a:p>
+            <a:pPr lvl="0" eaLnBrk="1" latinLnBrk="0" hangingPunct="1"/>
             <a:r>
               <a:rPr lang="en-US" smtClean="0"/>
               <a:t>Click to edit Master text styles</a:t>
             </a:r>
           </a:p>
           <a:p>
-            <a:pPr lvl="1"/>
+            <a:pPr lvl="1" eaLnBrk="1" latinLnBrk="0" hangingPunct="1"/>
             <a:r>
               <a:rPr lang="en-US" smtClean="0"/>
               <a:t>Second level</a:t>
             </a:r>
           </a:p>
           <a:p>
-            <a:pPr lvl="2"/>
+            <a:pPr lvl="2" eaLnBrk="1" latinLnBrk="0" hangingPunct="1"/>
             <a:r>
               <a:rPr lang="en-US" smtClean="0"/>
               <a:t>Third level</a:t>
             </a:r>
           </a:p>
           <a:p>
-            <a:pPr lvl="3"/>
+            <a:pPr lvl="3" eaLnBrk="1" latinLnBrk="0" hangingPunct="1"/>
             <a:r>
               <a:rPr lang="en-US" smtClean="0"/>
               <a:t>Fourth level</a:t>
             </a:r>
           </a:p>
           <a:p>
-            <a:pPr lvl="4"/>
+            <a:pPr lvl="4" eaLnBrk="1" latinLnBrk="0" hangingPunct="1"/>
             <a:r>
               <a:rPr lang="en-US" smtClean="0"/>
               <a:t>Fifth level</a:t>
             </a:r>
-            <a:endParaRPr lang="en-US"/>
+            <a:endParaRPr kumimoji="0" lang="en-US"/>
           </a:p>
         </p:txBody>
       </p:sp>
@@ -466,12 +1039,14 @@
         <p:spPr/>
         <p:txBody>
           <a:bodyPr/>
-          <a:lstStyle/>
+          <a:lstStyle>
+            <a:extLst/>
+          </a:lstStyle>
           <a:p>
             <a:fld id="{4103763D-A27D-454E-8A4F-CA208A7ACAEE}" type="datetimeFigureOut">
               <a:rPr lang="en-US" smtClean="0"/>
               <a:pPr/>
-              <a:t>5/22/2009</a:t>
+              <a:t>6/15/2009</a:t>
             </a:fld>
             <a:endParaRPr lang="en-US"/>
           </a:p>
@@ -490,7 +1065,9 @@
         <p:spPr/>
         <p:txBody>
           <a:bodyPr/>
-          <a:lstStyle/>
+          <a:lstStyle>
+            <a:extLst/>
+          </a:lstStyle>
           <a:p>
             <a:endParaRPr lang="en-US"/>
           </a:p>
@@ -509,7 +1086,9 @@
         <p:spPr/>
         <p:txBody>
           <a:bodyPr/>
-          <a:lstStyle/>
+          <a:lstStyle>
+            <a:extLst/>
+          </a:lstStyle>
           <a:p>
             <a:fld id="{156E93B2-3A7B-41C6-9FE2-86B4B403BABE}" type="slidenum">
               <a:rPr lang="en-US" smtClean="0"/>
@@ -557,19 +1136,21 @@
         </p:nvSpPr>
         <p:spPr>
           <a:xfrm>
-            <a:off x="6629400" y="274638"/>
-            <a:ext cx="2057400" cy="5851525"/>
+            <a:off x="6629400" y="533404"/>
+            <a:ext cx="1981200" cy="5257799"/>
           </a:xfrm>
         </p:spPr>
         <p:txBody>
           <a:bodyPr vert="eaVert"/>
-          <a:lstStyle/>
-          <a:p>
-            <a:r>
-              <a:rPr lang="en-US" smtClean="0"/>
+          <a:lstStyle>
+            <a:extLst/>
+          </a:lstStyle>
+          <a:p>
+            <a:r>
+              <a:rPr kumimoji="0" lang="en-US" smtClean="0"/>
               <a:t>Click to edit Master title style</a:t>
             </a:r>
-            <a:endParaRPr lang="en-US"/>
+            <a:endParaRPr kumimoji="0" lang="en-US"/>
           </a:p>
         </p:txBody>
       </p:sp>
@@ -585,48 +1166,50 @@
         </p:nvSpPr>
         <p:spPr>
           <a:xfrm>
-            <a:off x="457200" y="274638"/>
-            <a:ext cx="6019800" cy="5851525"/>
+            <a:off x="533400" y="533402"/>
+            <a:ext cx="5943600" cy="5257801"/>
           </a:xfrm>
         </p:spPr>
         <p:txBody>
           <a:bodyPr vert="eaVert"/>
-          <a:lstStyle/>
-          <a:p>
-            <a:pPr lvl="0"/>
+          <a:lstStyle>
+            <a:extLst/>
+          </a:lstStyle>
+          <a:p>
+            <a:pPr lvl="0" eaLnBrk="1" latinLnBrk="0" hangingPunct="1"/>
             <a:r>
               <a:rPr lang="en-US" smtClean="0"/>
               <a:t>Click to edit Master text styles</a:t>
             </a:r>
           </a:p>
           <a:p>
-            <a:pPr lvl="1"/>
+            <a:pPr lvl="1" eaLnBrk="1" latinLnBrk="0" hangingPunct="1"/>
             <a:r>
               <a:rPr lang="en-US" smtClean="0"/>
               <a:t>Second level</a:t>
             </a:r>
           </a:p>
           <a:p>
-            <a:pPr lvl="2"/>
+            <a:pPr lvl="2" eaLnBrk="1" latinLnBrk="0" hangingPunct="1"/>
             <a:r>
               <a:rPr lang="en-US" smtClean="0"/>
               <a:t>Third level</a:t>
             </a:r>
           </a:p>
           <a:p>
-            <a:pPr lvl="3"/>
+            <a:pPr lvl="3" eaLnBrk="1" latinLnBrk="0" hangingPunct="1"/>
             <a:r>
               <a:rPr lang="en-US" smtClean="0"/>
               <a:t>Fourth level</a:t>
             </a:r>
           </a:p>
           <a:p>
-            <a:pPr lvl="4"/>
+            <a:pPr lvl="4" eaLnBrk="1" latinLnBrk="0" hangingPunct="1"/>
             <a:r>
               <a:rPr lang="en-US" smtClean="0"/>
               <a:t>Fifth level</a:t>
             </a:r>
-            <a:endParaRPr lang="en-US"/>
+            <a:endParaRPr kumimoji="0" lang="en-US"/>
           </a:p>
         </p:txBody>
       </p:sp>
@@ -643,12 +1226,14 @@
         <p:spPr/>
         <p:txBody>
           <a:bodyPr/>
-          <a:lstStyle/>
+          <a:lstStyle>
+            <a:extLst/>
+          </a:lstStyle>
           <a:p>
             <a:fld id="{4103763D-A27D-454E-8A4F-CA208A7ACAEE}" type="datetimeFigureOut">
               <a:rPr lang="en-US" smtClean="0"/>
               <a:pPr/>
-              <a:t>5/22/2009</a:t>
+              <a:t>6/15/2009</a:t>
             </a:fld>
             <a:endParaRPr lang="en-US"/>
           </a:p>
@@ -667,7 +1252,9 @@
         <p:spPr/>
         <p:txBody>
           <a:bodyPr/>
-          <a:lstStyle/>
+          <a:lstStyle>
+            <a:extLst/>
+          </a:lstStyle>
           <a:p>
             <a:endParaRPr lang="en-US"/>
           </a:p>
@@ -686,7 +1273,9 @@
         <p:spPr/>
         <p:txBody>
           <a:bodyPr/>
-          <a:lstStyle/>
+          <a:lstStyle>
+            <a:extLst/>
+          </a:lstStyle>
           <a:p>
             <a:fld id="{156E93B2-3A7B-41C6-9FE2-86B4B403BABE}" type="slidenum">
               <a:rPr lang="en-US" smtClean="0"/>
@@ -732,16 +1321,23 @@
             <p:ph type="title"/>
           </p:nvPr>
         </p:nvSpPr>
-        <p:spPr/>
+        <p:spPr>
+          <a:xfrm>
+            <a:off x="502920" y="4983480"/>
+            <a:ext cx="8183880" cy="1051560"/>
+          </a:xfrm>
+        </p:spPr>
         <p:txBody>
           <a:bodyPr/>
-          <a:lstStyle/>
-          <a:p>
-            <a:r>
-              <a:rPr lang="en-US" smtClean="0"/>
+          <a:lstStyle>
+            <a:extLst/>
+          </a:lstStyle>
+          <a:p>
+            <a:r>
+              <a:rPr kumimoji="0" lang="en-US" smtClean="0"/>
               <a:t>Click to edit Master title style</a:t>
             </a:r>
-            <a:endParaRPr lang="en-US"/>
+            <a:endParaRPr kumimoji="0" lang="en-US"/>
           </a:p>
         </p:txBody>
       </p:sp>
@@ -755,45 +1351,52 @@
             <p:ph idx="1"/>
           </p:nvPr>
         </p:nvSpPr>
-        <p:spPr/>
+        <p:spPr>
+          <a:xfrm>
+            <a:off x="502920" y="530352"/>
+            <a:ext cx="8183880" cy="4187952"/>
+          </a:xfrm>
+        </p:spPr>
         <p:txBody>
           <a:bodyPr/>
-          <a:lstStyle/>
-          <a:p>
-            <a:pPr lvl="0"/>
+          <a:lstStyle>
+            <a:extLst/>
+          </a:lstStyle>
+          <a:p>
+            <a:pPr lvl="0" eaLnBrk="1" latinLnBrk="0" hangingPunct="1"/>
             <a:r>
               <a:rPr lang="en-US" smtClean="0"/>
               <a:t>Click to edit Master text styles</a:t>
             </a:r>
           </a:p>
           <a:p>
-            <a:pPr lvl="1"/>
+            <a:pPr lvl="1" eaLnBrk="1" latinLnBrk="0" hangingPunct="1"/>
             <a:r>
               <a:rPr lang="en-US" smtClean="0"/>
               <a:t>Second level</a:t>
             </a:r>
           </a:p>
           <a:p>
-            <a:pPr lvl="2"/>
+            <a:pPr lvl="2" eaLnBrk="1" latinLnBrk="0" hangingPunct="1"/>
             <a:r>
               <a:rPr lang="en-US" smtClean="0"/>
               <a:t>Third level</a:t>
             </a:r>
           </a:p>
           <a:p>
-            <a:pPr lvl="3"/>
+            <a:pPr lvl="3" eaLnBrk="1" latinLnBrk="0" hangingPunct="1"/>
             <a:r>
               <a:rPr lang="en-US" smtClean="0"/>
               <a:t>Fourth level</a:t>
             </a:r>
           </a:p>
           <a:p>
-            <a:pPr lvl="4"/>
+            <a:pPr lvl="4" eaLnBrk="1" latinLnBrk="0" hangingPunct="1"/>
             <a:r>
               <a:rPr lang="en-US" smtClean="0"/>
               <a:t>Fifth level</a:t>
             </a:r>
-            <a:endParaRPr lang="en-US"/>
+            <a:endParaRPr kumimoji="0" lang="en-US"/>
           </a:p>
         </p:txBody>
       </p:sp>
@@ -810,12 +1413,14 @@
         <p:spPr/>
         <p:txBody>
           <a:bodyPr/>
-          <a:lstStyle/>
+          <a:lstStyle>
+            <a:extLst/>
+          </a:lstStyle>
           <a:p>
             <a:fld id="{4103763D-A27D-454E-8A4F-CA208A7ACAEE}" type="datetimeFigureOut">
               <a:rPr lang="en-US" smtClean="0"/>
               <a:pPr/>
-              <a:t>5/22/2009</a:t>
+              <a:t>6/15/2009</a:t>
             </a:fld>
             <a:endParaRPr lang="en-US"/>
           </a:p>
@@ -834,7 +1439,9 @@
         <p:spPr/>
         <p:txBody>
           <a:bodyPr/>
-          <a:lstStyle/>
+          <a:lstStyle>
+            <a:extLst/>
+          </a:lstStyle>
           <a:p>
             <a:endParaRPr lang="en-US"/>
           </a:p>
@@ -853,7 +1460,9 @@
         <p:spPr/>
         <p:txBody>
           <a:bodyPr/>
-          <a:lstStyle/>
+          <a:lstStyle>
+            <a:extLst/>
+          </a:lstStyle>
           <a:p>
             <a:fld id="{156E93B2-3A7B-41C6-9FE2-86B4B403BABE}" type="slidenum">
               <a:rPr lang="en-US" smtClean="0"/>
@@ -873,7 +1482,7 @@
 </file>
 
 <file path=ppt/slideLayouts/slideLayout3.xml><?xml version="1.0" encoding="utf-8"?>
-<p:sldLayout xmlns:a="http://schemas.openxmlformats.org/drawingml/2006/main" xmlns:r="http://schemas.openxmlformats.org/officeDocument/2006/relationships" xmlns:p="http://schemas.openxmlformats.org/presentationml/2006/main" type="secHead" preserve="1">
+<p:sldLayout xmlns:a="http://schemas.openxmlformats.org/drawingml/2006/main" xmlns:r="http://schemas.openxmlformats.org/officeDocument/2006/relationships" xmlns:p="http://schemas.openxmlformats.org/presentationml/2006/main" showMasterSp="0" type="secHead" preserve="1">
   <p:cSld name="Section Header">
     <p:spTree>
       <p:nvGrpSpPr>
@@ -891,6 +1500,162 @@
       </p:grpSpPr>
       <p:sp>
         <p:nvSpPr>
+          <p:cNvPr id="14" name="Rounded Rectangle 13"/>
+          <p:cNvSpPr/>
+          <p:nvPr/>
+        </p:nvSpPr>
+        <p:spPr>
+          <a:xfrm>
+            <a:off x="304800" y="329184"/>
+            <a:ext cx="8532055" cy="6196819"/>
+          </a:xfrm>
+          <a:prstGeom prst="roundRect">
+            <a:avLst>
+              <a:gd name="adj" fmla="val 2081"/>
+            </a:avLst>
+          </a:prstGeom>
+          <a:gradFill flip="none" rotWithShape="1">
+            <a:gsLst>
+              <a:gs pos="0">
+                <a:srgbClr val="FFFFFF">
+                  <a:shade val="100000"/>
+                </a:srgbClr>
+              </a:gs>
+              <a:gs pos="98000">
+                <a:srgbClr val="FFFFFF">
+                  <a:shade val="100000"/>
+                </a:srgbClr>
+              </a:gs>
+              <a:gs pos="99055">
+                <a:srgbClr val="FFFFFF">
+                  <a:shade val="93000"/>
+                </a:srgbClr>
+              </a:gs>
+              <a:gs pos="100000">
+                <a:srgbClr val="FFFFFF">
+                  <a:shade val="70000"/>
+                </a:srgbClr>
+              </a:gs>
+            </a:gsLst>
+            <a:lin ang="5400000" scaled="1"/>
+            <a:tileRect/>
+          </a:gradFill>
+          <a:ln w="2000" cap="rnd" cmpd="sng" algn="ctr">
+            <a:solidFill>
+              <a:srgbClr val="302F2C">
+                <a:tint val="65000"/>
+                <a:satMod val="120000"/>
+              </a:srgbClr>
+            </a:solidFill>
+            <a:prstDash val="solid"/>
+          </a:ln>
+          <a:effectLst>
+            <a:outerShdw blurRad="76200" dist="50800" dir="5400000" algn="tl" rotWithShape="0">
+              <a:srgbClr val="000000">
+                <a:alpha val="25000"/>
+              </a:srgbClr>
+            </a:outerShdw>
+          </a:effectLst>
+        </p:spPr>
+        <p:style>
+          <a:lnRef idx="3">
+            <a:schemeClr val="lt1"/>
+          </a:lnRef>
+          <a:fillRef idx="1">
+            <a:schemeClr val="accent1"/>
+          </a:fillRef>
+          <a:effectRef idx="1">
+            <a:schemeClr val="accent1"/>
+          </a:effectRef>
+          <a:fontRef idx="minor">
+            <a:schemeClr val="lt1"/>
+          </a:fontRef>
+        </p:style>
+        <p:txBody>
+          <a:bodyPr anchor="ctr"/>
+          <a:lstStyle>
+            <a:extLst/>
+          </a:lstStyle>
+          <a:p>
+            <a:pPr algn="ctr" eaLnBrk="1" latinLnBrk="0" hangingPunct="1"/>
+            <a:endParaRPr kumimoji="0" lang="en-US"/>
+          </a:p>
+        </p:txBody>
+      </p:sp>
+      <p:sp>
+        <p:nvSpPr>
+          <p:cNvPr id="11" name="Rounded Rectangle 10"/>
+          <p:cNvSpPr/>
+          <p:nvPr/>
+        </p:nvSpPr>
+        <p:spPr>
+          <a:xfrm>
+            <a:off x="418596" y="434162"/>
+            <a:ext cx="8306809" cy="4341329"/>
+          </a:xfrm>
+          <a:prstGeom prst="roundRect">
+            <a:avLst>
+              <a:gd name="adj" fmla="val 2127"/>
+            </a:avLst>
+          </a:prstGeom>
+          <a:gradFill rotWithShape="1">
+            <a:gsLst>
+              <a:gs pos="0">
+                <a:schemeClr val="bg1">
+                  <a:tint val="75000"/>
+                  <a:satMod val="150000"/>
+                </a:schemeClr>
+              </a:gs>
+              <a:gs pos="55000">
+                <a:schemeClr val="bg1">
+                  <a:shade val="75000"/>
+                  <a:satMod val="100000"/>
+                </a:schemeClr>
+              </a:gs>
+              <a:gs pos="100000">
+                <a:schemeClr val="bg1">
+                  <a:shade val="35000"/>
+                  <a:satMod val="100000"/>
+                </a:schemeClr>
+              </a:gs>
+            </a:gsLst>
+            <a:path path="circle">
+              <a:fillToRect l="50000" t="175000" r="50000" b="-75000"/>
+            </a:path>
+          </a:gradFill>
+          <a:ln w="8890" cap="rnd" cmpd="sng" algn="ctr">
+            <a:noFill/>
+            <a:prstDash val="solid"/>
+          </a:ln>
+          <a:effectLst/>
+        </p:spPr>
+        <p:style>
+          <a:lnRef idx="3">
+            <a:schemeClr val="lt1"/>
+          </a:lnRef>
+          <a:fillRef idx="1">
+            <a:schemeClr val="accent1"/>
+          </a:fillRef>
+          <a:effectRef idx="1">
+            <a:schemeClr val="accent1"/>
+          </a:effectRef>
+          <a:fontRef idx="minor">
+            <a:schemeClr val="lt1"/>
+          </a:fontRef>
+        </p:style>
+        <p:txBody>
+          <a:bodyPr anchor="ctr"/>
+          <a:lstStyle>
+            <a:extLst/>
+          </a:lstStyle>
+          <a:p>
+            <a:pPr algn="ctr" eaLnBrk="1" latinLnBrk="0" hangingPunct="1"/>
+            <a:endParaRPr kumimoji="0" lang="en-US"/>
+          </a:p>
+        </p:txBody>
+      </p:sp>
+      <p:sp>
+        <p:nvSpPr>
           <p:cNvPr id="2" name="Title 1"/>
           <p:cNvSpPr>
             <a:spLocks noGrp="1"/>
@@ -901,23 +1666,32 @@
         </p:nvSpPr>
         <p:spPr>
           <a:xfrm>
-            <a:off x="722313" y="4406900"/>
-            <a:ext cx="7772400" cy="1362075"/>
+            <a:off x="468344" y="4928616"/>
+            <a:ext cx="8183880" cy="676656"/>
           </a:xfrm>
         </p:spPr>
         <p:txBody>
-          <a:bodyPr anchor="t"/>
+          <a:bodyPr lIns="91440" bIns="0" anchor="b"/>
           <a:lstStyle>
             <a:lvl1pPr algn="l">
-              <a:defRPr sz="4000" b="1" cap="all"/>
+              <a:buNone/>
+              <a:defRPr sz="3600" b="0" cap="none" baseline="0">
+                <a:solidFill>
+                  <a:schemeClr val="bg2">
+                    <a:shade val="25000"/>
+                  </a:schemeClr>
+                </a:solidFill>
+                <a:effectLst/>
+              </a:defRPr>
             </a:lvl1pPr>
+            <a:extLst/>
           </a:lstStyle>
           <a:p>
             <a:r>
-              <a:rPr lang="en-US" smtClean="0"/>
+              <a:rPr kumimoji="0" lang="en-US" smtClean="0"/>
               <a:t>Click to edit Master title style</a:t>
             </a:r>
-            <a:endParaRPr lang="en-US"/>
+            <a:endParaRPr kumimoji="0" lang="en-US"/>
           </a:p>
         </p:txBody>
       </p:sp>
@@ -933,24 +1707,32 @@
         </p:nvSpPr>
         <p:spPr>
           <a:xfrm>
-            <a:off x="722313" y="2906713"/>
-            <a:ext cx="7772400" cy="1500187"/>
+            <a:off x="468344" y="5624484"/>
+            <a:ext cx="8183880" cy="420624"/>
           </a:xfrm>
         </p:spPr>
         <p:txBody>
-          <a:bodyPr anchor="b"/>
+          <a:bodyPr lIns="118872" tIns="0" anchor="t"/>
           <a:lstStyle>
-            <a:lvl1pPr marL="0" indent="0">
+            <a:lvl1pPr marL="0" marR="36576" indent="0" algn="l">
+              <a:spcBef>
+                <a:spcPts val="0"/>
+              </a:spcBef>
+              <a:spcAft>
+                <a:spcPts val="0"/>
+              </a:spcAft>
               <a:buNone/>
-              <a:defRPr sz="2000">
+              <a:defRPr sz="1800" b="0">
                 <a:solidFill>
-                  <a:schemeClr val="tx1">
-                    <a:tint val="75000"/>
+                  <a:schemeClr val="accent1">
+                    <a:shade val="50000"/>
+                    <a:satMod val="110000"/>
                   </a:schemeClr>
                 </a:solidFill>
+                <a:effectLst/>
               </a:defRPr>
             </a:lvl1pPr>
-            <a:lvl2pPr marL="457200" indent="0">
+            <a:lvl2pPr>
               <a:buNone/>
               <a:defRPr sz="1800">
                 <a:solidFill>
@@ -960,7 +1742,7 @@
                 </a:solidFill>
               </a:defRPr>
             </a:lvl2pPr>
-            <a:lvl3pPr marL="914400" indent="0">
+            <a:lvl3pPr>
               <a:buNone/>
               <a:defRPr sz="1600">
                 <a:solidFill>
@@ -970,7 +1752,7 @@
                 </a:solidFill>
               </a:defRPr>
             </a:lvl3pPr>
-            <a:lvl4pPr marL="1371600" indent="0">
+            <a:lvl4pPr>
               <a:buNone/>
               <a:defRPr sz="1400">
                 <a:solidFill>
@@ -980,7 +1762,7 @@
                 </a:solidFill>
               </a:defRPr>
             </a:lvl4pPr>
-            <a:lvl5pPr marL="1828800" indent="0">
+            <a:lvl5pPr>
               <a:buNone/>
               <a:defRPr sz="1400">
                 <a:solidFill>
@@ -990,51 +1772,12 @@
                 </a:solidFill>
               </a:defRPr>
             </a:lvl5pPr>
-            <a:lvl6pPr marL="2286000" indent="0">
-              <a:buNone/>
-              <a:defRPr sz="1400">
-                <a:solidFill>
-                  <a:schemeClr val="tx1">
-                    <a:tint val="75000"/>
-                  </a:schemeClr>
-                </a:solidFill>
-              </a:defRPr>
-            </a:lvl6pPr>
-            <a:lvl7pPr marL="2743200" indent="0">
-              <a:buNone/>
-              <a:defRPr sz="1400">
-                <a:solidFill>
-                  <a:schemeClr val="tx1">
-                    <a:tint val="75000"/>
-                  </a:schemeClr>
-                </a:solidFill>
-              </a:defRPr>
-            </a:lvl7pPr>
-            <a:lvl8pPr marL="3200400" indent="0">
-              <a:buNone/>
-              <a:defRPr sz="1400">
-                <a:solidFill>
-                  <a:schemeClr val="tx1">
-                    <a:tint val="75000"/>
-                  </a:schemeClr>
-                </a:solidFill>
-              </a:defRPr>
-            </a:lvl8pPr>
-            <a:lvl9pPr marL="3657600" indent="0">
-              <a:buNone/>
-              <a:defRPr sz="1400">
-                <a:solidFill>
-                  <a:schemeClr val="tx1">
-                    <a:tint val="75000"/>
-                  </a:schemeClr>
-                </a:solidFill>
-              </a:defRPr>
-            </a:lvl9pPr>
+            <a:extLst/>
           </a:lstStyle>
           <a:p>
-            <a:pPr lvl="0"/>
-            <a:r>
-              <a:rPr lang="en-US" smtClean="0"/>
+            <a:pPr lvl="0" eaLnBrk="1" latinLnBrk="0" hangingPunct="1"/>
+            <a:r>
+              <a:rPr kumimoji="0" lang="en-US" smtClean="0"/>
               <a:t>Click to edit Master text styles</a:t>
             </a:r>
           </a:p>
@@ -1053,12 +1796,14 @@
         <p:spPr/>
         <p:txBody>
           <a:bodyPr/>
-          <a:lstStyle/>
+          <a:lstStyle>
+            <a:extLst/>
+          </a:lstStyle>
           <a:p>
             <a:fld id="{4103763D-A27D-454E-8A4F-CA208A7ACAEE}" type="datetimeFigureOut">
               <a:rPr lang="en-US" smtClean="0"/>
               <a:pPr/>
-              <a:t>5/22/2009</a:t>
+              <a:t>6/15/2009</a:t>
             </a:fld>
             <a:endParaRPr lang="en-US"/>
           </a:p>
@@ -1077,7 +1822,9 @@
         <p:spPr/>
         <p:txBody>
           <a:bodyPr/>
-          <a:lstStyle/>
+          <a:lstStyle>
+            <a:extLst/>
+          </a:lstStyle>
           <a:p>
             <a:endParaRPr lang="en-US"/>
           </a:p>
@@ -1096,7 +1843,9 @@
         <p:spPr/>
         <p:txBody>
           <a:bodyPr/>
-          <a:lstStyle/>
+          <a:lstStyle>
+            <a:extLst/>
+          </a:lstStyle>
           <a:p>
             <a:fld id="{156E93B2-3A7B-41C6-9FE2-86B4B403BABE}" type="slidenum">
               <a:rPr lang="en-US" smtClean="0"/>
@@ -1145,13 +1894,15 @@
         <p:spPr/>
         <p:txBody>
           <a:bodyPr/>
-          <a:lstStyle/>
-          <a:p>
-            <a:r>
-              <a:rPr lang="en-US" smtClean="0"/>
+          <a:lstStyle>
+            <a:extLst/>
+          </a:lstStyle>
+          <a:p>
+            <a:r>
+              <a:rPr kumimoji="0" lang="en-US" smtClean="0"/>
               <a:t>Click to edit Master title style</a:t>
             </a:r>
-            <a:endParaRPr lang="en-US"/>
+            <a:endParaRPr kumimoji="0" lang="en-US"/>
           </a:p>
         </p:txBody>
       </p:sp>
@@ -1167,18 +1918,18 @@
         </p:nvSpPr>
         <p:spPr>
           <a:xfrm>
-            <a:off x="457200" y="1600200"/>
-            <a:ext cx="4038600" cy="4525963"/>
+            <a:off x="514352" y="530352"/>
+            <a:ext cx="3931920" cy="4389120"/>
           </a:xfrm>
         </p:spPr>
         <p:txBody>
           <a:bodyPr/>
           <a:lstStyle>
             <a:lvl1pPr>
-              <a:defRPr sz="2800"/>
+              <a:defRPr sz="2600"/>
             </a:lvl1pPr>
             <a:lvl2pPr>
-              <a:defRPr sz="2400"/>
+              <a:defRPr sz="2200"/>
             </a:lvl2pPr>
             <a:lvl3pPr>
               <a:defRPr sz="2000"/>
@@ -1189,54 +1940,43 @@
             <a:lvl5pPr>
               <a:defRPr sz="1800"/>
             </a:lvl5pPr>
-            <a:lvl6pPr>
-              <a:defRPr sz="1800"/>
-            </a:lvl6pPr>
-            <a:lvl7pPr>
-              <a:defRPr sz="1800"/>
-            </a:lvl7pPr>
-            <a:lvl8pPr>
-              <a:defRPr sz="1800"/>
-            </a:lvl8pPr>
-            <a:lvl9pPr>
-              <a:defRPr sz="1800"/>
-            </a:lvl9pPr>
+            <a:extLst/>
           </a:lstStyle>
           <a:p>
-            <a:pPr lvl="0"/>
+            <a:pPr lvl="0" eaLnBrk="1" latinLnBrk="0" hangingPunct="1"/>
             <a:r>
               <a:rPr lang="en-US" smtClean="0"/>
               <a:t>Click to edit Master text styles</a:t>
             </a:r>
           </a:p>
           <a:p>
-            <a:pPr lvl="1"/>
+            <a:pPr lvl="1" eaLnBrk="1" latinLnBrk="0" hangingPunct="1"/>
             <a:r>
               <a:rPr lang="en-US" smtClean="0"/>
               <a:t>Second level</a:t>
             </a:r>
           </a:p>
           <a:p>
-            <a:pPr lvl="2"/>
+            <a:pPr lvl="2" eaLnBrk="1" latinLnBrk="0" hangingPunct="1"/>
             <a:r>
               <a:rPr lang="en-US" smtClean="0"/>
               <a:t>Third level</a:t>
             </a:r>
           </a:p>
           <a:p>
-            <a:pPr lvl="3"/>
+            <a:pPr lvl="3" eaLnBrk="1" latinLnBrk="0" hangingPunct="1"/>
             <a:r>
               <a:rPr lang="en-US" smtClean="0"/>
               <a:t>Fourth level</a:t>
             </a:r>
           </a:p>
           <a:p>
-            <a:pPr lvl="4"/>
+            <a:pPr lvl="4" eaLnBrk="1" latinLnBrk="0" hangingPunct="1"/>
             <a:r>
               <a:rPr lang="en-US" smtClean="0"/>
               <a:t>Fifth level</a:t>
             </a:r>
-            <a:endParaRPr lang="en-US"/>
+            <a:endParaRPr kumimoji="0" lang="en-US"/>
           </a:p>
         </p:txBody>
       </p:sp>
@@ -1252,18 +1992,18 @@
         </p:nvSpPr>
         <p:spPr>
           <a:xfrm>
-            <a:off x="4648200" y="1600200"/>
-            <a:ext cx="4038600" cy="4525963"/>
+            <a:off x="4755360" y="530352"/>
+            <a:ext cx="3931920" cy="4389120"/>
           </a:xfrm>
         </p:spPr>
         <p:txBody>
           <a:bodyPr/>
           <a:lstStyle>
             <a:lvl1pPr>
-              <a:defRPr sz="2800"/>
+              <a:defRPr sz="2600"/>
             </a:lvl1pPr>
             <a:lvl2pPr>
-              <a:defRPr sz="2400"/>
+              <a:defRPr sz="2200"/>
             </a:lvl2pPr>
             <a:lvl3pPr>
               <a:defRPr sz="2000"/>
@@ -1274,54 +2014,43 @@
             <a:lvl5pPr>
               <a:defRPr sz="1800"/>
             </a:lvl5pPr>
-            <a:lvl6pPr>
-              <a:defRPr sz="1800"/>
-            </a:lvl6pPr>
-            <a:lvl7pPr>
-              <a:defRPr sz="1800"/>
-            </a:lvl7pPr>
-            <a:lvl8pPr>
-              <a:defRPr sz="1800"/>
-            </a:lvl8pPr>
-            <a:lvl9pPr>
-              <a:defRPr sz="1800"/>
-            </a:lvl9pPr>
+            <a:extLst/>
           </a:lstStyle>
           <a:p>
-            <a:pPr lvl="0"/>
+            <a:pPr lvl="0" eaLnBrk="1" latinLnBrk="0" hangingPunct="1"/>
             <a:r>
               <a:rPr lang="en-US" smtClean="0"/>
               <a:t>Click to edit Master text styles</a:t>
             </a:r>
           </a:p>
           <a:p>
-            <a:pPr lvl="1"/>
+            <a:pPr lvl="1" eaLnBrk="1" latinLnBrk="0" hangingPunct="1"/>
             <a:r>
               <a:rPr lang="en-US" smtClean="0"/>
               <a:t>Second level</a:t>
             </a:r>
           </a:p>
           <a:p>
-            <a:pPr lvl="2"/>
+            <a:pPr lvl="2" eaLnBrk="1" latinLnBrk="0" hangingPunct="1"/>
             <a:r>
               <a:rPr lang="en-US" smtClean="0"/>
               <a:t>Third level</a:t>
             </a:r>
           </a:p>
           <a:p>
-            <a:pPr lvl="3"/>
+            <a:pPr lvl="3" eaLnBrk="1" latinLnBrk="0" hangingPunct="1"/>
             <a:r>
               <a:rPr lang="en-US" smtClean="0"/>
               <a:t>Fourth level</a:t>
             </a:r>
           </a:p>
           <a:p>
-            <a:pPr lvl="4"/>
+            <a:pPr lvl="4" eaLnBrk="1" latinLnBrk="0" hangingPunct="1"/>
             <a:r>
               <a:rPr lang="en-US" smtClean="0"/>
               <a:t>Fifth level</a:t>
             </a:r>
-            <a:endParaRPr lang="en-US"/>
+            <a:endParaRPr kumimoji="0" lang="en-US"/>
           </a:p>
         </p:txBody>
       </p:sp>
@@ -1338,12 +2067,14 @@
         <p:spPr/>
         <p:txBody>
           <a:bodyPr/>
-          <a:lstStyle/>
+          <a:lstStyle>
+            <a:extLst/>
+          </a:lstStyle>
           <a:p>
             <a:fld id="{4103763D-A27D-454E-8A4F-CA208A7ACAEE}" type="datetimeFigureOut">
               <a:rPr lang="en-US" smtClean="0"/>
               <a:pPr/>
-              <a:t>5/22/2009</a:t>
+              <a:t>6/15/2009</a:t>
             </a:fld>
             <a:endParaRPr lang="en-US"/>
           </a:p>
@@ -1362,7 +2093,9 @@
         <p:spPr/>
         <p:txBody>
           <a:bodyPr/>
-          <a:lstStyle/>
+          <a:lstStyle>
+            <a:extLst/>
+          </a:lstStyle>
           <a:p>
             <a:endParaRPr lang="en-US"/>
           </a:p>
@@ -1381,7 +2114,9 @@
         <p:spPr/>
         <p:txBody>
           <a:bodyPr/>
-          <a:lstStyle/>
+          <a:lstStyle>
+            <a:extLst/>
+          </a:lstStyle>
           <a:p>
             <a:fld id="{156E93B2-3A7B-41C6-9FE2-86B4B403BABE}" type="slidenum">
               <a:rPr lang="en-US" smtClean="0"/>
@@ -1427,20 +2162,26 @@
             <p:ph type="title"/>
           </p:nvPr>
         </p:nvSpPr>
-        <p:spPr/>
-        <p:txBody>
-          <a:bodyPr/>
+        <p:spPr>
+          <a:xfrm>
+            <a:off x="502920" y="4983480"/>
+            <a:ext cx="8183880" cy="1051560"/>
+          </a:xfrm>
+        </p:spPr>
+        <p:txBody>
+          <a:bodyPr anchor="b"/>
           <a:lstStyle>
             <a:lvl1pPr>
-              <a:defRPr/>
+              <a:defRPr b="1"/>
             </a:lvl1pPr>
+            <a:extLst/>
           </a:lstStyle>
           <a:p>
             <a:r>
-              <a:rPr lang="en-US" smtClean="0"/>
+              <a:rPr kumimoji="0" lang="en-US" smtClean="0"/>
               <a:t>Click to edit Master title style</a:t>
             </a:r>
-            <a:endParaRPr lang="en-US"/>
+            <a:endParaRPr kumimoji="0" lang="en-US"/>
           </a:p>
         </p:txBody>
       </p:sp>
@@ -1456,54 +2197,43 @@
         </p:nvSpPr>
         <p:spPr>
           <a:xfrm>
-            <a:off x="457200" y="1535113"/>
-            <a:ext cx="4040188" cy="639762"/>
+            <a:off x="607224" y="579438"/>
+            <a:ext cx="3931920" cy="792162"/>
           </a:xfrm>
         </p:spPr>
         <p:txBody>
-          <a:bodyPr anchor="b"/>
+          <a:bodyPr lIns="146304" anchor="ctr"/>
           <a:lstStyle>
-            <a:lvl1pPr marL="0" indent="0">
+            <a:lvl1pPr marL="0" indent="0" algn="l">
               <a:buNone/>
-              <a:defRPr sz="2400" b="1"/>
+              <a:defRPr sz="2400" b="1">
+                <a:solidFill>
+                  <a:schemeClr val="tx1"/>
+                </a:solidFill>
+              </a:defRPr>
             </a:lvl1pPr>
-            <a:lvl2pPr marL="457200" indent="0">
+            <a:lvl2pPr>
               <a:buNone/>
               <a:defRPr sz="2000" b="1"/>
             </a:lvl2pPr>
-            <a:lvl3pPr marL="914400" indent="0">
+            <a:lvl3pPr>
               <a:buNone/>
               <a:defRPr sz="1800" b="1"/>
             </a:lvl3pPr>
-            <a:lvl4pPr marL="1371600" indent="0">
+            <a:lvl4pPr>
               <a:buNone/>
               <a:defRPr sz="1600" b="1"/>
             </a:lvl4pPr>
-            <a:lvl5pPr marL="1828800" indent="0">
+            <a:lvl5pPr>
               <a:buNone/>
               <a:defRPr sz="1600" b="1"/>
             </a:lvl5pPr>
-            <a:lvl6pPr marL="2286000" indent="0">
-              <a:buNone/>
-              <a:defRPr sz="1600" b="1"/>
-            </a:lvl6pPr>
-            <a:lvl7pPr marL="2743200" indent="0">
-              <a:buNone/>
-              <a:defRPr sz="1600" b="1"/>
-            </a:lvl7pPr>
-            <a:lvl8pPr marL="3200400" indent="0">
-              <a:buNone/>
-              <a:defRPr sz="1600" b="1"/>
-            </a:lvl8pPr>
-            <a:lvl9pPr marL="3657600" indent="0">
-              <a:buNone/>
-              <a:defRPr sz="1600" b="1"/>
-            </a:lvl9pPr>
+            <a:extLst/>
           </a:lstStyle>
           <a:p>
-            <a:pPr lvl="0"/>
-            <a:r>
-              <a:rPr lang="en-US" smtClean="0"/>
+            <a:pPr lvl="0" eaLnBrk="1" latinLnBrk="0" hangingPunct="1"/>
+            <a:r>
+              <a:rPr kumimoji="0" lang="en-US" smtClean="0"/>
               <a:t>Click to edit Master text styles</a:t>
             </a:r>
           </a:p>
@@ -1511,151 +2241,129 @@
       </p:sp>
       <p:sp>
         <p:nvSpPr>
-          <p:cNvPr id="4" name="Content Placeholder 3"/>
+          <p:cNvPr id="4" name="Text Placeholder 3"/>
           <p:cNvSpPr>
             <a:spLocks noGrp="1"/>
           </p:cNvSpPr>
           <p:nvPr>
-            <p:ph sz="half" idx="2"/>
+            <p:ph type="body" sz="half" idx="3"/>
           </p:nvPr>
         </p:nvSpPr>
         <p:spPr>
           <a:xfrm>
-            <a:off x="457200" y="2174875"/>
-            <a:ext cx="4040188" cy="3951288"/>
+            <a:off x="4652169" y="579438"/>
+            <a:ext cx="3931920" cy="792162"/>
           </a:xfrm>
         </p:spPr>
         <p:txBody>
-          <a:bodyPr/>
+          <a:bodyPr lIns="137160" anchor="ctr"/>
           <a:lstStyle>
-            <a:lvl1pPr>
-              <a:defRPr sz="2400"/>
+            <a:lvl1pPr marL="0" indent="0" algn="l">
+              <a:buNone/>
+              <a:defRPr sz="2400" b="1">
+                <a:solidFill>
+                  <a:schemeClr val="tx1"/>
+                </a:solidFill>
+              </a:defRPr>
             </a:lvl1pPr>
             <a:lvl2pPr>
-              <a:defRPr sz="2000"/>
+              <a:buNone/>
+              <a:defRPr sz="2000" b="1"/>
             </a:lvl2pPr>
             <a:lvl3pPr>
-              <a:defRPr sz="1800"/>
+              <a:buNone/>
+              <a:defRPr sz="1800" b="1"/>
             </a:lvl3pPr>
             <a:lvl4pPr>
-              <a:defRPr sz="1600"/>
+              <a:buNone/>
+              <a:defRPr sz="1600" b="1"/>
             </a:lvl4pPr>
             <a:lvl5pPr>
-              <a:defRPr sz="1600"/>
+              <a:buNone/>
+              <a:defRPr sz="1600" b="1"/>
             </a:lvl5pPr>
-            <a:lvl6pPr>
-              <a:defRPr sz="1600"/>
-            </a:lvl6pPr>
-            <a:lvl7pPr>
-              <a:defRPr sz="1600"/>
-            </a:lvl7pPr>
-            <a:lvl8pPr>
-              <a:defRPr sz="1600"/>
-            </a:lvl8pPr>
-            <a:lvl9pPr>
-              <a:defRPr sz="1600"/>
-            </a:lvl9pPr>
+            <a:extLst/>
           </a:lstStyle>
           <a:p>
-            <a:pPr lvl="0"/>
-            <a:r>
-              <a:rPr lang="en-US" smtClean="0"/>
+            <a:pPr lvl="0" eaLnBrk="1" latinLnBrk="0" hangingPunct="1"/>
+            <a:r>
+              <a:rPr kumimoji="0" lang="en-US" smtClean="0"/>
               <a:t>Click to edit Master text styles</a:t>
             </a:r>
           </a:p>
-          <a:p>
-            <a:pPr lvl="1"/>
-            <a:r>
-              <a:rPr lang="en-US" smtClean="0"/>
-              <a:t>Second level</a:t>
-            </a:r>
-          </a:p>
-          <a:p>
-            <a:pPr lvl="2"/>
-            <a:r>
-              <a:rPr lang="en-US" smtClean="0"/>
-              <a:t>Third level</a:t>
-            </a:r>
-          </a:p>
-          <a:p>
-            <a:pPr lvl="3"/>
-            <a:r>
-              <a:rPr lang="en-US" smtClean="0"/>
-              <a:t>Fourth level</a:t>
-            </a:r>
-          </a:p>
-          <a:p>
-            <a:pPr lvl="4"/>
-            <a:r>
-              <a:rPr lang="en-US" smtClean="0"/>
-              <a:t>Fifth level</a:t>
-            </a:r>
-            <a:endParaRPr lang="en-US"/>
-          </a:p>
-        </p:txBody>
-      </p:sp>
-      <p:sp>
-        <p:nvSpPr>
-          <p:cNvPr id="5" name="Text Placeholder 4"/>
+        </p:txBody>
+      </p:sp>
+      <p:sp>
+        <p:nvSpPr>
+          <p:cNvPr id="5" name="Content Placeholder 4"/>
           <p:cNvSpPr>
             <a:spLocks noGrp="1"/>
           </p:cNvSpPr>
           <p:nvPr>
-            <p:ph type="body" sz="quarter" idx="3"/>
+            <p:ph sz="quarter" idx="2"/>
           </p:nvPr>
         </p:nvSpPr>
         <p:spPr>
           <a:xfrm>
-            <a:off x="4645025" y="1535113"/>
-            <a:ext cx="4041775" cy="639762"/>
+            <a:off x="607224" y="1447800"/>
+            <a:ext cx="3931920" cy="3489960"/>
           </a:xfrm>
         </p:spPr>
         <p:txBody>
-          <a:bodyPr anchor="b"/>
+          <a:bodyPr anchor="t"/>
           <a:lstStyle>
-            <a:lvl1pPr marL="0" indent="0">
-              <a:buNone/>
-              <a:defRPr sz="2400" b="1"/>
+            <a:lvl1pPr algn="l">
+              <a:defRPr sz="2400"/>
             </a:lvl1pPr>
-            <a:lvl2pPr marL="457200" indent="0">
-              <a:buNone/>
-              <a:defRPr sz="2000" b="1"/>
+            <a:lvl2pPr algn="l">
+              <a:defRPr sz="2000"/>
             </a:lvl2pPr>
-            <a:lvl3pPr marL="914400" indent="0">
-              <a:buNone/>
-              <a:defRPr sz="1800" b="1"/>
+            <a:lvl3pPr algn="l">
+              <a:defRPr sz="1800"/>
             </a:lvl3pPr>
-            <a:lvl4pPr marL="1371600" indent="0">
-              <a:buNone/>
-              <a:defRPr sz="1600" b="1"/>
+            <a:lvl4pPr algn="l">
+              <a:defRPr sz="1600"/>
             </a:lvl4pPr>
-            <a:lvl5pPr marL="1828800" indent="0">
-              <a:buNone/>
-              <a:defRPr sz="1600" b="1"/>
+            <a:lvl5pPr algn="l">
+              <a:defRPr sz="1600"/>
             </a:lvl5pPr>
-            <a:lvl6pPr marL="2286000" indent="0">
-              <a:buNone/>
-              <a:defRPr sz="1600" b="1"/>
-            </a:lvl6pPr>
-            <a:lvl7pPr marL="2743200" indent="0">
-              <a:buNone/>
-              <a:defRPr sz="1600" b="1"/>
-            </a:lvl7pPr>
-            <a:lvl8pPr marL="3200400" indent="0">
-              <a:buNone/>
-              <a:defRPr sz="1600" b="1"/>
-            </a:lvl8pPr>
-            <a:lvl9pPr marL="3657600" indent="0">
-              <a:buNone/>
-              <a:defRPr sz="1600" b="1"/>
-            </a:lvl9pPr>
+            <a:extLst/>
           </a:lstStyle>
           <a:p>
-            <a:pPr lvl="0"/>
+            <a:pPr lvl="0" eaLnBrk="1" latinLnBrk="0" hangingPunct="1"/>
             <a:r>
               <a:rPr lang="en-US" smtClean="0"/>
               <a:t>Click to edit Master text styles</a:t>
             </a:r>
+          </a:p>
+          <a:p>
+            <a:pPr lvl="1" eaLnBrk="1" latinLnBrk="0" hangingPunct="1"/>
+            <a:r>
+              <a:rPr lang="en-US" smtClean="0"/>
+              <a:t>Second level</a:t>
+            </a:r>
+          </a:p>
+          <a:p>
+            <a:pPr lvl="2" eaLnBrk="1" latinLnBrk="0" hangingPunct="1"/>
+            <a:r>
+              <a:rPr lang="en-US" smtClean="0"/>
+              <a:t>Third level</a:t>
+            </a:r>
+          </a:p>
+          <a:p>
+            <a:pPr lvl="3" eaLnBrk="1" latinLnBrk="0" hangingPunct="1"/>
+            <a:r>
+              <a:rPr lang="en-US" smtClean="0"/>
+              <a:t>Fourth level</a:t>
+            </a:r>
+          </a:p>
+          <a:p>
+            <a:pPr lvl="4" eaLnBrk="1" latinLnBrk="0" hangingPunct="1"/>
+            <a:r>
+              <a:rPr lang="en-US" smtClean="0"/>
+              <a:t>Fifth level</a:t>
+            </a:r>
+            <a:endParaRPr kumimoji="0" lang="en-US"/>
           </a:p>
         </p:txBody>
       </p:sp>
@@ -1671,76 +2379,65 @@
         </p:nvSpPr>
         <p:spPr>
           <a:xfrm>
-            <a:off x="4645025" y="2174875"/>
-            <a:ext cx="4041775" cy="3951288"/>
+            <a:off x="4652169" y="1447800"/>
+            <a:ext cx="3931920" cy="3489960"/>
           </a:xfrm>
         </p:spPr>
         <p:txBody>
-          <a:bodyPr/>
+          <a:bodyPr anchor="t"/>
           <a:lstStyle>
-            <a:lvl1pPr>
+            <a:lvl1pPr algn="l">
               <a:defRPr sz="2400"/>
             </a:lvl1pPr>
-            <a:lvl2pPr>
+            <a:lvl2pPr algn="l">
               <a:defRPr sz="2000"/>
             </a:lvl2pPr>
-            <a:lvl3pPr>
+            <a:lvl3pPr algn="l">
               <a:defRPr sz="1800"/>
             </a:lvl3pPr>
-            <a:lvl4pPr>
+            <a:lvl4pPr algn="l">
               <a:defRPr sz="1600"/>
             </a:lvl4pPr>
-            <a:lvl5pPr>
+            <a:lvl5pPr algn="l">
               <a:defRPr sz="1600"/>
             </a:lvl5pPr>
-            <a:lvl6pPr>
-              <a:defRPr sz="1600"/>
-            </a:lvl6pPr>
-            <a:lvl7pPr>
-              <a:defRPr sz="1600"/>
-            </a:lvl7pPr>
-            <a:lvl8pPr>
-              <a:defRPr sz="1600"/>
-            </a:lvl8pPr>
-            <a:lvl9pPr>
-              <a:defRPr sz="1600"/>
-            </a:lvl9pPr>
+            <a:extLst/>
           </a:lstStyle>
           <a:p>
-            <a:pPr lvl="0"/>
+            <a:pPr lvl="0" eaLnBrk="1" latinLnBrk="0" hangingPunct="1"/>
             <a:r>
               <a:rPr lang="en-US" smtClean="0"/>
               <a:t>Click to edit Master text styles</a:t>
             </a:r>
           </a:p>
           <a:p>
-            <a:pPr lvl="1"/>
+            <a:pPr lvl="1" eaLnBrk="1" latinLnBrk="0" hangingPunct="1"/>
             <a:r>
               <a:rPr lang="en-US" smtClean="0"/>
               <a:t>Second level</a:t>
             </a:r>
           </a:p>
           <a:p>
-            <a:pPr lvl="2"/>
+            <a:pPr lvl="2" eaLnBrk="1" latinLnBrk="0" hangingPunct="1"/>
             <a:r>
               <a:rPr lang="en-US" smtClean="0"/>
               <a:t>Third level</a:t>
             </a:r>
           </a:p>
           <a:p>
-            <a:pPr lvl="3"/>
+            <a:pPr lvl="3" eaLnBrk="1" latinLnBrk="0" hangingPunct="1"/>
             <a:r>
               <a:rPr lang="en-US" smtClean="0"/>
               <a:t>Fourth level</a:t>
             </a:r>
           </a:p>
           <a:p>
-            <a:pPr lvl="4"/>
+            <a:pPr lvl="4" eaLnBrk="1" latinLnBrk="0" hangingPunct="1"/>
             <a:r>
               <a:rPr lang="en-US" smtClean="0"/>
               <a:t>Fifth level</a:t>
             </a:r>
-            <a:endParaRPr lang="en-US"/>
+            <a:endParaRPr kumimoji="0" lang="en-US"/>
           </a:p>
         </p:txBody>
       </p:sp>
@@ -1757,12 +2454,14 @@
         <p:spPr/>
         <p:txBody>
           <a:bodyPr/>
-          <a:lstStyle/>
+          <a:lstStyle>
+            <a:extLst/>
+          </a:lstStyle>
           <a:p>
             <a:fld id="{4103763D-A27D-454E-8A4F-CA208A7ACAEE}" type="datetimeFigureOut">
               <a:rPr lang="en-US" smtClean="0"/>
               <a:pPr/>
-              <a:t>5/22/2009</a:t>
+              <a:t>6/15/2009</a:t>
             </a:fld>
             <a:endParaRPr lang="en-US"/>
           </a:p>
@@ -1781,7 +2480,9 @@
         <p:spPr/>
         <p:txBody>
           <a:bodyPr/>
-          <a:lstStyle/>
+          <a:lstStyle>
+            <a:extLst/>
+          </a:lstStyle>
           <a:p>
             <a:endParaRPr lang="en-US"/>
           </a:p>
@@ -1800,7 +2501,9 @@
         <p:spPr/>
         <p:txBody>
           <a:bodyPr/>
-          <a:lstStyle/>
+          <a:lstStyle>
+            <a:extLst/>
+          </a:lstStyle>
           <a:p>
             <a:fld id="{156E93B2-3A7B-41C6-9FE2-86B4B403BABE}" type="slidenum">
               <a:rPr lang="en-US" smtClean="0"/>
@@ -1849,13 +2552,15 @@
         <p:spPr/>
         <p:txBody>
           <a:bodyPr/>
-          <a:lstStyle/>
-          <a:p>
-            <a:r>
-              <a:rPr lang="en-US" smtClean="0"/>
+          <a:lstStyle>
+            <a:extLst/>
+          </a:lstStyle>
+          <a:p>
+            <a:r>
+              <a:rPr kumimoji="0" lang="en-US" smtClean="0"/>
               <a:t>Click to edit Master title style</a:t>
             </a:r>
-            <a:endParaRPr lang="en-US"/>
+            <a:endParaRPr kumimoji="0" lang="en-US"/>
           </a:p>
         </p:txBody>
       </p:sp>
@@ -1872,12 +2577,14 @@
         <p:spPr/>
         <p:txBody>
           <a:bodyPr/>
-          <a:lstStyle/>
+          <a:lstStyle>
+            <a:extLst/>
+          </a:lstStyle>
           <a:p>
             <a:fld id="{4103763D-A27D-454E-8A4F-CA208A7ACAEE}" type="datetimeFigureOut">
               <a:rPr lang="en-US" smtClean="0"/>
               <a:pPr/>
-              <a:t>5/22/2009</a:t>
+              <a:t>6/15/2009</a:t>
             </a:fld>
             <a:endParaRPr lang="en-US"/>
           </a:p>
@@ -1896,7 +2603,9 @@
         <p:spPr/>
         <p:txBody>
           <a:bodyPr/>
-          <a:lstStyle/>
+          <a:lstStyle>
+            <a:extLst/>
+          </a:lstStyle>
           <a:p>
             <a:endParaRPr lang="en-US"/>
           </a:p>
@@ -1915,7 +2624,9 @@
         <p:spPr/>
         <p:txBody>
           <a:bodyPr/>
-          <a:lstStyle/>
+          <a:lstStyle>
+            <a:extLst/>
+          </a:lstStyle>
           <a:p>
             <a:fld id="{156E93B2-3A7B-41C6-9FE2-86B4B403BABE}" type="slidenum">
               <a:rPr lang="en-US" smtClean="0"/>
@@ -1935,7 +2646,7 @@
 </file>
 
 <file path=ppt/slideLayouts/slideLayout7.xml><?xml version="1.0" encoding="utf-8"?>
-<p:sldLayout xmlns:a="http://schemas.openxmlformats.org/drawingml/2006/main" xmlns:r="http://schemas.openxmlformats.org/officeDocument/2006/relationships" xmlns:p="http://schemas.openxmlformats.org/presentationml/2006/main" type="blank" preserve="1">
+<p:sldLayout xmlns:a="http://schemas.openxmlformats.org/drawingml/2006/main" xmlns:r="http://schemas.openxmlformats.org/officeDocument/2006/relationships" xmlns:p="http://schemas.openxmlformats.org/presentationml/2006/main" showMasterSp="0" type="blank" preserve="1">
   <p:cSld name="Blank">
     <p:spTree>
       <p:nvGrpSpPr>
@@ -1953,6 +2664,90 @@
       </p:grpSpPr>
       <p:sp>
         <p:nvSpPr>
+          <p:cNvPr id="7" name="Rounded Rectangle 6"/>
+          <p:cNvSpPr/>
+          <p:nvPr/>
+        </p:nvSpPr>
+        <p:spPr>
+          <a:xfrm>
+            <a:off x="304800" y="329184"/>
+            <a:ext cx="8532055" cy="6196819"/>
+          </a:xfrm>
+          <a:prstGeom prst="roundRect">
+            <a:avLst>
+              <a:gd name="adj" fmla="val 2081"/>
+            </a:avLst>
+          </a:prstGeom>
+          <a:gradFill flip="none" rotWithShape="1">
+            <a:gsLst>
+              <a:gs pos="0">
+                <a:srgbClr val="FFFFFF">
+                  <a:shade val="100000"/>
+                </a:srgbClr>
+              </a:gs>
+              <a:gs pos="98000">
+                <a:srgbClr val="FFFFFF">
+                  <a:shade val="100000"/>
+                </a:srgbClr>
+              </a:gs>
+              <a:gs pos="99055">
+                <a:srgbClr val="FFFFFF">
+                  <a:shade val="93000"/>
+                </a:srgbClr>
+              </a:gs>
+              <a:gs pos="100000">
+                <a:srgbClr val="FFFFFF">
+                  <a:shade val="70000"/>
+                </a:srgbClr>
+              </a:gs>
+            </a:gsLst>
+            <a:lin ang="5400000" scaled="1"/>
+            <a:tileRect/>
+          </a:gradFill>
+          <a:ln w="2000" cap="rnd" cmpd="sng" algn="ctr">
+            <a:solidFill>
+              <a:srgbClr val="302F2C">
+                <a:tint val="65000"/>
+                <a:satMod val="120000"/>
+              </a:srgbClr>
+            </a:solidFill>
+            <a:prstDash val="solid"/>
+          </a:ln>
+          <a:effectLst>
+            <a:outerShdw blurRad="76200" dist="50800" dir="5400000" algn="tl" rotWithShape="0">
+              <a:srgbClr val="000000">
+                <a:alpha val="25000"/>
+              </a:srgbClr>
+            </a:outerShdw>
+          </a:effectLst>
+        </p:spPr>
+        <p:style>
+          <a:lnRef idx="3">
+            <a:schemeClr val="lt1"/>
+          </a:lnRef>
+          <a:fillRef idx="1">
+            <a:schemeClr val="accent1"/>
+          </a:fillRef>
+          <a:effectRef idx="1">
+            <a:schemeClr val="accent1"/>
+          </a:effectRef>
+          <a:fontRef idx="minor">
+            <a:schemeClr val="lt1"/>
+          </a:fontRef>
+        </p:style>
+        <p:txBody>
+          <a:bodyPr anchor="ctr"/>
+          <a:lstStyle>
+            <a:extLst/>
+          </a:lstStyle>
+          <a:p>
+            <a:pPr algn="ctr" eaLnBrk="1" latinLnBrk="0" hangingPunct="1"/>
+            <a:endParaRPr kumimoji="0" lang="en-US"/>
+          </a:p>
+        </p:txBody>
+      </p:sp>
+      <p:sp>
+        <p:nvSpPr>
           <p:cNvPr id="2" name="Date Placeholder 1"/>
           <p:cNvSpPr>
             <a:spLocks noGrp="1"/>
@@ -1964,12 +2759,14 @@
         <p:spPr/>
         <p:txBody>
           <a:bodyPr/>
-          <a:lstStyle/>
+          <a:lstStyle>
+            <a:extLst/>
+          </a:lstStyle>
           <a:p>
             <a:fld id="{4103763D-A27D-454E-8A4F-CA208A7ACAEE}" type="datetimeFigureOut">
               <a:rPr lang="en-US" smtClean="0"/>
               <a:pPr/>
-              <a:t>5/22/2009</a:t>
+              <a:t>6/15/2009</a:t>
             </a:fld>
             <a:endParaRPr lang="en-US"/>
           </a:p>
@@ -1988,7 +2785,9 @@
         <p:spPr/>
         <p:txBody>
           <a:bodyPr/>
-          <a:lstStyle/>
+          <a:lstStyle>
+            <a:extLst/>
+          </a:lstStyle>
           <a:p>
             <a:endParaRPr lang="en-US"/>
           </a:p>
@@ -2007,7 +2806,9 @@
         <p:spPr/>
         <p:txBody>
           <a:bodyPr/>
-          <a:lstStyle/>
+          <a:lstStyle>
+            <a:extLst/>
+          </a:lstStyle>
           <a:p>
             <a:fld id="{156E93B2-3A7B-41C6-9FE2-86B4B403BABE}" type="slidenum">
               <a:rPr lang="en-US" smtClean="0"/>
@@ -2055,173 +2856,229 @@
         </p:nvSpPr>
         <p:spPr>
           <a:xfrm>
-            <a:off x="457200" y="273050"/>
-            <a:ext cx="3008313" cy="1162050"/>
+            <a:off x="5538784" y="533400"/>
+            <a:ext cx="2971800" cy="914400"/>
           </a:xfrm>
         </p:spPr>
         <p:txBody>
           <a:bodyPr anchor="b"/>
           <a:lstStyle>
             <a:lvl1pPr algn="l">
-              <a:defRPr sz="2000" b="1"/>
+              <a:buNone/>
+              <a:defRPr sz="2200" b="1">
+                <a:solidFill>
+                  <a:schemeClr val="accent1"/>
+                </a:solidFill>
+              </a:defRPr>
             </a:lvl1pPr>
+            <a:extLst/>
           </a:lstStyle>
           <a:p>
             <a:r>
-              <a:rPr lang="en-US" smtClean="0"/>
+              <a:rPr kumimoji="0" lang="en-US" smtClean="0"/>
               <a:t>Click to edit Master title style</a:t>
             </a:r>
-            <a:endParaRPr lang="en-US"/>
-          </a:p>
-        </p:txBody>
-      </p:sp>
-      <p:sp>
-        <p:nvSpPr>
-          <p:cNvPr id="3" name="Content Placeholder 2"/>
+            <a:endParaRPr kumimoji="0" lang="en-US"/>
+          </a:p>
+        </p:txBody>
+      </p:sp>
+      <p:sp>
+        <p:nvSpPr>
+          <p:cNvPr id="3" name="Text Placeholder 2"/>
           <p:cNvSpPr>
             <a:spLocks noGrp="1"/>
           </p:cNvSpPr>
           <p:nvPr>
-            <p:ph idx="1"/>
+            <p:ph type="body" idx="2"/>
           </p:nvPr>
         </p:nvSpPr>
         <p:spPr>
           <a:xfrm>
-            <a:off x="3575050" y="273050"/>
-            <a:ext cx="5111750" cy="5853113"/>
+            <a:off x="5538847" y="1447802"/>
+            <a:ext cx="2971800" cy="4206112"/>
+          </a:xfrm>
+        </p:spPr>
+        <p:txBody>
+          <a:bodyPr lIns="91440"/>
+          <a:lstStyle>
+            <a:lvl1pPr marL="18288" marR="18288" indent="0">
+              <a:spcBef>
+                <a:spcPts val="0"/>
+              </a:spcBef>
+              <a:buNone/>
+              <a:defRPr sz="1400">
+                <a:solidFill>
+                  <a:schemeClr val="tx1"/>
+                </a:solidFill>
+              </a:defRPr>
+            </a:lvl1pPr>
+            <a:lvl2pPr>
+              <a:buNone/>
+              <a:defRPr sz="1200">
+                <a:solidFill>
+                  <a:schemeClr val="tx1"/>
+                </a:solidFill>
+              </a:defRPr>
+            </a:lvl2pPr>
+            <a:lvl3pPr>
+              <a:buNone/>
+              <a:defRPr sz="1000">
+                <a:solidFill>
+                  <a:schemeClr val="tx1"/>
+                </a:solidFill>
+              </a:defRPr>
+            </a:lvl3pPr>
+            <a:lvl4pPr>
+              <a:buNone/>
+              <a:defRPr sz="900">
+                <a:solidFill>
+                  <a:schemeClr val="tx1"/>
+                </a:solidFill>
+              </a:defRPr>
+            </a:lvl4pPr>
+            <a:lvl5pPr>
+              <a:buNone/>
+              <a:defRPr sz="900">
+                <a:solidFill>
+                  <a:schemeClr val="tx1"/>
+                </a:solidFill>
+              </a:defRPr>
+            </a:lvl5pPr>
+            <a:extLst/>
+          </a:lstStyle>
+          <a:p>
+            <a:pPr lvl="0" eaLnBrk="1" latinLnBrk="0" hangingPunct="1"/>
+            <a:r>
+              <a:rPr lang="en-US" smtClean="0"/>
+              <a:t>Click to edit Master text styles</a:t>
+            </a:r>
+          </a:p>
+          <a:p>
+            <a:pPr lvl="1" eaLnBrk="1" latinLnBrk="0" hangingPunct="1"/>
+            <a:r>
+              <a:rPr lang="en-US" smtClean="0"/>
+              <a:t>Second level</a:t>
+            </a:r>
+          </a:p>
+          <a:p>
+            <a:pPr lvl="2" eaLnBrk="1" latinLnBrk="0" hangingPunct="1"/>
+            <a:r>
+              <a:rPr lang="en-US" smtClean="0"/>
+              <a:t>Third level</a:t>
+            </a:r>
+          </a:p>
+          <a:p>
+            <a:pPr lvl="3" eaLnBrk="1" latinLnBrk="0" hangingPunct="1"/>
+            <a:r>
+              <a:rPr lang="en-US" smtClean="0"/>
+              <a:t>Fourth level</a:t>
+            </a:r>
+          </a:p>
+          <a:p>
+            <a:pPr lvl="4" eaLnBrk="1" latinLnBrk="0" hangingPunct="1"/>
+            <a:r>
+              <a:rPr lang="en-US" smtClean="0"/>
+              <a:t>Fifth level</a:t>
+            </a:r>
+            <a:endParaRPr kumimoji="0" lang="en-US"/>
+          </a:p>
+        </p:txBody>
+      </p:sp>
+      <p:sp>
+        <p:nvSpPr>
+          <p:cNvPr id="4" name="Content Placeholder 3"/>
+          <p:cNvSpPr>
+            <a:spLocks noGrp="1"/>
+          </p:cNvSpPr>
+          <p:nvPr>
+            <p:ph sz="half" idx="1"/>
+          </p:nvPr>
+        </p:nvSpPr>
+        <p:spPr>
+          <a:xfrm>
+            <a:off x="761372" y="930144"/>
+            <a:ext cx="4626159" cy="4724402"/>
           </a:xfrm>
         </p:spPr>
         <p:txBody>
           <a:bodyPr/>
           <a:lstStyle>
             <a:lvl1pPr>
-              <a:defRPr sz="3200"/>
+              <a:defRPr sz="2800">
+                <a:solidFill>
+                  <a:schemeClr val="tx1"/>
+                </a:solidFill>
+              </a:defRPr>
             </a:lvl1pPr>
             <a:lvl2pPr>
-              <a:defRPr sz="2800"/>
+              <a:defRPr sz="2600">
+                <a:solidFill>
+                  <a:schemeClr val="tx1"/>
+                </a:solidFill>
+              </a:defRPr>
             </a:lvl2pPr>
             <a:lvl3pPr>
-              <a:defRPr sz="2400"/>
+              <a:defRPr sz="2400">
+                <a:solidFill>
+                  <a:schemeClr val="tx1"/>
+                </a:solidFill>
+              </a:defRPr>
             </a:lvl3pPr>
             <a:lvl4pPr>
-              <a:defRPr sz="2000"/>
+              <a:defRPr sz="2000">
+                <a:solidFill>
+                  <a:schemeClr val="tx1"/>
+                </a:solidFill>
+              </a:defRPr>
             </a:lvl4pPr>
             <a:lvl5pPr>
-              <a:defRPr sz="2000"/>
+              <a:defRPr sz="2000">
+                <a:solidFill>
+                  <a:schemeClr val="tx1"/>
+                </a:solidFill>
+              </a:defRPr>
             </a:lvl5pPr>
             <a:lvl6pPr>
-              <a:defRPr sz="2000"/>
+              <a:buNone/>
+              <a:defRPr/>
             </a:lvl6pPr>
-            <a:lvl7pPr>
-              <a:defRPr sz="2000"/>
-            </a:lvl7pPr>
-            <a:lvl8pPr>
-              <a:defRPr sz="2000"/>
-            </a:lvl8pPr>
-            <a:lvl9pPr>
-              <a:defRPr sz="2000"/>
-            </a:lvl9pPr>
+            <a:extLst/>
           </a:lstStyle>
           <a:p>
-            <a:pPr lvl="0"/>
+            <a:pPr lvl="0" eaLnBrk="1" latinLnBrk="0" hangingPunct="1"/>
             <a:r>
               <a:rPr lang="en-US" smtClean="0"/>
               <a:t>Click to edit Master text styles</a:t>
             </a:r>
           </a:p>
           <a:p>
-            <a:pPr lvl="1"/>
+            <a:pPr lvl="1" eaLnBrk="1" latinLnBrk="0" hangingPunct="1"/>
             <a:r>
               <a:rPr lang="en-US" smtClean="0"/>
               <a:t>Second level</a:t>
             </a:r>
           </a:p>
           <a:p>
-            <a:pPr lvl="2"/>
+            <a:pPr lvl="2" eaLnBrk="1" latinLnBrk="0" hangingPunct="1"/>
             <a:r>
               <a:rPr lang="en-US" smtClean="0"/>
               <a:t>Third level</a:t>
             </a:r>
           </a:p>
           <a:p>
-            <a:pPr lvl="3"/>
+            <a:pPr lvl="3" eaLnBrk="1" latinLnBrk="0" hangingPunct="1"/>
             <a:r>
               <a:rPr lang="en-US" smtClean="0"/>
               <a:t>Fourth level</a:t>
             </a:r>
           </a:p>
           <a:p>
-            <a:pPr lvl="4"/>
+            <a:pPr lvl="4" eaLnBrk="1" latinLnBrk="0" hangingPunct="1"/>
             <a:r>
               <a:rPr lang="en-US" smtClean="0"/>
               <a:t>Fifth level</a:t>
             </a:r>
-            <a:endParaRPr lang="en-US"/>
-          </a:p>
-        </p:txBody>
-      </p:sp>
-      <p:sp>
-        <p:nvSpPr>
-          <p:cNvPr id="4" name="Text Placeholder 3"/>
-          <p:cNvSpPr>
-            <a:spLocks noGrp="1"/>
-          </p:cNvSpPr>
-          <p:nvPr>
-            <p:ph type="body" sz="half" idx="2"/>
-          </p:nvPr>
-        </p:nvSpPr>
-        <p:spPr>
-          <a:xfrm>
-            <a:off x="457200" y="1435100"/>
-            <a:ext cx="3008313" cy="4691063"/>
-          </a:xfrm>
-        </p:spPr>
-        <p:txBody>
-          <a:bodyPr/>
-          <a:lstStyle>
-            <a:lvl1pPr marL="0" indent="0">
-              <a:buNone/>
-              <a:defRPr sz="1400"/>
-            </a:lvl1pPr>
-            <a:lvl2pPr marL="457200" indent="0">
-              <a:buNone/>
-              <a:defRPr sz="1200"/>
-            </a:lvl2pPr>
-            <a:lvl3pPr marL="914400" indent="0">
-              <a:buNone/>
-              <a:defRPr sz="1000"/>
-            </a:lvl3pPr>
-            <a:lvl4pPr marL="1371600" indent="0">
-              <a:buNone/>
-              <a:defRPr sz="900"/>
-            </a:lvl4pPr>
-            <a:lvl5pPr marL="1828800" indent="0">
-              <a:buNone/>
-              <a:defRPr sz="900"/>
-            </a:lvl5pPr>
-            <a:lvl6pPr marL="2286000" indent="0">
-              <a:buNone/>
-              <a:defRPr sz="900"/>
-            </a:lvl6pPr>
-            <a:lvl7pPr marL="2743200" indent="0">
-              <a:buNone/>
-              <a:defRPr sz="900"/>
-            </a:lvl7pPr>
-            <a:lvl8pPr marL="3200400" indent="0">
-              <a:buNone/>
-              <a:defRPr sz="900"/>
-            </a:lvl8pPr>
-            <a:lvl9pPr marL="3657600" indent="0">
-              <a:buNone/>
-              <a:defRPr sz="900"/>
-            </a:lvl9pPr>
-          </a:lstStyle>
-          <a:p>
-            <a:pPr lvl="0"/>
-            <a:r>
-              <a:rPr lang="en-US" smtClean="0"/>
-              <a:t>Click to edit Master text styles</a:t>
-            </a:r>
+            <a:endParaRPr kumimoji="0" lang="en-US"/>
           </a:p>
         </p:txBody>
       </p:sp>
@@ -2238,12 +3095,14 @@
         <p:spPr/>
         <p:txBody>
           <a:bodyPr/>
-          <a:lstStyle/>
+          <a:lstStyle>
+            <a:extLst/>
+          </a:lstStyle>
           <a:p>
             <a:fld id="{4103763D-A27D-454E-8A4F-CA208A7ACAEE}" type="datetimeFigureOut">
               <a:rPr lang="en-US" smtClean="0"/>
               <a:pPr/>
-              <a:t>5/22/2009</a:t>
+              <a:t>6/15/2009</a:t>
             </a:fld>
             <a:endParaRPr lang="en-US"/>
           </a:p>
@@ -2262,7 +3121,9 @@
         <p:spPr/>
         <p:txBody>
           <a:bodyPr/>
-          <a:lstStyle/>
+          <a:lstStyle>
+            <a:extLst/>
+          </a:lstStyle>
           <a:p>
             <a:endParaRPr lang="en-US"/>
           </a:p>
@@ -2281,7 +3142,9 @@
         <p:spPr/>
         <p:txBody>
           <a:bodyPr/>
-          <a:lstStyle/>
+          <a:lstStyle>
+            <a:extLst/>
+          </a:lstStyle>
           <a:p>
             <a:fld id="{156E93B2-3A7B-41C6-9FE2-86B4B403BABE}" type="slidenum">
               <a:rPr lang="en-US" smtClean="0"/>
@@ -2301,7 +3164,7 @@
 </file>
 
 <file path=ppt/slideLayouts/slideLayout9.xml><?xml version="1.0" encoding="utf-8"?>
-<p:sldLayout xmlns:a="http://schemas.openxmlformats.org/drawingml/2006/main" xmlns:r="http://schemas.openxmlformats.org/officeDocument/2006/relationships" xmlns:p="http://schemas.openxmlformats.org/presentationml/2006/main" type="picTx" preserve="1">
+<p:sldLayout xmlns:a="http://schemas.openxmlformats.org/drawingml/2006/main" xmlns:r="http://schemas.openxmlformats.org/officeDocument/2006/relationships" xmlns:p="http://schemas.openxmlformats.org/presentationml/2006/main" showMasterSp="0" type="picTx" preserve="1">
   <p:cSld name="Picture with Caption">
     <p:spTree>
       <p:nvGrpSpPr>
@@ -2319,6 +3182,140 @@
       </p:grpSpPr>
       <p:sp>
         <p:nvSpPr>
+          <p:cNvPr id="15" name="Rounded Rectangle 14"/>
+          <p:cNvSpPr/>
+          <p:nvPr/>
+        </p:nvSpPr>
+        <p:spPr>
+          <a:xfrm>
+            <a:off x="304800" y="329184"/>
+            <a:ext cx="8532055" cy="6196819"/>
+          </a:xfrm>
+          <a:prstGeom prst="roundRect">
+            <a:avLst>
+              <a:gd name="adj" fmla="val 2081"/>
+            </a:avLst>
+          </a:prstGeom>
+          <a:gradFill flip="none" rotWithShape="1">
+            <a:gsLst>
+              <a:gs pos="0">
+                <a:srgbClr val="FFFFFF">
+                  <a:shade val="100000"/>
+                </a:srgbClr>
+              </a:gs>
+              <a:gs pos="98000">
+                <a:srgbClr val="FFFFFF">
+                  <a:shade val="100000"/>
+                </a:srgbClr>
+              </a:gs>
+              <a:gs pos="99055">
+                <a:srgbClr val="FFFFFF">
+                  <a:shade val="93000"/>
+                </a:srgbClr>
+              </a:gs>
+              <a:gs pos="100000">
+                <a:srgbClr val="FFFFFF">
+                  <a:shade val="70000"/>
+                </a:srgbClr>
+              </a:gs>
+            </a:gsLst>
+            <a:lin ang="5400000" scaled="1"/>
+            <a:tileRect/>
+          </a:gradFill>
+          <a:ln w="2000" cap="rnd" cmpd="sng" algn="ctr">
+            <a:solidFill>
+              <a:srgbClr val="302F2C">
+                <a:tint val="65000"/>
+                <a:satMod val="120000"/>
+              </a:srgbClr>
+            </a:solidFill>
+            <a:prstDash val="solid"/>
+          </a:ln>
+          <a:effectLst>
+            <a:outerShdw blurRad="76200" dist="50800" dir="5400000" algn="tl" rotWithShape="0">
+              <a:srgbClr val="000000">
+                <a:alpha val="25000"/>
+              </a:srgbClr>
+            </a:outerShdw>
+          </a:effectLst>
+        </p:spPr>
+        <p:style>
+          <a:lnRef idx="3">
+            <a:schemeClr val="lt1"/>
+          </a:lnRef>
+          <a:fillRef idx="1">
+            <a:schemeClr val="accent1"/>
+          </a:fillRef>
+          <a:effectRef idx="1">
+            <a:schemeClr val="accent1"/>
+          </a:effectRef>
+          <a:fontRef idx="minor">
+            <a:schemeClr val="lt1"/>
+          </a:fontRef>
+        </p:style>
+        <p:txBody>
+          <a:bodyPr anchor="ctr"/>
+          <a:lstStyle>
+            <a:extLst/>
+          </a:lstStyle>
+          <a:p>
+            <a:pPr algn="ctr" eaLnBrk="1" latinLnBrk="0" hangingPunct="1"/>
+            <a:endParaRPr kumimoji="0" lang="en-US"/>
+          </a:p>
+        </p:txBody>
+      </p:sp>
+      <p:sp>
+        <p:nvSpPr>
+          <p:cNvPr id="11" name="Round Single Corner Rectangle 10"/>
+          <p:cNvSpPr/>
+          <p:nvPr/>
+        </p:nvSpPr>
+        <p:spPr>
+          <a:xfrm>
+            <a:off x="6400800" y="434162"/>
+            <a:ext cx="2324605" cy="4343400"/>
+          </a:xfrm>
+          <a:prstGeom prst="round1Rect">
+            <a:avLst>
+              <a:gd name="adj" fmla="val 2748"/>
+            </a:avLst>
+          </a:prstGeom>
+          <a:solidFill>
+            <a:srgbClr val="1C1C1C"/>
+          </a:solidFill>
+          <a:ln w="8890" cap="rnd" cmpd="sng" algn="ctr">
+            <a:noFill/>
+            <a:prstDash val="solid"/>
+          </a:ln>
+          <a:effectLst/>
+        </p:spPr>
+        <p:style>
+          <a:lnRef idx="3">
+            <a:schemeClr val="lt1"/>
+          </a:lnRef>
+          <a:fillRef idx="1">
+            <a:schemeClr val="accent1"/>
+          </a:fillRef>
+          <a:effectRef idx="1">
+            <a:schemeClr val="accent1"/>
+          </a:effectRef>
+          <a:fontRef idx="minor">
+            <a:schemeClr val="lt1"/>
+          </a:fontRef>
+        </p:style>
+        <p:txBody>
+          <a:bodyPr anchor="ctr"/>
+          <a:lstStyle>
+            <a:extLst/>
+          </a:lstStyle>
+          <a:p>
+            <a:pPr algn="ctr" eaLnBrk="1" latinLnBrk="0" hangingPunct="1"/>
+            <a:endParaRPr kumimoji="0" lang="en-US"/>
+          </a:p>
+        </p:txBody>
+      </p:sp>
+      <p:sp>
+        <p:nvSpPr>
           <p:cNvPr id="2" name="Title 1"/>
           <p:cNvSpPr>
             <a:spLocks noGrp="1"/>
@@ -2329,22 +3326,202 @@
         </p:nvSpPr>
         <p:spPr>
           <a:xfrm>
-            <a:off x="1792288" y="4800600"/>
-            <a:ext cx="5486400" cy="566738"/>
+            <a:off x="457200" y="5012056"/>
+            <a:ext cx="8229600" cy="1051560"/>
           </a:xfrm>
         </p:spPr>
         <p:txBody>
-          <a:bodyPr anchor="b"/>
+          <a:bodyPr anchor="t"/>
           <a:lstStyle>
             <a:lvl1pPr algn="l">
-              <a:defRPr sz="2000" b="1"/>
+              <a:buNone/>
+              <a:defRPr sz="3600" b="0">
+                <a:solidFill>
+                  <a:schemeClr val="bg2">
+                    <a:shade val="25000"/>
+                  </a:schemeClr>
+                </a:solidFill>
+                <a:effectLst/>
+              </a:defRPr>
             </a:lvl1pPr>
+            <a:extLst/>
           </a:lstStyle>
           <a:p>
             <a:r>
+              <a:rPr kumimoji="0" lang="en-US" smtClean="0"/>
+              <a:t>Click to edit Master title style</a:t>
+            </a:r>
+            <a:endParaRPr kumimoji="0" lang="en-US"/>
+          </a:p>
+        </p:txBody>
+      </p:sp>
+      <p:sp>
+        <p:nvSpPr>
+          <p:cNvPr id="4" name="Text Placeholder 3"/>
+          <p:cNvSpPr>
+            <a:spLocks noGrp="1"/>
+          </p:cNvSpPr>
+          <p:nvPr>
+            <p:ph type="body" sz="half" idx="2"/>
+          </p:nvPr>
+        </p:nvSpPr>
+        <p:spPr bwMode="grayWhite">
+          <a:xfrm>
+            <a:off x="6462712" y="533400"/>
+            <a:ext cx="2240280" cy="4211480"/>
+          </a:xfrm>
+        </p:spPr>
+        <p:txBody>
+          <a:bodyPr lIns="91440"/>
+          <a:lstStyle>
+            <a:lvl1pPr marL="45720" indent="0" algn="l">
+              <a:spcBef>
+                <a:spcPts val="0"/>
+              </a:spcBef>
+              <a:buNone/>
+              <a:defRPr sz="1400">
+                <a:solidFill>
+                  <a:srgbClr val="FFFFFF"/>
+                </a:solidFill>
+              </a:defRPr>
+            </a:lvl1pPr>
+            <a:lvl2pPr>
+              <a:defRPr sz="1200">
+                <a:solidFill>
+                  <a:srgbClr val="FFFFFF"/>
+                </a:solidFill>
+              </a:defRPr>
+            </a:lvl2pPr>
+            <a:lvl3pPr>
+              <a:defRPr sz="1000">
+                <a:solidFill>
+                  <a:srgbClr val="FFFFFF"/>
+                </a:solidFill>
+              </a:defRPr>
+            </a:lvl3pPr>
+            <a:lvl4pPr>
+              <a:defRPr sz="900">
+                <a:solidFill>
+                  <a:srgbClr val="FFFFFF"/>
+                </a:solidFill>
+              </a:defRPr>
+            </a:lvl4pPr>
+            <a:lvl5pPr>
+              <a:defRPr sz="900">
+                <a:solidFill>
+                  <a:srgbClr val="FFFFFF"/>
+                </a:solidFill>
+              </a:defRPr>
+            </a:lvl5pPr>
+            <a:extLst/>
+          </a:lstStyle>
+          <a:p>
+            <a:pPr lvl="0" eaLnBrk="1" latinLnBrk="0" hangingPunct="1"/>
+            <a:r>
               <a:rPr lang="en-US" smtClean="0"/>
-              <a:t>Click to edit Master title style</a:t>
-            </a:r>
+              <a:t>Click to edit Master text styles</a:t>
+            </a:r>
+          </a:p>
+          <a:p>
+            <a:pPr lvl="1" eaLnBrk="1" latinLnBrk="0" hangingPunct="1"/>
+            <a:r>
+              <a:rPr lang="en-US" smtClean="0"/>
+              <a:t>Second level</a:t>
+            </a:r>
+          </a:p>
+          <a:p>
+            <a:pPr lvl="2" eaLnBrk="1" latinLnBrk="0" hangingPunct="1"/>
+            <a:r>
+              <a:rPr lang="en-US" smtClean="0"/>
+              <a:t>Third level</a:t>
+            </a:r>
+          </a:p>
+          <a:p>
+            <a:pPr lvl="3" eaLnBrk="1" latinLnBrk="0" hangingPunct="1"/>
+            <a:r>
+              <a:rPr lang="en-US" smtClean="0"/>
+              <a:t>Fourth level</a:t>
+            </a:r>
+          </a:p>
+          <a:p>
+            <a:pPr lvl="4" eaLnBrk="1" latinLnBrk="0" hangingPunct="1"/>
+            <a:r>
+              <a:rPr lang="en-US" smtClean="0"/>
+              <a:t>Fifth level</a:t>
+            </a:r>
+            <a:endParaRPr kumimoji="0" lang="en-US"/>
+          </a:p>
+        </p:txBody>
+      </p:sp>
+      <p:sp>
+        <p:nvSpPr>
+          <p:cNvPr id="5" name="Date Placeholder 4"/>
+          <p:cNvSpPr>
+            <a:spLocks noGrp="1"/>
+          </p:cNvSpPr>
+          <p:nvPr>
+            <p:ph type="dt" sz="half" idx="10"/>
+          </p:nvPr>
+        </p:nvSpPr>
+        <p:spPr/>
+        <p:txBody>
+          <a:bodyPr/>
+          <a:lstStyle>
+            <a:extLst/>
+          </a:lstStyle>
+          <a:p>
+            <a:fld id="{4103763D-A27D-454E-8A4F-CA208A7ACAEE}" type="datetimeFigureOut">
+              <a:rPr lang="en-US" smtClean="0"/>
+              <a:pPr/>
+              <a:t>6/15/2009</a:t>
+            </a:fld>
+            <a:endParaRPr lang="en-US"/>
+          </a:p>
+        </p:txBody>
+      </p:sp>
+      <p:sp>
+        <p:nvSpPr>
+          <p:cNvPr id="6" name="Footer Placeholder 5"/>
+          <p:cNvSpPr>
+            <a:spLocks noGrp="1"/>
+          </p:cNvSpPr>
+          <p:nvPr>
+            <p:ph type="ftr" sz="quarter" idx="11"/>
+          </p:nvPr>
+        </p:nvSpPr>
+        <p:spPr/>
+        <p:txBody>
+          <a:bodyPr/>
+          <a:lstStyle>
+            <a:extLst/>
+          </a:lstStyle>
+          <a:p>
+            <a:endParaRPr lang="en-US"/>
+          </a:p>
+        </p:txBody>
+      </p:sp>
+      <p:sp>
+        <p:nvSpPr>
+          <p:cNvPr id="7" name="Slide Number Placeholder 6"/>
+          <p:cNvSpPr>
+            <a:spLocks noGrp="1"/>
+          </p:cNvSpPr>
+          <p:nvPr>
+            <p:ph type="sldNum" sz="quarter" idx="12"/>
+          </p:nvPr>
+        </p:nvSpPr>
+        <p:spPr/>
+        <p:txBody>
+          <a:bodyPr/>
+          <a:lstStyle>
+            <a:extLst/>
+          </a:lstStyle>
+          <a:p>
+            <a:fld id="{156E93B2-3A7B-41C6-9FE2-86B4B403BABE}" type="slidenum">
+              <a:rPr lang="en-US" smtClean="0"/>
+              <a:pPr/>
+              <a:t>‹#›</a:t>
+            </a:fld>
             <a:endParaRPr lang="en-US"/>
           </a:p>
         </p:txBody>
@@ -2361,9 +3538,20 @@
         </p:nvSpPr>
         <p:spPr>
           <a:xfrm>
-            <a:off x="1792288" y="612775"/>
-            <a:ext cx="5486400" cy="4114800"/>
+            <a:off x="421480" y="435768"/>
+            <a:ext cx="5925312" cy="4343400"/>
           </a:xfrm>
+          <a:prstGeom prst="snipRoundRect">
+            <a:avLst>
+              <a:gd name="adj1" fmla="val 1040"/>
+              <a:gd name="adj2" fmla="val 0"/>
+            </a:avLst>
+          </a:prstGeom>
+          <a:solidFill>
+            <a:schemeClr val="bg2">
+              <a:shade val="10000"/>
+            </a:schemeClr>
+          </a:solidFill>
         </p:spPr>
         <p:txBody>
           <a:bodyPr/>
@@ -2372,173 +3560,14 @@
               <a:buNone/>
               <a:defRPr sz="3200"/>
             </a:lvl1pPr>
-            <a:lvl2pPr marL="457200" indent="0">
-              <a:buNone/>
-              <a:defRPr sz="2800"/>
-            </a:lvl2pPr>
-            <a:lvl3pPr marL="914400" indent="0">
-              <a:buNone/>
-              <a:defRPr sz="2400"/>
-            </a:lvl3pPr>
-            <a:lvl4pPr marL="1371600" indent="0">
-              <a:buNone/>
-              <a:defRPr sz="2000"/>
-            </a:lvl4pPr>
-            <a:lvl5pPr marL="1828800" indent="0">
-              <a:buNone/>
-              <a:defRPr sz="2000"/>
-            </a:lvl5pPr>
-            <a:lvl6pPr marL="2286000" indent="0">
-              <a:buNone/>
-              <a:defRPr sz="2000"/>
-            </a:lvl6pPr>
-            <a:lvl7pPr marL="2743200" indent="0">
-              <a:buNone/>
-              <a:defRPr sz="2000"/>
-            </a:lvl7pPr>
-            <a:lvl8pPr marL="3200400" indent="0">
-              <a:buNone/>
-              <a:defRPr sz="2000"/>
-            </a:lvl8pPr>
-            <a:lvl9pPr marL="3657600" indent="0">
-              <a:buNone/>
-              <a:defRPr sz="2000"/>
-            </a:lvl9pPr>
+            <a:extLst/>
           </a:lstStyle>
           <a:p>
-            <a:endParaRPr lang="en-US"/>
-          </a:p>
-        </p:txBody>
-      </p:sp>
-      <p:sp>
-        <p:nvSpPr>
-          <p:cNvPr id="4" name="Text Placeholder 3"/>
-          <p:cNvSpPr>
-            <a:spLocks noGrp="1"/>
-          </p:cNvSpPr>
-          <p:nvPr>
-            <p:ph type="body" sz="half" idx="2"/>
-          </p:nvPr>
-        </p:nvSpPr>
-        <p:spPr>
-          <a:xfrm>
-            <a:off x="1792288" y="5367338"/>
-            <a:ext cx="5486400" cy="804862"/>
-          </a:xfrm>
-        </p:spPr>
-        <p:txBody>
-          <a:bodyPr/>
-          <a:lstStyle>
-            <a:lvl1pPr marL="0" indent="0">
-              <a:buNone/>
-              <a:defRPr sz="1400"/>
-            </a:lvl1pPr>
-            <a:lvl2pPr marL="457200" indent="0">
-              <a:buNone/>
-              <a:defRPr sz="1200"/>
-            </a:lvl2pPr>
-            <a:lvl3pPr marL="914400" indent="0">
-              <a:buNone/>
-              <a:defRPr sz="1000"/>
-            </a:lvl3pPr>
-            <a:lvl4pPr marL="1371600" indent="0">
-              <a:buNone/>
-              <a:defRPr sz="900"/>
-            </a:lvl4pPr>
-            <a:lvl5pPr marL="1828800" indent="0">
-              <a:buNone/>
-              <a:defRPr sz="900"/>
-            </a:lvl5pPr>
-            <a:lvl6pPr marL="2286000" indent="0">
-              <a:buNone/>
-              <a:defRPr sz="900"/>
-            </a:lvl6pPr>
-            <a:lvl7pPr marL="2743200" indent="0">
-              <a:buNone/>
-              <a:defRPr sz="900"/>
-            </a:lvl7pPr>
-            <a:lvl8pPr marL="3200400" indent="0">
-              <a:buNone/>
-              <a:defRPr sz="900"/>
-            </a:lvl8pPr>
-            <a:lvl9pPr marL="3657600" indent="0">
-              <a:buNone/>
-              <a:defRPr sz="900"/>
-            </a:lvl9pPr>
-          </a:lstStyle>
-          <a:p>
-            <a:pPr lvl="0"/>
-            <a:r>
-              <a:rPr lang="en-US" smtClean="0"/>
-              <a:t>Click to edit Master text styles</a:t>
-            </a:r>
-          </a:p>
-        </p:txBody>
-      </p:sp>
-      <p:sp>
-        <p:nvSpPr>
-          <p:cNvPr id="5" name="Date Placeholder 4"/>
-          <p:cNvSpPr>
-            <a:spLocks noGrp="1"/>
-          </p:cNvSpPr>
-          <p:nvPr>
-            <p:ph type="dt" sz="half" idx="10"/>
-          </p:nvPr>
-        </p:nvSpPr>
-        <p:spPr/>
-        <p:txBody>
-          <a:bodyPr/>
-          <a:lstStyle/>
-          <a:p>
-            <a:fld id="{4103763D-A27D-454E-8A4F-CA208A7ACAEE}" type="datetimeFigureOut">
-              <a:rPr lang="en-US" smtClean="0"/>
-              <a:pPr/>
-              <a:t>5/22/2009</a:t>
-            </a:fld>
-            <a:endParaRPr lang="en-US"/>
-          </a:p>
-        </p:txBody>
-      </p:sp>
-      <p:sp>
-        <p:nvSpPr>
-          <p:cNvPr id="6" name="Footer Placeholder 5"/>
-          <p:cNvSpPr>
-            <a:spLocks noGrp="1"/>
-          </p:cNvSpPr>
-          <p:nvPr>
-            <p:ph type="ftr" sz="quarter" idx="11"/>
-          </p:nvPr>
-        </p:nvSpPr>
-        <p:spPr/>
-        <p:txBody>
-          <a:bodyPr/>
-          <a:lstStyle/>
-          <a:p>
-            <a:endParaRPr lang="en-US"/>
-          </a:p>
-        </p:txBody>
-      </p:sp>
-      <p:sp>
-        <p:nvSpPr>
-          <p:cNvPr id="7" name="Slide Number Placeholder 6"/>
-          <p:cNvSpPr>
-            <a:spLocks noGrp="1"/>
-          </p:cNvSpPr>
-          <p:nvPr>
-            <p:ph type="sldNum" sz="quarter" idx="12"/>
-          </p:nvPr>
-        </p:nvSpPr>
-        <p:spPr/>
-        <p:txBody>
-          <a:bodyPr/>
-          <a:lstStyle/>
-          <a:p>
-            <a:fld id="{156E93B2-3A7B-41C6-9FE2-86B4B403BABE}" type="slidenum">
-              <a:rPr lang="en-US" smtClean="0"/>
-              <a:pPr/>
-              <a:t>‹#›</a:t>
-            </a:fld>
-            <a:endParaRPr lang="en-US"/>
+            <a:r>
+              <a:rPr kumimoji="0" lang="en-US" smtClean="0"/>
+              <a:t>Click icon to add picture</a:t>
+            </a:r>
+            <a:endParaRPr kumimoji="0" lang="en-US"/>
           </a:p>
         </p:txBody>
       </p:sp>
@@ -2555,7 +3584,7 @@
   <p:cSld>
     <p:bg>
       <p:bgRef idx="1001">
-        <a:schemeClr val="bg1"/>
+        <a:schemeClr val="bg2"/>
       </p:bgRef>
     </p:bg>
     <p:spTree>
@@ -2574,7 +3603,163 @@
       </p:grpSpPr>
       <p:sp>
         <p:nvSpPr>
-          <p:cNvPr id="2" name="Title Placeholder 1"/>
+          <p:cNvPr id="7" name="Rounded Rectangle 6"/>
+          <p:cNvSpPr/>
+          <p:nvPr/>
+        </p:nvSpPr>
+        <p:spPr>
+          <a:xfrm>
+            <a:off x="304800" y="329184"/>
+            <a:ext cx="8532055" cy="6196819"/>
+          </a:xfrm>
+          <a:prstGeom prst="roundRect">
+            <a:avLst>
+              <a:gd name="adj" fmla="val 2081"/>
+            </a:avLst>
+          </a:prstGeom>
+          <a:gradFill flip="none" rotWithShape="1">
+            <a:gsLst>
+              <a:gs pos="0">
+                <a:srgbClr val="FFFFFF">
+                  <a:shade val="100000"/>
+                </a:srgbClr>
+              </a:gs>
+              <a:gs pos="98000">
+                <a:srgbClr val="FFFFFF">
+                  <a:shade val="100000"/>
+                </a:srgbClr>
+              </a:gs>
+              <a:gs pos="99055">
+                <a:srgbClr val="FFFFFF">
+                  <a:shade val="93000"/>
+                </a:srgbClr>
+              </a:gs>
+              <a:gs pos="100000">
+                <a:srgbClr val="FFFFFF">
+                  <a:shade val="70000"/>
+                </a:srgbClr>
+              </a:gs>
+            </a:gsLst>
+            <a:lin ang="5400000" scaled="1"/>
+            <a:tileRect/>
+          </a:gradFill>
+          <a:ln w="2000" cap="rnd" cmpd="sng" algn="ctr">
+            <a:solidFill>
+              <a:srgbClr val="302F2C">
+                <a:tint val="65000"/>
+                <a:satMod val="120000"/>
+              </a:srgbClr>
+            </a:solidFill>
+            <a:prstDash val="solid"/>
+          </a:ln>
+          <a:effectLst>
+            <a:outerShdw blurRad="76200" dist="50800" dir="5400000" algn="tl" rotWithShape="0">
+              <a:srgbClr val="000000">
+                <a:alpha val="25000"/>
+              </a:srgbClr>
+            </a:outerShdw>
+          </a:effectLst>
+        </p:spPr>
+        <p:style>
+          <a:lnRef idx="3">
+            <a:schemeClr val="lt1"/>
+          </a:lnRef>
+          <a:fillRef idx="1">
+            <a:schemeClr val="accent1"/>
+          </a:fillRef>
+          <a:effectRef idx="1">
+            <a:schemeClr val="accent1"/>
+          </a:effectRef>
+          <a:fontRef idx="minor">
+            <a:schemeClr val="lt1"/>
+          </a:fontRef>
+        </p:style>
+        <p:txBody>
+          <a:bodyPr anchor="ctr"/>
+          <a:lstStyle>
+            <a:extLst/>
+          </a:lstStyle>
+          <a:p>
+            <a:pPr algn="ctr" eaLnBrk="1" latinLnBrk="0" hangingPunct="1"/>
+            <a:endParaRPr kumimoji="0" lang="en-US"/>
+          </a:p>
+        </p:txBody>
+      </p:sp>
+      <p:sp>
+        <p:nvSpPr>
+          <p:cNvPr id="9" name="Rounded Rectangle 8"/>
+          <p:cNvSpPr/>
+          <p:nvPr/>
+        </p:nvSpPr>
+        <p:spPr>
+          <a:xfrm>
+            <a:off x="418596" y="434162"/>
+            <a:ext cx="8306809" cy="5486400"/>
+          </a:xfrm>
+          <a:prstGeom prst="roundRect">
+            <a:avLst>
+              <a:gd name="adj" fmla="val 2127"/>
+            </a:avLst>
+          </a:prstGeom>
+          <a:gradFill rotWithShape="1">
+            <a:gsLst>
+              <a:gs pos="0">
+                <a:schemeClr val="bg1">
+                  <a:tint val="75000"/>
+                  <a:satMod val="150000"/>
+                </a:schemeClr>
+              </a:gs>
+              <a:gs pos="55000">
+                <a:schemeClr val="bg1">
+                  <a:shade val="75000"/>
+                  <a:satMod val="100000"/>
+                </a:schemeClr>
+              </a:gs>
+              <a:gs pos="100000">
+                <a:schemeClr val="bg1">
+                  <a:shade val="35000"/>
+                  <a:satMod val="100000"/>
+                </a:schemeClr>
+              </a:gs>
+            </a:gsLst>
+            <a:path path="circle">
+              <a:fillToRect l="50000" t="175000" r="50000" b="-75000"/>
+            </a:path>
+          </a:gradFill>
+          <a:ln w="8890" cap="rnd" cmpd="sng" algn="ctr">
+            <a:noFill/>
+            <a:prstDash val="solid"/>
+          </a:ln>
+          <a:effectLst/>
+        </p:spPr>
+        <p:style>
+          <a:lnRef idx="3">
+            <a:schemeClr val="lt1"/>
+          </a:lnRef>
+          <a:fillRef idx="1">
+            <a:schemeClr val="accent1"/>
+          </a:fillRef>
+          <a:effectRef idx="1">
+            <a:schemeClr val="accent1"/>
+          </a:effectRef>
+          <a:fontRef idx="minor">
+            <a:schemeClr val="lt1"/>
+          </a:fontRef>
+        </p:style>
+        <p:txBody>
+          <a:bodyPr anchor="ctr"/>
+          <a:lstStyle>
+            <a:extLst/>
+          </a:lstStyle>
+          <a:p>
+            <a:pPr algn="ctr" eaLnBrk="1" latinLnBrk="0" hangingPunct="1"/>
+            <a:endParaRPr kumimoji="0" lang="en-US"/>
+          </a:p>
+        </p:txBody>
+      </p:sp>
+      <p:sp>
+        <p:nvSpPr>
+          <p:cNvPr id="13" name="Title Placeholder 12"/>
           <p:cNvSpPr>
             <a:spLocks noGrp="1"/>
           </p:cNvSpPr>
@@ -2584,30 +3769,32 @@
         </p:nvSpPr>
         <p:spPr>
           <a:xfrm>
-            <a:off x="457200" y="274638"/>
-            <a:ext cx="8229600" cy="1143000"/>
+            <a:off x="502920" y="4985590"/>
+            <a:ext cx="8183880" cy="1051560"/>
           </a:xfrm>
           <a:prstGeom prst="rect">
             <a:avLst/>
           </a:prstGeom>
         </p:spPr>
         <p:txBody>
-          <a:bodyPr vert="horz" lIns="91440" tIns="45720" rIns="91440" bIns="45720" rtlCol="0" anchor="ctr">
+          <a:bodyPr vert="horz" anchor="b">
             <a:normAutofit/>
           </a:bodyPr>
-          <a:lstStyle/>
-          <a:p>
-            <a:r>
-              <a:rPr lang="en-US" smtClean="0"/>
+          <a:lstStyle>
+            <a:extLst/>
+          </a:lstStyle>
+          <a:p>
+            <a:r>
+              <a:rPr kumimoji="0" lang="en-US" smtClean="0"/>
               <a:t>Click to edit Master title style</a:t>
             </a:r>
-            <a:endParaRPr lang="en-US"/>
-          </a:p>
-        </p:txBody>
-      </p:sp>
-      <p:sp>
-        <p:nvSpPr>
-          <p:cNvPr id="3" name="Text Placeholder 2"/>
+            <a:endParaRPr kumimoji="0" lang="en-US"/>
+          </a:p>
+        </p:txBody>
+      </p:sp>
+      <p:sp>
+        <p:nvSpPr>
+          <p:cNvPr id="4" name="Text Placeholder 3"/>
           <p:cNvSpPr>
             <a:spLocks noGrp="1"/>
           </p:cNvSpPr>
@@ -2617,59 +3804,61 @@
         </p:nvSpPr>
         <p:spPr>
           <a:xfrm>
-            <a:off x="457200" y="1600200"/>
-            <a:ext cx="8229600" cy="4525963"/>
+            <a:off x="502920" y="530352"/>
+            <a:ext cx="8183880" cy="4187952"/>
           </a:xfrm>
           <a:prstGeom prst="rect">
             <a:avLst/>
           </a:prstGeom>
         </p:spPr>
         <p:txBody>
-          <a:bodyPr vert="horz" lIns="91440" tIns="45720" rIns="91440" bIns="45720" rtlCol="0">
+          <a:bodyPr vert="horz" lIns="182880" tIns="91440">
             <a:normAutofit/>
           </a:bodyPr>
-          <a:lstStyle/>
-          <a:p>
-            <a:pPr lvl="0"/>
-            <a:r>
-              <a:rPr lang="en-US" smtClean="0"/>
+          <a:lstStyle>
+            <a:extLst/>
+          </a:lstStyle>
+          <a:p>
+            <a:pPr lvl="0" eaLnBrk="1" latinLnBrk="0" hangingPunct="1"/>
+            <a:r>
+              <a:rPr kumimoji="0" lang="en-US" smtClean="0"/>
               <a:t>Click to edit Master text styles</a:t>
             </a:r>
           </a:p>
           <a:p>
-            <a:pPr lvl="1"/>
-            <a:r>
-              <a:rPr lang="en-US" smtClean="0"/>
+            <a:pPr lvl="1" eaLnBrk="1" latinLnBrk="0" hangingPunct="1"/>
+            <a:r>
+              <a:rPr kumimoji="0" lang="en-US" smtClean="0"/>
               <a:t>Second level</a:t>
             </a:r>
           </a:p>
           <a:p>
-            <a:pPr lvl="2"/>
-            <a:r>
-              <a:rPr lang="en-US" smtClean="0"/>
+            <a:pPr lvl="2" eaLnBrk="1" latinLnBrk="0" hangingPunct="1"/>
+            <a:r>
+              <a:rPr kumimoji="0" lang="en-US" smtClean="0"/>
               <a:t>Third level</a:t>
             </a:r>
           </a:p>
           <a:p>
-            <a:pPr lvl="3"/>
-            <a:r>
-              <a:rPr lang="en-US" smtClean="0"/>
+            <a:pPr lvl="3" eaLnBrk="1" latinLnBrk="0" hangingPunct="1"/>
+            <a:r>
+              <a:rPr kumimoji="0" lang="en-US" smtClean="0"/>
               <a:t>Fourth level</a:t>
             </a:r>
           </a:p>
           <a:p>
-            <a:pPr lvl="4"/>
-            <a:r>
-              <a:rPr lang="en-US" smtClean="0"/>
+            <a:pPr lvl="4" eaLnBrk="1" latinLnBrk="0" hangingPunct="1"/>
+            <a:r>
+              <a:rPr kumimoji="0" lang="en-US" smtClean="0"/>
               <a:t>Fifth level</a:t>
             </a:r>
-            <a:endParaRPr lang="en-US"/>
-          </a:p>
-        </p:txBody>
-      </p:sp>
-      <p:sp>
-        <p:nvSpPr>
-          <p:cNvPr id="4" name="Date Placeholder 3"/>
+            <a:endParaRPr kumimoji="0" lang="en-US"/>
+          </a:p>
+        </p:txBody>
+      </p:sp>
+      <p:sp>
+        <p:nvSpPr>
+          <p:cNvPr id="25" name="Date Placeholder 24"/>
           <p:cNvSpPr>
             <a:spLocks noGrp="1"/>
           </p:cNvSpPr>
@@ -2679,31 +3868,32 @@
         </p:nvSpPr>
         <p:spPr>
           <a:xfrm>
-            <a:off x="457200" y="6356350"/>
-            <a:ext cx="2133600" cy="365125"/>
+            <a:off x="3776328" y="6111875"/>
+            <a:ext cx="2286000" cy="365125"/>
           </a:xfrm>
           <a:prstGeom prst="rect">
             <a:avLst/>
           </a:prstGeom>
         </p:spPr>
         <p:txBody>
-          <a:bodyPr vert="horz" lIns="91440" tIns="45720" rIns="91440" bIns="45720" rtlCol="0" anchor="ctr"/>
+          <a:bodyPr vert="horz" anchor="b"/>
           <a:lstStyle>
-            <a:lvl1pPr algn="l">
-              <a:defRPr sz="1200">
+            <a:lvl1pPr algn="r" eaLnBrk="1" latinLnBrk="0" hangingPunct="1">
+              <a:defRPr kumimoji="0" sz="1000">
                 <a:solidFill>
-                  <a:schemeClr val="tx1">
-                    <a:tint val="75000"/>
+                  <a:schemeClr val="bg2">
+                    <a:shade val="50000"/>
                   </a:schemeClr>
                 </a:solidFill>
               </a:defRPr>
             </a:lvl1pPr>
+            <a:extLst/>
           </a:lstStyle>
           <a:p>
             <a:fld id="{4103763D-A27D-454E-8A4F-CA208A7ACAEE}" type="datetimeFigureOut">
               <a:rPr lang="en-US" smtClean="0"/>
               <a:pPr/>
-              <a:t>5/22/2009</a:t>
+              <a:t>6/15/2009</a:t>
             </a:fld>
             <a:endParaRPr lang="en-US"/>
           </a:p>
@@ -2711,7 +3901,7 @@
       </p:sp>
       <p:sp>
         <p:nvSpPr>
-          <p:cNvPr id="5" name="Footer Placeholder 4"/>
+          <p:cNvPr id="18" name="Footer Placeholder 17"/>
           <p:cNvSpPr>
             <a:spLocks noGrp="1"/>
           </p:cNvSpPr>
@@ -2721,25 +3911,26 @@
         </p:nvSpPr>
         <p:spPr>
           <a:xfrm>
-            <a:off x="3124200" y="6356350"/>
-            <a:ext cx="2895600" cy="365125"/>
+            <a:off x="6062328" y="6111875"/>
+            <a:ext cx="2286000" cy="365125"/>
           </a:xfrm>
           <a:prstGeom prst="rect">
             <a:avLst/>
           </a:prstGeom>
         </p:spPr>
         <p:txBody>
-          <a:bodyPr vert="horz" lIns="91440" tIns="45720" rIns="91440" bIns="45720" rtlCol="0" anchor="ctr"/>
+          <a:bodyPr vert="horz" anchor="b"/>
           <a:lstStyle>
-            <a:lvl1pPr algn="ctr">
-              <a:defRPr sz="1200">
+            <a:lvl1pPr algn="l" eaLnBrk="1" latinLnBrk="0" hangingPunct="1">
+              <a:defRPr kumimoji="0" sz="1000">
                 <a:solidFill>
-                  <a:schemeClr val="tx1">
-                    <a:tint val="75000"/>
+                  <a:schemeClr val="bg2">
+                    <a:shade val="50000"/>
                   </a:schemeClr>
                 </a:solidFill>
               </a:defRPr>
             </a:lvl1pPr>
+            <a:extLst/>
           </a:lstStyle>
           <a:p>
             <a:endParaRPr lang="en-US"/>
@@ -2748,7 +3939,7 @@
       </p:sp>
       <p:sp>
         <p:nvSpPr>
-          <p:cNvPr id="6" name="Slide Number Placeholder 5"/>
+          <p:cNvPr id="5" name="Slide Number Placeholder 4"/>
           <p:cNvSpPr>
             <a:spLocks noGrp="1"/>
           </p:cNvSpPr>
@@ -2758,25 +3949,26 @@
         </p:nvSpPr>
         <p:spPr>
           <a:xfrm>
-            <a:off x="6553200" y="6356350"/>
-            <a:ext cx="2133600" cy="365125"/>
+            <a:off x="8348328" y="6111875"/>
+            <a:ext cx="457200" cy="365125"/>
           </a:xfrm>
           <a:prstGeom prst="rect">
             <a:avLst/>
           </a:prstGeom>
         </p:spPr>
         <p:txBody>
-          <a:bodyPr vert="horz" lIns="91440" tIns="45720" rIns="91440" bIns="45720" rtlCol="0" anchor="ctr"/>
+          <a:bodyPr vert="horz" anchor="b"/>
           <a:lstStyle>
-            <a:lvl1pPr algn="r">
-              <a:defRPr sz="1200">
+            <a:lvl1pPr algn="r" eaLnBrk="1" latinLnBrk="0" hangingPunct="1">
+              <a:defRPr kumimoji="0" sz="1000">
                 <a:solidFill>
-                  <a:schemeClr val="tx1">
-                    <a:tint val="75000"/>
+                  <a:schemeClr val="bg2">
+                    <a:shade val="50000"/>
                   </a:schemeClr>
                 </a:solidFill>
               </a:defRPr>
             </a:lvl1pPr>
+            <a:extLst/>
           </a:lstStyle>
           <a:p>
             <a:fld id="{156E93B2-3A7B-41C6-9FE2-86B4B403BABE}" type="slidenum">
@@ -2792,43 +3984,245 @@
   </p:cSld>
   <p:clrMap bg1="lt1" tx1="dk1" bg2="lt2" tx2="dk2" accent1="accent1" accent2="accent2" accent3="accent3" accent4="accent4" accent5="accent5" accent6="accent6" hlink="hlink" folHlink="folHlink"/>
   <p:sldLayoutIdLst>
-    <p:sldLayoutId id="2147483673" r:id="rId1"/>
-    <p:sldLayoutId id="2147483674" r:id="rId2"/>
-    <p:sldLayoutId id="2147483675" r:id="rId3"/>
-    <p:sldLayoutId id="2147483676" r:id="rId4"/>
-    <p:sldLayoutId id="2147483677" r:id="rId5"/>
-    <p:sldLayoutId id="2147483678" r:id="rId6"/>
-    <p:sldLayoutId id="2147483679" r:id="rId7"/>
-    <p:sldLayoutId id="2147483680" r:id="rId8"/>
-    <p:sldLayoutId id="2147483681" r:id="rId9"/>
-    <p:sldLayoutId id="2147483682" r:id="rId10"/>
-    <p:sldLayoutId id="2147483683" r:id="rId11"/>
+    <p:sldLayoutId id="2147483709" r:id="rId1"/>
+    <p:sldLayoutId id="2147483710" r:id="rId2"/>
+    <p:sldLayoutId id="2147483711" r:id="rId3"/>
+    <p:sldLayoutId id="2147483712" r:id="rId4"/>
+    <p:sldLayoutId id="2147483713" r:id="rId5"/>
+    <p:sldLayoutId id="2147483714" r:id="rId6"/>
+    <p:sldLayoutId id="2147483715" r:id="rId7"/>
+    <p:sldLayoutId id="2147483716" r:id="rId8"/>
+    <p:sldLayoutId id="2147483717" r:id="rId9"/>
+    <p:sldLayoutId id="2147483718" r:id="rId10"/>
+    <p:sldLayoutId id="2147483719" r:id="rId11"/>
   </p:sldLayoutIdLst>
   <p:txStyles>
     <p:titleStyle>
-      <a:lvl1pPr algn="ctr" defTabSz="914400" rtl="0" eaLnBrk="1" latinLnBrk="0" hangingPunct="1">
+      <a:lvl1pPr algn="l" rtl="0" eaLnBrk="1" latinLnBrk="0" hangingPunct="1">
         <a:spcBef>
           <a:spcPct val="0"/>
         </a:spcBef>
         <a:buNone/>
-        <a:defRPr sz="4400" kern="1200">
+        <a:defRPr kumimoji="0" sz="3600" b="1" kern="1200">
           <a:solidFill>
-            <a:schemeClr val="tx1"/>
+            <a:schemeClr val="accent1">
+              <a:tint val="88000"/>
+              <a:satMod val="150000"/>
+            </a:schemeClr>
           </a:solidFill>
+          <a:effectLst>
+            <a:outerShdw blurRad="53975" dist="22860" dir="5400000" algn="tl" rotWithShape="0">
+              <a:srgbClr val="000000">
+                <a:alpha val="55000"/>
+              </a:srgbClr>
+            </a:outerShdw>
+          </a:effectLst>
           <a:latin typeface="+mj-lt"/>
           <a:ea typeface="+mj-ea"/>
           <a:cs typeface="+mj-cs"/>
         </a:defRPr>
       </a:lvl1pPr>
+      <a:extLst/>
     </p:titleStyle>
     <p:bodyStyle>
-      <a:lvl1pPr marL="342900" indent="-342900" algn="l" defTabSz="914400" rtl="0" eaLnBrk="1" latinLnBrk="0" hangingPunct="1">
+      <a:lvl1pPr marL="265176" indent="-265176" algn="l" rtl="0" eaLnBrk="1" latinLnBrk="0" hangingPunct="1">
         <a:spcBef>
-          <a:spcPct val="20000"/>
+          <a:spcPts val="250"/>
         </a:spcBef>
-        <a:buFont typeface="Arial" pitchFamily="34" charset="0"/>
-        <a:buChar char="•"/>
-        <a:defRPr sz="3200" kern="1200">
+        <a:buClr>
+          <a:schemeClr val="accent1"/>
+        </a:buClr>
+        <a:buSzPct val="80000"/>
+        <a:buFont typeface="Wingdings 2"/>
+        <a:buChar char=""/>
+        <a:defRPr kumimoji="0" sz="2800" kern="1200">
+          <a:solidFill>
+            <a:schemeClr val="tx1"/>
+          </a:solidFill>
+          <a:effectLst/>
+          <a:latin typeface="+mn-lt"/>
+          <a:ea typeface="+mn-ea"/>
+          <a:cs typeface="+mn-cs"/>
+        </a:defRPr>
+      </a:lvl1pPr>
+      <a:lvl2pPr marL="548640" indent="-201168" algn="l" rtl="0" eaLnBrk="1" latinLnBrk="0" hangingPunct="1">
+        <a:spcBef>
+          <a:spcPts val="250"/>
+        </a:spcBef>
+        <a:buClr>
+          <a:schemeClr val="accent1"/>
+        </a:buClr>
+        <a:buSzPct val="100000"/>
+        <a:buFont typeface="Verdana"/>
+        <a:buChar char="◦"/>
+        <a:defRPr kumimoji="0" sz="2400" kern="1200">
+          <a:solidFill>
+            <a:schemeClr val="tx1"/>
+          </a:solidFill>
+          <a:latin typeface="+mn-lt"/>
+          <a:ea typeface="+mn-ea"/>
+          <a:cs typeface="+mn-cs"/>
+        </a:defRPr>
+      </a:lvl2pPr>
+      <a:lvl3pPr marL="786384" indent="-182880" algn="l" rtl="0" eaLnBrk="1" latinLnBrk="0" hangingPunct="1">
+        <a:spcBef>
+          <a:spcPts val="250"/>
+        </a:spcBef>
+        <a:buClr>
+          <a:schemeClr val="accent2">
+            <a:tint val="85000"/>
+            <a:satMod val="285000"/>
+          </a:schemeClr>
+        </a:buClr>
+        <a:buSzPct val="100000"/>
+        <a:buFont typeface="Wingdings 2"/>
+        <a:buChar char=""/>
+        <a:defRPr kumimoji="0" sz="2200" kern="1200">
+          <a:solidFill>
+            <a:schemeClr val="tx1"/>
+          </a:solidFill>
+          <a:latin typeface="+mn-lt"/>
+          <a:ea typeface="+mn-ea"/>
+          <a:cs typeface="+mn-cs"/>
+        </a:defRPr>
+      </a:lvl3pPr>
+      <a:lvl4pPr marL="1024128" indent="-182880" algn="l" rtl="0" eaLnBrk="1" latinLnBrk="0" hangingPunct="1">
+        <a:spcBef>
+          <a:spcPts val="230"/>
+        </a:spcBef>
+        <a:buClr>
+          <a:schemeClr val="accent2">
+            <a:tint val="85000"/>
+            <a:satMod val="285000"/>
+          </a:schemeClr>
+        </a:buClr>
+        <a:buSzPct val="112000"/>
+        <a:buFont typeface="Verdana"/>
+        <a:buChar char="◦"/>
+        <a:defRPr kumimoji="0" sz="1900" kern="1200">
+          <a:solidFill>
+            <a:schemeClr val="tx1"/>
+          </a:solidFill>
+          <a:latin typeface="+mn-lt"/>
+          <a:ea typeface="+mn-ea"/>
+          <a:cs typeface="+mn-cs"/>
+        </a:defRPr>
+      </a:lvl4pPr>
+      <a:lvl5pPr marL="1280160" indent="-182880" algn="l" rtl="0" eaLnBrk="1" latinLnBrk="0" hangingPunct="1">
+        <a:spcBef>
+          <a:spcPts val="250"/>
+        </a:spcBef>
+        <a:buClr>
+          <a:schemeClr val="accent3">
+            <a:tint val="85000"/>
+            <a:satMod val="275000"/>
+          </a:schemeClr>
+        </a:buClr>
+        <a:buSzPct val="100000"/>
+        <a:buFont typeface="Wingdings 2"/>
+        <a:buChar char=""/>
+        <a:defRPr kumimoji="0" sz="1800" kern="1200">
+          <a:solidFill>
+            <a:schemeClr val="tx1"/>
+          </a:solidFill>
+          <a:latin typeface="+mn-lt"/>
+          <a:ea typeface="+mn-ea"/>
+          <a:cs typeface="+mn-cs"/>
+        </a:defRPr>
+      </a:lvl5pPr>
+      <a:lvl6pPr marL="1490472" indent="-182880" algn="l" rtl="0" eaLnBrk="1" latinLnBrk="0" hangingPunct="1">
+        <a:spcBef>
+          <a:spcPts val="250"/>
+        </a:spcBef>
+        <a:buClr>
+          <a:schemeClr val="accent3">
+            <a:tint val="85000"/>
+            <a:satMod val="275000"/>
+          </a:schemeClr>
+        </a:buClr>
+        <a:buSzPct val="100000"/>
+        <a:buFont typeface="Verdana"/>
+        <a:buChar char="◦"/>
+        <a:defRPr kumimoji="0" sz="1700" kern="1200" baseline="0">
+          <a:solidFill>
+            <a:schemeClr val="tx1"/>
+          </a:solidFill>
+          <a:latin typeface="+mn-lt"/>
+          <a:ea typeface="+mn-ea"/>
+          <a:cs typeface="+mn-cs"/>
+        </a:defRPr>
+      </a:lvl6pPr>
+      <a:lvl7pPr marL="1700784" indent="-182880" algn="l" rtl="0" eaLnBrk="1" latinLnBrk="0" hangingPunct="1">
+        <a:spcBef>
+          <a:spcPts val="255"/>
+        </a:spcBef>
+        <a:buClr>
+          <a:schemeClr val="accent3">
+            <a:tint val="85000"/>
+            <a:satMod val="275000"/>
+          </a:schemeClr>
+        </a:buClr>
+        <a:buSzPct val="100000"/>
+        <a:buFont typeface="Wingdings 2"/>
+        <a:buChar char=""/>
+        <a:defRPr kumimoji="0" sz="1500" kern="1200">
+          <a:solidFill>
+            <a:schemeClr val="tx1"/>
+          </a:solidFill>
+          <a:latin typeface="+mn-lt"/>
+          <a:ea typeface="+mn-ea"/>
+          <a:cs typeface="+mn-cs"/>
+        </a:defRPr>
+      </a:lvl7pPr>
+      <a:lvl8pPr marL="1920240" indent="-182880" algn="l" rtl="0" eaLnBrk="1" latinLnBrk="0" hangingPunct="1">
+        <a:spcBef>
+          <a:spcPts val="257"/>
+        </a:spcBef>
+        <a:buClr>
+          <a:schemeClr val="accent3">
+            <a:tint val="85000"/>
+            <a:satMod val="275000"/>
+          </a:schemeClr>
+        </a:buClr>
+        <a:buSzPct val="100000"/>
+        <a:buFont typeface="Verdana"/>
+        <a:buChar char="◦"/>
+        <a:defRPr kumimoji="0" sz="1500" kern="1200" baseline="0">
+          <a:solidFill>
+            <a:schemeClr val="tx1"/>
+          </a:solidFill>
+          <a:latin typeface="+mn-lt"/>
+          <a:ea typeface="+mn-ea"/>
+          <a:cs typeface="+mn-cs"/>
+        </a:defRPr>
+      </a:lvl8pPr>
+      <a:lvl9pPr marL="2148840" indent="-182880" algn="l" rtl="0" eaLnBrk="1" latinLnBrk="0" hangingPunct="1">
+        <a:spcBef>
+          <a:spcPts val="255"/>
+        </a:spcBef>
+        <a:buClr>
+          <a:schemeClr val="accent3">
+            <a:tint val="85000"/>
+            <a:satMod val="275000"/>
+          </a:schemeClr>
+        </a:buClr>
+        <a:buSzPct val="100000"/>
+        <a:buFont typeface="Wingdings 2"/>
+        <a:buChar char=""/>
+        <a:defRPr kumimoji="0" sz="1500" kern="1200">
+          <a:solidFill>
+            <a:schemeClr val="tx1"/>
+          </a:solidFill>
+          <a:latin typeface="+mn-lt"/>
+          <a:ea typeface="+mn-ea"/>
+          <a:cs typeface="+mn-cs"/>
+        </a:defRPr>
+      </a:lvl9pPr>
+      <a:extLst/>
+    </p:bodyStyle>
+    <p:otherStyle>
+      <a:lvl1pPr marL="0" algn="l" rtl="0" eaLnBrk="1" latinLnBrk="0" hangingPunct="1">
+        <a:defRPr kumimoji="0" kern="1200">
           <a:solidFill>
             <a:schemeClr val="tx1"/>
           </a:solidFill>
@@ -2837,13 +4231,8 @@
           <a:cs typeface="+mn-cs"/>
         </a:defRPr>
       </a:lvl1pPr>
-      <a:lvl2pPr marL="742950" indent="-285750" algn="l" defTabSz="914400" rtl="0" eaLnBrk="1" latinLnBrk="0" hangingPunct="1">
-        <a:spcBef>
-          <a:spcPct val="20000"/>
-        </a:spcBef>
-        <a:buFont typeface="Arial" pitchFamily="34" charset="0"/>
-        <a:buChar char="–"/>
-        <a:defRPr sz="2800" kern="1200">
+      <a:lvl2pPr marL="457200" algn="l" rtl="0" eaLnBrk="1" latinLnBrk="0" hangingPunct="1">
+        <a:defRPr kumimoji="0" kern="1200">
           <a:solidFill>
             <a:schemeClr val="tx1"/>
           </a:solidFill>
@@ -2852,13 +4241,8 @@
           <a:cs typeface="+mn-cs"/>
         </a:defRPr>
       </a:lvl2pPr>
-      <a:lvl3pPr marL="1143000" indent="-228600" algn="l" defTabSz="914400" rtl="0" eaLnBrk="1" latinLnBrk="0" hangingPunct="1">
-        <a:spcBef>
-          <a:spcPct val="20000"/>
-        </a:spcBef>
-        <a:buFont typeface="Arial" pitchFamily="34" charset="0"/>
-        <a:buChar char="•"/>
-        <a:defRPr sz="2400" kern="1200">
+      <a:lvl3pPr marL="914400" algn="l" rtl="0" eaLnBrk="1" latinLnBrk="0" hangingPunct="1">
+        <a:defRPr kumimoji="0" kern="1200">
           <a:solidFill>
             <a:schemeClr val="tx1"/>
           </a:solidFill>
@@ -2867,13 +4251,8 @@
           <a:cs typeface="+mn-cs"/>
         </a:defRPr>
       </a:lvl3pPr>
-      <a:lvl4pPr marL="1600200" indent="-228600" algn="l" defTabSz="914400" rtl="0" eaLnBrk="1" latinLnBrk="0" hangingPunct="1">
-        <a:spcBef>
-          <a:spcPct val="20000"/>
-        </a:spcBef>
-        <a:buFont typeface="Arial" pitchFamily="34" charset="0"/>
-        <a:buChar char="–"/>
-        <a:defRPr sz="2000" kern="1200">
+      <a:lvl4pPr marL="1371600" algn="l" rtl="0" eaLnBrk="1" latinLnBrk="0" hangingPunct="1">
+        <a:defRPr kumimoji="0" kern="1200">
           <a:solidFill>
             <a:schemeClr val="tx1"/>
           </a:solidFill>
@@ -2882,13 +4261,8 @@
           <a:cs typeface="+mn-cs"/>
         </a:defRPr>
       </a:lvl4pPr>
-      <a:lvl5pPr marL="2057400" indent="-228600" algn="l" defTabSz="914400" rtl="0" eaLnBrk="1" latinLnBrk="0" hangingPunct="1">
-        <a:spcBef>
-          <a:spcPct val="20000"/>
-        </a:spcBef>
-        <a:buFont typeface="Arial" pitchFamily="34" charset="0"/>
-        <a:buChar char="»"/>
-        <a:defRPr sz="2000" kern="1200">
+      <a:lvl5pPr marL="1828800" algn="l" rtl="0" eaLnBrk="1" latinLnBrk="0" hangingPunct="1">
+        <a:defRPr kumimoji="0" kern="1200">
           <a:solidFill>
             <a:schemeClr val="tx1"/>
           </a:solidFill>
@@ -2897,13 +4271,8 @@
           <a:cs typeface="+mn-cs"/>
         </a:defRPr>
       </a:lvl5pPr>
-      <a:lvl6pPr marL="2514600" indent="-228600" algn="l" defTabSz="914400" rtl="0" eaLnBrk="1" latinLnBrk="0" hangingPunct="1">
-        <a:spcBef>
-          <a:spcPct val="20000"/>
-        </a:spcBef>
-        <a:buFont typeface="Arial" pitchFamily="34" charset="0"/>
-        <a:buChar char="•"/>
-        <a:defRPr sz="2000" kern="1200">
+      <a:lvl6pPr marL="2286000" algn="l" rtl="0" eaLnBrk="1" latinLnBrk="0" hangingPunct="1">
+        <a:defRPr kumimoji="0" kern="1200">
           <a:solidFill>
             <a:schemeClr val="tx1"/>
           </a:solidFill>
@@ -2912,13 +4281,8 @@
           <a:cs typeface="+mn-cs"/>
         </a:defRPr>
       </a:lvl6pPr>
-      <a:lvl7pPr marL="2971800" indent="-228600" algn="l" defTabSz="914400" rtl="0" eaLnBrk="1" latinLnBrk="0" hangingPunct="1">
-        <a:spcBef>
-          <a:spcPct val="20000"/>
-        </a:spcBef>
-        <a:buFont typeface="Arial" pitchFamily="34" charset="0"/>
-        <a:buChar char="•"/>
-        <a:defRPr sz="2000" kern="1200">
+      <a:lvl7pPr marL="2743200" algn="l" rtl="0" eaLnBrk="1" latinLnBrk="0" hangingPunct="1">
+        <a:defRPr kumimoji="0" kern="1200">
           <a:solidFill>
             <a:schemeClr val="tx1"/>
           </a:solidFill>
@@ -2927,13 +4291,8 @@
           <a:cs typeface="+mn-cs"/>
         </a:defRPr>
       </a:lvl7pPr>
-      <a:lvl8pPr marL="3429000" indent="-228600" algn="l" defTabSz="914400" rtl="0" eaLnBrk="1" latinLnBrk="0" hangingPunct="1">
-        <a:spcBef>
-          <a:spcPct val="20000"/>
-        </a:spcBef>
-        <a:buFont typeface="Arial" pitchFamily="34" charset="0"/>
-        <a:buChar char="•"/>
-        <a:defRPr sz="2000" kern="1200">
+      <a:lvl8pPr marL="3200400" algn="l" rtl="0" eaLnBrk="1" latinLnBrk="0" hangingPunct="1">
+        <a:defRPr kumimoji="0" kern="1200">
           <a:solidFill>
             <a:schemeClr val="tx1"/>
           </a:solidFill>
@@ -2942,13 +4301,8 @@
           <a:cs typeface="+mn-cs"/>
         </a:defRPr>
       </a:lvl8pPr>
-      <a:lvl9pPr marL="3886200" indent="-228600" algn="l" defTabSz="914400" rtl="0" eaLnBrk="1" latinLnBrk="0" hangingPunct="1">
-        <a:spcBef>
-          <a:spcPct val="20000"/>
-        </a:spcBef>
-        <a:buFont typeface="Arial" pitchFamily="34" charset="0"/>
-        <a:buChar char="•"/>
-        <a:defRPr sz="2000" kern="1200">
+      <a:lvl9pPr marL="3657600" algn="l" rtl="0" eaLnBrk="1" latinLnBrk="0" hangingPunct="1">
+        <a:defRPr kumimoji="0" kern="1200">
           <a:solidFill>
             <a:schemeClr val="tx1"/>
           </a:solidFill>
@@ -2957,101 +4311,7 @@
           <a:cs typeface="+mn-cs"/>
         </a:defRPr>
       </a:lvl9pPr>
-    </p:bodyStyle>
-    <p:otherStyle>
-      <a:defPPr>
-        <a:defRPr lang="en-US"/>
-      </a:defPPr>
-      <a:lvl1pPr marL="0" algn="l" defTabSz="914400" rtl="0" eaLnBrk="1" latinLnBrk="0" hangingPunct="1">
-        <a:defRPr sz="1800" kern="1200">
-          <a:solidFill>
-            <a:schemeClr val="tx1"/>
-          </a:solidFill>
-          <a:latin typeface="+mn-lt"/>
-          <a:ea typeface="+mn-ea"/>
-          <a:cs typeface="+mn-cs"/>
-        </a:defRPr>
-      </a:lvl1pPr>
-      <a:lvl2pPr marL="457200" algn="l" defTabSz="914400" rtl="0" eaLnBrk="1" latinLnBrk="0" hangingPunct="1">
-        <a:defRPr sz="1800" kern="1200">
-          <a:solidFill>
-            <a:schemeClr val="tx1"/>
-          </a:solidFill>
-          <a:latin typeface="+mn-lt"/>
-          <a:ea typeface="+mn-ea"/>
-          <a:cs typeface="+mn-cs"/>
-        </a:defRPr>
-      </a:lvl2pPr>
-      <a:lvl3pPr marL="914400" algn="l" defTabSz="914400" rtl="0" eaLnBrk="1" latinLnBrk="0" hangingPunct="1">
-        <a:defRPr sz="1800" kern="1200">
-          <a:solidFill>
-            <a:schemeClr val="tx1"/>
-          </a:solidFill>
-          <a:latin typeface="+mn-lt"/>
-          <a:ea typeface="+mn-ea"/>
-          <a:cs typeface="+mn-cs"/>
-        </a:defRPr>
-      </a:lvl3pPr>
-      <a:lvl4pPr marL="1371600" algn="l" defTabSz="914400" rtl="0" eaLnBrk="1" latinLnBrk="0" hangingPunct="1">
-        <a:defRPr sz="1800" kern="1200">
-          <a:solidFill>
-            <a:schemeClr val="tx1"/>
-          </a:solidFill>
-          <a:latin typeface="+mn-lt"/>
-          <a:ea typeface="+mn-ea"/>
-          <a:cs typeface="+mn-cs"/>
-        </a:defRPr>
-      </a:lvl4pPr>
-      <a:lvl5pPr marL="1828800" algn="l" defTabSz="914400" rtl="0" eaLnBrk="1" latinLnBrk="0" hangingPunct="1">
-        <a:defRPr sz="1800" kern="1200">
-          <a:solidFill>
-            <a:schemeClr val="tx1"/>
-          </a:solidFill>
-          <a:latin typeface="+mn-lt"/>
-          <a:ea typeface="+mn-ea"/>
-          <a:cs typeface="+mn-cs"/>
-        </a:defRPr>
-      </a:lvl5pPr>
-      <a:lvl6pPr marL="2286000" algn="l" defTabSz="914400" rtl="0" eaLnBrk="1" latinLnBrk="0" hangingPunct="1">
-        <a:defRPr sz="1800" kern="1200">
-          <a:solidFill>
-            <a:schemeClr val="tx1"/>
-          </a:solidFill>
-          <a:latin typeface="+mn-lt"/>
-          <a:ea typeface="+mn-ea"/>
-          <a:cs typeface="+mn-cs"/>
-        </a:defRPr>
-      </a:lvl6pPr>
-      <a:lvl7pPr marL="2743200" algn="l" defTabSz="914400" rtl="0" eaLnBrk="1" latinLnBrk="0" hangingPunct="1">
-        <a:defRPr sz="1800" kern="1200">
-          <a:solidFill>
-            <a:schemeClr val="tx1"/>
-          </a:solidFill>
-          <a:latin typeface="+mn-lt"/>
-          <a:ea typeface="+mn-ea"/>
-          <a:cs typeface="+mn-cs"/>
-        </a:defRPr>
-      </a:lvl7pPr>
-      <a:lvl8pPr marL="3200400" algn="l" defTabSz="914400" rtl="0" eaLnBrk="1" latinLnBrk="0" hangingPunct="1">
-        <a:defRPr sz="1800" kern="1200">
-          <a:solidFill>
-            <a:schemeClr val="tx1"/>
-          </a:solidFill>
-          <a:latin typeface="+mn-lt"/>
-          <a:ea typeface="+mn-ea"/>
-          <a:cs typeface="+mn-cs"/>
-        </a:defRPr>
-      </a:lvl8pPr>
-      <a:lvl9pPr marL="3657600" algn="l" defTabSz="914400" rtl="0" eaLnBrk="1" latinLnBrk="0" hangingPunct="1">
-        <a:defRPr sz="1800" kern="1200">
-          <a:solidFill>
-            <a:schemeClr val="tx1"/>
-          </a:solidFill>
-          <a:latin typeface="+mn-lt"/>
-          <a:ea typeface="+mn-ea"/>
-          <a:cs typeface="+mn-cs"/>
-        </a:defRPr>
-      </a:lvl9pPr>
+      <a:extLst/>
     </p:otherStyle>
   </p:txStyles>
 </p:sldMaster>
@@ -3091,15 +4351,7 @@
           <a:p>
             <a:r>
               <a:rPr lang="nl-BE" dirty="0" smtClean="0"/>
-              <a:t>Technical l</a:t>
-            </a:r>
-            <a:r>
-              <a:rPr lang="nl-BE" dirty="0" smtClean="0"/>
-              <a:t>essons </a:t>
-            </a:r>
-            <a:r>
-              <a:rPr lang="nl-BE" dirty="0" smtClean="0"/>
-              <a:t>learned</a:t>
+              <a:t>Technical lessons learned</a:t>
             </a:r>
             <a:endParaRPr lang="en-US" dirty="0"/>
           </a:p>
@@ -3181,7 +4433,7 @@
             </a:r>
             <a:r>
               <a:rPr lang="nl-BE" baseline="0" dirty="0" smtClean="0"/>
-              <a:t> Nhibernate</a:t>
+              <a:t> Migratordotnet</a:t>
             </a:r>
             <a:endParaRPr lang="en-US" dirty="0"/>
           </a:p>
@@ -3250,16 +4502,18 @@
         </p:nvSpPr>
         <p:spPr/>
         <p:txBody>
-          <a:bodyPr/>
+          <a:bodyPr>
+            <a:normAutofit fontScale="90000"/>
+          </a:bodyPr>
           <a:lstStyle/>
           <a:p>
             <a:r>
               <a:rPr lang="nl-BE" dirty="0" smtClean="0"/>
-              <a:t>Data:</a:t>
+              <a:t>Practices: Specification by example</a:t>
             </a:r>
             <a:r>
               <a:rPr lang="nl-BE" baseline="0" dirty="0" smtClean="0"/>
-              <a:t> Migratordotnet</a:t>
+              <a:t> FitNesse</a:t>
             </a:r>
             <a:endParaRPr lang="en-US" dirty="0"/>
           </a:p>
@@ -3329,21 +4583,13 @@
         <p:spPr/>
         <p:txBody>
           <a:bodyPr>
-            <a:normAutofit fontScale="90000"/>
+            <a:normAutofit/>
           </a:bodyPr>
           <a:lstStyle/>
           <a:p>
             <a:r>
               <a:rPr lang="nl-BE" dirty="0" smtClean="0"/>
-              <a:t>Practices: </a:t>
-            </a:r>
-            <a:r>
-              <a:rPr lang="nl-BE" dirty="0" smtClean="0"/>
-              <a:t>Specification by example</a:t>
-            </a:r>
-            <a:r>
-              <a:rPr lang="nl-BE" baseline="0" dirty="0" smtClean="0"/>
-              <a:t> FitNesse</a:t>
+              <a:t>Practices: TDD/BDD/AAA</a:t>
             </a:r>
             <a:endParaRPr lang="en-US" dirty="0"/>
           </a:p>
@@ -3351,7 +4597,7 @@
       </p:sp>
       <p:sp>
         <p:nvSpPr>
-          <p:cNvPr id="3" name="Content Placeholder 2"/>
+          <p:cNvPr id="9" name="Content Placeholder 8"/>
           <p:cNvSpPr>
             <a:spLocks noGrp="1"/>
           </p:cNvSpPr>
@@ -3412,14 +4658,12 @@
         </p:nvSpPr>
         <p:spPr/>
         <p:txBody>
-          <a:bodyPr>
-            <a:normAutofit/>
-          </a:bodyPr>
+          <a:bodyPr/>
           <a:lstStyle/>
           <a:p>
             <a:r>
               <a:rPr lang="nl-BE" dirty="0" smtClean="0"/>
-              <a:t>Practices: TDD/BDD/AAA</a:t>
+              <a:t>Practices: Pair Programming</a:t>
             </a:r>
             <a:endParaRPr lang="en-US" dirty="0"/>
           </a:p>
@@ -3427,7 +4671,7 @@
       </p:sp>
       <p:sp>
         <p:nvSpPr>
-          <p:cNvPr id="9" name="Content Placeholder 8"/>
+          <p:cNvPr id="5" name="Content Placeholder 4"/>
           <p:cNvSpPr>
             <a:spLocks noGrp="1"/>
           </p:cNvSpPr>
@@ -3476,29 +4720,6 @@
           <a:chExt cx="0" cy="0"/>
         </a:xfrm>
       </p:grpSpPr>
-      <p:pic>
-        <p:nvPicPr>
-          <p:cNvPr id="4" name="Content Placeholder 7" descr="ping_pong_paddle.jpg"/>
-          <p:cNvPicPr>
-            <a:picLocks noGrp="1" noChangeAspect="1"/>
-          </p:cNvPicPr>
-          <p:nvPr>
-            <p:ph idx="1"/>
-          </p:nvPr>
-        </p:nvPicPr>
-        <p:blipFill>
-          <a:blip r:embed="rId2"/>
-          <a:stretch>
-            <a:fillRect/>
-          </a:stretch>
-        </p:blipFill>
-        <p:spPr>
-          <a:xfrm>
-            <a:off x="-33" y="714356"/>
-            <a:ext cx="9043747" cy="6000792"/>
-          </a:xfrm>
-        </p:spPr>
-      </p:pic>
       <p:sp>
         <p:nvSpPr>
           <p:cNvPr id="2" name="Title 1"/>
@@ -3516,9 +4737,339 @@
           <a:p>
             <a:r>
               <a:rPr lang="nl-BE" dirty="0" smtClean="0"/>
-              <a:t>Practices: Pair Programming</a:t>
+              <a:t>Practices: Readability</a:t>
             </a:r>
             <a:endParaRPr lang="en-US" dirty="0"/>
+          </a:p>
+        </p:txBody>
+      </p:sp>
+      <p:sp>
+        <p:nvSpPr>
+          <p:cNvPr id="3" name="Content Placeholder 2"/>
+          <p:cNvSpPr>
+            <a:spLocks noGrp="1"/>
+          </p:cNvSpPr>
+          <p:nvPr>
+            <p:ph idx="1"/>
+          </p:nvPr>
+        </p:nvSpPr>
+        <p:spPr/>
+        <p:txBody>
+          <a:bodyPr/>
+          <a:lstStyle/>
+          <a:p>
+            <a:r>
+              <a:rPr lang="nl-BE" dirty="0" smtClean="0"/>
+              <a:t>Extension </a:t>
+            </a:r>
+            <a:r>
+              <a:rPr lang="nl-BE" dirty="0" smtClean="0"/>
+              <a:t>methods and lambda </a:t>
+            </a:r>
+            <a:r>
+              <a:rPr lang="nl-BE" dirty="0" smtClean="0"/>
+              <a:t>expressions</a:t>
+            </a:r>
+          </a:p>
+        </p:txBody>
+      </p:sp>
+      <p:sp>
+        <p:nvSpPr>
+          <p:cNvPr id="4" name="Rectangle 3"/>
+          <p:cNvSpPr/>
+          <p:nvPr/>
+        </p:nvSpPr>
+        <p:spPr>
+          <a:xfrm>
+            <a:off x="1142976" y="1643050"/>
+            <a:ext cx="7072362" cy="2339102"/>
+          </a:xfrm>
+          <a:prstGeom prst="rect">
+            <a:avLst/>
+          </a:prstGeom>
+        </p:spPr>
+        <p:txBody>
+          <a:bodyPr wrap="square">
+            <a:spAutoFit/>
+          </a:bodyPr>
+          <a:lstStyle/>
+          <a:p>
+            <a:r>
+              <a:rPr lang="en-US" sz="1400" dirty="0" smtClean="0">
+                <a:solidFill>
+                  <a:srgbClr val="0070C0"/>
+                </a:solidFill>
+                <a:latin typeface="Consolas" pitchFamily="49" charset="0"/>
+              </a:rPr>
+              <a:t>if</a:t>
+            </a:r>
+            <a:r>
+              <a:rPr lang="en-US" sz="1400" dirty="0" smtClean="0">
+                <a:latin typeface="Consolas" pitchFamily="49" charset="0"/>
+              </a:rPr>
+              <a:t> (</a:t>
+            </a:r>
+            <a:r>
+              <a:rPr lang="en-US" sz="1400" dirty="0" err="1" smtClean="0">
+                <a:latin typeface="Consolas" pitchFamily="49" charset="0"/>
+              </a:rPr>
+              <a:t>attest.Datum.</a:t>
+            </a:r>
+            <a:r>
+              <a:rPr lang="en-US" sz="1600" b="1" dirty="0" err="1" smtClean="0">
+                <a:latin typeface="Consolas" pitchFamily="49" charset="0"/>
+              </a:rPr>
+              <a:t>IsInTheFuture</a:t>
+            </a:r>
+            <a:r>
+              <a:rPr lang="en-US" sz="1400" dirty="0" smtClean="0">
+                <a:latin typeface="Consolas" pitchFamily="49" charset="0"/>
+              </a:rPr>
+              <a:t>())</a:t>
+            </a:r>
+          </a:p>
+          <a:p>
+            <a:r>
+              <a:rPr lang="nl-BE" sz="1400" dirty="0" smtClean="0">
+                <a:latin typeface="Consolas" pitchFamily="49" charset="0"/>
+              </a:rPr>
+              <a:t>{ </a:t>
+            </a:r>
+            <a:r>
+              <a:rPr lang="nl-BE" sz="1400" dirty="0" smtClean="0">
+                <a:solidFill>
+                  <a:srgbClr val="00B050"/>
+                </a:solidFill>
+                <a:latin typeface="Consolas" pitchFamily="49" charset="0"/>
+              </a:rPr>
+              <a:t>//...</a:t>
+            </a:r>
+            <a:r>
+              <a:rPr lang="nl-BE" sz="1400" dirty="0" smtClean="0">
+                <a:latin typeface="Consolas" pitchFamily="49" charset="0"/>
+              </a:rPr>
+              <a:t>}</a:t>
+            </a:r>
+          </a:p>
+          <a:p>
+            <a:endParaRPr lang="nl-BE" sz="1400" dirty="0" smtClean="0">
+              <a:latin typeface="Consolas" pitchFamily="49" charset="0"/>
+            </a:endParaRPr>
+          </a:p>
+          <a:p>
+            <a:r>
+              <a:rPr lang="nl-BE" sz="1400" dirty="0" smtClean="0">
+                <a:solidFill>
+                  <a:srgbClr val="0070C0"/>
+                </a:solidFill>
+                <a:latin typeface="Consolas" pitchFamily="49" charset="0"/>
+              </a:rPr>
+              <a:t>i</a:t>
+            </a:r>
+            <a:r>
+              <a:rPr lang="nl-BE" sz="1400" dirty="0" smtClean="0">
+                <a:solidFill>
+                  <a:srgbClr val="0070C0"/>
+                </a:solidFill>
+                <a:latin typeface="Consolas" pitchFamily="49" charset="0"/>
+              </a:rPr>
+              <a:t>f</a:t>
+            </a:r>
+            <a:r>
+              <a:rPr lang="nl-BE" sz="1400" dirty="0" smtClean="0">
+                <a:latin typeface="Consolas" pitchFamily="49" charset="0"/>
+              </a:rPr>
+              <a:t> (attest.Datum.</a:t>
+            </a:r>
+            <a:r>
+              <a:rPr lang="nl-BE" sz="1600" b="1" dirty="0" smtClean="0">
+                <a:latin typeface="Consolas" pitchFamily="49" charset="0"/>
+              </a:rPr>
+              <a:t>IsBetween</a:t>
+            </a:r>
+            <a:r>
+              <a:rPr lang="nl-BE" sz="1400" dirty="0" smtClean="0">
+                <a:latin typeface="Consolas" pitchFamily="49" charset="0"/>
+              </a:rPr>
+              <a:t>(1.</a:t>
+            </a:r>
+            <a:r>
+              <a:rPr lang="nl-BE" sz="1600" b="1" dirty="0" smtClean="0">
+                <a:latin typeface="Consolas" pitchFamily="49" charset="0"/>
+              </a:rPr>
+              <a:t>Januari</a:t>
+            </a:r>
+            <a:r>
+              <a:rPr lang="nl-BE" sz="1400" dirty="0" smtClean="0">
+                <a:latin typeface="Consolas" pitchFamily="49" charset="0"/>
+              </a:rPr>
+              <a:t>(2009), 31.</a:t>
+            </a:r>
+            <a:r>
+              <a:rPr lang="nl-BE" sz="1600" b="1" dirty="0" smtClean="0">
+                <a:latin typeface="Consolas" pitchFamily="49" charset="0"/>
+              </a:rPr>
+              <a:t>December</a:t>
+            </a:r>
+            <a:r>
+              <a:rPr lang="nl-BE" sz="1400" dirty="0" smtClean="0">
+                <a:latin typeface="Consolas" pitchFamily="49" charset="0"/>
+              </a:rPr>
+              <a:t>(2009)))</a:t>
+            </a:r>
+            <a:endParaRPr lang="nl-BE" sz="1400" dirty="0" smtClean="0">
+              <a:latin typeface="Consolas" pitchFamily="49" charset="0"/>
+            </a:endParaRPr>
+          </a:p>
+          <a:p>
+            <a:r>
+              <a:rPr lang="nl-BE" sz="1400" dirty="0" smtClean="0">
+                <a:latin typeface="Consolas" pitchFamily="49" charset="0"/>
+              </a:rPr>
+              <a:t>{ </a:t>
+            </a:r>
+            <a:r>
+              <a:rPr lang="nl-BE" sz="1400" dirty="0" smtClean="0">
+                <a:solidFill>
+                  <a:srgbClr val="00B050"/>
+                </a:solidFill>
+                <a:latin typeface="Consolas" pitchFamily="49" charset="0"/>
+              </a:rPr>
+              <a:t>//...</a:t>
+            </a:r>
+            <a:r>
+              <a:rPr lang="nl-BE" sz="1400" dirty="0" smtClean="0">
+                <a:latin typeface="Consolas" pitchFamily="49" charset="0"/>
+              </a:rPr>
+              <a:t>}</a:t>
+            </a:r>
+          </a:p>
+          <a:p>
+            <a:endParaRPr lang="nl-BE" sz="1400" dirty="0" smtClean="0">
+              <a:latin typeface="Consolas" pitchFamily="49" charset="0"/>
+            </a:endParaRPr>
+          </a:p>
+          <a:p>
+            <a:r>
+              <a:rPr lang="en-US" sz="1400" dirty="0" smtClean="0">
+                <a:latin typeface="Consolas" pitchFamily="49" charset="0"/>
+              </a:rPr>
+              <a:t>When(repository)</a:t>
+            </a:r>
+          </a:p>
+          <a:p>
+            <a:r>
+              <a:rPr lang="en-US" sz="1400" dirty="0" smtClean="0">
+                <a:latin typeface="Consolas" pitchFamily="49" charset="0"/>
+              </a:rPr>
+              <a:t>	</a:t>
+            </a:r>
+            <a:r>
+              <a:rPr lang="en-US" sz="1400" dirty="0" smtClean="0">
+                <a:latin typeface="Consolas" pitchFamily="49" charset="0"/>
+              </a:rPr>
+              <a:t>.</a:t>
+            </a:r>
+            <a:r>
+              <a:rPr lang="en-US" sz="1400" dirty="0" err="1" smtClean="0">
+                <a:latin typeface="Consolas" pitchFamily="49" charset="0"/>
+              </a:rPr>
+              <a:t>IsToldTo</a:t>
+            </a:r>
+            <a:r>
+              <a:rPr lang="en-US" sz="1400" dirty="0" smtClean="0">
+                <a:latin typeface="Consolas" pitchFamily="49" charset="0"/>
+              </a:rPr>
+              <a:t>(</a:t>
+            </a:r>
+            <a:r>
+              <a:rPr lang="en-US" sz="1600" b="1" dirty="0" smtClean="0">
+                <a:latin typeface="Consolas" pitchFamily="49" charset="0"/>
+              </a:rPr>
+              <a:t>r =&gt; </a:t>
+            </a:r>
+            <a:r>
+              <a:rPr lang="en-US" sz="1600" b="1" dirty="0" err="1" smtClean="0">
+                <a:latin typeface="Consolas" pitchFamily="49" charset="0"/>
+              </a:rPr>
+              <a:t>r.Get</a:t>
+            </a:r>
+            <a:r>
+              <a:rPr lang="en-US" sz="1600" b="1" dirty="0" smtClean="0">
+                <a:latin typeface="Consolas" pitchFamily="49" charset="0"/>
+              </a:rPr>
+              <a:t>&lt;</a:t>
+            </a:r>
+            <a:r>
+              <a:rPr lang="en-US" sz="1600" b="1" dirty="0" err="1" smtClean="0">
+                <a:latin typeface="Consolas" pitchFamily="49" charset="0"/>
+              </a:rPr>
+              <a:t>Zorgbehoevende</a:t>
+            </a:r>
+            <a:r>
+              <a:rPr lang="en-US" sz="1600" b="1" dirty="0" smtClean="0">
+                <a:latin typeface="Consolas" pitchFamily="49" charset="0"/>
+              </a:rPr>
+              <a:t>&gt;(</a:t>
+            </a:r>
+            <a:r>
+              <a:rPr lang="en-US" sz="1600" b="1" dirty="0" err="1" smtClean="0">
+                <a:latin typeface="Consolas" pitchFamily="49" charset="0"/>
+              </a:rPr>
+              <a:t>zorgbehoevendeId</a:t>
+            </a:r>
+            <a:r>
+              <a:rPr lang="en-US" sz="1600" b="1" dirty="0" smtClean="0">
+                <a:latin typeface="Consolas" pitchFamily="49" charset="0"/>
+              </a:rPr>
+              <a:t>)</a:t>
+            </a:r>
+            <a:r>
+              <a:rPr lang="en-US" sz="1400" dirty="0" smtClean="0">
+                <a:latin typeface="Consolas" pitchFamily="49" charset="0"/>
+              </a:rPr>
+              <a:t>)</a:t>
+            </a:r>
+          </a:p>
+          <a:p>
+            <a:r>
+              <a:rPr lang="en-US" sz="1400" dirty="0" smtClean="0">
+                <a:latin typeface="Consolas" pitchFamily="49" charset="0"/>
+              </a:rPr>
+              <a:t>	</a:t>
+            </a:r>
+            <a:r>
+              <a:rPr lang="en-US" sz="1400" dirty="0" smtClean="0">
+                <a:latin typeface="Consolas" pitchFamily="49" charset="0"/>
+              </a:rPr>
+              <a:t>.</a:t>
+            </a:r>
+            <a:r>
+              <a:rPr lang="en-US" sz="1400" dirty="0" smtClean="0">
+                <a:latin typeface="Consolas" pitchFamily="49" charset="0"/>
+              </a:rPr>
+              <a:t>Return(</a:t>
+            </a:r>
+            <a:r>
+              <a:rPr lang="en-US" sz="1400" dirty="0" err="1" smtClean="0">
+                <a:latin typeface="Consolas" pitchFamily="49" charset="0"/>
+              </a:rPr>
+              <a:t>zorgbehoevende</a:t>
+            </a:r>
+            <a:r>
+              <a:rPr lang="en-US" sz="1400" dirty="0" smtClean="0">
+                <a:latin typeface="Consolas" pitchFamily="49" charset="0"/>
+              </a:rPr>
+              <a:t>);</a:t>
+            </a:r>
+            <a:endParaRPr lang="nl-BE" sz="1400" dirty="0" smtClean="0">
+              <a:latin typeface="Consolas" pitchFamily="49" charset="0"/>
+            </a:endParaRPr>
+          </a:p>
+          <a:p>
+            <a:endParaRPr lang="en-US" sz="1400" dirty="0">
+              <a:latin typeface="Consolas" pitchFamily="49" charset="0"/>
+            </a:endParaRPr>
           </a:p>
         </p:txBody>
       </p:sp>
@@ -3566,89 +5117,6 @@
         </p:nvSpPr>
         <p:spPr/>
         <p:txBody>
-          <a:bodyPr/>
-          <a:lstStyle/>
-          <a:p>
-            <a:r>
-              <a:rPr lang="nl-BE" dirty="0" smtClean="0"/>
-              <a:t>Practices: Readability</a:t>
-            </a:r>
-            <a:endParaRPr lang="en-US" dirty="0"/>
-          </a:p>
-        </p:txBody>
-      </p:sp>
-      <p:sp>
-        <p:nvSpPr>
-          <p:cNvPr id="3" name="Content Placeholder 2"/>
-          <p:cNvSpPr>
-            <a:spLocks noGrp="1"/>
-          </p:cNvSpPr>
-          <p:nvPr>
-            <p:ph idx="1"/>
-          </p:nvPr>
-        </p:nvSpPr>
-        <p:spPr/>
-        <p:txBody>
-          <a:bodyPr/>
-          <a:lstStyle/>
-          <a:p>
-            <a:r>
-              <a:rPr lang="nl-BE" dirty="0" smtClean="0"/>
-              <a:t>Extension methods</a:t>
-            </a:r>
-          </a:p>
-          <a:p>
-            <a:r>
-              <a:rPr lang="nl-BE" dirty="0" smtClean="0"/>
-              <a:t>Lambda expressions</a:t>
-            </a:r>
-          </a:p>
-        </p:txBody>
-      </p:sp>
-    </p:spTree>
-  </p:cSld>
-  <p:clrMapOvr>
-    <a:masterClrMapping/>
-  </p:clrMapOvr>
-  <p:timing>
-    <p:tnLst>
-      <p:par>
-        <p:cTn id="1" dur="indefinite" restart="never" nodeType="tmRoot"/>
-      </p:par>
-    </p:tnLst>
-  </p:timing>
-</p:sld>
-</file>
-
-<file path=ppt/slides/slide16.xml><?xml version="1.0" encoding="utf-8"?>
-<p:sld xmlns:a="http://schemas.openxmlformats.org/drawingml/2006/main" xmlns:r="http://schemas.openxmlformats.org/officeDocument/2006/relationships" xmlns:p="http://schemas.openxmlformats.org/presentationml/2006/main">
-  <p:cSld>
-    <p:spTree>
-      <p:nvGrpSpPr>
-        <p:cNvPr id="1" name=""/>
-        <p:cNvGrpSpPr/>
-        <p:nvPr/>
-      </p:nvGrpSpPr>
-      <p:grpSpPr>
-        <a:xfrm>
-          <a:off x="0" y="0"/>
-          <a:ext cx="0" cy="0"/>
-          <a:chOff x="0" y="0"/>
-          <a:chExt cx="0" cy="0"/>
-        </a:xfrm>
-      </p:grpSpPr>
-      <p:sp>
-        <p:nvSpPr>
-          <p:cNvPr id="2" name="Title 1"/>
-          <p:cNvSpPr>
-            <a:spLocks noGrp="1"/>
-          </p:cNvSpPr>
-          <p:nvPr>
-            <p:ph type="title"/>
-          </p:nvPr>
-        </p:nvSpPr>
-        <p:spPr/>
-        <p:txBody>
           <a:bodyPr>
             <a:normAutofit fontScale="90000"/>
           </a:bodyPr>
@@ -3730,8 +5198,8 @@
         </p:nvSpPr>
         <p:spPr>
           <a:xfrm>
-            <a:off x="3643306" y="1785926"/>
-            <a:ext cx="1357322" cy="557210"/>
+            <a:off x="3571868" y="641212"/>
+            <a:ext cx="1500198" cy="557210"/>
           </a:xfrm>
           <a:prstGeom prst="roundRect">
             <a:avLst/>
@@ -3774,8 +5242,8 @@
         </p:nvSpPr>
         <p:spPr>
           <a:xfrm>
-            <a:off x="3643306" y="4086236"/>
-            <a:ext cx="1357322" cy="557210"/>
+            <a:off x="3571868" y="2714620"/>
+            <a:ext cx="1500198" cy="557210"/>
           </a:xfrm>
           <a:prstGeom prst="roundRect">
             <a:avLst/>
@@ -3818,8 +5286,8 @@
         </p:nvSpPr>
         <p:spPr>
           <a:xfrm>
-            <a:off x="3643306" y="2928934"/>
-            <a:ext cx="1357322" cy="557210"/>
+            <a:off x="3571868" y="1643050"/>
+            <a:ext cx="1500198" cy="557210"/>
           </a:xfrm>
           <a:prstGeom prst="roundRect">
             <a:avLst/>
@@ -3862,7 +5330,7 @@
         </p:nvSpPr>
         <p:spPr>
           <a:xfrm>
-            <a:off x="3786182" y="1785926"/>
+            <a:off x="3786182" y="641212"/>
             <a:ext cx="1143008" cy="485772"/>
           </a:xfrm>
           <a:prstGeom prst="foldedCorner">
@@ -3915,11 +5383,7 @@
           <a:p>
             <a:r>
               <a:rPr lang="nl-BE" dirty="0" smtClean="0"/>
-              <a:t>Application </a:t>
-            </a:r>
-            <a:r>
-              <a:rPr lang="nl-BE" dirty="0" smtClean="0"/>
-              <a:t>flow</a:t>
+              <a:t>Application flow</a:t>
             </a:r>
             <a:endParaRPr lang="en-US" dirty="0"/>
           </a:p>
@@ -3933,8 +5397,8 @@
         </p:nvSpPr>
         <p:spPr>
           <a:xfrm>
-            <a:off x="3643306" y="5014930"/>
-            <a:ext cx="1357322" cy="557210"/>
+            <a:off x="3571868" y="3714752"/>
+            <a:ext cx="1500198" cy="557210"/>
           </a:xfrm>
           <a:prstGeom prst="roundRect">
             <a:avLst/>
@@ -3976,7 +5440,7 @@
         </p:nvSpPr>
         <p:spPr>
           <a:xfrm>
-            <a:off x="3857620" y="6000768"/>
+            <a:off x="3857620" y="4643446"/>
             <a:ext cx="914400" cy="787524"/>
           </a:xfrm>
           <a:prstGeom prst="can">
@@ -4023,8 +5487,8 @@
         </p:nvCxnSpPr>
         <p:spPr>
           <a:xfrm rot="5400000">
-            <a:off x="4029068" y="2636035"/>
-            <a:ext cx="585798" cy="1588"/>
+            <a:off x="4099653" y="1420736"/>
+            <a:ext cx="444628" cy="1588"/>
           </a:xfrm>
           <a:prstGeom prst="line">
             <a:avLst/>
@@ -4056,8 +5520,8 @@
         </p:nvCxnSpPr>
         <p:spPr>
           <a:xfrm rot="5400000">
-            <a:off x="4136225" y="4829188"/>
-            <a:ext cx="371484" cy="1588"/>
+            <a:off x="4100506" y="3493291"/>
+            <a:ext cx="442922" cy="1588"/>
           </a:xfrm>
           <a:prstGeom prst="line">
             <a:avLst/>
@@ -4089,8 +5553,8 @@
         </p:nvCxnSpPr>
         <p:spPr>
           <a:xfrm rot="5400000">
-            <a:off x="4104080" y="5782881"/>
-            <a:ext cx="428628" cy="7147"/>
+            <a:off x="4132652" y="4454131"/>
+            <a:ext cx="371484" cy="7147"/>
           </a:xfrm>
           <a:prstGeom prst="line">
             <a:avLst/>
@@ -4122,8 +5586,8 @@
         </p:nvCxnSpPr>
         <p:spPr>
           <a:xfrm rot="5400000" flipH="1" flipV="1">
-            <a:off x="4021921" y="3786190"/>
-            <a:ext cx="600092" cy="1588"/>
+            <a:off x="4064787" y="2457440"/>
+            <a:ext cx="514360" cy="1588"/>
           </a:xfrm>
           <a:prstGeom prst="line">
             <a:avLst/>
@@ -4152,7 +5616,7 @@
         </p:nvSpPr>
         <p:spPr>
           <a:xfrm>
-            <a:off x="3871914" y="2928934"/>
+            <a:off x="3871914" y="1784220"/>
             <a:ext cx="914400" cy="500066"/>
           </a:xfrm>
           <a:prstGeom prst="roundRect">
@@ -4196,7 +5660,7 @@
         </p:nvSpPr>
         <p:spPr>
           <a:xfrm>
-            <a:off x="3857620" y="5072074"/>
+            <a:off x="3857620" y="3927360"/>
             <a:ext cx="914400" cy="485772"/>
           </a:xfrm>
           <a:prstGeom prst="roundRect">
@@ -4240,7 +5704,7 @@
         </p:nvSpPr>
         <p:spPr>
           <a:xfrm>
-            <a:off x="4071934" y="5357826"/>
+            <a:off x="4071934" y="4213112"/>
             <a:ext cx="484632" cy="978408"/>
           </a:xfrm>
           <a:prstGeom prst="upArrow">
@@ -4284,7 +5748,7 @@
         </p:nvSpPr>
         <p:spPr>
           <a:xfrm>
-            <a:off x="3786182" y="1785926"/>
+            <a:off x="3786182" y="641212"/>
             <a:ext cx="1143008" cy="500066"/>
           </a:xfrm>
           <a:prstGeom prst="foldedCorner">
@@ -4328,7 +5792,7 @@
         </p:nvSpPr>
         <p:spPr>
           <a:xfrm>
-            <a:off x="4071934" y="1928802"/>
+            <a:off x="4071934" y="784088"/>
             <a:ext cx="484632" cy="1335598"/>
           </a:xfrm>
           <a:prstGeom prst="downArrow">
@@ -5226,35 +6690,41 @@
           <a:p>
             <a:r>
               <a:rPr lang="nl-BE" dirty="0" smtClean="0"/>
-              <a:t>UI: </a:t>
-            </a:r>
-            <a:r>
-              <a:rPr lang="nl-BE" dirty="0" smtClean="0"/>
-              <a:t>jQuery</a:t>
+              <a:t>UI: jQuery</a:t>
             </a:r>
             <a:endParaRPr lang="en-US" dirty="0"/>
           </a:p>
         </p:txBody>
       </p:sp>
-      <p:sp>
-        <p:nvSpPr>
-          <p:cNvPr id="3" name="Content Placeholder 2"/>
-          <p:cNvSpPr>
-            <a:spLocks noGrp="1"/>
-          </p:cNvSpPr>
+      <p:pic>
+        <p:nvPicPr>
+          <p:cNvPr id="4" name="jqueryaccordeon.avi">
+            <a:hlinkClick r:id="" action="ppaction://media"/>
+          </p:cNvPr>
+          <p:cNvPicPr>
+            <a:picLocks noGrp="1" noRot="1" noChangeAspect="1"/>
+          </p:cNvPicPr>
           <p:nvPr>
             <p:ph idx="1"/>
-          </p:nvPr>
-        </p:nvSpPr>
-        <p:spPr/>
-        <p:txBody>
-          <a:bodyPr/>
-          <a:lstStyle/>
-          <a:p>
-            <a:endParaRPr lang="en-US"/>
-          </a:p>
-        </p:txBody>
-      </p:sp>
+            <a:videoFile r:link="rId1"/>
+          </p:nvPr>
+        </p:nvPicPr>
+        <p:blipFill>
+          <a:blip r:embed="rId3"/>
+          <a:stretch>
+            <a:fillRect/>
+          </a:stretch>
+        </p:blipFill>
+        <p:spPr>
+          <a:xfrm>
+            <a:off x="1142976" y="1857364"/>
+            <a:ext cx="6991366" cy="2607890"/>
+          </a:xfrm>
+          <a:prstGeom prst="rect">
+            <a:avLst/>
+          </a:prstGeom>
+        </p:spPr>
+      </p:pic>
     </p:spTree>
   </p:cSld>
   <p:clrMapOvr>
@@ -5263,7 +6733,92 @@
   <p:timing>
     <p:tnLst>
       <p:par>
-        <p:cTn id="1" dur="indefinite" restart="never" nodeType="tmRoot"/>
+        <p:cTn id="1" dur="indefinite" restart="never" nodeType="tmRoot">
+          <p:childTnLst>
+            <p:seq concurrent="1" nextAc="seek">
+              <p:cTn id="2" restart="whenNotActive" fill="hold" evtFilter="cancelBubble" nodeType="interactiveSeq">
+                <p:stCondLst>
+                  <p:cond evt="onClick" delay="0">
+                    <p:tgtEl>
+                      <p:spTgt spid="4"/>
+                    </p:tgtEl>
+                  </p:cond>
+                </p:stCondLst>
+                <p:endSync evt="end" delay="0">
+                  <p:rtn val="all"/>
+                </p:endSync>
+                <p:childTnLst>
+                  <p:par>
+                    <p:cTn id="3" fill="hold">
+                      <p:stCondLst>
+                        <p:cond delay="0"/>
+                      </p:stCondLst>
+                      <p:childTnLst>
+                        <p:par>
+                          <p:cTn id="4" fill="hold">
+                            <p:stCondLst>
+                              <p:cond delay="0"/>
+                            </p:stCondLst>
+                            <p:childTnLst>
+                              <p:par>
+                                <p:cTn id="5" presetID="2" presetClass="mediacall" presetSubtype="0" fill="hold" nodeType="clickEffect">
+                                  <p:stCondLst>
+                                    <p:cond delay="0"/>
+                                  </p:stCondLst>
+                                  <p:childTnLst>
+                                    <p:cmd type="call" cmd="togglePause">
+                                      <p:cBhvr>
+                                        <p:cTn id="6" dur="1" fill="hold"/>
+                                        <p:tgtEl>
+                                          <p:spTgt spid="4"/>
+                                        </p:tgtEl>
+                                      </p:cBhvr>
+                                    </p:cmd>
+                                  </p:childTnLst>
+                                </p:cTn>
+                              </p:par>
+                            </p:childTnLst>
+                          </p:cTn>
+                        </p:par>
+                      </p:childTnLst>
+                    </p:cTn>
+                  </p:par>
+                </p:childTnLst>
+              </p:cTn>
+              <p:nextCondLst>
+                <p:cond evt="onClick" delay="0">
+                  <p:tgtEl>
+                    <p:spTgt spid="4"/>
+                  </p:tgtEl>
+                </p:cond>
+              </p:nextCondLst>
+            </p:seq>
+            <p:video>
+              <p:cMediaNode>
+                <p:cTn id="7" fill="hold" display="0">
+                  <p:stCondLst>
+                    <p:cond delay="indefinite"/>
+                  </p:stCondLst>
+                  <p:endCondLst>
+                    <p:cond evt="onNext" delay="0">
+                      <p:tgtEl>
+                        <p:sldTgt/>
+                      </p:tgtEl>
+                    </p:cond>
+                    <p:cond evt="onPrev" delay="0">
+                      <p:tgtEl>
+                        <p:sldTgt/>
+                      </p:tgtEl>
+                    </p:cond>
+                  </p:endCondLst>
+                </p:cTn>
+                <p:tgtEl>
+                  <p:spTgt spid="4"/>
+                </p:tgtEl>
+              </p:cMediaNode>
+            </p:video>
+          </p:childTnLst>
+        </p:cTn>
       </p:par>
     </p:tnLst>
   </p:timing>
@@ -5289,6 +6844,595 @@
       </p:grpSpPr>
       <p:sp>
         <p:nvSpPr>
+          <p:cNvPr id="13" name="TextBox 12"/>
+          <p:cNvSpPr txBox="1"/>
+          <p:nvPr/>
+        </p:nvSpPr>
+        <p:spPr>
+          <a:xfrm>
+            <a:off x="5643570" y="714356"/>
+            <a:ext cx="732893" cy="369332"/>
+          </a:xfrm>
+          <a:prstGeom prst="rect">
+            <a:avLst/>
+          </a:prstGeom>
+          <a:ln>
+            <a:noFill/>
+          </a:ln>
+        </p:spPr>
+        <p:style>
+          <a:lnRef idx="2">
+            <a:schemeClr val="accent4">
+              <a:shade val="50000"/>
+            </a:schemeClr>
+          </a:lnRef>
+          <a:fillRef idx="1">
+            <a:schemeClr val="accent4"/>
+          </a:fillRef>
+          <a:effectRef idx="0">
+            <a:schemeClr val="accent4"/>
+          </a:effectRef>
+          <a:fontRef idx="minor">
+            <a:schemeClr val="lt1"/>
+          </a:fontRef>
+        </p:style>
+        <p:txBody>
+          <a:bodyPr wrap="none" rtlCol="0">
+            <a:spAutoFit/>
+          </a:bodyPr>
+          <a:lstStyle/>
+          <a:p>
+            <a:r>
+              <a:rPr lang="nl-BE" dirty="0" smtClean="0"/>
+              <a:t>View</a:t>
+            </a:r>
+            <a:endParaRPr lang="en-US" dirty="0"/>
+          </a:p>
+        </p:txBody>
+      </p:sp>
+      <p:sp>
+        <p:nvSpPr>
+          <p:cNvPr id="12" name="TextBox 11"/>
+          <p:cNvSpPr txBox="1"/>
+          <p:nvPr/>
+        </p:nvSpPr>
+        <p:spPr>
+          <a:xfrm>
+            <a:off x="4714876" y="714356"/>
+            <a:ext cx="864339" cy="369332"/>
+          </a:xfrm>
+          <a:prstGeom prst="rect">
+            <a:avLst/>
+          </a:prstGeom>
+          <a:ln>
+            <a:noFill/>
+          </a:ln>
+        </p:spPr>
+        <p:style>
+          <a:lnRef idx="2">
+            <a:schemeClr val="accent2">
+              <a:shade val="50000"/>
+            </a:schemeClr>
+          </a:lnRef>
+          <a:fillRef idx="1">
+            <a:schemeClr val="accent2"/>
+          </a:fillRef>
+          <a:effectRef idx="0">
+            <a:schemeClr val="accent2"/>
+          </a:effectRef>
+          <a:fontRef idx="minor">
+            <a:schemeClr val="lt1"/>
+          </a:fontRef>
+        </p:style>
+        <p:txBody>
+          <a:bodyPr wrap="none" rtlCol="0">
+            <a:spAutoFit/>
+          </a:bodyPr>
+          <a:lstStyle/>
+          <a:p>
+            <a:r>
+              <a:rPr lang="nl-BE" dirty="0" smtClean="0"/>
+              <a:t>Model</a:t>
+            </a:r>
+            <a:endParaRPr lang="en-US" dirty="0"/>
+          </a:p>
+        </p:txBody>
+      </p:sp>
+      <p:sp>
+        <p:nvSpPr>
+          <p:cNvPr id="8" name="Rounded Rectangle 7"/>
+          <p:cNvSpPr/>
+          <p:nvPr/>
+        </p:nvSpPr>
+        <p:spPr>
+          <a:xfrm>
+            <a:off x="714348" y="1071546"/>
+            <a:ext cx="7500990" cy="3143272"/>
+          </a:xfrm>
+          <a:prstGeom prst="roundRect">
+            <a:avLst/>
+          </a:prstGeom>
+        </p:spPr>
+        <p:style>
+          <a:lnRef idx="2">
+            <a:schemeClr val="accent6"/>
+          </a:lnRef>
+          <a:fillRef idx="1">
+            <a:schemeClr val="lt1"/>
+          </a:fillRef>
+          <a:effectRef idx="0">
+            <a:schemeClr val="accent6"/>
+          </a:effectRef>
+          <a:fontRef idx="minor">
+            <a:schemeClr val="dk1"/>
+          </a:fontRef>
+        </p:style>
+        <p:txBody>
+          <a:bodyPr vert="vert" rtlCol="0" anchor="ctr"/>
+          <a:lstStyle/>
+          <a:p>
+            <a:pPr algn="ctr"/>
+            <a:endParaRPr lang="nl-BE" dirty="0" smtClean="0"/>
+          </a:p>
+        </p:txBody>
+      </p:sp>
+      <p:sp>
+        <p:nvSpPr>
+          <p:cNvPr id="9" name="TextBox 8"/>
+          <p:cNvSpPr txBox="1"/>
+          <p:nvPr/>
+        </p:nvSpPr>
+        <p:spPr>
+          <a:xfrm>
+            <a:off x="6429388" y="714356"/>
+            <a:ext cx="1324402" cy="369332"/>
+          </a:xfrm>
+          <a:prstGeom prst="rect">
+            <a:avLst/>
+          </a:prstGeom>
+          <a:ln>
+            <a:noFill/>
+          </a:ln>
+        </p:spPr>
+        <p:style>
+          <a:lnRef idx="2">
+            <a:schemeClr val="accent6">
+              <a:shade val="50000"/>
+            </a:schemeClr>
+          </a:lnRef>
+          <a:fillRef idx="1">
+            <a:schemeClr val="accent6"/>
+          </a:fillRef>
+          <a:effectRef idx="0">
+            <a:schemeClr val="accent6"/>
+          </a:effectRef>
+          <a:fontRef idx="minor">
+            <a:schemeClr val="lt1"/>
+          </a:fontRef>
+        </p:style>
+        <p:txBody>
+          <a:bodyPr wrap="none" rtlCol="0">
+            <a:spAutoFit/>
+          </a:bodyPr>
+          <a:lstStyle/>
+          <a:p>
+            <a:r>
+              <a:rPr lang="nl-BE" dirty="0" smtClean="0"/>
+              <a:t>Controller</a:t>
+            </a:r>
+            <a:endParaRPr lang="en-US" dirty="0"/>
+          </a:p>
+        </p:txBody>
+      </p:sp>
+      <p:sp>
+        <p:nvSpPr>
+          <p:cNvPr id="4" name="Rectangle 3"/>
+          <p:cNvSpPr/>
+          <p:nvPr/>
+        </p:nvSpPr>
+        <p:spPr>
+          <a:xfrm>
+            <a:off x="857224" y="1071546"/>
+            <a:ext cx="7429552" cy="3108543"/>
+          </a:xfrm>
+          <a:prstGeom prst="rect">
+            <a:avLst/>
+          </a:prstGeom>
+        </p:spPr>
+        <p:txBody>
+          <a:bodyPr wrap="square">
+            <a:spAutoFit/>
+          </a:bodyPr>
+          <a:lstStyle/>
+          <a:p>
+            <a:r>
+              <a:rPr lang="en-US" sz="1400" dirty="0" smtClean="0">
+                <a:solidFill>
+                  <a:srgbClr val="0070C0"/>
+                </a:solidFill>
+                <a:latin typeface="Consolas" pitchFamily="49" charset="0"/>
+              </a:rPr>
+              <a:t>public class </a:t>
+            </a:r>
+            <a:r>
+              <a:rPr lang="en-US" sz="1400" dirty="0" err="1" smtClean="0">
+                <a:latin typeface="Consolas" pitchFamily="49" charset="0"/>
+              </a:rPr>
+              <a:t>ZorgbehoevendeController</a:t>
+            </a:r>
+            <a:r>
+              <a:rPr lang="en-US" sz="1400" dirty="0" smtClean="0">
+                <a:latin typeface="Consolas" pitchFamily="49" charset="0"/>
+              </a:rPr>
+              <a:t> : </a:t>
+            </a:r>
+            <a:r>
+              <a:rPr lang="en-US" sz="1400" dirty="0" smtClean="0">
+                <a:latin typeface="Consolas" pitchFamily="49" charset="0"/>
+              </a:rPr>
+              <a:t>Controller</a:t>
+            </a:r>
+            <a:endParaRPr lang="en-US" sz="1400" dirty="0" smtClean="0">
+              <a:latin typeface="Consolas" pitchFamily="49" charset="0"/>
+            </a:endParaRPr>
+          </a:p>
+          <a:p>
+            <a:r>
+              <a:rPr lang="en-US" sz="1400" dirty="0" smtClean="0">
+                <a:latin typeface="Consolas" pitchFamily="49" charset="0"/>
+              </a:rPr>
+              <a:t>{</a:t>
+            </a:r>
+          </a:p>
+          <a:p>
+            <a:r>
+              <a:rPr lang="en-US" sz="1400" dirty="0" smtClean="0">
+                <a:latin typeface="Consolas" pitchFamily="49" charset="0"/>
+              </a:rPr>
+              <a:t>    </a:t>
+            </a:r>
+            <a:r>
+              <a:rPr lang="en-US" sz="1400" dirty="0" smtClean="0">
+                <a:solidFill>
+                  <a:srgbClr val="0070C0"/>
+                </a:solidFill>
+                <a:latin typeface="Consolas" pitchFamily="49" charset="0"/>
+              </a:rPr>
+              <a:t>public</a:t>
+            </a:r>
+            <a:r>
+              <a:rPr lang="en-US" sz="1400" dirty="0" smtClean="0">
+                <a:latin typeface="Consolas" pitchFamily="49" charset="0"/>
+              </a:rPr>
+              <a:t> </a:t>
+            </a:r>
+            <a:r>
+              <a:rPr lang="en-US" sz="1400" dirty="0" err="1" smtClean="0">
+                <a:latin typeface="Consolas" pitchFamily="49" charset="0"/>
+              </a:rPr>
+              <a:t>ActionResult</a:t>
+            </a:r>
+            <a:r>
+              <a:rPr lang="en-US" sz="1400" dirty="0" smtClean="0">
+                <a:latin typeface="Consolas" pitchFamily="49" charset="0"/>
+              </a:rPr>
+              <a:t> Detail(</a:t>
+            </a:r>
+            <a:r>
+              <a:rPr lang="en-US" sz="1400" dirty="0" smtClean="0">
+                <a:solidFill>
+                  <a:srgbClr val="0070C0"/>
+                </a:solidFill>
+                <a:latin typeface="Consolas" pitchFamily="49" charset="0"/>
+              </a:rPr>
+              <a:t>string</a:t>
+            </a:r>
+            <a:r>
+              <a:rPr lang="en-US" sz="1400" dirty="0" smtClean="0">
+                <a:latin typeface="Consolas" pitchFamily="49" charset="0"/>
+              </a:rPr>
+              <a:t> id)</a:t>
+            </a:r>
+          </a:p>
+          <a:p>
+            <a:r>
+              <a:rPr lang="en-US" sz="1400" dirty="0" smtClean="0">
+                <a:latin typeface="Consolas" pitchFamily="49" charset="0"/>
+              </a:rPr>
+              <a:t>    </a:t>
+            </a:r>
+            <a:r>
+              <a:rPr lang="en-US" sz="1400" dirty="0" smtClean="0">
+                <a:latin typeface="Consolas" pitchFamily="49" charset="0"/>
+              </a:rPr>
+              <a:t>{</a:t>
+            </a:r>
+          </a:p>
+          <a:p>
+            <a:r>
+              <a:rPr lang="en-US" sz="1400" dirty="0" smtClean="0">
+                <a:latin typeface="Consolas" pitchFamily="49" charset="0"/>
+              </a:rPr>
+              <a:t>        </a:t>
+            </a:r>
+            <a:r>
+              <a:rPr lang="en-US" sz="1400" dirty="0" err="1" smtClean="0">
+                <a:solidFill>
+                  <a:srgbClr val="0070C0"/>
+                </a:solidFill>
+                <a:latin typeface="Consolas" pitchFamily="49" charset="0"/>
+              </a:rPr>
+              <a:t>var</a:t>
+            </a:r>
+            <a:r>
+              <a:rPr lang="en-US" sz="1400" dirty="0" smtClean="0">
+                <a:latin typeface="Consolas" pitchFamily="49" charset="0"/>
+              </a:rPr>
+              <a:t> </a:t>
+            </a:r>
+            <a:r>
+              <a:rPr lang="en-US" sz="1400" dirty="0" err="1" smtClean="0">
+                <a:latin typeface="Consolas" pitchFamily="49" charset="0"/>
+              </a:rPr>
+              <a:t>zorgbehoevende</a:t>
+            </a:r>
+            <a:r>
+              <a:rPr lang="en-US" sz="1400" dirty="0" smtClean="0">
+                <a:latin typeface="Consolas" pitchFamily="49" charset="0"/>
+              </a:rPr>
+              <a:t> = </a:t>
+            </a:r>
+            <a:r>
+              <a:rPr lang="en-US" sz="1400" dirty="0" err="1" smtClean="0">
+                <a:latin typeface="Consolas" pitchFamily="49" charset="0"/>
+              </a:rPr>
+              <a:t>zorgbehoevendeService.GetZorgbehoevende</a:t>
+            </a:r>
+            <a:r>
+              <a:rPr lang="en-US" sz="1400" dirty="0" smtClean="0">
+                <a:latin typeface="Consolas" pitchFamily="49" charset="0"/>
+              </a:rPr>
+              <a:t>(id);</a:t>
+            </a:r>
+          </a:p>
+          <a:p>
+            <a:r>
+              <a:rPr lang="en-US" sz="1400" dirty="0" smtClean="0">
+                <a:latin typeface="Consolas" pitchFamily="49" charset="0"/>
+              </a:rPr>
+              <a:t>        </a:t>
+            </a:r>
+            <a:r>
+              <a:rPr lang="en-US" sz="1400" dirty="0" smtClean="0">
+                <a:solidFill>
+                  <a:srgbClr val="0070C0"/>
+                </a:solidFill>
+                <a:latin typeface="Consolas" pitchFamily="49" charset="0"/>
+              </a:rPr>
+              <a:t>return</a:t>
+            </a:r>
+            <a:r>
+              <a:rPr lang="en-US" sz="1400" dirty="0" smtClean="0">
+                <a:latin typeface="Consolas" pitchFamily="49" charset="0"/>
+              </a:rPr>
+              <a:t> View(</a:t>
+            </a:r>
+            <a:r>
+              <a:rPr lang="en-US" sz="1400" dirty="0" err="1" smtClean="0">
+                <a:latin typeface="Consolas" pitchFamily="49" charset="0"/>
+              </a:rPr>
+              <a:t>zorgbehoevende</a:t>
+            </a:r>
+            <a:r>
+              <a:rPr lang="en-US" sz="1400" dirty="0" smtClean="0">
+                <a:latin typeface="Consolas" pitchFamily="49" charset="0"/>
+              </a:rPr>
+              <a:t>);</a:t>
+            </a:r>
+          </a:p>
+          <a:p>
+            <a:r>
+              <a:rPr lang="en-US" sz="1400" dirty="0" smtClean="0">
+                <a:latin typeface="Consolas" pitchFamily="49" charset="0"/>
+              </a:rPr>
+              <a:t>    }</a:t>
+            </a:r>
+          </a:p>
+          <a:p>
+            <a:endParaRPr lang="en-US" sz="1400" dirty="0" smtClean="0">
+              <a:latin typeface="Consolas" pitchFamily="49" charset="0"/>
+            </a:endParaRPr>
+          </a:p>
+          <a:p>
+            <a:r>
+              <a:rPr lang="en-US" sz="1400" dirty="0" smtClean="0">
+                <a:latin typeface="Consolas" pitchFamily="49" charset="0"/>
+              </a:rPr>
+              <a:t>    </a:t>
+            </a:r>
+            <a:r>
+              <a:rPr lang="en-US" sz="1400" dirty="0" smtClean="0">
+                <a:solidFill>
+                  <a:srgbClr val="0070C0"/>
+                </a:solidFill>
+                <a:latin typeface="Consolas" pitchFamily="49" charset="0"/>
+              </a:rPr>
+              <a:t>public</a:t>
+            </a:r>
+            <a:r>
+              <a:rPr lang="en-US" sz="1400" dirty="0" smtClean="0">
+                <a:latin typeface="Consolas" pitchFamily="49" charset="0"/>
+              </a:rPr>
+              <a:t> </a:t>
+            </a:r>
+            <a:r>
+              <a:rPr lang="en-US" sz="1400" dirty="0" err="1" smtClean="0">
+                <a:latin typeface="Consolas" pitchFamily="49" charset="0"/>
+              </a:rPr>
+              <a:t>ActionResult</a:t>
+            </a:r>
+            <a:r>
+              <a:rPr lang="en-US" sz="1400" dirty="0" smtClean="0">
+                <a:latin typeface="Consolas" pitchFamily="49" charset="0"/>
+              </a:rPr>
+              <a:t> Create(</a:t>
+            </a:r>
+            <a:r>
+              <a:rPr lang="en-US" sz="1400" dirty="0" err="1" smtClean="0">
+                <a:latin typeface="Consolas" pitchFamily="49" charset="0"/>
+              </a:rPr>
+              <a:t>ZorgbehoevendeDto</a:t>
+            </a:r>
+            <a:r>
+              <a:rPr lang="en-US" sz="1400" dirty="0" smtClean="0">
+                <a:latin typeface="Consolas" pitchFamily="49" charset="0"/>
+              </a:rPr>
+              <a:t> </a:t>
+            </a:r>
+            <a:r>
+              <a:rPr lang="en-US" sz="1400" dirty="0" err="1" smtClean="0">
+                <a:latin typeface="Consolas" pitchFamily="49" charset="0"/>
+              </a:rPr>
+              <a:t>dto</a:t>
+            </a:r>
+            <a:r>
+              <a:rPr lang="en-US" sz="1400" dirty="0" smtClean="0">
+                <a:latin typeface="Consolas" pitchFamily="49" charset="0"/>
+              </a:rPr>
+              <a:t>)</a:t>
+            </a:r>
+          </a:p>
+          <a:p>
+            <a:r>
+              <a:rPr lang="en-US" sz="1400" dirty="0" smtClean="0">
+                <a:latin typeface="Consolas" pitchFamily="49" charset="0"/>
+              </a:rPr>
+              <a:t>    {</a:t>
+            </a:r>
+          </a:p>
+          <a:p>
+            <a:r>
+              <a:rPr lang="en-US" sz="1400" dirty="0" smtClean="0">
+                <a:latin typeface="Consolas" pitchFamily="49" charset="0"/>
+              </a:rPr>
+              <a:t>        </a:t>
+            </a:r>
+            <a:r>
+              <a:rPr lang="en-US" sz="1400" dirty="0" err="1" smtClean="0">
+                <a:solidFill>
+                  <a:srgbClr val="0070C0"/>
+                </a:solidFill>
+                <a:latin typeface="Consolas" pitchFamily="49" charset="0"/>
+              </a:rPr>
+              <a:t>var</a:t>
+            </a:r>
+            <a:r>
+              <a:rPr lang="en-US" sz="1400" dirty="0" smtClean="0">
+                <a:latin typeface="Consolas" pitchFamily="49" charset="0"/>
+              </a:rPr>
+              <a:t> id = </a:t>
+            </a:r>
+            <a:r>
+              <a:rPr lang="en-US" sz="1400" dirty="0" err="1" smtClean="0">
+                <a:latin typeface="Consolas" pitchFamily="49" charset="0"/>
+              </a:rPr>
+              <a:t>zorgbehoevendeService.CreateZorgbehoevende</a:t>
+            </a:r>
+            <a:r>
+              <a:rPr lang="en-US" sz="1400" dirty="0" smtClean="0">
+                <a:latin typeface="Consolas" pitchFamily="49" charset="0"/>
+              </a:rPr>
+              <a:t>(</a:t>
+            </a:r>
+            <a:r>
+              <a:rPr lang="en-US" sz="1400" dirty="0" err="1" smtClean="0">
+                <a:latin typeface="Consolas" pitchFamily="49" charset="0"/>
+              </a:rPr>
+              <a:t>dto</a:t>
+            </a:r>
+            <a:r>
+              <a:rPr lang="en-US" sz="1400" dirty="0" smtClean="0">
+                <a:latin typeface="Consolas" pitchFamily="49" charset="0"/>
+              </a:rPr>
+              <a:t>);</a:t>
+            </a:r>
+          </a:p>
+          <a:p>
+            <a:r>
+              <a:rPr lang="en-US" sz="1400" dirty="0" smtClean="0">
+                <a:latin typeface="Consolas" pitchFamily="49" charset="0"/>
+              </a:rPr>
+              <a:t>        </a:t>
+            </a:r>
+            <a:r>
+              <a:rPr lang="en-US" sz="1400" dirty="0" smtClean="0">
+                <a:solidFill>
+                  <a:srgbClr val="0070C0"/>
+                </a:solidFill>
+                <a:latin typeface="Consolas" pitchFamily="49" charset="0"/>
+              </a:rPr>
+              <a:t>return</a:t>
+            </a:r>
+            <a:r>
+              <a:rPr lang="en-US" sz="1400" dirty="0" smtClean="0">
+                <a:latin typeface="Consolas" pitchFamily="49" charset="0"/>
+              </a:rPr>
+              <a:t> </a:t>
+            </a:r>
+            <a:r>
+              <a:rPr lang="en-US" sz="1400" dirty="0" err="1" smtClean="0">
+                <a:latin typeface="Consolas" pitchFamily="49" charset="0"/>
+              </a:rPr>
+              <a:t>RedirectToAction</a:t>
+            </a:r>
+            <a:r>
+              <a:rPr lang="en-US" sz="1400" dirty="0" smtClean="0">
+                <a:latin typeface="Consolas" pitchFamily="49" charset="0"/>
+              </a:rPr>
+              <a:t>("Detail", </a:t>
+            </a:r>
+            <a:r>
+              <a:rPr lang="en-US" sz="1400" dirty="0" err="1" smtClean="0">
+                <a:latin typeface="Consolas" pitchFamily="49" charset="0"/>
+              </a:rPr>
+              <a:t>id.ToIdRoute</a:t>
+            </a:r>
+            <a:r>
+              <a:rPr lang="en-US" sz="1400" dirty="0" smtClean="0">
+                <a:latin typeface="Consolas" pitchFamily="49" charset="0"/>
+              </a:rPr>
+              <a:t>());</a:t>
+            </a:r>
+          </a:p>
+          <a:p>
+            <a:r>
+              <a:rPr lang="en-US" sz="1400" dirty="0" smtClean="0">
+                <a:latin typeface="Consolas" pitchFamily="49" charset="0"/>
+              </a:rPr>
+              <a:t>    </a:t>
+            </a:r>
+            <a:r>
+              <a:rPr lang="en-US" sz="1400" dirty="0" smtClean="0">
+                <a:latin typeface="Consolas" pitchFamily="49" charset="0"/>
+              </a:rPr>
+              <a:t>}</a:t>
+            </a:r>
+          </a:p>
+          <a:p>
+            <a:r>
+              <a:rPr lang="nl-BE" sz="1400" dirty="0" smtClean="0">
+                <a:latin typeface="Consolas" pitchFamily="49" charset="0"/>
+              </a:rPr>
+              <a:t>}</a:t>
+            </a:r>
+            <a:endParaRPr lang="en-US" sz="1400" dirty="0" smtClean="0">
+              <a:latin typeface="Consolas" pitchFamily="49" charset="0"/>
+            </a:endParaRPr>
+          </a:p>
+        </p:txBody>
+      </p:sp>
+      <p:sp>
+        <p:nvSpPr>
           <p:cNvPr id="2" name="Title 1"/>
           <p:cNvSpPr>
             <a:spLocks noGrp="1"/>
@@ -5312,19 +7456,199 @@
       </p:sp>
       <p:sp>
         <p:nvSpPr>
-          <p:cNvPr id="3" name="Content Placeholder 2"/>
-          <p:cNvSpPr>
-            <a:spLocks noGrp="1"/>
-          </p:cNvSpPr>
-          <p:nvPr>
-            <p:ph idx="1"/>
-          </p:nvPr>
-        </p:nvSpPr>
-        <p:spPr/>
-        <p:txBody>
-          <a:bodyPr/>
+          <p:cNvPr id="14" name="Rounded Rectangle 13"/>
+          <p:cNvSpPr/>
+          <p:nvPr/>
+        </p:nvSpPr>
+        <p:spPr>
+          <a:xfrm>
+            <a:off x="2071670" y="2000240"/>
+            <a:ext cx="1500198" cy="214314"/>
+          </a:xfrm>
+          <a:prstGeom prst="roundRect">
+            <a:avLst/>
+          </a:prstGeom>
+          <a:noFill/>
+          <a:ln/>
+        </p:spPr>
+        <p:style>
+          <a:lnRef idx="2">
+            <a:schemeClr val="accent2"/>
+          </a:lnRef>
+          <a:fillRef idx="1">
+            <a:schemeClr val="lt1"/>
+          </a:fillRef>
+          <a:effectRef idx="0">
+            <a:schemeClr val="accent2"/>
+          </a:effectRef>
+          <a:fontRef idx="minor">
+            <a:schemeClr val="dk1"/>
+          </a:fontRef>
+        </p:style>
+        <p:txBody>
+          <a:bodyPr rtlCol="0" anchor="ctr"/>
           <a:lstStyle/>
           <a:p>
+            <a:pPr algn="ctr"/>
+            <a:endParaRPr lang="en-US"/>
+          </a:p>
+        </p:txBody>
+      </p:sp>
+      <p:sp>
+        <p:nvSpPr>
+          <p:cNvPr id="15" name="Rounded Rectangle 14"/>
+          <p:cNvSpPr/>
+          <p:nvPr/>
+        </p:nvSpPr>
+        <p:spPr>
+          <a:xfrm>
+            <a:off x="2857488" y="2214554"/>
+            <a:ext cx="1500198" cy="214314"/>
+          </a:xfrm>
+          <a:prstGeom prst="roundRect">
+            <a:avLst/>
+          </a:prstGeom>
+          <a:noFill/>
+          <a:ln/>
+        </p:spPr>
+        <p:style>
+          <a:lnRef idx="2">
+            <a:schemeClr val="accent2"/>
+          </a:lnRef>
+          <a:fillRef idx="1">
+            <a:schemeClr val="lt1"/>
+          </a:fillRef>
+          <a:effectRef idx="0">
+            <a:schemeClr val="accent2"/>
+          </a:effectRef>
+          <a:fontRef idx="minor">
+            <a:schemeClr val="dk1"/>
+          </a:fontRef>
+        </p:style>
+        <p:txBody>
+          <a:bodyPr rtlCol="0" anchor="ctr"/>
+          <a:lstStyle/>
+          <a:p>
+            <a:pPr algn="ctr"/>
+            <a:endParaRPr lang="en-US"/>
+          </a:p>
+        </p:txBody>
+      </p:sp>
+      <p:sp>
+        <p:nvSpPr>
+          <p:cNvPr id="16" name="Rounded Rectangle 15"/>
+          <p:cNvSpPr/>
+          <p:nvPr/>
+        </p:nvSpPr>
+        <p:spPr>
+          <a:xfrm>
+            <a:off x="5715008" y="2857496"/>
+            <a:ext cx="357190" cy="214314"/>
+          </a:xfrm>
+          <a:prstGeom prst="roundRect">
+            <a:avLst/>
+          </a:prstGeom>
+          <a:noFill/>
+          <a:ln/>
+        </p:spPr>
+        <p:style>
+          <a:lnRef idx="2">
+            <a:schemeClr val="accent2"/>
+          </a:lnRef>
+          <a:fillRef idx="1">
+            <a:schemeClr val="lt1"/>
+          </a:fillRef>
+          <a:effectRef idx="0">
+            <a:schemeClr val="accent2"/>
+          </a:effectRef>
+          <a:fontRef idx="minor">
+            <a:schemeClr val="dk1"/>
+          </a:fontRef>
+        </p:style>
+        <p:txBody>
+          <a:bodyPr rtlCol="0" anchor="ctr"/>
+          <a:lstStyle/>
+          <a:p>
+            <a:pPr algn="ctr"/>
+            <a:endParaRPr lang="en-US"/>
+          </a:p>
+        </p:txBody>
+      </p:sp>
+      <p:sp>
+        <p:nvSpPr>
+          <p:cNvPr id="17" name="Rounded Rectangle 16"/>
+          <p:cNvSpPr/>
+          <p:nvPr/>
+        </p:nvSpPr>
+        <p:spPr>
+          <a:xfrm>
+            <a:off x="6786578" y="3286124"/>
+            <a:ext cx="357190" cy="214314"/>
+          </a:xfrm>
+          <a:prstGeom prst="roundRect">
+            <a:avLst/>
+          </a:prstGeom>
+          <a:noFill/>
+          <a:ln/>
+        </p:spPr>
+        <p:style>
+          <a:lnRef idx="2">
+            <a:schemeClr val="accent2"/>
+          </a:lnRef>
+          <a:fillRef idx="1">
+            <a:schemeClr val="lt1"/>
+          </a:fillRef>
+          <a:effectRef idx="0">
+            <a:schemeClr val="accent2"/>
+          </a:effectRef>
+          <a:fontRef idx="minor">
+            <a:schemeClr val="dk1"/>
+          </a:fontRef>
+        </p:style>
+        <p:txBody>
+          <a:bodyPr rtlCol="0" anchor="ctr"/>
+          <a:lstStyle/>
+          <a:p>
+            <a:pPr algn="ctr"/>
+            <a:endParaRPr lang="en-US"/>
+          </a:p>
+        </p:txBody>
+      </p:sp>
+      <p:sp>
+        <p:nvSpPr>
+          <p:cNvPr id="11" name="Rounded Rectangle 10"/>
+          <p:cNvSpPr/>
+          <p:nvPr/>
+        </p:nvSpPr>
+        <p:spPr>
+          <a:xfrm>
+            <a:off x="2357422" y="2214554"/>
+            <a:ext cx="500066" cy="214314"/>
+          </a:xfrm>
+          <a:prstGeom prst="roundRect">
+            <a:avLst/>
+          </a:prstGeom>
+          <a:noFill/>
+        </p:spPr>
+        <p:style>
+          <a:lnRef idx="2">
+            <a:schemeClr val="accent4"/>
+          </a:lnRef>
+          <a:fillRef idx="1">
+            <a:schemeClr val="lt1"/>
+          </a:fillRef>
+          <a:effectRef idx="0">
+            <a:schemeClr val="accent4"/>
+          </a:effectRef>
+          <a:fontRef idx="minor">
+            <a:schemeClr val="dk1"/>
+          </a:fontRef>
+        </p:style>
+        <p:txBody>
+          <a:bodyPr rtlCol="0" anchor="ctr"/>
+          <a:lstStyle/>
+          <a:p>
+            <a:pPr algn="ctr"/>
             <a:endParaRPr lang="en-US"/>
           </a:p>
         </p:txBody>
@@ -5337,9 +7661,439 @@
   <p:timing>
     <p:tnLst>
       <p:par>
-        <p:cTn id="1" dur="indefinite" restart="never" nodeType="tmRoot"/>
+        <p:cTn id="1" dur="indefinite" restart="never" nodeType="tmRoot">
+          <p:childTnLst>
+            <p:seq concurrent="1" nextAc="seek">
+              <p:cTn id="2" dur="indefinite" nodeType="mainSeq">
+                <p:childTnLst>
+                  <p:par>
+                    <p:cTn id="3" fill="hold">
+                      <p:stCondLst>
+                        <p:cond delay="indefinite"/>
+                      </p:stCondLst>
+                      <p:childTnLst>
+                        <p:par>
+                          <p:cTn id="4" fill="hold">
+                            <p:stCondLst>
+                              <p:cond delay="0"/>
+                            </p:stCondLst>
+                            <p:childTnLst>
+                              <p:par>
+                                <p:cTn id="5" presetID="3" presetClass="entr" presetSubtype="10" fill="hold" grpId="0" nodeType="clickEffect">
+                                  <p:stCondLst>
+                                    <p:cond delay="0"/>
+                                  </p:stCondLst>
+                                  <p:childTnLst>
+                                    <p:set>
+                                      <p:cBhvr>
+                                        <p:cTn id="6" dur="1" fill="hold">
+                                          <p:stCondLst>
+                                            <p:cond delay="0"/>
+                                          </p:stCondLst>
+                                        </p:cTn>
+                                        <p:tgtEl>
+                                          <p:spTgt spid="8"/>
+                                        </p:tgtEl>
+                                        <p:attrNameLst>
+                                          <p:attrName>style.visibility</p:attrName>
+                                        </p:attrNameLst>
+                                      </p:cBhvr>
+                                      <p:to>
+                                        <p:strVal val="visible"/>
+                                      </p:to>
+                                    </p:set>
+                                    <p:animEffect transition="in" filter="blinds(horizontal)">
+                                      <p:cBhvr>
+                                        <p:cTn id="7" dur="500"/>
+                                        <p:tgtEl>
+                                          <p:spTgt spid="8"/>
+                                        </p:tgtEl>
+                                      </p:cBhvr>
+                                    </p:animEffect>
+                                  </p:childTnLst>
+                                </p:cTn>
+                              </p:par>
+                            </p:childTnLst>
+                          </p:cTn>
+                        </p:par>
+                        <p:par>
+                          <p:cTn id="8" fill="hold">
+                            <p:stCondLst>
+                              <p:cond delay="500"/>
+                            </p:stCondLst>
+                            <p:childTnLst>
+                              <p:par>
+                                <p:cTn id="9" presetID="3" presetClass="entr" presetSubtype="10" fill="hold" grpId="0" nodeType="afterEffect">
+                                  <p:stCondLst>
+                                    <p:cond delay="0"/>
+                                  </p:stCondLst>
+                                  <p:childTnLst>
+                                    <p:set>
+                                      <p:cBhvr>
+                                        <p:cTn id="10" dur="1" fill="hold">
+                                          <p:stCondLst>
+                                            <p:cond delay="0"/>
+                                          </p:stCondLst>
+                                        </p:cTn>
+                                        <p:tgtEl>
+                                          <p:spTgt spid="9"/>
+                                        </p:tgtEl>
+                                        <p:attrNameLst>
+                                          <p:attrName>style.visibility</p:attrName>
+                                        </p:attrNameLst>
+                                      </p:cBhvr>
+                                      <p:to>
+                                        <p:strVal val="visible"/>
+                                      </p:to>
+                                    </p:set>
+                                    <p:animEffect transition="in" filter="blinds(horizontal)">
+                                      <p:cBhvr>
+                                        <p:cTn id="11" dur="500"/>
+                                        <p:tgtEl>
+                                          <p:spTgt spid="9"/>
+                                        </p:tgtEl>
+                                      </p:cBhvr>
+                                    </p:animEffect>
+                                  </p:childTnLst>
+                                </p:cTn>
+                              </p:par>
+                            </p:childTnLst>
+                          </p:cTn>
+                        </p:par>
+                      </p:childTnLst>
+                    </p:cTn>
+                  </p:par>
+                  <p:par>
+                    <p:cTn id="12" fill="hold">
+                      <p:stCondLst>
+                        <p:cond delay="indefinite"/>
+                      </p:stCondLst>
+                      <p:childTnLst>
+                        <p:par>
+                          <p:cTn id="13" fill="hold">
+                            <p:stCondLst>
+                              <p:cond delay="0"/>
+                            </p:stCondLst>
+                            <p:childTnLst>
+                              <p:par>
+                                <p:cTn id="14" presetID="3" presetClass="entr" presetSubtype="10" fill="hold" grpId="0" nodeType="clickEffect">
+                                  <p:stCondLst>
+                                    <p:cond delay="0"/>
+                                  </p:stCondLst>
+                                  <p:childTnLst>
+                                    <p:set>
+                                      <p:cBhvr>
+                                        <p:cTn id="15" dur="1" fill="hold">
+                                          <p:stCondLst>
+                                            <p:cond delay="0"/>
+                                          </p:stCondLst>
+                                        </p:cTn>
+                                        <p:tgtEl>
+                                          <p:spTgt spid="11"/>
+                                        </p:tgtEl>
+                                        <p:attrNameLst>
+                                          <p:attrName>style.visibility</p:attrName>
+                                        </p:attrNameLst>
+                                      </p:cBhvr>
+                                      <p:to>
+                                        <p:strVal val="visible"/>
+                                      </p:to>
+                                    </p:set>
+                                    <p:animEffect transition="in" filter="blinds(horizontal)">
+                                      <p:cBhvr>
+                                        <p:cTn id="16" dur="500"/>
+                                        <p:tgtEl>
+                                          <p:spTgt spid="11"/>
+                                        </p:tgtEl>
+                                      </p:cBhvr>
+                                    </p:animEffect>
+                                  </p:childTnLst>
+                                </p:cTn>
+                              </p:par>
+                            </p:childTnLst>
+                          </p:cTn>
+                        </p:par>
+                        <p:par>
+                          <p:cTn id="17" fill="hold">
+                            <p:stCondLst>
+                              <p:cond delay="500"/>
+                            </p:stCondLst>
+                            <p:childTnLst>
+                              <p:par>
+                                <p:cTn id="18" presetID="3" presetClass="entr" presetSubtype="10" fill="hold" grpId="0" nodeType="afterEffect">
+                                  <p:stCondLst>
+                                    <p:cond delay="0"/>
+                                  </p:stCondLst>
+                                  <p:childTnLst>
+                                    <p:set>
+                                      <p:cBhvr>
+                                        <p:cTn id="19" dur="1" fill="hold">
+                                          <p:stCondLst>
+                                            <p:cond delay="0"/>
+                                          </p:stCondLst>
+                                        </p:cTn>
+                                        <p:tgtEl>
+                                          <p:spTgt spid="13"/>
+                                        </p:tgtEl>
+                                        <p:attrNameLst>
+                                          <p:attrName>style.visibility</p:attrName>
+                                        </p:attrNameLst>
+                                      </p:cBhvr>
+                                      <p:to>
+                                        <p:strVal val="visible"/>
+                                      </p:to>
+                                    </p:set>
+                                    <p:animEffect transition="in" filter="blinds(horizontal)">
+                                      <p:cBhvr>
+                                        <p:cTn id="20" dur="500"/>
+                                        <p:tgtEl>
+                                          <p:spTgt spid="13"/>
+                                        </p:tgtEl>
+                                      </p:cBhvr>
+                                    </p:animEffect>
+                                  </p:childTnLst>
+                                </p:cTn>
+                              </p:par>
+                            </p:childTnLst>
+                          </p:cTn>
+                        </p:par>
+                      </p:childTnLst>
+                    </p:cTn>
+                  </p:par>
+                  <p:par>
+                    <p:cTn id="21" fill="hold">
+                      <p:stCondLst>
+                        <p:cond delay="indefinite"/>
+                      </p:stCondLst>
+                      <p:childTnLst>
+                        <p:par>
+                          <p:cTn id="22" fill="hold">
+                            <p:stCondLst>
+                              <p:cond delay="0"/>
+                            </p:stCondLst>
+                            <p:childTnLst>
+                              <p:par>
+                                <p:cTn id="23" presetID="3" presetClass="entr" presetSubtype="10" fill="hold" grpId="0" nodeType="clickEffect">
+                                  <p:stCondLst>
+                                    <p:cond delay="0"/>
+                                  </p:stCondLst>
+                                  <p:childTnLst>
+                                    <p:set>
+                                      <p:cBhvr>
+                                        <p:cTn id="24" dur="1" fill="hold">
+                                          <p:stCondLst>
+                                            <p:cond delay="0"/>
+                                          </p:stCondLst>
+                                        </p:cTn>
+                                        <p:tgtEl>
+                                          <p:spTgt spid="14"/>
+                                        </p:tgtEl>
+                                        <p:attrNameLst>
+                                          <p:attrName>style.visibility</p:attrName>
+                                        </p:attrNameLst>
+                                      </p:cBhvr>
+                                      <p:to>
+                                        <p:strVal val="visible"/>
+                                      </p:to>
+                                    </p:set>
+                                    <p:animEffect transition="in" filter="blinds(horizontal)">
+                                      <p:cBhvr>
+                                        <p:cTn id="25" dur="500"/>
+                                        <p:tgtEl>
+                                          <p:spTgt spid="14"/>
+                                        </p:tgtEl>
+                                      </p:cBhvr>
+                                    </p:animEffect>
+                                  </p:childTnLst>
+                                </p:cTn>
+                              </p:par>
+                              <p:par>
+                                <p:cTn id="26" presetID="3" presetClass="entr" presetSubtype="10" fill="hold" grpId="0" nodeType="withEffect">
+                                  <p:stCondLst>
+                                    <p:cond delay="0"/>
+                                  </p:stCondLst>
+                                  <p:childTnLst>
+                                    <p:set>
+                                      <p:cBhvr>
+                                        <p:cTn id="27" dur="1" fill="hold">
+                                          <p:stCondLst>
+                                            <p:cond delay="0"/>
+                                          </p:stCondLst>
+                                        </p:cTn>
+                                        <p:tgtEl>
+                                          <p:spTgt spid="15"/>
+                                        </p:tgtEl>
+                                        <p:attrNameLst>
+                                          <p:attrName>style.visibility</p:attrName>
+                                        </p:attrNameLst>
+                                      </p:cBhvr>
+                                      <p:to>
+                                        <p:strVal val="visible"/>
+                                      </p:to>
+                                    </p:set>
+                                    <p:animEffect transition="in" filter="blinds(horizontal)">
+                                      <p:cBhvr>
+                                        <p:cTn id="28" dur="500"/>
+                                        <p:tgtEl>
+                                          <p:spTgt spid="15"/>
+                                        </p:tgtEl>
+                                      </p:cBhvr>
+                                    </p:animEffect>
+                                  </p:childTnLst>
+                                </p:cTn>
+                              </p:par>
+                              <p:par>
+                                <p:cTn id="29" presetID="3" presetClass="entr" presetSubtype="10" fill="hold" grpId="0" nodeType="withEffect">
+                                  <p:stCondLst>
+                                    <p:cond delay="0"/>
+                                  </p:stCondLst>
+                                  <p:childTnLst>
+                                    <p:set>
+                                      <p:cBhvr>
+                                        <p:cTn id="30" dur="1" fill="hold">
+                                          <p:stCondLst>
+                                            <p:cond delay="0"/>
+                                          </p:stCondLst>
+                                        </p:cTn>
+                                        <p:tgtEl>
+                                          <p:spTgt spid="16"/>
+                                        </p:tgtEl>
+                                        <p:attrNameLst>
+                                          <p:attrName>style.visibility</p:attrName>
+                                        </p:attrNameLst>
+                                      </p:cBhvr>
+                                      <p:to>
+                                        <p:strVal val="visible"/>
+                                      </p:to>
+                                    </p:set>
+                                    <p:animEffect transition="in" filter="blinds(horizontal)">
+                                      <p:cBhvr>
+                                        <p:cTn id="31" dur="500"/>
+                                        <p:tgtEl>
+                                          <p:spTgt spid="16"/>
+                                        </p:tgtEl>
+                                      </p:cBhvr>
+                                    </p:animEffect>
+                                  </p:childTnLst>
+                                </p:cTn>
+                              </p:par>
+                              <p:par>
+                                <p:cTn id="32" presetID="3" presetClass="entr" presetSubtype="10" fill="hold" grpId="0" nodeType="withEffect">
+                                  <p:stCondLst>
+                                    <p:cond delay="0"/>
+                                  </p:stCondLst>
+                                  <p:childTnLst>
+                                    <p:set>
+                                      <p:cBhvr>
+                                        <p:cTn id="33" dur="1" fill="hold">
+                                          <p:stCondLst>
+                                            <p:cond delay="0"/>
+                                          </p:stCondLst>
+                                        </p:cTn>
+                                        <p:tgtEl>
+                                          <p:spTgt spid="17"/>
+                                        </p:tgtEl>
+                                        <p:attrNameLst>
+                                          <p:attrName>style.visibility</p:attrName>
+                                        </p:attrNameLst>
+                                      </p:cBhvr>
+                                      <p:to>
+                                        <p:strVal val="visible"/>
+                                      </p:to>
+                                    </p:set>
+                                    <p:animEffect transition="in" filter="blinds(horizontal)">
+                                      <p:cBhvr>
+                                        <p:cTn id="34" dur="500"/>
+                                        <p:tgtEl>
+                                          <p:spTgt spid="17"/>
+                                        </p:tgtEl>
+                                      </p:cBhvr>
+                                    </p:animEffect>
+                                  </p:childTnLst>
+                                </p:cTn>
+                              </p:par>
+                            </p:childTnLst>
+                          </p:cTn>
+                        </p:par>
+                        <p:par>
+                          <p:cTn id="35" fill="hold">
+                            <p:stCondLst>
+                              <p:cond delay="500"/>
+                            </p:stCondLst>
+                            <p:childTnLst>
+                              <p:par>
+                                <p:cTn id="36" presetID="3" presetClass="entr" presetSubtype="10" fill="hold" grpId="0" nodeType="afterEffect">
+                                  <p:stCondLst>
+                                    <p:cond delay="0"/>
+                                  </p:stCondLst>
+                                  <p:childTnLst>
+                                    <p:set>
+                                      <p:cBhvr>
+                                        <p:cTn id="37" dur="1" fill="hold">
+                                          <p:stCondLst>
+                                            <p:cond delay="0"/>
+                                          </p:stCondLst>
+                                        </p:cTn>
+                                        <p:tgtEl>
+                                          <p:spTgt spid="12"/>
+                                        </p:tgtEl>
+                                        <p:attrNameLst>
+                                          <p:attrName>style.visibility</p:attrName>
+                                        </p:attrNameLst>
+                                      </p:cBhvr>
+                                      <p:to>
+                                        <p:strVal val="visible"/>
+                                      </p:to>
+                                    </p:set>
+                                    <p:animEffect transition="in" filter="blinds(horizontal)">
+                                      <p:cBhvr>
+                                        <p:cTn id="38" dur="500"/>
+                                        <p:tgtEl>
+                                          <p:spTgt spid="12"/>
+                                        </p:tgtEl>
+                                      </p:cBhvr>
+                                    </p:animEffect>
+                                  </p:childTnLst>
+                                </p:cTn>
+                              </p:par>
+                            </p:childTnLst>
+                          </p:cTn>
+                        </p:par>
+                      </p:childTnLst>
+                    </p:cTn>
+                  </p:par>
+                </p:childTnLst>
+              </p:cTn>
+              <p:prevCondLst>
+                <p:cond evt="onPrev" delay="0">
+                  <p:tgtEl>
+                    <p:sldTgt/>
+                  </p:tgtEl>
+                </p:cond>
+              </p:prevCondLst>
+              <p:nextCondLst>
+                <p:cond evt="onNext" delay="0">
+                  <p:tgtEl>
+                    <p:sldTgt/>
+                  </p:tgtEl>
+                </p:cond>
+              </p:nextCondLst>
+            </p:seq>
+          </p:childTnLst>
+        </p:cTn>
       </p:par>
     </p:tnLst>
+    <p:bldLst>
+      <p:bldP spid="13" grpId="0" animBg="1"/>
+      <p:bldP spid="12" grpId="0" animBg="1"/>
+      <p:bldP spid="8" grpId="0" animBg="1"/>
+      <p:bldP spid="9" grpId="0" animBg="1"/>
+      <p:bldP spid="14" grpId="0" animBg="1"/>
+      <p:bldP spid="15" grpId="0" animBg="1"/>
+      <p:bldP spid="16" grpId="0" animBg="1"/>
+      <p:bldP spid="17" grpId="0" animBg="1"/>
+      <p:bldP spid="11" grpId="0" animBg="1"/>
+    </p:bldLst>
   </p:timing>
 </p:sld>
 </file>
@@ -5378,7 +8132,11 @@
           <a:p>
             <a:r>
               <a:rPr lang="nl-BE" dirty="0" smtClean="0"/>
-              <a:t>Domain: Services</a:t>
+              <a:t>Domain: </a:t>
+            </a:r>
+            <a:r>
+              <a:rPr lang="nl-BE" dirty="0" smtClean="0"/>
+              <a:t>Mapping</a:t>
             </a:r>
             <a:endParaRPr lang="en-US" dirty="0"/>
           </a:p>
@@ -5399,7 +8157,553 @@
           <a:bodyPr/>
           <a:lstStyle/>
           <a:p>
-            <a:endParaRPr lang="en-US"/>
+            <a:pPr>
+              <a:buNone/>
+            </a:pPr>
+            <a:r>
+              <a:rPr lang="nl-BE" dirty="0" smtClean="0"/>
+              <a:t>Automapper</a:t>
+            </a:r>
+            <a:endParaRPr lang="en-US" dirty="0"/>
+          </a:p>
+        </p:txBody>
+      </p:sp>
+      <p:sp>
+        <p:nvSpPr>
+          <p:cNvPr id="4" name="Rectangle 3"/>
+          <p:cNvSpPr/>
+          <p:nvPr/>
+        </p:nvSpPr>
+        <p:spPr>
+          <a:xfrm>
+            <a:off x="500034" y="1071546"/>
+            <a:ext cx="5500710" cy="2492990"/>
+          </a:xfrm>
+          <a:prstGeom prst="rect">
+            <a:avLst/>
+          </a:prstGeom>
+        </p:spPr>
+        <p:style>
+          <a:lnRef idx="2">
+            <a:schemeClr val="accent6"/>
+          </a:lnRef>
+          <a:fillRef idx="1">
+            <a:schemeClr val="lt1"/>
+          </a:fillRef>
+          <a:effectRef idx="0">
+            <a:schemeClr val="accent6"/>
+          </a:effectRef>
+          <a:fontRef idx="minor">
+            <a:schemeClr val="dk1"/>
+          </a:fontRef>
+        </p:style>
+        <p:txBody>
+          <a:bodyPr wrap="square">
+            <a:spAutoFit/>
+          </a:bodyPr>
+          <a:lstStyle/>
+          <a:p>
+            <a:r>
+              <a:rPr lang="en-US" sz="1200" dirty="0" smtClean="0">
+                <a:latin typeface="Consolas" pitchFamily="49" charset="0"/>
+              </a:rPr>
+              <a:t>public class Memo : Entity</a:t>
+            </a:r>
+          </a:p>
+          <a:p>
+            <a:r>
+              <a:rPr lang="en-US" sz="1200" dirty="0" smtClean="0">
+                <a:latin typeface="Consolas" pitchFamily="49" charset="0"/>
+              </a:rPr>
+              <a:t>{</a:t>
+            </a:r>
+          </a:p>
+          <a:p>
+            <a:r>
+              <a:rPr lang="en-US" sz="1200" dirty="0" smtClean="0">
+                <a:latin typeface="Consolas" pitchFamily="49" charset="0"/>
+              </a:rPr>
+              <a:t>    public </a:t>
+            </a:r>
+            <a:r>
+              <a:rPr lang="en-US" sz="1200" dirty="0" err="1" smtClean="0">
+                <a:latin typeface="Consolas" pitchFamily="49" charset="0"/>
+              </a:rPr>
+              <a:t>DateTime</a:t>
+            </a:r>
+            <a:r>
+              <a:rPr lang="en-US" sz="1200" dirty="0" smtClean="0">
+                <a:latin typeface="Consolas" pitchFamily="49" charset="0"/>
+              </a:rPr>
+              <a:t> Datum{ get; protected set; }</a:t>
+            </a:r>
+          </a:p>
+          <a:p>
+            <a:r>
+              <a:rPr lang="en-US" sz="1200" dirty="0" smtClean="0">
+                <a:latin typeface="Consolas" pitchFamily="49" charset="0"/>
+              </a:rPr>
+              <a:t>    public string Auteur { get; protected set; }</a:t>
+            </a:r>
+          </a:p>
+          <a:p>
+            <a:r>
+              <a:rPr lang="en-US" sz="1200" dirty="0" smtClean="0">
+                <a:latin typeface="Consolas" pitchFamily="49" charset="0"/>
+              </a:rPr>
+              <a:t>    public string </a:t>
+            </a:r>
+            <a:r>
+              <a:rPr lang="en-US" sz="1200" dirty="0" err="1" smtClean="0">
+                <a:latin typeface="Consolas" pitchFamily="49" charset="0"/>
+              </a:rPr>
+              <a:t>Inhoud</a:t>
+            </a:r>
+            <a:r>
+              <a:rPr lang="en-US" sz="1200" dirty="0" smtClean="0">
+                <a:latin typeface="Consolas" pitchFamily="49" charset="0"/>
+              </a:rPr>
+              <a:t> { get; protected set; }</a:t>
+            </a:r>
+          </a:p>
+          <a:p>
+            <a:endParaRPr lang="en-US" sz="1200" dirty="0" smtClean="0">
+              <a:latin typeface="Consolas" pitchFamily="49" charset="0"/>
+            </a:endParaRPr>
+          </a:p>
+          <a:p>
+            <a:r>
+              <a:rPr lang="en-US" sz="1200" dirty="0" smtClean="0">
+                <a:latin typeface="Consolas" pitchFamily="49" charset="0"/>
+              </a:rPr>
+              <a:t>    public Memo(</a:t>
+            </a:r>
+            <a:r>
+              <a:rPr lang="en-US" sz="1200" dirty="0" err="1" smtClean="0">
+                <a:latin typeface="Consolas" pitchFamily="49" charset="0"/>
+              </a:rPr>
+              <a:t>DateTime</a:t>
+            </a:r>
+            <a:r>
+              <a:rPr lang="en-US" sz="1200" dirty="0" smtClean="0">
+                <a:latin typeface="Consolas" pitchFamily="49" charset="0"/>
+              </a:rPr>
+              <a:t> date, string auteur, string </a:t>
+            </a:r>
+            <a:r>
+              <a:rPr lang="en-US" sz="1200" dirty="0" err="1" smtClean="0">
+                <a:latin typeface="Consolas" pitchFamily="49" charset="0"/>
+              </a:rPr>
+              <a:t>inhoud</a:t>
+            </a:r>
+            <a:r>
+              <a:rPr lang="en-US" sz="1200" dirty="0" smtClean="0">
+                <a:latin typeface="Consolas" pitchFamily="49" charset="0"/>
+              </a:rPr>
+              <a:t>)</a:t>
+            </a:r>
+          </a:p>
+          <a:p>
+            <a:r>
+              <a:rPr lang="en-US" sz="1200" dirty="0" smtClean="0">
+                <a:latin typeface="Consolas" pitchFamily="49" charset="0"/>
+              </a:rPr>
+              <a:t>    </a:t>
+            </a:r>
+            <a:r>
+              <a:rPr lang="en-US" sz="1200" dirty="0" smtClean="0">
+                <a:latin typeface="Consolas" pitchFamily="49" charset="0"/>
+              </a:rPr>
+              <a:t>{</a:t>
+            </a:r>
+          </a:p>
+          <a:p>
+            <a:r>
+              <a:rPr lang="en-US" sz="1200" dirty="0" smtClean="0">
+                <a:latin typeface="Consolas" pitchFamily="49" charset="0"/>
+              </a:rPr>
+              <a:t>        Datum = date;</a:t>
+            </a:r>
+          </a:p>
+          <a:p>
+            <a:r>
+              <a:rPr lang="en-US" sz="1200" dirty="0" smtClean="0">
+                <a:latin typeface="Consolas" pitchFamily="49" charset="0"/>
+              </a:rPr>
+              <a:t>        Auteur = auteur;</a:t>
+            </a:r>
+          </a:p>
+          <a:p>
+            <a:r>
+              <a:rPr lang="en-US" sz="1200" dirty="0" smtClean="0">
+                <a:latin typeface="Consolas" pitchFamily="49" charset="0"/>
+              </a:rPr>
+              <a:t>        </a:t>
+            </a:r>
+            <a:r>
+              <a:rPr lang="en-US" sz="1200" dirty="0" err="1" smtClean="0">
+                <a:latin typeface="Consolas" pitchFamily="49" charset="0"/>
+              </a:rPr>
+              <a:t>Inhoud</a:t>
+            </a:r>
+            <a:r>
+              <a:rPr lang="en-US" sz="1200" dirty="0" smtClean="0">
+                <a:latin typeface="Consolas" pitchFamily="49" charset="0"/>
+              </a:rPr>
+              <a:t> = </a:t>
+            </a:r>
+            <a:r>
+              <a:rPr lang="en-US" sz="1200" dirty="0" err="1" smtClean="0">
+                <a:latin typeface="Consolas" pitchFamily="49" charset="0"/>
+              </a:rPr>
+              <a:t>inhoud</a:t>
+            </a:r>
+            <a:r>
+              <a:rPr lang="en-US" sz="1200" dirty="0" smtClean="0">
+                <a:latin typeface="Consolas" pitchFamily="49" charset="0"/>
+              </a:rPr>
+              <a:t>;</a:t>
+            </a:r>
+          </a:p>
+          <a:p>
+            <a:r>
+              <a:rPr lang="en-US" sz="1200" dirty="0" smtClean="0">
+                <a:latin typeface="Consolas" pitchFamily="49" charset="0"/>
+              </a:rPr>
+              <a:t>    }</a:t>
+            </a:r>
+          </a:p>
+          <a:p>
+            <a:r>
+              <a:rPr lang="en-US" sz="1200" dirty="0" smtClean="0">
+                <a:latin typeface="Consolas" pitchFamily="49" charset="0"/>
+              </a:rPr>
+              <a:t>}</a:t>
+            </a:r>
+          </a:p>
+        </p:txBody>
+      </p:sp>
+      <p:sp>
+        <p:nvSpPr>
+          <p:cNvPr id="5" name="Rectangle 4"/>
+          <p:cNvSpPr/>
+          <p:nvPr/>
+        </p:nvSpPr>
+        <p:spPr>
+          <a:xfrm>
+            <a:off x="4000496" y="2571744"/>
+            <a:ext cx="4572000" cy="1200329"/>
+          </a:xfrm>
+          <a:prstGeom prst="rect">
+            <a:avLst/>
+          </a:prstGeom>
+        </p:spPr>
+        <p:style>
+          <a:lnRef idx="2">
+            <a:schemeClr val="accent6"/>
+          </a:lnRef>
+          <a:fillRef idx="1">
+            <a:schemeClr val="lt1"/>
+          </a:fillRef>
+          <a:effectRef idx="0">
+            <a:schemeClr val="accent6"/>
+          </a:effectRef>
+          <a:fontRef idx="minor">
+            <a:schemeClr val="dk1"/>
+          </a:fontRef>
+        </p:style>
+        <p:txBody>
+          <a:bodyPr>
+            <a:spAutoFit/>
+          </a:bodyPr>
+          <a:lstStyle/>
+          <a:p>
+            <a:r>
+              <a:rPr lang="en-US" sz="1200" dirty="0" smtClean="0">
+                <a:latin typeface="Consolas" pitchFamily="49" charset="0"/>
+              </a:rPr>
+              <a:t>public class </a:t>
+            </a:r>
+            <a:r>
+              <a:rPr lang="en-US" sz="1200" dirty="0" err="1" smtClean="0">
+                <a:latin typeface="Consolas" pitchFamily="49" charset="0"/>
+              </a:rPr>
+              <a:t>ViewMemoDto</a:t>
+            </a:r>
+            <a:endParaRPr lang="en-US" sz="1200" dirty="0" smtClean="0">
+              <a:latin typeface="Consolas" pitchFamily="49" charset="0"/>
+            </a:endParaRPr>
+          </a:p>
+          <a:p>
+            <a:r>
+              <a:rPr lang="en-US" sz="1200" dirty="0" smtClean="0">
+                <a:latin typeface="Consolas" pitchFamily="49" charset="0"/>
+              </a:rPr>
+              <a:t>{</a:t>
+            </a:r>
+          </a:p>
+          <a:p>
+            <a:r>
+              <a:rPr lang="en-US" sz="1200" dirty="0" smtClean="0">
+                <a:latin typeface="Consolas" pitchFamily="49" charset="0"/>
+              </a:rPr>
+              <a:t>    public string Datum { get; set; }</a:t>
+            </a:r>
+          </a:p>
+          <a:p>
+            <a:r>
+              <a:rPr lang="en-US" sz="1200" dirty="0" smtClean="0">
+                <a:latin typeface="Consolas" pitchFamily="49" charset="0"/>
+              </a:rPr>
+              <a:t>    public string Auteur { get; set; }</a:t>
+            </a:r>
+          </a:p>
+          <a:p>
+            <a:r>
+              <a:rPr lang="en-US" sz="1200" dirty="0" smtClean="0">
+                <a:latin typeface="Consolas" pitchFamily="49" charset="0"/>
+              </a:rPr>
+              <a:t>    public string </a:t>
+            </a:r>
+            <a:r>
+              <a:rPr lang="en-US" sz="1200" dirty="0" err="1" smtClean="0">
+                <a:latin typeface="Consolas" pitchFamily="49" charset="0"/>
+              </a:rPr>
+              <a:t>Inhoud</a:t>
+            </a:r>
+            <a:r>
+              <a:rPr lang="en-US" sz="1200" dirty="0" smtClean="0">
+                <a:latin typeface="Consolas" pitchFamily="49" charset="0"/>
+              </a:rPr>
+              <a:t> { get; set; }</a:t>
+            </a:r>
+          </a:p>
+          <a:p>
+            <a:r>
+              <a:rPr lang="en-US" sz="1200" dirty="0" smtClean="0">
+                <a:latin typeface="Consolas" pitchFamily="49" charset="0"/>
+              </a:rPr>
+              <a:t>}</a:t>
+            </a:r>
+          </a:p>
+        </p:txBody>
+      </p:sp>
+      <p:sp>
+        <p:nvSpPr>
+          <p:cNvPr id="6" name="Bent Arrow 5"/>
+          <p:cNvSpPr/>
+          <p:nvPr/>
+        </p:nvSpPr>
+        <p:spPr>
+          <a:xfrm rot="5400000">
+            <a:off x="5679289" y="1607331"/>
+            <a:ext cx="1285884" cy="642942"/>
+          </a:xfrm>
+          <a:prstGeom prst="bentArrow">
+            <a:avLst>
+              <a:gd name="adj1" fmla="val 25000"/>
+              <a:gd name="adj2" fmla="val 28232"/>
+              <a:gd name="adj3" fmla="val 25000"/>
+              <a:gd name="adj4" fmla="val 45043"/>
+            </a:avLst>
+          </a:prstGeom>
+          <a:solidFill>
+            <a:schemeClr val="accent6">
+              <a:lumMod val="40000"/>
+              <a:lumOff val="60000"/>
+            </a:schemeClr>
+          </a:solidFill>
+        </p:spPr>
+        <p:style>
+          <a:lnRef idx="2">
+            <a:schemeClr val="accent6"/>
+          </a:lnRef>
+          <a:fillRef idx="1">
+            <a:schemeClr val="lt1"/>
+          </a:fillRef>
+          <a:effectRef idx="0">
+            <a:schemeClr val="accent6"/>
+          </a:effectRef>
+          <a:fontRef idx="minor">
+            <a:schemeClr val="dk1"/>
+          </a:fontRef>
+        </p:style>
+        <p:txBody>
+          <a:bodyPr rtlCol="0" anchor="ctr"/>
+          <a:lstStyle/>
+          <a:p>
+            <a:pPr algn="ctr"/>
+            <a:endParaRPr lang="en-US">
+              <a:solidFill>
+                <a:schemeClr val="tx1"/>
+              </a:solidFill>
+            </a:endParaRPr>
+          </a:p>
+        </p:txBody>
+      </p:sp>
+      <p:sp>
+        <p:nvSpPr>
+          <p:cNvPr id="7" name="Rectangle 6"/>
+          <p:cNvSpPr/>
+          <p:nvPr/>
+        </p:nvSpPr>
+        <p:spPr>
+          <a:xfrm>
+            <a:off x="642910" y="4202676"/>
+            <a:ext cx="7786742" cy="369332"/>
+          </a:xfrm>
+          <a:prstGeom prst="rect">
+            <a:avLst/>
+          </a:prstGeom>
+        </p:spPr>
+        <p:style>
+          <a:lnRef idx="2">
+            <a:schemeClr val="accent6"/>
+          </a:lnRef>
+          <a:fillRef idx="1">
+            <a:schemeClr val="lt1"/>
+          </a:fillRef>
+          <a:effectRef idx="0">
+            <a:schemeClr val="accent6"/>
+          </a:effectRef>
+          <a:fontRef idx="minor">
+            <a:schemeClr val="dk1"/>
+          </a:fontRef>
+        </p:style>
+        <p:txBody>
+          <a:bodyPr wrap="square">
+            <a:spAutoFit/>
+          </a:bodyPr>
+          <a:lstStyle/>
+          <a:p>
+            <a:r>
+              <a:rPr lang="en-US" dirty="0" smtClean="0">
+                <a:latin typeface="Consolas" pitchFamily="49" charset="0"/>
+              </a:rPr>
+              <a:t>memos </a:t>
+            </a:r>
+            <a:r>
+              <a:rPr lang="en-US" dirty="0" smtClean="0">
+                <a:latin typeface="Consolas" pitchFamily="49" charset="0"/>
+              </a:rPr>
+              <a:t>= </a:t>
+            </a:r>
+            <a:r>
+              <a:rPr lang="en-US" dirty="0" err="1" smtClean="0">
+                <a:latin typeface="Consolas" pitchFamily="49" charset="0"/>
+              </a:rPr>
+              <a:t>Map.These</a:t>
+            </a:r>
+            <a:r>
+              <a:rPr lang="en-US" dirty="0" smtClean="0">
+                <a:latin typeface="Consolas" pitchFamily="49" charset="0"/>
+              </a:rPr>
+              <a:t>(</a:t>
+            </a:r>
+            <a:r>
+              <a:rPr lang="en-US" dirty="0" err="1" smtClean="0">
+                <a:latin typeface="Consolas" pitchFamily="49" charset="0"/>
+              </a:rPr>
+              <a:t>user.Memos</a:t>
+            </a:r>
+            <a:r>
+              <a:rPr lang="en-US" dirty="0" smtClean="0">
+                <a:latin typeface="Consolas" pitchFamily="49" charset="0"/>
+              </a:rPr>
+              <a:t>).</a:t>
+            </a:r>
+            <a:r>
+              <a:rPr lang="en-US" dirty="0" err="1" smtClean="0">
+                <a:latin typeface="Consolas" pitchFamily="49" charset="0"/>
+              </a:rPr>
+              <a:t>ToAListOf</a:t>
+            </a:r>
+            <a:r>
+              <a:rPr lang="en-US" dirty="0" smtClean="0">
+                <a:latin typeface="Consolas" pitchFamily="49" charset="0"/>
+              </a:rPr>
+              <a:t>&lt;</a:t>
+            </a:r>
+            <a:r>
+              <a:rPr lang="en-US" dirty="0" err="1" smtClean="0">
+                <a:latin typeface="Consolas" pitchFamily="49" charset="0"/>
+              </a:rPr>
+              <a:t>ViewMemoDto</a:t>
+            </a:r>
+            <a:r>
+              <a:rPr lang="en-US" dirty="0" smtClean="0">
+                <a:latin typeface="Consolas" pitchFamily="49" charset="0"/>
+              </a:rPr>
+              <a:t>&gt;();</a:t>
+            </a:r>
+            <a:endParaRPr lang="en-US" dirty="0">
+              <a:latin typeface="Consolas" pitchFamily="49" charset="0"/>
+            </a:endParaRPr>
+          </a:p>
+        </p:txBody>
+      </p:sp>
+      <p:sp>
+        <p:nvSpPr>
+          <p:cNvPr id="8" name="Rectangle 7"/>
+          <p:cNvSpPr/>
+          <p:nvPr/>
+        </p:nvSpPr>
+        <p:spPr>
+          <a:xfrm>
+            <a:off x="642910" y="4896161"/>
+            <a:ext cx="7786742" cy="369332"/>
+          </a:xfrm>
+          <a:prstGeom prst="rect">
+            <a:avLst/>
+          </a:prstGeom>
+        </p:spPr>
+        <p:style>
+          <a:lnRef idx="2">
+            <a:schemeClr val="accent6"/>
+          </a:lnRef>
+          <a:fillRef idx="1">
+            <a:schemeClr val="lt1"/>
+          </a:fillRef>
+          <a:effectRef idx="0">
+            <a:schemeClr val="accent6"/>
+          </a:effectRef>
+          <a:fontRef idx="minor">
+            <a:schemeClr val="dk1"/>
+          </a:fontRef>
+        </p:style>
+        <p:txBody>
+          <a:bodyPr wrap="square">
+            <a:spAutoFit/>
+          </a:bodyPr>
+          <a:lstStyle/>
+          <a:p>
+            <a:r>
+              <a:rPr lang="en-US" dirty="0" err="1" smtClean="0">
+                <a:latin typeface="Consolas" pitchFamily="49" charset="0"/>
+              </a:rPr>
+              <a:t>Mapper.CreateMap</a:t>
+            </a:r>
+            <a:r>
+              <a:rPr lang="en-US" dirty="0" smtClean="0">
+                <a:latin typeface="Consolas" pitchFamily="49" charset="0"/>
+              </a:rPr>
+              <a:t>&lt;Memo, </a:t>
+            </a:r>
+            <a:r>
+              <a:rPr lang="en-US" dirty="0" err="1" smtClean="0">
+                <a:latin typeface="Consolas" pitchFamily="49" charset="0"/>
+              </a:rPr>
+              <a:t>ViewMemoDto</a:t>
+            </a:r>
+            <a:r>
+              <a:rPr lang="en-US" dirty="0" smtClean="0">
+                <a:latin typeface="Consolas" pitchFamily="49" charset="0"/>
+              </a:rPr>
+              <a:t>&gt;();</a:t>
+            </a:r>
+            <a:endParaRPr lang="en-US" dirty="0">
+              <a:latin typeface="Consolas" pitchFamily="49" charset="0"/>
+            </a:endParaRPr>
           </a:p>
         </p:txBody>
       </p:sp>
@@ -5411,9 +8715,295 @@
   <p:timing>
     <p:tnLst>
       <p:par>
-        <p:cTn id="1" dur="indefinite" restart="never" nodeType="tmRoot"/>
+        <p:cTn id="1" dur="indefinite" restart="never" nodeType="tmRoot">
+          <p:childTnLst>
+            <p:seq concurrent="1" nextAc="seek">
+              <p:cTn id="2" dur="indefinite" nodeType="mainSeq">
+                <p:childTnLst>
+                  <p:par>
+                    <p:cTn id="3" fill="hold">
+                      <p:stCondLst>
+                        <p:cond delay="indefinite"/>
+                      </p:stCondLst>
+                      <p:childTnLst>
+                        <p:par>
+                          <p:cTn id="4" fill="hold">
+                            <p:stCondLst>
+                              <p:cond delay="0"/>
+                            </p:stCondLst>
+                            <p:childTnLst>
+                              <p:par>
+                                <p:cTn id="5" presetID="10" presetClass="entr" presetSubtype="0" fill="hold" grpId="1" nodeType="clickEffect">
+                                  <p:stCondLst>
+                                    <p:cond delay="0"/>
+                                  </p:stCondLst>
+                                  <p:childTnLst>
+                                    <p:set>
+                                      <p:cBhvr>
+                                        <p:cTn id="6" dur="1" fill="hold">
+                                          <p:stCondLst>
+                                            <p:cond delay="0"/>
+                                          </p:stCondLst>
+                                        </p:cTn>
+                                        <p:tgtEl>
+                                          <p:spTgt spid="4"/>
+                                        </p:tgtEl>
+                                        <p:attrNameLst>
+                                          <p:attrName>style.visibility</p:attrName>
+                                        </p:attrNameLst>
+                                      </p:cBhvr>
+                                      <p:to>
+                                        <p:strVal val="visible"/>
+                                      </p:to>
+                                    </p:set>
+                                    <p:animEffect transition="in" filter="fade">
+                                      <p:cBhvr>
+                                        <p:cTn id="7" dur="500"/>
+                                        <p:tgtEl>
+                                          <p:spTgt spid="4"/>
+                                        </p:tgtEl>
+                                      </p:cBhvr>
+                                    </p:animEffect>
+                                  </p:childTnLst>
+                                </p:cTn>
+                              </p:par>
+                            </p:childTnLst>
+                          </p:cTn>
+                        </p:par>
+                      </p:childTnLst>
+                    </p:cTn>
+                  </p:par>
+                  <p:par>
+                    <p:cTn id="8" fill="hold">
+                      <p:stCondLst>
+                        <p:cond delay="indefinite"/>
+                      </p:stCondLst>
+                      <p:childTnLst>
+                        <p:par>
+                          <p:cTn id="9" fill="hold">
+                            <p:stCondLst>
+                              <p:cond delay="0"/>
+                            </p:stCondLst>
+                            <p:childTnLst>
+                              <p:par>
+                                <p:cTn id="10" presetID="10" presetClass="entr" presetSubtype="0" fill="hold" grpId="0" nodeType="clickEffect">
+                                  <p:stCondLst>
+                                    <p:cond delay="0"/>
+                                  </p:stCondLst>
+                                  <p:childTnLst>
+                                    <p:set>
+                                      <p:cBhvr>
+                                        <p:cTn id="11" dur="1" fill="hold">
+                                          <p:stCondLst>
+                                            <p:cond delay="0"/>
+                                          </p:stCondLst>
+                                        </p:cTn>
+                                        <p:tgtEl>
+                                          <p:spTgt spid="5"/>
+                                        </p:tgtEl>
+                                        <p:attrNameLst>
+                                          <p:attrName>style.visibility</p:attrName>
+                                        </p:attrNameLst>
+                                      </p:cBhvr>
+                                      <p:to>
+                                        <p:strVal val="visible"/>
+                                      </p:to>
+                                    </p:set>
+                                    <p:animEffect transition="in" filter="fade">
+                                      <p:cBhvr>
+                                        <p:cTn id="12" dur="2000"/>
+                                        <p:tgtEl>
+                                          <p:spTgt spid="5"/>
+                                        </p:tgtEl>
+                                      </p:cBhvr>
+                                    </p:animEffect>
+                                  </p:childTnLst>
+                                </p:cTn>
+                              </p:par>
+                            </p:childTnLst>
+                          </p:cTn>
+                        </p:par>
+                        <p:par>
+                          <p:cTn id="13" fill="hold">
+                            <p:stCondLst>
+                              <p:cond delay="2000"/>
+                            </p:stCondLst>
+                            <p:childTnLst>
+                              <p:par>
+                                <p:cTn id="14" presetID="10" presetClass="entr" presetSubtype="0" fill="hold" grpId="0" nodeType="afterEffect">
+                                  <p:stCondLst>
+                                    <p:cond delay="0"/>
+                                  </p:stCondLst>
+                                  <p:childTnLst>
+                                    <p:set>
+                                      <p:cBhvr>
+                                        <p:cTn id="15" dur="1" fill="hold">
+                                          <p:stCondLst>
+                                            <p:cond delay="0"/>
+                                          </p:stCondLst>
+                                        </p:cTn>
+                                        <p:tgtEl>
+                                          <p:spTgt spid="6"/>
+                                        </p:tgtEl>
+                                        <p:attrNameLst>
+                                          <p:attrName>style.visibility</p:attrName>
+                                        </p:attrNameLst>
+                                      </p:cBhvr>
+                                      <p:to>
+                                        <p:strVal val="visible"/>
+                                      </p:to>
+                                    </p:set>
+                                    <p:animEffect transition="in" filter="fade">
+                                      <p:cBhvr>
+                                        <p:cTn id="16" dur="2000"/>
+                                        <p:tgtEl>
+                                          <p:spTgt spid="6"/>
+                                        </p:tgtEl>
+                                      </p:cBhvr>
+                                    </p:animEffect>
+                                  </p:childTnLst>
+                                </p:cTn>
+                              </p:par>
+                            </p:childTnLst>
+                          </p:cTn>
+                        </p:par>
+                      </p:childTnLst>
+                    </p:cTn>
+                  </p:par>
+                  <p:par>
+                    <p:cTn id="17" fill="hold">
+                      <p:stCondLst>
+                        <p:cond delay="indefinite"/>
+                      </p:stCondLst>
+                      <p:childTnLst>
+                        <p:par>
+                          <p:cTn id="18" fill="hold">
+                            <p:stCondLst>
+                              <p:cond delay="0"/>
+                            </p:stCondLst>
+                            <p:childTnLst>
+                              <p:par>
+                                <p:cTn id="19" presetID="10" presetClass="entr" presetSubtype="0" fill="hold" grpId="0" nodeType="clickEffect">
+                                  <p:stCondLst>
+                                    <p:cond delay="0"/>
+                                  </p:stCondLst>
+                                  <p:childTnLst>
+                                    <p:set>
+                                      <p:cBhvr>
+                                        <p:cTn id="20" dur="1" fill="hold">
+                                          <p:stCondLst>
+                                            <p:cond delay="0"/>
+                                          </p:stCondLst>
+                                        </p:cTn>
+                                        <p:tgtEl>
+                                          <p:spTgt spid="7"/>
+                                        </p:tgtEl>
+                                        <p:attrNameLst>
+                                          <p:attrName>style.visibility</p:attrName>
+                                        </p:attrNameLst>
+                                      </p:cBhvr>
+                                      <p:to>
+                                        <p:strVal val="visible"/>
+                                      </p:to>
+                                    </p:set>
+                                    <p:animEffect transition="in" filter="fade">
+                                      <p:cBhvr>
+                                        <p:cTn id="21" dur="2000"/>
+                                        <p:tgtEl>
+                                          <p:spTgt spid="7"/>
+                                        </p:tgtEl>
+                                      </p:cBhvr>
+                                    </p:animEffect>
+                                  </p:childTnLst>
+                                </p:cTn>
+                              </p:par>
+                            </p:childTnLst>
+                          </p:cTn>
+                        </p:par>
+                      </p:childTnLst>
+                    </p:cTn>
+                  </p:par>
+                  <p:par>
+                    <p:cTn id="22" fill="hold">
+                      <p:stCondLst>
+                        <p:cond delay="indefinite"/>
+                      </p:stCondLst>
+                      <p:childTnLst>
+                        <p:par>
+                          <p:cTn id="23" fill="hold">
+                            <p:stCondLst>
+                              <p:cond delay="0"/>
+                            </p:stCondLst>
+                            <p:childTnLst>
+                              <p:par>
+                                <p:cTn id="24" presetID="10" presetClass="entr" presetSubtype="0" fill="hold" grpId="0" nodeType="clickEffect">
+                                  <p:stCondLst>
+                                    <p:cond delay="0"/>
+                                  </p:stCondLst>
+                                  <p:childTnLst>
+                                    <p:set>
+                                      <p:cBhvr>
+                                        <p:cTn id="25" dur="1" fill="hold">
+                                          <p:stCondLst>
+                                            <p:cond delay="0"/>
+                                          </p:stCondLst>
+                                        </p:cTn>
+                                        <p:tgtEl>
+                                          <p:spTgt spid="8"/>
+                                        </p:tgtEl>
+                                        <p:attrNameLst>
+                                          <p:attrName>style.visibility</p:attrName>
+                                        </p:attrNameLst>
+                                      </p:cBhvr>
+                                      <p:to>
+                                        <p:strVal val="visible"/>
+                                      </p:to>
+                                    </p:set>
+                                    <p:animEffect transition="in" filter="fade">
+                                      <p:cBhvr>
+                                        <p:cTn id="26" dur="2000"/>
+                                        <p:tgtEl>
+                                          <p:spTgt spid="8"/>
+                                        </p:tgtEl>
+                                      </p:cBhvr>
+                                    </p:animEffect>
+                                  </p:childTnLst>
+                                </p:cTn>
+                              </p:par>
+                            </p:childTnLst>
+                          </p:cTn>
+                        </p:par>
+                      </p:childTnLst>
+                    </p:cTn>
+                  </p:par>
+                </p:childTnLst>
+              </p:cTn>
+              <p:prevCondLst>
+                <p:cond evt="onPrev" delay="0">
+                  <p:tgtEl>
+                    <p:sldTgt/>
+                  </p:tgtEl>
+                </p:cond>
+              </p:prevCondLst>
+              <p:nextCondLst>
+                <p:cond evt="onNext" delay="0">
+                  <p:tgtEl>
+                    <p:sldTgt/>
+                  </p:tgtEl>
+                </p:cond>
+              </p:nextCondLst>
+            </p:seq>
+          </p:childTnLst>
+        </p:cTn>
       </p:par>
     </p:tnLst>
+    <p:bldLst>
+      <p:bldP spid="4" grpId="1" animBg="1"/>
+      <p:bldP spid="5" grpId="0" animBg="1"/>
+      <p:bldP spid="6" grpId="0" animBg="1"/>
+      <p:bldP spid="7" grpId="0" animBg="1"/>
+      <p:bldP spid="8" grpId="0" animBg="1"/>
+    </p:bldLst>
   </p:timing>
 </p:sld>
 </file>
@@ -5452,7 +9042,11 @@
           <a:p>
             <a:r>
               <a:rPr lang="nl-BE" dirty="0" smtClean="0"/>
-              <a:t>Domain: Mapping</a:t>
+              <a:t>Domain:</a:t>
+            </a:r>
+            <a:r>
+              <a:rPr lang="nl-BE" baseline="0" dirty="0" smtClean="0"/>
+              <a:t> Entities</a:t>
             </a:r>
             <a:endParaRPr lang="en-US" dirty="0"/>
           </a:p>
@@ -5521,16 +9115,14 @@
         </p:nvSpPr>
         <p:spPr/>
         <p:txBody>
-          <a:bodyPr/>
+          <a:bodyPr>
+            <a:normAutofit fontScale="90000"/>
+          </a:bodyPr>
           <a:lstStyle/>
           <a:p>
             <a:r>
               <a:rPr lang="nl-BE" dirty="0" smtClean="0"/>
-              <a:t>Domain:</a:t>
-            </a:r>
-            <a:r>
-              <a:rPr lang="nl-BE" baseline="0" dirty="0" smtClean="0"/>
-              <a:t> Entities</a:t>
+              <a:t>Domain: Validation with attributes</a:t>
             </a:r>
             <a:endParaRPr lang="en-US" dirty="0"/>
           </a:p>
@@ -5600,13 +9192,17 @@
         <p:spPr/>
         <p:txBody>
           <a:bodyPr>
-            <a:normAutofit/>
+            <a:normAutofit fontScale="90000"/>
           </a:bodyPr>
           <a:lstStyle/>
           <a:p>
             <a:r>
               <a:rPr lang="nl-BE" dirty="0" smtClean="0"/>
-              <a:t>Domain: Validation with attributes</a:t>
+              <a:t>Domain: Loose</a:t>
+            </a:r>
+            <a:r>
+              <a:rPr lang="nl-BE" baseline="0" dirty="0" smtClean="0"/>
+              <a:t> coupling with Spring.net</a:t>
             </a:r>
             <a:endParaRPr lang="en-US" dirty="0"/>
           </a:p>
@@ -5675,18 +9271,16 @@
         </p:nvSpPr>
         <p:spPr/>
         <p:txBody>
-          <a:bodyPr>
-            <a:normAutofit fontScale="90000"/>
-          </a:bodyPr>
+          <a:bodyPr/>
           <a:lstStyle/>
           <a:p>
             <a:r>
               <a:rPr lang="nl-BE" dirty="0" smtClean="0"/>
-              <a:t>Domain: Loose</a:t>
+              <a:t>Data:</a:t>
             </a:r>
             <a:r>
               <a:rPr lang="nl-BE" baseline="0" dirty="0" smtClean="0"/>
-              <a:t> coupling with Spring.net</a:t>
+              <a:t> Nhibernate</a:t>
             </a:r>
             <a:endParaRPr lang="en-US" dirty="0"/>
           </a:p>
@@ -5727,6 +9321,281 @@
 </file>
 
 <file path=ppt/theme/theme1.xml><?xml version="1.0" encoding="utf-8"?>
+<a:theme xmlns:a="http://schemas.openxmlformats.org/drawingml/2006/main" name="Aspect">
+  <a:themeElements>
+    <a:clrScheme name="Aspect">
+      <a:dk1>
+        <a:sysClr val="windowText" lastClr="000000"/>
+      </a:dk1>
+      <a:lt1>
+        <a:sysClr val="window" lastClr="FFFFFF"/>
+      </a:lt1>
+      <a:dk2>
+        <a:srgbClr val="323232"/>
+      </a:dk2>
+      <a:lt2>
+        <a:srgbClr val="E3DED1"/>
+      </a:lt2>
+      <a:accent1>
+        <a:srgbClr val="F07F09"/>
+      </a:accent1>
+      <a:accent2>
+        <a:srgbClr val="9F2936"/>
+      </a:accent2>
+      <a:accent3>
+        <a:srgbClr val="1B587C"/>
+      </a:accent3>
+      <a:accent4>
+        <a:srgbClr val="4E8542"/>
+      </a:accent4>
+      <a:accent5>
+        <a:srgbClr val="604878"/>
+      </a:accent5>
+      <a:accent6>
+        <a:srgbClr val="C19859"/>
+      </a:accent6>
+      <a:hlink>
+        <a:srgbClr val="6B9F25"/>
+      </a:hlink>
+      <a:folHlink>
+        <a:srgbClr val="B26B02"/>
+      </a:folHlink>
+    </a:clrScheme>
+    <a:fontScheme name="Aspect">
+      <a:majorFont>
+        <a:latin typeface="Verdana"/>
+        <a:ea typeface=""/>
+        <a:cs typeface=""/>
+        <a:font script="Jpan" typeface="ＭＳ ゴシック"/>
+        <a:font script="Hang" typeface="굴림"/>
+        <a:font script="Hans" typeface="微软雅黑"/>
+        <a:font script="Hant" typeface="微軟正黑體"/>
+        <a:font script="Arab" typeface="Tahoma"/>
+        <a:font script="Hebr" typeface="Tahoma"/>
+        <a:font script="Thai" typeface="FreesiaUPC"/>
+        <a:font script="Ethi" typeface="Nyala"/>
+        <a:font script="Beng" typeface="Vrinda"/>
+        <a:font script="Gujr" typeface="Shruti"/>
+        <a:font script="Khmr" typeface="DaunPenh"/>
+        <a:font script="Knda" typeface="Tunga"/>
+        <a:font script="Guru" typeface="Raavi"/>
+        <a:font script="Cans" typeface="Euphemia"/>
+        <a:font script="Cher" typeface="Plantagenet Cherokee"/>
+        <a:font script="Yiii" typeface="Microsoft Yi Baiti"/>
+        <a:font script="Tibt" typeface="Microsoft Himalaya"/>
+        <a:font script="Thaa" typeface="MV Boli"/>
+        <a:font script="Deva" typeface="Mangal"/>
+        <a:font script="Telu" typeface="Gautami"/>
+        <a:font script="Taml" typeface="Latha"/>
+        <a:font script="Syrc" typeface="Estrangelo Edessa"/>
+        <a:font script="Orya" typeface="Kalinga"/>
+        <a:font script="Mlym" typeface="Kartika"/>
+        <a:font script="Laoo" typeface="DokChampa"/>
+        <a:font script="Sinh" typeface="Iskoola Pota"/>
+        <a:font script="Mong" typeface="Mongolian Baiti"/>
+        <a:font script="Viet" typeface="Verdana"/>
+        <a:font script="Uigh" typeface="Microsoft Uighur"/>
+      </a:majorFont>
+      <a:minorFont>
+        <a:latin typeface="Verdana"/>
+        <a:ea typeface=""/>
+        <a:cs typeface=""/>
+        <a:font script="Jpan" typeface="ＭＳ ゴシック"/>
+        <a:font script="Hang" typeface="굴림"/>
+        <a:font script="Hans" typeface="微软雅黑"/>
+        <a:font script="Hant" typeface="微軟正黑體"/>
+        <a:font script="Arab" typeface="Tahoma"/>
+        <a:font script="Hebr" typeface="Tahoma"/>
+        <a:font script="Thai" typeface="FreesiaUPC"/>
+        <a:font script="Ethi" typeface="Nyala"/>
+        <a:font script="Beng" typeface="Vrinda"/>
+        <a:font script="Gujr" typeface="Shruti"/>
+        <a:font script="Khmr" typeface="DaunPenh"/>
+        <a:font script="Knda" typeface="Tunga"/>
+        <a:font script="Guru" typeface="Raavi"/>
+        <a:font script="Cans" typeface="Euphemia"/>
+        <a:font script="Cher" typeface="Plantagenet Cherokee"/>
+        <a:font script="Yiii" typeface="Microsoft Yi Baiti"/>
+        <a:font script="Tibt" typeface="Microsoft Himalaya"/>
+        <a:font script="Thaa" typeface="MV Boli"/>
+        <a:font script="Deva" typeface="Mangal"/>
+        <a:font script="Telu" typeface="Gautami"/>
+        <a:font script="Taml" typeface="Latha"/>
+        <a:font script="Syrc" typeface="Estrangelo Edessa"/>
+        <a:font script="Orya" typeface="Kalinga"/>
+        <a:font script="Mlym" typeface="Kartika"/>
+        <a:font script="Laoo" typeface="DokChampa"/>
+        <a:font script="Sinh" typeface="Iskoola Pota"/>
+        <a:font script="Mong" typeface="Mongolian Baiti"/>
+        <a:font script="Viet" typeface="Verdana"/>
+        <a:font script="Uigh" typeface="Microsoft Uighur"/>
+      </a:minorFont>
+    </a:fontScheme>
+    <a:fmtScheme name="Aspect">
+      <a:fillStyleLst>
+        <a:solidFill>
+          <a:schemeClr val="phClr"/>
+        </a:solidFill>
+        <a:gradFill rotWithShape="1">
+          <a:gsLst>
+            <a:gs pos="0">
+              <a:schemeClr val="phClr">
+                <a:tint val="65000"/>
+                <a:satMod val="270000"/>
+              </a:schemeClr>
+            </a:gs>
+            <a:gs pos="25000">
+              <a:schemeClr val="phClr">
+                <a:tint val="60000"/>
+                <a:satMod val="300000"/>
+              </a:schemeClr>
+            </a:gs>
+            <a:gs pos="100000">
+              <a:schemeClr val="phClr">
+                <a:tint val="29000"/>
+                <a:satMod val="400000"/>
+              </a:schemeClr>
+            </a:gs>
+          </a:gsLst>
+          <a:lin ang="16200000" scaled="1"/>
+        </a:gradFill>
+        <a:gradFill rotWithShape="1">
+          <a:gsLst>
+            <a:gs pos="0">
+              <a:schemeClr val="phClr">
+                <a:shade val="45000"/>
+                <a:satMod val="155000"/>
+              </a:schemeClr>
+            </a:gs>
+            <a:gs pos="60000">
+              <a:schemeClr val="phClr">
+                <a:shade val="95000"/>
+                <a:satMod val="150000"/>
+              </a:schemeClr>
+            </a:gs>
+            <a:gs pos="100000">
+              <a:schemeClr val="phClr">
+                <a:tint val="87000"/>
+                <a:satMod val="250000"/>
+              </a:schemeClr>
+            </a:gs>
+          </a:gsLst>
+          <a:lin ang="16200000" scaled="0"/>
+        </a:gradFill>
+      </a:fillStyleLst>
+      <a:lnStyleLst>
+        <a:ln w="9525" cap="flat" cmpd="sng" algn="ctr">
+          <a:solidFill>
+            <a:schemeClr val="phClr">
+              <a:satMod val="150000"/>
+            </a:schemeClr>
+          </a:solidFill>
+          <a:prstDash val="solid"/>
+        </a:ln>
+        <a:ln w="42500" cap="flat" cmpd="sng" algn="ctr">
+          <a:solidFill>
+            <a:schemeClr val="phClr"/>
+          </a:solidFill>
+          <a:prstDash val="solid"/>
+        </a:ln>
+        <a:ln w="38100" cap="flat" cmpd="sng" algn="ctr">
+          <a:solidFill>
+            <a:schemeClr val="phClr"/>
+          </a:solidFill>
+          <a:prstDash val="solid"/>
+        </a:ln>
+      </a:lnStyleLst>
+      <a:effectStyleLst>
+        <a:effectStyle>
+          <a:effectLst>
+            <a:outerShdw blurRad="65500" dist="38100" dir="5400000" rotWithShape="0">
+              <a:srgbClr val="000000">
+                <a:alpha val="40000"/>
+              </a:srgbClr>
+            </a:outerShdw>
+          </a:effectLst>
+        </a:effectStyle>
+        <a:effectStyle>
+          <a:effectLst>
+            <a:outerShdw blurRad="65500" dist="38100" dir="5400000" rotWithShape="0">
+              <a:srgbClr val="000000">
+                <a:alpha val="40000"/>
+              </a:srgbClr>
+            </a:outerShdw>
+          </a:effectLst>
+        </a:effectStyle>
+        <a:effectStyle>
+          <a:effectLst>
+            <a:outerShdw blurRad="65500" dist="38100" dir="5400000" rotWithShape="0">
+              <a:srgbClr val="000000">
+                <a:alpha val="40000"/>
+              </a:srgbClr>
+            </a:outerShdw>
+          </a:effectLst>
+          <a:scene3d>
+            <a:camera prst="orthographicFront" fov="0">
+              <a:rot lat="0" lon="0" rev="0"/>
+            </a:camera>
+            <a:lightRig rig="contrasting" dir="t">
+              <a:rot lat="0" lon="0" rev="12000000"/>
+            </a:lightRig>
+          </a:scene3d>
+          <a:sp3d prstMaterial="powder">
+            <a:bevelT h="50800"/>
+          </a:sp3d>
+        </a:effectStyle>
+      </a:effectStyleLst>
+      <a:bgFillStyleLst>
+        <a:solidFill>
+          <a:schemeClr val="phClr"/>
+        </a:solidFill>
+        <a:gradFill rotWithShape="1">
+          <a:gsLst>
+            <a:gs pos="0">
+              <a:schemeClr val="phClr">
+                <a:shade val="35000"/>
+                <a:satMod val="150000"/>
+              </a:schemeClr>
+            </a:gs>
+            <a:gs pos="45000">
+              <a:schemeClr val="phClr">
+                <a:shade val="68000"/>
+                <a:satMod val="155000"/>
+              </a:schemeClr>
+            </a:gs>
+            <a:gs pos="100000">
+              <a:schemeClr val="phClr">
+                <a:tint val="70000"/>
+                <a:satMod val="175000"/>
+              </a:schemeClr>
+            </a:gs>
+          </a:gsLst>
+          <a:lin ang="16200000" scaled="0"/>
+        </a:gradFill>
+        <a:blipFill>
+          <a:blip xmlns:r="http://schemas.openxmlformats.org/officeDocument/2006/relationships" r:embed="rId1">
+            <a:duotone>
+              <a:schemeClr val="phClr">
+                <a:shade val="800"/>
+                <a:satMod val="150000"/>
+              </a:schemeClr>
+              <a:schemeClr val="phClr">
+                <a:tint val="80000"/>
+                <a:satMod val="150000"/>
+              </a:schemeClr>
+            </a:duotone>
+          </a:blip>
+          <a:tile tx="0" ty="0" sx="75000" sy="75000" flip="none" algn="tl"/>
+        </a:blipFill>
+      </a:bgFillStyleLst>
+    </a:fmtScheme>
+  </a:themeElements>
+  <a:objectDefaults/>
+  <a:extraClrSchemeLst/>
+</a:theme>
+</file>
+
+<file path=ppt/theme/theme2.xml><?xml version="1.0" encoding="utf-8"?>
 <a:theme xmlns:a="http://schemas.openxmlformats.org/drawingml/2006/main" name="Office Theme">
   <a:themeElements>
     <a:clrScheme name="Office">

--- a/slides/Technical Session/Lessons learned.pptx
+++ b/slides/Technical Session/Lessons learned.pptx
@@ -5,7 +5,7 @@
     <p:sldMasterId id="2147483708" r:id="rId1"/>
   </p:sldMasterIdLst>
   <p:notesMasterIdLst>
-    <p:notesMasterId r:id="rId17"/>
+    <p:notesMasterId r:id="rId24"/>
   </p:notesMasterIdLst>
   <p:sldIdLst>
     <p:sldId id="256" r:id="rId2"/>
@@ -23,6 +23,13 @@
     <p:sldId id="268" r:id="rId14"/>
     <p:sldId id="270" r:id="rId15"/>
     <p:sldId id="271" r:id="rId16"/>
+    <p:sldId id="272" r:id="rId17"/>
+    <p:sldId id="273" r:id="rId18"/>
+    <p:sldId id="274" r:id="rId19"/>
+    <p:sldId id="275" r:id="rId20"/>
+    <p:sldId id="276" r:id="rId21"/>
+    <p:sldId id="277" r:id="rId22"/>
+    <p:sldId id="278" r:id="rId23"/>
   </p:sldIdLst>
   <p:sldSz cx="9144000" cy="6858000" type="screen4x3"/>
   <p:notesSz cx="6858000" cy="9144000"/>
@@ -206,7 +213,8 @@
           <a:p>
             <a:fld id="{02F51393-7E35-4018-BC05-EF5CF32CD707}" type="datetimeFigureOut">
               <a:rPr lang="en-US" smtClean="0"/>
-              <a:t>6/15/2009</a:t>
+              <a:pPr/>
+              <a:t>6/16/2009</a:t>
             </a:fld>
             <a:endParaRPr lang="en-US"/>
           </a:p>
@@ -367,6 +375,7 @@
           <a:p>
             <a:fld id="{A3A69900-B1F8-4025-BE3C-AA14704478CA}" type="slidenum">
               <a:rPr lang="en-US" smtClean="0"/>
+              <a:pPr/>
               <a:t>‹#›</a:t>
             </a:fld>
             <a:endParaRPr lang="en-US"/>
@@ -538,6 +547,7 @@
           <a:p>
             <a:fld id="{A3A69900-B1F8-4025-BE3C-AA14704478CA}" type="slidenum">
               <a:rPr lang="en-US" smtClean="0"/>
+              <a:pPr/>
               <a:t>2</a:t>
             </a:fld>
             <a:endParaRPr lang="en-US"/>
@@ -859,7 +869,7 @@
             <a:fld id="{4103763D-A27D-454E-8A4F-CA208A7ACAEE}" type="datetimeFigureOut">
               <a:rPr lang="en-US" smtClean="0"/>
               <a:pPr/>
-              <a:t>6/15/2009</a:t>
+              <a:t>6/16/2009</a:t>
             </a:fld>
             <a:endParaRPr lang="en-US"/>
           </a:p>
@@ -1046,7 +1056,7 @@
             <a:fld id="{4103763D-A27D-454E-8A4F-CA208A7ACAEE}" type="datetimeFigureOut">
               <a:rPr lang="en-US" smtClean="0"/>
               <a:pPr/>
-              <a:t>6/15/2009</a:t>
+              <a:t>6/16/2009</a:t>
             </a:fld>
             <a:endParaRPr lang="en-US"/>
           </a:p>
@@ -1233,7 +1243,7 @@
             <a:fld id="{4103763D-A27D-454E-8A4F-CA208A7ACAEE}" type="datetimeFigureOut">
               <a:rPr lang="en-US" smtClean="0"/>
               <a:pPr/>
-              <a:t>6/15/2009</a:t>
+              <a:t>6/16/2009</a:t>
             </a:fld>
             <a:endParaRPr lang="en-US"/>
           </a:p>
@@ -1420,7 +1430,7 @@
             <a:fld id="{4103763D-A27D-454E-8A4F-CA208A7ACAEE}" type="datetimeFigureOut">
               <a:rPr lang="en-US" smtClean="0"/>
               <a:pPr/>
-              <a:t>6/15/2009</a:t>
+              <a:t>6/16/2009</a:t>
             </a:fld>
             <a:endParaRPr lang="en-US"/>
           </a:p>
@@ -1803,7 +1813,7 @@
             <a:fld id="{4103763D-A27D-454E-8A4F-CA208A7ACAEE}" type="datetimeFigureOut">
               <a:rPr lang="en-US" smtClean="0"/>
               <a:pPr/>
-              <a:t>6/15/2009</a:t>
+              <a:t>6/16/2009</a:t>
             </a:fld>
             <a:endParaRPr lang="en-US"/>
           </a:p>
@@ -2074,7 +2084,7 @@
             <a:fld id="{4103763D-A27D-454E-8A4F-CA208A7ACAEE}" type="datetimeFigureOut">
               <a:rPr lang="en-US" smtClean="0"/>
               <a:pPr/>
-              <a:t>6/15/2009</a:t>
+              <a:t>6/16/2009</a:t>
             </a:fld>
             <a:endParaRPr lang="en-US"/>
           </a:p>
@@ -2461,7 +2471,7 @@
             <a:fld id="{4103763D-A27D-454E-8A4F-CA208A7ACAEE}" type="datetimeFigureOut">
               <a:rPr lang="en-US" smtClean="0"/>
               <a:pPr/>
-              <a:t>6/15/2009</a:t>
+              <a:t>6/16/2009</a:t>
             </a:fld>
             <a:endParaRPr lang="en-US"/>
           </a:p>
@@ -2584,7 +2594,7 @@
             <a:fld id="{4103763D-A27D-454E-8A4F-CA208A7ACAEE}" type="datetimeFigureOut">
               <a:rPr lang="en-US" smtClean="0"/>
               <a:pPr/>
-              <a:t>6/15/2009</a:t>
+              <a:t>6/16/2009</a:t>
             </a:fld>
             <a:endParaRPr lang="en-US"/>
           </a:p>
@@ -2766,7 +2776,7 @@
             <a:fld id="{4103763D-A27D-454E-8A4F-CA208A7ACAEE}" type="datetimeFigureOut">
               <a:rPr lang="en-US" smtClean="0"/>
               <a:pPr/>
-              <a:t>6/15/2009</a:t>
+              <a:t>6/16/2009</a:t>
             </a:fld>
             <a:endParaRPr lang="en-US"/>
           </a:p>
@@ -3102,7 +3112,7 @@
             <a:fld id="{4103763D-A27D-454E-8A4F-CA208A7ACAEE}" type="datetimeFigureOut">
               <a:rPr lang="en-US" smtClean="0"/>
               <a:pPr/>
-              <a:t>6/15/2009</a:t>
+              <a:t>6/16/2009</a:t>
             </a:fld>
             <a:endParaRPr lang="en-US"/>
           </a:p>
@@ -3473,7 +3483,7 @@
             <a:fld id="{4103763D-A27D-454E-8A4F-CA208A7ACAEE}" type="datetimeFigureOut">
               <a:rPr lang="en-US" smtClean="0"/>
               <a:pPr/>
-              <a:t>6/15/2009</a:t>
+              <a:t>6/16/2009</a:t>
             </a:fld>
             <a:endParaRPr lang="en-US"/>
           </a:p>
@@ -3893,7 +3903,7 @@
             <a:fld id="{4103763D-A27D-454E-8A4F-CA208A7ACAEE}" type="datetimeFigureOut">
               <a:rPr lang="en-US" smtClean="0"/>
               <a:pPr/>
-              <a:t>6/15/2009</a:t>
+              <a:t>6/16/2009</a:t>
             </a:fld>
             <a:endParaRPr lang="en-US"/>
           </a:p>
@@ -4760,15 +4770,7 @@
           <a:p>
             <a:r>
               <a:rPr lang="nl-BE" dirty="0" smtClean="0"/>
-              <a:t>Extension </a:t>
-            </a:r>
-            <a:r>
-              <a:rPr lang="nl-BE" dirty="0" smtClean="0"/>
-              <a:t>methods and lambda </a:t>
-            </a:r>
-            <a:r>
-              <a:rPr lang="nl-BE" dirty="0" smtClean="0"/>
-              <a:t>expressions</a:t>
+              <a:t>Extension methods and lambda expressions</a:t>
             </a:r>
           </a:p>
         </p:txBody>
@@ -4864,16 +4866,7 @@
                 </a:solidFill>
                 <a:latin typeface="Consolas" pitchFamily="49" charset="0"/>
               </a:rPr>
-              <a:t>i</a:t>
-            </a:r>
-            <a:r>
-              <a:rPr lang="nl-BE" sz="1400" dirty="0" smtClean="0">
-                <a:solidFill>
-                  <a:srgbClr val="0070C0"/>
-                </a:solidFill>
-                <a:latin typeface="Consolas" pitchFamily="49" charset="0"/>
-              </a:rPr>
-              <a:t>f</a:t>
+              <a:t>if</a:t>
             </a:r>
             <a:r>
               <a:rPr lang="nl-BE" sz="1400" dirty="0" smtClean="0">
@@ -4917,9 +4910,6 @@
               </a:rPr>
               <a:t>(2009)))</a:t>
             </a:r>
-            <a:endParaRPr lang="nl-BE" sz="1400" dirty="0" smtClean="0">
-              <a:latin typeface="Consolas" pitchFamily="49" charset="0"/>
-            </a:endParaRPr>
           </a:p>
           <a:p>
             <a:r>
@@ -4962,13 +4952,7 @@
               <a:rPr lang="en-US" sz="1400" dirty="0" smtClean="0">
                 <a:latin typeface="Consolas" pitchFamily="49" charset="0"/>
               </a:rPr>
-              <a:t>	</a:t>
-            </a:r>
-            <a:r>
-              <a:rPr lang="en-US" sz="1400" dirty="0" smtClean="0">
-                <a:latin typeface="Consolas" pitchFamily="49" charset="0"/>
-              </a:rPr>
-              <a:t>.</a:t>
+              <a:t>	.</a:t>
             </a:r>
             <a:r>
               <a:rPr lang="en-US" sz="1400" dirty="0" err="1" smtClean="0">
@@ -5036,19 +5020,7 @@
               <a:rPr lang="en-US" sz="1400" dirty="0" smtClean="0">
                 <a:latin typeface="Consolas" pitchFamily="49" charset="0"/>
               </a:rPr>
-              <a:t>	</a:t>
-            </a:r>
-            <a:r>
-              <a:rPr lang="en-US" sz="1400" dirty="0" smtClean="0">
-                <a:latin typeface="Consolas" pitchFamily="49" charset="0"/>
-              </a:rPr>
-              <a:t>.</a:t>
-            </a:r>
-            <a:r>
-              <a:rPr lang="en-US" sz="1400" dirty="0" smtClean="0">
-                <a:latin typeface="Consolas" pitchFamily="49" charset="0"/>
-              </a:rPr>
-              <a:t>Return(</a:t>
+              <a:t>	.Return(</a:t>
             </a:r>
             <a:r>
               <a:rPr lang="en-US" sz="1400" dirty="0" err="1" smtClean="0">
@@ -5081,9 +5053,426 @@
   <p:timing>
     <p:tnLst>
       <p:par>
-        <p:cTn id="1" dur="indefinite" restart="never" nodeType="tmRoot"/>
+        <p:cTn id="1" dur="indefinite" restart="never" nodeType="tmRoot">
+          <p:childTnLst>
+            <p:seq concurrent="1" nextAc="seek">
+              <p:cTn id="2" dur="indefinite" nodeType="mainSeq">
+                <p:childTnLst>
+                  <p:par>
+                    <p:cTn id="3" fill="hold">
+                      <p:stCondLst>
+                        <p:cond delay="indefinite"/>
+                      </p:stCondLst>
+                      <p:childTnLst>
+                        <p:par>
+                          <p:cTn id="4" fill="hold">
+                            <p:stCondLst>
+                              <p:cond delay="0"/>
+                            </p:stCondLst>
+                            <p:childTnLst>
+                              <p:par>
+                                <p:cTn id="5" presetID="10" presetClass="entr" presetSubtype="0" fill="hold" grpId="0" nodeType="clickEffect">
+                                  <p:stCondLst>
+                                    <p:cond delay="0"/>
+                                  </p:stCondLst>
+                                  <p:childTnLst>
+                                    <p:set>
+                                      <p:cBhvr>
+                                        <p:cTn id="6" dur="1" fill="hold">
+                                          <p:stCondLst>
+                                            <p:cond delay="0"/>
+                                          </p:stCondLst>
+                                        </p:cTn>
+                                        <p:tgtEl>
+                                          <p:spTgt spid="4">
+                                            <p:txEl>
+                                              <p:pRg st="0" end="0"/>
+                                            </p:txEl>
+                                          </p:spTgt>
+                                        </p:tgtEl>
+                                        <p:attrNameLst>
+                                          <p:attrName>style.visibility</p:attrName>
+                                        </p:attrNameLst>
+                                      </p:cBhvr>
+                                      <p:to>
+                                        <p:strVal val="visible"/>
+                                      </p:to>
+                                    </p:set>
+                                    <p:animEffect transition="in" filter="fade">
+                                      <p:cBhvr>
+                                        <p:cTn id="7" dur="2000"/>
+                                        <p:tgtEl>
+                                          <p:spTgt spid="4">
+                                            <p:txEl>
+                                              <p:pRg st="0" end="0"/>
+                                            </p:txEl>
+                                          </p:spTgt>
+                                        </p:tgtEl>
+                                      </p:cBhvr>
+                                    </p:animEffect>
+                                  </p:childTnLst>
+                                </p:cTn>
+                              </p:par>
+                            </p:childTnLst>
+                          </p:cTn>
+                        </p:par>
+                        <p:par>
+                          <p:cTn id="8" fill="hold">
+                            <p:stCondLst>
+                              <p:cond delay="2000"/>
+                            </p:stCondLst>
+                            <p:childTnLst>
+                              <p:par>
+                                <p:cTn id="9" presetID="10" presetClass="entr" presetSubtype="0" fill="hold" grpId="0" nodeType="afterEffect">
+                                  <p:stCondLst>
+                                    <p:cond delay="0"/>
+                                  </p:stCondLst>
+                                  <p:childTnLst>
+                                    <p:set>
+                                      <p:cBhvr>
+                                        <p:cTn id="10" dur="1" fill="hold">
+                                          <p:stCondLst>
+                                            <p:cond delay="0"/>
+                                          </p:stCondLst>
+                                        </p:cTn>
+                                        <p:tgtEl>
+                                          <p:spTgt spid="4">
+                                            <p:txEl>
+                                              <p:pRg st="1" end="1"/>
+                                            </p:txEl>
+                                          </p:spTgt>
+                                        </p:tgtEl>
+                                        <p:attrNameLst>
+                                          <p:attrName>style.visibility</p:attrName>
+                                        </p:attrNameLst>
+                                      </p:cBhvr>
+                                      <p:to>
+                                        <p:strVal val="visible"/>
+                                      </p:to>
+                                    </p:set>
+                                    <p:animEffect transition="in" filter="fade">
+                                      <p:cBhvr>
+                                        <p:cTn id="11" dur="2000"/>
+                                        <p:tgtEl>
+                                          <p:spTgt spid="4">
+                                            <p:txEl>
+                                              <p:pRg st="1" end="1"/>
+                                            </p:txEl>
+                                          </p:spTgt>
+                                        </p:tgtEl>
+                                      </p:cBhvr>
+                                    </p:animEffect>
+                                  </p:childTnLst>
+                                </p:cTn>
+                              </p:par>
+                            </p:childTnLst>
+                          </p:cTn>
+                        </p:par>
+                      </p:childTnLst>
+                    </p:cTn>
+                  </p:par>
+                  <p:par>
+                    <p:cTn id="12" fill="hold">
+                      <p:stCondLst>
+                        <p:cond delay="indefinite"/>
+                      </p:stCondLst>
+                      <p:childTnLst>
+                        <p:par>
+                          <p:cTn id="13" fill="hold">
+                            <p:stCondLst>
+                              <p:cond delay="0"/>
+                            </p:stCondLst>
+                            <p:childTnLst>
+                              <p:par>
+                                <p:cTn id="14" presetID="10" presetClass="entr" presetSubtype="0" fill="hold" grpId="0" nodeType="clickEffect">
+                                  <p:stCondLst>
+                                    <p:cond delay="0"/>
+                                  </p:stCondLst>
+                                  <p:childTnLst>
+                                    <p:set>
+                                      <p:cBhvr>
+                                        <p:cTn id="15" dur="1" fill="hold">
+                                          <p:stCondLst>
+                                            <p:cond delay="0"/>
+                                          </p:stCondLst>
+                                        </p:cTn>
+                                        <p:tgtEl>
+                                          <p:spTgt spid="4">
+                                            <p:txEl>
+                                              <p:pRg st="3" end="3"/>
+                                            </p:txEl>
+                                          </p:spTgt>
+                                        </p:tgtEl>
+                                        <p:attrNameLst>
+                                          <p:attrName>style.visibility</p:attrName>
+                                        </p:attrNameLst>
+                                      </p:cBhvr>
+                                      <p:to>
+                                        <p:strVal val="visible"/>
+                                      </p:to>
+                                    </p:set>
+                                    <p:animEffect transition="in" filter="fade">
+                                      <p:cBhvr>
+                                        <p:cTn id="16" dur="2000"/>
+                                        <p:tgtEl>
+                                          <p:spTgt spid="4">
+                                            <p:txEl>
+                                              <p:pRg st="3" end="3"/>
+                                            </p:txEl>
+                                          </p:spTgt>
+                                        </p:tgtEl>
+                                      </p:cBhvr>
+                                    </p:animEffect>
+                                  </p:childTnLst>
+                                </p:cTn>
+                              </p:par>
+                            </p:childTnLst>
+                          </p:cTn>
+                        </p:par>
+                        <p:par>
+                          <p:cTn id="17" fill="hold">
+                            <p:stCondLst>
+                              <p:cond delay="2000"/>
+                            </p:stCondLst>
+                            <p:childTnLst>
+                              <p:par>
+                                <p:cTn id="18" presetID="10" presetClass="entr" presetSubtype="0" fill="hold" grpId="0" nodeType="afterEffect">
+                                  <p:stCondLst>
+                                    <p:cond delay="0"/>
+                                  </p:stCondLst>
+                                  <p:childTnLst>
+                                    <p:set>
+                                      <p:cBhvr>
+                                        <p:cTn id="19" dur="1" fill="hold">
+                                          <p:stCondLst>
+                                            <p:cond delay="0"/>
+                                          </p:stCondLst>
+                                        </p:cTn>
+                                        <p:tgtEl>
+                                          <p:spTgt spid="4">
+                                            <p:txEl>
+                                              <p:pRg st="4" end="4"/>
+                                            </p:txEl>
+                                          </p:spTgt>
+                                        </p:tgtEl>
+                                        <p:attrNameLst>
+                                          <p:attrName>style.visibility</p:attrName>
+                                        </p:attrNameLst>
+                                      </p:cBhvr>
+                                      <p:to>
+                                        <p:strVal val="visible"/>
+                                      </p:to>
+                                    </p:set>
+                                    <p:animEffect transition="in" filter="fade">
+                                      <p:cBhvr>
+                                        <p:cTn id="20" dur="2000"/>
+                                        <p:tgtEl>
+                                          <p:spTgt spid="4">
+                                            <p:txEl>
+                                              <p:pRg st="4" end="4"/>
+                                            </p:txEl>
+                                          </p:spTgt>
+                                        </p:tgtEl>
+                                      </p:cBhvr>
+                                    </p:animEffect>
+                                  </p:childTnLst>
+                                </p:cTn>
+                              </p:par>
+                            </p:childTnLst>
+                          </p:cTn>
+                        </p:par>
+                      </p:childTnLst>
+                    </p:cTn>
+                  </p:par>
+                  <p:par>
+                    <p:cTn id="21" fill="hold">
+                      <p:stCondLst>
+                        <p:cond delay="indefinite"/>
+                      </p:stCondLst>
+                      <p:childTnLst>
+                        <p:par>
+                          <p:cTn id="22" fill="hold">
+                            <p:stCondLst>
+                              <p:cond delay="0"/>
+                            </p:stCondLst>
+                            <p:childTnLst>
+                              <p:par>
+                                <p:cTn id="23" presetID="10" presetClass="entr" presetSubtype="0" fill="hold" grpId="0" nodeType="clickEffect">
+                                  <p:stCondLst>
+                                    <p:cond delay="0"/>
+                                  </p:stCondLst>
+                                  <p:childTnLst>
+                                    <p:set>
+                                      <p:cBhvr>
+                                        <p:cTn id="24" dur="1" fill="hold">
+                                          <p:stCondLst>
+                                            <p:cond delay="0"/>
+                                          </p:stCondLst>
+                                        </p:cTn>
+                                        <p:tgtEl>
+                                          <p:spTgt spid="4">
+                                            <p:txEl>
+                                              <p:pRg st="6" end="6"/>
+                                            </p:txEl>
+                                          </p:spTgt>
+                                        </p:tgtEl>
+                                        <p:attrNameLst>
+                                          <p:attrName>style.visibility</p:attrName>
+                                        </p:attrNameLst>
+                                      </p:cBhvr>
+                                      <p:to>
+                                        <p:strVal val="visible"/>
+                                      </p:to>
+                                    </p:set>
+                                    <p:animEffect transition="in" filter="fade">
+                                      <p:cBhvr>
+                                        <p:cTn id="25" dur="2000"/>
+                                        <p:tgtEl>
+                                          <p:spTgt spid="4">
+                                            <p:txEl>
+                                              <p:pRg st="6" end="6"/>
+                                            </p:txEl>
+                                          </p:spTgt>
+                                        </p:tgtEl>
+                                      </p:cBhvr>
+                                    </p:animEffect>
+                                  </p:childTnLst>
+                                </p:cTn>
+                              </p:par>
+                            </p:childTnLst>
+                          </p:cTn>
+                        </p:par>
+                        <p:par>
+                          <p:cTn id="26" fill="hold">
+                            <p:stCondLst>
+                              <p:cond delay="2000"/>
+                            </p:stCondLst>
+                            <p:childTnLst>
+                              <p:par>
+                                <p:cTn id="27" presetID="10" presetClass="entr" presetSubtype="0" fill="hold" grpId="0" nodeType="afterEffect">
+                                  <p:stCondLst>
+                                    <p:cond delay="0"/>
+                                  </p:stCondLst>
+                                  <p:childTnLst>
+                                    <p:set>
+                                      <p:cBhvr>
+                                        <p:cTn id="28" dur="1" fill="hold">
+                                          <p:stCondLst>
+                                            <p:cond delay="0"/>
+                                          </p:stCondLst>
+                                        </p:cTn>
+                                        <p:tgtEl>
+                                          <p:spTgt spid="4">
+                                            <p:txEl>
+                                              <p:pRg st="7" end="7"/>
+                                            </p:txEl>
+                                          </p:spTgt>
+                                        </p:tgtEl>
+                                        <p:attrNameLst>
+                                          <p:attrName>style.visibility</p:attrName>
+                                        </p:attrNameLst>
+                                      </p:cBhvr>
+                                      <p:to>
+                                        <p:strVal val="visible"/>
+                                      </p:to>
+                                    </p:set>
+                                    <p:animEffect transition="in" filter="fade">
+                                      <p:cBhvr>
+                                        <p:cTn id="29" dur="2000"/>
+                                        <p:tgtEl>
+                                          <p:spTgt spid="4">
+                                            <p:txEl>
+                                              <p:pRg st="7" end="7"/>
+                                            </p:txEl>
+                                          </p:spTgt>
+                                        </p:tgtEl>
+                                      </p:cBhvr>
+                                    </p:animEffect>
+                                  </p:childTnLst>
+                                </p:cTn>
+                              </p:par>
+                            </p:childTnLst>
+                          </p:cTn>
+                        </p:par>
+                        <p:par>
+                          <p:cTn id="30" fill="hold">
+                            <p:stCondLst>
+                              <p:cond delay="4000"/>
+                            </p:stCondLst>
+                            <p:childTnLst>
+                              <p:par>
+                                <p:cTn id="31" presetID="10" presetClass="entr" presetSubtype="0" fill="hold" grpId="0" nodeType="afterEffect">
+                                  <p:stCondLst>
+                                    <p:cond delay="0"/>
+                                  </p:stCondLst>
+                                  <p:childTnLst>
+                                    <p:set>
+                                      <p:cBhvr>
+                                        <p:cTn id="32" dur="1" fill="hold">
+                                          <p:stCondLst>
+                                            <p:cond delay="0"/>
+                                          </p:stCondLst>
+                                        </p:cTn>
+                                        <p:tgtEl>
+                                          <p:spTgt spid="4">
+                                            <p:txEl>
+                                              <p:pRg st="8" end="8"/>
+                                            </p:txEl>
+                                          </p:spTgt>
+                                        </p:tgtEl>
+                                        <p:attrNameLst>
+                                          <p:attrName>style.visibility</p:attrName>
+                                        </p:attrNameLst>
+                                      </p:cBhvr>
+                                      <p:to>
+                                        <p:strVal val="visible"/>
+                                      </p:to>
+                                    </p:set>
+                                    <p:animEffect transition="in" filter="fade">
+                                      <p:cBhvr>
+                                        <p:cTn id="33" dur="2000"/>
+                                        <p:tgtEl>
+                                          <p:spTgt spid="4">
+                                            <p:txEl>
+                                              <p:pRg st="8" end="8"/>
+                                            </p:txEl>
+                                          </p:spTgt>
+                                        </p:tgtEl>
+                                      </p:cBhvr>
+                                    </p:animEffect>
+                                  </p:childTnLst>
+                                </p:cTn>
+                              </p:par>
+                            </p:childTnLst>
+                          </p:cTn>
+                        </p:par>
+                      </p:childTnLst>
+                    </p:cTn>
+                  </p:par>
+                </p:childTnLst>
+              </p:cTn>
+              <p:prevCondLst>
+                <p:cond evt="onPrev" delay="0">
+                  <p:tgtEl>
+                    <p:sldTgt/>
+                  </p:tgtEl>
+                </p:cond>
+              </p:prevCondLst>
+              <p:nextCondLst>
+                <p:cond evt="onNext" delay="0">
+                  <p:tgtEl>
+                    <p:sldTgt/>
+                  </p:tgtEl>
+                </p:cond>
+              </p:nextCondLst>
+            </p:seq>
+          </p:childTnLst>
+        </p:cTn>
       </p:par>
     </p:tnLst>
+    <p:bldLst>
+      <p:bldP spid="4" grpId="0" uiExpand="1" build="p"/>
+    </p:bldLst>
   </p:timing>
 </p:sld>
 </file>
@@ -5139,21 +5528,386 @@
           </a:p>
         </p:txBody>
       </p:sp>
+      <p:pic>
+        <p:nvPicPr>
+          <p:cNvPr id="4" name="Picture 3"/>
+          <p:cNvPicPr/>
+          <p:nvPr/>
+        </p:nvPicPr>
+        <p:blipFill>
+          <a:blip r:embed="rId2"/>
+          <a:srcRect/>
+          <a:stretch>
+            <a:fillRect/>
+          </a:stretch>
+        </p:blipFill>
+        <p:spPr bwMode="auto">
+          <a:xfrm>
+            <a:off x="500033" y="549126"/>
+            <a:ext cx="8084607" cy="3237064"/>
+          </a:xfrm>
+          <a:prstGeom prst="rect">
+            <a:avLst/>
+          </a:prstGeom>
+          <a:noFill/>
+          <a:ln w="9525">
+            <a:noFill/>
+            <a:miter lim="800000"/>
+            <a:headEnd/>
+            <a:tailEnd/>
+          </a:ln>
+        </p:spPr>
+      </p:pic>
+    </p:spTree>
+  </p:cSld>
+  <p:clrMapOvr>
+    <a:masterClrMapping/>
+  </p:clrMapOvr>
+  <p:timing>
+    <p:tnLst>
+      <p:par>
+        <p:cTn id="1" dur="indefinite" restart="never" nodeType="tmRoot"/>
+      </p:par>
+    </p:tnLst>
+  </p:timing>
+</p:sld>
+</file>
+
+<file path=ppt/slides/slide16.xml><?xml version="1.0" encoding="utf-8"?>
+<p:sld xmlns:a="http://schemas.openxmlformats.org/drawingml/2006/main" xmlns:r="http://schemas.openxmlformats.org/officeDocument/2006/relationships" xmlns:p="http://schemas.openxmlformats.org/presentationml/2006/main">
+  <p:cSld>
+    <p:spTree>
+      <p:nvGrpSpPr>
+        <p:cNvPr id="1" name=""/>
+        <p:cNvGrpSpPr/>
+        <p:nvPr/>
+      </p:nvGrpSpPr>
+      <p:grpSpPr>
+        <a:xfrm>
+          <a:off x="0" y="0"/>
+          <a:ext cx="0" cy="0"/>
+          <a:chOff x="0" y="0"/>
+          <a:chExt cx="0" cy="0"/>
+        </a:xfrm>
+      </p:grpSpPr>
       <p:sp>
         <p:nvSpPr>
-          <p:cNvPr id="3" name="Content Placeholder 2"/>
+          <p:cNvPr id="2" name="Title 1"/>
           <p:cNvSpPr>
             <a:spLocks noGrp="1"/>
           </p:cNvSpPr>
           <p:nvPr>
-            <p:ph idx="1"/>
+            <p:ph type="title"/>
           </p:nvPr>
         </p:nvSpPr>
         <p:spPr/>
         <p:txBody>
-          <a:bodyPr/>
+          <a:bodyPr>
+            <a:normAutofit fontScale="90000"/>
+          </a:bodyPr>
           <a:lstStyle/>
           <a:p>
+            <a:pPr lvl="0"/>
+            <a:r>
+              <a:rPr lang="nl-BE" dirty="0" smtClean="0"/>
+              <a:t>ALM: TeamCity</a:t>
+            </a:r>
+            <a:r>
+              <a:rPr lang="nl-BE" baseline="0" dirty="0" smtClean="0"/>
+              <a:t> with Subversion: </a:t>
+            </a:r>
+            <a:r>
+              <a:rPr lang="nl-BE" dirty="0" smtClean="0"/>
+              <a:t>Perfect match!</a:t>
+            </a:r>
+            <a:endParaRPr lang="en-US" dirty="0"/>
+          </a:p>
+        </p:txBody>
+      </p:sp>
+      <p:pic>
+        <p:nvPicPr>
+          <p:cNvPr id="5" name="Picture 4"/>
+          <p:cNvPicPr/>
+          <p:nvPr/>
+        </p:nvPicPr>
+        <p:blipFill>
+          <a:blip r:embed="rId2"/>
+          <a:srcRect/>
+          <a:stretch>
+            <a:fillRect/>
+          </a:stretch>
+        </p:blipFill>
+        <p:spPr bwMode="auto">
+          <a:xfrm>
+            <a:off x="500033" y="571480"/>
+            <a:ext cx="8126799" cy="4071966"/>
+          </a:xfrm>
+          <a:prstGeom prst="rect">
+            <a:avLst/>
+          </a:prstGeom>
+          <a:noFill/>
+          <a:ln w="9525">
+            <a:noFill/>
+            <a:miter lim="800000"/>
+            <a:headEnd/>
+            <a:tailEnd/>
+          </a:ln>
+        </p:spPr>
+      </p:pic>
+    </p:spTree>
+  </p:cSld>
+  <p:clrMapOvr>
+    <a:masterClrMapping/>
+  </p:clrMapOvr>
+  <p:timing>
+    <p:tnLst>
+      <p:par>
+        <p:cTn id="1" dur="indefinite" restart="never" nodeType="tmRoot"/>
+      </p:par>
+    </p:tnLst>
+  </p:timing>
+</p:sld>
+</file>
+
+<file path=ppt/slides/slide17.xml><?xml version="1.0" encoding="utf-8"?>
+<p:sld xmlns:a="http://schemas.openxmlformats.org/drawingml/2006/main" xmlns:r="http://schemas.openxmlformats.org/officeDocument/2006/relationships" xmlns:p="http://schemas.openxmlformats.org/presentationml/2006/main">
+  <p:cSld>
+    <p:spTree>
+      <p:nvGrpSpPr>
+        <p:cNvPr id="1" name=""/>
+        <p:cNvGrpSpPr/>
+        <p:nvPr/>
+      </p:nvGrpSpPr>
+      <p:grpSpPr>
+        <a:xfrm>
+          <a:off x="0" y="0"/>
+          <a:ext cx="0" cy="0"/>
+          <a:chOff x="0" y="0"/>
+          <a:chExt cx="0" cy="0"/>
+        </a:xfrm>
+      </p:grpSpPr>
+      <p:sp>
+        <p:nvSpPr>
+          <p:cNvPr id="2" name="Title 1"/>
+          <p:cNvSpPr>
+            <a:spLocks noGrp="1"/>
+          </p:cNvSpPr>
+          <p:nvPr>
+            <p:ph type="title"/>
+          </p:nvPr>
+        </p:nvSpPr>
+        <p:spPr/>
+        <p:txBody>
+          <a:bodyPr>
+            <a:normAutofit fontScale="90000"/>
+          </a:bodyPr>
+          <a:lstStyle/>
+          <a:p>
+            <a:pPr lvl="0"/>
+            <a:r>
+              <a:rPr lang="nl-BE" dirty="0" smtClean="0"/>
+              <a:t>ALM: TeamCity</a:t>
+            </a:r>
+            <a:r>
+              <a:rPr lang="nl-BE" baseline="0" dirty="0" smtClean="0"/>
+              <a:t> with Subversion: </a:t>
+            </a:r>
+            <a:r>
+              <a:rPr lang="nl-BE" dirty="0" smtClean="0"/>
+              <a:t>Perfect match!</a:t>
+            </a:r>
+            <a:endParaRPr lang="en-US" dirty="0"/>
+          </a:p>
+        </p:txBody>
+      </p:sp>
+      <p:pic>
+        <p:nvPicPr>
+          <p:cNvPr id="6" name="Picture 5"/>
+          <p:cNvPicPr/>
+          <p:nvPr/>
+        </p:nvPicPr>
+        <p:blipFill>
+          <a:blip r:embed="rId2"/>
+          <a:srcRect/>
+          <a:stretch>
+            <a:fillRect/>
+          </a:stretch>
+        </p:blipFill>
+        <p:spPr bwMode="auto">
+          <a:xfrm>
+            <a:off x="500033" y="593811"/>
+            <a:ext cx="8082231" cy="4049635"/>
+          </a:xfrm>
+          <a:prstGeom prst="rect">
+            <a:avLst/>
+          </a:prstGeom>
+          <a:noFill/>
+          <a:ln w="9525">
+            <a:noFill/>
+            <a:miter lim="800000"/>
+            <a:headEnd/>
+            <a:tailEnd/>
+          </a:ln>
+        </p:spPr>
+      </p:pic>
+    </p:spTree>
+  </p:cSld>
+  <p:clrMapOvr>
+    <a:masterClrMapping/>
+  </p:clrMapOvr>
+  <p:timing>
+    <p:tnLst>
+      <p:par>
+        <p:cTn id="1" dur="indefinite" restart="never" nodeType="tmRoot"/>
+      </p:par>
+    </p:tnLst>
+  </p:timing>
+</p:sld>
+</file>
+
+<file path=ppt/slides/slide18.xml><?xml version="1.0" encoding="utf-8"?>
+<p:sld xmlns:a="http://schemas.openxmlformats.org/drawingml/2006/main" xmlns:r="http://schemas.openxmlformats.org/officeDocument/2006/relationships" xmlns:p="http://schemas.openxmlformats.org/presentationml/2006/main">
+  <p:cSld>
+    <p:spTree>
+      <p:nvGrpSpPr>
+        <p:cNvPr id="1" name=""/>
+        <p:cNvGrpSpPr/>
+        <p:nvPr/>
+      </p:nvGrpSpPr>
+      <p:grpSpPr>
+        <a:xfrm>
+          <a:off x="0" y="0"/>
+          <a:ext cx="0" cy="0"/>
+          <a:chOff x="0" y="0"/>
+          <a:chExt cx="0" cy="0"/>
+        </a:xfrm>
+      </p:grpSpPr>
+      <p:pic>
+        <p:nvPicPr>
+          <p:cNvPr id="7" name="Picture 6"/>
+          <p:cNvPicPr/>
+          <p:nvPr/>
+        </p:nvPicPr>
+        <p:blipFill>
+          <a:blip r:embed="rId2"/>
+          <a:srcRect/>
+          <a:stretch>
+            <a:fillRect/>
+          </a:stretch>
+        </p:blipFill>
+        <p:spPr bwMode="auto">
+          <a:xfrm>
+            <a:off x="500034" y="551854"/>
+            <a:ext cx="8060038" cy="2448518"/>
+          </a:xfrm>
+          <a:prstGeom prst="rect">
+            <a:avLst/>
+          </a:prstGeom>
+          <a:noFill/>
+          <a:ln w="9525">
+            <a:noFill/>
+            <a:miter lim="800000"/>
+            <a:headEnd/>
+            <a:tailEnd/>
+          </a:ln>
+        </p:spPr>
+      </p:pic>
+      <p:pic>
+        <p:nvPicPr>
+          <p:cNvPr id="8" name="Picture 7"/>
+          <p:cNvPicPr/>
+          <p:nvPr/>
+        </p:nvPicPr>
+        <p:blipFill>
+          <a:blip r:embed="rId3"/>
+          <a:srcRect/>
+          <a:stretch>
+            <a:fillRect/>
+          </a:stretch>
+        </p:blipFill>
+        <p:spPr bwMode="auto">
+          <a:xfrm>
+            <a:off x="428596" y="2790452"/>
+            <a:ext cx="5943600" cy="1924432"/>
+          </a:xfrm>
+          <a:prstGeom prst="rect">
+            <a:avLst/>
+          </a:prstGeom>
+          <a:ln>
+            <a:noFill/>
+          </a:ln>
+          <a:effectLst>
+            <a:outerShdw blurRad="190500" algn="tl" rotWithShape="0">
+              <a:srgbClr val="000000">
+                <a:alpha val="70000"/>
+              </a:srgbClr>
+            </a:outerShdw>
+          </a:effectLst>
+        </p:spPr>
+      </p:pic>
+      <p:pic>
+        <p:nvPicPr>
+          <p:cNvPr id="9" name="Picture 8"/>
+          <p:cNvPicPr/>
+          <p:nvPr/>
+        </p:nvPicPr>
+        <p:blipFill>
+          <a:blip r:embed="rId4"/>
+          <a:srcRect/>
+          <a:stretch>
+            <a:fillRect/>
+          </a:stretch>
+        </p:blipFill>
+        <p:spPr bwMode="auto">
+          <a:xfrm>
+            <a:off x="2714612" y="3714752"/>
+            <a:ext cx="5943600" cy="1924432"/>
+          </a:xfrm>
+          <a:prstGeom prst="rect">
+            <a:avLst/>
+          </a:prstGeom>
+          <a:ln>
+            <a:noFill/>
+          </a:ln>
+          <a:effectLst>
+            <a:outerShdw blurRad="190500" algn="tl" rotWithShape="0">
+              <a:srgbClr val="000000">
+                <a:alpha val="70000"/>
+              </a:srgbClr>
+            </a:outerShdw>
+          </a:effectLst>
+        </p:spPr>
+      </p:pic>
+      <p:sp>
+        <p:nvSpPr>
+          <p:cNvPr id="2" name="Title 1"/>
+          <p:cNvSpPr>
+            <a:spLocks noGrp="1"/>
+          </p:cNvSpPr>
+          <p:nvPr>
+            <p:ph type="title"/>
+          </p:nvPr>
+        </p:nvSpPr>
+        <p:spPr/>
+        <p:txBody>
+          <a:bodyPr>
+            <a:normAutofit fontScale="90000"/>
+          </a:bodyPr>
+          <a:lstStyle/>
+          <a:p>
+            <a:pPr lvl="0"/>
+            <a:r>
+              <a:rPr lang="nl-BE" dirty="0" smtClean="0"/>
+              <a:t>ALM: TeamCity</a:t>
+            </a:r>
+            <a:r>
+              <a:rPr lang="nl-BE" baseline="0" dirty="0" smtClean="0"/>
+              <a:t> with Subversion: </a:t>
+            </a:r>
+            <a:r>
+              <a:rPr lang="nl-BE" dirty="0" smtClean="0"/>
+              <a:t>Perfect match!</a:t>
+            </a:r>
             <a:endParaRPr lang="en-US" dirty="0"/>
           </a:p>
         </p:txBody>
@@ -5166,7 +5920,810 @@
   <p:timing>
     <p:tnLst>
       <p:par>
-        <p:cTn id="1" dur="indefinite" restart="never" nodeType="tmRoot"/>
+        <p:cTn id="1" dur="indefinite" restart="never" nodeType="tmRoot">
+          <p:childTnLst>
+            <p:seq concurrent="1" nextAc="seek">
+              <p:cTn id="2" dur="indefinite" nodeType="mainSeq">
+                <p:childTnLst>
+                  <p:par>
+                    <p:cTn id="3" fill="hold">
+                      <p:stCondLst>
+                        <p:cond delay="indefinite"/>
+                        <p:cond evt="onBegin" delay="0">
+                          <p:tn val="2"/>
+                        </p:cond>
+                      </p:stCondLst>
+                      <p:childTnLst>
+                        <p:par>
+                          <p:cTn id="4" fill="hold">
+                            <p:stCondLst>
+                              <p:cond delay="0"/>
+                            </p:stCondLst>
+                            <p:childTnLst>
+                              <p:par>
+                                <p:cTn id="5" presetID="10" presetClass="entr" presetSubtype="0" fill="hold" nodeType="afterEffect">
+                                  <p:stCondLst>
+                                    <p:cond delay="1000"/>
+                                  </p:stCondLst>
+                                  <p:childTnLst>
+                                    <p:set>
+                                      <p:cBhvr>
+                                        <p:cTn id="6" dur="1" fill="hold">
+                                          <p:stCondLst>
+                                            <p:cond delay="0"/>
+                                          </p:stCondLst>
+                                        </p:cTn>
+                                        <p:tgtEl>
+                                          <p:spTgt spid="8"/>
+                                        </p:tgtEl>
+                                        <p:attrNameLst>
+                                          <p:attrName>style.visibility</p:attrName>
+                                        </p:attrNameLst>
+                                      </p:cBhvr>
+                                      <p:to>
+                                        <p:strVal val="visible"/>
+                                      </p:to>
+                                    </p:set>
+                                    <p:animEffect transition="in" filter="fade">
+                                      <p:cBhvr>
+                                        <p:cTn id="7" dur="500"/>
+                                        <p:tgtEl>
+                                          <p:spTgt spid="8"/>
+                                        </p:tgtEl>
+                                      </p:cBhvr>
+                                    </p:animEffect>
+                                  </p:childTnLst>
+                                </p:cTn>
+                              </p:par>
+                            </p:childTnLst>
+                          </p:cTn>
+                        </p:par>
+                        <p:par>
+                          <p:cTn id="8" fill="hold">
+                            <p:stCondLst>
+                              <p:cond delay="1500"/>
+                            </p:stCondLst>
+                            <p:childTnLst>
+                              <p:par>
+                                <p:cTn id="9" presetID="10" presetClass="entr" presetSubtype="0" fill="hold" nodeType="afterEffect">
+                                  <p:stCondLst>
+                                    <p:cond delay="0"/>
+                                  </p:stCondLst>
+                                  <p:childTnLst>
+                                    <p:set>
+                                      <p:cBhvr>
+                                        <p:cTn id="10" dur="1" fill="hold">
+                                          <p:stCondLst>
+                                            <p:cond delay="0"/>
+                                          </p:stCondLst>
+                                        </p:cTn>
+                                        <p:tgtEl>
+                                          <p:spTgt spid="9"/>
+                                        </p:tgtEl>
+                                        <p:attrNameLst>
+                                          <p:attrName>style.visibility</p:attrName>
+                                        </p:attrNameLst>
+                                      </p:cBhvr>
+                                      <p:to>
+                                        <p:strVal val="visible"/>
+                                      </p:to>
+                                    </p:set>
+                                    <p:animEffect transition="in" filter="fade">
+                                      <p:cBhvr>
+                                        <p:cTn id="11" dur="500"/>
+                                        <p:tgtEl>
+                                          <p:spTgt spid="9"/>
+                                        </p:tgtEl>
+                                      </p:cBhvr>
+                                    </p:animEffect>
+                                  </p:childTnLst>
+                                </p:cTn>
+                              </p:par>
+                            </p:childTnLst>
+                          </p:cTn>
+                        </p:par>
+                      </p:childTnLst>
+                    </p:cTn>
+                  </p:par>
+                </p:childTnLst>
+              </p:cTn>
+              <p:prevCondLst>
+                <p:cond evt="onPrev" delay="0">
+                  <p:tgtEl>
+                    <p:sldTgt/>
+                  </p:tgtEl>
+                </p:cond>
+              </p:prevCondLst>
+              <p:nextCondLst>
+                <p:cond evt="onNext" delay="0">
+                  <p:tgtEl>
+                    <p:sldTgt/>
+                  </p:tgtEl>
+                </p:cond>
+              </p:nextCondLst>
+            </p:seq>
+          </p:childTnLst>
+        </p:cTn>
+      </p:par>
+    </p:tnLst>
+  </p:timing>
+</p:sld>
+</file>
+
+<file path=ppt/slides/slide19.xml><?xml version="1.0" encoding="utf-8"?>
+<p:sld xmlns:a="http://schemas.openxmlformats.org/drawingml/2006/main" xmlns:r="http://schemas.openxmlformats.org/officeDocument/2006/relationships" xmlns:p="http://schemas.openxmlformats.org/presentationml/2006/main">
+  <p:cSld>
+    <p:spTree>
+      <p:nvGrpSpPr>
+        <p:cNvPr id="1" name=""/>
+        <p:cNvGrpSpPr/>
+        <p:nvPr/>
+      </p:nvGrpSpPr>
+      <p:grpSpPr>
+        <a:xfrm>
+          <a:off x="0" y="0"/>
+          <a:ext cx="0" cy="0"/>
+          <a:chOff x="0" y="0"/>
+          <a:chExt cx="0" cy="0"/>
+        </a:xfrm>
+      </p:grpSpPr>
+      <p:sp>
+        <p:nvSpPr>
+          <p:cNvPr id="2" name="Title 1"/>
+          <p:cNvSpPr>
+            <a:spLocks noGrp="1"/>
+          </p:cNvSpPr>
+          <p:nvPr>
+            <p:ph type="title"/>
+          </p:nvPr>
+        </p:nvSpPr>
+        <p:spPr/>
+        <p:txBody>
+          <a:bodyPr>
+            <a:normAutofit fontScale="90000"/>
+          </a:bodyPr>
+          <a:lstStyle/>
+          <a:p>
+            <a:pPr lvl="0"/>
+            <a:r>
+              <a:rPr lang="nl-BE" dirty="0" smtClean="0"/>
+              <a:t>ALM: TeamCity</a:t>
+            </a:r>
+            <a:r>
+              <a:rPr lang="nl-BE" baseline="0" dirty="0" smtClean="0"/>
+              <a:t> with Subversion: </a:t>
+            </a:r>
+            <a:r>
+              <a:rPr lang="nl-BE" dirty="0" smtClean="0"/>
+              <a:t>Perfect match!</a:t>
+            </a:r>
+            <a:endParaRPr lang="en-US" dirty="0"/>
+          </a:p>
+        </p:txBody>
+      </p:sp>
+      <p:pic>
+        <p:nvPicPr>
+          <p:cNvPr id="4" name="Picture 3"/>
+          <p:cNvPicPr/>
+          <p:nvPr/>
+        </p:nvPicPr>
+        <p:blipFill>
+          <a:blip r:embed="rId2"/>
+          <a:srcRect/>
+          <a:stretch>
+            <a:fillRect/>
+          </a:stretch>
+        </p:blipFill>
+        <p:spPr bwMode="auto">
+          <a:xfrm>
+            <a:off x="500033" y="549126"/>
+            <a:ext cx="8084607" cy="3237064"/>
+          </a:xfrm>
+          <a:prstGeom prst="rect">
+            <a:avLst/>
+          </a:prstGeom>
+          <a:noFill/>
+          <a:ln w="9525">
+            <a:noFill/>
+            <a:miter lim="800000"/>
+            <a:headEnd/>
+            <a:tailEnd/>
+          </a:ln>
+        </p:spPr>
+      </p:pic>
+      <p:pic>
+        <p:nvPicPr>
+          <p:cNvPr id="5" name="Picture 4"/>
+          <p:cNvPicPr/>
+          <p:nvPr/>
+        </p:nvPicPr>
+        <p:blipFill>
+          <a:blip r:embed="rId3"/>
+          <a:srcRect/>
+          <a:stretch>
+            <a:fillRect/>
+          </a:stretch>
+        </p:blipFill>
+        <p:spPr bwMode="auto">
+          <a:xfrm>
+            <a:off x="500033" y="571480"/>
+            <a:ext cx="8126799" cy="4071966"/>
+          </a:xfrm>
+          <a:prstGeom prst="rect">
+            <a:avLst/>
+          </a:prstGeom>
+          <a:noFill/>
+          <a:ln w="9525">
+            <a:noFill/>
+            <a:miter lim="800000"/>
+            <a:headEnd/>
+            <a:tailEnd/>
+          </a:ln>
+        </p:spPr>
+      </p:pic>
+      <p:pic>
+        <p:nvPicPr>
+          <p:cNvPr id="6" name="Picture 5"/>
+          <p:cNvPicPr/>
+          <p:nvPr/>
+        </p:nvPicPr>
+        <p:blipFill>
+          <a:blip r:embed="rId4"/>
+          <a:srcRect/>
+          <a:stretch>
+            <a:fillRect/>
+          </a:stretch>
+        </p:blipFill>
+        <p:spPr bwMode="auto">
+          <a:xfrm>
+            <a:off x="500033" y="593811"/>
+            <a:ext cx="8082231" cy="4049635"/>
+          </a:xfrm>
+          <a:prstGeom prst="rect">
+            <a:avLst/>
+          </a:prstGeom>
+          <a:noFill/>
+          <a:ln w="9525">
+            <a:noFill/>
+            <a:miter lim="800000"/>
+            <a:headEnd/>
+            <a:tailEnd/>
+          </a:ln>
+        </p:spPr>
+      </p:pic>
+      <p:pic>
+        <p:nvPicPr>
+          <p:cNvPr id="7" name="Picture 6"/>
+          <p:cNvPicPr/>
+          <p:nvPr/>
+        </p:nvPicPr>
+        <p:blipFill>
+          <a:blip r:embed="rId5"/>
+          <a:srcRect/>
+          <a:stretch>
+            <a:fillRect/>
+          </a:stretch>
+        </p:blipFill>
+        <p:spPr bwMode="auto">
+          <a:xfrm>
+            <a:off x="500034" y="551854"/>
+            <a:ext cx="8060038" cy="2448518"/>
+          </a:xfrm>
+          <a:prstGeom prst="rect">
+            <a:avLst/>
+          </a:prstGeom>
+          <a:noFill/>
+          <a:ln w="9525">
+            <a:noFill/>
+            <a:miter lim="800000"/>
+            <a:headEnd/>
+            <a:tailEnd/>
+          </a:ln>
+        </p:spPr>
+      </p:pic>
+      <p:pic>
+        <p:nvPicPr>
+          <p:cNvPr id="8" name="Picture 7"/>
+          <p:cNvPicPr/>
+          <p:nvPr/>
+        </p:nvPicPr>
+        <p:blipFill>
+          <a:blip r:embed="rId6"/>
+          <a:srcRect/>
+          <a:stretch>
+            <a:fillRect/>
+          </a:stretch>
+        </p:blipFill>
+        <p:spPr bwMode="auto">
+          <a:xfrm>
+            <a:off x="428596" y="2790452"/>
+            <a:ext cx="5943600" cy="1924432"/>
+          </a:xfrm>
+          <a:prstGeom prst="rect">
+            <a:avLst/>
+          </a:prstGeom>
+          <a:ln>
+            <a:noFill/>
+          </a:ln>
+          <a:effectLst>
+            <a:outerShdw blurRad="190500" algn="tl" rotWithShape="0">
+              <a:srgbClr val="000000">
+                <a:alpha val="70000"/>
+              </a:srgbClr>
+            </a:outerShdw>
+          </a:effectLst>
+        </p:spPr>
+      </p:pic>
+      <p:pic>
+        <p:nvPicPr>
+          <p:cNvPr id="9" name="Picture 8"/>
+          <p:cNvPicPr/>
+          <p:nvPr/>
+        </p:nvPicPr>
+        <p:blipFill>
+          <a:blip r:embed="rId7"/>
+          <a:srcRect/>
+          <a:stretch>
+            <a:fillRect/>
+          </a:stretch>
+        </p:blipFill>
+        <p:spPr bwMode="auto">
+          <a:xfrm>
+            <a:off x="2714612" y="3714752"/>
+            <a:ext cx="5943600" cy="1924432"/>
+          </a:xfrm>
+          <a:prstGeom prst="rect">
+            <a:avLst/>
+          </a:prstGeom>
+          <a:ln>
+            <a:noFill/>
+          </a:ln>
+          <a:effectLst>
+            <a:outerShdw blurRad="190500" algn="tl" rotWithShape="0">
+              <a:srgbClr val="000000">
+                <a:alpha val="70000"/>
+              </a:srgbClr>
+            </a:outerShdw>
+          </a:effectLst>
+        </p:spPr>
+      </p:pic>
+    </p:spTree>
+  </p:cSld>
+  <p:clrMapOvr>
+    <a:masterClrMapping/>
+  </p:clrMapOvr>
+  <p:timing>
+    <p:tnLst>
+      <p:par>
+        <p:cTn id="1" dur="indefinite" restart="never" nodeType="tmRoot">
+          <p:childTnLst>
+            <p:seq concurrent="1" nextAc="seek">
+              <p:cTn id="2" dur="indefinite" nodeType="mainSeq">
+                <p:childTnLst>
+                  <p:par>
+                    <p:cTn id="3" fill="hold">
+                      <p:stCondLst>
+                        <p:cond delay="indefinite"/>
+                      </p:stCondLst>
+                      <p:childTnLst>
+                        <p:par>
+                          <p:cTn id="4" fill="hold">
+                            <p:stCondLst>
+                              <p:cond delay="0"/>
+                            </p:stCondLst>
+                            <p:childTnLst>
+                              <p:par>
+                                <p:cTn id="5" presetID="10" presetClass="entr" presetSubtype="0" fill="hold" nodeType="clickEffect">
+                                  <p:stCondLst>
+                                    <p:cond delay="0"/>
+                                  </p:stCondLst>
+                                  <p:childTnLst>
+                                    <p:set>
+                                      <p:cBhvr>
+                                        <p:cTn id="6" dur="1" fill="hold">
+                                          <p:stCondLst>
+                                            <p:cond delay="0"/>
+                                          </p:stCondLst>
+                                        </p:cTn>
+                                        <p:tgtEl>
+                                          <p:spTgt spid="4"/>
+                                        </p:tgtEl>
+                                        <p:attrNameLst>
+                                          <p:attrName>style.visibility</p:attrName>
+                                        </p:attrNameLst>
+                                      </p:cBhvr>
+                                      <p:to>
+                                        <p:strVal val="visible"/>
+                                      </p:to>
+                                    </p:set>
+                                    <p:animEffect transition="in" filter="fade">
+                                      <p:cBhvr>
+                                        <p:cTn id="7" dur="500"/>
+                                        <p:tgtEl>
+                                          <p:spTgt spid="4"/>
+                                        </p:tgtEl>
+                                      </p:cBhvr>
+                                    </p:animEffect>
+                                  </p:childTnLst>
+                                </p:cTn>
+                              </p:par>
+                            </p:childTnLst>
+                          </p:cTn>
+                        </p:par>
+                      </p:childTnLst>
+                    </p:cTn>
+                  </p:par>
+                  <p:par>
+                    <p:cTn id="8" fill="hold">
+                      <p:stCondLst>
+                        <p:cond delay="indefinite"/>
+                      </p:stCondLst>
+                      <p:childTnLst>
+                        <p:par>
+                          <p:cTn id="9" fill="hold">
+                            <p:stCondLst>
+                              <p:cond delay="0"/>
+                            </p:stCondLst>
+                            <p:childTnLst>
+                              <p:par>
+                                <p:cTn id="10" presetID="10" presetClass="exit" presetSubtype="0" fill="hold" nodeType="clickEffect">
+                                  <p:stCondLst>
+                                    <p:cond delay="0"/>
+                                  </p:stCondLst>
+                                  <p:childTnLst>
+                                    <p:animEffect transition="out" filter="fade">
+                                      <p:cBhvr>
+                                        <p:cTn id="11" dur="500"/>
+                                        <p:tgtEl>
+                                          <p:spTgt spid="4"/>
+                                        </p:tgtEl>
+                                      </p:cBhvr>
+                                    </p:animEffect>
+                                    <p:set>
+                                      <p:cBhvr>
+                                        <p:cTn id="12" dur="1" fill="hold">
+                                          <p:stCondLst>
+                                            <p:cond delay="499"/>
+                                          </p:stCondLst>
+                                        </p:cTn>
+                                        <p:tgtEl>
+                                          <p:spTgt spid="4"/>
+                                        </p:tgtEl>
+                                        <p:attrNameLst>
+                                          <p:attrName>style.visibility</p:attrName>
+                                        </p:attrNameLst>
+                                      </p:cBhvr>
+                                      <p:to>
+                                        <p:strVal val="hidden"/>
+                                      </p:to>
+                                    </p:set>
+                                  </p:childTnLst>
+                                </p:cTn>
+                              </p:par>
+                              <p:par>
+                                <p:cTn id="13" presetID="10" presetClass="entr" presetSubtype="0" fill="hold" nodeType="withEffect">
+                                  <p:stCondLst>
+                                    <p:cond delay="0"/>
+                                  </p:stCondLst>
+                                  <p:childTnLst>
+                                    <p:set>
+                                      <p:cBhvr>
+                                        <p:cTn id="14" dur="1" fill="hold">
+                                          <p:stCondLst>
+                                            <p:cond delay="0"/>
+                                          </p:stCondLst>
+                                        </p:cTn>
+                                        <p:tgtEl>
+                                          <p:spTgt spid="5"/>
+                                        </p:tgtEl>
+                                        <p:attrNameLst>
+                                          <p:attrName>style.visibility</p:attrName>
+                                        </p:attrNameLst>
+                                      </p:cBhvr>
+                                      <p:to>
+                                        <p:strVal val="visible"/>
+                                      </p:to>
+                                    </p:set>
+                                    <p:animEffect transition="in" filter="fade">
+                                      <p:cBhvr>
+                                        <p:cTn id="15" dur="500"/>
+                                        <p:tgtEl>
+                                          <p:spTgt spid="5"/>
+                                        </p:tgtEl>
+                                      </p:cBhvr>
+                                    </p:animEffect>
+                                  </p:childTnLst>
+                                </p:cTn>
+                              </p:par>
+                            </p:childTnLst>
+                          </p:cTn>
+                        </p:par>
+                      </p:childTnLst>
+                    </p:cTn>
+                  </p:par>
+                  <p:par>
+                    <p:cTn id="16" fill="hold">
+                      <p:stCondLst>
+                        <p:cond delay="indefinite"/>
+                      </p:stCondLst>
+                      <p:childTnLst>
+                        <p:par>
+                          <p:cTn id="17" fill="hold">
+                            <p:stCondLst>
+                              <p:cond delay="0"/>
+                            </p:stCondLst>
+                            <p:childTnLst>
+                              <p:par>
+                                <p:cTn id="18" presetID="10" presetClass="exit" presetSubtype="0" fill="hold" nodeType="clickEffect">
+                                  <p:stCondLst>
+                                    <p:cond delay="0"/>
+                                  </p:stCondLst>
+                                  <p:childTnLst>
+                                    <p:animEffect transition="out" filter="fade">
+                                      <p:cBhvr>
+                                        <p:cTn id="19" dur="500"/>
+                                        <p:tgtEl>
+                                          <p:spTgt spid="5"/>
+                                        </p:tgtEl>
+                                      </p:cBhvr>
+                                    </p:animEffect>
+                                    <p:set>
+                                      <p:cBhvr>
+                                        <p:cTn id="20" dur="1" fill="hold">
+                                          <p:stCondLst>
+                                            <p:cond delay="499"/>
+                                          </p:stCondLst>
+                                        </p:cTn>
+                                        <p:tgtEl>
+                                          <p:spTgt spid="5"/>
+                                        </p:tgtEl>
+                                        <p:attrNameLst>
+                                          <p:attrName>style.visibility</p:attrName>
+                                        </p:attrNameLst>
+                                      </p:cBhvr>
+                                      <p:to>
+                                        <p:strVal val="hidden"/>
+                                      </p:to>
+                                    </p:set>
+                                  </p:childTnLst>
+                                </p:cTn>
+                              </p:par>
+                              <p:par>
+                                <p:cTn id="21" presetID="10" presetClass="entr" presetSubtype="0" fill="hold" nodeType="withEffect">
+                                  <p:stCondLst>
+                                    <p:cond delay="0"/>
+                                  </p:stCondLst>
+                                  <p:childTnLst>
+                                    <p:set>
+                                      <p:cBhvr>
+                                        <p:cTn id="22" dur="1" fill="hold">
+                                          <p:stCondLst>
+                                            <p:cond delay="0"/>
+                                          </p:stCondLst>
+                                        </p:cTn>
+                                        <p:tgtEl>
+                                          <p:spTgt spid="6"/>
+                                        </p:tgtEl>
+                                        <p:attrNameLst>
+                                          <p:attrName>style.visibility</p:attrName>
+                                        </p:attrNameLst>
+                                      </p:cBhvr>
+                                      <p:to>
+                                        <p:strVal val="visible"/>
+                                      </p:to>
+                                    </p:set>
+                                    <p:animEffect transition="in" filter="fade">
+                                      <p:cBhvr>
+                                        <p:cTn id="23" dur="500"/>
+                                        <p:tgtEl>
+                                          <p:spTgt spid="6"/>
+                                        </p:tgtEl>
+                                      </p:cBhvr>
+                                    </p:animEffect>
+                                  </p:childTnLst>
+                                </p:cTn>
+                              </p:par>
+                            </p:childTnLst>
+                          </p:cTn>
+                        </p:par>
+                      </p:childTnLst>
+                    </p:cTn>
+                  </p:par>
+                  <p:par>
+                    <p:cTn id="24" fill="hold">
+                      <p:stCondLst>
+                        <p:cond delay="indefinite"/>
+                      </p:stCondLst>
+                      <p:childTnLst>
+                        <p:par>
+                          <p:cTn id="25" fill="hold">
+                            <p:stCondLst>
+                              <p:cond delay="0"/>
+                            </p:stCondLst>
+                            <p:childTnLst>
+                              <p:par>
+                                <p:cTn id="26" presetID="10" presetClass="exit" presetSubtype="0" fill="hold" nodeType="clickEffect">
+                                  <p:stCondLst>
+                                    <p:cond delay="0"/>
+                                  </p:stCondLst>
+                                  <p:childTnLst>
+                                    <p:animEffect transition="out" filter="fade">
+                                      <p:cBhvr>
+                                        <p:cTn id="27" dur="500"/>
+                                        <p:tgtEl>
+                                          <p:spTgt spid="6"/>
+                                        </p:tgtEl>
+                                      </p:cBhvr>
+                                    </p:animEffect>
+                                    <p:set>
+                                      <p:cBhvr>
+                                        <p:cTn id="28" dur="1" fill="hold">
+                                          <p:stCondLst>
+                                            <p:cond delay="499"/>
+                                          </p:stCondLst>
+                                        </p:cTn>
+                                        <p:tgtEl>
+                                          <p:spTgt spid="6"/>
+                                        </p:tgtEl>
+                                        <p:attrNameLst>
+                                          <p:attrName>style.visibility</p:attrName>
+                                        </p:attrNameLst>
+                                      </p:cBhvr>
+                                      <p:to>
+                                        <p:strVal val="hidden"/>
+                                      </p:to>
+                                    </p:set>
+                                  </p:childTnLst>
+                                </p:cTn>
+                              </p:par>
+                              <p:par>
+                                <p:cTn id="29" presetID="10" presetClass="entr" presetSubtype="0" fill="hold" nodeType="withEffect">
+                                  <p:stCondLst>
+                                    <p:cond delay="0"/>
+                                  </p:stCondLst>
+                                  <p:childTnLst>
+                                    <p:set>
+                                      <p:cBhvr>
+                                        <p:cTn id="30" dur="1" fill="hold">
+                                          <p:stCondLst>
+                                            <p:cond delay="0"/>
+                                          </p:stCondLst>
+                                        </p:cTn>
+                                        <p:tgtEl>
+                                          <p:spTgt spid="7"/>
+                                        </p:tgtEl>
+                                        <p:attrNameLst>
+                                          <p:attrName>style.visibility</p:attrName>
+                                        </p:attrNameLst>
+                                      </p:cBhvr>
+                                      <p:to>
+                                        <p:strVal val="visible"/>
+                                      </p:to>
+                                    </p:set>
+                                    <p:animEffect transition="in" filter="fade">
+                                      <p:cBhvr>
+                                        <p:cTn id="31" dur="500"/>
+                                        <p:tgtEl>
+                                          <p:spTgt spid="7"/>
+                                        </p:tgtEl>
+                                      </p:cBhvr>
+                                    </p:animEffect>
+                                  </p:childTnLst>
+                                </p:cTn>
+                              </p:par>
+                            </p:childTnLst>
+                          </p:cTn>
+                        </p:par>
+                        <p:par>
+                          <p:cTn id="32" fill="hold">
+                            <p:stCondLst>
+                              <p:cond delay="500"/>
+                            </p:stCondLst>
+                            <p:childTnLst>
+                              <p:par>
+                                <p:cTn id="33" presetID="10" presetClass="entr" presetSubtype="0" fill="hold" nodeType="afterEffect">
+                                  <p:stCondLst>
+                                    <p:cond delay="0"/>
+                                  </p:stCondLst>
+                                  <p:childTnLst>
+                                    <p:set>
+                                      <p:cBhvr>
+                                        <p:cTn id="34" dur="1" fill="hold">
+                                          <p:stCondLst>
+                                            <p:cond delay="0"/>
+                                          </p:stCondLst>
+                                        </p:cTn>
+                                        <p:tgtEl>
+                                          <p:spTgt spid="8"/>
+                                        </p:tgtEl>
+                                        <p:attrNameLst>
+                                          <p:attrName>style.visibility</p:attrName>
+                                        </p:attrNameLst>
+                                      </p:cBhvr>
+                                      <p:to>
+                                        <p:strVal val="visible"/>
+                                      </p:to>
+                                    </p:set>
+                                    <p:animEffect transition="in" filter="fade">
+                                      <p:cBhvr>
+                                        <p:cTn id="35" dur="500"/>
+                                        <p:tgtEl>
+                                          <p:spTgt spid="8"/>
+                                        </p:tgtEl>
+                                      </p:cBhvr>
+                                    </p:animEffect>
+                                  </p:childTnLst>
+                                </p:cTn>
+                              </p:par>
+                            </p:childTnLst>
+                          </p:cTn>
+                        </p:par>
+                        <p:par>
+                          <p:cTn id="36" fill="hold">
+                            <p:stCondLst>
+                              <p:cond delay="1000"/>
+                            </p:stCondLst>
+                            <p:childTnLst>
+                              <p:par>
+                                <p:cTn id="37" presetID="10" presetClass="entr" presetSubtype="0" fill="hold" nodeType="afterEffect">
+                                  <p:stCondLst>
+                                    <p:cond delay="0"/>
+                                  </p:stCondLst>
+                                  <p:childTnLst>
+                                    <p:set>
+                                      <p:cBhvr>
+                                        <p:cTn id="38" dur="1" fill="hold">
+                                          <p:stCondLst>
+                                            <p:cond delay="0"/>
+                                          </p:stCondLst>
+                                        </p:cTn>
+                                        <p:tgtEl>
+                                          <p:spTgt spid="9"/>
+                                        </p:tgtEl>
+                                        <p:attrNameLst>
+                                          <p:attrName>style.visibility</p:attrName>
+                                        </p:attrNameLst>
+                                      </p:cBhvr>
+                                      <p:to>
+                                        <p:strVal val="visible"/>
+                                      </p:to>
+                                    </p:set>
+                                    <p:animEffect transition="in" filter="fade">
+                                      <p:cBhvr>
+                                        <p:cTn id="39" dur="500"/>
+                                        <p:tgtEl>
+                                          <p:spTgt spid="9"/>
+                                        </p:tgtEl>
+                                      </p:cBhvr>
+                                    </p:animEffect>
+                                  </p:childTnLst>
+                                </p:cTn>
+                              </p:par>
+                            </p:childTnLst>
+                          </p:cTn>
+                        </p:par>
+                      </p:childTnLst>
+                    </p:cTn>
+                  </p:par>
+                </p:childTnLst>
+              </p:cTn>
+              <p:prevCondLst>
+                <p:cond evt="onPrev" delay="0">
+                  <p:tgtEl>
+                    <p:sldTgt/>
+                  </p:tgtEl>
+                </p:cond>
+              </p:prevCondLst>
+              <p:nextCondLst>
+                <p:cond evt="onNext" delay="0">
+                  <p:tgtEl>
+                    <p:sldTgt/>
+                  </p:tgtEl>
+                </p:cond>
+              </p:nextCondLst>
+            </p:seq>
+          </p:childTnLst>
+        </p:cTn>
       </p:par>
     </p:tnLst>
   </p:timing>
@@ -6656,7 +8213,7 @@
 </p:sld>
 </file>
 
-<file path=ppt/slides/slide3.xml><?xml version="1.0" encoding="utf-8"?>
+<file path=ppt/slides/slide20.xml><?xml version="1.0" encoding="utf-8"?>
 <p:sld xmlns:a="http://schemas.openxmlformats.org/drawingml/2006/main" xmlns:r="http://schemas.openxmlformats.org/officeDocument/2006/relationships" xmlns:p="http://schemas.openxmlformats.org/presentationml/2006/main">
   <p:cSld>
     <p:spTree>
@@ -6685,12 +8242,23 @@
         </p:nvSpPr>
         <p:spPr/>
         <p:txBody>
-          <a:bodyPr/>
+          <a:bodyPr>
+            <a:normAutofit fontScale="90000"/>
+          </a:bodyPr>
           <a:lstStyle/>
           <a:p>
+            <a:pPr lvl="0"/>
             <a:r>
               <a:rPr lang="nl-BE" dirty="0" smtClean="0"/>
-              <a:t>UI: jQuery</a:t>
+              <a:t>ALM: TeamCity</a:t>
+            </a:r>
+            <a:r>
+              <a:rPr lang="nl-BE" baseline="0" dirty="0" smtClean="0"/>
+              <a:t> with Subversion: </a:t>
+            </a:r>
+            <a:r>
+              <a:rPr lang="nl-BE" dirty="0" smtClean="0"/>
+              <a:t>Perfect match!</a:t>
             </a:r>
             <a:endParaRPr lang="en-US" dirty="0"/>
           </a:p>
@@ -6698,7 +8266,2132 @@
       </p:sp>
       <p:pic>
         <p:nvPicPr>
-          <p:cNvPr id="4" name="jqueryaccordeon.avi">
+          <p:cNvPr id="4" name="Picture 3"/>
+          <p:cNvPicPr/>
+          <p:nvPr/>
+        </p:nvPicPr>
+        <p:blipFill>
+          <a:blip r:embed="rId2"/>
+          <a:srcRect/>
+          <a:stretch>
+            <a:fillRect/>
+          </a:stretch>
+        </p:blipFill>
+        <p:spPr bwMode="auto">
+          <a:xfrm>
+            <a:off x="500033" y="549126"/>
+            <a:ext cx="8084607" cy="3237064"/>
+          </a:xfrm>
+          <a:prstGeom prst="rect">
+            <a:avLst/>
+          </a:prstGeom>
+          <a:noFill/>
+          <a:ln w="9525">
+            <a:noFill/>
+            <a:miter lim="800000"/>
+            <a:headEnd/>
+            <a:tailEnd/>
+          </a:ln>
+        </p:spPr>
+      </p:pic>
+      <p:pic>
+        <p:nvPicPr>
+          <p:cNvPr id="5" name="Picture 4"/>
+          <p:cNvPicPr/>
+          <p:nvPr/>
+        </p:nvPicPr>
+        <p:blipFill>
+          <a:blip r:embed="rId3"/>
+          <a:srcRect/>
+          <a:stretch>
+            <a:fillRect/>
+          </a:stretch>
+        </p:blipFill>
+        <p:spPr bwMode="auto">
+          <a:xfrm>
+            <a:off x="500033" y="571480"/>
+            <a:ext cx="8126799" cy="4071966"/>
+          </a:xfrm>
+          <a:prstGeom prst="rect">
+            <a:avLst/>
+          </a:prstGeom>
+          <a:noFill/>
+          <a:ln w="9525">
+            <a:noFill/>
+            <a:miter lim="800000"/>
+            <a:headEnd/>
+            <a:tailEnd/>
+          </a:ln>
+        </p:spPr>
+      </p:pic>
+      <p:pic>
+        <p:nvPicPr>
+          <p:cNvPr id="6" name="Picture 5"/>
+          <p:cNvPicPr/>
+          <p:nvPr/>
+        </p:nvPicPr>
+        <p:blipFill>
+          <a:blip r:embed="rId4"/>
+          <a:srcRect/>
+          <a:stretch>
+            <a:fillRect/>
+          </a:stretch>
+        </p:blipFill>
+        <p:spPr bwMode="auto">
+          <a:xfrm>
+            <a:off x="500033" y="593811"/>
+            <a:ext cx="8082231" cy="4049635"/>
+          </a:xfrm>
+          <a:prstGeom prst="rect">
+            <a:avLst/>
+          </a:prstGeom>
+          <a:noFill/>
+          <a:ln w="9525">
+            <a:noFill/>
+            <a:miter lim="800000"/>
+            <a:headEnd/>
+            <a:tailEnd/>
+          </a:ln>
+        </p:spPr>
+      </p:pic>
+      <p:pic>
+        <p:nvPicPr>
+          <p:cNvPr id="7" name="Picture 6"/>
+          <p:cNvPicPr/>
+          <p:nvPr/>
+        </p:nvPicPr>
+        <p:blipFill>
+          <a:blip r:embed="rId5"/>
+          <a:srcRect/>
+          <a:stretch>
+            <a:fillRect/>
+          </a:stretch>
+        </p:blipFill>
+        <p:spPr bwMode="auto">
+          <a:xfrm>
+            <a:off x="500034" y="551854"/>
+            <a:ext cx="8060038" cy="2448518"/>
+          </a:xfrm>
+          <a:prstGeom prst="rect">
+            <a:avLst/>
+          </a:prstGeom>
+          <a:noFill/>
+          <a:ln w="9525">
+            <a:noFill/>
+            <a:miter lim="800000"/>
+            <a:headEnd/>
+            <a:tailEnd/>
+          </a:ln>
+        </p:spPr>
+      </p:pic>
+      <p:pic>
+        <p:nvPicPr>
+          <p:cNvPr id="8" name="Picture 7"/>
+          <p:cNvPicPr/>
+          <p:nvPr/>
+        </p:nvPicPr>
+        <p:blipFill>
+          <a:blip r:embed="rId6"/>
+          <a:srcRect/>
+          <a:stretch>
+            <a:fillRect/>
+          </a:stretch>
+        </p:blipFill>
+        <p:spPr bwMode="auto">
+          <a:xfrm>
+            <a:off x="428596" y="2790452"/>
+            <a:ext cx="5943600" cy="1924432"/>
+          </a:xfrm>
+          <a:prstGeom prst="rect">
+            <a:avLst/>
+          </a:prstGeom>
+          <a:ln>
+            <a:noFill/>
+          </a:ln>
+          <a:effectLst>
+            <a:outerShdw blurRad="190500" algn="tl" rotWithShape="0">
+              <a:srgbClr val="000000">
+                <a:alpha val="70000"/>
+              </a:srgbClr>
+            </a:outerShdw>
+          </a:effectLst>
+        </p:spPr>
+      </p:pic>
+      <p:pic>
+        <p:nvPicPr>
+          <p:cNvPr id="9" name="Picture 8"/>
+          <p:cNvPicPr/>
+          <p:nvPr/>
+        </p:nvPicPr>
+        <p:blipFill>
+          <a:blip r:embed="rId7"/>
+          <a:srcRect/>
+          <a:stretch>
+            <a:fillRect/>
+          </a:stretch>
+        </p:blipFill>
+        <p:spPr bwMode="auto">
+          <a:xfrm>
+            <a:off x="2714612" y="3714752"/>
+            <a:ext cx="5943600" cy="1924432"/>
+          </a:xfrm>
+          <a:prstGeom prst="rect">
+            <a:avLst/>
+          </a:prstGeom>
+          <a:ln>
+            <a:noFill/>
+          </a:ln>
+          <a:effectLst>
+            <a:outerShdw blurRad="190500" algn="tl" rotWithShape="0">
+              <a:srgbClr val="000000">
+                <a:alpha val="70000"/>
+              </a:srgbClr>
+            </a:outerShdw>
+          </a:effectLst>
+        </p:spPr>
+      </p:pic>
+    </p:spTree>
+  </p:cSld>
+  <p:clrMapOvr>
+    <a:masterClrMapping/>
+  </p:clrMapOvr>
+  <p:timing>
+    <p:tnLst>
+      <p:par>
+        <p:cTn id="1" dur="indefinite" restart="never" nodeType="tmRoot">
+          <p:childTnLst>
+            <p:seq concurrent="1" nextAc="seek">
+              <p:cTn id="2" dur="indefinite" nodeType="mainSeq">
+                <p:childTnLst>
+                  <p:par>
+                    <p:cTn id="3" fill="hold">
+                      <p:stCondLst>
+                        <p:cond delay="indefinite"/>
+                      </p:stCondLst>
+                      <p:childTnLst>
+                        <p:par>
+                          <p:cTn id="4" fill="hold">
+                            <p:stCondLst>
+                              <p:cond delay="0"/>
+                            </p:stCondLst>
+                            <p:childTnLst>
+                              <p:par>
+                                <p:cTn id="5" presetID="10" presetClass="entr" presetSubtype="0" fill="hold" nodeType="clickEffect">
+                                  <p:stCondLst>
+                                    <p:cond delay="0"/>
+                                  </p:stCondLst>
+                                  <p:childTnLst>
+                                    <p:set>
+                                      <p:cBhvr>
+                                        <p:cTn id="6" dur="1" fill="hold">
+                                          <p:stCondLst>
+                                            <p:cond delay="0"/>
+                                          </p:stCondLst>
+                                        </p:cTn>
+                                        <p:tgtEl>
+                                          <p:spTgt spid="4"/>
+                                        </p:tgtEl>
+                                        <p:attrNameLst>
+                                          <p:attrName>style.visibility</p:attrName>
+                                        </p:attrNameLst>
+                                      </p:cBhvr>
+                                      <p:to>
+                                        <p:strVal val="visible"/>
+                                      </p:to>
+                                    </p:set>
+                                    <p:animEffect transition="in" filter="fade">
+                                      <p:cBhvr>
+                                        <p:cTn id="7" dur="500"/>
+                                        <p:tgtEl>
+                                          <p:spTgt spid="4"/>
+                                        </p:tgtEl>
+                                      </p:cBhvr>
+                                    </p:animEffect>
+                                  </p:childTnLst>
+                                </p:cTn>
+                              </p:par>
+                            </p:childTnLst>
+                          </p:cTn>
+                        </p:par>
+                      </p:childTnLst>
+                    </p:cTn>
+                  </p:par>
+                  <p:par>
+                    <p:cTn id="8" fill="hold">
+                      <p:stCondLst>
+                        <p:cond delay="indefinite"/>
+                      </p:stCondLst>
+                      <p:childTnLst>
+                        <p:par>
+                          <p:cTn id="9" fill="hold">
+                            <p:stCondLst>
+                              <p:cond delay="0"/>
+                            </p:stCondLst>
+                            <p:childTnLst>
+                              <p:par>
+                                <p:cTn id="10" presetID="10" presetClass="exit" presetSubtype="0" fill="hold" nodeType="clickEffect">
+                                  <p:stCondLst>
+                                    <p:cond delay="0"/>
+                                  </p:stCondLst>
+                                  <p:childTnLst>
+                                    <p:animEffect transition="out" filter="fade">
+                                      <p:cBhvr>
+                                        <p:cTn id="11" dur="500"/>
+                                        <p:tgtEl>
+                                          <p:spTgt spid="4"/>
+                                        </p:tgtEl>
+                                      </p:cBhvr>
+                                    </p:animEffect>
+                                    <p:set>
+                                      <p:cBhvr>
+                                        <p:cTn id="12" dur="1" fill="hold">
+                                          <p:stCondLst>
+                                            <p:cond delay="499"/>
+                                          </p:stCondLst>
+                                        </p:cTn>
+                                        <p:tgtEl>
+                                          <p:spTgt spid="4"/>
+                                        </p:tgtEl>
+                                        <p:attrNameLst>
+                                          <p:attrName>style.visibility</p:attrName>
+                                        </p:attrNameLst>
+                                      </p:cBhvr>
+                                      <p:to>
+                                        <p:strVal val="hidden"/>
+                                      </p:to>
+                                    </p:set>
+                                  </p:childTnLst>
+                                </p:cTn>
+                              </p:par>
+                              <p:par>
+                                <p:cTn id="13" presetID="10" presetClass="entr" presetSubtype="0" fill="hold" nodeType="withEffect">
+                                  <p:stCondLst>
+                                    <p:cond delay="0"/>
+                                  </p:stCondLst>
+                                  <p:childTnLst>
+                                    <p:set>
+                                      <p:cBhvr>
+                                        <p:cTn id="14" dur="1" fill="hold">
+                                          <p:stCondLst>
+                                            <p:cond delay="0"/>
+                                          </p:stCondLst>
+                                        </p:cTn>
+                                        <p:tgtEl>
+                                          <p:spTgt spid="5"/>
+                                        </p:tgtEl>
+                                        <p:attrNameLst>
+                                          <p:attrName>style.visibility</p:attrName>
+                                        </p:attrNameLst>
+                                      </p:cBhvr>
+                                      <p:to>
+                                        <p:strVal val="visible"/>
+                                      </p:to>
+                                    </p:set>
+                                    <p:animEffect transition="in" filter="fade">
+                                      <p:cBhvr>
+                                        <p:cTn id="15" dur="500"/>
+                                        <p:tgtEl>
+                                          <p:spTgt spid="5"/>
+                                        </p:tgtEl>
+                                      </p:cBhvr>
+                                    </p:animEffect>
+                                  </p:childTnLst>
+                                </p:cTn>
+                              </p:par>
+                            </p:childTnLst>
+                          </p:cTn>
+                        </p:par>
+                      </p:childTnLst>
+                    </p:cTn>
+                  </p:par>
+                  <p:par>
+                    <p:cTn id="16" fill="hold">
+                      <p:stCondLst>
+                        <p:cond delay="indefinite"/>
+                      </p:stCondLst>
+                      <p:childTnLst>
+                        <p:par>
+                          <p:cTn id="17" fill="hold">
+                            <p:stCondLst>
+                              <p:cond delay="0"/>
+                            </p:stCondLst>
+                            <p:childTnLst>
+                              <p:par>
+                                <p:cTn id="18" presetID="10" presetClass="exit" presetSubtype="0" fill="hold" nodeType="clickEffect">
+                                  <p:stCondLst>
+                                    <p:cond delay="0"/>
+                                  </p:stCondLst>
+                                  <p:childTnLst>
+                                    <p:animEffect transition="out" filter="fade">
+                                      <p:cBhvr>
+                                        <p:cTn id="19" dur="500"/>
+                                        <p:tgtEl>
+                                          <p:spTgt spid="5"/>
+                                        </p:tgtEl>
+                                      </p:cBhvr>
+                                    </p:animEffect>
+                                    <p:set>
+                                      <p:cBhvr>
+                                        <p:cTn id="20" dur="1" fill="hold">
+                                          <p:stCondLst>
+                                            <p:cond delay="499"/>
+                                          </p:stCondLst>
+                                        </p:cTn>
+                                        <p:tgtEl>
+                                          <p:spTgt spid="5"/>
+                                        </p:tgtEl>
+                                        <p:attrNameLst>
+                                          <p:attrName>style.visibility</p:attrName>
+                                        </p:attrNameLst>
+                                      </p:cBhvr>
+                                      <p:to>
+                                        <p:strVal val="hidden"/>
+                                      </p:to>
+                                    </p:set>
+                                  </p:childTnLst>
+                                </p:cTn>
+                              </p:par>
+                              <p:par>
+                                <p:cTn id="21" presetID="10" presetClass="entr" presetSubtype="0" fill="hold" nodeType="withEffect">
+                                  <p:stCondLst>
+                                    <p:cond delay="0"/>
+                                  </p:stCondLst>
+                                  <p:childTnLst>
+                                    <p:set>
+                                      <p:cBhvr>
+                                        <p:cTn id="22" dur="1" fill="hold">
+                                          <p:stCondLst>
+                                            <p:cond delay="0"/>
+                                          </p:stCondLst>
+                                        </p:cTn>
+                                        <p:tgtEl>
+                                          <p:spTgt spid="6"/>
+                                        </p:tgtEl>
+                                        <p:attrNameLst>
+                                          <p:attrName>style.visibility</p:attrName>
+                                        </p:attrNameLst>
+                                      </p:cBhvr>
+                                      <p:to>
+                                        <p:strVal val="visible"/>
+                                      </p:to>
+                                    </p:set>
+                                    <p:animEffect transition="in" filter="fade">
+                                      <p:cBhvr>
+                                        <p:cTn id="23" dur="500"/>
+                                        <p:tgtEl>
+                                          <p:spTgt spid="6"/>
+                                        </p:tgtEl>
+                                      </p:cBhvr>
+                                    </p:animEffect>
+                                  </p:childTnLst>
+                                </p:cTn>
+                              </p:par>
+                            </p:childTnLst>
+                          </p:cTn>
+                        </p:par>
+                      </p:childTnLst>
+                    </p:cTn>
+                  </p:par>
+                  <p:par>
+                    <p:cTn id="24" fill="hold">
+                      <p:stCondLst>
+                        <p:cond delay="indefinite"/>
+                      </p:stCondLst>
+                      <p:childTnLst>
+                        <p:par>
+                          <p:cTn id="25" fill="hold">
+                            <p:stCondLst>
+                              <p:cond delay="0"/>
+                            </p:stCondLst>
+                            <p:childTnLst>
+                              <p:par>
+                                <p:cTn id="26" presetID="10" presetClass="exit" presetSubtype="0" fill="hold" nodeType="clickEffect">
+                                  <p:stCondLst>
+                                    <p:cond delay="0"/>
+                                  </p:stCondLst>
+                                  <p:childTnLst>
+                                    <p:animEffect transition="out" filter="fade">
+                                      <p:cBhvr>
+                                        <p:cTn id="27" dur="500"/>
+                                        <p:tgtEl>
+                                          <p:spTgt spid="6"/>
+                                        </p:tgtEl>
+                                      </p:cBhvr>
+                                    </p:animEffect>
+                                    <p:set>
+                                      <p:cBhvr>
+                                        <p:cTn id="28" dur="1" fill="hold">
+                                          <p:stCondLst>
+                                            <p:cond delay="499"/>
+                                          </p:stCondLst>
+                                        </p:cTn>
+                                        <p:tgtEl>
+                                          <p:spTgt spid="6"/>
+                                        </p:tgtEl>
+                                        <p:attrNameLst>
+                                          <p:attrName>style.visibility</p:attrName>
+                                        </p:attrNameLst>
+                                      </p:cBhvr>
+                                      <p:to>
+                                        <p:strVal val="hidden"/>
+                                      </p:to>
+                                    </p:set>
+                                  </p:childTnLst>
+                                </p:cTn>
+                              </p:par>
+                              <p:par>
+                                <p:cTn id="29" presetID="10" presetClass="entr" presetSubtype="0" fill="hold" nodeType="withEffect">
+                                  <p:stCondLst>
+                                    <p:cond delay="0"/>
+                                  </p:stCondLst>
+                                  <p:childTnLst>
+                                    <p:set>
+                                      <p:cBhvr>
+                                        <p:cTn id="30" dur="1" fill="hold">
+                                          <p:stCondLst>
+                                            <p:cond delay="0"/>
+                                          </p:stCondLst>
+                                        </p:cTn>
+                                        <p:tgtEl>
+                                          <p:spTgt spid="7"/>
+                                        </p:tgtEl>
+                                        <p:attrNameLst>
+                                          <p:attrName>style.visibility</p:attrName>
+                                        </p:attrNameLst>
+                                      </p:cBhvr>
+                                      <p:to>
+                                        <p:strVal val="visible"/>
+                                      </p:to>
+                                    </p:set>
+                                    <p:animEffect transition="in" filter="fade">
+                                      <p:cBhvr>
+                                        <p:cTn id="31" dur="500"/>
+                                        <p:tgtEl>
+                                          <p:spTgt spid="7"/>
+                                        </p:tgtEl>
+                                      </p:cBhvr>
+                                    </p:animEffect>
+                                  </p:childTnLst>
+                                </p:cTn>
+                              </p:par>
+                            </p:childTnLst>
+                          </p:cTn>
+                        </p:par>
+                        <p:par>
+                          <p:cTn id="32" fill="hold">
+                            <p:stCondLst>
+                              <p:cond delay="500"/>
+                            </p:stCondLst>
+                            <p:childTnLst>
+                              <p:par>
+                                <p:cTn id="33" presetID="10" presetClass="entr" presetSubtype="0" fill="hold" nodeType="afterEffect">
+                                  <p:stCondLst>
+                                    <p:cond delay="0"/>
+                                  </p:stCondLst>
+                                  <p:childTnLst>
+                                    <p:set>
+                                      <p:cBhvr>
+                                        <p:cTn id="34" dur="1" fill="hold">
+                                          <p:stCondLst>
+                                            <p:cond delay="0"/>
+                                          </p:stCondLst>
+                                        </p:cTn>
+                                        <p:tgtEl>
+                                          <p:spTgt spid="8"/>
+                                        </p:tgtEl>
+                                        <p:attrNameLst>
+                                          <p:attrName>style.visibility</p:attrName>
+                                        </p:attrNameLst>
+                                      </p:cBhvr>
+                                      <p:to>
+                                        <p:strVal val="visible"/>
+                                      </p:to>
+                                    </p:set>
+                                    <p:animEffect transition="in" filter="fade">
+                                      <p:cBhvr>
+                                        <p:cTn id="35" dur="500"/>
+                                        <p:tgtEl>
+                                          <p:spTgt spid="8"/>
+                                        </p:tgtEl>
+                                      </p:cBhvr>
+                                    </p:animEffect>
+                                  </p:childTnLst>
+                                </p:cTn>
+                              </p:par>
+                            </p:childTnLst>
+                          </p:cTn>
+                        </p:par>
+                        <p:par>
+                          <p:cTn id="36" fill="hold">
+                            <p:stCondLst>
+                              <p:cond delay="1000"/>
+                            </p:stCondLst>
+                            <p:childTnLst>
+                              <p:par>
+                                <p:cTn id="37" presetID="10" presetClass="entr" presetSubtype="0" fill="hold" nodeType="afterEffect">
+                                  <p:stCondLst>
+                                    <p:cond delay="0"/>
+                                  </p:stCondLst>
+                                  <p:childTnLst>
+                                    <p:set>
+                                      <p:cBhvr>
+                                        <p:cTn id="38" dur="1" fill="hold">
+                                          <p:stCondLst>
+                                            <p:cond delay="0"/>
+                                          </p:stCondLst>
+                                        </p:cTn>
+                                        <p:tgtEl>
+                                          <p:spTgt spid="9"/>
+                                        </p:tgtEl>
+                                        <p:attrNameLst>
+                                          <p:attrName>style.visibility</p:attrName>
+                                        </p:attrNameLst>
+                                      </p:cBhvr>
+                                      <p:to>
+                                        <p:strVal val="visible"/>
+                                      </p:to>
+                                    </p:set>
+                                    <p:animEffect transition="in" filter="fade">
+                                      <p:cBhvr>
+                                        <p:cTn id="39" dur="500"/>
+                                        <p:tgtEl>
+                                          <p:spTgt spid="9"/>
+                                        </p:tgtEl>
+                                      </p:cBhvr>
+                                    </p:animEffect>
+                                  </p:childTnLst>
+                                </p:cTn>
+                              </p:par>
+                            </p:childTnLst>
+                          </p:cTn>
+                        </p:par>
+                      </p:childTnLst>
+                    </p:cTn>
+                  </p:par>
+                </p:childTnLst>
+              </p:cTn>
+              <p:prevCondLst>
+                <p:cond evt="onPrev" delay="0">
+                  <p:tgtEl>
+                    <p:sldTgt/>
+                  </p:tgtEl>
+                </p:cond>
+              </p:prevCondLst>
+              <p:nextCondLst>
+                <p:cond evt="onNext" delay="0">
+                  <p:tgtEl>
+                    <p:sldTgt/>
+                  </p:tgtEl>
+                </p:cond>
+              </p:nextCondLst>
+            </p:seq>
+          </p:childTnLst>
+        </p:cTn>
+      </p:par>
+    </p:tnLst>
+  </p:timing>
+</p:sld>
+</file>
+
+<file path=ppt/slides/slide21.xml><?xml version="1.0" encoding="utf-8"?>
+<p:sld xmlns:a="http://schemas.openxmlformats.org/drawingml/2006/main" xmlns:r="http://schemas.openxmlformats.org/officeDocument/2006/relationships" xmlns:p="http://schemas.openxmlformats.org/presentationml/2006/main">
+  <p:cSld>
+    <p:spTree>
+      <p:nvGrpSpPr>
+        <p:cNvPr id="1" name=""/>
+        <p:cNvGrpSpPr/>
+        <p:nvPr/>
+      </p:nvGrpSpPr>
+      <p:grpSpPr>
+        <a:xfrm>
+          <a:off x="0" y="0"/>
+          <a:ext cx="0" cy="0"/>
+          <a:chOff x="0" y="0"/>
+          <a:chExt cx="0" cy="0"/>
+        </a:xfrm>
+      </p:grpSpPr>
+      <p:sp>
+        <p:nvSpPr>
+          <p:cNvPr id="2" name="Title 1"/>
+          <p:cNvSpPr>
+            <a:spLocks noGrp="1"/>
+          </p:cNvSpPr>
+          <p:nvPr>
+            <p:ph type="title"/>
+          </p:nvPr>
+        </p:nvSpPr>
+        <p:spPr/>
+        <p:txBody>
+          <a:bodyPr>
+            <a:normAutofit fontScale="90000"/>
+          </a:bodyPr>
+          <a:lstStyle/>
+          <a:p>
+            <a:pPr lvl="0"/>
+            <a:r>
+              <a:rPr lang="nl-BE" dirty="0" smtClean="0"/>
+              <a:t>ALM: TeamCity</a:t>
+            </a:r>
+            <a:r>
+              <a:rPr lang="nl-BE" baseline="0" dirty="0" smtClean="0"/>
+              <a:t> with Subversion: </a:t>
+            </a:r>
+            <a:r>
+              <a:rPr lang="nl-BE" dirty="0" smtClean="0"/>
+              <a:t>Perfect match!</a:t>
+            </a:r>
+            <a:endParaRPr lang="en-US" dirty="0"/>
+          </a:p>
+        </p:txBody>
+      </p:sp>
+      <p:pic>
+        <p:nvPicPr>
+          <p:cNvPr id="4" name="Picture 3"/>
+          <p:cNvPicPr/>
+          <p:nvPr/>
+        </p:nvPicPr>
+        <p:blipFill>
+          <a:blip r:embed="rId2"/>
+          <a:srcRect/>
+          <a:stretch>
+            <a:fillRect/>
+          </a:stretch>
+        </p:blipFill>
+        <p:spPr bwMode="auto">
+          <a:xfrm>
+            <a:off x="500033" y="549126"/>
+            <a:ext cx="8084607" cy="3237064"/>
+          </a:xfrm>
+          <a:prstGeom prst="rect">
+            <a:avLst/>
+          </a:prstGeom>
+          <a:noFill/>
+          <a:ln w="9525">
+            <a:noFill/>
+            <a:miter lim="800000"/>
+            <a:headEnd/>
+            <a:tailEnd/>
+          </a:ln>
+        </p:spPr>
+      </p:pic>
+      <p:pic>
+        <p:nvPicPr>
+          <p:cNvPr id="5" name="Picture 4"/>
+          <p:cNvPicPr/>
+          <p:nvPr/>
+        </p:nvPicPr>
+        <p:blipFill>
+          <a:blip r:embed="rId3"/>
+          <a:srcRect/>
+          <a:stretch>
+            <a:fillRect/>
+          </a:stretch>
+        </p:blipFill>
+        <p:spPr bwMode="auto">
+          <a:xfrm>
+            <a:off x="500033" y="571480"/>
+            <a:ext cx="8126799" cy="4071966"/>
+          </a:xfrm>
+          <a:prstGeom prst="rect">
+            <a:avLst/>
+          </a:prstGeom>
+          <a:noFill/>
+          <a:ln w="9525">
+            <a:noFill/>
+            <a:miter lim="800000"/>
+            <a:headEnd/>
+            <a:tailEnd/>
+          </a:ln>
+        </p:spPr>
+      </p:pic>
+      <p:pic>
+        <p:nvPicPr>
+          <p:cNvPr id="6" name="Picture 5"/>
+          <p:cNvPicPr/>
+          <p:nvPr/>
+        </p:nvPicPr>
+        <p:blipFill>
+          <a:blip r:embed="rId4"/>
+          <a:srcRect/>
+          <a:stretch>
+            <a:fillRect/>
+          </a:stretch>
+        </p:blipFill>
+        <p:spPr bwMode="auto">
+          <a:xfrm>
+            <a:off x="500033" y="593811"/>
+            <a:ext cx="8082231" cy="4049635"/>
+          </a:xfrm>
+          <a:prstGeom prst="rect">
+            <a:avLst/>
+          </a:prstGeom>
+          <a:noFill/>
+          <a:ln w="9525">
+            <a:noFill/>
+            <a:miter lim="800000"/>
+            <a:headEnd/>
+            <a:tailEnd/>
+          </a:ln>
+        </p:spPr>
+      </p:pic>
+      <p:pic>
+        <p:nvPicPr>
+          <p:cNvPr id="7" name="Picture 6"/>
+          <p:cNvPicPr/>
+          <p:nvPr/>
+        </p:nvPicPr>
+        <p:blipFill>
+          <a:blip r:embed="rId5"/>
+          <a:srcRect/>
+          <a:stretch>
+            <a:fillRect/>
+          </a:stretch>
+        </p:blipFill>
+        <p:spPr bwMode="auto">
+          <a:xfrm>
+            <a:off x="500034" y="551854"/>
+            <a:ext cx="8060038" cy="2448518"/>
+          </a:xfrm>
+          <a:prstGeom prst="rect">
+            <a:avLst/>
+          </a:prstGeom>
+          <a:noFill/>
+          <a:ln w="9525">
+            <a:noFill/>
+            <a:miter lim="800000"/>
+            <a:headEnd/>
+            <a:tailEnd/>
+          </a:ln>
+        </p:spPr>
+      </p:pic>
+      <p:pic>
+        <p:nvPicPr>
+          <p:cNvPr id="8" name="Picture 7"/>
+          <p:cNvPicPr/>
+          <p:nvPr/>
+        </p:nvPicPr>
+        <p:blipFill>
+          <a:blip r:embed="rId6"/>
+          <a:srcRect/>
+          <a:stretch>
+            <a:fillRect/>
+          </a:stretch>
+        </p:blipFill>
+        <p:spPr bwMode="auto">
+          <a:xfrm>
+            <a:off x="428596" y="2790452"/>
+            <a:ext cx="5943600" cy="1924432"/>
+          </a:xfrm>
+          <a:prstGeom prst="rect">
+            <a:avLst/>
+          </a:prstGeom>
+          <a:ln>
+            <a:noFill/>
+          </a:ln>
+          <a:effectLst>
+            <a:outerShdw blurRad="190500" algn="tl" rotWithShape="0">
+              <a:srgbClr val="000000">
+                <a:alpha val="70000"/>
+              </a:srgbClr>
+            </a:outerShdw>
+          </a:effectLst>
+        </p:spPr>
+      </p:pic>
+      <p:pic>
+        <p:nvPicPr>
+          <p:cNvPr id="9" name="Picture 8"/>
+          <p:cNvPicPr/>
+          <p:nvPr/>
+        </p:nvPicPr>
+        <p:blipFill>
+          <a:blip r:embed="rId7"/>
+          <a:srcRect/>
+          <a:stretch>
+            <a:fillRect/>
+          </a:stretch>
+        </p:blipFill>
+        <p:spPr bwMode="auto">
+          <a:xfrm>
+            <a:off x="2714612" y="3714752"/>
+            <a:ext cx="5943600" cy="1924432"/>
+          </a:xfrm>
+          <a:prstGeom prst="rect">
+            <a:avLst/>
+          </a:prstGeom>
+          <a:ln>
+            <a:noFill/>
+          </a:ln>
+          <a:effectLst>
+            <a:outerShdw blurRad="190500" algn="tl" rotWithShape="0">
+              <a:srgbClr val="000000">
+                <a:alpha val="70000"/>
+              </a:srgbClr>
+            </a:outerShdw>
+          </a:effectLst>
+        </p:spPr>
+      </p:pic>
+    </p:spTree>
+  </p:cSld>
+  <p:clrMapOvr>
+    <a:masterClrMapping/>
+  </p:clrMapOvr>
+  <p:timing>
+    <p:tnLst>
+      <p:par>
+        <p:cTn id="1" dur="indefinite" restart="never" nodeType="tmRoot">
+          <p:childTnLst>
+            <p:seq concurrent="1" nextAc="seek">
+              <p:cTn id="2" dur="indefinite" nodeType="mainSeq">
+                <p:childTnLst>
+                  <p:par>
+                    <p:cTn id="3" fill="hold">
+                      <p:stCondLst>
+                        <p:cond delay="indefinite"/>
+                      </p:stCondLst>
+                      <p:childTnLst>
+                        <p:par>
+                          <p:cTn id="4" fill="hold">
+                            <p:stCondLst>
+                              <p:cond delay="0"/>
+                            </p:stCondLst>
+                            <p:childTnLst>
+                              <p:par>
+                                <p:cTn id="5" presetID="10" presetClass="entr" presetSubtype="0" fill="hold" nodeType="clickEffect">
+                                  <p:stCondLst>
+                                    <p:cond delay="0"/>
+                                  </p:stCondLst>
+                                  <p:childTnLst>
+                                    <p:set>
+                                      <p:cBhvr>
+                                        <p:cTn id="6" dur="1" fill="hold">
+                                          <p:stCondLst>
+                                            <p:cond delay="0"/>
+                                          </p:stCondLst>
+                                        </p:cTn>
+                                        <p:tgtEl>
+                                          <p:spTgt spid="4"/>
+                                        </p:tgtEl>
+                                        <p:attrNameLst>
+                                          <p:attrName>style.visibility</p:attrName>
+                                        </p:attrNameLst>
+                                      </p:cBhvr>
+                                      <p:to>
+                                        <p:strVal val="visible"/>
+                                      </p:to>
+                                    </p:set>
+                                    <p:animEffect transition="in" filter="fade">
+                                      <p:cBhvr>
+                                        <p:cTn id="7" dur="500"/>
+                                        <p:tgtEl>
+                                          <p:spTgt spid="4"/>
+                                        </p:tgtEl>
+                                      </p:cBhvr>
+                                    </p:animEffect>
+                                  </p:childTnLst>
+                                </p:cTn>
+                              </p:par>
+                            </p:childTnLst>
+                          </p:cTn>
+                        </p:par>
+                      </p:childTnLst>
+                    </p:cTn>
+                  </p:par>
+                  <p:par>
+                    <p:cTn id="8" fill="hold">
+                      <p:stCondLst>
+                        <p:cond delay="indefinite"/>
+                      </p:stCondLst>
+                      <p:childTnLst>
+                        <p:par>
+                          <p:cTn id="9" fill="hold">
+                            <p:stCondLst>
+                              <p:cond delay="0"/>
+                            </p:stCondLst>
+                            <p:childTnLst>
+                              <p:par>
+                                <p:cTn id="10" presetID="10" presetClass="exit" presetSubtype="0" fill="hold" nodeType="clickEffect">
+                                  <p:stCondLst>
+                                    <p:cond delay="0"/>
+                                  </p:stCondLst>
+                                  <p:childTnLst>
+                                    <p:animEffect transition="out" filter="fade">
+                                      <p:cBhvr>
+                                        <p:cTn id="11" dur="500"/>
+                                        <p:tgtEl>
+                                          <p:spTgt spid="4"/>
+                                        </p:tgtEl>
+                                      </p:cBhvr>
+                                    </p:animEffect>
+                                    <p:set>
+                                      <p:cBhvr>
+                                        <p:cTn id="12" dur="1" fill="hold">
+                                          <p:stCondLst>
+                                            <p:cond delay="499"/>
+                                          </p:stCondLst>
+                                        </p:cTn>
+                                        <p:tgtEl>
+                                          <p:spTgt spid="4"/>
+                                        </p:tgtEl>
+                                        <p:attrNameLst>
+                                          <p:attrName>style.visibility</p:attrName>
+                                        </p:attrNameLst>
+                                      </p:cBhvr>
+                                      <p:to>
+                                        <p:strVal val="hidden"/>
+                                      </p:to>
+                                    </p:set>
+                                  </p:childTnLst>
+                                </p:cTn>
+                              </p:par>
+                              <p:par>
+                                <p:cTn id="13" presetID="10" presetClass="entr" presetSubtype="0" fill="hold" nodeType="withEffect">
+                                  <p:stCondLst>
+                                    <p:cond delay="0"/>
+                                  </p:stCondLst>
+                                  <p:childTnLst>
+                                    <p:set>
+                                      <p:cBhvr>
+                                        <p:cTn id="14" dur="1" fill="hold">
+                                          <p:stCondLst>
+                                            <p:cond delay="0"/>
+                                          </p:stCondLst>
+                                        </p:cTn>
+                                        <p:tgtEl>
+                                          <p:spTgt spid="5"/>
+                                        </p:tgtEl>
+                                        <p:attrNameLst>
+                                          <p:attrName>style.visibility</p:attrName>
+                                        </p:attrNameLst>
+                                      </p:cBhvr>
+                                      <p:to>
+                                        <p:strVal val="visible"/>
+                                      </p:to>
+                                    </p:set>
+                                    <p:animEffect transition="in" filter="fade">
+                                      <p:cBhvr>
+                                        <p:cTn id="15" dur="500"/>
+                                        <p:tgtEl>
+                                          <p:spTgt spid="5"/>
+                                        </p:tgtEl>
+                                      </p:cBhvr>
+                                    </p:animEffect>
+                                  </p:childTnLst>
+                                </p:cTn>
+                              </p:par>
+                            </p:childTnLst>
+                          </p:cTn>
+                        </p:par>
+                      </p:childTnLst>
+                    </p:cTn>
+                  </p:par>
+                  <p:par>
+                    <p:cTn id="16" fill="hold">
+                      <p:stCondLst>
+                        <p:cond delay="indefinite"/>
+                      </p:stCondLst>
+                      <p:childTnLst>
+                        <p:par>
+                          <p:cTn id="17" fill="hold">
+                            <p:stCondLst>
+                              <p:cond delay="0"/>
+                            </p:stCondLst>
+                            <p:childTnLst>
+                              <p:par>
+                                <p:cTn id="18" presetID="10" presetClass="exit" presetSubtype="0" fill="hold" nodeType="clickEffect">
+                                  <p:stCondLst>
+                                    <p:cond delay="0"/>
+                                  </p:stCondLst>
+                                  <p:childTnLst>
+                                    <p:animEffect transition="out" filter="fade">
+                                      <p:cBhvr>
+                                        <p:cTn id="19" dur="500"/>
+                                        <p:tgtEl>
+                                          <p:spTgt spid="5"/>
+                                        </p:tgtEl>
+                                      </p:cBhvr>
+                                    </p:animEffect>
+                                    <p:set>
+                                      <p:cBhvr>
+                                        <p:cTn id="20" dur="1" fill="hold">
+                                          <p:stCondLst>
+                                            <p:cond delay="499"/>
+                                          </p:stCondLst>
+                                        </p:cTn>
+                                        <p:tgtEl>
+                                          <p:spTgt spid="5"/>
+                                        </p:tgtEl>
+                                        <p:attrNameLst>
+                                          <p:attrName>style.visibility</p:attrName>
+                                        </p:attrNameLst>
+                                      </p:cBhvr>
+                                      <p:to>
+                                        <p:strVal val="hidden"/>
+                                      </p:to>
+                                    </p:set>
+                                  </p:childTnLst>
+                                </p:cTn>
+                              </p:par>
+                              <p:par>
+                                <p:cTn id="21" presetID="10" presetClass="entr" presetSubtype="0" fill="hold" nodeType="withEffect">
+                                  <p:stCondLst>
+                                    <p:cond delay="0"/>
+                                  </p:stCondLst>
+                                  <p:childTnLst>
+                                    <p:set>
+                                      <p:cBhvr>
+                                        <p:cTn id="22" dur="1" fill="hold">
+                                          <p:stCondLst>
+                                            <p:cond delay="0"/>
+                                          </p:stCondLst>
+                                        </p:cTn>
+                                        <p:tgtEl>
+                                          <p:spTgt spid="6"/>
+                                        </p:tgtEl>
+                                        <p:attrNameLst>
+                                          <p:attrName>style.visibility</p:attrName>
+                                        </p:attrNameLst>
+                                      </p:cBhvr>
+                                      <p:to>
+                                        <p:strVal val="visible"/>
+                                      </p:to>
+                                    </p:set>
+                                    <p:animEffect transition="in" filter="fade">
+                                      <p:cBhvr>
+                                        <p:cTn id="23" dur="500"/>
+                                        <p:tgtEl>
+                                          <p:spTgt spid="6"/>
+                                        </p:tgtEl>
+                                      </p:cBhvr>
+                                    </p:animEffect>
+                                  </p:childTnLst>
+                                </p:cTn>
+                              </p:par>
+                            </p:childTnLst>
+                          </p:cTn>
+                        </p:par>
+                      </p:childTnLst>
+                    </p:cTn>
+                  </p:par>
+                  <p:par>
+                    <p:cTn id="24" fill="hold">
+                      <p:stCondLst>
+                        <p:cond delay="indefinite"/>
+                      </p:stCondLst>
+                      <p:childTnLst>
+                        <p:par>
+                          <p:cTn id="25" fill="hold">
+                            <p:stCondLst>
+                              <p:cond delay="0"/>
+                            </p:stCondLst>
+                            <p:childTnLst>
+                              <p:par>
+                                <p:cTn id="26" presetID="10" presetClass="exit" presetSubtype="0" fill="hold" nodeType="clickEffect">
+                                  <p:stCondLst>
+                                    <p:cond delay="0"/>
+                                  </p:stCondLst>
+                                  <p:childTnLst>
+                                    <p:animEffect transition="out" filter="fade">
+                                      <p:cBhvr>
+                                        <p:cTn id="27" dur="500"/>
+                                        <p:tgtEl>
+                                          <p:spTgt spid="6"/>
+                                        </p:tgtEl>
+                                      </p:cBhvr>
+                                    </p:animEffect>
+                                    <p:set>
+                                      <p:cBhvr>
+                                        <p:cTn id="28" dur="1" fill="hold">
+                                          <p:stCondLst>
+                                            <p:cond delay="499"/>
+                                          </p:stCondLst>
+                                        </p:cTn>
+                                        <p:tgtEl>
+                                          <p:spTgt spid="6"/>
+                                        </p:tgtEl>
+                                        <p:attrNameLst>
+                                          <p:attrName>style.visibility</p:attrName>
+                                        </p:attrNameLst>
+                                      </p:cBhvr>
+                                      <p:to>
+                                        <p:strVal val="hidden"/>
+                                      </p:to>
+                                    </p:set>
+                                  </p:childTnLst>
+                                </p:cTn>
+                              </p:par>
+                              <p:par>
+                                <p:cTn id="29" presetID="10" presetClass="entr" presetSubtype="0" fill="hold" nodeType="withEffect">
+                                  <p:stCondLst>
+                                    <p:cond delay="0"/>
+                                  </p:stCondLst>
+                                  <p:childTnLst>
+                                    <p:set>
+                                      <p:cBhvr>
+                                        <p:cTn id="30" dur="1" fill="hold">
+                                          <p:stCondLst>
+                                            <p:cond delay="0"/>
+                                          </p:stCondLst>
+                                        </p:cTn>
+                                        <p:tgtEl>
+                                          <p:spTgt spid="7"/>
+                                        </p:tgtEl>
+                                        <p:attrNameLst>
+                                          <p:attrName>style.visibility</p:attrName>
+                                        </p:attrNameLst>
+                                      </p:cBhvr>
+                                      <p:to>
+                                        <p:strVal val="visible"/>
+                                      </p:to>
+                                    </p:set>
+                                    <p:animEffect transition="in" filter="fade">
+                                      <p:cBhvr>
+                                        <p:cTn id="31" dur="500"/>
+                                        <p:tgtEl>
+                                          <p:spTgt spid="7"/>
+                                        </p:tgtEl>
+                                      </p:cBhvr>
+                                    </p:animEffect>
+                                  </p:childTnLst>
+                                </p:cTn>
+                              </p:par>
+                            </p:childTnLst>
+                          </p:cTn>
+                        </p:par>
+                        <p:par>
+                          <p:cTn id="32" fill="hold">
+                            <p:stCondLst>
+                              <p:cond delay="500"/>
+                            </p:stCondLst>
+                            <p:childTnLst>
+                              <p:par>
+                                <p:cTn id="33" presetID="10" presetClass="entr" presetSubtype="0" fill="hold" nodeType="afterEffect">
+                                  <p:stCondLst>
+                                    <p:cond delay="0"/>
+                                  </p:stCondLst>
+                                  <p:childTnLst>
+                                    <p:set>
+                                      <p:cBhvr>
+                                        <p:cTn id="34" dur="1" fill="hold">
+                                          <p:stCondLst>
+                                            <p:cond delay="0"/>
+                                          </p:stCondLst>
+                                        </p:cTn>
+                                        <p:tgtEl>
+                                          <p:spTgt spid="8"/>
+                                        </p:tgtEl>
+                                        <p:attrNameLst>
+                                          <p:attrName>style.visibility</p:attrName>
+                                        </p:attrNameLst>
+                                      </p:cBhvr>
+                                      <p:to>
+                                        <p:strVal val="visible"/>
+                                      </p:to>
+                                    </p:set>
+                                    <p:animEffect transition="in" filter="fade">
+                                      <p:cBhvr>
+                                        <p:cTn id="35" dur="500"/>
+                                        <p:tgtEl>
+                                          <p:spTgt spid="8"/>
+                                        </p:tgtEl>
+                                      </p:cBhvr>
+                                    </p:animEffect>
+                                  </p:childTnLst>
+                                </p:cTn>
+                              </p:par>
+                            </p:childTnLst>
+                          </p:cTn>
+                        </p:par>
+                        <p:par>
+                          <p:cTn id="36" fill="hold">
+                            <p:stCondLst>
+                              <p:cond delay="1000"/>
+                            </p:stCondLst>
+                            <p:childTnLst>
+                              <p:par>
+                                <p:cTn id="37" presetID="10" presetClass="entr" presetSubtype="0" fill="hold" nodeType="afterEffect">
+                                  <p:stCondLst>
+                                    <p:cond delay="0"/>
+                                  </p:stCondLst>
+                                  <p:childTnLst>
+                                    <p:set>
+                                      <p:cBhvr>
+                                        <p:cTn id="38" dur="1" fill="hold">
+                                          <p:stCondLst>
+                                            <p:cond delay="0"/>
+                                          </p:stCondLst>
+                                        </p:cTn>
+                                        <p:tgtEl>
+                                          <p:spTgt spid="9"/>
+                                        </p:tgtEl>
+                                        <p:attrNameLst>
+                                          <p:attrName>style.visibility</p:attrName>
+                                        </p:attrNameLst>
+                                      </p:cBhvr>
+                                      <p:to>
+                                        <p:strVal val="visible"/>
+                                      </p:to>
+                                    </p:set>
+                                    <p:animEffect transition="in" filter="fade">
+                                      <p:cBhvr>
+                                        <p:cTn id="39" dur="500"/>
+                                        <p:tgtEl>
+                                          <p:spTgt spid="9"/>
+                                        </p:tgtEl>
+                                      </p:cBhvr>
+                                    </p:animEffect>
+                                  </p:childTnLst>
+                                </p:cTn>
+                              </p:par>
+                            </p:childTnLst>
+                          </p:cTn>
+                        </p:par>
+                      </p:childTnLst>
+                    </p:cTn>
+                  </p:par>
+                </p:childTnLst>
+              </p:cTn>
+              <p:prevCondLst>
+                <p:cond evt="onPrev" delay="0">
+                  <p:tgtEl>
+                    <p:sldTgt/>
+                  </p:tgtEl>
+                </p:cond>
+              </p:prevCondLst>
+              <p:nextCondLst>
+                <p:cond evt="onNext" delay="0">
+                  <p:tgtEl>
+                    <p:sldTgt/>
+                  </p:tgtEl>
+                </p:cond>
+              </p:nextCondLst>
+            </p:seq>
+          </p:childTnLst>
+        </p:cTn>
+      </p:par>
+    </p:tnLst>
+  </p:timing>
+</p:sld>
+</file>
+
+<file path=ppt/slides/slide22.xml><?xml version="1.0" encoding="utf-8"?>
+<p:sld xmlns:a="http://schemas.openxmlformats.org/drawingml/2006/main" xmlns:r="http://schemas.openxmlformats.org/officeDocument/2006/relationships" xmlns:p="http://schemas.openxmlformats.org/presentationml/2006/main">
+  <p:cSld>
+    <p:spTree>
+      <p:nvGrpSpPr>
+        <p:cNvPr id="1" name=""/>
+        <p:cNvGrpSpPr/>
+        <p:nvPr/>
+      </p:nvGrpSpPr>
+      <p:grpSpPr>
+        <a:xfrm>
+          <a:off x="0" y="0"/>
+          <a:ext cx="0" cy="0"/>
+          <a:chOff x="0" y="0"/>
+          <a:chExt cx="0" cy="0"/>
+        </a:xfrm>
+      </p:grpSpPr>
+      <p:sp>
+        <p:nvSpPr>
+          <p:cNvPr id="2" name="Title 1"/>
+          <p:cNvSpPr>
+            <a:spLocks noGrp="1"/>
+          </p:cNvSpPr>
+          <p:nvPr>
+            <p:ph type="title"/>
+          </p:nvPr>
+        </p:nvSpPr>
+        <p:spPr/>
+        <p:txBody>
+          <a:bodyPr>
+            <a:normAutofit fontScale="90000"/>
+          </a:bodyPr>
+          <a:lstStyle/>
+          <a:p>
+            <a:pPr lvl="0"/>
+            <a:r>
+              <a:rPr lang="nl-BE" dirty="0" smtClean="0"/>
+              <a:t>ALM: TeamCity</a:t>
+            </a:r>
+            <a:r>
+              <a:rPr lang="nl-BE" baseline="0" dirty="0" smtClean="0"/>
+              <a:t> with Subversion: </a:t>
+            </a:r>
+            <a:r>
+              <a:rPr lang="nl-BE" dirty="0" smtClean="0"/>
+              <a:t>Perfect match!</a:t>
+            </a:r>
+            <a:endParaRPr lang="en-US" dirty="0"/>
+          </a:p>
+        </p:txBody>
+      </p:sp>
+      <p:pic>
+        <p:nvPicPr>
+          <p:cNvPr id="4" name="Picture 3"/>
+          <p:cNvPicPr/>
+          <p:nvPr/>
+        </p:nvPicPr>
+        <p:blipFill>
+          <a:blip r:embed="rId2"/>
+          <a:srcRect/>
+          <a:stretch>
+            <a:fillRect/>
+          </a:stretch>
+        </p:blipFill>
+        <p:spPr bwMode="auto">
+          <a:xfrm>
+            <a:off x="500033" y="549126"/>
+            <a:ext cx="8084607" cy="3237064"/>
+          </a:xfrm>
+          <a:prstGeom prst="rect">
+            <a:avLst/>
+          </a:prstGeom>
+          <a:noFill/>
+          <a:ln w="9525">
+            <a:noFill/>
+            <a:miter lim="800000"/>
+            <a:headEnd/>
+            <a:tailEnd/>
+          </a:ln>
+        </p:spPr>
+      </p:pic>
+      <p:pic>
+        <p:nvPicPr>
+          <p:cNvPr id="5" name="Picture 4"/>
+          <p:cNvPicPr/>
+          <p:nvPr/>
+        </p:nvPicPr>
+        <p:blipFill>
+          <a:blip r:embed="rId3"/>
+          <a:srcRect/>
+          <a:stretch>
+            <a:fillRect/>
+          </a:stretch>
+        </p:blipFill>
+        <p:spPr bwMode="auto">
+          <a:xfrm>
+            <a:off x="500033" y="571480"/>
+            <a:ext cx="8126799" cy="4071966"/>
+          </a:xfrm>
+          <a:prstGeom prst="rect">
+            <a:avLst/>
+          </a:prstGeom>
+          <a:noFill/>
+          <a:ln w="9525">
+            <a:noFill/>
+            <a:miter lim="800000"/>
+            <a:headEnd/>
+            <a:tailEnd/>
+          </a:ln>
+        </p:spPr>
+      </p:pic>
+      <p:pic>
+        <p:nvPicPr>
+          <p:cNvPr id="6" name="Picture 5"/>
+          <p:cNvPicPr/>
+          <p:nvPr/>
+        </p:nvPicPr>
+        <p:blipFill>
+          <a:blip r:embed="rId4"/>
+          <a:srcRect/>
+          <a:stretch>
+            <a:fillRect/>
+          </a:stretch>
+        </p:blipFill>
+        <p:spPr bwMode="auto">
+          <a:xfrm>
+            <a:off x="500033" y="593811"/>
+            <a:ext cx="8082231" cy="4049635"/>
+          </a:xfrm>
+          <a:prstGeom prst="rect">
+            <a:avLst/>
+          </a:prstGeom>
+          <a:noFill/>
+          <a:ln w="9525">
+            <a:noFill/>
+            <a:miter lim="800000"/>
+            <a:headEnd/>
+            <a:tailEnd/>
+          </a:ln>
+        </p:spPr>
+      </p:pic>
+      <p:pic>
+        <p:nvPicPr>
+          <p:cNvPr id="7" name="Picture 6"/>
+          <p:cNvPicPr/>
+          <p:nvPr/>
+        </p:nvPicPr>
+        <p:blipFill>
+          <a:blip r:embed="rId5"/>
+          <a:srcRect/>
+          <a:stretch>
+            <a:fillRect/>
+          </a:stretch>
+        </p:blipFill>
+        <p:spPr bwMode="auto">
+          <a:xfrm>
+            <a:off x="500034" y="551854"/>
+            <a:ext cx="8060038" cy="2448518"/>
+          </a:xfrm>
+          <a:prstGeom prst="rect">
+            <a:avLst/>
+          </a:prstGeom>
+          <a:noFill/>
+          <a:ln w="9525">
+            <a:noFill/>
+            <a:miter lim="800000"/>
+            <a:headEnd/>
+            <a:tailEnd/>
+          </a:ln>
+        </p:spPr>
+      </p:pic>
+      <p:pic>
+        <p:nvPicPr>
+          <p:cNvPr id="8" name="Picture 7"/>
+          <p:cNvPicPr/>
+          <p:nvPr/>
+        </p:nvPicPr>
+        <p:blipFill>
+          <a:blip r:embed="rId6"/>
+          <a:srcRect/>
+          <a:stretch>
+            <a:fillRect/>
+          </a:stretch>
+        </p:blipFill>
+        <p:spPr bwMode="auto">
+          <a:xfrm>
+            <a:off x="428596" y="2790452"/>
+            <a:ext cx="5943600" cy="1924432"/>
+          </a:xfrm>
+          <a:prstGeom prst="rect">
+            <a:avLst/>
+          </a:prstGeom>
+          <a:ln>
+            <a:noFill/>
+          </a:ln>
+          <a:effectLst>
+            <a:outerShdw blurRad="190500" algn="tl" rotWithShape="0">
+              <a:srgbClr val="000000">
+                <a:alpha val="70000"/>
+              </a:srgbClr>
+            </a:outerShdw>
+          </a:effectLst>
+        </p:spPr>
+      </p:pic>
+      <p:pic>
+        <p:nvPicPr>
+          <p:cNvPr id="9" name="Picture 8"/>
+          <p:cNvPicPr/>
+          <p:nvPr/>
+        </p:nvPicPr>
+        <p:blipFill>
+          <a:blip r:embed="rId7"/>
+          <a:srcRect/>
+          <a:stretch>
+            <a:fillRect/>
+          </a:stretch>
+        </p:blipFill>
+        <p:spPr bwMode="auto">
+          <a:xfrm>
+            <a:off x="2714612" y="3714752"/>
+            <a:ext cx="5943600" cy="1924432"/>
+          </a:xfrm>
+          <a:prstGeom prst="rect">
+            <a:avLst/>
+          </a:prstGeom>
+          <a:ln>
+            <a:noFill/>
+          </a:ln>
+          <a:effectLst>
+            <a:outerShdw blurRad="190500" algn="tl" rotWithShape="0">
+              <a:srgbClr val="000000">
+                <a:alpha val="70000"/>
+              </a:srgbClr>
+            </a:outerShdw>
+          </a:effectLst>
+        </p:spPr>
+      </p:pic>
+    </p:spTree>
+  </p:cSld>
+  <p:clrMapOvr>
+    <a:masterClrMapping/>
+  </p:clrMapOvr>
+  <p:timing>
+    <p:tnLst>
+      <p:par>
+        <p:cTn id="1" dur="indefinite" restart="never" nodeType="tmRoot">
+          <p:childTnLst>
+            <p:seq concurrent="1" nextAc="seek">
+              <p:cTn id="2" dur="indefinite" nodeType="mainSeq">
+                <p:childTnLst>
+                  <p:par>
+                    <p:cTn id="3" fill="hold">
+                      <p:stCondLst>
+                        <p:cond delay="indefinite"/>
+                      </p:stCondLst>
+                      <p:childTnLst>
+                        <p:par>
+                          <p:cTn id="4" fill="hold">
+                            <p:stCondLst>
+                              <p:cond delay="0"/>
+                            </p:stCondLst>
+                            <p:childTnLst>
+                              <p:par>
+                                <p:cTn id="5" presetID="10" presetClass="entr" presetSubtype="0" fill="hold" nodeType="clickEffect">
+                                  <p:stCondLst>
+                                    <p:cond delay="0"/>
+                                  </p:stCondLst>
+                                  <p:childTnLst>
+                                    <p:set>
+                                      <p:cBhvr>
+                                        <p:cTn id="6" dur="1" fill="hold">
+                                          <p:stCondLst>
+                                            <p:cond delay="0"/>
+                                          </p:stCondLst>
+                                        </p:cTn>
+                                        <p:tgtEl>
+                                          <p:spTgt spid="4"/>
+                                        </p:tgtEl>
+                                        <p:attrNameLst>
+                                          <p:attrName>style.visibility</p:attrName>
+                                        </p:attrNameLst>
+                                      </p:cBhvr>
+                                      <p:to>
+                                        <p:strVal val="visible"/>
+                                      </p:to>
+                                    </p:set>
+                                    <p:animEffect transition="in" filter="fade">
+                                      <p:cBhvr>
+                                        <p:cTn id="7" dur="500"/>
+                                        <p:tgtEl>
+                                          <p:spTgt spid="4"/>
+                                        </p:tgtEl>
+                                      </p:cBhvr>
+                                    </p:animEffect>
+                                  </p:childTnLst>
+                                </p:cTn>
+                              </p:par>
+                            </p:childTnLst>
+                          </p:cTn>
+                        </p:par>
+                      </p:childTnLst>
+                    </p:cTn>
+                  </p:par>
+                  <p:par>
+                    <p:cTn id="8" fill="hold">
+                      <p:stCondLst>
+                        <p:cond delay="indefinite"/>
+                      </p:stCondLst>
+                      <p:childTnLst>
+                        <p:par>
+                          <p:cTn id="9" fill="hold">
+                            <p:stCondLst>
+                              <p:cond delay="0"/>
+                            </p:stCondLst>
+                            <p:childTnLst>
+                              <p:par>
+                                <p:cTn id="10" presetID="10" presetClass="exit" presetSubtype="0" fill="hold" nodeType="clickEffect">
+                                  <p:stCondLst>
+                                    <p:cond delay="0"/>
+                                  </p:stCondLst>
+                                  <p:childTnLst>
+                                    <p:animEffect transition="out" filter="fade">
+                                      <p:cBhvr>
+                                        <p:cTn id="11" dur="500"/>
+                                        <p:tgtEl>
+                                          <p:spTgt spid="4"/>
+                                        </p:tgtEl>
+                                      </p:cBhvr>
+                                    </p:animEffect>
+                                    <p:set>
+                                      <p:cBhvr>
+                                        <p:cTn id="12" dur="1" fill="hold">
+                                          <p:stCondLst>
+                                            <p:cond delay="499"/>
+                                          </p:stCondLst>
+                                        </p:cTn>
+                                        <p:tgtEl>
+                                          <p:spTgt spid="4"/>
+                                        </p:tgtEl>
+                                        <p:attrNameLst>
+                                          <p:attrName>style.visibility</p:attrName>
+                                        </p:attrNameLst>
+                                      </p:cBhvr>
+                                      <p:to>
+                                        <p:strVal val="hidden"/>
+                                      </p:to>
+                                    </p:set>
+                                  </p:childTnLst>
+                                </p:cTn>
+                              </p:par>
+                              <p:par>
+                                <p:cTn id="13" presetID="10" presetClass="entr" presetSubtype="0" fill="hold" nodeType="withEffect">
+                                  <p:stCondLst>
+                                    <p:cond delay="0"/>
+                                  </p:stCondLst>
+                                  <p:childTnLst>
+                                    <p:set>
+                                      <p:cBhvr>
+                                        <p:cTn id="14" dur="1" fill="hold">
+                                          <p:stCondLst>
+                                            <p:cond delay="0"/>
+                                          </p:stCondLst>
+                                        </p:cTn>
+                                        <p:tgtEl>
+                                          <p:spTgt spid="5"/>
+                                        </p:tgtEl>
+                                        <p:attrNameLst>
+                                          <p:attrName>style.visibility</p:attrName>
+                                        </p:attrNameLst>
+                                      </p:cBhvr>
+                                      <p:to>
+                                        <p:strVal val="visible"/>
+                                      </p:to>
+                                    </p:set>
+                                    <p:animEffect transition="in" filter="fade">
+                                      <p:cBhvr>
+                                        <p:cTn id="15" dur="500"/>
+                                        <p:tgtEl>
+                                          <p:spTgt spid="5"/>
+                                        </p:tgtEl>
+                                      </p:cBhvr>
+                                    </p:animEffect>
+                                  </p:childTnLst>
+                                </p:cTn>
+                              </p:par>
+                            </p:childTnLst>
+                          </p:cTn>
+                        </p:par>
+                      </p:childTnLst>
+                    </p:cTn>
+                  </p:par>
+                  <p:par>
+                    <p:cTn id="16" fill="hold">
+                      <p:stCondLst>
+                        <p:cond delay="indefinite"/>
+                      </p:stCondLst>
+                      <p:childTnLst>
+                        <p:par>
+                          <p:cTn id="17" fill="hold">
+                            <p:stCondLst>
+                              <p:cond delay="0"/>
+                            </p:stCondLst>
+                            <p:childTnLst>
+                              <p:par>
+                                <p:cTn id="18" presetID="10" presetClass="exit" presetSubtype="0" fill="hold" nodeType="clickEffect">
+                                  <p:stCondLst>
+                                    <p:cond delay="0"/>
+                                  </p:stCondLst>
+                                  <p:childTnLst>
+                                    <p:animEffect transition="out" filter="fade">
+                                      <p:cBhvr>
+                                        <p:cTn id="19" dur="500"/>
+                                        <p:tgtEl>
+                                          <p:spTgt spid="5"/>
+                                        </p:tgtEl>
+                                      </p:cBhvr>
+                                    </p:animEffect>
+                                    <p:set>
+                                      <p:cBhvr>
+                                        <p:cTn id="20" dur="1" fill="hold">
+                                          <p:stCondLst>
+                                            <p:cond delay="499"/>
+                                          </p:stCondLst>
+                                        </p:cTn>
+                                        <p:tgtEl>
+                                          <p:spTgt spid="5"/>
+                                        </p:tgtEl>
+                                        <p:attrNameLst>
+                                          <p:attrName>style.visibility</p:attrName>
+                                        </p:attrNameLst>
+                                      </p:cBhvr>
+                                      <p:to>
+                                        <p:strVal val="hidden"/>
+                                      </p:to>
+                                    </p:set>
+                                  </p:childTnLst>
+                                </p:cTn>
+                              </p:par>
+                              <p:par>
+                                <p:cTn id="21" presetID="10" presetClass="entr" presetSubtype="0" fill="hold" nodeType="withEffect">
+                                  <p:stCondLst>
+                                    <p:cond delay="0"/>
+                                  </p:stCondLst>
+                                  <p:childTnLst>
+                                    <p:set>
+                                      <p:cBhvr>
+                                        <p:cTn id="22" dur="1" fill="hold">
+                                          <p:stCondLst>
+                                            <p:cond delay="0"/>
+                                          </p:stCondLst>
+                                        </p:cTn>
+                                        <p:tgtEl>
+                                          <p:spTgt spid="6"/>
+                                        </p:tgtEl>
+                                        <p:attrNameLst>
+                                          <p:attrName>style.visibility</p:attrName>
+                                        </p:attrNameLst>
+                                      </p:cBhvr>
+                                      <p:to>
+                                        <p:strVal val="visible"/>
+                                      </p:to>
+                                    </p:set>
+                                    <p:animEffect transition="in" filter="fade">
+                                      <p:cBhvr>
+                                        <p:cTn id="23" dur="500"/>
+                                        <p:tgtEl>
+                                          <p:spTgt spid="6"/>
+                                        </p:tgtEl>
+                                      </p:cBhvr>
+                                    </p:animEffect>
+                                  </p:childTnLst>
+                                </p:cTn>
+                              </p:par>
+                            </p:childTnLst>
+                          </p:cTn>
+                        </p:par>
+                      </p:childTnLst>
+                    </p:cTn>
+                  </p:par>
+                  <p:par>
+                    <p:cTn id="24" fill="hold">
+                      <p:stCondLst>
+                        <p:cond delay="indefinite"/>
+                      </p:stCondLst>
+                      <p:childTnLst>
+                        <p:par>
+                          <p:cTn id="25" fill="hold">
+                            <p:stCondLst>
+                              <p:cond delay="0"/>
+                            </p:stCondLst>
+                            <p:childTnLst>
+                              <p:par>
+                                <p:cTn id="26" presetID="10" presetClass="exit" presetSubtype="0" fill="hold" nodeType="clickEffect">
+                                  <p:stCondLst>
+                                    <p:cond delay="0"/>
+                                  </p:stCondLst>
+                                  <p:childTnLst>
+                                    <p:animEffect transition="out" filter="fade">
+                                      <p:cBhvr>
+                                        <p:cTn id="27" dur="500"/>
+                                        <p:tgtEl>
+                                          <p:spTgt spid="6"/>
+                                        </p:tgtEl>
+                                      </p:cBhvr>
+                                    </p:animEffect>
+                                    <p:set>
+                                      <p:cBhvr>
+                                        <p:cTn id="28" dur="1" fill="hold">
+                                          <p:stCondLst>
+                                            <p:cond delay="499"/>
+                                          </p:stCondLst>
+                                        </p:cTn>
+                                        <p:tgtEl>
+                                          <p:spTgt spid="6"/>
+                                        </p:tgtEl>
+                                        <p:attrNameLst>
+                                          <p:attrName>style.visibility</p:attrName>
+                                        </p:attrNameLst>
+                                      </p:cBhvr>
+                                      <p:to>
+                                        <p:strVal val="hidden"/>
+                                      </p:to>
+                                    </p:set>
+                                  </p:childTnLst>
+                                </p:cTn>
+                              </p:par>
+                              <p:par>
+                                <p:cTn id="29" presetID="10" presetClass="entr" presetSubtype="0" fill="hold" nodeType="withEffect">
+                                  <p:stCondLst>
+                                    <p:cond delay="0"/>
+                                  </p:stCondLst>
+                                  <p:childTnLst>
+                                    <p:set>
+                                      <p:cBhvr>
+                                        <p:cTn id="30" dur="1" fill="hold">
+                                          <p:stCondLst>
+                                            <p:cond delay="0"/>
+                                          </p:stCondLst>
+                                        </p:cTn>
+                                        <p:tgtEl>
+                                          <p:spTgt spid="7"/>
+                                        </p:tgtEl>
+                                        <p:attrNameLst>
+                                          <p:attrName>style.visibility</p:attrName>
+                                        </p:attrNameLst>
+                                      </p:cBhvr>
+                                      <p:to>
+                                        <p:strVal val="visible"/>
+                                      </p:to>
+                                    </p:set>
+                                    <p:animEffect transition="in" filter="fade">
+                                      <p:cBhvr>
+                                        <p:cTn id="31" dur="500"/>
+                                        <p:tgtEl>
+                                          <p:spTgt spid="7"/>
+                                        </p:tgtEl>
+                                      </p:cBhvr>
+                                    </p:animEffect>
+                                  </p:childTnLst>
+                                </p:cTn>
+                              </p:par>
+                            </p:childTnLst>
+                          </p:cTn>
+                        </p:par>
+                        <p:par>
+                          <p:cTn id="32" fill="hold">
+                            <p:stCondLst>
+                              <p:cond delay="500"/>
+                            </p:stCondLst>
+                            <p:childTnLst>
+                              <p:par>
+                                <p:cTn id="33" presetID="10" presetClass="entr" presetSubtype="0" fill="hold" nodeType="afterEffect">
+                                  <p:stCondLst>
+                                    <p:cond delay="0"/>
+                                  </p:stCondLst>
+                                  <p:childTnLst>
+                                    <p:set>
+                                      <p:cBhvr>
+                                        <p:cTn id="34" dur="1" fill="hold">
+                                          <p:stCondLst>
+                                            <p:cond delay="0"/>
+                                          </p:stCondLst>
+                                        </p:cTn>
+                                        <p:tgtEl>
+                                          <p:spTgt spid="8"/>
+                                        </p:tgtEl>
+                                        <p:attrNameLst>
+                                          <p:attrName>style.visibility</p:attrName>
+                                        </p:attrNameLst>
+                                      </p:cBhvr>
+                                      <p:to>
+                                        <p:strVal val="visible"/>
+                                      </p:to>
+                                    </p:set>
+                                    <p:animEffect transition="in" filter="fade">
+                                      <p:cBhvr>
+                                        <p:cTn id="35" dur="500"/>
+                                        <p:tgtEl>
+                                          <p:spTgt spid="8"/>
+                                        </p:tgtEl>
+                                      </p:cBhvr>
+                                    </p:animEffect>
+                                  </p:childTnLst>
+                                </p:cTn>
+                              </p:par>
+                            </p:childTnLst>
+                          </p:cTn>
+                        </p:par>
+                        <p:par>
+                          <p:cTn id="36" fill="hold">
+                            <p:stCondLst>
+                              <p:cond delay="1000"/>
+                            </p:stCondLst>
+                            <p:childTnLst>
+                              <p:par>
+                                <p:cTn id="37" presetID="10" presetClass="entr" presetSubtype="0" fill="hold" nodeType="afterEffect">
+                                  <p:stCondLst>
+                                    <p:cond delay="0"/>
+                                  </p:stCondLst>
+                                  <p:childTnLst>
+                                    <p:set>
+                                      <p:cBhvr>
+                                        <p:cTn id="38" dur="1" fill="hold">
+                                          <p:stCondLst>
+                                            <p:cond delay="0"/>
+                                          </p:stCondLst>
+                                        </p:cTn>
+                                        <p:tgtEl>
+                                          <p:spTgt spid="9"/>
+                                        </p:tgtEl>
+                                        <p:attrNameLst>
+                                          <p:attrName>style.visibility</p:attrName>
+                                        </p:attrNameLst>
+                                      </p:cBhvr>
+                                      <p:to>
+                                        <p:strVal val="visible"/>
+                                      </p:to>
+                                    </p:set>
+                                    <p:animEffect transition="in" filter="fade">
+                                      <p:cBhvr>
+                                        <p:cTn id="39" dur="500"/>
+                                        <p:tgtEl>
+                                          <p:spTgt spid="9"/>
+                                        </p:tgtEl>
+                                      </p:cBhvr>
+                                    </p:animEffect>
+                                  </p:childTnLst>
+                                </p:cTn>
+                              </p:par>
+                            </p:childTnLst>
+                          </p:cTn>
+                        </p:par>
+                      </p:childTnLst>
+                    </p:cTn>
+                  </p:par>
+                </p:childTnLst>
+              </p:cTn>
+              <p:prevCondLst>
+                <p:cond evt="onPrev" delay="0">
+                  <p:tgtEl>
+                    <p:sldTgt/>
+                  </p:tgtEl>
+                </p:cond>
+              </p:prevCondLst>
+              <p:nextCondLst>
+                <p:cond evt="onNext" delay="0">
+                  <p:tgtEl>
+                    <p:sldTgt/>
+                  </p:tgtEl>
+                </p:cond>
+              </p:nextCondLst>
+            </p:seq>
+          </p:childTnLst>
+        </p:cTn>
+      </p:par>
+    </p:tnLst>
+  </p:timing>
+</p:sld>
+</file>
+
+<file path=ppt/slides/slide3.xml><?xml version="1.0" encoding="utf-8"?>
+<p:sld xmlns:a="http://schemas.openxmlformats.org/drawingml/2006/main" xmlns:r="http://schemas.openxmlformats.org/officeDocument/2006/relationships" xmlns:p="http://schemas.openxmlformats.org/presentationml/2006/main">
+  <p:cSld>
+    <p:spTree>
+      <p:nvGrpSpPr>
+        <p:cNvPr id="1" name=""/>
+        <p:cNvGrpSpPr/>
+        <p:nvPr/>
+      </p:nvGrpSpPr>
+      <p:grpSpPr>
+        <a:xfrm>
+          <a:off x="0" y="0"/>
+          <a:ext cx="0" cy="0"/>
+          <a:chOff x="0" y="0"/>
+          <a:chExt cx="0" cy="0"/>
+        </a:xfrm>
+      </p:grpSpPr>
+      <p:sp>
+        <p:nvSpPr>
+          <p:cNvPr id="13" name="TextBox 12"/>
+          <p:cNvSpPr txBox="1"/>
+          <p:nvPr/>
+        </p:nvSpPr>
+        <p:spPr>
+          <a:xfrm>
+            <a:off x="6215074" y="571480"/>
+            <a:ext cx="859531" cy="369332"/>
+          </a:xfrm>
+          <a:prstGeom prst="rect">
+            <a:avLst/>
+          </a:prstGeom>
+          <a:ln>
+            <a:noFill/>
+          </a:ln>
+        </p:spPr>
+        <p:style>
+          <a:lnRef idx="2">
+            <a:schemeClr val="accent6">
+              <a:shade val="50000"/>
+            </a:schemeClr>
+          </a:lnRef>
+          <a:fillRef idx="1">
+            <a:schemeClr val="accent6"/>
+          </a:fillRef>
+          <a:effectRef idx="0">
+            <a:schemeClr val="accent6"/>
+          </a:effectRef>
+          <a:fontRef idx="minor">
+            <a:schemeClr val="lt1"/>
+          </a:fontRef>
+        </p:style>
+        <p:txBody>
+          <a:bodyPr wrap="none" rtlCol="0">
+            <a:spAutoFit/>
+          </a:bodyPr>
+          <a:lstStyle/>
+          <a:p>
+            <a:r>
+              <a:rPr lang="nl-BE" dirty="0" smtClean="0"/>
+              <a:t>Script</a:t>
+            </a:r>
+            <a:endParaRPr lang="en-US" dirty="0"/>
+          </a:p>
+        </p:txBody>
+      </p:sp>
+      <p:sp>
+        <p:nvSpPr>
+          <p:cNvPr id="12" name="TextBox 11"/>
+          <p:cNvSpPr txBox="1"/>
+          <p:nvPr/>
+        </p:nvSpPr>
+        <p:spPr>
+          <a:xfrm>
+            <a:off x="7643834" y="1540442"/>
+            <a:ext cx="732893" cy="369332"/>
+          </a:xfrm>
+          <a:prstGeom prst="rect">
+            <a:avLst/>
+          </a:prstGeom>
+          <a:ln>
+            <a:noFill/>
+          </a:ln>
+        </p:spPr>
+        <p:style>
+          <a:lnRef idx="2">
+            <a:schemeClr val="accent4">
+              <a:shade val="50000"/>
+            </a:schemeClr>
+          </a:lnRef>
+          <a:fillRef idx="1">
+            <a:schemeClr val="accent4"/>
+          </a:fillRef>
+          <a:effectRef idx="0">
+            <a:schemeClr val="accent4"/>
+          </a:effectRef>
+          <a:fontRef idx="minor">
+            <a:schemeClr val="lt1"/>
+          </a:fontRef>
+        </p:style>
+        <p:txBody>
+          <a:bodyPr wrap="none" rtlCol="0">
+            <a:spAutoFit/>
+          </a:bodyPr>
+          <a:lstStyle/>
+          <a:p>
+            <a:r>
+              <a:rPr lang="nl-BE" dirty="0" smtClean="0"/>
+              <a:t>View</a:t>
+            </a:r>
+            <a:endParaRPr lang="en-US" dirty="0"/>
+          </a:p>
+        </p:txBody>
+      </p:sp>
+      <p:sp>
+        <p:nvSpPr>
+          <p:cNvPr id="2" name="Title 1"/>
+          <p:cNvSpPr>
+            <a:spLocks noGrp="1"/>
+          </p:cNvSpPr>
+          <p:nvPr>
+            <p:ph type="title"/>
+          </p:nvPr>
+        </p:nvSpPr>
+        <p:spPr/>
+        <p:txBody>
+          <a:bodyPr/>
+          <a:lstStyle/>
+          <a:p>
+            <a:r>
+              <a:rPr lang="nl-BE" dirty="0" smtClean="0"/>
+              <a:t>UI: jQuery</a:t>
+            </a:r>
+            <a:endParaRPr lang="en-US" dirty="0"/>
+          </a:p>
+        </p:txBody>
+      </p:sp>
+      <p:pic>
+        <p:nvPicPr>
+          <p:cNvPr id="6" name="accordion.avi">
             <a:hlinkClick r:id="" action="ppaction://media"/>
           </p:cNvPr>
           <p:cNvPicPr>
@@ -6717,14 +10410,204 @@
         </p:blipFill>
         <p:spPr>
           <a:xfrm>
-            <a:off x="1142976" y="1857364"/>
-            <a:ext cx="6991366" cy="2607890"/>
+            <a:off x="642910" y="1357298"/>
+            <a:ext cx="2514600" cy="4076700"/>
           </a:xfrm>
           <a:prstGeom prst="rect">
             <a:avLst/>
           </a:prstGeom>
         </p:spPr>
       </p:pic>
+      <p:pic>
+        <p:nvPicPr>
+          <p:cNvPr id="1026" name="Picture 2"/>
+          <p:cNvPicPr>
+            <a:picLocks noChangeAspect="1" noChangeArrowheads="1"/>
+          </p:cNvPicPr>
+          <p:nvPr/>
+        </p:nvPicPr>
+        <p:blipFill>
+          <a:blip r:embed="rId4"/>
+          <a:srcRect/>
+          <a:stretch>
+            <a:fillRect/>
+          </a:stretch>
+        </p:blipFill>
+        <p:spPr bwMode="auto">
+          <a:xfrm>
+            <a:off x="785786" y="928670"/>
+            <a:ext cx="6286500" cy="200025"/>
+          </a:xfrm>
+          <a:prstGeom prst="rect">
+            <a:avLst/>
+          </a:prstGeom>
+          <a:noFill/>
+          <a:ln w="38100">
+            <a:solidFill>
+              <a:schemeClr val="accent6"/>
+            </a:solidFill>
+            <a:miter lim="800000"/>
+            <a:headEnd/>
+            <a:tailEnd/>
+          </a:ln>
+        </p:spPr>
+      </p:pic>
+      <p:pic>
+        <p:nvPicPr>
+          <p:cNvPr id="1027" name="Picture 3"/>
+          <p:cNvPicPr>
+            <a:picLocks noChangeAspect="1" noChangeArrowheads="1"/>
+          </p:cNvPicPr>
+          <p:nvPr/>
+        </p:nvPicPr>
+        <p:blipFill>
+          <a:blip r:embed="rId5"/>
+          <a:srcRect r="65358"/>
+          <a:stretch>
+            <a:fillRect/>
+          </a:stretch>
+        </p:blipFill>
+        <p:spPr bwMode="auto">
+          <a:xfrm>
+            <a:off x="4500562" y="1909774"/>
+            <a:ext cx="3867170" cy="3162300"/>
+          </a:xfrm>
+          <a:prstGeom prst="rect">
+            <a:avLst/>
+          </a:prstGeom>
+          <a:noFill/>
+          <a:ln w="38100">
+            <a:solidFill>
+              <a:schemeClr val="accent4"/>
+            </a:solidFill>
+            <a:miter lim="800000"/>
+            <a:headEnd/>
+            <a:tailEnd/>
+          </a:ln>
+        </p:spPr>
+      </p:pic>
+      <p:sp>
+        <p:nvSpPr>
+          <p:cNvPr id="8" name="Right Brace 7"/>
+          <p:cNvSpPr/>
+          <p:nvPr/>
+        </p:nvSpPr>
+        <p:spPr>
+          <a:xfrm>
+            <a:off x="3214678" y="1428736"/>
+            <a:ext cx="214314" cy="3500462"/>
+          </a:xfrm>
+          <a:prstGeom prst="rightBrace">
+            <a:avLst>
+              <a:gd name="adj1" fmla="val 8333"/>
+              <a:gd name="adj2" fmla="val 59683"/>
+            </a:avLst>
+          </a:prstGeom>
+        </p:spPr>
+        <p:style>
+          <a:lnRef idx="1">
+            <a:schemeClr val="accent1"/>
+          </a:lnRef>
+          <a:fillRef idx="0">
+            <a:schemeClr val="accent1"/>
+          </a:fillRef>
+          <a:effectRef idx="0">
+            <a:schemeClr val="accent1"/>
+          </a:effectRef>
+          <a:fontRef idx="minor">
+            <a:schemeClr val="tx1"/>
+          </a:fontRef>
+        </p:style>
+        <p:txBody>
+          <a:bodyPr rtlCol="0" anchor="ctr"/>
+          <a:lstStyle/>
+          <a:p>
+            <a:pPr algn="ctr"/>
+            <a:endParaRPr lang="en-US"/>
+          </a:p>
+        </p:txBody>
+      </p:sp>
+      <p:sp>
+        <p:nvSpPr>
+          <p:cNvPr id="9" name="Left Brace 8"/>
+          <p:cNvSpPr/>
+          <p:nvPr/>
+        </p:nvSpPr>
+        <p:spPr>
+          <a:xfrm>
+            <a:off x="4214810" y="1909774"/>
+            <a:ext cx="214314" cy="3143272"/>
+          </a:xfrm>
+          <a:prstGeom prst="leftBrace">
+            <a:avLst>
+              <a:gd name="adj1" fmla="val 8333"/>
+              <a:gd name="adj2" fmla="val 50793"/>
+            </a:avLst>
+          </a:prstGeom>
+        </p:spPr>
+        <p:style>
+          <a:lnRef idx="1">
+            <a:schemeClr val="accent1"/>
+          </a:lnRef>
+          <a:fillRef idx="0">
+            <a:schemeClr val="accent1"/>
+          </a:fillRef>
+          <a:effectRef idx="0">
+            <a:schemeClr val="accent1"/>
+          </a:effectRef>
+          <a:fontRef idx="minor">
+            <a:schemeClr val="tx1"/>
+          </a:fontRef>
+        </p:style>
+        <p:txBody>
+          <a:bodyPr rtlCol="0" anchor="ctr"/>
+          <a:lstStyle/>
+          <a:p>
+            <a:pPr algn="ctr"/>
+            <a:endParaRPr lang="en-US"/>
+          </a:p>
+        </p:txBody>
+      </p:sp>
+      <p:sp>
+        <p:nvSpPr>
+          <p:cNvPr id="11" name="Right Arrow 10"/>
+          <p:cNvSpPr/>
+          <p:nvPr/>
+        </p:nvSpPr>
+        <p:spPr>
+          <a:xfrm>
+            <a:off x="3571868" y="3500438"/>
+            <a:ext cx="571504" cy="45719"/>
+          </a:xfrm>
+          <a:prstGeom prst="rightArrow">
+            <a:avLst/>
+          </a:prstGeom>
+        </p:spPr>
+        <p:style>
+          <a:lnRef idx="2">
+            <a:schemeClr val="accent1">
+              <a:shade val="50000"/>
+            </a:schemeClr>
+          </a:lnRef>
+          <a:fillRef idx="1">
+            <a:schemeClr val="accent1"/>
+          </a:fillRef>
+          <a:effectRef idx="0">
+            <a:schemeClr val="accent1"/>
+          </a:effectRef>
+          <a:fontRef idx="minor">
+            <a:schemeClr val="lt1"/>
+          </a:fontRef>
+        </p:style>
+        <p:txBody>
+          <a:bodyPr rtlCol="0" anchor="ctr"/>
+          <a:lstStyle/>
+          <a:p>
+            <a:pPr algn="ctr"/>
+            <a:endParaRPr lang="en-US"/>
+          </a:p>
+        </p:txBody>
+      </p:sp>
     </p:spTree>
   </p:cSld>
   <p:clrMapOvr>
@@ -6736,22 +10619,15 @@
         <p:cTn id="1" dur="indefinite" restart="never" nodeType="tmRoot">
           <p:childTnLst>
             <p:seq concurrent="1" nextAc="seek">
-              <p:cTn id="2" restart="whenNotActive" fill="hold" evtFilter="cancelBubble" nodeType="interactiveSeq">
-                <p:stCondLst>
-                  <p:cond evt="onClick" delay="0">
-                    <p:tgtEl>
-                      <p:spTgt spid="4"/>
-                    </p:tgtEl>
-                  </p:cond>
-                </p:stCondLst>
-                <p:endSync evt="end" delay="0">
-                  <p:rtn val="all"/>
-                </p:endSync>
+              <p:cTn id="2" dur="indefinite" nodeType="mainSeq">
                 <p:childTnLst>
                   <p:par>
                     <p:cTn id="3" fill="hold">
                       <p:stCondLst>
-                        <p:cond delay="0"/>
+                        <p:cond delay="indefinite"/>
+                        <p:cond evt="onBegin" delay="0">
+                          <p:tn val="2"/>
+                        </p:cond>
                       </p:stCondLst>
                       <p:childTnLst>
                         <p:par>
@@ -6761,7 +10637,7 @@
                             </p:stCondLst>
                             <p:childTnLst>
                               <p:par>
-                                <p:cTn id="5" presetID="2" presetClass="mediacall" presetSubtype="0" fill="hold" nodeType="clickEffect">
+                                <p:cTn id="5" presetID="2" presetClass="mediacall" presetSubtype="0" fill="hold" nodeType="withEffect">
                                   <p:stCondLst>
                                     <p:cond delay="0"/>
                                   </p:stCondLst>
@@ -6770,10 +10646,327 @@
                                       <p:cBhvr>
                                         <p:cTn id="6" dur="1" fill="hold"/>
                                         <p:tgtEl>
-                                          <p:spTgt spid="4"/>
+                                          <p:spTgt spid="6"/>
                                         </p:tgtEl>
                                       </p:cBhvr>
                                     </p:cmd>
+                                  </p:childTnLst>
+                                </p:cTn>
+                              </p:par>
+                            </p:childTnLst>
+                          </p:cTn>
+                        </p:par>
+                      </p:childTnLst>
+                    </p:cTn>
+                  </p:par>
+                  <p:par>
+                    <p:cTn id="7" fill="hold">
+                      <p:stCondLst>
+                        <p:cond delay="indefinite"/>
+                      </p:stCondLst>
+                      <p:childTnLst>
+                        <p:par>
+                          <p:cTn id="8" fill="hold">
+                            <p:stCondLst>
+                              <p:cond delay="0"/>
+                            </p:stCondLst>
+                            <p:childTnLst>
+                              <p:par>
+                                <p:cTn id="9" presetID="10" presetClass="entr" presetSubtype="0" fill="hold" grpId="0" nodeType="clickEffect">
+                                  <p:stCondLst>
+                                    <p:cond delay="0"/>
+                                  </p:stCondLst>
+                                  <p:childTnLst>
+                                    <p:set>
+                                      <p:cBhvr>
+                                        <p:cTn id="10" dur="1" fill="hold">
+                                          <p:stCondLst>
+                                            <p:cond delay="0"/>
+                                          </p:stCondLst>
+                                        </p:cTn>
+                                        <p:tgtEl>
+                                          <p:spTgt spid="8"/>
+                                        </p:tgtEl>
+                                        <p:attrNameLst>
+                                          <p:attrName>style.visibility</p:attrName>
+                                        </p:attrNameLst>
+                                      </p:cBhvr>
+                                      <p:to>
+                                        <p:strVal val="visible"/>
+                                      </p:to>
+                                    </p:set>
+                                    <p:animEffect transition="in" filter="fade">
+                                      <p:cBhvr>
+                                        <p:cTn id="11" dur="500"/>
+                                        <p:tgtEl>
+                                          <p:spTgt spid="8"/>
+                                        </p:tgtEl>
+                                      </p:cBhvr>
+                                    </p:animEffect>
+                                  </p:childTnLst>
+                                </p:cTn>
+                              </p:par>
+                            </p:childTnLst>
+                          </p:cTn>
+                        </p:par>
+                        <p:par>
+                          <p:cTn id="12" fill="hold">
+                            <p:stCondLst>
+                              <p:cond delay="500"/>
+                            </p:stCondLst>
+                            <p:childTnLst>
+                              <p:par>
+                                <p:cTn id="13" presetID="10" presetClass="entr" presetSubtype="0" fill="hold" grpId="0" nodeType="afterEffect">
+                                  <p:stCondLst>
+                                    <p:cond delay="0"/>
+                                  </p:stCondLst>
+                                  <p:childTnLst>
+                                    <p:set>
+                                      <p:cBhvr>
+                                        <p:cTn id="14" dur="1" fill="hold">
+                                          <p:stCondLst>
+                                            <p:cond delay="0"/>
+                                          </p:stCondLst>
+                                        </p:cTn>
+                                        <p:tgtEl>
+                                          <p:spTgt spid="11"/>
+                                        </p:tgtEl>
+                                        <p:attrNameLst>
+                                          <p:attrName>style.visibility</p:attrName>
+                                        </p:attrNameLst>
+                                      </p:cBhvr>
+                                      <p:to>
+                                        <p:strVal val="visible"/>
+                                      </p:to>
+                                    </p:set>
+                                    <p:animEffect transition="in" filter="fade">
+                                      <p:cBhvr>
+                                        <p:cTn id="15" dur="500"/>
+                                        <p:tgtEl>
+                                          <p:spTgt spid="11"/>
+                                        </p:tgtEl>
+                                      </p:cBhvr>
+                                    </p:animEffect>
+                                  </p:childTnLst>
+                                </p:cTn>
+                              </p:par>
+                            </p:childTnLst>
+                          </p:cTn>
+                        </p:par>
+                        <p:par>
+                          <p:cTn id="16" fill="hold">
+                            <p:stCondLst>
+                              <p:cond delay="1000"/>
+                            </p:stCondLst>
+                            <p:childTnLst>
+                              <p:par>
+                                <p:cTn id="17" presetID="10" presetClass="entr" presetSubtype="0" fill="hold" grpId="0" nodeType="afterEffect">
+                                  <p:stCondLst>
+                                    <p:cond delay="0"/>
+                                  </p:stCondLst>
+                                  <p:childTnLst>
+                                    <p:set>
+                                      <p:cBhvr>
+                                        <p:cTn id="18" dur="1" fill="hold">
+                                          <p:stCondLst>
+                                            <p:cond delay="0"/>
+                                          </p:stCondLst>
+                                        </p:cTn>
+                                        <p:tgtEl>
+                                          <p:spTgt spid="9"/>
+                                        </p:tgtEl>
+                                        <p:attrNameLst>
+                                          <p:attrName>style.visibility</p:attrName>
+                                        </p:attrNameLst>
+                                      </p:cBhvr>
+                                      <p:to>
+                                        <p:strVal val="visible"/>
+                                      </p:to>
+                                    </p:set>
+                                    <p:animEffect transition="in" filter="fade">
+                                      <p:cBhvr>
+                                        <p:cTn id="19" dur="500"/>
+                                        <p:tgtEl>
+                                          <p:spTgt spid="9"/>
+                                        </p:tgtEl>
+                                      </p:cBhvr>
+                                    </p:animEffect>
+                                  </p:childTnLst>
+                                </p:cTn>
+                              </p:par>
+                            </p:childTnLst>
+                          </p:cTn>
+                        </p:par>
+                        <p:par>
+                          <p:cTn id="20" fill="hold">
+                            <p:stCondLst>
+                              <p:cond delay="1500"/>
+                            </p:stCondLst>
+                            <p:childTnLst>
+                              <p:par>
+                                <p:cTn id="21" presetID="3" presetClass="entr" presetSubtype="10" fill="hold" grpId="0" nodeType="afterEffect">
+                                  <p:stCondLst>
+                                    <p:cond delay="0"/>
+                                  </p:stCondLst>
+                                  <p:childTnLst>
+                                    <p:set>
+                                      <p:cBhvr>
+                                        <p:cTn id="22" dur="1" fill="hold">
+                                          <p:stCondLst>
+                                            <p:cond delay="0"/>
+                                          </p:stCondLst>
+                                        </p:cTn>
+                                        <p:tgtEl>
+                                          <p:spTgt spid="12"/>
+                                        </p:tgtEl>
+                                        <p:attrNameLst>
+                                          <p:attrName>style.visibility</p:attrName>
+                                        </p:attrNameLst>
+                                      </p:cBhvr>
+                                      <p:to>
+                                        <p:strVal val="visible"/>
+                                      </p:to>
+                                    </p:set>
+                                    <p:animEffect transition="in" filter="blinds(horizontal)">
+                                      <p:cBhvr>
+                                        <p:cTn id="23" dur="500"/>
+                                        <p:tgtEl>
+                                          <p:spTgt spid="12"/>
+                                        </p:tgtEl>
+                                      </p:cBhvr>
+                                    </p:animEffect>
+                                  </p:childTnLst>
+                                </p:cTn>
+                              </p:par>
+                              <p:par>
+                                <p:cTn id="24" presetID="10" presetClass="entr" presetSubtype="0" fill="hold" nodeType="withEffect">
+                                  <p:stCondLst>
+                                    <p:cond delay="0"/>
+                                  </p:stCondLst>
+                                  <p:childTnLst>
+                                    <p:set>
+                                      <p:cBhvr>
+                                        <p:cTn id="25" dur="1" fill="hold">
+                                          <p:stCondLst>
+                                            <p:cond delay="0"/>
+                                          </p:stCondLst>
+                                        </p:cTn>
+                                        <p:tgtEl>
+                                          <p:spTgt spid="1027"/>
+                                        </p:tgtEl>
+                                        <p:attrNameLst>
+                                          <p:attrName>style.visibility</p:attrName>
+                                        </p:attrNameLst>
+                                      </p:cBhvr>
+                                      <p:to>
+                                        <p:strVal val="visible"/>
+                                      </p:to>
+                                    </p:set>
+                                    <p:animEffect transition="in" filter="fade">
+                                      <p:cBhvr>
+                                        <p:cTn id="26" dur="500"/>
+                                        <p:tgtEl>
+                                          <p:spTgt spid="1027"/>
+                                        </p:tgtEl>
+                                      </p:cBhvr>
+                                    </p:animEffect>
+                                  </p:childTnLst>
+                                </p:cTn>
+                              </p:par>
+                            </p:childTnLst>
+                          </p:cTn>
+                        </p:par>
+                      </p:childTnLst>
+                    </p:cTn>
+                  </p:par>
+                  <p:par>
+                    <p:cTn id="27" fill="hold">
+                      <p:stCondLst>
+                        <p:cond delay="indefinite"/>
+                      </p:stCondLst>
+                      <p:childTnLst>
+                        <p:par>
+                          <p:cTn id="28" fill="hold">
+                            <p:stCondLst>
+                              <p:cond delay="0"/>
+                            </p:stCondLst>
+                            <p:childTnLst>
+                              <p:par>
+                                <p:cTn id="29" presetID="10" presetClass="entr" presetSubtype="0" fill="hold" nodeType="clickEffect">
+                                  <p:stCondLst>
+                                    <p:cond delay="0"/>
+                                  </p:stCondLst>
+                                  <p:childTnLst>
+                                    <p:set>
+                                      <p:cBhvr>
+                                        <p:cTn id="30" dur="1" fill="hold">
+                                          <p:stCondLst>
+                                            <p:cond delay="0"/>
+                                          </p:stCondLst>
+                                        </p:cTn>
+                                        <p:tgtEl>
+                                          <p:spTgt spid="1026"/>
+                                        </p:tgtEl>
+                                        <p:attrNameLst>
+                                          <p:attrName>style.visibility</p:attrName>
+                                        </p:attrNameLst>
+                                      </p:cBhvr>
+                                      <p:to>
+                                        <p:strVal val="visible"/>
+                                      </p:to>
+                                    </p:set>
+                                    <p:animEffect transition="in" filter="fade">
+                                      <p:cBhvr>
+                                        <p:cTn id="31" dur="500"/>
+                                        <p:tgtEl>
+                                          <p:spTgt spid="1026"/>
+                                        </p:tgtEl>
+                                      </p:cBhvr>
+                                    </p:animEffect>
+                                  </p:childTnLst>
+                                </p:cTn>
+                              </p:par>
+                            </p:childTnLst>
+                          </p:cTn>
+                        </p:par>
+                        <p:par>
+                          <p:cTn id="32" fill="hold">
+                            <p:stCondLst>
+                              <p:cond delay="500"/>
+                            </p:stCondLst>
+                            <p:childTnLst>
+                              <p:par>
+                                <p:cTn id="33" presetID="3" presetClass="entr" presetSubtype="10" fill="hold" grpId="0" nodeType="afterEffect">
+                                  <p:stCondLst>
+                                    <p:cond delay="0"/>
+                                  </p:stCondLst>
+                                  <p:childTnLst>
+                                    <p:set>
+                                      <p:cBhvr>
+                                        <p:cTn id="34" dur="1" fill="hold">
+                                          <p:stCondLst>
+                                            <p:cond delay="0"/>
+                                          </p:stCondLst>
+                                        </p:cTn>
+                                        <p:tgtEl>
+                                          <p:spTgt spid="13"/>
+                                        </p:tgtEl>
+                                        <p:attrNameLst>
+                                          <p:attrName>style.visibility</p:attrName>
+                                        </p:attrNameLst>
+                                      </p:cBhvr>
+                                      <p:to>
+                                        <p:strVal val="visible"/>
+                                      </p:to>
+                                    </p:set>
+                                    <p:animEffect transition="in" filter="blinds(horizontal)">
+                                      <p:cBhvr>
+                                        <p:cTn id="35" dur="500"/>
+                                        <p:tgtEl>
+                                          <p:spTgt spid="13"/>
+                                        </p:tgtEl>
+                                      </p:cBhvr>
+                                    </p:animEffect>
                                   </p:childTnLst>
                                 </p:cTn>
                               </p:par>
@@ -6785,17 +10978,24 @@
                   </p:par>
                 </p:childTnLst>
               </p:cTn>
+              <p:prevCondLst>
+                <p:cond evt="onPrev" delay="0">
+                  <p:tgtEl>
+                    <p:sldTgt/>
+                  </p:tgtEl>
+                </p:cond>
+              </p:prevCondLst>
               <p:nextCondLst>
-                <p:cond evt="onClick" delay="0">
+                <p:cond evt="onNext" delay="0">
                   <p:tgtEl>
-                    <p:spTgt spid="4"/>
+                    <p:sldTgt/>
                   </p:tgtEl>
                 </p:cond>
               </p:nextCondLst>
             </p:seq>
             <p:video>
               <p:cMediaNode>
-                <p:cTn id="7" fill="hold" display="0">
+                <p:cTn id="36" fill="hold" display="0">
                   <p:stCondLst>
                     <p:cond delay="indefinite"/>
                   </p:stCondLst>
@@ -6813,7 +11013,7 @@
                   </p:endCondLst>
                 </p:cTn>
                 <p:tgtEl>
-                  <p:spTgt spid="4"/>
+                  <p:spTgt spid="6"/>
                 </p:tgtEl>
               </p:cMediaNode>
             </p:video>
@@ -6821,6 +11021,13 @@
         </p:cTn>
       </p:par>
     </p:tnLst>
+    <p:bldLst>
+      <p:bldP spid="13" grpId="0" animBg="1"/>
+      <p:bldP spid="12" grpId="0" animBg="1"/>
+      <p:bldP spid="8" grpId="0" animBg="1"/>
+      <p:bldP spid="9" grpId="0" animBg="1"/>
+      <p:bldP spid="11" grpId="0" animBg="1"/>
+    </p:bldLst>
   </p:timing>
 </p:sld>
 </file>
@@ -6842,6 +11049,54 @@
           <a:chExt cx="0" cy="0"/>
         </a:xfrm>
       </p:grpSpPr>
+      <p:sp>
+        <p:nvSpPr>
+          <p:cNvPr id="9" name="TextBox 8"/>
+          <p:cNvSpPr txBox="1"/>
+          <p:nvPr/>
+        </p:nvSpPr>
+        <p:spPr>
+          <a:xfrm>
+            <a:off x="6429388" y="714356"/>
+            <a:ext cx="1324402" cy="369332"/>
+          </a:xfrm>
+          <a:prstGeom prst="rect">
+            <a:avLst/>
+          </a:prstGeom>
+          <a:ln>
+            <a:noFill/>
+          </a:ln>
+        </p:spPr>
+        <p:style>
+          <a:lnRef idx="2">
+            <a:schemeClr val="accent6">
+              <a:shade val="50000"/>
+            </a:schemeClr>
+          </a:lnRef>
+          <a:fillRef idx="1">
+            <a:schemeClr val="accent6"/>
+          </a:fillRef>
+          <a:effectRef idx="0">
+            <a:schemeClr val="accent6"/>
+          </a:effectRef>
+          <a:fontRef idx="minor">
+            <a:schemeClr val="lt1"/>
+          </a:fontRef>
+        </p:style>
+        <p:txBody>
+          <a:bodyPr wrap="none" rtlCol="0">
+            <a:spAutoFit/>
+          </a:bodyPr>
+          <a:lstStyle/>
+          <a:p>
+            <a:r>
+              <a:rPr lang="nl-BE" dirty="0" smtClean="0"/>
+              <a:t>Controller</a:t>
+            </a:r>
+            <a:endParaRPr lang="en-US" dirty="0"/>
+          </a:p>
+        </p:txBody>
+      </p:sp>
       <p:sp>
         <p:nvSpPr>
           <p:cNvPr id="13" name="TextBox 12"/>
@@ -6978,484 +11233,6 @@
       </p:sp>
       <p:sp>
         <p:nvSpPr>
-          <p:cNvPr id="9" name="TextBox 8"/>
-          <p:cNvSpPr txBox="1"/>
-          <p:nvPr/>
-        </p:nvSpPr>
-        <p:spPr>
-          <a:xfrm>
-            <a:off x="6429388" y="714356"/>
-            <a:ext cx="1324402" cy="369332"/>
-          </a:xfrm>
-          <a:prstGeom prst="rect">
-            <a:avLst/>
-          </a:prstGeom>
-          <a:ln>
-            <a:noFill/>
-          </a:ln>
-        </p:spPr>
-        <p:style>
-          <a:lnRef idx="2">
-            <a:schemeClr val="accent6">
-              <a:shade val="50000"/>
-            </a:schemeClr>
-          </a:lnRef>
-          <a:fillRef idx="1">
-            <a:schemeClr val="accent6"/>
-          </a:fillRef>
-          <a:effectRef idx="0">
-            <a:schemeClr val="accent6"/>
-          </a:effectRef>
-          <a:fontRef idx="minor">
-            <a:schemeClr val="lt1"/>
-          </a:fontRef>
-        </p:style>
-        <p:txBody>
-          <a:bodyPr wrap="none" rtlCol="0">
-            <a:spAutoFit/>
-          </a:bodyPr>
-          <a:lstStyle/>
-          <a:p>
-            <a:r>
-              <a:rPr lang="nl-BE" dirty="0" smtClean="0"/>
-              <a:t>Controller</a:t>
-            </a:r>
-            <a:endParaRPr lang="en-US" dirty="0"/>
-          </a:p>
-        </p:txBody>
-      </p:sp>
-      <p:sp>
-        <p:nvSpPr>
-          <p:cNvPr id="4" name="Rectangle 3"/>
-          <p:cNvSpPr/>
-          <p:nvPr/>
-        </p:nvSpPr>
-        <p:spPr>
-          <a:xfrm>
-            <a:off x="857224" y="1071546"/>
-            <a:ext cx="7429552" cy="3108543"/>
-          </a:xfrm>
-          <a:prstGeom prst="rect">
-            <a:avLst/>
-          </a:prstGeom>
-        </p:spPr>
-        <p:txBody>
-          <a:bodyPr wrap="square">
-            <a:spAutoFit/>
-          </a:bodyPr>
-          <a:lstStyle/>
-          <a:p>
-            <a:r>
-              <a:rPr lang="en-US" sz="1400" dirty="0" smtClean="0">
-                <a:solidFill>
-                  <a:srgbClr val="0070C0"/>
-                </a:solidFill>
-                <a:latin typeface="Consolas" pitchFamily="49" charset="0"/>
-              </a:rPr>
-              <a:t>public class </a:t>
-            </a:r>
-            <a:r>
-              <a:rPr lang="en-US" sz="1400" dirty="0" err="1" smtClean="0">
-                <a:latin typeface="Consolas" pitchFamily="49" charset="0"/>
-              </a:rPr>
-              <a:t>ZorgbehoevendeController</a:t>
-            </a:r>
-            <a:r>
-              <a:rPr lang="en-US" sz="1400" dirty="0" smtClean="0">
-                <a:latin typeface="Consolas" pitchFamily="49" charset="0"/>
-              </a:rPr>
-              <a:t> : </a:t>
-            </a:r>
-            <a:r>
-              <a:rPr lang="en-US" sz="1400" dirty="0" smtClean="0">
-                <a:latin typeface="Consolas" pitchFamily="49" charset="0"/>
-              </a:rPr>
-              <a:t>Controller</a:t>
-            </a:r>
-            <a:endParaRPr lang="en-US" sz="1400" dirty="0" smtClean="0">
-              <a:latin typeface="Consolas" pitchFamily="49" charset="0"/>
-            </a:endParaRPr>
-          </a:p>
-          <a:p>
-            <a:r>
-              <a:rPr lang="en-US" sz="1400" dirty="0" smtClean="0">
-                <a:latin typeface="Consolas" pitchFamily="49" charset="0"/>
-              </a:rPr>
-              <a:t>{</a:t>
-            </a:r>
-          </a:p>
-          <a:p>
-            <a:r>
-              <a:rPr lang="en-US" sz="1400" dirty="0" smtClean="0">
-                <a:latin typeface="Consolas" pitchFamily="49" charset="0"/>
-              </a:rPr>
-              <a:t>    </a:t>
-            </a:r>
-            <a:r>
-              <a:rPr lang="en-US" sz="1400" dirty="0" smtClean="0">
-                <a:solidFill>
-                  <a:srgbClr val="0070C0"/>
-                </a:solidFill>
-                <a:latin typeface="Consolas" pitchFamily="49" charset="0"/>
-              </a:rPr>
-              <a:t>public</a:t>
-            </a:r>
-            <a:r>
-              <a:rPr lang="en-US" sz="1400" dirty="0" smtClean="0">
-                <a:latin typeface="Consolas" pitchFamily="49" charset="0"/>
-              </a:rPr>
-              <a:t> </a:t>
-            </a:r>
-            <a:r>
-              <a:rPr lang="en-US" sz="1400" dirty="0" err="1" smtClean="0">
-                <a:latin typeface="Consolas" pitchFamily="49" charset="0"/>
-              </a:rPr>
-              <a:t>ActionResult</a:t>
-            </a:r>
-            <a:r>
-              <a:rPr lang="en-US" sz="1400" dirty="0" smtClean="0">
-                <a:latin typeface="Consolas" pitchFamily="49" charset="0"/>
-              </a:rPr>
-              <a:t> Detail(</a:t>
-            </a:r>
-            <a:r>
-              <a:rPr lang="en-US" sz="1400" dirty="0" smtClean="0">
-                <a:solidFill>
-                  <a:srgbClr val="0070C0"/>
-                </a:solidFill>
-                <a:latin typeface="Consolas" pitchFamily="49" charset="0"/>
-              </a:rPr>
-              <a:t>string</a:t>
-            </a:r>
-            <a:r>
-              <a:rPr lang="en-US" sz="1400" dirty="0" smtClean="0">
-                <a:latin typeface="Consolas" pitchFamily="49" charset="0"/>
-              </a:rPr>
-              <a:t> id)</a:t>
-            </a:r>
-          </a:p>
-          <a:p>
-            <a:r>
-              <a:rPr lang="en-US" sz="1400" dirty="0" smtClean="0">
-                <a:latin typeface="Consolas" pitchFamily="49" charset="0"/>
-              </a:rPr>
-              <a:t>    </a:t>
-            </a:r>
-            <a:r>
-              <a:rPr lang="en-US" sz="1400" dirty="0" smtClean="0">
-                <a:latin typeface="Consolas" pitchFamily="49" charset="0"/>
-              </a:rPr>
-              <a:t>{</a:t>
-            </a:r>
-          </a:p>
-          <a:p>
-            <a:r>
-              <a:rPr lang="en-US" sz="1400" dirty="0" smtClean="0">
-                <a:latin typeface="Consolas" pitchFamily="49" charset="0"/>
-              </a:rPr>
-              <a:t>        </a:t>
-            </a:r>
-            <a:r>
-              <a:rPr lang="en-US" sz="1400" dirty="0" err="1" smtClean="0">
-                <a:solidFill>
-                  <a:srgbClr val="0070C0"/>
-                </a:solidFill>
-                <a:latin typeface="Consolas" pitchFamily="49" charset="0"/>
-              </a:rPr>
-              <a:t>var</a:t>
-            </a:r>
-            <a:r>
-              <a:rPr lang="en-US" sz="1400" dirty="0" smtClean="0">
-                <a:latin typeface="Consolas" pitchFamily="49" charset="0"/>
-              </a:rPr>
-              <a:t> </a:t>
-            </a:r>
-            <a:r>
-              <a:rPr lang="en-US" sz="1400" dirty="0" err="1" smtClean="0">
-                <a:latin typeface="Consolas" pitchFamily="49" charset="0"/>
-              </a:rPr>
-              <a:t>zorgbehoevende</a:t>
-            </a:r>
-            <a:r>
-              <a:rPr lang="en-US" sz="1400" dirty="0" smtClean="0">
-                <a:latin typeface="Consolas" pitchFamily="49" charset="0"/>
-              </a:rPr>
-              <a:t> = </a:t>
-            </a:r>
-            <a:r>
-              <a:rPr lang="en-US" sz="1400" dirty="0" err="1" smtClean="0">
-                <a:latin typeface="Consolas" pitchFamily="49" charset="0"/>
-              </a:rPr>
-              <a:t>zorgbehoevendeService.GetZorgbehoevende</a:t>
-            </a:r>
-            <a:r>
-              <a:rPr lang="en-US" sz="1400" dirty="0" smtClean="0">
-                <a:latin typeface="Consolas" pitchFamily="49" charset="0"/>
-              </a:rPr>
-              <a:t>(id);</a:t>
-            </a:r>
-          </a:p>
-          <a:p>
-            <a:r>
-              <a:rPr lang="en-US" sz="1400" dirty="0" smtClean="0">
-                <a:latin typeface="Consolas" pitchFamily="49" charset="0"/>
-              </a:rPr>
-              <a:t>        </a:t>
-            </a:r>
-            <a:r>
-              <a:rPr lang="en-US" sz="1400" dirty="0" smtClean="0">
-                <a:solidFill>
-                  <a:srgbClr val="0070C0"/>
-                </a:solidFill>
-                <a:latin typeface="Consolas" pitchFamily="49" charset="0"/>
-              </a:rPr>
-              <a:t>return</a:t>
-            </a:r>
-            <a:r>
-              <a:rPr lang="en-US" sz="1400" dirty="0" smtClean="0">
-                <a:latin typeface="Consolas" pitchFamily="49" charset="0"/>
-              </a:rPr>
-              <a:t> View(</a:t>
-            </a:r>
-            <a:r>
-              <a:rPr lang="en-US" sz="1400" dirty="0" err="1" smtClean="0">
-                <a:latin typeface="Consolas" pitchFamily="49" charset="0"/>
-              </a:rPr>
-              <a:t>zorgbehoevende</a:t>
-            </a:r>
-            <a:r>
-              <a:rPr lang="en-US" sz="1400" dirty="0" smtClean="0">
-                <a:latin typeface="Consolas" pitchFamily="49" charset="0"/>
-              </a:rPr>
-              <a:t>);</a:t>
-            </a:r>
-          </a:p>
-          <a:p>
-            <a:r>
-              <a:rPr lang="en-US" sz="1400" dirty="0" smtClean="0">
-                <a:latin typeface="Consolas" pitchFamily="49" charset="0"/>
-              </a:rPr>
-              <a:t>    }</a:t>
-            </a:r>
-          </a:p>
-          <a:p>
-            <a:endParaRPr lang="en-US" sz="1400" dirty="0" smtClean="0">
-              <a:latin typeface="Consolas" pitchFamily="49" charset="0"/>
-            </a:endParaRPr>
-          </a:p>
-          <a:p>
-            <a:r>
-              <a:rPr lang="en-US" sz="1400" dirty="0" smtClean="0">
-                <a:latin typeface="Consolas" pitchFamily="49" charset="0"/>
-              </a:rPr>
-              <a:t>    </a:t>
-            </a:r>
-            <a:r>
-              <a:rPr lang="en-US" sz="1400" dirty="0" smtClean="0">
-                <a:solidFill>
-                  <a:srgbClr val="0070C0"/>
-                </a:solidFill>
-                <a:latin typeface="Consolas" pitchFamily="49" charset="0"/>
-              </a:rPr>
-              <a:t>public</a:t>
-            </a:r>
-            <a:r>
-              <a:rPr lang="en-US" sz="1400" dirty="0" smtClean="0">
-                <a:latin typeface="Consolas" pitchFamily="49" charset="0"/>
-              </a:rPr>
-              <a:t> </a:t>
-            </a:r>
-            <a:r>
-              <a:rPr lang="en-US" sz="1400" dirty="0" err="1" smtClean="0">
-                <a:latin typeface="Consolas" pitchFamily="49" charset="0"/>
-              </a:rPr>
-              <a:t>ActionResult</a:t>
-            </a:r>
-            <a:r>
-              <a:rPr lang="en-US" sz="1400" dirty="0" smtClean="0">
-                <a:latin typeface="Consolas" pitchFamily="49" charset="0"/>
-              </a:rPr>
-              <a:t> Create(</a:t>
-            </a:r>
-            <a:r>
-              <a:rPr lang="en-US" sz="1400" dirty="0" err="1" smtClean="0">
-                <a:latin typeface="Consolas" pitchFamily="49" charset="0"/>
-              </a:rPr>
-              <a:t>ZorgbehoevendeDto</a:t>
-            </a:r>
-            <a:r>
-              <a:rPr lang="en-US" sz="1400" dirty="0" smtClean="0">
-                <a:latin typeface="Consolas" pitchFamily="49" charset="0"/>
-              </a:rPr>
-              <a:t> </a:t>
-            </a:r>
-            <a:r>
-              <a:rPr lang="en-US" sz="1400" dirty="0" err="1" smtClean="0">
-                <a:latin typeface="Consolas" pitchFamily="49" charset="0"/>
-              </a:rPr>
-              <a:t>dto</a:t>
-            </a:r>
-            <a:r>
-              <a:rPr lang="en-US" sz="1400" dirty="0" smtClean="0">
-                <a:latin typeface="Consolas" pitchFamily="49" charset="0"/>
-              </a:rPr>
-              <a:t>)</a:t>
-            </a:r>
-          </a:p>
-          <a:p>
-            <a:r>
-              <a:rPr lang="en-US" sz="1400" dirty="0" smtClean="0">
-                <a:latin typeface="Consolas" pitchFamily="49" charset="0"/>
-              </a:rPr>
-              <a:t>    {</a:t>
-            </a:r>
-          </a:p>
-          <a:p>
-            <a:r>
-              <a:rPr lang="en-US" sz="1400" dirty="0" smtClean="0">
-                <a:latin typeface="Consolas" pitchFamily="49" charset="0"/>
-              </a:rPr>
-              <a:t>        </a:t>
-            </a:r>
-            <a:r>
-              <a:rPr lang="en-US" sz="1400" dirty="0" err="1" smtClean="0">
-                <a:solidFill>
-                  <a:srgbClr val="0070C0"/>
-                </a:solidFill>
-                <a:latin typeface="Consolas" pitchFamily="49" charset="0"/>
-              </a:rPr>
-              <a:t>var</a:t>
-            </a:r>
-            <a:r>
-              <a:rPr lang="en-US" sz="1400" dirty="0" smtClean="0">
-                <a:latin typeface="Consolas" pitchFamily="49" charset="0"/>
-              </a:rPr>
-              <a:t> id = </a:t>
-            </a:r>
-            <a:r>
-              <a:rPr lang="en-US" sz="1400" dirty="0" err="1" smtClean="0">
-                <a:latin typeface="Consolas" pitchFamily="49" charset="0"/>
-              </a:rPr>
-              <a:t>zorgbehoevendeService.CreateZorgbehoevende</a:t>
-            </a:r>
-            <a:r>
-              <a:rPr lang="en-US" sz="1400" dirty="0" smtClean="0">
-                <a:latin typeface="Consolas" pitchFamily="49" charset="0"/>
-              </a:rPr>
-              <a:t>(</a:t>
-            </a:r>
-            <a:r>
-              <a:rPr lang="en-US" sz="1400" dirty="0" err="1" smtClean="0">
-                <a:latin typeface="Consolas" pitchFamily="49" charset="0"/>
-              </a:rPr>
-              <a:t>dto</a:t>
-            </a:r>
-            <a:r>
-              <a:rPr lang="en-US" sz="1400" dirty="0" smtClean="0">
-                <a:latin typeface="Consolas" pitchFamily="49" charset="0"/>
-              </a:rPr>
-              <a:t>);</a:t>
-            </a:r>
-          </a:p>
-          <a:p>
-            <a:r>
-              <a:rPr lang="en-US" sz="1400" dirty="0" smtClean="0">
-                <a:latin typeface="Consolas" pitchFamily="49" charset="0"/>
-              </a:rPr>
-              <a:t>        </a:t>
-            </a:r>
-            <a:r>
-              <a:rPr lang="en-US" sz="1400" dirty="0" smtClean="0">
-                <a:solidFill>
-                  <a:srgbClr val="0070C0"/>
-                </a:solidFill>
-                <a:latin typeface="Consolas" pitchFamily="49" charset="0"/>
-              </a:rPr>
-              <a:t>return</a:t>
-            </a:r>
-            <a:r>
-              <a:rPr lang="en-US" sz="1400" dirty="0" smtClean="0">
-                <a:latin typeface="Consolas" pitchFamily="49" charset="0"/>
-              </a:rPr>
-              <a:t> </a:t>
-            </a:r>
-            <a:r>
-              <a:rPr lang="en-US" sz="1400" dirty="0" err="1" smtClean="0">
-                <a:latin typeface="Consolas" pitchFamily="49" charset="0"/>
-              </a:rPr>
-              <a:t>RedirectToAction</a:t>
-            </a:r>
-            <a:r>
-              <a:rPr lang="en-US" sz="1400" dirty="0" smtClean="0">
-                <a:latin typeface="Consolas" pitchFamily="49" charset="0"/>
-              </a:rPr>
-              <a:t>("Detail", </a:t>
-            </a:r>
-            <a:r>
-              <a:rPr lang="en-US" sz="1400" dirty="0" err="1" smtClean="0">
-                <a:latin typeface="Consolas" pitchFamily="49" charset="0"/>
-              </a:rPr>
-              <a:t>id.ToIdRoute</a:t>
-            </a:r>
-            <a:r>
-              <a:rPr lang="en-US" sz="1400" dirty="0" smtClean="0">
-                <a:latin typeface="Consolas" pitchFamily="49" charset="0"/>
-              </a:rPr>
-              <a:t>());</a:t>
-            </a:r>
-          </a:p>
-          <a:p>
-            <a:r>
-              <a:rPr lang="en-US" sz="1400" dirty="0" smtClean="0">
-                <a:latin typeface="Consolas" pitchFamily="49" charset="0"/>
-              </a:rPr>
-              <a:t>    </a:t>
-            </a:r>
-            <a:r>
-              <a:rPr lang="en-US" sz="1400" dirty="0" smtClean="0">
-                <a:latin typeface="Consolas" pitchFamily="49" charset="0"/>
-              </a:rPr>
-              <a:t>}</a:t>
-            </a:r>
-          </a:p>
-          <a:p>
-            <a:r>
-              <a:rPr lang="nl-BE" sz="1400" dirty="0" smtClean="0">
-                <a:latin typeface="Consolas" pitchFamily="49" charset="0"/>
-              </a:rPr>
-              <a:t>}</a:t>
-            </a:r>
-            <a:endParaRPr lang="en-US" sz="1400" dirty="0" smtClean="0">
-              <a:latin typeface="Consolas" pitchFamily="49" charset="0"/>
-            </a:endParaRPr>
-          </a:p>
-        </p:txBody>
-      </p:sp>
-      <p:sp>
-        <p:nvSpPr>
-          <p:cNvPr id="2" name="Title 1"/>
-          <p:cNvSpPr>
-            <a:spLocks noGrp="1"/>
-          </p:cNvSpPr>
-          <p:nvPr>
-            <p:ph type="title"/>
-          </p:nvPr>
-        </p:nvSpPr>
-        <p:spPr/>
-        <p:txBody>
-          <a:bodyPr/>
-          <a:lstStyle/>
-          <a:p>
-            <a:r>
-              <a:rPr lang="nl-BE" dirty="0" smtClean="0"/>
-              <a:t>UI: Microsoft’s MVC</a:t>
-            </a:r>
-            <a:endParaRPr lang="en-US" dirty="0"/>
-          </a:p>
-        </p:txBody>
-      </p:sp>
-      <p:sp>
-        <p:nvSpPr>
           <p:cNvPr id="14" name="Rounded Rectangle 13"/>
           <p:cNvSpPr/>
           <p:nvPr/>
@@ -7491,6 +11268,29 @@
           <a:p>
             <a:pPr algn="ctr"/>
             <a:endParaRPr lang="en-US"/>
+          </a:p>
+        </p:txBody>
+      </p:sp>
+      <p:sp>
+        <p:nvSpPr>
+          <p:cNvPr id="2" name="Title 1"/>
+          <p:cNvSpPr>
+            <a:spLocks noGrp="1"/>
+          </p:cNvSpPr>
+          <p:nvPr>
+            <p:ph type="title"/>
+          </p:nvPr>
+        </p:nvSpPr>
+        <p:spPr/>
+        <p:txBody>
+          <a:bodyPr/>
+          <a:lstStyle/>
+          <a:p>
+            <a:r>
+              <a:rPr lang="nl-BE" dirty="0" smtClean="0"/>
+              <a:t>UI: Microsoft’s MVC</a:t>
+            </a:r>
+            <a:endParaRPr lang="en-US" dirty="0"/>
           </a:p>
         </p:txBody>
       </p:sp>
@@ -7653,6 +11453,392 @@
           </a:p>
         </p:txBody>
       </p:sp>
+      <p:sp>
+        <p:nvSpPr>
+          <p:cNvPr id="4" name="Rectangle 3"/>
+          <p:cNvSpPr/>
+          <p:nvPr/>
+        </p:nvSpPr>
+        <p:spPr>
+          <a:xfrm>
+            <a:off x="857224" y="1071546"/>
+            <a:ext cx="7429552" cy="3108543"/>
+          </a:xfrm>
+          <a:prstGeom prst="rect">
+            <a:avLst/>
+          </a:prstGeom>
+        </p:spPr>
+        <p:txBody>
+          <a:bodyPr wrap="square">
+            <a:spAutoFit/>
+          </a:bodyPr>
+          <a:lstStyle/>
+          <a:p>
+            <a:r>
+              <a:rPr lang="en-US" sz="1400" dirty="0" smtClean="0">
+                <a:solidFill>
+                  <a:srgbClr val="0070C0"/>
+                </a:solidFill>
+                <a:latin typeface="Consolas" pitchFamily="49" charset="0"/>
+              </a:rPr>
+              <a:t>public class </a:t>
+            </a:r>
+            <a:r>
+              <a:rPr lang="en-US" sz="1400" dirty="0" err="1" smtClean="0">
+                <a:latin typeface="Consolas" pitchFamily="49" charset="0"/>
+              </a:rPr>
+              <a:t>ZorgbehoevendeController</a:t>
+            </a:r>
+            <a:r>
+              <a:rPr lang="en-US" sz="1400" dirty="0" smtClean="0">
+                <a:latin typeface="Consolas" pitchFamily="49" charset="0"/>
+              </a:rPr>
+              <a:t> : Controller</a:t>
+            </a:r>
+          </a:p>
+          <a:p>
+            <a:r>
+              <a:rPr lang="en-US" sz="1400" dirty="0" smtClean="0">
+                <a:latin typeface="Consolas" pitchFamily="49" charset="0"/>
+              </a:rPr>
+              <a:t>{</a:t>
+            </a:r>
+          </a:p>
+          <a:p>
+            <a:r>
+              <a:rPr lang="en-US" sz="1400" dirty="0" smtClean="0">
+                <a:latin typeface="Consolas" pitchFamily="49" charset="0"/>
+              </a:rPr>
+              <a:t>    </a:t>
+            </a:r>
+            <a:r>
+              <a:rPr lang="en-US" sz="1400" dirty="0" smtClean="0">
+                <a:solidFill>
+                  <a:srgbClr val="0070C0"/>
+                </a:solidFill>
+                <a:latin typeface="Consolas" pitchFamily="49" charset="0"/>
+              </a:rPr>
+              <a:t>public</a:t>
+            </a:r>
+            <a:r>
+              <a:rPr lang="en-US" sz="1400" dirty="0" smtClean="0">
+                <a:latin typeface="Consolas" pitchFamily="49" charset="0"/>
+              </a:rPr>
+              <a:t> </a:t>
+            </a:r>
+            <a:r>
+              <a:rPr lang="en-US" sz="1400" dirty="0" err="1" smtClean="0">
+                <a:latin typeface="Consolas" pitchFamily="49" charset="0"/>
+              </a:rPr>
+              <a:t>ActionResult</a:t>
+            </a:r>
+            <a:r>
+              <a:rPr lang="en-US" sz="1400" dirty="0" smtClean="0">
+                <a:latin typeface="Consolas" pitchFamily="49" charset="0"/>
+              </a:rPr>
+              <a:t> Detail(</a:t>
+            </a:r>
+            <a:r>
+              <a:rPr lang="en-US" sz="1400" dirty="0" smtClean="0">
+                <a:solidFill>
+                  <a:srgbClr val="0070C0"/>
+                </a:solidFill>
+                <a:latin typeface="Consolas" pitchFamily="49" charset="0"/>
+              </a:rPr>
+              <a:t>string</a:t>
+            </a:r>
+            <a:r>
+              <a:rPr lang="en-US" sz="1400" dirty="0" smtClean="0">
+                <a:latin typeface="Consolas" pitchFamily="49" charset="0"/>
+              </a:rPr>
+              <a:t> id)</a:t>
+            </a:r>
+          </a:p>
+          <a:p>
+            <a:r>
+              <a:rPr lang="en-US" sz="1400" dirty="0" smtClean="0">
+                <a:latin typeface="Consolas" pitchFamily="49" charset="0"/>
+              </a:rPr>
+              <a:t>    {</a:t>
+            </a:r>
+          </a:p>
+          <a:p>
+            <a:r>
+              <a:rPr lang="en-US" sz="1400" dirty="0" smtClean="0">
+                <a:latin typeface="Consolas" pitchFamily="49" charset="0"/>
+              </a:rPr>
+              <a:t>        </a:t>
+            </a:r>
+            <a:r>
+              <a:rPr lang="en-US" sz="1400" dirty="0" err="1" smtClean="0">
+                <a:solidFill>
+                  <a:srgbClr val="0070C0"/>
+                </a:solidFill>
+                <a:latin typeface="Consolas" pitchFamily="49" charset="0"/>
+              </a:rPr>
+              <a:t>var</a:t>
+            </a:r>
+            <a:r>
+              <a:rPr lang="en-US" sz="1400" dirty="0" smtClean="0">
+                <a:latin typeface="Consolas" pitchFamily="49" charset="0"/>
+              </a:rPr>
+              <a:t> </a:t>
+            </a:r>
+            <a:r>
+              <a:rPr lang="en-US" sz="1400" dirty="0" err="1" smtClean="0">
+                <a:latin typeface="Consolas" pitchFamily="49" charset="0"/>
+              </a:rPr>
+              <a:t>zorgbehoevende</a:t>
+            </a:r>
+            <a:r>
+              <a:rPr lang="en-US" sz="1400" dirty="0" smtClean="0">
+                <a:latin typeface="Consolas" pitchFamily="49" charset="0"/>
+              </a:rPr>
+              <a:t> = </a:t>
+            </a:r>
+            <a:r>
+              <a:rPr lang="en-US" sz="1400" dirty="0" err="1" smtClean="0">
+                <a:latin typeface="Consolas" pitchFamily="49" charset="0"/>
+              </a:rPr>
+              <a:t>zorgbehoevendeService.GetZorgbehoevende</a:t>
+            </a:r>
+            <a:r>
+              <a:rPr lang="en-US" sz="1400" dirty="0" smtClean="0">
+                <a:latin typeface="Consolas" pitchFamily="49" charset="0"/>
+              </a:rPr>
+              <a:t>(id);</a:t>
+            </a:r>
+          </a:p>
+          <a:p>
+            <a:r>
+              <a:rPr lang="en-US" sz="1400" dirty="0" smtClean="0">
+                <a:latin typeface="Consolas" pitchFamily="49" charset="0"/>
+              </a:rPr>
+              <a:t>        </a:t>
+            </a:r>
+            <a:r>
+              <a:rPr lang="en-US" sz="1400" dirty="0" smtClean="0">
+                <a:solidFill>
+                  <a:srgbClr val="0070C0"/>
+                </a:solidFill>
+                <a:latin typeface="Consolas" pitchFamily="49" charset="0"/>
+              </a:rPr>
+              <a:t>return</a:t>
+            </a:r>
+            <a:r>
+              <a:rPr lang="en-US" sz="1400" dirty="0" smtClean="0">
+                <a:latin typeface="Consolas" pitchFamily="49" charset="0"/>
+              </a:rPr>
+              <a:t> View(</a:t>
+            </a:r>
+            <a:r>
+              <a:rPr lang="en-US" sz="1400" dirty="0" err="1" smtClean="0">
+                <a:latin typeface="Consolas" pitchFamily="49" charset="0"/>
+              </a:rPr>
+              <a:t>zorgbehoevende</a:t>
+            </a:r>
+            <a:r>
+              <a:rPr lang="en-US" sz="1400" dirty="0" smtClean="0">
+                <a:latin typeface="Consolas" pitchFamily="49" charset="0"/>
+              </a:rPr>
+              <a:t>);</a:t>
+            </a:r>
+          </a:p>
+          <a:p>
+            <a:r>
+              <a:rPr lang="en-US" sz="1400" dirty="0" smtClean="0">
+                <a:latin typeface="Consolas" pitchFamily="49" charset="0"/>
+              </a:rPr>
+              <a:t>    }</a:t>
+            </a:r>
+          </a:p>
+          <a:p>
+            <a:endParaRPr lang="en-US" sz="1400" dirty="0" smtClean="0">
+              <a:latin typeface="Consolas" pitchFamily="49" charset="0"/>
+            </a:endParaRPr>
+          </a:p>
+          <a:p>
+            <a:r>
+              <a:rPr lang="en-US" sz="1400" dirty="0" smtClean="0">
+                <a:latin typeface="Consolas" pitchFamily="49" charset="0"/>
+              </a:rPr>
+              <a:t>    </a:t>
+            </a:r>
+            <a:r>
+              <a:rPr lang="en-US" sz="1400" dirty="0" smtClean="0">
+                <a:solidFill>
+                  <a:srgbClr val="0070C0"/>
+                </a:solidFill>
+                <a:latin typeface="Consolas" pitchFamily="49" charset="0"/>
+              </a:rPr>
+              <a:t>public</a:t>
+            </a:r>
+            <a:r>
+              <a:rPr lang="en-US" sz="1400" dirty="0" smtClean="0">
+                <a:latin typeface="Consolas" pitchFamily="49" charset="0"/>
+              </a:rPr>
+              <a:t> </a:t>
+            </a:r>
+            <a:r>
+              <a:rPr lang="en-US" sz="1400" dirty="0" err="1" smtClean="0">
+                <a:latin typeface="Consolas" pitchFamily="49" charset="0"/>
+              </a:rPr>
+              <a:t>ActionResult</a:t>
+            </a:r>
+            <a:r>
+              <a:rPr lang="en-US" sz="1400" dirty="0" smtClean="0">
+                <a:latin typeface="Consolas" pitchFamily="49" charset="0"/>
+              </a:rPr>
+              <a:t> Create(</a:t>
+            </a:r>
+            <a:r>
+              <a:rPr lang="en-US" sz="1400" dirty="0" err="1" smtClean="0">
+                <a:latin typeface="Consolas" pitchFamily="49" charset="0"/>
+              </a:rPr>
+              <a:t>ZorgbehoevendeDto</a:t>
+            </a:r>
+            <a:r>
+              <a:rPr lang="en-US" sz="1400" dirty="0" smtClean="0">
+                <a:latin typeface="Consolas" pitchFamily="49" charset="0"/>
+              </a:rPr>
+              <a:t> </a:t>
+            </a:r>
+            <a:r>
+              <a:rPr lang="en-US" sz="1400" dirty="0" err="1" smtClean="0">
+                <a:latin typeface="Consolas" pitchFamily="49" charset="0"/>
+              </a:rPr>
+              <a:t>dto</a:t>
+            </a:r>
+            <a:r>
+              <a:rPr lang="en-US" sz="1400" dirty="0" smtClean="0">
+                <a:latin typeface="Consolas" pitchFamily="49" charset="0"/>
+              </a:rPr>
+              <a:t>)</a:t>
+            </a:r>
+          </a:p>
+          <a:p>
+            <a:r>
+              <a:rPr lang="en-US" sz="1400" dirty="0" smtClean="0">
+                <a:latin typeface="Consolas" pitchFamily="49" charset="0"/>
+              </a:rPr>
+              <a:t>    {</a:t>
+            </a:r>
+          </a:p>
+          <a:p>
+            <a:r>
+              <a:rPr lang="en-US" sz="1400" dirty="0" smtClean="0">
+                <a:latin typeface="Consolas" pitchFamily="49" charset="0"/>
+              </a:rPr>
+              <a:t>        </a:t>
+            </a:r>
+            <a:r>
+              <a:rPr lang="en-US" sz="1400" dirty="0" err="1" smtClean="0">
+                <a:solidFill>
+                  <a:srgbClr val="0070C0"/>
+                </a:solidFill>
+                <a:latin typeface="Consolas" pitchFamily="49" charset="0"/>
+              </a:rPr>
+              <a:t>var</a:t>
+            </a:r>
+            <a:r>
+              <a:rPr lang="en-US" sz="1400" dirty="0" smtClean="0">
+                <a:latin typeface="Consolas" pitchFamily="49" charset="0"/>
+              </a:rPr>
+              <a:t> id = </a:t>
+            </a:r>
+            <a:r>
+              <a:rPr lang="en-US" sz="1400" dirty="0" err="1" smtClean="0">
+                <a:latin typeface="Consolas" pitchFamily="49" charset="0"/>
+              </a:rPr>
+              <a:t>zorgbehoevendeService.CreateZorgbehoevende</a:t>
+            </a:r>
+            <a:r>
+              <a:rPr lang="en-US" sz="1400" dirty="0" smtClean="0">
+                <a:latin typeface="Consolas" pitchFamily="49" charset="0"/>
+              </a:rPr>
+              <a:t>(</a:t>
+            </a:r>
+            <a:r>
+              <a:rPr lang="en-US" sz="1400" dirty="0" err="1" smtClean="0">
+                <a:latin typeface="Consolas" pitchFamily="49" charset="0"/>
+              </a:rPr>
+              <a:t>dto</a:t>
+            </a:r>
+            <a:r>
+              <a:rPr lang="en-US" sz="1400" dirty="0" smtClean="0">
+                <a:latin typeface="Consolas" pitchFamily="49" charset="0"/>
+              </a:rPr>
+              <a:t>);</a:t>
+            </a:r>
+          </a:p>
+          <a:p>
+            <a:r>
+              <a:rPr lang="en-US" sz="1400" dirty="0" smtClean="0">
+                <a:latin typeface="Consolas" pitchFamily="49" charset="0"/>
+              </a:rPr>
+              <a:t>        </a:t>
+            </a:r>
+            <a:r>
+              <a:rPr lang="en-US" sz="1400" dirty="0" smtClean="0">
+                <a:solidFill>
+                  <a:srgbClr val="0070C0"/>
+                </a:solidFill>
+                <a:latin typeface="Consolas" pitchFamily="49" charset="0"/>
+              </a:rPr>
+              <a:t>return</a:t>
+            </a:r>
+            <a:r>
+              <a:rPr lang="en-US" sz="1400" dirty="0" smtClean="0">
+                <a:latin typeface="Consolas" pitchFamily="49" charset="0"/>
+              </a:rPr>
+              <a:t> </a:t>
+            </a:r>
+            <a:r>
+              <a:rPr lang="en-US" sz="1400" dirty="0" err="1" smtClean="0">
+                <a:latin typeface="Consolas" pitchFamily="49" charset="0"/>
+              </a:rPr>
+              <a:t>RedirectToAction</a:t>
+            </a:r>
+            <a:r>
+              <a:rPr lang="en-US" sz="1400" dirty="0" smtClean="0">
+                <a:latin typeface="Consolas" pitchFamily="49" charset="0"/>
+              </a:rPr>
+              <a:t>("Detail", </a:t>
+            </a:r>
+            <a:r>
+              <a:rPr lang="en-US" sz="1400" dirty="0" err="1" smtClean="0">
+                <a:latin typeface="Consolas" pitchFamily="49" charset="0"/>
+              </a:rPr>
+              <a:t>id.ToIdRoute</a:t>
+            </a:r>
+            <a:r>
+              <a:rPr lang="en-US" sz="1400" dirty="0" smtClean="0">
+                <a:latin typeface="Consolas" pitchFamily="49" charset="0"/>
+              </a:rPr>
+              <a:t>());</a:t>
+            </a:r>
+          </a:p>
+          <a:p>
+            <a:r>
+              <a:rPr lang="en-US" sz="1400" dirty="0" smtClean="0">
+                <a:latin typeface="Consolas" pitchFamily="49" charset="0"/>
+              </a:rPr>
+              <a:t>    }</a:t>
+            </a:r>
+          </a:p>
+          <a:p>
+            <a:r>
+              <a:rPr lang="nl-BE" sz="1400" dirty="0" smtClean="0">
+                <a:latin typeface="Consolas" pitchFamily="49" charset="0"/>
+              </a:rPr>
+              <a:t>}</a:t>
+            </a:r>
+            <a:endParaRPr lang="en-US" sz="1400" dirty="0" smtClean="0">
+              <a:latin typeface="Consolas" pitchFamily="49" charset="0"/>
+            </a:endParaRPr>
+          </a:p>
+        </p:txBody>
+      </p:sp>
     </p:spTree>
   </p:cSld>
   <p:clrMapOvr>
@@ -8084,10 +12270,10 @@
       </p:par>
     </p:tnLst>
     <p:bldLst>
+      <p:bldP spid="9" grpId="0" animBg="1"/>
       <p:bldP spid="13" grpId="0" animBg="1"/>
       <p:bldP spid="12" grpId="0" animBg="1"/>
       <p:bldP spid="8" grpId="0" animBg="1"/>
-      <p:bldP spid="9" grpId="0" animBg="1"/>
       <p:bldP spid="14" grpId="0" animBg="1"/>
       <p:bldP spid="15" grpId="0" animBg="1"/>
       <p:bldP spid="16" grpId="0" animBg="1"/>
@@ -8132,37 +12318,7 @@
           <a:p>
             <a:r>
               <a:rPr lang="nl-BE" dirty="0" smtClean="0"/>
-              <a:t>Domain: </a:t>
-            </a:r>
-            <a:r>
-              <a:rPr lang="nl-BE" dirty="0" smtClean="0"/>
-              <a:t>Mapping</a:t>
-            </a:r>
-            <a:endParaRPr lang="en-US" dirty="0"/>
-          </a:p>
-        </p:txBody>
-      </p:sp>
-      <p:sp>
-        <p:nvSpPr>
-          <p:cNvPr id="3" name="Content Placeholder 2"/>
-          <p:cNvSpPr>
-            <a:spLocks noGrp="1"/>
-          </p:cNvSpPr>
-          <p:nvPr>
-            <p:ph idx="1"/>
-          </p:nvPr>
-        </p:nvSpPr>
-        <p:spPr/>
-        <p:txBody>
-          <a:bodyPr/>
-          <a:lstStyle/>
-          <a:p>
-            <a:pPr>
-              <a:buNone/>
-            </a:pPr>
-            <a:r>
-              <a:rPr lang="nl-BE" dirty="0" smtClean="0"/>
-              <a:t>Automapper</a:t>
+              <a:t>Domain: Mapping</a:t>
             </a:r>
             <a:endParaRPr lang="en-US" dirty="0"/>
           </a:p>
@@ -8176,7 +12332,7 @@
         </p:nvSpPr>
         <p:spPr>
           <a:xfrm>
-            <a:off x="500034" y="1071546"/>
+            <a:off x="500034" y="585597"/>
             <a:ext cx="5500710" cy="2492990"/>
           </a:xfrm>
           <a:prstGeom prst="rect">
@@ -8308,13 +12464,7 @@
               <a:rPr lang="en-US" sz="1200" dirty="0" smtClean="0">
                 <a:latin typeface="Consolas" pitchFamily="49" charset="0"/>
               </a:rPr>
-              <a:t>    </a:t>
-            </a:r>
-            <a:r>
-              <a:rPr lang="en-US" sz="1200" dirty="0" smtClean="0">
-                <a:latin typeface="Consolas" pitchFamily="49" charset="0"/>
-              </a:rPr>
-              <a:t>{</a:t>
+              <a:t>    {</a:t>
             </a:r>
           </a:p>
           <a:p>
@@ -8391,7 +12541,7 @@
         </p:nvSpPr>
         <p:spPr>
           <a:xfrm>
-            <a:off x="4000496" y="2571744"/>
+            <a:off x="4000496" y="2085795"/>
             <a:ext cx="4572000" cy="1200329"/>
           </a:xfrm>
           <a:prstGeom prst="rect">
@@ -8496,7 +12646,7 @@
         </p:nvSpPr>
         <p:spPr>
           <a:xfrm rot="5400000">
-            <a:off x="5679289" y="1607331"/>
+            <a:off x="5679289" y="1121382"/>
             <a:ext cx="1285884" cy="642942"/>
           </a:xfrm>
           <a:prstGeom prst="bentArrow">
@@ -8549,8 +12699,8 @@
         </p:nvSpPr>
         <p:spPr>
           <a:xfrm>
-            <a:off x="642910" y="4202676"/>
-            <a:ext cx="7786742" cy="369332"/>
+            <a:off x="571472" y="3643314"/>
+            <a:ext cx="8001056" cy="369332"/>
           </a:xfrm>
           <a:prstGeom prst="rect">
             <a:avLst/>
@@ -8577,16 +12727,16 @@
           <a:lstStyle/>
           <a:p>
             <a:r>
+              <a:rPr lang="en-US" dirty="0" err="1" smtClean="0">
+                <a:latin typeface="Consolas" pitchFamily="49" charset="0"/>
+              </a:rPr>
+              <a:t>var</a:t>
+            </a:r>
+            <a:r>
               <a:rPr lang="en-US" dirty="0" smtClean="0">
                 <a:latin typeface="Consolas" pitchFamily="49" charset="0"/>
               </a:rPr>
-              <a:t>memos </a:t>
-            </a:r>
-            <a:r>
-              <a:rPr lang="en-US" dirty="0" smtClean="0">
-                <a:latin typeface="Consolas" pitchFamily="49" charset="0"/>
-              </a:rPr>
-              <a:t>= </a:t>
+              <a:t> memos = </a:t>
             </a:r>
             <a:r>
               <a:rPr lang="en-US" dirty="0" err="1" smtClean="0">
@@ -8650,8 +12800,8 @@
         </p:nvSpPr>
         <p:spPr>
           <a:xfrm>
-            <a:off x="642910" y="4896161"/>
-            <a:ext cx="7786742" cy="369332"/>
+            <a:off x="571472" y="4429132"/>
+            <a:ext cx="8001056" cy="923330"/>
           </a:xfrm>
           <a:prstGeom prst="rect">
             <a:avLst/>
@@ -8700,6 +12850,64 @@
                 <a:latin typeface="Consolas" pitchFamily="49" charset="0"/>
               </a:rPr>
               <a:t>&gt;();</a:t>
+            </a:r>
+          </a:p>
+          <a:p>
+            <a:r>
+              <a:rPr lang="en-US" dirty="0" err="1" smtClean="0">
+                <a:latin typeface="Consolas" pitchFamily="49" charset="0"/>
+              </a:rPr>
+              <a:t>Mapper.CreateMap</a:t>
+            </a:r>
+            <a:r>
+              <a:rPr lang="en-US" dirty="0" smtClean="0">
+                <a:latin typeface="Consolas" pitchFamily="49" charset="0"/>
+              </a:rPr>
+              <a:t>&lt;</a:t>
+            </a:r>
+            <a:r>
+              <a:rPr lang="en-US" dirty="0" err="1" smtClean="0">
+                <a:latin typeface="Consolas" pitchFamily="49" charset="0"/>
+              </a:rPr>
+              <a:t>DateTime</a:t>
+            </a:r>
+            <a:r>
+              <a:rPr lang="en-US" dirty="0" smtClean="0">
+                <a:latin typeface="Consolas" pitchFamily="49" charset="0"/>
+              </a:rPr>
+              <a:t>, string&gt;()</a:t>
+            </a:r>
+          </a:p>
+          <a:p>
+            <a:r>
+              <a:rPr lang="en-US" dirty="0" smtClean="0">
+                <a:latin typeface="Consolas" pitchFamily="49" charset="0"/>
+              </a:rPr>
+              <a:t>	.</a:t>
+            </a:r>
+            <a:r>
+              <a:rPr lang="en-US" dirty="0" err="1" smtClean="0">
+                <a:latin typeface="Consolas" pitchFamily="49" charset="0"/>
+              </a:rPr>
+              <a:t>ConvertUsing</a:t>
+            </a:r>
+            <a:r>
+              <a:rPr lang="en-US" dirty="0" smtClean="0">
+                <a:latin typeface="Consolas" pitchFamily="49" charset="0"/>
+              </a:rPr>
+              <a:t>(d =&gt; </a:t>
+            </a:r>
+            <a:r>
+              <a:rPr lang="en-US" dirty="0" err="1" smtClean="0">
+                <a:latin typeface="Consolas" pitchFamily="49" charset="0"/>
+              </a:rPr>
+              <a:t>d.ToScreenDate</a:t>
+            </a:r>
+            <a:r>
+              <a:rPr lang="en-US" dirty="0" smtClean="0">
+                <a:latin typeface="Consolas" pitchFamily="49" charset="0"/>
+              </a:rPr>
+              <a:t>());</a:t>
             </a:r>
             <a:endParaRPr lang="en-US" dirty="0">
               <a:latin typeface="Consolas" pitchFamily="49" charset="0"/>
@@ -8767,6 +12975,64 @@
                                   </p:childTnLst>
                                 </p:cTn>
                               </p:par>
+                              <p:par>
+                                <p:cTn id="8" presetID="5" presetClass="emph" presetSubtype="1" grpId="2" nodeType="withEffect">
+                                  <p:stCondLst>
+                                    <p:cond delay="0"/>
+                                  </p:stCondLst>
+                                  <p:endCondLst>
+                                    <p:cond evt="onNext" delay="0">
+                                      <p:tgtEl>
+                                        <p:sldTgt/>
+                                      </p:tgtEl>
+                                    </p:cond>
+                                  </p:endCondLst>
+                                  <p:childTnLst>
+                                    <p:set>
+                                      <p:cBhvr override="childStyle">
+                                        <p:cTn id="9" dur="indefinite"/>
+                                        <p:tgtEl>
+                                          <p:spTgt spid="4"/>
+                                        </p:tgtEl>
+                                        <p:attrNameLst>
+                                          <p:attrName>style.fontStyle</p:attrName>
+                                        </p:attrNameLst>
+                                      </p:cBhvr>
+                                      <p:to>
+                                        <p:strVal val="normal"/>
+                                      </p:to>
+                                    </p:set>
+                                    <p:set>
+                                      <p:cBhvr override="childStyle">
+                                        <p:cTn id="10" dur="indefinite"/>
+                                        <p:tgtEl>
+                                          <p:spTgt spid="4"/>
+                                        </p:tgtEl>
+                                        <p:attrNameLst>
+                                          <p:attrName>style.fontWeight</p:attrName>
+                                        </p:attrNameLst>
+                                      </p:cBhvr>
+                                      <p:to>
+                                        <p:strVal val="bold"/>
+                                      </p:to>
+                                    </p:set>
+                                    <p:set>
+                                      <p:cBhvr override="childStyle">
+                                        <p:cTn id="11" dur="indefinite"/>
+                                        <p:tgtEl>
+                                          <p:spTgt spid="4"/>
+                                        </p:tgtEl>
+                                        <p:attrNameLst>
+                                          <p:attrName>style.textDecorationUnderline</p:attrName>
+                                        </p:attrNameLst>
+                                      </p:cBhvr>
+                                      <p:to>
+                                        <p:strVal val="false"/>
+                                      </p:to>
+                                    </p:set>
+                                  </p:childTnLst>
+                                </p:cTn>
+                              </p:par>
                             </p:childTnLst>
                           </p:cTn>
                         </p:par>
@@ -8774,26 +13040,26 @@
                     </p:cTn>
                   </p:par>
                   <p:par>
-                    <p:cTn id="8" fill="hold">
+                    <p:cTn id="12" fill="hold">
                       <p:stCondLst>
                         <p:cond delay="indefinite"/>
                       </p:stCondLst>
                       <p:childTnLst>
                         <p:par>
-                          <p:cTn id="9" fill="hold">
+                          <p:cTn id="13" fill="hold">
                             <p:stCondLst>
                               <p:cond delay="0"/>
                             </p:stCondLst>
                             <p:childTnLst>
                               <p:par>
-                                <p:cTn id="10" presetID="10" presetClass="entr" presetSubtype="0" fill="hold" grpId="0" nodeType="clickEffect">
+                                <p:cTn id="14" presetID="10" presetClass="entr" presetSubtype="0" fill="hold" grpId="0" nodeType="clickEffect">
                                   <p:stCondLst>
                                     <p:cond delay="0"/>
                                   </p:stCondLst>
                                   <p:childTnLst>
                                     <p:set>
                                       <p:cBhvr>
-                                        <p:cTn id="11" dur="1" fill="hold">
+                                        <p:cTn id="15" dur="1" fill="hold">
                                           <p:stCondLst>
                                             <p:cond delay="0"/>
                                           </p:stCondLst>
@@ -8811,12 +13077,70 @@
                                     </p:set>
                                     <p:animEffect transition="in" filter="fade">
                                       <p:cBhvr>
-                                        <p:cTn id="12" dur="2000"/>
+                                        <p:cTn id="16" dur="500"/>
                                         <p:tgtEl>
                                           <p:spTgt spid="5"/>
                                         </p:tgtEl>
                                       </p:cBhvr>
                                     </p:animEffect>
+                                  </p:childTnLst>
+                                </p:cTn>
+                              </p:par>
+                              <p:par>
+                                <p:cTn id="17" presetID="5" presetClass="emph" presetSubtype="1" grpId="1" nodeType="withEffect">
+                                  <p:stCondLst>
+                                    <p:cond delay="0"/>
+                                  </p:stCondLst>
+                                  <p:endCondLst>
+                                    <p:cond evt="onNext" delay="0">
+                                      <p:tgtEl>
+                                        <p:sldTgt/>
+                                      </p:tgtEl>
+                                    </p:cond>
+                                  </p:endCondLst>
+                                  <p:childTnLst>
+                                    <p:set>
+                                      <p:cBhvr override="childStyle">
+                                        <p:cTn id="18" dur="indefinite"/>
+                                        <p:tgtEl>
+                                          <p:spTgt spid="5"/>
+                                        </p:tgtEl>
+                                        <p:attrNameLst>
+                                          <p:attrName>style.fontStyle</p:attrName>
+                                        </p:attrNameLst>
+                                      </p:cBhvr>
+                                      <p:to>
+                                        <p:strVal val="normal"/>
+                                      </p:to>
+                                    </p:set>
+                                    <p:set>
+                                      <p:cBhvr override="childStyle">
+                                        <p:cTn id="19" dur="indefinite"/>
+                                        <p:tgtEl>
+                                          <p:spTgt spid="5"/>
+                                        </p:tgtEl>
+                                        <p:attrNameLst>
+                                          <p:attrName>style.fontWeight</p:attrName>
+                                        </p:attrNameLst>
+                                      </p:cBhvr>
+                                      <p:to>
+                                        <p:strVal val="bold"/>
+                                      </p:to>
+                                    </p:set>
+                                    <p:set>
+                                      <p:cBhvr override="childStyle">
+                                        <p:cTn id="20" dur="indefinite"/>
+                                        <p:tgtEl>
+                                          <p:spTgt spid="5"/>
+                                        </p:tgtEl>
+                                        <p:attrNameLst>
+                                          <p:attrName>style.textDecorationUnderline</p:attrName>
+                                        </p:attrNameLst>
+                                      </p:cBhvr>
+                                      <p:to>
+                                        <p:strVal val="false"/>
+                                      </p:to>
+                                    </p:set>
                                   </p:childTnLst>
                                 </p:cTn>
                               </p:par>
@@ -8824,20 +13148,20 @@
                           </p:cTn>
                         </p:par>
                         <p:par>
-                          <p:cTn id="13" fill="hold">
+                          <p:cTn id="21" fill="hold">
                             <p:stCondLst>
-                              <p:cond delay="2000"/>
+                              <p:cond delay="500"/>
                             </p:stCondLst>
                             <p:childTnLst>
                               <p:par>
-                                <p:cTn id="14" presetID="10" presetClass="entr" presetSubtype="0" fill="hold" grpId="0" nodeType="afterEffect">
+                                <p:cTn id="22" presetID="10" presetClass="entr" presetSubtype="0" fill="hold" grpId="0" nodeType="afterEffect">
                                   <p:stCondLst>
                                     <p:cond delay="0"/>
                                   </p:stCondLst>
                                   <p:childTnLst>
                                     <p:set>
                                       <p:cBhvr>
-                                        <p:cTn id="15" dur="1" fill="hold">
+                                        <p:cTn id="23" dur="1" fill="hold">
                                           <p:stCondLst>
                                             <p:cond delay="0"/>
                                           </p:stCondLst>
@@ -8855,7 +13179,7 @@
                                     </p:set>
                                     <p:animEffect transition="in" filter="fade">
                                       <p:cBhvr>
-                                        <p:cTn id="16" dur="2000"/>
+                                        <p:cTn id="24" dur="2000"/>
                                         <p:tgtEl>
                                           <p:spTgt spid="6"/>
                                         </p:tgtEl>
@@ -8871,26 +13195,26 @@
                     </p:cTn>
                   </p:par>
                   <p:par>
-                    <p:cTn id="17" fill="hold">
+                    <p:cTn id="25" fill="hold">
                       <p:stCondLst>
                         <p:cond delay="indefinite"/>
                       </p:stCondLst>
                       <p:childTnLst>
                         <p:par>
-                          <p:cTn id="18" fill="hold">
+                          <p:cTn id="26" fill="hold">
                             <p:stCondLst>
                               <p:cond delay="0"/>
                             </p:stCondLst>
                             <p:childTnLst>
                               <p:par>
-                                <p:cTn id="19" presetID="10" presetClass="entr" presetSubtype="0" fill="hold" grpId="0" nodeType="clickEffect">
+                                <p:cTn id="27" presetID="10" presetClass="entr" presetSubtype="0" fill="hold" grpId="0" nodeType="clickEffect">
                                   <p:stCondLst>
                                     <p:cond delay="0"/>
                                   </p:stCondLst>
                                   <p:childTnLst>
                                     <p:set>
                                       <p:cBhvr>
-                                        <p:cTn id="20" dur="1" fill="hold">
+                                        <p:cTn id="28" dur="1" fill="hold">
                                           <p:stCondLst>
                                             <p:cond delay="0"/>
                                           </p:stCondLst>
@@ -8908,12 +13232,70 @@
                                     </p:set>
                                     <p:animEffect transition="in" filter="fade">
                                       <p:cBhvr>
-                                        <p:cTn id="21" dur="2000"/>
+                                        <p:cTn id="29" dur="2000"/>
                                         <p:tgtEl>
                                           <p:spTgt spid="7"/>
                                         </p:tgtEl>
                                       </p:cBhvr>
                                     </p:animEffect>
+                                  </p:childTnLst>
+                                </p:cTn>
+                              </p:par>
+                              <p:par>
+                                <p:cTn id="30" presetID="5" presetClass="emph" presetSubtype="1" grpId="1" nodeType="withEffect">
+                                  <p:stCondLst>
+                                    <p:cond delay="0"/>
+                                  </p:stCondLst>
+                                  <p:endCondLst>
+                                    <p:cond evt="onNext" delay="0">
+                                      <p:tgtEl>
+                                        <p:sldTgt/>
+                                      </p:tgtEl>
+                                    </p:cond>
+                                  </p:endCondLst>
+                                  <p:childTnLst>
+                                    <p:set>
+                                      <p:cBhvr override="childStyle">
+                                        <p:cTn id="31" dur="indefinite"/>
+                                        <p:tgtEl>
+                                          <p:spTgt spid="7"/>
+                                        </p:tgtEl>
+                                        <p:attrNameLst>
+                                          <p:attrName>style.fontStyle</p:attrName>
+                                        </p:attrNameLst>
+                                      </p:cBhvr>
+                                      <p:to>
+                                        <p:strVal val="normal"/>
+                                      </p:to>
+                                    </p:set>
+                                    <p:set>
+                                      <p:cBhvr override="childStyle">
+                                        <p:cTn id="32" dur="indefinite"/>
+                                        <p:tgtEl>
+                                          <p:spTgt spid="7"/>
+                                        </p:tgtEl>
+                                        <p:attrNameLst>
+                                          <p:attrName>style.fontWeight</p:attrName>
+                                        </p:attrNameLst>
+                                      </p:cBhvr>
+                                      <p:to>
+                                        <p:strVal val="bold"/>
+                                      </p:to>
+                                    </p:set>
+                                    <p:set>
+                                      <p:cBhvr override="childStyle">
+                                        <p:cTn id="33" dur="indefinite"/>
+                                        <p:tgtEl>
+                                          <p:spTgt spid="7"/>
+                                        </p:tgtEl>
+                                        <p:attrNameLst>
+                                          <p:attrName>style.textDecorationUnderline</p:attrName>
+                                        </p:attrNameLst>
+                                      </p:cBhvr>
+                                      <p:to>
+                                        <p:strVal val="false"/>
+                                      </p:to>
+                                    </p:set>
                                   </p:childTnLst>
                                 </p:cTn>
                               </p:par>
@@ -8924,32 +13306,34 @@
                     </p:cTn>
                   </p:par>
                   <p:par>
-                    <p:cTn id="22" fill="hold">
+                    <p:cTn id="34" fill="hold">
                       <p:stCondLst>
                         <p:cond delay="indefinite"/>
                       </p:stCondLst>
                       <p:childTnLst>
                         <p:par>
-                          <p:cTn id="23" fill="hold">
+                          <p:cTn id="35" fill="hold">
                             <p:stCondLst>
                               <p:cond delay="0"/>
                             </p:stCondLst>
                             <p:childTnLst>
                               <p:par>
-                                <p:cTn id="24" presetID="10" presetClass="entr" presetSubtype="0" fill="hold" grpId="0" nodeType="clickEffect">
+                                <p:cTn id="36" presetID="10" presetClass="entr" presetSubtype="0" fill="hold" grpId="0" nodeType="clickEffect">
                                   <p:stCondLst>
                                     <p:cond delay="0"/>
                                   </p:stCondLst>
                                   <p:childTnLst>
                                     <p:set>
                                       <p:cBhvr>
-                                        <p:cTn id="25" dur="1" fill="hold">
+                                        <p:cTn id="37" dur="1" fill="hold">
                                           <p:stCondLst>
                                             <p:cond delay="0"/>
                                           </p:stCondLst>
                                         </p:cTn>
                                         <p:tgtEl>
-                                          <p:spTgt spid="8"/>
+                                          <p:spTgt spid="8">
+                                            <p:bg/>
+                                          </p:spTgt>
                                         </p:tgtEl>
                                         <p:attrNameLst>
                                           <p:attrName>style.visibility</p:attrName>
@@ -8961,12 +13345,380 @@
                                     </p:set>
                                     <p:animEffect transition="in" filter="fade">
                                       <p:cBhvr>
-                                        <p:cTn id="26" dur="2000"/>
-                                        <p:tgtEl>
-                                          <p:spTgt spid="8"/>
+                                        <p:cTn id="38" dur="2000"/>
+                                        <p:tgtEl>
+                                          <p:spTgt spid="8">
+                                            <p:bg/>
+                                          </p:spTgt>
                                         </p:tgtEl>
                                       </p:cBhvr>
                                     </p:animEffect>
+                                  </p:childTnLst>
+                                </p:cTn>
+                              </p:par>
+                              <p:par>
+                                <p:cTn id="39" presetID="10" presetClass="entr" presetSubtype="0" fill="hold" grpId="0" nodeType="withEffect">
+                                  <p:stCondLst>
+                                    <p:cond delay="0"/>
+                                  </p:stCondLst>
+                                  <p:childTnLst>
+                                    <p:set>
+                                      <p:cBhvr>
+                                        <p:cTn id="40" dur="1" fill="hold">
+                                          <p:stCondLst>
+                                            <p:cond delay="0"/>
+                                          </p:stCondLst>
+                                        </p:cTn>
+                                        <p:tgtEl>
+                                          <p:spTgt spid="8">
+                                            <p:txEl>
+                                              <p:pRg st="0" end="0"/>
+                                            </p:txEl>
+                                          </p:spTgt>
+                                        </p:tgtEl>
+                                        <p:attrNameLst>
+                                          <p:attrName>style.visibility</p:attrName>
+                                        </p:attrNameLst>
+                                      </p:cBhvr>
+                                      <p:to>
+                                        <p:strVal val="visible"/>
+                                      </p:to>
+                                    </p:set>
+                                    <p:animEffect transition="in" filter="fade">
+                                      <p:cBhvr>
+                                        <p:cTn id="41" dur="2000"/>
+                                        <p:tgtEl>
+                                          <p:spTgt spid="8">
+                                            <p:txEl>
+                                              <p:pRg st="0" end="0"/>
+                                            </p:txEl>
+                                          </p:spTgt>
+                                        </p:tgtEl>
+                                      </p:cBhvr>
+                                    </p:animEffect>
+                                  </p:childTnLst>
+                                </p:cTn>
+                              </p:par>
+                              <p:par>
+                                <p:cTn id="42" presetID="5" presetClass="emph" presetSubtype="1" grpId="1" nodeType="withEffect">
+                                  <p:stCondLst>
+                                    <p:cond delay="0"/>
+                                  </p:stCondLst>
+                                  <p:endCondLst>
+                                    <p:cond evt="onNext" delay="0">
+                                      <p:tgtEl>
+                                        <p:sldTgt/>
+                                      </p:tgtEl>
+                                    </p:cond>
+                                  </p:endCondLst>
+                                  <p:childTnLst>
+                                    <p:set>
+                                      <p:cBhvr override="childStyle">
+                                        <p:cTn id="43" dur="indefinite"/>
+                                        <p:tgtEl>
+                                          <p:spTgt spid="8">
+                                            <p:txEl>
+                                              <p:pRg st="0" end="0"/>
+                                            </p:txEl>
+                                          </p:spTgt>
+                                        </p:tgtEl>
+                                        <p:attrNameLst>
+                                          <p:attrName>style.fontStyle</p:attrName>
+                                        </p:attrNameLst>
+                                      </p:cBhvr>
+                                      <p:to>
+                                        <p:strVal val="normal"/>
+                                      </p:to>
+                                    </p:set>
+                                    <p:set>
+                                      <p:cBhvr override="childStyle">
+                                        <p:cTn id="44" dur="indefinite"/>
+                                        <p:tgtEl>
+                                          <p:spTgt spid="8">
+                                            <p:txEl>
+                                              <p:pRg st="0" end="0"/>
+                                            </p:txEl>
+                                          </p:spTgt>
+                                        </p:tgtEl>
+                                        <p:attrNameLst>
+                                          <p:attrName>style.fontWeight</p:attrName>
+                                        </p:attrNameLst>
+                                      </p:cBhvr>
+                                      <p:to>
+                                        <p:strVal val="bold"/>
+                                      </p:to>
+                                    </p:set>
+                                    <p:set>
+                                      <p:cBhvr override="childStyle">
+                                        <p:cTn id="45" dur="indefinite"/>
+                                        <p:tgtEl>
+                                          <p:spTgt spid="8">
+                                            <p:txEl>
+                                              <p:pRg st="0" end="0"/>
+                                            </p:txEl>
+                                          </p:spTgt>
+                                        </p:tgtEl>
+                                        <p:attrNameLst>
+                                          <p:attrName>style.textDecorationUnderline</p:attrName>
+                                        </p:attrNameLst>
+                                      </p:cBhvr>
+                                      <p:to>
+                                        <p:strVal val="false"/>
+                                      </p:to>
+                                    </p:set>
+                                  </p:childTnLst>
+                                </p:cTn>
+                              </p:par>
+                            </p:childTnLst>
+                          </p:cTn>
+                        </p:par>
+                      </p:childTnLst>
+                    </p:cTn>
+                  </p:par>
+                  <p:par>
+                    <p:cTn id="46" fill="hold">
+                      <p:stCondLst>
+                        <p:cond delay="indefinite"/>
+                      </p:stCondLst>
+                      <p:childTnLst>
+                        <p:par>
+                          <p:cTn id="47" fill="hold">
+                            <p:stCondLst>
+                              <p:cond delay="0"/>
+                            </p:stCondLst>
+                            <p:childTnLst>
+                              <p:par>
+                                <p:cTn id="48" presetID="10" presetClass="entr" presetSubtype="0" fill="hold" grpId="0" nodeType="clickEffect">
+                                  <p:stCondLst>
+                                    <p:cond delay="0"/>
+                                  </p:stCondLst>
+                                  <p:childTnLst>
+                                    <p:set>
+                                      <p:cBhvr>
+                                        <p:cTn id="49" dur="1" fill="hold">
+                                          <p:stCondLst>
+                                            <p:cond delay="0"/>
+                                          </p:stCondLst>
+                                        </p:cTn>
+                                        <p:tgtEl>
+                                          <p:spTgt spid="8">
+                                            <p:txEl>
+                                              <p:pRg st="1" end="1"/>
+                                            </p:txEl>
+                                          </p:spTgt>
+                                        </p:tgtEl>
+                                        <p:attrNameLst>
+                                          <p:attrName>style.visibility</p:attrName>
+                                        </p:attrNameLst>
+                                      </p:cBhvr>
+                                      <p:to>
+                                        <p:strVal val="visible"/>
+                                      </p:to>
+                                    </p:set>
+                                    <p:animEffect transition="in" filter="fade">
+                                      <p:cBhvr>
+                                        <p:cTn id="50" dur="2000"/>
+                                        <p:tgtEl>
+                                          <p:spTgt spid="8">
+                                            <p:txEl>
+                                              <p:pRg st="1" end="1"/>
+                                            </p:txEl>
+                                          </p:spTgt>
+                                        </p:tgtEl>
+                                      </p:cBhvr>
+                                    </p:animEffect>
+                                  </p:childTnLst>
+                                </p:cTn>
+                              </p:par>
+                              <p:par>
+                                <p:cTn id="51" presetID="5" presetClass="emph" presetSubtype="1" grpId="1" nodeType="withEffect">
+                                  <p:stCondLst>
+                                    <p:cond delay="0"/>
+                                  </p:stCondLst>
+                                  <p:endCondLst>
+                                    <p:cond evt="onNext" delay="0">
+                                      <p:tgtEl>
+                                        <p:sldTgt/>
+                                      </p:tgtEl>
+                                    </p:cond>
+                                  </p:endCondLst>
+                                  <p:childTnLst>
+                                    <p:set>
+                                      <p:cBhvr override="childStyle">
+                                        <p:cTn id="52" dur="indefinite"/>
+                                        <p:tgtEl>
+                                          <p:spTgt spid="8">
+                                            <p:txEl>
+                                              <p:pRg st="1" end="1"/>
+                                            </p:txEl>
+                                          </p:spTgt>
+                                        </p:tgtEl>
+                                        <p:attrNameLst>
+                                          <p:attrName>style.fontStyle</p:attrName>
+                                        </p:attrNameLst>
+                                      </p:cBhvr>
+                                      <p:to>
+                                        <p:strVal val="normal"/>
+                                      </p:to>
+                                    </p:set>
+                                    <p:set>
+                                      <p:cBhvr override="childStyle">
+                                        <p:cTn id="53" dur="indefinite"/>
+                                        <p:tgtEl>
+                                          <p:spTgt spid="8">
+                                            <p:txEl>
+                                              <p:pRg st="1" end="1"/>
+                                            </p:txEl>
+                                          </p:spTgt>
+                                        </p:tgtEl>
+                                        <p:attrNameLst>
+                                          <p:attrName>style.fontWeight</p:attrName>
+                                        </p:attrNameLst>
+                                      </p:cBhvr>
+                                      <p:to>
+                                        <p:strVal val="bold"/>
+                                      </p:to>
+                                    </p:set>
+                                    <p:set>
+                                      <p:cBhvr override="childStyle">
+                                        <p:cTn id="54" dur="indefinite"/>
+                                        <p:tgtEl>
+                                          <p:spTgt spid="8">
+                                            <p:txEl>
+                                              <p:pRg st="1" end="1"/>
+                                            </p:txEl>
+                                          </p:spTgt>
+                                        </p:tgtEl>
+                                        <p:attrNameLst>
+                                          <p:attrName>style.textDecorationUnderline</p:attrName>
+                                        </p:attrNameLst>
+                                      </p:cBhvr>
+                                      <p:to>
+                                        <p:strVal val="false"/>
+                                      </p:to>
+                                    </p:set>
+                                  </p:childTnLst>
+                                </p:cTn>
+                              </p:par>
+                            </p:childTnLst>
+                          </p:cTn>
+                        </p:par>
+                        <p:par>
+                          <p:cTn id="55" fill="hold">
+                            <p:stCondLst>
+                              <p:cond delay="2000"/>
+                            </p:stCondLst>
+                            <p:childTnLst>
+                              <p:par>
+                                <p:cTn id="56" presetID="10" presetClass="entr" presetSubtype="0" fill="hold" grpId="0" nodeType="afterEffect">
+                                  <p:stCondLst>
+                                    <p:cond delay="0"/>
+                                  </p:stCondLst>
+                                  <p:childTnLst>
+                                    <p:set>
+                                      <p:cBhvr>
+                                        <p:cTn id="57" dur="1" fill="hold">
+                                          <p:stCondLst>
+                                            <p:cond delay="0"/>
+                                          </p:stCondLst>
+                                        </p:cTn>
+                                        <p:tgtEl>
+                                          <p:spTgt spid="8">
+                                            <p:txEl>
+                                              <p:pRg st="2" end="2"/>
+                                            </p:txEl>
+                                          </p:spTgt>
+                                        </p:tgtEl>
+                                        <p:attrNameLst>
+                                          <p:attrName>style.visibility</p:attrName>
+                                        </p:attrNameLst>
+                                      </p:cBhvr>
+                                      <p:to>
+                                        <p:strVal val="visible"/>
+                                      </p:to>
+                                    </p:set>
+                                    <p:animEffect transition="in" filter="fade">
+                                      <p:cBhvr>
+                                        <p:cTn id="58" dur="2000"/>
+                                        <p:tgtEl>
+                                          <p:spTgt spid="8">
+                                            <p:txEl>
+                                              <p:pRg st="2" end="2"/>
+                                            </p:txEl>
+                                          </p:spTgt>
+                                        </p:tgtEl>
+                                      </p:cBhvr>
+                                    </p:animEffect>
+                                  </p:childTnLst>
+                                </p:cTn>
+                              </p:par>
+                              <p:par>
+                                <p:cTn id="59" presetID="5" presetClass="emph" presetSubtype="1" grpId="1" nodeType="withEffect">
+                                  <p:stCondLst>
+                                    <p:cond delay="0"/>
+                                  </p:stCondLst>
+                                  <p:endCondLst>
+                                    <p:cond evt="onNext" delay="0">
+                                      <p:tgtEl>
+                                        <p:sldTgt/>
+                                      </p:tgtEl>
+                                    </p:cond>
+                                  </p:endCondLst>
+                                  <p:childTnLst>
+                                    <p:set>
+                                      <p:cBhvr override="childStyle">
+                                        <p:cTn id="60" dur="indefinite"/>
+                                        <p:tgtEl>
+                                          <p:spTgt spid="8">
+                                            <p:txEl>
+                                              <p:pRg st="2" end="2"/>
+                                            </p:txEl>
+                                          </p:spTgt>
+                                        </p:tgtEl>
+                                        <p:attrNameLst>
+                                          <p:attrName>style.fontStyle</p:attrName>
+                                        </p:attrNameLst>
+                                      </p:cBhvr>
+                                      <p:to>
+                                        <p:strVal val="normal"/>
+                                      </p:to>
+                                    </p:set>
+                                    <p:set>
+                                      <p:cBhvr override="childStyle">
+                                        <p:cTn id="61" dur="indefinite"/>
+                                        <p:tgtEl>
+                                          <p:spTgt spid="8">
+                                            <p:txEl>
+                                              <p:pRg st="2" end="2"/>
+                                            </p:txEl>
+                                          </p:spTgt>
+                                        </p:tgtEl>
+                                        <p:attrNameLst>
+                                          <p:attrName>style.fontWeight</p:attrName>
+                                        </p:attrNameLst>
+                                      </p:cBhvr>
+                                      <p:to>
+                                        <p:strVal val="bold"/>
+                                      </p:to>
+                                    </p:set>
+                                    <p:set>
+                                      <p:cBhvr override="childStyle">
+                                        <p:cTn id="62" dur="indefinite"/>
+                                        <p:tgtEl>
+                                          <p:spTgt spid="8">
+                                            <p:txEl>
+                                              <p:pRg st="2" end="2"/>
+                                            </p:txEl>
+                                          </p:spTgt>
+                                        </p:tgtEl>
+                                        <p:attrNameLst>
+                                          <p:attrName>style.textDecorationUnderline</p:attrName>
+                                        </p:attrNameLst>
+                                      </p:cBhvr>
+                                      <p:to>
+                                        <p:strVal val="false"/>
+                                      </p:to>
+                                    </p:set>
                                   </p:childTnLst>
                                 </p:cTn>
                               </p:par>
@@ -8999,10 +13751,14 @@
     </p:tnLst>
     <p:bldLst>
       <p:bldP spid="4" grpId="1" animBg="1"/>
+      <p:bldP spid="4" grpId="2" animBg="1"/>
       <p:bldP spid="5" grpId="0" animBg="1"/>
+      <p:bldP spid="5" grpId="1" animBg="1"/>
       <p:bldP spid="6" grpId="0" animBg="1"/>
       <p:bldP spid="7" grpId="0" animBg="1"/>
-      <p:bldP spid="8" grpId="0" animBg="1"/>
+      <p:bldP spid="7" grpId="1"/>
+      <p:bldP spid="8" grpId="0" uiExpand="1" build="p" animBg="1"/>
+      <p:bldP spid="8" grpId="1" uiExpand="1" build="allAtOnce"/>
     </p:bldLst>
   </p:timing>
 </p:sld>
@@ -9042,35 +13798,84 @@
           <a:p>
             <a:r>
               <a:rPr lang="nl-BE" dirty="0" smtClean="0"/>
-              <a:t>Domain:</a:t>
-            </a:r>
-            <a:r>
-              <a:rPr lang="nl-BE" baseline="0" dirty="0" smtClean="0"/>
-              <a:t> Entities</a:t>
+              <a:t>Domain</a:t>
+            </a:r>
+            <a:r>
+              <a:rPr lang="nl-BE" dirty="0" smtClean="0"/>
+              <a:t> </a:t>
+            </a:r>
+            <a:r>
+              <a:rPr lang="nl-BE" dirty="0" smtClean="0"/>
+              <a:t>Driven Design</a:t>
             </a:r>
             <a:endParaRPr lang="en-US" dirty="0"/>
           </a:p>
         </p:txBody>
       </p:sp>
-      <p:sp>
-        <p:nvSpPr>
-          <p:cNvPr id="3" name="Content Placeholder 2"/>
-          <p:cNvSpPr>
-            <a:spLocks noGrp="1"/>
-          </p:cNvSpPr>
-          <p:nvPr>
-            <p:ph idx="1"/>
-          </p:nvPr>
-        </p:nvSpPr>
-        <p:spPr/>
-        <p:txBody>
-          <a:bodyPr/>
-          <a:lstStyle/>
-          <a:p>
-            <a:endParaRPr lang="en-US"/>
-          </a:p>
-        </p:txBody>
-      </p:sp>
+      <p:pic>
+        <p:nvPicPr>
+          <p:cNvPr id="2051" name="Picture 3"/>
+          <p:cNvPicPr>
+            <a:picLocks noChangeAspect="1" noChangeArrowheads="1"/>
+          </p:cNvPicPr>
+          <p:nvPr/>
+        </p:nvPicPr>
+        <p:blipFill>
+          <a:blip r:embed="rId2"/>
+          <a:srcRect/>
+          <a:stretch>
+            <a:fillRect/>
+          </a:stretch>
+        </p:blipFill>
+        <p:spPr bwMode="auto">
+          <a:xfrm>
+            <a:off x="642910" y="990589"/>
+            <a:ext cx="7572375" cy="866775"/>
+          </a:xfrm>
+          <a:prstGeom prst="rect">
+            <a:avLst/>
+          </a:prstGeom>
+          <a:noFill/>
+          <a:ln w="9525">
+            <a:noFill/>
+            <a:miter lim="800000"/>
+            <a:headEnd/>
+            <a:tailEnd/>
+          </a:ln>
+        </p:spPr>
+      </p:pic>
+      <p:pic>
+        <p:nvPicPr>
+          <p:cNvPr id="2052" name="Picture 4"/>
+          <p:cNvPicPr>
+            <a:picLocks noChangeAspect="1" noChangeArrowheads="1"/>
+          </p:cNvPicPr>
+          <p:nvPr/>
+        </p:nvPicPr>
+        <p:blipFill>
+          <a:blip r:embed="rId3"/>
+          <a:srcRect/>
+          <a:stretch>
+            <a:fillRect/>
+          </a:stretch>
+        </p:blipFill>
+        <p:spPr bwMode="auto">
+          <a:xfrm>
+            <a:off x="642910" y="2509838"/>
+            <a:ext cx="4562475" cy="990600"/>
+          </a:xfrm>
+          <a:prstGeom prst="rect">
+            <a:avLst/>
+          </a:prstGeom>
+          <a:noFill/>
+          <a:ln w="9525">
+            <a:noFill/>
+            <a:miter lim="800000"/>
+            <a:headEnd/>
+            <a:tailEnd/>
+          </a:ln>
+        </p:spPr>
+      </p:pic>
     </p:spTree>
   </p:cSld>
   <p:clrMapOvr>

--- a/slides/Technical Session/Lessons learned.pptx
+++ b/slides/Technical Session/Lessons learned.pptx
@@ -5,7 +5,7 @@
     <p:sldMasterId id="2147483708" r:id="rId1"/>
   </p:sldMasterIdLst>
   <p:notesMasterIdLst>
-    <p:notesMasterId r:id="rId24"/>
+    <p:notesMasterId r:id="rId22"/>
   </p:notesMasterIdLst>
   <p:sldIdLst>
     <p:sldId id="256" r:id="rId2"/>
@@ -28,8 +28,6 @@
     <p:sldId id="274" r:id="rId19"/>
     <p:sldId id="275" r:id="rId20"/>
     <p:sldId id="276" r:id="rId21"/>
-    <p:sldId id="277" r:id="rId22"/>
-    <p:sldId id="278" r:id="rId23"/>
   </p:sldIdLst>
   <p:sldSz cx="9144000" cy="6858000" type="screen4x3"/>
   <p:notesSz cx="6858000" cy="9144000"/>
@@ -129,6 +127,4336 @@
     </a:lvl9pPr>
   </p:defaultTextStyle>
 </p:presentation>
+</file>
+
+<file path=ppt/diagrams/colors1.xml><?xml version="1.0" encoding="utf-8"?>
+<dgm:colorsDef xmlns:dgm="http://schemas.openxmlformats.org/drawingml/2006/diagram" xmlns:a="http://schemas.openxmlformats.org/drawingml/2006/main" uniqueId="urn:microsoft.com/office/officeart/2005/8/colors/accent1_2">
+  <dgm:title val=""/>
+  <dgm:desc val=""/>
+  <dgm:catLst>
+    <dgm:cat type="accent1" pri="11200"/>
+  </dgm:catLst>
+  <dgm:styleLbl name="node0">
+    <dgm:fillClrLst meth="repeat">
+      <a:schemeClr val="accent1"/>
+    </dgm:fillClrLst>
+    <dgm:linClrLst meth="repeat">
+      <a:schemeClr val="lt1"/>
+    </dgm:linClrLst>
+    <dgm:effectClrLst/>
+    <dgm:txLinClrLst/>
+    <dgm:txFillClrLst/>
+    <dgm:txEffectClrLst/>
+  </dgm:styleLbl>
+  <dgm:styleLbl name="alignNode1">
+    <dgm:fillClrLst meth="repeat">
+      <a:schemeClr val="accent1"/>
+    </dgm:fillClrLst>
+    <dgm:linClrLst meth="repeat">
+      <a:schemeClr val="accent1"/>
+    </dgm:linClrLst>
+    <dgm:effectClrLst/>
+    <dgm:txLinClrLst/>
+    <dgm:txFillClrLst/>
+    <dgm:txEffectClrLst/>
+  </dgm:styleLbl>
+  <dgm:styleLbl name="node1">
+    <dgm:fillClrLst meth="repeat">
+      <a:schemeClr val="accent1"/>
+    </dgm:fillClrLst>
+    <dgm:linClrLst meth="repeat">
+      <a:schemeClr val="lt1"/>
+    </dgm:linClrLst>
+    <dgm:effectClrLst/>
+    <dgm:txLinClrLst/>
+    <dgm:txFillClrLst/>
+    <dgm:txEffectClrLst/>
+  </dgm:styleLbl>
+  <dgm:styleLbl name="lnNode1">
+    <dgm:fillClrLst meth="repeat">
+      <a:schemeClr val="accent1"/>
+    </dgm:fillClrLst>
+    <dgm:linClrLst meth="repeat">
+      <a:schemeClr val="lt1"/>
+    </dgm:linClrLst>
+    <dgm:effectClrLst/>
+    <dgm:txLinClrLst/>
+    <dgm:txFillClrLst/>
+    <dgm:txEffectClrLst/>
+  </dgm:styleLbl>
+  <dgm:styleLbl name="vennNode1">
+    <dgm:fillClrLst meth="repeat">
+      <a:schemeClr val="accent1">
+        <a:alpha val="50000"/>
+      </a:schemeClr>
+    </dgm:fillClrLst>
+    <dgm:linClrLst meth="repeat">
+      <a:schemeClr val="lt1"/>
+    </dgm:linClrLst>
+    <dgm:effectClrLst/>
+    <dgm:txLinClrLst/>
+    <dgm:txFillClrLst/>
+    <dgm:txEffectClrLst/>
+  </dgm:styleLbl>
+  <dgm:styleLbl name="node2">
+    <dgm:fillClrLst meth="repeat">
+      <a:schemeClr val="accent1"/>
+    </dgm:fillClrLst>
+    <dgm:linClrLst meth="repeat">
+      <a:schemeClr val="lt1"/>
+    </dgm:linClrLst>
+    <dgm:effectClrLst/>
+    <dgm:txLinClrLst/>
+    <dgm:txFillClrLst/>
+    <dgm:txEffectClrLst/>
+  </dgm:styleLbl>
+  <dgm:styleLbl name="node3">
+    <dgm:fillClrLst meth="repeat">
+      <a:schemeClr val="accent1"/>
+    </dgm:fillClrLst>
+    <dgm:linClrLst meth="repeat">
+      <a:schemeClr val="lt1"/>
+    </dgm:linClrLst>
+    <dgm:effectClrLst/>
+    <dgm:txLinClrLst/>
+    <dgm:txFillClrLst/>
+    <dgm:txEffectClrLst/>
+  </dgm:styleLbl>
+  <dgm:styleLbl name="node4">
+    <dgm:fillClrLst meth="repeat">
+      <a:schemeClr val="accent1"/>
+    </dgm:fillClrLst>
+    <dgm:linClrLst meth="repeat">
+      <a:schemeClr val="lt1"/>
+    </dgm:linClrLst>
+    <dgm:effectClrLst/>
+    <dgm:txLinClrLst/>
+    <dgm:txFillClrLst/>
+    <dgm:txEffectClrLst/>
+  </dgm:styleLbl>
+  <dgm:styleLbl name="fgImgPlace1">
+    <dgm:fillClrLst meth="repeat">
+      <a:schemeClr val="accent1">
+        <a:tint val="50000"/>
+      </a:schemeClr>
+    </dgm:fillClrLst>
+    <dgm:linClrLst meth="repeat">
+      <a:schemeClr val="lt1"/>
+    </dgm:linClrLst>
+    <dgm:effectClrLst/>
+    <dgm:txLinClrLst/>
+    <dgm:txFillClrLst meth="repeat">
+      <a:schemeClr val="lt1"/>
+    </dgm:txFillClrLst>
+    <dgm:txEffectClrLst/>
+  </dgm:styleLbl>
+  <dgm:styleLbl name="alignImgPlace1">
+    <dgm:fillClrLst meth="repeat">
+      <a:schemeClr val="accent1">
+        <a:tint val="50000"/>
+      </a:schemeClr>
+    </dgm:fillClrLst>
+    <dgm:linClrLst meth="repeat">
+      <a:schemeClr val="lt1"/>
+    </dgm:linClrLst>
+    <dgm:effectClrLst/>
+    <dgm:txLinClrLst/>
+    <dgm:txFillClrLst meth="repeat">
+      <a:schemeClr val="lt1"/>
+    </dgm:txFillClrLst>
+    <dgm:txEffectClrLst/>
+  </dgm:styleLbl>
+  <dgm:styleLbl name="bgImgPlace1">
+    <dgm:fillClrLst meth="repeat">
+      <a:schemeClr val="accent1">
+        <a:tint val="50000"/>
+      </a:schemeClr>
+    </dgm:fillClrLst>
+    <dgm:linClrLst meth="repeat">
+      <a:schemeClr val="lt1"/>
+    </dgm:linClrLst>
+    <dgm:effectClrLst/>
+    <dgm:txLinClrLst/>
+    <dgm:txFillClrLst meth="repeat">
+      <a:schemeClr val="lt1"/>
+    </dgm:txFillClrLst>
+    <dgm:txEffectClrLst/>
+  </dgm:styleLbl>
+  <dgm:styleLbl name="sibTrans2D1">
+    <dgm:fillClrLst meth="repeat">
+      <a:schemeClr val="accent1">
+        <a:tint val="60000"/>
+      </a:schemeClr>
+    </dgm:fillClrLst>
+    <dgm:linClrLst meth="repeat">
+      <a:schemeClr val="accent1">
+        <a:tint val="60000"/>
+      </a:schemeClr>
+    </dgm:linClrLst>
+    <dgm:effectClrLst/>
+    <dgm:txLinClrLst/>
+    <dgm:txFillClrLst/>
+    <dgm:txEffectClrLst/>
+  </dgm:styleLbl>
+  <dgm:styleLbl name="fgSibTrans2D1">
+    <dgm:fillClrLst meth="repeat">
+      <a:schemeClr val="accent1">
+        <a:tint val="60000"/>
+      </a:schemeClr>
+    </dgm:fillClrLst>
+    <dgm:linClrLst meth="repeat">
+      <a:schemeClr val="accent1">
+        <a:tint val="60000"/>
+      </a:schemeClr>
+    </dgm:linClrLst>
+    <dgm:effectClrLst/>
+    <dgm:txLinClrLst/>
+    <dgm:txFillClrLst/>
+    <dgm:txEffectClrLst/>
+  </dgm:styleLbl>
+  <dgm:styleLbl name="bgSibTrans2D1">
+    <dgm:fillClrLst meth="repeat">
+      <a:schemeClr val="accent1">
+        <a:tint val="60000"/>
+      </a:schemeClr>
+    </dgm:fillClrLst>
+    <dgm:linClrLst meth="repeat">
+      <a:schemeClr val="accent1">
+        <a:tint val="60000"/>
+      </a:schemeClr>
+    </dgm:linClrLst>
+    <dgm:effectClrLst/>
+    <dgm:txLinClrLst/>
+    <dgm:txFillClrLst/>
+    <dgm:txEffectClrLst/>
+  </dgm:styleLbl>
+  <dgm:styleLbl name="sibTrans1D1">
+    <dgm:fillClrLst meth="repeat">
+      <a:schemeClr val="accent1"/>
+    </dgm:fillClrLst>
+    <dgm:linClrLst meth="repeat">
+      <a:schemeClr val="accent1"/>
+    </dgm:linClrLst>
+    <dgm:effectClrLst/>
+    <dgm:txLinClrLst/>
+    <dgm:txFillClrLst meth="repeat">
+      <a:schemeClr val="tx1"/>
+    </dgm:txFillClrLst>
+    <dgm:txEffectClrLst/>
+  </dgm:styleLbl>
+  <dgm:styleLbl name="callout">
+    <dgm:fillClrLst meth="repeat">
+      <a:schemeClr val="accent1"/>
+    </dgm:fillClrLst>
+    <dgm:linClrLst meth="repeat">
+      <a:schemeClr val="accent1">
+        <a:tint val="50000"/>
+      </a:schemeClr>
+    </dgm:linClrLst>
+    <dgm:effectClrLst/>
+    <dgm:txLinClrLst/>
+    <dgm:txFillClrLst meth="repeat">
+      <a:schemeClr val="tx1"/>
+    </dgm:txFillClrLst>
+    <dgm:txEffectClrLst/>
+  </dgm:styleLbl>
+  <dgm:styleLbl name="asst0">
+    <dgm:fillClrLst meth="repeat">
+      <a:schemeClr val="accent1"/>
+    </dgm:fillClrLst>
+    <dgm:linClrLst meth="repeat">
+      <a:schemeClr val="lt1"/>
+    </dgm:linClrLst>
+    <dgm:effectClrLst/>
+    <dgm:txLinClrLst/>
+    <dgm:txFillClrLst/>
+    <dgm:txEffectClrLst/>
+  </dgm:styleLbl>
+  <dgm:styleLbl name="asst1">
+    <dgm:fillClrLst meth="repeat">
+      <a:schemeClr val="accent1"/>
+    </dgm:fillClrLst>
+    <dgm:linClrLst meth="repeat">
+      <a:schemeClr val="lt1"/>
+    </dgm:linClrLst>
+    <dgm:effectClrLst/>
+    <dgm:txLinClrLst/>
+    <dgm:txFillClrLst/>
+    <dgm:txEffectClrLst/>
+  </dgm:styleLbl>
+  <dgm:styleLbl name="asst2">
+    <dgm:fillClrLst meth="repeat">
+      <a:schemeClr val="accent1"/>
+    </dgm:fillClrLst>
+    <dgm:linClrLst meth="repeat">
+      <a:schemeClr val="lt1"/>
+    </dgm:linClrLst>
+    <dgm:effectClrLst/>
+    <dgm:txLinClrLst/>
+    <dgm:txFillClrLst/>
+    <dgm:txEffectClrLst/>
+  </dgm:styleLbl>
+  <dgm:styleLbl name="asst3">
+    <dgm:fillClrLst meth="repeat">
+      <a:schemeClr val="accent1"/>
+    </dgm:fillClrLst>
+    <dgm:linClrLst meth="repeat">
+      <a:schemeClr val="lt1"/>
+    </dgm:linClrLst>
+    <dgm:effectClrLst/>
+    <dgm:txLinClrLst/>
+    <dgm:txFillClrLst/>
+    <dgm:txEffectClrLst/>
+  </dgm:styleLbl>
+  <dgm:styleLbl name="asst4">
+    <dgm:fillClrLst meth="repeat">
+      <a:schemeClr val="accent1"/>
+    </dgm:fillClrLst>
+    <dgm:linClrLst meth="repeat">
+      <a:schemeClr val="lt1"/>
+    </dgm:linClrLst>
+    <dgm:effectClrLst/>
+    <dgm:txLinClrLst/>
+    <dgm:txFillClrLst/>
+    <dgm:txEffectClrLst/>
+  </dgm:styleLbl>
+  <dgm:styleLbl name="parChTrans2D1">
+    <dgm:fillClrLst meth="repeat">
+      <a:schemeClr val="accent1">
+        <a:tint val="60000"/>
+      </a:schemeClr>
+    </dgm:fillClrLst>
+    <dgm:linClrLst meth="repeat">
+      <a:schemeClr val="accent1">
+        <a:tint val="60000"/>
+      </a:schemeClr>
+    </dgm:linClrLst>
+    <dgm:effectClrLst/>
+    <dgm:txLinClrLst/>
+    <dgm:txFillClrLst meth="repeat">
+      <a:schemeClr val="lt1"/>
+    </dgm:txFillClrLst>
+    <dgm:txEffectClrLst/>
+  </dgm:styleLbl>
+  <dgm:styleLbl name="parChTrans2D2">
+    <dgm:fillClrLst meth="repeat">
+      <a:schemeClr val="accent1"/>
+    </dgm:fillClrLst>
+    <dgm:linClrLst meth="repeat">
+      <a:schemeClr val="accent1"/>
+    </dgm:linClrLst>
+    <dgm:effectClrLst/>
+    <dgm:txLinClrLst/>
+    <dgm:txFillClrLst meth="repeat">
+      <a:schemeClr val="lt1"/>
+    </dgm:txFillClrLst>
+    <dgm:txEffectClrLst/>
+  </dgm:styleLbl>
+  <dgm:styleLbl name="parChTrans2D3">
+    <dgm:fillClrLst meth="repeat">
+      <a:schemeClr val="accent1"/>
+    </dgm:fillClrLst>
+    <dgm:linClrLst meth="repeat">
+      <a:schemeClr val="accent1"/>
+    </dgm:linClrLst>
+    <dgm:effectClrLst/>
+    <dgm:txLinClrLst/>
+    <dgm:txFillClrLst meth="repeat">
+      <a:schemeClr val="lt1"/>
+    </dgm:txFillClrLst>
+    <dgm:txEffectClrLst/>
+  </dgm:styleLbl>
+  <dgm:styleLbl name="parChTrans2D4">
+    <dgm:fillClrLst meth="repeat">
+      <a:schemeClr val="accent1"/>
+    </dgm:fillClrLst>
+    <dgm:linClrLst meth="repeat">
+      <a:schemeClr val="accent1"/>
+    </dgm:linClrLst>
+    <dgm:effectClrLst/>
+    <dgm:txLinClrLst/>
+    <dgm:txFillClrLst meth="repeat">
+      <a:schemeClr val="lt1"/>
+    </dgm:txFillClrLst>
+    <dgm:txEffectClrLst/>
+  </dgm:styleLbl>
+  <dgm:styleLbl name="parChTrans1D1">
+    <dgm:fillClrLst meth="repeat">
+      <a:schemeClr val="accent1"/>
+    </dgm:fillClrLst>
+    <dgm:linClrLst meth="repeat">
+      <a:schemeClr val="accent1">
+        <a:shade val="60000"/>
+      </a:schemeClr>
+    </dgm:linClrLst>
+    <dgm:effectClrLst/>
+    <dgm:txLinClrLst/>
+    <dgm:txFillClrLst meth="repeat">
+      <a:schemeClr val="tx1"/>
+    </dgm:txFillClrLst>
+    <dgm:txEffectClrLst/>
+  </dgm:styleLbl>
+  <dgm:styleLbl name="parChTrans1D2">
+    <dgm:fillClrLst meth="repeat">
+      <a:schemeClr val="accent1"/>
+    </dgm:fillClrLst>
+    <dgm:linClrLst meth="repeat">
+      <a:schemeClr val="accent1">
+        <a:shade val="60000"/>
+      </a:schemeClr>
+    </dgm:linClrLst>
+    <dgm:effectClrLst/>
+    <dgm:txLinClrLst/>
+    <dgm:txFillClrLst meth="repeat">
+      <a:schemeClr val="tx1"/>
+    </dgm:txFillClrLst>
+    <dgm:txEffectClrLst/>
+  </dgm:styleLbl>
+  <dgm:styleLbl name="parChTrans1D3">
+    <dgm:fillClrLst meth="repeat">
+      <a:schemeClr val="accent1"/>
+    </dgm:fillClrLst>
+    <dgm:linClrLst meth="repeat">
+      <a:schemeClr val="accent1">
+        <a:shade val="80000"/>
+      </a:schemeClr>
+    </dgm:linClrLst>
+    <dgm:effectClrLst/>
+    <dgm:txLinClrLst/>
+    <dgm:txFillClrLst meth="repeat">
+      <a:schemeClr val="tx1"/>
+    </dgm:txFillClrLst>
+    <dgm:txEffectClrLst/>
+  </dgm:styleLbl>
+  <dgm:styleLbl name="parChTrans1D4">
+    <dgm:fillClrLst meth="repeat">
+      <a:schemeClr val="accent1"/>
+    </dgm:fillClrLst>
+    <dgm:linClrLst meth="repeat">
+      <a:schemeClr val="accent1">
+        <a:shade val="80000"/>
+      </a:schemeClr>
+    </dgm:linClrLst>
+    <dgm:effectClrLst/>
+    <dgm:txLinClrLst/>
+    <dgm:txFillClrLst meth="repeat">
+      <a:schemeClr val="tx1"/>
+    </dgm:txFillClrLst>
+    <dgm:txEffectClrLst/>
+  </dgm:styleLbl>
+  <dgm:styleLbl name="fgAcc1">
+    <dgm:fillClrLst meth="repeat">
+      <a:schemeClr val="lt1">
+        <a:alpha val="90000"/>
+      </a:schemeClr>
+    </dgm:fillClrLst>
+    <dgm:linClrLst meth="repeat">
+      <a:schemeClr val="accent1"/>
+    </dgm:linClrLst>
+    <dgm:effectClrLst/>
+    <dgm:txLinClrLst/>
+    <dgm:txFillClrLst meth="repeat">
+      <a:schemeClr val="dk1"/>
+    </dgm:txFillClrLst>
+    <dgm:txEffectClrLst/>
+  </dgm:styleLbl>
+  <dgm:styleLbl name="conFgAcc1">
+    <dgm:fillClrLst meth="repeat">
+      <a:schemeClr val="lt1">
+        <a:alpha val="90000"/>
+      </a:schemeClr>
+    </dgm:fillClrLst>
+    <dgm:linClrLst meth="repeat">
+      <a:schemeClr val="accent1"/>
+    </dgm:linClrLst>
+    <dgm:effectClrLst/>
+    <dgm:txLinClrLst/>
+    <dgm:txFillClrLst meth="repeat">
+      <a:schemeClr val="dk1"/>
+    </dgm:txFillClrLst>
+    <dgm:txEffectClrLst/>
+  </dgm:styleLbl>
+  <dgm:styleLbl name="alignAcc1">
+    <dgm:fillClrLst meth="repeat">
+      <a:schemeClr val="lt1">
+        <a:alpha val="90000"/>
+      </a:schemeClr>
+    </dgm:fillClrLst>
+    <dgm:linClrLst meth="repeat">
+      <a:schemeClr val="accent1"/>
+    </dgm:linClrLst>
+    <dgm:effectClrLst/>
+    <dgm:txLinClrLst/>
+    <dgm:txFillClrLst meth="repeat">
+      <a:schemeClr val="dk1"/>
+    </dgm:txFillClrLst>
+    <dgm:txEffectClrLst/>
+  </dgm:styleLbl>
+  <dgm:styleLbl name="trAlignAcc1">
+    <dgm:fillClrLst meth="repeat">
+      <a:schemeClr val="lt1">
+        <a:alpha val="40000"/>
+      </a:schemeClr>
+    </dgm:fillClrLst>
+    <dgm:linClrLst meth="repeat">
+      <a:schemeClr val="accent1"/>
+    </dgm:linClrLst>
+    <dgm:effectClrLst/>
+    <dgm:txLinClrLst/>
+    <dgm:txFillClrLst meth="repeat">
+      <a:schemeClr val="dk1"/>
+    </dgm:txFillClrLst>
+    <dgm:txEffectClrLst/>
+  </dgm:styleLbl>
+  <dgm:styleLbl name="bgAcc1">
+    <dgm:fillClrLst meth="repeat">
+      <a:schemeClr val="lt1">
+        <a:alpha val="90000"/>
+      </a:schemeClr>
+    </dgm:fillClrLst>
+    <dgm:linClrLst meth="repeat">
+      <a:schemeClr val="accent1"/>
+    </dgm:linClrLst>
+    <dgm:effectClrLst/>
+    <dgm:txLinClrLst/>
+    <dgm:txFillClrLst meth="repeat">
+      <a:schemeClr val="dk1"/>
+    </dgm:txFillClrLst>
+    <dgm:txEffectClrLst/>
+  </dgm:styleLbl>
+  <dgm:styleLbl name="solidFgAcc1">
+    <dgm:fillClrLst meth="repeat">
+      <a:schemeClr val="lt1"/>
+    </dgm:fillClrLst>
+    <dgm:linClrLst meth="repeat">
+      <a:schemeClr val="accent1"/>
+    </dgm:linClrLst>
+    <dgm:effectClrLst/>
+    <dgm:txLinClrLst/>
+    <dgm:txFillClrLst meth="repeat">
+      <a:schemeClr val="dk1"/>
+    </dgm:txFillClrLst>
+    <dgm:txEffectClrLst/>
+  </dgm:styleLbl>
+  <dgm:styleLbl name="solidAlignAcc1">
+    <dgm:fillClrLst meth="repeat">
+      <a:schemeClr val="lt1"/>
+    </dgm:fillClrLst>
+    <dgm:linClrLst meth="repeat">
+      <a:schemeClr val="accent1"/>
+    </dgm:linClrLst>
+    <dgm:effectClrLst/>
+    <dgm:txLinClrLst/>
+    <dgm:txFillClrLst meth="repeat">
+      <a:schemeClr val="dk1"/>
+    </dgm:txFillClrLst>
+    <dgm:txEffectClrLst/>
+  </dgm:styleLbl>
+  <dgm:styleLbl name="solidBgAcc1">
+    <dgm:fillClrLst meth="repeat">
+      <a:schemeClr val="lt1"/>
+    </dgm:fillClrLst>
+    <dgm:linClrLst meth="repeat">
+      <a:schemeClr val="accent1"/>
+    </dgm:linClrLst>
+    <dgm:effectClrLst/>
+    <dgm:txLinClrLst/>
+    <dgm:txFillClrLst meth="repeat">
+      <a:schemeClr val="dk1"/>
+    </dgm:txFillClrLst>
+    <dgm:txEffectClrLst/>
+  </dgm:styleLbl>
+  <dgm:styleLbl name="fgAccFollowNode1">
+    <dgm:fillClrLst meth="repeat">
+      <a:schemeClr val="accent1">
+        <a:alpha val="90000"/>
+        <a:tint val="40000"/>
+      </a:schemeClr>
+    </dgm:fillClrLst>
+    <dgm:linClrLst meth="repeat">
+      <a:schemeClr val="accent1">
+        <a:alpha val="90000"/>
+        <a:tint val="40000"/>
+      </a:schemeClr>
+    </dgm:linClrLst>
+    <dgm:effectClrLst/>
+    <dgm:txLinClrLst/>
+    <dgm:txFillClrLst meth="repeat">
+      <a:schemeClr val="dk1"/>
+    </dgm:txFillClrLst>
+    <dgm:txEffectClrLst/>
+  </dgm:styleLbl>
+  <dgm:styleLbl name="alignAccFollowNode1">
+    <dgm:fillClrLst meth="repeat">
+      <a:schemeClr val="accent1">
+        <a:alpha val="90000"/>
+        <a:tint val="40000"/>
+      </a:schemeClr>
+    </dgm:fillClrLst>
+    <dgm:linClrLst meth="repeat">
+      <a:schemeClr val="accent1">
+        <a:alpha val="90000"/>
+        <a:tint val="40000"/>
+      </a:schemeClr>
+    </dgm:linClrLst>
+    <dgm:effectClrLst/>
+    <dgm:txLinClrLst/>
+    <dgm:txFillClrLst meth="repeat">
+      <a:schemeClr val="dk1"/>
+    </dgm:txFillClrLst>
+    <dgm:txEffectClrLst/>
+  </dgm:styleLbl>
+  <dgm:styleLbl name="bgAccFollowNode1">
+    <dgm:fillClrLst meth="repeat">
+      <a:schemeClr val="accent1">
+        <a:alpha val="90000"/>
+        <a:tint val="40000"/>
+      </a:schemeClr>
+    </dgm:fillClrLst>
+    <dgm:linClrLst meth="repeat">
+      <a:schemeClr val="accent1">
+        <a:alpha val="90000"/>
+        <a:tint val="40000"/>
+      </a:schemeClr>
+    </dgm:linClrLst>
+    <dgm:effectClrLst/>
+    <dgm:txLinClrLst/>
+    <dgm:txFillClrLst meth="repeat">
+      <a:schemeClr val="dk1"/>
+    </dgm:txFillClrLst>
+    <dgm:txEffectClrLst/>
+  </dgm:styleLbl>
+  <dgm:styleLbl name="fgAcc0">
+    <dgm:fillClrLst meth="repeat">
+      <a:schemeClr val="lt1">
+        <a:alpha val="90000"/>
+      </a:schemeClr>
+    </dgm:fillClrLst>
+    <dgm:linClrLst meth="repeat">
+      <a:schemeClr val="accent1"/>
+    </dgm:linClrLst>
+    <dgm:effectClrLst/>
+    <dgm:txLinClrLst/>
+    <dgm:txFillClrLst meth="repeat">
+      <a:schemeClr val="dk1"/>
+    </dgm:txFillClrLst>
+    <dgm:txEffectClrLst/>
+  </dgm:styleLbl>
+  <dgm:styleLbl name="fgAcc2">
+    <dgm:fillClrLst meth="repeat">
+      <a:schemeClr val="lt1">
+        <a:alpha val="90000"/>
+      </a:schemeClr>
+    </dgm:fillClrLst>
+    <dgm:linClrLst meth="repeat">
+      <a:schemeClr val="accent1"/>
+    </dgm:linClrLst>
+    <dgm:effectClrLst/>
+    <dgm:txLinClrLst/>
+    <dgm:txFillClrLst meth="repeat">
+      <a:schemeClr val="dk1"/>
+    </dgm:txFillClrLst>
+    <dgm:txEffectClrLst/>
+  </dgm:styleLbl>
+  <dgm:styleLbl name="fgAcc3">
+    <dgm:fillClrLst meth="repeat">
+      <a:schemeClr val="lt1">
+        <a:alpha val="90000"/>
+      </a:schemeClr>
+    </dgm:fillClrLst>
+    <dgm:linClrLst meth="repeat">
+      <a:schemeClr val="accent1"/>
+    </dgm:linClrLst>
+    <dgm:effectClrLst/>
+    <dgm:txLinClrLst/>
+    <dgm:txFillClrLst meth="repeat">
+      <a:schemeClr val="dk1"/>
+    </dgm:txFillClrLst>
+    <dgm:txEffectClrLst/>
+  </dgm:styleLbl>
+  <dgm:styleLbl name="fgAcc4">
+    <dgm:fillClrLst meth="repeat">
+      <a:schemeClr val="lt1">
+        <a:alpha val="90000"/>
+      </a:schemeClr>
+    </dgm:fillClrLst>
+    <dgm:linClrLst meth="repeat">
+      <a:schemeClr val="accent1"/>
+    </dgm:linClrLst>
+    <dgm:effectClrLst/>
+    <dgm:txLinClrLst/>
+    <dgm:txFillClrLst meth="repeat">
+      <a:schemeClr val="dk1"/>
+    </dgm:txFillClrLst>
+    <dgm:txEffectClrLst/>
+  </dgm:styleLbl>
+  <dgm:styleLbl name="bgShp">
+    <dgm:fillClrLst meth="repeat">
+      <a:schemeClr val="accent1">
+        <a:tint val="40000"/>
+      </a:schemeClr>
+    </dgm:fillClrLst>
+    <dgm:linClrLst meth="repeat">
+      <a:schemeClr val="accent1"/>
+    </dgm:linClrLst>
+    <dgm:effectClrLst/>
+    <dgm:txLinClrLst/>
+    <dgm:txFillClrLst meth="repeat">
+      <a:schemeClr val="dk1"/>
+    </dgm:txFillClrLst>
+    <dgm:txEffectClrLst/>
+  </dgm:styleLbl>
+  <dgm:styleLbl name="dkBgShp">
+    <dgm:fillClrLst meth="repeat">
+      <a:schemeClr val="accent1">
+        <a:shade val="80000"/>
+      </a:schemeClr>
+    </dgm:fillClrLst>
+    <dgm:linClrLst meth="repeat">
+      <a:schemeClr val="accent1"/>
+    </dgm:linClrLst>
+    <dgm:effectClrLst/>
+    <dgm:txLinClrLst/>
+    <dgm:txFillClrLst meth="repeat">
+      <a:schemeClr val="lt1"/>
+    </dgm:txFillClrLst>
+    <dgm:txEffectClrLst/>
+  </dgm:styleLbl>
+  <dgm:styleLbl name="trBgShp">
+    <dgm:fillClrLst meth="repeat">
+      <a:schemeClr val="accent1">
+        <a:tint val="50000"/>
+        <a:alpha val="40000"/>
+      </a:schemeClr>
+    </dgm:fillClrLst>
+    <dgm:linClrLst meth="repeat">
+      <a:schemeClr val="accent1"/>
+    </dgm:linClrLst>
+    <dgm:effectClrLst/>
+    <dgm:txLinClrLst/>
+    <dgm:txFillClrLst meth="repeat">
+      <a:schemeClr val="lt1"/>
+    </dgm:txFillClrLst>
+    <dgm:txEffectClrLst/>
+  </dgm:styleLbl>
+  <dgm:styleLbl name="fgShp">
+    <dgm:fillClrLst meth="repeat">
+      <a:schemeClr val="accent1">
+        <a:tint val="60000"/>
+      </a:schemeClr>
+    </dgm:fillClrLst>
+    <dgm:linClrLst meth="repeat">
+      <a:schemeClr val="lt1"/>
+    </dgm:linClrLst>
+    <dgm:effectClrLst/>
+    <dgm:txLinClrLst/>
+    <dgm:txFillClrLst meth="repeat">
+      <a:schemeClr val="dk1"/>
+    </dgm:txFillClrLst>
+    <dgm:txEffectClrLst/>
+  </dgm:styleLbl>
+  <dgm:styleLbl name="revTx">
+    <dgm:fillClrLst meth="repeat">
+      <a:schemeClr val="lt1">
+        <a:alpha val="0"/>
+      </a:schemeClr>
+    </dgm:fillClrLst>
+    <dgm:linClrLst meth="repeat">
+      <a:schemeClr val="dk1">
+        <a:alpha val="0"/>
+      </a:schemeClr>
+    </dgm:linClrLst>
+    <dgm:effectClrLst/>
+    <dgm:txLinClrLst/>
+    <dgm:txFillClrLst meth="repeat">
+      <a:schemeClr val="tx1"/>
+    </dgm:txFillClrLst>
+    <dgm:txEffectClrLst/>
+  </dgm:styleLbl>
+</dgm:colorsDef>
+</file>
+
+<file path=ppt/diagrams/colors2.xml><?xml version="1.0" encoding="utf-8"?>
+<dgm:colorsDef xmlns:dgm="http://schemas.openxmlformats.org/drawingml/2006/diagram" xmlns:a="http://schemas.openxmlformats.org/drawingml/2006/main" uniqueId="urn:microsoft.com/office/officeart/2005/8/colors/accent1_2">
+  <dgm:title val=""/>
+  <dgm:desc val=""/>
+  <dgm:catLst>
+    <dgm:cat type="accent1" pri="11200"/>
+  </dgm:catLst>
+  <dgm:styleLbl name="node0">
+    <dgm:fillClrLst meth="repeat">
+      <a:schemeClr val="accent1"/>
+    </dgm:fillClrLst>
+    <dgm:linClrLst meth="repeat">
+      <a:schemeClr val="lt1"/>
+    </dgm:linClrLst>
+    <dgm:effectClrLst/>
+    <dgm:txLinClrLst/>
+    <dgm:txFillClrLst/>
+    <dgm:txEffectClrLst/>
+  </dgm:styleLbl>
+  <dgm:styleLbl name="alignNode1">
+    <dgm:fillClrLst meth="repeat">
+      <a:schemeClr val="accent1"/>
+    </dgm:fillClrLst>
+    <dgm:linClrLst meth="repeat">
+      <a:schemeClr val="accent1"/>
+    </dgm:linClrLst>
+    <dgm:effectClrLst/>
+    <dgm:txLinClrLst/>
+    <dgm:txFillClrLst/>
+    <dgm:txEffectClrLst/>
+  </dgm:styleLbl>
+  <dgm:styleLbl name="node1">
+    <dgm:fillClrLst meth="repeat">
+      <a:schemeClr val="accent1"/>
+    </dgm:fillClrLst>
+    <dgm:linClrLst meth="repeat">
+      <a:schemeClr val="lt1"/>
+    </dgm:linClrLst>
+    <dgm:effectClrLst/>
+    <dgm:txLinClrLst/>
+    <dgm:txFillClrLst/>
+    <dgm:txEffectClrLst/>
+  </dgm:styleLbl>
+  <dgm:styleLbl name="lnNode1">
+    <dgm:fillClrLst meth="repeat">
+      <a:schemeClr val="accent1"/>
+    </dgm:fillClrLst>
+    <dgm:linClrLst meth="repeat">
+      <a:schemeClr val="lt1"/>
+    </dgm:linClrLst>
+    <dgm:effectClrLst/>
+    <dgm:txLinClrLst/>
+    <dgm:txFillClrLst/>
+    <dgm:txEffectClrLst/>
+  </dgm:styleLbl>
+  <dgm:styleLbl name="vennNode1">
+    <dgm:fillClrLst meth="repeat">
+      <a:schemeClr val="accent1">
+        <a:alpha val="50000"/>
+      </a:schemeClr>
+    </dgm:fillClrLst>
+    <dgm:linClrLst meth="repeat">
+      <a:schemeClr val="lt1"/>
+    </dgm:linClrLst>
+    <dgm:effectClrLst/>
+    <dgm:txLinClrLst/>
+    <dgm:txFillClrLst/>
+    <dgm:txEffectClrLst/>
+  </dgm:styleLbl>
+  <dgm:styleLbl name="node2">
+    <dgm:fillClrLst meth="repeat">
+      <a:schemeClr val="accent1"/>
+    </dgm:fillClrLst>
+    <dgm:linClrLst meth="repeat">
+      <a:schemeClr val="lt1"/>
+    </dgm:linClrLst>
+    <dgm:effectClrLst/>
+    <dgm:txLinClrLst/>
+    <dgm:txFillClrLst/>
+    <dgm:txEffectClrLst/>
+  </dgm:styleLbl>
+  <dgm:styleLbl name="node3">
+    <dgm:fillClrLst meth="repeat">
+      <a:schemeClr val="accent1"/>
+    </dgm:fillClrLst>
+    <dgm:linClrLst meth="repeat">
+      <a:schemeClr val="lt1"/>
+    </dgm:linClrLst>
+    <dgm:effectClrLst/>
+    <dgm:txLinClrLst/>
+    <dgm:txFillClrLst/>
+    <dgm:txEffectClrLst/>
+  </dgm:styleLbl>
+  <dgm:styleLbl name="node4">
+    <dgm:fillClrLst meth="repeat">
+      <a:schemeClr val="accent1"/>
+    </dgm:fillClrLst>
+    <dgm:linClrLst meth="repeat">
+      <a:schemeClr val="lt1"/>
+    </dgm:linClrLst>
+    <dgm:effectClrLst/>
+    <dgm:txLinClrLst/>
+    <dgm:txFillClrLst/>
+    <dgm:txEffectClrLst/>
+  </dgm:styleLbl>
+  <dgm:styleLbl name="fgImgPlace1">
+    <dgm:fillClrLst meth="repeat">
+      <a:schemeClr val="accent1">
+        <a:tint val="50000"/>
+      </a:schemeClr>
+    </dgm:fillClrLst>
+    <dgm:linClrLst meth="repeat">
+      <a:schemeClr val="lt1"/>
+    </dgm:linClrLst>
+    <dgm:effectClrLst/>
+    <dgm:txLinClrLst/>
+    <dgm:txFillClrLst meth="repeat">
+      <a:schemeClr val="lt1"/>
+    </dgm:txFillClrLst>
+    <dgm:txEffectClrLst/>
+  </dgm:styleLbl>
+  <dgm:styleLbl name="alignImgPlace1">
+    <dgm:fillClrLst meth="repeat">
+      <a:schemeClr val="accent1">
+        <a:tint val="50000"/>
+      </a:schemeClr>
+    </dgm:fillClrLst>
+    <dgm:linClrLst meth="repeat">
+      <a:schemeClr val="lt1"/>
+    </dgm:linClrLst>
+    <dgm:effectClrLst/>
+    <dgm:txLinClrLst/>
+    <dgm:txFillClrLst meth="repeat">
+      <a:schemeClr val="lt1"/>
+    </dgm:txFillClrLst>
+    <dgm:txEffectClrLst/>
+  </dgm:styleLbl>
+  <dgm:styleLbl name="bgImgPlace1">
+    <dgm:fillClrLst meth="repeat">
+      <a:schemeClr val="accent1">
+        <a:tint val="50000"/>
+      </a:schemeClr>
+    </dgm:fillClrLst>
+    <dgm:linClrLst meth="repeat">
+      <a:schemeClr val="lt1"/>
+    </dgm:linClrLst>
+    <dgm:effectClrLst/>
+    <dgm:txLinClrLst/>
+    <dgm:txFillClrLst meth="repeat">
+      <a:schemeClr val="lt1"/>
+    </dgm:txFillClrLst>
+    <dgm:txEffectClrLst/>
+  </dgm:styleLbl>
+  <dgm:styleLbl name="sibTrans2D1">
+    <dgm:fillClrLst meth="repeat">
+      <a:schemeClr val="accent1">
+        <a:tint val="60000"/>
+      </a:schemeClr>
+    </dgm:fillClrLst>
+    <dgm:linClrLst meth="repeat">
+      <a:schemeClr val="accent1">
+        <a:tint val="60000"/>
+      </a:schemeClr>
+    </dgm:linClrLst>
+    <dgm:effectClrLst/>
+    <dgm:txLinClrLst/>
+    <dgm:txFillClrLst/>
+    <dgm:txEffectClrLst/>
+  </dgm:styleLbl>
+  <dgm:styleLbl name="fgSibTrans2D1">
+    <dgm:fillClrLst meth="repeat">
+      <a:schemeClr val="accent1">
+        <a:tint val="60000"/>
+      </a:schemeClr>
+    </dgm:fillClrLst>
+    <dgm:linClrLst meth="repeat">
+      <a:schemeClr val="accent1">
+        <a:tint val="60000"/>
+      </a:schemeClr>
+    </dgm:linClrLst>
+    <dgm:effectClrLst/>
+    <dgm:txLinClrLst/>
+    <dgm:txFillClrLst/>
+    <dgm:txEffectClrLst/>
+  </dgm:styleLbl>
+  <dgm:styleLbl name="bgSibTrans2D1">
+    <dgm:fillClrLst meth="repeat">
+      <a:schemeClr val="accent1">
+        <a:tint val="60000"/>
+      </a:schemeClr>
+    </dgm:fillClrLst>
+    <dgm:linClrLst meth="repeat">
+      <a:schemeClr val="accent1">
+        <a:tint val="60000"/>
+      </a:schemeClr>
+    </dgm:linClrLst>
+    <dgm:effectClrLst/>
+    <dgm:txLinClrLst/>
+    <dgm:txFillClrLst/>
+    <dgm:txEffectClrLst/>
+  </dgm:styleLbl>
+  <dgm:styleLbl name="sibTrans1D1">
+    <dgm:fillClrLst meth="repeat">
+      <a:schemeClr val="accent1"/>
+    </dgm:fillClrLst>
+    <dgm:linClrLst meth="repeat">
+      <a:schemeClr val="accent1"/>
+    </dgm:linClrLst>
+    <dgm:effectClrLst/>
+    <dgm:txLinClrLst/>
+    <dgm:txFillClrLst meth="repeat">
+      <a:schemeClr val="tx1"/>
+    </dgm:txFillClrLst>
+    <dgm:txEffectClrLst/>
+  </dgm:styleLbl>
+  <dgm:styleLbl name="callout">
+    <dgm:fillClrLst meth="repeat">
+      <a:schemeClr val="accent1"/>
+    </dgm:fillClrLst>
+    <dgm:linClrLst meth="repeat">
+      <a:schemeClr val="accent1">
+        <a:tint val="50000"/>
+      </a:schemeClr>
+    </dgm:linClrLst>
+    <dgm:effectClrLst/>
+    <dgm:txLinClrLst/>
+    <dgm:txFillClrLst meth="repeat">
+      <a:schemeClr val="tx1"/>
+    </dgm:txFillClrLst>
+    <dgm:txEffectClrLst/>
+  </dgm:styleLbl>
+  <dgm:styleLbl name="asst0">
+    <dgm:fillClrLst meth="repeat">
+      <a:schemeClr val="accent1"/>
+    </dgm:fillClrLst>
+    <dgm:linClrLst meth="repeat">
+      <a:schemeClr val="lt1"/>
+    </dgm:linClrLst>
+    <dgm:effectClrLst/>
+    <dgm:txLinClrLst/>
+    <dgm:txFillClrLst/>
+    <dgm:txEffectClrLst/>
+  </dgm:styleLbl>
+  <dgm:styleLbl name="asst1">
+    <dgm:fillClrLst meth="repeat">
+      <a:schemeClr val="accent1"/>
+    </dgm:fillClrLst>
+    <dgm:linClrLst meth="repeat">
+      <a:schemeClr val="lt1"/>
+    </dgm:linClrLst>
+    <dgm:effectClrLst/>
+    <dgm:txLinClrLst/>
+    <dgm:txFillClrLst/>
+    <dgm:txEffectClrLst/>
+  </dgm:styleLbl>
+  <dgm:styleLbl name="asst2">
+    <dgm:fillClrLst meth="repeat">
+      <a:schemeClr val="accent1"/>
+    </dgm:fillClrLst>
+    <dgm:linClrLst meth="repeat">
+      <a:schemeClr val="lt1"/>
+    </dgm:linClrLst>
+    <dgm:effectClrLst/>
+    <dgm:txLinClrLst/>
+    <dgm:txFillClrLst/>
+    <dgm:txEffectClrLst/>
+  </dgm:styleLbl>
+  <dgm:styleLbl name="asst3">
+    <dgm:fillClrLst meth="repeat">
+      <a:schemeClr val="accent1"/>
+    </dgm:fillClrLst>
+    <dgm:linClrLst meth="repeat">
+      <a:schemeClr val="lt1"/>
+    </dgm:linClrLst>
+    <dgm:effectClrLst/>
+    <dgm:txLinClrLst/>
+    <dgm:txFillClrLst/>
+    <dgm:txEffectClrLst/>
+  </dgm:styleLbl>
+  <dgm:styleLbl name="asst4">
+    <dgm:fillClrLst meth="repeat">
+      <a:schemeClr val="accent1"/>
+    </dgm:fillClrLst>
+    <dgm:linClrLst meth="repeat">
+      <a:schemeClr val="lt1"/>
+    </dgm:linClrLst>
+    <dgm:effectClrLst/>
+    <dgm:txLinClrLst/>
+    <dgm:txFillClrLst/>
+    <dgm:txEffectClrLst/>
+  </dgm:styleLbl>
+  <dgm:styleLbl name="parChTrans2D1">
+    <dgm:fillClrLst meth="repeat">
+      <a:schemeClr val="accent1">
+        <a:tint val="60000"/>
+      </a:schemeClr>
+    </dgm:fillClrLst>
+    <dgm:linClrLst meth="repeat">
+      <a:schemeClr val="accent1">
+        <a:tint val="60000"/>
+      </a:schemeClr>
+    </dgm:linClrLst>
+    <dgm:effectClrLst/>
+    <dgm:txLinClrLst/>
+    <dgm:txFillClrLst meth="repeat">
+      <a:schemeClr val="lt1"/>
+    </dgm:txFillClrLst>
+    <dgm:txEffectClrLst/>
+  </dgm:styleLbl>
+  <dgm:styleLbl name="parChTrans2D2">
+    <dgm:fillClrLst meth="repeat">
+      <a:schemeClr val="accent1"/>
+    </dgm:fillClrLst>
+    <dgm:linClrLst meth="repeat">
+      <a:schemeClr val="accent1"/>
+    </dgm:linClrLst>
+    <dgm:effectClrLst/>
+    <dgm:txLinClrLst/>
+    <dgm:txFillClrLst meth="repeat">
+      <a:schemeClr val="lt1"/>
+    </dgm:txFillClrLst>
+    <dgm:txEffectClrLst/>
+  </dgm:styleLbl>
+  <dgm:styleLbl name="parChTrans2D3">
+    <dgm:fillClrLst meth="repeat">
+      <a:schemeClr val="accent1"/>
+    </dgm:fillClrLst>
+    <dgm:linClrLst meth="repeat">
+      <a:schemeClr val="accent1"/>
+    </dgm:linClrLst>
+    <dgm:effectClrLst/>
+    <dgm:txLinClrLst/>
+    <dgm:txFillClrLst meth="repeat">
+      <a:schemeClr val="lt1"/>
+    </dgm:txFillClrLst>
+    <dgm:txEffectClrLst/>
+  </dgm:styleLbl>
+  <dgm:styleLbl name="parChTrans2D4">
+    <dgm:fillClrLst meth="repeat">
+      <a:schemeClr val="accent1"/>
+    </dgm:fillClrLst>
+    <dgm:linClrLst meth="repeat">
+      <a:schemeClr val="accent1"/>
+    </dgm:linClrLst>
+    <dgm:effectClrLst/>
+    <dgm:txLinClrLst/>
+    <dgm:txFillClrLst meth="repeat">
+      <a:schemeClr val="lt1"/>
+    </dgm:txFillClrLst>
+    <dgm:txEffectClrLst/>
+  </dgm:styleLbl>
+  <dgm:styleLbl name="parChTrans1D1">
+    <dgm:fillClrLst meth="repeat">
+      <a:schemeClr val="accent1"/>
+    </dgm:fillClrLst>
+    <dgm:linClrLst meth="repeat">
+      <a:schemeClr val="accent1">
+        <a:shade val="60000"/>
+      </a:schemeClr>
+    </dgm:linClrLst>
+    <dgm:effectClrLst/>
+    <dgm:txLinClrLst/>
+    <dgm:txFillClrLst meth="repeat">
+      <a:schemeClr val="tx1"/>
+    </dgm:txFillClrLst>
+    <dgm:txEffectClrLst/>
+  </dgm:styleLbl>
+  <dgm:styleLbl name="parChTrans1D2">
+    <dgm:fillClrLst meth="repeat">
+      <a:schemeClr val="accent1"/>
+    </dgm:fillClrLst>
+    <dgm:linClrLst meth="repeat">
+      <a:schemeClr val="accent1">
+        <a:shade val="60000"/>
+      </a:schemeClr>
+    </dgm:linClrLst>
+    <dgm:effectClrLst/>
+    <dgm:txLinClrLst/>
+    <dgm:txFillClrLst meth="repeat">
+      <a:schemeClr val="tx1"/>
+    </dgm:txFillClrLst>
+    <dgm:txEffectClrLst/>
+  </dgm:styleLbl>
+  <dgm:styleLbl name="parChTrans1D3">
+    <dgm:fillClrLst meth="repeat">
+      <a:schemeClr val="accent1"/>
+    </dgm:fillClrLst>
+    <dgm:linClrLst meth="repeat">
+      <a:schemeClr val="accent1">
+        <a:shade val="80000"/>
+      </a:schemeClr>
+    </dgm:linClrLst>
+    <dgm:effectClrLst/>
+    <dgm:txLinClrLst/>
+    <dgm:txFillClrLst meth="repeat">
+      <a:schemeClr val="tx1"/>
+    </dgm:txFillClrLst>
+    <dgm:txEffectClrLst/>
+  </dgm:styleLbl>
+  <dgm:styleLbl name="parChTrans1D4">
+    <dgm:fillClrLst meth="repeat">
+      <a:schemeClr val="accent1"/>
+    </dgm:fillClrLst>
+    <dgm:linClrLst meth="repeat">
+      <a:schemeClr val="accent1">
+        <a:shade val="80000"/>
+      </a:schemeClr>
+    </dgm:linClrLst>
+    <dgm:effectClrLst/>
+    <dgm:txLinClrLst/>
+    <dgm:txFillClrLst meth="repeat">
+      <a:schemeClr val="tx1"/>
+    </dgm:txFillClrLst>
+    <dgm:txEffectClrLst/>
+  </dgm:styleLbl>
+  <dgm:styleLbl name="fgAcc1">
+    <dgm:fillClrLst meth="repeat">
+      <a:schemeClr val="lt1">
+        <a:alpha val="90000"/>
+      </a:schemeClr>
+    </dgm:fillClrLst>
+    <dgm:linClrLst meth="repeat">
+      <a:schemeClr val="accent1"/>
+    </dgm:linClrLst>
+    <dgm:effectClrLst/>
+    <dgm:txLinClrLst/>
+    <dgm:txFillClrLst meth="repeat">
+      <a:schemeClr val="dk1"/>
+    </dgm:txFillClrLst>
+    <dgm:txEffectClrLst/>
+  </dgm:styleLbl>
+  <dgm:styleLbl name="conFgAcc1">
+    <dgm:fillClrLst meth="repeat">
+      <a:schemeClr val="lt1">
+        <a:alpha val="90000"/>
+      </a:schemeClr>
+    </dgm:fillClrLst>
+    <dgm:linClrLst meth="repeat">
+      <a:schemeClr val="accent1"/>
+    </dgm:linClrLst>
+    <dgm:effectClrLst/>
+    <dgm:txLinClrLst/>
+    <dgm:txFillClrLst meth="repeat">
+      <a:schemeClr val="dk1"/>
+    </dgm:txFillClrLst>
+    <dgm:txEffectClrLst/>
+  </dgm:styleLbl>
+  <dgm:styleLbl name="alignAcc1">
+    <dgm:fillClrLst meth="repeat">
+      <a:schemeClr val="lt1">
+        <a:alpha val="90000"/>
+      </a:schemeClr>
+    </dgm:fillClrLst>
+    <dgm:linClrLst meth="repeat">
+      <a:schemeClr val="accent1"/>
+    </dgm:linClrLst>
+    <dgm:effectClrLst/>
+    <dgm:txLinClrLst/>
+    <dgm:txFillClrLst meth="repeat">
+      <a:schemeClr val="dk1"/>
+    </dgm:txFillClrLst>
+    <dgm:txEffectClrLst/>
+  </dgm:styleLbl>
+  <dgm:styleLbl name="trAlignAcc1">
+    <dgm:fillClrLst meth="repeat">
+      <a:schemeClr val="lt1">
+        <a:alpha val="40000"/>
+      </a:schemeClr>
+    </dgm:fillClrLst>
+    <dgm:linClrLst meth="repeat">
+      <a:schemeClr val="accent1"/>
+    </dgm:linClrLst>
+    <dgm:effectClrLst/>
+    <dgm:txLinClrLst/>
+    <dgm:txFillClrLst meth="repeat">
+      <a:schemeClr val="dk1"/>
+    </dgm:txFillClrLst>
+    <dgm:txEffectClrLst/>
+  </dgm:styleLbl>
+  <dgm:styleLbl name="bgAcc1">
+    <dgm:fillClrLst meth="repeat">
+      <a:schemeClr val="lt1">
+        <a:alpha val="90000"/>
+      </a:schemeClr>
+    </dgm:fillClrLst>
+    <dgm:linClrLst meth="repeat">
+      <a:schemeClr val="accent1"/>
+    </dgm:linClrLst>
+    <dgm:effectClrLst/>
+    <dgm:txLinClrLst/>
+    <dgm:txFillClrLst meth="repeat">
+      <a:schemeClr val="dk1"/>
+    </dgm:txFillClrLst>
+    <dgm:txEffectClrLst/>
+  </dgm:styleLbl>
+  <dgm:styleLbl name="solidFgAcc1">
+    <dgm:fillClrLst meth="repeat">
+      <a:schemeClr val="lt1"/>
+    </dgm:fillClrLst>
+    <dgm:linClrLst meth="repeat">
+      <a:schemeClr val="accent1"/>
+    </dgm:linClrLst>
+    <dgm:effectClrLst/>
+    <dgm:txLinClrLst/>
+    <dgm:txFillClrLst meth="repeat">
+      <a:schemeClr val="dk1"/>
+    </dgm:txFillClrLst>
+    <dgm:txEffectClrLst/>
+  </dgm:styleLbl>
+  <dgm:styleLbl name="solidAlignAcc1">
+    <dgm:fillClrLst meth="repeat">
+      <a:schemeClr val="lt1"/>
+    </dgm:fillClrLst>
+    <dgm:linClrLst meth="repeat">
+      <a:schemeClr val="accent1"/>
+    </dgm:linClrLst>
+    <dgm:effectClrLst/>
+    <dgm:txLinClrLst/>
+    <dgm:txFillClrLst meth="repeat">
+      <a:schemeClr val="dk1"/>
+    </dgm:txFillClrLst>
+    <dgm:txEffectClrLst/>
+  </dgm:styleLbl>
+  <dgm:styleLbl name="solidBgAcc1">
+    <dgm:fillClrLst meth="repeat">
+      <a:schemeClr val="lt1"/>
+    </dgm:fillClrLst>
+    <dgm:linClrLst meth="repeat">
+      <a:schemeClr val="accent1"/>
+    </dgm:linClrLst>
+    <dgm:effectClrLst/>
+    <dgm:txLinClrLst/>
+    <dgm:txFillClrLst meth="repeat">
+      <a:schemeClr val="dk1"/>
+    </dgm:txFillClrLst>
+    <dgm:txEffectClrLst/>
+  </dgm:styleLbl>
+  <dgm:styleLbl name="fgAccFollowNode1">
+    <dgm:fillClrLst meth="repeat">
+      <a:schemeClr val="accent1">
+        <a:alpha val="90000"/>
+        <a:tint val="40000"/>
+      </a:schemeClr>
+    </dgm:fillClrLst>
+    <dgm:linClrLst meth="repeat">
+      <a:schemeClr val="accent1">
+        <a:alpha val="90000"/>
+        <a:tint val="40000"/>
+      </a:schemeClr>
+    </dgm:linClrLst>
+    <dgm:effectClrLst/>
+    <dgm:txLinClrLst/>
+    <dgm:txFillClrLst meth="repeat">
+      <a:schemeClr val="dk1"/>
+    </dgm:txFillClrLst>
+    <dgm:txEffectClrLst/>
+  </dgm:styleLbl>
+  <dgm:styleLbl name="alignAccFollowNode1">
+    <dgm:fillClrLst meth="repeat">
+      <a:schemeClr val="accent1">
+        <a:alpha val="90000"/>
+        <a:tint val="40000"/>
+      </a:schemeClr>
+    </dgm:fillClrLst>
+    <dgm:linClrLst meth="repeat">
+      <a:schemeClr val="accent1">
+        <a:alpha val="90000"/>
+        <a:tint val="40000"/>
+      </a:schemeClr>
+    </dgm:linClrLst>
+    <dgm:effectClrLst/>
+    <dgm:txLinClrLst/>
+    <dgm:txFillClrLst meth="repeat">
+      <a:schemeClr val="dk1"/>
+    </dgm:txFillClrLst>
+    <dgm:txEffectClrLst/>
+  </dgm:styleLbl>
+  <dgm:styleLbl name="bgAccFollowNode1">
+    <dgm:fillClrLst meth="repeat">
+      <a:schemeClr val="accent1">
+        <a:alpha val="90000"/>
+        <a:tint val="40000"/>
+      </a:schemeClr>
+    </dgm:fillClrLst>
+    <dgm:linClrLst meth="repeat">
+      <a:schemeClr val="accent1">
+        <a:alpha val="90000"/>
+        <a:tint val="40000"/>
+      </a:schemeClr>
+    </dgm:linClrLst>
+    <dgm:effectClrLst/>
+    <dgm:txLinClrLst/>
+    <dgm:txFillClrLst meth="repeat">
+      <a:schemeClr val="dk1"/>
+    </dgm:txFillClrLst>
+    <dgm:txEffectClrLst/>
+  </dgm:styleLbl>
+  <dgm:styleLbl name="fgAcc0">
+    <dgm:fillClrLst meth="repeat">
+      <a:schemeClr val="lt1">
+        <a:alpha val="90000"/>
+      </a:schemeClr>
+    </dgm:fillClrLst>
+    <dgm:linClrLst meth="repeat">
+      <a:schemeClr val="accent1"/>
+    </dgm:linClrLst>
+    <dgm:effectClrLst/>
+    <dgm:txLinClrLst/>
+    <dgm:txFillClrLst meth="repeat">
+      <a:schemeClr val="dk1"/>
+    </dgm:txFillClrLst>
+    <dgm:txEffectClrLst/>
+  </dgm:styleLbl>
+  <dgm:styleLbl name="fgAcc2">
+    <dgm:fillClrLst meth="repeat">
+      <a:schemeClr val="lt1">
+        <a:alpha val="90000"/>
+      </a:schemeClr>
+    </dgm:fillClrLst>
+    <dgm:linClrLst meth="repeat">
+      <a:schemeClr val="accent1"/>
+    </dgm:linClrLst>
+    <dgm:effectClrLst/>
+    <dgm:txLinClrLst/>
+    <dgm:txFillClrLst meth="repeat">
+      <a:schemeClr val="dk1"/>
+    </dgm:txFillClrLst>
+    <dgm:txEffectClrLst/>
+  </dgm:styleLbl>
+  <dgm:styleLbl name="fgAcc3">
+    <dgm:fillClrLst meth="repeat">
+      <a:schemeClr val="lt1">
+        <a:alpha val="90000"/>
+      </a:schemeClr>
+    </dgm:fillClrLst>
+    <dgm:linClrLst meth="repeat">
+      <a:schemeClr val="accent1"/>
+    </dgm:linClrLst>
+    <dgm:effectClrLst/>
+    <dgm:txLinClrLst/>
+    <dgm:txFillClrLst meth="repeat">
+      <a:schemeClr val="dk1"/>
+    </dgm:txFillClrLst>
+    <dgm:txEffectClrLst/>
+  </dgm:styleLbl>
+  <dgm:styleLbl name="fgAcc4">
+    <dgm:fillClrLst meth="repeat">
+      <a:schemeClr val="lt1">
+        <a:alpha val="90000"/>
+      </a:schemeClr>
+    </dgm:fillClrLst>
+    <dgm:linClrLst meth="repeat">
+      <a:schemeClr val="accent1"/>
+    </dgm:linClrLst>
+    <dgm:effectClrLst/>
+    <dgm:txLinClrLst/>
+    <dgm:txFillClrLst meth="repeat">
+      <a:schemeClr val="dk1"/>
+    </dgm:txFillClrLst>
+    <dgm:txEffectClrLst/>
+  </dgm:styleLbl>
+  <dgm:styleLbl name="bgShp">
+    <dgm:fillClrLst meth="repeat">
+      <a:schemeClr val="accent1">
+        <a:tint val="40000"/>
+      </a:schemeClr>
+    </dgm:fillClrLst>
+    <dgm:linClrLst meth="repeat">
+      <a:schemeClr val="accent1"/>
+    </dgm:linClrLst>
+    <dgm:effectClrLst/>
+    <dgm:txLinClrLst/>
+    <dgm:txFillClrLst meth="repeat">
+      <a:schemeClr val="dk1"/>
+    </dgm:txFillClrLst>
+    <dgm:txEffectClrLst/>
+  </dgm:styleLbl>
+  <dgm:styleLbl name="dkBgShp">
+    <dgm:fillClrLst meth="repeat">
+      <a:schemeClr val="accent1">
+        <a:shade val="80000"/>
+      </a:schemeClr>
+    </dgm:fillClrLst>
+    <dgm:linClrLst meth="repeat">
+      <a:schemeClr val="accent1"/>
+    </dgm:linClrLst>
+    <dgm:effectClrLst/>
+    <dgm:txLinClrLst/>
+    <dgm:txFillClrLst meth="repeat">
+      <a:schemeClr val="lt1"/>
+    </dgm:txFillClrLst>
+    <dgm:txEffectClrLst/>
+  </dgm:styleLbl>
+  <dgm:styleLbl name="trBgShp">
+    <dgm:fillClrLst meth="repeat">
+      <a:schemeClr val="accent1">
+        <a:tint val="50000"/>
+        <a:alpha val="40000"/>
+      </a:schemeClr>
+    </dgm:fillClrLst>
+    <dgm:linClrLst meth="repeat">
+      <a:schemeClr val="accent1"/>
+    </dgm:linClrLst>
+    <dgm:effectClrLst/>
+    <dgm:txLinClrLst/>
+    <dgm:txFillClrLst meth="repeat">
+      <a:schemeClr val="lt1"/>
+    </dgm:txFillClrLst>
+    <dgm:txEffectClrLst/>
+  </dgm:styleLbl>
+  <dgm:styleLbl name="fgShp">
+    <dgm:fillClrLst meth="repeat">
+      <a:schemeClr val="accent1">
+        <a:tint val="60000"/>
+      </a:schemeClr>
+    </dgm:fillClrLst>
+    <dgm:linClrLst meth="repeat">
+      <a:schemeClr val="lt1"/>
+    </dgm:linClrLst>
+    <dgm:effectClrLst/>
+    <dgm:txLinClrLst/>
+    <dgm:txFillClrLst meth="repeat">
+      <a:schemeClr val="dk1"/>
+    </dgm:txFillClrLst>
+    <dgm:txEffectClrLst/>
+  </dgm:styleLbl>
+  <dgm:styleLbl name="revTx">
+    <dgm:fillClrLst meth="repeat">
+      <a:schemeClr val="lt1">
+        <a:alpha val="0"/>
+      </a:schemeClr>
+    </dgm:fillClrLst>
+    <dgm:linClrLst meth="repeat">
+      <a:schemeClr val="dk1">
+        <a:alpha val="0"/>
+      </a:schemeClr>
+    </dgm:linClrLst>
+    <dgm:effectClrLst/>
+    <dgm:txLinClrLst/>
+    <dgm:txFillClrLst meth="repeat">
+      <a:schemeClr val="tx1"/>
+    </dgm:txFillClrLst>
+    <dgm:txEffectClrLst/>
+  </dgm:styleLbl>
+</dgm:colorsDef>
+</file>
+
+<file path=ppt/diagrams/data1.xml><?xml version="1.0" encoding="utf-8"?>
+<dgm:dataModel xmlns:dgm="http://schemas.openxmlformats.org/drawingml/2006/diagram" xmlns:a="http://schemas.openxmlformats.org/drawingml/2006/main">
+  <dgm:ptLst>
+    <dgm:pt modelId="{39332B7E-DC53-4E39-8170-323651ED934E}" type="doc">
+      <dgm:prSet loTypeId="urn:microsoft.com/office/officeart/2005/8/layout/process1" loCatId="process" qsTypeId="urn:microsoft.com/office/officeart/2005/8/quickstyle/simple1" qsCatId="simple" csTypeId="urn:microsoft.com/office/officeart/2005/8/colors/accent1_2" csCatId="accent1" phldr="1"/>
+      <dgm:spPr/>
+    </dgm:pt>
+    <dgm:pt modelId="{89F4663A-CD05-4B85-BBCA-40FA831A1A8F}">
+      <dgm:prSet phldrT="[Text]">
+        <dgm:style>
+          <a:lnRef idx="2">
+            <a:schemeClr val="accent6"/>
+          </a:lnRef>
+          <a:fillRef idx="1">
+            <a:schemeClr val="lt1"/>
+          </a:fillRef>
+          <a:effectRef idx="0">
+            <a:schemeClr val="accent6"/>
+          </a:effectRef>
+          <a:fontRef idx="minor">
+            <a:schemeClr val="dk1"/>
+          </a:fontRef>
+        </dgm:style>
+      </dgm:prSet>
+      <dgm:spPr/>
+      <dgm:t>
+        <a:bodyPr/>
+        <a:lstStyle/>
+        <a:p>
+          <a:r>
+            <a:rPr lang="nl-BE" dirty="0" smtClean="0"/>
+            <a:t>Edit</a:t>
+          </a:r>
+          <a:endParaRPr lang="en-US" dirty="0"/>
+        </a:p>
+      </dgm:t>
+    </dgm:pt>
+    <dgm:pt modelId="{9C6F7918-3660-4369-A6C2-90E53184E84C}" type="parTrans" cxnId="{6D3FF21F-14FE-4E62-8D3A-92CBA747E71B}">
+      <dgm:prSet/>
+      <dgm:spPr/>
+      <dgm:t>
+        <a:bodyPr/>
+        <a:lstStyle/>
+        <a:p>
+          <a:endParaRPr lang="en-US"/>
+        </a:p>
+      </dgm:t>
+    </dgm:pt>
+    <dgm:pt modelId="{366AF2CA-1E69-4291-A324-950482E12DD8}" type="sibTrans" cxnId="{6D3FF21F-14FE-4E62-8D3A-92CBA747E71B}">
+      <dgm:prSet/>
+      <dgm:spPr/>
+      <dgm:t>
+        <a:bodyPr/>
+        <a:lstStyle/>
+        <a:p>
+          <a:endParaRPr lang="en-US"/>
+        </a:p>
+      </dgm:t>
+    </dgm:pt>
+    <dgm:pt modelId="{11DC3F5C-A4A2-407F-A072-A8F3225ADA2E}">
+      <dgm:prSet phldrT="[Text]">
+        <dgm:style>
+          <a:lnRef idx="2">
+            <a:schemeClr val="accent2"/>
+          </a:lnRef>
+          <a:fillRef idx="1">
+            <a:schemeClr val="lt1"/>
+          </a:fillRef>
+          <a:effectRef idx="0">
+            <a:schemeClr val="accent2"/>
+          </a:effectRef>
+          <a:fontRef idx="minor">
+            <a:schemeClr val="dk1"/>
+          </a:fontRef>
+        </dgm:style>
+      </dgm:prSet>
+      <dgm:spPr/>
+      <dgm:t>
+        <a:bodyPr/>
+        <a:lstStyle/>
+        <a:p>
+          <a:r>
+            <a:rPr lang="nl-BE" dirty="0" smtClean="0"/>
+            <a:t>Commit</a:t>
+          </a:r>
+          <a:endParaRPr lang="en-US" dirty="0"/>
+        </a:p>
+      </dgm:t>
+    </dgm:pt>
+    <dgm:pt modelId="{7CE32FAF-7C27-4F07-9CFD-29396FBE7109}" type="parTrans" cxnId="{6BE2F088-147E-4D7E-88C5-5486B6A249AA}">
+      <dgm:prSet/>
+      <dgm:spPr/>
+      <dgm:t>
+        <a:bodyPr/>
+        <a:lstStyle/>
+        <a:p>
+          <a:endParaRPr lang="en-US"/>
+        </a:p>
+      </dgm:t>
+    </dgm:pt>
+    <dgm:pt modelId="{98DF2911-A7F4-40F9-95B7-5A2749B23573}" type="sibTrans" cxnId="{6BE2F088-147E-4D7E-88C5-5486B6A249AA}">
+      <dgm:prSet/>
+      <dgm:spPr/>
+      <dgm:t>
+        <a:bodyPr/>
+        <a:lstStyle/>
+        <a:p>
+          <a:endParaRPr lang="en-US"/>
+        </a:p>
+      </dgm:t>
+    </dgm:pt>
+    <dgm:pt modelId="{AFDF83D1-13E0-4D43-881B-4C6B983513A2}">
+      <dgm:prSet phldrT="[Text]">
+        <dgm:style>
+          <a:lnRef idx="2">
+            <a:schemeClr val="accent4"/>
+          </a:lnRef>
+          <a:fillRef idx="1">
+            <a:schemeClr val="lt1"/>
+          </a:fillRef>
+          <a:effectRef idx="0">
+            <a:schemeClr val="accent4"/>
+          </a:effectRef>
+          <a:fontRef idx="minor">
+            <a:schemeClr val="dk1"/>
+          </a:fontRef>
+        </dgm:style>
+      </dgm:prSet>
+      <dgm:spPr/>
+      <dgm:t>
+        <a:bodyPr/>
+        <a:lstStyle/>
+        <a:p>
+          <a:r>
+            <a:rPr lang="nl-BE" dirty="0" smtClean="0"/>
+            <a:t>Verify</a:t>
+          </a:r>
+          <a:endParaRPr lang="en-US" dirty="0"/>
+        </a:p>
+      </dgm:t>
+    </dgm:pt>
+    <dgm:pt modelId="{2F2F5AEA-A776-42D7-A1AE-A0D79D27C577}" type="parTrans" cxnId="{494A3215-675D-40FE-81AE-8F96C7890F23}">
+      <dgm:prSet/>
+      <dgm:spPr/>
+      <dgm:t>
+        <a:bodyPr/>
+        <a:lstStyle/>
+        <a:p>
+          <a:endParaRPr lang="en-US"/>
+        </a:p>
+      </dgm:t>
+    </dgm:pt>
+    <dgm:pt modelId="{709EAEF6-2E0C-4FAC-A060-2D70E771541C}" type="sibTrans" cxnId="{494A3215-675D-40FE-81AE-8F96C7890F23}">
+      <dgm:prSet/>
+      <dgm:spPr/>
+      <dgm:t>
+        <a:bodyPr/>
+        <a:lstStyle/>
+        <a:p>
+          <a:endParaRPr lang="en-US"/>
+        </a:p>
+      </dgm:t>
+    </dgm:pt>
+    <dgm:pt modelId="{A42C128E-CC5D-4400-8C05-2AAD4ADDE6D2}" type="pres">
+      <dgm:prSet presAssocID="{39332B7E-DC53-4E39-8170-323651ED934E}" presName="Name0" presStyleCnt="0">
+        <dgm:presLayoutVars>
+          <dgm:dir/>
+          <dgm:resizeHandles val="exact"/>
+        </dgm:presLayoutVars>
+      </dgm:prSet>
+      <dgm:spPr/>
+    </dgm:pt>
+    <dgm:pt modelId="{3BA92C7C-5CB1-4570-8FA2-5F6671B46B59}" type="pres">
+      <dgm:prSet presAssocID="{89F4663A-CD05-4B85-BBCA-40FA831A1A8F}" presName="node" presStyleLbl="node1" presStyleIdx="0" presStyleCnt="3">
+        <dgm:presLayoutVars>
+          <dgm:bulletEnabled val="1"/>
+        </dgm:presLayoutVars>
+      </dgm:prSet>
+      <dgm:spPr/>
+    </dgm:pt>
+    <dgm:pt modelId="{E974E305-B093-4847-B674-96CD015141E0}" type="pres">
+      <dgm:prSet presAssocID="{366AF2CA-1E69-4291-A324-950482E12DD8}" presName="sibTrans" presStyleLbl="sibTrans2D1" presStyleIdx="0" presStyleCnt="2"/>
+      <dgm:spPr/>
+    </dgm:pt>
+    <dgm:pt modelId="{0DCC8B2A-85A5-4A3D-BF7B-23123E384DDA}" type="pres">
+      <dgm:prSet presAssocID="{366AF2CA-1E69-4291-A324-950482E12DD8}" presName="connectorText" presStyleLbl="sibTrans2D1" presStyleIdx="0" presStyleCnt="2"/>
+      <dgm:spPr/>
+    </dgm:pt>
+    <dgm:pt modelId="{E8C7D2B8-2EFE-491B-9120-598B54FDB279}" type="pres">
+      <dgm:prSet presAssocID="{11DC3F5C-A4A2-407F-A072-A8F3225ADA2E}" presName="node" presStyleLbl="node1" presStyleIdx="1" presStyleCnt="3">
+        <dgm:presLayoutVars>
+          <dgm:bulletEnabled val="1"/>
+        </dgm:presLayoutVars>
+      </dgm:prSet>
+      <dgm:spPr/>
+    </dgm:pt>
+    <dgm:pt modelId="{05F659E6-DE2E-4A9D-9F2C-38C149E7E7F9}" type="pres">
+      <dgm:prSet presAssocID="{98DF2911-A7F4-40F9-95B7-5A2749B23573}" presName="sibTrans" presStyleLbl="sibTrans2D1" presStyleIdx="1" presStyleCnt="2"/>
+      <dgm:spPr/>
+    </dgm:pt>
+    <dgm:pt modelId="{A8870B13-FF71-43FF-99F2-34D003325B85}" type="pres">
+      <dgm:prSet presAssocID="{98DF2911-A7F4-40F9-95B7-5A2749B23573}" presName="connectorText" presStyleLbl="sibTrans2D1" presStyleIdx="1" presStyleCnt="2"/>
+      <dgm:spPr/>
+    </dgm:pt>
+    <dgm:pt modelId="{5FB27D96-032E-4476-A886-256D29C84CCF}" type="pres">
+      <dgm:prSet presAssocID="{AFDF83D1-13E0-4D43-881B-4C6B983513A2}" presName="node" presStyleLbl="node1" presStyleIdx="2" presStyleCnt="3">
+        <dgm:presLayoutVars>
+          <dgm:bulletEnabled val="1"/>
+        </dgm:presLayoutVars>
+      </dgm:prSet>
+      <dgm:spPr/>
+    </dgm:pt>
+  </dgm:ptLst>
+  <dgm:cxnLst>
+    <dgm:cxn modelId="{631D9E13-39EB-4259-8AAE-19DA7F6F4D83}" type="presOf" srcId="{98DF2911-A7F4-40F9-95B7-5A2749B23573}" destId="{A8870B13-FF71-43FF-99F2-34D003325B85}" srcOrd="1" destOrd="0" presId="urn:microsoft.com/office/officeart/2005/8/layout/process1"/>
+    <dgm:cxn modelId="{4BA553AF-4D45-4445-97C7-F964FD14B520}" type="presOf" srcId="{AFDF83D1-13E0-4D43-881B-4C6B983513A2}" destId="{5FB27D96-032E-4476-A886-256D29C84CCF}" srcOrd="0" destOrd="0" presId="urn:microsoft.com/office/officeart/2005/8/layout/process1"/>
+    <dgm:cxn modelId="{494A3215-675D-40FE-81AE-8F96C7890F23}" srcId="{39332B7E-DC53-4E39-8170-323651ED934E}" destId="{AFDF83D1-13E0-4D43-881B-4C6B983513A2}" srcOrd="2" destOrd="0" parTransId="{2F2F5AEA-A776-42D7-A1AE-A0D79D27C577}" sibTransId="{709EAEF6-2E0C-4FAC-A060-2D70E771541C}"/>
+    <dgm:cxn modelId="{8BAE8E1E-B0DC-48A7-9BEA-483E4BFDE75D}" type="presOf" srcId="{89F4663A-CD05-4B85-BBCA-40FA831A1A8F}" destId="{3BA92C7C-5CB1-4570-8FA2-5F6671B46B59}" srcOrd="0" destOrd="0" presId="urn:microsoft.com/office/officeart/2005/8/layout/process1"/>
+    <dgm:cxn modelId="{6BE2F088-147E-4D7E-88C5-5486B6A249AA}" srcId="{39332B7E-DC53-4E39-8170-323651ED934E}" destId="{11DC3F5C-A4A2-407F-A072-A8F3225ADA2E}" srcOrd="1" destOrd="0" parTransId="{7CE32FAF-7C27-4F07-9CFD-29396FBE7109}" sibTransId="{98DF2911-A7F4-40F9-95B7-5A2749B23573}"/>
+    <dgm:cxn modelId="{680EDD14-5D8D-4F98-BB21-F7357A768F58}" type="presOf" srcId="{39332B7E-DC53-4E39-8170-323651ED934E}" destId="{A42C128E-CC5D-4400-8C05-2AAD4ADDE6D2}" srcOrd="0" destOrd="0" presId="urn:microsoft.com/office/officeart/2005/8/layout/process1"/>
+    <dgm:cxn modelId="{4CB64A8E-32F3-46D3-8846-8CF92E5BC6C7}" type="presOf" srcId="{11DC3F5C-A4A2-407F-A072-A8F3225ADA2E}" destId="{E8C7D2B8-2EFE-491B-9120-598B54FDB279}" srcOrd="0" destOrd="0" presId="urn:microsoft.com/office/officeart/2005/8/layout/process1"/>
+    <dgm:cxn modelId="{2C77AF61-53F0-4427-BAE1-191B78CA6480}" type="presOf" srcId="{366AF2CA-1E69-4291-A324-950482E12DD8}" destId="{E974E305-B093-4847-B674-96CD015141E0}" srcOrd="0" destOrd="0" presId="urn:microsoft.com/office/officeart/2005/8/layout/process1"/>
+    <dgm:cxn modelId="{D3258751-8CD8-42C7-9C8D-78B70E2FB6A7}" type="presOf" srcId="{98DF2911-A7F4-40F9-95B7-5A2749B23573}" destId="{05F659E6-DE2E-4A9D-9F2C-38C149E7E7F9}" srcOrd="0" destOrd="0" presId="urn:microsoft.com/office/officeart/2005/8/layout/process1"/>
+    <dgm:cxn modelId="{25CADF2C-5127-4D3F-9FE9-89EF699DA703}" type="presOf" srcId="{366AF2CA-1E69-4291-A324-950482E12DD8}" destId="{0DCC8B2A-85A5-4A3D-BF7B-23123E384DDA}" srcOrd="1" destOrd="0" presId="urn:microsoft.com/office/officeart/2005/8/layout/process1"/>
+    <dgm:cxn modelId="{6D3FF21F-14FE-4E62-8D3A-92CBA747E71B}" srcId="{39332B7E-DC53-4E39-8170-323651ED934E}" destId="{89F4663A-CD05-4B85-BBCA-40FA831A1A8F}" srcOrd="0" destOrd="0" parTransId="{9C6F7918-3660-4369-A6C2-90E53184E84C}" sibTransId="{366AF2CA-1E69-4291-A324-950482E12DD8}"/>
+    <dgm:cxn modelId="{28B0094C-54C8-4D97-88F7-AD1F1E9C57F5}" type="presParOf" srcId="{A42C128E-CC5D-4400-8C05-2AAD4ADDE6D2}" destId="{3BA92C7C-5CB1-4570-8FA2-5F6671B46B59}" srcOrd="0" destOrd="0" presId="urn:microsoft.com/office/officeart/2005/8/layout/process1"/>
+    <dgm:cxn modelId="{347B9D16-4E7F-4823-AC30-4879B12F85C6}" type="presParOf" srcId="{A42C128E-CC5D-4400-8C05-2AAD4ADDE6D2}" destId="{E974E305-B093-4847-B674-96CD015141E0}" srcOrd="1" destOrd="0" presId="urn:microsoft.com/office/officeart/2005/8/layout/process1"/>
+    <dgm:cxn modelId="{1098D7C5-EBA6-4681-91F6-E734C2F42E65}" type="presParOf" srcId="{E974E305-B093-4847-B674-96CD015141E0}" destId="{0DCC8B2A-85A5-4A3D-BF7B-23123E384DDA}" srcOrd="0" destOrd="0" presId="urn:microsoft.com/office/officeart/2005/8/layout/process1"/>
+    <dgm:cxn modelId="{B907B2D0-DDC2-4E44-BC8E-AA577326B514}" type="presParOf" srcId="{A42C128E-CC5D-4400-8C05-2AAD4ADDE6D2}" destId="{E8C7D2B8-2EFE-491B-9120-598B54FDB279}" srcOrd="2" destOrd="0" presId="urn:microsoft.com/office/officeart/2005/8/layout/process1"/>
+    <dgm:cxn modelId="{56DBBECB-E8A2-42FD-9CDE-24BC1B8D3229}" type="presParOf" srcId="{A42C128E-CC5D-4400-8C05-2AAD4ADDE6D2}" destId="{05F659E6-DE2E-4A9D-9F2C-38C149E7E7F9}" srcOrd="3" destOrd="0" presId="urn:microsoft.com/office/officeart/2005/8/layout/process1"/>
+    <dgm:cxn modelId="{C263272E-0CC1-4384-8270-88AD7DC91F6C}" type="presParOf" srcId="{05F659E6-DE2E-4A9D-9F2C-38C149E7E7F9}" destId="{A8870B13-FF71-43FF-99F2-34D003325B85}" srcOrd="0" destOrd="0" presId="urn:microsoft.com/office/officeart/2005/8/layout/process1"/>
+    <dgm:cxn modelId="{4481F58F-3130-4DA0-9BF9-C2BBCD233A71}" type="presParOf" srcId="{A42C128E-CC5D-4400-8C05-2AAD4ADDE6D2}" destId="{5FB27D96-032E-4476-A886-256D29C84CCF}" srcOrd="4" destOrd="0" presId="urn:microsoft.com/office/officeart/2005/8/layout/process1"/>
+  </dgm:cxnLst>
+  <dgm:bg/>
+  <dgm:whole/>
+</dgm:dataModel>
+</file>
+
+<file path=ppt/diagrams/data2.xml><?xml version="1.0" encoding="utf-8"?>
+<dgm:dataModel xmlns:dgm="http://schemas.openxmlformats.org/drawingml/2006/diagram" xmlns:a="http://schemas.openxmlformats.org/drawingml/2006/main">
+  <dgm:ptLst>
+    <dgm:pt modelId="{39332B7E-DC53-4E39-8170-323651ED934E}" type="doc">
+      <dgm:prSet loTypeId="urn:microsoft.com/office/officeart/2005/8/layout/process1" loCatId="process" qsTypeId="urn:microsoft.com/office/officeart/2005/8/quickstyle/simple1" qsCatId="simple" csTypeId="urn:microsoft.com/office/officeart/2005/8/colors/accent1_2" csCatId="accent1" phldr="1"/>
+      <dgm:spPr/>
+    </dgm:pt>
+    <dgm:pt modelId="{89F4663A-CD05-4B85-BBCA-40FA831A1A8F}">
+      <dgm:prSet phldrT="[Text]">
+        <dgm:style>
+          <a:lnRef idx="2">
+            <a:schemeClr val="accent6"/>
+          </a:lnRef>
+          <a:fillRef idx="1">
+            <a:schemeClr val="lt1"/>
+          </a:fillRef>
+          <a:effectRef idx="0">
+            <a:schemeClr val="accent6"/>
+          </a:effectRef>
+          <a:fontRef idx="minor">
+            <a:schemeClr val="dk1"/>
+          </a:fontRef>
+        </dgm:style>
+      </dgm:prSet>
+      <dgm:spPr/>
+      <dgm:t>
+        <a:bodyPr/>
+        <a:lstStyle/>
+        <a:p>
+          <a:r>
+            <a:rPr lang="nl-BE" dirty="0" smtClean="0"/>
+            <a:t>Edit</a:t>
+          </a:r>
+          <a:endParaRPr lang="en-US" dirty="0"/>
+        </a:p>
+      </dgm:t>
+    </dgm:pt>
+    <dgm:pt modelId="{9C6F7918-3660-4369-A6C2-90E53184E84C}" type="parTrans" cxnId="{6D3FF21F-14FE-4E62-8D3A-92CBA747E71B}">
+      <dgm:prSet/>
+      <dgm:spPr/>
+      <dgm:t>
+        <a:bodyPr/>
+        <a:lstStyle/>
+        <a:p>
+          <a:endParaRPr lang="en-US"/>
+        </a:p>
+      </dgm:t>
+    </dgm:pt>
+    <dgm:pt modelId="{366AF2CA-1E69-4291-A324-950482E12DD8}" type="sibTrans" cxnId="{6D3FF21F-14FE-4E62-8D3A-92CBA747E71B}">
+      <dgm:prSet/>
+      <dgm:spPr/>
+      <dgm:t>
+        <a:bodyPr/>
+        <a:lstStyle/>
+        <a:p>
+          <a:endParaRPr lang="en-US"/>
+        </a:p>
+      </dgm:t>
+    </dgm:pt>
+    <dgm:pt modelId="{11DC3F5C-A4A2-407F-A072-A8F3225ADA2E}">
+      <dgm:prSet phldrT="[Text]">
+        <dgm:style>
+          <a:lnRef idx="2">
+            <a:schemeClr val="accent4"/>
+          </a:lnRef>
+          <a:fillRef idx="1">
+            <a:schemeClr val="lt1"/>
+          </a:fillRef>
+          <a:effectRef idx="0">
+            <a:schemeClr val="accent4"/>
+          </a:effectRef>
+          <a:fontRef idx="minor">
+            <a:schemeClr val="dk1"/>
+          </a:fontRef>
+        </dgm:style>
+      </dgm:prSet>
+      <dgm:spPr/>
+      <dgm:t>
+        <a:bodyPr/>
+        <a:lstStyle/>
+        <a:p>
+          <a:r>
+            <a:rPr lang="nl-BE" dirty="0" smtClean="0"/>
+            <a:t>Verify</a:t>
+          </a:r>
+          <a:endParaRPr lang="en-US" dirty="0"/>
+        </a:p>
+      </dgm:t>
+    </dgm:pt>
+    <dgm:pt modelId="{7CE32FAF-7C27-4F07-9CFD-29396FBE7109}" type="parTrans" cxnId="{6BE2F088-147E-4D7E-88C5-5486B6A249AA}">
+      <dgm:prSet/>
+      <dgm:spPr/>
+      <dgm:t>
+        <a:bodyPr/>
+        <a:lstStyle/>
+        <a:p>
+          <a:endParaRPr lang="en-US"/>
+        </a:p>
+      </dgm:t>
+    </dgm:pt>
+    <dgm:pt modelId="{98DF2911-A7F4-40F9-95B7-5A2749B23573}" type="sibTrans" cxnId="{6BE2F088-147E-4D7E-88C5-5486B6A249AA}">
+      <dgm:prSet/>
+      <dgm:spPr/>
+      <dgm:t>
+        <a:bodyPr/>
+        <a:lstStyle/>
+        <a:p>
+          <a:endParaRPr lang="en-US"/>
+        </a:p>
+      </dgm:t>
+    </dgm:pt>
+    <dgm:pt modelId="{AFDF83D1-13E0-4D43-881B-4C6B983513A2}">
+      <dgm:prSet phldrT="[Text]">
+        <dgm:style>
+          <a:lnRef idx="2">
+            <a:schemeClr val="accent2"/>
+          </a:lnRef>
+          <a:fillRef idx="1">
+            <a:schemeClr val="lt1"/>
+          </a:fillRef>
+          <a:effectRef idx="0">
+            <a:schemeClr val="accent2"/>
+          </a:effectRef>
+          <a:fontRef idx="minor">
+            <a:schemeClr val="dk1"/>
+          </a:fontRef>
+        </dgm:style>
+      </dgm:prSet>
+      <dgm:spPr/>
+      <dgm:t>
+        <a:bodyPr/>
+        <a:lstStyle/>
+        <a:p>
+          <a:r>
+            <a:rPr lang="nl-BE" dirty="0" smtClean="0"/>
+            <a:t>Commit</a:t>
+          </a:r>
+          <a:endParaRPr lang="en-US" dirty="0"/>
+        </a:p>
+      </dgm:t>
+    </dgm:pt>
+    <dgm:pt modelId="{2F2F5AEA-A776-42D7-A1AE-A0D79D27C577}" type="parTrans" cxnId="{494A3215-675D-40FE-81AE-8F96C7890F23}">
+      <dgm:prSet/>
+      <dgm:spPr/>
+      <dgm:t>
+        <a:bodyPr/>
+        <a:lstStyle/>
+        <a:p>
+          <a:endParaRPr lang="en-US"/>
+        </a:p>
+      </dgm:t>
+    </dgm:pt>
+    <dgm:pt modelId="{709EAEF6-2E0C-4FAC-A060-2D70E771541C}" type="sibTrans" cxnId="{494A3215-675D-40FE-81AE-8F96C7890F23}">
+      <dgm:prSet/>
+      <dgm:spPr/>
+      <dgm:t>
+        <a:bodyPr/>
+        <a:lstStyle/>
+        <a:p>
+          <a:endParaRPr lang="en-US"/>
+        </a:p>
+      </dgm:t>
+    </dgm:pt>
+    <dgm:pt modelId="{A42C128E-CC5D-4400-8C05-2AAD4ADDE6D2}" type="pres">
+      <dgm:prSet presAssocID="{39332B7E-DC53-4E39-8170-323651ED934E}" presName="Name0" presStyleCnt="0">
+        <dgm:presLayoutVars>
+          <dgm:dir/>
+          <dgm:resizeHandles val="exact"/>
+        </dgm:presLayoutVars>
+      </dgm:prSet>
+      <dgm:spPr/>
+    </dgm:pt>
+    <dgm:pt modelId="{3BA92C7C-5CB1-4570-8FA2-5F6671B46B59}" type="pres">
+      <dgm:prSet presAssocID="{89F4663A-CD05-4B85-BBCA-40FA831A1A8F}" presName="node" presStyleLbl="node1" presStyleIdx="0" presStyleCnt="3">
+        <dgm:presLayoutVars>
+          <dgm:bulletEnabled val="1"/>
+        </dgm:presLayoutVars>
+      </dgm:prSet>
+      <dgm:spPr/>
+    </dgm:pt>
+    <dgm:pt modelId="{E974E305-B093-4847-B674-96CD015141E0}" type="pres">
+      <dgm:prSet presAssocID="{366AF2CA-1E69-4291-A324-950482E12DD8}" presName="sibTrans" presStyleLbl="sibTrans2D1" presStyleIdx="0" presStyleCnt="2"/>
+      <dgm:spPr/>
+    </dgm:pt>
+    <dgm:pt modelId="{0DCC8B2A-85A5-4A3D-BF7B-23123E384DDA}" type="pres">
+      <dgm:prSet presAssocID="{366AF2CA-1E69-4291-A324-950482E12DD8}" presName="connectorText" presStyleLbl="sibTrans2D1" presStyleIdx="0" presStyleCnt="2"/>
+      <dgm:spPr/>
+    </dgm:pt>
+    <dgm:pt modelId="{E8C7D2B8-2EFE-491B-9120-598B54FDB279}" type="pres">
+      <dgm:prSet presAssocID="{11DC3F5C-A4A2-407F-A072-A8F3225ADA2E}" presName="node" presStyleLbl="node1" presStyleIdx="1" presStyleCnt="3">
+        <dgm:presLayoutVars>
+          <dgm:bulletEnabled val="1"/>
+        </dgm:presLayoutVars>
+      </dgm:prSet>
+      <dgm:spPr/>
+    </dgm:pt>
+    <dgm:pt modelId="{05F659E6-DE2E-4A9D-9F2C-38C149E7E7F9}" type="pres">
+      <dgm:prSet presAssocID="{98DF2911-A7F4-40F9-95B7-5A2749B23573}" presName="sibTrans" presStyleLbl="sibTrans2D1" presStyleIdx="1" presStyleCnt="2"/>
+      <dgm:spPr/>
+    </dgm:pt>
+    <dgm:pt modelId="{A8870B13-FF71-43FF-99F2-34D003325B85}" type="pres">
+      <dgm:prSet presAssocID="{98DF2911-A7F4-40F9-95B7-5A2749B23573}" presName="connectorText" presStyleLbl="sibTrans2D1" presStyleIdx="1" presStyleCnt="2"/>
+      <dgm:spPr/>
+    </dgm:pt>
+    <dgm:pt modelId="{5FB27D96-032E-4476-A886-256D29C84CCF}" type="pres">
+      <dgm:prSet presAssocID="{AFDF83D1-13E0-4D43-881B-4C6B983513A2}" presName="node" presStyleLbl="node1" presStyleIdx="2" presStyleCnt="3">
+        <dgm:presLayoutVars>
+          <dgm:bulletEnabled val="1"/>
+        </dgm:presLayoutVars>
+      </dgm:prSet>
+      <dgm:spPr/>
+    </dgm:pt>
+  </dgm:ptLst>
+  <dgm:cxnLst>
+    <dgm:cxn modelId="{C157519E-2044-48CF-BC8A-BE6F150B7F63}" type="presOf" srcId="{AFDF83D1-13E0-4D43-881B-4C6B983513A2}" destId="{5FB27D96-032E-4476-A886-256D29C84CCF}" srcOrd="0" destOrd="0" presId="urn:microsoft.com/office/officeart/2005/8/layout/process1"/>
+    <dgm:cxn modelId="{7DF876E3-C11A-4D82-AE38-F82D381BDA68}" type="presOf" srcId="{39332B7E-DC53-4E39-8170-323651ED934E}" destId="{A42C128E-CC5D-4400-8C05-2AAD4ADDE6D2}" srcOrd="0" destOrd="0" presId="urn:microsoft.com/office/officeart/2005/8/layout/process1"/>
+    <dgm:cxn modelId="{494A3215-675D-40FE-81AE-8F96C7890F23}" srcId="{39332B7E-DC53-4E39-8170-323651ED934E}" destId="{AFDF83D1-13E0-4D43-881B-4C6B983513A2}" srcOrd="2" destOrd="0" parTransId="{2F2F5AEA-A776-42D7-A1AE-A0D79D27C577}" sibTransId="{709EAEF6-2E0C-4FAC-A060-2D70E771541C}"/>
+    <dgm:cxn modelId="{4E4BFA24-DF48-4025-A846-DC9ADD69E104}" type="presOf" srcId="{11DC3F5C-A4A2-407F-A072-A8F3225ADA2E}" destId="{E8C7D2B8-2EFE-491B-9120-598B54FDB279}" srcOrd="0" destOrd="0" presId="urn:microsoft.com/office/officeart/2005/8/layout/process1"/>
+    <dgm:cxn modelId="{D9B451AA-15AD-41DF-9945-E8220EE807F8}" type="presOf" srcId="{366AF2CA-1E69-4291-A324-950482E12DD8}" destId="{E974E305-B093-4847-B674-96CD015141E0}" srcOrd="0" destOrd="0" presId="urn:microsoft.com/office/officeart/2005/8/layout/process1"/>
+    <dgm:cxn modelId="{38239BC5-37A7-4230-93EE-2438601F3C68}" type="presOf" srcId="{366AF2CA-1E69-4291-A324-950482E12DD8}" destId="{0DCC8B2A-85A5-4A3D-BF7B-23123E384DDA}" srcOrd="1" destOrd="0" presId="urn:microsoft.com/office/officeart/2005/8/layout/process1"/>
+    <dgm:cxn modelId="{6BE2F088-147E-4D7E-88C5-5486B6A249AA}" srcId="{39332B7E-DC53-4E39-8170-323651ED934E}" destId="{11DC3F5C-A4A2-407F-A072-A8F3225ADA2E}" srcOrd="1" destOrd="0" parTransId="{7CE32FAF-7C27-4F07-9CFD-29396FBE7109}" sibTransId="{98DF2911-A7F4-40F9-95B7-5A2749B23573}"/>
+    <dgm:cxn modelId="{60A65CE1-02BA-491D-BFBD-3432FA6CCD17}" type="presOf" srcId="{98DF2911-A7F4-40F9-95B7-5A2749B23573}" destId="{A8870B13-FF71-43FF-99F2-34D003325B85}" srcOrd="1" destOrd="0" presId="urn:microsoft.com/office/officeart/2005/8/layout/process1"/>
+    <dgm:cxn modelId="{6D3FF21F-14FE-4E62-8D3A-92CBA747E71B}" srcId="{39332B7E-DC53-4E39-8170-323651ED934E}" destId="{89F4663A-CD05-4B85-BBCA-40FA831A1A8F}" srcOrd="0" destOrd="0" parTransId="{9C6F7918-3660-4369-A6C2-90E53184E84C}" sibTransId="{366AF2CA-1E69-4291-A324-950482E12DD8}"/>
+    <dgm:cxn modelId="{55DD675D-E54B-4202-B917-8B7861E3C89A}" type="presOf" srcId="{98DF2911-A7F4-40F9-95B7-5A2749B23573}" destId="{05F659E6-DE2E-4A9D-9F2C-38C149E7E7F9}" srcOrd="0" destOrd="0" presId="urn:microsoft.com/office/officeart/2005/8/layout/process1"/>
+    <dgm:cxn modelId="{CF02B29C-5056-4C49-81FC-FA895A917BFF}" type="presOf" srcId="{89F4663A-CD05-4B85-BBCA-40FA831A1A8F}" destId="{3BA92C7C-5CB1-4570-8FA2-5F6671B46B59}" srcOrd="0" destOrd="0" presId="urn:microsoft.com/office/officeart/2005/8/layout/process1"/>
+    <dgm:cxn modelId="{9091DBDA-6DBC-43B1-B233-258B3F347FE4}" type="presParOf" srcId="{A42C128E-CC5D-4400-8C05-2AAD4ADDE6D2}" destId="{3BA92C7C-5CB1-4570-8FA2-5F6671B46B59}" srcOrd="0" destOrd="0" presId="urn:microsoft.com/office/officeart/2005/8/layout/process1"/>
+    <dgm:cxn modelId="{2717EFEF-20AE-443B-8DBD-9D7FE1996B3C}" type="presParOf" srcId="{A42C128E-CC5D-4400-8C05-2AAD4ADDE6D2}" destId="{E974E305-B093-4847-B674-96CD015141E0}" srcOrd="1" destOrd="0" presId="urn:microsoft.com/office/officeart/2005/8/layout/process1"/>
+    <dgm:cxn modelId="{4EE3D5E7-91E3-45DE-B321-E96D6DA1B2DE}" type="presParOf" srcId="{E974E305-B093-4847-B674-96CD015141E0}" destId="{0DCC8B2A-85A5-4A3D-BF7B-23123E384DDA}" srcOrd="0" destOrd="0" presId="urn:microsoft.com/office/officeart/2005/8/layout/process1"/>
+    <dgm:cxn modelId="{C92B8162-0BFF-402A-8F1E-F7B2FDEE4803}" type="presParOf" srcId="{A42C128E-CC5D-4400-8C05-2AAD4ADDE6D2}" destId="{E8C7D2B8-2EFE-491B-9120-598B54FDB279}" srcOrd="2" destOrd="0" presId="urn:microsoft.com/office/officeart/2005/8/layout/process1"/>
+    <dgm:cxn modelId="{92F39A36-4B3D-4335-B01A-21AE26E3AC12}" type="presParOf" srcId="{A42C128E-CC5D-4400-8C05-2AAD4ADDE6D2}" destId="{05F659E6-DE2E-4A9D-9F2C-38C149E7E7F9}" srcOrd="3" destOrd="0" presId="urn:microsoft.com/office/officeart/2005/8/layout/process1"/>
+    <dgm:cxn modelId="{C7FAE7D4-02FB-49A4-8228-B59C32A75412}" type="presParOf" srcId="{05F659E6-DE2E-4A9D-9F2C-38C149E7E7F9}" destId="{A8870B13-FF71-43FF-99F2-34D003325B85}" srcOrd="0" destOrd="0" presId="urn:microsoft.com/office/officeart/2005/8/layout/process1"/>
+    <dgm:cxn modelId="{A3F3B001-4CE1-4D48-A04D-325FA15E7BEF}" type="presParOf" srcId="{A42C128E-CC5D-4400-8C05-2AAD4ADDE6D2}" destId="{5FB27D96-032E-4476-A886-256D29C84CCF}" srcOrd="4" destOrd="0" presId="urn:microsoft.com/office/officeart/2005/8/layout/process1"/>
+  </dgm:cxnLst>
+  <dgm:bg/>
+  <dgm:whole/>
+</dgm:dataModel>
+</file>
+
+<file path=ppt/diagrams/layout1.xml><?xml version="1.0" encoding="utf-8"?>
+<dgm:layoutDef xmlns:dgm="http://schemas.openxmlformats.org/drawingml/2006/diagram" xmlns:a="http://schemas.openxmlformats.org/drawingml/2006/main" uniqueId="urn:microsoft.com/office/officeart/2005/8/layout/process1">
+  <dgm:title val=""/>
+  <dgm:desc val=""/>
+  <dgm:catLst>
+    <dgm:cat type="process" pri="1000"/>
+    <dgm:cat type="convert" pri="15000"/>
+  </dgm:catLst>
+  <dgm:sampData useDef="1">
+    <dgm:dataModel>
+      <dgm:ptLst/>
+      <dgm:bg/>
+      <dgm:whole/>
+    </dgm:dataModel>
+  </dgm:sampData>
+  <dgm:styleData>
+    <dgm:dataModel>
+      <dgm:ptLst>
+        <dgm:pt modelId="0" type="doc"/>
+        <dgm:pt modelId="1"/>
+        <dgm:pt modelId="2"/>
+      </dgm:ptLst>
+      <dgm:cxnLst>
+        <dgm:cxn modelId="3" srcId="0" destId="1" srcOrd="0" destOrd="0"/>
+        <dgm:cxn modelId="4" srcId="0" destId="2" srcOrd="1" destOrd="0"/>
+      </dgm:cxnLst>
+      <dgm:bg/>
+      <dgm:whole/>
+    </dgm:dataModel>
+  </dgm:styleData>
+  <dgm:clrData>
+    <dgm:dataModel>
+      <dgm:ptLst>
+        <dgm:pt modelId="0" type="doc"/>
+        <dgm:pt modelId="1"/>
+        <dgm:pt modelId="2"/>
+        <dgm:pt modelId="3"/>
+        <dgm:pt modelId="4"/>
+      </dgm:ptLst>
+      <dgm:cxnLst>
+        <dgm:cxn modelId="5" srcId="0" destId="1" srcOrd="0" destOrd="0"/>
+        <dgm:cxn modelId="6" srcId="0" destId="2" srcOrd="1" destOrd="0"/>
+        <dgm:cxn modelId="7" srcId="0" destId="3" srcOrd="2" destOrd="0"/>
+        <dgm:cxn modelId="8" srcId="0" destId="4" srcOrd="3" destOrd="0"/>
+      </dgm:cxnLst>
+      <dgm:bg/>
+      <dgm:whole/>
+    </dgm:dataModel>
+  </dgm:clrData>
+  <dgm:layoutNode name="Name0">
+    <dgm:varLst>
+      <dgm:dir/>
+      <dgm:resizeHandles val="exact"/>
+    </dgm:varLst>
+    <dgm:choose name="Name1">
+      <dgm:if name="Name2" func="var" arg="dir" op="equ" val="norm">
+        <dgm:alg type="lin"/>
+      </dgm:if>
+      <dgm:else name="Name3">
+        <dgm:alg type="lin">
+          <dgm:param type="linDir" val="fromR"/>
+        </dgm:alg>
+      </dgm:else>
+    </dgm:choose>
+    <dgm:shape xmlns:r="http://schemas.openxmlformats.org/officeDocument/2006/relationships" r:blip="">
+      <dgm:adjLst/>
+    </dgm:shape>
+    <dgm:presOf/>
+    <dgm:constrLst>
+      <dgm:constr type="w" for="ch" ptType="node" refType="w"/>
+      <dgm:constr type="h" for="ch" ptType="node" op="equ"/>
+      <dgm:constr type="primFontSz" for="ch" ptType="node" op="equ" val="65"/>
+      <dgm:constr type="w" for="ch" ptType="sibTrans" refType="w" refFor="ch" refPtType="node" op="equ" fact="0.4"/>
+      <dgm:constr type="h" for="ch" ptType="sibTrans" op="equ"/>
+      <dgm:constr type="primFontSz" for="des" forName="connectorText" op="equ" val="55"/>
+      <dgm:constr type="primFontSz" for="des" forName="connectorText" refType="primFontSz" refFor="ch" refPtType="node" op="lte" fact="0.8"/>
+    </dgm:constrLst>
+    <dgm:ruleLst/>
+    <dgm:forEach name="nodesForEach" axis="ch" ptType="node">
+      <dgm:layoutNode name="node">
+        <dgm:varLst>
+          <dgm:bulletEnabled val="1"/>
+        </dgm:varLst>
+        <dgm:alg type="tx"/>
+        <dgm:shape xmlns:r="http://schemas.openxmlformats.org/officeDocument/2006/relationships" type="roundRect" r:blip="">
+          <dgm:adjLst>
+            <dgm:adj idx="1" val="0.1"/>
+          </dgm:adjLst>
+        </dgm:shape>
+        <dgm:presOf axis="desOrSelf" ptType="node"/>
+        <dgm:constrLst>
+          <dgm:constr type="h" refType="w" fact="0.6"/>
+          <dgm:constr type="tMarg" refType="primFontSz" fact="0.3"/>
+          <dgm:constr type="bMarg" refType="primFontSz" fact="0.3"/>
+          <dgm:constr type="lMarg" refType="primFontSz" fact="0.3"/>
+          <dgm:constr type="rMarg" refType="primFontSz" fact="0.3"/>
+        </dgm:constrLst>
+        <dgm:ruleLst>
+          <dgm:rule type="primFontSz" val="18" fact="NaN" max="NaN"/>
+          <dgm:rule type="h" val="NaN" fact="1.5" max="NaN"/>
+          <dgm:rule type="primFontSz" val="5" fact="NaN" max="NaN"/>
+          <dgm:rule type="h" val="INF" fact="NaN" max="NaN"/>
+        </dgm:ruleLst>
+      </dgm:layoutNode>
+      <dgm:forEach name="sibTransForEach" axis="followSib" ptType="sibTrans" cnt="1">
+        <dgm:layoutNode name="sibTrans">
+          <dgm:alg type="conn">
+            <dgm:param type="begPts" val="auto"/>
+            <dgm:param type="endPts" val="auto"/>
+          </dgm:alg>
+          <dgm:shape xmlns:r="http://schemas.openxmlformats.org/officeDocument/2006/relationships" type="conn" r:blip="">
+            <dgm:adjLst/>
+          </dgm:shape>
+          <dgm:presOf axis="self"/>
+          <dgm:constrLst>
+            <dgm:constr type="h" refType="w" fact="0.62"/>
+            <dgm:constr type="connDist"/>
+            <dgm:constr type="begPad" refType="connDist" fact="0.25"/>
+            <dgm:constr type="endPad" refType="connDist" fact="0.22"/>
+          </dgm:constrLst>
+          <dgm:ruleLst/>
+          <dgm:layoutNode name="connectorText">
+            <dgm:alg type="tx">
+              <dgm:param type="autoTxRot" val="grav"/>
+            </dgm:alg>
+            <dgm:shape xmlns:r="http://schemas.openxmlformats.org/officeDocument/2006/relationships" type="conn" r:blip="" hideGeom="1">
+              <dgm:adjLst/>
+            </dgm:shape>
+            <dgm:presOf axis="self"/>
+            <dgm:constrLst>
+              <dgm:constr type="lMarg"/>
+              <dgm:constr type="rMarg"/>
+              <dgm:constr type="tMarg"/>
+              <dgm:constr type="bMarg"/>
+            </dgm:constrLst>
+            <dgm:ruleLst>
+              <dgm:rule type="primFontSz" val="5" fact="NaN" max="NaN"/>
+            </dgm:ruleLst>
+          </dgm:layoutNode>
+        </dgm:layoutNode>
+      </dgm:forEach>
+    </dgm:forEach>
+  </dgm:layoutNode>
+</dgm:layoutDef>
+</file>
+
+<file path=ppt/diagrams/layout2.xml><?xml version="1.0" encoding="utf-8"?>
+<dgm:layoutDef xmlns:dgm="http://schemas.openxmlformats.org/drawingml/2006/diagram" xmlns:a="http://schemas.openxmlformats.org/drawingml/2006/main" uniqueId="urn:microsoft.com/office/officeart/2005/8/layout/process1">
+  <dgm:title val=""/>
+  <dgm:desc val=""/>
+  <dgm:catLst>
+    <dgm:cat type="process" pri="1000"/>
+    <dgm:cat type="convert" pri="15000"/>
+  </dgm:catLst>
+  <dgm:sampData useDef="1">
+    <dgm:dataModel>
+      <dgm:ptLst/>
+      <dgm:bg/>
+      <dgm:whole/>
+    </dgm:dataModel>
+  </dgm:sampData>
+  <dgm:styleData>
+    <dgm:dataModel>
+      <dgm:ptLst>
+        <dgm:pt modelId="0" type="doc"/>
+        <dgm:pt modelId="1"/>
+        <dgm:pt modelId="2"/>
+      </dgm:ptLst>
+      <dgm:cxnLst>
+        <dgm:cxn modelId="3" srcId="0" destId="1" srcOrd="0" destOrd="0"/>
+        <dgm:cxn modelId="4" srcId="0" destId="2" srcOrd="1" destOrd="0"/>
+      </dgm:cxnLst>
+      <dgm:bg/>
+      <dgm:whole/>
+    </dgm:dataModel>
+  </dgm:styleData>
+  <dgm:clrData>
+    <dgm:dataModel>
+      <dgm:ptLst>
+        <dgm:pt modelId="0" type="doc"/>
+        <dgm:pt modelId="1"/>
+        <dgm:pt modelId="2"/>
+        <dgm:pt modelId="3"/>
+        <dgm:pt modelId="4"/>
+      </dgm:ptLst>
+      <dgm:cxnLst>
+        <dgm:cxn modelId="5" srcId="0" destId="1" srcOrd="0" destOrd="0"/>
+        <dgm:cxn modelId="6" srcId="0" destId="2" srcOrd="1" destOrd="0"/>
+        <dgm:cxn modelId="7" srcId="0" destId="3" srcOrd="2" destOrd="0"/>
+        <dgm:cxn modelId="8" srcId="0" destId="4" srcOrd="3" destOrd="0"/>
+      </dgm:cxnLst>
+      <dgm:bg/>
+      <dgm:whole/>
+    </dgm:dataModel>
+  </dgm:clrData>
+  <dgm:layoutNode name="Name0">
+    <dgm:varLst>
+      <dgm:dir/>
+      <dgm:resizeHandles val="exact"/>
+    </dgm:varLst>
+    <dgm:choose name="Name1">
+      <dgm:if name="Name2" func="var" arg="dir" op="equ" val="norm">
+        <dgm:alg type="lin"/>
+      </dgm:if>
+      <dgm:else name="Name3">
+        <dgm:alg type="lin">
+          <dgm:param type="linDir" val="fromR"/>
+        </dgm:alg>
+      </dgm:else>
+    </dgm:choose>
+    <dgm:shape xmlns:r="http://schemas.openxmlformats.org/officeDocument/2006/relationships" r:blip="">
+      <dgm:adjLst/>
+    </dgm:shape>
+    <dgm:presOf/>
+    <dgm:constrLst>
+      <dgm:constr type="w" for="ch" ptType="node" refType="w"/>
+      <dgm:constr type="h" for="ch" ptType="node" op="equ"/>
+      <dgm:constr type="primFontSz" for="ch" ptType="node" op="equ" val="65"/>
+      <dgm:constr type="w" for="ch" ptType="sibTrans" refType="w" refFor="ch" refPtType="node" op="equ" fact="0.4"/>
+      <dgm:constr type="h" for="ch" ptType="sibTrans" op="equ"/>
+      <dgm:constr type="primFontSz" for="des" forName="connectorText" op="equ" val="55"/>
+      <dgm:constr type="primFontSz" for="des" forName="connectorText" refType="primFontSz" refFor="ch" refPtType="node" op="lte" fact="0.8"/>
+    </dgm:constrLst>
+    <dgm:ruleLst/>
+    <dgm:forEach name="nodesForEach" axis="ch" ptType="node">
+      <dgm:layoutNode name="node">
+        <dgm:varLst>
+          <dgm:bulletEnabled val="1"/>
+        </dgm:varLst>
+        <dgm:alg type="tx"/>
+        <dgm:shape xmlns:r="http://schemas.openxmlformats.org/officeDocument/2006/relationships" type="roundRect" r:blip="">
+          <dgm:adjLst>
+            <dgm:adj idx="1" val="0.1"/>
+          </dgm:adjLst>
+        </dgm:shape>
+        <dgm:presOf axis="desOrSelf" ptType="node"/>
+        <dgm:constrLst>
+          <dgm:constr type="h" refType="w" fact="0.6"/>
+          <dgm:constr type="tMarg" refType="primFontSz" fact="0.3"/>
+          <dgm:constr type="bMarg" refType="primFontSz" fact="0.3"/>
+          <dgm:constr type="lMarg" refType="primFontSz" fact="0.3"/>
+          <dgm:constr type="rMarg" refType="primFontSz" fact="0.3"/>
+        </dgm:constrLst>
+        <dgm:ruleLst>
+          <dgm:rule type="primFontSz" val="18" fact="NaN" max="NaN"/>
+          <dgm:rule type="h" val="NaN" fact="1.5" max="NaN"/>
+          <dgm:rule type="primFontSz" val="5" fact="NaN" max="NaN"/>
+          <dgm:rule type="h" val="INF" fact="NaN" max="NaN"/>
+        </dgm:ruleLst>
+      </dgm:layoutNode>
+      <dgm:forEach name="sibTransForEach" axis="followSib" ptType="sibTrans" cnt="1">
+        <dgm:layoutNode name="sibTrans">
+          <dgm:alg type="conn">
+            <dgm:param type="begPts" val="auto"/>
+            <dgm:param type="endPts" val="auto"/>
+          </dgm:alg>
+          <dgm:shape xmlns:r="http://schemas.openxmlformats.org/officeDocument/2006/relationships" type="conn" r:blip="">
+            <dgm:adjLst/>
+          </dgm:shape>
+          <dgm:presOf axis="self"/>
+          <dgm:constrLst>
+            <dgm:constr type="h" refType="w" fact="0.62"/>
+            <dgm:constr type="connDist"/>
+            <dgm:constr type="begPad" refType="connDist" fact="0.25"/>
+            <dgm:constr type="endPad" refType="connDist" fact="0.22"/>
+          </dgm:constrLst>
+          <dgm:ruleLst/>
+          <dgm:layoutNode name="connectorText">
+            <dgm:alg type="tx">
+              <dgm:param type="autoTxRot" val="grav"/>
+            </dgm:alg>
+            <dgm:shape xmlns:r="http://schemas.openxmlformats.org/officeDocument/2006/relationships" type="conn" r:blip="" hideGeom="1">
+              <dgm:adjLst/>
+            </dgm:shape>
+            <dgm:presOf axis="self"/>
+            <dgm:constrLst>
+              <dgm:constr type="lMarg"/>
+              <dgm:constr type="rMarg"/>
+              <dgm:constr type="tMarg"/>
+              <dgm:constr type="bMarg"/>
+            </dgm:constrLst>
+            <dgm:ruleLst>
+              <dgm:rule type="primFontSz" val="5" fact="NaN" max="NaN"/>
+            </dgm:ruleLst>
+          </dgm:layoutNode>
+        </dgm:layoutNode>
+      </dgm:forEach>
+    </dgm:forEach>
+  </dgm:layoutNode>
+</dgm:layoutDef>
+</file>
+
+<file path=ppt/diagrams/quickStyle1.xml><?xml version="1.0" encoding="utf-8"?>
+<dgm:styleDef xmlns:dgm="http://schemas.openxmlformats.org/drawingml/2006/diagram" xmlns:a="http://schemas.openxmlformats.org/drawingml/2006/main" uniqueId="urn:microsoft.com/office/officeart/2005/8/quickstyle/simple1">
+  <dgm:title val=""/>
+  <dgm:desc val=""/>
+  <dgm:catLst>
+    <dgm:cat type="simple" pri="10100"/>
+  </dgm:catLst>
+  <dgm:scene3d>
+    <a:camera prst="orthographicFront"/>
+    <a:lightRig rig="threePt" dir="t"/>
+  </dgm:scene3d>
+  <dgm:styleLbl name="node0">
+    <dgm:scene3d>
+      <a:camera prst="orthographicFront"/>
+      <a:lightRig rig="threePt" dir="t"/>
+    </dgm:scene3d>
+    <dgm:sp3d/>
+    <dgm:txPr/>
+    <dgm:style>
+      <a:lnRef idx="2">
+        <a:scrgbClr r="0" g="0" b="0"/>
+      </a:lnRef>
+      <a:fillRef idx="1">
+        <a:scrgbClr r="0" g="0" b="0"/>
+      </a:fillRef>
+      <a:effectRef idx="0">
+        <a:scrgbClr r="0" g="0" b="0"/>
+      </a:effectRef>
+      <a:fontRef idx="minor">
+        <a:schemeClr val="lt1"/>
+      </a:fontRef>
+    </dgm:style>
+  </dgm:styleLbl>
+  <dgm:styleLbl name="lnNode1">
+    <dgm:scene3d>
+      <a:camera prst="orthographicFront"/>
+      <a:lightRig rig="threePt" dir="t"/>
+    </dgm:scene3d>
+    <dgm:sp3d/>
+    <dgm:txPr/>
+    <dgm:style>
+      <a:lnRef idx="2">
+        <a:scrgbClr r="0" g="0" b="0"/>
+      </a:lnRef>
+      <a:fillRef idx="1">
+        <a:scrgbClr r="0" g="0" b="0"/>
+      </a:fillRef>
+      <a:effectRef idx="0">
+        <a:scrgbClr r="0" g="0" b="0"/>
+      </a:effectRef>
+      <a:fontRef idx="minor">
+        <a:schemeClr val="lt1"/>
+      </a:fontRef>
+    </dgm:style>
+  </dgm:styleLbl>
+  <dgm:styleLbl name="vennNode1">
+    <dgm:scene3d>
+      <a:camera prst="orthographicFront"/>
+      <a:lightRig rig="threePt" dir="t"/>
+    </dgm:scene3d>
+    <dgm:sp3d/>
+    <dgm:txPr/>
+    <dgm:style>
+      <a:lnRef idx="2">
+        <a:scrgbClr r="0" g="0" b="0"/>
+      </a:lnRef>
+      <a:fillRef idx="1">
+        <a:scrgbClr r="0" g="0" b="0"/>
+      </a:fillRef>
+      <a:effectRef idx="0">
+        <a:scrgbClr r="0" g="0" b="0"/>
+      </a:effectRef>
+      <a:fontRef idx="minor">
+        <a:schemeClr val="tx1"/>
+      </a:fontRef>
+    </dgm:style>
+  </dgm:styleLbl>
+  <dgm:styleLbl name="alignNode1">
+    <dgm:scene3d>
+      <a:camera prst="orthographicFront"/>
+      <a:lightRig rig="threePt" dir="t"/>
+    </dgm:scene3d>
+    <dgm:sp3d/>
+    <dgm:txPr/>
+    <dgm:style>
+      <a:lnRef idx="2">
+        <a:scrgbClr r="0" g="0" b="0"/>
+      </a:lnRef>
+      <a:fillRef idx="1">
+        <a:scrgbClr r="0" g="0" b="0"/>
+      </a:fillRef>
+      <a:effectRef idx="0">
+        <a:scrgbClr r="0" g="0" b="0"/>
+      </a:effectRef>
+      <a:fontRef idx="minor">
+        <a:schemeClr val="lt1"/>
+      </a:fontRef>
+    </dgm:style>
+  </dgm:styleLbl>
+  <dgm:styleLbl name="node1">
+    <dgm:scene3d>
+      <a:camera prst="orthographicFront"/>
+      <a:lightRig rig="threePt" dir="t"/>
+    </dgm:scene3d>
+    <dgm:sp3d/>
+    <dgm:txPr/>
+    <dgm:style>
+      <a:lnRef idx="2">
+        <a:scrgbClr r="0" g="0" b="0"/>
+      </a:lnRef>
+      <a:fillRef idx="1">
+        <a:scrgbClr r="0" g="0" b="0"/>
+      </a:fillRef>
+      <a:effectRef idx="0">
+        <a:scrgbClr r="0" g="0" b="0"/>
+      </a:effectRef>
+      <a:fontRef idx="minor">
+        <a:schemeClr val="lt1"/>
+      </a:fontRef>
+    </dgm:style>
+  </dgm:styleLbl>
+  <dgm:styleLbl name="node2">
+    <dgm:scene3d>
+      <a:camera prst="orthographicFront"/>
+      <a:lightRig rig="threePt" dir="t"/>
+    </dgm:scene3d>
+    <dgm:sp3d/>
+    <dgm:txPr/>
+    <dgm:style>
+      <a:lnRef idx="2">
+        <a:scrgbClr r="0" g="0" b="0"/>
+      </a:lnRef>
+      <a:fillRef idx="1">
+        <a:scrgbClr r="0" g="0" b="0"/>
+      </a:fillRef>
+      <a:effectRef idx="0">
+        <a:scrgbClr r="0" g="0" b="0"/>
+      </a:effectRef>
+      <a:fontRef idx="minor">
+        <a:schemeClr val="lt1"/>
+      </a:fontRef>
+    </dgm:style>
+  </dgm:styleLbl>
+  <dgm:styleLbl name="node3">
+    <dgm:scene3d>
+      <a:camera prst="orthographicFront"/>
+      <a:lightRig rig="threePt" dir="t"/>
+    </dgm:scene3d>
+    <dgm:sp3d/>
+    <dgm:txPr/>
+    <dgm:style>
+      <a:lnRef idx="2">
+        <a:scrgbClr r="0" g="0" b="0"/>
+      </a:lnRef>
+      <a:fillRef idx="1">
+        <a:scrgbClr r="0" g="0" b="0"/>
+      </a:fillRef>
+      <a:effectRef idx="0">
+        <a:scrgbClr r="0" g="0" b="0"/>
+      </a:effectRef>
+      <a:fontRef idx="minor">
+        <a:schemeClr val="lt1"/>
+      </a:fontRef>
+    </dgm:style>
+  </dgm:styleLbl>
+  <dgm:styleLbl name="node4">
+    <dgm:scene3d>
+      <a:camera prst="orthographicFront"/>
+      <a:lightRig rig="threePt" dir="t"/>
+    </dgm:scene3d>
+    <dgm:sp3d/>
+    <dgm:txPr/>
+    <dgm:style>
+      <a:lnRef idx="2">
+        <a:scrgbClr r="0" g="0" b="0"/>
+      </a:lnRef>
+      <a:fillRef idx="1">
+        <a:scrgbClr r="0" g="0" b="0"/>
+      </a:fillRef>
+      <a:effectRef idx="0">
+        <a:scrgbClr r="0" g="0" b="0"/>
+      </a:effectRef>
+      <a:fontRef idx="minor">
+        <a:schemeClr val="lt1"/>
+      </a:fontRef>
+    </dgm:style>
+  </dgm:styleLbl>
+  <dgm:styleLbl name="fgImgPlace1">
+    <dgm:scene3d>
+      <a:camera prst="orthographicFront"/>
+      <a:lightRig rig="threePt" dir="t"/>
+    </dgm:scene3d>
+    <dgm:sp3d/>
+    <dgm:txPr/>
+    <dgm:style>
+      <a:lnRef idx="2">
+        <a:scrgbClr r="0" g="0" b="0"/>
+      </a:lnRef>
+      <a:fillRef idx="1">
+        <a:scrgbClr r="0" g="0" b="0"/>
+      </a:fillRef>
+      <a:effectRef idx="0">
+        <a:scrgbClr r="0" g="0" b="0"/>
+      </a:effectRef>
+      <a:fontRef idx="minor"/>
+    </dgm:style>
+  </dgm:styleLbl>
+  <dgm:styleLbl name="alignImgPlace1">
+    <dgm:scene3d>
+      <a:camera prst="orthographicFront"/>
+      <a:lightRig rig="threePt" dir="t"/>
+    </dgm:scene3d>
+    <dgm:sp3d/>
+    <dgm:txPr/>
+    <dgm:style>
+      <a:lnRef idx="2">
+        <a:scrgbClr r="0" g="0" b="0"/>
+      </a:lnRef>
+      <a:fillRef idx="1">
+        <a:scrgbClr r="0" g="0" b="0"/>
+      </a:fillRef>
+      <a:effectRef idx="0">
+        <a:scrgbClr r="0" g="0" b="0"/>
+      </a:effectRef>
+      <a:fontRef idx="minor"/>
+    </dgm:style>
+  </dgm:styleLbl>
+  <dgm:styleLbl name="bgImgPlace1">
+    <dgm:scene3d>
+      <a:camera prst="orthographicFront"/>
+      <a:lightRig rig="threePt" dir="t"/>
+    </dgm:scene3d>
+    <dgm:sp3d/>
+    <dgm:txPr/>
+    <dgm:style>
+      <a:lnRef idx="2">
+        <a:scrgbClr r="0" g="0" b="0"/>
+      </a:lnRef>
+      <a:fillRef idx="1">
+        <a:scrgbClr r="0" g="0" b="0"/>
+      </a:fillRef>
+      <a:effectRef idx="0">
+        <a:scrgbClr r="0" g="0" b="0"/>
+      </a:effectRef>
+      <a:fontRef idx="minor"/>
+    </dgm:style>
+  </dgm:styleLbl>
+  <dgm:styleLbl name="sibTrans2D1">
+    <dgm:scene3d>
+      <a:camera prst="orthographicFront"/>
+      <a:lightRig rig="threePt" dir="t"/>
+    </dgm:scene3d>
+    <dgm:sp3d/>
+    <dgm:txPr/>
+    <dgm:style>
+      <a:lnRef idx="0">
+        <a:scrgbClr r="0" g="0" b="0"/>
+      </a:lnRef>
+      <a:fillRef idx="1">
+        <a:scrgbClr r="0" g="0" b="0"/>
+      </a:fillRef>
+      <a:effectRef idx="0">
+        <a:scrgbClr r="0" g="0" b="0"/>
+      </a:effectRef>
+      <a:fontRef idx="minor">
+        <a:schemeClr val="lt1"/>
+      </a:fontRef>
+    </dgm:style>
+  </dgm:styleLbl>
+  <dgm:styleLbl name="fgSibTrans2D1">
+    <dgm:scene3d>
+      <a:camera prst="orthographicFront"/>
+      <a:lightRig rig="threePt" dir="t"/>
+    </dgm:scene3d>
+    <dgm:sp3d/>
+    <dgm:txPr/>
+    <dgm:style>
+      <a:lnRef idx="0">
+        <a:scrgbClr r="0" g="0" b="0"/>
+      </a:lnRef>
+      <a:fillRef idx="1">
+        <a:scrgbClr r="0" g="0" b="0"/>
+      </a:fillRef>
+      <a:effectRef idx="0">
+        <a:scrgbClr r="0" g="0" b="0"/>
+      </a:effectRef>
+      <a:fontRef idx="minor">
+        <a:schemeClr val="lt1"/>
+      </a:fontRef>
+    </dgm:style>
+  </dgm:styleLbl>
+  <dgm:styleLbl name="bgSibTrans2D1">
+    <dgm:scene3d>
+      <a:camera prst="orthographicFront"/>
+      <a:lightRig rig="threePt" dir="t"/>
+    </dgm:scene3d>
+    <dgm:sp3d/>
+    <dgm:txPr/>
+    <dgm:style>
+      <a:lnRef idx="0">
+        <a:scrgbClr r="0" g="0" b="0"/>
+      </a:lnRef>
+      <a:fillRef idx="1">
+        <a:scrgbClr r="0" g="0" b="0"/>
+      </a:fillRef>
+      <a:effectRef idx="0">
+        <a:scrgbClr r="0" g="0" b="0"/>
+      </a:effectRef>
+      <a:fontRef idx="minor">
+        <a:schemeClr val="lt1"/>
+      </a:fontRef>
+    </dgm:style>
+  </dgm:styleLbl>
+  <dgm:styleLbl name="sibTrans1D1">
+    <dgm:scene3d>
+      <a:camera prst="orthographicFront"/>
+      <a:lightRig rig="threePt" dir="t"/>
+    </dgm:scene3d>
+    <dgm:sp3d/>
+    <dgm:txPr/>
+    <dgm:style>
+      <a:lnRef idx="1">
+        <a:scrgbClr r="0" g="0" b="0"/>
+      </a:lnRef>
+      <a:fillRef idx="0">
+        <a:scrgbClr r="0" g="0" b="0"/>
+      </a:fillRef>
+      <a:effectRef idx="0">
+        <a:scrgbClr r="0" g="0" b="0"/>
+      </a:effectRef>
+      <a:fontRef idx="minor"/>
+    </dgm:style>
+  </dgm:styleLbl>
+  <dgm:styleLbl name="callout">
+    <dgm:scene3d>
+      <a:camera prst="orthographicFront"/>
+      <a:lightRig rig="threePt" dir="t"/>
+    </dgm:scene3d>
+    <dgm:sp3d/>
+    <dgm:txPr/>
+    <dgm:style>
+      <a:lnRef idx="2">
+        <a:scrgbClr r="0" g="0" b="0"/>
+      </a:lnRef>
+      <a:fillRef idx="1">
+        <a:scrgbClr r="0" g="0" b="0"/>
+      </a:fillRef>
+      <a:effectRef idx="0">
+        <a:scrgbClr r="0" g="0" b="0"/>
+      </a:effectRef>
+      <a:fontRef idx="minor"/>
+    </dgm:style>
+  </dgm:styleLbl>
+  <dgm:styleLbl name="asst0">
+    <dgm:scene3d>
+      <a:camera prst="orthographicFront"/>
+      <a:lightRig rig="threePt" dir="t"/>
+    </dgm:scene3d>
+    <dgm:sp3d/>
+    <dgm:txPr/>
+    <dgm:style>
+      <a:lnRef idx="2">
+        <a:scrgbClr r="0" g="0" b="0"/>
+      </a:lnRef>
+      <a:fillRef idx="1">
+        <a:scrgbClr r="0" g="0" b="0"/>
+      </a:fillRef>
+      <a:effectRef idx="0">
+        <a:scrgbClr r="0" g="0" b="0"/>
+      </a:effectRef>
+      <a:fontRef idx="minor">
+        <a:schemeClr val="lt1"/>
+      </a:fontRef>
+    </dgm:style>
+  </dgm:styleLbl>
+  <dgm:styleLbl name="asst1">
+    <dgm:scene3d>
+      <a:camera prst="orthographicFront"/>
+      <a:lightRig rig="threePt" dir="t"/>
+    </dgm:scene3d>
+    <dgm:sp3d/>
+    <dgm:txPr/>
+    <dgm:style>
+      <a:lnRef idx="2">
+        <a:scrgbClr r="0" g="0" b="0"/>
+      </a:lnRef>
+      <a:fillRef idx="1">
+        <a:scrgbClr r="0" g="0" b="0"/>
+      </a:fillRef>
+      <a:effectRef idx="0">
+        <a:scrgbClr r="0" g="0" b="0"/>
+      </a:effectRef>
+      <a:fontRef idx="minor">
+        <a:schemeClr val="lt1"/>
+      </a:fontRef>
+    </dgm:style>
+  </dgm:styleLbl>
+  <dgm:styleLbl name="asst2">
+    <dgm:scene3d>
+      <a:camera prst="orthographicFront"/>
+      <a:lightRig rig="threePt" dir="t"/>
+    </dgm:scene3d>
+    <dgm:sp3d/>
+    <dgm:txPr/>
+    <dgm:style>
+      <a:lnRef idx="2">
+        <a:scrgbClr r="0" g="0" b="0"/>
+      </a:lnRef>
+      <a:fillRef idx="1">
+        <a:scrgbClr r="0" g="0" b="0"/>
+      </a:fillRef>
+      <a:effectRef idx="0">
+        <a:scrgbClr r="0" g="0" b="0"/>
+      </a:effectRef>
+      <a:fontRef idx="minor">
+        <a:schemeClr val="lt1"/>
+      </a:fontRef>
+    </dgm:style>
+  </dgm:styleLbl>
+  <dgm:styleLbl name="asst3">
+    <dgm:scene3d>
+      <a:camera prst="orthographicFront"/>
+      <a:lightRig rig="threePt" dir="t"/>
+    </dgm:scene3d>
+    <dgm:sp3d/>
+    <dgm:txPr/>
+    <dgm:style>
+      <a:lnRef idx="2">
+        <a:scrgbClr r="0" g="0" b="0"/>
+      </a:lnRef>
+      <a:fillRef idx="1">
+        <a:scrgbClr r="0" g="0" b="0"/>
+      </a:fillRef>
+      <a:effectRef idx="0">
+        <a:scrgbClr r="0" g="0" b="0"/>
+      </a:effectRef>
+      <a:fontRef idx="minor">
+        <a:schemeClr val="lt1"/>
+      </a:fontRef>
+    </dgm:style>
+  </dgm:styleLbl>
+  <dgm:styleLbl name="asst4">
+    <dgm:scene3d>
+      <a:camera prst="orthographicFront"/>
+      <a:lightRig rig="threePt" dir="t"/>
+    </dgm:scene3d>
+    <dgm:sp3d/>
+    <dgm:txPr/>
+    <dgm:style>
+      <a:lnRef idx="2">
+        <a:scrgbClr r="0" g="0" b="0"/>
+      </a:lnRef>
+      <a:fillRef idx="1">
+        <a:scrgbClr r="0" g="0" b="0"/>
+      </a:fillRef>
+      <a:effectRef idx="0">
+        <a:scrgbClr r="0" g="0" b="0"/>
+      </a:effectRef>
+      <a:fontRef idx="minor">
+        <a:schemeClr val="lt1"/>
+      </a:fontRef>
+    </dgm:style>
+  </dgm:styleLbl>
+  <dgm:styleLbl name="parChTrans2D1">
+    <dgm:scene3d>
+      <a:camera prst="orthographicFront"/>
+      <a:lightRig rig="threePt" dir="t"/>
+    </dgm:scene3d>
+    <dgm:sp3d/>
+    <dgm:txPr/>
+    <dgm:style>
+      <a:lnRef idx="2">
+        <a:scrgbClr r="0" g="0" b="0"/>
+      </a:lnRef>
+      <a:fillRef idx="1">
+        <a:scrgbClr r="0" g="0" b="0"/>
+      </a:fillRef>
+      <a:effectRef idx="0">
+        <a:scrgbClr r="0" g="0" b="0"/>
+      </a:effectRef>
+      <a:fontRef idx="minor">
+        <a:schemeClr val="lt1"/>
+      </a:fontRef>
+    </dgm:style>
+  </dgm:styleLbl>
+  <dgm:styleLbl name="parChTrans2D2">
+    <dgm:scene3d>
+      <a:camera prst="orthographicFront"/>
+      <a:lightRig rig="threePt" dir="t"/>
+    </dgm:scene3d>
+    <dgm:sp3d/>
+    <dgm:txPr/>
+    <dgm:style>
+      <a:lnRef idx="2">
+        <a:scrgbClr r="0" g="0" b="0"/>
+      </a:lnRef>
+      <a:fillRef idx="1">
+        <a:scrgbClr r="0" g="0" b="0"/>
+      </a:fillRef>
+      <a:effectRef idx="0">
+        <a:scrgbClr r="0" g="0" b="0"/>
+      </a:effectRef>
+      <a:fontRef idx="minor">
+        <a:schemeClr val="lt1"/>
+      </a:fontRef>
+    </dgm:style>
+  </dgm:styleLbl>
+  <dgm:styleLbl name="parChTrans2D3">
+    <dgm:scene3d>
+      <a:camera prst="orthographicFront"/>
+      <a:lightRig rig="threePt" dir="t"/>
+    </dgm:scene3d>
+    <dgm:sp3d/>
+    <dgm:txPr/>
+    <dgm:style>
+      <a:lnRef idx="2">
+        <a:scrgbClr r="0" g="0" b="0"/>
+      </a:lnRef>
+      <a:fillRef idx="1">
+        <a:scrgbClr r="0" g="0" b="0"/>
+      </a:fillRef>
+      <a:effectRef idx="0">
+        <a:scrgbClr r="0" g="0" b="0"/>
+      </a:effectRef>
+      <a:fontRef idx="minor">
+        <a:schemeClr val="lt1"/>
+      </a:fontRef>
+    </dgm:style>
+  </dgm:styleLbl>
+  <dgm:styleLbl name="parChTrans2D4">
+    <dgm:scene3d>
+      <a:camera prst="orthographicFront"/>
+      <a:lightRig rig="threePt" dir="t"/>
+    </dgm:scene3d>
+    <dgm:sp3d/>
+    <dgm:txPr/>
+    <dgm:style>
+      <a:lnRef idx="2">
+        <a:scrgbClr r="0" g="0" b="0"/>
+      </a:lnRef>
+      <a:fillRef idx="1">
+        <a:scrgbClr r="0" g="0" b="0"/>
+      </a:fillRef>
+      <a:effectRef idx="0">
+        <a:scrgbClr r="0" g="0" b="0"/>
+      </a:effectRef>
+      <a:fontRef idx="minor">
+        <a:schemeClr val="lt1"/>
+      </a:fontRef>
+    </dgm:style>
+  </dgm:styleLbl>
+  <dgm:styleLbl name="parChTrans1D1">
+    <dgm:scene3d>
+      <a:camera prst="orthographicFront"/>
+      <a:lightRig rig="threePt" dir="t"/>
+    </dgm:scene3d>
+    <dgm:sp3d/>
+    <dgm:txPr/>
+    <dgm:style>
+      <a:lnRef idx="2">
+        <a:scrgbClr r="0" g="0" b="0"/>
+      </a:lnRef>
+      <a:fillRef idx="0">
+        <a:scrgbClr r="0" g="0" b="0"/>
+      </a:fillRef>
+      <a:effectRef idx="0">
+        <a:scrgbClr r="0" g="0" b="0"/>
+      </a:effectRef>
+      <a:fontRef idx="minor"/>
+    </dgm:style>
+  </dgm:styleLbl>
+  <dgm:styleLbl name="parChTrans1D2">
+    <dgm:scene3d>
+      <a:camera prst="orthographicFront"/>
+      <a:lightRig rig="threePt" dir="t"/>
+    </dgm:scene3d>
+    <dgm:sp3d/>
+    <dgm:txPr/>
+    <dgm:style>
+      <a:lnRef idx="2">
+        <a:scrgbClr r="0" g="0" b="0"/>
+      </a:lnRef>
+      <a:fillRef idx="0">
+        <a:scrgbClr r="0" g="0" b="0"/>
+      </a:fillRef>
+      <a:effectRef idx="0">
+        <a:scrgbClr r="0" g="0" b="0"/>
+      </a:effectRef>
+      <a:fontRef idx="minor"/>
+    </dgm:style>
+  </dgm:styleLbl>
+  <dgm:styleLbl name="parChTrans1D3">
+    <dgm:scene3d>
+      <a:camera prst="orthographicFront"/>
+      <a:lightRig rig="threePt" dir="t"/>
+    </dgm:scene3d>
+    <dgm:sp3d/>
+    <dgm:txPr/>
+    <dgm:style>
+      <a:lnRef idx="2">
+        <a:scrgbClr r="0" g="0" b="0"/>
+      </a:lnRef>
+      <a:fillRef idx="0">
+        <a:scrgbClr r="0" g="0" b="0"/>
+      </a:fillRef>
+      <a:effectRef idx="0">
+        <a:scrgbClr r="0" g="0" b="0"/>
+      </a:effectRef>
+      <a:fontRef idx="minor"/>
+    </dgm:style>
+  </dgm:styleLbl>
+  <dgm:styleLbl name="parChTrans1D4">
+    <dgm:scene3d>
+      <a:camera prst="orthographicFront"/>
+      <a:lightRig rig="threePt" dir="t"/>
+    </dgm:scene3d>
+    <dgm:sp3d/>
+    <dgm:txPr/>
+    <dgm:style>
+      <a:lnRef idx="2">
+        <a:scrgbClr r="0" g="0" b="0"/>
+      </a:lnRef>
+      <a:fillRef idx="0">
+        <a:scrgbClr r="0" g="0" b="0"/>
+      </a:fillRef>
+      <a:effectRef idx="0">
+        <a:scrgbClr r="0" g="0" b="0"/>
+      </a:effectRef>
+      <a:fontRef idx="minor"/>
+    </dgm:style>
+  </dgm:styleLbl>
+  <dgm:styleLbl name="fgAcc1">
+    <dgm:scene3d>
+      <a:camera prst="orthographicFront"/>
+      <a:lightRig rig="threePt" dir="t"/>
+    </dgm:scene3d>
+    <dgm:sp3d/>
+    <dgm:txPr/>
+    <dgm:style>
+      <a:lnRef idx="2">
+        <a:scrgbClr r="0" g="0" b="0"/>
+      </a:lnRef>
+      <a:fillRef idx="1">
+        <a:scrgbClr r="0" g="0" b="0"/>
+      </a:fillRef>
+      <a:effectRef idx="0">
+        <a:scrgbClr r="0" g="0" b="0"/>
+      </a:effectRef>
+      <a:fontRef idx="minor"/>
+    </dgm:style>
+  </dgm:styleLbl>
+  <dgm:styleLbl name="conFgAcc1">
+    <dgm:scene3d>
+      <a:camera prst="orthographicFront"/>
+      <a:lightRig rig="threePt" dir="t"/>
+    </dgm:scene3d>
+    <dgm:sp3d/>
+    <dgm:txPr/>
+    <dgm:style>
+      <a:lnRef idx="2">
+        <a:scrgbClr r="0" g="0" b="0"/>
+      </a:lnRef>
+      <a:fillRef idx="1">
+        <a:scrgbClr r="0" g="0" b="0"/>
+      </a:fillRef>
+      <a:effectRef idx="0">
+        <a:scrgbClr r="0" g="0" b="0"/>
+      </a:effectRef>
+      <a:fontRef idx="minor"/>
+    </dgm:style>
+  </dgm:styleLbl>
+  <dgm:styleLbl name="alignAcc1">
+    <dgm:scene3d>
+      <a:camera prst="orthographicFront"/>
+      <a:lightRig rig="threePt" dir="t"/>
+    </dgm:scene3d>
+    <dgm:sp3d/>
+    <dgm:txPr/>
+    <dgm:style>
+      <a:lnRef idx="2">
+        <a:scrgbClr r="0" g="0" b="0"/>
+      </a:lnRef>
+      <a:fillRef idx="1">
+        <a:scrgbClr r="0" g="0" b="0"/>
+      </a:fillRef>
+      <a:effectRef idx="0">
+        <a:scrgbClr r="0" g="0" b="0"/>
+      </a:effectRef>
+      <a:fontRef idx="minor"/>
+    </dgm:style>
+  </dgm:styleLbl>
+  <dgm:styleLbl name="trAlignAcc1">
+    <dgm:scene3d>
+      <a:camera prst="orthographicFront"/>
+      <a:lightRig rig="threePt" dir="t"/>
+    </dgm:scene3d>
+    <dgm:sp3d/>
+    <dgm:txPr/>
+    <dgm:style>
+      <a:lnRef idx="1">
+        <a:scrgbClr r="0" g="0" b="0"/>
+      </a:lnRef>
+      <a:fillRef idx="1">
+        <a:scrgbClr r="0" g="0" b="0"/>
+      </a:fillRef>
+      <a:effectRef idx="0">
+        <a:scrgbClr r="0" g="0" b="0"/>
+      </a:effectRef>
+      <a:fontRef idx="minor"/>
+    </dgm:style>
+  </dgm:styleLbl>
+  <dgm:styleLbl name="bgAcc1">
+    <dgm:scene3d>
+      <a:camera prst="orthographicFront"/>
+      <a:lightRig rig="threePt" dir="t"/>
+    </dgm:scene3d>
+    <dgm:sp3d/>
+    <dgm:txPr/>
+    <dgm:style>
+      <a:lnRef idx="2">
+        <a:scrgbClr r="0" g="0" b="0"/>
+      </a:lnRef>
+      <a:fillRef idx="1">
+        <a:scrgbClr r="0" g="0" b="0"/>
+      </a:fillRef>
+      <a:effectRef idx="0">
+        <a:scrgbClr r="0" g="0" b="0"/>
+      </a:effectRef>
+      <a:fontRef idx="minor"/>
+    </dgm:style>
+  </dgm:styleLbl>
+  <dgm:styleLbl name="solidFgAcc1">
+    <dgm:scene3d>
+      <a:camera prst="orthographicFront"/>
+      <a:lightRig rig="threePt" dir="t"/>
+    </dgm:scene3d>
+    <dgm:sp3d/>
+    <dgm:txPr/>
+    <dgm:style>
+      <a:lnRef idx="2">
+        <a:scrgbClr r="0" g="0" b="0"/>
+      </a:lnRef>
+      <a:fillRef idx="1">
+        <a:scrgbClr r="0" g="0" b="0"/>
+      </a:fillRef>
+      <a:effectRef idx="0">
+        <a:scrgbClr r="0" g="0" b="0"/>
+      </a:effectRef>
+      <a:fontRef idx="minor"/>
+    </dgm:style>
+  </dgm:styleLbl>
+  <dgm:styleLbl name="solidAlignAcc1">
+    <dgm:scene3d>
+      <a:camera prst="orthographicFront"/>
+      <a:lightRig rig="threePt" dir="t"/>
+    </dgm:scene3d>
+    <dgm:sp3d/>
+    <dgm:txPr/>
+    <dgm:style>
+      <a:lnRef idx="2">
+        <a:scrgbClr r="0" g="0" b="0"/>
+      </a:lnRef>
+      <a:fillRef idx="1">
+        <a:scrgbClr r="0" g="0" b="0"/>
+      </a:fillRef>
+      <a:effectRef idx="0">
+        <a:scrgbClr r="0" g="0" b="0"/>
+      </a:effectRef>
+      <a:fontRef idx="minor"/>
+    </dgm:style>
+  </dgm:styleLbl>
+  <dgm:styleLbl name="solidBgAcc1">
+    <dgm:scene3d>
+      <a:camera prst="orthographicFront"/>
+      <a:lightRig rig="threePt" dir="t"/>
+    </dgm:scene3d>
+    <dgm:sp3d/>
+    <dgm:txPr/>
+    <dgm:style>
+      <a:lnRef idx="2">
+        <a:scrgbClr r="0" g="0" b="0"/>
+      </a:lnRef>
+      <a:fillRef idx="1">
+        <a:scrgbClr r="0" g="0" b="0"/>
+      </a:fillRef>
+      <a:effectRef idx="0">
+        <a:scrgbClr r="0" g="0" b="0"/>
+      </a:effectRef>
+      <a:fontRef idx="minor"/>
+    </dgm:style>
+  </dgm:styleLbl>
+  <dgm:styleLbl name="fgAccFollowNode1">
+    <dgm:scene3d>
+      <a:camera prst="orthographicFront"/>
+      <a:lightRig rig="threePt" dir="t"/>
+    </dgm:scene3d>
+    <dgm:sp3d/>
+    <dgm:txPr/>
+    <dgm:style>
+      <a:lnRef idx="2">
+        <a:scrgbClr r="0" g="0" b="0"/>
+      </a:lnRef>
+      <a:fillRef idx="1">
+        <a:scrgbClr r="0" g="0" b="0"/>
+      </a:fillRef>
+      <a:effectRef idx="0">
+        <a:scrgbClr r="0" g="0" b="0"/>
+      </a:effectRef>
+      <a:fontRef idx="minor"/>
+    </dgm:style>
+  </dgm:styleLbl>
+  <dgm:styleLbl name="alignAccFollowNode1">
+    <dgm:scene3d>
+      <a:camera prst="orthographicFront"/>
+      <a:lightRig rig="threePt" dir="t"/>
+    </dgm:scene3d>
+    <dgm:sp3d/>
+    <dgm:txPr/>
+    <dgm:style>
+      <a:lnRef idx="2">
+        <a:scrgbClr r="0" g="0" b="0"/>
+      </a:lnRef>
+      <a:fillRef idx="1">
+        <a:scrgbClr r="0" g="0" b="0"/>
+      </a:fillRef>
+      <a:effectRef idx="0">
+        <a:scrgbClr r="0" g="0" b="0"/>
+      </a:effectRef>
+      <a:fontRef idx="minor"/>
+    </dgm:style>
+  </dgm:styleLbl>
+  <dgm:styleLbl name="bgAccFollowNode1">
+    <dgm:scene3d>
+      <a:camera prst="orthographicFront"/>
+      <a:lightRig rig="threePt" dir="t"/>
+    </dgm:scene3d>
+    <dgm:sp3d/>
+    <dgm:txPr/>
+    <dgm:style>
+      <a:lnRef idx="2">
+        <a:scrgbClr r="0" g="0" b="0"/>
+      </a:lnRef>
+      <a:fillRef idx="1">
+        <a:scrgbClr r="0" g="0" b="0"/>
+      </a:fillRef>
+      <a:effectRef idx="0">
+        <a:scrgbClr r="0" g="0" b="0"/>
+      </a:effectRef>
+      <a:fontRef idx="minor"/>
+    </dgm:style>
+  </dgm:styleLbl>
+  <dgm:styleLbl name="fgAcc0">
+    <dgm:scene3d>
+      <a:camera prst="orthographicFront"/>
+      <a:lightRig rig="threePt" dir="t"/>
+    </dgm:scene3d>
+    <dgm:sp3d/>
+    <dgm:txPr/>
+    <dgm:style>
+      <a:lnRef idx="2">
+        <a:scrgbClr r="0" g="0" b="0"/>
+      </a:lnRef>
+      <a:fillRef idx="1">
+        <a:scrgbClr r="0" g="0" b="0"/>
+      </a:fillRef>
+      <a:effectRef idx="0">
+        <a:scrgbClr r="0" g="0" b="0"/>
+      </a:effectRef>
+      <a:fontRef idx="minor"/>
+    </dgm:style>
+  </dgm:styleLbl>
+  <dgm:styleLbl name="fgAcc2">
+    <dgm:scene3d>
+      <a:camera prst="orthographicFront"/>
+      <a:lightRig rig="threePt" dir="t"/>
+    </dgm:scene3d>
+    <dgm:sp3d/>
+    <dgm:txPr/>
+    <dgm:style>
+      <a:lnRef idx="2">
+        <a:scrgbClr r="0" g="0" b="0"/>
+      </a:lnRef>
+      <a:fillRef idx="1">
+        <a:scrgbClr r="0" g="0" b="0"/>
+      </a:fillRef>
+      <a:effectRef idx="0">
+        <a:scrgbClr r="0" g="0" b="0"/>
+      </a:effectRef>
+      <a:fontRef idx="minor"/>
+    </dgm:style>
+  </dgm:styleLbl>
+  <dgm:styleLbl name="fgAcc3">
+    <dgm:scene3d>
+      <a:camera prst="orthographicFront"/>
+      <a:lightRig rig="threePt" dir="t"/>
+    </dgm:scene3d>
+    <dgm:sp3d/>
+    <dgm:txPr/>
+    <dgm:style>
+      <a:lnRef idx="2">
+        <a:scrgbClr r="0" g="0" b="0"/>
+      </a:lnRef>
+      <a:fillRef idx="1">
+        <a:scrgbClr r="0" g="0" b="0"/>
+      </a:fillRef>
+      <a:effectRef idx="0">
+        <a:scrgbClr r="0" g="0" b="0"/>
+      </a:effectRef>
+      <a:fontRef idx="minor"/>
+    </dgm:style>
+  </dgm:styleLbl>
+  <dgm:styleLbl name="fgAcc4">
+    <dgm:scene3d>
+      <a:camera prst="orthographicFront"/>
+      <a:lightRig rig="threePt" dir="t"/>
+    </dgm:scene3d>
+    <dgm:sp3d/>
+    <dgm:txPr/>
+    <dgm:style>
+      <a:lnRef idx="2">
+        <a:scrgbClr r="0" g="0" b="0"/>
+      </a:lnRef>
+      <a:fillRef idx="1">
+        <a:scrgbClr r="0" g="0" b="0"/>
+      </a:fillRef>
+      <a:effectRef idx="0">
+        <a:scrgbClr r="0" g="0" b="0"/>
+      </a:effectRef>
+      <a:fontRef idx="minor"/>
+    </dgm:style>
+  </dgm:styleLbl>
+  <dgm:styleLbl name="bgShp">
+    <dgm:scene3d>
+      <a:camera prst="orthographicFront"/>
+      <a:lightRig rig="threePt" dir="t"/>
+    </dgm:scene3d>
+    <dgm:sp3d/>
+    <dgm:txPr/>
+    <dgm:style>
+      <a:lnRef idx="0">
+        <a:scrgbClr r="0" g="0" b="0"/>
+      </a:lnRef>
+      <a:fillRef idx="1">
+        <a:scrgbClr r="0" g="0" b="0"/>
+      </a:fillRef>
+      <a:effectRef idx="0">
+        <a:scrgbClr r="0" g="0" b="0"/>
+      </a:effectRef>
+      <a:fontRef idx="minor"/>
+    </dgm:style>
+  </dgm:styleLbl>
+  <dgm:styleLbl name="dkBgShp">
+    <dgm:scene3d>
+      <a:camera prst="orthographicFront"/>
+      <a:lightRig rig="threePt" dir="t"/>
+    </dgm:scene3d>
+    <dgm:sp3d/>
+    <dgm:txPr/>
+    <dgm:style>
+      <a:lnRef idx="0">
+        <a:scrgbClr r="0" g="0" b="0"/>
+      </a:lnRef>
+      <a:fillRef idx="1">
+        <a:scrgbClr r="0" g="0" b="0"/>
+      </a:fillRef>
+      <a:effectRef idx="0">
+        <a:scrgbClr r="0" g="0" b="0"/>
+      </a:effectRef>
+      <a:fontRef idx="minor"/>
+    </dgm:style>
+  </dgm:styleLbl>
+  <dgm:styleLbl name="trBgShp">
+    <dgm:scene3d>
+      <a:camera prst="orthographicFront"/>
+      <a:lightRig rig="threePt" dir="t"/>
+    </dgm:scene3d>
+    <dgm:sp3d/>
+    <dgm:txPr/>
+    <dgm:style>
+      <a:lnRef idx="0">
+        <a:scrgbClr r="0" g="0" b="0"/>
+      </a:lnRef>
+      <a:fillRef idx="1">
+        <a:scrgbClr r="0" g="0" b="0"/>
+      </a:fillRef>
+      <a:effectRef idx="0">
+        <a:scrgbClr r="0" g="0" b="0"/>
+      </a:effectRef>
+      <a:fontRef idx="minor"/>
+    </dgm:style>
+  </dgm:styleLbl>
+  <dgm:styleLbl name="fgShp">
+    <dgm:scene3d>
+      <a:camera prst="orthographicFront"/>
+      <a:lightRig rig="threePt" dir="t"/>
+    </dgm:scene3d>
+    <dgm:sp3d/>
+    <dgm:txPr/>
+    <dgm:style>
+      <a:lnRef idx="2">
+        <a:scrgbClr r="0" g="0" b="0"/>
+      </a:lnRef>
+      <a:fillRef idx="1">
+        <a:scrgbClr r="0" g="0" b="0"/>
+      </a:fillRef>
+      <a:effectRef idx="0">
+        <a:scrgbClr r="0" g="0" b="0"/>
+      </a:effectRef>
+      <a:fontRef idx="minor"/>
+    </dgm:style>
+  </dgm:styleLbl>
+  <dgm:styleLbl name="revTx">
+    <dgm:scene3d>
+      <a:camera prst="orthographicFront"/>
+      <a:lightRig rig="threePt" dir="t"/>
+    </dgm:scene3d>
+    <dgm:sp3d/>
+    <dgm:txPr/>
+    <dgm:style>
+      <a:lnRef idx="0">
+        <a:scrgbClr r="0" g="0" b="0"/>
+      </a:lnRef>
+      <a:fillRef idx="0">
+        <a:scrgbClr r="0" g="0" b="0"/>
+      </a:fillRef>
+      <a:effectRef idx="0">
+        <a:scrgbClr r="0" g="0" b="0"/>
+      </a:effectRef>
+      <a:fontRef idx="minor"/>
+    </dgm:style>
+  </dgm:styleLbl>
+</dgm:styleDef>
+</file>
+
+<file path=ppt/diagrams/quickStyle2.xml><?xml version="1.0" encoding="utf-8"?>
+<dgm:styleDef xmlns:dgm="http://schemas.openxmlformats.org/drawingml/2006/diagram" xmlns:a="http://schemas.openxmlformats.org/drawingml/2006/main" uniqueId="urn:microsoft.com/office/officeart/2005/8/quickstyle/simple1">
+  <dgm:title val=""/>
+  <dgm:desc val=""/>
+  <dgm:catLst>
+    <dgm:cat type="simple" pri="10100"/>
+  </dgm:catLst>
+  <dgm:scene3d>
+    <a:camera prst="orthographicFront"/>
+    <a:lightRig rig="threePt" dir="t"/>
+  </dgm:scene3d>
+  <dgm:styleLbl name="node0">
+    <dgm:scene3d>
+      <a:camera prst="orthographicFront"/>
+      <a:lightRig rig="threePt" dir="t"/>
+    </dgm:scene3d>
+    <dgm:sp3d/>
+    <dgm:txPr/>
+    <dgm:style>
+      <a:lnRef idx="2">
+        <a:scrgbClr r="0" g="0" b="0"/>
+      </a:lnRef>
+      <a:fillRef idx="1">
+        <a:scrgbClr r="0" g="0" b="0"/>
+      </a:fillRef>
+      <a:effectRef idx="0">
+        <a:scrgbClr r="0" g="0" b="0"/>
+      </a:effectRef>
+      <a:fontRef idx="minor">
+        <a:schemeClr val="lt1"/>
+      </a:fontRef>
+    </dgm:style>
+  </dgm:styleLbl>
+  <dgm:styleLbl name="lnNode1">
+    <dgm:scene3d>
+      <a:camera prst="orthographicFront"/>
+      <a:lightRig rig="threePt" dir="t"/>
+    </dgm:scene3d>
+    <dgm:sp3d/>
+    <dgm:txPr/>
+    <dgm:style>
+      <a:lnRef idx="2">
+        <a:scrgbClr r="0" g="0" b="0"/>
+      </a:lnRef>
+      <a:fillRef idx="1">
+        <a:scrgbClr r="0" g="0" b="0"/>
+      </a:fillRef>
+      <a:effectRef idx="0">
+        <a:scrgbClr r="0" g="0" b="0"/>
+      </a:effectRef>
+      <a:fontRef idx="minor">
+        <a:schemeClr val="lt1"/>
+      </a:fontRef>
+    </dgm:style>
+  </dgm:styleLbl>
+  <dgm:styleLbl name="vennNode1">
+    <dgm:scene3d>
+      <a:camera prst="orthographicFront"/>
+      <a:lightRig rig="threePt" dir="t"/>
+    </dgm:scene3d>
+    <dgm:sp3d/>
+    <dgm:txPr/>
+    <dgm:style>
+      <a:lnRef idx="2">
+        <a:scrgbClr r="0" g="0" b="0"/>
+      </a:lnRef>
+      <a:fillRef idx="1">
+        <a:scrgbClr r="0" g="0" b="0"/>
+      </a:fillRef>
+      <a:effectRef idx="0">
+        <a:scrgbClr r="0" g="0" b="0"/>
+      </a:effectRef>
+      <a:fontRef idx="minor">
+        <a:schemeClr val="tx1"/>
+      </a:fontRef>
+    </dgm:style>
+  </dgm:styleLbl>
+  <dgm:styleLbl name="alignNode1">
+    <dgm:scene3d>
+      <a:camera prst="orthographicFront"/>
+      <a:lightRig rig="threePt" dir="t"/>
+    </dgm:scene3d>
+    <dgm:sp3d/>
+    <dgm:txPr/>
+    <dgm:style>
+      <a:lnRef idx="2">
+        <a:scrgbClr r="0" g="0" b="0"/>
+      </a:lnRef>
+      <a:fillRef idx="1">
+        <a:scrgbClr r="0" g="0" b="0"/>
+      </a:fillRef>
+      <a:effectRef idx="0">
+        <a:scrgbClr r="0" g="0" b="0"/>
+      </a:effectRef>
+      <a:fontRef idx="minor">
+        <a:schemeClr val="lt1"/>
+      </a:fontRef>
+    </dgm:style>
+  </dgm:styleLbl>
+  <dgm:styleLbl name="node1">
+    <dgm:scene3d>
+      <a:camera prst="orthographicFront"/>
+      <a:lightRig rig="threePt" dir="t"/>
+    </dgm:scene3d>
+    <dgm:sp3d/>
+    <dgm:txPr/>
+    <dgm:style>
+      <a:lnRef idx="2">
+        <a:scrgbClr r="0" g="0" b="0"/>
+      </a:lnRef>
+      <a:fillRef idx="1">
+        <a:scrgbClr r="0" g="0" b="0"/>
+      </a:fillRef>
+      <a:effectRef idx="0">
+        <a:scrgbClr r="0" g="0" b="0"/>
+      </a:effectRef>
+      <a:fontRef idx="minor">
+        <a:schemeClr val="lt1"/>
+      </a:fontRef>
+    </dgm:style>
+  </dgm:styleLbl>
+  <dgm:styleLbl name="node2">
+    <dgm:scene3d>
+      <a:camera prst="orthographicFront"/>
+      <a:lightRig rig="threePt" dir="t"/>
+    </dgm:scene3d>
+    <dgm:sp3d/>
+    <dgm:txPr/>
+    <dgm:style>
+      <a:lnRef idx="2">
+        <a:scrgbClr r="0" g="0" b="0"/>
+      </a:lnRef>
+      <a:fillRef idx="1">
+        <a:scrgbClr r="0" g="0" b="0"/>
+      </a:fillRef>
+      <a:effectRef idx="0">
+        <a:scrgbClr r="0" g="0" b="0"/>
+      </a:effectRef>
+      <a:fontRef idx="minor">
+        <a:schemeClr val="lt1"/>
+      </a:fontRef>
+    </dgm:style>
+  </dgm:styleLbl>
+  <dgm:styleLbl name="node3">
+    <dgm:scene3d>
+      <a:camera prst="orthographicFront"/>
+      <a:lightRig rig="threePt" dir="t"/>
+    </dgm:scene3d>
+    <dgm:sp3d/>
+    <dgm:txPr/>
+    <dgm:style>
+      <a:lnRef idx="2">
+        <a:scrgbClr r="0" g="0" b="0"/>
+      </a:lnRef>
+      <a:fillRef idx="1">
+        <a:scrgbClr r="0" g="0" b="0"/>
+      </a:fillRef>
+      <a:effectRef idx="0">
+        <a:scrgbClr r="0" g="0" b="0"/>
+      </a:effectRef>
+      <a:fontRef idx="minor">
+        <a:schemeClr val="lt1"/>
+      </a:fontRef>
+    </dgm:style>
+  </dgm:styleLbl>
+  <dgm:styleLbl name="node4">
+    <dgm:scene3d>
+      <a:camera prst="orthographicFront"/>
+      <a:lightRig rig="threePt" dir="t"/>
+    </dgm:scene3d>
+    <dgm:sp3d/>
+    <dgm:txPr/>
+    <dgm:style>
+      <a:lnRef idx="2">
+        <a:scrgbClr r="0" g="0" b="0"/>
+      </a:lnRef>
+      <a:fillRef idx="1">
+        <a:scrgbClr r="0" g="0" b="0"/>
+      </a:fillRef>
+      <a:effectRef idx="0">
+        <a:scrgbClr r="0" g="0" b="0"/>
+      </a:effectRef>
+      <a:fontRef idx="minor">
+        <a:schemeClr val="lt1"/>
+      </a:fontRef>
+    </dgm:style>
+  </dgm:styleLbl>
+  <dgm:styleLbl name="fgImgPlace1">
+    <dgm:scene3d>
+      <a:camera prst="orthographicFront"/>
+      <a:lightRig rig="threePt" dir="t"/>
+    </dgm:scene3d>
+    <dgm:sp3d/>
+    <dgm:txPr/>
+    <dgm:style>
+      <a:lnRef idx="2">
+        <a:scrgbClr r="0" g="0" b="0"/>
+      </a:lnRef>
+      <a:fillRef idx="1">
+        <a:scrgbClr r="0" g="0" b="0"/>
+      </a:fillRef>
+      <a:effectRef idx="0">
+        <a:scrgbClr r="0" g="0" b="0"/>
+      </a:effectRef>
+      <a:fontRef idx="minor"/>
+    </dgm:style>
+  </dgm:styleLbl>
+  <dgm:styleLbl name="alignImgPlace1">
+    <dgm:scene3d>
+      <a:camera prst="orthographicFront"/>
+      <a:lightRig rig="threePt" dir="t"/>
+    </dgm:scene3d>
+    <dgm:sp3d/>
+    <dgm:txPr/>
+    <dgm:style>
+      <a:lnRef idx="2">
+        <a:scrgbClr r="0" g="0" b="0"/>
+      </a:lnRef>
+      <a:fillRef idx="1">
+        <a:scrgbClr r="0" g="0" b="0"/>
+      </a:fillRef>
+      <a:effectRef idx="0">
+        <a:scrgbClr r="0" g="0" b="0"/>
+      </a:effectRef>
+      <a:fontRef idx="minor"/>
+    </dgm:style>
+  </dgm:styleLbl>
+  <dgm:styleLbl name="bgImgPlace1">
+    <dgm:scene3d>
+      <a:camera prst="orthographicFront"/>
+      <a:lightRig rig="threePt" dir="t"/>
+    </dgm:scene3d>
+    <dgm:sp3d/>
+    <dgm:txPr/>
+    <dgm:style>
+      <a:lnRef idx="2">
+        <a:scrgbClr r="0" g="0" b="0"/>
+      </a:lnRef>
+      <a:fillRef idx="1">
+        <a:scrgbClr r="0" g="0" b="0"/>
+      </a:fillRef>
+      <a:effectRef idx="0">
+        <a:scrgbClr r="0" g="0" b="0"/>
+      </a:effectRef>
+      <a:fontRef idx="minor"/>
+    </dgm:style>
+  </dgm:styleLbl>
+  <dgm:styleLbl name="sibTrans2D1">
+    <dgm:scene3d>
+      <a:camera prst="orthographicFront"/>
+      <a:lightRig rig="threePt" dir="t"/>
+    </dgm:scene3d>
+    <dgm:sp3d/>
+    <dgm:txPr/>
+    <dgm:style>
+      <a:lnRef idx="0">
+        <a:scrgbClr r="0" g="0" b="0"/>
+      </a:lnRef>
+      <a:fillRef idx="1">
+        <a:scrgbClr r="0" g="0" b="0"/>
+      </a:fillRef>
+      <a:effectRef idx="0">
+        <a:scrgbClr r="0" g="0" b="0"/>
+      </a:effectRef>
+      <a:fontRef idx="minor">
+        <a:schemeClr val="lt1"/>
+      </a:fontRef>
+    </dgm:style>
+  </dgm:styleLbl>
+  <dgm:styleLbl name="fgSibTrans2D1">
+    <dgm:scene3d>
+      <a:camera prst="orthographicFront"/>
+      <a:lightRig rig="threePt" dir="t"/>
+    </dgm:scene3d>
+    <dgm:sp3d/>
+    <dgm:txPr/>
+    <dgm:style>
+      <a:lnRef idx="0">
+        <a:scrgbClr r="0" g="0" b="0"/>
+      </a:lnRef>
+      <a:fillRef idx="1">
+        <a:scrgbClr r="0" g="0" b="0"/>
+      </a:fillRef>
+      <a:effectRef idx="0">
+        <a:scrgbClr r="0" g="0" b="0"/>
+      </a:effectRef>
+      <a:fontRef idx="minor">
+        <a:schemeClr val="lt1"/>
+      </a:fontRef>
+    </dgm:style>
+  </dgm:styleLbl>
+  <dgm:styleLbl name="bgSibTrans2D1">
+    <dgm:scene3d>
+      <a:camera prst="orthographicFront"/>
+      <a:lightRig rig="threePt" dir="t"/>
+    </dgm:scene3d>
+    <dgm:sp3d/>
+    <dgm:txPr/>
+    <dgm:style>
+      <a:lnRef idx="0">
+        <a:scrgbClr r="0" g="0" b="0"/>
+      </a:lnRef>
+      <a:fillRef idx="1">
+        <a:scrgbClr r="0" g="0" b="0"/>
+      </a:fillRef>
+      <a:effectRef idx="0">
+        <a:scrgbClr r="0" g="0" b="0"/>
+      </a:effectRef>
+      <a:fontRef idx="minor">
+        <a:schemeClr val="lt1"/>
+      </a:fontRef>
+    </dgm:style>
+  </dgm:styleLbl>
+  <dgm:styleLbl name="sibTrans1D1">
+    <dgm:scene3d>
+      <a:camera prst="orthographicFront"/>
+      <a:lightRig rig="threePt" dir="t"/>
+    </dgm:scene3d>
+    <dgm:sp3d/>
+    <dgm:txPr/>
+    <dgm:style>
+      <a:lnRef idx="1">
+        <a:scrgbClr r="0" g="0" b="0"/>
+      </a:lnRef>
+      <a:fillRef idx="0">
+        <a:scrgbClr r="0" g="0" b="0"/>
+      </a:fillRef>
+      <a:effectRef idx="0">
+        <a:scrgbClr r="0" g="0" b="0"/>
+      </a:effectRef>
+      <a:fontRef idx="minor"/>
+    </dgm:style>
+  </dgm:styleLbl>
+  <dgm:styleLbl name="callout">
+    <dgm:scene3d>
+      <a:camera prst="orthographicFront"/>
+      <a:lightRig rig="threePt" dir="t"/>
+    </dgm:scene3d>
+    <dgm:sp3d/>
+    <dgm:txPr/>
+    <dgm:style>
+      <a:lnRef idx="2">
+        <a:scrgbClr r="0" g="0" b="0"/>
+      </a:lnRef>
+      <a:fillRef idx="1">
+        <a:scrgbClr r="0" g="0" b="0"/>
+      </a:fillRef>
+      <a:effectRef idx="0">
+        <a:scrgbClr r="0" g="0" b="0"/>
+      </a:effectRef>
+      <a:fontRef idx="minor"/>
+    </dgm:style>
+  </dgm:styleLbl>
+  <dgm:styleLbl name="asst0">
+    <dgm:scene3d>
+      <a:camera prst="orthographicFront"/>
+      <a:lightRig rig="threePt" dir="t"/>
+    </dgm:scene3d>
+    <dgm:sp3d/>
+    <dgm:txPr/>
+    <dgm:style>
+      <a:lnRef idx="2">
+        <a:scrgbClr r="0" g="0" b="0"/>
+      </a:lnRef>
+      <a:fillRef idx="1">
+        <a:scrgbClr r="0" g="0" b="0"/>
+      </a:fillRef>
+      <a:effectRef idx="0">
+        <a:scrgbClr r="0" g="0" b="0"/>
+      </a:effectRef>
+      <a:fontRef idx="minor">
+        <a:schemeClr val="lt1"/>
+      </a:fontRef>
+    </dgm:style>
+  </dgm:styleLbl>
+  <dgm:styleLbl name="asst1">
+    <dgm:scene3d>
+      <a:camera prst="orthographicFront"/>
+      <a:lightRig rig="threePt" dir="t"/>
+    </dgm:scene3d>
+    <dgm:sp3d/>
+    <dgm:txPr/>
+    <dgm:style>
+      <a:lnRef idx="2">
+        <a:scrgbClr r="0" g="0" b="0"/>
+      </a:lnRef>
+      <a:fillRef idx="1">
+        <a:scrgbClr r="0" g="0" b="0"/>
+      </a:fillRef>
+      <a:effectRef idx="0">
+        <a:scrgbClr r="0" g="0" b="0"/>
+      </a:effectRef>
+      <a:fontRef idx="minor">
+        <a:schemeClr val="lt1"/>
+      </a:fontRef>
+    </dgm:style>
+  </dgm:styleLbl>
+  <dgm:styleLbl name="asst2">
+    <dgm:scene3d>
+      <a:camera prst="orthographicFront"/>
+      <a:lightRig rig="threePt" dir="t"/>
+    </dgm:scene3d>
+    <dgm:sp3d/>
+    <dgm:txPr/>
+    <dgm:style>
+      <a:lnRef idx="2">
+        <a:scrgbClr r="0" g="0" b="0"/>
+      </a:lnRef>
+      <a:fillRef idx="1">
+        <a:scrgbClr r="0" g="0" b="0"/>
+      </a:fillRef>
+      <a:effectRef idx="0">
+        <a:scrgbClr r="0" g="0" b="0"/>
+      </a:effectRef>
+      <a:fontRef idx="minor">
+        <a:schemeClr val="lt1"/>
+      </a:fontRef>
+    </dgm:style>
+  </dgm:styleLbl>
+  <dgm:styleLbl name="asst3">
+    <dgm:scene3d>
+      <a:camera prst="orthographicFront"/>
+      <a:lightRig rig="threePt" dir="t"/>
+    </dgm:scene3d>
+    <dgm:sp3d/>
+    <dgm:txPr/>
+    <dgm:style>
+      <a:lnRef idx="2">
+        <a:scrgbClr r="0" g="0" b="0"/>
+      </a:lnRef>
+      <a:fillRef idx="1">
+        <a:scrgbClr r="0" g="0" b="0"/>
+      </a:fillRef>
+      <a:effectRef idx="0">
+        <a:scrgbClr r="0" g="0" b="0"/>
+      </a:effectRef>
+      <a:fontRef idx="minor">
+        <a:schemeClr val="lt1"/>
+      </a:fontRef>
+    </dgm:style>
+  </dgm:styleLbl>
+  <dgm:styleLbl name="asst4">
+    <dgm:scene3d>
+      <a:camera prst="orthographicFront"/>
+      <a:lightRig rig="threePt" dir="t"/>
+    </dgm:scene3d>
+    <dgm:sp3d/>
+    <dgm:txPr/>
+    <dgm:style>
+      <a:lnRef idx="2">
+        <a:scrgbClr r="0" g="0" b="0"/>
+      </a:lnRef>
+      <a:fillRef idx="1">
+        <a:scrgbClr r="0" g="0" b="0"/>
+      </a:fillRef>
+      <a:effectRef idx="0">
+        <a:scrgbClr r="0" g="0" b="0"/>
+      </a:effectRef>
+      <a:fontRef idx="minor">
+        <a:schemeClr val="lt1"/>
+      </a:fontRef>
+    </dgm:style>
+  </dgm:styleLbl>
+  <dgm:styleLbl name="parChTrans2D1">
+    <dgm:scene3d>
+      <a:camera prst="orthographicFront"/>
+      <a:lightRig rig="threePt" dir="t"/>
+    </dgm:scene3d>
+    <dgm:sp3d/>
+    <dgm:txPr/>
+    <dgm:style>
+      <a:lnRef idx="2">
+        <a:scrgbClr r="0" g="0" b="0"/>
+      </a:lnRef>
+      <a:fillRef idx="1">
+        <a:scrgbClr r="0" g="0" b="0"/>
+      </a:fillRef>
+      <a:effectRef idx="0">
+        <a:scrgbClr r="0" g="0" b="0"/>
+      </a:effectRef>
+      <a:fontRef idx="minor">
+        <a:schemeClr val="lt1"/>
+      </a:fontRef>
+    </dgm:style>
+  </dgm:styleLbl>
+  <dgm:styleLbl name="parChTrans2D2">
+    <dgm:scene3d>
+      <a:camera prst="orthographicFront"/>
+      <a:lightRig rig="threePt" dir="t"/>
+    </dgm:scene3d>
+    <dgm:sp3d/>
+    <dgm:txPr/>
+    <dgm:style>
+      <a:lnRef idx="2">
+        <a:scrgbClr r="0" g="0" b="0"/>
+      </a:lnRef>
+      <a:fillRef idx="1">
+        <a:scrgbClr r="0" g="0" b="0"/>
+      </a:fillRef>
+      <a:effectRef idx="0">
+        <a:scrgbClr r="0" g="0" b="0"/>
+      </a:effectRef>
+      <a:fontRef idx="minor">
+        <a:schemeClr val="lt1"/>
+      </a:fontRef>
+    </dgm:style>
+  </dgm:styleLbl>
+  <dgm:styleLbl name="parChTrans2D3">
+    <dgm:scene3d>
+      <a:camera prst="orthographicFront"/>
+      <a:lightRig rig="threePt" dir="t"/>
+    </dgm:scene3d>
+    <dgm:sp3d/>
+    <dgm:txPr/>
+    <dgm:style>
+      <a:lnRef idx="2">
+        <a:scrgbClr r="0" g="0" b="0"/>
+      </a:lnRef>
+      <a:fillRef idx="1">
+        <a:scrgbClr r="0" g="0" b="0"/>
+      </a:fillRef>
+      <a:effectRef idx="0">
+        <a:scrgbClr r="0" g="0" b="0"/>
+      </a:effectRef>
+      <a:fontRef idx="minor">
+        <a:schemeClr val="lt1"/>
+      </a:fontRef>
+    </dgm:style>
+  </dgm:styleLbl>
+  <dgm:styleLbl name="parChTrans2D4">
+    <dgm:scene3d>
+      <a:camera prst="orthographicFront"/>
+      <a:lightRig rig="threePt" dir="t"/>
+    </dgm:scene3d>
+    <dgm:sp3d/>
+    <dgm:txPr/>
+    <dgm:style>
+      <a:lnRef idx="2">
+        <a:scrgbClr r="0" g="0" b="0"/>
+      </a:lnRef>
+      <a:fillRef idx="1">
+        <a:scrgbClr r="0" g="0" b="0"/>
+      </a:fillRef>
+      <a:effectRef idx="0">
+        <a:scrgbClr r="0" g="0" b="0"/>
+      </a:effectRef>
+      <a:fontRef idx="minor">
+        <a:schemeClr val="lt1"/>
+      </a:fontRef>
+    </dgm:style>
+  </dgm:styleLbl>
+  <dgm:styleLbl name="parChTrans1D1">
+    <dgm:scene3d>
+      <a:camera prst="orthographicFront"/>
+      <a:lightRig rig="threePt" dir="t"/>
+    </dgm:scene3d>
+    <dgm:sp3d/>
+    <dgm:txPr/>
+    <dgm:style>
+      <a:lnRef idx="2">
+        <a:scrgbClr r="0" g="0" b="0"/>
+      </a:lnRef>
+      <a:fillRef idx="0">
+        <a:scrgbClr r="0" g="0" b="0"/>
+      </a:fillRef>
+      <a:effectRef idx="0">
+        <a:scrgbClr r="0" g="0" b="0"/>
+      </a:effectRef>
+      <a:fontRef idx="minor"/>
+    </dgm:style>
+  </dgm:styleLbl>
+  <dgm:styleLbl name="parChTrans1D2">
+    <dgm:scene3d>
+      <a:camera prst="orthographicFront"/>
+      <a:lightRig rig="threePt" dir="t"/>
+    </dgm:scene3d>
+    <dgm:sp3d/>
+    <dgm:txPr/>
+    <dgm:style>
+      <a:lnRef idx="2">
+        <a:scrgbClr r="0" g="0" b="0"/>
+      </a:lnRef>
+      <a:fillRef idx="0">
+        <a:scrgbClr r="0" g="0" b="0"/>
+      </a:fillRef>
+      <a:effectRef idx="0">
+        <a:scrgbClr r="0" g="0" b="0"/>
+      </a:effectRef>
+      <a:fontRef idx="minor"/>
+    </dgm:style>
+  </dgm:styleLbl>
+  <dgm:styleLbl name="parChTrans1D3">
+    <dgm:scene3d>
+      <a:camera prst="orthographicFront"/>
+      <a:lightRig rig="threePt" dir="t"/>
+    </dgm:scene3d>
+    <dgm:sp3d/>
+    <dgm:txPr/>
+    <dgm:style>
+      <a:lnRef idx="2">
+        <a:scrgbClr r="0" g="0" b="0"/>
+      </a:lnRef>
+      <a:fillRef idx="0">
+        <a:scrgbClr r="0" g="0" b="0"/>
+      </a:fillRef>
+      <a:effectRef idx="0">
+        <a:scrgbClr r="0" g="0" b="0"/>
+      </a:effectRef>
+      <a:fontRef idx="minor"/>
+    </dgm:style>
+  </dgm:styleLbl>
+  <dgm:styleLbl name="parChTrans1D4">
+    <dgm:scene3d>
+      <a:camera prst="orthographicFront"/>
+      <a:lightRig rig="threePt" dir="t"/>
+    </dgm:scene3d>
+    <dgm:sp3d/>
+    <dgm:txPr/>
+    <dgm:style>
+      <a:lnRef idx="2">
+        <a:scrgbClr r="0" g="0" b="0"/>
+      </a:lnRef>
+      <a:fillRef idx="0">
+        <a:scrgbClr r="0" g="0" b="0"/>
+      </a:fillRef>
+      <a:effectRef idx="0">
+        <a:scrgbClr r="0" g="0" b="0"/>
+      </a:effectRef>
+      <a:fontRef idx="minor"/>
+    </dgm:style>
+  </dgm:styleLbl>
+  <dgm:styleLbl name="fgAcc1">
+    <dgm:scene3d>
+      <a:camera prst="orthographicFront"/>
+      <a:lightRig rig="threePt" dir="t"/>
+    </dgm:scene3d>
+    <dgm:sp3d/>
+    <dgm:txPr/>
+    <dgm:style>
+      <a:lnRef idx="2">
+        <a:scrgbClr r="0" g="0" b="0"/>
+      </a:lnRef>
+      <a:fillRef idx="1">
+        <a:scrgbClr r="0" g="0" b="0"/>
+      </a:fillRef>
+      <a:effectRef idx="0">
+        <a:scrgbClr r="0" g="0" b="0"/>
+      </a:effectRef>
+      <a:fontRef idx="minor"/>
+    </dgm:style>
+  </dgm:styleLbl>
+  <dgm:styleLbl name="conFgAcc1">
+    <dgm:scene3d>
+      <a:camera prst="orthographicFront"/>
+      <a:lightRig rig="threePt" dir="t"/>
+    </dgm:scene3d>
+    <dgm:sp3d/>
+    <dgm:txPr/>
+    <dgm:style>
+      <a:lnRef idx="2">
+        <a:scrgbClr r="0" g="0" b="0"/>
+      </a:lnRef>
+      <a:fillRef idx="1">
+        <a:scrgbClr r="0" g="0" b="0"/>
+      </a:fillRef>
+      <a:effectRef idx="0">
+        <a:scrgbClr r="0" g="0" b="0"/>
+      </a:effectRef>
+      <a:fontRef idx="minor"/>
+    </dgm:style>
+  </dgm:styleLbl>
+  <dgm:styleLbl name="alignAcc1">
+    <dgm:scene3d>
+      <a:camera prst="orthographicFront"/>
+      <a:lightRig rig="threePt" dir="t"/>
+    </dgm:scene3d>
+    <dgm:sp3d/>
+    <dgm:txPr/>
+    <dgm:style>
+      <a:lnRef idx="2">
+        <a:scrgbClr r="0" g="0" b="0"/>
+      </a:lnRef>
+      <a:fillRef idx="1">
+        <a:scrgbClr r="0" g="0" b="0"/>
+      </a:fillRef>
+      <a:effectRef idx="0">
+        <a:scrgbClr r="0" g="0" b="0"/>
+      </a:effectRef>
+      <a:fontRef idx="minor"/>
+    </dgm:style>
+  </dgm:styleLbl>
+  <dgm:styleLbl name="trAlignAcc1">
+    <dgm:scene3d>
+      <a:camera prst="orthographicFront"/>
+      <a:lightRig rig="threePt" dir="t"/>
+    </dgm:scene3d>
+    <dgm:sp3d/>
+    <dgm:txPr/>
+    <dgm:style>
+      <a:lnRef idx="1">
+        <a:scrgbClr r="0" g="0" b="0"/>
+      </a:lnRef>
+      <a:fillRef idx="1">
+        <a:scrgbClr r="0" g="0" b="0"/>
+      </a:fillRef>
+      <a:effectRef idx="0">
+        <a:scrgbClr r="0" g="0" b="0"/>
+      </a:effectRef>
+      <a:fontRef idx="minor"/>
+    </dgm:style>
+  </dgm:styleLbl>
+  <dgm:styleLbl name="bgAcc1">
+    <dgm:scene3d>
+      <a:camera prst="orthographicFront"/>
+      <a:lightRig rig="threePt" dir="t"/>
+    </dgm:scene3d>
+    <dgm:sp3d/>
+    <dgm:txPr/>
+    <dgm:style>
+      <a:lnRef idx="2">
+        <a:scrgbClr r="0" g="0" b="0"/>
+      </a:lnRef>
+      <a:fillRef idx="1">
+        <a:scrgbClr r="0" g="0" b="0"/>
+      </a:fillRef>
+      <a:effectRef idx="0">
+        <a:scrgbClr r="0" g="0" b="0"/>
+      </a:effectRef>
+      <a:fontRef idx="minor"/>
+    </dgm:style>
+  </dgm:styleLbl>
+  <dgm:styleLbl name="solidFgAcc1">
+    <dgm:scene3d>
+      <a:camera prst="orthographicFront"/>
+      <a:lightRig rig="threePt" dir="t"/>
+    </dgm:scene3d>
+    <dgm:sp3d/>
+    <dgm:txPr/>
+    <dgm:style>
+      <a:lnRef idx="2">
+        <a:scrgbClr r="0" g="0" b="0"/>
+      </a:lnRef>
+      <a:fillRef idx="1">
+        <a:scrgbClr r="0" g="0" b="0"/>
+      </a:fillRef>
+      <a:effectRef idx="0">
+        <a:scrgbClr r="0" g="0" b="0"/>
+      </a:effectRef>
+      <a:fontRef idx="minor"/>
+    </dgm:style>
+  </dgm:styleLbl>
+  <dgm:styleLbl name="solidAlignAcc1">
+    <dgm:scene3d>
+      <a:camera prst="orthographicFront"/>
+      <a:lightRig rig="threePt" dir="t"/>
+    </dgm:scene3d>
+    <dgm:sp3d/>
+    <dgm:txPr/>
+    <dgm:style>
+      <a:lnRef idx="2">
+        <a:scrgbClr r="0" g="0" b="0"/>
+      </a:lnRef>
+      <a:fillRef idx="1">
+        <a:scrgbClr r="0" g="0" b="0"/>
+      </a:fillRef>
+      <a:effectRef idx="0">
+        <a:scrgbClr r="0" g="0" b="0"/>
+      </a:effectRef>
+      <a:fontRef idx="minor"/>
+    </dgm:style>
+  </dgm:styleLbl>
+  <dgm:styleLbl name="solidBgAcc1">
+    <dgm:scene3d>
+      <a:camera prst="orthographicFront"/>
+      <a:lightRig rig="threePt" dir="t"/>
+    </dgm:scene3d>
+    <dgm:sp3d/>
+    <dgm:txPr/>
+    <dgm:style>
+      <a:lnRef idx="2">
+        <a:scrgbClr r="0" g="0" b="0"/>
+      </a:lnRef>
+      <a:fillRef idx="1">
+        <a:scrgbClr r="0" g="0" b="0"/>
+      </a:fillRef>
+      <a:effectRef idx="0">
+        <a:scrgbClr r="0" g="0" b="0"/>
+      </a:effectRef>
+      <a:fontRef idx="minor"/>
+    </dgm:style>
+  </dgm:styleLbl>
+  <dgm:styleLbl name="fgAccFollowNode1">
+    <dgm:scene3d>
+      <a:camera prst="orthographicFront"/>
+      <a:lightRig rig="threePt" dir="t"/>
+    </dgm:scene3d>
+    <dgm:sp3d/>
+    <dgm:txPr/>
+    <dgm:style>
+      <a:lnRef idx="2">
+        <a:scrgbClr r="0" g="0" b="0"/>
+      </a:lnRef>
+      <a:fillRef idx="1">
+        <a:scrgbClr r="0" g="0" b="0"/>
+      </a:fillRef>
+      <a:effectRef idx="0">
+        <a:scrgbClr r="0" g="0" b="0"/>
+      </a:effectRef>
+      <a:fontRef idx="minor"/>
+    </dgm:style>
+  </dgm:styleLbl>
+  <dgm:styleLbl name="alignAccFollowNode1">
+    <dgm:scene3d>
+      <a:camera prst="orthographicFront"/>
+      <a:lightRig rig="threePt" dir="t"/>
+    </dgm:scene3d>
+    <dgm:sp3d/>
+    <dgm:txPr/>
+    <dgm:style>
+      <a:lnRef idx="2">
+        <a:scrgbClr r="0" g="0" b="0"/>
+      </a:lnRef>
+      <a:fillRef idx="1">
+        <a:scrgbClr r="0" g="0" b="0"/>
+      </a:fillRef>
+      <a:effectRef idx="0">
+        <a:scrgbClr r="0" g="0" b="0"/>
+      </a:effectRef>
+      <a:fontRef idx="minor"/>
+    </dgm:style>
+  </dgm:styleLbl>
+  <dgm:styleLbl name="bgAccFollowNode1">
+    <dgm:scene3d>
+      <a:camera prst="orthographicFront"/>
+      <a:lightRig rig="threePt" dir="t"/>
+    </dgm:scene3d>
+    <dgm:sp3d/>
+    <dgm:txPr/>
+    <dgm:style>
+      <a:lnRef idx="2">
+        <a:scrgbClr r="0" g="0" b="0"/>
+      </a:lnRef>
+      <a:fillRef idx="1">
+        <a:scrgbClr r="0" g="0" b="0"/>
+      </a:fillRef>
+      <a:effectRef idx="0">
+        <a:scrgbClr r="0" g="0" b="0"/>
+      </a:effectRef>
+      <a:fontRef idx="minor"/>
+    </dgm:style>
+  </dgm:styleLbl>
+  <dgm:styleLbl name="fgAcc0">
+    <dgm:scene3d>
+      <a:camera prst="orthographicFront"/>
+      <a:lightRig rig="threePt" dir="t"/>
+    </dgm:scene3d>
+    <dgm:sp3d/>
+    <dgm:txPr/>
+    <dgm:style>
+      <a:lnRef idx="2">
+        <a:scrgbClr r="0" g="0" b="0"/>
+      </a:lnRef>
+      <a:fillRef idx="1">
+        <a:scrgbClr r="0" g="0" b="0"/>
+      </a:fillRef>
+      <a:effectRef idx="0">
+        <a:scrgbClr r="0" g="0" b="0"/>
+      </a:effectRef>
+      <a:fontRef idx="minor"/>
+    </dgm:style>
+  </dgm:styleLbl>
+  <dgm:styleLbl name="fgAcc2">
+    <dgm:scene3d>
+      <a:camera prst="orthographicFront"/>
+      <a:lightRig rig="threePt" dir="t"/>
+    </dgm:scene3d>
+    <dgm:sp3d/>
+    <dgm:txPr/>
+    <dgm:style>
+      <a:lnRef idx="2">
+        <a:scrgbClr r="0" g="0" b="0"/>
+      </a:lnRef>
+      <a:fillRef idx="1">
+        <a:scrgbClr r="0" g="0" b="0"/>
+      </a:fillRef>
+      <a:effectRef idx="0">
+        <a:scrgbClr r="0" g="0" b="0"/>
+      </a:effectRef>
+      <a:fontRef idx="minor"/>
+    </dgm:style>
+  </dgm:styleLbl>
+  <dgm:styleLbl name="fgAcc3">
+    <dgm:scene3d>
+      <a:camera prst="orthographicFront"/>
+      <a:lightRig rig="threePt" dir="t"/>
+    </dgm:scene3d>
+    <dgm:sp3d/>
+    <dgm:txPr/>
+    <dgm:style>
+      <a:lnRef idx="2">
+        <a:scrgbClr r="0" g="0" b="0"/>
+      </a:lnRef>
+      <a:fillRef idx="1">
+        <a:scrgbClr r="0" g="0" b="0"/>
+      </a:fillRef>
+      <a:effectRef idx="0">
+        <a:scrgbClr r="0" g="0" b="0"/>
+      </a:effectRef>
+      <a:fontRef idx="minor"/>
+    </dgm:style>
+  </dgm:styleLbl>
+  <dgm:styleLbl name="fgAcc4">
+    <dgm:scene3d>
+      <a:camera prst="orthographicFront"/>
+      <a:lightRig rig="threePt" dir="t"/>
+    </dgm:scene3d>
+    <dgm:sp3d/>
+    <dgm:txPr/>
+    <dgm:style>
+      <a:lnRef idx="2">
+        <a:scrgbClr r="0" g="0" b="0"/>
+      </a:lnRef>
+      <a:fillRef idx="1">
+        <a:scrgbClr r="0" g="0" b="0"/>
+      </a:fillRef>
+      <a:effectRef idx="0">
+        <a:scrgbClr r="0" g="0" b="0"/>
+      </a:effectRef>
+      <a:fontRef idx="minor"/>
+    </dgm:style>
+  </dgm:styleLbl>
+  <dgm:styleLbl name="bgShp">
+    <dgm:scene3d>
+      <a:camera prst="orthographicFront"/>
+      <a:lightRig rig="threePt" dir="t"/>
+    </dgm:scene3d>
+    <dgm:sp3d/>
+    <dgm:txPr/>
+    <dgm:style>
+      <a:lnRef idx="0">
+        <a:scrgbClr r="0" g="0" b="0"/>
+      </a:lnRef>
+      <a:fillRef idx="1">
+        <a:scrgbClr r="0" g="0" b="0"/>
+      </a:fillRef>
+      <a:effectRef idx="0">
+        <a:scrgbClr r="0" g="0" b="0"/>
+      </a:effectRef>
+      <a:fontRef idx="minor"/>
+    </dgm:style>
+  </dgm:styleLbl>
+  <dgm:styleLbl name="dkBgShp">
+    <dgm:scene3d>
+      <a:camera prst="orthographicFront"/>
+      <a:lightRig rig="threePt" dir="t"/>
+    </dgm:scene3d>
+    <dgm:sp3d/>
+    <dgm:txPr/>
+    <dgm:style>
+      <a:lnRef idx="0">
+        <a:scrgbClr r="0" g="0" b="0"/>
+      </a:lnRef>
+      <a:fillRef idx="1">
+        <a:scrgbClr r="0" g="0" b="0"/>
+      </a:fillRef>
+      <a:effectRef idx="0">
+        <a:scrgbClr r="0" g="0" b="0"/>
+      </a:effectRef>
+      <a:fontRef idx="minor"/>
+    </dgm:style>
+  </dgm:styleLbl>
+  <dgm:styleLbl name="trBgShp">
+    <dgm:scene3d>
+      <a:camera prst="orthographicFront"/>
+      <a:lightRig rig="threePt" dir="t"/>
+    </dgm:scene3d>
+    <dgm:sp3d/>
+    <dgm:txPr/>
+    <dgm:style>
+      <a:lnRef idx="0">
+        <a:scrgbClr r="0" g="0" b="0"/>
+      </a:lnRef>
+      <a:fillRef idx="1">
+        <a:scrgbClr r="0" g="0" b="0"/>
+      </a:fillRef>
+      <a:effectRef idx="0">
+        <a:scrgbClr r="0" g="0" b="0"/>
+      </a:effectRef>
+      <a:fontRef idx="minor"/>
+    </dgm:style>
+  </dgm:styleLbl>
+  <dgm:styleLbl name="fgShp">
+    <dgm:scene3d>
+      <a:camera prst="orthographicFront"/>
+      <a:lightRig rig="threePt" dir="t"/>
+    </dgm:scene3d>
+    <dgm:sp3d/>
+    <dgm:txPr/>
+    <dgm:style>
+      <a:lnRef idx="2">
+        <a:scrgbClr r="0" g="0" b="0"/>
+      </a:lnRef>
+      <a:fillRef idx="1">
+        <a:scrgbClr r="0" g="0" b="0"/>
+      </a:fillRef>
+      <a:effectRef idx="0">
+        <a:scrgbClr r="0" g="0" b="0"/>
+      </a:effectRef>
+      <a:fontRef idx="minor"/>
+    </dgm:style>
+  </dgm:styleLbl>
+  <dgm:styleLbl name="revTx">
+    <dgm:scene3d>
+      <a:camera prst="orthographicFront"/>
+      <a:lightRig rig="threePt" dir="t"/>
+    </dgm:scene3d>
+    <dgm:sp3d/>
+    <dgm:txPr/>
+    <dgm:style>
+      <a:lnRef idx="0">
+        <a:scrgbClr r="0" g="0" b="0"/>
+      </a:lnRef>
+      <a:fillRef idx="0">
+        <a:scrgbClr r="0" g="0" b="0"/>
+      </a:fillRef>
+      <a:effectRef idx="0">
+        <a:scrgbClr r="0" g="0" b="0"/>
+      </a:effectRef>
+      <a:fontRef idx="minor"/>
+    </dgm:style>
+  </dgm:styleLbl>
+</dgm:styleDef>
 </file>
 
 <file path=ppt/notesMasters/notesMaster1.xml><?xml version="1.0" encoding="utf-8"?>
@@ -5100,7 +9428,7 @@
                                     </p:set>
                                     <p:animEffect transition="in" filter="fade">
                                       <p:cBhvr>
-                                        <p:cTn id="7" dur="2000"/>
+                                        <p:cTn id="7" dur="500"/>
                                         <p:tgtEl>
                                           <p:spTgt spid="4">
                                             <p:txEl>
@@ -5119,7 +9447,7 @@
                         <p:par>
                           <p:cTn id="8" fill="hold">
                             <p:stCondLst>
-                              <p:cond delay="2000"/>
+                              <p:cond delay="500"/>
                             </p:stCondLst>
                             <p:childTnLst>
                               <p:par>
@@ -5152,7 +9480,7 @@
                                     </p:set>
                                     <p:animEffect transition="in" filter="fade">
                                       <p:cBhvr>
-                                        <p:cTn id="11" dur="2000"/>
+                                        <p:cTn id="11" dur="500"/>
                                         <p:tgtEl>
                                           <p:spTgt spid="4">
                                             <p:txEl>
@@ -5213,7 +9541,7 @@
                                     </p:set>
                                     <p:animEffect transition="in" filter="fade">
                                       <p:cBhvr>
-                                        <p:cTn id="16" dur="2000"/>
+                                        <p:cTn id="16" dur="500"/>
                                         <p:tgtEl>
                                           <p:spTgt spid="4">
                                             <p:txEl>
@@ -5232,7 +9560,7 @@
                         <p:par>
                           <p:cTn id="17" fill="hold">
                             <p:stCondLst>
-                              <p:cond delay="2000"/>
+                              <p:cond delay="500"/>
                             </p:stCondLst>
                             <p:childTnLst>
                               <p:par>
@@ -5265,7 +9593,7 @@
                                     </p:set>
                                     <p:animEffect transition="in" filter="fade">
                                       <p:cBhvr>
-                                        <p:cTn id="20" dur="2000"/>
+                                        <p:cTn id="20" dur="500"/>
                                         <p:tgtEl>
                                           <p:spTgt spid="4">
                                             <p:txEl>
@@ -5326,7 +9654,7 @@
                                     </p:set>
                                     <p:animEffect transition="in" filter="fade">
                                       <p:cBhvr>
-                                        <p:cTn id="25" dur="2000"/>
+                                        <p:cTn id="25" dur="500"/>
                                         <p:tgtEl>
                                           <p:spTgt spid="4">
                                             <p:txEl>
@@ -5345,7 +9673,7 @@
                         <p:par>
                           <p:cTn id="26" fill="hold">
                             <p:stCondLst>
-                              <p:cond delay="2000"/>
+                              <p:cond delay="500"/>
                             </p:stCondLst>
                             <p:childTnLst>
                               <p:par>
@@ -5378,7 +9706,7 @@
                                     </p:set>
                                     <p:animEffect transition="in" filter="fade">
                                       <p:cBhvr>
-                                        <p:cTn id="29" dur="2000"/>
+                                        <p:cTn id="29" dur="500"/>
                                         <p:tgtEl>
                                           <p:spTgt spid="4">
                                             <p:txEl>
@@ -5397,7 +9725,7 @@
                         <p:par>
                           <p:cTn id="30" fill="hold">
                             <p:stCondLst>
-                              <p:cond delay="4000"/>
+                              <p:cond delay="1000"/>
                             </p:stCondLst>
                             <p:childTnLst>
                               <p:par>
@@ -5430,7 +9758,7 @@
                                     </p:set>
                                     <p:animEffect transition="in" filter="fade">
                                       <p:cBhvr>
-                                        <p:cTn id="33" dur="2000"/>
+                                        <p:cTn id="33" dur="500"/>
                                         <p:tgtEl>
                                           <p:spTgt spid="4">
                                             <p:txEl>
@@ -5507,22 +9835,14 @@
         <p:spPr/>
         <p:txBody>
           <a:bodyPr>
-            <a:normAutofit fontScale="90000"/>
+            <a:normAutofit/>
           </a:bodyPr>
           <a:lstStyle/>
           <a:p>
             <a:pPr lvl="0"/>
             <a:r>
               <a:rPr lang="nl-BE" dirty="0" smtClean="0"/>
-              <a:t>ALM: TeamCity</a:t>
-            </a:r>
-            <a:r>
-              <a:rPr lang="nl-BE" baseline="0" dirty="0" smtClean="0"/>
-              <a:t> with Subversion: </a:t>
-            </a:r>
-            <a:r>
-              <a:rPr lang="nl-BE" dirty="0" smtClean="0"/>
-              <a:t>Perfect match!</a:t>
+              <a:t>Buildesrver: TeamCity</a:t>
             </a:r>
             <a:endParaRPr lang="en-US" dirty="0"/>
           </a:p>
@@ -5603,22 +9923,31 @@
         <p:spPr/>
         <p:txBody>
           <a:bodyPr>
-            <a:normAutofit fontScale="90000"/>
+            <a:normAutofit/>
           </a:bodyPr>
           <a:lstStyle/>
           <a:p>
             <a:pPr lvl="0"/>
             <a:r>
-              <a:rPr lang="nl-BE" dirty="0" smtClean="0"/>
-              <a:t>ALM: TeamCity</a:t>
-            </a:r>
-            <a:r>
-              <a:rPr lang="nl-BE" baseline="0" dirty="0" smtClean="0"/>
-              <a:t> with Subversion: </a:t>
-            </a:r>
-            <a:r>
-              <a:rPr lang="nl-BE" dirty="0" smtClean="0"/>
-              <a:t>Perfect match!</a:t>
+              <a:rPr kumimoji="0" lang="nl-BE" sz="3600" b="1" kern="1200" dirty="0" smtClean="0">
+                <a:solidFill>
+                  <a:schemeClr val="accent1">
+                    <a:tint val="88000"/>
+                    <a:satMod val="150000"/>
+                  </a:schemeClr>
+                </a:solidFill>
+                <a:effectLst>
+                  <a:outerShdw blurRad="50800" dist="38100" algn="tr" rotWithShape="0">
+                    <a:prstClr val="black">
+                      <a:alpha val="40000"/>
+                    </a:prstClr>
+                  </a:outerShdw>
+                </a:effectLst>
+                <a:latin typeface="+mj-lt"/>
+                <a:ea typeface="+mj-ea"/>
+                <a:cs typeface="+mj-cs"/>
+              </a:rPr>
+              <a:t>Buildesrver: TeamCity</a:t>
             </a:r>
             <a:endParaRPr lang="en-US" dirty="0"/>
           </a:p>
@@ -5699,22 +10028,31 @@
         <p:spPr/>
         <p:txBody>
           <a:bodyPr>
-            <a:normAutofit fontScale="90000"/>
+            <a:normAutofit/>
           </a:bodyPr>
           <a:lstStyle/>
           <a:p>
             <a:pPr lvl="0"/>
             <a:r>
-              <a:rPr lang="nl-BE" dirty="0" smtClean="0"/>
-              <a:t>ALM: TeamCity</a:t>
-            </a:r>
-            <a:r>
-              <a:rPr lang="nl-BE" baseline="0" dirty="0" smtClean="0"/>
-              <a:t> with Subversion: </a:t>
-            </a:r>
-            <a:r>
-              <a:rPr lang="nl-BE" dirty="0" smtClean="0"/>
-              <a:t>Perfect match!</a:t>
+              <a:rPr kumimoji="0" lang="nl-BE" sz="3600" b="1" kern="1200" dirty="0" smtClean="0">
+                <a:solidFill>
+                  <a:schemeClr val="accent1">
+                    <a:tint val="88000"/>
+                    <a:satMod val="150000"/>
+                  </a:schemeClr>
+                </a:solidFill>
+                <a:effectLst>
+                  <a:outerShdw blurRad="50800" dist="38100" algn="tr" rotWithShape="0">
+                    <a:prstClr val="black">
+                      <a:alpha val="40000"/>
+                    </a:prstClr>
+                  </a:outerShdw>
+                </a:effectLst>
+                <a:latin typeface="+mj-lt"/>
+                <a:ea typeface="+mj-ea"/>
+                <a:cs typeface="+mj-cs"/>
+              </a:rPr>
+              <a:t>Buildesrver: TeamCity</a:t>
             </a:r>
             <a:endParaRPr lang="en-US" dirty="0"/>
           </a:p>
@@ -5891,22 +10229,31 @@
         <p:spPr/>
         <p:txBody>
           <a:bodyPr>
-            <a:normAutofit fontScale="90000"/>
+            <a:normAutofit/>
           </a:bodyPr>
           <a:lstStyle/>
           <a:p>
             <a:pPr lvl="0"/>
             <a:r>
-              <a:rPr lang="nl-BE" dirty="0" smtClean="0"/>
-              <a:t>ALM: TeamCity</a:t>
-            </a:r>
-            <a:r>
-              <a:rPr lang="nl-BE" baseline="0" dirty="0" smtClean="0"/>
-              <a:t> with Subversion: </a:t>
-            </a:r>
-            <a:r>
-              <a:rPr lang="nl-BE" dirty="0" smtClean="0"/>
-              <a:t>Perfect match!</a:t>
+              <a:rPr kumimoji="0" lang="nl-BE" sz="3600" b="1" kern="1200" dirty="0" smtClean="0">
+                <a:solidFill>
+                  <a:schemeClr val="accent1">
+                    <a:tint val="88000"/>
+                    <a:satMod val="150000"/>
+                  </a:schemeClr>
+                </a:solidFill>
+                <a:effectLst>
+                  <a:outerShdw blurRad="50800" dist="38100" algn="tr" rotWithShape="0">
+                    <a:prstClr val="black">
+                      <a:alpha val="40000"/>
+                    </a:prstClr>
+                  </a:outerShdw>
+                </a:effectLst>
+                <a:latin typeface="+mj-lt"/>
+                <a:ea typeface="+mj-ea"/>
+                <a:cs typeface="+mj-cs"/>
+              </a:rPr>
+              <a:t>Buildesrver: TeamCity</a:t>
             </a:r>
             <a:endParaRPr lang="en-US" dirty="0"/>
           </a:p>
@@ -6091,7 +10438,11 @@
             </a:r>
             <a:r>
               <a:rPr lang="nl-BE" baseline="0" dirty="0" smtClean="0"/>
-              <a:t> with Subversion: </a:t>
+              <a:t> with </a:t>
+            </a:r>
+            <a:r>
+              <a:rPr lang="nl-BE" baseline="0" dirty="0" smtClean="0"/>
+              <a:t>Subversion - A </a:t>
             </a:r>
             <a:r>
               <a:rPr lang="nl-BE" dirty="0" smtClean="0"/>
@@ -6103,190 +10454,174 @@
       </p:sp>
       <p:pic>
         <p:nvPicPr>
-          <p:cNvPr id="4" name="Picture 3"/>
-          <p:cNvPicPr/>
+          <p:cNvPr id="11" name="Picture 10" descr="teamcity.gif"/>
+          <p:cNvPicPr>
+            <a:picLocks noChangeAspect="1"/>
+          </p:cNvPicPr>
           <p:nvPr/>
         </p:nvPicPr>
         <p:blipFill>
           <a:blip r:embed="rId2"/>
-          <a:srcRect/>
           <a:stretch>
             <a:fillRect/>
           </a:stretch>
         </p:blipFill>
-        <p:spPr bwMode="auto">
+        <p:spPr>
           <a:xfrm>
-            <a:off x="500033" y="549126"/>
-            <a:ext cx="8084607" cy="3237064"/>
+            <a:off x="1714480" y="1147773"/>
+            <a:ext cx="5686425" cy="3781425"/>
+          </a:xfrm>
+          <a:prstGeom prst="rect">
+            <a:avLst/>
+          </a:prstGeom>
+        </p:spPr>
+      </p:pic>
+      <p:graphicFrame>
+        <p:nvGraphicFramePr>
+          <p:cNvPr id="12" name="Diagram 11"/>
+          <p:cNvGraphicFramePr/>
+          <p:nvPr/>
+        </p:nvGraphicFramePr>
+        <p:xfrm>
+          <a:off x="1524000" y="500042"/>
+          <a:ext cx="6096000" cy="571504"/>
+        </p:xfrm>
+        <a:graphic>
+          <a:graphicData uri="http://schemas.openxmlformats.org/drawingml/2006/diagram">
+            <dgm:relIds xmlns:dgm="http://schemas.openxmlformats.org/drawingml/2006/diagram" xmlns:r="http://schemas.openxmlformats.org/officeDocument/2006/relationships" r:dm="rId3" r:lo="rId4" r:qs="rId5" r:cs="rId6"/>
+          </a:graphicData>
+        </a:graphic>
+      </p:graphicFrame>
+      <p:sp>
+        <p:nvSpPr>
+          <p:cNvPr id="13" name="Right Arrow 12"/>
+          <p:cNvSpPr/>
+          <p:nvPr/>
+        </p:nvSpPr>
+        <p:spPr>
+          <a:xfrm rot="1652706">
+            <a:off x="3244311" y="2489898"/>
+            <a:ext cx="642942" cy="285752"/>
+          </a:xfrm>
+          <a:prstGeom prst="rightArrow">
+            <a:avLst/>
+          </a:prstGeom>
+        </p:spPr>
+        <p:style>
+          <a:lnRef idx="2">
+            <a:schemeClr val="accent2"/>
+          </a:lnRef>
+          <a:fillRef idx="1">
+            <a:schemeClr val="lt1"/>
+          </a:fillRef>
+          <a:effectRef idx="0">
+            <a:schemeClr val="accent2"/>
+          </a:effectRef>
+          <a:fontRef idx="minor">
+            <a:schemeClr val="dk1"/>
+          </a:fontRef>
+        </p:style>
+        <p:txBody>
+          <a:bodyPr rtlCol="0" anchor="ctr"/>
+          <a:lstStyle/>
+          <a:p>
+            <a:pPr algn="ctr"/>
+            <a:endParaRPr lang="en-US" dirty="0"/>
+          </a:p>
+        </p:txBody>
+      </p:sp>
+      <p:sp>
+        <p:nvSpPr>
+          <p:cNvPr id="14" name="Right Arrow 13"/>
+          <p:cNvSpPr/>
+          <p:nvPr/>
+        </p:nvSpPr>
+        <p:spPr>
+          <a:xfrm>
+            <a:off x="5072066" y="2928934"/>
+            <a:ext cx="642942" cy="285752"/>
+          </a:xfrm>
+          <a:prstGeom prst="rightArrow">
+            <a:avLst/>
+          </a:prstGeom>
+        </p:spPr>
+        <p:style>
+          <a:lnRef idx="2">
+            <a:schemeClr val="accent4"/>
+          </a:lnRef>
+          <a:fillRef idx="1">
+            <a:schemeClr val="lt1"/>
+          </a:fillRef>
+          <a:effectRef idx="0">
+            <a:schemeClr val="accent4"/>
+          </a:effectRef>
+          <a:fontRef idx="minor">
+            <a:schemeClr val="dk1"/>
+          </a:fontRef>
+        </p:style>
+        <p:txBody>
+          <a:bodyPr rtlCol="0" anchor="ctr"/>
+          <a:lstStyle/>
+          <a:p>
+            <a:pPr algn="ctr"/>
+            <a:endParaRPr lang="en-US"/>
+          </a:p>
+        </p:txBody>
+      </p:sp>
+      <p:sp>
+        <p:nvSpPr>
+          <p:cNvPr id="16" name="TextBox 15"/>
+          <p:cNvSpPr txBox="1"/>
+          <p:nvPr/>
+        </p:nvSpPr>
+        <p:spPr>
+          <a:xfrm>
+            <a:off x="3929058" y="2273850"/>
+            <a:ext cx="723275" cy="369332"/>
           </a:xfrm>
           <a:prstGeom prst="rect">
             <a:avLst/>
           </a:prstGeom>
           <a:noFill/>
-          <a:ln w="9525">
-            <a:noFill/>
-            <a:miter lim="800000"/>
-            <a:headEnd/>
-            <a:tailEnd/>
-          </a:ln>
         </p:spPr>
-      </p:pic>
-      <p:pic>
-        <p:nvPicPr>
-          <p:cNvPr id="5" name="Picture 4"/>
-          <p:cNvPicPr/>
-          <p:nvPr/>
-        </p:nvPicPr>
-        <p:blipFill>
-          <a:blip r:embed="rId3"/>
-          <a:srcRect/>
-          <a:stretch>
-            <a:fillRect/>
-          </a:stretch>
-        </p:blipFill>
-        <p:spPr bwMode="auto">
-          <a:xfrm>
-            <a:off x="500033" y="571480"/>
-            <a:ext cx="8126799" cy="4071966"/>
-          </a:xfrm>
-          <a:prstGeom prst="rect">
-            <a:avLst/>
-          </a:prstGeom>
-          <a:noFill/>
-          <a:ln w="9525">
-            <a:noFill/>
-            <a:miter lim="800000"/>
-            <a:headEnd/>
-            <a:tailEnd/>
-          </a:ln>
-        </p:spPr>
-      </p:pic>
-      <p:pic>
-        <p:nvPicPr>
-          <p:cNvPr id="6" name="Picture 5"/>
-          <p:cNvPicPr/>
-          <p:nvPr/>
-        </p:nvPicPr>
-        <p:blipFill>
-          <a:blip r:embed="rId4"/>
-          <a:srcRect/>
-          <a:stretch>
-            <a:fillRect/>
-          </a:stretch>
-        </p:blipFill>
-        <p:spPr bwMode="auto">
-          <a:xfrm>
-            <a:off x="500033" y="593811"/>
-            <a:ext cx="8082231" cy="4049635"/>
-          </a:xfrm>
-          <a:prstGeom prst="rect">
-            <a:avLst/>
-          </a:prstGeom>
-          <a:noFill/>
-          <a:ln w="9525">
-            <a:noFill/>
-            <a:miter lim="800000"/>
-            <a:headEnd/>
-            <a:tailEnd/>
-          </a:ln>
-        </p:spPr>
-      </p:pic>
-      <p:pic>
-        <p:nvPicPr>
-          <p:cNvPr id="7" name="Picture 6"/>
-          <p:cNvPicPr/>
-          <p:nvPr/>
-        </p:nvPicPr>
-        <p:blipFill>
-          <a:blip r:embed="rId5"/>
-          <a:srcRect/>
-          <a:stretch>
-            <a:fillRect/>
-          </a:stretch>
-        </p:blipFill>
-        <p:spPr bwMode="auto">
-          <a:xfrm>
-            <a:off x="500034" y="551854"/>
-            <a:ext cx="8060038" cy="2448518"/>
-          </a:xfrm>
-          <a:prstGeom prst="rect">
-            <a:avLst/>
-          </a:prstGeom>
-          <a:noFill/>
-          <a:ln w="9525">
-            <a:noFill/>
-            <a:miter lim="800000"/>
-            <a:headEnd/>
-            <a:tailEnd/>
-          </a:ln>
-        </p:spPr>
-      </p:pic>
-      <p:pic>
-        <p:nvPicPr>
-          <p:cNvPr id="8" name="Picture 7"/>
-          <p:cNvPicPr/>
-          <p:nvPr/>
-        </p:nvPicPr>
-        <p:blipFill>
-          <a:blip r:embed="rId6"/>
-          <a:srcRect/>
-          <a:stretch>
-            <a:fillRect/>
-          </a:stretch>
-        </p:blipFill>
-        <p:spPr bwMode="auto">
-          <a:xfrm>
-            <a:off x="428596" y="2790452"/>
-            <a:ext cx="5943600" cy="1924432"/>
-          </a:xfrm>
-          <a:prstGeom prst="rect">
-            <a:avLst/>
-          </a:prstGeom>
-          <a:ln>
-            <a:noFill/>
-          </a:ln>
-          <a:effectLst>
-            <a:outerShdw blurRad="190500" algn="tl" rotWithShape="0">
-              <a:srgbClr val="000000">
-                <a:alpha val="70000"/>
-              </a:srgbClr>
-            </a:outerShdw>
-          </a:effectLst>
-        </p:spPr>
-      </p:pic>
-      <p:pic>
-        <p:nvPicPr>
-          <p:cNvPr id="9" name="Picture 8"/>
-          <p:cNvPicPr/>
-          <p:nvPr/>
-        </p:nvPicPr>
-        <p:blipFill>
-          <a:blip r:embed="rId7"/>
-          <a:srcRect/>
-          <a:stretch>
-            <a:fillRect/>
-          </a:stretch>
-        </p:blipFill>
-        <p:spPr bwMode="auto">
-          <a:xfrm>
-            <a:off x="2714612" y="3714752"/>
-            <a:ext cx="5943600" cy="1924432"/>
-          </a:xfrm>
-          <a:prstGeom prst="rect">
-            <a:avLst/>
-          </a:prstGeom>
-          <a:ln>
-            <a:noFill/>
-          </a:ln>
-          <a:effectLst>
-            <a:outerShdw blurRad="190500" algn="tl" rotWithShape="0">
-              <a:srgbClr val="000000">
-                <a:alpha val="70000"/>
-              </a:srgbClr>
-            </a:outerShdw>
-          </a:effectLst>
-        </p:spPr>
-      </p:pic>
+        <p:txBody>
+          <a:bodyPr wrap="none" rtlCol="0">
+            <a:spAutoFit/>
+          </a:bodyPr>
+          <a:lstStyle/>
+          <a:p>
+            <a:r>
+              <a:rPr lang="nl-BE" dirty="0" smtClean="0">
+                <a:solidFill>
+                  <a:srgbClr val="0070C0"/>
+                </a:solidFill>
+                <a:effectLst>
+                  <a:outerShdw blurRad="50800" dist="38100" dir="2700000" algn="tl" rotWithShape="0">
+                    <a:prstClr val="black">
+                      <a:alpha val="40000"/>
+                    </a:prstClr>
+                  </a:outerShdw>
+                </a:effectLst>
+                <a:latin typeface="Arial Black" pitchFamily="34" charset="0"/>
+              </a:rPr>
+              <a:t>SVN</a:t>
+            </a:r>
+            <a:endParaRPr lang="en-US" dirty="0">
+              <a:solidFill>
+                <a:srgbClr val="0070C0"/>
+              </a:solidFill>
+              <a:effectLst>
+                <a:outerShdw blurRad="50800" dist="38100" dir="2700000" algn="tl" rotWithShape="0">
+                  <a:prstClr val="black">
+                    <a:alpha val="40000"/>
+                  </a:prstClr>
+                </a:outerShdw>
+              </a:effectLst>
+              <a:latin typeface="Arial Black" pitchFamily="34" charset="0"/>
+            </a:endParaRPr>
+          </a:p>
+        </p:txBody>
+      </p:sp>
     </p:spTree>
   </p:cSld>
   <p:clrMapOvr>
@@ -6313,7 +10648,7 @@
                             </p:stCondLst>
                             <p:childTnLst>
                               <p:par>
-                                <p:cTn id="5" presetID="10" presetClass="entr" presetSubtype="0" fill="hold" nodeType="clickEffect">
+                                <p:cTn id="5" presetID="10" presetClass="entr" presetSubtype="0" fill="hold" grpId="0" nodeType="clickEffect">
                                   <p:stCondLst>
                                     <p:cond delay="0"/>
                                   </p:stCondLst>
@@ -6326,7 +10661,11 @@
                                           </p:stCondLst>
                                         </p:cTn>
                                         <p:tgtEl>
-                                          <p:spTgt spid="4"/>
+                                          <p:spTgt spid="12">
+                                            <p:graphicEl>
+                                              <a:dgm id="{3BA92C7C-5CB1-4570-8FA2-5F6671B46B59}"/>
+                                            </p:graphicEl>
+                                          </p:spTgt>
                                         </p:tgtEl>
                                         <p:attrNameLst>
                                           <p:attrName>style.visibility</p:attrName>
@@ -6340,7 +10679,11 @@
                                       <p:cBhvr>
                                         <p:cTn id="7" dur="500"/>
                                         <p:tgtEl>
-                                          <p:spTgt spid="4"/>
+                                          <p:spTgt spid="12">
+                                            <p:graphicEl>
+                                              <a:dgm id="{3BA92C7C-5CB1-4570-8FA2-5F6671B46B59}"/>
+                                            </p:graphicEl>
+                                          </p:spTgt>
                                         </p:tgtEl>
                                       </p:cBhvr>
                                     </p:animEffect>
@@ -6366,42 +10709,50 @@
                             </p:stCondLst>
                             <p:childTnLst>
                               <p:par>
-                                <p:cTn id="10" presetID="10" presetClass="exit" presetSubtype="0" fill="hold" nodeType="clickEffect">
+                                <p:cTn id="10" presetID="10" presetClass="entr" presetSubtype="0" fill="hold" grpId="0" nodeType="clickEffect">
                                   <p:stCondLst>
                                     <p:cond delay="0"/>
                                   </p:stCondLst>
                                   <p:childTnLst>
-                                    <p:animEffect transition="out" filter="fade">
-                                      <p:cBhvr>
-                                        <p:cTn id="11" dur="500"/>
-                                        <p:tgtEl>
-                                          <p:spTgt spid="4"/>
-                                        </p:tgtEl>
-                                      </p:cBhvr>
-                                    </p:animEffect>
                                     <p:set>
                                       <p:cBhvr>
-                                        <p:cTn id="12" dur="1" fill="hold">
+                                        <p:cTn id="11" dur="1" fill="hold">
                                           <p:stCondLst>
-                                            <p:cond delay="499"/>
+                                            <p:cond delay="0"/>
                                           </p:stCondLst>
                                         </p:cTn>
                                         <p:tgtEl>
-                                          <p:spTgt spid="4"/>
+                                          <p:spTgt spid="12">
+                                            <p:graphicEl>
+                                              <a:dgm id="{E974E305-B093-4847-B674-96CD015141E0}"/>
+                                            </p:graphicEl>
+                                          </p:spTgt>
                                         </p:tgtEl>
                                         <p:attrNameLst>
                                           <p:attrName>style.visibility</p:attrName>
                                         </p:attrNameLst>
                                       </p:cBhvr>
                                       <p:to>
-                                        <p:strVal val="hidden"/>
+                                        <p:strVal val="visible"/>
                                       </p:to>
                                     </p:set>
+                                    <p:animEffect transition="in" filter="fade">
+                                      <p:cBhvr>
+                                        <p:cTn id="12" dur="500"/>
+                                        <p:tgtEl>
+                                          <p:spTgt spid="12">
+                                            <p:graphicEl>
+                                              <a:dgm id="{E974E305-B093-4847-B674-96CD015141E0}"/>
+                                            </p:graphicEl>
+                                          </p:spTgt>
+                                        </p:tgtEl>
+                                      </p:cBhvr>
+                                    </p:animEffect>
                                   </p:childTnLst>
                                 </p:cTn>
                               </p:par>
                               <p:par>
-                                <p:cTn id="13" presetID="10" presetClass="entr" presetSubtype="0" fill="hold" nodeType="withEffect">
+                                <p:cTn id="13" presetID="10" presetClass="entr" presetSubtype="0" fill="hold" grpId="0" nodeType="withEffect">
                                   <p:stCondLst>
                                     <p:cond delay="0"/>
                                   </p:stCondLst>
@@ -6414,7 +10765,11 @@
                                           </p:stCondLst>
                                         </p:cTn>
                                         <p:tgtEl>
-                                          <p:spTgt spid="5"/>
+                                          <p:spTgt spid="12">
+                                            <p:graphicEl>
+                                              <a:dgm id="{E8C7D2B8-2EFE-491B-9120-598B54FDB279}"/>
+                                            </p:graphicEl>
+                                          </p:spTgt>
                                         </p:tgtEl>
                                         <p:attrNameLst>
                                           <p:attrName>style.visibility</p:attrName>
@@ -6428,7 +10783,46 @@
                                       <p:cBhvr>
                                         <p:cTn id="15" dur="500"/>
                                         <p:tgtEl>
-                                          <p:spTgt spid="5"/>
+                                          <p:spTgt spid="12">
+                                            <p:graphicEl>
+                                              <a:dgm id="{E8C7D2B8-2EFE-491B-9120-598B54FDB279}"/>
+                                            </p:graphicEl>
+                                          </p:spTgt>
+                                        </p:tgtEl>
+                                      </p:cBhvr>
+                                    </p:animEffect>
+                                  </p:childTnLst>
+                                </p:cTn>
+                              </p:par>
+                              <p:par>
+                                <p:cTn id="16" presetID="10" presetClass="entr" presetSubtype="0" fill="hold" grpId="0" nodeType="withEffect">
+                                  <p:stCondLst>
+                                    <p:cond delay="0"/>
+                                  </p:stCondLst>
+                                  <p:childTnLst>
+                                    <p:set>
+                                      <p:cBhvr>
+                                        <p:cTn id="17" dur="1" fill="hold">
+                                          <p:stCondLst>
+                                            <p:cond delay="0"/>
+                                          </p:stCondLst>
+                                        </p:cTn>
+                                        <p:tgtEl>
+                                          <p:spTgt spid="13"/>
+                                        </p:tgtEl>
+                                        <p:attrNameLst>
+                                          <p:attrName>style.visibility</p:attrName>
+                                        </p:attrNameLst>
+                                      </p:cBhvr>
+                                      <p:to>
+                                        <p:strVal val="visible"/>
+                                      </p:to>
+                                    </p:set>
+                                    <p:animEffect transition="in" filter="fade">
+                                      <p:cBhvr>
+                                        <p:cTn id="18" dur="500"/>
+                                        <p:tgtEl>
+                                          <p:spTgt spid="13"/>
                                         </p:tgtEl>
                                       </p:cBhvr>
                                     </p:animEffect>
@@ -6442,54 +10836,19 @@
                     </p:cTn>
                   </p:par>
                   <p:par>
-                    <p:cTn id="16" fill="hold">
+                    <p:cTn id="19" fill="hold">
                       <p:stCondLst>
                         <p:cond delay="indefinite"/>
                       </p:stCondLst>
                       <p:childTnLst>
                         <p:par>
-                          <p:cTn id="17" fill="hold">
+                          <p:cTn id="20" fill="hold">
                             <p:stCondLst>
                               <p:cond delay="0"/>
                             </p:stCondLst>
                             <p:childTnLst>
                               <p:par>
-                                <p:cTn id="18" presetID="10" presetClass="exit" presetSubtype="0" fill="hold" nodeType="clickEffect">
-                                  <p:stCondLst>
-                                    <p:cond delay="0"/>
-                                  </p:stCondLst>
-                                  <p:childTnLst>
-                                    <p:animEffect transition="out" filter="fade">
-                                      <p:cBhvr>
-                                        <p:cTn id="19" dur="500"/>
-                                        <p:tgtEl>
-                                          <p:spTgt spid="5"/>
-                                        </p:tgtEl>
-                                      </p:cBhvr>
-                                    </p:animEffect>
-                                    <p:set>
-                                      <p:cBhvr>
-                                        <p:cTn id="20" dur="1" fill="hold">
-                                          <p:stCondLst>
-                                            <p:cond delay="499"/>
-                                          </p:stCondLst>
-                                        </p:cTn>
-                                        <p:tgtEl>
-                                          <p:spTgt spid="5"/>
-                                        </p:tgtEl>
-                                        <p:attrNameLst>
-                                          <p:attrName>style.visibility</p:attrName>
-                                        </p:attrNameLst>
-                                      </p:cBhvr>
-                                      <p:to>
-                                        <p:strVal val="hidden"/>
-                                      </p:to>
-                                    </p:set>
-                                  </p:childTnLst>
-                                </p:cTn>
-                              </p:par>
-                              <p:par>
-                                <p:cTn id="21" presetID="10" presetClass="entr" presetSubtype="0" fill="hold" nodeType="withEffect">
+                                <p:cTn id="21" presetID="10" presetClass="entr" presetSubtype="0" fill="hold" grpId="0" nodeType="clickEffect">
                                   <p:stCondLst>
                                     <p:cond delay="0"/>
                                   </p:stCondLst>
@@ -6502,7 +10861,11 @@
                                           </p:stCondLst>
                                         </p:cTn>
                                         <p:tgtEl>
-                                          <p:spTgt spid="6"/>
+                                          <p:spTgt spid="12">
+                                            <p:graphicEl>
+                                              <a:dgm id="{05F659E6-DE2E-4A9D-9F2C-38C149E7E7F9}"/>
+                                            </p:graphicEl>
+                                          </p:spTgt>
                                         </p:tgtEl>
                                         <p:attrNameLst>
                                           <p:attrName>style.visibility</p:attrName>
@@ -6516,81 +10879,36 @@
                                       <p:cBhvr>
                                         <p:cTn id="23" dur="500"/>
                                         <p:tgtEl>
-                                          <p:spTgt spid="6"/>
+                                          <p:spTgt spid="12">
+                                            <p:graphicEl>
+                                              <a:dgm id="{05F659E6-DE2E-4A9D-9F2C-38C149E7E7F9}"/>
+                                            </p:graphicEl>
+                                          </p:spTgt>
                                         </p:tgtEl>
                                       </p:cBhvr>
                                     </p:animEffect>
                                   </p:childTnLst>
                                 </p:cTn>
                               </p:par>
-                            </p:childTnLst>
-                          </p:cTn>
-                        </p:par>
-                      </p:childTnLst>
-                    </p:cTn>
-                  </p:par>
-                  <p:par>
-                    <p:cTn id="24" fill="hold">
-                      <p:stCondLst>
-                        <p:cond delay="indefinite"/>
-                      </p:stCondLst>
-                      <p:childTnLst>
-                        <p:par>
-                          <p:cTn id="25" fill="hold">
-                            <p:stCondLst>
-                              <p:cond delay="0"/>
-                            </p:stCondLst>
-                            <p:childTnLst>
                               <p:par>
-                                <p:cTn id="26" presetID="10" presetClass="exit" presetSubtype="0" fill="hold" nodeType="clickEffect">
-                                  <p:stCondLst>
-                                    <p:cond delay="0"/>
-                                  </p:stCondLst>
-                                  <p:childTnLst>
-                                    <p:animEffect transition="out" filter="fade">
-                                      <p:cBhvr>
-                                        <p:cTn id="27" dur="500"/>
-                                        <p:tgtEl>
-                                          <p:spTgt spid="6"/>
-                                        </p:tgtEl>
-                                      </p:cBhvr>
-                                    </p:animEffect>
-                                    <p:set>
-                                      <p:cBhvr>
-                                        <p:cTn id="28" dur="1" fill="hold">
-                                          <p:stCondLst>
-                                            <p:cond delay="499"/>
-                                          </p:stCondLst>
-                                        </p:cTn>
-                                        <p:tgtEl>
-                                          <p:spTgt spid="6"/>
-                                        </p:tgtEl>
-                                        <p:attrNameLst>
-                                          <p:attrName>style.visibility</p:attrName>
-                                        </p:attrNameLst>
-                                      </p:cBhvr>
-                                      <p:to>
-                                        <p:strVal val="hidden"/>
-                                      </p:to>
-                                    </p:set>
-                                  </p:childTnLst>
-                                </p:cTn>
-                              </p:par>
-                              <p:par>
-                                <p:cTn id="29" presetID="10" presetClass="entr" presetSubtype="0" fill="hold" nodeType="withEffect">
+                                <p:cTn id="24" presetID="10" presetClass="entr" presetSubtype="0" fill="hold" grpId="0" nodeType="withEffect">
                                   <p:stCondLst>
                                     <p:cond delay="0"/>
                                   </p:stCondLst>
                                   <p:childTnLst>
                                     <p:set>
                                       <p:cBhvr>
-                                        <p:cTn id="30" dur="1" fill="hold">
+                                        <p:cTn id="25" dur="1" fill="hold">
                                           <p:stCondLst>
                                             <p:cond delay="0"/>
                                           </p:stCondLst>
                                         </p:cTn>
                                         <p:tgtEl>
-                                          <p:spTgt spid="7"/>
+                                          <p:spTgt spid="12">
+                                            <p:graphicEl>
+                                              <a:dgm id="{5FB27D96-032E-4476-A886-256D29C84CCF}"/>
+                                            </p:graphicEl>
+                                          </p:spTgt>
                                         </p:tgtEl>
                                         <p:attrNameLst>
                                           <p:attrName>style.visibility</p:attrName>
@@ -6602,39 +10920,34 @@
                                     </p:set>
                                     <p:animEffect transition="in" filter="fade">
                                       <p:cBhvr>
-                                        <p:cTn id="31" dur="500"/>
+                                        <p:cTn id="26" dur="500"/>
                                         <p:tgtEl>
-                                          <p:spTgt spid="7"/>
+                                          <p:spTgt spid="12">
+                                            <p:graphicEl>
+                                              <a:dgm id="{5FB27D96-032E-4476-A886-256D29C84CCF}"/>
+                                            </p:graphicEl>
+                                          </p:spTgt>
                                         </p:tgtEl>
                                       </p:cBhvr>
                                     </p:animEffect>
                                   </p:childTnLst>
                                 </p:cTn>
                               </p:par>
-                            </p:childTnLst>
-                          </p:cTn>
-                        </p:par>
-                        <p:par>
-                          <p:cTn id="32" fill="hold">
-                            <p:stCondLst>
-                              <p:cond delay="500"/>
-                            </p:stCondLst>
-                            <p:childTnLst>
                               <p:par>
-                                <p:cTn id="33" presetID="10" presetClass="entr" presetSubtype="0" fill="hold" nodeType="afterEffect">
+                                <p:cTn id="27" presetID="10" presetClass="entr" presetSubtype="0" fill="hold" grpId="0" nodeType="withEffect">
                                   <p:stCondLst>
                                     <p:cond delay="0"/>
                                   </p:stCondLst>
                                   <p:childTnLst>
                                     <p:set>
                                       <p:cBhvr>
-                                        <p:cTn id="34" dur="1" fill="hold">
+                                        <p:cTn id="28" dur="1" fill="hold">
                                           <p:stCondLst>
                                             <p:cond delay="0"/>
                                           </p:stCondLst>
                                         </p:cTn>
                                         <p:tgtEl>
-                                          <p:spTgt spid="8"/>
+                                          <p:spTgt spid="14"/>
                                         </p:tgtEl>
                                         <p:attrNameLst>
                                           <p:attrName>style.visibility</p:attrName>
@@ -6646,53 +10959,9 @@
                                     </p:set>
                                     <p:animEffect transition="in" filter="fade">
                                       <p:cBhvr>
-                                        <p:cTn id="35" dur="500"/>
+                                        <p:cTn id="29" dur="500"/>
                                         <p:tgtEl>
-                                          <p:spTgt spid="8"/>
-                                        </p:tgtEl>
-                                      </p:cBhvr>
-                                    </p:animEffect>
-                                  </p:childTnLst>
-                                </p:cTn>
-                              </p:par>
-                            </p:childTnLst>
-                          </p:cTn>
-                        </p:par>
-                        <p:par>
-                          <p:cTn id="36" fill="hold">
-                            <p:stCondLst>
-                              <p:cond delay="1000"/>
-                            </p:stCondLst>
-                            <p:childTnLst>
-                              <p:par>
-                                <p:cTn id="37" presetID="10" presetClass="entr" presetSubtype="0" fill="hold" nodeType="afterEffect">
-                                  <p:stCondLst>
-                                    <p:cond delay="0"/>
-                                  </p:stCondLst>
-                                  <p:childTnLst>
-                                    <p:set>
-                                      <p:cBhvr>
-                                        <p:cTn id="38" dur="1" fill="hold">
-                                          <p:stCondLst>
-                                            <p:cond delay="0"/>
-                                          </p:stCondLst>
-                                        </p:cTn>
-                                        <p:tgtEl>
-                                          <p:spTgt spid="9"/>
-                                        </p:tgtEl>
-                                        <p:attrNameLst>
-                                          <p:attrName>style.visibility</p:attrName>
-                                        </p:attrNameLst>
-                                      </p:cBhvr>
-                                      <p:to>
-                                        <p:strVal val="visible"/>
-                                      </p:to>
-                                    </p:set>
-                                    <p:animEffect transition="in" filter="fade">
-                                      <p:cBhvr>
-                                        <p:cTn id="39" dur="500"/>
-                                        <p:tgtEl>
-                                          <p:spTgt spid="9"/>
+                                          <p:spTgt spid="14"/>
                                         </p:tgtEl>
                                       </p:cBhvr>
                                     </p:animEffect>
@@ -6726,6 +10995,15 @@
         </p:cTn>
       </p:par>
     </p:tnLst>
+    <p:bldLst>
+      <p:bldGraphic spid="12" grpId="0" uiExpand="1">
+        <p:bldSub>
+          <a:bldDgm bld="one"/>
+        </p:bldSub>
+      </p:bldGraphic>
+      <p:bldP spid="13" grpId="0" animBg="1"/>
+      <p:bldP spid="14" grpId="0" animBg="1"/>
+    </p:bldLst>
   </p:timing>
 </p:sld>
 </file>
@@ -8254,7 +12532,11 @@
             </a:r>
             <a:r>
               <a:rPr lang="nl-BE" baseline="0" dirty="0" smtClean="0"/>
-              <a:t> with Subversion: </a:t>
+              <a:t> with </a:t>
+            </a:r>
+            <a:r>
+              <a:rPr lang="nl-BE" baseline="0" dirty="0" smtClean="0"/>
+              <a:t>Subversion - A </a:t>
             </a:r>
             <a:r>
               <a:rPr lang="nl-BE" dirty="0" smtClean="0"/>
@@ -8266,190 +12548,212 @@
       </p:sp>
       <p:pic>
         <p:nvPicPr>
-          <p:cNvPr id="4" name="Picture 3"/>
-          <p:cNvPicPr/>
+          <p:cNvPr id="11" name="Picture 10" descr="teamcity.gif"/>
+          <p:cNvPicPr>
+            <a:picLocks noChangeAspect="1"/>
+          </p:cNvPicPr>
           <p:nvPr/>
         </p:nvPicPr>
         <p:blipFill>
           <a:blip r:embed="rId2"/>
-          <a:srcRect/>
           <a:stretch>
             <a:fillRect/>
           </a:stretch>
         </p:blipFill>
-        <p:spPr bwMode="auto">
+        <p:spPr>
           <a:xfrm>
-            <a:off x="500033" y="549126"/>
-            <a:ext cx="8084607" cy="3237064"/>
+            <a:off x="1714480" y="1147773"/>
+            <a:ext cx="5686425" cy="3781425"/>
+          </a:xfrm>
+          <a:prstGeom prst="rect">
+            <a:avLst/>
+          </a:prstGeom>
+        </p:spPr>
+      </p:pic>
+      <p:graphicFrame>
+        <p:nvGraphicFramePr>
+          <p:cNvPr id="12" name="Diagram 11"/>
+          <p:cNvGraphicFramePr/>
+          <p:nvPr/>
+        </p:nvGraphicFramePr>
+        <p:xfrm>
+          <a:off x="1524000" y="500042"/>
+          <a:ext cx="6096000" cy="571504"/>
+        </p:xfrm>
+        <a:graphic>
+          <a:graphicData uri="http://schemas.openxmlformats.org/drawingml/2006/diagram">
+            <dgm:relIds xmlns:dgm="http://schemas.openxmlformats.org/drawingml/2006/diagram" xmlns:r="http://schemas.openxmlformats.org/officeDocument/2006/relationships" r:dm="rId3" r:lo="rId4" r:qs="rId5" r:cs="rId6"/>
+          </a:graphicData>
+        </a:graphic>
+      </p:graphicFrame>
+      <p:sp>
+        <p:nvSpPr>
+          <p:cNvPr id="13" name="Right Arrow 12"/>
+          <p:cNvSpPr/>
+          <p:nvPr/>
+        </p:nvSpPr>
+        <p:spPr>
+          <a:xfrm rot="1652706">
+            <a:off x="3244311" y="2489898"/>
+            <a:ext cx="642942" cy="285752"/>
+          </a:xfrm>
+          <a:prstGeom prst="rightArrow">
+            <a:avLst/>
+          </a:prstGeom>
+        </p:spPr>
+        <p:style>
+          <a:lnRef idx="2">
+            <a:schemeClr val="accent2"/>
+          </a:lnRef>
+          <a:fillRef idx="1">
+            <a:schemeClr val="lt1"/>
+          </a:fillRef>
+          <a:effectRef idx="0">
+            <a:schemeClr val="accent2"/>
+          </a:effectRef>
+          <a:fontRef idx="minor">
+            <a:schemeClr val="dk1"/>
+          </a:fontRef>
+        </p:style>
+        <p:txBody>
+          <a:bodyPr rtlCol="0" anchor="ctr"/>
+          <a:lstStyle/>
+          <a:p>
+            <a:pPr algn="ctr"/>
+            <a:endParaRPr lang="en-US" dirty="0"/>
+          </a:p>
+        </p:txBody>
+      </p:sp>
+      <p:sp>
+        <p:nvSpPr>
+          <p:cNvPr id="14" name="Right Arrow 13"/>
+          <p:cNvSpPr/>
+          <p:nvPr/>
+        </p:nvSpPr>
+        <p:spPr>
+          <a:xfrm>
+            <a:off x="3500430" y="1928802"/>
+            <a:ext cx="2143140" cy="285752"/>
+          </a:xfrm>
+          <a:prstGeom prst="rightArrow">
+            <a:avLst/>
+          </a:prstGeom>
+        </p:spPr>
+        <p:style>
+          <a:lnRef idx="2">
+            <a:schemeClr val="accent4"/>
+          </a:lnRef>
+          <a:fillRef idx="1">
+            <a:schemeClr val="lt1"/>
+          </a:fillRef>
+          <a:effectRef idx="0">
+            <a:schemeClr val="accent4"/>
+          </a:effectRef>
+          <a:fontRef idx="minor">
+            <a:schemeClr val="dk1"/>
+          </a:fontRef>
+        </p:style>
+        <p:txBody>
+          <a:bodyPr rtlCol="0" anchor="ctr"/>
+          <a:lstStyle/>
+          <a:p>
+            <a:pPr algn="ctr"/>
+            <a:endParaRPr lang="en-US"/>
+          </a:p>
+        </p:txBody>
+      </p:sp>
+      <p:sp>
+        <p:nvSpPr>
+          <p:cNvPr id="7" name="TextBox 6"/>
+          <p:cNvSpPr txBox="1"/>
+          <p:nvPr/>
+        </p:nvSpPr>
+        <p:spPr>
+          <a:xfrm>
+            <a:off x="3929058" y="2273850"/>
+            <a:ext cx="723275" cy="369332"/>
           </a:xfrm>
           <a:prstGeom prst="rect">
             <a:avLst/>
           </a:prstGeom>
           <a:noFill/>
-          <a:ln w="9525">
-            <a:noFill/>
-            <a:miter lim="800000"/>
-            <a:headEnd/>
-            <a:tailEnd/>
-          </a:ln>
         </p:spPr>
-      </p:pic>
-      <p:pic>
-        <p:nvPicPr>
-          <p:cNvPr id="5" name="Picture 4"/>
-          <p:cNvPicPr/>
+        <p:txBody>
+          <a:bodyPr wrap="none" rtlCol="0">
+            <a:spAutoFit/>
+          </a:bodyPr>
+          <a:lstStyle/>
+          <a:p>
+            <a:r>
+              <a:rPr lang="nl-BE" dirty="0" smtClean="0">
+                <a:solidFill>
+                  <a:srgbClr val="0070C0"/>
+                </a:solidFill>
+                <a:effectLst>
+                  <a:outerShdw blurRad="50800" dist="38100" dir="2700000" algn="tl" rotWithShape="0">
+                    <a:prstClr val="black">
+                      <a:alpha val="40000"/>
+                    </a:prstClr>
+                  </a:outerShdw>
+                </a:effectLst>
+                <a:latin typeface="Arial Black" pitchFamily="34" charset="0"/>
+              </a:rPr>
+              <a:t>SVN</a:t>
+            </a:r>
+            <a:endParaRPr lang="en-US" dirty="0">
+              <a:solidFill>
+                <a:srgbClr val="0070C0"/>
+              </a:solidFill>
+              <a:effectLst>
+                <a:outerShdw blurRad="50800" dist="38100" dir="2700000" algn="tl" rotWithShape="0">
+                  <a:prstClr val="black">
+                    <a:alpha val="40000"/>
+                  </a:prstClr>
+                </a:outerShdw>
+              </a:effectLst>
+              <a:latin typeface="Arial Black" pitchFamily="34" charset="0"/>
+            </a:endParaRPr>
+          </a:p>
+        </p:txBody>
+      </p:sp>
+      <p:sp>
+        <p:nvSpPr>
+          <p:cNvPr id="9" name="Right Arrow 8"/>
+          <p:cNvSpPr/>
           <p:nvPr/>
-        </p:nvPicPr>
-        <p:blipFill>
-          <a:blip r:embed="rId3"/>
-          <a:srcRect/>
-          <a:stretch>
-            <a:fillRect/>
-          </a:stretch>
-        </p:blipFill>
-        <p:spPr bwMode="auto">
+        </p:nvSpPr>
+        <p:spPr>
           <a:xfrm>
-            <a:off x="500033" y="571480"/>
-            <a:ext cx="8126799" cy="4071966"/>
+            <a:off x="5072066" y="2928934"/>
+            <a:ext cx="642942" cy="285752"/>
           </a:xfrm>
-          <a:prstGeom prst="rect">
+          <a:prstGeom prst="rightArrow">
             <a:avLst/>
           </a:prstGeom>
-          <a:noFill/>
-          <a:ln w="9525">
-            <a:noFill/>
-            <a:miter lim="800000"/>
-            <a:headEnd/>
-            <a:tailEnd/>
-          </a:ln>
         </p:spPr>
-      </p:pic>
-      <p:pic>
-        <p:nvPicPr>
-          <p:cNvPr id="6" name="Picture 5"/>
-          <p:cNvPicPr/>
-          <p:nvPr/>
-        </p:nvPicPr>
-        <p:blipFill>
-          <a:blip r:embed="rId4"/>
-          <a:srcRect/>
-          <a:stretch>
-            <a:fillRect/>
-          </a:stretch>
-        </p:blipFill>
-        <p:spPr bwMode="auto">
-          <a:xfrm>
-            <a:off x="500033" y="593811"/>
-            <a:ext cx="8082231" cy="4049635"/>
-          </a:xfrm>
-          <a:prstGeom prst="rect">
-            <a:avLst/>
-          </a:prstGeom>
-          <a:noFill/>
-          <a:ln w="9525">
-            <a:noFill/>
-            <a:miter lim="800000"/>
-            <a:headEnd/>
-            <a:tailEnd/>
-          </a:ln>
-        </p:spPr>
-      </p:pic>
-      <p:pic>
-        <p:nvPicPr>
-          <p:cNvPr id="7" name="Picture 6"/>
-          <p:cNvPicPr/>
-          <p:nvPr/>
-        </p:nvPicPr>
-        <p:blipFill>
-          <a:blip r:embed="rId5"/>
-          <a:srcRect/>
-          <a:stretch>
-            <a:fillRect/>
-          </a:stretch>
-        </p:blipFill>
-        <p:spPr bwMode="auto">
-          <a:xfrm>
-            <a:off x="500034" y="551854"/>
-            <a:ext cx="8060038" cy="2448518"/>
-          </a:xfrm>
-          <a:prstGeom prst="rect">
-            <a:avLst/>
-          </a:prstGeom>
-          <a:noFill/>
-          <a:ln w="9525">
-            <a:noFill/>
-            <a:miter lim="800000"/>
-            <a:headEnd/>
-            <a:tailEnd/>
-          </a:ln>
-        </p:spPr>
-      </p:pic>
-      <p:pic>
-        <p:nvPicPr>
-          <p:cNvPr id="8" name="Picture 7"/>
-          <p:cNvPicPr/>
-          <p:nvPr/>
-        </p:nvPicPr>
-        <p:blipFill>
-          <a:blip r:embed="rId6"/>
-          <a:srcRect/>
-          <a:stretch>
-            <a:fillRect/>
-          </a:stretch>
-        </p:blipFill>
-        <p:spPr bwMode="auto">
-          <a:xfrm>
-            <a:off x="428596" y="2790452"/>
-            <a:ext cx="5943600" cy="1924432"/>
-          </a:xfrm>
-          <a:prstGeom prst="rect">
-            <a:avLst/>
-          </a:prstGeom>
-          <a:ln>
-            <a:noFill/>
-          </a:ln>
-          <a:effectLst>
-            <a:outerShdw blurRad="190500" algn="tl" rotWithShape="0">
-              <a:srgbClr val="000000">
-                <a:alpha val="70000"/>
-              </a:srgbClr>
-            </a:outerShdw>
-          </a:effectLst>
-        </p:spPr>
-      </p:pic>
-      <p:pic>
-        <p:nvPicPr>
-          <p:cNvPr id="9" name="Picture 8"/>
-          <p:cNvPicPr/>
-          <p:nvPr/>
-        </p:nvPicPr>
-        <p:blipFill>
-          <a:blip r:embed="rId7"/>
-          <a:srcRect/>
-          <a:stretch>
-            <a:fillRect/>
-          </a:stretch>
-        </p:blipFill>
-        <p:spPr bwMode="auto">
-          <a:xfrm>
-            <a:off x="2714612" y="3714752"/>
-            <a:ext cx="5943600" cy="1924432"/>
-          </a:xfrm>
-          <a:prstGeom prst="rect">
-            <a:avLst/>
-          </a:prstGeom>
-          <a:ln>
-            <a:noFill/>
-          </a:ln>
-          <a:effectLst>
-            <a:outerShdw blurRad="190500" algn="tl" rotWithShape="0">
-              <a:srgbClr val="000000">
-                <a:alpha val="70000"/>
-              </a:srgbClr>
-            </a:outerShdw>
-          </a:effectLst>
-        </p:spPr>
-      </p:pic>
+        <p:style>
+          <a:lnRef idx="2">
+            <a:schemeClr val="accent4"/>
+          </a:lnRef>
+          <a:fillRef idx="1">
+            <a:schemeClr val="lt1"/>
+          </a:fillRef>
+          <a:effectRef idx="0">
+            <a:schemeClr val="accent4"/>
+          </a:effectRef>
+          <a:fontRef idx="minor">
+            <a:schemeClr val="dk1"/>
+          </a:fontRef>
+        </p:style>
+        <p:txBody>
+          <a:bodyPr rtlCol="0" anchor="ctr"/>
+          <a:lstStyle/>
+          <a:p>
+            <a:pPr algn="ctr"/>
+            <a:endParaRPr lang="en-US"/>
+          </a:p>
+        </p:txBody>
+      </p:sp>
     </p:spTree>
   </p:cSld>
   <p:clrMapOvr>
@@ -8476,7 +12780,7 @@
                             </p:stCondLst>
                             <p:childTnLst>
                               <p:par>
-                                <p:cTn id="5" presetID="10" presetClass="entr" presetSubtype="0" fill="hold" nodeType="clickEffect">
+                                <p:cTn id="5" presetID="10" presetClass="entr" presetSubtype="0" fill="hold" grpId="0" nodeType="clickEffect">
                                   <p:stCondLst>
                                     <p:cond delay="0"/>
                                   </p:stCondLst>
@@ -8489,7 +12793,11 @@
                                           </p:stCondLst>
                                         </p:cTn>
                                         <p:tgtEl>
-                                          <p:spTgt spid="4"/>
+                                          <p:spTgt spid="12">
+                                            <p:graphicEl>
+                                              <a:dgm id="{3BA92C7C-5CB1-4570-8FA2-5F6671B46B59}"/>
+                                            </p:graphicEl>
+                                          </p:spTgt>
                                         </p:tgtEl>
                                         <p:attrNameLst>
                                           <p:attrName>style.visibility</p:attrName>
@@ -8503,7 +12811,11 @@
                                       <p:cBhvr>
                                         <p:cTn id="7" dur="500"/>
                                         <p:tgtEl>
-                                          <p:spTgt spid="4"/>
+                                          <p:spTgt spid="12">
+                                            <p:graphicEl>
+                                              <a:dgm id="{3BA92C7C-5CB1-4570-8FA2-5F6671B46B59}"/>
+                                            </p:graphicEl>
+                                          </p:spTgt>
                                         </p:tgtEl>
                                       </p:cBhvr>
                                     </p:animEffect>
@@ -8529,55 +12841,24 @@
                             </p:stCondLst>
                             <p:childTnLst>
                               <p:par>
-                                <p:cTn id="10" presetID="10" presetClass="exit" presetSubtype="0" fill="hold" nodeType="clickEffect">
-                                  <p:stCondLst>
-                                    <p:cond delay="0"/>
-                                  </p:stCondLst>
-                                  <p:childTnLst>
-                                    <p:animEffect transition="out" filter="fade">
-                                      <p:cBhvr>
-                                        <p:cTn id="11" dur="500"/>
-                                        <p:tgtEl>
-                                          <p:spTgt spid="4"/>
-                                        </p:tgtEl>
-                                      </p:cBhvr>
-                                    </p:animEffect>
-                                    <p:set>
-                                      <p:cBhvr>
-                                        <p:cTn id="12" dur="1" fill="hold">
-                                          <p:stCondLst>
-                                            <p:cond delay="499"/>
-                                          </p:stCondLst>
-                                        </p:cTn>
-                                        <p:tgtEl>
-                                          <p:spTgt spid="4"/>
-                                        </p:tgtEl>
-                                        <p:attrNameLst>
-                                          <p:attrName>style.visibility</p:attrName>
-                                        </p:attrNameLst>
-                                      </p:cBhvr>
-                                      <p:to>
-                                        <p:strVal val="hidden"/>
-                                      </p:to>
-                                    </p:set>
-                                  </p:childTnLst>
-                                </p:cTn>
-                              </p:par>
-                              <p:par>
-                                <p:cTn id="13" presetID="10" presetClass="entr" presetSubtype="0" fill="hold" nodeType="withEffect">
+                                <p:cTn id="10" presetID="10" presetClass="entr" presetSubtype="0" fill="hold" grpId="0" nodeType="clickEffect">
                                   <p:stCondLst>
                                     <p:cond delay="0"/>
                                   </p:stCondLst>
                                   <p:childTnLst>
                                     <p:set>
                                       <p:cBhvr>
-                                        <p:cTn id="14" dur="1" fill="hold">
+                                        <p:cTn id="11" dur="1" fill="hold">
                                           <p:stCondLst>
                                             <p:cond delay="0"/>
                                           </p:stCondLst>
                                         </p:cTn>
                                         <p:tgtEl>
-                                          <p:spTgt spid="5"/>
+                                          <p:spTgt spid="12">
+                                            <p:graphicEl>
+                                              <a:dgm id="{E974E305-B093-4847-B674-96CD015141E0}"/>
+                                            </p:graphicEl>
+                                          </p:spTgt>
                                         </p:tgtEl>
                                         <p:attrNameLst>
                                           <p:attrName>style.visibility</p:attrName>
@@ -8589,9 +12870,109 @@
                                     </p:set>
                                     <p:animEffect transition="in" filter="fade">
                                       <p:cBhvr>
-                                        <p:cTn id="15" dur="500"/>
+                                        <p:cTn id="12" dur="500"/>
                                         <p:tgtEl>
-                                          <p:spTgt spid="5"/>
+                                          <p:spTgt spid="12">
+                                            <p:graphicEl>
+                                              <a:dgm id="{E974E305-B093-4847-B674-96CD015141E0}"/>
+                                            </p:graphicEl>
+                                          </p:spTgt>
+                                        </p:tgtEl>
+                                      </p:cBhvr>
+                                    </p:animEffect>
+                                  </p:childTnLst>
+                                </p:cTn>
+                              </p:par>
+                            </p:childTnLst>
+                          </p:cTn>
+                        </p:par>
+                        <p:par>
+                          <p:cTn id="13" fill="hold">
+                            <p:stCondLst>
+                              <p:cond delay="500"/>
+                            </p:stCondLst>
+                            <p:childTnLst>
+                              <p:par>
+                                <p:cTn id="14" presetID="10" presetClass="entr" presetSubtype="0" fill="hold" grpId="0" nodeType="afterEffect">
+                                  <p:stCondLst>
+                                    <p:cond delay="0"/>
+                                  </p:stCondLst>
+                                  <p:childTnLst>
+                                    <p:set>
+                                      <p:cBhvr>
+                                        <p:cTn id="15" dur="1" fill="hold">
+                                          <p:stCondLst>
+                                            <p:cond delay="0"/>
+                                          </p:stCondLst>
+                                        </p:cTn>
+                                        <p:tgtEl>
+                                          <p:spTgt spid="12">
+                                            <p:graphicEl>
+                                              <a:dgm id="{E8C7D2B8-2EFE-491B-9120-598B54FDB279}"/>
+                                            </p:graphicEl>
+                                          </p:spTgt>
+                                        </p:tgtEl>
+                                        <p:attrNameLst>
+                                          <p:attrName>style.visibility</p:attrName>
+                                        </p:attrNameLst>
+                                      </p:cBhvr>
+                                      <p:to>
+                                        <p:strVal val="visible"/>
+                                      </p:to>
+                                    </p:set>
+                                    <p:animEffect transition="in" filter="fade">
+                                      <p:cBhvr>
+                                        <p:cTn id="16" dur="500"/>
+                                        <p:tgtEl>
+                                          <p:spTgt spid="12">
+                                            <p:graphicEl>
+                                              <a:dgm id="{E8C7D2B8-2EFE-491B-9120-598B54FDB279}"/>
+                                            </p:graphicEl>
+                                          </p:spTgt>
+                                        </p:tgtEl>
+                                      </p:cBhvr>
+                                    </p:animEffect>
+                                  </p:childTnLst>
+                                </p:cTn>
+                              </p:par>
+                            </p:childTnLst>
+                          </p:cTn>
+                        </p:par>
+                        <p:par>
+                          <p:cTn id="17" fill="hold">
+                            <p:stCondLst>
+                              <p:cond delay="1000"/>
+                            </p:stCondLst>
+                            <p:childTnLst>
+                              <p:par>
+                                <p:cTn id="18" presetID="10" presetClass="entr" presetSubtype="0" fill="hold" grpId="0" nodeType="afterEffect">
+                                  <p:stCondLst>
+                                    <p:cond delay="0"/>
+                                  </p:stCondLst>
+                                  <p:childTnLst>
+                                    <p:set>
+                                      <p:cBhvr>
+                                        <p:cTn id="19" dur="1" fill="hold">
+                                          <p:stCondLst>
+                                            <p:cond delay="0"/>
+                                          </p:stCondLst>
+                                        </p:cTn>
+                                        <p:tgtEl>
+                                          <p:spTgt spid="14"/>
+                                        </p:tgtEl>
+                                        <p:attrNameLst>
+                                          <p:attrName>style.visibility</p:attrName>
+                                        </p:attrNameLst>
+                                      </p:cBhvr>
+                                      <p:to>
+                                        <p:strVal val="visible"/>
+                                      </p:to>
+                                    </p:set>
+                                    <p:animEffect transition="in" filter="fade">
+                                      <p:cBhvr>
+                                        <p:cTn id="20" dur="500"/>
+                                        <p:tgtEl>
+                                          <p:spTgt spid="14"/>
                                         </p:tgtEl>
                                       </p:cBhvr>
                                     </p:animEffect>
@@ -8605,67 +12986,36 @@
                     </p:cTn>
                   </p:par>
                   <p:par>
-                    <p:cTn id="16" fill="hold">
+                    <p:cTn id="21" fill="hold">
                       <p:stCondLst>
                         <p:cond delay="indefinite"/>
                       </p:stCondLst>
                       <p:childTnLst>
                         <p:par>
-                          <p:cTn id="17" fill="hold">
+                          <p:cTn id="22" fill="hold">
                             <p:stCondLst>
                               <p:cond delay="0"/>
                             </p:stCondLst>
                             <p:childTnLst>
                               <p:par>
-                                <p:cTn id="18" presetID="10" presetClass="exit" presetSubtype="0" fill="hold" nodeType="clickEffect">
-                                  <p:stCondLst>
-                                    <p:cond delay="0"/>
-                                  </p:stCondLst>
-                                  <p:childTnLst>
-                                    <p:animEffect transition="out" filter="fade">
-                                      <p:cBhvr>
-                                        <p:cTn id="19" dur="500"/>
-                                        <p:tgtEl>
-                                          <p:spTgt spid="5"/>
-                                        </p:tgtEl>
-                                      </p:cBhvr>
-                                    </p:animEffect>
-                                    <p:set>
-                                      <p:cBhvr>
-                                        <p:cTn id="20" dur="1" fill="hold">
-                                          <p:stCondLst>
-                                            <p:cond delay="499"/>
-                                          </p:stCondLst>
-                                        </p:cTn>
-                                        <p:tgtEl>
-                                          <p:spTgt spid="5"/>
-                                        </p:tgtEl>
-                                        <p:attrNameLst>
-                                          <p:attrName>style.visibility</p:attrName>
-                                        </p:attrNameLst>
-                                      </p:cBhvr>
-                                      <p:to>
-                                        <p:strVal val="hidden"/>
-                                      </p:to>
-                                    </p:set>
-                                  </p:childTnLst>
-                                </p:cTn>
-                              </p:par>
-                              <p:par>
-                                <p:cTn id="21" presetID="10" presetClass="entr" presetSubtype="0" fill="hold" nodeType="withEffect">
+                                <p:cTn id="23" presetID="10" presetClass="entr" presetSubtype="0" fill="hold" grpId="0" nodeType="clickEffect">
                                   <p:stCondLst>
                                     <p:cond delay="0"/>
                                   </p:stCondLst>
                                   <p:childTnLst>
                                     <p:set>
                                       <p:cBhvr>
-                                        <p:cTn id="22" dur="1" fill="hold">
+                                        <p:cTn id="24" dur="1" fill="hold">
                                           <p:stCondLst>
                                             <p:cond delay="0"/>
                                           </p:stCondLst>
                                         </p:cTn>
                                         <p:tgtEl>
-                                          <p:spTgt spid="6"/>
+                                          <p:spTgt spid="12">
+                                            <p:graphicEl>
+                                              <a:dgm id="{05F659E6-DE2E-4A9D-9F2C-38C149E7E7F9}"/>
+                                            </p:graphicEl>
+                                          </p:spTgt>
                                         </p:tgtEl>
                                         <p:attrNameLst>
                                           <p:attrName>style.visibility</p:attrName>
@@ -8677,9 +13027,13 @@
                                     </p:set>
                                     <p:animEffect transition="in" filter="fade">
                                       <p:cBhvr>
-                                        <p:cTn id="23" dur="500"/>
+                                        <p:cTn id="25" dur="500"/>
                                         <p:tgtEl>
-                                          <p:spTgt spid="6"/>
+                                          <p:spTgt spid="12">
+                                            <p:graphicEl>
+                                              <a:dgm id="{05F659E6-DE2E-4A9D-9F2C-38C149E7E7F9}"/>
+                                            </p:graphicEl>
+                                          </p:spTgt>
                                         </p:tgtEl>
                                       </p:cBhvr>
                                     </p:animEffect>
@@ -8689,71 +13043,31 @@
                             </p:childTnLst>
                           </p:cTn>
                         </p:par>
-                      </p:childTnLst>
-                    </p:cTn>
-                  </p:par>
-                  <p:par>
-                    <p:cTn id="24" fill="hold">
-                      <p:stCondLst>
-                        <p:cond delay="indefinite"/>
-                      </p:stCondLst>
-                      <p:childTnLst>
                         <p:par>
-                          <p:cTn id="25" fill="hold">
+                          <p:cTn id="26" fill="hold">
                             <p:stCondLst>
-                              <p:cond delay="0"/>
+                              <p:cond delay="500"/>
                             </p:stCondLst>
                             <p:childTnLst>
                               <p:par>
-                                <p:cTn id="26" presetID="10" presetClass="exit" presetSubtype="0" fill="hold" nodeType="clickEffect">
-                                  <p:stCondLst>
-                                    <p:cond delay="0"/>
-                                  </p:stCondLst>
-                                  <p:childTnLst>
-                                    <p:animEffect transition="out" filter="fade">
-                                      <p:cBhvr>
-                                        <p:cTn id="27" dur="500"/>
-                                        <p:tgtEl>
-                                          <p:spTgt spid="6"/>
-                                        </p:tgtEl>
-                                      </p:cBhvr>
-                                    </p:animEffect>
-                                    <p:set>
-                                      <p:cBhvr>
-                                        <p:cTn id="28" dur="1" fill="hold">
-                                          <p:stCondLst>
-                                            <p:cond delay="499"/>
-                                          </p:stCondLst>
-                                        </p:cTn>
-                                        <p:tgtEl>
-                                          <p:spTgt spid="6"/>
-                                        </p:tgtEl>
-                                        <p:attrNameLst>
-                                          <p:attrName>style.visibility</p:attrName>
-                                        </p:attrNameLst>
-                                      </p:cBhvr>
-                                      <p:to>
-                                        <p:strVal val="hidden"/>
-                                      </p:to>
-                                    </p:set>
-                                  </p:childTnLst>
-                                </p:cTn>
-                              </p:par>
-                              <p:par>
-                                <p:cTn id="29" presetID="10" presetClass="entr" presetSubtype="0" fill="hold" nodeType="withEffect">
+                                <p:cTn id="27" presetID="10" presetClass="entr" presetSubtype="0" fill="hold" grpId="0" nodeType="afterEffect">
                                   <p:stCondLst>
                                     <p:cond delay="0"/>
                                   </p:stCondLst>
                                   <p:childTnLst>
                                     <p:set>
                                       <p:cBhvr>
-                                        <p:cTn id="30" dur="1" fill="hold">
+                                        <p:cTn id="28" dur="1" fill="hold">
                                           <p:stCondLst>
                                             <p:cond delay="0"/>
                                           </p:stCondLst>
                                         </p:cTn>
                                         <p:tgtEl>
-                                          <p:spTgt spid="7"/>
+                                          <p:spTgt spid="12">
+                                            <p:graphicEl>
+                                              <a:dgm id="{5FB27D96-032E-4476-A886-256D29C84CCF}"/>
+                                            </p:graphicEl>
+                                          </p:spTgt>
                                         </p:tgtEl>
                                         <p:attrNameLst>
                                           <p:attrName>style.visibility</p:attrName>
@@ -8765,9 +13079,13 @@
                                     </p:set>
                                     <p:animEffect transition="in" filter="fade">
                                       <p:cBhvr>
-                                        <p:cTn id="31" dur="500"/>
+                                        <p:cTn id="29" dur="500"/>
                                         <p:tgtEl>
-                                          <p:spTgt spid="7"/>
+                                          <p:spTgt spid="12">
+                                            <p:graphicEl>
+                                              <a:dgm id="{5FB27D96-032E-4476-A886-256D29C84CCF}"/>
+                                            </p:graphicEl>
+                                          </p:spTgt>
                                         </p:tgtEl>
                                       </p:cBhvr>
                                     </p:animEffect>
@@ -8778,26 +13096,26 @@
                           </p:cTn>
                         </p:par>
                         <p:par>
-                          <p:cTn id="32" fill="hold">
+                          <p:cTn id="30" fill="hold">
                             <p:stCondLst>
-                              <p:cond delay="500"/>
+                              <p:cond delay="1000"/>
                             </p:stCondLst>
                             <p:childTnLst>
                               <p:par>
-                                <p:cTn id="33" presetID="10" presetClass="entr" presetSubtype="0" fill="hold" nodeType="afterEffect">
+                                <p:cTn id="31" presetID="10" presetClass="entr" presetSubtype="0" fill="hold" grpId="0" nodeType="afterEffect">
                                   <p:stCondLst>
                                     <p:cond delay="0"/>
                                   </p:stCondLst>
                                   <p:childTnLst>
                                     <p:set>
                                       <p:cBhvr>
-                                        <p:cTn id="34" dur="1" fill="hold">
+                                        <p:cTn id="32" dur="1" fill="hold">
                                           <p:stCondLst>
                                             <p:cond delay="0"/>
                                           </p:stCondLst>
                                         </p:cTn>
                                         <p:tgtEl>
-                                          <p:spTgt spid="8"/>
+                                          <p:spTgt spid="13"/>
                                         </p:tgtEl>
                                         <p:attrNameLst>
                                           <p:attrName>style.visibility</p:attrName>
@@ -8809,9 +13127,9 @@
                                     </p:set>
                                     <p:animEffect transition="in" filter="fade">
                                       <p:cBhvr>
-                                        <p:cTn id="35" dur="500"/>
+                                        <p:cTn id="33" dur="500"/>
                                         <p:tgtEl>
-                                          <p:spTgt spid="8"/>
+                                          <p:spTgt spid="13"/>
                                         </p:tgtEl>
                                       </p:cBhvr>
                                     </p:animEffect>
@@ -8822,20 +13140,20 @@
                           </p:cTn>
                         </p:par>
                         <p:par>
-                          <p:cTn id="36" fill="hold">
+                          <p:cTn id="34" fill="hold">
                             <p:stCondLst>
-                              <p:cond delay="1000"/>
+                              <p:cond delay="1500"/>
                             </p:stCondLst>
                             <p:childTnLst>
                               <p:par>
-                                <p:cTn id="37" presetID="10" presetClass="entr" presetSubtype="0" fill="hold" nodeType="afterEffect">
+                                <p:cTn id="35" presetID="10" presetClass="entr" presetSubtype="0" fill="hold" grpId="0" nodeType="afterEffect">
                                   <p:stCondLst>
                                     <p:cond delay="0"/>
                                   </p:stCondLst>
                                   <p:childTnLst>
                                     <p:set>
                                       <p:cBhvr>
-                                        <p:cTn id="38" dur="1" fill="hold">
+                                        <p:cTn id="36" dur="1" fill="hold">
                                           <p:stCondLst>
                                             <p:cond delay="0"/>
                                           </p:stCondLst>
@@ -8853,7 +13171,7 @@
                                     </p:set>
                                     <p:animEffect transition="in" filter="fade">
                                       <p:cBhvr>
-                                        <p:cTn id="39" dur="500"/>
+                                        <p:cTn id="37" dur="500"/>
                                         <p:tgtEl>
                                           <p:spTgt spid="9"/>
                                         </p:tgtEl>
@@ -8889,1366 +13207,16 @@
         </p:cTn>
       </p:par>
     </p:tnLst>
-  </p:timing>
-</p:sld>
-</file>
-
-<file path=ppt/slides/slide21.xml><?xml version="1.0" encoding="utf-8"?>
-<p:sld xmlns:a="http://schemas.openxmlformats.org/drawingml/2006/main" xmlns:r="http://schemas.openxmlformats.org/officeDocument/2006/relationships" xmlns:p="http://schemas.openxmlformats.org/presentationml/2006/main">
-  <p:cSld>
-    <p:spTree>
-      <p:nvGrpSpPr>
-        <p:cNvPr id="1" name=""/>
-        <p:cNvGrpSpPr/>
-        <p:nvPr/>
-      </p:nvGrpSpPr>
-      <p:grpSpPr>
-        <a:xfrm>
-          <a:off x="0" y="0"/>
-          <a:ext cx="0" cy="0"/>
-          <a:chOff x="0" y="0"/>
-          <a:chExt cx="0" cy="0"/>
-        </a:xfrm>
-      </p:grpSpPr>
-      <p:sp>
-        <p:nvSpPr>
-          <p:cNvPr id="2" name="Title 1"/>
-          <p:cNvSpPr>
-            <a:spLocks noGrp="1"/>
-          </p:cNvSpPr>
-          <p:nvPr>
-            <p:ph type="title"/>
-          </p:nvPr>
-        </p:nvSpPr>
-        <p:spPr/>
-        <p:txBody>
-          <a:bodyPr>
-            <a:normAutofit fontScale="90000"/>
-          </a:bodyPr>
-          <a:lstStyle/>
-          <a:p>
-            <a:pPr lvl="0"/>
-            <a:r>
-              <a:rPr lang="nl-BE" dirty="0" smtClean="0"/>
-              <a:t>ALM: TeamCity</a:t>
-            </a:r>
-            <a:r>
-              <a:rPr lang="nl-BE" baseline="0" dirty="0" smtClean="0"/>
-              <a:t> with Subversion: </a:t>
-            </a:r>
-            <a:r>
-              <a:rPr lang="nl-BE" dirty="0" smtClean="0"/>
-              <a:t>Perfect match!</a:t>
-            </a:r>
-            <a:endParaRPr lang="en-US" dirty="0"/>
-          </a:p>
-        </p:txBody>
-      </p:sp>
-      <p:pic>
-        <p:nvPicPr>
-          <p:cNvPr id="4" name="Picture 3"/>
-          <p:cNvPicPr/>
-          <p:nvPr/>
-        </p:nvPicPr>
-        <p:blipFill>
-          <a:blip r:embed="rId2"/>
-          <a:srcRect/>
-          <a:stretch>
-            <a:fillRect/>
-          </a:stretch>
-        </p:blipFill>
-        <p:spPr bwMode="auto">
-          <a:xfrm>
-            <a:off x="500033" y="549126"/>
-            <a:ext cx="8084607" cy="3237064"/>
-          </a:xfrm>
-          <a:prstGeom prst="rect">
-            <a:avLst/>
-          </a:prstGeom>
-          <a:noFill/>
-          <a:ln w="9525">
-            <a:noFill/>
-            <a:miter lim="800000"/>
-            <a:headEnd/>
-            <a:tailEnd/>
-          </a:ln>
-        </p:spPr>
-      </p:pic>
-      <p:pic>
-        <p:nvPicPr>
-          <p:cNvPr id="5" name="Picture 4"/>
-          <p:cNvPicPr/>
-          <p:nvPr/>
-        </p:nvPicPr>
-        <p:blipFill>
-          <a:blip r:embed="rId3"/>
-          <a:srcRect/>
-          <a:stretch>
-            <a:fillRect/>
-          </a:stretch>
-        </p:blipFill>
-        <p:spPr bwMode="auto">
-          <a:xfrm>
-            <a:off x="500033" y="571480"/>
-            <a:ext cx="8126799" cy="4071966"/>
-          </a:xfrm>
-          <a:prstGeom prst="rect">
-            <a:avLst/>
-          </a:prstGeom>
-          <a:noFill/>
-          <a:ln w="9525">
-            <a:noFill/>
-            <a:miter lim="800000"/>
-            <a:headEnd/>
-            <a:tailEnd/>
-          </a:ln>
-        </p:spPr>
-      </p:pic>
-      <p:pic>
-        <p:nvPicPr>
-          <p:cNvPr id="6" name="Picture 5"/>
-          <p:cNvPicPr/>
-          <p:nvPr/>
-        </p:nvPicPr>
-        <p:blipFill>
-          <a:blip r:embed="rId4"/>
-          <a:srcRect/>
-          <a:stretch>
-            <a:fillRect/>
-          </a:stretch>
-        </p:blipFill>
-        <p:spPr bwMode="auto">
-          <a:xfrm>
-            <a:off x="500033" y="593811"/>
-            <a:ext cx="8082231" cy="4049635"/>
-          </a:xfrm>
-          <a:prstGeom prst="rect">
-            <a:avLst/>
-          </a:prstGeom>
-          <a:noFill/>
-          <a:ln w="9525">
-            <a:noFill/>
-            <a:miter lim="800000"/>
-            <a:headEnd/>
-            <a:tailEnd/>
-          </a:ln>
-        </p:spPr>
-      </p:pic>
-      <p:pic>
-        <p:nvPicPr>
-          <p:cNvPr id="7" name="Picture 6"/>
-          <p:cNvPicPr/>
-          <p:nvPr/>
-        </p:nvPicPr>
-        <p:blipFill>
-          <a:blip r:embed="rId5"/>
-          <a:srcRect/>
-          <a:stretch>
-            <a:fillRect/>
-          </a:stretch>
-        </p:blipFill>
-        <p:spPr bwMode="auto">
-          <a:xfrm>
-            <a:off x="500034" y="551854"/>
-            <a:ext cx="8060038" cy="2448518"/>
-          </a:xfrm>
-          <a:prstGeom prst="rect">
-            <a:avLst/>
-          </a:prstGeom>
-          <a:noFill/>
-          <a:ln w="9525">
-            <a:noFill/>
-            <a:miter lim="800000"/>
-            <a:headEnd/>
-            <a:tailEnd/>
-          </a:ln>
-        </p:spPr>
-      </p:pic>
-      <p:pic>
-        <p:nvPicPr>
-          <p:cNvPr id="8" name="Picture 7"/>
-          <p:cNvPicPr/>
-          <p:nvPr/>
-        </p:nvPicPr>
-        <p:blipFill>
-          <a:blip r:embed="rId6"/>
-          <a:srcRect/>
-          <a:stretch>
-            <a:fillRect/>
-          </a:stretch>
-        </p:blipFill>
-        <p:spPr bwMode="auto">
-          <a:xfrm>
-            <a:off x="428596" y="2790452"/>
-            <a:ext cx="5943600" cy="1924432"/>
-          </a:xfrm>
-          <a:prstGeom prst="rect">
-            <a:avLst/>
-          </a:prstGeom>
-          <a:ln>
-            <a:noFill/>
-          </a:ln>
-          <a:effectLst>
-            <a:outerShdw blurRad="190500" algn="tl" rotWithShape="0">
-              <a:srgbClr val="000000">
-                <a:alpha val="70000"/>
-              </a:srgbClr>
-            </a:outerShdw>
-          </a:effectLst>
-        </p:spPr>
-      </p:pic>
-      <p:pic>
-        <p:nvPicPr>
-          <p:cNvPr id="9" name="Picture 8"/>
-          <p:cNvPicPr/>
-          <p:nvPr/>
-        </p:nvPicPr>
-        <p:blipFill>
-          <a:blip r:embed="rId7"/>
-          <a:srcRect/>
-          <a:stretch>
-            <a:fillRect/>
-          </a:stretch>
-        </p:blipFill>
-        <p:spPr bwMode="auto">
-          <a:xfrm>
-            <a:off x="2714612" y="3714752"/>
-            <a:ext cx="5943600" cy="1924432"/>
-          </a:xfrm>
-          <a:prstGeom prst="rect">
-            <a:avLst/>
-          </a:prstGeom>
-          <a:ln>
-            <a:noFill/>
-          </a:ln>
-          <a:effectLst>
-            <a:outerShdw blurRad="190500" algn="tl" rotWithShape="0">
-              <a:srgbClr val="000000">
-                <a:alpha val="70000"/>
-              </a:srgbClr>
-            </a:outerShdw>
-          </a:effectLst>
-        </p:spPr>
-      </p:pic>
-    </p:spTree>
-  </p:cSld>
-  <p:clrMapOvr>
-    <a:masterClrMapping/>
-  </p:clrMapOvr>
-  <p:timing>
-    <p:tnLst>
-      <p:par>
-        <p:cTn id="1" dur="indefinite" restart="never" nodeType="tmRoot">
-          <p:childTnLst>
-            <p:seq concurrent="1" nextAc="seek">
-              <p:cTn id="2" dur="indefinite" nodeType="mainSeq">
-                <p:childTnLst>
-                  <p:par>
-                    <p:cTn id="3" fill="hold">
-                      <p:stCondLst>
-                        <p:cond delay="indefinite"/>
-                      </p:stCondLst>
-                      <p:childTnLst>
-                        <p:par>
-                          <p:cTn id="4" fill="hold">
-                            <p:stCondLst>
-                              <p:cond delay="0"/>
-                            </p:stCondLst>
-                            <p:childTnLst>
-                              <p:par>
-                                <p:cTn id="5" presetID="10" presetClass="entr" presetSubtype="0" fill="hold" nodeType="clickEffect">
-                                  <p:stCondLst>
-                                    <p:cond delay="0"/>
-                                  </p:stCondLst>
-                                  <p:childTnLst>
-                                    <p:set>
-                                      <p:cBhvr>
-                                        <p:cTn id="6" dur="1" fill="hold">
-                                          <p:stCondLst>
-                                            <p:cond delay="0"/>
-                                          </p:stCondLst>
-                                        </p:cTn>
-                                        <p:tgtEl>
-                                          <p:spTgt spid="4"/>
-                                        </p:tgtEl>
-                                        <p:attrNameLst>
-                                          <p:attrName>style.visibility</p:attrName>
-                                        </p:attrNameLst>
-                                      </p:cBhvr>
-                                      <p:to>
-                                        <p:strVal val="visible"/>
-                                      </p:to>
-                                    </p:set>
-                                    <p:animEffect transition="in" filter="fade">
-                                      <p:cBhvr>
-                                        <p:cTn id="7" dur="500"/>
-                                        <p:tgtEl>
-                                          <p:spTgt spid="4"/>
-                                        </p:tgtEl>
-                                      </p:cBhvr>
-                                    </p:animEffect>
-                                  </p:childTnLst>
-                                </p:cTn>
-                              </p:par>
-                            </p:childTnLst>
-                          </p:cTn>
-                        </p:par>
-                      </p:childTnLst>
-                    </p:cTn>
-                  </p:par>
-                  <p:par>
-                    <p:cTn id="8" fill="hold">
-                      <p:stCondLst>
-                        <p:cond delay="indefinite"/>
-                      </p:stCondLst>
-                      <p:childTnLst>
-                        <p:par>
-                          <p:cTn id="9" fill="hold">
-                            <p:stCondLst>
-                              <p:cond delay="0"/>
-                            </p:stCondLst>
-                            <p:childTnLst>
-                              <p:par>
-                                <p:cTn id="10" presetID="10" presetClass="exit" presetSubtype="0" fill="hold" nodeType="clickEffect">
-                                  <p:stCondLst>
-                                    <p:cond delay="0"/>
-                                  </p:stCondLst>
-                                  <p:childTnLst>
-                                    <p:animEffect transition="out" filter="fade">
-                                      <p:cBhvr>
-                                        <p:cTn id="11" dur="500"/>
-                                        <p:tgtEl>
-                                          <p:spTgt spid="4"/>
-                                        </p:tgtEl>
-                                      </p:cBhvr>
-                                    </p:animEffect>
-                                    <p:set>
-                                      <p:cBhvr>
-                                        <p:cTn id="12" dur="1" fill="hold">
-                                          <p:stCondLst>
-                                            <p:cond delay="499"/>
-                                          </p:stCondLst>
-                                        </p:cTn>
-                                        <p:tgtEl>
-                                          <p:spTgt spid="4"/>
-                                        </p:tgtEl>
-                                        <p:attrNameLst>
-                                          <p:attrName>style.visibility</p:attrName>
-                                        </p:attrNameLst>
-                                      </p:cBhvr>
-                                      <p:to>
-                                        <p:strVal val="hidden"/>
-                                      </p:to>
-                                    </p:set>
-                                  </p:childTnLst>
-                                </p:cTn>
-                              </p:par>
-                              <p:par>
-                                <p:cTn id="13" presetID="10" presetClass="entr" presetSubtype="0" fill="hold" nodeType="withEffect">
-                                  <p:stCondLst>
-                                    <p:cond delay="0"/>
-                                  </p:stCondLst>
-                                  <p:childTnLst>
-                                    <p:set>
-                                      <p:cBhvr>
-                                        <p:cTn id="14" dur="1" fill="hold">
-                                          <p:stCondLst>
-                                            <p:cond delay="0"/>
-                                          </p:stCondLst>
-                                        </p:cTn>
-                                        <p:tgtEl>
-                                          <p:spTgt spid="5"/>
-                                        </p:tgtEl>
-                                        <p:attrNameLst>
-                                          <p:attrName>style.visibility</p:attrName>
-                                        </p:attrNameLst>
-                                      </p:cBhvr>
-                                      <p:to>
-                                        <p:strVal val="visible"/>
-                                      </p:to>
-                                    </p:set>
-                                    <p:animEffect transition="in" filter="fade">
-                                      <p:cBhvr>
-                                        <p:cTn id="15" dur="500"/>
-                                        <p:tgtEl>
-                                          <p:spTgt spid="5"/>
-                                        </p:tgtEl>
-                                      </p:cBhvr>
-                                    </p:animEffect>
-                                  </p:childTnLst>
-                                </p:cTn>
-                              </p:par>
-                            </p:childTnLst>
-                          </p:cTn>
-                        </p:par>
-                      </p:childTnLst>
-                    </p:cTn>
-                  </p:par>
-                  <p:par>
-                    <p:cTn id="16" fill="hold">
-                      <p:stCondLst>
-                        <p:cond delay="indefinite"/>
-                      </p:stCondLst>
-                      <p:childTnLst>
-                        <p:par>
-                          <p:cTn id="17" fill="hold">
-                            <p:stCondLst>
-                              <p:cond delay="0"/>
-                            </p:stCondLst>
-                            <p:childTnLst>
-                              <p:par>
-                                <p:cTn id="18" presetID="10" presetClass="exit" presetSubtype="0" fill="hold" nodeType="clickEffect">
-                                  <p:stCondLst>
-                                    <p:cond delay="0"/>
-                                  </p:stCondLst>
-                                  <p:childTnLst>
-                                    <p:animEffect transition="out" filter="fade">
-                                      <p:cBhvr>
-                                        <p:cTn id="19" dur="500"/>
-                                        <p:tgtEl>
-                                          <p:spTgt spid="5"/>
-                                        </p:tgtEl>
-                                      </p:cBhvr>
-                                    </p:animEffect>
-                                    <p:set>
-                                      <p:cBhvr>
-                                        <p:cTn id="20" dur="1" fill="hold">
-                                          <p:stCondLst>
-                                            <p:cond delay="499"/>
-                                          </p:stCondLst>
-                                        </p:cTn>
-                                        <p:tgtEl>
-                                          <p:spTgt spid="5"/>
-                                        </p:tgtEl>
-                                        <p:attrNameLst>
-                                          <p:attrName>style.visibility</p:attrName>
-                                        </p:attrNameLst>
-                                      </p:cBhvr>
-                                      <p:to>
-                                        <p:strVal val="hidden"/>
-                                      </p:to>
-                                    </p:set>
-                                  </p:childTnLst>
-                                </p:cTn>
-                              </p:par>
-                              <p:par>
-                                <p:cTn id="21" presetID="10" presetClass="entr" presetSubtype="0" fill="hold" nodeType="withEffect">
-                                  <p:stCondLst>
-                                    <p:cond delay="0"/>
-                                  </p:stCondLst>
-                                  <p:childTnLst>
-                                    <p:set>
-                                      <p:cBhvr>
-                                        <p:cTn id="22" dur="1" fill="hold">
-                                          <p:stCondLst>
-                                            <p:cond delay="0"/>
-                                          </p:stCondLst>
-                                        </p:cTn>
-                                        <p:tgtEl>
-                                          <p:spTgt spid="6"/>
-                                        </p:tgtEl>
-                                        <p:attrNameLst>
-                                          <p:attrName>style.visibility</p:attrName>
-                                        </p:attrNameLst>
-                                      </p:cBhvr>
-                                      <p:to>
-                                        <p:strVal val="visible"/>
-                                      </p:to>
-                                    </p:set>
-                                    <p:animEffect transition="in" filter="fade">
-                                      <p:cBhvr>
-                                        <p:cTn id="23" dur="500"/>
-                                        <p:tgtEl>
-                                          <p:spTgt spid="6"/>
-                                        </p:tgtEl>
-                                      </p:cBhvr>
-                                    </p:animEffect>
-                                  </p:childTnLst>
-                                </p:cTn>
-                              </p:par>
-                            </p:childTnLst>
-                          </p:cTn>
-                        </p:par>
-                      </p:childTnLst>
-                    </p:cTn>
-                  </p:par>
-                  <p:par>
-                    <p:cTn id="24" fill="hold">
-                      <p:stCondLst>
-                        <p:cond delay="indefinite"/>
-                      </p:stCondLst>
-                      <p:childTnLst>
-                        <p:par>
-                          <p:cTn id="25" fill="hold">
-                            <p:stCondLst>
-                              <p:cond delay="0"/>
-                            </p:stCondLst>
-                            <p:childTnLst>
-                              <p:par>
-                                <p:cTn id="26" presetID="10" presetClass="exit" presetSubtype="0" fill="hold" nodeType="clickEffect">
-                                  <p:stCondLst>
-                                    <p:cond delay="0"/>
-                                  </p:stCondLst>
-                                  <p:childTnLst>
-                                    <p:animEffect transition="out" filter="fade">
-                                      <p:cBhvr>
-                                        <p:cTn id="27" dur="500"/>
-                                        <p:tgtEl>
-                                          <p:spTgt spid="6"/>
-                                        </p:tgtEl>
-                                      </p:cBhvr>
-                                    </p:animEffect>
-                                    <p:set>
-                                      <p:cBhvr>
-                                        <p:cTn id="28" dur="1" fill="hold">
-                                          <p:stCondLst>
-                                            <p:cond delay="499"/>
-                                          </p:stCondLst>
-                                        </p:cTn>
-                                        <p:tgtEl>
-                                          <p:spTgt spid="6"/>
-                                        </p:tgtEl>
-                                        <p:attrNameLst>
-                                          <p:attrName>style.visibility</p:attrName>
-                                        </p:attrNameLst>
-                                      </p:cBhvr>
-                                      <p:to>
-                                        <p:strVal val="hidden"/>
-                                      </p:to>
-                                    </p:set>
-                                  </p:childTnLst>
-                                </p:cTn>
-                              </p:par>
-                              <p:par>
-                                <p:cTn id="29" presetID="10" presetClass="entr" presetSubtype="0" fill="hold" nodeType="withEffect">
-                                  <p:stCondLst>
-                                    <p:cond delay="0"/>
-                                  </p:stCondLst>
-                                  <p:childTnLst>
-                                    <p:set>
-                                      <p:cBhvr>
-                                        <p:cTn id="30" dur="1" fill="hold">
-                                          <p:stCondLst>
-                                            <p:cond delay="0"/>
-                                          </p:stCondLst>
-                                        </p:cTn>
-                                        <p:tgtEl>
-                                          <p:spTgt spid="7"/>
-                                        </p:tgtEl>
-                                        <p:attrNameLst>
-                                          <p:attrName>style.visibility</p:attrName>
-                                        </p:attrNameLst>
-                                      </p:cBhvr>
-                                      <p:to>
-                                        <p:strVal val="visible"/>
-                                      </p:to>
-                                    </p:set>
-                                    <p:animEffect transition="in" filter="fade">
-                                      <p:cBhvr>
-                                        <p:cTn id="31" dur="500"/>
-                                        <p:tgtEl>
-                                          <p:spTgt spid="7"/>
-                                        </p:tgtEl>
-                                      </p:cBhvr>
-                                    </p:animEffect>
-                                  </p:childTnLst>
-                                </p:cTn>
-                              </p:par>
-                            </p:childTnLst>
-                          </p:cTn>
-                        </p:par>
-                        <p:par>
-                          <p:cTn id="32" fill="hold">
-                            <p:stCondLst>
-                              <p:cond delay="500"/>
-                            </p:stCondLst>
-                            <p:childTnLst>
-                              <p:par>
-                                <p:cTn id="33" presetID="10" presetClass="entr" presetSubtype="0" fill="hold" nodeType="afterEffect">
-                                  <p:stCondLst>
-                                    <p:cond delay="0"/>
-                                  </p:stCondLst>
-                                  <p:childTnLst>
-                                    <p:set>
-                                      <p:cBhvr>
-                                        <p:cTn id="34" dur="1" fill="hold">
-                                          <p:stCondLst>
-                                            <p:cond delay="0"/>
-                                          </p:stCondLst>
-                                        </p:cTn>
-                                        <p:tgtEl>
-                                          <p:spTgt spid="8"/>
-                                        </p:tgtEl>
-                                        <p:attrNameLst>
-                                          <p:attrName>style.visibility</p:attrName>
-                                        </p:attrNameLst>
-                                      </p:cBhvr>
-                                      <p:to>
-                                        <p:strVal val="visible"/>
-                                      </p:to>
-                                    </p:set>
-                                    <p:animEffect transition="in" filter="fade">
-                                      <p:cBhvr>
-                                        <p:cTn id="35" dur="500"/>
-                                        <p:tgtEl>
-                                          <p:spTgt spid="8"/>
-                                        </p:tgtEl>
-                                      </p:cBhvr>
-                                    </p:animEffect>
-                                  </p:childTnLst>
-                                </p:cTn>
-                              </p:par>
-                            </p:childTnLst>
-                          </p:cTn>
-                        </p:par>
-                        <p:par>
-                          <p:cTn id="36" fill="hold">
-                            <p:stCondLst>
-                              <p:cond delay="1000"/>
-                            </p:stCondLst>
-                            <p:childTnLst>
-                              <p:par>
-                                <p:cTn id="37" presetID="10" presetClass="entr" presetSubtype="0" fill="hold" nodeType="afterEffect">
-                                  <p:stCondLst>
-                                    <p:cond delay="0"/>
-                                  </p:stCondLst>
-                                  <p:childTnLst>
-                                    <p:set>
-                                      <p:cBhvr>
-                                        <p:cTn id="38" dur="1" fill="hold">
-                                          <p:stCondLst>
-                                            <p:cond delay="0"/>
-                                          </p:stCondLst>
-                                        </p:cTn>
-                                        <p:tgtEl>
-                                          <p:spTgt spid="9"/>
-                                        </p:tgtEl>
-                                        <p:attrNameLst>
-                                          <p:attrName>style.visibility</p:attrName>
-                                        </p:attrNameLst>
-                                      </p:cBhvr>
-                                      <p:to>
-                                        <p:strVal val="visible"/>
-                                      </p:to>
-                                    </p:set>
-                                    <p:animEffect transition="in" filter="fade">
-                                      <p:cBhvr>
-                                        <p:cTn id="39" dur="500"/>
-                                        <p:tgtEl>
-                                          <p:spTgt spid="9"/>
-                                        </p:tgtEl>
-                                      </p:cBhvr>
-                                    </p:animEffect>
-                                  </p:childTnLst>
-                                </p:cTn>
-                              </p:par>
-                            </p:childTnLst>
-                          </p:cTn>
-                        </p:par>
-                      </p:childTnLst>
-                    </p:cTn>
-                  </p:par>
-                </p:childTnLst>
-              </p:cTn>
-              <p:prevCondLst>
-                <p:cond evt="onPrev" delay="0">
-                  <p:tgtEl>
-                    <p:sldTgt/>
-                  </p:tgtEl>
-                </p:cond>
-              </p:prevCondLst>
-              <p:nextCondLst>
-                <p:cond evt="onNext" delay="0">
-                  <p:tgtEl>
-                    <p:sldTgt/>
-                  </p:tgtEl>
-                </p:cond>
-              </p:nextCondLst>
-            </p:seq>
-          </p:childTnLst>
-        </p:cTn>
-      </p:par>
-    </p:tnLst>
-  </p:timing>
-</p:sld>
-</file>
-
-<file path=ppt/slides/slide22.xml><?xml version="1.0" encoding="utf-8"?>
-<p:sld xmlns:a="http://schemas.openxmlformats.org/drawingml/2006/main" xmlns:r="http://schemas.openxmlformats.org/officeDocument/2006/relationships" xmlns:p="http://schemas.openxmlformats.org/presentationml/2006/main">
-  <p:cSld>
-    <p:spTree>
-      <p:nvGrpSpPr>
-        <p:cNvPr id="1" name=""/>
-        <p:cNvGrpSpPr/>
-        <p:nvPr/>
-      </p:nvGrpSpPr>
-      <p:grpSpPr>
-        <a:xfrm>
-          <a:off x="0" y="0"/>
-          <a:ext cx="0" cy="0"/>
-          <a:chOff x="0" y="0"/>
-          <a:chExt cx="0" cy="0"/>
-        </a:xfrm>
-      </p:grpSpPr>
-      <p:sp>
-        <p:nvSpPr>
-          <p:cNvPr id="2" name="Title 1"/>
-          <p:cNvSpPr>
-            <a:spLocks noGrp="1"/>
-          </p:cNvSpPr>
-          <p:nvPr>
-            <p:ph type="title"/>
-          </p:nvPr>
-        </p:nvSpPr>
-        <p:spPr/>
-        <p:txBody>
-          <a:bodyPr>
-            <a:normAutofit fontScale="90000"/>
-          </a:bodyPr>
-          <a:lstStyle/>
-          <a:p>
-            <a:pPr lvl="0"/>
-            <a:r>
-              <a:rPr lang="nl-BE" dirty="0" smtClean="0"/>
-              <a:t>ALM: TeamCity</a:t>
-            </a:r>
-            <a:r>
-              <a:rPr lang="nl-BE" baseline="0" dirty="0" smtClean="0"/>
-              <a:t> with Subversion: </a:t>
-            </a:r>
-            <a:r>
-              <a:rPr lang="nl-BE" dirty="0" smtClean="0"/>
-              <a:t>Perfect match!</a:t>
-            </a:r>
-            <a:endParaRPr lang="en-US" dirty="0"/>
-          </a:p>
-        </p:txBody>
-      </p:sp>
-      <p:pic>
-        <p:nvPicPr>
-          <p:cNvPr id="4" name="Picture 3"/>
-          <p:cNvPicPr/>
-          <p:nvPr/>
-        </p:nvPicPr>
-        <p:blipFill>
-          <a:blip r:embed="rId2"/>
-          <a:srcRect/>
-          <a:stretch>
-            <a:fillRect/>
-          </a:stretch>
-        </p:blipFill>
-        <p:spPr bwMode="auto">
-          <a:xfrm>
-            <a:off x="500033" y="549126"/>
-            <a:ext cx="8084607" cy="3237064"/>
-          </a:xfrm>
-          <a:prstGeom prst="rect">
-            <a:avLst/>
-          </a:prstGeom>
-          <a:noFill/>
-          <a:ln w="9525">
-            <a:noFill/>
-            <a:miter lim="800000"/>
-            <a:headEnd/>
-            <a:tailEnd/>
-          </a:ln>
-        </p:spPr>
-      </p:pic>
-      <p:pic>
-        <p:nvPicPr>
-          <p:cNvPr id="5" name="Picture 4"/>
-          <p:cNvPicPr/>
-          <p:nvPr/>
-        </p:nvPicPr>
-        <p:blipFill>
-          <a:blip r:embed="rId3"/>
-          <a:srcRect/>
-          <a:stretch>
-            <a:fillRect/>
-          </a:stretch>
-        </p:blipFill>
-        <p:spPr bwMode="auto">
-          <a:xfrm>
-            <a:off x="500033" y="571480"/>
-            <a:ext cx="8126799" cy="4071966"/>
-          </a:xfrm>
-          <a:prstGeom prst="rect">
-            <a:avLst/>
-          </a:prstGeom>
-          <a:noFill/>
-          <a:ln w="9525">
-            <a:noFill/>
-            <a:miter lim="800000"/>
-            <a:headEnd/>
-            <a:tailEnd/>
-          </a:ln>
-        </p:spPr>
-      </p:pic>
-      <p:pic>
-        <p:nvPicPr>
-          <p:cNvPr id="6" name="Picture 5"/>
-          <p:cNvPicPr/>
-          <p:nvPr/>
-        </p:nvPicPr>
-        <p:blipFill>
-          <a:blip r:embed="rId4"/>
-          <a:srcRect/>
-          <a:stretch>
-            <a:fillRect/>
-          </a:stretch>
-        </p:blipFill>
-        <p:spPr bwMode="auto">
-          <a:xfrm>
-            <a:off x="500033" y="593811"/>
-            <a:ext cx="8082231" cy="4049635"/>
-          </a:xfrm>
-          <a:prstGeom prst="rect">
-            <a:avLst/>
-          </a:prstGeom>
-          <a:noFill/>
-          <a:ln w="9525">
-            <a:noFill/>
-            <a:miter lim="800000"/>
-            <a:headEnd/>
-            <a:tailEnd/>
-          </a:ln>
-        </p:spPr>
-      </p:pic>
-      <p:pic>
-        <p:nvPicPr>
-          <p:cNvPr id="7" name="Picture 6"/>
-          <p:cNvPicPr/>
-          <p:nvPr/>
-        </p:nvPicPr>
-        <p:blipFill>
-          <a:blip r:embed="rId5"/>
-          <a:srcRect/>
-          <a:stretch>
-            <a:fillRect/>
-          </a:stretch>
-        </p:blipFill>
-        <p:spPr bwMode="auto">
-          <a:xfrm>
-            <a:off x="500034" y="551854"/>
-            <a:ext cx="8060038" cy="2448518"/>
-          </a:xfrm>
-          <a:prstGeom prst="rect">
-            <a:avLst/>
-          </a:prstGeom>
-          <a:noFill/>
-          <a:ln w="9525">
-            <a:noFill/>
-            <a:miter lim="800000"/>
-            <a:headEnd/>
-            <a:tailEnd/>
-          </a:ln>
-        </p:spPr>
-      </p:pic>
-      <p:pic>
-        <p:nvPicPr>
-          <p:cNvPr id="8" name="Picture 7"/>
-          <p:cNvPicPr/>
-          <p:nvPr/>
-        </p:nvPicPr>
-        <p:blipFill>
-          <a:blip r:embed="rId6"/>
-          <a:srcRect/>
-          <a:stretch>
-            <a:fillRect/>
-          </a:stretch>
-        </p:blipFill>
-        <p:spPr bwMode="auto">
-          <a:xfrm>
-            <a:off x="428596" y="2790452"/>
-            <a:ext cx="5943600" cy="1924432"/>
-          </a:xfrm>
-          <a:prstGeom prst="rect">
-            <a:avLst/>
-          </a:prstGeom>
-          <a:ln>
-            <a:noFill/>
-          </a:ln>
-          <a:effectLst>
-            <a:outerShdw blurRad="190500" algn="tl" rotWithShape="0">
-              <a:srgbClr val="000000">
-                <a:alpha val="70000"/>
-              </a:srgbClr>
-            </a:outerShdw>
-          </a:effectLst>
-        </p:spPr>
-      </p:pic>
-      <p:pic>
-        <p:nvPicPr>
-          <p:cNvPr id="9" name="Picture 8"/>
-          <p:cNvPicPr/>
-          <p:nvPr/>
-        </p:nvPicPr>
-        <p:blipFill>
-          <a:blip r:embed="rId7"/>
-          <a:srcRect/>
-          <a:stretch>
-            <a:fillRect/>
-          </a:stretch>
-        </p:blipFill>
-        <p:spPr bwMode="auto">
-          <a:xfrm>
-            <a:off x="2714612" y="3714752"/>
-            <a:ext cx="5943600" cy="1924432"/>
-          </a:xfrm>
-          <a:prstGeom prst="rect">
-            <a:avLst/>
-          </a:prstGeom>
-          <a:ln>
-            <a:noFill/>
-          </a:ln>
-          <a:effectLst>
-            <a:outerShdw blurRad="190500" algn="tl" rotWithShape="0">
-              <a:srgbClr val="000000">
-                <a:alpha val="70000"/>
-              </a:srgbClr>
-            </a:outerShdw>
-          </a:effectLst>
-        </p:spPr>
-      </p:pic>
-    </p:spTree>
-  </p:cSld>
-  <p:clrMapOvr>
-    <a:masterClrMapping/>
-  </p:clrMapOvr>
-  <p:timing>
-    <p:tnLst>
-      <p:par>
-        <p:cTn id="1" dur="indefinite" restart="never" nodeType="tmRoot">
-          <p:childTnLst>
-            <p:seq concurrent="1" nextAc="seek">
-              <p:cTn id="2" dur="indefinite" nodeType="mainSeq">
-                <p:childTnLst>
-                  <p:par>
-                    <p:cTn id="3" fill="hold">
-                      <p:stCondLst>
-                        <p:cond delay="indefinite"/>
-                      </p:stCondLst>
-                      <p:childTnLst>
-                        <p:par>
-                          <p:cTn id="4" fill="hold">
-                            <p:stCondLst>
-                              <p:cond delay="0"/>
-                            </p:stCondLst>
-                            <p:childTnLst>
-                              <p:par>
-                                <p:cTn id="5" presetID="10" presetClass="entr" presetSubtype="0" fill="hold" nodeType="clickEffect">
-                                  <p:stCondLst>
-                                    <p:cond delay="0"/>
-                                  </p:stCondLst>
-                                  <p:childTnLst>
-                                    <p:set>
-                                      <p:cBhvr>
-                                        <p:cTn id="6" dur="1" fill="hold">
-                                          <p:stCondLst>
-                                            <p:cond delay="0"/>
-                                          </p:stCondLst>
-                                        </p:cTn>
-                                        <p:tgtEl>
-                                          <p:spTgt spid="4"/>
-                                        </p:tgtEl>
-                                        <p:attrNameLst>
-                                          <p:attrName>style.visibility</p:attrName>
-                                        </p:attrNameLst>
-                                      </p:cBhvr>
-                                      <p:to>
-                                        <p:strVal val="visible"/>
-                                      </p:to>
-                                    </p:set>
-                                    <p:animEffect transition="in" filter="fade">
-                                      <p:cBhvr>
-                                        <p:cTn id="7" dur="500"/>
-                                        <p:tgtEl>
-                                          <p:spTgt spid="4"/>
-                                        </p:tgtEl>
-                                      </p:cBhvr>
-                                    </p:animEffect>
-                                  </p:childTnLst>
-                                </p:cTn>
-                              </p:par>
-                            </p:childTnLst>
-                          </p:cTn>
-                        </p:par>
-                      </p:childTnLst>
-                    </p:cTn>
-                  </p:par>
-                  <p:par>
-                    <p:cTn id="8" fill="hold">
-                      <p:stCondLst>
-                        <p:cond delay="indefinite"/>
-                      </p:stCondLst>
-                      <p:childTnLst>
-                        <p:par>
-                          <p:cTn id="9" fill="hold">
-                            <p:stCondLst>
-                              <p:cond delay="0"/>
-                            </p:stCondLst>
-                            <p:childTnLst>
-                              <p:par>
-                                <p:cTn id="10" presetID="10" presetClass="exit" presetSubtype="0" fill="hold" nodeType="clickEffect">
-                                  <p:stCondLst>
-                                    <p:cond delay="0"/>
-                                  </p:stCondLst>
-                                  <p:childTnLst>
-                                    <p:animEffect transition="out" filter="fade">
-                                      <p:cBhvr>
-                                        <p:cTn id="11" dur="500"/>
-                                        <p:tgtEl>
-                                          <p:spTgt spid="4"/>
-                                        </p:tgtEl>
-                                      </p:cBhvr>
-                                    </p:animEffect>
-                                    <p:set>
-                                      <p:cBhvr>
-                                        <p:cTn id="12" dur="1" fill="hold">
-                                          <p:stCondLst>
-                                            <p:cond delay="499"/>
-                                          </p:stCondLst>
-                                        </p:cTn>
-                                        <p:tgtEl>
-                                          <p:spTgt spid="4"/>
-                                        </p:tgtEl>
-                                        <p:attrNameLst>
-                                          <p:attrName>style.visibility</p:attrName>
-                                        </p:attrNameLst>
-                                      </p:cBhvr>
-                                      <p:to>
-                                        <p:strVal val="hidden"/>
-                                      </p:to>
-                                    </p:set>
-                                  </p:childTnLst>
-                                </p:cTn>
-                              </p:par>
-                              <p:par>
-                                <p:cTn id="13" presetID="10" presetClass="entr" presetSubtype="0" fill="hold" nodeType="withEffect">
-                                  <p:stCondLst>
-                                    <p:cond delay="0"/>
-                                  </p:stCondLst>
-                                  <p:childTnLst>
-                                    <p:set>
-                                      <p:cBhvr>
-                                        <p:cTn id="14" dur="1" fill="hold">
-                                          <p:stCondLst>
-                                            <p:cond delay="0"/>
-                                          </p:stCondLst>
-                                        </p:cTn>
-                                        <p:tgtEl>
-                                          <p:spTgt spid="5"/>
-                                        </p:tgtEl>
-                                        <p:attrNameLst>
-                                          <p:attrName>style.visibility</p:attrName>
-                                        </p:attrNameLst>
-                                      </p:cBhvr>
-                                      <p:to>
-                                        <p:strVal val="visible"/>
-                                      </p:to>
-                                    </p:set>
-                                    <p:animEffect transition="in" filter="fade">
-                                      <p:cBhvr>
-                                        <p:cTn id="15" dur="500"/>
-                                        <p:tgtEl>
-                                          <p:spTgt spid="5"/>
-                                        </p:tgtEl>
-                                      </p:cBhvr>
-                                    </p:animEffect>
-                                  </p:childTnLst>
-                                </p:cTn>
-                              </p:par>
-                            </p:childTnLst>
-                          </p:cTn>
-                        </p:par>
-                      </p:childTnLst>
-                    </p:cTn>
-                  </p:par>
-                  <p:par>
-                    <p:cTn id="16" fill="hold">
-                      <p:stCondLst>
-                        <p:cond delay="indefinite"/>
-                      </p:stCondLst>
-                      <p:childTnLst>
-                        <p:par>
-                          <p:cTn id="17" fill="hold">
-                            <p:stCondLst>
-                              <p:cond delay="0"/>
-                            </p:stCondLst>
-                            <p:childTnLst>
-                              <p:par>
-                                <p:cTn id="18" presetID="10" presetClass="exit" presetSubtype="0" fill="hold" nodeType="clickEffect">
-                                  <p:stCondLst>
-                                    <p:cond delay="0"/>
-                                  </p:stCondLst>
-                                  <p:childTnLst>
-                                    <p:animEffect transition="out" filter="fade">
-                                      <p:cBhvr>
-                                        <p:cTn id="19" dur="500"/>
-                                        <p:tgtEl>
-                                          <p:spTgt spid="5"/>
-                                        </p:tgtEl>
-                                      </p:cBhvr>
-                                    </p:animEffect>
-                                    <p:set>
-                                      <p:cBhvr>
-                                        <p:cTn id="20" dur="1" fill="hold">
-                                          <p:stCondLst>
-                                            <p:cond delay="499"/>
-                                          </p:stCondLst>
-                                        </p:cTn>
-                                        <p:tgtEl>
-                                          <p:spTgt spid="5"/>
-                                        </p:tgtEl>
-                                        <p:attrNameLst>
-                                          <p:attrName>style.visibility</p:attrName>
-                                        </p:attrNameLst>
-                                      </p:cBhvr>
-                                      <p:to>
-                                        <p:strVal val="hidden"/>
-                                      </p:to>
-                                    </p:set>
-                                  </p:childTnLst>
-                                </p:cTn>
-                              </p:par>
-                              <p:par>
-                                <p:cTn id="21" presetID="10" presetClass="entr" presetSubtype="0" fill="hold" nodeType="withEffect">
-                                  <p:stCondLst>
-                                    <p:cond delay="0"/>
-                                  </p:stCondLst>
-                                  <p:childTnLst>
-                                    <p:set>
-                                      <p:cBhvr>
-                                        <p:cTn id="22" dur="1" fill="hold">
-                                          <p:stCondLst>
-                                            <p:cond delay="0"/>
-                                          </p:stCondLst>
-                                        </p:cTn>
-                                        <p:tgtEl>
-                                          <p:spTgt spid="6"/>
-                                        </p:tgtEl>
-                                        <p:attrNameLst>
-                                          <p:attrName>style.visibility</p:attrName>
-                                        </p:attrNameLst>
-                                      </p:cBhvr>
-                                      <p:to>
-                                        <p:strVal val="visible"/>
-                                      </p:to>
-                                    </p:set>
-                                    <p:animEffect transition="in" filter="fade">
-                                      <p:cBhvr>
-                                        <p:cTn id="23" dur="500"/>
-                                        <p:tgtEl>
-                                          <p:spTgt spid="6"/>
-                                        </p:tgtEl>
-                                      </p:cBhvr>
-                                    </p:animEffect>
-                                  </p:childTnLst>
-                                </p:cTn>
-                              </p:par>
-                            </p:childTnLst>
-                          </p:cTn>
-                        </p:par>
-                      </p:childTnLst>
-                    </p:cTn>
-                  </p:par>
-                  <p:par>
-                    <p:cTn id="24" fill="hold">
-                      <p:stCondLst>
-                        <p:cond delay="indefinite"/>
-                      </p:stCondLst>
-                      <p:childTnLst>
-                        <p:par>
-                          <p:cTn id="25" fill="hold">
-                            <p:stCondLst>
-                              <p:cond delay="0"/>
-                            </p:stCondLst>
-                            <p:childTnLst>
-                              <p:par>
-                                <p:cTn id="26" presetID="10" presetClass="exit" presetSubtype="0" fill="hold" nodeType="clickEffect">
-                                  <p:stCondLst>
-                                    <p:cond delay="0"/>
-                                  </p:stCondLst>
-                                  <p:childTnLst>
-                                    <p:animEffect transition="out" filter="fade">
-                                      <p:cBhvr>
-                                        <p:cTn id="27" dur="500"/>
-                                        <p:tgtEl>
-                                          <p:spTgt spid="6"/>
-                                        </p:tgtEl>
-                                      </p:cBhvr>
-                                    </p:animEffect>
-                                    <p:set>
-                                      <p:cBhvr>
-                                        <p:cTn id="28" dur="1" fill="hold">
-                                          <p:stCondLst>
-                                            <p:cond delay="499"/>
-                                          </p:stCondLst>
-                                        </p:cTn>
-                                        <p:tgtEl>
-                                          <p:spTgt spid="6"/>
-                                        </p:tgtEl>
-                                        <p:attrNameLst>
-                                          <p:attrName>style.visibility</p:attrName>
-                                        </p:attrNameLst>
-                                      </p:cBhvr>
-                                      <p:to>
-                                        <p:strVal val="hidden"/>
-                                      </p:to>
-                                    </p:set>
-                                  </p:childTnLst>
-                                </p:cTn>
-                              </p:par>
-                              <p:par>
-                                <p:cTn id="29" presetID="10" presetClass="entr" presetSubtype="0" fill="hold" nodeType="withEffect">
-                                  <p:stCondLst>
-                                    <p:cond delay="0"/>
-                                  </p:stCondLst>
-                                  <p:childTnLst>
-                                    <p:set>
-                                      <p:cBhvr>
-                                        <p:cTn id="30" dur="1" fill="hold">
-                                          <p:stCondLst>
-                                            <p:cond delay="0"/>
-                                          </p:stCondLst>
-                                        </p:cTn>
-                                        <p:tgtEl>
-                                          <p:spTgt spid="7"/>
-                                        </p:tgtEl>
-                                        <p:attrNameLst>
-                                          <p:attrName>style.visibility</p:attrName>
-                                        </p:attrNameLst>
-                                      </p:cBhvr>
-                                      <p:to>
-                                        <p:strVal val="visible"/>
-                                      </p:to>
-                                    </p:set>
-                                    <p:animEffect transition="in" filter="fade">
-                                      <p:cBhvr>
-                                        <p:cTn id="31" dur="500"/>
-                                        <p:tgtEl>
-                                          <p:spTgt spid="7"/>
-                                        </p:tgtEl>
-                                      </p:cBhvr>
-                                    </p:animEffect>
-                                  </p:childTnLst>
-                                </p:cTn>
-                              </p:par>
-                            </p:childTnLst>
-                          </p:cTn>
-                        </p:par>
-                        <p:par>
-                          <p:cTn id="32" fill="hold">
-                            <p:stCondLst>
-                              <p:cond delay="500"/>
-                            </p:stCondLst>
-                            <p:childTnLst>
-                              <p:par>
-                                <p:cTn id="33" presetID="10" presetClass="entr" presetSubtype="0" fill="hold" nodeType="afterEffect">
-                                  <p:stCondLst>
-                                    <p:cond delay="0"/>
-                                  </p:stCondLst>
-                                  <p:childTnLst>
-                                    <p:set>
-                                      <p:cBhvr>
-                                        <p:cTn id="34" dur="1" fill="hold">
-                                          <p:stCondLst>
-                                            <p:cond delay="0"/>
-                                          </p:stCondLst>
-                                        </p:cTn>
-                                        <p:tgtEl>
-                                          <p:spTgt spid="8"/>
-                                        </p:tgtEl>
-                                        <p:attrNameLst>
-                                          <p:attrName>style.visibility</p:attrName>
-                                        </p:attrNameLst>
-                                      </p:cBhvr>
-                                      <p:to>
-                                        <p:strVal val="visible"/>
-                                      </p:to>
-                                    </p:set>
-                                    <p:animEffect transition="in" filter="fade">
-                                      <p:cBhvr>
-                                        <p:cTn id="35" dur="500"/>
-                                        <p:tgtEl>
-                                          <p:spTgt spid="8"/>
-                                        </p:tgtEl>
-                                      </p:cBhvr>
-                                    </p:animEffect>
-                                  </p:childTnLst>
-                                </p:cTn>
-                              </p:par>
-                            </p:childTnLst>
-                          </p:cTn>
-                        </p:par>
-                        <p:par>
-                          <p:cTn id="36" fill="hold">
-                            <p:stCondLst>
-                              <p:cond delay="1000"/>
-                            </p:stCondLst>
-                            <p:childTnLst>
-                              <p:par>
-                                <p:cTn id="37" presetID="10" presetClass="entr" presetSubtype="0" fill="hold" nodeType="afterEffect">
-                                  <p:stCondLst>
-                                    <p:cond delay="0"/>
-                                  </p:stCondLst>
-                                  <p:childTnLst>
-                                    <p:set>
-                                      <p:cBhvr>
-                                        <p:cTn id="38" dur="1" fill="hold">
-                                          <p:stCondLst>
-                                            <p:cond delay="0"/>
-                                          </p:stCondLst>
-                                        </p:cTn>
-                                        <p:tgtEl>
-                                          <p:spTgt spid="9"/>
-                                        </p:tgtEl>
-                                        <p:attrNameLst>
-                                          <p:attrName>style.visibility</p:attrName>
-                                        </p:attrNameLst>
-                                      </p:cBhvr>
-                                      <p:to>
-                                        <p:strVal val="visible"/>
-                                      </p:to>
-                                    </p:set>
-                                    <p:animEffect transition="in" filter="fade">
-                                      <p:cBhvr>
-                                        <p:cTn id="39" dur="500"/>
-                                        <p:tgtEl>
-                                          <p:spTgt spid="9"/>
-                                        </p:tgtEl>
-                                      </p:cBhvr>
-                                    </p:animEffect>
-                                  </p:childTnLst>
-                                </p:cTn>
-                              </p:par>
-                            </p:childTnLst>
-                          </p:cTn>
-                        </p:par>
-                      </p:childTnLst>
-                    </p:cTn>
-                  </p:par>
-                </p:childTnLst>
-              </p:cTn>
-              <p:prevCondLst>
-                <p:cond evt="onPrev" delay="0">
-                  <p:tgtEl>
-                    <p:sldTgt/>
-                  </p:tgtEl>
-                </p:cond>
-              </p:prevCondLst>
-              <p:nextCondLst>
-                <p:cond evt="onNext" delay="0">
-                  <p:tgtEl>
-                    <p:sldTgt/>
-                  </p:tgtEl>
-                </p:cond>
-              </p:nextCondLst>
-            </p:seq>
-          </p:childTnLst>
-        </p:cTn>
-      </p:par>
-    </p:tnLst>
+    <p:bldLst>
+      <p:bldGraphic spid="12" grpId="0" uiExpand="1">
+        <p:bldSub>
+          <a:bldDgm bld="one"/>
+        </p:bldSub>
+      </p:bldGraphic>
+      <p:bldP spid="13" grpId="0" uiExpand="1" animBg="1"/>
+      <p:bldP spid="14" grpId="0" animBg="1"/>
+      <p:bldP spid="9" grpId="0" animBg="1"/>
+    </p:bldLst>
   </p:timing>
 </p:sld>
 </file>
@@ -12547,6 +15515,13 @@
           <a:prstGeom prst="rect">
             <a:avLst/>
           </a:prstGeom>
+          <a:effectLst>
+            <a:outerShdw blurRad="50800" dist="38100" dir="10800000" algn="r" rotWithShape="0">
+              <a:prstClr val="black">
+                <a:alpha val="40000"/>
+              </a:prstClr>
+            </a:outerShdw>
+          </a:effectLst>
         </p:spPr>
         <p:style>
           <a:lnRef idx="2">
@@ -12932,6 +15907,9 @@
                     <p:cTn id="3" fill="hold">
                       <p:stCondLst>
                         <p:cond delay="indefinite"/>
+                        <p:cond evt="onBegin" delay="0">
+                          <p:tn val="2"/>
+                        </p:cond>
                       </p:stCondLst>
                       <p:childTnLst>
                         <p:par>
@@ -12941,7 +15919,7 @@
                             </p:stCondLst>
                             <p:childTnLst>
                               <p:par>
-                                <p:cTn id="5" presetID="10" presetClass="entr" presetSubtype="0" fill="hold" grpId="1" nodeType="clickEffect">
+                                <p:cTn id="5" presetID="10" presetClass="entr" presetSubtype="0" fill="hold" grpId="1" nodeType="withEffect">
                                   <p:stCondLst>
                                     <p:cond delay="0"/>
                                   </p:stCondLst>
@@ -13144,24 +16122,15 @@
                                   </p:childTnLst>
                                 </p:cTn>
                               </p:par>
-                            </p:childTnLst>
-                          </p:cTn>
-                        </p:par>
-                        <p:par>
-                          <p:cTn id="21" fill="hold">
-                            <p:stCondLst>
-                              <p:cond delay="500"/>
-                            </p:stCondLst>
-                            <p:childTnLst>
                               <p:par>
-                                <p:cTn id="22" presetID="10" presetClass="entr" presetSubtype="0" fill="hold" grpId="0" nodeType="afterEffect">
+                                <p:cTn id="21" presetID="10" presetClass="entr" presetSubtype="0" fill="hold" grpId="0" nodeType="withEffect">
                                   <p:stCondLst>
                                     <p:cond delay="0"/>
                                   </p:stCondLst>
                                   <p:childTnLst>
                                     <p:set>
                                       <p:cBhvr>
-                                        <p:cTn id="23" dur="1" fill="hold">
+                                        <p:cTn id="22" dur="1" fill="hold">
                                           <p:stCondLst>
                                             <p:cond delay="0"/>
                                           </p:stCondLst>
@@ -13179,7 +16148,7 @@
                                     </p:set>
                                     <p:animEffect transition="in" filter="fade">
                                       <p:cBhvr>
-                                        <p:cTn id="24" dur="2000"/>
+                                        <p:cTn id="23" dur="500"/>
                                         <p:tgtEl>
                                           <p:spTgt spid="6"/>
                                         </p:tgtEl>
@@ -13195,26 +16164,26 @@
                     </p:cTn>
                   </p:par>
                   <p:par>
-                    <p:cTn id="25" fill="hold">
+                    <p:cTn id="24" fill="hold">
                       <p:stCondLst>
                         <p:cond delay="indefinite"/>
                       </p:stCondLst>
                       <p:childTnLst>
                         <p:par>
-                          <p:cTn id="26" fill="hold">
+                          <p:cTn id="25" fill="hold">
                             <p:stCondLst>
                               <p:cond delay="0"/>
                             </p:stCondLst>
                             <p:childTnLst>
                               <p:par>
-                                <p:cTn id="27" presetID="10" presetClass="entr" presetSubtype="0" fill="hold" grpId="0" nodeType="clickEffect">
+                                <p:cTn id="26" presetID="10" presetClass="entr" presetSubtype="0" fill="hold" grpId="0" nodeType="clickEffect">
                                   <p:stCondLst>
                                     <p:cond delay="0"/>
                                   </p:stCondLst>
                                   <p:childTnLst>
                                     <p:set>
                                       <p:cBhvr>
-                                        <p:cTn id="28" dur="1" fill="hold">
+                                        <p:cTn id="27" dur="1" fill="hold">
                                           <p:stCondLst>
                                             <p:cond delay="0"/>
                                           </p:stCondLst>
@@ -13232,7 +16201,7 @@
                                     </p:set>
                                     <p:animEffect transition="in" filter="fade">
                                       <p:cBhvr>
-                                        <p:cTn id="29" dur="2000"/>
+                                        <p:cTn id="28" dur="500"/>
                                         <p:tgtEl>
                                           <p:spTgt spid="7"/>
                                         </p:tgtEl>
@@ -13242,7 +16211,7 @@
                                 </p:cTn>
                               </p:par>
                               <p:par>
-                                <p:cTn id="30" presetID="5" presetClass="emph" presetSubtype="1" grpId="1" nodeType="withEffect">
+                                <p:cTn id="29" presetID="5" presetClass="emph" presetSubtype="1" grpId="1" nodeType="withEffect">
                                   <p:stCondLst>
                                     <p:cond delay="0"/>
                                   </p:stCondLst>
@@ -13256,7 +16225,7 @@
                                   <p:childTnLst>
                                     <p:set>
                                       <p:cBhvr override="childStyle">
-                                        <p:cTn id="31" dur="indefinite"/>
+                                        <p:cTn id="30" dur="indefinite"/>
                                         <p:tgtEl>
                                           <p:spTgt spid="7"/>
                                         </p:tgtEl>
@@ -13270,7 +16239,7 @@
                                     </p:set>
                                     <p:set>
                                       <p:cBhvr override="childStyle">
-                                        <p:cTn id="32" dur="indefinite"/>
+                                        <p:cTn id="31" dur="indefinite"/>
                                         <p:tgtEl>
                                           <p:spTgt spid="7"/>
                                         </p:tgtEl>
@@ -13284,7 +16253,7 @@
                                     </p:set>
                                     <p:set>
                                       <p:cBhvr override="childStyle">
-                                        <p:cTn id="33" dur="indefinite"/>
+                                        <p:cTn id="32" dur="indefinite"/>
                                         <p:tgtEl>
                                           <p:spTgt spid="7"/>
                                         </p:tgtEl>
@@ -13306,26 +16275,26 @@
                     </p:cTn>
                   </p:par>
                   <p:par>
-                    <p:cTn id="34" fill="hold">
+                    <p:cTn id="33" fill="hold">
                       <p:stCondLst>
                         <p:cond delay="indefinite"/>
                       </p:stCondLst>
                       <p:childTnLst>
                         <p:par>
-                          <p:cTn id="35" fill="hold">
+                          <p:cTn id="34" fill="hold">
                             <p:stCondLst>
                               <p:cond delay="0"/>
                             </p:stCondLst>
                             <p:childTnLst>
                               <p:par>
-                                <p:cTn id="36" presetID="10" presetClass="entr" presetSubtype="0" fill="hold" grpId="0" nodeType="clickEffect">
+                                <p:cTn id="35" presetID="10" presetClass="entr" presetSubtype="0" fill="hold" grpId="0" nodeType="clickEffect">
                                   <p:stCondLst>
                                     <p:cond delay="0"/>
                                   </p:stCondLst>
                                   <p:childTnLst>
                                     <p:set>
                                       <p:cBhvr>
-                                        <p:cTn id="37" dur="1" fill="hold">
+                                        <p:cTn id="36" dur="1" fill="hold">
                                           <p:stCondLst>
                                             <p:cond delay="0"/>
                                           </p:stCondLst>
@@ -13345,7 +16314,7 @@
                                     </p:set>
                                     <p:animEffect transition="in" filter="fade">
                                       <p:cBhvr>
-                                        <p:cTn id="38" dur="2000"/>
+                                        <p:cTn id="37" dur="500"/>
                                         <p:tgtEl>
                                           <p:spTgt spid="8">
                                             <p:bg/>
@@ -13357,14 +16326,14 @@
                                 </p:cTn>
                               </p:par>
                               <p:par>
-                                <p:cTn id="39" presetID="10" presetClass="entr" presetSubtype="0" fill="hold" grpId="0" nodeType="withEffect">
+                                <p:cTn id="38" presetID="10" presetClass="entr" presetSubtype="0" fill="hold" grpId="0" nodeType="withEffect">
                                   <p:stCondLst>
                                     <p:cond delay="0"/>
                                   </p:stCondLst>
                                   <p:childTnLst>
                                     <p:set>
                                       <p:cBhvr>
-                                        <p:cTn id="40" dur="1" fill="hold">
+                                        <p:cTn id="39" dur="1" fill="hold">
                                           <p:stCondLst>
                                             <p:cond delay="0"/>
                                           </p:stCondLst>
@@ -13386,7 +16355,7 @@
                                     </p:set>
                                     <p:animEffect transition="in" filter="fade">
                                       <p:cBhvr>
-                                        <p:cTn id="41" dur="2000"/>
+                                        <p:cTn id="40" dur="500"/>
                                         <p:tgtEl>
                                           <p:spTgt spid="8">
                                             <p:txEl>
@@ -13400,7 +16369,7 @@
                                 </p:cTn>
                               </p:par>
                               <p:par>
-                                <p:cTn id="42" presetID="5" presetClass="emph" presetSubtype="1" grpId="1" nodeType="withEffect">
+                                <p:cTn id="41" presetID="5" presetClass="emph" presetSubtype="1" grpId="1" nodeType="withEffect">
                                   <p:stCondLst>
                                     <p:cond delay="0"/>
                                   </p:stCondLst>
@@ -13414,7 +16383,7 @@
                                   <p:childTnLst>
                                     <p:set>
                                       <p:cBhvr override="childStyle">
-                                        <p:cTn id="43" dur="indefinite"/>
+                                        <p:cTn id="42" dur="indefinite"/>
                                         <p:tgtEl>
                                           <p:spTgt spid="8">
                                             <p:txEl>
@@ -13432,7 +16401,7 @@
                                     </p:set>
                                     <p:set>
                                       <p:cBhvr override="childStyle">
-                                        <p:cTn id="44" dur="indefinite"/>
+                                        <p:cTn id="43" dur="indefinite"/>
                                         <p:tgtEl>
                                           <p:spTgt spid="8">
                                             <p:txEl>
@@ -13450,7 +16419,7 @@
                                     </p:set>
                                     <p:set>
                                       <p:cBhvr override="childStyle">
-                                        <p:cTn id="45" dur="indefinite"/>
+                                        <p:cTn id="44" dur="indefinite"/>
                                         <p:tgtEl>
                                           <p:spTgt spid="8">
                                             <p:txEl>
@@ -13476,26 +16445,26 @@
                     </p:cTn>
                   </p:par>
                   <p:par>
-                    <p:cTn id="46" fill="hold">
+                    <p:cTn id="45" fill="hold">
                       <p:stCondLst>
                         <p:cond delay="indefinite"/>
                       </p:stCondLst>
                       <p:childTnLst>
                         <p:par>
-                          <p:cTn id="47" fill="hold">
+                          <p:cTn id="46" fill="hold">
                             <p:stCondLst>
                               <p:cond delay="0"/>
                             </p:stCondLst>
                             <p:childTnLst>
                               <p:par>
-                                <p:cTn id="48" presetID="10" presetClass="entr" presetSubtype="0" fill="hold" grpId="0" nodeType="clickEffect">
+                                <p:cTn id="47" presetID="10" presetClass="entr" presetSubtype="0" fill="hold" grpId="0" nodeType="clickEffect">
                                   <p:stCondLst>
                                     <p:cond delay="0"/>
                                   </p:stCondLst>
                                   <p:childTnLst>
                                     <p:set>
                                       <p:cBhvr>
-                                        <p:cTn id="49" dur="1" fill="hold">
+                                        <p:cTn id="48" dur="1" fill="hold">
                                           <p:stCondLst>
                                             <p:cond delay="0"/>
                                           </p:stCondLst>
@@ -13517,7 +16486,7 @@
                                     </p:set>
                                     <p:animEffect transition="in" filter="fade">
                                       <p:cBhvr>
-                                        <p:cTn id="50" dur="2000"/>
+                                        <p:cTn id="49" dur="500"/>
                                         <p:tgtEl>
                                           <p:spTgt spid="8">
                                             <p:txEl>
@@ -13531,7 +16500,7 @@
                                 </p:cTn>
                               </p:par>
                               <p:par>
-                                <p:cTn id="51" presetID="5" presetClass="emph" presetSubtype="1" grpId="1" nodeType="withEffect">
+                                <p:cTn id="50" presetID="5" presetClass="emph" presetSubtype="1" grpId="1" nodeType="withEffect">
                                   <p:stCondLst>
                                     <p:cond delay="0"/>
                                   </p:stCondLst>
@@ -13545,7 +16514,7 @@
                                   <p:childTnLst>
                                     <p:set>
                                       <p:cBhvr override="childStyle">
-                                        <p:cTn id="52" dur="indefinite"/>
+                                        <p:cTn id="51" dur="indefinite"/>
                                         <p:tgtEl>
                                           <p:spTgt spid="8">
                                             <p:txEl>
@@ -13563,7 +16532,7 @@
                                     </p:set>
                                     <p:set>
                                       <p:cBhvr override="childStyle">
-                                        <p:cTn id="53" dur="indefinite"/>
+                                        <p:cTn id="52" dur="indefinite"/>
                                         <p:tgtEl>
                                           <p:spTgt spid="8">
                                             <p:txEl>
@@ -13581,7 +16550,7 @@
                                     </p:set>
                                     <p:set>
                                       <p:cBhvr override="childStyle">
-                                        <p:cTn id="54" dur="indefinite"/>
+                                        <p:cTn id="53" dur="indefinite"/>
                                         <p:tgtEl>
                                           <p:spTgt spid="8">
                                             <p:txEl>
@@ -13604,20 +16573,20 @@
                           </p:cTn>
                         </p:par>
                         <p:par>
-                          <p:cTn id="55" fill="hold">
+                          <p:cTn id="54" fill="hold">
                             <p:stCondLst>
-                              <p:cond delay="2000"/>
+                              <p:cond delay="500"/>
                             </p:stCondLst>
                             <p:childTnLst>
                               <p:par>
-                                <p:cTn id="56" presetID="10" presetClass="entr" presetSubtype="0" fill="hold" grpId="0" nodeType="afterEffect">
+                                <p:cTn id="55" presetID="10" presetClass="entr" presetSubtype="0" fill="hold" grpId="0" nodeType="afterEffect">
                                   <p:stCondLst>
                                     <p:cond delay="0"/>
                                   </p:stCondLst>
                                   <p:childTnLst>
                                     <p:set>
                                       <p:cBhvr>
-                                        <p:cTn id="57" dur="1" fill="hold">
+                                        <p:cTn id="56" dur="1" fill="hold">
                                           <p:stCondLst>
                                             <p:cond delay="0"/>
                                           </p:stCondLst>
@@ -13639,7 +16608,7 @@
                                     </p:set>
                                     <p:animEffect transition="in" filter="fade">
                                       <p:cBhvr>
-                                        <p:cTn id="58" dur="2000"/>
+                                        <p:cTn id="57" dur="500"/>
                                         <p:tgtEl>
                                           <p:spTgt spid="8">
                                             <p:txEl>
@@ -13653,7 +16622,7 @@
                                 </p:cTn>
                               </p:par>
                               <p:par>
-                                <p:cTn id="59" presetID="5" presetClass="emph" presetSubtype="1" grpId="1" nodeType="withEffect">
+                                <p:cTn id="58" presetID="5" presetClass="emph" presetSubtype="1" grpId="1" nodeType="withEffect">
                                   <p:stCondLst>
                                     <p:cond delay="0"/>
                                   </p:stCondLst>
@@ -13667,7 +16636,7 @@
                                   <p:childTnLst>
                                     <p:set>
                                       <p:cBhvr override="childStyle">
-                                        <p:cTn id="60" dur="indefinite"/>
+                                        <p:cTn id="59" dur="indefinite"/>
                                         <p:tgtEl>
                                           <p:spTgt spid="8">
                                             <p:txEl>
@@ -13685,7 +16654,7 @@
                                     </p:set>
                                     <p:set>
                                       <p:cBhvr override="childStyle">
-                                        <p:cTn id="61" dur="indefinite"/>
+                                        <p:cTn id="60" dur="indefinite"/>
                                         <p:tgtEl>
                                           <p:spTgt spid="8">
                                             <p:txEl>
@@ -13703,7 +16672,7 @@
                                     </p:set>
                                     <p:set>
                                       <p:cBhvr override="childStyle">
-                                        <p:cTn id="62" dur="indefinite"/>
+                                        <p:cTn id="61" dur="indefinite"/>
                                         <p:tgtEl>
                                           <p:spTgt spid="8">
                                             <p:txEl>
@@ -13783,6 +16752,150 @@
       </p:grpSpPr>
       <p:sp>
         <p:nvSpPr>
+          <p:cNvPr id="14" name="TextBox 13"/>
+          <p:cNvSpPr txBox="1"/>
+          <p:nvPr/>
+        </p:nvSpPr>
+        <p:spPr>
+          <a:xfrm>
+            <a:off x="5143504" y="571480"/>
+            <a:ext cx="3345018" cy="369332"/>
+          </a:xfrm>
+          <a:prstGeom prst="rect">
+            <a:avLst/>
+          </a:prstGeom>
+          <a:ln>
+            <a:noFill/>
+          </a:ln>
+        </p:spPr>
+        <p:style>
+          <a:lnRef idx="2">
+            <a:schemeClr val="accent6">
+              <a:shade val="50000"/>
+            </a:schemeClr>
+          </a:lnRef>
+          <a:fillRef idx="1">
+            <a:schemeClr val="accent6"/>
+          </a:fillRef>
+          <a:effectRef idx="0">
+            <a:schemeClr val="accent6"/>
+          </a:effectRef>
+          <a:fontRef idx="minor">
+            <a:schemeClr val="lt1"/>
+          </a:fontRef>
+        </p:style>
+        <p:txBody>
+          <a:bodyPr wrap="none" rtlCol="0">
+            <a:spAutoFit/>
+          </a:bodyPr>
+          <a:lstStyle/>
+          <a:p>
+            <a:r>
+              <a:rPr lang="nl-BE" dirty="0" smtClean="0"/>
+              <a:t>Zorgbehoevende Controller</a:t>
+            </a:r>
+            <a:endParaRPr lang="en-US" dirty="0"/>
+          </a:p>
+        </p:txBody>
+      </p:sp>
+      <p:sp>
+        <p:nvSpPr>
+          <p:cNvPr id="10" name="TextBox 9"/>
+          <p:cNvSpPr txBox="1"/>
+          <p:nvPr/>
+        </p:nvSpPr>
+        <p:spPr>
+          <a:xfrm>
+            <a:off x="2928926" y="3857628"/>
+            <a:ext cx="2878993" cy="369332"/>
+          </a:xfrm>
+          <a:prstGeom prst="rect">
+            <a:avLst/>
+          </a:prstGeom>
+          <a:ln>
+            <a:noFill/>
+          </a:ln>
+        </p:spPr>
+        <p:style>
+          <a:lnRef idx="2">
+            <a:schemeClr val="accent6">
+              <a:shade val="50000"/>
+            </a:schemeClr>
+          </a:lnRef>
+          <a:fillRef idx="1">
+            <a:schemeClr val="accent6"/>
+          </a:fillRef>
+          <a:effectRef idx="0">
+            <a:schemeClr val="accent6"/>
+          </a:effectRef>
+          <a:fontRef idx="minor">
+            <a:schemeClr val="lt1"/>
+          </a:fontRef>
+        </p:style>
+        <p:txBody>
+          <a:bodyPr wrap="none" rtlCol="0">
+            <a:spAutoFit/>
+          </a:bodyPr>
+          <a:lstStyle/>
+          <a:p>
+            <a:r>
+              <a:rPr lang="nl-BE" dirty="0" smtClean="0"/>
+              <a:t>Zorgbehoevende Entity</a:t>
+            </a:r>
+            <a:endParaRPr lang="en-US" dirty="0"/>
+          </a:p>
+        </p:txBody>
+      </p:sp>
+      <p:sp>
+        <p:nvSpPr>
+          <p:cNvPr id="9" name="TextBox 8"/>
+          <p:cNvSpPr txBox="1"/>
+          <p:nvPr/>
+        </p:nvSpPr>
+        <p:spPr>
+          <a:xfrm>
+            <a:off x="5286380" y="2357430"/>
+            <a:ext cx="3056478" cy="369332"/>
+          </a:xfrm>
+          <a:prstGeom prst="rect">
+            <a:avLst/>
+          </a:prstGeom>
+          <a:ln>
+            <a:noFill/>
+          </a:ln>
+        </p:spPr>
+        <p:style>
+          <a:lnRef idx="2">
+            <a:schemeClr val="accent6">
+              <a:shade val="50000"/>
+            </a:schemeClr>
+          </a:lnRef>
+          <a:fillRef idx="1">
+            <a:schemeClr val="accent6"/>
+          </a:fillRef>
+          <a:effectRef idx="0">
+            <a:schemeClr val="accent6"/>
+          </a:effectRef>
+          <a:fontRef idx="minor">
+            <a:schemeClr val="lt1"/>
+          </a:fontRef>
+        </p:style>
+        <p:txBody>
+          <a:bodyPr wrap="none" rtlCol="0">
+            <a:spAutoFit/>
+          </a:bodyPr>
+          <a:lstStyle/>
+          <a:p>
+            <a:r>
+              <a:rPr lang="nl-BE" dirty="0" smtClean="0"/>
+              <a:t>Zorgbehoevende Service</a:t>
+            </a:r>
+            <a:endParaRPr lang="en-US" dirty="0"/>
+          </a:p>
+        </p:txBody>
+      </p:sp>
+      <p:sp>
+        <p:nvSpPr>
           <p:cNvPr id="2" name="Title 1"/>
           <p:cNvSpPr>
             <a:spLocks noGrp="1"/>
@@ -13814,7 +16927,7 @@
       </p:sp>
       <p:pic>
         <p:nvPicPr>
-          <p:cNvPr id="2051" name="Picture 3"/>
+          <p:cNvPr id="2052" name="Picture 4"/>
           <p:cNvPicPr>
             <a:picLocks noChangeAspect="1" noChangeArrowheads="1"/>
           </p:cNvPicPr>
@@ -13829,15 +16942,17 @@
         </p:blipFill>
         <p:spPr bwMode="auto">
           <a:xfrm>
-            <a:off x="642910" y="990589"/>
-            <a:ext cx="7572375" cy="866775"/>
+            <a:off x="1295409" y="4224350"/>
+            <a:ext cx="4562475" cy="990600"/>
           </a:xfrm>
           <a:prstGeom prst="rect">
             <a:avLst/>
           </a:prstGeom>
           <a:noFill/>
-          <a:ln w="9525">
-            <a:noFill/>
+          <a:ln w="38100">
+            <a:solidFill>
+              <a:schemeClr val="accent6"/>
+            </a:solidFill>
             <a:miter lim="800000"/>
             <a:headEnd/>
             <a:tailEnd/>
@@ -13846,7 +16961,7 @@
       </p:pic>
       <p:pic>
         <p:nvPicPr>
-          <p:cNvPr id="2052" name="Picture 4"/>
+          <p:cNvPr id="2053" name="Picture 5"/>
           <p:cNvPicPr>
             <a:picLocks noChangeAspect="1" noChangeArrowheads="1"/>
           </p:cNvPicPr>
@@ -13861,21 +16976,245 @@
         </p:blipFill>
         <p:spPr bwMode="auto">
           <a:xfrm>
-            <a:off x="642910" y="2509838"/>
-            <a:ext cx="4562475" cy="990600"/>
+            <a:off x="857224" y="2714620"/>
+            <a:ext cx="7629525" cy="819150"/>
           </a:xfrm>
           <a:prstGeom prst="rect">
             <a:avLst/>
           </a:prstGeom>
           <a:noFill/>
-          <a:ln w="9525">
-            <a:noFill/>
+          <a:ln w="38100">
+            <a:solidFill>
+              <a:schemeClr val="accent6"/>
+            </a:solidFill>
             <a:miter lim="800000"/>
             <a:headEnd/>
             <a:tailEnd/>
           </a:ln>
         </p:spPr>
       </p:pic>
+      <p:sp>
+        <p:nvSpPr>
+          <p:cNvPr id="11" name="Down Arrow 10"/>
+          <p:cNvSpPr/>
+          <p:nvPr/>
+        </p:nvSpPr>
+        <p:spPr>
+          <a:xfrm>
+            <a:off x="2428860" y="3357562"/>
+            <a:ext cx="71438" cy="1000132"/>
+          </a:xfrm>
+          <a:prstGeom prst="downArrow">
+            <a:avLst/>
+          </a:prstGeom>
+          <a:solidFill>
+            <a:schemeClr val="accent6"/>
+          </a:solidFill>
+          <a:ln>
+            <a:solidFill>
+              <a:schemeClr val="accent6"/>
+            </a:solidFill>
+          </a:ln>
+        </p:spPr>
+        <p:style>
+          <a:lnRef idx="2">
+            <a:schemeClr val="accent1">
+              <a:shade val="50000"/>
+            </a:schemeClr>
+          </a:lnRef>
+          <a:fillRef idx="1">
+            <a:schemeClr val="accent1"/>
+          </a:fillRef>
+          <a:effectRef idx="0">
+            <a:schemeClr val="accent1"/>
+          </a:effectRef>
+          <a:fontRef idx="minor">
+            <a:schemeClr val="lt1"/>
+          </a:fontRef>
+        </p:style>
+        <p:txBody>
+          <a:bodyPr rtlCol="0" anchor="ctr"/>
+          <a:lstStyle/>
+          <a:p>
+            <a:pPr algn="ctr"/>
+            <a:endParaRPr lang="en-US"/>
+          </a:p>
+        </p:txBody>
+      </p:sp>
+      <p:pic>
+        <p:nvPicPr>
+          <p:cNvPr id="2054" name="Picture 6"/>
+          <p:cNvPicPr>
+            <a:picLocks noChangeAspect="1" noChangeArrowheads="1"/>
+          </p:cNvPicPr>
+          <p:nvPr/>
+        </p:nvPicPr>
+        <p:blipFill>
+          <a:blip r:embed="rId4"/>
+          <a:srcRect/>
+          <a:stretch>
+            <a:fillRect/>
+          </a:stretch>
+        </p:blipFill>
+        <p:spPr bwMode="auto">
+          <a:xfrm>
+            <a:off x="785786" y="928670"/>
+            <a:ext cx="7762875" cy="1076325"/>
+          </a:xfrm>
+          <a:prstGeom prst="rect">
+            <a:avLst/>
+          </a:prstGeom>
+          <a:noFill/>
+          <a:ln w="38100">
+            <a:solidFill>
+              <a:schemeClr val="accent6"/>
+            </a:solidFill>
+            <a:miter lim="800000"/>
+            <a:headEnd/>
+            <a:tailEnd/>
+          </a:ln>
+        </p:spPr>
+      </p:pic>
+      <p:sp>
+        <p:nvSpPr>
+          <p:cNvPr id="20" name="Rectangle 19"/>
+          <p:cNvSpPr/>
+          <p:nvPr/>
+        </p:nvSpPr>
+        <p:spPr>
+          <a:xfrm>
+            <a:off x="1071538" y="1428736"/>
+            <a:ext cx="3714776" cy="214314"/>
+          </a:xfrm>
+          <a:prstGeom prst="rect">
+            <a:avLst/>
+          </a:prstGeom>
+          <a:noFill/>
+          <a:ln>
+            <a:solidFill>
+              <a:schemeClr val="accent6"/>
+            </a:solidFill>
+          </a:ln>
+        </p:spPr>
+        <p:style>
+          <a:lnRef idx="2">
+            <a:schemeClr val="accent1">
+              <a:shade val="50000"/>
+            </a:schemeClr>
+          </a:lnRef>
+          <a:fillRef idx="1">
+            <a:schemeClr val="accent1"/>
+          </a:fillRef>
+          <a:effectRef idx="0">
+            <a:schemeClr val="accent1"/>
+          </a:effectRef>
+          <a:fontRef idx="minor">
+            <a:schemeClr val="lt1"/>
+          </a:fontRef>
+        </p:style>
+        <p:txBody>
+          <a:bodyPr rtlCol="0" anchor="ctr"/>
+          <a:lstStyle/>
+          <a:p>
+            <a:pPr algn="ctr"/>
+            <a:endParaRPr lang="en-US"/>
+          </a:p>
+        </p:txBody>
+      </p:sp>
+      <p:sp>
+        <p:nvSpPr>
+          <p:cNvPr id="19" name="Down Arrow 18"/>
+          <p:cNvSpPr/>
+          <p:nvPr/>
+        </p:nvSpPr>
+        <p:spPr>
+          <a:xfrm>
+            <a:off x="2357422" y="1643050"/>
+            <a:ext cx="71438" cy="1000132"/>
+          </a:xfrm>
+          <a:prstGeom prst="downArrow">
+            <a:avLst/>
+          </a:prstGeom>
+          <a:solidFill>
+            <a:schemeClr val="accent6"/>
+          </a:solidFill>
+          <a:ln>
+            <a:solidFill>
+              <a:schemeClr val="accent6"/>
+            </a:solidFill>
+          </a:ln>
+        </p:spPr>
+        <p:style>
+          <a:lnRef idx="2">
+            <a:schemeClr val="accent1">
+              <a:shade val="50000"/>
+            </a:schemeClr>
+          </a:lnRef>
+          <a:fillRef idx="1">
+            <a:schemeClr val="accent1"/>
+          </a:fillRef>
+          <a:effectRef idx="0">
+            <a:schemeClr val="accent1"/>
+          </a:effectRef>
+          <a:fontRef idx="minor">
+            <a:schemeClr val="lt1"/>
+          </a:fontRef>
+        </p:style>
+        <p:txBody>
+          <a:bodyPr rtlCol="0" anchor="ctr"/>
+          <a:lstStyle/>
+          <a:p>
+            <a:pPr algn="ctr"/>
+            <a:endParaRPr lang="en-US"/>
+          </a:p>
+        </p:txBody>
+      </p:sp>
+      <p:sp>
+        <p:nvSpPr>
+          <p:cNvPr id="21" name="Rectangle 20"/>
+          <p:cNvSpPr/>
+          <p:nvPr/>
+        </p:nvSpPr>
+        <p:spPr>
+          <a:xfrm>
+            <a:off x="1142976" y="3143248"/>
+            <a:ext cx="3714776" cy="214314"/>
+          </a:xfrm>
+          <a:prstGeom prst="rect">
+            <a:avLst/>
+          </a:prstGeom>
+          <a:noFill/>
+          <a:ln>
+            <a:solidFill>
+              <a:schemeClr val="accent6"/>
+            </a:solidFill>
+          </a:ln>
+        </p:spPr>
+        <p:style>
+          <a:lnRef idx="2">
+            <a:schemeClr val="accent1">
+              <a:shade val="50000"/>
+            </a:schemeClr>
+          </a:lnRef>
+          <a:fillRef idx="1">
+            <a:schemeClr val="accent1"/>
+          </a:fillRef>
+          <a:effectRef idx="0">
+            <a:schemeClr val="accent1"/>
+          </a:effectRef>
+          <a:fontRef idx="minor">
+            <a:schemeClr val="lt1"/>
+          </a:fontRef>
+        </p:style>
+        <p:txBody>
+          <a:bodyPr rtlCol="0" anchor="ctr"/>
+          <a:lstStyle/>
+          <a:p>
+            <a:pPr algn="ctr"/>
+            <a:endParaRPr lang="en-US"/>
+          </a:p>
+        </p:txBody>
+      </p:sp>
     </p:spTree>
   </p:cSld>
   <p:clrMapOvr>
@@ -13884,9 +17223,447 @@
   <p:timing>
     <p:tnLst>
       <p:par>
-        <p:cTn id="1" dur="indefinite" restart="never" nodeType="tmRoot"/>
+        <p:cTn id="1" dur="indefinite" restart="never" nodeType="tmRoot">
+          <p:childTnLst>
+            <p:seq concurrent="1" nextAc="seek">
+              <p:cTn id="2" dur="indefinite" nodeType="mainSeq">
+                <p:childTnLst>
+                  <p:par>
+                    <p:cTn id="3" fill="hold">
+                      <p:stCondLst>
+                        <p:cond delay="indefinite"/>
+                        <p:cond evt="onBegin" delay="0">
+                          <p:tn val="2"/>
+                        </p:cond>
+                      </p:stCondLst>
+                      <p:childTnLst>
+                        <p:par>
+                          <p:cTn id="4" fill="hold">
+                            <p:stCondLst>
+                              <p:cond delay="0"/>
+                            </p:stCondLst>
+                            <p:childTnLst>
+                              <p:par>
+                                <p:cTn id="5" presetID="10" presetClass="entr" presetSubtype="0" fill="hold" nodeType="withEffect">
+                                  <p:stCondLst>
+                                    <p:cond delay="0"/>
+                                  </p:stCondLst>
+                                  <p:childTnLst>
+                                    <p:set>
+                                      <p:cBhvr>
+                                        <p:cTn id="6" dur="1" fill="hold">
+                                          <p:stCondLst>
+                                            <p:cond delay="0"/>
+                                          </p:stCondLst>
+                                        </p:cTn>
+                                        <p:tgtEl>
+                                          <p:spTgt spid="2054"/>
+                                        </p:tgtEl>
+                                        <p:attrNameLst>
+                                          <p:attrName>style.visibility</p:attrName>
+                                        </p:attrNameLst>
+                                      </p:cBhvr>
+                                      <p:to>
+                                        <p:strVal val="visible"/>
+                                      </p:to>
+                                    </p:set>
+                                    <p:animEffect transition="in" filter="fade">
+                                      <p:cBhvr>
+                                        <p:cTn id="7" dur="500"/>
+                                        <p:tgtEl>
+                                          <p:spTgt spid="2054"/>
+                                        </p:tgtEl>
+                                      </p:cBhvr>
+                                    </p:animEffect>
+                                  </p:childTnLst>
+                                </p:cTn>
+                              </p:par>
+                              <p:par>
+                                <p:cTn id="8" presetID="10" presetClass="entr" presetSubtype="0" fill="hold" grpId="0" nodeType="withEffect">
+                                  <p:stCondLst>
+                                    <p:cond delay="0"/>
+                                  </p:stCondLst>
+                                  <p:childTnLst>
+                                    <p:set>
+                                      <p:cBhvr>
+                                        <p:cTn id="9" dur="1" fill="hold">
+                                          <p:stCondLst>
+                                            <p:cond delay="0"/>
+                                          </p:stCondLst>
+                                        </p:cTn>
+                                        <p:tgtEl>
+                                          <p:spTgt spid="14"/>
+                                        </p:tgtEl>
+                                        <p:attrNameLst>
+                                          <p:attrName>style.visibility</p:attrName>
+                                        </p:attrNameLst>
+                                      </p:cBhvr>
+                                      <p:to>
+                                        <p:strVal val="visible"/>
+                                      </p:to>
+                                    </p:set>
+                                    <p:animEffect transition="in" filter="fade">
+                                      <p:cBhvr>
+                                        <p:cTn id="10" dur="500"/>
+                                        <p:tgtEl>
+                                          <p:spTgt spid="14"/>
+                                        </p:tgtEl>
+                                      </p:cBhvr>
+                                    </p:animEffect>
+                                  </p:childTnLst>
+                                </p:cTn>
+                              </p:par>
+                            </p:childTnLst>
+                          </p:cTn>
+                        </p:par>
+                      </p:childTnLst>
+                    </p:cTn>
+                  </p:par>
+                  <p:par>
+                    <p:cTn id="11" fill="hold">
+                      <p:stCondLst>
+                        <p:cond delay="indefinite"/>
+                      </p:stCondLst>
+                      <p:childTnLst>
+                        <p:par>
+                          <p:cTn id="12" fill="hold">
+                            <p:stCondLst>
+                              <p:cond delay="0"/>
+                            </p:stCondLst>
+                            <p:childTnLst>
+                              <p:par>
+                                <p:cTn id="13" presetID="10" presetClass="entr" presetSubtype="0" fill="hold" nodeType="clickEffect">
+                                  <p:stCondLst>
+                                    <p:cond delay="0"/>
+                                  </p:stCondLst>
+                                  <p:childTnLst>
+                                    <p:set>
+                                      <p:cBhvr>
+                                        <p:cTn id="14" dur="1" fill="hold">
+                                          <p:stCondLst>
+                                            <p:cond delay="0"/>
+                                          </p:stCondLst>
+                                        </p:cTn>
+                                        <p:tgtEl>
+                                          <p:spTgt spid="2053"/>
+                                        </p:tgtEl>
+                                        <p:attrNameLst>
+                                          <p:attrName>style.visibility</p:attrName>
+                                        </p:attrNameLst>
+                                      </p:cBhvr>
+                                      <p:to>
+                                        <p:strVal val="visible"/>
+                                      </p:to>
+                                    </p:set>
+                                    <p:animEffect transition="in" filter="fade">
+                                      <p:cBhvr>
+                                        <p:cTn id="15" dur="500"/>
+                                        <p:tgtEl>
+                                          <p:spTgt spid="2053"/>
+                                        </p:tgtEl>
+                                      </p:cBhvr>
+                                    </p:animEffect>
+                                  </p:childTnLst>
+                                </p:cTn>
+                              </p:par>
+                              <p:par>
+                                <p:cTn id="16" presetID="10" presetClass="entr" presetSubtype="0" fill="hold" grpId="0" nodeType="withEffect">
+                                  <p:stCondLst>
+                                    <p:cond delay="0"/>
+                                  </p:stCondLst>
+                                  <p:childTnLst>
+                                    <p:set>
+                                      <p:cBhvr>
+                                        <p:cTn id="17" dur="1" fill="hold">
+                                          <p:stCondLst>
+                                            <p:cond delay="0"/>
+                                          </p:stCondLst>
+                                        </p:cTn>
+                                        <p:tgtEl>
+                                          <p:spTgt spid="19"/>
+                                        </p:tgtEl>
+                                        <p:attrNameLst>
+                                          <p:attrName>style.visibility</p:attrName>
+                                        </p:attrNameLst>
+                                      </p:cBhvr>
+                                      <p:to>
+                                        <p:strVal val="visible"/>
+                                      </p:to>
+                                    </p:set>
+                                    <p:animEffect transition="in" filter="fade">
+                                      <p:cBhvr>
+                                        <p:cTn id="18" dur="500"/>
+                                        <p:tgtEl>
+                                          <p:spTgt spid="19"/>
+                                        </p:tgtEl>
+                                      </p:cBhvr>
+                                    </p:animEffect>
+                                  </p:childTnLst>
+                                </p:cTn>
+                              </p:par>
+                              <p:par>
+                                <p:cTn id="19" presetID="10" presetClass="entr" presetSubtype="0" fill="hold" grpId="0" nodeType="withEffect">
+                                  <p:stCondLst>
+                                    <p:cond delay="0"/>
+                                  </p:stCondLst>
+                                  <p:childTnLst>
+                                    <p:set>
+                                      <p:cBhvr>
+                                        <p:cTn id="20" dur="1" fill="hold">
+                                          <p:stCondLst>
+                                            <p:cond delay="0"/>
+                                          </p:stCondLst>
+                                        </p:cTn>
+                                        <p:tgtEl>
+                                          <p:spTgt spid="20"/>
+                                        </p:tgtEl>
+                                        <p:attrNameLst>
+                                          <p:attrName>style.visibility</p:attrName>
+                                        </p:attrNameLst>
+                                      </p:cBhvr>
+                                      <p:to>
+                                        <p:strVal val="visible"/>
+                                      </p:to>
+                                    </p:set>
+                                    <p:animEffect transition="in" filter="fade">
+                                      <p:cBhvr>
+                                        <p:cTn id="21" dur="500"/>
+                                        <p:tgtEl>
+                                          <p:spTgt spid="20"/>
+                                        </p:tgtEl>
+                                      </p:cBhvr>
+                                    </p:animEffect>
+                                  </p:childTnLst>
+                                </p:cTn>
+                              </p:par>
+                              <p:par>
+                                <p:cTn id="22" presetID="10" presetClass="entr" presetSubtype="0" fill="hold" grpId="0" nodeType="withEffect">
+                                  <p:stCondLst>
+                                    <p:cond delay="0"/>
+                                  </p:stCondLst>
+                                  <p:childTnLst>
+                                    <p:set>
+                                      <p:cBhvr>
+                                        <p:cTn id="23" dur="1" fill="hold">
+                                          <p:stCondLst>
+                                            <p:cond delay="0"/>
+                                          </p:stCondLst>
+                                        </p:cTn>
+                                        <p:tgtEl>
+                                          <p:spTgt spid="9"/>
+                                        </p:tgtEl>
+                                        <p:attrNameLst>
+                                          <p:attrName>style.visibility</p:attrName>
+                                        </p:attrNameLst>
+                                      </p:cBhvr>
+                                      <p:to>
+                                        <p:strVal val="visible"/>
+                                      </p:to>
+                                    </p:set>
+                                    <p:animEffect transition="in" filter="fade">
+                                      <p:cBhvr>
+                                        <p:cTn id="24" dur="500"/>
+                                        <p:tgtEl>
+                                          <p:spTgt spid="9"/>
+                                        </p:tgtEl>
+                                      </p:cBhvr>
+                                    </p:animEffect>
+                                  </p:childTnLst>
+                                </p:cTn>
+                              </p:par>
+                            </p:childTnLst>
+                          </p:cTn>
+                        </p:par>
+                      </p:childTnLst>
+                    </p:cTn>
+                  </p:par>
+                  <p:par>
+                    <p:cTn id="25" fill="hold">
+                      <p:stCondLst>
+                        <p:cond delay="indefinite"/>
+                      </p:stCondLst>
+                      <p:childTnLst>
+                        <p:par>
+                          <p:cTn id="26" fill="hold">
+                            <p:stCondLst>
+                              <p:cond delay="0"/>
+                            </p:stCondLst>
+                            <p:childTnLst>
+                              <p:par>
+                                <p:cTn id="27" presetID="10" presetClass="entr" presetSubtype="0" fill="hold" nodeType="clickEffect">
+                                  <p:stCondLst>
+                                    <p:cond delay="0"/>
+                                  </p:stCondLst>
+                                  <p:childTnLst>
+                                    <p:set>
+                                      <p:cBhvr>
+                                        <p:cTn id="28" dur="1" fill="hold">
+                                          <p:stCondLst>
+                                            <p:cond delay="0"/>
+                                          </p:stCondLst>
+                                        </p:cTn>
+                                        <p:tgtEl>
+                                          <p:spTgt spid="2052"/>
+                                        </p:tgtEl>
+                                        <p:attrNameLst>
+                                          <p:attrName>style.visibility</p:attrName>
+                                        </p:attrNameLst>
+                                      </p:cBhvr>
+                                      <p:to>
+                                        <p:strVal val="visible"/>
+                                      </p:to>
+                                    </p:set>
+                                    <p:animEffect transition="in" filter="fade">
+                                      <p:cBhvr>
+                                        <p:cTn id="29" dur="500"/>
+                                        <p:tgtEl>
+                                          <p:spTgt spid="2052"/>
+                                        </p:tgtEl>
+                                      </p:cBhvr>
+                                    </p:animEffect>
+                                  </p:childTnLst>
+                                </p:cTn>
+                              </p:par>
+                              <p:par>
+                                <p:cTn id="30" presetID="10" presetClass="entr" presetSubtype="0" fill="hold" grpId="0" nodeType="withEffect">
+                                  <p:stCondLst>
+                                    <p:cond delay="0"/>
+                                  </p:stCondLst>
+                                  <p:childTnLst>
+                                    <p:set>
+                                      <p:cBhvr>
+                                        <p:cTn id="31" dur="1" fill="hold">
+                                          <p:stCondLst>
+                                            <p:cond delay="0"/>
+                                          </p:stCondLst>
+                                        </p:cTn>
+                                        <p:tgtEl>
+                                          <p:spTgt spid="10"/>
+                                        </p:tgtEl>
+                                        <p:attrNameLst>
+                                          <p:attrName>style.visibility</p:attrName>
+                                        </p:attrNameLst>
+                                      </p:cBhvr>
+                                      <p:to>
+                                        <p:strVal val="visible"/>
+                                      </p:to>
+                                    </p:set>
+                                    <p:animEffect transition="in" filter="fade">
+                                      <p:cBhvr>
+                                        <p:cTn id="32" dur="500"/>
+                                        <p:tgtEl>
+                                          <p:spTgt spid="10"/>
+                                        </p:tgtEl>
+                                      </p:cBhvr>
+                                    </p:animEffect>
+                                  </p:childTnLst>
+                                </p:cTn>
+                              </p:par>
+                              <p:par>
+                                <p:cTn id="33" presetID="10" presetClass="entr" presetSubtype="0" fill="hold" grpId="0" nodeType="withEffect">
+                                  <p:stCondLst>
+                                    <p:cond delay="0"/>
+                                  </p:stCondLst>
+                                  <p:childTnLst>
+                                    <p:set>
+                                      <p:cBhvr>
+                                        <p:cTn id="34" dur="1" fill="hold">
+                                          <p:stCondLst>
+                                            <p:cond delay="0"/>
+                                          </p:stCondLst>
+                                        </p:cTn>
+                                        <p:tgtEl>
+                                          <p:spTgt spid="11"/>
+                                        </p:tgtEl>
+                                        <p:attrNameLst>
+                                          <p:attrName>style.visibility</p:attrName>
+                                        </p:attrNameLst>
+                                      </p:cBhvr>
+                                      <p:to>
+                                        <p:strVal val="visible"/>
+                                      </p:to>
+                                    </p:set>
+                                    <p:animEffect transition="in" filter="fade">
+                                      <p:cBhvr>
+                                        <p:cTn id="35" dur="500"/>
+                                        <p:tgtEl>
+                                          <p:spTgt spid="11"/>
+                                        </p:tgtEl>
+                                      </p:cBhvr>
+                                    </p:animEffect>
+                                  </p:childTnLst>
+                                </p:cTn>
+                              </p:par>
+                              <p:par>
+                                <p:cTn id="36" presetID="10" presetClass="entr" presetSubtype="0" fill="hold" grpId="0" nodeType="withEffect">
+                                  <p:stCondLst>
+                                    <p:cond delay="0"/>
+                                  </p:stCondLst>
+                                  <p:childTnLst>
+                                    <p:set>
+                                      <p:cBhvr>
+                                        <p:cTn id="37" dur="1" fill="hold">
+                                          <p:stCondLst>
+                                            <p:cond delay="0"/>
+                                          </p:stCondLst>
+                                        </p:cTn>
+                                        <p:tgtEl>
+                                          <p:spTgt spid="21"/>
+                                        </p:tgtEl>
+                                        <p:attrNameLst>
+                                          <p:attrName>style.visibility</p:attrName>
+                                        </p:attrNameLst>
+                                      </p:cBhvr>
+                                      <p:to>
+                                        <p:strVal val="visible"/>
+                                      </p:to>
+                                    </p:set>
+                                    <p:animEffect transition="in" filter="fade">
+                                      <p:cBhvr>
+                                        <p:cTn id="38" dur="500"/>
+                                        <p:tgtEl>
+                                          <p:spTgt spid="21"/>
+                                        </p:tgtEl>
+                                      </p:cBhvr>
+                                    </p:animEffect>
+                                  </p:childTnLst>
+                                </p:cTn>
+                              </p:par>
+                            </p:childTnLst>
+                          </p:cTn>
+                        </p:par>
+                      </p:childTnLst>
+                    </p:cTn>
+                  </p:par>
+                </p:childTnLst>
+              </p:cTn>
+              <p:prevCondLst>
+                <p:cond evt="onPrev" delay="0">
+                  <p:tgtEl>
+                    <p:sldTgt/>
+                  </p:tgtEl>
+                </p:cond>
+              </p:prevCondLst>
+              <p:nextCondLst>
+                <p:cond evt="onNext" delay="0">
+                  <p:tgtEl>
+                    <p:sldTgt/>
+                  </p:tgtEl>
+                </p:cond>
+              </p:nextCondLst>
+            </p:seq>
+          </p:childTnLst>
+        </p:cTn>
       </p:par>
     </p:tnLst>
+    <p:bldLst>
+      <p:bldP spid="14" grpId="0" animBg="1"/>
+      <p:bldP spid="10" grpId="0" animBg="1"/>
+      <p:bldP spid="9" grpId="0" animBg="1"/>
+      <p:bldP spid="11" grpId="0" animBg="1"/>
+      <p:bldP spid="20" grpId="0" animBg="1"/>
+      <p:bldP spid="19" grpId="0" animBg="1"/>
+    </p:bldLst>
   </p:timing>
 </p:sld>
 </file>
@@ -13910,6 +17687,252 @@
       </p:grpSpPr>
       <p:sp>
         <p:nvSpPr>
+          <p:cNvPr id="9" name="TextBox 8"/>
+          <p:cNvSpPr txBox="1"/>
+          <p:nvPr/>
+        </p:nvSpPr>
+        <p:spPr>
+          <a:xfrm>
+            <a:off x="5772195" y="3005151"/>
+            <a:ext cx="1203535" cy="369332"/>
+          </a:xfrm>
+          <a:prstGeom prst="rect">
+            <a:avLst/>
+          </a:prstGeom>
+          <a:ln>
+            <a:noFill/>
+          </a:ln>
+        </p:spPr>
+        <p:style>
+          <a:lnRef idx="2">
+            <a:schemeClr val="accent6">
+              <a:shade val="50000"/>
+            </a:schemeClr>
+          </a:lnRef>
+          <a:fillRef idx="1">
+            <a:schemeClr val="accent6"/>
+          </a:fillRef>
+          <a:effectRef idx="0">
+            <a:schemeClr val="accent6"/>
+          </a:effectRef>
+          <a:fontRef idx="minor">
+            <a:schemeClr val="lt1"/>
+          </a:fontRef>
+        </p:style>
+        <p:txBody>
+          <a:bodyPr wrap="none" rtlCol="0">
+            <a:spAutoFit/>
+          </a:bodyPr>
+          <a:lstStyle/>
+          <a:p>
+            <a:r>
+              <a:rPr lang="nl-BE" dirty="0" smtClean="0"/>
+              <a:t>Attribute</a:t>
+            </a:r>
+            <a:endParaRPr lang="en-US" dirty="0"/>
+          </a:p>
+        </p:txBody>
+      </p:sp>
+      <p:sp>
+        <p:nvSpPr>
+          <p:cNvPr id="6" name="TextBox 5"/>
+          <p:cNvSpPr txBox="1"/>
+          <p:nvPr/>
+        </p:nvSpPr>
+        <p:spPr>
+          <a:xfrm>
+            <a:off x="3286116" y="642918"/>
+            <a:ext cx="2206181" cy="369332"/>
+          </a:xfrm>
+          <a:prstGeom prst="rect">
+            <a:avLst/>
+          </a:prstGeom>
+          <a:ln>
+            <a:noFill/>
+          </a:ln>
+        </p:spPr>
+        <p:style>
+          <a:lnRef idx="2">
+            <a:schemeClr val="accent6">
+              <a:shade val="50000"/>
+            </a:schemeClr>
+          </a:lnRef>
+          <a:fillRef idx="1">
+            <a:schemeClr val="accent6"/>
+          </a:fillRef>
+          <a:effectRef idx="0">
+            <a:schemeClr val="accent6"/>
+          </a:effectRef>
+          <a:fontRef idx="minor">
+            <a:schemeClr val="lt1"/>
+          </a:fontRef>
+        </p:style>
+        <p:txBody>
+          <a:bodyPr wrap="none" rtlCol="0">
+            <a:spAutoFit/>
+          </a:bodyPr>
+          <a:lstStyle/>
+          <a:p>
+            <a:r>
+              <a:rPr lang="nl-BE" dirty="0" smtClean="0"/>
+              <a:t>Aanvraag Service</a:t>
+            </a:r>
+            <a:endParaRPr lang="en-US" dirty="0"/>
+          </a:p>
+        </p:txBody>
+      </p:sp>
+      <p:sp>
+        <p:nvSpPr>
+          <p:cNvPr id="7" name="TextBox 6"/>
+          <p:cNvSpPr txBox="1"/>
+          <p:nvPr/>
+        </p:nvSpPr>
+        <p:spPr>
+          <a:xfrm>
+            <a:off x="3816330" y="1500174"/>
+            <a:ext cx="1627177" cy="369332"/>
+          </a:xfrm>
+          <a:prstGeom prst="rect">
+            <a:avLst/>
+          </a:prstGeom>
+          <a:ln>
+            <a:noFill/>
+          </a:ln>
+        </p:spPr>
+        <p:style>
+          <a:lnRef idx="2">
+            <a:schemeClr val="accent6">
+              <a:shade val="50000"/>
+            </a:schemeClr>
+          </a:lnRef>
+          <a:fillRef idx="1">
+            <a:schemeClr val="accent6"/>
+          </a:fillRef>
+          <a:effectRef idx="0">
+            <a:schemeClr val="accent6"/>
+          </a:effectRef>
+          <a:fontRef idx="minor">
+            <a:schemeClr val="lt1"/>
+          </a:fontRef>
+        </p:style>
+        <p:txBody>
+          <a:bodyPr wrap="none" rtlCol="0">
+            <a:spAutoFit/>
+          </a:bodyPr>
+          <a:lstStyle/>
+          <a:p>
+            <a:r>
+              <a:rPr lang="nl-BE" dirty="0" smtClean="0"/>
+              <a:t>Attest Entity</a:t>
+            </a:r>
+            <a:endParaRPr lang="en-US" dirty="0"/>
+          </a:p>
+        </p:txBody>
+      </p:sp>
+      <p:pic>
+        <p:nvPicPr>
+          <p:cNvPr id="3074" name="Picture 2"/>
+          <p:cNvPicPr>
+            <a:picLocks noChangeAspect="1" noChangeArrowheads="1"/>
+          </p:cNvPicPr>
+          <p:nvPr/>
+        </p:nvPicPr>
+        <p:blipFill>
+          <a:blip r:embed="rId2"/>
+          <a:srcRect r="14378" b="40663"/>
+          <a:stretch>
+            <a:fillRect/>
+          </a:stretch>
+        </p:blipFill>
+        <p:spPr bwMode="auto">
+          <a:xfrm>
+            <a:off x="1714480" y="1857364"/>
+            <a:ext cx="3800465" cy="938208"/>
+          </a:xfrm>
+          <a:prstGeom prst="rect">
+            <a:avLst/>
+          </a:prstGeom>
+          <a:noFill/>
+          <a:ln w="38100">
+            <a:solidFill>
+              <a:schemeClr val="accent6"/>
+            </a:solidFill>
+            <a:miter lim="800000"/>
+            <a:headEnd/>
+            <a:tailEnd/>
+          </a:ln>
+        </p:spPr>
+      </p:pic>
+      <p:pic>
+        <p:nvPicPr>
+          <p:cNvPr id="3075" name="Picture 3"/>
+          <p:cNvPicPr>
+            <a:picLocks noChangeAspect="1" noChangeArrowheads="1"/>
+          </p:cNvPicPr>
+          <p:nvPr/>
+        </p:nvPicPr>
+        <p:blipFill>
+          <a:blip r:embed="rId3"/>
+          <a:srcRect/>
+          <a:stretch>
+            <a:fillRect/>
+          </a:stretch>
+        </p:blipFill>
+        <p:spPr bwMode="auto">
+          <a:xfrm>
+            <a:off x="1714480" y="1000108"/>
+            <a:ext cx="3810000" cy="333375"/>
+          </a:xfrm>
+          <a:prstGeom prst="rect">
+            <a:avLst/>
+          </a:prstGeom>
+          <a:noFill/>
+          <a:ln w="38100">
+            <a:solidFill>
+              <a:schemeClr val="accent6"/>
+            </a:solidFill>
+            <a:miter lim="800000"/>
+            <a:headEnd/>
+            <a:tailEnd/>
+          </a:ln>
+        </p:spPr>
+      </p:pic>
+      <p:pic>
+        <p:nvPicPr>
+          <p:cNvPr id="3076" name="Picture 4"/>
+          <p:cNvPicPr>
+            <a:picLocks noChangeAspect="1" noChangeArrowheads="1"/>
+          </p:cNvPicPr>
+          <p:nvPr/>
+        </p:nvPicPr>
+        <p:blipFill>
+          <a:blip r:embed="rId4"/>
+          <a:srcRect/>
+          <a:stretch>
+            <a:fillRect/>
+          </a:stretch>
+        </p:blipFill>
+        <p:spPr bwMode="auto">
+          <a:xfrm>
+            <a:off x="1771667" y="3362341"/>
+            <a:ext cx="5229225" cy="2352675"/>
+          </a:xfrm>
+          <a:prstGeom prst="rect">
+            <a:avLst/>
+          </a:prstGeom>
+          <a:noFill/>
+          <a:ln w="38100">
+            <a:solidFill>
+              <a:schemeClr val="accent6"/>
+            </a:solidFill>
+            <a:miter lim="800000"/>
+            <a:headEnd/>
+            <a:tailEnd/>
+          </a:ln>
+        </p:spPr>
+      </p:pic>
+      <p:sp>
+        <p:nvSpPr>
           <p:cNvPr id="2" name="Title 1"/>
           <p:cNvSpPr>
             <a:spLocks noGrp="1"/>
@@ -13935,19 +17958,48 @@
       </p:sp>
       <p:sp>
         <p:nvSpPr>
-          <p:cNvPr id="3" name="Content Placeholder 2"/>
-          <p:cNvSpPr>
-            <a:spLocks noGrp="1"/>
-          </p:cNvSpPr>
-          <p:nvPr>
-            <p:ph idx="1"/>
-          </p:nvPr>
+          <p:cNvPr id="10" name="Down Arrow 9"/>
+          <p:cNvSpPr/>
+          <p:nvPr/>
         </p:nvSpPr>
-        <p:spPr/>
+        <p:spPr>
+          <a:xfrm>
+            <a:off x="2428860" y="2500306"/>
+            <a:ext cx="71438" cy="785818"/>
+          </a:xfrm>
+          <a:prstGeom prst="downArrow">
+            <a:avLst/>
+          </a:prstGeom>
+          <a:solidFill>
+            <a:schemeClr val="accent6"/>
+          </a:solidFill>
+          <a:ln>
+            <a:solidFill>
+              <a:schemeClr val="accent6"/>
+            </a:solidFill>
+          </a:ln>
+        </p:spPr>
+        <p:style>
+          <a:lnRef idx="2">
+            <a:schemeClr val="accent1">
+              <a:shade val="50000"/>
+            </a:schemeClr>
+          </a:lnRef>
+          <a:fillRef idx="1">
+            <a:schemeClr val="accent1"/>
+          </a:fillRef>
+          <a:effectRef idx="0">
+            <a:schemeClr val="accent1"/>
+          </a:effectRef>
+          <a:fontRef idx="minor">
+            <a:schemeClr val="lt1"/>
+          </a:fontRef>
+        </p:style>
         <p:txBody>
-          <a:bodyPr/>
+          <a:bodyPr rtlCol="0" anchor="ctr"/>
           <a:lstStyle/>
           <a:p>
+            <a:pPr algn="ctr"/>
             <a:endParaRPr lang="en-US"/>
           </a:p>
         </p:txBody>
@@ -13960,9 +18012,248 @@
   <p:timing>
     <p:tnLst>
       <p:par>
-        <p:cTn id="1" dur="indefinite" restart="never" nodeType="tmRoot"/>
+        <p:cTn id="1" dur="indefinite" restart="never" nodeType="tmRoot">
+          <p:childTnLst>
+            <p:seq concurrent="1" nextAc="seek">
+              <p:cTn id="2" dur="indefinite" nodeType="mainSeq">
+                <p:childTnLst>
+                  <p:par>
+                    <p:cTn id="3" fill="hold">
+                      <p:stCondLst>
+                        <p:cond delay="indefinite"/>
+                      </p:stCondLst>
+                      <p:childTnLst>
+                        <p:par>
+                          <p:cTn id="4" fill="hold">
+                            <p:stCondLst>
+                              <p:cond delay="0"/>
+                            </p:stCondLst>
+                            <p:childTnLst>
+                              <p:par>
+                                <p:cTn id="5" presetID="10" presetClass="entr" presetSubtype="0" fill="hold" grpId="0" nodeType="clickEffect">
+                                  <p:stCondLst>
+                                    <p:cond delay="0"/>
+                                  </p:stCondLst>
+                                  <p:childTnLst>
+                                    <p:set>
+                                      <p:cBhvr>
+                                        <p:cTn id="6" dur="1" fill="hold">
+                                          <p:stCondLst>
+                                            <p:cond delay="0"/>
+                                          </p:stCondLst>
+                                        </p:cTn>
+                                        <p:tgtEl>
+                                          <p:spTgt spid="7"/>
+                                        </p:tgtEl>
+                                        <p:attrNameLst>
+                                          <p:attrName>style.visibility</p:attrName>
+                                        </p:attrNameLst>
+                                      </p:cBhvr>
+                                      <p:to>
+                                        <p:strVal val="visible"/>
+                                      </p:to>
+                                    </p:set>
+                                    <p:animEffect transition="in" filter="fade">
+                                      <p:cBhvr>
+                                        <p:cTn id="7" dur="500"/>
+                                        <p:tgtEl>
+                                          <p:spTgt spid="7"/>
+                                        </p:tgtEl>
+                                      </p:cBhvr>
+                                    </p:animEffect>
+                                  </p:childTnLst>
+                                </p:cTn>
+                              </p:par>
+                              <p:par>
+                                <p:cTn id="8" presetID="10" presetClass="entr" presetSubtype="0" fill="hold" nodeType="withEffect">
+                                  <p:stCondLst>
+                                    <p:cond delay="0"/>
+                                  </p:stCondLst>
+                                  <p:childTnLst>
+                                    <p:set>
+                                      <p:cBhvr>
+                                        <p:cTn id="9" dur="1" fill="hold">
+                                          <p:stCondLst>
+                                            <p:cond delay="0"/>
+                                          </p:stCondLst>
+                                        </p:cTn>
+                                        <p:tgtEl>
+                                          <p:spTgt spid="3074"/>
+                                        </p:tgtEl>
+                                        <p:attrNameLst>
+                                          <p:attrName>style.visibility</p:attrName>
+                                        </p:attrNameLst>
+                                      </p:cBhvr>
+                                      <p:to>
+                                        <p:strVal val="visible"/>
+                                      </p:to>
+                                    </p:set>
+                                    <p:animEffect transition="in" filter="fade">
+                                      <p:cBhvr>
+                                        <p:cTn id="10" dur="500"/>
+                                        <p:tgtEl>
+                                          <p:spTgt spid="3074"/>
+                                        </p:tgtEl>
+                                      </p:cBhvr>
+                                    </p:animEffect>
+                                  </p:childTnLst>
+                                </p:cTn>
+                              </p:par>
+                            </p:childTnLst>
+                          </p:cTn>
+                        </p:par>
+                      </p:childTnLst>
+                    </p:cTn>
+                  </p:par>
+                  <p:par>
+                    <p:cTn id="11" fill="hold">
+                      <p:stCondLst>
+                        <p:cond delay="indefinite"/>
+                      </p:stCondLst>
+                      <p:childTnLst>
+                        <p:par>
+                          <p:cTn id="12" fill="hold">
+                            <p:stCondLst>
+                              <p:cond delay="0"/>
+                            </p:stCondLst>
+                            <p:childTnLst>
+                              <p:par>
+                                <p:cTn id="13" presetID="10" presetClass="entr" presetSubtype="0" fill="hold" grpId="0" nodeType="clickEffect">
+                                  <p:stCondLst>
+                                    <p:cond delay="0"/>
+                                  </p:stCondLst>
+                                  <p:childTnLst>
+                                    <p:set>
+                                      <p:cBhvr>
+                                        <p:cTn id="14" dur="1" fill="hold">
+                                          <p:stCondLst>
+                                            <p:cond delay="0"/>
+                                          </p:stCondLst>
+                                        </p:cTn>
+                                        <p:tgtEl>
+                                          <p:spTgt spid="9"/>
+                                        </p:tgtEl>
+                                        <p:attrNameLst>
+                                          <p:attrName>style.visibility</p:attrName>
+                                        </p:attrNameLst>
+                                      </p:cBhvr>
+                                      <p:to>
+                                        <p:strVal val="visible"/>
+                                      </p:to>
+                                    </p:set>
+                                    <p:animEffect transition="in" filter="fade">
+                                      <p:cBhvr>
+                                        <p:cTn id="15" dur="500"/>
+                                        <p:tgtEl>
+                                          <p:spTgt spid="9"/>
+                                        </p:tgtEl>
+                                      </p:cBhvr>
+                                    </p:animEffect>
+                                  </p:childTnLst>
+                                </p:cTn>
+                              </p:par>
+                              <p:par>
+                                <p:cTn id="16" presetID="10" presetClass="entr" presetSubtype="0" fill="hold" nodeType="withEffect">
+                                  <p:stCondLst>
+                                    <p:cond delay="0"/>
+                                  </p:stCondLst>
+                                  <p:childTnLst>
+                                    <p:set>
+                                      <p:cBhvr>
+                                        <p:cTn id="17" dur="1" fill="hold">
+                                          <p:stCondLst>
+                                            <p:cond delay="0"/>
+                                          </p:stCondLst>
+                                        </p:cTn>
+                                        <p:tgtEl>
+                                          <p:spTgt spid="3076"/>
+                                        </p:tgtEl>
+                                        <p:attrNameLst>
+                                          <p:attrName>style.visibility</p:attrName>
+                                        </p:attrNameLst>
+                                      </p:cBhvr>
+                                      <p:to>
+                                        <p:strVal val="visible"/>
+                                      </p:to>
+                                    </p:set>
+                                    <p:animEffect transition="in" filter="fade">
+                                      <p:cBhvr>
+                                        <p:cTn id="18" dur="500"/>
+                                        <p:tgtEl>
+                                          <p:spTgt spid="3076"/>
+                                        </p:tgtEl>
+                                      </p:cBhvr>
+                                    </p:animEffect>
+                                  </p:childTnLst>
+                                </p:cTn>
+                              </p:par>
+                              <p:par>
+                                <p:cTn id="19" presetID="10" presetClass="entr" presetSubtype="0" fill="hold" grpId="0" nodeType="withEffect">
+                                  <p:stCondLst>
+                                    <p:cond delay="0"/>
+                                  </p:stCondLst>
+                                  <p:childTnLst>
+                                    <p:set>
+                                      <p:cBhvr>
+                                        <p:cTn id="20" dur="1" fill="hold">
+                                          <p:stCondLst>
+                                            <p:cond delay="0"/>
+                                          </p:stCondLst>
+                                        </p:cTn>
+                                        <p:tgtEl>
+                                          <p:spTgt spid="10"/>
+                                        </p:tgtEl>
+                                        <p:attrNameLst>
+                                          <p:attrName>style.visibility</p:attrName>
+                                        </p:attrNameLst>
+                                      </p:cBhvr>
+                                      <p:to>
+                                        <p:strVal val="visible"/>
+                                      </p:to>
+                                    </p:set>
+                                    <p:animEffect transition="in" filter="fade">
+                                      <p:cBhvr>
+                                        <p:cTn id="21" dur="500"/>
+                                        <p:tgtEl>
+                                          <p:spTgt spid="10"/>
+                                        </p:tgtEl>
+                                      </p:cBhvr>
+                                    </p:animEffect>
+                                  </p:childTnLst>
+                                </p:cTn>
+                              </p:par>
+                            </p:childTnLst>
+                          </p:cTn>
+                        </p:par>
+                      </p:childTnLst>
+                    </p:cTn>
+                  </p:par>
+                </p:childTnLst>
+              </p:cTn>
+              <p:prevCondLst>
+                <p:cond evt="onPrev" delay="0">
+                  <p:tgtEl>
+                    <p:sldTgt/>
+                  </p:tgtEl>
+                </p:cond>
+              </p:prevCondLst>
+              <p:nextCondLst>
+                <p:cond evt="onNext" delay="0">
+                  <p:tgtEl>
+                    <p:sldTgt/>
+                  </p:tgtEl>
+                </p:cond>
+              </p:nextCondLst>
+            </p:seq>
+          </p:childTnLst>
+        </p:cTn>
       </p:par>
     </p:tnLst>
+    <p:bldLst>
+      <p:bldP spid="9" grpId="0" animBg="1"/>
+      <p:bldP spid="7" grpId="0" animBg="1"/>
+      <p:bldP spid="10" grpId="0" animBg="1"/>
+    </p:bldLst>
   </p:timing>
 </p:sld>
 </file>
@@ -13997,7 +18288,7 @@
         <p:spPr/>
         <p:txBody>
           <a:bodyPr>
-            <a:normAutofit fontScale="90000"/>
+            <a:normAutofit/>
           </a:bodyPr>
           <a:lstStyle/>
           <a:p>
@@ -14007,7 +18298,131 @@
             </a:r>
             <a:r>
               <a:rPr lang="nl-BE" baseline="0" dirty="0" smtClean="0"/>
-              <a:t> coupling with Spring.net</a:t>
+              <a:t> </a:t>
+            </a:r>
+            <a:r>
+              <a:rPr lang="nl-BE" baseline="0" dirty="0" smtClean="0"/>
+              <a:t>coupling</a:t>
+            </a:r>
+            <a:endParaRPr lang="en-US" dirty="0"/>
+          </a:p>
+        </p:txBody>
+      </p:sp>
+      <p:pic>
+        <p:nvPicPr>
+          <p:cNvPr id="4098" name="Picture 2"/>
+          <p:cNvPicPr>
+            <a:picLocks noChangeAspect="1" noChangeArrowheads="1"/>
+          </p:cNvPicPr>
+          <p:nvPr/>
+        </p:nvPicPr>
+        <p:blipFill>
+          <a:blip r:embed="rId2"/>
+          <a:srcRect/>
+          <a:stretch>
+            <a:fillRect/>
+          </a:stretch>
+        </p:blipFill>
+        <p:spPr bwMode="auto">
+          <a:xfrm>
+            <a:off x="604865" y="3000372"/>
+            <a:ext cx="7896225" cy="2343150"/>
+          </a:xfrm>
+          <a:prstGeom prst="rect">
+            <a:avLst/>
+          </a:prstGeom>
+          <a:noFill/>
+          <a:ln w="38100">
+            <a:solidFill>
+              <a:schemeClr val="accent6"/>
+            </a:solidFill>
+            <a:miter lim="800000"/>
+            <a:headEnd/>
+            <a:tailEnd/>
+          </a:ln>
+        </p:spPr>
+      </p:pic>
+      <p:pic>
+        <p:nvPicPr>
+          <p:cNvPr id="4099" name="Picture 3"/>
+          <p:cNvPicPr>
+            <a:picLocks noChangeAspect="1" noChangeArrowheads="1"/>
+          </p:cNvPicPr>
+          <p:nvPr/>
+        </p:nvPicPr>
+        <p:blipFill>
+          <a:blip r:embed="rId3"/>
+          <a:srcRect/>
+          <a:stretch>
+            <a:fillRect/>
+          </a:stretch>
+        </p:blipFill>
+        <p:spPr bwMode="auto">
+          <a:xfrm>
+            <a:off x="571472" y="928670"/>
+            <a:ext cx="7953375" cy="1390650"/>
+          </a:xfrm>
+          <a:prstGeom prst="rect">
+            <a:avLst/>
+          </a:prstGeom>
+          <a:noFill/>
+          <a:ln w="38100">
+            <a:solidFill>
+              <a:schemeClr val="accent6"/>
+            </a:solidFill>
+            <a:miter lim="800000"/>
+            <a:headEnd/>
+            <a:tailEnd/>
+          </a:ln>
+        </p:spPr>
+      </p:pic>
+      <p:sp>
+        <p:nvSpPr>
+          <p:cNvPr id="6" name="Rectangular Callout 5"/>
+          <p:cNvSpPr/>
+          <p:nvPr/>
+        </p:nvSpPr>
+        <p:spPr>
+          <a:xfrm>
+            <a:off x="3357554" y="500042"/>
+            <a:ext cx="1785950" cy="714380"/>
+          </a:xfrm>
+          <a:prstGeom prst="wedgeRectCallout">
+            <a:avLst>
+              <a:gd name="adj1" fmla="val -34797"/>
+              <a:gd name="adj2" fmla="val 99736"/>
+            </a:avLst>
+          </a:prstGeom>
+          <a:effectLst>
+            <a:outerShdw blurRad="50800" dist="38100" dir="2700000" algn="tl" rotWithShape="0">
+              <a:prstClr val="black">
+                <a:alpha val="40000"/>
+              </a:prstClr>
+            </a:outerShdw>
+          </a:effectLst>
+        </p:spPr>
+        <p:style>
+          <a:lnRef idx="2">
+            <a:schemeClr val="accent6"/>
+          </a:lnRef>
+          <a:fillRef idx="1">
+            <a:schemeClr val="lt1"/>
+          </a:fillRef>
+          <a:effectRef idx="0">
+            <a:schemeClr val="accent6"/>
+          </a:effectRef>
+          <a:fontRef idx="minor">
+            <a:schemeClr val="dk1"/>
+          </a:fontRef>
+        </p:style>
+        <p:txBody>
+          <a:bodyPr rtlCol="0" anchor="ctr"/>
+          <a:lstStyle/>
+          <a:p>
+            <a:pPr algn="ctr"/>
+            <a:r>
+              <a:rPr lang="nl-BE" dirty="0" smtClean="0"/>
+              <a:t>Dependency</a:t>
             </a:r>
             <a:endParaRPr lang="en-US" dirty="0"/>
           </a:p>
@@ -14015,20 +18430,101 @@
       </p:sp>
       <p:sp>
         <p:nvSpPr>
-          <p:cNvPr id="3" name="Content Placeholder 2"/>
-          <p:cNvSpPr>
-            <a:spLocks noGrp="1"/>
-          </p:cNvSpPr>
-          <p:nvPr>
-            <p:ph idx="1"/>
-          </p:nvPr>
+          <p:cNvPr id="7" name="Down Arrow 6"/>
+          <p:cNvSpPr/>
+          <p:nvPr/>
         </p:nvSpPr>
-        <p:spPr/>
+        <p:spPr>
+          <a:xfrm>
+            <a:off x="3857620" y="2357430"/>
+            <a:ext cx="71438" cy="571504"/>
+          </a:xfrm>
+          <a:prstGeom prst="downArrow">
+            <a:avLst/>
+          </a:prstGeom>
+          <a:solidFill>
+            <a:schemeClr val="accent6"/>
+          </a:solidFill>
+          <a:ln>
+            <a:solidFill>
+              <a:schemeClr val="accent6"/>
+            </a:solidFill>
+          </a:ln>
+        </p:spPr>
+        <p:style>
+          <a:lnRef idx="2">
+            <a:schemeClr val="accent1">
+              <a:shade val="50000"/>
+            </a:schemeClr>
+          </a:lnRef>
+          <a:fillRef idx="1">
+            <a:schemeClr val="accent1"/>
+          </a:fillRef>
+          <a:effectRef idx="0">
+            <a:schemeClr val="accent1"/>
+          </a:effectRef>
+          <a:fontRef idx="minor">
+            <a:schemeClr val="lt1"/>
+          </a:fontRef>
+        </p:style>
         <p:txBody>
-          <a:bodyPr/>
+          <a:bodyPr rtlCol="0" anchor="ctr"/>
           <a:lstStyle/>
           <a:p>
+            <a:pPr algn="ctr"/>
             <a:endParaRPr lang="en-US"/>
+          </a:p>
+        </p:txBody>
+      </p:sp>
+      <p:sp>
+        <p:nvSpPr>
+          <p:cNvPr id="8" name="Rectangular Callout 7"/>
+          <p:cNvSpPr/>
+          <p:nvPr/>
+        </p:nvSpPr>
+        <p:spPr>
+          <a:xfrm>
+            <a:off x="4071934" y="2571744"/>
+            <a:ext cx="1785950" cy="714380"/>
+          </a:xfrm>
+          <a:prstGeom prst="wedgeRectCallout">
+            <a:avLst>
+              <a:gd name="adj1" fmla="val -34797"/>
+              <a:gd name="adj2" fmla="val 99736"/>
+            </a:avLst>
+          </a:prstGeom>
+          <a:effectLst>
+            <a:outerShdw blurRad="50800" dist="38100" dir="2700000" algn="tl" rotWithShape="0">
+              <a:prstClr val="black">
+                <a:alpha val="40000"/>
+              </a:prstClr>
+            </a:outerShdw>
+          </a:effectLst>
+        </p:spPr>
+        <p:style>
+          <a:lnRef idx="2">
+            <a:schemeClr val="accent6"/>
+          </a:lnRef>
+          <a:fillRef idx="1">
+            <a:schemeClr val="lt1"/>
+          </a:fillRef>
+          <a:effectRef idx="0">
+            <a:schemeClr val="accent6"/>
+          </a:effectRef>
+          <a:fontRef idx="minor">
+            <a:schemeClr val="dk1"/>
+          </a:fontRef>
+        </p:style>
+        <p:txBody>
+          <a:bodyPr rtlCol="0" anchor="ctr"/>
+          <a:lstStyle/>
+          <a:p>
+            <a:pPr algn="ctr"/>
+            <a:r>
+              <a:rPr lang="nl-BE" dirty="0" smtClean="0"/>
+              <a:t>Dependency Injection</a:t>
+            </a:r>
+            <a:endParaRPr lang="en-US" dirty="0"/>
           </a:p>
         </p:txBody>
       </p:sp>
@@ -14040,9 +18536,222 @@
   <p:timing>
     <p:tnLst>
       <p:par>
-        <p:cTn id="1" dur="indefinite" restart="never" nodeType="tmRoot"/>
+        <p:cTn id="1" dur="indefinite" restart="never" nodeType="tmRoot">
+          <p:childTnLst>
+            <p:seq concurrent="1" nextAc="seek">
+              <p:cTn id="2" dur="indefinite" nodeType="mainSeq">
+                <p:childTnLst>
+                  <p:par>
+                    <p:cTn id="3" fill="hold">
+                      <p:stCondLst>
+                        <p:cond delay="indefinite"/>
+                      </p:stCondLst>
+                      <p:childTnLst>
+                        <p:par>
+                          <p:cTn id="4" fill="hold">
+                            <p:stCondLst>
+                              <p:cond delay="0"/>
+                            </p:stCondLst>
+                            <p:childTnLst>
+                              <p:par>
+                                <p:cTn id="5" presetID="10" presetClass="entr" presetSubtype="0" fill="hold" grpId="0" nodeType="clickEffect">
+                                  <p:stCondLst>
+                                    <p:cond delay="0"/>
+                                  </p:stCondLst>
+                                  <p:childTnLst>
+                                    <p:set>
+                                      <p:cBhvr>
+                                        <p:cTn id="6" dur="1" fill="hold">
+                                          <p:stCondLst>
+                                            <p:cond delay="0"/>
+                                          </p:stCondLst>
+                                        </p:cTn>
+                                        <p:tgtEl>
+                                          <p:spTgt spid="6"/>
+                                        </p:tgtEl>
+                                        <p:attrNameLst>
+                                          <p:attrName>style.visibility</p:attrName>
+                                        </p:attrNameLst>
+                                      </p:cBhvr>
+                                      <p:to>
+                                        <p:strVal val="visible"/>
+                                      </p:to>
+                                    </p:set>
+                                    <p:animEffect transition="in" filter="fade">
+                                      <p:cBhvr>
+                                        <p:cTn id="7" dur="500"/>
+                                        <p:tgtEl>
+                                          <p:spTgt spid="6"/>
+                                        </p:tgtEl>
+                                      </p:cBhvr>
+                                    </p:animEffect>
+                                  </p:childTnLst>
+                                </p:cTn>
+                              </p:par>
+                            </p:childTnLst>
+                          </p:cTn>
+                        </p:par>
+                      </p:childTnLst>
+                    </p:cTn>
+                  </p:par>
+                  <p:par>
+                    <p:cTn id="8" fill="hold">
+                      <p:stCondLst>
+                        <p:cond delay="indefinite"/>
+                      </p:stCondLst>
+                      <p:childTnLst>
+                        <p:par>
+                          <p:cTn id="9" fill="hold">
+                            <p:stCondLst>
+                              <p:cond delay="0"/>
+                            </p:stCondLst>
+                            <p:childTnLst>
+                              <p:par>
+                                <p:cTn id="10" presetID="10" presetClass="entr" presetSubtype="0" fill="hold" nodeType="clickEffect">
+                                  <p:stCondLst>
+                                    <p:cond delay="0"/>
+                                  </p:stCondLst>
+                                  <p:childTnLst>
+                                    <p:set>
+                                      <p:cBhvr>
+                                        <p:cTn id="11" dur="1" fill="hold">
+                                          <p:stCondLst>
+                                            <p:cond delay="0"/>
+                                          </p:stCondLst>
+                                        </p:cTn>
+                                        <p:tgtEl>
+                                          <p:spTgt spid="4098"/>
+                                        </p:tgtEl>
+                                        <p:attrNameLst>
+                                          <p:attrName>style.visibility</p:attrName>
+                                        </p:attrNameLst>
+                                      </p:cBhvr>
+                                      <p:to>
+                                        <p:strVal val="visible"/>
+                                      </p:to>
+                                    </p:set>
+                                    <p:animEffect transition="in" filter="fade">
+                                      <p:cBhvr>
+                                        <p:cTn id="12" dur="500"/>
+                                        <p:tgtEl>
+                                          <p:spTgt spid="4098"/>
+                                        </p:tgtEl>
+                                      </p:cBhvr>
+                                    </p:animEffect>
+                                  </p:childTnLst>
+                                </p:cTn>
+                              </p:par>
+                              <p:par>
+                                <p:cTn id="13" presetID="10" presetClass="entr" presetSubtype="0" fill="hold" grpId="0" nodeType="withEffect">
+                                  <p:stCondLst>
+                                    <p:cond delay="0"/>
+                                  </p:stCondLst>
+                                  <p:childTnLst>
+                                    <p:set>
+                                      <p:cBhvr>
+                                        <p:cTn id="14" dur="1" fill="hold">
+                                          <p:stCondLst>
+                                            <p:cond delay="0"/>
+                                          </p:stCondLst>
+                                        </p:cTn>
+                                        <p:tgtEl>
+                                          <p:spTgt spid="7"/>
+                                        </p:tgtEl>
+                                        <p:attrNameLst>
+                                          <p:attrName>style.visibility</p:attrName>
+                                        </p:attrNameLst>
+                                      </p:cBhvr>
+                                      <p:to>
+                                        <p:strVal val="visible"/>
+                                      </p:to>
+                                    </p:set>
+                                    <p:animEffect transition="in" filter="fade">
+                                      <p:cBhvr>
+                                        <p:cTn id="15" dur="500"/>
+                                        <p:tgtEl>
+                                          <p:spTgt spid="7"/>
+                                        </p:tgtEl>
+                                      </p:cBhvr>
+                                    </p:animEffect>
+                                  </p:childTnLst>
+                                </p:cTn>
+                              </p:par>
+                            </p:childTnLst>
+                          </p:cTn>
+                        </p:par>
+                        <p:par>
+                          <p:cTn id="16" fill="hold">
+                            <p:stCondLst>
+                              <p:cond delay="500"/>
+                            </p:stCondLst>
+                            <p:childTnLst>
+                              <p:par>
+                                <p:cTn id="17" presetID="10" presetClass="entr" presetSubtype="0" fill="hold" grpId="0" nodeType="afterEffect">
+                                  <p:stCondLst>
+                                    <p:cond delay="0"/>
+                                  </p:stCondLst>
+                                  <p:childTnLst>
+                                    <p:set>
+                                      <p:cBhvr>
+                                        <p:cTn id="18" dur="1" fill="hold">
+                                          <p:stCondLst>
+                                            <p:cond delay="0"/>
+                                          </p:stCondLst>
+                                        </p:cTn>
+                                        <p:tgtEl>
+                                          <p:spTgt spid="8"/>
+                                        </p:tgtEl>
+                                        <p:attrNameLst>
+                                          <p:attrName>style.visibility</p:attrName>
+                                        </p:attrNameLst>
+                                      </p:cBhvr>
+                                      <p:to>
+                                        <p:strVal val="visible"/>
+                                      </p:to>
+                                    </p:set>
+                                    <p:animEffect transition="in" filter="fade">
+                                      <p:cBhvr>
+                                        <p:cTn id="19" dur="500"/>
+                                        <p:tgtEl>
+                                          <p:spTgt spid="8"/>
+                                        </p:tgtEl>
+                                      </p:cBhvr>
+                                    </p:animEffect>
+                                  </p:childTnLst>
+                                </p:cTn>
+                              </p:par>
+                            </p:childTnLst>
+                          </p:cTn>
+                        </p:par>
+                      </p:childTnLst>
+                    </p:cTn>
+                  </p:par>
+                </p:childTnLst>
+              </p:cTn>
+              <p:prevCondLst>
+                <p:cond evt="onPrev" delay="0">
+                  <p:tgtEl>
+                    <p:sldTgt/>
+                  </p:tgtEl>
+                </p:cond>
+              </p:prevCondLst>
+              <p:nextCondLst>
+                <p:cond evt="onNext" delay="0">
+                  <p:tgtEl>
+                    <p:sldTgt/>
+                  </p:tgtEl>
+                </p:cond>
+              </p:nextCondLst>
+            </p:seq>
+          </p:childTnLst>
+        </p:cTn>
       </p:par>
     </p:tnLst>
+    <p:bldLst>
+      <p:bldP spid="6" grpId="0" animBg="1"/>
+      <p:bldP spid="7" grpId="0" animBg="1"/>
+      <p:bldP spid="8" grpId="0" animBg="1"/>
+    </p:bldLst>
   </p:timing>
 </p:sld>
 </file>

--- a/slides/Technical Session/Lessons learned.pptx
+++ b/slides/Technical Session/Lessons learned.pptx
@@ -5,7 +5,7 @@
     <p:sldMasterId id="2147483708" r:id="rId1"/>
   </p:sldMasterIdLst>
   <p:notesMasterIdLst>
-    <p:notesMasterId r:id="rId22"/>
+    <p:notesMasterId r:id="rId24"/>
   </p:notesMasterIdLst>
   <p:sldIdLst>
     <p:sldId id="256" r:id="rId2"/>
@@ -17,17 +17,19 @@
     <p:sldId id="263" r:id="rId8"/>
     <p:sldId id="269" r:id="rId9"/>
     <p:sldId id="264" r:id="rId10"/>
-    <p:sldId id="265" r:id="rId11"/>
-    <p:sldId id="267" r:id="rId12"/>
-    <p:sldId id="266" r:id="rId13"/>
-    <p:sldId id="268" r:id="rId14"/>
-    <p:sldId id="270" r:id="rId15"/>
-    <p:sldId id="271" r:id="rId16"/>
-    <p:sldId id="272" r:id="rId17"/>
-    <p:sldId id="273" r:id="rId18"/>
-    <p:sldId id="274" r:id="rId19"/>
-    <p:sldId id="275" r:id="rId20"/>
-    <p:sldId id="276" r:id="rId21"/>
+    <p:sldId id="278" r:id="rId11"/>
+    <p:sldId id="265" r:id="rId12"/>
+    <p:sldId id="267" r:id="rId13"/>
+    <p:sldId id="277" r:id="rId14"/>
+    <p:sldId id="266" r:id="rId15"/>
+    <p:sldId id="268" r:id="rId16"/>
+    <p:sldId id="270" r:id="rId17"/>
+    <p:sldId id="271" r:id="rId18"/>
+    <p:sldId id="272" r:id="rId19"/>
+    <p:sldId id="273" r:id="rId20"/>
+    <p:sldId id="274" r:id="rId21"/>
+    <p:sldId id="275" r:id="rId22"/>
+    <p:sldId id="276" r:id="rId23"/>
   </p:sldIdLst>
   <p:sldSz cx="9144000" cy="6858000" type="screen4x3"/>
   <p:notesSz cx="6858000" cy="9144000"/>
@@ -1802,14 +1804,35 @@
         </dgm:presLayoutVars>
       </dgm:prSet>
       <dgm:spPr/>
+      <dgm:t>
+        <a:bodyPr/>
+        <a:lstStyle/>
+        <a:p>
+          <a:endParaRPr lang="en-US"/>
+        </a:p>
+      </dgm:t>
     </dgm:pt>
     <dgm:pt modelId="{E974E305-B093-4847-B674-96CD015141E0}" type="pres">
       <dgm:prSet presAssocID="{366AF2CA-1E69-4291-A324-950482E12DD8}" presName="sibTrans" presStyleLbl="sibTrans2D1" presStyleIdx="0" presStyleCnt="2"/>
       <dgm:spPr/>
+      <dgm:t>
+        <a:bodyPr/>
+        <a:lstStyle/>
+        <a:p>
+          <a:endParaRPr lang="en-US"/>
+        </a:p>
+      </dgm:t>
     </dgm:pt>
     <dgm:pt modelId="{0DCC8B2A-85A5-4A3D-BF7B-23123E384DDA}" type="pres">
       <dgm:prSet presAssocID="{366AF2CA-1E69-4291-A324-950482E12DD8}" presName="connectorText" presStyleLbl="sibTrans2D1" presStyleIdx="0" presStyleCnt="2"/>
       <dgm:spPr/>
+      <dgm:t>
+        <a:bodyPr/>
+        <a:lstStyle/>
+        <a:p>
+          <a:endParaRPr lang="en-US"/>
+        </a:p>
+      </dgm:t>
     </dgm:pt>
     <dgm:pt modelId="{E8C7D2B8-2EFE-491B-9120-598B54FDB279}" type="pres">
       <dgm:prSet presAssocID="{11DC3F5C-A4A2-407F-A072-A8F3225ADA2E}" presName="node" presStyleLbl="node1" presStyleIdx="1" presStyleCnt="3">
@@ -1818,14 +1841,35 @@
         </dgm:presLayoutVars>
       </dgm:prSet>
       <dgm:spPr/>
+      <dgm:t>
+        <a:bodyPr/>
+        <a:lstStyle/>
+        <a:p>
+          <a:endParaRPr lang="en-US"/>
+        </a:p>
+      </dgm:t>
     </dgm:pt>
     <dgm:pt modelId="{05F659E6-DE2E-4A9D-9F2C-38C149E7E7F9}" type="pres">
       <dgm:prSet presAssocID="{98DF2911-A7F4-40F9-95B7-5A2749B23573}" presName="sibTrans" presStyleLbl="sibTrans2D1" presStyleIdx="1" presStyleCnt="2"/>
       <dgm:spPr/>
+      <dgm:t>
+        <a:bodyPr/>
+        <a:lstStyle/>
+        <a:p>
+          <a:endParaRPr lang="en-US"/>
+        </a:p>
+      </dgm:t>
     </dgm:pt>
     <dgm:pt modelId="{A8870B13-FF71-43FF-99F2-34D003325B85}" type="pres">
       <dgm:prSet presAssocID="{98DF2911-A7F4-40F9-95B7-5A2749B23573}" presName="connectorText" presStyleLbl="sibTrans2D1" presStyleIdx="1" presStyleCnt="2"/>
       <dgm:spPr/>
+      <dgm:t>
+        <a:bodyPr/>
+        <a:lstStyle/>
+        <a:p>
+          <a:endParaRPr lang="en-US"/>
+        </a:p>
+      </dgm:t>
     </dgm:pt>
     <dgm:pt modelId="{5FB27D96-032E-4476-A886-256D29C84CCF}" type="pres">
       <dgm:prSet presAssocID="{AFDF83D1-13E0-4D43-881B-4C6B983513A2}" presName="node" presStyleLbl="node1" presStyleIdx="2" presStyleCnt="3">
@@ -1834,16 +1878,23 @@
         </dgm:presLayoutVars>
       </dgm:prSet>
       <dgm:spPr/>
+      <dgm:t>
+        <a:bodyPr/>
+        <a:lstStyle/>
+        <a:p>
+          <a:endParaRPr lang="en-US"/>
+        </a:p>
+      </dgm:t>
     </dgm:pt>
   </dgm:ptLst>
   <dgm:cxnLst>
     <dgm:cxn modelId="{631D9E13-39EB-4259-8AAE-19DA7F6F4D83}" type="presOf" srcId="{98DF2911-A7F4-40F9-95B7-5A2749B23573}" destId="{A8870B13-FF71-43FF-99F2-34D003325B85}" srcOrd="1" destOrd="0" presId="urn:microsoft.com/office/officeart/2005/8/layout/process1"/>
     <dgm:cxn modelId="{4BA553AF-4D45-4445-97C7-F964FD14B520}" type="presOf" srcId="{AFDF83D1-13E0-4D43-881B-4C6B983513A2}" destId="{5FB27D96-032E-4476-A886-256D29C84CCF}" srcOrd="0" destOrd="0" presId="urn:microsoft.com/office/officeart/2005/8/layout/process1"/>
+    <dgm:cxn modelId="{8BAE8E1E-B0DC-48A7-9BEA-483E4BFDE75D}" type="presOf" srcId="{89F4663A-CD05-4B85-BBCA-40FA831A1A8F}" destId="{3BA92C7C-5CB1-4570-8FA2-5F6671B46B59}" srcOrd="0" destOrd="0" presId="urn:microsoft.com/office/officeart/2005/8/layout/process1"/>
     <dgm:cxn modelId="{494A3215-675D-40FE-81AE-8F96C7890F23}" srcId="{39332B7E-DC53-4E39-8170-323651ED934E}" destId="{AFDF83D1-13E0-4D43-881B-4C6B983513A2}" srcOrd="2" destOrd="0" parTransId="{2F2F5AEA-A776-42D7-A1AE-A0D79D27C577}" sibTransId="{709EAEF6-2E0C-4FAC-A060-2D70E771541C}"/>
-    <dgm:cxn modelId="{8BAE8E1E-B0DC-48A7-9BEA-483E4BFDE75D}" type="presOf" srcId="{89F4663A-CD05-4B85-BBCA-40FA831A1A8F}" destId="{3BA92C7C-5CB1-4570-8FA2-5F6671B46B59}" srcOrd="0" destOrd="0" presId="urn:microsoft.com/office/officeart/2005/8/layout/process1"/>
-    <dgm:cxn modelId="{6BE2F088-147E-4D7E-88C5-5486B6A249AA}" srcId="{39332B7E-DC53-4E39-8170-323651ED934E}" destId="{11DC3F5C-A4A2-407F-A072-A8F3225ADA2E}" srcOrd="1" destOrd="0" parTransId="{7CE32FAF-7C27-4F07-9CFD-29396FBE7109}" sibTransId="{98DF2911-A7F4-40F9-95B7-5A2749B23573}"/>
     <dgm:cxn modelId="{680EDD14-5D8D-4F98-BB21-F7357A768F58}" type="presOf" srcId="{39332B7E-DC53-4E39-8170-323651ED934E}" destId="{A42C128E-CC5D-4400-8C05-2AAD4ADDE6D2}" srcOrd="0" destOrd="0" presId="urn:microsoft.com/office/officeart/2005/8/layout/process1"/>
     <dgm:cxn modelId="{4CB64A8E-32F3-46D3-8846-8CF92E5BC6C7}" type="presOf" srcId="{11DC3F5C-A4A2-407F-A072-A8F3225ADA2E}" destId="{E8C7D2B8-2EFE-491B-9120-598B54FDB279}" srcOrd="0" destOrd="0" presId="urn:microsoft.com/office/officeart/2005/8/layout/process1"/>
+    <dgm:cxn modelId="{6BE2F088-147E-4D7E-88C5-5486B6A249AA}" srcId="{39332B7E-DC53-4E39-8170-323651ED934E}" destId="{11DC3F5C-A4A2-407F-A072-A8F3225ADA2E}" srcOrd="1" destOrd="0" parTransId="{7CE32FAF-7C27-4F07-9CFD-29396FBE7109}" sibTransId="{98DF2911-A7F4-40F9-95B7-5A2749B23573}"/>
     <dgm:cxn modelId="{2C77AF61-53F0-4427-BAE1-191B78CA6480}" type="presOf" srcId="{366AF2CA-1E69-4291-A324-950482E12DD8}" destId="{E974E305-B093-4847-B674-96CD015141E0}" srcOrd="0" destOrd="0" presId="urn:microsoft.com/office/officeart/2005/8/layout/process1"/>
     <dgm:cxn modelId="{D3258751-8CD8-42C7-9C8D-78B70E2FB6A7}" type="presOf" srcId="{98DF2911-A7F4-40F9-95B7-5A2749B23573}" destId="{05F659E6-DE2E-4A9D-9F2C-38C149E7E7F9}" srcOrd="0" destOrd="0" presId="urn:microsoft.com/office/officeart/2005/8/layout/process1"/>
     <dgm:cxn modelId="{25CADF2C-5127-4D3F-9FE9-89EF699DA703}" type="presOf" srcId="{366AF2CA-1E69-4291-A324-950482E12DD8}" destId="{0DCC8B2A-85A5-4A3D-BF7B-23123E384DDA}" srcOrd="1" destOrd="0" presId="urn:microsoft.com/office/officeart/2005/8/layout/process1"/>
@@ -2040,14 +2091,35 @@
         </dgm:presLayoutVars>
       </dgm:prSet>
       <dgm:spPr/>
+      <dgm:t>
+        <a:bodyPr/>
+        <a:lstStyle/>
+        <a:p>
+          <a:endParaRPr lang="en-US"/>
+        </a:p>
+      </dgm:t>
     </dgm:pt>
     <dgm:pt modelId="{E974E305-B093-4847-B674-96CD015141E0}" type="pres">
       <dgm:prSet presAssocID="{366AF2CA-1E69-4291-A324-950482E12DD8}" presName="sibTrans" presStyleLbl="sibTrans2D1" presStyleIdx="0" presStyleCnt="2"/>
       <dgm:spPr/>
+      <dgm:t>
+        <a:bodyPr/>
+        <a:lstStyle/>
+        <a:p>
+          <a:endParaRPr lang="en-US"/>
+        </a:p>
+      </dgm:t>
     </dgm:pt>
     <dgm:pt modelId="{0DCC8B2A-85A5-4A3D-BF7B-23123E384DDA}" type="pres">
       <dgm:prSet presAssocID="{366AF2CA-1E69-4291-A324-950482E12DD8}" presName="connectorText" presStyleLbl="sibTrans2D1" presStyleIdx="0" presStyleCnt="2"/>
       <dgm:spPr/>
+      <dgm:t>
+        <a:bodyPr/>
+        <a:lstStyle/>
+        <a:p>
+          <a:endParaRPr lang="en-US"/>
+        </a:p>
+      </dgm:t>
     </dgm:pt>
     <dgm:pt modelId="{E8C7D2B8-2EFE-491B-9120-598B54FDB279}" type="pres">
       <dgm:prSet presAssocID="{11DC3F5C-A4A2-407F-A072-A8F3225ADA2E}" presName="node" presStyleLbl="node1" presStyleIdx="1" presStyleCnt="3">
@@ -2056,14 +2128,35 @@
         </dgm:presLayoutVars>
       </dgm:prSet>
       <dgm:spPr/>
+      <dgm:t>
+        <a:bodyPr/>
+        <a:lstStyle/>
+        <a:p>
+          <a:endParaRPr lang="en-US"/>
+        </a:p>
+      </dgm:t>
     </dgm:pt>
     <dgm:pt modelId="{05F659E6-DE2E-4A9D-9F2C-38C149E7E7F9}" type="pres">
       <dgm:prSet presAssocID="{98DF2911-A7F4-40F9-95B7-5A2749B23573}" presName="sibTrans" presStyleLbl="sibTrans2D1" presStyleIdx="1" presStyleCnt="2"/>
       <dgm:spPr/>
+      <dgm:t>
+        <a:bodyPr/>
+        <a:lstStyle/>
+        <a:p>
+          <a:endParaRPr lang="en-US"/>
+        </a:p>
+      </dgm:t>
     </dgm:pt>
     <dgm:pt modelId="{A8870B13-FF71-43FF-99F2-34D003325B85}" type="pres">
       <dgm:prSet presAssocID="{98DF2911-A7F4-40F9-95B7-5A2749B23573}" presName="connectorText" presStyleLbl="sibTrans2D1" presStyleIdx="1" presStyleCnt="2"/>
       <dgm:spPr/>
+      <dgm:t>
+        <a:bodyPr/>
+        <a:lstStyle/>
+        <a:p>
+          <a:endParaRPr lang="en-US"/>
+        </a:p>
+      </dgm:t>
     </dgm:pt>
     <dgm:pt modelId="{5FB27D96-032E-4476-A886-256D29C84CCF}" type="pres">
       <dgm:prSet presAssocID="{AFDF83D1-13E0-4D43-881B-4C6B983513A2}" presName="node" presStyleLbl="node1" presStyleIdx="2" presStyleCnt="3">
@@ -2072,6 +2165,13 @@
         </dgm:presLayoutVars>
       </dgm:prSet>
       <dgm:spPr/>
+      <dgm:t>
+        <a:bodyPr/>
+        <a:lstStyle/>
+        <a:p>
+          <a:endParaRPr lang="en-US"/>
+        </a:p>
+      </dgm:t>
     </dgm:pt>
   </dgm:ptLst>
   <dgm:cxnLst>
@@ -4542,7 +4642,7 @@
             <a:fld id="{02F51393-7E35-4018-BC05-EF5CF32CD707}" type="datetimeFigureOut">
               <a:rPr lang="en-US" smtClean="0"/>
               <a:pPr/>
-              <a:t>6/16/2009</a:t>
+              <a:t>6/17/2009</a:t>
             </a:fld>
             <a:endParaRPr lang="en-US"/>
           </a:p>
@@ -5197,7 +5297,7 @@
             <a:fld id="{4103763D-A27D-454E-8A4F-CA208A7ACAEE}" type="datetimeFigureOut">
               <a:rPr lang="en-US" smtClean="0"/>
               <a:pPr/>
-              <a:t>6/16/2009</a:t>
+              <a:t>6/17/2009</a:t>
             </a:fld>
             <a:endParaRPr lang="en-US"/>
           </a:p>
@@ -5384,7 +5484,7 @@
             <a:fld id="{4103763D-A27D-454E-8A4F-CA208A7ACAEE}" type="datetimeFigureOut">
               <a:rPr lang="en-US" smtClean="0"/>
               <a:pPr/>
-              <a:t>6/16/2009</a:t>
+              <a:t>6/17/2009</a:t>
             </a:fld>
             <a:endParaRPr lang="en-US"/>
           </a:p>
@@ -5571,7 +5671,7 @@
             <a:fld id="{4103763D-A27D-454E-8A4F-CA208A7ACAEE}" type="datetimeFigureOut">
               <a:rPr lang="en-US" smtClean="0"/>
               <a:pPr/>
-              <a:t>6/16/2009</a:t>
+              <a:t>6/17/2009</a:t>
             </a:fld>
             <a:endParaRPr lang="en-US"/>
           </a:p>
@@ -5758,7 +5858,7 @@
             <a:fld id="{4103763D-A27D-454E-8A4F-CA208A7ACAEE}" type="datetimeFigureOut">
               <a:rPr lang="en-US" smtClean="0"/>
               <a:pPr/>
-              <a:t>6/16/2009</a:t>
+              <a:t>6/17/2009</a:t>
             </a:fld>
             <a:endParaRPr lang="en-US"/>
           </a:p>
@@ -6141,7 +6241,7 @@
             <a:fld id="{4103763D-A27D-454E-8A4F-CA208A7ACAEE}" type="datetimeFigureOut">
               <a:rPr lang="en-US" smtClean="0"/>
               <a:pPr/>
-              <a:t>6/16/2009</a:t>
+              <a:t>6/17/2009</a:t>
             </a:fld>
             <a:endParaRPr lang="en-US"/>
           </a:p>
@@ -6412,7 +6512,7 @@
             <a:fld id="{4103763D-A27D-454E-8A4F-CA208A7ACAEE}" type="datetimeFigureOut">
               <a:rPr lang="en-US" smtClean="0"/>
               <a:pPr/>
-              <a:t>6/16/2009</a:t>
+              <a:t>6/17/2009</a:t>
             </a:fld>
             <a:endParaRPr lang="en-US"/>
           </a:p>
@@ -6799,7 +6899,7 @@
             <a:fld id="{4103763D-A27D-454E-8A4F-CA208A7ACAEE}" type="datetimeFigureOut">
               <a:rPr lang="en-US" smtClean="0"/>
               <a:pPr/>
-              <a:t>6/16/2009</a:t>
+              <a:t>6/17/2009</a:t>
             </a:fld>
             <a:endParaRPr lang="en-US"/>
           </a:p>
@@ -6922,7 +7022,7 @@
             <a:fld id="{4103763D-A27D-454E-8A4F-CA208A7ACAEE}" type="datetimeFigureOut">
               <a:rPr lang="en-US" smtClean="0"/>
               <a:pPr/>
-              <a:t>6/16/2009</a:t>
+              <a:t>6/17/2009</a:t>
             </a:fld>
             <a:endParaRPr lang="en-US"/>
           </a:p>
@@ -7104,7 +7204,7 @@
             <a:fld id="{4103763D-A27D-454E-8A4F-CA208A7ACAEE}" type="datetimeFigureOut">
               <a:rPr lang="en-US" smtClean="0"/>
               <a:pPr/>
-              <a:t>6/16/2009</a:t>
+              <a:t>6/17/2009</a:t>
             </a:fld>
             <a:endParaRPr lang="en-US"/>
           </a:p>
@@ -7440,7 +7540,7 @@
             <a:fld id="{4103763D-A27D-454E-8A4F-CA208A7ACAEE}" type="datetimeFigureOut">
               <a:rPr lang="en-US" smtClean="0"/>
               <a:pPr/>
-              <a:t>6/16/2009</a:t>
+              <a:t>6/17/2009</a:t>
             </a:fld>
             <a:endParaRPr lang="en-US"/>
           </a:p>
@@ -7811,7 +7911,7 @@
             <a:fld id="{4103763D-A27D-454E-8A4F-CA208A7ACAEE}" type="datetimeFigureOut">
               <a:rPr lang="en-US" smtClean="0"/>
               <a:pPr/>
-              <a:t>6/16/2009</a:t>
+              <a:t>6/17/2009</a:t>
             </a:fld>
             <a:endParaRPr lang="en-US"/>
           </a:p>
@@ -8231,7 +8331,7 @@
             <a:fld id="{4103763D-A27D-454E-8A4F-CA208A7ACAEE}" type="datetimeFigureOut">
               <a:rPr lang="en-US" smtClean="0"/>
               <a:pPr/>
-              <a:t>6/16/2009</a:t>
+              <a:t>6/17/2009</a:t>
             </a:fld>
             <a:endParaRPr lang="en-US"/>
           </a:p>
@@ -8750,6 +8850,107 @@
           <a:chExt cx="0" cy="0"/>
         </a:xfrm>
       </p:grpSpPr>
+      <p:pic>
+        <p:nvPicPr>
+          <p:cNvPr id="1027" name="Picture 3"/>
+          <p:cNvPicPr>
+            <a:picLocks noChangeAspect="1" noChangeArrowheads="1"/>
+          </p:cNvPicPr>
+          <p:nvPr/>
+        </p:nvPicPr>
+        <p:blipFill>
+          <a:blip r:embed="rId2"/>
+          <a:srcRect/>
+          <a:stretch>
+            <a:fillRect/>
+          </a:stretch>
+        </p:blipFill>
+        <p:spPr bwMode="auto">
+          <a:xfrm>
+            <a:off x="642910" y="2357430"/>
+            <a:ext cx="4257675" cy="1647825"/>
+          </a:xfrm>
+          <a:prstGeom prst="rect">
+            <a:avLst/>
+          </a:prstGeom>
+          <a:noFill/>
+          <a:ln w="9525">
+            <a:noFill/>
+            <a:miter lim="800000"/>
+            <a:headEnd/>
+            <a:tailEnd/>
+          </a:ln>
+        </p:spPr>
+      </p:pic>
+      <p:pic>
+        <p:nvPicPr>
+          <p:cNvPr id="1028" name="Picture 4"/>
+          <p:cNvPicPr>
+            <a:picLocks noChangeAspect="1" noChangeArrowheads="1"/>
+          </p:cNvPicPr>
+          <p:nvPr/>
+        </p:nvPicPr>
+        <p:blipFill>
+          <a:blip r:embed="rId3"/>
+          <a:srcRect r="57682"/>
+          <a:stretch>
+            <a:fillRect/>
+          </a:stretch>
+        </p:blipFill>
+        <p:spPr bwMode="auto">
+          <a:xfrm>
+            <a:off x="3643306" y="3038488"/>
+            <a:ext cx="4643470" cy="2247900"/>
+          </a:xfrm>
+          <a:prstGeom prst="rect">
+            <a:avLst/>
+          </a:prstGeom>
+          <a:ln>
+            <a:noFill/>
+          </a:ln>
+          <a:effectLst>
+            <a:outerShdw blurRad="190500" algn="tl" rotWithShape="0">
+              <a:srgbClr val="000000">
+                <a:alpha val="70000"/>
+              </a:srgbClr>
+            </a:outerShdw>
+          </a:effectLst>
+        </p:spPr>
+      </p:pic>
+      <p:pic>
+        <p:nvPicPr>
+          <p:cNvPr id="1030" name="Picture 6"/>
+          <p:cNvPicPr>
+            <a:picLocks noChangeAspect="1" noChangeArrowheads="1"/>
+          </p:cNvPicPr>
+          <p:nvPr/>
+        </p:nvPicPr>
+        <p:blipFill>
+          <a:blip r:embed="rId4"/>
+          <a:srcRect/>
+          <a:stretch>
+            <a:fillRect/>
+          </a:stretch>
+        </p:blipFill>
+        <p:spPr bwMode="auto">
+          <a:xfrm>
+            <a:off x="1214414" y="642918"/>
+            <a:ext cx="6667500" cy="981075"/>
+          </a:xfrm>
+          <a:prstGeom prst="rect">
+            <a:avLst/>
+          </a:prstGeom>
+          <a:noFill/>
+          <a:ln w="38100">
+            <a:solidFill>
+              <a:schemeClr val="accent6"/>
+            </a:solidFill>
+            <a:miter lim="800000"/>
+            <a:headEnd/>
+            <a:tailEnd/>
+          </a:ln>
+        </p:spPr>
+      </p:pic>
       <p:sp>
         <p:nvSpPr>
           <p:cNvPr id="2" name="Title 1"/>
@@ -8771,7 +8972,7 @@
             </a:r>
             <a:r>
               <a:rPr lang="nl-BE" baseline="0" dirty="0" smtClean="0"/>
-              <a:t> Migratordotnet</a:t>
+              <a:t> Nhibernate</a:t>
             </a:r>
             <a:endParaRPr lang="en-US" dirty="0"/>
           </a:p>
@@ -8779,19 +8980,96 @@
       </p:sp>
       <p:sp>
         <p:nvSpPr>
-          <p:cNvPr id="3" name="Content Placeholder 2"/>
-          <p:cNvSpPr>
-            <a:spLocks noGrp="1"/>
-          </p:cNvSpPr>
-          <p:nvPr>
-            <p:ph idx="1"/>
-          </p:nvPr>
+          <p:cNvPr id="8" name="Down Arrow 7"/>
+          <p:cNvSpPr/>
+          <p:nvPr/>
         </p:nvSpPr>
-        <p:spPr/>
+        <p:spPr>
+          <a:xfrm>
+            <a:off x="3357554" y="1428736"/>
+            <a:ext cx="71438" cy="857256"/>
+          </a:xfrm>
+          <a:prstGeom prst="downArrow">
+            <a:avLst/>
+          </a:prstGeom>
+          <a:solidFill>
+            <a:schemeClr val="accent6"/>
+          </a:solidFill>
+          <a:ln>
+            <a:solidFill>
+              <a:schemeClr val="accent6"/>
+            </a:solidFill>
+          </a:ln>
+        </p:spPr>
+        <p:style>
+          <a:lnRef idx="2">
+            <a:schemeClr val="accent1">
+              <a:shade val="50000"/>
+            </a:schemeClr>
+          </a:lnRef>
+          <a:fillRef idx="1">
+            <a:schemeClr val="accent1"/>
+          </a:fillRef>
+          <a:effectRef idx="0">
+            <a:schemeClr val="accent1"/>
+          </a:effectRef>
+          <a:fontRef idx="minor">
+            <a:schemeClr val="lt1"/>
+          </a:fontRef>
+        </p:style>
         <p:txBody>
-          <a:bodyPr/>
+          <a:bodyPr rtlCol="0" anchor="ctr"/>
           <a:lstStyle/>
           <a:p>
+            <a:pPr algn="ctr"/>
+            <a:endParaRPr lang="en-US"/>
+          </a:p>
+        </p:txBody>
+      </p:sp>
+      <p:sp>
+        <p:nvSpPr>
+          <p:cNvPr id="10" name="Down Arrow 9"/>
+          <p:cNvSpPr/>
+          <p:nvPr/>
+        </p:nvSpPr>
+        <p:spPr>
+          <a:xfrm>
+            <a:off x="4286248" y="1428736"/>
+            <a:ext cx="71438" cy="1571636"/>
+          </a:xfrm>
+          <a:prstGeom prst="downArrow">
+            <a:avLst/>
+          </a:prstGeom>
+          <a:solidFill>
+            <a:schemeClr val="accent6"/>
+          </a:solidFill>
+          <a:ln>
+            <a:solidFill>
+              <a:schemeClr val="accent6"/>
+            </a:solidFill>
+          </a:ln>
+        </p:spPr>
+        <p:style>
+          <a:lnRef idx="2">
+            <a:schemeClr val="accent1">
+              <a:shade val="50000"/>
+            </a:schemeClr>
+          </a:lnRef>
+          <a:fillRef idx="1">
+            <a:schemeClr val="accent1"/>
+          </a:fillRef>
+          <a:effectRef idx="0">
+            <a:schemeClr val="accent1"/>
+          </a:effectRef>
+          <a:fontRef idx="minor">
+            <a:schemeClr val="lt1"/>
+          </a:fontRef>
+        </p:style>
+        <p:txBody>
+          <a:bodyPr rtlCol="0" anchor="ctr"/>
+          <a:lstStyle/>
+          <a:p>
+            <a:pPr algn="ctr"/>
             <a:endParaRPr lang="en-US"/>
           </a:p>
         </p:txBody>
@@ -8804,9 +9082,212 @@
   <p:timing>
     <p:tnLst>
       <p:par>
-        <p:cTn id="1" dur="indefinite" restart="never" nodeType="tmRoot"/>
+        <p:cTn id="1" dur="indefinite" restart="never" nodeType="tmRoot">
+          <p:childTnLst>
+            <p:seq concurrent="1" nextAc="seek">
+              <p:cTn id="2" dur="indefinite" nodeType="mainSeq">
+                <p:childTnLst>
+                  <p:par>
+                    <p:cTn id="3" fill="hold">
+                      <p:stCondLst>
+                        <p:cond delay="indefinite"/>
+                      </p:stCondLst>
+                      <p:childTnLst>
+                        <p:par>
+                          <p:cTn id="4" fill="hold">
+                            <p:stCondLst>
+                              <p:cond delay="0"/>
+                            </p:stCondLst>
+                            <p:childTnLst>
+                              <p:par>
+                                <p:cTn id="5" presetID="10" presetClass="entr" presetSubtype="0" fill="hold" grpId="0" nodeType="clickEffect">
+                                  <p:stCondLst>
+                                    <p:cond delay="0"/>
+                                  </p:stCondLst>
+                                  <p:childTnLst>
+                                    <p:set>
+                                      <p:cBhvr>
+                                        <p:cTn id="6" dur="1" fill="hold">
+                                          <p:stCondLst>
+                                            <p:cond delay="0"/>
+                                          </p:stCondLst>
+                                        </p:cTn>
+                                        <p:tgtEl>
+                                          <p:spTgt spid="8"/>
+                                        </p:tgtEl>
+                                        <p:attrNameLst>
+                                          <p:attrName>style.visibility</p:attrName>
+                                        </p:attrNameLst>
+                                      </p:cBhvr>
+                                      <p:to>
+                                        <p:strVal val="visible"/>
+                                      </p:to>
+                                    </p:set>
+                                    <p:animEffect transition="in" filter="fade">
+                                      <p:cBhvr>
+                                        <p:cTn id="7" dur="500"/>
+                                        <p:tgtEl>
+                                          <p:spTgt spid="8"/>
+                                        </p:tgtEl>
+                                      </p:cBhvr>
+                                    </p:animEffect>
+                                  </p:childTnLst>
+                                </p:cTn>
+                              </p:par>
+                              <p:par>
+                                <p:cTn id="8" presetID="10" presetClass="entr" presetSubtype="0" fill="hold" nodeType="withEffect">
+                                  <p:stCondLst>
+                                    <p:cond delay="0"/>
+                                  </p:stCondLst>
+                                  <p:childTnLst>
+                                    <p:set>
+                                      <p:cBhvr>
+                                        <p:cTn id="9" dur="1" fill="hold">
+                                          <p:stCondLst>
+                                            <p:cond delay="0"/>
+                                          </p:stCondLst>
+                                        </p:cTn>
+                                        <p:tgtEl>
+                                          <p:spTgt spid="1027"/>
+                                        </p:tgtEl>
+                                        <p:attrNameLst>
+                                          <p:attrName>style.visibility</p:attrName>
+                                        </p:attrNameLst>
+                                      </p:cBhvr>
+                                      <p:to>
+                                        <p:strVal val="visible"/>
+                                      </p:to>
+                                    </p:set>
+                                    <p:animEffect transition="in" filter="fade">
+                                      <p:cBhvr>
+                                        <p:cTn id="10" dur="500"/>
+                                        <p:tgtEl>
+                                          <p:spTgt spid="1027"/>
+                                        </p:tgtEl>
+                                      </p:cBhvr>
+                                    </p:animEffect>
+                                  </p:childTnLst>
+                                </p:cTn>
+                              </p:par>
+                            </p:childTnLst>
+                          </p:cTn>
+                        </p:par>
+                      </p:childTnLst>
+                    </p:cTn>
+                  </p:par>
+                  <p:par>
+                    <p:cTn id="11" fill="hold">
+                      <p:stCondLst>
+                        <p:cond delay="indefinite"/>
+                      </p:stCondLst>
+                      <p:childTnLst>
+                        <p:par>
+                          <p:cTn id="12" fill="hold">
+                            <p:stCondLst>
+                              <p:cond delay="0"/>
+                            </p:stCondLst>
+                            <p:childTnLst>
+                              <p:par>
+                                <p:cTn id="13" presetID="10" presetClass="entr" presetSubtype="0" fill="hold" grpId="0" nodeType="clickEffect">
+                                  <p:stCondLst>
+                                    <p:cond delay="0"/>
+                                  </p:stCondLst>
+                                  <p:childTnLst>
+                                    <p:set>
+                                      <p:cBhvr>
+                                        <p:cTn id="14" dur="1" fill="hold">
+                                          <p:stCondLst>
+                                            <p:cond delay="0"/>
+                                          </p:stCondLst>
+                                        </p:cTn>
+                                        <p:tgtEl>
+                                          <p:spTgt spid="10"/>
+                                        </p:tgtEl>
+                                        <p:attrNameLst>
+                                          <p:attrName>style.visibility</p:attrName>
+                                        </p:attrNameLst>
+                                      </p:cBhvr>
+                                      <p:to>
+                                        <p:strVal val="visible"/>
+                                      </p:to>
+                                    </p:set>
+                                    <p:animEffect transition="in" filter="fade">
+                                      <p:cBhvr>
+                                        <p:cTn id="15" dur="500"/>
+                                        <p:tgtEl>
+                                          <p:spTgt spid="10"/>
+                                        </p:tgtEl>
+                                      </p:cBhvr>
+                                    </p:animEffect>
+                                  </p:childTnLst>
+                                </p:cTn>
+                              </p:par>
+                              <p:par>
+                                <p:cTn id="16" presetID="10" presetClass="entr" presetSubtype="0" fill="hold" nodeType="withEffect">
+                                  <p:stCondLst>
+                                    <p:cond delay="0"/>
+                                  </p:stCondLst>
+                                  <p:childTnLst>
+                                    <p:set>
+                                      <p:cBhvr>
+                                        <p:cTn id="17" dur="1" fill="hold">
+                                          <p:stCondLst>
+                                            <p:cond delay="0"/>
+                                          </p:stCondLst>
+                                        </p:cTn>
+                                        <p:tgtEl>
+                                          <p:spTgt spid="1028"/>
+                                        </p:tgtEl>
+                                        <p:attrNameLst>
+                                          <p:attrName>style.visibility</p:attrName>
+                                        </p:attrNameLst>
+                                      </p:cBhvr>
+                                      <p:to>
+                                        <p:strVal val="visible"/>
+                                      </p:to>
+                                    </p:set>
+                                    <p:animEffect transition="in" filter="fade">
+                                      <p:cBhvr>
+                                        <p:cTn id="18" dur="500"/>
+                                        <p:tgtEl>
+                                          <p:spTgt spid="1028"/>
+                                        </p:tgtEl>
+                                      </p:cBhvr>
+                                    </p:animEffect>
+                                  </p:childTnLst>
+                                </p:cTn>
+                              </p:par>
+                            </p:childTnLst>
+                          </p:cTn>
+                        </p:par>
+                      </p:childTnLst>
+                    </p:cTn>
+                  </p:par>
+                </p:childTnLst>
+              </p:cTn>
+              <p:prevCondLst>
+                <p:cond evt="onPrev" delay="0">
+                  <p:tgtEl>
+                    <p:sldTgt/>
+                  </p:tgtEl>
+                </p:cond>
+              </p:prevCondLst>
+              <p:nextCondLst>
+                <p:cond evt="onNext" delay="0">
+                  <p:tgtEl>
+                    <p:sldTgt/>
+                  </p:tgtEl>
+                </p:cond>
+              </p:nextCondLst>
+            </p:seq>
+          </p:childTnLst>
+        </p:cTn>
       </p:par>
     </p:tnLst>
+    <p:bldLst>
+      <p:bldP spid="8" grpId="0" animBg="1"/>
+      <p:bldP spid="10" grpId="0" animBg="1"/>
+    </p:bldLst>
   </p:timing>
 </p:sld>
 </file>
@@ -8840,39 +9321,18 @@
         </p:nvSpPr>
         <p:spPr/>
         <p:txBody>
-          <a:bodyPr>
-            <a:normAutofit fontScale="90000"/>
-          </a:bodyPr>
-          <a:lstStyle/>
-          <a:p>
-            <a:r>
-              <a:rPr lang="nl-BE" dirty="0" smtClean="0"/>
-              <a:t>Practices: Specification by example</a:t>
-            </a:r>
-            <a:r>
-              <a:rPr lang="nl-BE" baseline="0" dirty="0" smtClean="0"/>
-              <a:t> FitNesse</a:t>
-            </a:r>
-            <a:endParaRPr lang="en-US" dirty="0"/>
-          </a:p>
-        </p:txBody>
-      </p:sp>
-      <p:sp>
-        <p:nvSpPr>
-          <p:cNvPr id="3" name="Content Placeholder 2"/>
-          <p:cNvSpPr>
-            <a:spLocks noGrp="1"/>
-          </p:cNvSpPr>
-          <p:nvPr>
-            <p:ph idx="1"/>
-          </p:nvPr>
-        </p:nvSpPr>
-        <p:spPr/>
-        <p:txBody>
           <a:bodyPr/>
           <a:lstStyle/>
           <a:p>
-            <a:endParaRPr lang="en-US"/>
+            <a:r>
+              <a:rPr lang="nl-BE" dirty="0" smtClean="0"/>
+              <a:t>Data:</a:t>
+            </a:r>
+            <a:r>
+              <a:rPr lang="nl-BE" baseline="0" dirty="0" smtClean="0"/>
+              <a:t> Migratordotnet</a:t>
+            </a:r>
+            <a:endParaRPr lang="en-US" dirty="0"/>
           </a:p>
         </p:txBody>
       </p:sp>
@@ -8908,6 +9368,39 @@
           <a:chExt cx="0" cy="0"/>
         </a:xfrm>
       </p:grpSpPr>
+      <p:pic>
+        <p:nvPicPr>
+          <p:cNvPr id="4" name="Picture 3"/>
+          <p:cNvPicPr/>
+          <p:nvPr/>
+        </p:nvPicPr>
+        <p:blipFill>
+          <a:blip r:embed="rId2"/>
+          <a:srcRect b="25272"/>
+          <a:stretch>
+            <a:fillRect/>
+          </a:stretch>
+        </p:blipFill>
+        <p:spPr bwMode="auto">
+          <a:xfrm>
+            <a:off x="1700234" y="538434"/>
+            <a:ext cx="5943600" cy="4533640"/>
+          </a:xfrm>
+          <a:prstGeom prst="rect">
+            <a:avLst/>
+          </a:prstGeom>
+          <a:ln>
+            <a:noFill/>
+          </a:ln>
+          <a:effectLst>
+            <a:outerShdw blurRad="190500" algn="tl" rotWithShape="0">
+              <a:srgbClr val="000000">
+                <a:alpha val="70000"/>
+              </a:srgbClr>
+            </a:outerShdw>
+          </a:effectLst>
+        </p:spPr>
+      </p:pic>
       <p:sp>
         <p:nvSpPr>
           <p:cNvPr id="2" name="Title 1"/>
@@ -8921,34 +9414,19 @@
         <p:spPr/>
         <p:txBody>
           <a:bodyPr>
-            <a:normAutofit/>
+            <a:normAutofit fontScale="90000"/>
           </a:bodyPr>
           <a:lstStyle/>
           <a:p>
             <a:r>
               <a:rPr lang="nl-BE" dirty="0" smtClean="0"/>
-              <a:t>Practices: TDD/BDD/AAA</a:t>
+              <a:t>Practices: Specification by example uisng</a:t>
+            </a:r>
+            <a:r>
+              <a:rPr lang="nl-BE" baseline="0" dirty="0" smtClean="0"/>
+              <a:t> FitNesse</a:t>
             </a:r>
             <a:endParaRPr lang="en-US" dirty="0"/>
-          </a:p>
-        </p:txBody>
-      </p:sp>
-      <p:sp>
-        <p:nvSpPr>
-          <p:cNvPr id="9" name="Content Placeholder 8"/>
-          <p:cNvSpPr>
-            <a:spLocks noGrp="1"/>
-          </p:cNvSpPr>
-          <p:nvPr>
-            <p:ph idx="1"/>
-          </p:nvPr>
-        </p:nvSpPr>
-        <p:spPr/>
-        <p:txBody>
-          <a:bodyPr/>
-          <a:lstStyle/>
-          <a:p>
-            <a:endParaRPr lang="en-US"/>
           </a:p>
         </p:txBody>
       </p:sp>
@@ -8996,12 +9474,108 @@
         </p:nvSpPr>
         <p:spPr/>
         <p:txBody>
-          <a:bodyPr/>
+          <a:bodyPr>
+            <a:normAutofit fontScale="90000"/>
+          </a:bodyPr>
           <a:lstStyle/>
           <a:p>
             <a:r>
               <a:rPr lang="nl-BE" dirty="0" smtClean="0"/>
-              <a:t>Practices: Pair Programming</a:t>
+              <a:t>Practices: Specification by example uisng</a:t>
+            </a:r>
+            <a:r>
+              <a:rPr lang="nl-BE" baseline="0" dirty="0" smtClean="0"/>
+              <a:t> FitNesse</a:t>
+            </a:r>
+            <a:endParaRPr lang="en-US" dirty="0"/>
+          </a:p>
+        </p:txBody>
+      </p:sp>
+      <p:pic>
+        <p:nvPicPr>
+          <p:cNvPr id="5" name="Picture 4"/>
+          <p:cNvPicPr/>
+          <p:nvPr/>
+        </p:nvPicPr>
+        <p:blipFill>
+          <a:blip r:embed="rId2"/>
+          <a:srcRect r="2274" b="24353"/>
+          <a:stretch>
+            <a:fillRect/>
+          </a:stretch>
+        </p:blipFill>
+        <p:spPr bwMode="auto">
+          <a:xfrm>
+            <a:off x="1700234" y="540000"/>
+            <a:ext cx="5943600" cy="4752690"/>
+          </a:xfrm>
+          <a:prstGeom prst="rect">
+            <a:avLst/>
+          </a:prstGeom>
+          <a:ln>
+            <a:noFill/>
+          </a:ln>
+          <a:effectLst>
+            <a:outerShdw blurRad="190500" algn="tl" rotWithShape="0">
+              <a:srgbClr val="000000">
+                <a:alpha val="70000"/>
+              </a:srgbClr>
+            </a:outerShdw>
+          </a:effectLst>
+        </p:spPr>
+      </p:pic>
+    </p:spTree>
+  </p:cSld>
+  <p:clrMapOvr>
+    <a:masterClrMapping/>
+  </p:clrMapOvr>
+  <p:timing>
+    <p:tnLst>
+      <p:par>
+        <p:cTn id="1" dur="indefinite" restart="never" nodeType="tmRoot"/>
+      </p:par>
+    </p:tnLst>
+  </p:timing>
+</p:sld>
+</file>
+
+<file path=ppt/slides/slide14.xml><?xml version="1.0" encoding="utf-8"?>
+<p:sld xmlns:a="http://schemas.openxmlformats.org/drawingml/2006/main" xmlns:r="http://schemas.openxmlformats.org/officeDocument/2006/relationships" xmlns:p="http://schemas.openxmlformats.org/presentationml/2006/main">
+  <p:cSld>
+    <p:spTree>
+      <p:nvGrpSpPr>
+        <p:cNvPr id="1" name=""/>
+        <p:cNvGrpSpPr/>
+        <p:nvPr/>
+      </p:nvGrpSpPr>
+      <p:grpSpPr>
+        <a:xfrm>
+          <a:off x="0" y="0"/>
+          <a:ext cx="0" cy="0"/>
+          <a:chOff x="0" y="0"/>
+          <a:chExt cx="0" cy="0"/>
+        </a:xfrm>
+      </p:grpSpPr>
+      <p:sp>
+        <p:nvSpPr>
+          <p:cNvPr id="2" name="Title 1"/>
+          <p:cNvSpPr>
+            <a:spLocks noGrp="1"/>
+          </p:cNvSpPr>
+          <p:nvPr>
+            <p:ph type="title"/>
+          </p:nvPr>
+        </p:nvSpPr>
+        <p:spPr/>
+        <p:txBody>
+          <a:bodyPr>
+            <a:normAutofit/>
+          </a:bodyPr>
+          <a:lstStyle/>
+          <a:p>
+            <a:r>
+              <a:rPr lang="nl-BE" dirty="0" smtClean="0"/>
+              <a:t>Practices: TDD/BDD/AAA</a:t>
             </a:r>
             <a:endParaRPr lang="en-US" dirty="0"/>
           </a:p>
@@ -9009,7 +9583,7 @@
       </p:sp>
       <p:sp>
         <p:nvSpPr>
-          <p:cNvPr id="5" name="Content Placeholder 4"/>
+          <p:cNvPr id="9" name="Content Placeholder 8"/>
           <p:cNvSpPr>
             <a:spLocks noGrp="1"/>
           </p:cNvSpPr>
@@ -9041,7 +9615,81 @@
 </p:sld>
 </file>
 
-<file path=ppt/slides/slide14.xml><?xml version="1.0" encoding="utf-8"?>
+<file path=ppt/slides/slide15.xml><?xml version="1.0" encoding="utf-8"?>
+<p:sld xmlns:a="http://schemas.openxmlformats.org/drawingml/2006/main" xmlns:r="http://schemas.openxmlformats.org/officeDocument/2006/relationships" xmlns:p="http://schemas.openxmlformats.org/presentationml/2006/main">
+  <p:cSld>
+    <p:spTree>
+      <p:nvGrpSpPr>
+        <p:cNvPr id="1" name=""/>
+        <p:cNvGrpSpPr/>
+        <p:nvPr/>
+      </p:nvGrpSpPr>
+      <p:grpSpPr>
+        <a:xfrm>
+          <a:off x="0" y="0"/>
+          <a:ext cx="0" cy="0"/>
+          <a:chOff x="0" y="0"/>
+          <a:chExt cx="0" cy="0"/>
+        </a:xfrm>
+      </p:grpSpPr>
+      <p:sp>
+        <p:nvSpPr>
+          <p:cNvPr id="2" name="Title 1"/>
+          <p:cNvSpPr>
+            <a:spLocks noGrp="1"/>
+          </p:cNvSpPr>
+          <p:nvPr>
+            <p:ph type="title"/>
+          </p:nvPr>
+        </p:nvSpPr>
+        <p:spPr/>
+        <p:txBody>
+          <a:bodyPr/>
+          <a:lstStyle/>
+          <a:p>
+            <a:r>
+              <a:rPr lang="nl-BE" dirty="0" smtClean="0"/>
+              <a:t>Practices: Pair Programming</a:t>
+            </a:r>
+            <a:endParaRPr lang="en-US" dirty="0"/>
+          </a:p>
+        </p:txBody>
+      </p:sp>
+      <p:sp>
+        <p:nvSpPr>
+          <p:cNvPr id="5" name="Content Placeholder 4"/>
+          <p:cNvSpPr>
+            <a:spLocks noGrp="1"/>
+          </p:cNvSpPr>
+          <p:nvPr>
+            <p:ph idx="1"/>
+          </p:nvPr>
+        </p:nvSpPr>
+        <p:spPr/>
+        <p:txBody>
+          <a:bodyPr/>
+          <a:lstStyle/>
+          <a:p>
+            <a:endParaRPr lang="en-US"/>
+          </a:p>
+        </p:txBody>
+      </p:sp>
+    </p:spTree>
+  </p:cSld>
+  <p:clrMapOvr>
+    <a:masterClrMapping/>
+  </p:clrMapOvr>
+  <p:timing>
+    <p:tnLst>
+      <p:par>
+        <p:cTn id="1" dur="indefinite" restart="never" nodeType="tmRoot"/>
+      </p:par>
+    </p:tnLst>
+  </p:timing>
+</p:sld>
+</file>
+
+<file path=ppt/slides/slide16.xml><?xml version="1.0" encoding="utf-8"?>
 <p:sld xmlns:a="http://schemas.openxmlformats.org/drawingml/2006/main" xmlns:r="http://schemas.openxmlformats.org/officeDocument/2006/relationships" xmlns:p="http://schemas.openxmlformats.org/presentationml/2006/main">
   <p:cSld>
     <p:spTree>
@@ -9805,7 +10453,7 @@
 </p:sld>
 </file>
 
-<file path=ppt/slides/slide15.xml><?xml version="1.0" encoding="utf-8"?>
+<file path=ppt/slides/slide17.xml><?xml version="1.0" encoding="utf-8"?>
 <p:sld xmlns:a="http://schemas.openxmlformats.org/drawingml/2006/main" xmlns:r="http://schemas.openxmlformats.org/officeDocument/2006/relationships" xmlns:p="http://schemas.openxmlformats.org/presentationml/2006/main">
   <p:cSld>
     <p:spTree>
@@ -9893,7 +10541,7 @@
 </p:sld>
 </file>
 
-<file path=ppt/slides/slide16.xml><?xml version="1.0" encoding="utf-8"?>
+<file path=ppt/slides/slide18.xml><?xml version="1.0" encoding="utf-8"?>
 <p:sld xmlns:a="http://schemas.openxmlformats.org/drawingml/2006/main" xmlns:r="http://schemas.openxmlformats.org/officeDocument/2006/relationships" xmlns:p="http://schemas.openxmlformats.org/presentationml/2006/main">
   <p:cSld>
     <p:spTree>
@@ -9998,7 +10646,7 @@
 </p:sld>
 </file>
 
-<file path=ppt/slides/slide17.xml><?xml version="1.0" encoding="utf-8"?>
+<file path=ppt/slides/slide19.xml><?xml version="1.0" encoding="utf-8"?>
 <p:sld xmlns:a="http://schemas.openxmlformats.org/drawingml/2006/main" xmlns:r="http://schemas.openxmlformats.org/officeDocument/2006/relationships" xmlns:p="http://schemas.openxmlformats.org/presentationml/2006/main">
   <p:cSld>
     <p:spTree>
@@ -10099,911 +10747,6 @@
         <p:cTn id="1" dur="indefinite" restart="never" nodeType="tmRoot"/>
       </p:par>
     </p:tnLst>
-  </p:timing>
-</p:sld>
-</file>
-
-<file path=ppt/slides/slide18.xml><?xml version="1.0" encoding="utf-8"?>
-<p:sld xmlns:a="http://schemas.openxmlformats.org/drawingml/2006/main" xmlns:r="http://schemas.openxmlformats.org/officeDocument/2006/relationships" xmlns:p="http://schemas.openxmlformats.org/presentationml/2006/main">
-  <p:cSld>
-    <p:spTree>
-      <p:nvGrpSpPr>
-        <p:cNvPr id="1" name=""/>
-        <p:cNvGrpSpPr/>
-        <p:nvPr/>
-      </p:nvGrpSpPr>
-      <p:grpSpPr>
-        <a:xfrm>
-          <a:off x="0" y="0"/>
-          <a:ext cx="0" cy="0"/>
-          <a:chOff x="0" y="0"/>
-          <a:chExt cx="0" cy="0"/>
-        </a:xfrm>
-      </p:grpSpPr>
-      <p:pic>
-        <p:nvPicPr>
-          <p:cNvPr id="7" name="Picture 6"/>
-          <p:cNvPicPr/>
-          <p:nvPr/>
-        </p:nvPicPr>
-        <p:blipFill>
-          <a:blip r:embed="rId2"/>
-          <a:srcRect/>
-          <a:stretch>
-            <a:fillRect/>
-          </a:stretch>
-        </p:blipFill>
-        <p:spPr bwMode="auto">
-          <a:xfrm>
-            <a:off x="500034" y="551854"/>
-            <a:ext cx="8060038" cy="2448518"/>
-          </a:xfrm>
-          <a:prstGeom prst="rect">
-            <a:avLst/>
-          </a:prstGeom>
-          <a:noFill/>
-          <a:ln w="9525">
-            <a:noFill/>
-            <a:miter lim="800000"/>
-            <a:headEnd/>
-            <a:tailEnd/>
-          </a:ln>
-        </p:spPr>
-      </p:pic>
-      <p:pic>
-        <p:nvPicPr>
-          <p:cNvPr id="8" name="Picture 7"/>
-          <p:cNvPicPr/>
-          <p:nvPr/>
-        </p:nvPicPr>
-        <p:blipFill>
-          <a:blip r:embed="rId3"/>
-          <a:srcRect/>
-          <a:stretch>
-            <a:fillRect/>
-          </a:stretch>
-        </p:blipFill>
-        <p:spPr bwMode="auto">
-          <a:xfrm>
-            <a:off x="428596" y="2790452"/>
-            <a:ext cx="5943600" cy="1924432"/>
-          </a:xfrm>
-          <a:prstGeom prst="rect">
-            <a:avLst/>
-          </a:prstGeom>
-          <a:ln>
-            <a:noFill/>
-          </a:ln>
-          <a:effectLst>
-            <a:outerShdw blurRad="190500" algn="tl" rotWithShape="0">
-              <a:srgbClr val="000000">
-                <a:alpha val="70000"/>
-              </a:srgbClr>
-            </a:outerShdw>
-          </a:effectLst>
-        </p:spPr>
-      </p:pic>
-      <p:pic>
-        <p:nvPicPr>
-          <p:cNvPr id="9" name="Picture 8"/>
-          <p:cNvPicPr/>
-          <p:nvPr/>
-        </p:nvPicPr>
-        <p:blipFill>
-          <a:blip r:embed="rId4"/>
-          <a:srcRect/>
-          <a:stretch>
-            <a:fillRect/>
-          </a:stretch>
-        </p:blipFill>
-        <p:spPr bwMode="auto">
-          <a:xfrm>
-            <a:off x="2714612" y="3714752"/>
-            <a:ext cx="5943600" cy="1924432"/>
-          </a:xfrm>
-          <a:prstGeom prst="rect">
-            <a:avLst/>
-          </a:prstGeom>
-          <a:ln>
-            <a:noFill/>
-          </a:ln>
-          <a:effectLst>
-            <a:outerShdw blurRad="190500" algn="tl" rotWithShape="0">
-              <a:srgbClr val="000000">
-                <a:alpha val="70000"/>
-              </a:srgbClr>
-            </a:outerShdw>
-          </a:effectLst>
-        </p:spPr>
-      </p:pic>
-      <p:sp>
-        <p:nvSpPr>
-          <p:cNvPr id="2" name="Title 1"/>
-          <p:cNvSpPr>
-            <a:spLocks noGrp="1"/>
-          </p:cNvSpPr>
-          <p:nvPr>
-            <p:ph type="title"/>
-          </p:nvPr>
-        </p:nvSpPr>
-        <p:spPr/>
-        <p:txBody>
-          <a:bodyPr>
-            <a:normAutofit/>
-          </a:bodyPr>
-          <a:lstStyle/>
-          <a:p>
-            <a:pPr lvl="0"/>
-            <a:r>
-              <a:rPr kumimoji="0" lang="nl-BE" sz="3600" b="1" kern="1200" dirty="0" smtClean="0">
-                <a:solidFill>
-                  <a:schemeClr val="accent1">
-                    <a:tint val="88000"/>
-                    <a:satMod val="150000"/>
-                  </a:schemeClr>
-                </a:solidFill>
-                <a:effectLst>
-                  <a:outerShdw blurRad="50800" dist="38100" algn="tr" rotWithShape="0">
-                    <a:prstClr val="black">
-                      <a:alpha val="40000"/>
-                    </a:prstClr>
-                  </a:outerShdw>
-                </a:effectLst>
-                <a:latin typeface="+mj-lt"/>
-                <a:ea typeface="+mj-ea"/>
-                <a:cs typeface="+mj-cs"/>
-              </a:rPr>
-              <a:t>Buildesrver: TeamCity</a:t>
-            </a:r>
-            <a:endParaRPr lang="en-US" dirty="0"/>
-          </a:p>
-        </p:txBody>
-      </p:sp>
-    </p:spTree>
-  </p:cSld>
-  <p:clrMapOvr>
-    <a:masterClrMapping/>
-  </p:clrMapOvr>
-  <p:timing>
-    <p:tnLst>
-      <p:par>
-        <p:cTn id="1" dur="indefinite" restart="never" nodeType="tmRoot">
-          <p:childTnLst>
-            <p:seq concurrent="1" nextAc="seek">
-              <p:cTn id="2" dur="indefinite" nodeType="mainSeq">
-                <p:childTnLst>
-                  <p:par>
-                    <p:cTn id="3" fill="hold">
-                      <p:stCondLst>
-                        <p:cond delay="indefinite"/>
-                        <p:cond evt="onBegin" delay="0">
-                          <p:tn val="2"/>
-                        </p:cond>
-                      </p:stCondLst>
-                      <p:childTnLst>
-                        <p:par>
-                          <p:cTn id="4" fill="hold">
-                            <p:stCondLst>
-                              <p:cond delay="0"/>
-                            </p:stCondLst>
-                            <p:childTnLst>
-                              <p:par>
-                                <p:cTn id="5" presetID="10" presetClass="entr" presetSubtype="0" fill="hold" nodeType="afterEffect">
-                                  <p:stCondLst>
-                                    <p:cond delay="1000"/>
-                                  </p:stCondLst>
-                                  <p:childTnLst>
-                                    <p:set>
-                                      <p:cBhvr>
-                                        <p:cTn id="6" dur="1" fill="hold">
-                                          <p:stCondLst>
-                                            <p:cond delay="0"/>
-                                          </p:stCondLst>
-                                        </p:cTn>
-                                        <p:tgtEl>
-                                          <p:spTgt spid="8"/>
-                                        </p:tgtEl>
-                                        <p:attrNameLst>
-                                          <p:attrName>style.visibility</p:attrName>
-                                        </p:attrNameLst>
-                                      </p:cBhvr>
-                                      <p:to>
-                                        <p:strVal val="visible"/>
-                                      </p:to>
-                                    </p:set>
-                                    <p:animEffect transition="in" filter="fade">
-                                      <p:cBhvr>
-                                        <p:cTn id="7" dur="500"/>
-                                        <p:tgtEl>
-                                          <p:spTgt spid="8"/>
-                                        </p:tgtEl>
-                                      </p:cBhvr>
-                                    </p:animEffect>
-                                  </p:childTnLst>
-                                </p:cTn>
-                              </p:par>
-                            </p:childTnLst>
-                          </p:cTn>
-                        </p:par>
-                        <p:par>
-                          <p:cTn id="8" fill="hold">
-                            <p:stCondLst>
-                              <p:cond delay="1500"/>
-                            </p:stCondLst>
-                            <p:childTnLst>
-                              <p:par>
-                                <p:cTn id="9" presetID="10" presetClass="entr" presetSubtype="0" fill="hold" nodeType="afterEffect">
-                                  <p:stCondLst>
-                                    <p:cond delay="0"/>
-                                  </p:stCondLst>
-                                  <p:childTnLst>
-                                    <p:set>
-                                      <p:cBhvr>
-                                        <p:cTn id="10" dur="1" fill="hold">
-                                          <p:stCondLst>
-                                            <p:cond delay="0"/>
-                                          </p:stCondLst>
-                                        </p:cTn>
-                                        <p:tgtEl>
-                                          <p:spTgt spid="9"/>
-                                        </p:tgtEl>
-                                        <p:attrNameLst>
-                                          <p:attrName>style.visibility</p:attrName>
-                                        </p:attrNameLst>
-                                      </p:cBhvr>
-                                      <p:to>
-                                        <p:strVal val="visible"/>
-                                      </p:to>
-                                    </p:set>
-                                    <p:animEffect transition="in" filter="fade">
-                                      <p:cBhvr>
-                                        <p:cTn id="11" dur="500"/>
-                                        <p:tgtEl>
-                                          <p:spTgt spid="9"/>
-                                        </p:tgtEl>
-                                      </p:cBhvr>
-                                    </p:animEffect>
-                                  </p:childTnLst>
-                                </p:cTn>
-                              </p:par>
-                            </p:childTnLst>
-                          </p:cTn>
-                        </p:par>
-                      </p:childTnLst>
-                    </p:cTn>
-                  </p:par>
-                </p:childTnLst>
-              </p:cTn>
-              <p:prevCondLst>
-                <p:cond evt="onPrev" delay="0">
-                  <p:tgtEl>
-                    <p:sldTgt/>
-                  </p:tgtEl>
-                </p:cond>
-              </p:prevCondLst>
-              <p:nextCondLst>
-                <p:cond evt="onNext" delay="0">
-                  <p:tgtEl>
-                    <p:sldTgt/>
-                  </p:tgtEl>
-                </p:cond>
-              </p:nextCondLst>
-            </p:seq>
-          </p:childTnLst>
-        </p:cTn>
-      </p:par>
-    </p:tnLst>
-  </p:timing>
-</p:sld>
-</file>
-
-<file path=ppt/slides/slide19.xml><?xml version="1.0" encoding="utf-8"?>
-<p:sld xmlns:a="http://schemas.openxmlformats.org/drawingml/2006/main" xmlns:r="http://schemas.openxmlformats.org/officeDocument/2006/relationships" xmlns:p="http://schemas.openxmlformats.org/presentationml/2006/main">
-  <p:cSld>
-    <p:spTree>
-      <p:nvGrpSpPr>
-        <p:cNvPr id="1" name=""/>
-        <p:cNvGrpSpPr/>
-        <p:nvPr/>
-      </p:nvGrpSpPr>
-      <p:grpSpPr>
-        <a:xfrm>
-          <a:off x="0" y="0"/>
-          <a:ext cx="0" cy="0"/>
-          <a:chOff x="0" y="0"/>
-          <a:chExt cx="0" cy="0"/>
-        </a:xfrm>
-      </p:grpSpPr>
-      <p:sp>
-        <p:nvSpPr>
-          <p:cNvPr id="2" name="Title 1"/>
-          <p:cNvSpPr>
-            <a:spLocks noGrp="1"/>
-          </p:cNvSpPr>
-          <p:nvPr>
-            <p:ph type="title"/>
-          </p:nvPr>
-        </p:nvSpPr>
-        <p:spPr/>
-        <p:txBody>
-          <a:bodyPr>
-            <a:normAutofit fontScale="90000"/>
-          </a:bodyPr>
-          <a:lstStyle/>
-          <a:p>
-            <a:pPr lvl="0"/>
-            <a:r>
-              <a:rPr lang="nl-BE" dirty="0" smtClean="0"/>
-              <a:t>ALM: TeamCity</a:t>
-            </a:r>
-            <a:r>
-              <a:rPr lang="nl-BE" baseline="0" dirty="0" smtClean="0"/>
-              <a:t> with </a:t>
-            </a:r>
-            <a:r>
-              <a:rPr lang="nl-BE" baseline="0" dirty="0" smtClean="0"/>
-              <a:t>Subversion - A </a:t>
-            </a:r>
-            <a:r>
-              <a:rPr lang="nl-BE" dirty="0" smtClean="0"/>
-              <a:t>Perfect match!</a:t>
-            </a:r>
-            <a:endParaRPr lang="en-US" dirty="0"/>
-          </a:p>
-        </p:txBody>
-      </p:sp>
-      <p:pic>
-        <p:nvPicPr>
-          <p:cNvPr id="11" name="Picture 10" descr="teamcity.gif"/>
-          <p:cNvPicPr>
-            <a:picLocks noChangeAspect="1"/>
-          </p:cNvPicPr>
-          <p:nvPr/>
-        </p:nvPicPr>
-        <p:blipFill>
-          <a:blip r:embed="rId2"/>
-          <a:stretch>
-            <a:fillRect/>
-          </a:stretch>
-        </p:blipFill>
-        <p:spPr>
-          <a:xfrm>
-            <a:off x="1714480" y="1147773"/>
-            <a:ext cx="5686425" cy="3781425"/>
-          </a:xfrm>
-          <a:prstGeom prst="rect">
-            <a:avLst/>
-          </a:prstGeom>
-        </p:spPr>
-      </p:pic>
-      <p:graphicFrame>
-        <p:nvGraphicFramePr>
-          <p:cNvPr id="12" name="Diagram 11"/>
-          <p:cNvGraphicFramePr/>
-          <p:nvPr/>
-        </p:nvGraphicFramePr>
-        <p:xfrm>
-          <a:off x="1524000" y="500042"/>
-          <a:ext cx="6096000" cy="571504"/>
-        </p:xfrm>
-        <a:graphic>
-          <a:graphicData uri="http://schemas.openxmlformats.org/drawingml/2006/diagram">
-            <dgm:relIds xmlns:dgm="http://schemas.openxmlformats.org/drawingml/2006/diagram" xmlns:r="http://schemas.openxmlformats.org/officeDocument/2006/relationships" r:dm="rId3" r:lo="rId4" r:qs="rId5" r:cs="rId6"/>
-          </a:graphicData>
-        </a:graphic>
-      </p:graphicFrame>
-      <p:sp>
-        <p:nvSpPr>
-          <p:cNvPr id="13" name="Right Arrow 12"/>
-          <p:cNvSpPr/>
-          <p:nvPr/>
-        </p:nvSpPr>
-        <p:spPr>
-          <a:xfrm rot="1652706">
-            <a:off x="3244311" y="2489898"/>
-            <a:ext cx="642942" cy="285752"/>
-          </a:xfrm>
-          <a:prstGeom prst="rightArrow">
-            <a:avLst/>
-          </a:prstGeom>
-        </p:spPr>
-        <p:style>
-          <a:lnRef idx="2">
-            <a:schemeClr val="accent2"/>
-          </a:lnRef>
-          <a:fillRef idx="1">
-            <a:schemeClr val="lt1"/>
-          </a:fillRef>
-          <a:effectRef idx="0">
-            <a:schemeClr val="accent2"/>
-          </a:effectRef>
-          <a:fontRef idx="minor">
-            <a:schemeClr val="dk1"/>
-          </a:fontRef>
-        </p:style>
-        <p:txBody>
-          <a:bodyPr rtlCol="0" anchor="ctr"/>
-          <a:lstStyle/>
-          <a:p>
-            <a:pPr algn="ctr"/>
-            <a:endParaRPr lang="en-US" dirty="0"/>
-          </a:p>
-        </p:txBody>
-      </p:sp>
-      <p:sp>
-        <p:nvSpPr>
-          <p:cNvPr id="14" name="Right Arrow 13"/>
-          <p:cNvSpPr/>
-          <p:nvPr/>
-        </p:nvSpPr>
-        <p:spPr>
-          <a:xfrm>
-            <a:off x="5072066" y="2928934"/>
-            <a:ext cx="642942" cy="285752"/>
-          </a:xfrm>
-          <a:prstGeom prst="rightArrow">
-            <a:avLst/>
-          </a:prstGeom>
-        </p:spPr>
-        <p:style>
-          <a:lnRef idx="2">
-            <a:schemeClr val="accent4"/>
-          </a:lnRef>
-          <a:fillRef idx="1">
-            <a:schemeClr val="lt1"/>
-          </a:fillRef>
-          <a:effectRef idx="0">
-            <a:schemeClr val="accent4"/>
-          </a:effectRef>
-          <a:fontRef idx="minor">
-            <a:schemeClr val="dk1"/>
-          </a:fontRef>
-        </p:style>
-        <p:txBody>
-          <a:bodyPr rtlCol="0" anchor="ctr"/>
-          <a:lstStyle/>
-          <a:p>
-            <a:pPr algn="ctr"/>
-            <a:endParaRPr lang="en-US"/>
-          </a:p>
-        </p:txBody>
-      </p:sp>
-      <p:sp>
-        <p:nvSpPr>
-          <p:cNvPr id="16" name="TextBox 15"/>
-          <p:cNvSpPr txBox="1"/>
-          <p:nvPr/>
-        </p:nvSpPr>
-        <p:spPr>
-          <a:xfrm>
-            <a:off x="3929058" y="2273850"/>
-            <a:ext cx="723275" cy="369332"/>
-          </a:xfrm>
-          <a:prstGeom prst="rect">
-            <a:avLst/>
-          </a:prstGeom>
-          <a:noFill/>
-        </p:spPr>
-        <p:txBody>
-          <a:bodyPr wrap="none" rtlCol="0">
-            <a:spAutoFit/>
-          </a:bodyPr>
-          <a:lstStyle/>
-          <a:p>
-            <a:r>
-              <a:rPr lang="nl-BE" dirty="0" smtClean="0">
-                <a:solidFill>
-                  <a:srgbClr val="0070C0"/>
-                </a:solidFill>
-                <a:effectLst>
-                  <a:outerShdw blurRad="50800" dist="38100" dir="2700000" algn="tl" rotWithShape="0">
-                    <a:prstClr val="black">
-                      <a:alpha val="40000"/>
-                    </a:prstClr>
-                  </a:outerShdw>
-                </a:effectLst>
-                <a:latin typeface="Arial Black" pitchFamily="34" charset="0"/>
-              </a:rPr>
-              <a:t>SVN</a:t>
-            </a:r>
-            <a:endParaRPr lang="en-US" dirty="0">
-              <a:solidFill>
-                <a:srgbClr val="0070C0"/>
-              </a:solidFill>
-              <a:effectLst>
-                <a:outerShdw blurRad="50800" dist="38100" dir="2700000" algn="tl" rotWithShape="0">
-                  <a:prstClr val="black">
-                    <a:alpha val="40000"/>
-                  </a:prstClr>
-                </a:outerShdw>
-              </a:effectLst>
-              <a:latin typeface="Arial Black" pitchFamily="34" charset="0"/>
-            </a:endParaRPr>
-          </a:p>
-        </p:txBody>
-      </p:sp>
-    </p:spTree>
-  </p:cSld>
-  <p:clrMapOvr>
-    <a:masterClrMapping/>
-  </p:clrMapOvr>
-  <p:timing>
-    <p:tnLst>
-      <p:par>
-        <p:cTn id="1" dur="indefinite" restart="never" nodeType="tmRoot">
-          <p:childTnLst>
-            <p:seq concurrent="1" nextAc="seek">
-              <p:cTn id="2" dur="indefinite" nodeType="mainSeq">
-                <p:childTnLst>
-                  <p:par>
-                    <p:cTn id="3" fill="hold">
-                      <p:stCondLst>
-                        <p:cond delay="indefinite"/>
-                      </p:stCondLst>
-                      <p:childTnLst>
-                        <p:par>
-                          <p:cTn id="4" fill="hold">
-                            <p:stCondLst>
-                              <p:cond delay="0"/>
-                            </p:stCondLst>
-                            <p:childTnLst>
-                              <p:par>
-                                <p:cTn id="5" presetID="10" presetClass="entr" presetSubtype="0" fill="hold" grpId="0" nodeType="clickEffect">
-                                  <p:stCondLst>
-                                    <p:cond delay="0"/>
-                                  </p:stCondLst>
-                                  <p:childTnLst>
-                                    <p:set>
-                                      <p:cBhvr>
-                                        <p:cTn id="6" dur="1" fill="hold">
-                                          <p:stCondLst>
-                                            <p:cond delay="0"/>
-                                          </p:stCondLst>
-                                        </p:cTn>
-                                        <p:tgtEl>
-                                          <p:spTgt spid="12">
-                                            <p:graphicEl>
-                                              <a:dgm id="{3BA92C7C-5CB1-4570-8FA2-5F6671B46B59}"/>
-                                            </p:graphicEl>
-                                          </p:spTgt>
-                                        </p:tgtEl>
-                                        <p:attrNameLst>
-                                          <p:attrName>style.visibility</p:attrName>
-                                        </p:attrNameLst>
-                                      </p:cBhvr>
-                                      <p:to>
-                                        <p:strVal val="visible"/>
-                                      </p:to>
-                                    </p:set>
-                                    <p:animEffect transition="in" filter="fade">
-                                      <p:cBhvr>
-                                        <p:cTn id="7" dur="500"/>
-                                        <p:tgtEl>
-                                          <p:spTgt spid="12">
-                                            <p:graphicEl>
-                                              <a:dgm id="{3BA92C7C-5CB1-4570-8FA2-5F6671B46B59}"/>
-                                            </p:graphicEl>
-                                          </p:spTgt>
-                                        </p:tgtEl>
-                                      </p:cBhvr>
-                                    </p:animEffect>
-                                  </p:childTnLst>
-                                </p:cTn>
-                              </p:par>
-                            </p:childTnLst>
-                          </p:cTn>
-                        </p:par>
-                      </p:childTnLst>
-                    </p:cTn>
-                  </p:par>
-                  <p:par>
-                    <p:cTn id="8" fill="hold">
-                      <p:stCondLst>
-                        <p:cond delay="indefinite"/>
-                      </p:stCondLst>
-                      <p:childTnLst>
-                        <p:par>
-                          <p:cTn id="9" fill="hold">
-                            <p:stCondLst>
-                              <p:cond delay="0"/>
-                            </p:stCondLst>
-                            <p:childTnLst>
-                              <p:par>
-                                <p:cTn id="10" presetID="10" presetClass="entr" presetSubtype="0" fill="hold" grpId="0" nodeType="clickEffect">
-                                  <p:stCondLst>
-                                    <p:cond delay="0"/>
-                                  </p:stCondLst>
-                                  <p:childTnLst>
-                                    <p:set>
-                                      <p:cBhvr>
-                                        <p:cTn id="11" dur="1" fill="hold">
-                                          <p:stCondLst>
-                                            <p:cond delay="0"/>
-                                          </p:stCondLst>
-                                        </p:cTn>
-                                        <p:tgtEl>
-                                          <p:spTgt spid="12">
-                                            <p:graphicEl>
-                                              <a:dgm id="{E974E305-B093-4847-B674-96CD015141E0}"/>
-                                            </p:graphicEl>
-                                          </p:spTgt>
-                                        </p:tgtEl>
-                                        <p:attrNameLst>
-                                          <p:attrName>style.visibility</p:attrName>
-                                        </p:attrNameLst>
-                                      </p:cBhvr>
-                                      <p:to>
-                                        <p:strVal val="visible"/>
-                                      </p:to>
-                                    </p:set>
-                                    <p:animEffect transition="in" filter="fade">
-                                      <p:cBhvr>
-                                        <p:cTn id="12" dur="500"/>
-                                        <p:tgtEl>
-                                          <p:spTgt spid="12">
-                                            <p:graphicEl>
-                                              <a:dgm id="{E974E305-B093-4847-B674-96CD015141E0}"/>
-                                            </p:graphicEl>
-                                          </p:spTgt>
-                                        </p:tgtEl>
-                                      </p:cBhvr>
-                                    </p:animEffect>
-                                  </p:childTnLst>
-                                </p:cTn>
-                              </p:par>
-                              <p:par>
-                                <p:cTn id="13" presetID="10" presetClass="entr" presetSubtype="0" fill="hold" grpId="0" nodeType="withEffect">
-                                  <p:stCondLst>
-                                    <p:cond delay="0"/>
-                                  </p:stCondLst>
-                                  <p:childTnLst>
-                                    <p:set>
-                                      <p:cBhvr>
-                                        <p:cTn id="14" dur="1" fill="hold">
-                                          <p:stCondLst>
-                                            <p:cond delay="0"/>
-                                          </p:stCondLst>
-                                        </p:cTn>
-                                        <p:tgtEl>
-                                          <p:spTgt spid="12">
-                                            <p:graphicEl>
-                                              <a:dgm id="{E8C7D2B8-2EFE-491B-9120-598B54FDB279}"/>
-                                            </p:graphicEl>
-                                          </p:spTgt>
-                                        </p:tgtEl>
-                                        <p:attrNameLst>
-                                          <p:attrName>style.visibility</p:attrName>
-                                        </p:attrNameLst>
-                                      </p:cBhvr>
-                                      <p:to>
-                                        <p:strVal val="visible"/>
-                                      </p:to>
-                                    </p:set>
-                                    <p:animEffect transition="in" filter="fade">
-                                      <p:cBhvr>
-                                        <p:cTn id="15" dur="500"/>
-                                        <p:tgtEl>
-                                          <p:spTgt spid="12">
-                                            <p:graphicEl>
-                                              <a:dgm id="{E8C7D2B8-2EFE-491B-9120-598B54FDB279}"/>
-                                            </p:graphicEl>
-                                          </p:spTgt>
-                                        </p:tgtEl>
-                                      </p:cBhvr>
-                                    </p:animEffect>
-                                  </p:childTnLst>
-                                </p:cTn>
-                              </p:par>
-                              <p:par>
-                                <p:cTn id="16" presetID="10" presetClass="entr" presetSubtype="0" fill="hold" grpId="0" nodeType="withEffect">
-                                  <p:stCondLst>
-                                    <p:cond delay="0"/>
-                                  </p:stCondLst>
-                                  <p:childTnLst>
-                                    <p:set>
-                                      <p:cBhvr>
-                                        <p:cTn id="17" dur="1" fill="hold">
-                                          <p:stCondLst>
-                                            <p:cond delay="0"/>
-                                          </p:stCondLst>
-                                        </p:cTn>
-                                        <p:tgtEl>
-                                          <p:spTgt spid="13"/>
-                                        </p:tgtEl>
-                                        <p:attrNameLst>
-                                          <p:attrName>style.visibility</p:attrName>
-                                        </p:attrNameLst>
-                                      </p:cBhvr>
-                                      <p:to>
-                                        <p:strVal val="visible"/>
-                                      </p:to>
-                                    </p:set>
-                                    <p:animEffect transition="in" filter="fade">
-                                      <p:cBhvr>
-                                        <p:cTn id="18" dur="500"/>
-                                        <p:tgtEl>
-                                          <p:spTgt spid="13"/>
-                                        </p:tgtEl>
-                                      </p:cBhvr>
-                                    </p:animEffect>
-                                  </p:childTnLst>
-                                </p:cTn>
-                              </p:par>
-                            </p:childTnLst>
-                          </p:cTn>
-                        </p:par>
-                      </p:childTnLst>
-                    </p:cTn>
-                  </p:par>
-                  <p:par>
-                    <p:cTn id="19" fill="hold">
-                      <p:stCondLst>
-                        <p:cond delay="indefinite"/>
-                      </p:stCondLst>
-                      <p:childTnLst>
-                        <p:par>
-                          <p:cTn id="20" fill="hold">
-                            <p:stCondLst>
-                              <p:cond delay="0"/>
-                            </p:stCondLst>
-                            <p:childTnLst>
-                              <p:par>
-                                <p:cTn id="21" presetID="10" presetClass="entr" presetSubtype="0" fill="hold" grpId="0" nodeType="clickEffect">
-                                  <p:stCondLst>
-                                    <p:cond delay="0"/>
-                                  </p:stCondLst>
-                                  <p:childTnLst>
-                                    <p:set>
-                                      <p:cBhvr>
-                                        <p:cTn id="22" dur="1" fill="hold">
-                                          <p:stCondLst>
-                                            <p:cond delay="0"/>
-                                          </p:stCondLst>
-                                        </p:cTn>
-                                        <p:tgtEl>
-                                          <p:spTgt spid="12">
-                                            <p:graphicEl>
-                                              <a:dgm id="{05F659E6-DE2E-4A9D-9F2C-38C149E7E7F9}"/>
-                                            </p:graphicEl>
-                                          </p:spTgt>
-                                        </p:tgtEl>
-                                        <p:attrNameLst>
-                                          <p:attrName>style.visibility</p:attrName>
-                                        </p:attrNameLst>
-                                      </p:cBhvr>
-                                      <p:to>
-                                        <p:strVal val="visible"/>
-                                      </p:to>
-                                    </p:set>
-                                    <p:animEffect transition="in" filter="fade">
-                                      <p:cBhvr>
-                                        <p:cTn id="23" dur="500"/>
-                                        <p:tgtEl>
-                                          <p:spTgt spid="12">
-                                            <p:graphicEl>
-                                              <a:dgm id="{05F659E6-DE2E-4A9D-9F2C-38C149E7E7F9}"/>
-                                            </p:graphicEl>
-                                          </p:spTgt>
-                                        </p:tgtEl>
-                                      </p:cBhvr>
-                                    </p:animEffect>
-                                  </p:childTnLst>
-                                </p:cTn>
-                              </p:par>
-                              <p:par>
-                                <p:cTn id="24" presetID="10" presetClass="entr" presetSubtype="0" fill="hold" grpId="0" nodeType="withEffect">
-                                  <p:stCondLst>
-                                    <p:cond delay="0"/>
-                                  </p:stCondLst>
-                                  <p:childTnLst>
-                                    <p:set>
-                                      <p:cBhvr>
-                                        <p:cTn id="25" dur="1" fill="hold">
-                                          <p:stCondLst>
-                                            <p:cond delay="0"/>
-                                          </p:stCondLst>
-                                        </p:cTn>
-                                        <p:tgtEl>
-                                          <p:spTgt spid="12">
-                                            <p:graphicEl>
-                                              <a:dgm id="{5FB27D96-032E-4476-A886-256D29C84CCF}"/>
-                                            </p:graphicEl>
-                                          </p:spTgt>
-                                        </p:tgtEl>
-                                        <p:attrNameLst>
-                                          <p:attrName>style.visibility</p:attrName>
-                                        </p:attrNameLst>
-                                      </p:cBhvr>
-                                      <p:to>
-                                        <p:strVal val="visible"/>
-                                      </p:to>
-                                    </p:set>
-                                    <p:animEffect transition="in" filter="fade">
-                                      <p:cBhvr>
-                                        <p:cTn id="26" dur="500"/>
-                                        <p:tgtEl>
-                                          <p:spTgt spid="12">
-                                            <p:graphicEl>
-                                              <a:dgm id="{5FB27D96-032E-4476-A886-256D29C84CCF}"/>
-                                            </p:graphicEl>
-                                          </p:spTgt>
-                                        </p:tgtEl>
-                                      </p:cBhvr>
-                                    </p:animEffect>
-                                  </p:childTnLst>
-                                </p:cTn>
-                              </p:par>
-                              <p:par>
-                                <p:cTn id="27" presetID="10" presetClass="entr" presetSubtype="0" fill="hold" grpId="0" nodeType="withEffect">
-                                  <p:stCondLst>
-                                    <p:cond delay="0"/>
-                                  </p:stCondLst>
-                                  <p:childTnLst>
-                                    <p:set>
-                                      <p:cBhvr>
-                                        <p:cTn id="28" dur="1" fill="hold">
-                                          <p:stCondLst>
-                                            <p:cond delay="0"/>
-                                          </p:stCondLst>
-                                        </p:cTn>
-                                        <p:tgtEl>
-                                          <p:spTgt spid="14"/>
-                                        </p:tgtEl>
-                                        <p:attrNameLst>
-                                          <p:attrName>style.visibility</p:attrName>
-                                        </p:attrNameLst>
-                                      </p:cBhvr>
-                                      <p:to>
-                                        <p:strVal val="visible"/>
-                                      </p:to>
-                                    </p:set>
-                                    <p:animEffect transition="in" filter="fade">
-                                      <p:cBhvr>
-                                        <p:cTn id="29" dur="500"/>
-                                        <p:tgtEl>
-                                          <p:spTgt spid="14"/>
-                                        </p:tgtEl>
-                                      </p:cBhvr>
-                                    </p:animEffect>
-                                  </p:childTnLst>
-                                </p:cTn>
-                              </p:par>
-                            </p:childTnLst>
-                          </p:cTn>
-                        </p:par>
-                      </p:childTnLst>
-                    </p:cTn>
-                  </p:par>
-                </p:childTnLst>
-              </p:cTn>
-              <p:prevCondLst>
-                <p:cond evt="onPrev" delay="0">
-                  <p:tgtEl>
-                    <p:sldTgt/>
-                  </p:tgtEl>
-                </p:cond>
-              </p:prevCondLst>
-              <p:nextCondLst>
-                <p:cond evt="onNext" delay="0">
-                  <p:tgtEl>
-                    <p:sldTgt/>
-                  </p:tgtEl>
-                </p:cond>
-              </p:nextCondLst>
-            </p:seq>
-          </p:childTnLst>
-        </p:cTn>
-      </p:par>
-    </p:tnLst>
-    <p:bldLst>
-      <p:bldGraphic spid="12" grpId="0" uiExpand="1">
-        <p:bldSub>
-          <a:bldDgm bld="one"/>
-        </p:bldSub>
-      </p:bldGraphic>
-      <p:bldP spid="13" grpId="0" animBg="1"/>
-      <p:bldP spid="14" grpId="0" animBg="1"/>
-    </p:bldLst>
   </p:timing>
 </p:sld>
 </file>
@@ -12508,6 +12251,300 @@
           <a:chExt cx="0" cy="0"/>
         </a:xfrm>
       </p:grpSpPr>
+      <p:pic>
+        <p:nvPicPr>
+          <p:cNvPr id="7" name="Picture 6"/>
+          <p:cNvPicPr/>
+          <p:nvPr/>
+        </p:nvPicPr>
+        <p:blipFill>
+          <a:blip r:embed="rId2"/>
+          <a:srcRect/>
+          <a:stretch>
+            <a:fillRect/>
+          </a:stretch>
+        </p:blipFill>
+        <p:spPr bwMode="auto">
+          <a:xfrm>
+            <a:off x="500034" y="551854"/>
+            <a:ext cx="8060038" cy="2448518"/>
+          </a:xfrm>
+          <a:prstGeom prst="rect">
+            <a:avLst/>
+          </a:prstGeom>
+          <a:noFill/>
+          <a:ln w="9525">
+            <a:noFill/>
+            <a:miter lim="800000"/>
+            <a:headEnd/>
+            <a:tailEnd/>
+          </a:ln>
+        </p:spPr>
+      </p:pic>
+      <p:pic>
+        <p:nvPicPr>
+          <p:cNvPr id="8" name="Picture 7"/>
+          <p:cNvPicPr/>
+          <p:nvPr/>
+        </p:nvPicPr>
+        <p:blipFill>
+          <a:blip r:embed="rId3"/>
+          <a:srcRect/>
+          <a:stretch>
+            <a:fillRect/>
+          </a:stretch>
+        </p:blipFill>
+        <p:spPr bwMode="auto">
+          <a:xfrm>
+            <a:off x="428596" y="2790452"/>
+            <a:ext cx="5943600" cy="1924432"/>
+          </a:xfrm>
+          <a:prstGeom prst="rect">
+            <a:avLst/>
+          </a:prstGeom>
+          <a:ln>
+            <a:noFill/>
+          </a:ln>
+          <a:effectLst>
+            <a:outerShdw blurRad="190500" algn="tl" rotWithShape="0">
+              <a:srgbClr val="000000">
+                <a:alpha val="70000"/>
+              </a:srgbClr>
+            </a:outerShdw>
+          </a:effectLst>
+        </p:spPr>
+      </p:pic>
+      <p:pic>
+        <p:nvPicPr>
+          <p:cNvPr id="9" name="Picture 8"/>
+          <p:cNvPicPr/>
+          <p:nvPr/>
+        </p:nvPicPr>
+        <p:blipFill>
+          <a:blip r:embed="rId4"/>
+          <a:srcRect/>
+          <a:stretch>
+            <a:fillRect/>
+          </a:stretch>
+        </p:blipFill>
+        <p:spPr bwMode="auto">
+          <a:xfrm>
+            <a:off x="2714612" y="3714752"/>
+            <a:ext cx="5943600" cy="1924432"/>
+          </a:xfrm>
+          <a:prstGeom prst="rect">
+            <a:avLst/>
+          </a:prstGeom>
+          <a:ln>
+            <a:noFill/>
+          </a:ln>
+          <a:effectLst>
+            <a:outerShdw blurRad="190500" algn="tl" rotWithShape="0">
+              <a:srgbClr val="000000">
+                <a:alpha val="70000"/>
+              </a:srgbClr>
+            </a:outerShdw>
+          </a:effectLst>
+        </p:spPr>
+      </p:pic>
+      <p:sp>
+        <p:nvSpPr>
+          <p:cNvPr id="2" name="Title 1"/>
+          <p:cNvSpPr>
+            <a:spLocks noGrp="1"/>
+          </p:cNvSpPr>
+          <p:nvPr>
+            <p:ph type="title"/>
+          </p:nvPr>
+        </p:nvSpPr>
+        <p:spPr/>
+        <p:txBody>
+          <a:bodyPr>
+            <a:normAutofit/>
+          </a:bodyPr>
+          <a:lstStyle/>
+          <a:p>
+            <a:pPr lvl="0"/>
+            <a:r>
+              <a:rPr kumimoji="0" lang="nl-BE" sz="3600" b="1" kern="1200" dirty="0" smtClean="0">
+                <a:solidFill>
+                  <a:schemeClr val="accent1">
+                    <a:tint val="88000"/>
+                    <a:satMod val="150000"/>
+                  </a:schemeClr>
+                </a:solidFill>
+                <a:effectLst>
+                  <a:outerShdw blurRad="50800" dist="38100" algn="tr" rotWithShape="0">
+                    <a:prstClr val="black">
+                      <a:alpha val="40000"/>
+                    </a:prstClr>
+                  </a:outerShdw>
+                </a:effectLst>
+                <a:latin typeface="+mj-lt"/>
+                <a:ea typeface="+mj-ea"/>
+                <a:cs typeface="+mj-cs"/>
+              </a:rPr>
+              <a:t>Buildesrver: TeamCity</a:t>
+            </a:r>
+            <a:endParaRPr lang="en-US" dirty="0"/>
+          </a:p>
+        </p:txBody>
+      </p:sp>
+    </p:spTree>
+  </p:cSld>
+  <p:clrMapOvr>
+    <a:masterClrMapping/>
+  </p:clrMapOvr>
+  <p:timing>
+    <p:tnLst>
+      <p:par>
+        <p:cTn id="1" dur="indefinite" restart="never" nodeType="tmRoot">
+          <p:childTnLst>
+            <p:seq concurrent="1" nextAc="seek">
+              <p:cTn id="2" dur="indefinite" nodeType="mainSeq">
+                <p:childTnLst>
+                  <p:par>
+                    <p:cTn id="3" fill="hold">
+                      <p:stCondLst>
+                        <p:cond delay="indefinite"/>
+                        <p:cond evt="onBegin" delay="0">
+                          <p:tn val="2"/>
+                        </p:cond>
+                      </p:stCondLst>
+                      <p:childTnLst>
+                        <p:par>
+                          <p:cTn id="4" fill="hold">
+                            <p:stCondLst>
+                              <p:cond delay="0"/>
+                            </p:stCondLst>
+                            <p:childTnLst>
+                              <p:par>
+                                <p:cTn id="5" presetID="10" presetClass="entr" presetSubtype="0" fill="hold" nodeType="afterEffect">
+                                  <p:stCondLst>
+                                    <p:cond delay="1000"/>
+                                  </p:stCondLst>
+                                  <p:childTnLst>
+                                    <p:set>
+                                      <p:cBhvr>
+                                        <p:cTn id="6" dur="1" fill="hold">
+                                          <p:stCondLst>
+                                            <p:cond delay="0"/>
+                                          </p:stCondLst>
+                                        </p:cTn>
+                                        <p:tgtEl>
+                                          <p:spTgt spid="8"/>
+                                        </p:tgtEl>
+                                        <p:attrNameLst>
+                                          <p:attrName>style.visibility</p:attrName>
+                                        </p:attrNameLst>
+                                      </p:cBhvr>
+                                      <p:to>
+                                        <p:strVal val="visible"/>
+                                      </p:to>
+                                    </p:set>
+                                    <p:animEffect transition="in" filter="fade">
+                                      <p:cBhvr>
+                                        <p:cTn id="7" dur="500"/>
+                                        <p:tgtEl>
+                                          <p:spTgt spid="8"/>
+                                        </p:tgtEl>
+                                      </p:cBhvr>
+                                    </p:animEffect>
+                                  </p:childTnLst>
+                                </p:cTn>
+                              </p:par>
+                            </p:childTnLst>
+                          </p:cTn>
+                        </p:par>
+                        <p:par>
+                          <p:cTn id="8" fill="hold">
+                            <p:stCondLst>
+                              <p:cond delay="1500"/>
+                            </p:stCondLst>
+                            <p:childTnLst>
+                              <p:par>
+                                <p:cTn id="9" presetID="10" presetClass="entr" presetSubtype="0" fill="hold" nodeType="afterEffect">
+                                  <p:stCondLst>
+                                    <p:cond delay="0"/>
+                                  </p:stCondLst>
+                                  <p:childTnLst>
+                                    <p:set>
+                                      <p:cBhvr>
+                                        <p:cTn id="10" dur="1" fill="hold">
+                                          <p:stCondLst>
+                                            <p:cond delay="0"/>
+                                          </p:stCondLst>
+                                        </p:cTn>
+                                        <p:tgtEl>
+                                          <p:spTgt spid="9"/>
+                                        </p:tgtEl>
+                                        <p:attrNameLst>
+                                          <p:attrName>style.visibility</p:attrName>
+                                        </p:attrNameLst>
+                                      </p:cBhvr>
+                                      <p:to>
+                                        <p:strVal val="visible"/>
+                                      </p:to>
+                                    </p:set>
+                                    <p:animEffect transition="in" filter="fade">
+                                      <p:cBhvr>
+                                        <p:cTn id="11" dur="500"/>
+                                        <p:tgtEl>
+                                          <p:spTgt spid="9"/>
+                                        </p:tgtEl>
+                                      </p:cBhvr>
+                                    </p:animEffect>
+                                  </p:childTnLst>
+                                </p:cTn>
+                              </p:par>
+                            </p:childTnLst>
+                          </p:cTn>
+                        </p:par>
+                      </p:childTnLst>
+                    </p:cTn>
+                  </p:par>
+                </p:childTnLst>
+              </p:cTn>
+              <p:prevCondLst>
+                <p:cond evt="onPrev" delay="0">
+                  <p:tgtEl>
+                    <p:sldTgt/>
+                  </p:tgtEl>
+                </p:cond>
+              </p:prevCondLst>
+              <p:nextCondLst>
+                <p:cond evt="onNext" delay="0">
+                  <p:tgtEl>
+                    <p:sldTgt/>
+                  </p:tgtEl>
+                </p:cond>
+              </p:nextCondLst>
+            </p:seq>
+          </p:childTnLst>
+        </p:cTn>
+      </p:par>
+    </p:tnLst>
+  </p:timing>
+</p:sld>
+</file>
+
+<file path=ppt/slides/slide21.xml><?xml version="1.0" encoding="utf-8"?>
+<p:sld xmlns:a="http://schemas.openxmlformats.org/drawingml/2006/main" xmlns:r="http://schemas.openxmlformats.org/officeDocument/2006/relationships" xmlns:p="http://schemas.openxmlformats.org/presentationml/2006/main">
+  <p:cSld>
+    <p:spTree>
+      <p:nvGrpSpPr>
+        <p:cNvPr id="1" name=""/>
+        <p:cNvGrpSpPr/>
+        <p:nvPr/>
+      </p:nvGrpSpPr>
+      <p:grpSpPr>
+        <a:xfrm>
+          <a:off x="0" y="0"/>
+          <a:ext cx="0" cy="0"/>
+          <a:chOff x="0" y="0"/>
+          <a:chExt cx="0" cy="0"/>
+        </a:xfrm>
+      </p:grpSpPr>
       <p:sp>
         <p:nvSpPr>
           <p:cNvPr id="2" name="Title 1"/>
@@ -12532,11 +12569,614 @@
             </a:r>
             <a:r>
               <a:rPr lang="nl-BE" baseline="0" dirty="0" smtClean="0"/>
-              <a:t> with </a:t>
+              <a:t> with Subversion - A </a:t>
+            </a:r>
+            <a:r>
+              <a:rPr lang="nl-BE" dirty="0" smtClean="0"/>
+              <a:t>Perfect match!</a:t>
+            </a:r>
+            <a:endParaRPr lang="en-US" dirty="0"/>
+          </a:p>
+        </p:txBody>
+      </p:sp>
+      <p:pic>
+        <p:nvPicPr>
+          <p:cNvPr id="11" name="Picture 10" descr="teamcity.gif"/>
+          <p:cNvPicPr>
+            <a:picLocks noChangeAspect="1"/>
+          </p:cNvPicPr>
+          <p:nvPr/>
+        </p:nvPicPr>
+        <p:blipFill>
+          <a:blip r:embed="rId2"/>
+          <a:stretch>
+            <a:fillRect/>
+          </a:stretch>
+        </p:blipFill>
+        <p:spPr>
+          <a:xfrm>
+            <a:off x="1714480" y="1147773"/>
+            <a:ext cx="5686425" cy="3781425"/>
+          </a:xfrm>
+          <a:prstGeom prst="rect">
+            <a:avLst/>
+          </a:prstGeom>
+        </p:spPr>
+      </p:pic>
+      <p:graphicFrame>
+        <p:nvGraphicFramePr>
+          <p:cNvPr id="12" name="Diagram 11"/>
+          <p:cNvGraphicFramePr/>
+          <p:nvPr/>
+        </p:nvGraphicFramePr>
+        <p:xfrm>
+          <a:off x="1524000" y="500042"/>
+          <a:ext cx="6096000" cy="571504"/>
+        </p:xfrm>
+        <a:graphic>
+          <a:graphicData uri="http://schemas.openxmlformats.org/drawingml/2006/diagram">
+            <dgm:relIds xmlns:dgm="http://schemas.openxmlformats.org/drawingml/2006/diagram" xmlns:r="http://schemas.openxmlformats.org/officeDocument/2006/relationships" r:dm="rId3" r:lo="rId4" r:qs="rId5" r:cs="rId6"/>
+          </a:graphicData>
+        </a:graphic>
+      </p:graphicFrame>
+      <p:sp>
+        <p:nvSpPr>
+          <p:cNvPr id="13" name="Right Arrow 12"/>
+          <p:cNvSpPr/>
+          <p:nvPr/>
+        </p:nvSpPr>
+        <p:spPr>
+          <a:xfrm rot="1652706">
+            <a:off x="3244311" y="2489898"/>
+            <a:ext cx="642942" cy="285752"/>
+          </a:xfrm>
+          <a:prstGeom prst="rightArrow">
+            <a:avLst/>
+          </a:prstGeom>
+        </p:spPr>
+        <p:style>
+          <a:lnRef idx="2">
+            <a:schemeClr val="accent2"/>
+          </a:lnRef>
+          <a:fillRef idx="1">
+            <a:schemeClr val="lt1"/>
+          </a:fillRef>
+          <a:effectRef idx="0">
+            <a:schemeClr val="accent2"/>
+          </a:effectRef>
+          <a:fontRef idx="minor">
+            <a:schemeClr val="dk1"/>
+          </a:fontRef>
+        </p:style>
+        <p:txBody>
+          <a:bodyPr rtlCol="0" anchor="ctr"/>
+          <a:lstStyle/>
+          <a:p>
+            <a:pPr algn="ctr"/>
+            <a:endParaRPr lang="en-US" dirty="0"/>
+          </a:p>
+        </p:txBody>
+      </p:sp>
+      <p:sp>
+        <p:nvSpPr>
+          <p:cNvPr id="14" name="Right Arrow 13"/>
+          <p:cNvSpPr/>
+          <p:nvPr/>
+        </p:nvSpPr>
+        <p:spPr>
+          <a:xfrm>
+            <a:off x="5072066" y="2928934"/>
+            <a:ext cx="642942" cy="285752"/>
+          </a:xfrm>
+          <a:prstGeom prst="rightArrow">
+            <a:avLst/>
+          </a:prstGeom>
+        </p:spPr>
+        <p:style>
+          <a:lnRef idx="2">
+            <a:schemeClr val="accent4"/>
+          </a:lnRef>
+          <a:fillRef idx="1">
+            <a:schemeClr val="lt1"/>
+          </a:fillRef>
+          <a:effectRef idx="0">
+            <a:schemeClr val="accent4"/>
+          </a:effectRef>
+          <a:fontRef idx="minor">
+            <a:schemeClr val="dk1"/>
+          </a:fontRef>
+        </p:style>
+        <p:txBody>
+          <a:bodyPr rtlCol="0" anchor="ctr"/>
+          <a:lstStyle/>
+          <a:p>
+            <a:pPr algn="ctr"/>
+            <a:endParaRPr lang="en-US"/>
+          </a:p>
+        </p:txBody>
+      </p:sp>
+      <p:sp>
+        <p:nvSpPr>
+          <p:cNvPr id="16" name="TextBox 15"/>
+          <p:cNvSpPr txBox="1"/>
+          <p:nvPr/>
+        </p:nvSpPr>
+        <p:spPr>
+          <a:xfrm>
+            <a:off x="3929058" y="2273850"/>
+            <a:ext cx="723275" cy="369332"/>
+          </a:xfrm>
+          <a:prstGeom prst="rect">
+            <a:avLst/>
+          </a:prstGeom>
+          <a:noFill/>
+        </p:spPr>
+        <p:txBody>
+          <a:bodyPr wrap="none" rtlCol="0">
+            <a:spAutoFit/>
+          </a:bodyPr>
+          <a:lstStyle/>
+          <a:p>
+            <a:r>
+              <a:rPr lang="nl-BE" dirty="0" smtClean="0">
+                <a:solidFill>
+                  <a:srgbClr val="0070C0"/>
+                </a:solidFill>
+                <a:effectLst>
+                  <a:outerShdw blurRad="50800" dist="38100" dir="2700000" algn="tl" rotWithShape="0">
+                    <a:prstClr val="black">
+                      <a:alpha val="40000"/>
+                    </a:prstClr>
+                  </a:outerShdw>
+                </a:effectLst>
+                <a:latin typeface="Arial Black" pitchFamily="34" charset="0"/>
+              </a:rPr>
+              <a:t>SVN</a:t>
+            </a:r>
+            <a:endParaRPr lang="en-US" dirty="0">
+              <a:solidFill>
+                <a:srgbClr val="0070C0"/>
+              </a:solidFill>
+              <a:effectLst>
+                <a:outerShdw blurRad="50800" dist="38100" dir="2700000" algn="tl" rotWithShape="0">
+                  <a:prstClr val="black">
+                    <a:alpha val="40000"/>
+                  </a:prstClr>
+                </a:outerShdw>
+              </a:effectLst>
+              <a:latin typeface="Arial Black" pitchFamily="34" charset="0"/>
+            </a:endParaRPr>
+          </a:p>
+        </p:txBody>
+      </p:sp>
+    </p:spTree>
+  </p:cSld>
+  <p:clrMapOvr>
+    <a:masterClrMapping/>
+  </p:clrMapOvr>
+  <p:timing>
+    <p:tnLst>
+      <p:par>
+        <p:cTn id="1" dur="indefinite" restart="never" nodeType="tmRoot">
+          <p:childTnLst>
+            <p:seq concurrent="1" nextAc="seek">
+              <p:cTn id="2" dur="indefinite" nodeType="mainSeq">
+                <p:childTnLst>
+                  <p:par>
+                    <p:cTn id="3" fill="hold">
+                      <p:stCondLst>
+                        <p:cond delay="indefinite"/>
+                      </p:stCondLst>
+                      <p:childTnLst>
+                        <p:par>
+                          <p:cTn id="4" fill="hold">
+                            <p:stCondLst>
+                              <p:cond delay="0"/>
+                            </p:stCondLst>
+                            <p:childTnLst>
+                              <p:par>
+                                <p:cTn id="5" presetID="10" presetClass="entr" presetSubtype="0" fill="hold" grpId="0" nodeType="clickEffect">
+                                  <p:stCondLst>
+                                    <p:cond delay="0"/>
+                                  </p:stCondLst>
+                                  <p:childTnLst>
+                                    <p:set>
+                                      <p:cBhvr>
+                                        <p:cTn id="6" dur="1" fill="hold">
+                                          <p:stCondLst>
+                                            <p:cond delay="0"/>
+                                          </p:stCondLst>
+                                        </p:cTn>
+                                        <p:tgtEl>
+                                          <p:spTgt spid="12">
+                                            <p:graphicEl>
+                                              <a:dgm id="{3BA92C7C-5CB1-4570-8FA2-5F6671B46B59}"/>
+                                            </p:graphicEl>
+                                          </p:spTgt>
+                                        </p:tgtEl>
+                                        <p:attrNameLst>
+                                          <p:attrName>style.visibility</p:attrName>
+                                        </p:attrNameLst>
+                                      </p:cBhvr>
+                                      <p:to>
+                                        <p:strVal val="visible"/>
+                                      </p:to>
+                                    </p:set>
+                                    <p:animEffect transition="in" filter="fade">
+                                      <p:cBhvr>
+                                        <p:cTn id="7" dur="500"/>
+                                        <p:tgtEl>
+                                          <p:spTgt spid="12">
+                                            <p:graphicEl>
+                                              <a:dgm id="{3BA92C7C-5CB1-4570-8FA2-5F6671B46B59}"/>
+                                            </p:graphicEl>
+                                          </p:spTgt>
+                                        </p:tgtEl>
+                                      </p:cBhvr>
+                                    </p:animEffect>
+                                  </p:childTnLst>
+                                </p:cTn>
+                              </p:par>
+                            </p:childTnLst>
+                          </p:cTn>
+                        </p:par>
+                      </p:childTnLst>
+                    </p:cTn>
+                  </p:par>
+                  <p:par>
+                    <p:cTn id="8" fill="hold">
+                      <p:stCondLst>
+                        <p:cond delay="indefinite"/>
+                      </p:stCondLst>
+                      <p:childTnLst>
+                        <p:par>
+                          <p:cTn id="9" fill="hold">
+                            <p:stCondLst>
+                              <p:cond delay="0"/>
+                            </p:stCondLst>
+                            <p:childTnLst>
+                              <p:par>
+                                <p:cTn id="10" presetID="10" presetClass="entr" presetSubtype="0" fill="hold" grpId="0" nodeType="clickEffect">
+                                  <p:stCondLst>
+                                    <p:cond delay="0"/>
+                                  </p:stCondLst>
+                                  <p:childTnLst>
+                                    <p:set>
+                                      <p:cBhvr>
+                                        <p:cTn id="11" dur="1" fill="hold">
+                                          <p:stCondLst>
+                                            <p:cond delay="0"/>
+                                          </p:stCondLst>
+                                        </p:cTn>
+                                        <p:tgtEl>
+                                          <p:spTgt spid="12">
+                                            <p:graphicEl>
+                                              <a:dgm id="{E974E305-B093-4847-B674-96CD015141E0}"/>
+                                            </p:graphicEl>
+                                          </p:spTgt>
+                                        </p:tgtEl>
+                                        <p:attrNameLst>
+                                          <p:attrName>style.visibility</p:attrName>
+                                        </p:attrNameLst>
+                                      </p:cBhvr>
+                                      <p:to>
+                                        <p:strVal val="visible"/>
+                                      </p:to>
+                                    </p:set>
+                                    <p:animEffect transition="in" filter="fade">
+                                      <p:cBhvr>
+                                        <p:cTn id="12" dur="500"/>
+                                        <p:tgtEl>
+                                          <p:spTgt spid="12">
+                                            <p:graphicEl>
+                                              <a:dgm id="{E974E305-B093-4847-B674-96CD015141E0}"/>
+                                            </p:graphicEl>
+                                          </p:spTgt>
+                                        </p:tgtEl>
+                                      </p:cBhvr>
+                                    </p:animEffect>
+                                  </p:childTnLst>
+                                </p:cTn>
+                              </p:par>
+                              <p:par>
+                                <p:cTn id="13" presetID="10" presetClass="entr" presetSubtype="0" fill="hold" grpId="0" nodeType="withEffect">
+                                  <p:stCondLst>
+                                    <p:cond delay="0"/>
+                                  </p:stCondLst>
+                                  <p:childTnLst>
+                                    <p:set>
+                                      <p:cBhvr>
+                                        <p:cTn id="14" dur="1" fill="hold">
+                                          <p:stCondLst>
+                                            <p:cond delay="0"/>
+                                          </p:stCondLst>
+                                        </p:cTn>
+                                        <p:tgtEl>
+                                          <p:spTgt spid="12">
+                                            <p:graphicEl>
+                                              <a:dgm id="{E8C7D2B8-2EFE-491B-9120-598B54FDB279}"/>
+                                            </p:graphicEl>
+                                          </p:spTgt>
+                                        </p:tgtEl>
+                                        <p:attrNameLst>
+                                          <p:attrName>style.visibility</p:attrName>
+                                        </p:attrNameLst>
+                                      </p:cBhvr>
+                                      <p:to>
+                                        <p:strVal val="visible"/>
+                                      </p:to>
+                                    </p:set>
+                                    <p:animEffect transition="in" filter="fade">
+                                      <p:cBhvr>
+                                        <p:cTn id="15" dur="500"/>
+                                        <p:tgtEl>
+                                          <p:spTgt spid="12">
+                                            <p:graphicEl>
+                                              <a:dgm id="{E8C7D2B8-2EFE-491B-9120-598B54FDB279}"/>
+                                            </p:graphicEl>
+                                          </p:spTgt>
+                                        </p:tgtEl>
+                                      </p:cBhvr>
+                                    </p:animEffect>
+                                  </p:childTnLst>
+                                </p:cTn>
+                              </p:par>
+                              <p:par>
+                                <p:cTn id="16" presetID="10" presetClass="entr" presetSubtype="0" fill="hold" grpId="0" nodeType="withEffect">
+                                  <p:stCondLst>
+                                    <p:cond delay="0"/>
+                                  </p:stCondLst>
+                                  <p:childTnLst>
+                                    <p:set>
+                                      <p:cBhvr>
+                                        <p:cTn id="17" dur="1" fill="hold">
+                                          <p:stCondLst>
+                                            <p:cond delay="0"/>
+                                          </p:stCondLst>
+                                        </p:cTn>
+                                        <p:tgtEl>
+                                          <p:spTgt spid="13"/>
+                                        </p:tgtEl>
+                                        <p:attrNameLst>
+                                          <p:attrName>style.visibility</p:attrName>
+                                        </p:attrNameLst>
+                                      </p:cBhvr>
+                                      <p:to>
+                                        <p:strVal val="visible"/>
+                                      </p:to>
+                                    </p:set>
+                                    <p:animEffect transition="in" filter="fade">
+                                      <p:cBhvr>
+                                        <p:cTn id="18" dur="500"/>
+                                        <p:tgtEl>
+                                          <p:spTgt spid="13"/>
+                                        </p:tgtEl>
+                                      </p:cBhvr>
+                                    </p:animEffect>
+                                  </p:childTnLst>
+                                </p:cTn>
+                              </p:par>
+                            </p:childTnLst>
+                          </p:cTn>
+                        </p:par>
+                      </p:childTnLst>
+                    </p:cTn>
+                  </p:par>
+                  <p:par>
+                    <p:cTn id="19" fill="hold">
+                      <p:stCondLst>
+                        <p:cond delay="indefinite"/>
+                      </p:stCondLst>
+                      <p:childTnLst>
+                        <p:par>
+                          <p:cTn id="20" fill="hold">
+                            <p:stCondLst>
+                              <p:cond delay="0"/>
+                            </p:stCondLst>
+                            <p:childTnLst>
+                              <p:par>
+                                <p:cTn id="21" presetID="10" presetClass="entr" presetSubtype="0" fill="hold" grpId="0" nodeType="clickEffect">
+                                  <p:stCondLst>
+                                    <p:cond delay="0"/>
+                                  </p:stCondLst>
+                                  <p:childTnLst>
+                                    <p:set>
+                                      <p:cBhvr>
+                                        <p:cTn id="22" dur="1" fill="hold">
+                                          <p:stCondLst>
+                                            <p:cond delay="0"/>
+                                          </p:stCondLst>
+                                        </p:cTn>
+                                        <p:tgtEl>
+                                          <p:spTgt spid="12">
+                                            <p:graphicEl>
+                                              <a:dgm id="{05F659E6-DE2E-4A9D-9F2C-38C149E7E7F9}"/>
+                                            </p:graphicEl>
+                                          </p:spTgt>
+                                        </p:tgtEl>
+                                        <p:attrNameLst>
+                                          <p:attrName>style.visibility</p:attrName>
+                                        </p:attrNameLst>
+                                      </p:cBhvr>
+                                      <p:to>
+                                        <p:strVal val="visible"/>
+                                      </p:to>
+                                    </p:set>
+                                    <p:animEffect transition="in" filter="fade">
+                                      <p:cBhvr>
+                                        <p:cTn id="23" dur="500"/>
+                                        <p:tgtEl>
+                                          <p:spTgt spid="12">
+                                            <p:graphicEl>
+                                              <a:dgm id="{05F659E6-DE2E-4A9D-9F2C-38C149E7E7F9}"/>
+                                            </p:graphicEl>
+                                          </p:spTgt>
+                                        </p:tgtEl>
+                                      </p:cBhvr>
+                                    </p:animEffect>
+                                  </p:childTnLst>
+                                </p:cTn>
+                              </p:par>
+                              <p:par>
+                                <p:cTn id="24" presetID="10" presetClass="entr" presetSubtype="0" fill="hold" grpId="0" nodeType="withEffect">
+                                  <p:stCondLst>
+                                    <p:cond delay="0"/>
+                                  </p:stCondLst>
+                                  <p:childTnLst>
+                                    <p:set>
+                                      <p:cBhvr>
+                                        <p:cTn id="25" dur="1" fill="hold">
+                                          <p:stCondLst>
+                                            <p:cond delay="0"/>
+                                          </p:stCondLst>
+                                        </p:cTn>
+                                        <p:tgtEl>
+                                          <p:spTgt spid="12">
+                                            <p:graphicEl>
+                                              <a:dgm id="{5FB27D96-032E-4476-A886-256D29C84CCF}"/>
+                                            </p:graphicEl>
+                                          </p:spTgt>
+                                        </p:tgtEl>
+                                        <p:attrNameLst>
+                                          <p:attrName>style.visibility</p:attrName>
+                                        </p:attrNameLst>
+                                      </p:cBhvr>
+                                      <p:to>
+                                        <p:strVal val="visible"/>
+                                      </p:to>
+                                    </p:set>
+                                    <p:animEffect transition="in" filter="fade">
+                                      <p:cBhvr>
+                                        <p:cTn id="26" dur="500"/>
+                                        <p:tgtEl>
+                                          <p:spTgt spid="12">
+                                            <p:graphicEl>
+                                              <a:dgm id="{5FB27D96-032E-4476-A886-256D29C84CCF}"/>
+                                            </p:graphicEl>
+                                          </p:spTgt>
+                                        </p:tgtEl>
+                                      </p:cBhvr>
+                                    </p:animEffect>
+                                  </p:childTnLst>
+                                </p:cTn>
+                              </p:par>
+                              <p:par>
+                                <p:cTn id="27" presetID="10" presetClass="entr" presetSubtype="0" fill="hold" grpId="0" nodeType="withEffect">
+                                  <p:stCondLst>
+                                    <p:cond delay="0"/>
+                                  </p:stCondLst>
+                                  <p:childTnLst>
+                                    <p:set>
+                                      <p:cBhvr>
+                                        <p:cTn id="28" dur="1" fill="hold">
+                                          <p:stCondLst>
+                                            <p:cond delay="0"/>
+                                          </p:stCondLst>
+                                        </p:cTn>
+                                        <p:tgtEl>
+                                          <p:spTgt spid="14"/>
+                                        </p:tgtEl>
+                                        <p:attrNameLst>
+                                          <p:attrName>style.visibility</p:attrName>
+                                        </p:attrNameLst>
+                                      </p:cBhvr>
+                                      <p:to>
+                                        <p:strVal val="visible"/>
+                                      </p:to>
+                                    </p:set>
+                                    <p:animEffect transition="in" filter="fade">
+                                      <p:cBhvr>
+                                        <p:cTn id="29" dur="500"/>
+                                        <p:tgtEl>
+                                          <p:spTgt spid="14"/>
+                                        </p:tgtEl>
+                                      </p:cBhvr>
+                                    </p:animEffect>
+                                  </p:childTnLst>
+                                </p:cTn>
+                              </p:par>
+                            </p:childTnLst>
+                          </p:cTn>
+                        </p:par>
+                      </p:childTnLst>
+                    </p:cTn>
+                  </p:par>
+                </p:childTnLst>
+              </p:cTn>
+              <p:prevCondLst>
+                <p:cond evt="onPrev" delay="0">
+                  <p:tgtEl>
+                    <p:sldTgt/>
+                  </p:tgtEl>
+                </p:cond>
+              </p:prevCondLst>
+              <p:nextCondLst>
+                <p:cond evt="onNext" delay="0">
+                  <p:tgtEl>
+                    <p:sldTgt/>
+                  </p:tgtEl>
+                </p:cond>
+              </p:nextCondLst>
+            </p:seq>
+          </p:childTnLst>
+        </p:cTn>
+      </p:par>
+    </p:tnLst>
+    <p:bldLst>
+      <p:bldGraphic spid="12" grpId="0" uiExpand="1">
+        <p:bldSub>
+          <a:bldDgm bld="one"/>
+        </p:bldSub>
+      </p:bldGraphic>
+      <p:bldP spid="13" grpId="0" animBg="1"/>
+      <p:bldP spid="14" grpId="0" animBg="1"/>
+    </p:bldLst>
+  </p:timing>
+</p:sld>
+</file>
+
+<file path=ppt/slides/slide22.xml><?xml version="1.0" encoding="utf-8"?>
+<p:sld xmlns:a="http://schemas.openxmlformats.org/drawingml/2006/main" xmlns:r="http://schemas.openxmlformats.org/officeDocument/2006/relationships" xmlns:p="http://schemas.openxmlformats.org/presentationml/2006/main">
+  <p:cSld>
+    <p:spTree>
+      <p:nvGrpSpPr>
+        <p:cNvPr id="1" name=""/>
+        <p:cNvGrpSpPr/>
+        <p:nvPr/>
+      </p:nvGrpSpPr>
+      <p:grpSpPr>
+        <a:xfrm>
+          <a:off x="0" y="0"/>
+          <a:ext cx="0" cy="0"/>
+          <a:chOff x="0" y="0"/>
+          <a:chExt cx="0" cy="0"/>
+        </a:xfrm>
+      </p:grpSpPr>
+      <p:sp>
+        <p:nvSpPr>
+          <p:cNvPr id="2" name="Title 1"/>
+          <p:cNvSpPr>
+            <a:spLocks noGrp="1"/>
+          </p:cNvSpPr>
+          <p:nvPr>
+            <p:ph type="title"/>
+          </p:nvPr>
+        </p:nvSpPr>
+        <p:spPr/>
+        <p:txBody>
+          <a:bodyPr>
+            <a:normAutofit fontScale="90000"/>
+          </a:bodyPr>
+          <a:lstStyle/>
+          <a:p>
+            <a:pPr lvl="0"/>
+            <a:r>
+              <a:rPr lang="nl-BE" dirty="0" smtClean="0"/>
+              <a:t>ALM: TeamCity</a:t>
             </a:r>
             <a:r>
               <a:rPr lang="nl-BE" baseline="0" dirty="0" smtClean="0"/>
-              <a:t>Subversion - A </a:t>
+              <a:t> with Subversion - A </a:t>
             </a:r>
             <a:r>
               <a:rPr lang="nl-BE" dirty="0" smtClean="0"/>
@@ -16725,7 +17365,7 @@
       <p:bldP spid="5" grpId="1" animBg="1"/>
       <p:bldP spid="6" grpId="0" animBg="1"/>
       <p:bldP spid="7" grpId="0" animBg="1"/>
-      <p:bldP spid="7" grpId="1"/>
+      <p:bldP spid="7" grpId="1" animBg="1"/>
       <p:bldP spid="8" grpId="0" uiExpand="1" build="p" animBg="1"/>
       <p:bldP spid="8" grpId="1" uiExpand="1" build="allAtOnce"/>
     </p:bldLst>
@@ -16911,15 +17551,7 @@
           <a:p>
             <a:r>
               <a:rPr lang="nl-BE" dirty="0" smtClean="0"/>
-              <a:t>Domain</a:t>
-            </a:r>
-            <a:r>
-              <a:rPr lang="nl-BE" dirty="0" smtClean="0"/>
-              <a:t> </a:t>
-            </a:r>
-            <a:r>
-              <a:rPr lang="nl-BE" dirty="0" smtClean="0"/>
-              <a:t>Driven Design</a:t>
+              <a:t>Domain Driven Design</a:t>
             </a:r>
             <a:endParaRPr lang="en-US" dirty="0"/>
           </a:p>
@@ -17595,7 +18227,7 @@
                                 </p:cTn>
                               </p:par>
                               <p:par>
-                                <p:cTn id="36" presetID="10" presetClass="entr" presetSubtype="0" fill="hold" grpId="0" nodeType="withEffect">
+                                <p:cTn id="36" presetID="10" presetClass="entr" presetSubtype="0" fill="hold" nodeType="withEffect">
                                   <p:stCondLst>
                                     <p:cond delay="0"/>
                                   </p:stCondLst>
@@ -18298,11 +18930,7 @@
             </a:r>
             <a:r>
               <a:rPr lang="nl-BE" baseline="0" dirty="0" smtClean="0"/>
-              <a:t> </a:t>
-            </a:r>
-            <a:r>
-              <a:rPr lang="nl-BE" baseline="0" dirty="0" smtClean="0"/>
-              <a:t>coupling</a:t>
+              <a:t> coupling</a:t>
             </a:r>
             <a:endParaRPr lang="en-US" dirty="0"/>
           </a:p>
@@ -18773,6 +19401,72 @@
           <a:chExt cx="0" cy="0"/>
         </a:xfrm>
       </p:grpSpPr>
+      <p:pic>
+        <p:nvPicPr>
+          <p:cNvPr id="1026" name="Picture 2"/>
+          <p:cNvPicPr>
+            <a:picLocks noChangeAspect="1" noChangeArrowheads="1"/>
+          </p:cNvPicPr>
+          <p:nvPr/>
+        </p:nvPicPr>
+        <p:blipFill>
+          <a:blip r:embed="rId2"/>
+          <a:srcRect/>
+          <a:stretch>
+            <a:fillRect/>
+          </a:stretch>
+        </p:blipFill>
+        <p:spPr bwMode="auto">
+          <a:xfrm>
+            <a:off x="500034" y="1714488"/>
+            <a:ext cx="5029200" cy="3838575"/>
+          </a:xfrm>
+          <a:prstGeom prst="rect">
+            <a:avLst/>
+          </a:prstGeom>
+          <a:noFill/>
+          <a:ln w="9525">
+            <a:noFill/>
+            <a:miter lim="800000"/>
+            <a:headEnd/>
+            <a:tailEnd/>
+          </a:ln>
+        </p:spPr>
+      </p:pic>
+      <p:pic>
+        <p:nvPicPr>
+          <p:cNvPr id="1030" name="Picture 6"/>
+          <p:cNvPicPr>
+            <a:picLocks noChangeAspect="1" noChangeArrowheads="1"/>
+          </p:cNvPicPr>
+          <p:nvPr/>
+        </p:nvPicPr>
+        <p:blipFill>
+          <a:blip r:embed="rId3"/>
+          <a:srcRect/>
+          <a:stretch>
+            <a:fillRect/>
+          </a:stretch>
+        </p:blipFill>
+        <p:spPr bwMode="auto">
+          <a:xfrm>
+            <a:off x="1214414" y="642918"/>
+            <a:ext cx="6667500" cy="981075"/>
+          </a:xfrm>
+          <a:prstGeom prst="rect">
+            <a:avLst/>
+          </a:prstGeom>
+          <a:noFill/>
+          <a:ln w="38100">
+            <a:solidFill>
+              <a:schemeClr val="accent6"/>
+            </a:solidFill>
+            <a:miter lim="800000"/>
+            <a:headEnd/>
+            <a:tailEnd/>
+          </a:ln>
+        </p:spPr>
+      </p:pic>
       <p:sp>
         <p:nvSpPr>
           <p:cNvPr id="2" name="Title 1"/>
@@ -18802,20 +19496,54 @@
       </p:sp>
       <p:sp>
         <p:nvSpPr>
-          <p:cNvPr id="3" name="Content Placeholder 2"/>
-          <p:cNvSpPr>
-            <a:spLocks noGrp="1"/>
-          </p:cNvSpPr>
-          <p:nvPr>
-            <p:ph idx="1"/>
-          </p:nvPr>
+          <p:cNvPr id="9" name="Bent Arrow 8"/>
+          <p:cNvSpPr/>
+          <p:nvPr/>
         </p:nvSpPr>
-        <p:spPr/>
+        <p:spPr>
+          <a:xfrm rot="5400000" flipV="1">
+            <a:off x="785786" y="1000108"/>
+            <a:ext cx="785818" cy="642942"/>
+          </a:xfrm>
+          <a:prstGeom prst="bentArrow">
+            <a:avLst>
+              <a:gd name="adj1" fmla="val 23707"/>
+              <a:gd name="adj2" fmla="val 28232"/>
+              <a:gd name="adj3" fmla="val 25000"/>
+              <a:gd name="adj4" fmla="val 42457"/>
+            </a:avLst>
+          </a:prstGeom>
+          <a:solidFill>
+            <a:schemeClr val="accent6">
+              <a:lumMod val="40000"/>
+              <a:lumOff val="60000"/>
+            </a:schemeClr>
+          </a:solidFill>
+        </p:spPr>
+        <p:style>
+          <a:lnRef idx="2">
+            <a:schemeClr val="accent6"/>
+          </a:lnRef>
+          <a:fillRef idx="1">
+            <a:schemeClr val="lt1"/>
+          </a:fillRef>
+          <a:effectRef idx="0">
+            <a:schemeClr val="accent6"/>
+          </a:effectRef>
+          <a:fontRef idx="minor">
+            <a:schemeClr val="dk1"/>
+          </a:fontRef>
+        </p:style>
         <p:txBody>
-          <a:bodyPr/>
+          <a:bodyPr rtlCol="0" anchor="ctr"/>
           <a:lstStyle/>
           <a:p>
-            <a:endParaRPr lang="en-US"/>
+            <a:pPr algn="ctr"/>
+            <a:endParaRPr lang="en-US">
+              <a:solidFill>
+                <a:schemeClr val="tx1"/>
+              </a:solidFill>
+            </a:endParaRPr>
           </a:p>
         </p:txBody>
       </p:sp>
@@ -18827,9 +19555,132 @@
   <p:timing>
     <p:tnLst>
       <p:par>
-        <p:cTn id="1" dur="indefinite" restart="never" nodeType="tmRoot"/>
+        <p:cTn id="1" dur="indefinite" restart="never" nodeType="tmRoot">
+          <p:childTnLst>
+            <p:seq concurrent="1" nextAc="seek">
+              <p:cTn id="2" dur="indefinite" nodeType="mainSeq">
+                <p:childTnLst>
+                  <p:par>
+                    <p:cTn id="3" fill="hold">
+                      <p:stCondLst>
+                        <p:cond delay="indefinite"/>
+                      </p:stCondLst>
+                      <p:childTnLst>
+                        <p:par>
+                          <p:cTn id="4" fill="hold">
+                            <p:stCondLst>
+                              <p:cond delay="0"/>
+                            </p:stCondLst>
+                            <p:childTnLst>
+                              <p:par>
+                                <p:cTn id="5" presetID="10" presetClass="entr" presetSubtype="0" fill="hold" grpId="0" nodeType="clickEffect">
+                                  <p:stCondLst>
+                                    <p:cond delay="0"/>
+                                  </p:stCondLst>
+                                  <p:childTnLst>
+                                    <p:set>
+                                      <p:cBhvr>
+                                        <p:cTn id="6" dur="1" fill="hold">
+                                          <p:stCondLst>
+                                            <p:cond delay="0"/>
+                                          </p:stCondLst>
+                                        </p:cTn>
+                                        <p:tgtEl>
+                                          <p:spTgt spid="9"/>
+                                        </p:tgtEl>
+                                        <p:attrNameLst>
+                                          <p:attrName>style.visibility</p:attrName>
+                                        </p:attrNameLst>
+                                      </p:cBhvr>
+                                      <p:to>
+                                        <p:strVal val="visible"/>
+                                      </p:to>
+                                    </p:set>
+                                    <p:animEffect transition="in" filter="fade">
+                                      <p:cBhvr>
+                                        <p:cTn id="7" dur="500"/>
+                                        <p:tgtEl>
+                                          <p:spTgt spid="9"/>
+                                        </p:tgtEl>
+                                      </p:cBhvr>
+                                    </p:animEffect>
+                                  </p:childTnLst>
+                                </p:cTn>
+                              </p:par>
+                            </p:childTnLst>
+                          </p:cTn>
+                        </p:par>
+                        <p:par>
+                          <p:cTn id="8" fill="hold">
+                            <p:stCondLst>
+                              <p:cond delay="500"/>
+                            </p:stCondLst>
+                            <p:childTnLst>
+                              <p:par>
+                                <p:cTn id="9" presetID="10" presetClass="entr" presetSubtype="0" fill="hold" nodeType="afterEffect">
+                                  <p:stCondLst>
+                                    <p:cond delay="0"/>
+                                  </p:stCondLst>
+                                  <p:childTnLst>
+                                    <p:set>
+                                      <p:cBhvr>
+                                        <p:cTn id="10" dur="1" fill="hold">
+                                          <p:stCondLst>
+                                            <p:cond delay="0"/>
+                                          </p:stCondLst>
+                                        </p:cTn>
+                                        <p:tgtEl>
+                                          <p:spTgt spid="1026"/>
+                                        </p:tgtEl>
+                                        <p:attrNameLst>
+                                          <p:attrName>style.visibility</p:attrName>
+                                        </p:attrNameLst>
+                                      </p:cBhvr>
+                                      <p:to>
+                                        <p:strVal val="visible"/>
+                                      </p:to>
+                                    </p:set>
+                                    <p:animEffect transition="in" filter="fade">
+                                      <p:cBhvr>
+                                        <p:cTn id="11" dur="500"/>
+                                        <p:tgtEl>
+                                          <p:spTgt spid="1026"/>
+                                        </p:tgtEl>
+                                      </p:cBhvr>
+                                    </p:animEffect>
+                                  </p:childTnLst>
+                                </p:cTn>
+                              </p:par>
+                            </p:childTnLst>
+                          </p:cTn>
+                        </p:par>
+                      </p:childTnLst>
+                    </p:cTn>
+                  </p:par>
+                </p:childTnLst>
+              </p:cTn>
+              <p:prevCondLst>
+                <p:cond evt="onPrev" delay="0">
+                  <p:tgtEl>
+                    <p:sldTgt/>
+                  </p:tgtEl>
+                </p:cond>
+              </p:prevCondLst>
+              <p:nextCondLst>
+                <p:cond evt="onNext" delay="0">
+                  <p:tgtEl>
+                    <p:sldTgt/>
+                  </p:tgtEl>
+                </p:cond>
+              </p:nextCondLst>
+            </p:seq>
+          </p:childTnLst>
+        </p:cTn>
       </p:par>
     </p:tnLst>
+    <p:bldLst>
+      <p:bldP spid="9" grpId="0" animBg="1"/>
+    </p:bldLst>
   </p:timing>
 </p:sld>
 </file>

--- a/slides/Technical Session/Lessons learned.pptx
+++ b/slides/Technical Session/Lessons learned.pptx
@@ -2603,14 +2603,35 @@
         </dgm:presLayoutVars>
       </dgm:prSet>
       <dgm:spPr/>
+      <dgm:t>
+        <a:bodyPr/>
+        <a:lstStyle/>
+        <a:p>
+          <a:endParaRPr lang="en-US"/>
+        </a:p>
+      </dgm:t>
     </dgm:pt>
     <dgm:pt modelId="{E73F3B6D-FDF9-419F-A781-331EA23B71F1}" type="pres">
       <dgm:prSet presAssocID="{CF7A7CEF-7A15-45C1-95A8-E0276DA924E7}" presName="sibTrans" presStyleLbl="sibTrans2D1" presStyleIdx="0" presStyleCnt="2"/>
       <dgm:spPr/>
+      <dgm:t>
+        <a:bodyPr/>
+        <a:lstStyle/>
+        <a:p>
+          <a:endParaRPr lang="en-US"/>
+        </a:p>
+      </dgm:t>
     </dgm:pt>
     <dgm:pt modelId="{9DFC4A97-59FE-48DB-9B6A-5EDF6E675B4A}" type="pres">
       <dgm:prSet presAssocID="{CF7A7CEF-7A15-45C1-95A8-E0276DA924E7}" presName="connectorText" presStyleLbl="sibTrans2D1" presStyleIdx="0" presStyleCnt="2"/>
       <dgm:spPr/>
+      <dgm:t>
+        <a:bodyPr/>
+        <a:lstStyle/>
+        <a:p>
+          <a:endParaRPr lang="en-US"/>
+        </a:p>
+      </dgm:t>
     </dgm:pt>
     <dgm:pt modelId="{B9880EC2-139B-4C7C-8BBF-A9B4C6FD0AA6}" type="pres">
       <dgm:prSet presAssocID="{5F9D996F-EF28-4174-BF32-29B926E53477}" presName="node" presStyleLbl="node1" presStyleIdx="1" presStyleCnt="3">
@@ -2619,14 +2640,35 @@
         </dgm:presLayoutVars>
       </dgm:prSet>
       <dgm:spPr/>
+      <dgm:t>
+        <a:bodyPr/>
+        <a:lstStyle/>
+        <a:p>
+          <a:endParaRPr lang="en-US"/>
+        </a:p>
+      </dgm:t>
     </dgm:pt>
     <dgm:pt modelId="{5A64E673-D0DD-4CE6-9A75-393B44221371}" type="pres">
       <dgm:prSet presAssocID="{1C632A32-A814-4042-9B49-0495A2F7F114}" presName="sibTrans" presStyleLbl="sibTrans2D1" presStyleIdx="1" presStyleCnt="2"/>
       <dgm:spPr/>
+      <dgm:t>
+        <a:bodyPr/>
+        <a:lstStyle/>
+        <a:p>
+          <a:endParaRPr lang="en-US"/>
+        </a:p>
+      </dgm:t>
     </dgm:pt>
     <dgm:pt modelId="{6AB342D6-9A03-40F5-9688-F1A7F4E2B07D}" type="pres">
       <dgm:prSet presAssocID="{1C632A32-A814-4042-9B49-0495A2F7F114}" presName="connectorText" presStyleLbl="sibTrans2D1" presStyleIdx="1" presStyleCnt="2"/>
       <dgm:spPr/>
+      <dgm:t>
+        <a:bodyPr/>
+        <a:lstStyle/>
+        <a:p>
+          <a:endParaRPr lang="en-US"/>
+        </a:p>
+      </dgm:t>
     </dgm:pt>
     <dgm:pt modelId="{3E35E453-631E-4471-B37A-C4702BC05C3C}" type="pres">
       <dgm:prSet presAssocID="{9D8B25C3-377F-4E50-BBA0-CC0D8F3AA586}" presName="node" presStyleLbl="node1" presStyleIdx="2" presStyleCnt="3">
@@ -2635,6 +2677,13 @@
         </dgm:presLayoutVars>
       </dgm:prSet>
       <dgm:spPr/>
+      <dgm:t>
+        <a:bodyPr/>
+        <a:lstStyle/>
+        <a:p>
+          <a:endParaRPr lang="en-US"/>
+        </a:p>
+      </dgm:t>
     </dgm:pt>
   </dgm:ptLst>
   <dgm:cxnLst>
@@ -2943,9 +2992,9 @@
     <dgm:cxn modelId="{8BAE8E1E-B0DC-48A7-9BEA-483E4BFDE75D}" type="presOf" srcId="{89F4663A-CD05-4B85-BBCA-40FA831A1A8F}" destId="{3BA92C7C-5CB1-4570-8FA2-5F6671B46B59}" srcOrd="0" destOrd="0" presId="urn:microsoft.com/office/officeart/2005/8/layout/process1"/>
     <dgm:cxn modelId="{494A3215-675D-40FE-81AE-8F96C7890F23}" srcId="{39332B7E-DC53-4E39-8170-323651ED934E}" destId="{AFDF83D1-13E0-4D43-881B-4C6B983513A2}" srcOrd="2" destOrd="0" parTransId="{2F2F5AEA-A776-42D7-A1AE-A0D79D27C577}" sibTransId="{709EAEF6-2E0C-4FAC-A060-2D70E771541C}"/>
     <dgm:cxn modelId="{680EDD14-5D8D-4F98-BB21-F7357A768F58}" type="presOf" srcId="{39332B7E-DC53-4E39-8170-323651ED934E}" destId="{A42C128E-CC5D-4400-8C05-2AAD4ADDE6D2}" srcOrd="0" destOrd="0" presId="urn:microsoft.com/office/officeart/2005/8/layout/process1"/>
+    <dgm:cxn modelId="{2C77AF61-53F0-4427-BAE1-191B78CA6480}" type="presOf" srcId="{366AF2CA-1E69-4291-A324-950482E12DD8}" destId="{E974E305-B093-4847-B674-96CD015141E0}" srcOrd="0" destOrd="0" presId="urn:microsoft.com/office/officeart/2005/8/layout/process1"/>
     <dgm:cxn modelId="{4CB64A8E-32F3-46D3-8846-8CF92E5BC6C7}" type="presOf" srcId="{11DC3F5C-A4A2-407F-A072-A8F3225ADA2E}" destId="{E8C7D2B8-2EFE-491B-9120-598B54FDB279}" srcOrd="0" destOrd="0" presId="urn:microsoft.com/office/officeart/2005/8/layout/process1"/>
     <dgm:cxn modelId="{6BE2F088-147E-4D7E-88C5-5486B6A249AA}" srcId="{39332B7E-DC53-4E39-8170-323651ED934E}" destId="{11DC3F5C-A4A2-407F-A072-A8F3225ADA2E}" srcOrd="1" destOrd="0" parTransId="{7CE32FAF-7C27-4F07-9CFD-29396FBE7109}" sibTransId="{98DF2911-A7F4-40F9-95B7-5A2749B23573}"/>
-    <dgm:cxn modelId="{2C77AF61-53F0-4427-BAE1-191B78CA6480}" type="presOf" srcId="{366AF2CA-1E69-4291-A324-950482E12DD8}" destId="{E974E305-B093-4847-B674-96CD015141E0}" srcOrd="0" destOrd="0" presId="urn:microsoft.com/office/officeart/2005/8/layout/process1"/>
     <dgm:cxn modelId="{D3258751-8CD8-42C7-9C8D-78B70E2FB6A7}" type="presOf" srcId="{98DF2911-A7F4-40F9-95B7-5A2749B23573}" destId="{05F659E6-DE2E-4A9D-9F2C-38C149E7E7F9}" srcOrd="0" destOrd="0" presId="urn:microsoft.com/office/officeart/2005/8/layout/process1"/>
     <dgm:cxn modelId="{25CADF2C-5127-4D3F-9FE9-89EF699DA703}" type="presOf" srcId="{366AF2CA-1E69-4291-A324-950482E12DD8}" destId="{0DCC8B2A-85A5-4A3D-BF7B-23123E384DDA}" srcOrd="1" destOrd="0" presId="urn:microsoft.com/office/officeart/2005/8/layout/process1"/>
     <dgm:cxn modelId="{6D3FF21F-14FE-4E62-8D3A-92CBA747E71B}" srcId="{39332B7E-DC53-4E39-8170-323651ED934E}" destId="{89F4663A-CD05-4B85-BBCA-40FA831A1A8F}" srcOrd="0" destOrd="0" parTransId="{9C6F7918-3660-4369-A6C2-90E53184E84C}" sibTransId="{366AF2CA-1E69-4291-A324-950482E12DD8}"/>
@@ -11022,11 +11071,7 @@
           <a:p>
             <a:r>
               <a:rPr lang="nl-BE" dirty="0" smtClean="0"/>
-              <a:t>Technical </a:t>
-            </a:r>
-            <a:r>
-              <a:rPr lang="nl-BE" dirty="0" smtClean="0"/>
-              <a:t>Lessons Learned with DKV</a:t>
+              <a:t>Technical Lessons Learned with DKV</a:t>
             </a:r>
             <a:endParaRPr lang="en-US" dirty="0"/>
           </a:p>
@@ -19326,11 +19371,7 @@
             </a:r>
             <a:r>
               <a:rPr lang="nl-BE" baseline="0" dirty="0" smtClean="0"/>
-              <a:t> </a:t>
-            </a:r>
-            <a:r>
-              <a:rPr lang="nl-BE" baseline="0" dirty="0" smtClean="0"/>
-              <a:t>Migrations</a:t>
+              <a:t> Migrations</a:t>
             </a:r>
             <a:endParaRPr lang="en-US" dirty="0"/>
           </a:p>
@@ -23623,11 +23664,7 @@
           <a:p>
             <a:r>
               <a:rPr lang="nl-BE" dirty="0" smtClean="0"/>
-              <a:t>Practices: </a:t>
-            </a:r>
-            <a:r>
-              <a:rPr lang="nl-BE" dirty="0" smtClean="0"/>
-              <a:t>Top-down design</a:t>
+              <a:t>Practices: Top-down design</a:t>
             </a:r>
             <a:endParaRPr lang="en-US" dirty="0"/>
           </a:p>
@@ -24386,11 +24423,7 @@
             <a:pPr lvl="0"/>
             <a:r>
               <a:rPr lang="nl-BE" dirty="0" smtClean="0"/>
-              <a:t>ALM: </a:t>
-            </a:r>
-            <a:r>
-              <a:rPr lang="nl-BE" dirty="0" smtClean="0"/>
-              <a:t>Traditional approach</a:t>
+              <a:t>ALM: Traditional approach</a:t>
             </a:r>
             <a:endParaRPr lang="en-US" dirty="0"/>
           </a:p>
@@ -25907,299 +25940,6 @@
               <a:t> Test Driven DESIGN</a:t>
             </a:r>
             <a:endParaRPr lang="en-US" dirty="0"/>
-          </a:p>
-        </p:txBody>
-      </p:sp>
-      <p:sp>
-        <p:nvSpPr>
-          <p:cNvPr id="5" name="Rounded Rectangle 4"/>
-          <p:cNvSpPr/>
-          <p:nvPr/>
-        </p:nvSpPr>
-        <p:spPr>
-          <a:xfrm>
-            <a:off x="1214414" y="2071678"/>
-            <a:ext cx="2357454" cy="914400"/>
-          </a:xfrm>
-          <a:prstGeom prst="roundRect">
-            <a:avLst/>
-          </a:prstGeom>
-        </p:spPr>
-        <p:style>
-          <a:lnRef idx="2">
-            <a:schemeClr val="accent6"/>
-          </a:lnRef>
-          <a:fillRef idx="1">
-            <a:schemeClr val="lt1"/>
-          </a:fillRef>
-          <a:effectRef idx="0">
-            <a:schemeClr val="accent6"/>
-          </a:effectRef>
-          <a:fontRef idx="minor">
-            <a:schemeClr val="dk1"/>
-          </a:fontRef>
-        </p:style>
-        <p:txBody>
-          <a:bodyPr rtlCol="0" anchor="ctr"/>
-          <a:lstStyle/>
-          <a:p>
-            <a:pPr algn="ctr"/>
-            <a:r>
-              <a:rPr lang="nl-BE" dirty="0" smtClean="0"/>
-              <a:t>Do we have a test for that?</a:t>
-            </a:r>
-            <a:endParaRPr lang="en-US" dirty="0"/>
-          </a:p>
-        </p:txBody>
-      </p:sp>
-      <p:sp>
-        <p:nvSpPr>
-          <p:cNvPr id="6" name="Rounded Rectangle 5"/>
-          <p:cNvSpPr/>
-          <p:nvPr/>
-        </p:nvSpPr>
-        <p:spPr>
-          <a:xfrm>
-            <a:off x="5000628" y="2071678"/>
-            <a:ext cx="2357454" cy="914400"/>
-          </a:xfrm>
-          <a:prstGeom prst="roundRect">
-            <a:avLst/>
-          </a:prstGeom>
-        </p:spPr>
-        <p:style>
-          <a:lnRef idx="2">
-            <a:schemeClr val="accent6"/>
-          </a:lnRef>
-          <a:fillRef idx="1">
-            <a:schemeClr val="lt1"/>
-          </a:fillRef>
-          <a:effectRef idx="0">
-            <a:schemeClr val="accent6"/>
-          </a:effectRef>
-          <a:fontRef idx="minor">
-            <a:schemeClr val="dk1"/>
-          </a:fontRef>
-        </p:style>
-        <p:txBody>
-          <a:bodyPr rtlCol="0" anchor="ctr"/>
-          <a:lstStyle/>
-          <a:p>
-            <a:pPr algn="ctr"/>
-            <a:r>
-              <a:rPr lang="nl-BE" dirty="0" smtClean="0"/>
-              <a:t>Write a test</a:t>
-            </a:r>
-            <a:endParaRPr lang="en-US" dirty="0"/>
-          </a:p>
-        </p:txBody>
-      </p:sp>
-      <p:sp>
-        <p:nvSpPr>
-          <p:cNvPr id="7" name="Rounded Rectangle 6"/>
-          <p:cNvSpPr/>
-          <p:nvPr/>
-        </p:nvSpPr>
-        <p:spPr>
-          <a:xfrm>
-            <a:off x="1214414" y="3286124"/>
-            <a:ext cx="2357454" cy="914400"/>
-          </a:xfrm>
-          <a:prstGeom prst="roundRect">
-            <a:avLst/>
-          </a:prstGeom>
-        </p:spPr>
-        <p:style>
-          <a:lnRef idx="2">
-            <a:schemeClr val="accent6"/>
-          </a:lnRef>
-          <a:fillRef idx="1">
-            <a:schemeClr val="lt1"/>
-          </a:fillRef>
-          <a:effectRef idx="0">
-            <a:schemeClr val="accent6"/>
-          </a:effectRef>
-          <a:fontRef idx="minor">
-            <a:schemeClr val="dk1"/>
-          </a:fontRef>
-        </p:style>
-        <p:txBody>
-          <a:bodyPr rtlCol="0" anchor="ctr"/>
-          <a:lstStyle/>
-          <a:p>
-            <a:pPr algn="ctr"/>
-            <a:r>
-              <a:rPr lang="nl-BE" dirty="0" smtClean="0"/>
-              <a:t>Does the test pass?</a:t>
-            </a:r>
-            <a:endParaRPr lang="en-US" dirty="0"/>
-          </a:p>
-        </p:txBody>
-      </p:sp>
-      <p:sp>
-        <p:nvSpPr>
-          <p:cNvPr id="8" name="Rounded Rectangle 7"/>
-          <p:cNvSpPr/>
-          <p:nvPr/>
-        </p:nvSpPr>
-        <p:spPr>
-          <a:xfrm>
-            <a:off x="5000628" y="3286124"/>
-            <a:ext cx="2357454" cy="914400"/>
-          </a:xfrm>
-          <a:prstGeom prst="roundRect">
-            <a:avLst/>
-          </a:prstGeom>
-        </p:spPr>
-        <p:style>
-          <a:lnRef idx="2">
-            <a:schemeClr val="accent6"/>
-          </a:lnRef>
-          <a:fillRef idx="1">
-            <a:schemeClr val="lt1"/>
-          </a:fillRef>
-          <a:effectRef idx="0">
-            <a:schemeClr val="accent6"/>
-          </a:effectRef>
-          <a:fontRef idx="minor">
-            <a:schemeClr val="dk1"/>
-          </a:fontRef>
-        </p:style>
-        <p:txBody>
-          <a:bodyPr rtlCol="0" anchor="ctr"/>
-          <a:lstStyle/>
-          <a:p>
-            <a:pPr algn="ctr"/>
-            <a:r>
-              <a:rPr lang="nl-BE" dirty="0" smtClean="0"/>
-              <a:t>Write just enough code to make the test pass</a:t>
-            </a:r>
-            <a:endParaRPr lang="en-US" dirty="0"/>
-          </a:p>
-        </p:txBody>
-      </p:sp>
-      <p:sp>
-        <p:nvSpPr>
-          <p:cNvPr id="9" name="Rounded Rectangle 8"/>
-          <p:cNvSpPr/>
-          <p:nvPr/>
-        </p:nvSpPr>
-        <p:spPr>
-          <a:xfrm>
-            <a:off x="1214414" y="4500570"/>
-            <a:ext cx="2357454" cy="914400"/>
-          </a:xfrm>
-          <a:prstGeom prst="roundRect">
-            <a:avLst/>
-          </a:prstGeom>
-        </p:spPr>
-        <p:style>
-          <a:lnRef idx="2">
-            <a:schemeClr val="accent6"/>
-          </a:lnRef>
-          <a:fillRef idx="1">
-            <a:schemeClr val="lt1"/>
-          </a:fillRef>
-          <a:effectRef idx="0">
-            <a:schemeClr val="accent6"/>
-          </a:effectRef>
-          <a:fontRef idx="minor">
-            <a:schemeClr val="dk1"/>
-          </a:fontRef>
-        </p:style>
-        <p:txBody>
-          <a:bodyPr rtlCol="0" anchor="ctr"/>
-          <a:lstStyle/>
-          <a:p>
-            <a:pPr algn="ctr"/>
-            <a:r>
-              <a:rPr lang="nl-BE" dirty="0" smtClean="0"/>
-              <a:t>Need to refactor?</a:t>
-            </a:r>
-            <a:endParaRPr lang="en-US" dirty="0"/>
-          </a:p>
-        </p:txBody>
-      </p:sp>
-      <p:sp>
-        <p:nvSpPr>
-          <p:cNvPr id="10" name="Rounded Rectangle 9"/>
-          <p:cNvSpPr/>
-          <p:nvPr/>
-        </p:nvSpPr>
-        <p:spPr>
-          <a:xfrm>
-            <a:off x="5000628" y="4500570"/>
-            <a:ext cx="2357454" cy="914400"/>
-          </a:xfrm>
-          <a:prstGeom prst="roundRect">
-            <a:avLst/>
-          </a:prstGeom>
-        </p:spPr>
-        <p:style>
-          <a:lnRef idx="2">
-            <a:schemeClr val="accent6"/>
-          </a:lnRef>
-          <a:fillRef idx="1">
-            <a:schemeClr val="lt1"/>
-          </a:fillRef>
-          <a:effectRef idx="0">
-            <a:schemeClr val="accent6"/>
-          </a:effectRef>
-          <a:fontRef idx="minor">
-            <a:schemeClr val="dk1"/>
-          </a:fontRef>
-        </p:style>
-        <p:txBody>
-          <a:bodyPr rtlCol="0" anchor="ctr"/>
-          <a:lstStyle/>
-          <a:p>
-            <a:pPr algn="ctr"/>
-            <a:r>
-              <a:rPr lang="nl-BE" dirty="0" smtClean="0"/>
-              <a:t>Refactor the code</a:t>
-            </a:r>
-            <a:endParaRPr lang="en-US" dirty="0"/>
-          </a:p>
-        </p:txBody>
-      </p:sp>
-      <p:sp>
-        <p:nvSpPr>
-          <p:cNvPr id="11" name="Rounded Rectangle 10"/>
-          <p:cNvSpPr/>
-          <p:nvPr/>
-        </p:nvSpPr>
-        <p:spPr>
-          <a:xfrm>
-            <a:off x="1214414" y="785794"/>
-            <a:ext cx="2357454" cy="914400"/>
-          </a:xfrm>
-          <a:prstGeom prst="roundRect">
-            <a:avLst/>
-          </a:prstGeom>
-        </p:spPr>
-        <p:style>
-          <a:lnRef idx="2">
-            <a:schemeClr val="accent6"/>
-          </a:lnRef>
-          <a:fillRef idx="1">
-            <a:schemeClr val="lt1"/>
-          </a:fillRef>
-          <a:effectRef idx="0">
-            <a:schemeClr val="accent6"/>
-          </a:effectRef>
-          <a:fontRef idx="minor">
-            <a:schemeClr val="dk1"/>
-          </a:fontRef>
-        </p:style>
-        <p:txBody>
-          <a:bodyPr rtlCol="0" anchor="ctr"/>
-          <a:lstStyle/>
-          <a:p>
-            <a:pPr algn="ctr"/>
-            <a:r>
-              <a:rPr lang="nl-BE" dirty="0" smtClean="0"/>
-              <a:t>Select a new feature to implement</a:t>
-            </a:r>
           </a:p>
         </p:txBody>
       </p:sp>
@@ -26552,6 +26292,995 @@
           </a:fontRef>
         </p:style>
       </p:cxnSp>
+      <p:sp>
+        <p:nvSpPr>
+          <p:cNvPr id="20" name="TextBox 19"/>
+          <p:cNvSpPr txBox="1"/>
+          <p:nvPr/>
+        </p:nvSpPr>
+        <p:spPr>
+          <a:xfrm>
+            <a:off x="2468055" y="2928934"/>
+            <a:ext cx="675185" cy="369332"/>
+          </a:xfrm>
+          <a:prstGeom prst="rect">
+            <a:avLst/>
+          </a:prstGeom>
+          <a:noFill/>
+        </p:spPr>
+        <p:txBody>
+          <a:bodyPr wrap="none" rtlCol="0">
+            <a:spAutoFit/>
+          </a:bodyPr>
+          <a:lstStyle/>
+          <a:p>
+            <a:r>
+              <a:rPr lang="nl-BE" b="1" cap="all" dirty="0" smtClean="0">
+                <a:ln w="9000" cmpd="sng">
+                  <a:solidFill>
+                    <a:schemeClr val="accent4">
+                      <a:shade val="50000"/>
+                      <a:satMod val="120000"/>
+                    </a:schemeClr>
+                  </a:solidFill>
+                  <a:prstDash val="solid"/>
+                </a:ln>
+                <a:gradFill>
+                  <a:gsLst>
+                    <a:gs pos="0">
+                      <a:schemeClr val="accent4">
+                        <a:shade val="20000"/>
+                        <a:satMod val="245000"/>
+                      </a:schemeClr>
+                    </a:gs>
+                    <a:gs pos="43000">
+                      <a:schemeClr val="accent4">
+                        <a:satMod val="255000"/>
+                      </a:schemeClr>
+                    </a:gs>
+                    <a:gs pos="48000">
+                      <a:schemeClr val="accent4">
+                        <a:shade val="85000"/>
+                        <a:satMod val="255000"/>
+                      </a:schemeClr>
+                    </a:gs>
+                    <a:gs pos="100000">
+                      <a:schemeClr val="accent4">
+                        <a:shade val="20000"/>
+                        <a:satMod val="245000"/>
+                      </a:schemeClr>
+                    </a:gs>
+                  </a:gsLst>
+                  <a:lin ang="5400000"/>
+                </a:gradFill>
+                <a:effectLst>
+                  <a:reflection blurRad="12700" stA="28000" endPos="45000" dist="1000" dir="5400000" sy="-100000" algn="bl" rotWithShape="0"/>
+                </a:effectLst>
+              </a:rPr>
+              <a:t>YES</a:t>
+            </a:r>
+            <a:endParaRPr lang="en-US" b="1" cap="all" dirty="0">
+              <a:ln w="9000" cmpd="sng">
+                <a:solidFill>
+                  <a:schemeClr val="accent4">
+                    <a:shade val="50000"/>
+                    <a:satMod val="120000"/>
+                  </a:schemeClr>
+                </a:solidFill>
+                <a:prstDash val="solid"/>
+              </a:ln>
+              <a:gradFill>
+                <a:gsLst>
+                  <a:gs pos="0">
+                    <a:schemeClr val="accent4">
+                      <a:shade val="20000"/>
+                      <a:satMod val="245000"/>
+                    </a:schemeClr>
+                  </a:gs>
+                  <a:gs pos="43000">
+                    <a:schemeClr val="accent4">
+                      <a:satMod val="255000"/>
+                    </a:schemeClr>
+                  </a:gs>
+                  <a:gs pos="48000">
+                    <a:schemeClr val="accent4">
+                      <a:shade val="85000"/>
+                      <a:satMod val="255000"/>
+                    </a:schemeClr>
+                  </a:gs>
+                  <a:gs pos="100000">
+                    <a:schemeClr val="accent4">
+                      <a:shade val="20000"/>
+                      <a:satMod val="245000"/>
+                    </a:schemeClr>
+                  </a:gs>
+                </a:gsLst>
+                <a:lin ang="5400000"/>
+              </a:gradFill>
+              <a:effectLst>
+                <a:reflection blurRad="12700" stA="28000" endPos="45000" dist="1000" dir="5400000" sy="-100000" algn="bl" rotWithShape="0"/>
+              </a:effectLst>
+            </a:endParaRPr>
+          </a:p>
+        </p:txBody>
+      </p:sp>
+      <p:sp>
+        <p:nvSpPr>
+          <p:cNvPr id="21" name="TextBox 20"/>
+          <p:cNvSpPr txBox="1"/>
+          <p:nvPr/>
+        </p:nvSpPr>
+        <p:spPr>
+          <a:xfrm>
+            <a:off x="3571868" y="3214686"/>
+            <a:ext cx="575799" cy="369332"/>
+          </a:xfrm>
+          <a:prstGeom prst="rect">
+            <a:avLst/>
+          </a:prstGeom>
+          <a:noFill/>
+        </p:spPr>
+        <p:txBody>
+          <a:bodyPr wrap="none" rtlCol="0">
+            <a:spAutoFit/>
+          </a:bodyPr>
+          <a:lstStyle/>
+          <a:p>
+            <a:r>
+              <a:rPr lang="nl-BE" b="1" dirty="0" smtClean="0">
+                <a:ln w="10541" cmpd="sng">
+                  <a:solidFill>
+                    <a:schemeClr val="accent1">
+                      <a:shade val="88000"/>
+                      <a:satMod val="110000"/>
+                    </a:schemeClr>
+                  </a:solidFill>
+                  <a:prstDash val="solid"/>
+                </a:ln>
+                <a:gradFill>
+                  <a:gsLst>
+                    <a:gs pos="0">
+                      <a:schemeClr val="accent1">
+                        <a:tint val="40000"/>
+                        <a:satMod val="250000"/>
+                      </a:schemeClr>
+                    </a:gs>
+                    <a:gs pos="9000">
+                      <a:schemeClr val="accent1">
+                        <a:tint val="52000"/>
+                        <a:satMod val="300000"/>
+                      </a:schemeClr>
+                    </a:gs>
+                    <a:gs pos="50000">
+                      <a:schemeClr val="accent1">
+                        <a:shade val="20000"/>
+                        <a:satMod val="300000"/>
+                      </a:schemeClr>
+                    </a:gs>
+                    <a:gs pos="79000">
+                      <a:schemeClr val="accent1">
+                        <a:tint val="52000"/>
+                        <a:satMod val="300000"/>
+                      </a:schemeClr>
+                    </a:gs>
+                    <a:gs pos="100000">
+                      <a:schemeClr val="accent1">
+                        <a:tint val="40000"/>
+                        <a:satMod val="250000"/>
+                      </a:schemeClr>
+                    </a:gs>
+                  </a:gsLst>
+                  <a:lin ang="5400000"/>
+                </a:gradFill>
+              </a:rPr>
+              <a:t>NO</a:t>
+            </a:r>
+            <a:endParaRPr lang="en-US" b="1" dirty="0">
+              <a:ln w="10541" cmpd="sng">
+                <a:solidFill>
+                  <a:schemeClr val="accent1">
+                    <a:shade val="88000"/>
+                    <a:satMod val="110000"/>
+                  </a:schemeClr>
+                </a:solidFill>
+                <a:prstDash val="solid"/>
+              </a:ln>
+              <a:gradFill>
+                <a:gsLst>
+                  <a:gs pos="0">
+                    <a:schemeClr val="accent1">
+                      <a:tint val="40000"/>
+                      <a:satMod val="250000"/>
+                    </a:schemeClr>
+                  </a:gs>
+                  <a:gs pos="9000">
+                    <a:schemeClr val="accent1">
+                      <a:tint val="52000"/>
+                      <a:satMod val="300000"/>
+                    </a:schemeClr>
+                  </a:gs>
+                  <a:gs pos="50000">
+                    <a:schemeClr val="accent1">
+                      <a:shade val="20000"/>
+                      <a:satMod val="300000"/>
+                    </a:schemeClr>
+                  </a:gs>
+                  <a:gs pos="79000">
+                    <a:schemeClr val="accent1">
+                      <a:tint val="52000"/>
+                      <a:satMod val="300000"/>
+                    </a:schemeClr>
+                  </a:gs>
+                  <a:gs pos="100000">
+                    <a:schemeClr val="accent1">
+                      <a:tint val="40000"/>
+                      <a:satMod val="250000"/>
+                    </a:schemeClr>
+                  </a:gs>
+                </a:gsLst>
+                <a:lin ang="5400000"/>
+              </a:gradFill>
+            </a:endParaRPr>
+          </a:p>
+        </p:txBody>
+      </p:sp>
+      <p:sp>
+        <p:nvSpPr>
+          <p:cNvPr id="22" name="TextBox 21"/>
+          <p:cNvSpPr txBox="1"/>
+          <p:nvPr/>
+        </p:nvSpPr>
+        <p:spPr>
+          <a:xfrm>
+            <a:off x="710053" y="4643446"/>
+            <a:ext cx="575799" cy="369332"/>
+          </a:xfrm>
+          <a:prstGeom prst="rect">
+            <a:avLst/>
+          </a:prstGeom>
+          <a:noFill/>
+        </p:spPr>
+        <p:txBody>
+          <a:bodyPr wrap="none" rtlCol="0">
+            <a:spAutoFit/>
+          </a:bodyPr>
+          <a:lstStyle/>
+          <a:p>
+            <a:r>
+              <a:rPr lang="nl-BE" b="1" dirty="0" smtClean="0">
+                <a:ln w="10541" cmpd="sng">
+                  <a:solidFill>
+                    <a:schemeClr val="accent1">
+                      <a:shade val="88000"/>
+                      <a:satMod val="110000"/>
+                    </a:schemeClr>
+                  </a:solidFill>
+                  <a:prstDash val="solid"/>
+                </a:ln>
+                <a:gradFill>
+                  <a:gsLst>
+                    <a:gs pos="0">
+                      <a:schemeClr val="accent1">
+                        <a:tint val="40000"/>
+                        <a:satMod val="250000"/>
+                      </a:schemeClr>
+                    </a:gs>
+                    <a:gs pos="9000">
+                      <a:schemeClr val="accent1">
+                        <a:tint val="52000"/>
+                        <a:satMod val="300000"/>
+                      </a:schemeClr>
+                    </a:gs>
+                    <a:gs pos="50000">
+                      <a:schemeClr val="accent1">
+                        <a:shade val="20000"/>
+                        <a:satMod val="300000"/>
+                      </a:schemeClr>
+                    </a:gs>
+                    <a:gs pos="79000">
+                      <a:schemeClr val="accent1">
+                        <a:tint val="52000"/>
+                        <a:satMod val="300000"/>
+                      </a:schemeClr>
+                    </a:gs>
+                    <a:gs pos="100000">
+                      <a:schemeClr val="accent1">
+                        <a:tint val="40000"/>
+                        <a:satMod val="250000"/>
+                      </a:schemeClr>
+                    </a:gs>
+                  </a:gsLst>
+                  <a:lin ang="5400000"/>
+                </a:gradFill>
+              </a:rPr>
+              <a:t>NO</a:t>
+            </a:r>
+            <a:endParaRPr lang="en-US" b="1" dirty="0">
+              <a:ln w="10541" cmpd="sng">
+                <a:solidFill>
+                  <a:schemeClr val="accent1">
+                    <a:shade val="88000"/>
+                    <a:satMod val="110000"/>
+                  </a:schemeClr>
+                </a:solidFill>
+                <a:prstDash val="solid"/>
+              </a:ln>
+              <a:gradFill>
+                <a:gsLst>
+                  <a:gs pos="0">
+                    <a:schemeClr val="accent1">
+                      <a:tint val="40000"/>
+                      <a:satMod val="250000"/>
+                    </a:schemeClr>
+                  </a:gs>
+                  <a:gs pos="9000">
+                    <a:schemeClr val="accent1">
+                      <a:tint val="52000"/>
+                      <a:satMod val="300000"/>
+                    </a:schemeClr>
+                  </a:gs>
+                  <a:gs pos="50000">
+                    <a:schemeClr val="accent1">
+                      <a:shade val="20000"/>
+                      <a:satMod val="300000"/>
+                    </a:schemeClr>
+                  </a:gs>
+                  <a:gs pos="79000">
+                    <a:schemeClr val="accent1">
+                      <a:tint val="52000"/>
+                      <a:satMod val="300000"/>
+                    </a:schemeClr>
+                  </a:gs>
+                  <a:gs pos="100000">
+                    <a:schemeClr val="accent1">
+                      <a:tint val="40000"/>
+                      <a:satMod val="250000"/>
+                    </a:schemeClr>
+                  </a:gs>
+                </a:gsLst>
+                <a:lin ang="5400000"/>
+              </a:gradFill>
+            </a:endParaRPr>
+          </a:p>
+        </p:txBody>
+      </p:sp>
+      <p:sp>
+        <p:nvSpPr>
+          <p:cNvPr id="32" name="TextBox 31"/>
+          <p:cNvSpPr txBox="1"/>
+          <p:nvPr/>
+        </p:nvSpPr>
+        <p:spPr>
+          <a:xfrm>
+            <a:off x="3571868" y="2000240"/>
+            <a:ext cx="575799" cy="369332"/>
+          </a:xfrm>
+          <a:prstGeom prst="rect">
+            <a:avLst/>
+          </a:prstGeom>
+          <a:noFill/>
+        </p:spPr>
+        <p:txBody>
+          <a:bodyPr wrap="none" rtlCol="0">
+            <a:spAutoFit/>
+          </a:bodyPr>
+          <a:lstStyle/>
+          <a:p>
+            <a:r>
+              <a:rPr lang="nl-BE" b="1" dirty="0" smtClean="0">
+                <a:ln w="10541" cmpd="sng">
+                  <a:solidFill>
+                    <a:schemeClr val="accent1">
+                      <a:shade val="88000"/>
+                      <a:satMod val="110000"/>
+                    </a:schemeClr>
+                  </a:solidFill>
+                  <a:prstDash val="solid"/>
+                </a:ln>
+                <a:gradFill>
+                  <a:gsLst>
+                    <a:gs pos="0">
+                      <a:schemeClr val="accent1">
+                        <a:tint val="40000"/>
+                        <a:satMod val="250000"/>
+                      </a:schemeClr>
+                    </a:gs>
+                    <a:gs pos="9000">
+                      <a:schemeClr val="accent1">
+                        <a:tint val="52000"/>
+                        <a:satMod val="300000"/>
+                      </a:schemeClr>
+                    </a:gs>
+                    <a:gs pos="50000">
+                      <a:schemeClr val="accent1">
+                        <a:shade val="20000"/>
+                        <a:satMod val="300000"/>
+                      </a:schemeClr>
+                    </a:gs>
+                    <a:gs pos="79000">
+                      <a:schemeClr val="accent1">
+                        <a:tint val="52000"/>
+                        <a:satMod val="300000"/>
+                      </a:schemeClr>
+                    </a:gs>
+                    <a:gs pos="100000">
+                      <a:schemeClr val="accent1">
+                        <a:tint val="40000"/>
+                        <a:satMod val="250000"/>
+                      </a:schemeClr>
+                    </a:gs>
+                  </a:gsLst>
+                  <a:lin ang="5400000"/>
+                </a:gradFill>
+              </a:rPr>
+              <a:t>NO</a:t>
+            </a:r>
+            <a:endParaRPr lang="en-US" b="1" dirty="0">
+              <a:ln w="10541" cmpd="sng">
+                <a:solidFill>
+                  <a:schemeClr val="accent1">
+                    <a:shade val="88000"/>
+                    <a:satMod val="110000"/>
+                  </a:schemeClr>
+                </a:solidFill>
+                <a:prstDash val="solid"/>
+              </a:ln>
+              <a:gradFill>
+                <a:gsLst>
+                  <a:gs pos="0">
+                    <a:schemeClr val="accent1">
+                      <a:tint val="40000"/>
+                      <a:satMod val="250000"/>
+                    </a:schemeClr>
+                  </a:gs>
+                  <a:gs pos="9000">
+                    <a:schemeClr val="accent1">
+                      <a:tint val="52000"/>
+                      <a:satMod val="300000"/>
+                    </a:schemeClr>
+                  </a:gs>
+                  <a:gs pos="50000">
+                    <a:schemeClr val="accent1">
+                      <a:shade val="20000"/>
+                      <a:satMod val="300000"/>
+                    </a:schemeClr>
+                  </a:gs>
+                  <a:gs pos="79000">
+                    <a:schemeClr val="accent1">
+                      <a:tint val="52000"/>
+                      <a:satMod val="300000"/>
+                    </a:schemeClr>
+                  </a:gs>
+                  <a:gs pos="100000">
+                    <a:schemeClr val="accent1">
+                      <a:tint val="40000"/>
+                      <a:satMod val="250000"/>
+                    </a:schemeClr>
+                  </a:gs>
+                </a:gsLst>
+                <a:lin ang="5400000"/>
+              </a:gradFill>
+            </a:endParaRPr>
+          </a:p>
+        </p:txBody>
+      </p:sp>
+      <p:sp>
+        <p:nvSpPr>
+          <p:cNvPr id="33" name="TextBox 32"/>
+          <p:cNvSpPr txBox="1"/>
+          <p:nvPr/>
+        </p:nvSpPr>
+        <p:spPr>
+          <a:xfrm>
+            <a:off x="2428860" y="4143380"/>
+            <a:ext cx="675185" cy="369332"/>
+          </a:xfrm>
+          <a:prstGeom prst="rect">
+            <a:avLst/>
+          </a:prstGeom>
+          <a:noFill/>
+        </p:spPr>
+        <p:txBody>
+          <a:bodyPr wrap="none" rtlCol="0">
+            <a:spAutoFit/>
+          </a:bodyPr>
+          <a:lstStyle/>
+          <a:p>
+            <a:r>
+              <a:rPr lang="nl-BE" b="1" cap="all" dirty="0" smtClean="0">
+                <a:ln w="9000" cmpd="sng">
+                  <a:solidFill>
+                    <a:schemeClr val="accent4">
+                      <a:shade val="50000"/>
+                      <a:satMod val="120000"/>
+                    </a:schemeClr>
+                  </a:solidFill>
+                  <a:prstDash val="solid"/>
+                </a:ln>
+                <a:gradFill>
+                  <a:gsLst>
+                    <a:gs pos="0">
+                      <a:schemeClr val="accent4">
+                        <a:shade val="20000"/>
+                        <a:satMod val="245000"/>
+                      </a:schemeClr>
+                    </a:gs>
+                    <a:gs pos="43000">
+                      <a:schemeClr val="accent4">
+                        <a:satMod val="255000"/>
+                      </a:schemeClr>
+                    </a:gs>
+                    <a:gs pos="48000">
+                      <a:schemeClr val="accent4">
+                        <a:shade val="85000"/>
+                        <a:satMod val="255000"/>
+                      </a:schemeClr>
+                    </a:gs>
+                    <a:gs pos="100000">
+                      <a:schemeClr val="accent4">
+                        <a:shade val="20000"/>
+                        <a:satMod val="245000"/>
+                      </a:schemeClr>
+                    </a:gs>
+                  </a:gsLst>
+                  <a:lin ang="5400000"/>
+                </a:gradFill>
+                <a:effectLst>
+                  <a:reflection blurRad="12700" stA="28000" endPos="45000" dist="1000" dir="5400000" sy="-100000" algn="bl" rotWithShape="0"/>
+                </a:effectLst>
+              </a:rPr>
+              <a:t>YES</a:t>
+            </a:r>
+            <a:endParaRPr lang="en-US" b="1" cap="all" dirty="0">
+              <a:ln w="9000" cmpd="sng">
+                <a:solidFill>
+                  <a:schemeClr val="accent4">
+                    <a:shade val="50000"/>
+                    <a:satMod val="120000"/>
+                  </a:schemeClr>
+                </a:solidFill>
+                <a:prstDash val="solid"/>
+              </a:ln>
+              <a:gradFill>
+                <a:gsLst>
+                  <a:gs pos="0">
+                    <a:schemeClr val="accent4">
+                      <a:shade val="20000"/>
+                      <a:satMod val="245000"/>
+                    </a:schemeClr>
+                  </a:gs>
+                  <a:gs pos="43000">
+                    <a:schemeClr val="accent4">
+                      <a:satMod val="255000"/>
+                    </a:schemeClr>
+                  </a:gs>
+                  <a:gs pos="48000">
+                    <a:schemeClr val="accent4">
+                      <a:shade val="85000"/>
+                      <a:satMod val="255000"/>
+                    </a:schemeClr>
+                  </a:gs>
+                  <a:gs pos="100000">
+                    <a:schemeClr val="accent4">
+                      <a:shade val="20000"/>
+                      <a:satMod val="245000"/>
+                    </a:schemeClr>
+                  </a:gs>
+                </a:gsLst>
+                <a:lin ang="5400000"/>
+              </a:gradFill>
+              <a:effectLst>
+                <a:reflection blurRad="12700" stA="28000" endPos="45000" dist="1000" dir="5400000" sy="-100000" algn="bl" rotWithShape="0"/>
+              </a:effectLst>
+            </a:endParaRPr>
+          </a:p>
+        </p:txBody>
+      </p:sp>
+      <p:sp>
+        <p:nvSpPr>
+          <p:cNvPr id="34" name="TextBox 33"/>
+          <p:cNvSpPr txBox="1"/>
+          <p:nvPr/>
+        </p:nvSpPr>
+        <p:spPr>
+          <a:xfrm>
+            <a:off x="3500430" y="4631304"/>
+            <a:ext cx="675185" cy="369332"/>
+          </a:xfrm>
+          <a:prstGeom prst="rect">
+            <a:avLst/>
+          </a:prstGeom>
+          <a:noFill/>
+        </p:spPr>
+        <p:txBody>
+          <a:bodyPr wrap="none" rtlCol="0">
+            <a:spAutoFit/>
+          </a:bodyPr>
+          <a:lstStyle/>
+          <a:p>
+            <a:r>
+              <a:rPr lang="nl-BE" b="1" cap="all" dirty="0" smtClean="0">
+                <a:ln w="9000" cmpd="sng">
+                  <a:solidFill>
+                    <a:schemeClr val="accent4">
+                      <a:shade val="50000"/>
+                      <a:satMod val="120000"/>
+                    </a:schemeClr>
+                  </a:solidFill>
+                  <a:prstDash val="solid"/>
+                </a:ln>
+                <a:gradFill>
+                  <a:gsLst>
+                    <a:gs pos="0">
+                      <a:schemeClr val="accent4">
+                        <a:shade val="20000"/>
+                        <a:satMod val="245000"/>
+                      </a:schemeClr>
+                    </a:gs>
+                    <a:gs pos="43000">
+                      <a:schemeClr val="accent4">
+                        <a:satMod val="255000"/>
+                      </a:schemeClr>
+                    </a:gs>
+                    <a:gs pos="48000">
+                      <a:schemeClr val="accent4">
+                        <a:shade val="85000"/>
+                        <a:satMod val="255000"/>
+                      </a:schemeClr>
+                    </a:gs>
+                    <a:gs pos="100000">
+                      <a:schemeClr val="accent4">
+                        <a:shade val="20000"/>
+                        <a:satMod val="245000"/>
+                      </a:schemeClr>
+                    </a:gs>
+                  </a:gsLst>
+                  <a:lin ang="5400000"/>
+                </a:gradFill>
+                <a:effectLst>
+                  <a:reflection blurRad="12700" stA="28000" endPos="45000" dist="1000" dir="5400000" sy="-100000" algn="bl" rotWithShape="0"/>
+                </a:effectLst>
+              </a:rPr>
+              <a:t>YES</a:t>
+            </a:r>
+            <a:endParaRPr lang="en-US" b="1" cap="all" dirty="0">
+              <a:ln w="9000" cmpd="sng">
+                <a:solidFill>
+                  <a:schemeClr val="accent4">
+                    <a:shade val="50000"/>
+                    <a:satMod val="120000"/>
+                  </a:schemeClr>
+                </a:solidFill>
+                <a:prstDash val="solid"/>
+              </a:ln>
+              <a:gradFill>
+                <a:gsLst>
+                  <a:gs pos="0">
+                    <a:schemeClr val="accent4">
+                      <a:shade val="20000"/>
+                      <a:satMod val="245000"/>
+                    </a:schemeClr>
+                  </a:gs>
+                  <a:gs pos="43000">
+                    <a:schemeClr val="accent4">
+                      <a:satMod val="255000"/>
+                    </a:schemeClr>
+                  </a:gs>
+                  <a:gs pos="48000">
+                    <a:schemeClr val="accent4">
+                      <a:shade val="85000"/>
+                      <a:satMod val="255000"/>
+                    </a:schemeClr>
+                  </a:gs>
+                  <a:gs pos="100000">
+                    <a:schemeClr val="accent4">
+                      <a:shade val="20000"/>
+                      <a:satMod val="245000"/>
+                    </a:schemeClr>
+                  </a:gs>
+                </a:gsLst>
+                <a:lin ang="5400000"/>
+              </a:gradFill>
+              <a:effectLst>
+                <a:reflection blurRad="12700" stA="28000" endPos="45000" dist="1000" dir="5400000" sy="-100000" algn="bl" rotWithShape="0"/>
+              </a:effectLst>
+            </a:endParaRPr>
+          </a:p>
+        </p:txBody>
+      </p:sp>
+      <p:sp>
+        <p:nvSpPr>
+          <p:cNvPr id="5" name="Rounded Rectangle 4"/>
+          <p:cNvSpPr/>
+          <p:nvPr/>
+        </p:nvSpPr>
+        <p:spPr>
+          <a:xfrm>
+            <a:off x="1214414" y="2071678"/>
+            <a:ext cx="2357454" cy="914400"/>
+          </a:xfrm>
+          <a:prstGeom prst="roundRect">
+            <a:avLst/>
+          </a:prstGeom>
+        </p:spPr>
+        <p:style>
+          <a:lnRef idx="2">
+            <a:schemeClr val="accent6"/>
+          </a:lnRef>
+          <a:fillRef idx="1">
+            <a:schemeClr val="lt1"/>
+          </a:fillRef>
+          <a:effectRef idx="0">
+            <a:schemeClr val="accent6"/>
+          </a:effectRef>
+          <a:fontRef idx="minor">
+            <a:schemeClr val="dk1"/>
+          </a:fontRef>
+        </p:style>
+        <p:txBody>
+          <a:bodyPr rtlCol="0" anchor="ctr"/>
+          <a:lstStyle/>
+          <a:p>
+            <a:pPr algn="ctr"/>
+            <a:r>
+              <a:rPr lang="nl-BE" dirty="0" smtClean="0"/>
+              <a:t>Do we have a test for that?</a:t>
+            </a:r>
+            <a:endParaRPr lang="en-US" dirty="0"/>
+          </a:p>
+        </p:txBody>
+      </p:sp>
+      <p:sp>
+        <p:nvSpPr>
+          <p:cNvPr id="6" name="Rounded Rectangle 5"/>
+          <p:cNvSpPr/>
+          <p:nvPr/>
+        </p:nvSpPr>
+        <p:spPr>
+          <a:xfrm>
+            <a:off x="5000628" y="2071678"/>
+            <a:ext cx="2357454" cy="914400"/>
+          </a:xfrm>
+          <a:prstGeom prst="roundRect">
+            <a:avLst/>
+          </a:prstGeom>
+        </p:spPr>
+        <p:style>
+          <a:lnRef idx="2">
+            <a:schemeClr val="accent6"/>
+          </a:lnRef>
+          <a:fillRef idx="1">
+            <a:schemeClr val="lt1"/>
+          </a:fillRef>
+          <a:effectRef idx="0">
+            <a:schemeClr val="accent6"/>
+          </a:effectRef>
+          <a:fontRef idx="minor">
+            <a:schemeClr val="dk1"/>
+          </a:fontRef>
+        </p:style>
+        <p:txBody>
+          <a:bodyPr rtlCol="0" anchor="ctr"/>
+          <a:lstStyle/>
+          <a:p>
+            <a:pPr algn="ctr"/>
+            <a:r>
+              <a:rPr lang="nl-BE" dirty="0" smtClean="0"/>
+              <a:t>Write a test</a:t>
+            </a:r>
+            <a:endParaRPr lang="en-US" dirty="0"/>
+          </a:p>
+        </p:txBody>
+      </p:sp>
+      <p:sp>
+        <p:nvSpPr>
+          <p:cNvPr id="7" name="Rounded Rectangle 6"/>
+          <p:cNvSpPr/>
+          <p:nvPr/>
+        </p:nvSpPr>
+        <p:spPr>
+          <a:xfrm>
+            <a:off x="1214414" y="3286124"/>
+            <a:ext cx="2357454" cy="914400"/>
+          </a:xfrm>
+          <a:prstGeom prst="roundRect">
+            <a:avLst/>
+          </a:prstGeom>
+        </p:spPr>
+        <p:style>
+          <a:lnRef idx="2">
+            <a:schemeClr val="accent6"/>
+          </a:lnRef>
+          <a:fillRef idx="1">
+            <a:schemeClr val="lt1"/>
+          </a:fillRef>
+          <a:effectRef idx="0">
+            <a:schemeClr val="accent6"/>
+          </a:effectRef>
+          <a:fontRef idx="minor">
+            <a:schemeClr val="dk1"/>
+          </a:fontRef>
+        </p:style>
+        <p:txBody>
+          <a:bodyPr rtlCol="0" anchor="ctr"/>
+          <a:lstStyle/>
+          <a:p>
+            <a:pPr algn="ctr"/>
+            <a:r>
+              <a:rPr lang="nl-BE" dirty="0" smtClean="0"/>
+              <a:t>Does the test pass?</a:t>
+            </a:r>
+            <a:endParaRPr lang="en-US" dirty="0"/>
+          </a:p>
+        </p:txBody>
+      </p:sp>
+      <p:sp>
+        <p:nvSpPr>
+          <p:cNvPr id="8" name="Rounded Rectangle 7"/>
+          <p:cNvSpPr/>
+          <p:nvPr/>
+        </p:nvSpPr>
+        <p:spPr>
+          <a:xfrm>
+            <a:off x="5000628" y="3286124"/>
+            <a:ext cx="2357454" cy="914400"/>
+          </a:xfrm>
+          <a:prstGeom prst="roundRect">
+            <a:avLst/>
+          </a:prstGeom>
+        </p:spPr>
+        <p:style>
+          <a:lnRef idx="2">
+            <a:schemeClr val="accent6"/>
+          </a:lnRef>
+          <a:fillRef idx="1">
+            <a:schemeClr val="lt1"/>
+          </a:fillRef>
+          <a:effectRef idx="0">
+            <a:schemeClr val="accent6"/>
+          </a:effectRef>
+          <a:fontRef idx="minor">
+            <a:schemeClr val="dk1"/>
+          </a:fontRef>
+        </p:style>
+        <p:txBody>
+          <a:bodyPr rtlCol="0" anchor="ctr"/>
+          <a:lstStyle/>
+          <a:p>
+            <a:pPr algn="ctr"/>
+            <a:r>
+              <a:rPr lang="nl-BE" dirty="0" smtClean="0"/>
+              <a:t>Write just enough code to make the test pass</a:t>
+            </a:r>
+            <a:endParaRPr lang="en-US" dirty="0"/>
+          </a:p>
+        </p:txBody>
+      </p:sp>
+      <p:sp>
+        <p:nvSpPr>
+          <p:cNvPr id="9" name="Rounded Rectangle 8"/>
+          <p:cNvSpPr/>
+          <p:nvPr/>
+        </p:nvSpPr>
+        <p:spPr>
+          <a:xfrm>
+            <a:off x="1214414" y="4500570"/>
+            <a:ext cx="2357454" cy="914400"/>
+          </a:xfrm>
+          <a:prstGeom prst="roundRect">
+            <a:avLst/>
+          </a:prstGeom>
+        </p:spPr>
+        <p:style>
+          <a:lnRef idx="2">
+            <a:schemeClr val="accent6"/>
+          </a:lnRef>
+          <a:fillRef idx="1">
+            <a:schemeClr val="lt1"/>
+          </a:fillRef>
+          <a:effectRef idx="0">
+            <a:schemeClr val="accent6"/>
+          </a:effectRef>
+          <a:fontRef idx="minor">
+            <a:schemeClr val="dk1"/>
+          </a:fontRef>
+        </p:style>
+        <p:txBody>
+          <a:bodyPr rtlCol="0" anchor="ctr"/>
+          <a:lstStyle/>
+          <a:p>
+            <a:pPr algn="ctr"/>
+            <a:r>
+              <a:rPr lang="nl-BE" dirty="0" smtClean="0"/>
+              <a:t>Need to refactor?</a:t>
+            </a:r>
+            <a:endParaRPr lang="en-US" dirty="0"/>
+          </a:p>
+        </p:txBody>
+      </p:sp>
+      <p:sp>
+        <p:nvSpPr>
+          <p:cNvPr id="10" name="Rounded Rectangle 9"/>
+          <p:cNvSpPr/>
+          <p:nvPr/>
+        </p:nvSpPr>
+        <p:spPr>
+          <a:xfrm>
+            <a:off x="5000628" y="4500570"/>
+            <a:ext cx="2357454" cy="914400"/>
+          </a:xfrm>
+          <a:prstGeom prst="roundRect">
+            <a:avLst/>
+          </a:prstGeom>
+        </p:spPr>
+        <p:style>
+          <a:lnRef idx="2">
+            <a:schemeClr val="accent6"/>
+          </a:lnRef>
+          <a:fillRef idx="1">
+            <a:schemeClr val="lt1"/>
+          </a:fillRef>
+          <a:effectRef idx="0">
+            <a:schemeClr val="accent6"/>
+          </a:effectRef>
+          <a:fontRef idx="minor">
+            <a:schemeClr val="dk1"/>
+          </a:fontRef>
+        </p:style>
+        <p:txBody>
+          <a:bodyPr rtlCol="0" anchor="ctr"/>
+          <a:lstStyle/>
+          <a:p>
+            <a:pPr algn="ctr"/>
+            <a:r>
+              <a:rPr lang="nl-BE" dirty="0" smtClean="0"/>
+              <a:t>Refactor the code</a:t>
+            </a:r>
+            <a:endParaRPr lang="en-US" dirty="0"/>
+          </a:p>
+        </p:txBody>
+      </p:sp>
+      <p:sp>
+        <p:nvSpPr>
+          <p:cNvPr id="11" name="Rounded Rectangle 10"/>
+          <p:cNvSpPr/>
+          <p:nvPr/>
+        </p:nvSpPr>
+        <p:spPr>
+          <a:xfrm>
+            <a:off x="1214414" y="785794"/>
+            <a:ext cx="2357454" cy="914400"/>
+          </a:xfrm>
+          <a:prstGeom prst="roundRect">
+            <a:avLst/>
+          </a:prstGeom>
+        </p:spPr>
+        <p:style>
+          <a:lnRef idx="2">
+            <a:schemeClr val="accent6"/>
+          </a:lnRef>
+          <a:fillRef idx="1">
+            <a:schemeClr val="lt1"/>
+          </a:fillRef>
+          <a:effectRef idx="0">
+            <a:schemeClr val="accent6"/>
+          </a:effectRef>
+          <a:fontRef idx="minor">
+            <a:schemeClr val="dk1"/>
+          </a:fontRef>
+        </p:style>
+        <p:txBody>
+          <a:bodyPr rtlCol="0" anchor="ctr"/>
+          <a:lstStyle/>
+          <a:p>
+            <a:pPr algn="ctr"/>
+            <a:r>
+              <a:rPr lang="nl-BE" dirty="0" smtClean="0"/>
+              <a:t>Select a new feature to implement</a:t>
+            </a:r>
+          </a:p>
+        </p:txBody>
+      </p:sp>
     </p:spTree>
   </p:cSld>
   <p:clrMapOvr>
@@ -26560,9 +27289,1077 @@
   <p:timing>
     <p:tnLst>
       <p:par>
-        <p:cTn id="1" dur="indefinite" restart="never" nodeType="tmRoot"/>
+        <p:cTn id="1" dur="indefinite" restart="never" nodeType="tmRoot">
+          <p:childTnLst>
+            <p:seq concurrent="1" nextAc="seek">
+              <p:cTn id="2" dur="indefinite" nodeType="mainSeq">
+                <p:childTnLst>
+                  <p:par>
+                    <p:cTn id="3" fill="hold">
+                      <p:stCondLst>
+                        <p:cond delay="indefinite"/>
+                      </p:stCondLst>
+                      <p:childTnLst>
+                        <p:par>
+                          <p:cTn id="4" fill="hold">
+                            <p:stCondLst>
+                              <p:cond delay="0"/>
+                            </p:stCondLst>
+                            <p:childTnLst>
+                              <p:par>
+                                <p:cTn id="5" presetID="10" presetClass="entr" presetSubtype="0" fill="hold" nodeType="clickEffect">
+                                  <p:stCondLst>
+                                    <p:cond delay="0"/>
+                                  </p:stCondLst>
+                                  <p:childTnLst>
+                                    <p:set>
+                                      <p:cBhvr>
+                                        <p:cTn id="6" dur="1" fill="hold">
+                                          <p:stCondLst>
+                                            <p:cond delay="0"/>
+                                          </p:stCondLst>
+                                        </p:cTn>
+                                        <p:tgtEl>
+                                          <p:spTgt spid="13"/>
+                                        </p:tgtEl>
+                                        <p:attrNameLst>
+                                          <p:attrName>style.visibility</p:attrName>
+                                        </p:attrNameLst>
+                                      </p:cBhvr>
+                                      <p:to>
+                                        <p:strVal val="visible"/>
+                                      </p:to>
+                                    </p:set>
+                                    <p:animEffect transition="in" filter="fade">
+                                      <p:cBhvr>
+                                        <p:cTn id="7" dur="500"/>
+                                        <p:tgtEl>
+                                          <p:spTgt spid="13"/>
+                                        </p:tgtEl>
+                                      </p:cBhvr>
+                                    </p:animEffect>
+                                  </p:childTnLst>
+                                </p:cTn>
+                              </p:par>
+                            </p:childTnLst>
+                          </p:cTn>
+                        </p:par>
+                        <p:par>
+                          <p:cTn id="8" fill="hold">
+                            <p:stCondLst>
+                              <p:cond delay="500"/>
+                            </p:stCondLst>
+                            <p:childTnLst>
+                              <p:par>
+                                <p:cTn id="9" presetID="10" presetClass="entr" presetSubtype="0" fill="hold" grpId="0" nodeType="afterEffect">
+                                  <p:stCondLst>
+                                    <p:cond delay="0"/>
+                                  </p:stCondLst>
+                                  <p:childTnLst>
+                                    <p:set>
+                                      <p:cBhvr>
+                                        <p:cTn id="10" dur="1" fill="hold">
+                                          <p:stCondLst>
+                                            <p:cond delay="0"/>
+                                          </p:stCondLst>
+                                        </p:cTn>
+                                        <p:tgtEl>
+                                          <p:spTgt spid="5"/>
+                                        </p:tgtEl>
+                                        <p:attrNameLst>
+                                          <p:attrName>style.visibility</p:attrName>
+                                        </p:attrNameLst>
+                                      </p:cBhvr>
+                                      <p:to>
+                                        <p:strVal val="visible"/>
+                                      </p:to>
+                                    </p:set>
+                                    <p:animEffect transition="in" filter="fade">
+                                      <p:cBhvr>
+                                        <p:cTn id="11" dur="500"/>
+                                        <p:tgtEl>
+                                          <p:spTgt spid="5"/>
+                                        </p:tgtEl>
+                                      </p:cBhvr>
+                                    </p:animEffect>
+                                  </p:childTnLst>
+                                </p:cTn>
+                              </p:par>
+                            </p:childTnLst>
+                          </p:cTn>
+                        </p:par>
+                      </p:childTnLst>
+                    </p:cTn>
+                  </p:par>
+                  <p:par>
+                    <p:cTn id="12" fill="hold">
+                      <p:stCondLst>
+                        <p:cond delay="indefinite"/>
+                      </p:stCondLst>
+                      <p:childTnLst>
+                        <p:par>
+                          <p:cTn id="13" fill="hold">
+                            <p:stCondLst>
+                              <p:cond delay="0"/>
+                            </p:stCondLst>
+                            <p:childTnLst>
+                              <p:par>
+                                <p:cTn id="14" presetID="10" presetClass="entr" presetSubtype="0" fill="hold" grpId="0" nodeType="clickEffect">
+                                  <p:stCondLst>
+                                    <p:cond delay="0"/>
+                                  </p:stCondLst>
+                                  <p:childTnLst>
+                                    <p:set>
+                                      <p:cBhvr>
+                                        <p:cTn id="15" dur="1" fill="hold">
+                                          <p:stCondLst>
+                                            <p:cond delay="0"/>
+                                          </p:stCondLst>
+                                        </p:cTn>
+                                        <p:tgtEl>
+                                          <p:spTgt spid="32"/>
+                                        </p:tgtEl>
+                                        <p:attrNameLst>
+                                          <p:attrName>style.visibility</p:attrName>
+                                        </p:attrNameLst>
+                                      </p:cBhvr>
+                                      <p:to>
+                                        <p:strVal val="visible"/>
+                                      </p:to>
+                                    </p:set>
+                                    <p:animEffect transition="in" filter="fade">
+                                      <p:cBhvr>
+                                        <p:cTn id="16" dur="500"/>
+                                        <p:tgtEl>
+                                          <p:spTgt spid="32"/>
+                                        </p:tgtEl>
+                                      </p:cBhvr>
+                                    </p:animEffect>
+                                  </p:childTnLst>
+                                </p:cTn>
+                              </p:par>
+                            </p:childTnLst>
+                          </p:cTn>
+                        </p:par>
+                        <p:par>
+                          <p:cTn id="17" fill="hold">
+                            <p:stCondLst>
+                              <p:cond delay="500"/>
+                            </p:stCondLst>
+                            <p:childTnLst>
+                              <p:par>
+                                <p:cTn id="18" presetID="10" presetClass="entr" presetSubtype="0" fill="hold" nodeType="afterEffect">
+                                  <p:stCondLst>
+                                    <p:cond delay="0"/>
+                                  </p:stCondLst>
+                                  <p:childTnLst>
+                                    <p:set>
+                                      <p:cBhvr>
+                                        <p:cTn id="19" dur="1" fill="hold">
+                                          <p:stCondLst>
+                                            <p:cond delay="0"/>
+                                          </p:stCondLst>
+                                        </p:cTn>
+                                        <p:tgtEl>
+                                          <p:spTgt spid="24"/>
+                                        </p:tgtEl>
+                                        <p:attrNameLst>
+                                          <p:attrName>style.visibility</p:attrName>
+                                        </p:attrNameLst>
+                                      </p:cBhvr>
+                                      <p:to>
+                                        <p:strVal val="visible"/>
+                                      </p:to>
+                                    </p:set>
+                                    <p:animEffect transition="in" filter="fade">
+                                      <p:cBhvr>
+                                        <p:cTn id="20" dur="500"/>
+                                        <p:tgtEl>
+                                          <p:spTgt spid="24"/>
+                                        </p:tgtEl>
+                                      </p:cBhvr>
+                                    </p:animEffect>
+                                  </p:childTnLst>
+                                </p:cTn>
+                              </p:par>
+                            </p:childTnLst>
+                          </p:cTn>
+                        </p:par>
+                        <p:par>
+                          <p:cTn id="21" fill="hold">
+                            <p:stCondLst>
+                              <p:cond delay="1000"/>
+                            </p:stCondLst>
+                            <p:childTnLst>
+                              <p:par>
+                                <p:cTn id="22" presetID="10" presetClass="entr" presetSubtype="0" fill="hold" grpId="0" nodeType="afterEffect">
+                                  <p:stCondLst>
+                                    <p:cond delay="0"/>
+                                  </p:stCondLst>
+                                  <p:childTnLst>
+                                    <p:set>
+                                      <p:cBhvr>
+                                        <p:cTn id="23" dur="1" fill="hold">
+                                          <p:stCondLst>
+                                            <p:cond delay="0"/>
+                                          </p:stCondLst>
+                                        </p:cTn>
+                                        <p:tgtEl>
+                                          <p:spTgt spid="6"/>
+                                        </p:tgtEl>
+                                        <p:attrNameLst>
+                                          <p:attrName>style.visibility</p:attrName>
+                                        </p:attrNameLst>
+                                      </p:cBhvr>
+                                      <p:to>
+                                        <p:strVal val="visible"/>
+                                      </p:to>
+                                    </p:set>
+                                    <p:animEffect transition="in" filter="fade">
+                                      <p:cBhvr>
+                                        <p:cTn id="24" dur="500"/>
+                                        <p:tgtEl>
+                                          <p:spTgt spid="6"/>
+                                        </p:tgtEl>
+                                      </p:cBhvr>
+                                    </p:animEffect>
+                                  </p:childTnLst>
+                                </p:cTn>
+                              </p:par>
+                            </p:childTnLst>
+                          </p:cTn>
+                        </p:par>
+                        <p:par>
+                          <p:cTn id="25" fill="hold">
+                            <p:stCondLst>
+                              <p:cond delay="1500"/>
+                            </p:stCondLst>
+                            <p:childTnLst>
+                              <p:par>
+                                <p:cTn id="26" presetID="10" presetClass="entr" presetSubtype="0" fill="hold" nodeType="afterEffect">
+                                  <p:stCondLst>
+                                    <p:cond delay="0"/>
+                                  </p:stCondLst>
+                                  <p:childTnLst>
+                                    <p:set>
+                                      <p:cBhvr>
+                                        <p:cTn id="27" dur="1" fill="hold">
+                                          <p:stCondLst>
+                                            <p:cond delay="0"/>
+                                          </p:stCondLst>
+                                        </p:cTn>
+                                        <p:tgtEl>
+                                          <p:spTgt spid="25"/>
+                                        </p:tgtEl>
+                                        <p:attrNameLst>
+                                          <p:attrName>style.visibility</p:attrName>
+                                        </p:attrNameLst>
+                                      </p:cBhvr>
+                                      <p:to>
+                                        <p:strVal val="visible"/>
+                                      </p:to>
+                                    </p:set>
+                                    <p:animEffect transition="in" filter="fade">
+                                      <p:cBhvr>
+                                        <p:cTn id="28" dur="500"/>
+                                        <p:tgtEl>
+                                          <p:spTgt spid="25"/>
+                                        </p:tgtEl>
+                                      </p:cBhvr>
+                                    </p:animEffect>
+                                  </p:childTnLst>
+                                </p:cTn>
+                              </p:par>
+                            </p:childTnLst>
+                          </p:cTn>
+                        </p:par>
+                      </p:childTnLst>
+                    </p:cTn>
+                  </p:par>
+                  <p:par>
+                    <p:cTn id="29" fill="hold">
+                      <p:stCondLst>
+                        <p:cond delay="indefinite"/>
+                      </p:stCondLst>
+                      <p:childTnLst>
+                        <p:par>
+                          <p:cTn id="30" fill="hold">
+                            <p:stCondLst>
+                              <p:cond delay="0"/>
+                            </p:stCondLst>
+                            <p:childTnLst>
+                              <p:par>
+                                <p:cTn id="31" presetID="10" presetClass="entr" presetSubtype="0" fill="hold" grpId="0" nodeType="clickEffect">
+                                  <p:stCondLst>
+                                    <p:cond delay="0"/>
+                                  </p:stCondLst>
+                                  <p:childTnLst>
+                                    <p:set>
+                                      <p:cBhvr>
+                                        <p:cTn id="32" dur="1" fill="hold">
+                                          <p:stCondLst>
+                                            <p:cond delay="0"/>
+                                          </p:stCondLst>
+                                        </p:cTn>
+                                        <p:tgtEl>
+                                          <p:spTgt spid="20"/>
+                                        </p:tgtEl>
+                                        <p:attrNameLst>
+                                          <p:attrName>style.visibility</p:attrName>
+                                        </p:attrNameLst>
+                                      </p:cBhvr>
+                                      <p:to>
+                                        <p:strVal val="visible"/>
+                                      </p:to>
+                                    </p:set>
+                                    <p:animEffect transition="in" filter="fade">
+                                      <p:cBhvr>
+                                        <p:cTn id="33" dur="500"/>
+                                        <p:tgtEl>
+                                          <p:spTgt spid="20"/>
+                                        </p:tgtEl>
+                                      </p:cBhvr>
+                                    </p:animEffect>
+                                  </p:childTnLst>
+                                </p:cTn>
+                              </p:par>
+                            </p:childTnLst>
+                          </p:cTn>
+                        </p:par>
+                        <p:par>
+                          <p:cTn id="34" fill="hold">
+                            <p:stCondLst>
+                              <p:cond delay="500"/>
+                            </p:stCondLst>
+                            <p:childTnLst>
+                              <p:par>
+                                <p:cTn id="35" presetID="10" presetClass="entr" presetSubtype="0" fill="hold" nodeType="afterEffect">
+                                  <p:stCondLst>
+                                    <p:cond delay="0"/>
+                                  </p:stCondLst>
+                                  <p:childTnLst>
+                                    <p:set>
+                                      <p:cBhvr>
+                                        <p:cTn id="36" dur="1" fill="hold">
+                                          <p:stCondLst>
+                                            <p:cond delay="0"/>
+                                          </p:stCondLst>
+                                        </p:cTn>
+                                        <p:tgtEl>
+                                          <p:spTgt spid="16"/>
+                                        </p:tgtEl>
+                                        <p:attrNameLst>
+                                          <p:attrName>style.visibility</p:attrName>
+                                        </p:attrNameLst>
+                                      </p:cBhvr>
+                                      <p:to>
+                                        <p:strVal val="visible"/>
+                                      </p:to>
+                                    </p:set>
+                                    <p:animEffect transition="in" filter="fade">
+                                      <p:cBhvr>
+                                        <p:cTn id="37" dur="500"/>
+                                        <p:tgtEl>
+                                          <p:spTgt spid="16"/>
+                                        </p:tgtEl>
+                                      </p:cBhvr>
+                                    </p:animEffect>
+                                  </p:childTnLst>
+                                </p:cTn>
+                              </p:par>
+                            </p:childTnLst>
+                          </p:cTn>
+                        </p:par>
+                        <p:par>
+                          <p:cTn id="38" fill="hold">
+                            <p:stCondLst>
+                              <p:cond delay="1000"/>
+                            </p:stCondLst>
+                            <p:childTnLst>
+                              <p:par>
+                                <p:cTn id="39" presetID="10" presetClass="entr" presetSubtype="0" fill="hold" grpId="0" nodeType="afterEffect">
+                                  <p:stCondLst>
+                                    <p:cond delay="0"/>
+                                  </p:stCondLst>
+                                  <p:childTnLst>
+                                    <p:set>
+                                      <p:cBhvr>
+                                        <p:cTn id="40" dur="1" fill="hold">
+                                          <p:stCondLst>
+                                            <p:cond delay="0"/>
+                                          </p:stCondLst>
+                                        </p:cTn>
+                                        <p:tgtEl>
+                                          <p:spTgt spid="7"/>
+                                        </p:tgtEl>
+                                        <p:attrNameLst>
+                                          <p:attrName>style.visibility</p:attrName>
+                                        </p:attrNameLst>
+                                      </p:cBhvr>
+                                      <p:to>
+                                        <p:strVal val="visible"/>
+                                      </p:to>
+                                    </p:set>
+                                    <p:animEffect transition="in" filter="fade">
+                                      <p:cBhvr>
+                                        <p:cTn id="41" dur="500"/>
+                                        <p:tgtEl>
+                                          <p:spTgt spid="7"/>
+                                        </p:tgtEl>
+                                      </p:cBhvr>
+                                    </p:animEffect>
+                                  </p:childTnLst>
+                                </p:cTn>
+                              </p:par>
+                            </p:childTnLst>
+                          </p:cTn>
+                        </p:par>
+                      </p:childTnLst>
+                    </p:cTn>
+                  </p:par>
+                  <p:par>
+                    <p:cTn id="42" fill="hold">
+                      <p:stCondLst>
+                        <p:cond delay="indefinite"/>
+                      </p:stCondLst>
+                      <p:childTnLst>
+                        <p:par>
+                          <p:cTn id="43" fill="hold">
+                            <p:stCondLst>
+                              <p:cond delay="0"/>
+                            </p:stCondLst>
+                            <p:childTnLst>
+                              <p:par>
+                                <p:cTn id="44" presetID="10" presetClass="entr" presetSubtype="0" fill="hold" grpId="0" nodeType="clickEffect">
+                                  <p:stCondLst>
+                                    <p:cond delay="0"/>
+                                  </p:stCondLst>
+                                  <p:childTnLst>
+                                    <p:set>
+                                      <p:cBhvr>
+                                        <p:cTn id="45" dur="1" fill="hold">
+                                          <p:stCondLst>
+                                            <p:cond delay="0"/>
+                                          </p:stCondLst>
+                                        </p:cTn>
+                                        <p:tgtEl>
+                                          <p:spTgt spid="21"/>
+                                        </p:tgtEl>
+                                        <p:attrNameLst>
+                                          <p:attrName>style.visibility</p:attrName>
+                                        </p:attrNameLst>
+                                      </p:cBhvr>
+                                      <p:to>
+                                        <p:strVal val="visible"/>
+                                      </p:to>
+                                    </p:set>
+                                    <p:animEffect transition="in" filter="fade">
+                                      <p:cBhvr>
+                                        <p:cTn id="46" dur="500"/>
+                                        <p:tgtEl>
+                                          <p:spTgt spid="21"/>
+                                        </p:tgtEl>
+                                      </p:cBhvr>
+                                    </p:animEffect>
+                                  </p:childTnLst>
+                                </p:cTn>
+                              </p:par>
+                            </p:childTnLst>
+                          </p:cTn>
+                        </p:par>
+                        <p:par>
+                          <p:cTn id="47" fill="hold">
+                            <p:stCondLst>
+                              <p:cond delay="500"/>
+                            </p:stCondLst>
+                            <p:childTnLst>
+                              <p:par>
+                                <p:cTn id="48" presetID="10" presetClass="entr" presetSubtype="0" fill="hold" nodeType="afterEffect">
+                                  <p:stCondLst>
+                                    <p:cond delay="0"/>
+                                  </p:stCondLst>
+                                  <p:childTnLst>
+                                    <p:set>
+                                      <p:cBhvr>
+                                        <p:cTn id="49" dur="1" fill="hold">
+                                          <p:stCondLst>
+                                            <p:cond delay="0"/>
+                                          </p:stCondLst>
+                                        </p:cTn>
+                                        <p:tgtEl>
+                                          <p:spTgt spid="26"/>
+                                        </p:tgtEl>
+                                        <p:attrNameLst>
+                                          <p:attrName>style.visibility</p:attrName>
+                                        </p:attrNameLst>
+                                      </p:cBhvr>
+                                      <p:to>
+                                        <p:strVal val="visible"/>
+                                      </p:to>
+                                    </p:set>
+                                    <p:animEffect transition="in" filter="fade">
+                                      <p:cBhvr>
+                                        <p:cTn id="50" dur="500"/>
+                                        <p:tgtEl>
+                                          <p:spTgt spid="26"/>
+                                        </p:tgtEl>
+                                      </p:cBhvr>
+                                    </p:animEffect>
+                                  </p:childTnLst>
+                                </p:cTn>
+                              </p:par>
+                            </p:childTnLst>
+                          </p:cTn>
+                        </p:par>
+                        <p:par>
+                          <p:cTn id="51" fill="hold">
+                            <p:stCondLst>
+                              <p:cond delay="1000"/>
+                            </p:stCondLst>
+                            <p:childTnLst>
+                              <p:par>
+                                <p:cTn id="52" presetID="10" presetClass="entr" presetSubtype="0" fill="hold" grpId="0" nodeType="afterEffect">
+                                  <p:stCondLst>
+                                    <p:cond delay="0"/>
+                                  </p:stCondLst>
+                                  <p:childTnLst>
+                                    <p:set>
+                                      <p:cBhvr>
+                                        <p:cTn id="53" dur="1" fill="hold">
+                                          <p:stCondLst>
+                                            <p:cond delay="0"/>
+                                          </p:stCondLst>
+                                        </p:cTn>
+                                        <p:tgtEl>
+                                          <p:spTgt spid="8"/>
+                                        </p:tgtEl>
+                                        <p:attrNameLst>
+                                          <p:attrName>style.visibility</p:attrName>
+                                        </p:attrNameLst>
+                                      </p:cBhvr>
+                                      <p:to>
+                                        <p:strVal val="visible"/>
+                                      </p:to>
+                                    </p:set>
+                                    <p:animEffect transition="in" filter="fade">
+                                      <p:cBhvr>
+                                        <p:cTn id="54" dur="500"/>
+                                        <p:tgtEl>
+                                          <p:spTgt spid="8"/>
+                                        </p:tgtEl>
+                                      </p:cBhvr>
+                                    </p:animEffect>
+                                  </p:childTnLst>
+                                </p:cTn>
+                              </p:par>
+                            </p:childTnLst>
+                          </p:cTn>
+                        </p:par>
+                        <p:par>
+                          <p:cTn id="55" fill="hold">
+                            <p:stCondLst>
+                              <p:cond delay="1500"/>
+                            </p:stCondLst>
+                            <p:childTnLst>
+                              <p:par>
+                                <p:cTn id="56" presetID="10" presetClass="entr" presetSubtype="0" fill="hold" nodeType="afterEffect">
+                                  <p:stCondLst>
+                                    <p:cond delay="0"/>
+                                  </p:stCondLst>
+                                  <p:childTnLst>
+                                    <p:set>
+                                      <p:cBhvr>
+                                        <p:cTn id="57" dur="1" fill="hold">
+                                          <p:stCondLst>
+                                            <p:cond delay="0"/>
+                                          </p:stCondLst>
+                                        </p:cTn>
+                                        <p:tgtEl>
+                                          <p:spTgt spid="27"/>
+                                        </p:tgtEl>
+                                        <p:attrNameLst>
+                                          <p:attrName>style.visibility</p:attrName>
+                                        </p:attrNameLst>
+                                      </p:cBhvr>
+                                      <p:to>
+                                        <p:strVal val="visible"/>
+                                      </p:to>
+                                    </p:set>
+                                    <p:animEffect transition="in" filter="fade">
+                                      <p:cBhvr>
+                                        <p:cTn id="58" dur="500"/>
+                                        <p:tgtEl>
+                                          <p:spTgt spid="27"/>
+                                        </p:tgtEl>
+                                      </p:cBhvr>
+                                    </p:animEffect>
+                                  </p:childTnLst>
+                                </p:cTn>
+                              </p:par>
+                            </p:childTnLst>
+                          </p:cTn>
+                        </p:par>
+                      </p:childTnLst>
+                    </p:cTn>
+                  </p:par>
+                  <p:par>
+                    <p:cTn id="59" fill="hold">
+                      <p:stCondLst>
+                        <p:cond delay="indefinite"/>
+                      </p:stCondLst>
+                      <p:childTnLst>
+                        <p:par>
+                          <p:cTn id="60" fill="hold">
+                            <p:stCondLst>
+                              <p:cond delay="0"/>
+                            </p:stCondLst>
+                            <p:childTnLst>
+                              <p:par>
+                                <p:cTn id="61" presetID="10" presetClass="entr" presetSubtype="0" fill="hold" grpId="0" nodeType="clickEffect">
+                                  <p:stCondLst>
+                                    <p:cond delay="0"/>
+                                  </p:stCondLst>
+                                  <p:childTnLst>
+                                    <p:set>
+                                      <p:cBhvr>
+                                        <p:cTn id="62" dur="1" fill="hold">
+                                          <p:stCondLst>
+                                            <p:cond delay="0"/>
+                                          </p:stCondLst>
+                                        </p:cTn>
+                                        <p:tgtEl>
+                                          <p:spTgt spid="33"/>
+                                        </p:tgtEl>
+                                        <p:attrNameLst>
+                                          <p:attrName>style.visibility</p:attrName>
+                                        </p:attrNameLst>
+                                      </p:cBhvr>
+                                      <p:to>
+                                        <p:strVal val="visible"/>
+                                      </p:to>
+                                    </p:set>
+                                    <p:animEffect transition="in" filter="fade">
+                                      <p:cBhvr>
+                                        <p:cTn id="63" dur="500"/>
+                                        <p:tgtEl>
+                                          <p:spTgt spid="33"/>
+                                        </p:tgtEl>
+                                      </p:cBhvr>
+                                    </p:animEffect>
+                                  </p:childTnLst>
+                                </p:cTn>
+                              </p:par>
+                            </p:childTnLst>
+                          </p:cTn>
+                        </p:par>
+                        <p:par>
+                          <p:cTn id="64" fill="hold">
+                            <p:stCondLst>
+                              <p:cond delay="500"/>
+                            </p:stCondLst>
+                            <p:childTnLst>
+                              <p:par>
+                                <p:cTn id="65" presetID="10" presetClass="entr" presetSubtype="0" fill="hold" nodeType="afterEffect">
+                                  <p:stCondLst>
+                                    <p:cond delay="0"/>
+                                  </p:stCondLst>
+                                  <p:childTnLst>
+                                    <p:set>
+                                      <p:cBhvr>
+                                        <p:cTn id="66" dur="1" fill="hold">
+                                          <p:stCondLst>
+                                            <p:cond delay="0"/>
+                                          </p:stCondLst>
+                                        </p:cTn>
+                                        <p:tgtEl>
+                                          <p:spTgt spid="17"/>
+                                        </p:tgtEl>
+                                        <p:attrNameLst>
+                                          <p:attrName>style.visibility</p:attrName>
+                                        </p:attrNameLst>
+                                      </p:cBhvr>
+                                      <p:to>
+                                        <p:strVal val="visible"/>
+                                      </p:to>
+                                    </p:set>
+                                    <p:animEffect transition="in" filter="fade">
+                                      <p:cBhvr>
+                                        <p:cTn id="67" dur="500"/>
+                                        <p:tgtEl>
+                                          <p:spTgt spid="17"/>
+                                        </p:tgtEl>
+                                      </p:cBhvr>
+                                    </p:animEffect>
+                                  </p:childTnLst>
+                                </p:cTn>
+                              </p:par>
+                            </p:childTnLst>
+                          </p:cTn>
+                        </p:par>
+                        <p:par>
+                          <p:cTn id="68" fill="hold">
+                            <p:stCondLst>
+                              <p:cond delay="1000"/>
+                            </p:stCondLst>
+                            <p:childTnLst>
+                              <p:par>
+                                <p:cTn id="69" presetID="10" presetClass="entr" presetSubtype="0" fill="hold" grpId="0" nodeType="afterEffect">
+                                  <p:stCondLst>
+                                    <p:cond delay="0"/>
+                                  </p:stCondLst>
+                                  <p:childTnLst>
+                                    <p:set>
+                                      <p:cBhvr>
+                                        <p:cTn id="70" dur="1" fill="hold">
+                                          <p:stCondLst>
+                                            <p:cond delay="0"/>
+                                          </p:stCondLst>
+                                        </p:cTn>
+                                        <p:tgtEl>
+                                          <p:spTgt spid="9"/>
+                                        </p:tgtEl>
+                                        <p:attrNameLst>
+                                          <p:attrName>style.visibility</p:attrName>
+                                        </p:attrNameLst>
+                                      </p:cBhvr>
+                                      <p:to>
+                                        <p:strVal val="visible"/>
+                                      </p:to>
+                                    </p:set>
+                                    <p:animEffect transition="in" filter="fade">
+                                      <p:cBhvr>
+                                        <p:cTn id="71" dur="500"/>
+                                        <p:tgtEl>
+                                          <p:spTgt spid="9"/>
+                                        </p:tgtEl>
+                                      </p:cBhvr>
+                                    </p:animEffect>
+                                  </p:childTnLst>
+                                </p:cTn>
+                              </p:par>
+                            </p:childTnLst>
+                          </p:cTn>
+                        </p:par>
+                      </p:childTnLst>
+                    </p:cTn>
+                  </p:par>
+                  <p:par>
+                    <p:cTn id="72" fill="hold">
+                      <p:stCondLst>
+                        <p:cond delay="indefinite"/>
+                      </p:stCondLst>
+                      <p:childTnLst>
+                        <p:par>
+                          <p:cTn id="73" fill="hold">
+                            <p:stCondLst>
+                              <p:cond delay="0"/>
+                            </p:stCondLst>
+                            <p:childTnLst>
+                              <p:par>
+                                <p:cTn id="74" presetID="10" presetClass="entr" presetSubtype="0" fill="hold" grpId="0" nodeType="clickEffect">
+                                  <p:stCondLst>
+                                    <p:cond delay="0"/>
+                                  </p:stCondLst>
+                                  <p:childTnLst>
+                                    <p:set>
+                                      <p:cBhvr>
+                                        <p:cTn id="75" dur="1" fill="hold">
+                                          <p:stCondLst>
+                                            <p:cond delay="0"/>
+                                          </p:stCondLst>
+                                        </p:cTn>
+                                        <p:tgtEl>
+                                          <p:spTgt spid="34"/>
+                                        </p:tgtEl>
+                                        <p:attrNameLst>
+                                          <p:attrName>style.visibility</p:attrName>
+                                        </p:attrNameLst>
+                                      </p:cBhvr>
+                                      <p:to>
+                                        <p:strVal val="visible"/>
+                                      </p:to>
+                                    </p:set>
+                                    <p:animEffect transition="in" filter="fade">
+                                      <p:cBhvr>
+                                        <p:cTn id="76" dur="500"/>
+                                        <p:tgtEl>
+                                          <p:spTgt spid="34"/>
+                                        </p:tgtEl>
+                                      </p:cBhvr>
+                                    </p:animEffect>
+                                  </p:childTnLst>
+                                </p:cTn>
+                              </p:par>
+                            </p:childTnLst>
+                          </p:cTn>
+                        </p:par>
+                        <p:par>
+                          <p:cTn id="77" fill="hold">
+                            <p:stCondLst>
+                              <p:cond delay="500"/>
+                            </p:stCondLst>
+                            <p:childTnLst>
+                              <p:par>
+                                <p:cTn id="78" presetID="10" presetClass="entr" presetSubtype="0" fill="hold" nodeType="afterEffect">
+                                  <p:stCondLst>
+                                    <p:cond delay="0"/>
+                                  </p:stCondLst>
+                                  <p:childTnLst>
+                                    <p:set>
+                                      <p:cBhvr>
+                                        <p:cTn id="79" dur="1" fill="hold">
+                                          <p:stCondLst>
+                                            <p:cond delay="0"/>
+                                          </p:stCondLst>
+                                        </p:cTn>
+                                        <p:tgtEl>
+                                          <p:spTgt spid="28"/>
+                                        </p:tgtEl>
+                                        <p:attrNameLst>
+                                          <p:attrName>style.visibility</p:attrName>
+                                        </p:attrNameLst>
+                                      </p:cBhvr>
+                                      <p:to>
+                                        <p:strVal val="visible"/>
+                                      </p:to>
+                                    </p:set>
+                                    <p:animEffect transition="in" filter="fade">
+                                      <p:cBhvr>
+                                        <p:cTn id="80" dur="500"/>
+                                        <p:tgtEl>
+                                          <p:spTgt spid="28"/>
+                                        </p:tgtEl>
+                                      </p:cBhvr>
+                                    </p:animEffect>
+                                  </p:childTnLst>
+                                </p:cTn>
+                              </p:par>
+                            </p:childTnLst>
+                          </p:cTn>
+                        </p:par>
+                        <p:par>
+                          <p:cTn id="81" fill="hold">
+                            <p:stCondLst>
+                              <p:cond delay="1000"/>
+                            </p:stCondLst>
+                            <p:childTnLst>
+                              <p:par>
+                                <p:cTn id="82" presetID="10" presetClass="entr" presetSubtype="0" fill="hold" grpId="0" nodeType="afterEffect">
+                                  <p:stCondLst>
+                                    <p:cond delay="0"/>
+                                  </p:stCondLst>
+                                  <p:childTnLst>
+                                    <p:set>
+                                      <p:cBhvr>
+                                        <p:cTn id="83" dur="1" fill="hold">
+                                          <p:stCondLst>
+                                            <p:cond delay="0"/>
+                                          </p:stCondLst>
+                                        </p:cTn>
+                                        <p:tgtEl>
+                                          <p:spTgt spid="10"/>
+                                        </p:tgtEl>
+                                        <p:attrNameLst>
+                                          <p:attrName>style.visibility</p:attrName>
+                                        </p:attrNameLst>
+                                      </p:cBhvr>
+                                      <p:to>
+                                        <p:strVal val="visible"/>
+                                      </p:to>
+                                    </p:set>
+                                    <p:animEffect transition="in" filter="fade">
+                                      <p:cBhvr>
+                                        <p:cTn id="84" dur="500"/>
+                                        <p:tgtEl>
+                                          <p:spTgt spid="10"/>
+                                        </p:tgtEl>
+                                      </p:cBhvr>
+                                    </p:animEffect>
+                                  </p:childTnLst>
+                                </p:cTn>
+                              </p:par>
+                            </p:childTnLst>
+                          </p:cTn>
+                        </p:par>
+                        <p:par>
+                          <p:cTn id="85" fill="hold">
+                            <p:stCondLst>
+                              <p:cond delay="1500"/>
+                            </p:stCondLst>
+                            <p:childTnLst>
+                              <p:par>
+                                <p:cTn id="86" presetID="10" presetClass="entr" presetSubtype="0" fill="hold" nodeType="afterEffect">
+                                  <p:stCondLst>
+                                    <p:cond delay="0"/>
+                                  </p:stCondLst>
+                                  <p:childTnLst>
+                                    <p:set>
+                                      <p:cBhvr>
+                                        <p:cTn id="87" dur="1" fill="hold">
+                                          <p:stCondLst>
+                                            <p:cond delay="0"/>
+                                          </p:stCondLst>
+                                        </p:cTn>
+                                        <p:tgtEl>
+                                          <p:spTgt spid="29"/>
+                                        </p:tgtEl>
+                                        <p:attrNameLst>
+                                          <p:attrName>style.visibility</p:attrName>
+                                        </p:attrNameLst>
+                                      </p:cBhvr>
+                                      <p:to>
+                                        <p:strVal val="visible"/>
+                                      </p:to>
+                                    </p:set>
+                                    <p:animEffect transition="in" filter="fade">
+                                      <p:cBhvr>
+                                        <p:cTn id="88" dur="500"/>
+                                        <p:tgtEl>
+                                          <p:spTgt spid="29"/>
+                                        </p:tgtEl>
+                                      </p:cBhvr>
+                                    </p:animEffect>
+                                  </p:childTnLst>
+                                </p:cTn>
+                              </p:par>
+                            </p:childTnLst>
+                          </p:cTn>
+                        </p:par>
+                      </p:childTnLst>
+                    </p:cTn>
+                  </p:par>
+                  <p:par>
+                    <p:cTn id="89" fill="hold">
+                      <p:stCondLst>
+                        <p:cond delay="indefinite"/>
+                      </p:stCondLst>
+                      <p:childTnLst>
+                        <p:par>
+                          <p:cTn id="90" fill="hold">
+                            <p:stCondLst>
+                              <p:cond delay="0"/>
+                            </p:stCondLst>
+                            <p:childTnLst>
+                              <p:par>
+                                <p:cTn id="91" presetID="10" presetClass="entr" presetSubtype="0" fill="hold" grpId="0" nodeType="clickEffect">
+                                  <p:stCondLst>
+                                    <p:cond delay="0"/>
+                                  </p:stCondLst>
+                                  <p:childTnLst>
+                                    <p:set>
+                                      <p:cBhvr>
+                                        <p:cTn id="92" dur="1" fill="hold">
+                                          <p:stCondLst>
+                                            <p:cond delay="0"/>
+                                          </p:stCondLst>
+                                        </p:cTn>
+                                        <p:tgtEl>
+                                          <p:spTgt spid="22"/>
+                                        </p:tgtEl>
+                                        <p:attrNameLst>
+                                          <p:attrName>style.visibility</p:attrName>
+                                        </p:attrNameLst>
+                                      </p:cBhvr>
+                                      <p:to>
+                                        <p:strVal val="visible"/>
+                                      </p:to>
+                                    </p:set>
+                                    <p:animEffect transition="in" filter="fade">
+                                      <p:cBhvr>
+                                        <p:cTn id="93" dur="500"/>
+                                        <p:tgtEl>
+                                          <p:spTgt spid="22"/>
+                                        </p:tgtEl>
+                                      </p:cBhvr>
+                                    </p:animEffect>
+                                  </p:childTnLst>
+                                </p:cTn>
+                              </p:par>
+                            </p:childTnLst>
+                          </p:cTn>
+                        </p:par>
+                        <p:par>
+                          <p:cTn id="94" fill="hold">
+                            <p:stCondLst>
+                              <p:cond delay="500"/>
+                            </p:stCondLst>
+                            <p:childTnLst>
+                              <p:par>
+                                <p:cTn id="95" presetID="10" presetClass="entr" presetSubtype="0" fill="hold" nodeType="afterEffect">
+                                  <p:stCondLst>
+                                    <p:cond delay="0"/>
+                                  </p:stCondLst>
+                                  <p:childTnLst>
+                                    <p:set>
+                                      <p:cBhvr>
+                                        <p:cTn id="96" dur="1" fill="hold">
+                                          <p:stCondLst>
+                                            <p:cond delay="0"/>
+                                          </p:stCondLst>
+                                        </p:cTn>
+                                        <p:tgtEl>
+                                          <p:spTgt spid="23"/>
+                                        </p:tgtEl>
+                                        <p:attrNameLst>
+                                          <p:attrName>style.visibility</p:attrName>
+                                        </p:attrNameLst>
+                                      </p:cBhvr>
+                                      <p:to>
+                                        <p:strVal val="visible"/>
+                                      </p:to>
+                                    </p:set>
+                                    <p:animEffect transition="in" filter="fade">
+                                      <p:cBhvr>
+                                        <p:cTn id="97" dur="500"/>
+                                        <p:tgtEl>
+                                          <p:spTgt spid="23"/>
+                                        </p:tgtEl>
+                                      </p:cBhvr>
+                                    </p:animEffect>
+                                  </p:childTnLst>
+                                </p:cTn>
+                              </p:par>
+                            </p:childTnLst>
+                          </p:cTn>
+                        </p:par>
+                      </p:childTnLst>
+                    </p:cTn>
+                  </p:par>
+                </p:childTnLst>
+              </p:cTn>
+              <p:prevCondLst>
+                <p:cond evt="onPrev" delay="0">
+                  <p:tgtEl>
+                    <p:sldTgt/>
+                  </p:tgtEl>
+                </p:cond>
+              </p:prevCondLst>
+              <p:nextCondLst>
+                <p:cond evt="onNext" delay="0">
+                  <p:tgtEl>
+                    <p:sldTgt/>
+                  </p:tgtEl>
+                </p:cond>
+              </p:nextCondLst>
+            </p:seq>
+          </p:childTnLst>
+        </p:cTn>
       </p:par>
     </p:tnLst>
+    <p:bldLst>
+      <p:bldP spid="20" grpId="0"/>
+      <p:bldP spid="21" grpId="0"/>
+      <p:bldP spid="22" grpId="0"/>
+      <p:bldP spid="32" grpId="0"/>
+      <p:bldP spid="33" grpId="0"/>
+      <p:bldP spid="34" grpId="0"/>
+      <p:bldP spid="5" grpId="0" animBg="1"/>
+      <p:bldP spid="6" grpId="0" animBg="1"/>
+      <p:bldP spid="7" grpId="0" animBg="1"/>
+      <p:bldP spid="8" grpId="0" animBg="1"/>
+      <p:bldP spid="9" grpId="0" animBg="1"/>
+      <p:bldP spid="10" grpId="0" animBg="1"/>
+    </p:bldLst>
   </p:timing>
 </p:sld>
 </file>

--- a/slides/Technical Session/Lessons learned.pptx
+++ b/slides/Technical Session/Lessons learned.pptx
@@ -2992,9 +2992,9 @@
     <dgm:cxn modelId="{8BAE8E1E-B0DC-48A7-9BEA-483E4BFDE75D}" type="presOf" srcId="{89F4663A-CD05-4B85-BBCA-40FA831A1A8F}" destId="{3BA92C7C-5CB1-4570-8FA2-5F6671B46B59}" srcOrd="0" destOrd="0" presId="urn:microsoft.com/office/officeart/2005/8/layout/process1"/>
     <dgm:cxn modelId="{494A3215-675D-40FE-81AE-8F96C7890F23}" srcId="{39332B7E-DC53-4E39-8170-323651ED934E}" destId="{AFDF83D1-13E0-4D43-881B-4C6B983513A2}" srcOrd="2" destOrd="0" parTransId="{2F2F5AEA-A776-42D7-A1AE-A0D79D27C577}" sibTransId="{709EAEF6-2E0C-4FAC-A060-2D70E771541C}"/>
     <dgm:cxn modelId="{680EDD14-5D8D-4F98-BB21-F7357A768F58}" type="presOf" srcId="{39332B7E-DC53-4E39-8170-323651ED934E}" destId="{A42C128E-CC5D-4400-8C05-2AAD4ADDE6D2}" srcOrd="0" destOrd="0" presId="urn:microsoft.com/office/officeart/2005/8/layout/process1"/>
+    <dgm:cxn modelId="{6BE2F088-147E-4D7E-88C5-5486B6A249AA}" srcId="{39332B7E-DC53-4E39-8170-323651ED934E}" destId="{11DC3F5C-A4A2-407F-A072-A8F3225ADA2E}" srcOrd="1" destOrd="0" parTransId="{7CE32FAF-7C27-4F07-9CFD-29396FBE7109}" sibTransId="{98DF2911-A7F4-40F9-95B7-5A2749B23573}"/>
+    <dgm:cxn modelId="{4CB64A8E-32F3-46D3-8846-8CF92E5BC6C7}" type="presOf" srcId="{11DC3F5C-A4A2-407F-A072-A8F3225ADA2E}" destId="{E8C7D2B8-2EFE-491B-9120-598B54FDB279}" srcOrd="0" destOrd="0" presId="urn:microsoft.com/office/officeart/2005/8/layout/process1"/>
     <dgm:cxn modelId="{2C77AF61-53F0-4427-BAE1-191B78CA6480}" type="presOf" srcId="{366AF2CA-1E69-4291-A324-950482E12DD8}" destId="{E974E305-B093-4847-B674-96CD015141E0}" srcOrd="0" destOrd="0" presId="urn:microsoft.com/office/officeart/2005/8/layout/process1"/>
-    <dgm:cxn modelId="{4CB64A8E-32F3-46D3-8846-8CF92E5BC6C7}" type="presOf" srcId="{11DC3F5C-A4A2-407F-A072-A8F3225ADA2E}" destId="{E8C7D2B8-2EFE-491B-9120-598B54FDB279}" srcOrd="0" destOrd="0" presId="urn:microsoft.com/office/officeart/2005/8/layout/process1"/>
-    <dgm:cxn modelId="{6BE2F088-147E-4D7E-88C5-5486B6A249AA}" srcId="{39332B7E-DC53-4E39-8170-323651ED934E}" destId="{11DC3F5C-A4A2-407F-A072-A8F3225ADA2E}" srcOrd="1" destOrd="0" parTransId="{7CE32FAF-7C27-4F07-9CFD-29396FBE7109}" sibTransId="{98DF2911-A7F4-40F9-95B7-5A2749B23573}"/>
     <dgm:cxn modelId="{D3258751-8CD8-42C7-9C8D-78B70E2FB6A7}" type="presOf" srcId="{98DF2911-A7F4-40F9-95B7-5A2749B23573}" destId="{05F659E6-DE2E-4A9D-9F2C-38C149E7E7F9}" srcOrd="0" destOrd="0" presId="urn:microsoft.com/office/officeart/2005/8/layout/process1"/>
     <dgm:cxn modelId="{25CADF2C-5127-4D3F-9FE9-89EF699DA703}" type="presOf" srcId="{366AF2CA-1E69-4291-A324-950482E12DD8}" destId="{0DCC8B2A-85A5-4A3D-BF7B-23123E384DDA}" srcOrd="1" destOrd="0" presId="urn:microsoft.com/office/officeart/2005/8/layout/process1"/>
     <dgm:cxn modelId="{6D3FF21F-14FE-4E62-8D3A-92CBA747E71B}" srcId="{39332B7E-DC53-4E39-8170-323651ED934E}" destId="{89F4663A-CD05-4B85-BBCA-40FA831A1A8F}" srcOrd="0" destOrd="0" parTransId="{9C6F7918-3660-4369-A6C2-90E53184E84C}" sibTransId="{366AF2CA-1E69-4291-A324-950482E12DD8}"/>
@@ -11128,6 +11128,142 @@
           <a:chExt cx="0" cy="0"/>
         </a:xfrm>
       </p:grpSpPr>
+      <p:cxnSp>
+        <p:nvCxnSpPr>
+          <p:cNvPr id="58" name="Straight Connector 57"/>
+          <p:cNvCxnSpPr>
+            <a:stCxn id="9" idx="2"/>
+            <a:endCxn id="8" idx="0"/>
+          </p:cNvCxnSpPr>
+          <p:nvPr/>
+        </p:nvCxnSpPr>
+        <p:spPr>
+          <a:xfrm rot="5400000">
+            <a:off x="4100506" y="3493291"/>
+            <a:ext cx="442922" cy="1588"/>
+          </a:xfrm>
+          <a:prstGeom prst="line">
+            <a:avLst/>
+          </a:prstGeom>
+          <a:effectLst/>
+        </p:spPr>
+        <p:style>
+          <a:lnRef idx="2">
+            <a:schemeClr val="accent1"/>
+          </a:lnRef>
+          <a:fillRef idx="0">
+            <a:schemeClr val="accent1"/>
+          </a:fillRef>
+          <a:effectRef idx="1">
+            <a:schemeClr val="accent1"/>
+          </a:effectRef>
+          <a:fontRef idx="minor">
+            <a:schemeClr val="tx1"/>
+          </a:fontRef>
+        </p:style>
+      </p:cxnSp>
+      <p:cxnSp>
+        <p:nvCxnSpPr>
+          <p:cNvPr id="55" name="Straight Connector 54"/>
+          <p:cNvCxnSpPr>
+            <a:stCxn id="6" idx="2"/>
+            <a:endCxn id="49" idx="0"/>
+          </p:cNvCxnSpPr>
+          <p:nvPr/>
+        </p:nvCxnSpPr>
+        <p:spPr>
+          <a:xfrm rot="5400000">
+            <a:off x="4099653" y="1420736"/>
+            <a:ext cx="444628" cy="1588"/>
+          </a:xfrm>
+          <a:prstGeom prst="line">
+            <a:avLst/>
+          </a:prstGeom>
+          <a:effectLst/>
+        </p:spPr>
+        <p:style>
+          <a:lnRef idx="2">
+            <a:schemeClr val="accent1"/>
+          </a:lnRef>
+          <a:fillRef idx="0">
+            <a:schemeClr val="accent1"/>
+          </a:fillRef>
+          <a:effectRef idx="1">
+            <a:schemeClr val="accent1"/>
+          </a:effectRef>
+          <a:fontRef idx="minor">
+            <a:schemeClr val="tx1"/>
+          </a:fontRef>
+        </p:style>
+      </p:cxnSp>
+      <p:cxnSp>
+        <p:nvCxnSpPr>
+          <p:cNvPr id="60" name="Straight Connector 59"/>
+          <p:cNvCxnSpPr>
+            <a:stCxn id="8" idx="2"/>
+            <a:endCxn id="10" idx="1"/>
+          </p:cNvCxnSpPr>
+          <p:nvPr/>
+        </p:nvCxnSpPr>
+        <p:spPr>
+          <a:xfrm rot="5400000">
+            <a:off x="4132652" y="4454131"/>
+            <a:ext cx="371484" cy="7147"/>
+          </a:xfrm>
+          <a:prstGeom prst="line">
+            <a:avLst/>
+          </a:prstGeom>
+          <a:effectLst/>
+        </p:spPr>
+        <p:style>
+          <a:lnRef idx="2">
+            <a:schemeClr val="accent1"/>
+          </a:lnRef>
+          <a:fillRef idx="0">
+            <a:schemeClr val="accent1"/>
+          </a:fillRef>
+          <a:effectRef idx="1">
+            <a:schemeClr val="accent1"/>
+          </a:effectRef>
+          <a:fontRef idx="minor">
+            <a:schemeClr val="tx1"/>
+          </a:fontRef>
+        </p:style>
+      </p:cxnSp>
+      <p:cxnSp>
+        <p:nvCxnSpPr>
+          <p:cNvPr id="65" name="Straight Connector 64"/>
+          <p:cNvCxnSpPr>
+            <a:stCxn id="9" idx="0"/>
+            <a:endCxn id="49" idx="2"/>
+          </p:cNvCxnSpPr>
+          <p:nvPr/>
+        </p:nvCxnSpPr>
+        <p:spPr>
+          <a:xfrm rot="5400000" flipH="1" flipV="1">
+            <a:off x="4064787" y="2457440"/>
+            <a:ext cx="514360" cy="1588"/>
+          </a:xfrm>
+          <a:prstGeom prst="line">
+            <a:avLst/>
+          </a:prstGeom>
+          <a:effectLst/>
+        </p:spPr>
+        <p:style>
+          <a:lnRef idx="2">
+            <a:schemeClr val="accent1"/>
+          </a:lnRef>
+          <a:fillRef idx="0">
+            <a:schemeClr val="accent1"/>
+          </a:fillRef>
+          <a:effectRef idx="1">
+            <a:schemeClr val="accent1"/>
+          </a:effectRef>
+          <a:fontRef idx="minor">
+            <a:schemeClr val="tx1"/>
+          </a:fontRef>
+        </p:style>
+      </p:cxnSp>
       <p:sp>
         <p:nvSpPr>
           <p:cNvPr id="6" name="Rounded Rectangle 5"/>
@@ -11414,138 +11550,6 @@
           </a:p>
         </p:txBody>
       </p:sp>
-      <p:cxnSp>
-        <p:nvCxnSpPr>
-          <p:cNvPr id="55" name="Straight Connector 54"/>
-          <p:cNvCxnSpPr>
-            <a:stCxn id="6" idx="2"/>
-            <a:endCxn id="49" idx="0"/>
-          </p:cNvCxnSpPr>
-          <p:nvPr/>
-        </p:nvCxnSpPr>
-        <p:spPr>
-          <a:xfrm rot="5400000">
-            <a:off x="4099653" y="1420736"/>
-            <a:ext cx="444628" cy="1588"/>
-          </a:xfrm>
-          <a:prstGeom prst="line">
-            <a:avLst/>
-          </a:prstGeom>
-        </p:spPr>
-        <p:style>
-          <a:lnRef idx="1">
-            <a:schemeClr val="accent1"/>
-          </a:lnRef>
-          <a:fillRef idx="0">
-            <a:schemeClr val="accent1"/>
-          </a:fillRef>
-          <a:effectRef idx="0">
-            <a:schemeClr val="accent1"/>
-          </a:effectRef>
-          <a:fontRef idx="minor">
-            <a:schemeClr val="tx1"/>
-          </a:fontRef>
-        </p:style>
-      </p:cxnSp>
-      <p:cxnSp>
-        <p:nvCxnSpPr>
-          <p:cNvPr id="58" name="Straight Connector 57"/>
-          <p:cNvCxnSpPr>
-            <a:stCxn id="9" idx="2"/>
-            <a:endCxn id="8" idx="0"/>
-          </p:cNvCxnSpPr>
-          <p:nvPr/>
-        </p:nvCxnSpPr>
-        <p:spPr>
-          <a:xfrm rot="5400000">
-            <a:off x="4100506" y="3493291"/>
-            <a:ext cx="442922" cy="1588"/>
-          </a:xfrm>
-          <a:prstGeom prst="line">
-            <a:avLst/>
-          </a:prstGeom>
-        </p:spPr>
-        <p:style>
-          <a:lnRef idx="1">
-            <a:schemeClr val="accent1"/>
-          </a:lnRef>
-          <a:fillRef idx="0">
-            <a:schemeClr val="accent1"/>
-          </a:fillRef>
-          <a:effectRef idx="0">
-            <a:schemeClr val="accent1"/>
-          </a:effectRef>
-          <a:fontRef idx="minor">
-            <a:schemeClr val="tx1"/>
-          </a:fontRef>
-        </p:style>
-      </p:cxnSp>
-      <p:cxnSp>
-        <p:nvCxnSpPr>
-          <p:cNvPr id="60" name="Straight Connector 59"/>
-          <p:cNvCxnSpPr>
-            <a:stCxn id="8" idx="2"/>
-            <a:endCxn id="10" idx="1"/>
-          </p:cNvCxnSpPr>
-          <p:nvPr/>
-        </p:nvCxnSpPr>
-        <p:spPr>
-          <a:xfrm rot="5400000">
-            <a:off x="4132652" y="4454131"/>
-            <a:ext cx="371484" cy="7147"/>
-          </a:xfrm>
-          <a:prstGeom prst="line">
-            <a:avLst/>
-          </a:prstGeom>
-        </p:spPr>
-        <p:style>
-          <a:lnRef idx="1">
-            <a:schemeClr val="accent1"/>
-          </a:lnRef>
-          <a:fillRef idx="0">
-            <a:schemeClr val="accent1"/>
-          </a:fillRef>
-          <a:effectRef idx="0">
-            <a:schemeClr val="accent1"/>
-          </a:effectRef>
-          <a:fontRef idx="minor">
-            <a:schemeClr val="tx1"/>
-          </a:fontRef>
-        </p:style>
-      </p:cxnSp>
-      <p:cxnSp>
-        <p:nvCxnSpPr>
-          <p:cNvPr id="65" name="Straight Connector 64"/>
-          <p:cNvCxnSpPr>
-            <a:stCxn id="9" idx="0"/>
-            <a:endCxn id="49" idx="2"/>
-          </p:cNvCxnSpPr>
-          <p:nvPr/>
-        </p:nvCxnSpPr>
-        <p:spPr>
-          <a:xfrm rot="5400000" flipH="1" flipV="1">
-            <a:off x="4064787" y="2457440"/>
-            <a:ext cx="514360" cy="1588"/>
-          </a:xfrm>
-          <a:prstGeom prst="line">
-            <a:avLst/>
-          </a:prstGeom>
-        </p:spPr>
-        <p:style>
-          <a:lnRef idx="1">
-            <a:schemeClr val="accent1"/>
-          </a:lnRef>
-          <a:fillRef idx="0">
-            <a:schemeClr val="accent1"/>
-          </a:fillRef>
-          <a:effectRef idx="0">
-            <a:schemeClr val="accent1"/>
-          </a:effectRef>
-          <a:fontRef idx="minor">
-            <a:schemeClr val="tx1"/>
-          </a:fontRef>
-        </p:style>
-      </p:cxnSp>
       <p:sp>
         <p:nvSpPr>
           <p:cNvPr id="4" name="Rounded Rectangle 3"/>
@@ -11554,7 +11558,7 @@
         </p:nvSpPr>
         <p:spPr>
           <a:xfrm>
-            <a:off x="3871914" y="1784220"/>
+            <a:off x="3871914" y="1714488"/>
             <a:ext cx="914400" cy="500066"/>
           </a:xfrm>
           <a:prstGeom prst="roundRect">
@@ -11598,7 +11602,7 @@
         </p:nvSpPr>
         <p:spPr>
           <a:xfrm>
-            <a:off x="3857620" y="3927360"/>
+            <a:off x="3857620" y="3729046"/>
             <a:ext cx="914400" cy="485772"/>
           </a:xfrm>
           <a:prstGeom prst="roundRect">
@@ -11816,7 +11820,7 @@
                                     </p:set>
                                     <p:anim calcmode="lin" valueType="num">
                                       <p:cBhvr additive="base">
-                                        <p:cTn id="7" dur="3000" fill="hold"/>
+                                        <p:cTn id="7" dur="500" fill="hold"/>
                                         <p:tgtEl>
                                           <p:spTgt spid="18"/>
                                         </p:tgtEl>
@@ -11839,7 +11843,7 @@
                                     </p:anim>
                                     <p:anim calcmode="lin" valueType="num">
                                       <p:cBhvr additive="base">
-                                        <p:cTn id="8" dur="3000" fill="hold"/>
+                                        <p:cTn id="8" dur="500" fill="hold"/>
                                         <p:tgtEl>
                                           <p:spTgt spid="18"/>
                                         </p:tgtEl>
@@ -11954,30 +11958,21 @@
                             </p:childTnLst>
                           </p:cTn>
                         </p:par>
-                      </p:childTnLst>
-                    </p:cTn>
-                  </p:par>
-                  <p:par>
-                    <p:cTn id="17" fill="hold">
-                      <p:stCondLst>
-                        <p:cond delay="indefinite"/>
-                      </p:stCondLst>
-                      <p:childTnLst>
                         <p:par>
-                          <p:cTn id="18" fill="hold">
+                          <p:cTn id="17" fill="hold">
                             <p:stCondLst>
-                              <p:cond delay="0"/>
+                              <p:cond delay="500"/>
                             </p:stCondLst>
                             <p:childTnLst>
                               <p:par>
-                                <p:cTn id="19" presetID="42" presetClass="path" presetSubtype="0" accel="50000" decel="50000" fill="hold" grpId="2" nodeType="clickEffect">
+                                <p:cTn id="18" presetID="42" presetClass="path" presetSubtype="0" accel="50000" decel="50000" fill="hold" grpId="2" nodeType="afterEffect">
                                   <p:stCondLst>
                                     <p:cond delay="0"/>
                                   </p:stCondLst>
                                   <p:childTnLst>
                                     <p:animMotion origin="layout" path="M 3.61111E-6 -2.59259E-6 L 3.61111E-6 0.44676 " pathEditMode="relative" rAng="0" ptsTypes="AA">
                                       <p:cBhvr>
-                                        <p:cTn id="20" dur="2000" fill="hold"/>
+                                        <p:cTn id="19" dur="500" fill="hold"/>
                                         <p:tgtEl>
                                           <p:spTgt spid="52"/>
                                         </p:tgtEl>
@@ -11998,26 +11993,26 @@
                     </p:cTn>
                   </p:par>
                   <p:par>
-                    <p:cTn id="21" fill="hold">
+                    <p:cTn id="20" fill="hold">
                       <p:stCondLst>
                         <p:cond delay="indefinite"/>
                       </p:stCondLst>
                       <p:childTnLst>
                         <p:par>
-                          <p:cTn id="22" fill="hold">
+                          <p:cTn id="21" fill="hold">
                             <p:stCondLst>
                               <p:cond delay="0"/>
                             </p:stCondLst>
                             <p:childTnLst>
                               <p:par>
-                                <p:cTn id="23" presetID="9" presetClass="exit" presetSubtype="0" fill="hold" grpId="1" nodeType="clickEffect">
+                                <p:cTn id="22" presetID="9" presetClass="exit" presetSubtype="0" fill="hold" grpId="1" nodeType="clickEffect">
                                   <p:stCondLst>
                                     <p:cond delay="0"/>
                                   </p:stCondLst>
                                   <p:childTnLst>
                                     <p:animEffect transition="out" filter="dissolve">
                                       <p:cBhvr>
-                                        <p:cTn id="24" dur="500"/>
+                                        <p:cTn id="23" dur="500"/>
                                         <p:tgtEl>
                                           <p:spTgt spid="52"/>
                                         </p:tgtEl>
@@ -12025,7 +12020,7 @@
                                     </p:animEffect>
                                     <p:set>
                                       <p:cBhvr>
-                                        <p:cTn id="25" dur="1" fill="hold">
+                                        <p:cTn id="24" dur="1" fill="hold">
                                           <p:stCondLst>
                                             <p:cond delay="499"/>
                                           </p:stCondLst>
@@ -12045,14 +12040,14 @@
                                 </p:cTn>
                               </p:par>
                               <p:par>
-                                <p:cTn id="26" presetID="9" presetClass="entr" presetSubtype="0" fill="hold" grpId="0" nodeType="withEffect">
+                                <p:cTn id="25" presetID="9" presetClass="entr" presetSubtype="0" fill="hold" grpId="0" nodeType="withEffect">
                                   <p:stCondLst>
                                     <p:cond delay="0"/>
                                   </p:stCondLst>
                                   <p:childTnLst>
                                     <p:set>
                                       <p:cBhvr>
-                                        <p:cTn id="27" dur="1" fill="hold">
+                                        <p:cTn id="26" dur="1" fill="hold">
                                           <p:stCondLst>
                                             <p:cond delay="0"/>
                                           </p:stCondLst>
@@ -12070,7 +12065,7 @@
                                     </p:set>
                                     <p:animEffect transition="in" filter="dissolve">
                                       <p:cBhvr>
-                                        <p:cTn id="28" dur="500"/>
+                                        <p:cTn id="27" dur="500"/>
                                         <p:tgtEl>
                                           <p:spTgt spid="53"/>
                                         </p:tgtEl>
@@ -12086,26 +12081,26 @@
                     </p:cTn>
                   </p:par>
                   <p:par>
-                    <p:cTn id="29" fill="hold">
+                    <p:cTn id="28" fill="hold">
                       <p:stCondLst>
                         <p:cond delay="indefinite"/>
                       </p:stCondLst>
                       <p:childTnLst>
                         <p:par>
-                          <p:cTn id="30" fill="hold">
+                          <p:cTn id="29" fill="hold">
                             <p:stCondLst>
                               <p:cond delay="0"/>
                             </p:stCondLst>
                             <p:childTnLst>
                               <p:par>
-                                <p:cTn id="31" presetID="9" presetClass="exit" presetSubtype="0" fill="hold" grpId="1" nodeType="clickEffect">
+                                <p:cTn id="30" presetID="9" presetClass="exit" presetSubtype="0" fill="hold" grpId="1" nodeType="clickEffect">
                                   <p:stCondLst>
                                     <p:cond delay="0"/>
                                   </p:stCondLst>
                                   <p:childTnLst>
                                     <p:animEffect transition="out" filter="dissolve">
                                       <p:cBhvr>
-                                        <p:cTn id="32" dur="500"/>
+                                        <p:cTn id="31" dur="500"/>
                                         <p:tgtEl>
                                           <p:spTgt spid="53"/>
                                         </p:tgtEl>
@@ -12113,7 +12108,7 @@
                                     </p:animEffect>
                                     <p:set>
                                       <p:cBhvr>
-                                        <p:cTn id="33" dur="1" fill="hold">
+                                        <p:cTn id="32" dur="1" fill="hold">
                                           <p:stCondLst>
                                             <p:cond delay="499"/>
                                           </p:stCondLst>
@@ -12133,14 +12128,14 @@
                                 </p:cTn>
                               </p:par>
                               <p:par>
-                                <p:cTn id="34" presetID="9" presetClass="entr" presetSubtype="0" fill="hold" grpId="0" nodeType="withEffect">
+                                <p:cTn id="33" presetID="9" presetClass="entr" presetSubtype="0" fill="hold" grpId="0" nodeType="withEffect">
                                   <p:stCondLst>
                                     <p:cond delay="0"/>
                                   </p:stCondLst>
                                   <p:childTnLst>
                                     <p:set>
                                       <p:cBhvr>
-                                        <p:cTn id="35" dur="1" fill="hold">
+                                        <p:cTn id="34" dur="1" fill="hold">
                                           <p:stCondLst>
                                             <p:cond delay="0"/>
                                           </p:stCondLst>
@@ -12158,7 +12153,7 @@
                                     </p:set>
                                     <p:animEffect transition="in" filter="dissolve">
                                       <p:cBhvr>
-                                        <p:cTn id="36" dur="500"/>
+                                        <p:cTn id="35" dur="500"/>
                                         <p:tgtEl>
                                           <p:spTgt spid="5"/>
                                         </p:tgtEl>
@@ -12174,26 +12169,26 @@
                     </p:cTn>
                   </p:par>
                   <p:par>
-                    <p:cTn id="37" fill="hold">
+                    <p:cTn id="36" fill="hold">
                       <p:stCondLst>
                         <p:cond delay="indefinite"/>
                       </p:stCondLst>
                       <p:childTnLst>
                         <p:par>
-                          <p:cTn id="38" fill="hold">
+                          <p:cTn id="37" fill="hold">
                             <p:stCondLst>
                               <p:cond delay="0"/>
                             </p:stCondLst>
                             <p:childTnLst>
                               <p:par>
-                                <p:cTn id="39" presetID="64" presetClass="path" presetSubtype="0" accel="50000" decel="50000" fill="hold" grpId="1" nodeType="clickEffect">
+                                <p:cTn id="38" presetID="64" presetClass="path" presetSubtype="0" accel="50000" decel="50000" fill="hold" grpId="1" nodeType="clickEffect">
                                   <p:stCondLst>
                                     <p:cond delay="0"/>
                                   </p:stCondLst>
                                   <p:childTnLst>
                                     <p:animMotion origin="layout" path="M 5E-6 0 L 5E-6 -0.13843 " pathEditMode="relative" rAng="0" ptsTypes="AA">
                                       <p:cBhvr>
-                                        <p:cTn id="40" dur="2000" fill="hold"/>
+                                        <p:cTn id="39" dur="500" fill="hold"/>
                                         <p:tgtEl>
                                           <p:spTgt spid="5"/>
                                         </p:tgtEl>
@@ -12214,26 +12209,26 @@
                     </p:cTn>
                   </p:par>
                   <p:par>
-                    <p:cTn id="41" fill="hold">
+                    <p:cTn id="40" fill="hold">
                       <p:stCondLst>
                         <p:cond delay="indefinite"/>
                       </p:stCondLst>
                       <p:childTnLst>
                         <p:par>
-                          <p:cTn id="42" fill="hold">
+                          <p:cTn id="41" fill="hold">
                             <p:stCondLst>
                               <p:cond delay="0"/>
                             </p:stCondLst>
                             <p:childTnLst>
                               <p:par>
-                                <p:cTn id="43" presetID="64" presetClass="path" presetSubtype="0" accel="50000" decel="50000" fill="hold" grpId="4" nodeType="clickEffect">
+                                <p:cTn id="42" presetID="64" presetClass="path" presetSubtype="0" accel="50000" decel="50000" fill="hold" grpId="4" nodeType="clickEffect">
                                   <p:stCondLst>
                                     <p:cond delay="0"/>
                                   </p:stCondLst>
                                   <p:childTnLst>
                                     <p:animMotion origin="layout" path="M -2.5E-6 -0.13843 L -2.5E-6 -0.29606 " pathEditMode="relative" rAng="0" ptsTypes="AA">
                                       <p:cBhvr>
-                                        <p:cTn id="44" dur="2000" fill="hold"/>
+                                        <p:cTn id="43" dur="500" fill="hold"/>
                                         <p:tgtEl>
                                           <p:spTgt spid="5"/>
                                         </p:tgtEl>
@@ -12254,26 +12249,26 @@
                     </p:cTn>
                   </p:par>
                   <p:par>
-                    <p:cTn id="45" fill="hold">
+                    <p:cTn id="44" fill="hold">
                       <p:stCondLst>
                         <p:cond delay="indefinite"/>
                       </p:stCondLst>
                       <p:childTnLst>
                         <p:par>
-                          <p:cTn id="46" fill="hold">
+                          <p:cTn id="45" fill="hold">
                             <p:stCondLst>
                               <p:cond delay="0"/>
                             </p:stCondLst>
                             <p:childTnLst>
                               <p:par>
-                                <p:cTn id="47" presetID="9" presetClass="exit" presetSubtype="0" fill="hold" grpId="3" nodeType="clickEffect">
+                                <p:cTn id="46" presetID="9" presetClass="exit" presetSubtype="0" fill="hold" grpId="3" nodeType="clickEffect">
                                   <p:stCondLst>
                                     <p:cond delay="0"/>
                                   </p:stCondLst>
                                   <p:childTnLst>
                                     <p:animEffect transition="out" filter="dissolve">
                                       <p:cBhvr>
-                                        <p:cTn id="48" dur="500"/>
+                                        <p:cTn id="47" dur="500"/>
                                         <p:tgtEl>
                                           <p:spTgt spid="5"/>
                                         </p:tgtEl>
@@ -12281,7 +12276,7 @@
                                     </p:animEffect>
                                     <p:set>
                                       <p:cBhvr>
-                                        <p:cTn id="49" dur="1" fill="hold">
+                                        <p:cTn id="48" dur="1" fill="hold">
                                           <p:stCondLst>
                                             <p:cond delay="499"/>
                                           </p:stCondLst>
@@ -12301,14 +12296,14 @@
                                 </p:cTn>
                               </p:par>
                               <p:par>
-                                <p:cTn id="50" presetID="9" presetClass="entr" presetSubtype="0" fill="hold" grpId="0" nodeType="withEffect">
+                                <p:cTn id="49" presetID="9" presetClass="entr" presetSubtype="0" fill="hold" grpId="0" nodeType="withEffect">
                                   <p:stCondLst>
                                     <p:cond delay="0"/>
                                   </p:stCondLst>
                                   <p:childTnLst>
                                     <p:set>
                                       <p:cBhvr>
-                                        <p:cTn id="51" dur="1" fill="hold">
+                                        <p:cTn id="50" dur="1" fill="hold">
                                           <p:stCondLst>
                                             <p:cond delay="0"/>
                                           </p:stCondLst>
@@ -12326,7 +12321,7 @@
                                     </p:set>
                                     <p:animEffect transition="in" filter="dissolve">
                                       <p:cBhvr>
-                                        <p:cTn id="52" dur="500"/>
+                                        <p:cTn id="51" dur="500"/>
                                         <p:tgtEl>
                                           <p:spTgt spid="4"/>
                                         </p:tgtEl>
@@ -12339,20 +12334,20 @@
                           </p:cTn>
                         </p:par>
                         <p:par>
-                          <p:cTn id="53" fill="hold">
+                          <p:cTn id="52" fill="hold">
                             <p:stCondLst>
                               <p:cond delay="500"/>
                             </p:stCondLst>
                             <p:childTnLst>
                               <p:par>
-                                <p:cTn id="54" presetID="64" presetClass="path" presetSubtype="0" accel="50000" decel="50000" fill="hold" grpId="2" nodeType="afterEffect">
+                                <p:cTn id="53" presetID="64" presetClass="path" presetSubtype="0" accel="50000" decel="50000" fill="hold" grpId="2" nodeType="afterEffect">
                                   <p:stCondLst>
                                     <p:cond delay="0"/>
                                   </p:stCondLst>
                                   <p:childTnLst>
                                     <p:animMotion origin="layout" path="M 2.5E-6 4.07407E-6 L 2.5E-6 -0.16297 " pathEditMode="relative" rAng="0" ptsTypes="AA">
                                       <p:cBhvr>
-                                        <p:cTn id="55" dur="2000" fill="hold"/>
+                                        <p:cTn id="54" dur="500" fill="hold"/>
                                         <p:tgtEl>
                                           <p:spTgt spid="4"/>
                                         </p:tgtEl>
@@ -12373,26 +12368,26 @@
                     </p:cTn>
                   </p:par>
                   <p:par>
-                    <p:cTn id="56" fill="hold">
+                    <p:cTn id="55" fill="hold">
                       <p:stCondLst>
                         <p:cond delay="indefinite"/>
                       </p:stCondLst>
                       <p:childTnLst>
                         <p:par>
-                          <p:cTn id="57" fill="hold">
+                          <p:cTn id="56" fill="hold">
                             <p:stCondLst>
                               <p:cond delay="0"/>
                             </p:stCondLst>
                             <p:childTnLst>
                               <p:par>
-                                <p:cTn id="58" presetID="9" presetClass="exit" presetSubtype="0" fill="hold" grpId="3" nodeType="clickEffect">
+                                <p:cTn id="57" presetID="9" presetClass="exit" presetSubtype="0" fill="hold" grpId="3" nodeType="clickEffect">
                                   <p:stCondLst>
                                     <p:cond delay="0"/>
                                   </p:stCondLst>
                                   <p:childTnLst>
                                     <p:animEffect transition="out" filter="dissolve">
                                       <p:cBhvr>
-                                        <p:cTn id="59" dur="500"/>
+                                        <p:cTn id="58" dur="500"/>
                                         <p:tgtEl>
                                           <p:spTgt spid="4"/>
                                         </p:tgtEl>
@@ -12400,7 +12395,7 @@
                                     </p:animEffect>
                                     <p:set>
                                       <p:cBhvr>
-                                        <p:cTn id="60" dur="1" fill="hold">
+                                        <p:cTn id="59" dur="1" fill="hold">
                                           <p:stCondLst>
                                             <p:cond delay="499"/>
                                           </p:stCondLst>
@@ -12420,14 +12415,14 @@
                                 </p:cTn>
                               </p:par>
                               <p:par>
-                                <p:cTn id="61" presetID="9" presetClass="entr" presetSubtype="0" fill="hold" grpId="0" nodeType="withEffect">
+                                <p:cTn id="60" presetID="9" presetClass="entr" presetSubtype="0" fill="hold" grpId="0" nodeType="withEffect">
                                   <p:stCondLst>
                                     <p:cond delay="0"/>
                                   </p:stCondLst>
                                   <p:childTnLst>
                                     <p:set>
                                       <p:cBhvr>
-                                        <p:cTn id="62" dur="1" fill="hold">
+                                        <p:cTn id="61" dur="1" fill="hold">
                                           <p:stCondLst>
                                             <p:cond delay="0"/>
                                           </p:stCondLst>
@@ -12445,7 +12440,7 @@
                                     </p:set>
                                     <p:animEffect transition="in" filter="dissolve">
                                       <p:cBhvr>
-                                        <p:cTn id="63" dur="500"/>
+                                        <p:cTn id="62" dur="500"/>
                                         <p:tgtEl>
                                           <p:spTgt spid="19"/>
                                         </p:tgtEl>
@@ -12461,26 +12456,26 @@
                     </p:cTn>
                   </p:par>
                   <p:par>
-                    <p:cTn id="64" fill="hold">
+                    <p:cTn id="63" fill="hold">
                       <p:stCondLst>
                         <p:cond delay="indefinite"/>
                       </p:stCondLst>
                       <p:childTnLst>
                         <p:par>
-                          <p:cTn id="65" fill="hold">
+                          <p:cTn id="64" fill="hold">
                             <p:stCondLst>
                               <p:cond delay="0"/>
                             </p:stCondLst>
                             <p:childTnLst>
                               <p:par>
-                                <p:cTn id="66" presetID="2" presetClass="exit" presetSubtype="2" fill="hold" grpId="1" nodeType="clickEffect">
+                                <p:cTn id="65" presetID="2" presetClass="exit" presetSubtype="2" fill="hold" grpId="1" nodeType="clickEffect">
                                   <p:stCondLst>
                                     <p:cond delay="0"/>
                                   </p:stCondLst>
                                   <p:childTnLst>
                                     <p:anim calcmode="lin" valueType="num">
                                       <p:cBhvr additive="base">
-                                        <p:cTn id="67" dur="3000"/>
+                                        <p:cTn id="66" dur="500"/>
                                         <p:tgtEl>
                                           <p:spTgt spid="19"/>
                                         </p:tgtEl>
@@ -12503,7 +12498,7 @@
                                     </p:anim>
                                     <p:anim calcmode="lin" valueType="num">
                                       <p:cBhvr additive="base">
-                                        <p:cTn id="68" dur="3000"/>
+                                        <p:cTn id="67" dur="500"/>
                                         <p:tgtEl>
                                           <p:spTgt spid="19"/>
                                         </p:tgtEl>
@@ -12526,9 +12521,9 @@
                                     </p:anim>
                                     <p:set>
                                       <p:cBhvr>
-                                        <p:cTn id="69" dur="1" fill="hold">
+                                        <p:cTn id="68" dur="1" fill="hold">
                                           <p:stCondLst>
-                                            <p:cond delay="2999"/>
+                                            <p:cond delay="499"/>
                                           </p:stCondLst>
                                         </p:cTn>
                                         <p:tgtEl>
@@ -14381,24 +14376,15 @@
                                   </p:childTnLst>
                                 </p:cTn>
                               </p:par>
-                            </p:childTnLst>
-                          </p:cTn>
-                        </p:par>
-                        <p:par>
-                          <p:cTn id="12" fill="hold">
-                            <p:stCondLst>
-                              <p:cond delay="500"/>
-                            </p:stCondLst>
-                            <p:childTnLst>
                               <p:par>
-                                <p:cTn id="13" presetID="10" presetClass="entr" presetSubtype="0" fill="hold" grpId="0" nodeType="afterEffect">
+                                <p:cTn id="12" presetID="10" presetClass="entr" presetSubtype="0" fill="hold" grpId="0" nodeType="withEffect">
                                   <p:stCondLst>
                                     <p:cond delay="0"/>
                                   </p:stCondLst>
                                   <p:childTnLst>
                                     <p:set>
                                       <p:cBhvr>
-                                        <p:cTn id="14" dur="1" fill="hold">
+                                        <p:cTn id="13" dur="1" fill="hold">
                                           <p:stCondLst>
                                             <p:cond delay="0"/>
                                           </p:stCondLst>
@@ -14416,9 +14402,44 @@
                                     </p:set>
                                     <p:animEffect transition="in" filter="fade">
                                       <p:cBhvr>
-                                        <p:cTn id="15" dur="500"/>
+                                        <p:cTn id="14" dur="500"/>
                                         <p:tgtEl>
                                           <p:spTgt spid="11"/>
+                                        </p:tgtEl>
+                                      </p:cBhvr>
+                                    </p:animEffect>
+                                  </p:childTnLst>
+                                </p:cTn>
+                              </p:par>
+                              <p:par>
+                                <p:cTn id="15" presetID="10" presetClass="entr" presetSubtype="0" fill="hold" grpId="0" nodeType="withEffect">
+                                  <p:stCondLst>
+                                    <p:cond delay="0"/>
+                                  </p:stCondLst>
+                                  <p:childTnLst>
+                                    <p:set>
+                                      <p:cBhvr>
+                                        <p:cTn id="16" dur="1" fill="hold">
+                                          <p:stCondLst>
+                                            <p:cond delay="0"/>
+                                          </p:stCondLst>
+                                        </p:cTn>
+                                        <p:tgtEl>
+                                          <p:spTgt spid="9"/>
+                                        </p:tgtEl>
+                                        <p:attrNameLst>
+                                          <p:attrName>style.visibility</p:attrName>
+                                        </p:attrNameLst>
+                                      </p:cBhvr>
+                                      <p:to>
+                                        <p:strVal val="visible"/>
+                                      </p:to>
+                                    </p:set>
+                                    <p:animEffect transition="in" filter="fade">
+                                      <p:cBhvr>
+                                        <p:cTn id="17" dur="500"/>
+                                        <p:tgtEl>
+                                          <p:spTgt spid="9"/>
                                         </p:tgtEl>
                                       </p:cBhvr>
                                     </p:animEffect>
@@ -14429,26 +14450,61 @@
                           </p:cTn>
                         </p:par>
                         <p:par>
-                          <p:cTn id="16" fill="hold">
+                          <p:cTn id="18" fill="hold">
                             <p:stCondLst>
-                              <p:cond delay="1000"/>
+                              <p:cond delay="500"/>
                             </p:stCondLst>
                             <p:childTnLst>
                               <p:par>
-                                <p:cTn id="17" presetID="10" presetClass="entr" presetSubtype="0" fill="hold" grpId="0" nodeType="afterEffect">
+                                <p:cTn id="19" presetID="3" presetClass="entr" presetSubtype="10" fill="hold" grpId="0" nodeType="afterEffect">
                                   <p:stCondLst>
                                     <p:cond delay="0"/>
                                   </p:stCondLst>
                                   <p:childTnLst>
                                     <p:set>
                                       <p:cBhvr>
-                                        <p:cTn id="18" dur="1" fill="hold">
+                                        <p:cTn id="20" dur="1" fill="hold">
                                           <p:stCondLst>
                                             <p:cond delay="0"/>
                                           </p:stCondLst>
                                         </p:cTn>
                                         <p:tgtEl>
-                                          <p:spTgt spid="9"/>
+                                          <p:spTgt spid="12"/>
+                                        </p:tgtEl>
+                                        <p:attrNameLst>
+                                          <p:attrName>style.visibility</p:attrName>
+                                        </p:attrNameLst>
+                                      </p:cBhvr>
+                                      <p:to>
+                                        <p:strVal val="visible"/>
+                                      </p:to>
+                                    </p:set>
+                                    <p:animEffect transition="in" filter="blinds(horizontal)">
+                                      <p:cBhvr>
+                                        <p:cTn id="21" dur="500"/>
+                                        <p:tgtEl>
+                                          <p:spTgt spid="12"/>
+                                        </p:tgtEl>
+                                      </p:cBhvr>
+                                    </p:animEffect>
+                                  </p:childTnLst>
+                                </p:cTn>
+                              </p:par>
+                              <p:par>
+                                <p:cTn id="22" presetID="10" presetClass="entr" presetSubtype="0" fill="hold" nodeType="withEffect">
+                                  <p:stCondLst>
+                                    <p:cond delay="0"/>
+                                  </p:stCondLst>
+                                  <p:childTnLst>
+                                    <p:set>
+                                      <p:cBhvr>
+                                        <p:cTn id="23" dur="1" fill="hold">
+                                          <p:stCondLst>
+                                            <p:cond delay="0"/>
+                                          </p:stCondLst>
+                                        </p:cTn>
+                                        <p:tgtEl>
+                                          <p:spTgt spid="1027"/>
                                         </p:tgtEl>
                                         <p:attrNameLst>
                                           <p:attrName>style.visibility</p:attrName>
@@ -14460,86 +14516,7 @@
                                     </p:set>
                                     <p:animEffect transition="in" filter="fade">
                                       <p:cBhvr>
-                                        <p:cTn id="19" dur="500"/>
-                                        <p:tgtEl>
-                                          <p:spTgt spid="9"/>
-                                        </p:tgtEl>
-                                      </p:cBhvr>
-                                    </p:animEffect>
-                                  </p:childTnLst>
-                                </p:cTn>
-                              </p:par>
-                            </p:childTnLst>
-                          </p:cTn>
-                        </p:par>
-                        <p:par>
-                          <p:cTn id="20" fill="hold">
-                            <p:stCondLst>
-                              <p:cond delay="1500"/>
-                            </p:stCondLst>
-                            <p:childTnLst>
-                              <p:par>
-                                <p:cTn id="21" presetID="3" presetClass="entr" presetSubtype="10" fill="hold" grpId="0" nodeType="afterEffect">
-                                  <p:stCondLst>
-                                    <p:cond delay="0"/>
-                                  </p:stCondLst>
-                                  <p:childTnLst>
-                                    <p:set>
-                                      <p:cBhvr>
-                                        <p:cTn id="22" dur="1" fill="hold">
-                                          <p:stCondLst>
-                                            <p:cond delay="0"/>
-                                          </p:stCondLst>
-                                        </p:cTn>
-                                        <p:tgtEl>
-                                          <p:spTgt spid="12"/>
-                                        </p:tgtEl>
-                                        <p:attrNameLst>
-                                          <p:attrName>style.visibility</p:attrName>
-                                        </p:attrNameLst>
-                                      </p:cBhvr>
-                                      <p:to>
-                                        <p:strVal val="visible"/>
-                                      </p:to>
-                                    </p:set>
-                                    <p:animEffect transition="in" filter="blinds(horizontal)">
-                                      <p:cBhvr>
-                                        <p:cTn id="23" dur="500"/>
-                                        <p:tgtEl>
-                                          <p:spTgt spid="12"/>
-                                        </p:tgtEl>
-                                      </p:cBhvr>
-                                    </p:animEffect>
-                                  </p:childTnLst>
-                                </p:cTn>
-                              </p:par>
-                              <p:par>
-                                <p:cTn id="24" presetID="10" presetClass="entr" presetSubtype="0" fill="hold" nodeType="withEffect">
-                                  <p:stCondLst>
-                                    <p:cond delay="0"/>
-                                  </p:stCondLst>
-                                  <p:childTnLst>
-                                    <p:set>
-                                      <p:cBhvr>
-                                        <p:cTn id="25" dur="1" fill="hold">
-                                          <p:stCondLst>
-                                            <p:cond delay="0"/>
-                                          </p:stCondLst>
-                                        </p:cTn>
-                                        <p:tgtEl>
-                                          <p:spTgt spid="1027"/>
-                                        </p:tgtEl>
-                                        <p:attrNameLst>
-                                          <p:attrName>style.visibility</p:attrName>
-                                        </p:attrNameLst>
-                                      </p:cBhvr>
-                                      <p:to>
-                                        <p:strVal val="visible"/>
-                                      </p:to>
-                                    </p:set>
-                                    <p:animEffect transition="in" filter="fade">
-                                      <p:cBhvr>
-                                        <p:cTn id="26" dur="500"/>
+                                        <p:cTn id="24" dur="500"/>
                                         <p:tgtEl>
                                           <p:spTgt spid="1027"/>
                                         </p:tgtEl>
@@ -14555,26 +14532,26 @@
                     </p:cTn>
                   </p:par>
                   <p:par>
-                    <p:cTn id="27" fill="hold">
+                    <p:cTn id="25" fill="hold">
                       <p:stCondLst>
                         <p:cond delay="indefinite"/>
                       </p:stCondLst>
                       <p:childTnLst>
                         <p:par>
-                          <p:cTn id="28" fill="hold">
+                          <p:cTn id="26" fill="hold">
                             <p:stCondLst>
                               <p:cond delay="0"/>
                             </p:stCondLst>
                             <p:childTnLst>
                               <p:par>
-                                <p:cTn id="29" presetID="10" presetClass="entr" presetSubtype="0" fill="hold" nodeType="clickEffect">
+                                <p:cTn id="27" presetID="10" presetClass="entr" presetSubtype="0" fill="hold" nodeType="clickEffect">
                                   <p:stCondLst>
                                     <p:cond delay="0"/>
                                   </p:stCondLst>
                                   <p:childTnLst>
                                     <p:set>
                                       <p:cBhvr>
-                                        <p:cTn id="30" dur="1" fill="hold">
+                                        <p:cTn id="28" dur="1" fill="hold">
                                           <p:stCondLst>
                                             <p:cond delay="0"/>
                                           </p:stCondLst>
@@ -14592,7 +14569,7 @@
                                     </p:set>
                                     <p:animEffect transition="in" filter="fade">
                                       <p:cBhvr>
-                                        <p:cTn id="31" dur="500"/>
+                                        <p:cTn id="29" dur="500"/>
                                         <p:tgtEl>
                                           <p:spTgt spid="1026"/>
                                         </p:tgtEl>
@@ -14605,20 +14582,20 @@
                           </p:cTn>
                         </p:par>
                         <p:par>
-                          <p:cTn id="32" fill="hold">
+                          <p:cTn id="30" fill="hold">
                             <p:stCondLst>
                               <p:cond delay="500"/>
                             </p:stCondLst>
                             <p:childTnLst>
                               <p:par>
-                                <p:cTn id="33" presetID="3" presetClass="entr" presetSubtype="10" fill="hold" grpId="0" nodeType="afterEffect">
+                                <p:cTn id="31" presetID="3" presetClass="entr" presetSubtype="10" fill="hold" grpId="0" nodeType="afterEffect">
                                   <p:stCondLst>
                                     <p:cond delay="0"/>
                                   </p:stCondLst>
                                   <p:childTnLst>
                                     <p:set>
                                       <p:cBhvr>
-                                        <p:cTn id="34" dur="1" fill="hold">
+                                        <p:cTn id="32" dur="1" fill="hold">
                                           <p:stCondLst>
                                             <p:cond delay="0"/>
                                           </p:stCondLst>
@@ -14636,7 +14613,7 @@
                                     </p:set>
                                     <p:animEffect transition="in" filter="blinds(horizontal)">
                                       <p:cBhvr>
-                                        <p:cTn id="35" dur="500"/>
+                                        <p:cTn id="33" dur="500"/>
                                         <p:tgtEl>
                                           <p:spTgt spid="13"/>
                                         </p:tgtEl>
@@ -14670,7 +14647,7 @@
             </p:seq>
             <p:video>
               <p:cMediaNode>
-                <p:cTn id="36" fill="hold" display="0">
+                <p:cTn id="34" fill="hold" display="0">
                   <p:stCondLst>
                     <p:cond delay="indefinite"/>
                   </p:stCondLst>
@@ -14814,8 +14791,8 @@
         </p:nvSpPr>
         <p:spPr>
           <a:xfrm>
-            <a:off x="5143504" y="571480"/>
-            <a:ext cx="3345018" cy="369332"/>
+            <a:off x="7248126" y="571480"/>
+            <a:ext cx="1324402" cy="369332"/>
           </a:xfrm>
           <a:prstGeom prst="rect">
             <a:avLst/>
@@ -14848,7 +14825,7 @@
           <a:p>
             <a:r>
               <a:rPr lang="nl-BE" dirty="0" smtClean="0"/>
-              <a:t>Zorgbehoevende Controller</a:t>
+              <a:t>Controller</a:t>
             </a:r>
             <a:endParaRPr lang="en-US" dirty="0"/>
           </a:p>
@@ -14862,8 +14839,8 @@
         </p:nvSpPr>
         <p:spPr>
           <a:xfrm>
-            <a:off x="2928926" y="3857628"/>
-            <a:ext cx="2878993" cy="369332"/>
+            <a:off x="7642713" y="3857628"/>
+            <a:ext cx="858377" cy="369332"/>
           </a:xfrm>
           <a:prstGeom prst="rect">
             <a:avLst/>
@@ -14896,7 +14873,7 @@
           <a:p>
             <a:r>
               <a:rPr lang="nl-BE" dirty="0" smtClean="0"/>
-              <a:t>Zorgbehoevende Entity</a:t>
+              <a:t>Entity</a:t>
             </a:r>
             <a:endParaRPr lang="en-US" dirty="0"/>
           </a:p>
@@ -14910,8 +14887,8 @@
         </p:nvSpPr>
         <p:spPr>
           <a:xfrm>
-            <a:off x="5286380" y="2357430"/>
-            <a:ext cx="3056478" cy="369332"/>
+            <a:off x="7465229" y="2357430"/>
+            <a:ext cx="1035861" cy="369332"/>
           </a:xfrm>
           <a:prstGeom prst="rect">
             <a:avLst/>
@@ -14944,7 +14921,7 @@
           <a:p>
             <a:r>
               <a:rPr lang="nl-BE" dirty="0" smtClean="0"/>
-              <a:t>Zorgbehoevende Service</a:t>
+              <a:t>Service</a:t>
             </a:r>
             <a:endParaRPr lang="en-US" dirty="0"/>
           </a:p>
@@ -14983,20 +14960,22 @@
         </p:nvPicPr>
         <p:blipFill>
           <a:blip r:embed="rId2"/>
-          <a:srcRect/>
+          <a:srcRect l="-9604" r="-57934"/>
           <a:stretch>
             <a:fillRect/>
           </a:stretch>
         </p:blipFill>
         <p:spPr bwMode="auto">
           <a:xfrm>
-            <a:off x="1295409" y="4224350"/>
-            <a:ext cx="4562475" cy="990600"/>
+            <a:off x="857224" y="4224350"/>
+            <a:ext cx="7643866" cy="990600"/>
           </a:xfrm>
           <a:prstGeom prst="rect">
             <a:avLst/>
           </a:prstGeom>
-          <a:noFill/>
+          <a:solidFill>
+            <a:schemeClr val="bg1"/>
+          </a:solidFill>
           <a:ln w="38100">
             <a:solidFill>
               <a:schemeClr val="accent6"/>
@@ -15741,8 +15720,8 @@
         </p:nvSpPr>
         <p:spPr>
           <a:xfrm>
-            <a:off x="5438780" y="2631040"/>
-            <a:ext cx="3056478" cy="369332"/>
+            <a:off x="7465229" y="2631040"/>
+            <a:ext cx="1035861" cy="369332"/>
           </a:xfrm>
           <a:prstGeom prst="rect">
             <a:avLst/>
@@ -15775,7 +15754,7 @@
           <a:p>
             <a:r>
               <a:rPr lang="nl-BE" dirty="0" smtClean="0"/>
-              <a:t>Zorgbehoevende Service</a:t>
+              <a:t>Service</a:t>
             </a:r>
             <a:endParaRPr lang="en-US" dirty="0"/>
           </a:p>
@@ -15789,8 +15768,8 @@
         </p:nvSpPr>
         <p:spPr>
           <a:xfrm>
-            <a:off x="5429256" y="571480"/>
-            <a:ext cx="3056478" cy="369332"/>
+            <a:off x="7500958" y="571480"/>
+            <a:ext cx="1035861" cy="369332"/>
           </a:xfrm>
           <a:prstGeom prst="rect">
             <a:avLst/>
@@ -15823,7 +15802,7 @@
           <a:p>
             <a:r>
               <a:rPr lang="nl-BE" dirty="0" smtClean="0"/>
-              <a:t>Zorgbehoevende Service</a:t>
+              <a:t>Service</a:t>
             </a:r>
             <a:endParaRPr lang="en-US" dirty="0"/>
           </a:p>
@@ -16367,7 +16346,7 @@
         </p:nvSpPr>
         <p:spPr>
           <a:xfrm>
-            <a:off x="5772195" y="3005151"/>
+            <a:off x="5786446" y="2786058"/>
             <a:ext cx="1203535" cy="369332"/>
           </a:xfrm>
           <a:prstGeom prst="rect">
@@ -16415,8 +16394,8 @@
         </p:nvSpPr>
         <p:spPr>
           <a:xfrm>
-            <a:off x="3286116" y="642918"/>
-            <a:ext cx="2206181" cy="369332"/>
+            <a:off x="5965031" y="500042"/>
+            <a:ext cx="1035861" cy="369332"/>
           </a:xfrm>
           <a:prstGeom prst="rect">
             <a:avLst/>
@@ -16449,7 +16428,7 @@
           <a:p>
             <a:r>
               <a:rPr lang="nl-BE" dirty="0" smtClean="0"/>
-              <a:t>Aanvraag Service</a:t>
+              <a:t>Service</a:t>
             </a:r>
             <a:endParaRPr lang="en-US" dirty="0"/>
           </a:p>
@@ -16463,8 +16442,8 @@
         </p:nvSpPr>
         <p:spPr>
           <a:xfrm>
-            <a:off x="3816330" y="1500174"/>
-            <a:ext cx="1627177" cy="369332"/>
+            <a:off x="6142515" y="1347784"/>
+            <a:ext cx="858377" cy="369332"/>
           </a:xfrm>
           <a:prstGeom prst="rect">
             <a:avLst/>
@@ -16497,7 +16476,7 @@
           <a:p>
             <a:r>
               <a:rPr lang="nl-BE" dirty="0" smtClean="0"/>
-              <a:t>Attest Entity</a:t>
+              <a:t>Entity</a:t>
             </a:r>
             <a:endParaRPr lang="en-US" dirty="0"/>
           </a:p>
@@ -16513,20 +16492,22 @@
         </p:nvPicPr>
         <p:blipFill>
           <a:blip r:embed="rId2"/>
-          <a:srcRect r="14378" b="40663"/>
+          <a:srcRect r="-19099" b="40663"/>
           <a:stretch>
             <a:fillRect/>
           </a:stretch>
         </p:blipFill>
         <p:spPr bwMode="auto">
           <a:xfrm>
-            <a:off x="1714480" y="1857364"/>
-            <a:ext cx="3800465" cy="938208"/>
+            <a:off x="1714480" y="1704974"/>
+            <a:ext cx="5286412" cy="938208"/>
           </a:xfrm>
           <a:prstGeom prst="rect">
             <a:avLst/>
           </a:prstGeom>
-          <a:noFill/>
+          <a:solidFill>
+            <a:schemeClr val="bg1"/>
+          </a:solidFill>
           <a:ln w="38100">
             <a:solidFill>
               <a:schemeClr val="accent6"/>
@@ -16547,20 +16528,22 @@
         </p:nvPicPr>
         <p:blipFill>
           <a:blip r:embed="rId3"/>
-          <a:srcRect/>
+          <a:srcRect r="-38751" b="-7144"/>
           <a:stretch>
             <a:fillRect/>
           </a:stretch>
         </p:blipFill>
         <p:spPr bwMode="auto">
           <a:xfrm>
-            <a:off x="1714480" y="1000108"/>
-            <a:ext cx="3810000" cy="333375"/>
+            <a:off x="1714480" y="857232"/>
+            <a:ext cx="5286412" cy="357190"/>
           </a:xfrm>
           <a:prstGeom prst="rect">
             <a:avLst/>
           </a:prstGeom>
-          <a:noFill/>
+          <a:solidFill>
+            <a:schemeClr val="bg1"/>
+          </a:solidFill>
           <a:ln w="38100">
             <a:solidFill>
               <a:schemeClr val="accent6"/>
@@ -16581,20 +16564,22 @@
         </p:nvPicPr>
         <p:blipFill>
           <a:blip r:embed="rId4"/>
-          <a:srcRect/>
+          <a:srcRect r="-1094"/>
           <a:stretch>
             <a:fillRect/>
           </a:stretch>
         </p:blipFill>
         <p:spPr bwMode="auto">
           <a:xfrm>
-            <a:off x="1771667" y="3362341"/>
-            <a:ext cx="5229225" cy="2352675"/>
+            <a:off x="1714480" y="3143248"/>
+            <a:ext cx="5286412" cy="2352675"/>
           </a:xfrm>
           <a:prstGeom prst="rect">
             <a:avLst/>
           </a:prstGeom>
-          <a:noFill/>
+          <a:solidFill>
+            <a:schemeClr val="bg1"/>
+          </a:solidFill>
           <a:ln w="38100">
             <a:solidFill>
               <a:schemeClr val="accent6"/>
@@ -16638,8 +16623,8 @@
         </p:nvSpPr>
         <p:spPr>
           <a:xfrm>
-            <a:off x="2428860" y="2500306"/>
-            <a:ext cx="71438" cy="785818"/>
+            <a:off x="2428860" y="2357430"/>
+            <a:ext cx="71438" cy="714380"/>
           </a:xfrm>
           <a:prstGeom prst="downArrow">
             <a:avLst/>
@@ -16980,8 +16965,8 @@
         </p:nvSpPr>
         <p:spPr>
           <a:xfrm>
-            <a:off x="500034" y="585597"/>
-            <a:ext cx="5500710" cy="2492990"/>
+            <a:off x="500034" y="864572"/>
+            <a:ext cx="5500710" cy="2308324"/>
           </a:xfrm>
           <a:prstGeom prst="rect">
             <a:avLst/>
@@ -17021,6 +17006,116 @@
               </a:rPr>
               <a:t>{</a:t>
             </a:r>
+            <a:endParaRPr lang="en-US" sz="1200" dirty="0" smtClean="0">
+              <a:latin typeface="Consolas" pitchFamily="49" charset="0"/>
+            </a:endParaRPr>
+          </a:p>
+          <a:p>
+            <a:r>
+              <a:rPr lang="en-US" sz="1200" dirty="0" smtClean="0">
+                <a:latin typeface="Consolas" pitchFamily="49" charset="0"/>
+              </a:rPr>
+              <a:t>    public Memo(</a:t>
+            </a:r>
+            <a:r>
+              <a:rPr lang="en-US" sz="1200" dirty="0" err="1" smtClean="0">
+                <a:latin typeface="Consolas" pitchFamily="49" charset="0"/>
+              </a:rPr>
+              <a:t>DateTime</a:t>
+            </a:r>
+            <a:r>
+              <a:rPr lang="en-US" sz="1200" dirty="0" smtClean="0">
+                <a:latin typeface="Consolas" pitchFamily="49" charset="0"/>
+              </a:rPr>
+              <a:t> date, string auteur, string </a:t>
+            </a:r>
+            <a:r>
+              <a:rPr lang="en-US" sz="1200" dirty="0" err="1" smtClean="0">
+                <a:latin typeface="Consolas" pitchFamily="49" charset="0"/>
+              </a:rPr>
+              <a:t>inhoud</a:t>
+            </a:r>
+            <a:r>
+              <a:rPr lang="en-US" sz="1200" dirty="0" smtClean="0">
+                <a:latin typeface="Consolas" pitchFamily="49" charset="0"/>
+              </a:rPr>
+              <a:t>)</a:t>
+            </a:r>
+          </a:p>
+          <a:p>
+            <a:r>
+              <a:rPr lang="en-US" sz="1200" dirty="0" smtClean="0">
+                <a:latin typeface="Consolas" pitchFamily="49" charset="0"/>
+              </a:rPr>
+              <a:t>    {</a:t>
+            </a:r>
+          </a:p>
+          <a:p>
+            <a:r>
+              <a:rPr lang="en-US" sz="1200" dirty="0" smtClean="0">
+                <a:latin typeface="Consolas" pitchFamily="49" charset="0"/>
+              </a:rPr>
+              <a:t>        Datum = date;</a:t>
+            </a:r>
+          </a:p>
+          <a:p>
+            <a:r>
+              <a:rPr lang="en-US" sz="1200" dirty="0" smtClean="0">
+                <a:latin typeface="Consolas" pitchFamily="49" charset="0"/>
+              </a:rPr>
+              <a:t>        Auteur = auteur;</a:t>
+            </a:r>
+          </a:p>
+          <a:p>
+            <a:r>
+              <a:rPr lang="en-US" sz="1200" dirty="0" smtClean="0">
+                <a:latin typeface="Consolas" pitchFamily="49" charset="0"/>
+              </a:rPr>
+              <a:t>        </a:t>
+            </a:r>
+            <a:r>
+              <a:rPr lang="en-US" sz="1200" dirty="0" err="1" smtClean="0">
+                <a:latin typeface="Consolas" pitchFamily="49" charset="0"/>
+              </a:rPr>
+              <a:t>Inhoud</a:t>
+            </a:r>
+            <a:r>
+              <a:rPr lang="en-US" sz="1200" dirty="0" smtClean="0">
+                <a:latin typeface="Consolas" pitchFamily="49" charset="0"/>
+              </a:rPr>
+              <a:t> = </a:t>
+            </a:r>
+            <a:r>
+              <a:rPr lang="en-US" sz="1200" dirty="0" err="1" smtClean="0">
+                <a:latin typeface="Consolas" pitchFamily="49" charset="0"/>
+              </a:rPr>
+              <a:t>inhoud</a:t>
+            </a:r>
+            <a:r>
+              <a:rPr lang="en-US" sz="1200" dirty="0" smtClean="0">
+                <a:latin typeface="Consolas" pitchFamily="49" charset="0"/>
+              </a:rPr>
+              <a:t>;</a:t>
+            </a:r>
+          </a:p>
+          <a:p>
+            <a:r>
+              <a:rPr lang="en-US" sz="1200" dirty="0" smtClean="0">
+                <a:latin typeface="Consolas" pitchFamily="49" charset="0"/>
+              </a:rPr>
+              <a:t>    </a:t>
+            </a:r>
+            <a:r>
+              <a:rPr lang="en-US" sz="1200" dirty="0" smtClean="0">
+                <a:latin typeface="Consolas" pitchFamily="49" charset="0"/>
+              </a:rPr>
+              <a:t>}</a:t>
+            </a:r>
+          </a:p>
+          <a:p>
+            <a:endParaRPr lang="en-US" sz="1200" dirty="0" smtClean="0">
+              <a:latin typeface="Consolas" pitchFamily="49" charset="0"/>
+            </a:endParaRPr>
           </a:p>
           <a:p>
             <a:r>
@@ -17067,117 +17162,11 @@
               <a:rPr lang="en-US" sz="1200" dirty="0" smtClean="0">
                 <a:latin typeface="Consolas" pitchFamily="49" charset="0"/>
               </a:rPr>
-              <a:t> { get; protected set; }</a:t>
-            </a:r>
-          </a:p>
-          <a:p>
+              <a:t> { get; protected set; }}</a:t>
+            </a:r>
             <a:endParaRPr lang="en-US" sz="1200" dirty="0" smtClean="0">
               <a:latin typeface="Consolas" pitchFamily="49" charset="0"/>
             </a:endParaRPr>
-          </a:p>
-          <a:p>
-            <a:r>
-              <a:rPr lang="en-US" sz="1200" dirty="0" smtClean="0">
-                <a:latin typeface="Consolas" pitchFamily="49" charset="0"/>
-              </a:rPr>
-              <a:t>    public Memo(</a:t>
-            </a:r>
-            <a:r>
-              <a:rPr lang="en-US" sz="1200" dirty="0" err="1" smtClean="0">
-                <a:latin typeface="Consolas" pitchFamily="49" charset="0"/>
-              </a:rPr>
-              <a:t>DateTime</a:t>
-            </a:r>
-            <a:r>
-              <a:rPr lang="en-US" sz="1200" dirty="0" smtClean="0">
-                <a:latin typeface="Consolas" pitchFamily="49" charset="0"/>
-              </a:rPr>
-              <a:t> date, string auteur, string </a:t>
-            </a:r>
-            <a:r>
-              <a:rPr lang="en-US" sz="1200" dirty="0" err="1" smtClean="0">
-                <a:latin typeface="Consolas" pitchFamily="49" charset="0"/>
-              </a:rPr>
-              <a:t>inhoud</a:t>
-            </a:r>
-            <a:r>
-              <a:rPr lang="en-US" sz="1200" dirty="0" smtClean="0">
-                <a:latin typeface="Consolas" pitchFamily="49" charset="0"/>
-              </a:rPr>
-              <a:t>)</a:t>
-            </a:r>
-          </a:p>
-          <a:p>
-            <a:r>
-              <a:rPr lang="en-US" sz="1200" dirty="0" smtClean="0">
-                <a:latin typeface="Consolas" pitchFamily="49" charset="0"/>
-              </a:rPr>
-              <a:t>    {</a:t>
-            </a:r>
-          </a:p>
-          <a:p>
-            <a:r>
-              <a:rPr lang="en-US" sz="1200" dirty="0" smtClean="0">
-                <a:latin typeface="Consolas" pitchFamily="49" charset="0"/>
-              </a:rPr>
-              <a:t>        Datum = date;</a:t>
-            </a:r>
-          </a:p>
-          <a:p>
-            <a:r>
-              <a:rPr lang="en-US" sz="1200" dirty="0" smtClean="0">
-                <a:latin typeface="Consolas" pitchFamily="49" charset="0"/>
-              </a:rPr>
-              <a:t>        Auteur = auteur;</a:t>
-            </a:r>
-          </a:p>
-          <a:p>
-            <a:r>
-              <a:rPr lang="en-US" sz="1200" dirty="0" smtClean="0">
-                <a:latin typeface="Consolas" pitchFamily="49" charset="0"/>
-              </a:rPr>
-              <a:t>        </a:t>
-            </a:r>
-            <a:r>
-              <a:rPr lang="en-US" sz="1200" dirty="0" err="1" smtClean="0">
-                <a:latin typeface="Consolas" pitchFamily="49" charset="0"/>
-              </a:rPr>
-              <a:t>Inhoud</a:t>
-            </a:r>
-            <a:r>
-              <a:rPr lang="en-US" sz="1200" dirty="0" smtClean="0">
-                <a:latin typeface="Consolas" pitchFamily="49" charset="0"/>
-              </a:rPr>
-              <a:t> = </a:t>
-            </a:r>
-            <a:r>
-              <a:rPr lang="en-US" sz="1200" dirty="0" err="1" smtClean="0">
-                <a:latin typeface="Consolas" pitchFamily="49" charset="0"/>
-              </a:rPr>
-              <a:t>inhoud</a:t>
-            </a:r>
-            <a:r>
-              <a:rPr lang="en-US" sz="1200" dirty="0" smtClean="0">
-                <a:latin typeface="Consolas" pitchFamily="49" charset="0"/>
-              </a:rPr>
-              <a:t>;</a:t>
-            </a:r>
-          </a:p>
-          <a:p>
-            <a:r>
-              <a:rPr lang="en-US" sz="1200" dirty="0" smtClean="0">
-                <a:latin typeface="Consolas" pitchFamily="49" charset="0"/>
-              </a:rPr>
-              <a:t>    }</a:t>
-            </a:r>
-          </a:p>
-          <a:p>
-            <a:r>
-              <a:rPr lang="en-US" sz="1200" dirty="0" smtClean="0">
-                <a:latin typeface="Consolas" pitchFamily="49" charset="0"/>
-              </a:rPr>
-              <a:t>}</a:t>
-            </a:r>
           </a:p>
         </p:txBody>
       </p:sp>
@@ -17189,7 +17178,7 @@
         </p:nvSpPr>
         <p:spPr>
           <a:xfrm>
-            <a:off x="4000496" y="2085795"/>
+            <a:off x="4000496" y="2014357"/>
             <a:ext cx="4572000" cy="1200329"/>
           </a:xfrm>
           <a:prstGeom prst="rect">
@@ -17301,8 +17290,8 @@
         </p:nvSpPr>
         <p:spPr>
           <a:xfrm rot="5400000">
-            <a:off x="5679289" y="1121382"/>
-            <a:ext cx="1285884" cy="642942"/>
+            <a:off x="5750727" y="1250141"/>
+            <a:ext cx="1143008" cy="642942"/>
           </a:xfrm>
           <a:prstGeom prst="bentArrow">
             <a:avLst>
@@ -17354,7 +17343,7 @@
         </p:nvSpPr>
         <p:spPr>
           <a:xfrm>
-            <a:off x="571472" y="3643314"/>
+            <a:off x="571472" y="3714752"/>
             <a:ext cx="8001056" cy="369332"/>
           </a:xfrm>
           <a:prstGeom prst="rect">
@@ -17455,7 +17444,7 @@
         </p:nvSpPr>
         <p:spPr>
           <a:xfrm>
-            <a:off x="571472" y="4429132"/>
+            <a:off x="571472" y="4589514"/>
             <a:ext cx="8001056" cy="923330"/>
           </a:xfrm>
           <a:prstGeom prst="rect">
@@ -17567,6 +17556,198 @@
             <a:endParaRPr lang="en-US" dirty="0">
               <a:latin typeface="Consolas" pitchFamily="49" charset="0"/>
             </a:endParaRPr>
+          </a:p>
+        </p:txBody>
+      </p:sp>
+      <p:sp>
+        <p:nvSpPr>
+          <p:cNvPr id="9" name="TextBox 8"/>
+          <p:cNvSpPr txBox="1"/>
+          <p:nvPr/>
+        </p:nvSpPr>
+        <p:spPr>
+          <a:xfrm>
+            <a:off x="5142383" y="493265"/>
+            <a:ext cx="858377" cy="369332"/>
+          </a:xfrm>
+          <a:prstGeom prst="rect">
+            <a:avLst/>
+          </a:prstGeom>
+          <a:ln>
+            <a:noFill/>
+          </a:ln>
+        </p:spPr>
+        <p:style>
+          <a:lnRef idx="2">
+            <a:schemeClr val="accent6">
+              <a:shade val="50000"/>
+            </a:schemeClr>
+          </a:lnRef>
+          <a:fillRef idx="1">
+            <a:schemeClr val="accent6"/>
+          </a:fillRef>
+          <a:effectRef idx="0">
+            <a:schemeClr val="accent6"/>
+          </a:effectRef>
+          <a:fontRef idx="minor">
+            <a:schemeClr val="lt1"/>
+          </a:fontRef>
+        </p:style>
+        <p:txBody>
+          <a:bodyPr wrap="none" rtlCol="0">
+            <a:spAutoFit/>
+          </a:bodyPr>
+          <a:lstStyle/>
+          <a:p>
+            <a:r>
+              <a:rPr lang="nl-BE" dirty="0" smtClean="0"/>
+              <a:t>Entity</a:t>
+            </a:r>
+            <a:endParaRPr lang="en-US" dirty="0"/>
+          </a:p>
+        </p:txBody>
+      </p:sp>
+      <p:sp>
+        <p:nvSpPr>
+          <p:cNvPr id="10" name="TextBox 9"/>
+          <p:cNvSpPr txBox="1"/>
+          <p:nvPr/>
+        </p:nvSpPr>
+        <p:spPr>
+          <a:xfrm>
+            <a:off x="7979096" y="1643050"/>
+            <a:ext cx="593432" cy="369332"/>
+          </a:xfrm>
+          <a:prstGeom prst="rect">
+            <a:avLst/>
+          </a:prstGeom>
+          <a:ln>
+            <a:noFill/>
+          </a:ln>
+        </p:spPr>
+        <p:style>
+          <a:lnRef idx="2">
+            <a:schemeClr val="accent6">
+              <a:shade val="50000"/>
+            </a:schemeClr>
+          </a:lnRef>
+          <a:fillRef idx="1">
+            <a:schemeClr val="accent6"/>
+          </a:fillRef>
+          <a:effectRef idx="0">
+            <a:schemeClr val="accent6"/>
+          </a:effectRef>
+          <a:fontRef idx="minor">
+            <a:schemeClr val="lt1"/>
+          </a:fontRef>
+        </p:style>
+        <p:txBody>
+          <a:bodyPr wrap="none" rtlCol="0">
+            <a:spAutoFit/>
+          </a:bodyPr>
+          <a:lstStyle/>
+          <a:p>
+            <a:r>
+              <a:rPr lang="nl-BE" dirty="0" smtClean="0"/>
+              <a:t>Dto</a:t>
+            </a:r>
+            <a:endParaRPr lang="en-US" dirty="0"/>
+          </a:p>
+        </p:txBody>
+      </p:sp>
+      <p:sp>
+        <p:nvSpPr>
+          <p:cNvPr id="11" name="TextBox 10"/>
+          <p:cNvSpPr txBox="1"/>
+          <p:nvPr/>
+        </p:nvSpPr>
+        <p:spPr>
+          <a:xfrm>
+            <a:off x="7500958" y="3345420"/>
+            <a:ext cx="1035861" cy="369332"/>
+          </a:xfrm>
+          <a:prstGeom prst="rect">
+            <a:avLst/>
+          </a:prstGeom>
+          <a:ln>
+            <a:noFill/>
+          </a:ln>
+        </p:spPr>
+        <p:style>
+          <a:lnRef idx="2">
+            <a:schemeClr val="accent6">
+              <a:shade val="50000"/>
+            </a:schemeClr>
+          </a:lnRef>
+          <a:fillRef idx="1">
+            <a:schemeClr val="accent6"/>
+          </a:fillRef>
+          <a:effectRef idx="0">
+            <a:schemeClr val="accent6"/>
+          </a:effectRef>
+          <a:fontRef idx="minor">
+            <a:schemeClr val="lt1"/>
+          </a:fontRef>
+        </p:style>
+        <p:txBody>
+          <a:bodyPr wrap="none" rtlCol="0">
+            <a:spAutoFit/>
+          </a:bodyPr>
+          <a:lstStyle/>
+          <a:p>
+            <a:r>
+              <a:rPr lang="nl-BE" dirty="0" smtClean="0"/>
+              <a:t>Service</a:t>
+            </a:r>
+            <a:endParaRPr lang="en-US" dirty="0"/>
+          </a:p>
+        </p:txBody>
+      </p:sp>
+      <p:sp>
+        <p:nvSpPr>
+          <p:cNvPr id="12" name="TextBox 11"/>
+          <p:cNvSpPr txBox="1"/>
+          <p:nvPr/>
+        </p:nvSpPr>
+        <p:spPr>
+          <a:xfrm>
+            <a:off x="7500958" y="4214818"/>
+            <a:ext cx="1050288" cy="369332"/>
+          </a:xfrm>
+          <a:prstGeom prst="rect">
+            <a:avLst/>
+          </a:prstGeom>
+          <a:ln>
+            <a:noFill/>
+          </a:ln>
+        </p:spPr>
+        <p:style>
+          <a:lnRef idx="2">
+            <a:schemeClr val="accent6">
+              <a:shade val="50000"/>
+            </a:schemeClr>
+          </a:lnRef>
+          <a:fillRef idx="1">
+            <a:schemeClr val="accent6"/>
+          </a:fillRef>
+          <a:effectRef idx="0">
+            <a:schemeClr val="accent6"/>
+          </a:effectRef>
+          <a:fontRef idx="minor">
+            <a:schemeClr val="lt1"/>
+          </a:fontRef>
+        </p:style>
+        <p:txBody>
+          <a:bodyPr wrap="none" rtlCol="0">
+            <a:spAutoFit/>
+          </a:bodyPr>
+          <a:lstStyle/>
+          <a:p>
+            <a:r>
+              <a:rPr lang="nl-BE" dirty="0" smtClean="0"/>
+              <a:t>Startup</a:t>
+            </a:r>
+            <a:endParaRPr lang="en-US" dirty="0"/>
           </a:p>
         </p:txBody>
       </p:sp>
@@ -17691,6 +17872,41 @@
                                   </p:childTnLst>
                                 </p:cTn>
                               </p:par>
+                              <p:par>
+                                <p:cTn id="12" presetID="10" presetClass="entr" presetSubtype="0" fill="hold" grpId="0" nodeType="withEffect">
+                                  <p:stCondLst>
+                                    <p:cond delay="0"/>
+                                  </p:stCondLst>
+                                  <p:childTnLst>
+                                    <p:set>
+                                      <p:cBhvr>
+                                        <p:cTn id="13" dur="1" fill="hold">
+                                          <p:stCondLst>
+                                            <p:cond delay="0"/>
+                                          </p:stCondLst>
+                                        </p:cTn>
+                                        <p:tgtEl>
+                                          <p:spTgt spid="9"/>
+                                        </p:tgtEl>
+                                        <p:attrNameLst>
+                                          <p:attrName>style.visibility</p:attrName>
+                                        </p:attrNameLst>
+                                      </p:cBhvr>
+                                      <p:to>
+                                        <p:strVal val="visible"/>
+                                      </p:to>
+                                    </p:set>
+                                    <p:animEffect transition="in" filter="fade">
+                                      <p:cBhvr>
+                                        <p:cTn id="14" dur="500"/>
+                                        <p:tgtEl>
+                                          <p:spTgt spid="9"/>
+                                        </p:tgtEl>
+                                      </p:cBhvr>
+                                    </p:animEffect>
+                                  </p:childTnLst>
+                                </p:cTn>
+                              </p:par>
                             </p:childTnLst>
                           </p:cTn>
                         </p:par>
@@ -17698,26 +17914,26 @@
                     </p:cTn>
                   </p:par>
                   <p:par>
-                    <p:cTn id="12" fill="hold">
+                    <p:cTn id="15" fill="hold">
                       <p:stCondLst>
                         <p:cond delay="indefinite"/>
                       </p:stCondLst>
                       <p:childTnLst>
                         <p:par>
-                          <p:cTn id="13" fill="hold">
+                          <p:cTn id="16" fill="hold">
                             <p:stCondLst>
                               <p:cond delay="0"/>
                             </p:stCondLst>
                             <p:childTnLst>
                               <p:par>
-                                <p:cTn id="14" presetID="10" presetClass="entr" presetSubtype="0" fill="hold" grpId="0" nodeType="clickEffect">
+                                <p:cTn id="17" presetID="10" presetClass="entr" presetSubtype="0" fill="hold" grpId="0" nodeType="clickEffect">
                                   <p:stCondLst>
                                     <p:cond delay="0"/>
                                   </p:stCondLst>
                                   <p:childTnLst>
                                     <p:set>
                                       <p:cBhvr>
-                                        <p:cTn id="15" dur="1" fill="hold">
+                                        <p:cTn id="18" dur="1" fill="hold">
                                           <p:stCondLst>
                                             <p:cond delay="0"/>
                                           </p:stCondLst>
@@ -17735,7 +17951,7 @@
                                     </p:set>
                                     <p:animEffect transition="in" filter="fade">
                                       <p:cBhvr>
-                                        <p:cTn id="16" dur="500"/>
+                                        <p:cTn id="19" dur="500"/>
                                         <p:tgtEl>
                                           <p:spTgt spid="5"/>
                                         </p:tgtEl>
@@ -17745,7 +17961,7 @@
                                 </p:cTn>
                               </p:par>
                               <p:par>
-                                <p:cTn id="17" presetID="5" presetClass="emph" presetSubtype="1" grpId="1" nodeType="withEffect">
+                                <p:cTn id="20" presetID="5" presetClass="emph" presetSubtype="1" grpId="1" nodeType="withEffect">
                                   <p:stCondLst>
                                     <p:cond delay="0"/>
                                   </p:stCondLst>
@@ -17759,7 +17975,7 @@
                                   <p:childTnLst>
                                     <p:set>
                                       <p:cBhvr override="childStyle">
-                                        <p:cTn id="18" dur="indefinite"/>
+                                        <p:cTn id="21" dur="indefinite"/>
                                         <p:tgtEl>
                                           <p:spTgt spid="5"/>
                                         </p:tgtEl>
@@ -17773,7 +17989,7 @@
                                     </p:set>
                                     <p:set>
                                       <p:cBhvr override="childStyle">
-                                        <p:cTn id="19" dur="indefinite"/>
+                                        <p:cTn id="22" dur="indefinite"/>
                                         <p:tgtEl>
                                           <p:spTgt spid="5"/>
                                         </p:tgtEl>
@@ -17787,7 +18003,7 @@
                                     </p:set>
                                     <p:set>
                                       <p:cBhvr override="childStyle">
-                                        <p:cTn id="20" dur="indefinite"/>
+                                        <p:cTn id="23" dur="indefinite"/>
                                         <p:tgtEl>
                                           <p:spTgt spid="5"/>
                                         </p:tgtEl>
@@ -17803,20 +18019,20 @@
                                 </p:cTn>
                               </p:par>
                               <p:par>
-                                <p:cTn id="21" presetID="10" presetClass="entr" presetSubtype="0" fill="hold" grpId="0" nodeType="withEffect">
+                                <p:cTn id="24" presetID="10" presetClass="entr" presetSubtype="0" fill="hold" grpId="0" nodeType="withEffect">
                                   <p:stCondLst>
                                     <p:cond delay="0"/>
                                   </p:stCondLst>
                                   <p:childTnLst>
                                     <p:set>
                                       <p:cBhvr>
-                                        <p:cTn id="22" dur="1" fill="hold">
+                                        <p:cTn id="25" dur="1" fill="hold">
                                           <p:stCondLst>
                                             <p:cond delay="0"/>
                                           </p:stCondLst>
                                         </p:cTn>
                                         <p:tgtEl>
-                                          <p:spTgt spid="6"/>
+                                          <p:spTgt spid="10"/>
                                         </p:tgtEl>
                                         <p:attrNameLst>
                                           <p:attrName>style.visibility</p:attrName>
@@ -17828,7 +18044,42 @@
                                     </p:set>
                                     <p:animEffect transition="in" filter="fade">
                                       <p:cBhvr>
-                                        <p:cTn id="23" dur="500"/>
+                                        <p:cTn id="26" dur="500"/>
+                                        <p:tgtEl>
+                                          <p:spTgt spid="10"/>
+                                        </p:tgtEl>
+                                      </p:cBhvr>
+                                    </p:animEffect>
+                                  </p:childTnLst>
+                                </p:cTn>
+                              </p:par>
+                              <p:par>
+                                <p:cTn id="27" presetID="10" presetClass="entr" presetSubtype="0" fill="hold" grpId="0" nodeType="withEffect">
+                                  <p:stCondLst>
+                                    <p:cond delay="0"/>
+                                  </p:stCondLst>
+                                  <p:childTnLst>
+                                    <p:set>
+                                      <p:cBhvr>
+                                        <p:cTn id="28" dur="1" fill="hold">
+                                          <p:stCondLst>
+                                            <p:cond delay="0"/>
+                                          </p:stCondLst>
+                                        </p:cTn>
+                                        <p:tgtEl>
+                                          <p:spTgt spid="6"/>
+                                        </p:tgtEl>
+                                        <p:attrNameLst>
+                                          <p:attrName>style.visibility</p:attrName>
+                                        </p:attrNameLst>
+                                      </p:cBhvr>
+                                      <p:to>
+                                        <p:strVal val="visible"/>
+                                      </p:to>
+                                    </p:set>
+                                    <p:animEffect transition="in" filter="fade">
+                                      <p:cBhvr>
+                                        <p:cTn id="29" dur="500"/>
                                         <p:tgtEl>
                                           <p:spTgt spid="6"/>
                                         </p:tgtEl>
@@ -17844,26 +18095,26 @@
                     </p:cTn>
                   </p:par>
                   <p:par>
-                    <p:cTn id="24" fill="hold">
+                    <p:cTn id="30" fill="hold">
                       <p:stCondLst>
                         <p:cond delay="indefinite"/>
                       </p:stCondLst>
                       <p:childTnLst>
                         <p:par>
-                          <p:cTn id="25" fill="hold">
+                          <p:cTn id="31" fill="hold">
                             <p:stCondLst>
                               <p:cond delay="0"/>
                             </p:stCondLst>
                             <p:childTnLst>
                               <p:par>
-                                <p:cTn id="26" presetID="10" presetClass="entr" presetSubtype="0" fill="hold" grpId="0" nodeType="clickEffect">
+                                <p:cTn id="32" presetID="10" presetClass="entr" presetSubtype="0" fill="hold" grpId="0" nodeType="clickEffect">
                                   <p:stCondLst>
                                     <p:cond delay="0"/>
                                   </p:stCondLst>
                                   <p:childTnLst>
                                     <p:set>
                                       <p:cBhvr>
-                                        <p:cTn id="27" dur="1" fill="hold">
+                                        <p:cTn id="33" dur="1" fill="hold">
                                           <p:stCondLst>
                                             <p:cond delay="0"/>
                                           </p:stCondLst>
@@ -17881,7 +18132,7 @@
                                     </p:set>
                                     <p:animEffect transition="in" filter="fade">
                                       <p:cBhvr>
-                                        <p:cTn id="28" dur="500"/>
+                                        <p:cTn id="34" dur="500"/>
                                         <p:tgtEl>
                                           <p:spTgt spid="7"/>
                                         </p:tgtEl>
@@ -17891,7 +18142,7 @@
                                 </p:cTn>
                               </p:par>
                               <p:par>
-                                <p:cTn id="29" presetID="5" presetClass="emph" presetSubtype="1" grpId="1" nodeType="withEffect">
+                                <p:cTn id="35" presetID="5" presetClass="emph" presetSubtype="1" grpId="1" nodeType="withEffect">
                                   <p:stCondLst>
                                     <p:cond delay="0"/>
                                   </p:stCondLst>
@@ -17905,7 +18156,7 @@
                                   <p:childTnLst>
                                     <p:set>
                                       <p:cBhvr override="childStyle">
-                                        <p:cTn id="30" dur="indefinite"/>
+                                        <p:cTn id="36" dur="indefinite"/>
                                         <p:tgtEl>
                                           <p:spTgt spid="7"/>
                                         </p:tgtEl>
@@ -17919,7 +18170,7 @@
                                     </p:set>
                                     <p:set>
                                       <p:cBhvr override="childStyle">
-                                        <p:cTn id="31" dur="indefinite"/>
+                                        <p:cTn id="37" dur="indefinite"/>
                                         <p:tgtEl>
                                           <p:spTgt spid="7"/>
                                         </p:tgtEl>
@@ -17933,7 +18184,7 @@
                                     </p:set>
                                     <p:set>
                                       <p:cBhvr override="childStyle">
-                                        <p:cTn id="32" dur="indefinite"/>
+                                        <p:cTn id="38" dur="indefinite"/>
                                         <p:tgtEl>
                                           <p:spTgt spid="7"/>
                                         </p:tgtEl>
@@ -17945,6 +18196,41 @@
                                         <p:strVal val="false"/>
                                       </p:to>
                                     </p:set>
+                                  </p:childTnLst>
+                                </p:cTn>
+                              </p:par>
+                              <p:par>
+                                <p:cTn id="39" presetID="10" presetClass="entr" presetSubtype="0" fill="hold" grpId="0" nodeType="withEffect">
+                                  <p:stCondLst>
+                                    <p:cond delay="0"/>
+                                  </p:stCondLst>
+                                  <p:childTnLst>
+                                    <p:set>
+                                      <p:cBhvr>
+                                        <p:cTn id="40" dur="1" fill="hold">
+                                          <p:stCondLst>
+                                            <p:cond delay="0"/>
+                                          </p:stCondLst>
+                                        </p:cTn>
+                                        <p:tgtEl>
+                                          <p:spTgt spid="11"/>
+                                        </p:tgtEl>
+                                        <p:attrNameLst>
+                                          <p:attrName>style.visibility</p:attrName>
+                                        </p:attrNameLst>
+                                      </p:cBhvr>
+                                      <p:to>
+                                        <p:strVal val="visible"/>
+                                      </p:to>
+                                    </p:set>
+                                    <p:animEffect transition="in" filter="fade">
+                                      <p:cBhvr>
+                                        <p:cTn id="41" dur="500"/>
+                                        <p:tgtEl>
+                                          <p:spTgt spid="11"/>
+                                        </p:tgtEl>
+                                      </p:cBhvr>
+                                    </p:animEffect>
                                   </p:childTnLst>
                                 </p:cTn>
                               </p:par>
@@ -17955,26 +18241,26 @@
                     </p:cTn>
                   </p:par>
                   <p:par>
-                    <p:cTn id="33" fill="hold">
+                    <p:cTn id="42" fill="hold">
                       <p:stCondLst>
                         <p:cond delay="indefinite"/>
                       </p:stCondLst>
                       <p:childTnLst>
                         <p:par>
-                          <p:cTn id="34" fill="hold">
+                          <p:cTn id="43" fill="hold">
                             <p:stCondLst>
                               <p:cond delay="0"/>
                             </p:stCondLst>
                             <p:childTnLst>
                               <p:par>
-                                <p:cTn id="35" presetID="10" presetClass="entr" presetSubtype="0" fill="hold" grpId="0" nodeType="clickEffect">
+                                <p:cTn id="44" presetID="10" presetClass="entr" presetSubtype="0" fill="hold" grpId="0" nodeType="clickEffect">
                                   <p:stCondLst>
                                     <p:cond delay="0"/>
                                   </p:stCondLst>
                                   <p:childTnLst>
                                     <p:set>
                                       <p:cBhvr>
-                                        <p:cTn id="36" dur="1" fill="hold">
+                                        <p:cTn id="45" dur="1" fill="hold">
                                           <p:stCondLst>
                                             <p:cond delay="0"/>
                                           </p:stCondLst>
@@ -17994,7 +18280,7 @@
                                     </p:set>
                                     <p:animEffect transition="in" filter="fade">
                                       <p:cBhvr>
-                                        <p:cTn id="37" dur="500"/>
+                                        <p:cTn id="46" dur="500"/>
                                         <p:tgtEl>
                                           <p:spTgt spid="8">
                                             <p:bg/>
@@ -18006,14 +18292,14 @@
                                 </p:cTn>
                               </p:par>
                               <p:par>
-                                <p:cTn id="38" presetID="10" presetClass="entr" presetSubtype="0" fill="hold" grpId="0" nodeType="withEffect">
+                                <p:cTn id="47" presetID="10" presetClass="entr" presetSubtype="0" fill="hold" grpId="0" nodeType="withEffect">
                                   <p:stCondLst>
                                     <p:cond delay="0"/>
                                   </p:stCondLst>
                                   <p:childTnLst>
                                     <p:set>
                                       <p:cBhvr>
-                                        <p:cTn id="39" dur="1" fill="hold">
+                                        <p:cTn id="48" dur="1" fill="hold">
                                           <p:stCondLst>
                                             <p:cond delay="0"/>
                                           </p:stCondLst>
@@ -18035,142 +18321,11 @@
                                     </p:set>
                                     <p:animEffect transition="in" filter="fade">
                                       <p:cBhvr>
-                                        <p:cTn id="40" dur="500"/>
+                                        <p:cTn id="49" dur="500"/>
                                         <p:tgtEl>
                                           <p:spTgt spid="8">
                                             <p:txEl>
                                               <p:pRg st="0" end="0"/>
-                                            </p:txEl>
-                                          </p:spTgt>
-                                        </p:tgtEl>
-                                      </p:cBhvr>
-                                    </p:animEffect>
-                                  </p:childTnLst>
-                                </p:cTn>
-                              </p:par>
-                              <p:par>
-                                <p:cTn id="41" presetID="5" presetClass="emph" presetSubtype="1" grpId="1" nodeType="withEffect">
-                                  <p:stCondLst>
-                                    <p:cond delay="0"/>
-                                  </p:stCondLst>
-                                  <p:endCondLst>
-                                    <p:cond evt="onNext" delay="0">
-                                      <p:tgtEl>
-                                        <p:sldTgt/>
-                                      </p:tgtEl>
-                                    </p:cond>
-                                  </p:endCondLst>
-                                  <p:childTnLst>
-                                    <p:set>
-                                      <p:cBhvr override="childStyle">
-                                        <p:cTn id="42" dur="indefinite"/>
-                                        <p:tgtEl>
-                                          <p:spTgt spid="8">
-                                            <p:txEl>
-                                              <p:pRg st="0" end="0"/>
-                                            </p:txEl>
-                                          </p:spTgt>
-                                        </p:tgtEl>
-                                        <p:attrNameLst>
-                                          <p:attrName>style.fontStyle</p:attrName>
-                                        </p:attrNameLst>
-                                      </p:cBhvr>
-                                      <p:to>
-                                        <p:strVal val="normal"/>
-                                      </p:to>
-                                    </p:set>
-                                    <p:set>
-                                      <p:cBhvr override="childStyle">
-                                        <p:cTn id="43" dur="indefinite"/>
-                                        <p:tgtEl>
-                                          <p:spTgt spid="8">
-                                            <p:txEl>
-                                              <p:pRg st="0" end="0"/>
-                                            </p:txEl>
-                                          </p:spTgt>
-                                        </p:tgtEl>
-                                        <p:attrNameLst>
-                                          <p:attrName>style.fontWeight</p:attrName>
-                                        </p:attrNameLst>
-                                      </p:cBhvr>
-                                      <p:to>
-                                        <p:strVal val="bold"/>
-                                      </p:to>
-                                    </p:set>
-                                    <p:set>
-                                      <p:cBhvr override="childStyle">
-                                        <p:cTn id="44" dur="indefinite"/>
-                                        <p:tgtEl>
-                                          <p:spTgt spid="8">
-                                            <p:txEl>
-                                              <p:pRg st="0" end="0"/>
-                                            </p:txEl>
-                                          </p:spTgt>
-                                        </p:tgtEl>
-                                        <p:attrNameLst>
-                                          <p:attrName>style.textDecorationUnderline</p:attrName>
-                                        </p:attrNameLst>
-                                      </p:cBhvr>
-                                      <p:to>
-                                        <p:strVal val="false"/>
-                                      </p:to>
-                                    </p:set>
-                                  </p:childTnLst>
-                                </p:cTn>
-                              </p:par>
-                            </p:childTnLst>
-                          </p:cTn>
-                        </p:par>
-                      </p:childTnLst>
-                    </p:cTn>
-                  </p:par>
-                  <p:par>
-                    <p:cTn id="45" fill="hold">
-                      <p:stCondLst>
-                        <p:cond delay="indefinite"/>
-                      </p:stCondLst>
-                      <p:childTnLst>
-                        <p:par>
-                          <p:cTn id="46" fill="hold">
-                            <p:stCondLst>
-                              <p:cond delay="0"/>
-                            </p:stCondLst>
-                            <p:childTnLst>
-                              <p:par>
-                                <p:cTn id="47" presetID="10" presetClass="entr" presetSubtype="0" fill="hold" grpId="0" nodeType="clickEffect">
-                                  <p:stCondLst>
-                                    <p:cond delay="0"/>
-                                  </p:stCondLst>
-                                  <p:childTnLst>
-                                    <p:set>
-                                      <p:cBhvr>
-                                        <p:cTn id="48" dur="1" fill="hold">
-                                          <p:stCondLst>
-                                            <p:cond delay="0"/>
-                                          </p:stCondLst>
-                                        </p:cTn>
-                                        <p:tgtEl>
-                                          <p:spTgt spid="8">
-                                            <p:txEl>
-                                              <p:pRg st="1" end="1"/>
-                                            </p:txEl>
-                                          </p:spTgt>
-                                        </p:tgtEl>
-                                        <p:attrNameLst>
-                                          <p:attrName>style.visibility</p:attrName>
-                                        </p:attrNameLst>
-                                      </p:cBhvr>
-                                      <p:to>
-                                        <p:strVal val="visible"/>
-                                      </p:to>
-                                    </p:set>
-                                    <p:animEffect transition="in" filter="fade">
-                                      <p:cBhvr>
-                                        <p:cTn id="49" dur="500"/>
-                                        <p:tgtEl>
-                                          <p:spTgt spid="8">
-                                            <p:txEl>
-                                              <p:pRg st="1" end="1"/>
                                             </p:txEl>
                                           </p:spTgt>
                                         </p:tgtEl>
@@ -18198,7 +18353,7 @@
                                         <p:tgtEl>
                                           <p:spTgt spid="8">
                                             <p:txEl>
-                                              <p:pRg st="1" end="1"/>
+                                              <p:pRg st="0" end="0"/>
                                             </p:txEl>
                                           </p:spTgt>
                                         </p:tgtEl>
@@ -18216,7 +18371,7 @@
                                         <p:tgtEl>
                                           <p:spTgt spid="8">
                                             <p:txEl>
-                                              <p:pRg st="1" end="1"/>
+                                              <p:pRg st="0" end="0"/>
                                             </p:txEl>
                                           </p:spTgt>
                                         </p:tgtEl>
@@ -18234,7 +18389,7 @@
                                         <p:tgtEl>
                                           <p:spTgt spid="8">
                                             <p:txEl>
-                                              <p:pRg st="1" end="1"/>
+                                              <p:pRg st="0" end="0"/>
                                             </p:txEl>
                                           </p:spTgt>
                                         </p:tgtEl>
@@ -18249,34 +18404,21 @@
                                   </p:childTnLst>
                                 </p:cTn>
                               </p:par>
-                            </p:childTnLst>
-                          </p:cTn>
-                        </p:par>
-                        <p:par>
-                          <p:cTn id="54" fill="hold">
-                            <p:stCondLst>
-                              <p:cond delay="500"/>
-                            </p:stCondLst>
-                            <p:childTnLst>
                               <p:par>
-                                <p:cTn id="55" presetID="10" presetClass="entr" presetSubtype="0" fill="hold" grpId="0" nodeType="afterEffect">
+                                <p:cTn id="54" presetID="10" presetClass="entr" presetSubtype="0" fill="hold" grpId="0" nodeType="withEffect">
                                   <p:stCondLst>
                                     <p:cond delay="0"/>
                                   </p:stCondLst>
                                   <p:childTnLst>
                                     <p:set>
                                       <p:cBhvr>
-                                        <p:cTn id="56" dur="1" fill="hold">
+                                        <p:cTn id="55" dur="1" fill="hold">
                                           <p:stCondLst>
                                             <p:cond delay="0"/>
                                           </p:stCondLst>
                                         </p:cTn>
                                         <p:tgtEl>
-                                          <p:spTgt spid="8">
-                                            <p:txEl>
-                                              <p:pRg st="2" end="2"/>
-                                            </p:txEl>
-                                          </p:spTgt>
+                                          <p:spTgt spid="12"/>
                                         </p:tgtEl>
                                         <p:attrNameLst>
                                           <p:attrName>style.visibility</p:attrName>
@@ -18288,11 +18430,68 @@
                                     </p:set>
                                     <p:animEffect transition="in" filter="fade">
                                       <p:cBhvr>
-                                        <p:cTn id="57" dur="500"/>
+                                        <p:cTn id="56" dur="500"/>
+                                        <p:tgtEl>
+                                          <p:spTgt spid="12"/>
+                                        </p:tgtEl>
+                                      </p:cBhvr>
+                                    </p:animEffect>
+                                  </p:childTnLst>
+                                </p:cTn>
+                              </p:par>
+                            </p:childTnLst>
+                          </p:cTn>
+                        </p:par>
+                      </p:childTnLst>
+                    </p:cTn>
+                  </p:par>
+                  <p:par>
+                    <p:cTn id="57" fill="hold">
+                      <p:stCondLst>
+                        <p:cond delay="indefinite"/>
+                      </p:stCondLst>
+                      <p:childTnLst>
+                        <p:par>
+                          <p:cTn id="58" fill="hold">
+                            <p:stCondLst>
+                              <p:cond delay="0"/>
+                            </p:stCondLst>
+                            <p:childTnLst>
+                              <p:par>
+                                <p:cTn id="59" presetID="10" presetClass="entr" presetSubtype="0" fill="hold" grpId="0" nodeType="clickEffect">
+                                  <p:stCondLst>
+                                    <p:cond delay="0"/>
+                                  </p:stCondLst>
+                                  <p:childTnLst>
+                                    <p:set>
+                                      <p:cBhvr>
+                                        <p:cTn id="60" dur="1" fill="hold">
+                                          <p:stCondLst>
+                                            <p:cond delay="0"/>
+                                          </p:stCondLst>
+                                        </p:cTn>
                                         <p:tgtEl>
                                           <p:spTgt spid="8">
                                             <p:txEl>
-                                              <p:pRg st="2" end="2"/>
+                                              <p:pRg st="1" end="1"/>
+                                            </p:txEl>
+                                          </p:spTgt>
+                                        </p:tgtEl>
+                                        <p:attrNameLst>
+                                          <p:attrName>style.visibility</p:attrName>
+                                        </p:attrNameLst>
+                                      </p:cBhvr>
+                                      <p:to>
+                                        <p:strVal val="visible"/>
+                                      </p:to>
+                                    </p:set>
+                                    <p:animEffect transition="in" filter="fade">
+                                      <p:cBhvr>
+                                        <p:cTn id="61" dur="500"/>
+                                        <p:tgtEl>
+                                          <p:spTgt spid="8">
+                                            <p:txEl>
+                                              <p:pRg st="1" end="1"/>
                                             </p:txEl>
                                           </p:spTgt>
                                         </p:tgtEl>
@@ -18302,7 +18501,7 @@
                                 </p:cTn>
                               </p:par>
                               <p:par>
-                                <p:cTn id="58" presetID="5" presetClass="emph" presetSubtype="1" grpId="1" nodeType="withEffect">
+                                <p:cTn id="62" presetID="5" presetClass="emph" presetSubtype="1" grpId="1" nodeType="withEffect">
                                   <p:stCondLst>
                                     <p:cond delay="0"/>
                                   </p:stCondLst>
@@ -18316,11 +18515,11 @@
                                   <p:childTnLst>
                                     <p:set>
                                       <p:cBhvr override="childStyle">
-                                        <p:cTn id="59" dur="indefinite"/>
+                                        <p:cTn id="63" dur="indefinite"/>
                                         <p:tgtEl>
                                           <p:spTgt spid="8">
                                             <p:txEl>
-                                              <p:pRg st="2" end="2"/>
+                                              <p:pRg st="1" end="1"/>
                                             </p:txEl>
                                           </p:spTgt>
                                         </p:tgtEl>
@@ -18334,11 +18533,11 @@
                                     </p:set>
                                     <p:set>
                                       <p:cBhvr override="childStyle">
-                                        <p:cTn id="60" dur="indefinite"/>
+                                        <p:cTn id="64" dur="indefinite"/>
                                         <p:tgtEl>
                                           <p:spTgt spid="8">
                                             <p:txEl>
-                                              <p:pRg st="2" end="2"/>
+                                              <p:pRg st="1" end="1"/>
                                             </p:txEl>
                                           </p:spTgt>
                                         </p:tgtEl>
@@ -18352,7 +18551,129 @@
                                     </p:set>
                                     <p:set>
                                       <p:cBhvr override="childStyle">
-                                        <p:cTn id="61" dur="indefinite"/>
+                                        <p:cTn id="65" dur="indefinite"/>
+                                        <p:tgtEl>
+                                          <p:spTgt spid="8">
+                                            <p:txEl>
+                                              <p:pRg st="1" end="1"/>
+                                            </p:txEl>
+                                          </p:spTgt>
+                                        </p:tgtEl>
+                                        <p:attrNameLst>
+                                          <p:attrName>style.textDecorationUnderline</p:attrName>
+                                        </p:attrNameLst>
+                                      </p:cBhvr>
+                                      <p:to>
+                                        <p:strVal val="false"/>
+                                      </p:to>
+                                    </p:set>
+                                  </p:childTnLst>
+                                </p:cTn>
+                              </p:par>
+                            </p:childTnLst>
+                          </p:cTn>
+                        </p:par>
+                        <p:par>
+                          <p:cTn id="66" fill="hold">
+                            <p:stCondLst>
+                              <p:cond delay="500"/>
+                            </p:stCondLst>
+                            <p:childTnLst>
+                              <p:par>
+                                <p:cTn id="67" presetID="10" presetClass="entr" presetSubtype="0" fill="hold" grpId="0" nodeType="afterEffect">
+                                  <p:stCondLst>
+                                    <p:cond delay="0"/>
+                                  </p:stCondLst>
+                                  <p:childTnLst>
+                                    <p:set>
+                                      <p:cBhvr>
+                                        <p:cTn id="68" dur="1" fill="hold">
+                                          <p:stCondLst>
+                                            <p:cond delay="0"/>
+                                          </p:stCondLst>
+                                        </p:cTn>
+                                        <p:tgtEl>
+                                          <p:spTgt spid="8">
+                                            <p:txEl>
+                                              <p:pRg st="2" end="2"/>
+                                            </p:txEl>
+                                          </p:spTgt>
+                                        </p:tgtEl>
+                                        <p:attrNameLst>
+                                          <p:attrName>style.visibility</p:attrName>
+                                        </p:attrNameLst>
+                                      </p:cBhvr>
+                                      <p:to>
+                                        <p:strVal val="visible"/>
+                                      </p:to>
+                                    </p:set>
+                                    <p:animEffect transition="in" filter="fade">
+                                      <p:cBhvr>
+                                        <p:cTn id="69" dur="500"/>
+                                        <p:tgtEl>
+                                          <p:spTgt spid="8">
+                                            <p:txEl>
+                                              <p:pRg st="2" end="2"/>
+                                            </p:txEl>
+                                          </p:spTgt>
+                                        </p:tgtEl>
+                                      </p:cBhvr>
+                                    </p:animEffect>
+                                  </p:childTnLst>
+                                </p:cTn>
+                              </p:par>
+                              <p:par>
+                                <p:cTn id="70" presetID="5" presetClass="emph" presetSubtype="1" grpId="1" nodeType="withEffect">
+                                  <p:stCondLst>
+                                    <p:cond delay="0"/>
+                                  </p:stCondLst>
+                                  <p:endCondLst>
+                                    <p:cond evt="onNext" delay="0">
+                                      <p:tgtEl>
+                                        <p:sldTgt/>
+                                      </p:tgtEl>
+                                    </p:cond>
+                                  </p:endCondLst>
+                                  <p:childTnLst>
+                                    <p:set>
+                                      <p:cBhvr override="childStyle">
+                                        <p:cTn id="71" dur="indefinite"/>
+                                        <p:tgtEl>
+                                          <p:spTgt spid="8">
+                                            <p:txEl>
+                                              <p:pRg st="2" end="2"/>
+                                            </p:txEl>
+                                          </p:spTgt>
+                                        </p:tgtEl>
+                                        <p:attrNameLst>
+                                          <p:attrName>style.fontStyle</p:attrName>
+                                        </p:attrNameLst>
+                                      </p:cBhvr>
+                                      <p:to>
+                                        <p:strVal val="normal"/>
+                                      </p:to>
+                                    </p:set>
+                                    <p:set>
+                                      <p:cBhvr override="childStyle">
+                                        <p:cTn id="72" dur="indefinite"/>
+                                        <p:tgtEl>
+                                          <p:spTgt spid="8">
+                                            <p:txEl>
+                                              <p:pRg st="2" end="2"/>
+                                            </p:txEl>
+                                          </p:spTgt>
+                                        </p:tgtEl>
+                                        <p:attrNameLst>
+                                          <p:attrName>style.fontWeight</p:attrName>
+                                        </p:attrNameLst>
+                                      </p:cBhvr>
+                                      <p:to>
+                                        <p:strVal val="bold"/>
+                                      </p:to>
+                                    </p:set>
+                                    <p:set>
+                                      <p:cBhvr override="childStyle">
+                                        <p:cTn id="73" dur="indefinite"/>
                                         <p:tgtEl>
                                           <p:spTgt spid="8">
                                             <p:txEl>
@@ -18408,6 +18729,10 @@
       <p:bldP spid="7" grpId="1" animBg="1"/>
       <p:bldP spid="8" grpId="0" uiExpand="1" build="p" animBg="1"/>
       <p:bldP spid="8" grpId="1" uiExpand="1" build="allAtOnce"/>
+      <p:bldP spid="9" grpId="0" animBg="1"/>
+      <p:bldP spid="10" grpId="0" animBg="1"/>
+      <p:bldP spid="11" grpId="0" animBg="1"/>
+      <p:bldP spid="12" grpId="0" animBg="1"/>
     </p:bldLst>
   </p:timing>
 </p:sld>
@@ -18639,7 +18964,7 @@
         </p:blipFill>
         <p:spPr bwMode="auto">
           <a:xfrm>
-            <a:off x="1214414" y="642918"/>
+            <a:off x="1214414" y="876289"/>
             <a:ext cx="6667500" cy="981075"/>
           </a:xfrm>
           <a:prstGeom prst="rect">
@@ -18691,7 +19016,7 @@
         </p:nvSpPr>
         <p:spPr>
           <a:xfrm rot="5400000" flipV="1">
-            <a:off x="785786" y="1000108"/>
+            <a:off x="785786" y="1285860"/>
             <a:ext cx="785818" cy="642942"/>
           </a:xfrm>
           <a:prstGeom prst="bentArrow">
@@ -18736,6 +19061,54 @@
           </a:p>
         </p:txBody>
       </p:sp>
+      <p:sp>
+        <p:nvSpPr>
+          <p:cNvPr id="6" name="TextBox 5"/>
+          <p:cNvSpPr txBox="1"/>
+          <p:nvPr/>
+        </p:nvSpPr>
+        <p:spPr>
+          <a:xfrm>
+            <a:off x="6858016" y="487900"/>
+            <a:ext cx="1035861" cy="369332"/>
+          </a:xfrm>
+          <a:prstGeom prst="rect">
+            <a:avLst/>
+          </a:prstGeom>
+          <a:ln>
+            <a:noFill/>
+          </a:ln>
+        </p:spPr>
+        <p:style>
+          <a:lnRef idx="2">
+            <a:schemeClr val="accent6">
+              <a:shade val="50000"/>
+            </a:schemeClr>
+          </a:lnRef>
+          <a:fillRef idx="1">
+            <a:schemeClr val="accent6"/>
+          </a:fillRef>
+          <a:effectRef idx="0">
+            <a:schemeClr val="accent6"/>
+          </a:effectRef>
+          <a:fontRef idx="minor">
+            <a:schemeClr val="lt1"/>
+          </a:fontRef>
+        </p:style>
+        <p:txBody>
+          <a:bodyPr wrap="none" rtlCol="0">
+            <a:spAutoFit/>
+          </a:bodyPr>
+          <a:lstStyle/>
+          <a:p>
+            <a:r>
+              <a:rPr lang="nl-BE" dirty="0" smtClean="0"/>
+              <a:t>Service</a:t>
+            </a:r>
+            <a:endParaRPr lang="en-US" dirty="0"/>
+          </a:p>
+        </p:txBody>
+      </p:sp>
     </p:spTree>
   </p:cSld>
   <p:clrMapOvr>
@@ -18834,6 +19207,41 @@
                                         <p:cTn id="11" dur="500"/>
                                         <p:tgtEl>
                                           <p:spTgt spid="1026"/>
+                                        </p:tgtEl>
+                                      </p:cBhvr>
+                                    </p:animEffect>
+                                  </p:childTnLst>
+                                </p:cTn>
+                              </p:par>
+                              <p:par>
+                                <p:cTn id="12" presetID="10" presetClass="entr" presetSubtype="0" fill="hold" grpId="0" nodeType="withEffect">
+                                  <p:stCondLst>
+                                    <p:cond delay="0"/>
+                                  </p:stCondLst>
+                                  <p:childTnLst>
+                                    <p:set>
+                                      <p:cBhvr>
+                                        <p:cTn id="13" dur="1" fill="hold">
+                                          <p:stCondLst>
+                                            <p:cond delay="0"/>
+                                          </p:stCondLst>
+                                        </p:cTn>
+                                        <p:tgtEl>
+                                          <p:spTgt spid="6"/>
+                                        </p:tgtEl>
+                                        <p:attrNameLst>
+                                          <p:attrName>style.visibility</p:attrName>
+                                        </p:attrNameLst>
+                                      </p:cBhvr>
+                                      <p:to>
+                                        <p:strVal val="visible"/>
+                                      </p:to>
+                                    </p:set>
+                                    <p:animEffect transition="in" filter="fade">
+                                      <p:cBhvr>
+                                        <p:cTn id="14" dur="500"/>
+                                        <p:tgtEl>
+                                          <p:spTgt spid="6"/>
                                         </p:tgtEl>
                                       </p:cBhvr>
                                     </p:animEffect>
@@ -18869,6 +19277,7 @@
     </p:tnLst>
     <p:bldLst>
       <p:bldP spid="9" grpId="0" animBg="1"/>
+      <p:bldP spid="6" grpId="0" animBg="1"/>
     </p:bldLst>
   </p:timing>
 </p:sld>
@@ -18975,7 +19384,7 @@
         </p:blipFill>
         <p:spPr bwMode="auto">
           <a:xfrm>
-            <a:off x="1214414" y="642918"/>
+            <a:off x="1214414" y="876289"/>
             <a:ext cx="6667500" cy="981075"/>
           </a:xfrm>
           <a:prstGeom prst="rect">
@@ -19027,8 +19436,8 @@
         </p:nvSpPr>
         <p:spPr>
           <a:xfrm>
-            <a:off x="3357554" y="1428736"/>
-            <a:ext cx="71438" cy="857256"/>
+            <a:off x="3357554" y="1714488"/>
+            <a:ext cx="71438" cy="571504"/>
           </a:xfrm>
           <a:prstGeom prst="downArrow">
             <a:avLst/>
@@ -19075,8 +19484,8 @@
         </p:nvSpPr>
         <p:spPr>
           <a:xfrm>
-            <a:off x="4286248" y="1428736"/>
-            <a:ext cx="71438" cy="1571636"/>
+            <a:off x="4286248" y="1714488"/>
+            <a:ext cx="71438" cy="1285884"/>
           </a:xfrm>
           <a:prstGeom prst="downArrow">
             <a:avLst/>
@@ -19112,6 +19521,54 @@
           <a:p>
             <a:pPr algn="ctr"/>
             <a:endParaRPr lang="en-US"/>
+          </a:p>
+        </p:txBody>
+      </p:sp>
+      <p:sp>
+        <p:nvSpPr>
+          <p:cNvPr id="9" name="TextBox 8"/>
+          <p:cNvSpPr txBox="1"/>
+          <p:nvPr/>
+        </p:nvSpPr>
+        <p:spPr>
+          <a:xfrm>
+            <a:off x="6858016" y="487900"/>
+            <a:ext cx="1035861" cy="369332"/>
+          </a:xfrm>
+          <a:prstGeom prst="rect">
+            <a:avLst/>
+          </a:prstGeom>
+          <a:ln>
+            <a:noFill/>
+          </a:ln>
+        </p:spPr>
+        <p:style>
+          <a:lnRef idx="2">
+            <a:schemeClr val="accent6">
+              <a:shade val="50000"/>
+            </a:schemeClr>
+          </a:lnRef>
+          <a:fillRef idx="1">
+            <a:schemeClr val="accent6"/>
+          </a:fillRef>
+          <a:effectRef idx="0">
+            <a:schemeClr val="accent6"/>
+          </a:effectRef>
+          <a:fontRef idx="minor">
+            <a:schemeClr val="lt1"/>
+          </a:fontRef>
+        </p:style>
+        <p:txBody>
+          <a:bodyPr wrap="none" rtlCol="0">
+            <a:spAutoFit/>
+          </a:bodyPr>
+          <a:lstStyle/>
+          <a:p>
+            <a:r>
+              <a:rPr lang="nl-BE" dirty="0" smtClean="0"/>
+              <a:t>Service</a:t>
+            </a:r>
+            <a:endParaRPr lang="en-US" dirty="0"/>
           </a:p>
         </p:txBody>
       </p:sp>
@@ -19298,6 +19755,41 @@
                                   </p:childTnLst>
                                 </p:cTn>
                               </p:par>
+                              <p:par>
+                                <p:cTn id="19" presetID="10" presetClass="entr" presetSubtype="0" fill="hold" grpId="0" nodeType="withEffect">
+                                  <p:stCondLst>
+                                    <p:cond delay="0"/>
+                                  </p:stCondLst>
+                                  <p:childTnLst>
+                                    <p:set>
+                                      <p:cBhvr>
+                                        <p:cTn id="20" dur="1" fill="hold">
+                                          <p:stCondLst>
+                                            <p:cond delay="0"/>
+                                          </p:stCondLst>
+                                        </p:cTn>
+                                        <p:tgtEl>
+                                          <p:spTgt spid="9"/>
+                                        </p:tgtEl>
+                                        <p:attrNameLst>
+                                          <p:attrName>style.visibility</p:attrName>
+                                        </p:attrNameLst>
+                                      </p:cBhvr>
+                                      <p:to>
+                                        <p:strVal val="visible"/>
+                                      </p:to>
+                                    </p:set>
+                                    <p:animEffect transition="in" filter="fade">
+                                      <p:cBhvr>
+                                        <p:cTn id="21" dur="500"/>
+                                        <p:tgtEl>
+                                          <p:spTgt spid="9"/>
+                                        </p:tgtEl>
+                                      </p:cBhvr>
+                                    </p:animEffect>
+                                  </p:childTnLst>
+                                </p:cTn>
+                              </p:par>
                             </p:childTnLst>
                           </p:cTn>
                         </p:par>
@@ -19328,6 +19820,7 @@
     <p:bldLst>
       <p:bldP spid="8" grpId="0" animBg="1"/>
       <p:bldP spid="10" grpId="0" animBg="1"/>
+      <p:bldP spid="9" grpId="0" animBg="1"/>
     </p:bldLst>
   </p:timing>
 </p:sld>
@@ -19394,21 +19887,71 @@
         </p:blipFill>
         <p:spPr bwMode="auto">
           <a:xfrm>
-            <a:off x="776288" y="857232"/>
+            <a:off x="776288" y="1076337"/>
             <a:ext cx="7591425" cy="4067175"/>
           </a:xfrm>
           <a:prstGeom prst="rect">
             <a:avLst/>
           </a:prstGeom>
           <a:noFill/>
-          <a:ln w="9525">
-            <a:noFill/>
+          <a:ln w="38100">
+            <a:solidFill>
+              <a:schemeClr val="accent6"/>
+            </a:solidFill>
             <a:miter lim="800000"/>
             <a:headEnd/>
             <a:tailEnd/>
           </a:ln>
         </p:spPr>
       </p:pic>
+      <p:sp>
+        <p:nvSpPr>
+          <p:cNvPr id="4" name="TextBox 3"/>
+          <p:cNvSpPr txBox="1"/>
+          <p:nvPr/>
+        </p:nvSpPr>
+        <p:spPr>
+          <a:xfrm>
+            <a:off x="7098767" y="702214"/>
+            <a:ext cx="1259447" cy="369332"/>
+          </a:xfrm>
+          <a:prstGeom prst="rect">
+            <a:avLst/>
+          </a:prstGeom>
+          <a:ln>
+            <a:noFill/>
+          </a:ln>
+        </p:spPr>
+        <p:style>
+          <a:lnRef idx="2">
+            <a:schemeClr val="accent6">
+              <a:shade val="50000"/>
+            </a:schemeClr>
+          </a:lnRef>
+          <a:fillRef idx="1">
+            <a:schemeClr val="accent6"/>
+          </a:fillRef>
+          <a:effectRef idx="0">
+            <a:schemeClr val="accent6"/>
+          </a:effectRef>
+          <a:fontRef idx="minor">
+            <a:schemeClr val="lt1"/>
+          </a:fontRef>
+        </p:style>
+        <p:txBody>
+          <a:bodyPr wrap="none" rtlCol="0">
+            <a:spAutoFit/>
+          </a:bodyPr>
+          <a:lstStyle/>
+          <a:p>
+            <a:r>
+              <a:rPr lang="nl-BE" dirty="0" smtClean="0"/>
+              <a:t>Migration</a:t>
+            </a:r>
+            <a:endParaRPr lang="en-US" dirty="0"/>
+          </a:p>
+        </p:txBody>
+      </p:sp>
     </p:spTree>
   </p:cSld>
   <p:clrMapOvr>
@@ -19469,6 +20012,41 @@
                                   </p:childTnLst>
                                 </p:cTn>
                               </p:par>
+                              <p:par>
+                                <p:cTn id="8" presetID="10" presetClass="entr" presetSubtype="0" fill="hold" grpId="0" nodeType="withEffect">
+                                  <p:stCondLst>
+                                    <p:cond delay="0"/>
+                                  </p:stCondLst>
+                                  <p:childTnLst>
+                                    <p:set>
+                                      <p:cBhvr>
+                                        <p:cTn id="9" dur="1" fill="hold">
+                                          <p:stCondLst>
+                                            <p:cond delay="0"/>
+                                          </p:stCondLst>
+                                        </p:cTn>
+                                        <p:tgtEl>
+                                          <p:spTgt spid="4"/>
+                                        </p:tgtEl>
+                                        <p:attrNameLst>
+                                          <p:attrName>style.visibility</p:attrName>
+                                        </p:attrNameLst>
+                                      </p:cBhvr>
+                                      <p:to>
+                                        <p:strVal val="visible"/>
+                                      </p:to>
+                                    </p:set>
+                                    <p:animEffect transition="in" filter="fade">
+                                      <p:cBhvr>
+                                        <p:cTn id="10" dur="500"/>
+                                        <p:tgtEl>
+                                          <p:spTgt spid="4"/>
+                                        </p:tgtEl>
+                                      </p:cBhvr>
+                                    </p:animEffect>
+                                  </p:childTnLst>
+                                </p:cTn>
+                              </p:par>
                             </p:childTnLst>
                           </p:cTn>
                         </p:par>
@@ -19496,6 +20074,9 @@
         </p:cTn>
       </p:par>
     </p:tnLst>
+    <p:bldLst>
+      <p:bldP spid="4" grpId="0" animBg="1"/>
+    </p:bldLst>
   </p:timing>
 </p:sld>
 </file>
@@ -23234,15 +23815,15 @@
         </p:nvPicPr>
         <p:blipFill>
           <a:blip r:embed="rId2"/>
-          <a:srcRect b="18596"/>
+          <a:srcRect b="28365"/>
           <a:stretch>
             <a:fillRect/>
           </a:stretch>
         </p:blipFill>
         <p:spPr bwMode="auto">
           <a:xfrm>
-            <a:off x="642910" y="500042"/>
-            <a:ext cx="7781925" cy="5357850"/>
+            <a:off x="500034" y="500042"/>
+            <a:ext cx="7781925" cy="4714908"/>
           </a:xfrm>
           <a:prstGeom prst="rect">
             <a:avLst/>
@@ -23385,21 +23966,30 @@
                             </p:childTnLst>
                           </p:cTn>
                         </p:par>
+                      </p:childTnLst>
+                    </p:cTn>
+                  </p:par>
+                  <p:par>
+                    <p:cTn id="8" fill="hold">
+                      <p:stCondLst>
+                        <p:cond delay="indefinite"/>
+                      </p:stCondLst>
+                      <p:childTnLst>
                         <p:par>
-                          <p:cTn id="8" fill="hold">
+                          <p:cTn id="9" fill="hold">
                             <p:stCondLst>
-                              <p:cond delay="500"/>
+                              <p:cond delay="0"/>
                             </p:stCondLst>
                             <p:childTnLst>
                               <p:par>
-                                <p:cTn id="9" presetID="10" presetClass="entr" presetSubtype="0" fill="hold" grpId="0" nodeType="afterEffect">
+                                <p:cTn id="10" presetID="10" presetClass="entr" presetSubtype="0" fill="hold" grpId="0" nodeType="clickEffect">
                                   <p:stCondLst>
                                     <p:cond delay="0"/>
                                   </p:stCondLst>
                                   <p:childTnLst>
                                     <p:set>
                                       <p:cBhvr>
-                                        <p:cTn id="10" dur="1" fill="hold">
+                                        <p:cTn id="11" dur="1" fill="hold">
                                           <p:stCondLst>
                                             <p:cond delay="0"/>
                                           </p:stCondLst>
@@ -23421,7 +24011,7 @@
                                     </p:set>
                                     <p:animEffect transition="in" filter="fade">
                                       <p:cBhvr>
-                                        <p:cTn id="11" dur="500"/>
+                                        <p:cTn id="12" dur="500"/>
                                         <p:tgtEl>
                                           <p:spTgt spid="15">
                                             <p:graphicEl>
@@ -23438,20 +24028,20 @@
                           </p:cTn>
                         </p:par>
                         <p:par>
-                          <p:cTn id="12" fill="hold">
+                          <p:cTn id="13" fill="hold">
                             <p:stCondLst>
-                              <p:cond delay="1000"/>
+                              <p:cond delay="500"/>
                             </p:stCondLst>
                             <p:childTnLst>
                               <p:par>
-                                <p:cTn id="13" presetID="10" presetClass="entr" presetSubtype="0" fill="hold" grpId="0" nodeType="afterEffect">
+                                <p:cTn id="14" presetID="10" presetClass="entr" presetSubtype="0" fill="hold" grpId="0" nodeType="afterEffect">
                                   <p:stCondLst>
                                     <p:cond delay="0"/>
                                   </p:stCondLst>
                                   <p:childTnLst>
                                     <p:set>
                                       <p:cBhvr>
-                                        <p:cTn id="14" dur="1" fill="hold">
+                                        <p:cTn id="15" dur="1" fill="hold">
                                           <p:stCondLst>
                                             <p:cond delay="0"/>
                                           </p:stCondLst>
@@ -23473,11 +24063,72 @@
                                     </p:set>
                                     <p:animEffect transition="in" filter="fade">
                                       <p:cBhvr>
-                                        <p:cTn id="15" dur="500"/>
+                                        <p:cTn id="16" dur="500"/>
                                         <p:tgtEl>
                                           <p:spTgt spid="15">
                                             <p:graphicEl>
                                               <a:dgm id="{B9880EC2-139B-4C7C-8BBF-A9B4C6FD0AA6}"/>
+                                            </p:graphicEl>
+                                          </p:spTgt>
+                                        </p:tgtEl>
+                                      </p:cBhvr>
+                                    </p:animEffect>
+                                  </p:childTnLst>
+                                </p:cTn>
+                              </p:par>
+                            </p:childTnLst>
+                          </p:cTn>
+                        </p:par>
+                      </p:childTnLst>
+                    </p:cTn>
+                  </p:par>
+                  <p:par>
+                    <p:cTn id="17" fill="hold">
+                      <p:stCondLst>
+                        <p:cond delay="indefinite"/>
+                      </p:stCondLst>
+                      <p:childTnLst>
+                        <p:par>
+                          <p:cTn id="18" fill="hold">
+                            <p:stCondLst>
+                              <p:cond delay="0"/>
+                            </p:stCondLst>
+                            <p:childTnLst>
+                              <p:par>
+                                <p:cTn id="19" presetID="10" presetClass="entr" presetSubtype="0" fill="hold" grpId="0" nodeType="clickEffect">
+                                  <p:stCondLst>
+                                    <p:cond delay="0"/>
+                                  </p:stCondLst>
+                                  <p:childTnLst>
+                                    <p:set>
+                                      <p:cBhvr>
+                                        <p:cTn id="20" dur="1" fill="hold">
+                                          <p:stCondLst>
+                                            <p:cond delay="0"/>
+                                          </p:stCondLst>
+                                        </p:cTn>
+                                        <p:tgtEl>
+                                          <p:spTgt spid="15">
+                                            <p:graphicEl>
+                                              <a:dgm id="{5A64E673-D0DD-4CE6-9A75-393B44221371}"/>
+                                            </p:graphicEl>
+                                          </p:spTgt>
+                                        </p:tgtEl>
+                                        <p:attrNameLst>
+                                          <p:attrName>style.visibility</p:attrName>
+                                        </p:attrNameLst>
+                                      </p:cBhvr>
+                                      <p:to>
+                                        <p:strVal val="visible"/>
+                                      </p:to>
+                                    </p:set>
+                                    <p:animEffect transition="in" filter="fade">
+                                      <p:cBhvr>
+                                        <p:cTn id="21" dur="500"/>
+                                        <p:tgtEl>
+                                          <p:spTgt spid="15">
+                                            <p:graphicEl>
+                                              <a:dgm id="{5A64E673-D0DD-4CE6-9A75-393B44221371}"/>
                                             </p:graphicEl>
                                           </p:spTgt>
                                         </p:tgtEl>
@@ -23490,20 +24141,20 @@
                           </p:cTn>
                         </p:par>
                         <p:par>
-                          <p:cTn id="16" fill="hold">
+                          <p:cTn id="22" fill="hold">
                             <p:stCondLst>
-                              <p:cond delay="1500"/>
+                              <p:cond delay="500"/>
                             </p:stCondLst>
                             <p:childTnLst>
                               <p:par>
-                                <p:cTn id="17" presetID="10" presetClass="entr" presetSubtype="0" fill="hold" grpId="0" nodeType="afterEffect">
+                                <p:cTn id="23" presetID="10" presetClass="entr" presetSubtype="0" fill="hold" grpId="0" nodeType="afterEffect">
                                   <p:stCondLst>
                                     <p:cond delay="0"/>
                                   </p:stCondLst>
                                   <p:childTnLst>
                                     <p:set>
                                       <p:cBhvr>
-                                        <p:cTn id="18" dur="1" fill="hold">
+                                        <p:cTn id="24" dur="1" fill="hold">
                                           <p:stCondLst>
                                             <p:cond delay="0"/>
                                           </p:stCondLst>
@@ -23511,7 +24162,7 @@
                                         <p:tgtEl>
                                           <p:spTgt spid="15">
                                             <p:graphicEl>
-                                              <a:dgm id="{5A64E673-D0DD-4CE6-9A75-393B44221371}"/>
+                                              <a:dgm id="{3E35E453-631E-4471-B37A-C4702BC05C3C}"/>
                                             </p:graphicEl>
                                           </p:spTgt>
                                         </p:tgtEl>
@@ -23525,59 +24176,7 @@
                                     </p:set>
                                     <p:animEffect transition="in" filter="fade">
                                       <p:cBhvr>
-                                        <p:cTn id="19" dur="500"/>
-                                        <p:tgtEl>
-                                          <p:spTgt spid="15">
-                                            <p:graphicEl>
-                                              <a:dgm id="{5A64E673-D0DD-4CE6-9A75-393B44221371}"/>
-                                            </p:graphicEl>
-                                          </p:spTgt>
-                                        </p:tgtEl>
-                                      </p:cBhvr>
-                                    </p:animEffect>
-                                  </p:childTnLst>
-                                </p:cTn>
-                              </p:par>
-                            </p:childTnLst>
-                          </p:cTn>
-                        </p:par>
-                        <p:par>
-                          <p:cTn id="20" fill="hold">
-                            <p:stCondLst>
-                              <p:cond delay="2000"/>
-                            </p:stCondLst>
-                            <p:childTnLst>
-                              <p:par>
-                                <p:cTn id="21" presetID="10" presetClass="entr" presetSubtype="0" fill="hold" grpId="0" nodeType="afterEffect">
-                                  <p:stCondLst>
-                                    <p:cond delay="0"/>
-                                  </p:stCondLst>
-                                  <p:childTnLst>
-                                    <p:set>
-                                      <p:cBhvr>
-                                        <p:cTn id="22" dur="1" fill="hold">
-                                          <p:stCondLst>
-                                            <p:cond delay="0"/>
-                                          </p:stCondLst>
-                                        </p:cTn>
-                                        <p:tgtEl>
-                                          <p:spTgt spid="15">
-                                            <p:graphicEl>
-                                              <a:dgm id="{3E35E453-631E-4471-B37A-C4702BC05C3C}"/>
-                                            </p:graphicEl>
-                                          </p:spTgt>
-                                        </p:tgtEl>
-                                        <p:attrNameLst>
-                                          <p:attrName>style.visibility</p:attrName>
-                                        </p:attrNameLst>
-                                      </p:cBhvr>
-                                      <p:to>
-                                        <p:strVal val="visible"/>
-                                      </p:to>
-                                    </p:set>
-                                    <p:animEffect transition="in" filter="fade">
-                                      <p:cBhvr>
-                                        <p:cTn id="23" dur="500"/>
+                                        <p:cTn id="25" dur="500"/>
                                         <p:tgtEl>
                                           <p:spTgt spid="15">
                                             <p:graphicEl>
@@ -23831,7 +24430,11 @@
             <a:pPr lvl="0"/>
             <a:r>
               <a:rPr lang="nl-BE" dirty="0" smtClean="0"/>
-              <a:t>Buildesrver: TeamCity</a:t>
+              <a:t>Buildserver</a:t>
+            </a:r>
+            <a:r>
+              <a:rPr lang="nl-BE" dirty="0" smtClean="0"/>
+              <a:t>: TeamCity</a:t>
             </a:r>
             <a:endParaRPr lang="en-US" dirty="0"/>
           </a:p>
@@ -23936,7 +24539,28 @@
                 <a:ea typeface="+mj-ea"/>
                 <a:cs typeface="+mj-cs"/>
               </a:rPr>
-              <a:t>Buildesrver: TeamCity</a:t>
+              <a:t>Buildserver</a:t>
+            </a:r>
+            <a:r>
+              <a:rPr kumimoji="0" lang="nl-BE" sz="3600" b="1" kern="1200" dirty="0" smtClean="0">
+                <a:solidFill>
+                  <a:schemeClr val="accent1">
+                    <a:tint val="88000"/>
+                    <a:satMod val="150000"/>
+                  </a:schemeClr>
+                </a:solidFill>
+                <a:effectLst>
+                  <a:outerShdw blurRad="50800" dist="38100" algn="tr" rotWithShape="0">
+                    <a:prstClr val="black">
+                      <a:alpha val="40000"/>
+                    </a:prstClr>
+                  </a:outerShdw>
+                </a:effectLst>
+                <a:latin typeface="+mj-lt"/>
+                <a:ea typeface="+mj-ea"/>
+                <a:cs typeface="+mj-cs"/>
+              </a:rPr>
+              <a:t>: TeamCity</a:t>
             </a:r>
             <a:endParaRPr lang="en-US" dirty="0"/>
           </a:p>
@@ -24041,7 +24665,28 @@
                 <a:ea typeface="+mj-ea"/>
                 <a:cs typeface="+mj-cs"/>
               </a:rPr>
-              <a:t>Buildesrver: TeamCity</a:t>
+              <a:t>Buildserver</a:t>
+            </a:r>
+            <a:r>
+              <a:rPr kumimoji="0" lang="nl-BE" sz="3600" b="1" kern="1200" dirty="0" smtClean="0">
+                <a:solidFill>
+                  <a:schemeClr val="accent1">
+                    <a:tint val="88000"/>
+                    <a:satMod val="150000"/>
+                  </a:schemeClr>
+                </a:solidFill>
+                <a:effectLst>
+                  <a:outerShdw blurRad="50800" dist="38100" algn="tr" rotWithShape="0">
+                    <a:prstClr val="black">
+                      <a:alpha val="40000"/>
+                    </a:prstClr>
+                  </a:outerShdw>
+                </a:effectLst>
+                <a:latin typeface="+mj-lt"/>
+                <a:ea typeface="+mj-ea"/>
+                <a:cs typeface="+mj-cs"/>
+              </a:rPr>
+              <a:t>: TeamCity</a:t>
             </a:r>
             <a:endParaRPr lang="en-US" dirty="0"/>
           </a:p>
@@ -24187,7 +24832,7 @@
         </p:blipFill>
         <p:spPr bwMode="auto">
           <a:xfrm>
-            <a:off x="2714612" y="3714752"/>
+            <a:off x="2714612" y="3571876"/>
             <a:ext cx="5943600" cy="1924432"/>
           </a:xfrm>
           <a:prstGeom prst="rect">
@@ -24242,7 +24887,28 @@
                 <a:ea typeface="+mj-ea"/>
                 <a:cs typeface="+mj-cs"/>
               </a:rPr>
-              <a:t>Buildesrver: TeamCity</a:t>
+              <a:t>Buildserver</a:t>
+            </a:r>
+            <a:r>
+              <a:rPr kumimoji="0" lang="nl-BE" sz="3600" b="1" kern="1200" dirty="0" smtClean="0">
+                <a:solidFill>
+                  <a:schemeClr val="accent1">
+                    <a:tint val="88000"/>
+                    <a:satMod val="150000"/>
+                  </a:schemeClr>
+                </a:solidFill>
+                <a:effectLst>
+                  <a:outerShdw blurRad="50800" dist="38100" algn="tr" rotWithShape="0">
+                    <a:prstClr val="black">
+                      <a:alpha val="40000"/>
+                    </a:prstClr>
+                  </a:outerShdw>
+                </a:effectLst>
+                <a:latin typeface="+mj-lt"/>
+                <a:ea typeface="+mj-ea"/>
+                <a:cs typeface="+mj-cs"/>
+              </a:rPr>
+              <a:t>: TeamCity</a:t>
             </a:r>
             <a:endParaRPr lang="en-US" dirty="0"/>
           </a:p>
@@ -25780,11 +26446,22 @@
           <a:p>
             <a:r>
               <a:rPr lang="nl-BE" dirty="0" smtClean="0"/>
-              <a:t>Practices: Specification by example uisng</a:t>
-            </a:r>
-            <a:r>
-              <a:rPr lang="nl-BE" baseline="0" dirty="0" smtClean="0"/>
-              <a:t> FitNesse</a:t>
+              <a:t>Practices:</a:t>
+            </a:r>
+            <a:br>
+              <a:rPr lang="nl-BE" dirty="0" smtClean="0"/>
+            </a:br>
+            <a:r>
+              <a:rPr lang="nl-BE" dirty="0" smtClean="0"/>
+              <a:t>Specification </a:t>
+            </a:r>
+            <a:r>
+              <a:rPr lang="nl-BE" dirty="0" smtClean="0"/>
+              <a:t>by </a:t>
+            </a:r>
+            <a:r>
+              <a:rPr lang="nl-BE" dirty="0" smtClean="0"/>
+              <a:t>example</a:t>
             </a:r>
             <a:endParaRPr lang="en-US" dirty="0"/>
           </a:p>
@@ -25874,11 +26551,22 @@
           <a:p>
             <a:r>
               <a:rPr lang="nl-BE" dirty="0" smtClean="0"/>
-              <a:t>Practices: Specification by example uisng</a:t>
-            </a:r>
-            <a:r>
-              <a:rPr lang="nl-BE" baseline="0" dirty="0" smtClean="0"/>
-              <a:t> FitNesse</a:t>
+              <a:t>Practices:</a:t>
+            </a:r>
+            <a:br>
+              <a:rPr lang="nl-BE" dirty="0" smtClean="0"/>
+            </a:br>
+            <a:r>
+              <a:rPr lang="nl-BE" dirty="0" smtClean="0"/>
+              <a:t>Specification </a:t>
+            </a:r>
+            <a:r>
+              <a:rPr lang="nl-BE" dirty="0" smtClean="0"/>
+              <a:t>by </a:t>
+            </a:r>
+            <a:r>
+              <a:rPr lang="nl-BE" dirty="0" smtClean="0"/>
+              <a:t>example</a:t>
             </a:r>
             <a:endParaRPr lang="en-US" dirty="0"/>
           </a:p>
@@ -25916,6 +26604,41 @@
           <a:chExt cx="0" cy="0"/>
         </a:xfrm>
       </p:grpSpPr>
+      <p:cxnSp>
+        <p:nvCxnSpPr>
+          <p:cNvPr id="29" name="Straight Arrow Connector 28"/>
+          <p:cNvCxnSpPr>
+            <a:stCxn id="10" idx="1"/>
+          </p:cNvCxnSpPr>
+          <p:nvPr/>
+        </p:nvCxnSpPr>
+        <p:spPr>
+          <a:xfrm rot="10800000">
+            <a:off x="3571868" y="4071942"/>
+            <a:ext cx="1428760" cy="885828"/>
+          </a:xfrm>
+          <a:prstGeom prst="straightConnector1">
+            <a:avLst/>
+          </a:prstGeom>
+          <a:ln>
+            <a:tailEnd type="arrow"/>
+          </a:ln>
+        </p:spPr>
+        <p:style>
+          <a:lnRef idx="2">
+            <a:schemeClr val="accent6"/>
+          </a:lnRef>
+          <a:fillRef idx="0">
+            <a:schemeClr val="accent6"/>
+          </a:fillRef>
+          <a:effectRef idx="1">
+            <a:schemeClr val="accent6"/>
+          </a:effectRef>
+          <a:fontRef idx="minor">
+            <a:schemeClr val="tx1"/>
+          </a:fontRef>
+        </p:style>
+      </p:cxnSp>
       <p:sp>
         <p:nvSpPr>
           <p:cNvPr id="2" name="Title 1"/>
@@ -26257,41 +26980,6 @@
           </a:fontRef>
         </p:style>
       </p:cxnSp>
-      <p:cxnSp>
-        <p:nvCxnSpPr>
-          <p:cNvPr id="29" name="Straight Arrow Connector 28"/>
-          <p:cNvCxnSpPr>
-            <a:stCxn id="10" idx="1"/>
-          </p:cNvCxnSpPr>
-          <p:nvPr/>
-        </p:nvCxnSpPr>
-        <p:spPr>
-          <a:xfrm rot="10800000">
-            <a:off x="3571868" y="4071942"/>
-            <a:ext cx="1428760" cy="885828"/>
-          </a:xfrm>
-          <a:prstGeom prst="straightConnector1">
-            <a:avLst/>
-          </a:prstGeom>
-          <a:ln>
-            <a:tailEnd type="arrow"/>
-          </a:ln>
-        </p:spPr>
-        <p:style>
-          <a:lnRef idx="2">
-            <a:schemeClr val="accent6"/>
-          </a:lnRef>
-          <a:fillRef idx="0">
-            <a:schemeClr val="accent6"/>
-          </a:fillRef>
-          <a:effectRef idx="1">
-            <a:schemeClr val="accent6"/>
-          </a:effectRef>
-          <a:fontRef idx="minor">
-            <a:schemeClr val="tx1"/>
-          </a:fontRef>
-        </p:style>
-      </p:cxnSp>
       <p:sp>
         <p:nvSpPr>
           <p:cNvPr id="20" name="TextBox 19"/>
@@ -26547,6 +27235,118 @@
           <a:lstStyle/>
           <a:p>
             <a:r>
+              <a:rPr lang="nl-BE" b="1" cap="all" dirty="0" smtClean="0">
+                <a:ln w="9000" cmpd="sng">
+                  <a:solidFill>
+                    <a:schemeClr val="accent4">
+                      <a:shade val="50000"/>
+                      <a:satMod val="120000"/>
+                    </a:schemeClr>
+                  </a:solidFill>
+                  <a:prstDash val="solid"/>
+                </a:ln>
+                <a:gradFill>
+                  <a:gsLst>
+                    <a:gs pos="0">
+                      <a:schemeClr val="accent4">
+                        <a:shade val="20000"/>
+                        <a:satMod val="245000"/>
+                      </a:schemeClr>
+                    </a:gs>
+                    <a:gs pos="43000">
+                      <a:schemeClr val="accent4">
+                        <a:satMod val="255000"/>
+                      </a:schemeClr>
+                    </a:gs>
+                    <a:gs pos="48000">
+                      <a:schemeClr val="accent4">
+                        <a:shade val="85000"/>
+                        <a:satMod val="255000"/>
+                      </a:schemeClr>
+                    </a:gs>
+                    <a:gs pos="100000">
+                      <a:schemeClr val="accent4">
+                        <a:shade val="20000"/>
+                        <a:satMod val="245000"/>
+                      </a:schemeClr>
+                    </a:gs>
+                  </a:gsLst>
+                  <a:lin ang="5400000"/>
+                </a:gradFill>
+                <a:effectLst>
+                  <a:reflection blurRad="12700" stA="28000" endPos="45000" dist="1000" dir="5400000" sy="-100000" algn="bl" rotWithShape="0"/>
+                </a:effectLst>
+              </a:rPr>
+              <a:t>NO</a:t>
+            </a:r>
+            <a:endParaRPr lang="en-US" b="1" cap="all" dirty="0">
+              <a:ln w="9000" cmpd="sng">
+                <a:solidFill>
+                  <a:schemeClr val="accent4">
+                    <a:shade val="50000"/>
+                    <a:satMod val="120000"/>
+                  </a:schemeClr>
+                </a:solidFill>
+                <a:prstDash val="solid"/>
+              </a:ln>
+              <a:gradFill>
+                <a:gsLst>
+                  <a:gs pos="0">
+                    <a:schemeClr val="accent4">
+                      <a:shade val="20000"/>
+                      <a:satMod val="245000"/>
+                    </a:schemeClr>
+                  </a:gs>
+                  <a:gs pos="43000">
+                    <a:schemeClr val="accent4">
+                      <a:satMod val="255000"/>
+                    </a:schemeClr>
+                  </a:gs>
+                  <a:gs pos="48000">
+                    <a:schemeClr val="accent4">
+                      <a:shade val="85000"/>
+                      <a:satMod val="255000"/>
+                    </a:schemeClr>
+                  </a:gs>
+                  <a:gs pos="100000">
+                    <a:schemeClr val="accent4">
+                      <a:shade val="20000"/>
+                      <a:satMod val="245000"/>
+                    </a:schemeClr>
+                  </a:gs>
+                </a:gsLst>
+                <a:lin ang="5400000"/>
+              </a:gradFill>
+              <a:effectLst>
+                <a:reflection blurRad="12700" stA="28000" endPos="45000" dist="1000" dir="5400000" sy="-100000" algn="bl" rotWithShape="0"/>
+              </a:effectLst>
+            </a:endParaRPr>
+          </a:p>
+        </p:txBody>
+      </p:sp>
+      <p:sp>
+        <p:nvSpPr>
+          <p:cNvPr id="32" name="TextBox 31"/>
+          <p:cNvSpPr txBox="1"/>
+          <p:nvPr/>
+        </p:nvSpPr>
+        <p:spPr>
+          <a:xfrm>
+            <a:off x="3571868" y="2000240"/>
+            <a:ext cx="575799" cy="369332"/>
+          </a:xfrm>
+          <a:prstGeom prst="rect">
+            <a:avLst/>
+          </a:prstGeom>
+          <a:noFill/>
+        </p:spPr>
+        <p:txBody>
+          <a:bodyPr wrap="none" rtlCol="0">
+            <a:spAutoFit/>
+          </a:bodyPr>
+          <a:lstStyle/>
+          <a:p>
+            <a:r>
               <a:rPr lang="nl-BE" b="1" dirty="0" smtClean="0">
                 <a:ln w="10541" cmpd="sng">
                   <a:solidFill>
@@ -26646,14 +27446,126 @@
       </p:sp>
       <p:sp>
         <p:nvSpPr>
-          <p:cNvPr id="32" name="TextBox 31"/>
+          <p:cNvPr id="33" name="TextBox 32"/>
           <p:cNvSpPr txBox="1"/>
           <p:nvPr/>
         </p:nvSpPr>
         <p:spPr>
           <a:xfrm>
-            <a:off x="3571868" y="2000240"/>
-            <a:ext cx="575799" cy="369332"/>
+            <a:off x="2428860" y="4143380"/>
+            <a:ext cx="675185" cy="369332"/>
+          </a:xfrm>
+          <a:prstGeom prst="rect">
+            <a:avLst/>
+          </a:prstGeom>
+          <a:noFill/>
+        </p:spPr>
+        <p:txBody>
+          <a:bodyPr wrap="none" rtlCol="0">
+            <a:spAutoFit/>
+          </a:bodyPr>
+          <a:lstStyle/>
+          <a:p>
+            <a:r>
+              <a:rPr lang="nl-BE" b="1" cap="all" dirty="0" smtClean="0">
+                <a:ln w="9000" cmpd="sng">
+                  <a:solidFill>
+                    <a:schemeClr val="accent4">
+                      <a:shade val="50000"/>
+                      <a:satMod val="120000"/>
+                    </a:schemeClr>
+                  </a:solidFill>
+                  <a:prstDash val="solid"/>
+                </a:ln>
+                <a:gradFill>
+                  <a:gsLst>
+                    <a:gs pos="0">
+                      <a:schemeClr val="accent4">
+                        <a:shade val="20000"/>
+                        <a:satMod val="245000"/>
+                      </a:schemeClr>
+                    </a:gs>
+                    <a:gs pos="43000">
+                      <a:schemeClr val="accent4">
+                        <a:satMod val="255000"/>
+                      </a:schemeClr>
+                    </a:gs>
+                    <a:gs pos="48000">
+                      <a:schemeClr val="accent4">
+                        <a:shade val="85000"/>
+                        <a:satMod val="255000"/>
+                      </a:schemeClr>
+                    </a:gs>
+                    <a:gs pos="100000">
+                      <a:schemeClr val="accent4">
+                        <a:shade val="20000"/>
+                        <a:satMod val="245000"/>
+                      </a:schemeClr>
+                    </a:gs>
+                  </a:gsLst>
+                  <a:lin ang="5400000"/>
+                </a:gradFill>
+                <a:effectLst>
+                  <a:reflection blurRad="12700" stA="28000" endPos="45000" dist="1000" dir="5400000" sy="-100000" algn="bl" rotWithShape="0"/>
+                </a:effectLst>
+              </a:rPr>
+              <a:t>YES</a:t>
+            </a:r>
+            <a:endParaRPr lang="en-US" b="1" cap="all" dirty="0">
+              <a:ln w="9000" cmpd="sng">
+                <a:solidFill>
+                  <a:schemeClr val="accent4">
+                    <a:shade val="50000"/>
+                    <a:satMod val="120000"/>
+                  </a:schemeClr>
+                </a:solidFill>
+                <a:prstDash val="solid"/>
+              </a:ln>
+              <a:gradFill>
+                <a:gsLst>
+                  <a:gs pos="0">
+                    <a:schemeClr val="accent4">
+                      <a:shade val="20000"/>
+                      <a:satMod val="245000"/>
+                    </a:schemeClr>
+                  </a:gs>
+                  <a:gs pos="43000">
+                    <a:schemeClr val="accent4">
+                      <a:satMod val="255000"/>
+                    </a:schemeClr>
+                  </a:gs>
+                  <a:gs pos="48000">
+                    <a:schemeClr val="accent4">
+                      <a:shade val="85000"/>
+                      <a:satMod val="255000"/>
+                    </a:schemeClr>
+                  </a:gs>
+                  <a:gs pos="100000">
+                    <a:schemeClr val="accent4">
+                      <a:shade val="20000"/>
+                      <a:satMod val="245000"/>
+                    </a:schemeClr>
+                  </a:gs>
+                </a:gsLst>
+                <a:lin ang="5400000"/>
+              </a:gradFill>
+              <a:effectLst>
+                <a:reflection blurRad="12700" stA="28000" endPos="45000" dist="1000" dir="5400000" sy="-100000" algn="bl" rotWithShape="0"/>
+              </a:effectLst>
+            </a:endParaRPr>
+          </a:p>
+        </p:txBody>
+      </p:sp>
+      <p:sp>
+        <p:nvSpPr>
+          <p:cNvPr id="34" name="TextBox 33"/>
+          <p:cNvSpPr txBox="1"/>
+          <p:nvPr/>
+        </p:nvSpPr>
+        <p:spPr>
+          <a:xfrm>
+            <a:off x="3500430" y="4631304"/>
+            <a:ext cx="675185" cy="369332"/>
           </a:xfrm>
           <a:prstGeom prst="rect">
             <a:avLst/>
@@ -26713,7 +27625,7 @@
                   <a:lin ang="5400000"/>
                 </a:gradFill>
               </a:rPr>
-              <a:t>NO</a:t>
+              <a:t>YES</a:t>
             </a:r>
             <a:endParaRPr lang="en-US" b="1" dirty="0">
               <a:ln w="10541" cmpd="sng">
@@ -26766,230 +27678,6 @@
       </p:sp>
       <p:sp>
         <p:nvSpPr>
-          <p:cNvPr id="33" name="TextBox 32"/>
-          <p:cNvSpPr txBox="1"/>
-          <p:nvPr/>
-        </p:nvSpPr>
-        <p:spPr>
-          <a:xfrm>
-            <a:off x="2428860" y="4143380"/>
-            <a:ext cx="675185" cy="369332"/>
-          </a:xfrm>
-          <a:prstGeom prst="rect">
-            <a:avLst/>
-          </a:prstGeom>
-          <a:noFill/>
-        </p:spPr>
-        <p:txBody>
-          <a:bodyPr wrap="none" rtlCol="0">
-            <a:spAutoFit/>
-          </a:bodyPr>
-          <a:lstStyle/>
-          <a:p>
-            <a:r>
-              <a:rPr lang="nl-BE" b="1" cap="all" dirty="0" smtClean="0">
-                <a:ln w="9000" cmpd="sng">
-                  <a:solidFill>
-                    <a:schemeClr val="accent4">
-                      <a:shade val="50000"/>
-                      <a:satMod val="120000"/>
-                    </a:schemeClr>
-                  </a:solidFill>
-                  <a:prstDash val="solid"/>
-                </a:ln>
-                <a:gradFill>
-                  <a:gsLst>
-                    <a:gs pos="0">
-                      <a:schemeClr val="accent4">
-                        <a:shade val="20000"/>
-                        <a:satMod val="245000"/>
-                      </a:schemeClr>
-                    </a:gs>
-                    <a:gs pos="43000">
-                      <a:schemeClr val="accent4">
-                        <a:satMod val="255000"/>
-                      </a:schemeClr>
-                    </a:gs>
-                    <a:gs pos="48000">
-                      <a:schemeClr val="accent4">
-                        <a:shade val="85000"/>
-                        <a:satMod val="255000"/>
-                      </a:schemeClr>
-                    </a:gs>
-                    <a:gs pos="100000">
-                      <a:schemeClr val="accent4">
-                        <a:shade val="20000"/>
-                        <a:satMod val="245000"/>
-                      </a:schemeClr>
-                    </a:gs>
-                  </a:gsLst>
-                  <a:lin ang="5400000"/>
-                </a:gradFill>
-                <a:effectLst>
-                  <a:reflection blurRad="12700" stA="28000" endPos="45000" dist="1000" dir="5400000" sy="-100000" algn="bl" rotWithShape="0"/>
-                </a:effectLst>
-              </a:rPr>
-              <a:t>YES</a:t>
-            </a:r>
-            <a:endParaRPr lang="en-US" b="1" cap="all" dirty="0">
-              <a:ln w="9000" cmpd="sng">
-                <a:solidFill>
-                  <a:schemeClr val="accent4">
-                    <a:shade val="50000"/>
-                    <a:satMod val="120000"/>
-                  </a:schemeClr>
-                </a:solidFill>
-                <a:prstDash val="solid"/>
-              </a:ln>
-              <a:gradFill>
-                <a:gsLst>
-                  <a:gs pos="0">
-                    <a:schemeClr val="accent4">
-                      <a:shade val="20000"/>
-                      <a:satMod val="245000"/>
-                    </a:schemeClr>
-                  </a:gs>
-                  <a:gs pos="43000">
-                    <a:schemeClr val="accent4">
-                      <a:satMod val="255000"/>
-                    </a:schemeClr>
-                  </a:gs>
-                  <a:gs pos="48000">
-                    <a:schemeClr val="accent4">
-                      <a:shade val="85000"/>
-                      <a:satMod val="255000"/>
-                    </a:schemeClr>
-                  </a:gs>
-                  <a:gs pos="100000">
-                    <a:schemeClr val="accent4">
-                      <a:shade val="20000"/>
-                      <a:satMod val="245000"/>
-                    </a:schemeClr>
-                  </a:gs>
-                </a:gsLst>
-                <a:lin ang="5400000"/>
-              </a:gradFill>
-              <a:effectLst>
-                <a:reflection blurRad="12700" stA="28000" endPos="45000" dist="1000" dir="5400000" sy="-100000" algn="bl" rotWithShape="0"/>
-              </a:effectLst>
-            </a:endParaRPr>
-          </a:p>
-        </p:txBody>
-      </p:sp>
-      <p:sp>
-        <p:nvSpPr>
-          <p:cNvPr id="34" name="TextBox 33"/>
-          <p:cNvSpPr txBox="1"/>
-          <p:nvPr/>
-        </p:nvSpPr>
-        <p:spPr>
-          <a:xfrm>
-            <a:off x="3500430" y="4631304"/>
-            <a:ext cx="675185" cy="369332"/>
-          </a:xfrm>
-          <a:prstGeom prst="rect">
-            <a:avLst/>
-          </a:prstGeom>
-          <a:noFill/>
-        </p:spPr>
-        <p:txBody>
-          <a:bodyPr wrap="none" rtlCol="0">
-            <a:spAutoFit/>
-          </a:bodyPr>
-          <a:lstStyle/>
-          <a:p>
-            <a:r>
-              <a:rPr lang="nl-BE" b="1" cap="all" dirty="0" smtClean="0">
-                <a:ln w="9000" cmpd="sng">
-                  <a:solidFill>
-                    <a:schemeClr val="accent4">
-                      <a:shade val="50000"/>
-                      <a:satMod val="120000"/>
-                    </a:schemeClr>
-                  </a:solidFill>
-                  <a:prstDash val="solid"/>
-                </a:ln>
-                <a:gradFill>
-                  <a:gsLst>
-                    <a:gs pos="0">
-                      <a:schemeClr val="accent4">
-                        <a:shade val="20000"/>
-                        <a:satMod val="245000"/>
-                      </a:schemeClr>
-                    </a:gs>
-                    <a:gs pos="43000">
-                      <a:schemeClr val="accent4">
-                        <a:satMod val="255000"/>
-                      </a:schemeClr>
-                    </a:gs>
-                    <a:gs pos="48000">
-                      <a:schemeClr val="accent4">
-                        <a:shade val="85000"/>
-                        <a:satMod val="255000"/>
-                      </a:schemeClr>
-                    </a:gs>
-                    <a:gs pos="100000">
-                      <a:schemeClr val="accent4">
-                        <a:shade val="20000"/>
-                        <a:satMod val="245000"/>
-                      </a:schemeClr>
-                    </a:gs>
-                  </a:gsLst>
-                  <a:lin ang="5400000"/>
-                </a:gradFill>
-                <a:effectLst>
-                  <a:reflection blurRad="12700" stA="28000" endPos="45000" dist="1000" dir="5400000" sy="-100000" algn="bl" rotWithShape="0"/>
-                </a:effectLst>
-              </a:rPr>
-              <a:t>YES</a:t>
-            </a:r>
-            <a:endParaRPr lang="en-US" b="1" cap="all" dirty="0">
-              <a:ln w="9000" cmpd="sng">
-                <a:solidFill>
-                  <a:schemeClr val="accent4">
-                    <a:shade val="50000"/>
-                    <a:satMod val="120000"/>
-                  </a:schemeClr>
-                </a:solidFill>
-                <a:prstDash val="solid"/>
-              </a:ln>
-              <a:gradFill>
-                <a:gsLst>
-                  <a:gs pos="0">
-                    <a:schemeClr val="accent4">
-                      <a:shade val="20000"/>
-                      <a:satMod val="245000"/>
-                    </a:schemeClr>
-                  </a:gs>
-                  <a:gs pos="43000">
-                    <a:schemeClr val="accent4">
-                      <a:satMod val="255000"/>
-                    </a:schemeClr>
-                  </a:gs>
-                  <a:gs pos="48000">
-                    <a:schemeClr val="accent4">
-                      <a:shade val="85000"/>
-                      <a:satMod val="255000"/>
-                    </a:schemeClr>
-                  </a:gs>
-                  <a:gs pos="100000">
-                    <a:schemeClr val="accent4">
-                      <a:shade val="20000"/>
-                      <a:satMod val="245000"/>
-                    </a:schemeClr>
-                  </a:gs>
-                </a:gsLst>
-                <a:lin ang="5400000"/>
-              </a:gradFill>
-              <a:effectLst>
-                <a:reflection blurRad="12700" stA="28000" endPos="45000" dist="1000" dir="5400000" sy="-100000" algn="bl" rotWithShape="0"/>
-              </a:effectLst>
-            </a:endParaRPr>
-          </a:p>
-        </p:txBody>
-      </p:sp>
-      <p:sp>
-        <p:nvSpPr>
           <p:cNvPr id="5" name="Rounded Rectangle 4"/>
           <p:cNvSpPr/>
           <p:nvPr/>
@@ -27307,7 +27995,7 @@
                             </p:stCondLst>
                             <p:childTnLst>
                               <p:par>
-                                <p:cTn id="5" presetID="10" presetClass="entr" presetSubtype="0" fill="hold" nodeType="clickEffect">
+                                <p:cTn id="5" presetID="10" presetClass="entr" presetSubtype="0" fill="hold" grpId="0" nodeType="clickEffect">
                                   <p:stCondLst>
                                     <p:cond delay="0"/>
                                   </p:stCondLst>
@@ -27320,7 +28008,7 @@
                                           </p:stCondLst>
                                         </p:cTn>
                                         <p:tgtEl>
-                                          <p:spTgt spid="13"/>
+                                          <p:spTgt spid="11"/>
                                         </p:tgtEl>
                                         <p:attrNameLst>
                                           <p:attrName>style.visibility</p:attrName>
@@ -27334,51 +28022,7 @@
                                       <p:cBhvr>
                                         <p:cTn id="7" dur="500"/>
                                         <p:tgtEl>
-                                          <p:spTgt spid="13"/>
-                                        </p:tgtEl>
-                                      </p:cBhvr>
-                                    </p:animEffect>
-                                  </p:childTnLst>
-                                </p:cTn>
-                              </p:par>
-                            </p:childTnLst>
-                          </p:cTn>
-                        </p:par>
-                        <p:par>
-                          <p:cTn id="8" fill="hold">
-                            <p:stCondLst>
-                              <p:cond delay="500"/>
-                            </p:stCondLst>
-                            <p:childTnLst>
-                              <p:par>
-                                <p:cTn id="9" presetID="10" presetClass="entr" presetSubtype="0" fill="hold" grpId="0" nodeType="afterEffect">
-                                  <p:stCondLst>
-                                    <p:cond delay="0"/>
-                                  </p:stCondLst>
-                                  <p:childTnLst>
-                                    <p:set>
-                                      <p:cBhvr>
-                                        <p:cTn id="10" dur="1" fill="hold">
-                                          <p:stCondLst>
-                                            <p:cond delay="0"/>
-                                          </p:stCondLst>
-                                        </p:cTn>
-                                        <p:tgtEl>
-                                          <p:spTgt spid="5"/>
-                                        </p:tgtEl>
-                                        <p:attrNameLst>
-                                          <p:attrName>style.visibility</p:attrName>
-                                        </p:attrNameLst>
-                                      </p:cBhvr>
-                                      <p:to>
-                                        <p:strVal val="visible"/>
-                                      </p:to>
-                                    </p:set>
-                                    <p:animEffect transition="in" filter="fade">
-                                      <p:cBhvr>
-                                        <p:cTn id="11" dur="500"/>
-                                        <p:tgtEl>
-                                          <p:spTgt spid="5"/>
+                                          <p:spTgt spid="11"/>
                                         </p:tgtEl>
                                       </p:cBhvr>
                                     </p:animEffect>
@@ -27392,32 +28036,32 @@
                     </p:cTn>
                   </p:par>
                   <p:par>
-                    <p:cTn id="12" fill="hold">
+                    <p:cTn id="8" fill="hold">
                       <p:stCondLst>
                         <p:cond delay="indefinite"/>
                       </p:stCondLst>
                       <p:childTnLst>
                         <p:par>
-                          <p:cTn id="13" fill="hold">
+                          <p:cTn id="9" fill="hold">
                             <p:stCondLst>
                               <p:cond delay="0"/>
                             </p:stCondLst>
                             <p:childTnLst>
                               <p:par>
-                                <p:cTn id="14" presetID="10" presetClass="entr" presetSubtype="0" fill="hold" grpId="0" nodeType="clickEffect">
+                                <p:cTn id="10" presetID="10" presetClass="entr" presetSubtype="0" fill="hold" nodeType="clickEffect">
                                   <p:stCondLst>
                                     <p:cond delay="0"/>
                                   </p:stCondLst>
                                   <p:childTnLst>
                                     <p:set>
                                       <p:cBhvr>
-                                        <p:cTn id="15" dur="1" fill="hold">
+                                        <p:cTn id="11" dur="1" fill="hold">
                                           <p:stCondLst>
                                             <p:cond delay="0"/>
                                           </p:stCondLst>
                                         </p:cTn>
                                         <p:tgtEl>
-                                          <p:spTgt spid="32"/>
+                                          <p:spTgt spid="13"/>
                                         </p:tgtEl>
                                         <p:attrNameLst>
                                           <p:attrName>style.visibility</p:attrName>
@@ -27429,9 +28073,9 @@
                                     </p:set>
                                     <p:animEffect transition="in" filter="fade">
                                       <p:cBhvr>
-                                        <p:cTn id="16" dur="500"/>
-                                        <p:tgtEl>
-                                          <p:spTgt spid="32"/>
+                                        <p:cTn id="12" dur="500"/>
+                                        <p:tgtEl>
+                                          <p:spTgt spid="13"/>
                                         </p:tgtEl>
                                       </p:cBhvr>
                                     </p:animEffect>
@@ -27442,26 +28086,26 @@
                           </p:cTn>
                         </p:par>
                         <p:par>
-                          <p:cTn id="17" fill="hold">
+                          <p:cTn id="13" fill="hold">
                             <p:stCondLst>
                               <p:cond delay="500"/>
                             </p:stCondLst>
                             <p:childTnLst>
                               <p:par>
-                                <p:cTn id="18" presetID="10" presetClass="entr" presetSubtype="0" fill="hold" nodeType="afterEffect">
+                                <p:cTn id="14" presetID="10" presetClass="entr" presetSubtype="0" fill="hold" grpId="0" nodeType="afterEffect">
                                   <p:stCondLst>
                                     <p:cond delay="0"/>
                                   </p:stCondLst>
                                   <p:childTnLst>
                                     <p:set>
                                       <p:cBhvr>
-                                        <p:cTn id="19" dur="1" fill="hold">
+                                        <p:cTn id="15" dur="1" fill="hold">
                                           <p:stCondLst>
                                             <p:cond delay="0"/>
                                           </p:stCondLst>
                                         </p:cTn>
                                         <p:tgtEl>
-                                          <p:spTgt spid="24"/>
+                                          <p:spTgt spid="5"/>
                                         </p:tgtEl>
                                         <p:attrNameLst>
                                           <p:attrName>style.visibility</p:attrName>
@@ -27473,9 +28117,9 @@
                                     </p:set>
                                     <p:animEffect transition="in" filter="fade">
                                       <p:cBhvr>
-                                        <p:cTn id="20" dur="500"/>
-                                        <p:tgtEl>
-                                          <p:spTgt spid="24"/>
+                                        <p:cTn id="16" dur="500"/>
+                                        <p:tgtEl>
+                                          <p:spTgt spid="5"/>
                                         </p:tgtEl>
                                       </p:cBhvr>
                                     </p:animEffect>
@@ -27485,27 +28129,71 @@
                             </p:childTnLst>
                           </p:cTn>
                         </p:par>
+                      </p:childTnLst>
+                    </p:cTn>
+                  </p:par>
+                  <p:par>
+                    <p:cTn id="17" fill="hold">
+                      <p:stCondLst>
+                        <p:cond delay="indefinite"/>
+                      </p:stCondLst>
+                      <p:childTnLst>
                         <p:par>
-                          <p:cTn id="21" fill="hold">
+                          <p:cTn id="18" fill="hold">
                             <p:stCondLst>
-                              <p:cond delay="1000"/>
+                              <p:cond delay="0"/>
                             </p:stCondLst>
                             <p:childTnLst>
                               <p:par>
-                                <p:cTn id="22" presetID="10" presetClass="entr" presetSubtype="0" fill="hold" grpId="0" nodeType="afterEffect">
+                                <p:cTn id="19" presetID="10" presetClass="entr" presetSubtype="0" fill="hold" grpId="0" nodeType="clickEffect">
                                   <p:stCondLst>
                                     <p:cond delay="0"/>
                                   </p:stCondLst>
                                   <p:childTnLst>
                                     <p:set>
                                       <p:cBhvr>
+                                        <p:cTn id="20" dur="1" fill="hold">
+                                          <p:stCondLst>
+                                            <p:cond delay="0"/>
+                                          </p:stCondLst>
+                                        </p:cTn>
+                                        <p:tgtEl>
+                                          <p:spTgt spid="32"/>
+                                        </p:tgtEl>
+                                        <p:attrNameLst>
+                                          <p:attrName>style.visibility</p:attrName>
+                                        </p:attrNameLst>
+                                      </p:cBhvr>
+                                      <p:to>
+                                        <p:strVal val="visible"/>
+                                      </p:to>
+                                    </p:set>
+                                    <p:animEffect transition="in" filter="fade">
+                                      <p:cBhvr>
+                                        <p:cTn id="21" dur="500"/>
+                                        <p:tgtEl>
+                                          <p:spTgt spid="32"/>
+                                        </p:tgtEl>
+                                      </p:cBhvr>
+                                    </p:animEffect>
+                                  </p:childTnLst>
+                                </p:cTn>
+                              </p:par>
+                              <p:par>
+                                <p:cTn id="22" presetID="10" presetClass="entr" presetSubtype="0" fill="hold" nodeType="withEffect">
+                                  <p:stCondLst>
+                                    <p:cond delay="0"/>
+                                  </p:stCondLst>
+                                  <p:childTnLst>
+                                    <p:set>
+                                      <p:cBhvr>
                                         <p:cTn id="23" dur="1" fill="hold">
                                           <p:stCondLst>
                                             <p:cond delay="0"/>
                                           </p:stCondLst>
                                         </p:cTn>
                                         <p:tgtEl>
-                                          <p:spTgt spid="6"/>
+                                          <p:spTgt spid="24"/>
                                         </p:tgtEl>
                                         <p:attrNameLst>
                                           <p:attrName>style.visibility</p:attrName>
@@ -27519,7 +28207,7 @@
                                       <p:cBhvr>
                                         <p:cTn id="24" dur="500"/>
                                         <p:tgtEl>
-                                          <p:spTgt spid="6"/>
+                                          <p:spTgt spid="24"/>
                                         </p:tgtEl>
                                       </p:cBhvr>
                                     </p:animEffect>
@@ -27532,11 +28220,11 @@
                         <p:par>
                           <p:cTn id="25" fill="hold">
                             <p:stCondLst>
-                              <p:cond delay="1500"/>
+                              <p:cond delay="500"/>
                             </p:stCondLst>
                             <p:childTnLst>
                               <p:par>
-                                <p:cTn id="26" presetID="10" presetClass="entr" presetSubtype="0" fill="hold" nodeType="afterEffect">
+                                <p:cTn id="26" presetID="10" presetClass="entr" presetSubtype="0" fill="hold" grpId="0" nodeType="afterEffect">
                                   <p:stCondLst>
                                     <p:cond delay="0"/>
                                   </p:stCondLst>
@@ -27549,7 +28237,7 @@
                                           </p:stCondLst>
                                         </p:cTn>
                                         <p:tgtEl>
-                                          <p:spTgt spid="25"/>
+                                          <p:spTgt spid="6"/>
                                         </p:tgtEl>
                                         <p:attrNameLst>
                                           <p:attrName>style.visibility</p:attrName>
@@ -27563,7 +28251,7 @@
                                       <p:cBhvr>
                                         <p:cTn id="28" dur="500"/>
                                         <p:tgtEl>
-                                          <p:spTgt spid="25"/>
+                                          <p:spTgt spid="6"/>
                                         </p:tgtEl>
                                       </p:cBhvr>
                                     </p:animEffect>
@@ -27589,7 +28277,7 @@
                             </p:stCondLst>
                             <p:childTnLst>
                               <p:par>
-                                <p:cTn id="31" presetID="10" presetClass="entr" presetSubtype="0" fill="hold" grpId="0" nodeType="clickEffect">
+                                <p:cTn id="31" presetID="10" presetClass="entr" presetSubtype="0" fill="hold" nodeType="clickEffect">
                                   <p:stCondLst>
                                     <p:cond delay="0"/>
                                   </p:stCondLst>
@@ -27602,7 +28290,7 @@
                                           </p:stCondLst>
                                         </p:cTn>
                                         <p:tgtEl>
-                                          <p:spTgt spid="20"/>
+                                          <p:spTgt spid="25"/>
                                         </p:tgtEl>
                                         <p:attrNameLst>
                                           <p:attrName>style.visibility</p:attrName>
@@ -27616,7 +28304,7 @@
                                       <p:cBhvr>
                                         <p:cTn id="33" dur="500"/>
                                         <p:tgtEl>
-                                          <p:spTgt spid="20"/>
+                                          <p:spTgt spid="25"/>
                                         </p:tgtEl>
                                       </p:cBhvr>
                                     </p:animEffect>
@@ -27633,7 +28321,7 @@
                             </p:stCondLst>
                             <p:childTnLst>
                               <p:par>
-                                <p:cTn id="35" presetID="10" presetClass="entr" presetSubtype="0" fill="hold" nodeType="afterEffect">
+                                <p:cTn id="35" presetID="10" presetClass="entr" presetSubtype="0" fill="hold" grpId="0" nodeType="afterEffect">
                                   <p:stCondLst>
                                     <p:cond delay="0"/>
                                   </p:stCondLst>
@@ -27646,7 +28334,7 @@
                                           </p:stCondLst>
                                         </p:cTn>
                                         <p:tgtEl>
-                                          <p:spTgt spid="16"/>
+                                          <p:spTgt spid="20"/>
                                         </p:tgtEl>
                                         <p:attrNameLst>
                                           <p:attrName>style.visibility</p:attrName>
@@ -27659,6 +28347,41 @@
                                     <p:animEffect transition="in" filter="fade">
                                       <p:cBhvr>
                                         <p:cTn id="37" dur="500"/>
+                                        <p:tgtEl>
+                                          <p:spTgt spid="20"/>
+                                        </p:tgtEl>
+                                      </p:cBhvr>
+                                    </p:animEffect>
+                                  </p:childTnLst>
+                                </p:cTn>
+                              </p:par>
+                              <p:par>
+                                <p:cTn id="38" presetID="10" presetClass="entr" presetSubtype="0" fill="hold" nodeType="withEffect">
+                                  <p:stCondLst>
+                                    <p:cond delay="0"/>
+                                  </p:stCondLst>
+                                  <p:childTnLst>
+                                    <p:set>
+                                      <p:cBhvr>
+                                        <p:cTn id="39" dur="1" fill="hold">
+                                          <p:stCondLst>
+                                            <p:cond delay="0"/>
+                                          </p:stCondLst>
+                                        </p:cTn>
+                                        <p:tgtEl>
+                                          <p:spTgt spid="16"/>
+                                        </p:tgtEl>
+                                        <p:attrNameLst>
+                                          <p:attrName>style.visibility</p:attrName>
+                                        </p:attrNameLst>
+                                      </p:cBhvr>
+                                      <p:to>
+                                        <p:strVal val="visible"/>
+                                      </p:to>
+                                    </p:set>
+                                    <p:animEffect transition="in" filter="fade">
+                                      <p:cBhvr>
+                                        <p:cTn id="40" dur="500"/>
                                         <p:tgtEl>
                                           <p:spTgt spid="16"/>
                                         </p:tgtEl>
@@ -27671,20 +28394,20 @@
                           </p:cTn>
                         </p:par>
                         <p:par>
-                          <p:cTn id="38" fill="hold">
+                          <p:cTn id="41" fill="hold">
                             <p:stCondLst>
                               <p:cond delay="1000"/>
                             </p:stCondLst>
                             <p:childTnLst>
                               <p:par>
-                                <p:cTn id="39" presetID="10" presetClass="entr" presetSubtype="0" fill="hold" grpId="0" nodeType="afterEffect">
+                                <p:cTn id="42" presetID="10" presetClass="entr" presetSubtype="0" fill="hold" grpId="0" nodeType="afterEffect">
                                   <p:stCondLst>
                                     <p:cond delay="0"/>
                                   </p:stCondLst>
                                   <p:childTnLst>
                                     <p:set>
                                       <p:cBhvr>
-                                        <p:cTn id="40" dur="1" fill="hold">
+                                        <p:cTn id="43" dur="1" fill="hold">
                                           <p:stCondLst>
                                             <p:cond delay="0"/>
                                           </p:stCondLst>
@@ -27702,7 +28425,7 @@
                                     </p:set>
                                     <p:animEffect transition="in" filter="fade">
                                       <p:cBhvr>
-                                        <p:cTn id="41" dur="500"/>
+                                        <p:cTn id="44" dur="500"/>
                                         <p:tgtEl>
                                           <p:spTgt spid="7"/>
                                         </p:tgtEl>
@@ -27718,26 +28441,26 @@
                     </p:cTn>
                   </p:par>
                   <p:par>
-                    <p:cTn id="42" fill="hold">
+                    <p:cTn id="45" fill="hold">
                       <p:stCondLst>
                         <p:cond delay="indefinite"/>
                       </p:stCondLst>
                       <p:childTnLst>
                         <p:par>
-                          <p:cTn id="43" fill="hold">
+                          <p:cTn id="46" fill="hold">
                             <p:stCondLst>
                               <p:cond delay="0"/>
                             </p:stCondLst>
                             <p:childTnLst>
                               <p:par>
-                                <p:cTn id="44" presetID="10" presetClass="entr" presetSubtype="0" fill="hold" grpId="0" nodeType="clickEffect">
+                                <p:cTn id="47" presetID="10" presetClass="entr" presetSubtype="0" fill="hold" grpId="0" nodeType="clickEffect">
                                   <p:stCondLst>
                                     <p:cond delay="0"/>
                                   </p:stCondLst>
                                   <p:childTnLst>
                                     <p:set>
                                       <p:cBhvr>
-                                        <p:cTn id="45" dur="1" fill="hold">
+                                        <p:cTn id="48" dur="1" fill="hold">
                                           <p:stCondLst>
                                             <p:cond delay="0"/>
                                           </p:stCondLst>
@@ -27755,9 +28478,44 @@
                                     </p:set>
                                     <p:animEffect transition="in" filter="fade">
                                       <p:cBhvr>
-                                        <p:cTn id="46" dur="500"/>
+                                        <p:cTn id="49" dur="500"/>
                                         <p:tgtEl>
                                           <p:spTgt spid="21"/>
+                                        </p:tgtEl>
+                                      </p:cBhvr>
+                                    </p:animEffect>
+                                  </p:childTnLst>
+                                </p:cTn>
+                              </p:par>
+                              <p:par>
+                                <p:cTn id="50" presetID="10" presetClass="entr" presetSubtype="0" fill="hold" nodeType="withEffect">
+                                  <p:stCondLst>
+                                    <p:cond delay="0"/>
+                                  </p:stCondLst>
+                                  <p:childTnLst>
+                                    <p:set>
+                                      <p:cBhvr>
+                                        <p:cTn id="51" dur="1" fill="hold">
+                                          <p:stCondLst>
+                                            <p:cond delay="0"/>
+                                          </p:stCondLst>
+                                        </p:cTn>
+                                        <p:tgtEl>
+                                          <p:spTgt spid="26"/>
+                                        </p:tgtEl>
+                                        <p:attrNameLst>
+                                          <p:attrName>style.visibility</p:attrName>
+                                        </p:attrNameLst>
+                                      </p:cBhvr>
+                                      <p:to>
+                                        <p:strVal val="visible"/>
+                                      </p:to>
+                                    </p:set>
+                                    <p:animEffect transition="in" filter="fade">
+                                      <p:cBhvr>
+                                        <p:cTn id="52" dur="500"/>
+                                        <p:tgtEl>
+                                          <p:spTgt spid="26"/>
                                         </p:tgtEl>
                                       </p:cBhvr>
                                     </p:animEffect>
@@ -27768,26 +28526,26 @@
                           </p:cTn>
                         </p:par>
                         <p:par>
-                          <p:cTn id="47" fill="hold">
+                          <p:cTn id="53" fill="hold">
                             <p:stCondLst>
                               <p:cond delay="500"/>
                             </p:stCondLst>
                             <p:childTnLst>
                               <p:par>
-                                <p:cTn id="48" presetID="10" presetClass="entr" presetSubtype="0" fill="hold" nodeType="afterEffect">
+                                <p:cTn id="54" presetID="10" presetClass="entr" presetSubtype="0" fill="hold" grpId="0" nodeType="afterEffect">
                                   <p:stCondLst>
                                     <p:cond delay="0"/>
                                   </p:stCondLst>
                                   <p:childTnLst>
                                     <p:set>
                                       <p:cBhvr>
-                                        <p:cTn id="49" dur="1" fill="hold">
+                                        <p:cTn id="55" dur="1" fill="hold">
                                           <p:stCondLst>
                                             <p:cond delay="0"/>
                                           </p:stCondLst>
                                         </p:cTn>
                                         <p:tgtEl>
-                                          <p:spTgt spid="26"/>
+                                          <p:spTgt spid="8"/>
                                         </p:tgtEl>
                                         <p:attrNameLst>
                                           <p:attrName>style.visibility</p:attrName>
@@ -27799,97 +28557,9 @@
                                     </p:set>
                                     <p:animEffect transition="in" filter="fade">
                                       <p:cBhvr>
-                                        <p:cTn id="50" dur="500"/>
-                                        <p:tgtEl>
-                                          <p:spTgt spid="26"/>
-                                        </p:tgtEl>
-                                      </p:cBhvr>
-                                    </p:animEffect>
-                                  </p:childTnLst>
-                                </p:cTn>
-                              </p:par>
-                            </p:childTnLst>
-                          </p:cTn>
-                        </p:par>
-                        <p:par>
-                          <p:cTn id="51" fill="hold">
-                            <p:stCondLst>
-                              <p:cond delay="1000"/>
-                            </p:stCondLst>
-                            <p:childTnLst>
-                              <p:par>
-                                <p:cTn id="52" presetID="10" presetClass="entr" presetSubtype="0" fill="hold" grpId="0" nodeType="afterEffect">
-                                  <p:stCondLst>
-                                    <p:cond delay="0"/>
-                                  </p:stCondLst>
-                                  <p:childTnLst>
-                                    <p:set>
-                                      <p:cBhvr>
-                                        <p:cTn id="53" dur="1" fill="hold">
-                                          <p:stCondLst>
-                                            <p:cond delay="0"/>
-                                          </p:stCondLst>
-                                        </p:cTn>
+                                        <p:cTn id="56" dur="500"/>
                                         <p:tgtEl>
                                           <p:spTgt spid="8"/>
-                                        </p:tgtEl>
-                                        <p:attrNameLst>
-                                          <p:attrName>style.visibility</p:attrName>
-                                        </p:attrNameLst>
-                                      </p:cBhvr>
-                                      <p:to>
-                                        <p:strVal val="visible"/>
-                                      </p:to>
-                                    </p:set>
-                                    <p:animEffect transition="in" filter="fade">
-                                      <p:cBhvr>
-                                        <p:cTn id="54" dur="500"/>
-                                        <p:tgtEl>
-                                          <p:spTgt spid="8"/>
-                                        </p:tgtEl>
-                                      </p:cBhvr>
-                                    </p:animEffect>
-                                  </p:childTnLst>
-                                </p:cTn>
-                              </p:par>
-                            </p:childTnLst>
-                          </p:cTn>
-                        </p:par>
-                        <p:par>
-                          <p:cTn id="55" fill="hold">
-                            <p:stCondLst>
-                              <p:cond delay="1500"/>
-                            </p:stCondLst>
-                            <p:childTnLst>
-                              <p:par>
-                                <p:cTn id="56" presetID="10" presetClass="entr" presetSubtype="0" fill="hold" nodeType="afterEffect">
-                                  <p:stCondLst>
-                                    <p:cond delay="0"/>
-                                  </p:stCondLst>
-                                  <p:childTnLst>
-                                    <p:set>
-                                      <p:cBhvr>
-                                        <p:cTn id="57" dur="1" fill="hold">
-                                          <p:stCondLst>
-                                            <p:cond delay="0"/>
-                                          </p:stCondLst>
-                                        </p:cTn>
-                                        <p:tgtEl>
-                                          <p:spTgt spid="27"/>
-                                        </p:tgtEl>
-                                        <p:attrNameLst>
-                                          <p:attrName>style.visibility</p:attrName>
-                                        </p:attrNameLst>
-                                      </p:cBhvr>
-                                      <p:to>
-                                        <p:strVal val="visible"/>
-                                      </p:to>
-                                    </p:set>
-                                    <p:animEffect transition="in" filter="fade">
-                                      <p:cBhvr>
-                                        <p:cTn id="58" dur="500"/>
-                                        <p:tgtEl>
-                                          <p:spTgt spid="27"/>
                                         </p:tgtEl>
                                       </p:cBhvr>
                                     </p:animEffect>
@@ -27903,32 +28573,32 @@
                     </p:cTn>
                   </p:par>
                   <p:par>
-                    <p:cTn id="59" fill="hold">
+                    <p:cTn id="57" fill="hold">
                       <p:stCondLst>
                         <p:cond delay="indefinite"/>
                       </p:stCondLst>
                       <p:childTnLst>
                         <p:par>
-                          <p:cTn id="60" fill="hold">
+                          <p:cTn id="58" fill="hold">
                             <p:stCondLst>
                               <p:cond delay="0"/>
                             </p:stCondLst>
                             <p:childTnLst>
                               <p:par>
-                                <p:cTn id="61" presetID="10" presetClass="entr" presetSubtype="0" fill="hold" grpId="0" nodeType="clickEffect">
+                                <p:cTn id="59" presetID="10" presetClass="entr" presetSubtype="0" fill="hold" nodeType="clickEffect">
                                   <p:stCondLst>
                                     <p:cond delay="0"/>
                                   </p:stCondLst>
                                   <p:childTnLst>
                                     <p:set>
                                       <p:cBhvr>
-                                        <p:cTn id="62" dur="1" fill="hold">
+                                        <p:cTn id="60" dur="1" fill="hold">
                                           <p:stCondLst>
                                             <p:cond delay="0"/>
                                           </p:stCondLst>
                                         </p:cTn>
                                         <p:tgtEl>
-                                          <p:spTgt spid="33"/>
+                                          <p:spTgt spid="27"/>
                                         </p:tgtEl>
                                         <p:attrNameLst>
                                           <p:attrName>style.visibility</p:attrName>
@@ -27940,9 +28610,9 @@
                                     </p:set>
                                     <p:animEffect transition="in" filter="fade">
                                       <p:cBhvr>
-                                        <p:cTn id="63" dur="500"/>
-                                        <p:tgtEl>
-                                          <p:spTgt spid="33"/>
+                                        <p:cTn id="61" dur="500"/>
+                                        <p:tgtEl>
+                                          <p:spTgt spid="27"/>
                                         </p:tgtEl>
                                       </p:cBhvr>
                                     </p:animEffect>
@@ -27953,26 +28623,26 @@
                           </p:cTn>
                         </p:par>
                         <p:par>
-                          <p:cTn id="64" fill="hold">
+                          <p:cTn id="62" fill="hold">
                             <p:stCondLst>
                               <p:cond delay="500"/>
                             </p:stCondLst>
                             <p:childTnLst>
                               <p:par>
-                                <p:cTn id="65" presetID="10" presetClass="entr" presetSubtype="0" fill="hold" nodeType="afterEffect">
+                                <p:cTn id="63" presetID="10" presetClass="entr" presetSubtype="0" fill="hold" grpId="0" nodeType="afterEffect">
                                   <p:stCondLst>
                                     <p:cond delay="0"/>
                                   </p:stCondLst>
                                   <p:childTnLst>
                                     <p:set>
                                       <p:cBhvr>
-                                        <p:cTn id="66" dur="1" fill="hold">
+                                        <p:cTn id="64" dur="1" fill="hold">
                                           <p:stCondLst>
                                             <p:cond delay="0"/>
                                           </p:stCondLst>
                                         </p:cTn>
                                         <p:tgtEl>
-                                          <p:spTgt spid="17"/>
+                                          <p:spTgt spid="33"/>
                                         </p:tgtEl>
                                         <p:attrNameLst>
                                           <p:attrName>style.visibility</p:attrName>
@@ -27984,7 +28654,42 @@
                                     </p:set>
                                     <p:animEffect transition="in" filter="fade">
                                       <p:cBhvr>
-                                        <p:cTn id="67" dur="500"/>
+                                        <p:cTn id="65" dur="500"/>
+                                        <p:tgtEl>
+                                          <p:spTgt spid="33"/>
+                                        </p:tgtEl>
+                                      </p:cBhvr>
+                                    </p:animEffect>
+                                  </p:childTnLst>
+                                </p:cTn>
+                              </p:par>
+                              <p:par>
+                                <p:cTn id="66" presetID="10" presetClass="entr" presetSubtype="0" fill="hold" nodeType="withEffect">
+                                  <p:stCondLst>
+                                    <p:cond delay="0"/>
+                                  </p:stCondLst>
+                                  <p:childTnLst>
+                                    <p:set>
+                                      <p:cBhvr>
+                                        <p:cTn id="67" dur="1" fill="hold">
+                                          <p:stCondLst>
+                                            <p:cond delay="0"/>
+                                          </p:stCondLst>
+                                        </p:cTn>
+                                        <p:tgtEl>
+                                          <p:spTgt spid="17"/>
+                                        </p:tgtEl>
+                                        <p:attrNameLst>
+                                          <p:attrName>style.visibility</p:attrName>
+                                        </p:attrNameLst>
+                                      </p:cBhvr>
+                                      <p:to>
+                                        <p:strVal val="visible"/>
+                                      </p:to>
+                                    </p:set>
+                                    <p:animEffect transition="in" filter="fade">
+                                      <p:cBhvr>
+                                        <p:cTn id="68" dur="500"/>
                                         <p:tgtEl>
                                           <p:spTgt spid="17"/>
                                         </p:tgtEl>
@@ -27997,20 +28702,20 @@
                           </p:cTn>
                         </p:par>
                         <p:par>
-                          <p:cTn id="68" fill="hold">
+                          <p:cTn id="69" fill="hold">
                             <p:stCondLst>
                               <p:cond delay="1000"/>
                             </p:stCondLst>
                             <p:childTnLst>
                               <p:par>
-                                <p:cTn id="69" presetID="10" presetClass="entr" presetSubtype="0" fill="hold" grpId="0" nodeType="afterEffect">
+                                <p:cTn id="70" presetID="10" presetClass="entr" presetSubtype="0" fill="hold" grpId="0" nodeType="afterEffect">
                                   <p:stCondLst>
                                     <p:cond delay="0"/>
                                   </p:stCondLst>
                                   <p:childTnLst>
                                     <p:set>
                                       <p:cBhvr>
-                                        <p:cTn id="70" dur="1" fill="hold">
+                                        <p:cTn id="71" dur="1" fill="hold">
                                           <p:stCondLst>
                                             <p:cond delay="0"/>
                                           </p:stCondLst>
@@ -28028,7 +28733,7 @@
                                     </p:set>
                                     <p:animEffect transition="in" filter="fade">
                                       <p:cBhvr>
-                                        <p:cTn id="71" dur="500"/>
+                                        <p:cTn id="72" dur="500"/>
                                         <p:tgtEl>
                                           <p:spTgt spid="9"/>
                                         </p:tgtEl>
@@ -28044,26 +28749,26 @@
                     </p:cTn>
                   </p:par>
                   <p:par>
-                    <p:cTn id="72" fill="hold">
+                    <p:cTn id="73" fill="hold">
                       <p:stCondLst>
                         <p:cond delay="indefinite"/>
                       </p:stCondLst>
                       <p:childTnLst>
                         <p:par>
-                          <p:cTn id="73" fill="hold">
+                          <p:cTn id="74" fill="hold">
                             <p:stCondLst>
                               <p:cond delay="0"/>
                             </p:stCondLst>
                             <p:childTnLst>
                               <p:par>
-                                <p:cTn id="74" presetID="10" presetClass="entr" presetSubtype="0" fill="hold" grpId="0" nodeType="clickEffect">
+                                <p:cTn id="75" presetID="10" presetClass="entr" presetSubtype="0" fill="hold" grpId="0" nodeType="clickEffect">
                                   <p:stCondLst>
                                     <p:cond delay="0"/>
                                   </p:stCondLst>
                                   <p:childTnLst>
                                     <p:set>
                                       <p:cBhvr>
-                                        <p:cTn id="75" dur="1" fill="hold">
+                                        <p:cTn id="76" dur="1" fill="hold">
                                           <p:stCondLst>
                                             <p:cond delay="0"/>
                                           </p:stCondLst>
@@ -28081,7 +28786,7 @@
                                     </p:set>
                                     <p:animEffect transition="in" filter="fade">
                                       <p:cBhvr>
-                                        <p:cTn id="76" dur="500"/>
+                                        <p:cTn id="77" dur="500"/>
                                         <p:tgtEl>
                                           <p:spTgt spid="34"/>
                                         </p:tgtEl>
@@ -28090,17 +28795,8 @@
                                   </p:childTnLst>
                                 </p:cTn>
                               </p:par>
-                            </p:childTnLst>
-                          </p:cTn>
-                        </p:par>
-                        <p:par>
-                          <p:cTn id="77" fill="hold">
-                            <p:stCondLst>
-                              <p:cond delay="500"/>
-                            </p:stCondLst>
-                            <p:childTnLst>
                               <p:par>
-                                <p:cTn id="78" presetID="10" presetClass="entr" presetSubtype="0" fill="hold" nodeType="afterEffect">
+                                <p:cTn id="78" presetID="10" presetClass="entr" presetSubtype="0" fill="hold" nodeType="withEffect">
                                   <p:stCondLst>
                                     <p:cond delay="0"/>
                                   </p:stCondLst>
@@ -28140,7 +28836,7 @@
                         <p:par>
                           <p:cTn id="81" fill="hold">
                             <p:stCondLst>
-                              <p:cond delay="1000"/>
+                              <p:cond delay="500"/>
                             </p:stCondLst>
                             <p:childTnLst>
                               <p:par>
@@ -28172,50 +28868,6 @@
                                         <p:cTn id="84" dur="500"/>
                                         <p:tgtEl>
                                           <p:spTgt spid="10"/>
-                                        </p:tgtEl>
-                                      </p:cBhvr>
-                                    </p:animEffect>
-                                  </p:childTnLst>
-                                </p:cTn>
-                              </p:par>
-                            </p:childTnLst>
-                          </p:cTn>
-                        </p:par>
-                        <p:par>
-                          <p:cTn id="85" fill="hold">
-                            <p:stCondLst>
-                              <p:cond delay="1500"/>
-                            </p:stCondLst>
-                            <p:childTnLst>
-                              <p:par>
-                                <p:cTn id="86" presetID="10" presetClass="entr" presetSubtype="0" fill="hold" nodeType="afterEffect">
-                                  <p:stCondLst>
-                                    <p:cond delay="0"/>
-                                  </p:stCondLst>
-                                  <p:childTnLst>
-                                    <p:set>
-                                      <p:cBhvr>
-                                        <p:cTn id="87" dur="1" fill="hold">
-                                          <p:stCondLst>
-                                            <p:cond delay="0"/>
-                                          </p:stCondLst>
-                                        </p:cTn>
-                                        <p:tgtEl>
-                                          <p:spTgt spid="29"/>
-                                        </p:tgtEl>
-                                        <p:attrNameLst>
-                                          <p:attrName>style.visibility</p:attrName>
-                                        </p:attrNameLst>
-                                      </p:cBhvr>
-                                      <p:to>
-                                        <p:strVal val="visible"/>
-                                      </p:to>
-                                    </p:set>
-                                    <p:animEffect transition="in" filter="fade">
-                                      <p:cBhvr>
-                                        <p:cTn id="88" dur="500"/>
-                                        <p:tgtEl>
-                                          <p:spTgt spid="29"/>
                                         </p:tgtEl>
                                       </p:cBhvr>
                                     </p:animEffect>
@@ -28229,32 +28881,32 @@
                     </p:cTn>
                   </p:par>
                   <p:par>
-                    <p:cTn id="89" fill="hold">
+                    <p:cTn id="85" fill="hold">
                       <p:stCondLst>
                         <p:cond delay="indefinite"/>
                       </p:stCondLst>
                       <p:childTnLst>
                         <p:par>
-                          <p:cTn id="90" fill="hold">
+                          <p:cTn id="86" fill="hold">
                             <p:stCondLst>
                               <p:cond delay="0"/>
                             </p:stCondLst>
                             <p:childTnLst>
                               <p:par>
-                                <p:cTn id="91" presetID="10" presetClass="entr" presetSubtype="0" fill="hold" grpId="0" nodeType="clickEffect">
+                                <p:cTn id="87" presetID="10" presetClass="entr" presetSubtype="0" fill="hold" nodeType="clickEffect">
                                   <p:stCondLst>
                                     <p:cond delay="0"/>
                                   </p:stCondLst>
                                   <p:childTnLst>
                                     <p:set>
                                       <p:cBhvr>
-                                        <p:cTn id="92" dur="1" fill="hold">
+                                        <p:cTn id="88" dur="1" fill="hold">
                                           <p:stCondLst>
                                             <p:cond delay="0"/>
                                           </p:stCondLst>
                                         </p:cTn>
                                         <p:tgtEl>
-                                          <p:spTgt spid="22"/>
+                                          <p:spTgt spid="29"/>
                                         </p:tgtEl>
                                         <p:attrNameLst>
                                           <p:attrName>style.visibility</p:attrName>
@@ -28266,7 +28918,60 @@
                                     </p:set>
                                     <p:animEffect transition="in" filter="fade">
                                       <p:cBhvr>
-                                        <p:cTn id="93" dur="500"/>
+                                        <p:cTn id="89" dur="500"/>
+                                        <p:tgtEl>
+                                          <p:spTgt spid="29"/>
+                                        </p:tgtEl>
+                                      </p:cBhvr>
+                                    </p:animEffect>
+                                  </p:childTnLst>
+                                </p:cTn>
+                              </p:par>
+                            </p:childTnLst>
+                          </p:cTn>
+                        </p:par>
+                      </p:childTnLst>
+                    </p:cTn>
+                  </p:par>
+                  <p:par>
+                    <p:cTn id="90" fill="hold">
+                      <p:stCondLst>
+                        <p:cond delay="indefinite"/>
+                      </p:stCondLst>
+                      <p:childTnLst>
+                        <p:par>
+                          <p:cTn id="91" fill="hold">
+                            <p:stCondLst>
+                              <p:cond delay="0"/>
+                            </p:stCondLst>
+                            <p:childTnLst>
+                              <p:par>
+                                <p:cTn id="92" presetID="10" presetClass="entr" presetSubtype="0" fill="hold" grpId="0" nodeType="clickEffect">
+                                  <p:stCondLst>
+                                    <p:cond delay="0"/>
+                                  </p:stCondLst>
+                                  <p:childTnLst>
+                                    <p:set>
+                                      <p:cBhvr>
+                                        <p:cTn id="93" dur="1" fill="hold">
+                                          <p:stCondLst>
+                                            <p:cond delay="0"/>
+                                          </p:stCondLst>
+                                        </p:cTn>
+                                        <p:tgtEl>
+                                          <p:spTgt spid="22"/>
+                                        </p:tgtEl>
+                                        <p:attrNameLst>
+                                          <p:attrName>style.visibility</p:attrName>
+                                        </p:attrNameLst>
+                                      </p:cBhvr>
+                                      <p:to>
+                                        <p:strVal val="visible"/>
+                                      </p:to>
+                                    </p:set>
+                                    <p:animEffect transition="in" filter="fade">
+                                      <p:cBhvr>
+                                        <p:cTn id="94" dur="500"/>
                                         <p:tgtEl>
                                           <p:spTgt spid="22"/>
                                         </p:tgtEl>
@@ -28279,20 +28984,20 @@
                           </p:cTn>
                         </p:par>
                         <p:par>
-                          <p:cTn id="94" fill="hold">
+                          <p:cTn id="95" fill="hold">
                             <p:stCondLst>
                               <p:cond delay="500"/>
                             </p:stCondLst>
                             <p:childTnLst>
                               <p:par>
-                                <p:cTn id="95" presetID="10" presetClass="entr" presetSubtype="0" fill="hold" nodeType="afterEffect">
+                                <p:cTn id="96" presetID="10" presetClass="entr" presetSubtype="0" fill="hold" nodeType="afterEffect">
                                   <p:stCondLst>
                                     <p:cond delay="0"/>
                                   </p:stCondLst>
                                   <p:childTnLst>
                                     <p:set>
                                       <p:cBhvr>
-                                        <p:cTn id="96" dur="1" fill="hold">
+                                        <p:cTn id="97" dur="1" fill="hold">
                                           <p:stCondLst>
                                             <p:cond delay="0"/>
                                           </p:stCondLst>
@@ -28310,7 +29015,7 @@
                                     </p:set>
                                     <p:animEffect transition="in" filter="fade">
                                       <p:cBhvr>
-                                        <p:cTn id="97" dur="500"/>
+                                        <p:cTn id="98" dur="500"/>
                                         <p:tgtEl>
                                           <p:spTgt spid="23"/>
                                         </p:tgtEl>
@@ -28359,6 +29064,7 @@
       <p:bldP spid="8" grpId="0" animBg="1"/>
       <p:bldP spid="9" grpId="0" animBg="1"/>
       <p:bldP spid="10" grpId="0" animBg="1"/>
+      <p:bldP spid="11" grpId="0" animBg="1"/>
     </p:bldLst>
   </p:timing>
 </p:sld>
@@ -28381,6 +29087,40 @@
           <a:chExt cx="0" cy="0"/>
         </a:xfrm>
       </p:grpSpPr>
+      <p:pic>
+        <p:nvPicPr>
+          <p:cNvPr id="1026" name="Picture 2"/>
+          <p:cNvPicPr>
+            <a:picLocks noChangeAspect="1" noChangeArrowheads="1"/>
+          </p:cNvPicPr>
+          <p:nvPr/>
+        </p:nvPicPr>
+        <p:blipFill>
+          <a:blip r:embed="rId2">
+            <a:lum/>
+          </a:blip>
+          <a:srcRect/>
+          <a:stretch>
+            <a:fillRect/>
+          </a:stretch>
+        </p:blipFill>
+        <p:spPr bwMode="auto">
+          <a:xfrm>
+            <a:off x="357158" y="427836"/>
+            <a:ext cx="8409592" cy="5787246"/>
+          </a:xfrm>
+          <a:prstGeom prst="rect">
+            <a:avLst/>
+          </a:prstGeom>
+          <a:noFill/>
+          <a:ln w="9525">
+            <a:noFill/>
+            <a:miter lim="800000"/>
+            <a:headEnd/>
+            <a:tailEnd/>
+          </a:ln>
+        </p:spPr>
+      </p:pic>
       <p:sp>
         <p:nvSpPr>
           <p:cNvPr id="2" name="Title 1"/>
@@ -28401,25 +29141,6 @@
               <a:t>Practices: Pair Programming</a:t>
             </a:r>
             <a:endParaRPr lang="en-US" dirty="0"/>
-          </a:p>
-        </p:txBody>
-      </p:sp>
-      <p:sp>
-        <p:nvSpPr>
-          <p:cNvPr id="5" name="Content Placeholder 4"/>
-          <p:cNvSpPr>
-            <a:spLocks noGrp="1"/>
-          </p:cNvSpPr>
-          <p:nvPr>
-            <p:ph idx="1"/>
-          </p:nvPr>
-        </p:nvSpPr>
-        <p:spPr/>
-        <p:txBody>
-          <a:bodyPr/>
-          <a:lstStyle/>
-          <a:p>
-            <a:endParaRPr lang="en-US"/>
           </a:p>
         </p:txBody>
       </p:sp>
@@ -29236,7 +29957,7 @@
           <a:p>
             <a:r>
               <a:rPr lang="nl-BE" dirty="0" smtClean="0"/>
-              <a:t>Architecure</a:t>
+              <a:t>Architecture</a:t>
             </a:r>
             <a:endParaRPr lang="en-US" dirty="0"/>
           </a:p>

--- a/slides/Technical Session/Lessons learned.pptx
+++ b/slides/Technical Session/Lessons learned.pptx
@@ -5,7 +5,7 @@
     <p:sldMasterId id="2147483708" r:id="rId1"/>
   </p:sldMasterIdLst>
   <p:notesMasterIdLst>
-    <p:notesMasterId r:id="rId38"/>
+    <p:notesMasterId r:id="rId42"/>
   </p:notesMasterIdLst>
   <p:sldIdLst>
     <p:sldId id="256" r:id="rId2"/>
@@ -30,20 +30,24 @@
     <p:sldId id="264" r:id="rId21"/>
     <p:sldId id="278" r:id="rId22"/>
     <p:sldId id="265" r:id="rId23"/>
-    <p:sldId id="290" r:id="rId24"/>
-    <p:sldId id="279" r:id="rId25"/>
-    <p:sldId id="280" r:id="rId26"/>
-    <p:sldId id="281" r:id="rId27"/>
-    <p:sldId id="282" r:id="rId28"/>
-    <p:sldId id="283" r:id="rId29"/>
-    <p:sldId id="284" r:id="rId30"/>
-    <p:sldId id="291" r:id="rId31"/>
-    <p:sldId id="271" r:id="rId32"/>
-    <p:sldId id="272" r:id="rId33"/>
-    <p:sldId id="273" r:id="rId34"/>
-    <p:sldId id="274" r:id="rId35"/>
-    <p:sldId id="275" r:id="rId36"/>
-    <p:sldId id="276" r:id="rId37"/>
+    <p:sldId id="293" r:id="rId24"/>
+    <p:sldId id="294" r:id="rId25"/>
+    <p:sldId id="295" r:id="rId26"/>
+    <p:sldId id="296" r:id="rId27"/>
+    <p:sldId id="290" r:id="rId28"/>
+    <p:sldId id="279" r:id="rId29"/>
+    <p:sldId id="280" r:id="rId30"/>
+    <p:sldId id="281" r:id="rId31"/>
+    <p:sldId id="282" r:id="rId32"/>
+    <p:sldId id="283" r:id="rId33"/>
+    <p:sldId id="284" r:id="rId34"/>
+    <p:sldId id="291" r:id="rId35"/>
+    <p:sldId id="271" r:id="rId36"/>
+    <p:sldId id="272" r:id="rId37"/>
+    <p:sldId id="273" r:id="rId38"/>
+    <p:sldId id="274" r:id="rId39"/>
+    <p:sldId id="275" r:id="rId40"/>
+    <p:sldId id="276" r:id="rId41"/>
   </p:sldIdLst>
   <p:sldSz cx="9144000" cy="6858000" type="screen4x3"/>
   <p:notesSz cx="6858000" cy="9144000"/>
@@ -2992,9 +2996,9 @@
     <dgm:cxn modelId="{8BAE8E1E-B0DC-48A7-9BEA-483E4BFDE75D}" type="presOf" srcId="{89F4663A-CD05-4B85-BBCA-40FA831A1A8F}" destId="{3BA92C7C-5CB1-4570-8FA2-5F6671B46B59}" srcOrd="0" destOrd="0" presId="urn:microsoft.com/office/officeart/2005/8/layout/process1"/>
     <dgm:cxn modelId="{494A3215-675D-40FE-81AE-8F96C7890F23}" srcId="{39332B7E-DC53-4E39-8170-323651ED934E}" destId="{AFDF83D1-13E0-4D43-881B-4C6B983513A2}" srcOrd="2" destOrd="0" parTransId="{2F2F5AEA-A776-42D7-A1AE-A0D79D27C577}" sibTransId="{709EAEF6-2E0C-4FAC-A060-2D70E771541C}"/>
     <dgm:cxn modelId="{680EDD14-5D8D-4F98-BB21-F7357A768F58}" type="presOf" srcId="{39332B7E-DC53-4E39-8170-323651ED934E}" destId="{A42C128E-CC5D-4400-8C05-2AAD4ADDE6D2}" srcOrd="0" destOrd="0" presId="urn:microsoft.com/office/officeart/2005/8/layout/process1"/>
+    <dgm:cxn modelId="{2C77AF61-53F0-4427-BAE1-191B78CA6480}" type="presOf" srcId="{366AF2CA-1E69-4291-A324-950482E12DD8}" destId="{E974E305-B093-4847-B674-96CD015141E0}" srcOrd="0" destOrd="0" presId="urn:microsoft.com/office/officeart/2005/8/layout/process1"/>
     <dgm:cxn modelId="{6BE2F088-147E-4D7E-88C5-5486B6A249AA}" srcId="{39332B7E-DC53-4E39-8170-323651ED934E}" destId="{11DC3F5C-A4A2-407F-A072-A8F3225ADA2E}" srcOrd="1" destOrd="0" parTransId="{7CE32FAF-7C27-4F07-9CFD-29396FBE7109}" sibTransId="{98DF2911-A7F4-40F9-95B7-5A2749B23573}"/>
     <dgm:cxn modelId="{4CB64A8E-32F3-46D3-8846-8CF92E5BC6C7}" type="presOf" srcId="{11DC3F5C-A4A2-407F-A072-A8F3225ADA2E}" destId="{E8C7D2B8-2EFE-491B-9120-598B54FDB279}" srcOrd="0" destOrd="0" presId="urn:microsoft.com/office/officeart/2005/8/layout/process1"/>
-    <dgm:cxn modelId="{2C77AF61-53F0-4427-BAE1-191B78CA6480}" type="presOf" srcId="{366AF2CA-1E69-4291-A324-950482E12DD8}" destId="{E974E305-B093-4847-B674-96CD015141E0}" srcOrd="0" destOrd="0" presId="urn:microsoft.com/office/officeart/2005/8/layout/process1"/>
     <dgm:cxn modelId="{D3258751-8CD8-42C7-9C8D-78B70E2FB6A7}" type="presOf" srcId="{98DF2911-A7F4-40F9-95B7-5A2749B23573}" destId="{05F659E6-DE2E-4A9D-9F2C-38C149E7E7F9}" srcOrd="0" destOrd="0" presId="urn:microsoft.com/office/officeart/2005/8/layout/process1"/>
     <dgm:cxn modelId="{25CADF2C-5127-4D3F-9FE9-89EF699DA703}" type="presOf" srcId="{366AF2CA-1E69-4291-A324-950482E12DD8}" destId="{0DCC8B2A-85A5-4A3D-BF7B-23123E384DDA}" srcOrd="1" destOrd="0" presId="urn:microsoft.com/office/officeart/2005/8/layout/process1"/>
     <dgm:cxn modelId="{6D3FF21F-14FE-4E62-8D3A-92CBA747E71B}" srcId="{39332B7E-DC53-4E39-8170-323651ED934E}" destId="{89F4663A-CD05-4B85-BBCA-40FA831A1A8F}" srcOrd="0" destOrd="0" parTransId="{9C6F7918-3660-4369-A6C2-90E53184E84C}" sibTransId="{366AF2CA-1E69-4291-A324-950482E12DD8}"/>
@@ -6924,7 +6928,7 @@
             <a:fld id="{02F51393-7E35-4018-BC05-EF5CF32CD707}" type="datetimeFigureOut">
               <a:rPr lang="en-US" smtClean="0"/>
               <a:pPr/>
-              <a:t>6/17/2009</a:t>
+              <a:t>6/18/2009</a:t>
             </a:fld>
             <a:endParaRPr lang="en-US"/>
           </a:p>
@@ -7579,7 +7583,7 @@
             <a:fld id="{4103763D-A27D-454E-8A4F-CA208A7ACAEE}" type="datetimeFigureOut">
               <a:rPr lang="en-US" smtClean="0"/>
               <a:pPr/>
-              <a:t>6/17/2009</a:t>
+              <a:t>6/18/2009</a:t>
             </a:fld>
             <a:endParaRPr lang="en-US"/>
           </a:p>
@@ -7766,7 +7770,7 @@
             <a:fld id="{4103763D-A27D-454E-8A4F-CA208A7ACAEE}" type="datetimeFigureOut">
               <a:rPr lang="en-US" smtClean="0"/>
               <a:pPr/>
-              <a:t>6/17/2009</a:t>
+              <a:t>6/18/2009</a:t>
             </a:fld>
             <a:endParaRPr lang="en-US"/>
           </a:p>
@@ -7953,7 +7957,7 @@
             <a:fld id="{4103763D-A27D-454E-8A4F-CA208A7ACAEE}" type="datetimeFigureOut">
               <a:rPr lang="en-US" smtClean="0"/>
               <a:pPr/>
-              <a:t>6/17/2009</a:t>
+              <a:t>6/18/2009</a:t>
             </a:fld>
             <a:endParaRPr lang="en-US"/>
           </a:p>
@@ -8140,7 +8144,7 @@
             <a:fld id="{4103763D-A27D-454E-8A4F-CA208A7ACAEE}" type="datetimeFigureOut">
               <a:rPr lang="en-US" smtClean="0"/>
               <a:pPr/>
-              <a:t>6/17/2009</a:t>
+              <a:t>6/18/2009</a:t>
             </a:fld>
             <a:endParaRPr lang="en-US"/>
           </a:p>
@@ -8523,7 +8527,7 @@
             <a:fld id="{4103763D-A27D-454E-8A4F-CA208A7ACAEE}" type="datetimeFigureOut">
               <a:rPr lang="en-US" smtClean="0"/>
               <a:pPr/>
-              <a:t>6/17/2009</a:t>
+              <a:t>6/18/2009</a:t>
             </a:fld>
             <a:endParaRPr lang="en-US"/>
           </a:p>
@@ -8794,7 +8798,7 @@
             <a:fld id="{4103763D-A27D-454E-8A4F-CA208A7ACAEE}" type="datetimeFigureOut">
               <a:rPr lang="en-US" smtClean="0"/>
               <a:pPr/>
-              <a:t>6/17/2009</a:t>
+              <a:t>6/18/2009</a:t>
             </a:fld>
             <a:endParaRPr lang="en-US"/>
           </a:p>
@@ -9181,7 +9185,7 @@
             <a:fld id="{4103763D-A27D-454E-8A4F-CA208A7ACAEE}" type="datetimeFigureOut">
               <a:rPr lang="en-US" smtClean="0"/>
               <a:pPr/>
-              <a:t>6/17/2009</a:t>
+              <a:t>6/18/2009</a:t>
             </a:fld>
             <a:endParaRPr lang="en-US"/>
           </a:p>
@@ -9304,7 +9308,7 @@
             <a:fld id="{4103763D-A27D-454E-8A4F-CA208A7ACAEE}" type="datetimeFigureOut">
               <a:rPr lang="en-US" smtClean="0"/>
               <a:pPr/>
-              <a:t>6/17/2009</a:t>
+              <a:t>6/18/2009</a:t>
             </a:fld>
             <a:endParaRPr lang="en-US"/>
           </a:p>
@@ -9486,7 +9490,7 @@
             <a:fld id="{4103763D-A27D-454E-8A4F-CA208A7ACAEE}" type="datetimeFigureOut">
               <a:rPr lang="en-US" smtClean="0"/>
               <a:pPr/>
-              <a:t>6/17/2009</a:t>
+              <a:t>6/18/2009</a:t>
             </a:fld>
             <a:endParaRPr lang="en-US"/>
           </a:p>
@@ -9822,7 +9826,7 @@
             <a:fld id="{4103763D-A27D-454E-8A4F-CA208A7ACAEE}" type="datetimeFigureOut">
               <a:rPr lang="en-US" smtClean="0"/>
               <a:pPr/>
-              <a:t>6/17/2009</a:t>
+              <a:t>6/18/2009</a:t>
             </a:fld>
             <a:endParaRPr lang="en-US"/>
           </a:p>
@@ -10193,7 +10197,7 @@
             <a:fld id="{4103763D-A27D-454E-8A4F-CA208A7ACAEE}" type="datetimeFigureOut">
               <a:rPr lang="en-US" smtClean="0"/>
               <a:pPr/>
-              <a:t>6/17/2009</a:t>
+              <a:t>6/18/2009</a:t>
             </a:fld>
             <a:endParaRPr lang="en-US"/>
           </a:p>
@@ -10613,7 +10617,7 @@
             <a:fld id="{4103763D-A27D-454E-8A4F-CA208A7ACAEE}" type="datetimeFigureOut">
               <a:rPr lang="en-US" smtClean="0"/>
               <a:pPr/>
-              <a:t>6/17/2009</a:t>
+              <a:t>6/18/2009</a:t>
             </a:fld>
             <a:endParaRPr lang="en-US"/>
           </a:p>
@@ -12981,8 +12985,8 @@
         </p:nvSpPr>
         <p:spPr>
           <a:xfrm>
-            <a:off x="5715008" y="2857496"/>
-            <a:ext cx="357190" cy="214314"/>
+            <a:off x="6286512" y="2857496"/>
+            <a:ext cx="428628" cy="214314"/>
           </a:xfrm>
           <a:prstGeom prst="roundRect">
             <a:avLst/>
@@ -13328,13 +13332,19 @@
               <a:rPr lang="en-US" sz="1400" dirty="0" smtClean="0">
                 <a:latin typeface="Consolas" pitchFamily="49" charset="0"/>
               </a:rPr>
-              <a:t> Create(</a:t>
+              <a:t> </a:t>
+            </a:r>
+            <a:r>
+              <a:rPr lang="en-US" sz="1400" dirty="0" smtClean="0">
+                <a:latin typeface="Consolas" pitchFamily="49" charset="0"/>
+              </a:rPr>
+              <a:t>Create(</a:t>
             </a:r>
             <a:r>
               <a:rPr lang="en-US" sz="1400" dirty="0" err="1" smtClean="0">
                 <a:latin typeface="Consolas" pitchFamily="49" charset="0"/>
               </a:rPr>
-              <a:t>ZorgbehoevendeDto</a:t>
+              <a:t>CreateZorgbehoevendeDto</a:t>
             </a:r>
             <a:r>
               <a:rPr lang="en-US" sz="1400" dirty="0" smtClean="0">
@@ -17006,9 +17016,6 @@
               </a:rPr>
               <a:t>{</a:t>
             </a:r>
-            <a:endParaRPr lang="en-US" sz="1200" dirty="0" smtClean="0">
-              <a:latin typeface="Consolas" pitchFamily="49" charset="0"/>
-            </a:endParaRPr>
           </a:p>
           <a:p>
             <a:r>
@@ -17103,13 +17110,7 @@
               <a:rPr lang="en-US" sz="1200" dirty="0" smtClean="0">
                 <a:latin typeface="Consolas" pitchFamily="49" charset="0"/>
               </a:rPr>
-              <a:t>    </a:t>
-            </a:r>
-            <a:r>
-              <a:rPr lang="en-US" sz="1200" dirty="0" smtClean="0">
-                <a:latin typeface="Consolas" pitchFamily="49" charset="0"/>
-              </a:rPr>
-              <a:t>}</a:t>
+              <a:t>    }</a:t>
             </a:r>
           </a:p>
           <a:p>
@@ -17164,9 +17165,6 @@
               </a:rPr>
               <a:t> { get; protected set; }}</a:t>
             </a:r>
-            <a:endParaRPr lang="en-US" sz="1200" dirty="0" smtClean="0">
-              <a:latin typeface="Consolas" pitchFamily="49" charset="0"/>
-            </a:endParaRPr>
           </a:p>
         </p:txBody>
       </p:sp>
@@ -17527,7 +17525,13 @@
               <a:rPr lang="en-US" dirty="0" smtClean="0">
                 <a:latin typeface="Consolas" pitchFamily="49" charset="0"/>
               </a:rPr>
-              <a:t>	.</a:t>
+              <a:t>      </a:t>
+            </a:r>
+            <a:r>
+              <a:rPr lang="en-US" dirty="0" smtClean="0">
+                <a:latin typeface="Consolas" pitchFamily="49" charset="0"/>
+              </a:rPr>
+              <a:t>.</a:t>
             </a:r>
             <a:r>
               <a:rPr lang="en-US" dirty="0" err="1" smtClean="0">
@@ -19952,6 +19956,144 @@
           </a:p>
         </p:txBody>
       </p:sp>
+      <p:sp>
+        <p:nvSpPr>
+          <p:cNvPr id="5" name="Rectangle 4"/>
+          <p:cNvSpPr/>
+          <p:nvPr/>
+        </p:nvSpPr>
+        <p:spPr>
+          <a:xfrm>
+            <a:off x="1071538" y="2071678"/>
+            <a:ext cx="2214578" cy="214314"/>
+          </a:xfrm>
+          <a:prstGeom prst="rect">
+            <a:avLst/>
+          </a:prstGeom>
+          <a:noFill/>
+          <a:ln>
+            <a:solidFill>
+              <a:schemeClr val="accent6"/>
+            </a:solidFill>
+          </a:ln>
+        </p:spPr>
+        <p:style>
+          <a:lnRef idx="2">
+            <a:schemeClr val="accent1">
+              <a:shade val="50000"/>
+            </a:schemeClr>
+          </a:lnRef>
+          <a:fillRef idx="1">
+            <a:schemeClr val="accent1"/>
+          </a:fillRef>
+          <a:effectRef idx="0">
+            <a:schemeClr val="accent1"/>
+          </a:effectRef>
+          <a:fontRef idx="minor">
+            <a:schemeClr val="lt1"/>
+          </a:fontRef>
+        </p:style>
+        <p:txBody>
+          <a:bodyPr rtlCol="0" anchor="ctr"/>
+          <a:lstStyle/>
+          <a:p>
+            <a:pPr algn="ctr"/>
+            <a:endParaRPr lang="en-US"/>
+          </a:p>
+        </p:txBody>
+      </p:sp>
+      <p:sp>
+        <p:nvSpPr>
+          <p:cNvPr id="6" name="Rectangle 5"/>
+          <p:cNvSpPr/>
+          <p:nvPr/>
+        </p:nvSpPr>
+        <p:spPr>
+          <a:xfrm>
+            <a:off x="1071538" y="4143380"/>
+            <a:ext cx="2214578" cy="214314"/>
+          </a:xfrm>
+          <a:prstGeom prst="rect">
+            <a:avLst/>
+          </a:prstGeom>
+          <a:noFill/>
+          <a:ln>
+            <a:solidFill>
+              <a:schemeClr val="accent6"/>
+            </a:solidFill>
+          </a:ln>
+        </p:spPr>
+        <p:style>
+          <a:lnRef idx="2">
+            <a:schemeClr val="accent1">
+              <a:shade val="50000"/>
+            </a:schemeClr>
+          </a:lnRef>
+          <a:fillRef idx="1">
+            <a:schemeClr val="accent1"/>
+          </a:fillRef>
+          <a:effectRef idx="0">
+            <a:schemeClr val="accent1"/>
+          </a:effectRef>
+          <a:fontRef idx="minor">
+            <a:schemeClr val="lt1"/>
+          </a:fontRef>
+        </p:style>
+        <p:txBody>
+          <a:bodyPr rtlCol="0" anchor="ctr"/>
+          <a:lstStyle/>
+          <a:p>
+            <a:pPr algn="ctr"/>
+            <a:endParaRPr lang="en-US"/>
+          </a:p>
+        </p:txBody>
+      </p:sp>
+      <p:sp>
+        <p:nvSpPr>
+          <p:cNvPr id="7" name="Rectangle 6"/>
+          <p:cNvSpPr/>
+          <p:nvPr/>
+        </p:nvSpPr>
+        <p:spPr>
+          <a:xfrm>
+            <a:off x="785786" y="1071546"/>
+            <a:ext cx="1357322" cy="214314"/>
+          </a:xfrm>
+          <a:prstGeom prst="rect">
+            <a:avLst/>
+          </a:prstGeom>
+          <a:noFill/>
+          <a:ln>
+            <a:solidFill>
+              <a:schemeClr val="accent6"/>
+            </a:solidFill>
+          </a:ln>
+        </p:spPr>
+        <p:style>
+          <a:lnRef idx="2">
+            <a:schemeClr val="accent1">
+              <a:shade val="50000"/>
+            </a:schemeClr>
+          </a:lnRef>
+          <a:fillRef idx="1">
+            <a:schemeClr val="accent1"/>
+          </a:fillRef>
+          <a:effectRef idx="0">
+            <a:schemeClr val="accent1"/>
+          </a:effectRef>
+          <a:fontRef idx="minor">
+            <a:schemeClr val="lt1"/>
+          </a:fontRef>
+        </p:style>
+        <p:txBody>
+          <a:bodyPr rtlCol="0" anchor="ctr"/>
+          <a:lstStyle/>
+          <a:p>
+            <a:pPr algn="ctr"/>
+            <a:endParaRPr lang="en-US"/>
+          </a:p>
+        </p:txBody>
+      </p:sp>
     </p:spTree>
   </p:cSld>
   <p:clrMapOvr>
@@ -20041,6 +20183,147 @@
                                         <p:cTn id="10" dur="500"/>
                                         <p:tgtEl>
                                           <p:spTgt spid="4"/>
+                                        </p:tgtEl>
+                                      </p:cBhvr>
+                                    </p:animEffect>
+                                  </p:childTnLst>
+                                </p:cTn>
+                              </p:par>
+                            </p:childTnLst>
+                          </p:cTn>
+                        </p:par>
+                      </p:childTnLst>
+                    </p:cTn>
+                  </p:par>
+                  <p:par>
+                    <p:cTn id="11" fill="hold">
+                      <p:stCondLst>
+                        <p:cond delay="indefinite"/>
+                      </p:stCondLst>
+                      <p:childTnLst>
+                        <p:par>
+                          <p:cTn id="12" fill="hold">
+                            <p:stCondLst>
+                              <p:cond delay="0"/>
+                            </p:stCondLst>
+                            <p:childTnLst>
+                              <p:par>
+                                <p:cTn id="13" presetID="10" presetClass="entr" presetSubtype="0" fill="hold" grpId="0" nodeType="clickEffect">
+                                  <p:stCondLst>
+                                    <p:cond delay="0"/>
+                                  </p:stCondLst>
+                                  <p:childTnLst>
+                                    <p:set>
+                                      <p:cBhvr>
+                                        <p:cTn id="14" dur="1" fill="hold">
+                                          <p:stCondLst>
+                                            <p:cond delay="0"/>
+                                          </p:stCondLst>
+                                        </p:cTn>
+                                        <p:tgtEl>
+                                          <p:spTgt spid="7"/>
+                                        </p:tgtEl>
+                                        <p:attrNameLst>
+                                          <p:attrName>style.visibility</p:attrName>
+                                        </p:attrNameLst>
+                                      </p:cBhvr>
+                                      <p:to>
+                                        <p:strVal val="visible"/>
+                                      </p:to>
+                                    </p:set>
+                                    <p:animEffect transition="in" filter="fade">
+                                      <p:cBhvr>
+                                        <p:cTn id="15" dur="500"/>
+                                        <p:tgtEl>
+                                          <p:spTgt spid="7"/>
+                                        </p:tgtEl>
+                                      </p:cBhvr>
+                                    </p:animEffect>
+                                  </p:childTnLst>
+                                </p:cTn>
+                              </p:par>
+                            </p:childTnLst>
+                          </p:cTn>
+                        </p:par>
+                      </p:childTnLst>
+                    </p:cTn>
+                  </p:par>
+                  <p:par>
+                    <p:cTn id="16" fill="hold">
+                      <p:stCondLst>
+                        <p:cond delay="indefinite"/>
+                      </p:stCondLst>
+                      <p:childTnLst>
+                        <p:par>
+                          <p:cTn id="17" fill="hold">
+                            <p:stCondLst>
+                              <p:cond delay="0"/>
+                            </p:stCondLst>
+                            <p:childTnLst>
+                              <p:par>
+                                <p:cTn id="18" presetID="10" presetClass="entr" presetSubtype="0" fill="hold" grpId="0" nodeType="clickEffect">
+                                  <p:stCondLst>
+                                    <p:cond delay="0"/>
+                                  </p:stCondLst>
+                                  <p:childTnLst>
+                                    <p:set>
+                                      <p:cBhvr>
+                                        <p:cTn id="19" dur="1" fill="hold">
+                                          <p:stCondLst>
+                                            <p:cond delay="0"/>
+                                          </p:stCondLst>
+                                        </p:cTn>
+                                        <p:tgtEl>
+                                          <p:spTgt spid="5"/>
+                                        </p:tgtEl>
+                                        <p:attrNameLst>
+                                          <p:attrName>style.visibility</p:attrName>
+                                        </p:attrNameLst>
+                                      </p:cBhvr>
+                                      <p:to>
+                                        <p:strVal val="visible"/>
+                                      </p:to>
+                                    </p:set>
+                                    <p:animEffect transition="in" filter="fade">
+                                      <p:cBhvr>
+                                        <p:cTn id="20" dur="500"/>
+                                        <p:tgtEl>
+                                          <p:spTgt spid="5"/>
+                                        </p:tgtEl>
+                                      </p:cBhvr>
+                                    </p:animEffect>
+                                  </p:childTnLst>
+                                </p:cTn>
+                              </p:par>
+                              <p:par>
+                                <p:cTn id="21" presetID="10" presetClass="entr" presetSubtype="0" fill="hold" grpId="0" nodeType="withEffect">
+                                  <p:stCondLst>
+                                    <p:cond delay="0"/>
+                                  </p:stCondLst>
+                                  <p:childTnLst>
+                                    <p:set>
+                                      <p:cBhvr>
+                                        <p:cTn id="22" dur="1" fill="hold">
+                                          <p:stCondLst>
+                                            <p:cond delay="0"/>
+                                          </p:stCondLst>
+                                        </p:cTn>
+                                        <p:tgtEl>
+                                          <p:spTgt spid="6"/>
+                                        </p:tgtEl>
+                                        <p:attrNameLst>
+                                          <p:attrName>style.visibility</p:attrName>
+                                        </p:attrNameLst>
+                                      </p:cBhvr>
+                                      <p:to>
+                                        <p:strVal val="visible"/>
+                                      </p:to>
+                                    </p:set>
+                                    <p:animEffect transition="in" filter="fade">
+                                      <p:cBhvr>
+                                        <p:cTn id="23" dur="500"/>
+                                        <p:tgtEl>
+                                          <p:spTgt spid="6"/>
                                         </p:tgtEl>
                                       </p:cBhvr>
                                     </p:animEffect>
@@ -20076,12 +20359,707 @@
     </p:tnLst>
     <p:bldLst>
       <p:bldP spid="4" grpId="0" animBg="1"/>
+      <p:bldP spid="5" grpId="0" animBg="1"/>
+      <p:bldP spid="6" grpId="0" animBg="1"/>
+      <p:bldP spid="7" grpId="0" animBg="1"/>
     </p:bldLst>
   </p:timing>
 </p:sld>
 </file>
 
 <file path=ppt/slides/slide23.xml><?xml version="1.0" encoding="utf-8"?>
+<p:sld xmlns:a="http://schemas.openxmlformats.org/drawingml/2006/main" xmlns:r="http://schemas.openxmlformats.org/officeDocument/2006/relationships" xmlns:p="http://schemas.openxmlformats.org/presentationml/2006/main">
+  <p:cSld>
+    <p:spTree>
+      <p:nvGrpSpPr>
+        <p:cNvPr id="1" name=""/>
+        <p:cNvGrpSpPr/>
+        <p:nvPr/>
+      </p:nvGrpSpPr>
+      <p:grpSpPr>
+        <a:xfrm>
+          <a:off x="0" y="0"/>
+          <a:ext cx="0" cy="0"/>
+          <a:chOff x="0" y="0"/>
+          <a:chExt cx="0" cy="0"/>
+        </a:xfrm>
+      </p:grpSpPr>
+      <p:sp>
+        <p:nvSpPr>
+          <p:cNvPr id="2" name="Title 1"/>
+          <p:cNvSpPr>
+            <a:spLocks noGrp="1"/>
+          </p:cNvSpPr>
+          <p:nvPr>
+            <p:ph type="title"/>
+          </p:nvPr>
+        </p:nvSpPr>
+        <p:spPr/>
+        <p:txBody>
+          <a:bodyPr/>
+          <a:lstStyle/>
+          <a:p>
+            <a:r>
+              <a:rPr lang="nl-BE" dirty="0" smtClean="0"/>
+              <a:t>Data:</a:t>
+            </a:r>
+            <a:r>
+              <a:rPr lang="nl-BE" baseline="0" dirty="0" smtClean="0"/>
+              <a:t> Migrations</a:t>
+            </a:r>
+            <a:endParaRPr lang="en-US" dirty="0"/>
+          </a:p>
+        </p:txBody>
+      </p:sp>
+      <p:pic>
+        <p:nvPicPr>
+          <p:cNvPr id="2050" name="Picture 2"/>
+          <p:cNvPicPr>
+            <a:picLocks noChangeAspect="1" noChangeArrowheads="1"/>
+          </p:cNvPicPr>
+          <p:nvPr/>
+        </p:nvPicPr>
+        <p:blipFill>
+          <a:blip r:embed="rId2"/>
+          <a:srcRect/>
+          <a:stretch>
+            <a:fillRect/>
+          </a:stretch>
+        </p:blipFill>
+        <p:spPr bwMode="auto">
+          <a:xfrm>
+            <a:off x="776288" y="1076337"/>
+            <a:ext cx="7591425" cy="4067175"/>
+          </a:xfrm>
+          <a:prstGeom prst="rect">
+            <a:avLst/>
+          </a:prstGeom>
+          <a:noFill/>
+          <a:ln w="38100">
+            <a:solidFill>
+              <a:schemeClr val="accent6"/>
+            </a:solidFill>
+            <a:miter lim="800000"/>
+            <a:headEnd/>
+            <a:tailEnd/>
+          </a:ln>
+        </p:spPr>
+      </p:pic>
+      <p:sp>
+        <p:nvSpPr>
+          <p:cNvPr id="4" name="TextBox 3"/>
+          <p:cNvSpPr txBox="1"/>
+          <p:nvPr/>
+        </p:nvSpPr>
+        <p:spPr>
+          <a:xfrm>
+            <a:off x="7098767" y="702214"/>
+            <a:ext cx="1259447" cy="369332"/>
+          </a:xfrm>
+          <a:prstGeom prst="rect">
+            <a:avLst/>
+          </a:prstGeom>
+          <a:ln>
+            <a:noFill/>
+          </a:ln>
+        </p:spPr>
+        <p:style>
+          <a:lnRef idx="2">
+            <a:schemeClr val="accent6">
+              <a:shade val="50000"/>
+            </a:schemeClr>
+          </a:lnRef>
+          <a:fillRef idx="1">
+            <a:schemeClr val="accent6"/>
+          </a:fillRef>
+          <a:effectRef idx="0">
+            <a:schemeClr val="accent6"/>
+          </a:effectRef>
+          <a:fontRef idx="minor">
+            <a:schemeClr val="lt1"/>
+          </a:fontRef>
+        </p:style>
+        <p:txBody>
+          <a:bodyPr wrap="none" rtlCol="0">
+            <a:spAutoFit/>
+          </a:bodyPr>
+          <a:lstStyle/>
+          <a:p>
+            <a:r>
+              <a:rPr lang="nl-BE" dirty="0" smtClean="0"/>
+              <a:t>Migration</a:t>
+            </a:r>
+            <a:endParaRPr lang="en-US" dirty="0"/>
+          </a:p>
+        </p:txBody>
+      </p:sp>
+      <p:pic>
+        <p:nvPicPr>
+          <p:cNvPr id="3" name="Picture 2"/>
+          <p:cNvPicPr>
+            <a:picLocks noChangeAspect="1" noChangeArrowheads="1"/>
+          </p:cNvPicPr>
+          <p:nvPr/>
+        </p:nvPicPr>
+        <p:blipFill>
+          <a:blip r:embed="rId3"/>
+          <a:srcRect/>
+          <a:stretch>
+            <a:fillRect/>
+          </a:stretch>
+        </p:blipFill>
+        <p:spPr bwMode="auto">
+          <a:xfrm>
+            <a:off x="1281134" y="1571612"/>
+            <a:ext cx="6362700" cy="3152775"/>
+          </a:xfrm>
+          <a:prstGeom prst="rect">
+            <a:avLst/>
+          </a:prstGeom>
+          <a:noFill/>
+          <a:ln w="9525">
+            <a:noFill/>
+            <a:miter lim="800000"/>
+            <a:headEnd/>
+            <a:tailEnd/>
+          </a:ln>
+        </p:spPr>
+      </p:pic>
+    </p:spTree>
+  </p:cSld>
+  <p:clrMapOvr>
+    <a:masterClrMapping/>
+  </p:clrMapOvr>
+  <p:timing>
+    <p:tnLst>
+      <p:par>
+        <p:cTn id="1" dur="indefinite" restart="never" nodeType="tmRoot"/>
+      </p:par>
+    </p:tnLst>
+  </p:timing>
+</p:sld>
+</file>
+
+<file path=ppt/slides/slide24.xml><?xml version="1.0" encoding="utf-8"?>
+<p:sld xmlns:a="http://schemas.openxmlformats.org/drawingml/2006/main" xmlns:r="http://schemas.openxmlformats.org/officeDocument/2006/relationships" xmlns:p="http://schemas.openxmlformats.org/presentationml/2006/main">
+  <p:cSld>
+    <p:spTree>
+      <p:nvGrpSpPr>
+        <p:cNvPr id="1" name=""/>
+        <p:cNvGrpSpPr/>
+        <p:nvPr/>
+      </p:nvGrpSpPr>
+      <p:grpSpPr>
+        <a:xfrm>
+          <a:off x="0" y="0"/>
+          <a:ext cx="0" cy="0"/>
+          <a:chOff x="0" y="0"/>
+          <a:chExt cx="0" cy="0"/>
+        </a:xfrm>
+      </p:grpSpPr>
+      <p:sp>
+        <p:nvSpPr>
+          <p:cNvPr id="2" name="Title 1"/>
+          <p:cNvSpPr>
+            <a:spLocks noGrp="1"/>
+          </p:cNvSpPr>
+          <p:nvPr>
+            <p:ph type="title"/>
+          </p:nvPr>
+        </p:nvSpPr>
+        <p:spPr/>
+        <p:txBody>
+          <a:bodyPr/>
+          <a:lstStyle/>
+          <a:p>
+            <a:r>
+              <a:rPr lang="nl-BE" dirty="0" smtClean="0"/>
+              <a:t>Data:</a:t>
+            </a:r>
+            <a:r>
+              <a:rPr lang="nl-BE" baseline="0" dirty="0" smtClean="0"/>
+              <a:t> Migrations</a:t>
+            </a:r>
+            <a:endParaRPr lang="en-US" dirty="0"/>
+          </a:p>
+        </p:txBody>
+      </p:sp>
+      <p:pic>
+        <p:nvPicPr>
+          <p:cNvPr id="2050" name="Picture 2"/>
+          <p:cNvPicPr>
+            <a:picLocks noChangeAspect="1" noChangeArrowheads="1"/>
+          </p:cNvPicPr>
+          <p:nvPr/>
+        </p:nvPicPr>
+        <p:blipFill>
+          <a:blip r:embed="rId2"/>
+          <a:srcRect/>
+          <a:stretch>
+            <a:fillRect/>
+          </a:stretch>
+        </p:blipFill>
+        <p:spPr bwMode="auto">
+          <a:xfrm>
+            <a:off x="776288" y="1076337"/>
+            <a:ext cx="7591425" cy="4067175"/>
+          </a:xfrm>
+          <a:prstGeom prst="rect">
+            <a:avLst/>
+          </a:prstGeom>
+          <a:noFill/>
+          <a:ln w="38100">
+            <a:solidFill>
+              <a:schemeClr val="accent6"/>
+            </a:solidFill>
+            <a:miter lim="800000"/>
+            <a:headEnd/>
+            <a:tailEnd/>
+          </a:ln>
+        </p:spPr>
+      </p:pic>
+      <p:sp>
+        <p:nvSpPr>
+          <p:cNvPr id="4" name="TextBox 3"/>
+          <p:cNvSpPr txBox="1"/>
+          <p:nvPr/>
+        </p:nvSpPr>
+        <p:spPr>
+          <a:xfrm>
+            <a:off x="7098767" y="702214"/>
+            <a:ext cx="1259447" cy="369332"/>
+          </a:xfrm>
+          <a:prstGeom prst="rect">
+            <a:avLst/>
+          </a:prstGeom>
+          <a:ln>
+            <a:noFill/>
+          </a:ln>
+        </p:spPr>
+        <p:style>
+          <a:lnRef idx="2">
+            <a:schemeClr val="accent6">
+              <a:shade val="50000"/>
+            </a:schemeClr>
+          </a:lnRef>
+          <a:fillRef idx="1">
+            <a:schemeClr val="accent6"/>
+          </a:fillRef>
+          <a:effectRef idx="0">
+            <a:schemeClr val="accent6"/>
+          </a:effectRef>
+          <a:fontRef idx="minor">
+            <a:schemeClr val="lt1"/>
+          </a:fontRef>
+        </p:style>
+        <p:txBody>
+          <a:bodyPr wrap="none" rtlCol="0">
+            <a:spAutoFit/>
+          </a:bodyPr>
+          <a:lstStyle/>
+          <a:p>
+            <a:r>
+              <a:rPr lang="nl-BE" dirty="0" smtClean="0"/>
+              <a:t>Migration</a:t>
+            </a:r>
+            <a:endParaRPr lang="en-US" dirty="0"/>
+          </a:p>
+        </p:txBody>
+      </p:sp>
+      <p:pic>
+        <p:nvPicPr>
+          <p:cNvPr id="9" name="Picture 6"/>
+          <p:cNvPicPr>
+            <a:picLocks noChangeAspect="1" noChangeArrowheads="1"/>
+          </p:cNvPicPr>
+          <p:nvPr/>
+        </p:nvPicPr>
+        <p:blipFill>
+          <a:blip r:embed="rId3"/>
+          <a:srcRect/>
+          <a:stretch>
+            <a:fillRect/>
+          </a:stretch>
+        </p:blipFill>
+        <p:spPr bwMode="auto">
+          <a:xfrm>
+            <a:off x="1285852" y="1571612"/>
+            <a:ext cx="6362700" cy="3152775"/>
+          </a:xfrm>
+          <a:prstGeom prst="rect">
+            <a:avLst/>
+          </a:prstGeom>
+          <a:noFill/>
+          <a:ln w="9525">
+            <a:noFill/>
+            <a:miter lim="800000"/>
+            <a:headEnd/>
+            <a:tailEnd/>
+          </a:ln>
+        </p:spPr>
+      </p:pic>
+    </p:spTree>
+  </p:cSld>
+  <p:clrMapOvr>
+    <a:masterClrMapping/>
+  </p:clrMapOvr>
+  <p:timing>
+    <p:tnLst>
+      <p:par>
+        <p:cTn id="1" dur="indefinite" restart="never" nodeType="tmRoot"/>
+      </p:par>
+    </p:tnLst>
+  </p:timing>
+</p:sld>
+</file>
+
+<file path=ppt/slides/slide25.xml><?xml version="1.0" encoding="utf-8"?>
+<p:sld xmlns:a="http://schemas.openxmlformats.org/drawingml/2006/main" xmlns:r="http://schemas.openxmlformats.org/officeDocument/2006/relationships" xmlns:p="http://schemas.openxmlformats.org/presentationml/2006/main">
+  <p:cSld>
+    <p:spTree>
+      <p:nvGrpSpPr>
+        <p:cNvPr id="1" name=""/>
+        <p:cNvGrpSpPr/>
+        <p:nvPr/>
+      </p:nvGrpSpPr>
+      <p:grpSpPr>
+        <a:xfrm>
+          <a:off x="0" y="0"/>
+          <a:ext cx="0" cy="0"/>
+          <a:chOff x="0" y="0"/>
+          <a:chExt cx="0" cy="0"/>
+        </a:xfrm>
+      </p:grpSpPr>
+      <p:sp>
+        <p:nvSpPr>
+          <p:cNvPr id="2" name="Title 1"/>
+          <p:cNvSpPr>
+            <a:spLocks noGrp="1"/>
+          </p:cNvSpPr>
+          <p:nvPr>
+            <p:ph type="title"/>
+          </p:nvPr>
+        </p:nvSpPr>
+        <p:spPr/>
+        <p:txBody>
+          <a:bodyPr/>
+          <a:lstStyle/>
+          <a:p>
+            <a:r>
+              <a:rPr lang="nl-BE" dirty="0" smtClean="0"/>
+              <a:t>Data:</a:t>
+            </a:r>
+            <a:r>
+              <a:rPr lang="nl-BE" baseline="0" dirty="0" smtClean="0"/>
+              <a:t> Migrations</a:t>
+            </a:r>
+            <a:endParaRPr lang="en-US" dirty="0"/>
+          </a:p>
+        </p:txBody>
+      </p:sp>
+      <p:pic>
+        <p:nvPicPr>
+          <p:cNvPr id="2050" name="Picture 2"/>
+          <p:cNvPicPr>
+            <a:picLocks noChangeAspect="1" noChangeArrowheads="1"/>
+          </p:cNvPicPr>
+          <p:nvPr/>
+        </p:nvPicPr>
+        <p:blipFill>
+          <a:blip r:embed="rId2"/>
+          <a:srcRect/>
+          <a:stretch>
+            <a:fillRect/>
+          </a:stretch>
+        </p:blipFill>
+        <p:spPr bwMode="auto">
+          <a:xfrm>
+            <a:off x="776288" y="1076337"/>
+            <a:ext cx="7591425" cy="4067175"/>
+          </a:xfrm>
+          <a:prstGeom prst="rect">
+            <a:avLst/>
+          </a:prstGeom>
+          <a:noFill/>
+          <a:ln w="38100">
+            <a:solidFill>
+              <a:schemeClr val="accent6"/>
+            </a:solidFill>
+            <a:miter lim="800000"/>
+            <a:headEnd/>
+            <a:tailEnd/>
+          </a:ln>
+        </p:spPr>
+      </p:pic>
+      <p:sp>
+        <p:nvSpPr>
+          <p:cNvPr id="4" name="TextBox 3"/>
+          <p:cNvSpPr txBox="1"/>
+          <p:nvPr/>
+        </p:nvSpPr>
+        <p:spPr>
+          <a:xfrm>
+            <a:off x="7098767" y="702214"/>
+            <a:ext cx="1259447" cy="369332"/>
+          </a:xfrm>
+          <a:prstGeom prst="rect">
+            <a:avLst/>
+          </a:prstGeom>
+          <a:ln>
+            <a:noFill/>
+          </a:ln>
+        </p:spPr>
+        <p:style>
+          <a:lnRef idx="2">
+            <a:schemeClr val="accent6">
+              <a:shade val="50000"/>
+            </a:schemeClr>
+          </a:lnRef>
+          <a:fillRef idx="1">
+            <a:schemeClr val="accent6"/>
+          </a:fillRef>
+          <a:effectRef idx="0">
+            <a:schemeClr val="accent6"/>
+          </a:effectRef>
+          <a:fontRef idx="minor">
+            <a:schemeClr val="lt1"/>
+          </a:fontRef>
+        </p:style>
+        <p:txBody>
+          <a:bodyPr wrap="none" rtlCol="0">
+            <a:spAutoFit/>
+          </a:bodyPr>
+          <a:lstStyle/>
+          <a:p>
+            <a:r>
+              <a:rPr lang="nl-BE" dirty="0" smtClean="0"/>
+              <a:t>Migration</a:t>
+            </a:r>
+            <a:endParaRPr lang="en-US" dirty="0"/>
+          </a:p>
+        </p:txBody>
+      </p:sp>
+      <p:pic>
+        <p:nvPicPr>
+          <p:cNvPr id="4098" name="Picture 2"/>
+          <p:cNvPicPr>
+            <a:picLocks noChangeAspect="1" noChangeArrowheads="1"/>
+          </p:cNvPicPr>
+          <p:nvPr/>
+        </p:nvPicPr>
+        <p:blipFill>
+          <a:blip r:embed="rId3"/>
+          <a:srcRect/>
+          <a:stretch>
+            <a:fillRect/>
+          </a:stretch>
+        </p:blipFill>
+        <p:spPr bwMode="auto">
+          <a:xfrm>
+            <a:off x="1285852" y="1571612"/>
+            <a:ext cx="6362700" cy="3152775"/>
+          </a:xfrm>
+          <a:prstGeom prst="rect">
+            <a:avLst/>
+          </a:prstGeom>
+          <a:noFill/>
+          <a:ln w="9525">
+            <a:noFill/>
+            <a:miter lim="800000"/>
+            <a:headEnd/>
+            <a:tailEnd/>
+          </a:ln>
+        </p:spPr>
+      </p:pic>
+    </p:spTree>
+  </p:cSld>
+  <p:clrMapOvr>
+    <a:masterClrMapping/>
+  </p:clrMapOvr>
+  <p:timing>
+    <p:tnLst>
+      <p:par>
+        <p:cTn id="1" dur="indefinite" restart="never" nodeType="tmRoot"/>
+      </p:par>
+    </p:tnLst>
+  </p:timing>
+</p:sld>
+</file>
+
+<file path=ppt/slides/slide26.xml><?xml version="1.0" encoding="utf-8"?>
+<p:sld xmlns:a="http://schemas.openxmlformats.org/drawingml/2006/main" xmlns:r="http://schemas.openxmlformats.org/officeDocument/2006/relationships" xmlns:p="http://schemas.openxmlformats.org/presentationml/2006/main">
+  <p:cSld>
+    <p:spTree>
+      <p:nvGrpSpPr>
+        <p:cNvPr id="1" name=""/>
+        <p:cNvGrpSpPr/>
+        <p:nvPr/>
+      </p:nvGrpSpPr>
+      <p:grpSpPr>
+        <a:xfrm>
+          <a:off x="0" y="0"/>
+          <a:ext cx="0" cy="0"/>
+          <a:chOff x="0" y="0"/>
+          <a:chExt cx="0" cy="0"/>
+        </a:xfrm>
+      </p:grpSpPr>
+      <p:sp>
+        <p:nvSpPr>
+          <p:cNvPr id="2" name="Title 1"/>
+          <p:cNvSpPr>
+            <a:spLocks noGrp="1"/>
+          </p:cNvSpPr>
+          <p:nvPr>
+            <p:ph type="title"/>
+          </p:nvPr>
+        </p:nvSpPr>
+        <p:spPr/>
+        <p:txBody>
+          <a:bodyPr/>
+          <a:lstStyle/>
+          <a:p>
+            <a:r>
+              <a:rPr lang="nl-BE" dirty="0" smtClean="0"/>
+              <a:t>Data:</a:t>
+            </a:r>
+            <a:r>
+              <a:rPr lang="nl-BE" baseline="0" dirty="0" smtClean="0"/>
+              <a:t> Migrations</a:t>
+            </a:r>
+            <a:endParaRPr lang="en-US" dirty="0"/>
+          </a:p>
+        </p:txBody>
+      </p:sp>
+      <p:pic>
+        <p:nvPicPr>
+          <p:cNvPr id="2050" name="Picture 2"/>
+          <p:cNvPicPr>
+            <a:picLocks noChangeAspect="1" noChangeArrowheads="1"/>
+          </p:cNvPicPr>
+          <p:nvPr/>
+        </p:nvPicPr>
+        <p:blipFill>
+          <a:blip r:embed="rId2"/>
+          <a:srcRect/>
+          <a:stretch>
+            <a:fillRect/>
+          </a:stretch>
+        </p:blipFill>
+        <p:spPr bwMode="auto">
+          <a:xfrm>
+            <a:off x="776288" y="1076337"/>
+            <a:ext cx="7591425" cy="4067175"/>
+          </a:xfrm>
+          <a:prstGeom prst="rect">
+            <a:avLst/>
+          </a:prstGeom>
+          <a:noFill/>
+          <a:ln w="38100">
+            <a:solidFill>
+              <a:schemeClr val="accent6"/>
+            </a:solidFill>
+            <a:miter lim="800000"/>
+            <a:headEnd/>
+            <a:tailEnd/>
+          </a:ln>
+        </p:spPr>
+      </p:pic>
+      <p:sp>
+        <p:nvSpPr>
+          <p:cNvPr id="4" name="TextBox 3"/>
+          <p:cNvSpPr txBox="1"/>
+          <p:nvPr/>
+        </p:nvSpPr>
+        <p:spPr>
+          <a:xfrm>
+            <a:off x="7098767" y="702214"/>
+            <a:ext cx="1259447" cy="369332"/>
+          </a:xfrm>
+          <a:prstGeom prst="rect">
+            <a:avLst/>
+          </a:prstGeom>
+          <a:ln>
+            <a:noFill/>
+          </a:ln>
+        </p:spPr>
+        <p:style>
+          <a:lnRef idx="2">
+            <a:schemeClr val="accent6">
+              <a:shade val="50000"/>
+            </a:schemeClr>
+          </a:lnRef>
+          <a:fillRef idx="1">
+            <a:schemeClr val="accent6"/>
+          </a:fillRef>
+          <a:effectRef idx="0">
+            <a:schemeClr val="accent6"/>
+          </a:effectRef>
+          <a:fontRef idx="minor">
+            <a:schemeClr val="lt1"/>
+          </a:fontRef>
+        </p:style>
+        <p:txBody>
+          <a:bodyPr wrap="none" rtlCol="0">
+            <a:spAutoFit/>
+          </a:bodyPr>
+          <a:lstStyle/>
+          <a:p>
+            <a:r>
+              <a:rPr lang="nl-BE" dirty="0" smtClean="0"/>
+              <a:t>Migration</a:t>
+            </a:r>
+            <a:endParaRPr lang="en-US" dirty="0"/>
+          </a:p>
+        </p:txBody>
+      </p:sp>
+      <p:pic>
+        <p:nvPicPr>
+          <p:cNvPr id="5122" name="Picture 2"/>
+          <p:cNvPicPr>
+            <a:picLocks noChangeAspect="1" noChangeArrowheads="1"/>
+          </p:cNvPicPr>
+          <p:nvPr/>
+        </p:nvPicPr>
+        <p:blipFill>
+          <a:blip r:embed="rId3"/>
+          <a:srcRect/>
+          <a:stretch>
+            <a:fillRect/>
+          </a:stretch>
+        </p:blipFill>
+        <p:spPr bwMode="auto">
+          <a:xfrm>
+            <a:off x="1285852" y="1571612"/>
+            <a:ext cx="6362700" cy="3152775"/>
+          </a:xfrm>
+          <a:prstGeom prst="rect">
+            <a:avLst/>
+          </a:prstGeom>
+          <a:noFill/>
+          <a:ln w="9525">
+            <a:noFill/>
+            <a:miter lim="800000"/>
+            <a:headEnd/>
+            <a:tailEnd/>
+          </a:ln>
+        </p:spPr>
+      </p:pic>
+    </p:spTree>
+  </p:cSld>
+  <p:clrMapOvr>
+    <a:masterClrMapping/>
+  </p:clrMapOvr>
+  <p:timing>
+    <p:tnLst>
+      <p:par>
+        <p:cTn id="1" dur="indefinite" restart="never" nodeType="tmRoot"/>
+      </p:par>
+    </p:tnLst>
+  </p:timing>
+</p:sld>
+</file>
+
+<file path=ppt/slides/slide27.xml><?xml version="1.0" encoding="utf-8"?>
 <p:sld xmlns:a="http://schemas.openxmlformats.org/drawingml/2006/main" xmlns:r="http://schemas.openxmlformats.org/officeDocument/2006/relationships" xmlns:p="http://schemas.openxmlformats.org/presentationml/2006/main">
   <p:cSld>
     <p:spTree>
@@ -20159,7 +21137,7 @@
 </p:sld>
 </file>
 
-<file path=ppt/slides/slide24.xml><?xml version="1.0" encoding="utf-8"?>
+<file path=ppt/slides/slide28.xml><?xml version="1.0" encoding="utf-8"?>
 <p:sld xmlns:a="http://schemas.openxmlformats.org/drawingml/2006/main" xmlns:r="http://schemas.openxmlformats.org/officeDocument/2006/relationships" xmlns:p="http://schemas.openxmlformats.org/presentationml/2006/main">
   <p:cSld>
     <p:spTree>
@@ -20824,7 +21802,7 @@
 </p:sld>
 </file>
 
-<file path=ppt/slides/slide25.xml><?xml version="1.0" encoding="utf-8"?>
+<file path=ppt/slides/slide29.xml><?xml version="1.0" encoding="utf-8"?>
 <p:sld xmlns:a="http://schemas.openxmlformats.org/drawingml/2006/main" xmlns:r="http://schemas.openxmlformats.org/officeDocument/2006/relationships" xmlns:p="http://schemas.openxmlformats.org/presentationml/2006/main">
   <p:cSld>
     <p:spTree>
@@ -21473,7 +22451,87 @@
 </p:sld>
 </file>
 
-<file path=ppt/slides/slide26.xml><?xml version="1.0" encoding="utf-8"?>
+<file path=ppt/slides/slide3.xml><?xml version="1.0" encoding="utf-8"?>
+<p:sld xmlns:a="http://schemas.openxmlformats.org/drawingml/2006/main" xmlns:r="http://schemas.openxmlformats.org/officeDocument/2006/relationships" xmlns:p="http://schemas.openxmlformats.org/presentationml/2006/main">
+  <p:cSld>
+    <p:spTree>
+      <p:nvGrpSpPr>
+        <p:cNvPr id="1" name=""/>
+        <p:cNvGrpSpPr/>
+        <p:nvPr/>
+      </p:nvGrpSpPr>
+      <p:grpSpPr>
+        <a:xfrm>
+          <a:off x="0" y="0"/>
+          <a:ext cx="0" cy="0"/>
+          <a:chOff x="0" y="0"/>
+          <a:chExt cx="0" cy="0"/>
+        </a:xfrm>
+      </p:grpSpPr>
+      <p:sp>
+        <p:nvSpPr>
+          <p:cNvPr id="2" name="Title 1"/>
+          <p:cNvSpPr>
+            <a:spLocks noGrp="1"/>
+          </p:cNvSpPr>
+          <p:nvPr>
+            <p:ph type="title"/>
+          </p:nvPr>
+        </p:nvSpPr>
+        <p:spPr/>
+        <p:txBody>
+          <a:bodyPr>
+            <a:normAutofit/>
+          </a:bodyPr>
+          <a:lstStyle/>
+          <a:p>
+            <a:r>
+              <a:rPr lang="nl-BE" dirty="0" smtClean="0"/>
+              <a:t>Practices: Top-down design</a:t>
+            </a:r>
+            <a:endParaRPr lang="en-US" dirty="0"/>
+          </a:p>
+        </p:txBody>
+      </p:sp>
+      <p:pic>
+        <p:nvPicPr>
+          <p:cNvPr id="6" name="Content Placeholder 5" descr="FaktuurManagement.png"/>
+          <p:cNvPicPr>
+            <a:picLocks noGrp="1" noChangeAspect="1"/>
+          </p:cNvPicPr>
+          <p:nvPr>
+            <p:ph idx="1"/>
+          </p:nvPr>
+        </p:nvPicPr>
+        <p:blipFill>
+          <a:blip r:embed="rId2"/>
+          <a:stretch>
+            <a:fillRect/>
+          </a:stretch>
+        </p:blipFill>
+        <p:spPr>
+          <a:xfrm>
+            <a:off x="503238" y="759416"/>
+            <a:ext cx="8183562" cy="3729442"/>
+          </a:xfrm>
+        </p:spPr>
+      </p:pic>
+    </p:spTree>
+  </p:cSld>
+  <p:clrMapOvr>
+    <a:masterClrMapping/>
+  </p:clrMapOvr>
+  <p:timing>
+    <p:tnLst>
+      <p:par>
+        <p:cTn id="1" dur="indefinite" restart="never" nodeType="tmRoot"/>
+      </p:par>
+    </p:tnLst>
+  </p:timing>
+</p:sld>
+</file>
+
+<file path=ppt/slides/slide30.xml><?xml version="1.0" encoding="utf-8"?>
 <p:sld xmlns:a="http://schemas.openxmlformats.org/drawingml/2006/main" xmlns:r="http://schemas.openxmlformats.org/officeDocument/2006/relationships" xmlns:p="http://schemas.openxmlformats.org/presentationml/2006/main">
   <p:cSld>
     <p:spTree>
@@ -21563,49 +22621,6 @@
               <a:t>Unit Testing: Separating Execution</a:t>
             </a:r>
             <a:endParaRPr lang="en-US" dirty="0"/>
-          </a:p>
-        </p:txBody>
-      </p:sp>
-      <p:sp>
-        <p:nvSpPr>
-          <p:cNvPr id="8" name="Rounded Rectangle 7"/>
-          <p:cNvSpPr/>
-          <p:nvPr/>
-        </p:nvSpPr>
-        <p:spPr>
-          <a:xfrm>
-            <a:off x="785786" y="1000108"/>
-            <a:ext cx="6929486" cy="2000264"/>
-          </a:xfrm>
-          <a:prstGeom prst="roundRect">
-            <a:avLst>
-              <a:gd name="adj" fmla="val 8241"/>
-            </a:avLst>
-          </a:prstGeom>
-          <a:noFill/>
-        </p:spPr>
-        <p:style>
-          <a:lnRef idx="2">
-            <a:schemeClr val="accent1">
-              <a:shade val="50000"/>
-            </a:schemeClr>
-          </a:lnRef>
-          <a:fillRef idx="1">
-            <a:schemeClr val="accent1"/>
-          </a:fillRef>
-          <a:effectRef idx="0">
-            <a:schemeClr val="accent1"/>
-          </a:effectRef>
-          <a:fontRef idx="minor">
-            <a:schemeClr val="lt1"/>
-          </a:fontRef>
-        </p:style>
-        <p:txBody>
-          <a:bodyPr rtlCol="0" anchor="ctr"/>
-          <a:lstStyle/>
-          <a:p>
-            <a:pPr algn="ctr"/>
-            <a:endParaRPr lang="en-US"/>
           </a:p>
         </p:txBody>
       </p:sp>
@@ -21838,7 +22853,7 @@
                                           </p:stCondLst>
                                         </p:cTn>
                                         <p:tgtEl>
-                                          <p:spTgt spid="8"/>
+                                          <p:spTgt spid="9"/>
                                         </p:tgtEl>
                                         <p:attrNameLst>
                                           <p:attrName>style.visibility</p:attrName>
@@ -21851,50 +22866,6 @@
                                     <p:animEffect transition="in" filter="fade">
                                       <p:cBhvr>
                                         <p:cTn id="7" dur="500"/>
-                                        <p:tgtEl>
-                                          <p:spTgt spid="8"/>
-                                        </p:tgtEl>
-                                      </p:cBhvr>
-                                    </p:animEffect>
-                                  </p:childTnLst>
-                                </p:cTn>
-                              </p:par>
-                            </p:childTnLst>
-                          </p:cTn>
-                        </p:par>
-                        <p:par>
-                          <p:cTn id="8" fill="hold">
-                            <p:stCondLst>
-                              <p:cond delay="500"/>
-                            </p:stCondLst>
-                            <p:childTnLst>
-                              <p:par>
-                                <p:cTn id="9" presetID="10" presetClass="entr" presetSubtype="0" fill="hold" grpId="0" nodeType="afterEffect">
-                                  <p:stCondLst>
-                                    <p:cond delay="0"/>
-                                  </p:stCondLst>
-                                  <p:childTnLst>
-                                    <p:set>
-                                      <p:cBhvr>
-                                        <p:cTn id="10" dur="1" fill="hold">
-                                          <p:stCondLst>
-                                            <p:cond delay="0"/>
-                                          </p:stCondLst>
-                                        </p:cTn>
-                                        <p:tgtEl>
-                                          <p:spTgt spid="9"/>
-                                        </p:tgtEl>
-                                        <p:attrNameLst>
-                                          <p:attrName>style.visibility</p:attrName>
-                                        </p:attrNameLst>
-                                      </p:cBhvr>
-                                      <p:to>
-                                        <p:strVal val="visible"/>
-                                      </p:to>
-                                    </p:set>
-                                    <p:animEffect transition="in" filter="fade">
-                                      <p:cBhvr>
-                                        <p:cTn id="11" dur="500"/>
                                         <p:tgtEl>
                                           <p:spTgt spid="9"/>
                                         </p:tgtEl>
@@ -21910,32 +22881,76 @@
                     </p:cTn>
                   </p:par>
                   <p:par>
-                    <p:cTn id="12" fill="hold">
+                    <p:cTn id="8" fill="hold">
                       <p:stCondLst>
                         <p:cond delay="indefinite"/>
                       </p:stCondLst>
                       <p:childTnLst>
                         <p:par>
-                          <p:cTn id="13" fill="hold">
+                          <p:cTn id="9" fill="hold">
                             <p:stCondLst>
                               <p:cond delay="0"/>
                             </p:stCondLst>
                             <p:childTnLst>
                               <p:par>
-                                <p:cTn id="14" presetID="10" presetClass="entr" presetSubtype="0" fill="hold" grpId="0" nodeType="clickEffect">
+                                <p:cTn id="10" presetID="10" presetClass="entr" presetSubtype="0" fill="hold" grpId="0" nodeType="clickEffect">
                                   <p:stCondLst>
                                     <p:cond delay="0"/>
                                   </p:stCondLst>
                                   <p:childTnLst>
                                     <p:set>
                                       <p:cBhvr>
+                                        <p:cTn id="11" dur="1" fill="hold">
+                                          <p:stCondLst>
+                                            <p:cond delay="0"/>
+                                          </p:stCondLst>
+                                        </p:cTn>
+                                        <p:tgtEl>
+                                          <p:spTgt spid="15"/>
+                                        </p:tgtEl>
+                                        <p:attrNameLst>
+                                          <p:attrName>style.visibility</p:attrName>
+                                        </p:attrNameLst>
+                                      </p:cBhvr>
+                                      <p:to>
+                                        <p:strVal val="visible"/>
+                                      </p:to>
+                                    </p:set>
+                                    <p:animEffect transition="in" filter="fade">
+                                      <p:cBhvr>
+                                        <p:cTn id="12" dur="500"/>
+                                        <p:tgtEl>
+                                          <p:spTgt spid="15"/>
+                                        </p:tgtEl>
+                                      </p:cBhvr>
+                                    </p:animEffect>
+                                  </p:childTnLst>
+                                </p:cTn>
+                              </p:par>
+                            </p:childTnLst>
+                          </p:cTn>
+                        </p:par>
+                        <p:par>
+                          <p:cTn id="13" fill="hold">
+                            <p:stCondLst>
+                              <p:cond delay="500"/>
+                            </p:stCondLst>
+                            <p:childTnLst>
+                              <p:par>
+                                <p:cTn id="14" presetID="10" presetClass="entr" presetSubtype="0" fill="hold" nodeType="afterEffect">
+                                  <p:stCondLst>
+                                    <p:cond delay="0"/>
+                                  </p:stCondLst>
+                                  <p:childTnLst>
+                                    <p:set>
+                                      <p:cBhvr>
                                         <p:cTn id="15" dur="1" fill="hold">
                                           <p:stCondLst>
                                             <p:cond delay="0"/>
                                           </p:stCondLst>
                                         </p:cTn>
                                         <p:tgtEl>
-                                          <p:spTgt spid="15"/>
+                                          <p:spTgt spid="16"/>
                                         </p:tgtEl>
                                         <p:attrNameLst>
                                           <p:attrName>style.visibility</p:attrName>
@@ -21949,7 +22964,7 @@
                                       <p:cBhvr>
                                         <p:cTn id="16" dur="500"/>
                                         <p:tgtEl>
-                                          <p:spTgt spid="15"/>
+                                          <p:spTgt spid="16"/>
                                         </p:tgtEl>
                                       </p:cBhvr>
                                     </p:animEffect>
@@ -21962,7 +22977,7 @@
                         <p:par>
                           <p:cTn id="17" fill="hold">
                             <p:stCondLst>
-                              <p:cond delay="500"/>
+                              <p:cond delay="1000"/>
                             </p:stCondLst>
                             <p:childTnLst>
                               <p:par>
@@ -21979,7 +22994,7 @@
                                           </p:stCondLst>
                                         </p:cTn>
                                         <p:tgtEl>
-                                          <p:spTgt spid="16"/>
+                                          <p:spTgt spid="19"/>
                                         </p:tgtEl>
                                         <p:attrNameLst>
                                           <p:attrName>style.visibility</p:attrName>
@@ -21993,7 +23008,7 @@
                                       <p:cBhvr>
                                         <p:cTn id="20" dur="500"/>
                                         <p:tgtEl>
-                                          <p:spTgt spid="16"/>
+                                          <p:spTgt spid="19"/>
                                         </p:tgtEl>
                                       </p:cBhvr>
                                     </p:animEffect>
@@ -22006,7 +23021,7 @@
                         <p:par>
                           <p:cTn id="21" fill="hold">
                             <p:stCondLst>
-                              <p:cond delay="1000"/>
+                              <p:cond delay="1500"/>
                             </p:stCondLst>
                             <p:childTnLst>
                               <p:par>
@@ -22023,7 +23038,7 @@
                                           </p:stCondLst>
                                         </p:cTn>
                                         <p:tgtEl>
-                                          <p:spTgt spid="19"/>
+                                          <p:spTgt spid="18"/>
                                         </p:tgtEl>
                                         <p:attrNameLst>
                                           <p:attrName>style.visibility</p:attrName>
@@ -22036,50 +23051,6 @@
                                     <p:animEffect transition="in" filter="fade">
                                       <p:cBhvr>
                                         <p:cTn id="24" dur="500"/>
-                                        <p:tgtEl>
-                                          <p:spTgt spid="19"/>
-                                        </p:tgtEl>
-                                      </p:cBhvr>
-                                    </p:animEffect>
-                                  </p:childTnLst>
-                                </p:cTn>
-                              </p:par>
-                            </p:childTnLst>
-                          </p:cTn>
-                        </p:par>
-                        <p:par>
-                          <p:cTn id="25" fill="hold">
-                            <p:stCondLst>
-                              <p:cond delay="1500"/>
-                            </p:stCondLst>
-                            <p:childTnLst>
-                              <p:par>
-                                <p:cTn id="26" presetID="10" presetClass="entr" presetSubtype="0" fill="hold" nodeType="afterEffect">
-                                  <p:stCondLst>
-                                    <p:cond delay="0"/>
-                                  </p:stCondLst>
-                                  <p:childTnLst>
-                                    <p:set>
-                                      <p:cBhvr>
-                                        <p:cTn id="27" dur="1" fill="hold">
-                                          <p:stCondLst>
-                                            <p:cond delay="0"/>
-                                          </p:stCondLst>
-                                        </p:cTn>
-                                        <p:tgtEl>
-                                          <p:spTgt spid="18"/>
-                                        </p:tgtEl>
-                                        <p:attrNameLst>
-                                          <p:attrName>style.visibility</p:attrName>
-                                        </p:attrNameLst>
-                                      </p:cBhvr>
-                                      <p:to>
-                                        <p:strVal val="visible"/>
-                                      </p:to>
-                                    </p:set>
-                                    <p:animEffect transition="in" filter="fade">
-                                      <p:cBhvr>
-                                        <p:cTn id="28" dur="500"/>
                                         <p:tgtEl>
                                           <p:spTgt spid="18"/>
                                         </p:tgtEl>
@@ -22116,7 +23087,6 @@
       </p:par>
     </p:tnLst>
     <p:bldLst>
-      <p:bldP spid="8" grpId="0" animBg="1"/>
       <p:bldP spid="9" grpId="0" animBg="1"/>
       <p:bldP spid="15" grpId="0" animBg="1"/>
     </p:bldLst>
@@ -22124,7 +23094,7 @@
 </p:sld>
 </file>
 
-<file path=ppt/slides/slide27.xml><?xml version="1.0" encoding="utf-8"?>
+<file path=ppt/slides/slide31.xml><?xml version="1.0" encoding="utf-8"?>
 <p:sld xmlns:a="http://schemas.openxmlformats.org/drawingml/2006/main" xmlns:r="http://schemas.openxmlformats.org/officeDocument/2006/relationships" xmlns:p="http://schemas.openxmlformats.org/presentationml/2006/main">
   <p:cSld>
     <p:spTree>
@@ -22968,7 +23938,7 @@
 </p:sld>
 </file>
 
-<file path=ppt/slides/slide28.xml><?xml version="1.0" encoding="utf-8"?>
+<file path=ppt/slides/slide32.xml><?xml version="1.0" encoding="utf-8"?>
 <p:sld xmlns:a="http://schemas.openxmlformats.org/drawingml/2006/main" xmlns:r="http://schemas.openxmlformats.org/officeDocument/2006/relationships" xmlns:p="http://schemas.openxmlformats.org/presentationml/2006/main">
   <p:cSld>
     <p:spTree>
@@ -23788,7 +24758,7 @@
 </p:sld>
 </file>
 
-<file path=ppt/slides/slide29.xml><?xml version="1.0" encoding="utf-8"?>
+<file path=ppt/slides/slide33.xml><?xml version="1.0" encoding="utf-8"?>
 <p:sld xmlns:a="http://schemas.openxmlformats.org/drawingml/2006/main" xmlns:r="http://schemas.openxmlformats.org/officeDocument/2006/relationships" xmlns:p="http://schemas.openxmlformats.org/presentationml/2006/main">
   <p:cSld>
     <p:spTree>
@@ -24227,7 +25197,93 @@
 </p:sld>
 </file>
 
-<file path=ppt/slides/slide3.xml><?xml version="1.0" encoding="utf-8"?>
+<file path=ppt/slides/slide34.xml><?xml version="1.0" encoding="utf-8"?>
+<p:sld xmlns:a="http://schemas.openxmlformats.org/drawingml/2006/main" xmlns:r="http://schemas.openxmlformats.org/officeDocument/2006/relationships" xmlns:p="http://schemas.openxmlformats.org/presentationml/2006/main">
+  <p:cSld>
+    <p:spTree>
+      <p:nvGrpSpPr>
+        <p:cNvPr id="1" name=""/>
+        <p:cNvGrpSpPr/>
+        <p:nvPr/>
+      </p:nvGrpSpPr>
+      <p:grpSpPr>
+        <a:xfrm>
+          <a:off x="0" y="0"/>
+          <a:ext cx="0" cy="0"/>
+          <a:chOff x="0" y="0"/>
+          <a:chExt cx="0" cy="0"/>
+        </a:xfrm>
+      </p:grpSpPr>
+      <p:sp>
+        <p:nvSpPr>
+          <p:cNvPr id="2" name="Title 1"/>
+          <p:cNvSpPr>
+            <a:spLocks noGrp="1"/>
+          </p:cNvSpPr>
+          <p:nvPr>
+            <p:ph type="ctrTitle"/>
+          </p:nvPr>
+        </p:nvSpPr>
+        <p:spPr/>
+        <p:txBody>
+          <a:bodyPr/>
+          <a:lstStyle/>
+          <a:p>
+            <a:r>
+              <a:rPr lang="nl-BE" dirty="0" smtClean="0"/>
+              <a:t>Application Lifecycle</a:t>
+            </a:r>
+            <a:r>
+              <a:rPr lang="nl-BE" baseline="0" dirty="0" smtClean="0"/>
+              <a:t> Management</a:t>
+            </a:r>
+            <a:endParaRPr lang="en-US" dirty="0"/>
+          </a:p>
+        </p:txBody>
+      </p:sp>
+      <p:sp>
+        <p:nvSpPr>
+          <p:cNvPr id="3" name="Subtitle 2"/>
+          <p:cNvSpPr>
+            <a:spLocks noGrp="1"/>
+          </p:cNvSpPr>
+          <p:nvPr>
+            <p:ph type="subTitle" idx="1"/>
+          </p:nvPr>
+        </p:nvSpPr>
+        <p:spPr/>
+        <p:txBody>
+          <a:bodyPr/>
+          <a:lstStyle/>
+          <a:p>
+            <a:r>
+              <a:rPr lang="nl-BE" dirty="0" smtClean="0"/>
+              <a:t>Lightweight tools that</a:t>
+            </a:r>
+            <a:r>
+              <a:rPr lang="nl-BE" baseline="0" dirty="0" smtClean="0"/>
+              <a:t> don’t get in the way</a:t>
+            </a:r>
+            <a:endParaRPr lang="en-US" dirty="0"/>
+          </a:p>
+        </p:txBody>
+      </p:sp>
+    </p:spTree>
+  </p:cSld>
+  <p:clrMapOvr>
+    <a:masterClrMapping/>
+  </p:clrMapOvr>
+  <p:timing>
+    <p:tnLst>
+      <p:par>
+        <p:cTn id="1" dur="indefinite" restart="never" nodeType="tmRoot"/>
+      </p:par>
+    </p:tnLst>
+  </p:timing>
+</p:sld>
+</file>
+
+<file path=ppt/slides/slide35.xml><?xml version="1.0" encoding="utf-8"?>
 <p:sld xmlns:a="http://schemas.openxmlformats.org/drawingml/2006/main" xmlns:r="http://schemas.openxmlformats.org/officeDocument/2006/relationships" xmlns:p="http://schemas.openxmlformats.org/presentationml/2006/main">
   <p:cSld>
     <p:spTree>
@@ -24261,180 +25317,10 @@
           </a:bodyPr>
           <a:lstStyle/>
           <a:p>
+            <a:pPr lvl="0"/>
             <a:r>
               <a:rPr lang="nl-BE" dirty="0" smtClean="0"/>
-              <a:t>Practices: Top-down design</a:t>
-            </a:r>
-            <a:endParaRPr lang="en-US" dirty="0"/>
-          </a:p>
-        </p:txBody>
-      </p:sp>
-      <p:pic>
-        <p:nvPicPr>
-          <p:cNvPr id="6" name="Content Placeholder 5" descr="FaktuurManagement.png"/>
-          <p:cNvPicPr>
-            <a:picLocks noGrp="1" noChangeAspect="1"/>
-          </p:cNvPicPr>
-          <p:nvPr>
-            <p:ph idx="1"/>
-          </p:nvPr>
-        </p:nvPicPr>
-        <p:blipFill>
-          <a:blip r:embed="rId2"/>
-          <a:stretch>
-            <a:fillRect/>
-          </a:stretch>
-        </p:blipFill>
-        <p:spPr>
-          <a:xfrm>
-            <a:off x="503238" y="759416"/>
-            <a:ext cx="8183562" cy="3729442"/>
-          </a:xfrm>
-        </p:spPr>
-      </p:pic>
-    </p:spTree>
-  </p:cSld>
-  <p:clrMapOvr>
-    <a:masterClrMapping/>
-  </p:clrMapOvr>
-  <p:timing>
-    <p:tnLst>
-      <p:par>
-        <p:cTn id="1" dur="indefinite" restart="never" nodeType="tmRoot"/>
-      </p:par>
-    </p:tnLst>
-  </p:timing>
-</p:sld>
-</file>
-
-<file path=ppt/slides/slide30.xml><?xml version="1.0" encoding="utf-8"?>
-<p:sld xmlns:a="http://schemas.openxmlformats.org/drawingml/2006/main" xmlns:r="http://schemas.openxmlformats.org/officeDocument/2006/relationships" xmlns:p="http://schemas.openxmlformats.org/presentationml/2006/main">
-  <p:cSld>
-    <p:spTree>
-      <p:nvGrpSpPr>
-        <p:cNvPr id="1" name=""/>
-        <p:cNvGrpSpPr/>
-        <p:nvPr/>
-      </p:nvGrpSpPr>
-      <p:grpSpPr>
-        <a:xfrm>
-          <a:off x="0" y="0"/>
-          <a:ext cx="0" cy="0"/>
-          <a:chOff x="0" y="0"/>
-          <a:chExt cx="0" cy="0"/>
-        </a:xfrm>
-      </p:grpSpPr>
-      <p:sp>
-        <p:nvSpPr>
-          <p:cNvPr id="2" name="Title 1"/>
-          <p:cNvSpPr>
-            <a:spLocks noGrp="1"/>
-          </p:cNvSpPr>
-          <p:nvPr>
-            <p:ph type="ctrTitle"/>
-          </p:nvPr>
-        </p:nvSpPr>
-        <p:spPr/>
-        <p:txBody>
-          <a:bodyPr/>
-          <a:lstStyle/>
-          <a:p>
-            <a:r>
-              <a:rPr lang="nl-BE" dirty="0" smtClean="0"/>
-              <a:t>Application Lifecycle</a:t>
-            </a:r>
-            <a:r>
-              <a:rPr lang="nl-BE" baseline="0" dirty="0" smtClean="0"/>
-              <a:t> Management</a:t>
-            </a:r>
-            <a:endParaRPr lang="en-US" dirty="0"/>
-          </a:p>
-        </p:txBody>
-      </p:sp>
-      <p:sp>
-        <p:nvSpPr>
-          <p:cNvPr id="3" name="Subtitle 2"/>
-          <p:cNvSpPr>
-            <a:spLocks noGrp="1"/>
-          </p:cNvSpPr>
-          <p:nvPr>
-            <p:ph type="subTitle" idx="1"/>
-          </p:nvPr>
-        </p:nvSpPr>
-        <p:spPr/>
-        <p:txBody>
-          <a:bodyPr/>
-          <a:lstStyle/>
-          <a:p>
-            <a:r>
-              <a:rPr lang="nl-BE" dirty="0" smtClean="0"/>
-              <a:t>Lightweight tools that</a:t>
-            </a:r>
-            <a:r>
-              <a:rPr lang="nl-BE" baseline="0" dirty="0" smtClean="0"/>
-              <a:t> don’t get in the way</a:t>
-            </a:r>
-            <a:endParaRPr lang="en-US" dirty="0"/>
-          </a:p>
-        </p:txBody>
-      </p:sp>
-    </p:spTree>
-  </p:cSld>
-  <p:clrMapOvr>
-    <a:masterClrMapping/>
-  </p:clrMapOvr>
-  <p:timing>
-    <p:tnLst>
-      <p:par>
-        <p:cTn id="1" dur="indefinite" restart="never" nodeType="tmRoot"/>
-      </p:par>
-    </p:tnLst>
-  </p:timing>
-</p:sld>
-</file>
-
-<file path=ppt/slides/slide31.xml><?xml version="1.0" encoding="utf-8"?>
-<p:sld xmlns:a="http://schemas.openxmlformats.org/drawingml/2006/main" xmlns:r="http://schemas.openxmlformats.org/officeDocument/2006/relationships" xmlns:p="http://schemas.openxmlformats.org/presentationml/2006/main">
-  <p:cSld>
-    <p:spTree>
-      <p:nvGrpSpPr>
-        <p:cNvPr id="1" name=""/>
-        <p:cNvGrpSpPr/>
-        <p:nvPr/>
-      </p:nvGrpSpPr>
-      <p:grpSpPr>
-        <a:xfrm>
-          <a:off x="0" y="0"/>
-          <a:ext cx="0" cy="0"/>
-          <a:chOff x="0" y="0"/>
-          <a:chExt cx="0" cy="0"/>
-        </a:xfrm>
-      </p:grpSpPr>
-      <p:sp>
-        <p:nvSpPr>
-          <p:cNvPr id="2" name="Title 1"/>
-          <p:cNvSpPr>
-            <a:spLocks noGrp="1"/>
-          </p:cNvSpPr>
-          <p:nvPr>
-            <p:ph type="title"/>
-          </p:nvPr>
-        </p:nvSpPr>
-        <p:spPr/>
-        <p:txBody>
-          <a:bodyPr>
-            <a:normAutofit/>
-          </a:bodyPr>
-          <a:lstStyle/>
-          <a:p>
-            <a:pPr lvl="0"/>
-            <a:r>
-              <a:rPr lang="nl-BE" dirty="0" smtClean="0"/>
-              <a:t>Buildserver</a:t>
-            </a:r>
-            <a:r>
-              <a:rPr lang="nl-BE" dirty="0" smtClean="0"/>
-              <a:t>: TeamCity</a:t>
+              <a:t>Buildserver: TeamCity</a:t>
             </a:r>
             <a:endParaRPr lang="en-US" dirty="0"/>
           </a:p>
@@ -24485,7 +25371,7 @@
 </p:sld>
 </file>
 
-<file path=ppt/slides/slide32.xml><?xml version="1.0" encoding="utf-8"?>
+<file path=ppt/slides/slide36.xml><?xml version="1.0" encoding="utf-8"?>
 <p:sld xmlns:a="http://schemas.openxmlformats.org/drawingml/2006/main" xmlns:r="http://schemas.openxmlformats.org/officeDocument/2006/relationships" xmlns:p="http://schemas.openxmlformats.org/presentationml/2006/main">
   <p:cSld>
     <p:spTree>
@@ -24539,28 +25425,7 @@
                 <a:ea typeface="+mj-ea"/>
                 <a:cs typeface="+mj-cs"/>
               </a:rPr>
-              <a:t>Buildserver</a:t>
-            </a:r>
-            <a:r>
-              <a:rPr kumimoji="0" lang="nl-BE" sz="3600" b="1" kern="1200" dirty="0" smtClean="0">
-                <a:solidFill>
-                  <a:schemeClr val="accent1">
-                    <a:tint val="88000"/>
-                    <a:satMod val="150000"/>
-                  </a:schemeClr>
-                </a:solidFill>
-                <a:effectLst>
-                  <a:outerShdw blurRad="50800" dist="38100" algn="tr" rotWithShape="0">
-                    <a:prstClr val="black">
-                      <a:alpha val="40000"/>
-                    </a:prstClr>
-                  </a:outerShdw>
-                </a:effectLst>
-                <a:latin typeface="+mj-lt"/>
-                <a:ea typeface="+mj-ea"/>
-                <a:cs typeface="+mj-cs"/>
-              </a:rPr>
-              <a:t>: TeamCity</a:t>
+              <a:t>Buildserver: TeamCity</a:t>
             </a:r>
             <a:endParaRPr lang="en-US" dirty="0"/>
           </a:p>
@@ -24611,7 +25476,7 @@
 </p:sld>
 </file>
 
-<file path=ppt/slides/slide33.xml><?xml version="1.0" encoding="utf-8"?>
+<file path=ppt/slides/slide37.xml><?xml version="1.0" encoding="utf-8"?>
 <p:sld xmlns:a="http://schemas.openxmlformats.org/drawingml/2006/main" xmlns:r="http://schemas.openxmlformats.org/officeDocument/2006/relationships" xmlns:p="http://schemas.openxmlformats.org/presentationml/2006/main">
   <p:cSld>
     <p:spTree>
@@ -24665,28 +25530,7 @@
                 <a:ea typeface="+mj-ea"/>
                 <a:cs typeface="+mj-cs"/>
               </a:rPr>
-              <a:t>Buildserver</a:t>
-            </a:r>
-            <a:r>
-              <a:rPr kumimoji="0" lang="nl-BE" sz="3600" b="1" kern="1200" dirty="0" smtClean="0">
-                <a:solidFill>
-                  <a:schemeClr val="accent1">
-                    <a:tint val="88000"/>
-                    <a:satMod val="150000"/>
-                  </a:schemeClr>
-                </a:solidFill>
-                <a:effectLst>
-                  <a:outerShdw blurRad="50800" dist="38100" algn="tr" rotWithShape="0">
-                    <a:prstClr val="black">
-                      <a:alpha val="40000"/>
-                    </a:prstClr>
-                  </a:outerShdw>
-                </a:effectLst>
-                <a:latin typeface="+mj-lt"/>
-                <a:ea typeface="+mj-ea"/>
-                <a:cs typeface="+mj-cs"/>
-              </a:rPr>
-              <a:t>: TeamCity</a:t>
+              <a:t>Buildserver: TeamCity</a:t>
             </a:r>
             <a:endParaRPr lang="en-US" dirty="0"/>
           </a:p>
@@ -24737,7 +25581,7 @@
 </p:sld>
 </file>
 
-<file path=ppt/slides/slide34.xml><?xml version="1.0" encoding="utf-8"?>
+<file path=ppt/slides/slide38.xml><?xml version="1.0" encoding="utf-8"?>
 <p:sld xmlns:a="http://schemas.openxmlformats.org/drawingml/2006/main" xmlns:r="http://schemas.openxmlformats.org/officeDocument/2006/relationships" xmlns:p="http://schemas.openxmlformats.org/presentationml/2006/main">
   <p:cSld>
     <p:spTree>
@@ -24887,28 +25731,7 @@
                 <a:ea typeface="+mj-ea"/>
                 <a:cs typeface="+mj-cs"/>
               </a:rPr>
-              <a:t>Buildserver</a:t>
-            </a:r>
-            <a:r>
-              <a:rPr kumimoji="0" lang="nl-BE" sz="3600" b="1" kern="1200" dirty="0" smtClean="0">
-                <a:solidFill>
-                  <a:schemeClr val="accent1">
-                    <a:tint val="88000"/>
-                    <a:satMod val="150000"/>
-                  </a:schemeClr>
-                </a:solidFill>
-                <a:effectLst>
-                  <a:outerShdw blurRad="50800" dist="38100" algn="tr" rotWithShape="0">
-                    <a:prstClr val="black">
-                      <a:alpha val="40000"/>
-                    </a:prstClr>
-                  </a:outerShdw>
-                </a:effectLst>
-                <a:latin typeface="+mj-lt"/>
-                <a:ea typeface="+mj-ea"/>
-                <a:cs typeface="+mj-cs"/>
-              </a:rPr>
-              <a:t>: TeamCity</a:t>
+              <a:t>Buildserver: TeamCity</a:t>
             </a:r>
             <a:endParaRPr lang="en-US" dirty="0"/>
           </a:p>
@@ -25052,7 +25875,7 @@
 </p:sld>
 </file>
 
-<file path=ppt/slides/slide35.xml><?xml version="1.0" encoding="utf-8"?>
+<file path=ppt/slides/slide39.xml><?xml version="1.0" encoding="utf-8"?>
 <p:sld xmlns:a="http://schemas.openxmlformats.org/drawingml/2006/main" xmlns:r="http://schemas.openxmlformats.org/officeDocument/2006/relationships" xmlns:p="http://schemas.openxmlformats.org/presentationml/2006/main">
   <p:cSld>
     <p:spTree>
@@ -25651,7 +26474,104 @@
 </p:sld>
 </file>
 
-<file path=ppt/slides/slide36.xml><?xml version="1.0" encoding="utf-8"?>
+<file path=ppt/slides/slide4.xml><?xml version="1.0" encoding="utf-8"?>
+<p:sld xmlns:a="http://schemas.openxmlformats.org/drawingml/2006/main" xmlns:r="http://schemas.openxmlformats.org/officeDocument/2006/relationships" xmlns:p="http://schemas.openxmlformats.org/presentationml/2006/main">
+  <p:cSld>
+    <p:spTree>
+      <p:nvGrpSpPr>
+        <p:cNvPr id="1" name=""/>
+        <p:cNvGrpSpPr/>
+        <p:nvPr/>
+      </p:nvGrpSpPr>
+      <p:grpSpPr>
+        <a:xfrm>
+          <a:off x="0" y="0"/>
+          <a:ext cx="0" cy="0"/>
+          <a:chOff x="0" y="0"/>
+          <a:chExt cx="0" cy="0"/>
+        </a:xfrm>
+      </p:grpSpPr>
+      <p:pic>
+        <p:nvPicPr>
+          <p:cNvPr id="4" name="Picture 3"/>
+          <p:cNvPicPr/>
+          <p:nvPr/>
+        </p:nvPicPr>
+        <p:blipFill>
+          <a:blip r:embed="rId2"/>
+          <a:srcRect b="25272"/>
+          <a:stretch>
+            <a:fillRect/>
+          </a:stretch>
+        </p:blipFill>
+        <p:spPr bwMode="auto">
+          <a:xfrm>
+            <a:off x="1700234" y="538434"/>
+            <a:ext cx="5943600" cy="4533640"/>
+          </a:xfrm>
+          <a:prstGeom prst="rect">
+            <a:avLst/>
+          </a:prstGeom>
+          <a:ln>
+            <a:noFill/>
+          </a:ln>
+          <a:effectLst>
+            <a:outerShdw blurRad="190500" algn="tl" rotWithShape="0">
+              <a:srgbClr val="000000">
+                <a:alpha val="70000"/>
+              </a:srgbClr>
+            </a:outerShdw>
+          </a:effectLst>
+        </p:spPr>
+      </p:pic>
+      <p:sp>
+        <p:nvSpPr>
+          <p:cNvPr id="2" name="Title 1"/>
+          <p:cNvSpPr>
+            <a:spLocks noGrp="1"/>
+          </p:cNvSpPr>
+          <p:nvPr>
+            <p:ph type="title"/>
+          </p:nvPr>
+        </p:nvSpPr>
+        <p:spPr/>
+        <p:txBody>
+          <a:bodyPr>
+            <a:normAutofit fontScale="90000"/>
+          </a:bodyPr>
+          <a:lstStyle/>
+          <a:p>
+            <a:r>
+              <a:rPr lang="nl-BE" dirty="0" smtClean="0"/>
+              <a:t>Practices:</a:t>
+            </a:r>
+            <a:br>
+              <a:rPr lang="nl-BE" dirty="0" smtClean="0"/>
+            </a:br>
+            <a:r>
+              <a:rPr lang="nl-BE" dirty="0" smtClean="0"/>
+              <a:t>Specification by example</a:t>
+            </a:r>
+            <a:endParaRPr lang="en-US" dirty="0"/>
+          </a:p>
+        </p:txBody>
+      </p:sp>
+    </p:spTree>
+  </p:cSld>
+  <p:clrMapOvr>
+    <a:masterClrMapping/>
+  </p:clrMapOvr>
+  <p:timing>
+    <p:tnLst>
+      <p:par>
+        <p:cTn id="1" dur="indefinite" restart="never" nodeType="tmRoot"/>
+      </p:par>
+    </p:tnLst>
+  </p:timing>
+</p:sld>
+</file>
+
+<file path=ppt/slides/slide40.xml><?xml version="1.0" encoding="utf-8"?>
 <p:sld xmlns:a="http://schemas.openxmlformats.org/drawingml/2006/main" xmlns:r="http://schemas.openxmlformats.org/officeDocument/2006/relationships" xmlns:p="http://schemas.openxmlformats.org/presentationml/2006/main">
   <p:cSld>
     <p:spTree>
@@ -26377,111 +27297,6 @@
 </p:sld>
 </file>
 
-<file path=ppt/slides/slide4.xml><?xml version="1.0" encoding="utf-8"?>
-<p:sld xmlns:a="http://schemas.openxmlformats.org/drawingml/2006/main" xmlns:r="http://schemas.openxmlformats.org/officeDocument/2006/relationships" xmlns:p="http://schemas.openxmlformats.org/presentationml/2006/main">
-  <p:cSld>
-    <p:spTree>
-      <p:nvGrpSpPr>
-        <p:cNvPr id="1" name=""/>
-        <p:cNvGrpSpPr/>
-        <p:nvPr/>
-      </p:nvGrpSpPr>
-      <p:grpSpPr>
-        <a:xfrm>
-          <a:off x="0" y="0"/>
-          <a:ext cx="0" cy="0"/>
-          <a:chOff x="0" y="0"/>
-          <a:chExt cx="0" cy="0"/>
-        </a:xfrm>
-      </p:grpSpPr>
-      <p:pic>
-        <p:nvPicPr>
-          <p:cNvPr id="4" name="Picture 3"/>
-          <p:cNvPicPr/>
-          <p:nvPr/>
-        </p:nvPicPr>
-        <p:blipFill>
-          <a:blip r:embed="rId2"/>
-          <a:srcRect b="25272"/>
-          <a:stretch>
-            <a:fillRect/>
-          </a:stretch>
-        </p:blipFill>
-        <p:spPr bwMode="auto">
-          <a:xfrm>
-            <a:off x="1700234" y="538434"/>
-            <a:ext cx="5943600" cy="4533640"/>
-          </a:xfrm>
-          <a:prstGeom prst="rect">
-            <a:avLst/>
-          </a:prstGeom>
-          <a:ln>
-            <a:noFill/>
-          </a:ln>
-          <a:effectLst>
-            <a:outerShdw blurRad="190500" algn="tl" rotWithShape="0">
-              <a:srgbClr val="000000">
-                <a:alpha val="70000"/>
-              </a:srgbClr>
-            </a:outerShdw>
-          </a:effectLst>
-        </p:spPr>
-      </p:pic>
-      <p:sp>
-        <p:nvSpPr>
-          <p:cNvPr id="2" name="Title 1"/>
-          <p:cNvSpPr>
-            <a:spLocks noGrp="1"/>
-          </p:cNvSpPr>
-          <p:nvPr>
-            <p:ph type="title"/>
-          </p:nvPr>
-        </p:nvSpPr>
-        <p:spPr/>
-        <p:txBody>
-          <a:bodyPr>
-            <a:normAutofit fontScale="90000"/>
-          </a:bodyPr>
-          <a:lstStyle/>
-          <a:p>
-            <a:r>
-              <a:rPr lang="nl-BE" dirty="0" smtClean="0"/>
-              <a:t>Practices:</a:t>
-            </a:r>
-            <a:br>
-              <a:rPr lang="nl-BE" dirty="0" smtClean="0"/>
-            </a:br>
-            <a:r>
-              <a:rPr lang="nl-BE" dirty="0" smtClean="0"/>
-              <a:t>Specification </a:t>
-            </a:r>
-            <a:r>
-              <a:rPr lang="nl-BE" dirty="0" smtClean="0"/>
-              <a:t>by </a:t>
-            </a:r>
-            <a:r>
-              <a:rPr lang="nl-BE" dirty="0" smtClean="0"/>
-              <a:t>example</a:t>
-            </a:r>
-            <a:endParaRPr lang="en-US" dirty="0"/>
-          </a:p>
-        </p:txBody>
-      </p:sp>
-    </p:spTree>
-  </p:cSld>
-  <p:clrMapOvr>
-    <a:masterClrMapping/>
-  </p:clrMapOvr>
-  <p:timing>
-    <p:tnLst>
-      <p:par>
-        <p:cTn id="1" dur="indefinite" restart="never" nodeType="tmRoot"/>
-      </p:par>
-    </p:tnLst>
-  </p:timing>
-</p:sld>
-</file>
-
 <file path=ppt/slides/slide5.xml><?xml version="1.0" encoding="utf-8"?>
 <p:sld xmlns:a="http://schemas.openxmlformats.org/drawingml/2006/main" xmlns:r="http://schemas.openxmlformats.org/officeDocument/2006/relationships" xmlns:p="http://schemas.openxmlformats.org/presentationml/2006/main">
   <p:cSld>
@@ -26558,15 +27373,7 @@
             </a:br>
             <a:r>
               <a:rPr lang="nl-BE" dirty="0" smtClean="0"/>
-              <a:t>Specification </a:t>
-            </a:r>
-            <a:r>
-              <a:rPr lang="nl-BE" dirty="0" smtClean="0"/>
-              <a:t>by </a:t>
-            </a:r>
-            <a:r>
-              <a:rPr lang="nl-BE" dirty="0" smtClean="0"/>
-              <a:t>example</a:t>
+              <a:t>Specification by example</a:t>
             </a:r>
             <a:endParaRPr lang="en-US" dirty="0"/>
           </a:p>

--- a/slides/Technical Session/Lessons learned.pptx
+++ b/slides/Technical Session/Lessons learned.pptx
@@ -5,7 +5,7 @@
     <p:sldMasterId id="2147483708" r:id="rId1"/>
   </p:sldMasterIdLst>
   <p:notesMasterIdLst>
-    <p:notesMasterId r:id="rId42"/>
+    <p:notesMasterId r:id="rId43"/>
   </p:notesMasterIdLst>
   <p:sldIdLst>
     <p:sldId id="256" r:id="rId2"/>
@@ -34,20 +34,21 @@
     <p:sldId id="294" r:id="rId25"/>
     <p:sldId id="295" r:id="rId26"/>
     <p:sldId id="296" r:id="rId27"/>
-    <p:sldId id="290" r:id="rId28"/>
-    <p:sldId id="279" r:id="rId29"/>
-    <p:sldId id="280" r:id="rId30"/>
-    <p:sldId id="281" r:id="rId31"/>
-    <p:sldId id="282" r:id="rId32"/>
-    <p:sldId id="283" r:id="rId33"/>
-    <p:sldId id="284" r:id="rId34"/>
-    <p:sldId id="291" r:id="rId35"/>
-    <p:sldId id="271" r:id="rId36"/>
-    <p:sldId id="272" r:id="rId37"/>
-    <p:sldId id="273" r:id="rId38"/>
-    <p:sldId id="274" r:id="rId39"/>
-    <p:sldId id="275" r:id="rId40"/>
-    <p:sldId id="276" r:id="rId41"/>
+    <p:sldId id="297" r:id="rId28"/>
+    <p:sldId id="290" r:id="rId29"/>
+    <p:sldId id="279" r:id="rId30"/>
+    <p:sldId id="280" r:id="rId31"/>
+    <p:sldId id="281" r:id="rId32"/>
+    <p:sldId id="282" r:id="rId33"/>
+    <p:sldId id="283" r:id="rId34"/>
+    <p:sldId id="284" r:id="rId35"/>
+    <p:sldId id="291" r:id="rId36"/>
+    <p:sldId id="271" r:id="rId37"/>
+    <p:sldId id="272" r:id="rId38"/>
+    <p:sldId id="273" r:id="rId39"/>
+    <p:sldId id="274" r:id="rId40"/>
+    <p:sldId id="275" r:id="rId41"/>
+    <p:sldId id="276" r:id="rId42"/>
   </p:sldIdLst>
   <p:sldSz cx="9144000" cy="6858000" type="screen4x3"/>
   <p:notesSz cx="6858000" cy="9144000"/>
@@ -2996,9 +2997,9 @@
     <dgm:cxn modelId="{8BAE8E1E-B0DC-48A7-9BEA-483E4BFDE75D}" type="presOf" srcId="{89F4663A-CD05-4B85-BBCA-40FA831A1A8F}" destId="{3BA92C7C-5CB1-4570-8FA2-5F6671B46B59}" srcOrd="0" destOrd="0" presId="urn:microsoft.com/office/officeart/2005/8/layout/process1"/>
     <dgm:cxn modelId="{494A3215-675D-40FE-81AE-8F96C7890F23}" srcId="{39332B7E-DC53-4E39-8170-323651ED934E}" destId="{AFDF83D1-13E0-4D43-881B-4C6B983513A2}" srcOrd="2" destOrd="0" parTransId="{2F2F5AEA-A776-42D7-A1AE-A0D79D27C577}" sibTransId="{709EAEF6-2E0C-4FAC-A060-2D70E771541C}"/>
     <dgm:cxn modelId="{680EDD14-5D8D-4F98-BB21-F7357A768F58}" type="presOf" srcId="{39332B7E-DC53-4E39-8170-323651ED934E}" destId="{A42C128E-CC5D-4400-8C05-2AAD4ADDE6D2}" srcOrd="0" destOrd="0" presId="urn:microsoft.com/office/officeart/2005/8/layout/process1"/>
+    <dgm:cxn modelId="{4CB64A8E-32F3-46D3-8846-8CF92E5BC6C7}" type="presOf" srcId="{11DC3F5C-A4A2-407F-A072-A8F3225ADA2E}" destId="{E8C7D2B8-2EFE-491B-9120-598B54FDB279}" srcOrd="0" destOrd="0" presId="urn:microsoft.com/office/officeart/2005/8/layout/process1"/>
+    <dgm:cxn modelId="{6BE2F088-147E-4D7E-88C5-5486B6A249AA}" srcId="{39332B7E-DC53-4E39-8170-323651ED934E}" destId="{11DC3F5C-A4A2-407F-A072-A8F3225ADA2E}" srcOrd="1" destOrd="0" parTransId="{7CE32FAF-7C27-4F07-9CFD-29396FBE7109}" sibTransId="{98DF2911-A7F4-40F9-95B7-5A2749B23573}"/>
     <dgm:cxn modelId="{2C77AF61-53F0-4427-BAE1-191B78CA6480}" type="presOf" srcId="{366AF2CA-1E69-4291-A324-950482E12DD8}" destId="{E974E305-B093-4847-B674-96CD015141E0}" srcOrd="0" destOrd="0" presId="urn:microsoft.com/office/officeart/2005/8/layout/process1"/>
-    <dgm:cxn modelId="{6BE2F088-147E-4D7E-88C5-5486B6A249AA}" srcId="{39332B7E-DC53-4E39-8170-323651ED934E}" destId="{11DC3F5C-A4A2-407F-A072-A8F3225ADA2E}" srcOrd="1" destOrd="0" parTransId="{7CE32FAF-7C27-4F07-9CFD-29396FBE7109}" sibTransId="{98DF2911-A7F4-40F9-95B7-5A2749B23573}"/>
-    <dgm:cxn modelId="{4CB64A8E-32F3-46D3-8846-8CF92E5BC6C7}" type="presOf" srcId="{11DC3F5C-A4A2-407F-A072-A8F3225ADA2E}" destId="{E8C7D2B8-2EFE-491B-9120-598B54FDB279}" srcOrd="0" destOrd="0" presId="urn:microsoft.com/office/officeart/2005/8/layout/process1"/>
     <dgm:cxn modelId="{D3258751-8CD8-42C7-9C8D-78B70E2FB6A7}" type="presOf" srcId="{98DF2911-A7F4-40F9-95B7-5A2749B23573}" destId="{05F659E6-DE2E-4A9D-9F2C-38C149E7E7F9}" srcOrd="0" destOrd="0" presId="urn:microsoft.com/office/officeart/2005/8/layout/process1"/>
     <dgm:cxn modelId="{25CADF2C-5127-4D3F-9FE9-89EF699DA703}" type="presOf" srcId="{366AF2CA-1E69-4291-A324-950482E12DD8}" destId="{0DCC8B2A-85A5-4A3D-BF7B-23123E384DDA}" srcOrd="1" destOrd="0" presId="urn:microsoft.com/office/officeart/2005/8/layout/process1"/>
     <dgm:cxn modelId="{6D3FF21F-14FE-4E62-8D3A-92CBA747E71B}" srcId="{39332B7E-DC53-4E39-8170-323651ED934E}" destId="{89F4663A-CD05-4B85-BBCA-40FA831A1A8F}" srcOrd="0" destOrd="0" parTransId="{9C6F7918-3660-4369-A6C2-90E53184E84C}" sibTransId="{366AF2CA-1E69-4291-A324-950482E12DD8}"/>
@@ -11096,6 +11097,10 @@
           <a:bodyPr/>
           <a:lstStyle/>
           <a:p>
+            <a:r>
+              <a:rPr lang="nl-BE" dirty="0" smtClean="0"/>
+              <a:t>You don’t have to agree..</a:t>
+            </a:r>
             <a:endParaRPr lang="en-US" dirty="0"/>
           </a:p>
         </p:txBody>
@@ -13332,13 +13337,7 @@
               <a:rPr lang="en-US" sz="1400" dirty="0" smtClean="0">
                 <a:latin typeface="Consolas" pitchFamily="49" charset="0"/>
               </a:rPr>
-              <a:t> </a:t>
-            </a:r>
-            <a:r>
-              <a:rPr lang="en-US" sz="1400" dirty="0" smtClean="0">
-                <a:latin typeface="Consolas" pitchFamily="49" charset="0"/>
-              </a:rPr>
-              <a:t>Create(</a:t>
+              <a:t> Create(</a:t>
             </a:r>
             <a:r>
               <a:rPr lang="en-US" sz="1400" dirty="0" err="1" smtClean="0">
@@ -14751,7 +14750,11 @@
           <a:p>
             <a:r>
               <a:rPr lang="nl-BE" dirty="0" smtClean="0"/>
-              <a:t>Where the intelligence</a:t>
+              <a:t>... where </a:t>
+            </a:r>
+            <a:r>
+              <a:rPr lang="nl-BE" dirty="0" smtClean="0"/>
+              <a:t>the intelligence</a:t>
             </a:r>
             <a:r>
               <a:rPr lang="nl-BE" baseline="0" dirty="0" smtClean="0"/>
@@ -17525,13 +17528,7 @@
               <a:rPr lang="en-US" dirty="0" smtClean="0">
                 <a:latin typeface="Consolas" pitchFamily="49" charset="0"/>
               </a:rPr>
-              <a:t>      </a:t>
-            </a:r>
-            <a:r>
-              <a:rPr lang="en-US" dirty="0" smtClean="0">
-                <a:latin typeface="Consolas" pitchFamily="49" charset="0"/>
-              </a:rPr>
-              <a:t>.</a:t>
+              <a:t>      .</a:t>
             </a:r>
             <a:r>
               <a:rPr lang="en-US" dirty="0" err="1" smtClean="0">
@@ -18799,7 +18796,15 @@
           <a:p>
             <a:r>
               <a:rPr lang="nl-BE" dirty="0" smtClean="0"/>
-              <a:t>A happy side effect</a:t>
+              <a:t>... a</a:t>
+            </a:r>
+            <a:r>
+              <a:rPr lang="nl-BE" dirty="0" smtClean="0"/>
+              <a:t> </a:t>
+            </a:r>
+            <a:r>
+              <a:rPr lang="nl-BE" dirty="0" smtClean="0"/>
+              <a:t>happy side effect</a:t>
             </a:r>
             <a:endParaRPr lang="en-US" dirty="0"/>
           </a:p>
@@ -18877,11 +18882,15 @@
           <a:p>
             <a:r>
               <a:rPr lang="nl-BE" dirty="0" smtClean="0"/>
-              <a:t>Should</a:t>
+              <a:t>...should</a:t>
             </a:r>
             <a:r>
               <a:rPr lang="nl-BE" baseline="0" dirty="0" smtClean="0"/>
-              <a:t> drive the tools</a:t>
+              <a:t> </a:t>
+            </a:r>
+            <a:r>
+              <a:rPr lang="nl-BE" baseline="0" dirty="0" smtClean="0"/>
+              <a:t>drive the tools</a:t>
             </a:r>
             <a:endParaRPr lang="en-US" dirty="0"/>
           </a:p>
@@ -21083,7 +21092,7 @@
             <a:spLocks noGrp="1"/>
           </p:cNvSpPr>
           <p:nvPr>
-            <p:ph type="ctrTitle"/>
+            <p:ph type="title"/>
           </p:nvPr>
         </p:nvSpPr>
         <p:spPr/>
@@ -21093,30 +21102,93 @@
           <a:p>
             <a:r>
               <a:rPr lang="nl-BE" dirty="0" smtClean="0"/>
-              <a:t>Testing</a:t>
+              <a:t>Data:</a:t>
+            </a:r>
+            <a:r>
+              <a:rPr lang="nl-BE" baseline="0" dirty="0" smtClean="0"/>
+              <a:t> Migrations</a:t>
             </a:r>
             <a:endParaRPr lang="en-US" dirty="0"/>
           </a:p>
         </p:txBody>
       </p:sp>
+      <p:pic>
+        <p:nvPicPr>
+          <p:cNvPr id="2050" name="Picture 2"/>
+          <p:cNvPicPr>
+            <a:picLocks noChangeAspect="1" noChangeArrowheads="1"/>
+          </p:cNvPicPr>
+          <p:nvPr/>
+        </p:nvPicPr>
+        <p:blipFill>
+          <a:blip r:embed="rId2"/>
+          <a:srcRect/>
+          <a:stretch>
+            <a:fillRect/>
+          </a:stretch>
+        </p:blipFill>
+        <p:spPr bwMode="auto">
+          <a:xfrm>
+            <a:off x="776288" y="1076337"/>
+            <a:ext cx="7591425" cy="4067175"/>
+          </a:xfrm>
+          <a:prstGeom prst="rect">
+            <a:avLst/>
+          </a:prstGeom>
+          <a:noFill/>
+          <a:ln w="38100">
+            <a:solidFill>
+              <a:schemeClr val="accent6"/>
+            </a:solidFill>
+            <a:miter lim="800000"/>
+            <a:headEnd/>
+            <a:tailEnd/>
+          </a:ln>
+        </p:spPr>
+      </p:pic>
       <p:sp>
         <p:nvSpPr>
-          <p:cNvPr id="3" name="Subtitle 2"/>
-          <p:cNvSpPr>
-            <a:spLocks noGrp="1"/>
-          </p:cNvSpPr>
-          <p:nvPr>
-            <p:ph type="subTitle" idx="1"/>
-          </p:nvPr>
+          <p:cNvPr id="4" name="TextBox 3"/>
+          <p:cNvSpPr txBox="1"/>
+          <p:nvPr/>
         </p:nvSpPr>
-        <p:spPr/>
+        <p:spPr>
+          <a:xfrm>
+            <a:off x="7098767" y="702214"/>
+            <a:ext cx="1259447" cy="369332"/>
+          </a:xfrm>
+          <a:prstGeom prst="rect">
+            <a:avLst/>
+          </a:prstGeom>
+          <a:ln>
+            <a:noFill/>
+          </a:ln>
+        </p:spPr>
+        <p:style>
+          <a:lnRef idx="2">
+            <a:schemeClr val="accent6">
+              <a:shade val="50000"/>
+            </a:schemeClr>
+          </a:lnRef>
+          <a:fillRef idx="1">
+            <a:schemeClr val="accent6"/>
+          </a:fillRef>
+          <a:effectRef idx="0">
+            <a:schemeClr val="accent6"/>
+          </a:effectRef>
+          <a:fontRef idx="minor">
+            <a:schemeClr val="lt1"/>
+          </a:fontRef>
+        </p:style>
         <p:txBody>
-          <a:bodyPr/>
+          <a:bodyPr wrap="none" rtlCol="0">
+            <a:spAutoFit/>
+          </a:bodyPr>
           <a:lstStyle/>
           <a:p>
             <a:r>
               <a:rPr lang="nl-BE" dirty="0" smtClean="0"/>
-              <a:t>Building the system right</a:t>
+              <a:t>Migration</a:t>
             </a:r>
             <a:endParaRPr lang="en-US" dirty="0"/>
           </a:p>
@@ -21138,6 +21210,84 @@
 </file>
 
 <file path=ppt/slides/slide28.xml><?xml version="1.0" encoding="utf-8"?>
+<p:sld xmlns:a="http://schemas.openxmlformats.org/drawingml/2006/main" xmlns:r="http://schemas.openxmlformats.org/officeDocument/2006/relationships" xmlns:p="http://schemas.openxmlformats.org/presentationml/2006/main">
+  <p:cSld>
+    <p:spTree>
+      <p:nvGrpSpPr>
+        <p:cNvPr id="1" name=""/>
+        <p:cNvGrpSpPr/>
+        <p:nvPr/>
+      </p:nvGrpSpPr>
+      <p:grpSpPr>
+        <a:xfrm>
+          <a:off x="0" y="0"/>
+          <a:ext cx="0" cy="0"/>
+          <a:chOff x="0" y="0"/>
+          <a:chExt cx="0" cy="0"/>
+        </a:xfrm>
+      </p:grpSpPr>
+      <p:sp>
+        <p:nvSpPr>
+          <p:cNvPr id="2" name="Title 1"/>
+          <p:cNvSpPr>
+            <a:spLocks noGrp="1"/>
+          </p:cNvSpPr>
+          <p:nvPr>
+            <p:ph type="ctrTitle"/>
+          </p:nvPr>
+        </p:nvSpPr>
+        <p:spPr/>
+        <p:txBody>
+          <a:bodyPr/>
+          <a:lstStyle/>
+          <a:p>
+            <a:r>
+              <a:rPr lang="nl-BE" dirty="0" smtClean="0"/>
+              <a:t>Testing</a:t>
+            </a:r>
+            <a:endParaRPr lang="en-US" dirty="0"/>
+          </a:p>
+        </p:txBody>
+      </p:sp>
+      <p:sp>
+        <p:nvSpPr>
+          <p:cNvPr id="3" name="Subtitle 2"/>
+          <p:cNvSpPr>
+            <a:spLocks noGrp="1"/>
+          </p:cNvSpPr>
+          <p:nvPr>
+            <p:ph type="subTitle" idx="1"/>
+          </p:nvPr>
+        </p:nvSpPr>
+        <p:spPr/>
+        <p:txBody>
+          <a:bodyPr/>
+          <a:lstStyle/>
+          <a:p>
+            <a:r>
+              <a:rPr lang="nl-BE" dirty="0" smtClean="0"/>
+              <a:t>Building the system right</a:t>
+            </a:r>
+            <a:endParaRPr lang="en-US" dirty="0"/>
+          </a:p>
+        </p:txBody>
+      </p:sp>
+    </p:spTree>
+  </p:cSld>
+  <p:clrMapOvr>
+    <a:masterClrMapping/>
+  </p:clrMapOvr>
+  <p:timing>
+    <p:tnLst>
+      <p:par>
+        <p:cTn id="1" dur="indefinite" restart="never" nodeType="tmRoot"/>
+      </p:par>
+    </p:tnLst>
+  </p:timing>
+</p:sld>
+</file>
+
+<file path=ppt/slides/slide29.xml><?xml version="1.0" encoding="utf-8"?>
 <p:sld xmlns:a="http://schemas.openxmlformats.org/drawingml/2006/main" xmlns:r="http://schemas.openxmlformats.org/officeDocument/2006/relationships" xmlns:p="http://schemas.openxmlformats.org/presentationml/2006/main">
   <p:cSld>
     <p:spTree>
@@ -21802,7 +21952,87 @@
 </p:sld>
 </file>
 
-<file path=ppt/slides/slide29.xml><?xml version="1.0" encoding="utf-8"?>
+<file path=ppt/slides/slide3.xml><?xml version="1.0" encoding="utf-8"?>
+<p:sld xmlns:a="http://schemas.openxmlformats.org/drawingml/2006/main" xmlns:r="http://schemas.openxmlformats.org/officeDocument/2006/relationships" xmlns:p="http://schemas.openxmlformats.org/presentationml/2006/main">
+  <p:cSld>
+    <p:spTree>
+      <p:nvGrpSpPr>
+        <p:cNvPr id="1" name=""/>
+        <p:cNvGrpSpPr/>
+        <p:nvPr/>
+      </p:nvGrpSpPr>
+      <p:grpSpPr>
+        <a:xfrm>
+          <a:off x="0" y="0"/>
+          <a:ext cx="0" cy="0"/>
+          <a:chOff x="0" y="0"/>
+          <a:chExt cx="0" cy="0"/>
+        </a:xfrm>
+      </p:grpSpPr>
+      <p:sp>
+        <p:nvSpPr>
+          <p:cNvPr id="2" name="Title 1"/>
+          <p:cNvSpPr>
+            <a:spLocks noGrp="1"/>
+          </p:cNvSpPr>
+          <p:nvPr>
+            <p:ph type="title"/>
+          </p:nvPr>
+        </p:nvSpPr>
+        <p:spPr/>
+        <p:txBody>
+          <a:bodyPr>
+            <a:normAutofit/>
+          </a:bodyPr>
+          <a:lstStyle/>
+          <a:p>
+            <a:r>
+              <a:rPr lang="nl-BE" dirty="0" smtClean="0"/>
+              <a:t>Practices: Top-down design</a:t>
+            </a:r>
+            <a:endParaRPr lang="en-US" dirty="0"/>
+          </a:p>
+        </p:txBody>
+      </p:sp>
+      <p:pic>
+        <p:nvPicPr>
+          <p:cNvPr id="6" name="Content Placeholder 5" descr="FaktuurManagement.png"/>
+          <p:cNvPicPr>
+            <a:picLocks noGrp="1" noChangeAspect="1"/>
+          </p:cNvPicPr>
+          <p:nvPr>
+            <p:ph idx="1"/>
+          </p:nvPr>
+        </p:nvPicPr>
+        <p:blipFill>
+          <a:blip r:embed="rId2"/>
+          <a:stretch>
+            <a:fillRect/>
+          </a:stretch>
+        </p:blipFill>
+        <p:spPr>
+          <a:xfrm>
+            <a:off x="503238" y="759416"/>
+            <a:ext cx="8183562" cy="3729442"/>
+          </a:xfrm>
+        </p:spPr>
+      </p:pic>
+    </p:spTree>
+  </p:cSld>
+  <p:clrMapOvr>
+    <a:masterClrMapping/>
+  </p:clrMapOvr>
+  <p:timing>
+    <p:tnLst>
+      <p:par>
+        <p:cTn id="1" dur="indefinite" restart="never" nodeType="tmRoot"/>
+      </p:par>
+    </p:tnLst>
+  </p:timing>
+</p:sld>
+</file>
+
+<file path=ppt/slides/slide30.xml><?xml version="1.0" encoding="utf-8"?>
 <p:sld xmlns:a="http://schemas.openxmlformats.org/drawingml/2006/main" xmlns:r="http://schemas.openxmlformats.org/officeDocument/2006/relationships" xmlns:p="http://schemas.openxmlformats.org/presentationml/2006/main">
   <p:cSld>
     <p:spTree>
@@ -22451,87 +22681,7 @@
 </p:sld>
 </file>
 
-<file path=ppt/slides/slide3.xml><?xml version="1.0" encoding="utf-8"?>
-<p:sld xmlns:a="http://schemas.openxmlformats.org/drawingml/2006/main" xmlns:r="http://schemas.openxmlformats.org/officeDocument/2006/relationships" xmlns:p="http://schemas.openxmlformats.org/presentationml/2006/main">
-  <p:cSld>
-    <p:spTree>
-      <p:nvGrpSpPr>
-        <p:cNvPr id="1" name=""/>
-        <p:cNvGrpSpPr/>
-        <p:nvPr/>
-      </p:nvGrpSpPr>
-      <p:grpSpPr>
-        <a:xfrm>
-          <a:off x="0" y="0"/>
-          <a:ext cx="0" cy="0"/>
-          <a:chOff x="0" y="0"/>
-          <a:chExt cx="0" cy="0"/>
-        </a:xfrm>
-      </p:grpSpPr>
-      <p:sp>
-        <p:nvSpPr>
-          <p:cNvPr id="2" name="Title 1"/>
-          <p:cNvSpPr>
-            <a:spLocks noGrp="1"/>
-          </p:cNvSpPr>
-          <p:nvPr>
-            <p:ph type="title"/>
-          </p:nvPr>
-        </p:nvSpPr>
-        <p:spPr/>
-        <p:txBody>
-          <a:bodyPr>
-            <a:normAutofit/>
-          </a:bodyPr>
-          <a:lstStyle/>
-          <a:p>
-            <a:r>
-              <a:rPr lang="nl-BE" dirty="0" smtClean="0"/>
-              <a:t>Practices: Top-down design</a:t>
-            </a:r>
-            <a:endParaRPr lang="en-US" dirty="0"/>
-          </a:p>
-        </p:txBody>
-      </p:sp>
-      <p:pic>
-        <p:nvPicPr>
-          <p:cNvPr id="6" name="Content Placeholder 5" descr="FaktuurManagement.png"/>
-          <p:cNvPicPr>
-            <a:picLocks noGrp="1" noChangeAspect="1"/>
-          </p:cNvPicPr>
-          <p:nvPr>
-            <p:ph idx="1"/>
-          </p:nvPr>
-        </p:nvPicPr>
-        <p:blipFill>
-          <a:blip r:embed="rId2"/>
-          <a:stretch>
-            <a:fillRect/>
-          </a:stretch>
-        </p:blipFill>
-        <p:spPr>
-          <a:xfrm>
-            <a:off x="503238" y="759416"/>
-            <a:ext cx="8183562" cy="3729442"/>
-          </a:xfrm>
-        </p:spPr>
-      </p:pic>
-    </p:spTree>
-  </p:cSld>
-  <p:clrMapOvr>
-    <a:masterClrMapping/>
-  </p:clrMapOvr>
-  <p:timing>
-    <p:tnLst>
-      <p:par>
-        <p:cTn id="1" dur="indefinite" restart="never" nodeType="tmRoot"/>
-      </p:par>
-    </p:tnLst>
-  </p:timing>
-</p:sld>
-</file>
-
-<file path=ppt/slides/slide30.xml><?xml version="1.0" encoding="utf-8"?>
+<file path=ppt/slides/slide31.xml><?xml version="1.0" encoding="utf-8"?>
 <p:sld xmlns:a="http://schemas.openxmlformats.org/drawingml/2006/main" xmlns:r="http://schemas.openxmlformats.org/officeDocument/2006/relationships" xmlns:p="http://schemas.openxmlformats.org/presentationml/2006/main">
   <p:cSld>
     <p:spTree>
@@ -23094,7 +23244,7 @@
 </p:sld>
 </file>
 
-<file path=ppt/slides/slide31.xml><?xml version="1.0" encoding="utf-8"?>
+<file path=ppt/slides/slide32.xml><?xml version="1.0" encoding="utf-8"?>
 <p:sld xmlns:a="http://schemas.openxmlformats.org/drawingml/2006/main" xmlns:r="http://schemas.openxmlformats.org/officeDocument/2006/relationships" xmlns:p="http://schemas.openxmlformats.org/presentationml/2006/main">
   <p:cSld>
     <p:spTree>
@@ -23938,7 +24088,7 @@
 </p:sld>
 </file>
 
-<file path=ppt/slides/slide32.xml><?xml version="1.0" encoding="utf-8"?>
+<file path=ppt/slides/slide33.xml><?xml version="1.0" encoding="utf-8"?>
 <p:sld xmlns:a="http://schemas.openxmlformats.org/drawingml/2006/main" xmlns:r="http://schemas.openxmlformats.org/officeDocument/2006/relationships" xmlns:p="http://schemas.openxmlformats.org/presentationml/2006/main">
   <p:cSld>
     <p:spTree>
@@ -24758,7 +24908,7 @@
 </p:sld>
 </file>
 
-<file path=ppt/slides/slide33.xml><?xml version="1.0" encoding="utf-8"?>
+<file path=ppt/slides/slide34.xml><?xml version="1.0" encoding="utf-8"?>
 <p:sld xmlns:a="http://schemas.openxmlformats.org/drawingml/2006/main" xmlns:r="http://schemas.openxmlformats.org/officeDocument/2006/relationships" xmlns:p="http://schemas.openxmlformats.org/presentationml/2006/main">
   <p:cSld>
     <p:spTree>
@@ -25197,7 +25347,7 @@
 </p:sld>
 </file>
 
-<file path=ppt/slides/slide34.xml><?xml version="1.0" encoding="utf-8"?>
+<file path=ppt/slides/slide35.xml><?xml version="1.0" encoding="utf-8"?>
 <p:sld xmlns:a="http://schemas.openxmlformats.org/drawingml/2006/main" xmlns:r="http://schemas.openxmlformats.org/officeDocument/2006/relationships" xmlns:p="http://schemas.openxmlformats.org/presentationml/2006/main">
   <p:cSld>
     <p:spTree>
@@ -25268,94 +25418,6 @@
           </a:p>
         </p:txBody>
       </p:sp>
-    </p:spTree>
-  </p:cSld>
-  <p:clrMapOvr>
-    <a:masterClrMapping/>
-  </p:clrMapOvr>
-  <p:timing>
-    <p:tnLst>
-      <p:par>
-        <p:cTn id="1" dur="indefinite" restart="never" nodeType="tmRoot"/>
-      </p:par>
-    </p:tnLst>
-  </p:timing>
-</p:sld>
-</file>
-
-<file path=ppt/slides/slide35.xml><?xml version="1.0" encoding="utf-8"?>
-<p:sld xmlns:a="http://schemas.openxmlformats.org/drawingml/2006/main" xmlns:r="http://schemas.openxmlformats.org/officeDocument/2006/relationships" xmlns:p="http://schemas.openxmlformats.org/presentationml/2006/main">
-  <p:cSld>
-    <p:spTree>
-      <p:nvGrpSpPr>
-        <p:cNvPr id="1" name=""/>
-        <p:cNvGrpSpPr/>
-        <p:nvPr/>
-      </p:nvGrpSpPr>
-      <p:grpSpPr>
-        <a:xfrm>
-          <a:off x="0" y="0"/>
-          <a:ext cx="0" cy="0"/>
-          <a:chOff x="0" y="0"/>
-          <a:chExt cx="0" cy="0"/>
-        </a:xfrm>
-      </p:grpSpPr>
-      <p:sp>
-        <p:nvSpPr>
-          <p:cNvPr id="2" name="Title 1"/>
-          <p:cNvSpPr>
-            <a:spLocks noGrp="1"/>
-          </p:cNvSpPr>
-          <p:nvPr>
-            <p:ph type="title"/>
-          </p:nvPr>
-        </p:nvSpPr>
-        <p:spPr/>
-        <p:txBody>
-          <a:bodyPr>
-            <a:normAutofit/>
-          </a:bodyPr>
-          <a:lstStyle/>
-          <a:p>
-            <a:pPr lvl="0"/>
-            <a:r>
-              <a:rPr lang="nl-BE" dirty="0" smtClean="0"/>
-              <a:t>Buildserver: TeamCity</a:t>
-            </a:r>
-            <a:endParaRPr lang="en-US" dirty="0"/>
-          </a:p>
-        </p:txBody>
-      </p:sp>
-      <p:pic>
-        <p:nvPicPr>
-          <p:cNvPr id="4" name="Picture 3"/>
-          <p:cNvPicPr/>
-          <p:nvPr/>
-        </p:nvPicPr>
-        <p:blipFill>
-          <a:blip r:embed="rId2"/>
-          <a:srcRect/>
-          <a:stretch>
-            <a:fillRect/>
-          </a:stretch>
-        </p:blipFill>
-        <p:spPr bwMode="auto">
-          <a:xfrm>
-            <a:off x="500033" y="549126"/>
-            <a:ext cx="8084607" cy="3237064"/>
-          </a:xfrm>
-          <a:prstGeom prst="rect">
-            <a:avLst/>
-          </a:prstGeom>
-          <a:noFill/>
-          <a:ln w="9525">
-            <a:noFill/>
-            <a:miter lim="800000"/>
-            <a:headEnd/>
-            <a:tailEnd/>
-          </a:ln>
-        </p:spPr>
-      </p:pic>
     </p:spTree>
   </p:cSld>
   <p:clrMapOvr>
@@ -25407,24 +25469,7 @@
           <a:p>
             <a:pPr lvl="0"/>
             <a:r>
-              <a:rPr kumimoji="0" lang="nl-BE" sz="3600" b="1" kern="1200" dirty="0" smtClean="0">
-                <a:solidFill>
-                  <a:schemeClr val="accent1">
-                    <a:tint val="88000"/>
-                    <a:satMod val="150000"/>
-                  </a:schemeClr>
-                </a:solidFill>
-                <a:effectLst>
-                  <a:outerShdw blurRad="50800" dist="38100" algn="tr" rotWithShape="0">
-                    <a:prstClr val="black">
-                      <a:alpha val="40000"/>
-                    </a:prstClr>
-                  </a:outerShdw>
-                </a:effectLst>
-                <a:latin typeface="+mj-lt"/>
-                <a:ea typeface="+mj-ea"/>
-                <a:cs typeface="+mj-cs"/>
-              </a:rPr>
+              <a:rPr lang="nl-BE" dirty="0" smtClean="0"/>
               <a:t>Buildserver: TeamCity</a:t>
             </a:r>
             <a:endParaRPr lang="en-US" dirty="0"/>
@@ -25433,7 +25478,7 @@
       </p:sp>
       <p:pic>
         <p:nvPicPr>
-          <p:cNvPr id="5" name="Picture 4"/>
+          <p:cNvPr id="4" name="Picture 3"/>
           <p:cNvPicPr/>
           <p:nvPr/>
         </p:nvPicPr>
@@ -25446,8 +25491,8 @@
         </p:blipFill>
         <p:spPr bwMode="auto">
           <a:xfrm>
-            <a:off x="500033" y="571480"/>
-            <a:ext cx="8126799" cy="4071966"/>
+            <a:off x="500033" y="549126"/>
+            <a:ext cx="8084607" cy="3237064"/>
           </a:xfrm>
           <a:prstGeom prst="rect">
             <a:avLst/>
@@ -25538,6 +25583,111 @@
       </p:sp>
       <p:pic>
         <p:nvPicPr>
+          <p:cNvPr id="5" name="Picture 4"/>
+          <p:cNvPicPr/>
+          <p:nvPr/>
+        </p:nvPicPr>
+        <p:blipFill>
+          <a:blip r:embed="rId2"/>
+          <a:srcRect/>
+          <a:stretch>
+            <a:fillRect/>
+          </a:stretch>
+        </p:blipFill>
+        <p:spPr bwMode="auto">
+          <a:xfrm>
+            <a:off x="500033" y="571480"/>
+            <a:ext cx="8126799" cy="4071966"/>
+          </a:xfrm>
+          <a:prstGeom prst="rect">
+            <a:avLst/>
+          </a:prstGeom>
+          <a:noFill/>
+          <a:ln w="9525">
+            <a:noFill/>
+            <a:miter lim="800000"/>
+            <a:headEnd/>
+            <a:tailEnd/>
+          </a:ln>
+        </p:spPr>
+      </p:pic>
+    </p:spTree>
+  </p:cSld>
+  <p:clrMapOvr>
+    <a:masterClrMapping/>
+  </p:clrMapOvr>
+  <p:timing>
+    <p:tnLst>
+      <p:par>
+        <p:cTn id="1" dur="indefinite" restart="never" nodeType="tmRoot"/>
+      </p:par>
+    </p:tnLst>
+  </p:timing>
+</p:sld>
+</file>
+
+<file path=ppt/slides/slide38.xml><?xml version="1.0" encoding="utf-8"?>
+<p:sld xmlns:a="http://schemas.openxmlformats.org/drawingml/2006/main" xmlns:r="http://schemas.openxmlformats.org/officeDocument/2006/relationships" xmlns:p="http://schemas.openxmlformats.org/presentationml/2006/main">
+  <p:cSld>
+    <p:spTree>
+      <p:nvGrpSpPr>
+        <p:cNvPr id="1" name=""/>
+        <p:cNvGrpSpPr/>
+        <p:nvPr/>
+      </p:nvGrpSpPr>
+      <p:grpSpPr>
+        <a:xfrm>
+          <a:off x="0" y="0"/>
+          <a:ext cx="0" cy="0"/>
+          <a:chOff x="0" y="0"/>
+          <a:chExt cx="0" cy="0"/>
+        </a:xfrm>
+      </p:grpSpPr>
+      <p:sp>
+        <p:nvSpPr>
+          <p:cNvPr id="2" name="Title 1"/>
+          <p:cNvSpPr>
+            <a:spLocks noGrp="1"/>
+          </p:cNvSpPr>
+          <p:nvPr>
+            <p:ph type="title"/>
+          </p:nvPr>
+        </p:nvSpPr>
+        <p:spPr/>
+        <p:txBody>
+          <a:bodyPr>
+            <a:normAutofit/>
+          </a:bodyPr>
+          <a:lstStyle/>
+          <a:p>
+            <a:pPr lvl="0"/>
+            <a:r>
+              <a:rPr kumimoji="0" lang="nl-BE" sz="3600" b="1" kern="1200" dirty="0" smtClean="0">
+                <a:solidFill>
+                  <a:schemeClr val="accent1">
+                    <a:tint val="88000"/>
+                    <a:satMod val="150000"/>
+                  </a:schemeClr>
+                </a:solidFill>
+                <a:effectLst>
+                  <a:outerShdw blurRad="50800" dist="38100" algn="tr" rotWithShape="0">
+                    <a:prstClr val="black">
+                      <a:alpha val="40000"/>
+                    </a:prstClr>
+                  </a:outerShdw>
+                </a:effectLst>
+                <a:latin typeface="+mj-lt"/>
+                <a:ea typeface="+mj-ea"/>
+                <a:cs typeface="+mj-cs"/>
+              </a:rPr>
+              <a:t>Buildserver: TeamCity</a:t>
+            </a:r>
+            <a:endParaRPr lang="en-US" dirty="0"/>
+          </a:p>
+        </p:txBody>
+      </p:sp>
+      <p:pic>
+        <p:nvPicPr>
           <p:cNvPr id="6" name="Picture 5"/>
           <p:cNvPicPr/>
           <p:nvPr/>
@@ -25581,7 +25731,7 @@
 </p:sld>
 </file>
 
-<file path=ppt/slides/slide38.xml><?xml version="1.0" encoding="utf-8"?>
+<file path=ppt/slides/slide39.xml><?xml version="1.0" encoding="utf-8"?>
 <p:sld xmlns:a="http://schemas.openxmlformats.org/drawingml/2006/main" xmlns:r="http://schemas.openxmlformats.org/officeDocument/2006/relationships" xmlns:p="http://schemas.openxmlformats.org/presentationml/2006/main">
   <p:cSld>
     <p:spTree>
@@ -25875,7 +26025,104 @@
 </p:sld>
 </file>
 
-<file path=ppt/slides/slide39.xml><?xml version="1.0" encoding="utf-8"?>
+<file path=ppt/slides/slide4.xml><?xml version="1.0" encoding="utf-8"?>
+<p:sld xmlns:a="http://schemas.openxmlformats.org/drawingml/2006/main" xmlns:r="http://schemas.openxmlformats.org/officeDocument/2006/relationships" xmlns:p="http://schemas.openxmlformats.org/presentationml/2006/main">
+  <p:cSld>
+    <p:spTree>
+      <p:nvGrpSpPr>
+        <p:cNvPr id="1" name=""/>
+        <p:cNvGrpSpPr/>
+        <p:nvPr/>
+      </p:nvGrpSpPr>
+      <p:grpSpPr>
+        <a:xfrm>
+          <a:off x="0" y="0"/>
+          <a:ext cx="0" cy="0"/>
+          <a:chOff x="0" y="0"/>
+          <a:chExt cx="0" cy="0"/>
+        </a:xfrm>
+      </p:grpSpPr>
+      <p:pic>
+        <p:nvPicPr>
+          <p:cNvPr id="4" name="Picture 3"/>
+          <p:cNvPicPr/>
+          <p:nvPr/>
+        </p:nvPicPr>
+        <p:blipFill>
+          <a:blip r:embed="rId2"/>
+          <a:srcRect b="25272"/>
+          <a:stretch>
+            <a:fillRect/>
+          </a:stretch>
+        </p:blipFill>
+        <p:spPr bwMode="auto">
+          <a:xfrm>
+            <a:off x="1700234" y="538434"/>
+            <a:ext cx="5943600" cy="4533640"/>
+          </a:xfrm>
+          <a:prstGeom prst="rect">
+            <a:avLst/>
+          </a:prstGeom>
+          <a:ln>
+            <a:noFill/>
+          </a:ln>
+          <a:effectLst>
+            <a:outerShdw blurRad="190500" algn="tl" rotWithShape="0">
+              <a:srgbClr val="000000">
+                <a:alpha val="70000"/>
+              </a:srgbClr>
+            </a:outerShdw>
+          </a:effectLst>
+        </p:spPr>
+      </p:pic>
+      <p:sp>
+        <p:nvSpPr>
+          <p:cNvPr id="2" name="Title 1"/>
+          <p:cNvSpPr>
+            <a:spLocks noGrp="1"/>
+          </p:cNvSpPr>
+          <p:nvPr>
+            <p:ph type="title"/>
+          </p:nvPr>
+        </p:nvSpPr>
+        <p:spPr/>
+        <p:txBody>
+          <a:bodyPr>
+            <a:normAutofit fontScale="90000"/>
+          </a:bodyPr>
+          <a:lstStyle/>
+          <a:p>
+            <a:r>
+              <a:rPr lang="nl-BE" dirty="0" smtClean="0"/>
+              <a:t>Practices:</a:t>
+            </a:r>
+            <a:br>
+              <a:rPr lang="nl-BE" dirty="0" smtClean="0"/>
+            </a:br>
+            <a:r>
+              <a:rPr lang="nl-BE" dirty="0" smtClean="0"/>
+              <a:t>Specification by example</a:t>
+            </a:r>
+            <a:endParaRPr lang="en-US" dirty="0"/>
+          </a:p>
+        </p:txBody>
+      </p:sp>
+    </p:spTree>
+  </p:cSld>
+  <p:clrMapOvr>
+    <a:masterClrMapping/>
+  </p:clrMapOvr>
+  <p:timing>
+    <p:tnLst>
+      <p:par>
+        <p:cTn id="1" dur="indefinite" restart="never" nodeType="tmRoot"/>
+      </p:par>
+    </p:tnLst>
+  </p:timing>
+</p:sld>
+</file>
+
+<file path=ppt/slides/slide40.xml><?xml version="1.0" encoding="utf-8"?>
 <p:sld xmlns:a="http://schemas.openxmlformats.org/drawingml/2006/main" xmlns:r="http://schemas.openxmlformats.org/officeDocument/2006/relationships" xmlns:p="http://schemas.openxmlformats.org/presentationml/2006/main">
   <p:cSld>
     <p:spTree>
@@ -26474,104 +26721,7 @@
 </p:sld>
 </file>
 
-<file path=ppt/slides/slide4.xml><?xml version="1.0" encoding="utf-8"?>
-<p:sld xmlns:a="http://schemas.openxmlformats.org/drawingml/2006/main" xmlns:r="http://schemas.openxmlformats.org/officeDocument/2006/relationships" xmlns:p="http://schemas.openxmlformats.org/presentationml/2006/main">
-  <p:cSld>
-    <p:spTree>
-      <p:nvGrpSpPr>
-        <p:cNvPr id="1" name=""/>
-        <p:cNvGrpSpPr/>
-        <p:nvPr/>
-      </p:nvGrpSpPr>
-      <p:grpSpPr>
-        <a:xfrm>
-          <a:off x="0" y="0"/>
-          <a:ext cx="0" cy="0"/>
-          <a:chOff x="0" y="0"/>
-          <a:chExt cx="0" cy="0"/>
-        </a:xfrm>
-      </p:grpSpPr>
-      <p:pic>
-        <p:nvPicPr>
-          <p:cNvPr id="4" name="Picture 3"/>
-          <p:cNvPicPr/>
-          <p:nvPr/>
-        </p:nvPicPr>
-        <p:blipFill>
-          <a:blip r:embed="rId2"/>
-          <a:srcRect b="25272"/>
-          <a:stretch>
-            <a:fillRect/>
-          </a:stretch>
-        </p:blipFill>
-        <p:spPr bwMode="auto">
-          <a:xfrm>
-            <a:off x="1700234" y="538434"/>
-            <a:ext cx="5943600" cy="4533640"/>
-          </a:xfrm>
-          <a:prstGeom prst="rect">
-            <a:avLst/>
-          </a:prstGeom>
-          <a:ln>
-            <a:noFill/>
-          </a:ln>
-          <a:effectLst>
-            <a:outerShdw blurRad="190500" algn="tl" rotWithShape="0">
-              <a:srgbClr val="000000">
-                <a:alpha val="70000"/>
-              </a:srgbClr>
-            </a:outerShdw>
-          </a:effectLst>
-        </p:spPr>
-      </p:pic>
-      <p:sp>
-        <p:nvSpPr>
-          <p:cNvPr id="2" name="Title 1"/>
-          <p:cNvSpPr>
-            <a:spLocks noGrp="1"/>
-          </p:cNvSpPr>
-          <p:nvPr>
-            <p:ph type="title"/>
-          </p:nvPr>
-        </p:nvSpPr>
-        <p:spPr/>
-        <p:txBody>
-          <a:bodyPr>
-            <a:normAutofit fontScale="90000"/>
-          </a:bodyPr>
-          <a:lstStyle/>
-          <a:p>
-            <a:r>
-              <a:rPr lang="nl-BE" dirty="0" smtClean="0"/>
-              <a:t>Practices:</a:t>
-            </a:r>
-            <a:br>
-              <a:rPr lang="nl-BE" dirty="0" smtClean="0"/>
-            </a:br>
-            <a:r>
-              <a:rPr lang="nl-BE" dirty="0" smtClean="0"/>
-              <a:t>Specification by example</a:t>
-            </a:r>
-            <a:endParaRPr lang="en-US" dirty="0"/>
-          </a:p>
-        </p:txBody>
-      </p:sp>
-    </p:spTree>
-  </p:cSld>
-  <p:clrMapOvr>
-    <a:masterClrMapping/>
-  </p:clrMapOvr>
-  <p:timing>
-    <p:tnLst>
-      <p:par>
-        <p:cTn id="1" dur="indefinite" restart="never" nodeType="tmRoot"/>
-      </p:par>
-    </p:tnLst>
-  </p:timing>
-</p:sld>
-</file>
-
-<file path=ppt/slides/slide40.xml><?xml version="1.0" encoding="utf-8"?>
+<file path=ppt/slides/slide41.xml><?xml version="1.0" encoding="utf-8"?>
 <p:sld xmlns:a="http://schemas.openxmlformats.org/drawingml/2006/main" xmlns:r="http://schemas.openxmlformats.org/officeDocument/2006/relationships" xmlns:p="http://schemas.openxmlformats.org/presentationml/2006/main">
   <p:cSld>
     <p:spTree>
@@ -30003,28 +30153,6 @@
               <a:t>Practices: Readability</a:t>
             </a:r>
             <a:endParaRPr lang="en-US" dirty="0"/>
-          </a:p>
-        </p:txBody>
-      </p:sp>
-      <p:sp>
-        <p:nvSpPr>
-          <p:cNvPr id="3" name="Content Placeholder 2"/>
-          <p:cNvSpPr>
-            <a:spLocks noGrp="1"/>
-          </p:cNvSpPr>
-          <p:nvPr>
-            <p:ph idx="1"/>
-          </p:nvPr>
-        </p:nvSpPr>
-        <p:spPr/>
-        <p:txBody>
-          <a:bodyPr/>
-          <a:lstStyle/>
-          <a:p>
-            <a:r>
-              <a:rPr lang="nl-BE" dirty="0" smtClean="0"/>
-              <a:t>Extension methods and lambda expressions</a:t>
-            </a:r>
           </a:p>
         </p:txBody>
       </p:sp>

--- a/slides/Technical Session/Lessons learned.pptx
+++ b/slides/Technical Session/Lessons learned.pptx
@@ -2997,9 +2997,9 @@
     <dgm:cxn modelId="{8BAE8E1E-B0DC-48A7-9BEA-483E4BFDE75D}" type="presOf" srcId="{89F4663A-CD05-4B85-BBCA-40FA831A1A8F}" destId="{3BA92C7C-5CB1-4570-8FA2-5F6671B46B59}" srcOrd="0" destOrd="0" presId="urn:microsoft.com/office/officeart/2005/8/layout/process1"/>
     <dgm:cxn modelId="{494A3215-675D-40FE-81AE-8F96C7890F23}" srcId="{39332B7E-DC53-4E39-8170-323651ED934E}" destId="{AFDF83D1-13E0-4D43-881B-4C6B983513A2}" srcOrd="2" destOrd="0" parTransId="{2F2F5AEA-A776-42D7-A1AE-A0D79D27C577}" sibTransId="{709EAEF6-2E0C-4FAC-A060-2D70E771541C}"/>
     <dgm:cxn modelId="{680EDD14-5D8D-4F98-BB21-F7357A768F58}" type="presOf" srcId="{39332B7E-DC53-4E39-8170-323651ED934E}" destId="{A42C128E-CC5D-4400-8C05-2AAD4ADDE6D2}" srcOrd="0" destOrd="0" presId="urn:microsoft.com/office/officeart/2005/8/layout/process1"/>
+    <dgm:cxn modelId="{2C77AF61-53F0-4427-BAE1-191B78CA6480}" type="presOf" srcId="{366AF2CA-1E69-4291-A324-950482E12DD8}" destId="{E974E305-B093-4847-B674-96CD015141E0}" srcOrd="0" destOrd="0" presId="urn:microsoft.com/office/officeart/2005/8/layout/process1"/>
     <dgm:cxn modelId="{4CB64A8E-32F3-46D3-8846-8CF92E5BC6C7}" type="presOf" srcId="{11DC3F5C-A4A2-407F-A072-A8F3225ADA2E}" destId="{E8C7D2B8-2EFE-491B-9120-598B54FDB279}" srcOrd="0" destOrd="0" presId="urn:microsoft.com/office/officeart/2005/8/layout/process1"/>
     <dgm:cxn modelId="{6BE2F088-147E-4D7E-88C5-5486B6A249AA}" srcId="{39332B7E-DC53-4E39-8170-323651ED934E}" destId="{11DC3F5C-A4A2-407F-A072-A8F3225ADA2E}" srcOrd="1" destOrd="0" parTransId="{7CE32FAF-7C27-4F07-9CFD-29396FBE7109}" sibTransId="{98DF2911-A7F4-40F9-95B7-5A2749B23573}"/>
-    <dgm:cxn modelId="{2C77AF61-53F0-4427-BAE1-191B78CA6480}" type="presOf" srcId="{366AF2CA-1E69-4291-A324-950482E12DD8}" destId="{E974E305-B093-4847-B674-96CD015141E0}" srcOrd="0" destOrd="0" presId="urn:microsoft.com/office/officeart/2005/8/layout/process1"/>
     <dgm:cxn modelId="{D3258751-8CD8-42C7-9C8D-78B70E2FB6A7}" type="presOf" srcId="{98DF2911-A7F4-40F9-95B7-5A2749B23573}" destId="{05F659E6-DE2E-4A9D-9F2C-38C149E7E7F9}" srcOrd="0" destOrd="0" presId="urn:microsoft.com/office/officeart/2005/8/layout/process1"/>
     <dgm:cxn modelId="{25CADF2C-5127-4D3F-9FE9-89EF699DA703}" type="presOf" srcId="{366AF2CA-1E69-4291-A324-950482E12DD8}" destId="{0DCC8B2A-85A5-4A3D-BF7B-23123E384DDA}" srcOrd="1" destOrd="0" presId="urn:microsoft.com/office/officeart/2005/8/layout/process1"/>
     <dgm:cxn modelId="{6D3FF21F-14FE-4E62-8D3A-92CBA747E71B}" srcId="{39332B7E-DC53-4E39-8170-323651ED934E}" destId="{89F4663A-CD05-4B85-BBCA-40FA831A1A8F}" srcOrd="0" destOrd="0" parTransId="{9C6F7918-3660-4369-A6C2-90E53184E84C}" sibTransId="{366AF2CA-1E69-4291-A324-950482E12DD8}"/>
@@ -14750,11 +14750,7 @@
           <a:p>
             <a:r>
               <a:rPr lang="nl-BE" dirty="0" smtClean="0"/>
-              <a:t>... where </a:t>
-            </a:r>
-            <a:r>
-              <a:rPr lang="nl-BE" dirty="0" smtClean="0"/>
-              <a:t>the intelligence</a:t>
+              <a:t>... where the intelligence</a:t>
             </a:r>
             <a:r>
               <a:rPr lang="nl-BE" baseline="0" dirty="0" smtClean="0"/>
@@ -18796,15 +18792,7 @@
           <a:p>
             <a:r>
               <a:rPr lang="nl-BE" dirty="0" smtClean="0"/>
-              <a:t>... a</a:t>
-            </a:r>
-            <a:r>
-              <a:rPr lang="nl-BE" dirty="0" smtClean="0"/>
-              <a:t> </a:t>
-            </a:r>
-            <a:r>
-              <a:rPr lang="nl-BE" dirty="0" smtClean="0"/>
-              <a:t>happy side effect</a:t>
+              <a:t>... a happy side effect</a:t>
             </a:r>
             <a:endParaRPr lang="en-US" dirty="0"/>
           </a:p>
@@ -18886,11 +18874,7 @@
             </a:r>
             <a:r>
               <a:rPr lang="nl-BE" baseline="0" dirty="0" smtClean="0"/>
-              <a:t> </a:t>
-            </a:r>
-            <a:r>
-              <a:rPr lang="nl-BE" baseline="0" dirty="0" smtClean="0"/>
-              <a:t>drive the tools</a:t>
+              <a:t> drive the tools</a:t>
             </a:r>
             <a:endParaRPr lang="en-US" dirty="0"/>
           </a:p>
@@ -19226,41 +19210,6 @@
                                   </p:childTnLst>
                                 </p:cTn>
                               </p:par>
-                              <p:par>
-                                <p:cTn id="12" presetID="10" presetClass="entr" presetSubtype="0" fill="hold" grpId="0" nodeType="withEffect">
-                                  <p:stCondLst>
-                                    <p:cond delay="0"/>
-                                  </p:stCondLst>
-                                  <p:childTnLst>
-                                    <p:set>
-                                      <p:cBhvr>
-                                        <p:cTn id="13" dur="1" fill="hold">
-                                          <p:stCondLst>
-                                            <p:cond delay="0"/>
-                                          </p:stCondLst>
-                                        </p:cTn>
-                                        <p:tgtEl>
-                                          <p:spTgt spid="6"/>
-                                        </p:tgtEl>
-                                        <p:attrNameLst>
-                                          <p:attrName>style.visibility</p:attrName>
-                                        </p:attrNameLst>
-                                      </p:cBhvr>
-                                      <p:to>
-                                        <p:strVal val="visible"/>
-                                      </p:to>
-                                    </p:set>
-                                    <p:animEffect transition="in" filter="fade">
-                                      <p:cBhvr>
-                                        <p:cTn id="14" dur="500"/>
-                                        <p:tgtEl>
-                                          <p:spTgt spid="6"/>
-                                        </p:tgtEl>
-                                      </p:cBhvr>
-                                    </p:animEffect>
-                                  </p:childTnLst>
-                                </p:cTn>
-                              </p:par>
                             </p:childTnLst>
                           </p:cTn>
                         </p:par>
@@ -19290,7 +19239,6 @@
     </p:tnLst>
     <p:bldLst>
       <p:bldP spid="9" grpId="0" animBg="1"/>
-      <p:bldP spid="6" grpId="0" animBg="1"/>
     </p:bldLst>
   </p:timing>
 </p:sld>
@@ -19768,41 +19716,6 @@
                                   </p:childTnLst>
                                 </p:cTn>
                               </p:par>
-                              <p:par>
-                                <p:cTn id="19" presetID="10" presetClass="entr" presetSubtype="0" fill="hold" grpId="0" nodeType="withEffect">
-                                  <p:stCondLst>
-                                    <p:cond delay="0"/>
-                                  </p:stCondLst>
-                                  <p:childTnLst>
-                                    <p:set>
-                                      <p:cBhvr>
-                                        <p:cTn id="20" dur="1" fill="hold">
-                                          <p:stCondLst>
-                                            <p:cond delay="0"/>
-                                          </p:stCondLst>
-                                        </p:cTn>
-                                        <p:tgtEl>
-                                          <p:spTgt spid="9"/>
-                                        </p:tgtEl>
-                                        <p:attrNameLst>
-                                          <p:attrName>style.visibility</p:attrName>
-                                        </p:attrNameLst>
-                                      </p:cBhvr>
-                                      <p:to>
-                                        <p:strVal val="visible"/>
-                                      </p:to>
-                                    </p:set>
-                                    <p:animEffect transition="in" filter="fade">
-                                      <p:cBhvr>
-                                        <p:cTn id="21" dur="500"/>
-                                        <p:tgtEl>
-                                          <p:spTgt spid="9"/>
-                                        </p:tgtEl>
-                                      </p:cBhvr>
-                                    </p:animEffect>
-                                  </p:childTnLst>
-                                </p:cTn>
-                              </p:par>
                             </p:childTnLst>
                           </p:cTn>
                         </p:par>
@@ -19833,7 +19746,6 @@
     <p:bldLst>
       <p:bldP spid="8" grpId="0" animBg="1"/>
       <p:bldP spid="10" grpId="0" animBg="1"/>
-      <p:bldP spid="9" grpId="0" animBg="1"/>
     </p:bldLst>
   </p:timing>
 </p:sld>

--- a/slides/Technical Session/Lessons learned.pptx
+++ b/slides/Technical Session/Lessons learned.pptx
@@ -2997,9 +2997,9 @@
     <dgm:cxn modelId="{8BAE8E1E-B0DC-48A7-9BEA-483E4BFDE75D}" type="presOf" srcId="{89F4663A-CD05-4B85-BBCA-40FA831A1A8F}" destId="{3BA92C7C-5CB1-4570-8FA2-5F6671B46B59}" srcOrd="0" destOrd="0" presId="urn:microsoft.com/office/officeart/2005/8/layout/process1"/>
     <dgm:cxn modelId="{494A3215-675D-40FE-81AE-8F96C7890F23}" srcId="{39332B7E-DC53-4E39-8170-323651ED934E}" destId="{AFDF83D1-13E0-4D43-881B-4C6B983513A2}" srcOrd="2" destOrd="0" parTransId="{2F2F5AEA-A776-42D7-A1AE-A0D79D27C577}" sibTransId="{709EAEF6-2E0C-4FAC-A060-2D70E771541C}"/>
     <dgm:cxn modelId="{680EDD14-5D8D-4F98-BB21-F7357A768F58}" type="presOf" srcId="{39332B7E-DC53-4E39-8170-323651ED934E}" destId="{A42C128E-CC5D-4400-8C05-2AAD4ADDE6D2}" srcOrd="0" destOrd="0" presId="urn:microsoft.com/office/officeart/2005/8/layout/process1"/>
+    <dgm:cxn modelId="{6BE2F088-147E-4D7E-88C5-5486B6A249AA}" srcId="{39332B7E-DC53-4E39-8170-323651ED934E}" destId="{11DC3F5C-A4A2-407F-A072-A8F3225ADA2E}" srcOrd="1" destOrd="0" parTransId="{7CE32FAF-7C27-4F07-9CFD-29396FBE7109}" sibTransId="{98DF2911-A7F4-40F9-95B7-5A2749B23573}"/>
+    <dgm:cxn modelId="{4CB64A8E-32F3-46D3-8846-8CF92E5BC6C7}" type="presOf" srcId="{11DC3F5C-A4A2-407F-A072-A8F3225ADA2E}" destId="{E8C7D2B8-2EFE-491B-9120-598B54FDB279}" srcOrd="0" destOrd="0" presId="urn:microsoft.com/office/officeart/2005/8/layout/process1"/>
     <dgm:cxn modelId="{2C77AF61-53F0-4427-BAE1-191B78CA6480}" type="presOf" srcId="{366AF2CA-1E69-4291-A324-950482E12DD8}" destId="{E974E305-B093-4847-B674-96CD015141E0}" srcOrd="0" destOrd="0" presId="urn:microsoft.com/office/officeart/2005/8/layout/process1"/>
-    <dgm:cxn modelId="{4CB64A8E-32F3-46D3-8846-8CF92E5BC6C7}" type="presOf" srcId="{11DC3F5C-A4A2-407F-A072-A8F3225ADA2E}" destId="{E8C7D2B8-2EFE-491B-9120-598B54FDB279}" srcOrd="0" destOrd="0" presId="urn:microsoft.com/office/officeart/2005/8/layout/process1"/>
-    <dgm:cxn modelId="{6BE2F088-147E-4D7E-88C5-5486B6A249AA}" srcId="{39332B7E-DC53-4E39-8170-323651ED934E}" destId="{11DC3F5C-A4A2-407F-A072-A8F3225ADA2E}" srcOrd="1" destOrd="0" parTransId="{7CE32FAF-7C27-4F07-9CFD-29396FBE7109}" sibTransId="{98DF2911-A7F4-40F9-95B7-5A2749B23573}"/>
     <dgm:cxn modelId="{D3258751-8CD8-42C7-9C8D-78B70E2FB6A7}" type="presOf" srcId="{98DF2911-A7F4-40F9-95B7-5A2749B23573}" destId="{05F659E6-DE2E-4A9D-9F2C-38C149E7E7F9}" srcOrd="0" destOrd="0" presId="urn:microsoft.com/office/officeart/2005/8/layout/process1"/>
     <dgm:cxn modelId="{25CADF2C-5127-4D3F-9FE9-89EF699DA703}" type="presOf" srcId="{366AF2CA-1E69-4291-A324-950482E12DD8}" destId="{0DCC8B2A-85A5-4A3D-BF7B-23123E384DDA}" srcOrd="1" destOrd="0" presId="urn:microsoft.com/office/officeart/2005/8/layout/process1"/>
     <dgm:cxn modelId="{6D3FF21F-14FE-4E62-8D3A-92CBA747E71B}" srcId="{39332B7E-DC53-4E39-8170-323651ED934E}" destId="{89F4663A-CD05-4B85-BBCA-40FA831A1A8F}" srcOrd="0" destOrd="0" parTransId="{9C6F7918-3660-4369-A6C2-90E53184E84C}" sibTransId="{366AF2CA-1E69-4291-A324-950482E12DD8}"/>
@@ -6929,7 +6929,7 @@
             <a:fld id="{02F51393-7E35-4018-BC05-EF5CF32CD707}" type="datetimeFigureOut">
               <a:rPr lang="en-US" smtClean="0"/>
               <a:pPr/>
-              <a:t>6/18/2009</a:t>
+              <a:t>6/22/2009</a:t>
             </a:fld>
             <a:endParaRPr lang="en-US"/>
           </a:p>
@@ -7584,7 +7584,7 @@
             <a:fld id="{4103763D-A27D-454E-8A4F-CA208A7ACAEE}" type="datetimeFigureOut">
               <a:rPr lang="en-US" smtClean="0"/>
               <a:pPr/>
-              <a:t>6/18/2009</a:t>
+              <a:t>6/22/2009</a:t>
             </a:fld>
             <a:endParaRPr lang="en-US"/>
           </a:p>
@@ -7771,7 +7771,7 @@
             <a:fld id="{4103763D-A27D-454E-8A4F-CA208A7ACAEE}" type="datetimeFigureOut">
               <a:rPr lang="en-US" smtClean="0"/>
               <a:pPr/>
-              <a:t>6/18/2009</a:t>
+              <a:t>6/22/2009</a:t>
             </a:fld>
             <a:endParaRPr lang="en-US"/>
           </a:p>
@@ -7958,7 +7958,7 @@
             <a:fld id="{4103763D-A27D-454E-8A4F-CA208A7ACAEE}" type="datetimeFigureOut">
               <a:rPr lang="en-US" smtClean="0"/>
               <a:pPr/>
-              <a:t>6/18/2009</a:t>
+              <a:t>6/22/2009</a:t>
             </a:fld>
             <a:endParaRPr lang="en-US"/>
           </a:p>
@@ -8145,7 +8145,7 @@
             <a:fld id="{4103763D-A27D-454E-8A4F-CA208A7ACAEE}" type="datetimeFigureOut">
               <a:rPr lang="en-US" smtClean="0"/>
               <a:pPr/>
-              <a:t>6/18/2009</a:t>
+              <a:t>6/22/2009</a:t>
             </a:fld>
             <a:endParaRPr lang="en-US"/>
           </a:p>
@@ -8528,7 +8528,7 @@
             <a:fld id="{4103763D-A27D-454E-8A4F-CA208A7ACAEE}" type="datetimeFigureOut">
               <a:rPr lang="en-US" smtClean="0"/>
               <a:pPr/>
-              <a:t>6/18/2009</a:t>
+              <a:t>6/22/2009</a:t>
             </a:fld>
             <a:endParaRPr lang="en-US"/>
           </a:p>
@@ -8799,7 +8799,7 @@
             <a:fld id="{4103763D-A27D-454E-8A4F-CA208A7ACAEE}" type="datetimeFigureOut">
               <a:rPr lang="en-US" smtClean="0"/>
               <a:pPr/>
-              <a:t>6/18/2009</a:t>
+              <a:t>6/22/2009</a:t>
             </a:fld>
             <a:endParaRPr lang="en-US"/>
           </a:p>
@@ -9186,7 +9186,7 @@
             <a:fld id="{4103763D-A27D-454E-8A4F-CA208A7ACAEE}" type="datetimeFigureOut">
               <a:rPr lang="en-US" smtClean="0"/>
               <a:pPr/>
-              <a:t>6/18/2009</a:t>
+              <a:t>6/22/2009</a:t>
             </a:fld>
             <a:endParaRPr lang="en-US"/>
           </a:p>
@@ -9309,7 +9309,7 @@
             <a:fld id="{4103763D-A27D-454E-8A4F-CA208A7ACAEE}" type="datetimeFigureOut">
               <a:rPr lang="en-US" smtClean="0"/>
               <a:pPr/>
-              <a:t>6/18/2009</a:t>
+              <a:t>6/22/2009</a:t>
             </a:fld>
             <a:endParaRPr lang="en-US"/>
           </a:p>
@@ -9491,7 +9491,7 @@
             <a:fld id="{4103763D-A27D-454E-8A4F-CA208A7ACAEE}" type="datetimeFigureOut">
               <a:rPr lang="en-US" smtClean="0"/>
               <a:pPr/>
-              <a:t>6/18/2009</a:t>
+              <a:t>6/22/2009</a:t>
             </a:fld>
             <a:endParaRPr lang="en-US"/>
           </a:p>
@@ -9827,7 +9827,7 @@
             <a:fld id="{4103763D-A27D-454E-8A4F-CA208A7ACAEE}" type="datetimeFigureOut">
               <a:rPr lang="en-US" smtClean="0"/>
               <a:pPr/>
-              <a:t>6/18/2009</a:t>
+              <a:t>6/22/2009</a:t>
             </a:fld>
             <a:endParaRPr lang="en-US"/>
           </a:p>
@@ -10198,7 +10198,7 @@
             <a:fld id="{4103763D-A27D-454E-8A4F-CA208A7ACAEE}" type="datetimeFigureOut">
               <a:rPr lang="en-US" smtClean="0"/>
               <a:pPr/>
-              <a:t>6/18/2009</a:t>
+              <a:t>6/22/2009</a:t>
             </a:fld>
             <a:endParaRPr lang="en-US"/>
           </a:p>
@@ -10618,7 +10618,7 @@
             <a:fld id="{4103763D-A27D-454E-8A4F-CA208A7ACAEE}" type="datetimeFigureOut">
               <a:rPr lang="en-US" smtClean="0"/>
               <a:pPr/>
-              <a:t>6/18/2009</a:t>
+              <a:t>6/22/2009</a:t>
             </a:fld>
             <a:endParaRPr lang="en-US"/>
           </a:p>
@@ -14465,7 +14465,7 @@
                             </p:stCondLst>
                             <p:childTnLst>
                               <p:par>
-                                <p:cTn id="19" presetID="3" presetClass="entr" presetSubtype="10" fill="hold" grpId="0" nodeType="afterEffect">
+                                <p:cTn id="19" presetID="10" presetClass="entr" presetSubtype="0" fill="hold" grpId="0" nodeType="afterEffect">
                                   <p:stCondLst>
                                     <p:cond delay="0"/>
                                   </p:stCondLst>
@@ -14488,7 +14488,7 @@
                                         <p:strVal val="visible"/>
                                       </p:to>
                                     </p:set>
-                                    <p:animEffect transition="in" filter="blinds(horizontal)">
+                                    <p:animEffect transition="in" filter="fade">
                                       <p:cBhvr>
                                         <p:cTn id="21" dur="500"/>
                                         <p:tgtEl>
@@ -14587,24 +14587,15 @@
                                   </p:childTnLst>
                                 </p:cTn>
                               </p:par>
-                            </p:childTnLst>
-                          </p:cTn>
-                        </p:par>
-                        <p:par>
-                          <p:cTn id="30" fill="hold">
-                            <p:stCondLst>
-                              <p:cond delay="500"/>
-                            </p:stCondLst>
-                            <p:childTnLst>
                               <p:par>
-                                <p:cTn id="31" presetID="3" presetClass="entr" presetSubtype="10" fill="hold" grpId="0" nodeType="afterEffect">
+                                <p:cTn id="30" presetID="10" presetClass="entr" presetSubtype="0" fill="hold" grpId="0" nodeType="withEffect">
                                   <p:stCondLst>
                                     <p:cond delay="0"/>
                                   </p:stCondLst>
                                   <p:childTnLst>
                                     <p:set>
                                       <p:cBhvr>
-                                        <p:cTn id="32" dur="1" fill="hold">
+                                        <p:cTn id="31" dur="1" fill="hold">
                                           <p:stCondLst>
                                             <p:cond delay="0"/>
                                           </p:stCondLst>
@@ -14620,9 +14611,9 @@
                                         <p:strVal val="visible"/>
                                       </p:to>
                                     </p:set>
-                                    <p:animEffect transition="in" filter="blinds(horizontal)">
-                                      <p:cBhvr>
-                                        <p:cTn id="33" dur="500"/>
+                                    <p:animEffect transition="in" filter="fade">
+                                      <p:cBhvr>
+                                        <p:cTn id="32" dur="500"/>
                                         <p:tgtEl>
                                           <p:spTgt spid="13"/>
                                         </p:tgtEl>
@@ -14656,7 +14647,7 @@
             </p:seq>
             <p:video>
               <p:cMediaNode>
-                <p:cTn id="34" fill="hold" display="0">
+                <p:cTn id="33" fill="hold" display="0">
                   <p:stCondLst>
                     <p:cond delay="indefinite"/>
                   </p:stCondLst>
@@ -17061,7 +17052,19 @@
               <a:rPr lang="en-US" sz="1200" dirty="0" smtClean="0">
                 <a:latin typeface="Consolas" pitchFamily="49" charset="0"/>
               </a:rPr>
-              <a:t>        Datum = date;</a:t>
+              <a:t>        </a:t>
+            </a:r>
+            <a:r>
+              <a:rPr lang="en-US" sz="1200" dirty="0" smtClean="0">
+                <a:latin typeface="Consolas" pitchFamily="49" charset="0"/>
+              </a:rPr>
+              <a:t>Datum  </a:t>
+            </a:r>
+            <a:r>
+              <a:rPr lang="en-US" sz="1200" dirty="0" smtClean="0">
+                <a:latin typeface="Consolas" pitchFamily="49" charset="0"/>
+              </a:rPr>
+              <a:t>= date;</a:t>
             </a:r>
           </a:p>
           <a:p>
@@ -17134,15 +17137,19 @@
               <a:rPr lang="en-US" sz="1200" dirty="0" smtClean="0">
                 <a:latin typeface="Consolas" pitchFamily="49" charset="0"/>
               </a:rPr>
-              <a:t> Datum{ get; protected set; }</a:t>
-            </a:r>
-          </a:p>
-          <a:p>
+              <a:t> </a:t>
+            </a:r>
             <a:r>
               <a:rPr lang="en-US" sz="1200" dirty="0" smtClean="0">
                 <a:latin typeface="Consolas" pitchFamily="49" charset="0"/>
               </a:rPr>
-              <a:t>    public string Auteur { get; protected set; }</a:t>
+              <a:t>Datum { </a:t>
+            </a:r>
+            <a:r>
+              <a:rPr lang="en-US" sz="1200" dirty="0" smtClean="0">
+                <a:latin typeface="Consolas" pitchFamily="49" charset="0"/>
+              </a:rPr>
+              <a:t>get; protected set; }</a:t>
             </a:r>
           </a:p>
           <a:p>
@@ -17153,6 +17160,26 @@
               <a:t>    public string </a:t>
             </a:r>
             <a:r>
+              <a:rPr lang="en-US" sz="1200" dirty="0" smtClean="0">
+                <a:latin typeface="Consolas" pitchFamily="49" charset="0"/>
+              </a:rPr>
+              <a:t>Auteur  </a:t>
+            </a:r>
+            <a:r>
+              <a:rPr lang="en-US" sz="1200" dirty="0" smtClean="0">
+                <a:latin typeface="Consolas" pitchFamily="49" charset="0"/>
+              </a:rPr>
+              <a:t>{ get; protected set; }</a:t>
+            </a:r>
+          </a:p>
+          <a:p>
+            <a:r>
+              <a:rPr lang="en-US" sz="1200" dirty="0" smtClean="0">
+                <a:latin typeface="Consolas" pitchFamily="49" charset="0"/>
+              </a:rPr>
+              <a:t>    public string </a:t>
+            </a:r>
+            <a:r>
               <a:rPr lang="en-US" sz="1200" dirty="0" err="1" smtClean="0">
                 <a:latin typeface="Consolas" pitchFamily="49" charset="0"/>
               </a:rPr>
@@ -17162,7 +17189,19 @@
               <a:rPr lang="en-US" sz="1200" dirty="0" smtClean="0">
                 <a:latin typeface="Consolas" pitchFamily="49" charset="0"/>
               </a:rPr>
-              <a:t> { get; protected set; }}</a:t>
+              <a:t> </a:t>
+            </a:r>
+            <a:r>
+              <a:rPr lang="en-US" sz="1200" dirty="0" smtClean="0">
+                <a:latin typeface="Consolas" pitchFamily="49" charset="0"/>
+              </a:rPr>
+              <a:t> { </a:t>
+            </a:r>
+            <a:r>
+              <a:rPr lang="en-US" sz="1200" dirty="0" smtClean="0">
+                <a:latin typeface="Consolas" pitchFamily="49" charset="0"/>
+              </a:rPr>
+              <a:t>get; protected set; }}</a:t>
             </a:r>
           </a:p>
         </p:txBody>
@@ -17238,7 +17277,19 @@
               <a:rPr lang="en-US" sz="1200" dirty="0" smtClean="0">
                 <a:latin typeface="Consolas" pitchFamily="49" charset="0"/>
               </a:rPr>
-              <a:t>    public string Datum { get; set; }</a:t>
+              <a:t>    public string </a:t>
+            </a:r>
+            <a:r>
+              <a:rPr lang="en-US" sz="1200" dirty="0" smtClean="0">
+                <a:latin typeface="Consolas" pitchFamily="49" charset="0"/>
+              </a:rPr>
+              <a:t>Datum  </a:t>
+            </a:r>
+            <a:r>
+              <a:rPr lang="en-US" sz="1200" dirty="0" smtClean="0">
+                <a:latin typeface="Consolas" pitchFamily="49" charset="0"/>
+              </a:rPr>
+              <a:t>{ get; set; }</a:t>
             </a:r>
           </a:p>
           <a:p>
@@ -21918,14 +21969,15 @@
         </p:nvPicPr>
         <p:blipFill>
           <a:blip r:embed="rId2"/>
+          <a:srcRect r="27585"/>
           <a:stretch>
             <a:fillRect/>
           </a:stretch>
         </p:blipFill>
         <p:spPr>
           <a:xfrm>
-            <a:off x="503238" y="759416"/>
-            <a:ext cx="8183562" cy="3729442"/>
+            <a:off x="788990" y="642918"/>
+            <a:ext cx="7640662" cy="4808418"/>
           </a:xfrm>
         </p:spPr>
       </p:pic>
@@ -25382,7 +25434,7 @@
             <a:pPr lvl="0"/>
             <a:r>
               <a:rPr lang="nl-BE" dirty="0" smtClean="0"/>
-              <a:t>Buildserver: TeamCity</a:t>
+              <a:t>TeamCity: Overview</a:t>
             </a:r>
             <a:endParaRPr lang="en-US" dirty="0"/>
           </a:p>
@@ -25487,7 +25539,7 @@
                 <a:ea typeface="+mj-ea"/>
                 <a:cs typeface="+mj-cs"/>
               </a:rPr>
-              <a:t>Buildserver: TeamCity</a:t>
+              <a:t>TeamCity: Statistics</a:t>
             </a:r>
             <a:endParaRPr lang="en-US" dirty="0"/>
           </a:p>
@@ -25592,7 +25644,7 @@
                 <a:ea typeface="+mj-ea"/>
                 <a:cs typeface="+mj-cs"/>
               </a:rPr>
-              <a:t>Buildserver: TeamCity</a:t>
+              <a:t>TeamCity: Test details</a:t>
             </a:r>
             <a:endParaRPr lang="en-US" dirty="0"/>
           </a:p>
@@ -25793,7 +25845,7 @@
                 <a:ea typeface="+mj-ea"/>
                 <a:cs typeface="+mj-cs"/>
               </a:rPr>
-              <a:t>Buildserver: TeamCity</a:t>
+              <a:t>TeamCity: Artifacts</a:t>
             </a:r>
             <a:endParaRPr lang="en-US" dirty="0"/>
           </a:p>
@@ -26071,7 +26123,11 @@
             <a:pPr lvl="0"/>
             <a:r>
               <a:rPr lang="nl-BE" dirty="0" smtClean="0"/>
-              <a:t>ALM: Traditional approach</a:t>
+              <a:t>ALM: </a:t>
+            </a:r>
+            <a:r>
+              <a:rPr lang="nl-BE" dirty="0" smtClean="0"/>
+              <a:t>Traditional approach</a:t>
             </a:r>
             <a:endParaRPr lang="en-US" dirty="0"/>
           </a:p>

--- a/slides/Technical Session/Lessons learned.pptx
+++ b/slides/Technical Session/Lessons learned.pptx
@@ -2997,9 +2997,9 @@
     <dgm:cxn modelId="{8BAE8E1E-B0DC-48A7-9BEA-483E4BFDE75D}" type="presOf" srcId="{89F4663A-CD05-4B85-BBCA-40FA831A1A8F}" destId="{3BA92C7C-5CB1-4570-8FA2-5F6671B46B59}" srcOrd="0" destOrd="0" presId="urn:microsoft.com/office/officeart/2005/8/layout/process1"/>
     <dgm:cxn modelId="{494A3215-675D-40FE-81AE-8F96C7890F23}" srcId="{39332B7E-DC53-4E39-8170-323651ED934E}" destId="{AFDF83D1-13E0-4D43-881B-4C6B983513A2}" srcOrd="2" destOrd="0" parTransId="{2F2F5AEA-A776-42D7-A1AE-A0D79D27C577}" sibTransId="{709EAEF6-2E0C-4FAC-A060-2D70E771541C}"/>
     <dgm:cxn modelId="{680EDD14-5D8D-4F98-BB21-F7357A768F58}" type="presOf" srcId="{39332B7E-DC53-4E39-8170-323651ED934E}" destId="{A42C128E-CC5D-4400-8C05-2AAD4ADDE6D2}" srcOrd="0" destOrd="0" presId="urn:microsoft.com/office/officeart/2005/8/layout/process1"/>
+    <dgm:cxn modelId="{2C77AF61-53F0-4427-BAE1-191B78CA6480}" type="presOf" srcId="{366AF2CA-1E69-4291-A324-950482E12DD8}" destId="{E974E305-B093-4847-B674-96CD015141E0}" srcOrd="0" destOrd="0" presId="urn:microsoft.com/office/officeart/2005/8/layout/process1"/>
     <dgm:cxn modelId="{6BE2F088-147E-4D7E-88C5-5486B6A249AA}" srcId="{39332B7E-DC53-4E39-8170-323651ED934E}" destId="{11DC3F5C-A4A2-407F-A072-A8F3225ADA2E}" srcOrd="1" destOrd="0" parTransId="{7CE32FAF-7C27-4F07-9CFD-29396FBE7109}" sibTransId="{98DF2911-A7F4-40F9-95B7-5A2749B23573}"/>
     <dgm:cxn modelId="{4CB64A8E-32F3-46D3-8846-8CF92E5BC6C7}" type="presOf" srcId="{11DC3F5C-A4A2-407F-A072-A8F3225ADA2E}" destId="{E8C7D2B8-2EFE-491B-9120-598B54FDB279}" srcOrd="0" destOrd="0" presId="urn:microsoft.com/office/officeart/2005/8/layout/process1"/>
-    <dgm:cxn modelId="{2C77AF61-53F0-4427-BAE1-191B78CA6480}" type="presOf" srcId="{366AF2CA-1E69-4291-A324-950482E12DD8}" destId="{E974E305-B093-4847-B674-96CD015141E0}" srcOrd="0" destOrd="0" presId="urn:microsoft.com/office/officeart/2005/8/layout/process1"/>
     <dgm:cxn modelId="{D3258751-8CD8-42C7-9C8D-78B70E2FB6A7}" type="presOf" srcId="{98DF2911-A7F4-40F9-95B7-5A2749B23573}" destId="{05F659E6-DE2E-4A9D-9F2C-38C149E7E7F9}" srcOrd="0" destOrd="0" presId="urn:microsoft.com/office/officeart/2005/8/layout/process1"/>
     <dgm:cxn modelId="{25CADF2C-5127-4D3F-9FE9-89EF699DA703}" type="presOf" srcId="{366AF2CA-1E69-4291-A324-950482E12DD8}" destId="{0DCC8B2A-85A5-4A3D-BF7B-23123E384DDA}" srcOrd="1" destOrd="0" presId="urn:microsoft.com/office/officeart/2005/8/layout/process1"/>
     <dgm:cxn modelId="{6D3FF21F-14FE-4E62-8D3A-92CBA747E71B}" srcId="{39332B7E-DC53-4E39-8170-323651ED934E}" destId="{89F4663A-CD05-4B85-BBCA-40FA831A1A8F}" srcOrd="0" destOrd="0" parTransId="{9C6F7918-3660-4369-A6C2-90E53184E84C}" sibTransId="{366AF2CA-1E69-4291-A324-950482E12DD8}"/>
@@ -6929,7 +6929,7 @@
             <a:fld id="{02F51393-7E35-4018-BC05-EF5CF32CD707}" type="datetimeFigureOut">
               <a:rPr lang="en-US" smtClean="0"/>
               <a:pPr/>
-              <a:t>6/22/2009</a:t>
+              <a:t>6/23/2009</a:t>
             </a:fld>
             <a:endParaRPr lang="en-US"/>
           </a:p>
@@ -7584,7 +7584,7 @@
             <a:fld id="{4103763D-A27D-454E-8A4F-CA208A7ACAEE}" type="datetimeFigureOut">
               <a:rPr lang="en-US" smtClean="0"/>
               <a:pPr/>
-              <a:t>6/22/2009</a:t>
+              <a:t>6/23/2009</a:t>
             </a:fld>
             <a:endParaRPr lang="en-US"/>
           </a:p>
@@ -7771,7 +7771,7 @@
             <a:fld id="{4103763D-A27D-454E-8A4F-CA208A7ACAEE}" type="datetimeFigureOut">
               <a:rPr lang="en-US" smtClean="0"/>
               <a:pPr/>
-              <a:t>6/22/2009</a:t>
+              <a:t>6/23/2009</a:t>
             </a:fld>
             <a:endParaRPr lang="en-US"/>
           </a:p>
@@ -7958,7 +7958,7 @@
             <a:fld id="{4103763D-A27D-454E-8A4F-CA208A7ACAEE}" type="datetimeFigureOut">
               <a:rPr lang="en-US" smtClean="0"/>
               <a:pPr/>
-              <a:t>6/22/2009</a:t>
+              <a:t>6/23/2009</a:t>
             </a:fld>
             <a:endParaRPr lang="en-US"/>
           </a:p>
@@ -8145,7 +8145,7 @@
             <a:fld id="{4103763D-A27D-454E-8A4F-CA208A7ACAEE}" type="datetimeFigureOut">
               <a:rPr lang="en-US" smtClean="0"/>
               <a:pPr/>
-              <a:t>6/22/2009</a:t>
+              <a:t>6/23/2009</a:t>
             </a:fld>
             <a:endParaRPr lang="en-US"/>
           </a:p>
@@ -8528,7 +8528,7 @@
             <a:fld id="{4103763D-A27D-454E-8A4F-CA208A7ACAEE}" type="datetimeFigureOut">
               <a:rPr lang="en-US" smtClean="0"/>
               <a:pPr/>
-              <a:t>6/22/2009</a:t>
+              <a:t>6/23/2009</a:t>
             </a:fld>
             <a:endParaRPr lang="en-US"/>
           </a:p>
@@ -8799,7 +8799,7 @@
             <a:fld id="{4103763D-A27D-454E-8A4F-CA208A7ACAEE}" type="datetimeFigureOut">
               <a:rPr lang="en-US" smtClean="0"/>
               <a:pPr/>
-              <a:t>6/22/2009</a:t>
+              <a:t>6/23/2009</a:t>
             </a:fld>
             <a:endParaRPr lang="en-US"/>
           </a:p>
@@ -9186,7 +9186,7 @@
             <a:fld id="{4103763D-A27D-454E-8A4F-CA208A7ACAEE}" type="datetimeFigureOut">
               <a:rPr lang="en-US" smtClean="0"/>
               <a:pPr/>
-              <a:t>6/22/2009</a:t>
+              <a:t>6/23/2009</a:t>
             </a:fld>
             <a:endParaRPr lang="en-US"/>
           </a:p>
@@ -9309,7 +9309,7 @@
             <a:fld id="{4103763D-A27D-454E-8A4F-CA208A7ACAEE}" type="datetimeFigureOut">
               <a:rPr lang="en-US" smtClean="0"/>
               <a:pPr/>
-              <a:t>6/22/2009</a:t>
+              <a:t>6/23/2009</a:t>
             </a:fld>
             <a:endParaRPr lang="en-US"/>
           </a:p>
@@ -9491,7 +9491,7 @@
             <a:fld id="{4103763D-A27D-454E-8A4F-CA208A7ACAEE}" type="datetimeFigureOut">
               <a:rPr lang="en-US" smtClean="0"/>
               <a:pPr/>
-              <a:t>6/22/2009</a:t>
+              <a:t>6/23/2009</a:t>
             </a:fld>
             <a:endParaRPr lang="en-US"/>
           </a:p>
@@ -9827,7 +9827,7 @@
             <a:fld id="{4103763D-A27D-454E-8A4F-CA208A7ACAEE}" type="datetimeFigureOut">
               <a:rPr lang="en-US" smtClean="0"/>
               <a:pPr/>
-              <a:t>6/22/2009</a:t>
+              <a:t>6/23/2009</a:t>
             </a:fld>
             <a:endParaRPr lang="en-US"/>
           </a:p>
@@ -10198,7 +10198,7 @@
             <a:fld id="{4103763D-A27D-454E-8A4F-CA208A7ACAEE}" type="datetimeFigureOut">
               <a:rPr lang="en-US" smtClean="0"/>
               <a:pPr/>
-              <a:t>6/22/2009</a:t>
+              <a:t>6/23/2009</a:t>
             </a:fld>
             <a:endParaRPr lang="en-US"/>
           </a:p>
@@ -10618,7 +10618,7 @@
             <a:fld id="{4103763D-A27D-454E-8A4F-CA208A7ACAEE}" type="datetimeFigureOut">
               <a:rPr lang="en-US" smtClean="0"/>
               <a:pPr/>
-              <a:t>6/22/2009</a:t>
+              <a:t>6/23/2009</a:t>
             </a:fld>
             <a:endParaRPr lang="en-US"/>
           </a:p>
@@ -17052,19 +17052,7 @@
               <a:rPr lang="en-US" sz="1200" dirty="0" smtClean="0">
                 <a:latin typeface="Consolas" pitchFamily="49" charset="0"/>
               </a:rPr>
-              <a:t>        </a:t>
-            </a:r>
-            <a:r>
-              <a:rPr lang="en-US" sz="1200" dirty="0" smtClean="0">
-                <a:latin typeface="Consolas" pitchFamily="49" charset="0"/>
-              </a:rPr>
-              <a:t>Datum  </a:t>
-            </a:r>
-            <a:r>
-              <a:rPr lang="en-US" sz="1200" dirty="0" smtClean="0">
-                <a:latin typeface="Consolas" pitchFamily="49" charset="0"/>
-              </a:rPr>
-              <a:t>= date;</a:t>
+              <a:t>        Datum  = date;</a:t>
             </a:r>
           </a:p>
           <a:p>
@@ -17137,19 +17125,15 @@
               <a:rPr lang="en-US" sz="1200" dirty="0" smtClean="0">
                 <a:latin typeface="Consolas" pitchFamily="49" charset="0"/>
               </a:rPr>
-              <a:t> </a:t>
-            </a:r>
+              <a:t> Datum { get; protected set; }</a:t>
+            </a:r>
+          </a:p>
+          <a:p>
             <a:r>
               <a:rPr lang="en-US" sz="1200" dirty="0" smtClean="0">
                 <a:latin typeface="Consolas" pitchFamily="49" charset="0"/>
               </a:rPr>
-              <a:t>Datum { </a:t>
-            </a:r>
-            <a:r>
-              <a:rPr lang="en-US" sz="1200" dirty="0" smtClean="0">
-                <a:latin typeface="Consolas" pitchFamily="49" charset="0"/>
-              </a:rPr>
-              <a:t>get; protected set; }</a:t>
+              <a:t>    public string Auteur  { get; protected set; }</a:t>
             </a:r>
           </a:p>
           <a:p>
@@ -17160,26 +17144,6 @@
               <a:t>    public string </a:t>
             </a:r>
             <a:r>
-              <a:rPr lang="en-US" sz="1200" dirty="0" smtClean="0">
-                <a:latin typeface="Consolas" pitchFamily="49" charset="0"/>
-              </a:rPr>
-              <a:t>Auteur  </a:t>
-            </a:r>
-            <a:r>
-              <a:rPr lang="en-US" sz="1200" dirty="0" smtClean="0">
-                <a:latin typeface="Consolas" pitchFamily="49" charset="0"/>
-              </a:rPr>
-              <a:t>{ get; protected set; }</a:t>
-            </a:r>
-          </a:p>
-          <a:p>
-            <a:r>
-              <a:rPr lang="en-US" sz="1200" dirty="0" smtClean="0">
-                <a:latin typeface="Consolas" pitchFamily="49" charset="0"/>
-              </a:rPr>
-              <a:t>    public string </a:t>
-            </a:r>
-            <a:r>
               <a:rPr lang="en-US" sz="1200" dirty="0" err="1" smtClean="0">
                 <a:latin typeface="Consolas" pitchFamily="49" charset="0"/>
               </a:rPr>
@@ -17189,19 +17153,7 @@
               <a:rPr lang="en-US" sz="1200" dirty="0" smtClean="0">
                 <a:latin typeface="Consolas" pitchFamily="49" charset="0"/>
               </a:rPr>
-              <a:t> </a:t>
-            </a:r>
-            <a:r>
-              <a:rPr lang="en-US" sz="1200" dirty="0" smtClean="0">
-                <a:latin typeface="Consolas" pitchFamily="49" charset="0"/>
-              </a:rPr>
-              <a:t> { </a:t>
-            </a:r>
-            <a:r>
-              <a:rPr lang="en-US" sz="1200" dirty="0" smtClean="0">
-                <a:latin typeface="Consolas" pitchFamily="49" charset="0"/>
-              </a:rPr>
-              <a:t>get; protected set; }}</a:t>
+              <a:t>  { get; protected set; }}</a:t>
             </a:r>
           </a:p>
         </p:txBody>
@@ -17277,19 +17229,7 @@
               <a:rPr lang="en-US" sz="1200" dirty="0" smtClean="0">
                 <a:latin typeface="Consolas" pitchFamily="49" charset="0"/>
               </a:rPr>
-              <a:t>    public string </a:t>
-            </a:r>
-            <a:r>
-              <a:rPr lang="en-US" sz="1200" dirty="0" smtClean="0">
-                <a:latin typeface="Consolas" pitchFamily="49" charset="0"/>
-              </a:rPr>
-              <a:t>Datum  </a:t>
-            </a:r>
-            <a:r>
-              <a:rPr lang="en-US" sz="1200" dirty="0" smtClean="0">
-                <a:latin typeface="Consolas" pitchFamily="49" charset="0"/>
-              </a:rPr>
-              <a:t>{ get; set; }</a:t>
+              <a:t>    public string Datum  { get; set; }</a:t>
             </a:r>
           </a:p>
           <a:p>
@@ -17759,8 +17699,8 @@
         </p:nvSpPr>
         <p:spPr>
           <a:xfrm>
-            <a:off x="7500958" y="4214818"/>
-            <a:ext cx="1050288" cy="369332"/>
+            <a:off x="6096264" y="4214818"/>
+            <a:ext cx="2404826" cy="369332"/>
           </a:xfrm>
           <a:prstGeom prst="rect">
             <a:avLst/>
@@ -17793,7 +17733,7 @@
           <a:p>
             <a:r>
               <a:rPr lang="nl-BE" dirty="0" smtClean="0"/>
-              <a:t>Startup</a:t>
+              <a:t>Application Startup</a:t>
             </a:r>
             <a:endParaRPr lang="en-US" dirty="0"/>
           </a:p>
@@ -26123,11 +26063,7 @@
             <a:pPr lvl="0"/>
             <a:r>
               <a:rPr lang="nl-BE" dirty="0" smtClean="0"/>
-              <a:t>ALM: </a:t>
-            </a:r>
-            <a:r>
-              <a:rPr lang="nl-BE" dirty="0" smtClean="0"/>
-              <a:t>Traditional approach</a:t>
+              <a:t>ALM: Traditional approach</a:t>
             </a:r>
             <a:endParaRPr lang="en-US" dirty="0"/>
           </a:p>
